--- a/REPORT/Poster.pptx
+++ b/REPORT/Poster.pptx
@@ -243,7 +243,7 @@
           <a:p>
             <a:fld id="{A4900D08-14C1-4468-B21E-48F4F1A4C0FB}" type="datetimeFigureOut">
               <a:rPr lang="en-GB" smtClean="0"/>
-              <a:t>03/06/2018</a:t>
+              <a:t>04/06/2018</a:t>
             </a:fld>
             <a:endParaRPr lang="en-GB"/>
           </a:p>
@@ -413,7 +413,7 @@
           <a:p>
             <a:fld id="{A4900D08-14C1-4468-B21E-48F4F1A4C0FB}" type="datetimeFigureOut">
               <a:rPr lang="en-GB" smtClean="0"/>
-              <a:t>03/06/2018</a:t>
+              <a:t>04/06/2018</a:t>
             </a:fld>
             <a:endParaRPr lang="en-GB"/>
           </a:p>
@@ -593,7 +593,7 @@
           <a:p>
             <a:fld id="{A4900D08-14C1-4468-B21E-48F4F1A4C0FB}" type="datetimeFigureOut">
               <a:rPr lang="en-GB" smtClean="0"/>
-              <a:t>03/06/2018</a:t>
+              <a:t>04/06/2018</a:t>
             </a:fld>
             <a:endParaRPr lang="en-GB"/>
           </a:p>
@@ -763,7 +763,7 @@
           <a:p>
             <a:fld id="{A4900D08-14C1-4468-B21E-48F4F1A4C0FB}" type="datetimeFigureOut">
               <a:rPr lang="en-GB" smtClean="0"/>
-              <a:t>03/06/2018</a:t>
+              <a:t>04/06/2018</a:t>
             </a:fld>
             <a:endParaRPr lang="en-GB"/>
           </a:p>
@@ -1007,7 +1007,7 @@
           <a:p>
             <a:fld id="{A4900D08-14C1-4468-B21E-48F4F1A4C0FB}" type="datetimeFigureOut">
               <a:rPr lang="en-GB" smtClean="0"/>
-              <a:t>03/06/2018</a:t>
+              <a:t>04/06/2018</a:t>
             </a:fld>
             <a:endParaRPr lang="en-GB"/>
           </a:p>
@@ -1239,7 +1239,7 @@
           <a:p>
             <a:fld id="{A4900D08-14C1-4468-B21E-48F4F1A4C0FB}" type="datetimeFigureOut">
               <a:rPr lang="en-GB" smtClean="0"/>
-              <a:t>03/06/2018</a:t>
+              <a:t>04/06/2018</a:t>
             </a:fld>
             <a:endParaRPr lang="en-GB"/>
           </a:p>
@@ -1606,7 +1606,7 @@
           <a:p>
             <a:fld id="{A4900D08-14C1-4468-B21E-48F4F1A4C0FB}" type="datetimeFigureOut">
               <a:rPr lang="en-GB" smtClean="0"/>
-              <a:t>03/06/2018</a:t>
+              <a:t>04/06/2018</a:t>
             </a:fld>
             <a:endParaRPr lang="en-GB"/>
           </a:p>
@@ -1724,7 +1724,7 @@
           <a:p>
             <a:fld id="{A4900D08-14C1-4468-B21E-48F4F1A4C0FB}" type="datetimeFigureOut">
               <a:rPr lang="en-GB" smtClean="0"/>
-              <a:t>03/06/2018</a:t>
+              <a:t>04/06/2018</a:t>
             </a:fld>
             <a:endParaRPr lang="en-GB"/>
           </a:p>
@@ -1819,7 +1819,7 @@
           <a:p>
             <a:fld id="{A4900D08-14C1-4468-B21E-48F4F1A4C0FB}" type="datetimeFigureOut">
               <a:rPr lang="en-GB" smtClean="0"/>
-              <a:t>03/06/2018</a:t>
+              <a:t>04/06/2018</a:t>
             </a:fld>
             <a:endParaRPr lang="en-GB"/>
           </a:p>
@@ -2096,7 +2096,7 @@
           <a:p>
             <a:fld id="{A4900D08-14C1-4468-B21E-48F4F1A4C0FB}" type="datetimeFigureOut">
               <a:rPr lang="en-GB" smtClean="0"/>
-              <a:t>03/06/2018</a:t>
+              <a:t>04/06/2018</a:t>
             </a:fld>
             <a:endParaRPr lang="en-GB"/>
           </a:p>
@@ -2353,7 +2353,7 @@
           <a:p>
             <a:fld id="{A4900D08-14C1-4468-B21E-48F4F1A4C0FB}" type="datetimeFigureOut">
               <a:rPr lang="en-GB" smtClean="0"/>
-              <a:t>03/06/2018</a:t>
+              <a:t>04/06/2018</a:t>
             </a:fld>
             <a:endParaRPr lang="en-GB"/>
           </a:p>
@@ -2566,7 +2566,7 @@
           <a:p>
             <a:fld id="{A4900D08-14C1-4468-B21E-48F4F1A4C0FB}" type="datetimeFigureOut">
               <a:rPr lang="en-GB" smtClean="0"/>
-              <a:t>03/06/2018</a:t>
+              <a:t>04/06/2018</a:t>
             </a:fld>
             <a:endParaRPr lang="en-GB"/>
           </a:p>
@@ -2957,16 +2957,6 @@
 <file path=ppt/slides/slide1.xml><?xml version="1.0" encoding="utf-8"?>
 <p:sld xmlns:a="http://schemas.openxmlformats.org/drawingml/2006/main" xmlns:r="http://schemas.openxmlformats.org/officeDocument/2006/relationships" xmlns:p="http://schemas.openxmlformats.org/presentationml/2006/main">
   <p:cSld>
-    <p:bg>
-      <p:bgPr>
-        <a:solidFill>
-          <a:schemeClr val="bg1">
-            <a:lumMod val="95000"/>
-          </a:schemeClr>
-        </a:solidFill>
-        <a:effectLst/>
-      </p:bgPr>
-    </p:bg>
     <p:spTree>
       <p:nvGrpSpPr>
         <p:cNvPr id="1" name=""/>
@@ -3222,8 +3212,18 @@
           <a:p>
             <a:pPr algn="ctr"/>
             <a:r>
-              <a:rPr lang="en-GB" sz="4800" dirty="0"/>
-              <a:t>World Happiness – How happy was your country in 2015?</a:t>
+              <a:rPr lang="en-GB" sz="4800" b="1" dirty="0">
+                <a:latin typeface="Segoe UI Light" panose="020B0502040204020203" pitchFamily="34" charset="0"/>
+                <a:cs typeface="Segoe UI Light" panose="020B0502040204020203" pitchFamily="34" charset="0"/>
+              </a:rPr>
+              <a:t>World Happiness </a:t>
+            </a:r>
+            <a:r>
+              <a:rPr lang="en-GB" sz="4800" dirty="0">
+                <a:latin typeface="Segoe UI Light" panose="020B0502040204020203" pitchFamily="34" charset="0"/>
+                <a:cs typeface="Segoe UI Light" panose="020B0502040204020203" pitchFamily="34" charset="0"/>
+              </a:rPr>
+              <a:t>– How happy was your country in 2015?</a:t>
             </a:r>
           </a:p>
         </p:txBody>
@@ -3346,7 +3346,10 @@
           <a:p>
             <a:pPr algn="ctr"/>
             <a:r>
-              <a:rPr lang="en-GB" sz="3000" dirty="0"/>
+              <a:rPr lang="en-GB" sz="2800" dirty="0">
+                <a:latin typeface="Segoe UI Light" panose="020B0502040204020203" pitchFamily="34" charset="0"/>
+                <a:cs typeface="Segoe UI Light" panose="020B0502040204020203" pitchFamily="34" charset="0"/>
+              </a:rPr>
               <a:t>Dimension Reduction</a:t>
             </a:r>
           </a:p>
@@ -3398,7 +3401,10 @@
           <a:p>
             <a:pPr algn="ctr"/>
             <a:r>
-              <a:rPr lang="en-GB" sz="3000" dirty="0"/>
+              <a:rPr lang="en-GB" sz="2800" dirty="0">
+                <a:latin typeface="Segoe UI Light" panose="020B0502040204020203" pitchFamily="34" charset="0"/>
+                <a:cs typeface="Segoe UI Light" panose="020B0502040204020203" pitchFamily="34" charset="0"/>
+              </a:rPr>
               <a:t>Data Exploration</a:t>
             </a:r>
           </a:p>
@@ -3450,7 +3456,10 @@
           <a:p>
             <a:pPr algn="ctr"/>
             <a:r>
-              <a:rPr lang="en-GB" sz="3000" dirty="0"/>
+              <a:rPr lang="en-GB" sz="2800" dirty="0">
+                <a:latin typeface="Segoe UI Light" panose="020B0502040204020203" pitchFamily="34" charset="0"/>
+                <a:cs typeface="Segoe UI Light" panose="020B0502040204020203" pitchFamily="34" charset="0"/>
+              </a:rPr>
               <a:t>Cluster Analysis</a:t>
             </a:r>
           </a:p>
@@ -3502,7 +3511,10 @@
           <a:p>
             <a:pPr algn="ctr"/>
             <a:r>
-              <a:rPr lang="en-GB" sz="3000" dirty="0"/>
+              <a:rPr lang="en-GB" sz="2800" dirty="0">
+                <a:latin typeface="Segoe UI Light" panose="020B0502040204020203" pitchFamily="34" charset="0"/>
+                <a:cs typeface="Segoe UI Light" panose="020B0502040204020203" pitchFamily="34" charset="0"/>
+              </a:rPr>
               <a:t>Predictive Analysis</a:t>
             </a:r>
           </a:p>
@@ -3522,7 +3534,7 @@
           </p:cNvPicPr>
           <p:nvPr/>
         </p:nvPicPr>
-        <p:blipFill>
+        <p:blipFill rotWithShape="1">
           <a:blip r:embed="rId4">
             <a:extLst>
               <a:ext uri="{28A0092B-C50C-407E-A947-70E740481C1C}">
@@ -3530,14 +3542,13 @@
               </a:ext>
             </a:extLst>
           </a:blip>
-          <a:stretch>
-            <a:fillRect/>
-          </a:stretch>
+          <a:srcRect t="4800"/>
+          <a:stretch/>
         </p:blipFill>
         <p:spPr>
           <a:xfrm>
-            <a:off x="8444475" y="7449963"/>
-            <a:ext cx="5996484" cy="3241849"/>
+            <a:off x="5900257" y="4906298"/>
+            <a:ext cx="9237349" cy="4754231"/>
           </a:xfrm>
           <a:prstGeom prst="rect">
             <a:avLst/>
@@ -3558,8 +3569,8 @@
         </p:nvSpPr>
         <p:spPr>
           <a:xfrm>
-            <a:off x="1199095" y="3364230"/>
-            <a:ext cx="5429729" cy="1477328"/>
+            <a:off x="1154405" y="3075742"/>
+            <a:ext cx="5429729" cy="1446550"/>
           </a:xfrm>
           <a:prstGeom prst="rect">
             <a:avLst/>
@@ -3573,7 +3584,10 @@
           <a:lstStyle/>
           <a:p>
             <a:r>
-              <a:rPr lang="en-GB" dirty="0"/>
+              <a:rPr lang="en-GB" sz="1400" b="1" dirty="0">
+                <a:latin typeface="Segoe UI Light" panose="020B0502040204020203" pitchFamily="34" charset="0"/>
+                <a:cs typeface="Segoe UI Light" panose="020B0502040204020203" pitchFamily="34" charset="0"/>
+              </a:rPr>
               <a:t>Objective</a:t>
             </a:r>
           </a:p>
@@ -3583,7 +3597,10 @@
               <a:buChar char="•"/>
             </a:pPr>
             <a:r>
-              <a:rPr lang="en-GB" dirty="0"/>
+              <a:rPr lang="en-GB" sz="1400" dirty="0">
+                <a:latin typeface="Segoe UI Light" panose="020B0502040204020203" pitchFamily="34" charset="0"/>
+                <a:cs typeface="Segoe UI Light" panose="020B0502040204020203" pitchFamily="34" charset="0"/>
+              </a:rPr>
               <a:t>Analyse happiness around the world</a:t>
             </a:r>
           </a:p>
@@ -3593,7 +3610,10 @@
               <a:buChar char="•"/>
             </a:pPr>
             <a:r>
-              <a:rPr lang="en-GB" dirty="0"/>
+              <a:rPr lang="en-GB" sz="1400" dirty="0">
+                <a:latin typeface="Segoe UI Light" panose="020B0502040204020203" pitchFamily="34" charset="0"/>
+                <a:cs typeface="Segoe UI Light" panose="020B0502040204020203" pitchFamily="34" charset="0"/>
+              </a:rPr>
               <a:t>Discover the factors that influence happiness</a:t>
             </a:r>
           </a:p>
@@ -3603,8 +3623,11 @@
               <a:buChar char="•"/>
             </a:pPr>
             <a:r>
-              <a:rPr lang="en-GB" dirty="0"/>
-              <a:t>Prediction of happiness</a:t>
+              <a:rPr lang="en-GB" sz="1400" dirty="0">
+                <a:latin typeface="Segoe UI Light" panose="020B0502040204020203" pitchFamily="34" charset="0"/>
+                <a:cs typeface="Segoe UI Light" panose="020B0502040204020203" pitchFamily="34" charset="0"/>
+              </a:rPr>
+              <a:t>Which factors lead to high, mid or low happiness</a:t>
             </a:r>
           </a:p>
           <a:p>
@@ -3612,7 +3635,23 @@
               <a:buFont typeface="Arial" panose="020B0604020202020204" pitchFamily="34" charset="0"/>
               <a:buChar char="•"/>
             </a:pPr>
-            <a:endParaRPr lang="en-GB" dirty="0"/>
+            <a:r>
+              <a:rPr lang="en-GB" sz="1400" dirty="0">
+                <a:latin typeface="Segoe UI Light" panose="020B0502040204020203" pitchFamily="34" charset="0"/>
+                <a:cs typeface="Segoe UI Light" panose="020B0502040204020203" pitchFamily="34" charset="0"/>
+              </a:rPr>
+              <a:t>Prediction of happiness</a:t>
+            </a:r>
+          </a:p>
+          <a:p>
+            <a:pPr marL="285750" indent="-285750">
+              <a:buFont typeface="Arial" panose="020B0604020202020204" pitchFamily="34" charset="0"/>
+              <a:buChar char="•"/>
+            </a:pPr>
+            <a:endParaRPr lang="en-GB" dirty="0">
+              <a:latin typeface="Segoe UI Light" panose="020B0502040204020203" pitchFamily="34" charset="0"/>
+              <a:cs typeface="Segoe UI Light" panose="020B0502040204020203" pitchFamily="34" charset="0"/>
+            </a:endParaRPr>
           </a:p>
         </p:txBody>
       </p:sp>
@@ -3644,8 +3683,8 @@
         </p:blipFill>
         <p:spPr>
           <a:xfrm>
-            <a:off x="1045108" y="8306301"/>
-            <a:ext cx="3105237" cy="2007187"/>
+            <a:off x="1173952" y="7403762"/>
+            <a:ext cx="3333852" cy="2154961"/>
           </a:xfrm>
           <a:prstGeom prst="rect">
             <a:avLst/>
@@ -3680,7 +3719,7 @@
         </p:blipFill>
         <p:spPr>
           <a:xfrm>
-            <a:off x="4721391" y="8306300"/>
+            <a:off x="2898254" y="8535922"/>
             <a:ext cx="3105237" cy="2007187"/>
           </a:xfrm>
           <a:prstGeom prst="rect">
@@ -3688,113 +3727,6 @@
           </a:prstGeom>
         </p:spPr>
       </p:pic>
-      <p:pic>
-        <p:nvPicPr>
-          <p:cNvPr id="26" name="Grafik 25">
-            <a:extLst>
-              <a:ext uri="{FF2B5EF4-FFF2-40B4-BE49-F238E27FC236}">
-                <a16:creationId xmlns:a16="http://schemas.microsoft.com/office/drawing/2014/main" id="{F1B162E8-2DC4-44A8-8DEB-510335600C37}"/>
-              </a:ext>
-            </a:extLst>
-          </p:cNvPr>
-          <p:cNvPicPr>
-            <a:picLocks noChangeAspect="1"/>
-          </p:cNvPicPr>
-          <p:nvPr/>
-        </p:nvPicPr>
-        <p:blipFill>
-          <a:blip r:embed="rId7">
-            <a:extLst>
-              <a:ext uri="{28A0092B-C50C-407E-A947-70E740481C1C}">
-                <a14:useLocalDpi xmlns:a14="http://schemas.microsoft.com/office/drawing/2010/main" val="0"/>
-              </a:ext>
-            </a:extLst>
-          </a:blip>
-          <a:stretch>
-            <a:fillRect/>
-          </a:stretch>
-        </p:blipFill>
-        <p:spPr>
-          <a:xfrm>
-            <a:off x="2500877" y="4777408"/>
-            <a:ext cx="631386" cy="631386"/>
-          </a:xfrm>
-          <a:prstGeom prst="rect">
-            <a:avLst/>
-          </a:prstGeom>
-        </p:spPr>
-      </p:pic>
-      <p:pic>
-        <p:nvPicPr>
-          <p:cNvPr id="28" name="Grafik 27">
-            <a:extLst>
-              <a:ext uri="{FF2B5EF4-FFF2-40B4-BE49-F238E27FC236}">
-                <a16:creationId xmlns:a16="http://schemas.microsoft.com/office/drawing/2014/main" id="{33436A08-DE7E-47E9-8A53-7861273852F9}"/>
-              </a:ext>
-            </a:extLst>
-          </p:cNvPr>
-          <p:cNvPicPr>
-            <a:picLocks noChangeAspect="1"/>
-          </p:cNvPicPr>
-          <p:nvPr/>
-        </p:nvPicPr>
-        <p:blipFill>
-          <a:blip r:embed="rId8">
-            <a:extLst>
-              <a:ext uri="{28A0092B-C50C-407E-A947-70E740481C1C}">
-                <a14:useLocalDpi xmlns:a14="http://schemas.microsoft.com/office/drawing/2010/main" val="0"/>
-              </a:ext>
-            </a:extLst>
-          </a:blip>
-          <a:stretch>
-            <a:fillRect/>
-          </a:stretch>
-        </p:blipFill>
-        <p:spPr>
-          <a:xfrm>
-            <a:off x="1430341" y="4812214"/>
-            <a:ext cx="596580" cy="596580"/>
-          </a:xfrm>
-          <a:prstGeom prst="rect">
-            <a:avLst/>
-          </a:prstGeom>
-        </p:spPr>
-      </p:pic>
-      <p:sp>
-        <p:nvSpPr>
-          <p:cNvPr id="29" name="Textfeld 28">
-            <a:extLst>
-              <a:ext uri="{FF2B5EF4-FFF2-40B4-BE49-F238E27FC236}">
-                <a16:creationId xmlns:a16="http://schemas.microsoft.com/office/drawing/2014/main" id="{E5DE889C-57E3-494A-BAFA-52E50E5B90C1}"/>
-              </a:ext>
-            </a:extLst>
-          </p:cNvPr>
-          <p:cNvSpPr txBox="1"/>
-          <p:nvPr/>
-        </p:nvSpPr>
-        <p:spPr>
-          <a:xfrm>
-            <a:off x="1199095" y="5482302"/>
-            <a:ext cx="1435655" cy="307777"/>
-          </a:xfrm>
-          <a:prstGeom prst="rect">
-            <a:avLst/>
-          </a:prstGeom>
-          <a:noFill/>
-        </p:spPr>
-        <p:txBody>
-          <a:bodyPr wrap="square" rtlCol="0">
-            <a:spAutoFit/>
-          </a:bodyPr>
-          <a:lstStyle/>
-          <a:p>
-            <a:r>
-              <a:rPr lang="en-GB" sz="1400" dirty="0"/>
-              <a:t>Quality of Life</a:t>
-            </a:r>
-          </a:p>
-        </p:txBody>
-      </p:sp>
       <p:sp>
         <p:nvSpPr>
           <p:cNvPr id="30" name="Textfeld 29">
@@ -3809,8 +3741,8 @@
         </p:nvSpPr>
         <p:spPr>
           <a:xfrm>
-            <a:off x="6864233" y="3364230"/>
-            <a:ext cx="6039905" cy="1477328"/>
+            <a:off x="5414269" y="3071728"/>
+            <a:ext cx="6039905" cy="1169551"/>
           </a:xfrm>
           <a:prstGeom prst="rect">
             <a:avLst/>
@@ -3824,7 +3756,10 @@
           <a:lstStyle/>
           <a:p>
             <a:r>
-              <a:rPr lang="en-GB" dirty="0"/>
+              <a:rPr lang="en-GB" sz="1400" b="1" dirty="0">
+                <a:latin typeface="Segoe UI Light" panose="020B0502040204020203" pitchFamily="34" charset="0"/>
+                <a:cs typeface="Segoe UI Light" panose="020B0502040204020203" pitchFamily="34" charset="0"/>
+              </a:rPr>
               <a:t>Methodology</a:t>
             </a:r>
           </a:p>
@@ -3834,9 +3769,16 @@
               <a:buChar char="•"/>
             </a:pPr>
             <a:r>
-              <a:rPr lang="en-GB" dirty="0"/>
+              <a:rPr lang="en-GB" sz="1400" dirty="0">
+                <a:latin typeface="Segoe UI Light" panose="020B0502040204020203" pitchFamily="34" charset="0"/>
+                <a:cs typeface="Segoe UI Light" panose="020B0502040204020203" pitchFamily="34" charset="0"/>
+              </a:rPr>
               <a:t>Data preparation</a:t>
             </a:r>
+            <a:endParaRPr lang="en-GB" dirty="0">
+              <a:latin typeface="Segoe UI Light" panose="020B0502040204020203" pitchFamily="34" charset="0"/>
+              <a:cs typeface="Segoe UI Light" panose="020B0502040204020203" pitchFamily="34" charset="0"/>
+            </a:endParaRPr>
           </a:p>
           <a:p>
             <a:pPr marL="285750" lvl="0" indent="-285750" fontAlgn="ctr">
@@ -3844,7 +3786,10 @@
               <a:buChar char="•"/>
             </a:pPr>
             <a:r>
-              <a:rPr lang="en-GB" dirty="0"/>
+              <a:rPr lang="en-GB" sz="1400" dirty="0">
+                <a:latin typeface="Segoe UI Light" panose="020B0502040204020203" pitchFamily="34" charset="0"/>
+                <a:cs typeface="Segoe UI Light" panose="020B0502040204020203" pitchFamily="34" charset="0"/>
+              </a:rPr>
               <a:t>Dimension Reduction (PCA, FA)</a:t>
             </a:r>
           </a:p>
@@ -3854,7 +3799,10 @@
               <a:buChar char="•"/>
             </a:pPr>
             <a:r>
-              <a:rPr lang="en-GB" dirty="0"/>
+              <a:rPr lang="en-GB" sz="1400" dirty="0">
+                <a:latin typeface="Segoe UI Light" panose="020B0502040204020203" pitchFamily="34" charset="0"/>
+                <a:cs typeface="Segoe UI Light" panose="020B0502040204020203" pitchFamily="34" charset="0"/>
+              </a:rPr>
               <a:t>Clustering</a:t>
             </a:r>
           </a:p>
@@ -3864,7 +3812,10 @@
               <a:buChar char="•"/>
             </a:pPr>
             <a:r>
-              <a:rPr lang="en-GB" dirty="0"/>
+              <a:rPr lang="en-GB" sz="1400" dirty="0">
+                <a:latin typeface="Segoe UI Light" panose="020B0502040204020203" pitchFamily="34" charset="0"/>
+                <a:cs typeface="Segoe UI Light" panose="020B0502040204020203" pitchFamily="34" charset="0"/>
+              </a:rPr>
               <a:t>Regression</a:t>
             </a:r>
           </a:p>
@@ -3970,7 +3921,10 @@
           <a:p>
             <a:pPr algn="ctr"/>
             <a:r>
-              <a:rPr lang="en-GB" sz="3000" dirty="0"/>
+              <a:rPr lang="en-GB" sz="2800" dirty="0">
+                <a:latin typeface="Segoe UI Light" panose="020B0502040204020203" pitchFamily="34" charset="0"/>
+                <a:cs typeface="Segoe UI Light" panose="020B0502040204020203" pitchFamily="34" charset="0"/>
+              </a:rPr>
               <a:t>Discussion</a:t>
             </a:r>
           </a:p>
@@ -3982,6 +3936,78 @@
             <a:extLst>
               <a:ext uri="{FF2B5EF4-FFF2-40B4-BE49-F238E27FC236}">
                 <a16:creationId xmlns:a16="http://schemas.microsoft.com/office/drawing/2014/main" id="{9DA67AC0-A3DF-4F52-AE64-2A362962E258}"/>
+              </a:ext>
+            </a:extLst>
+          </p:cNvPr>
+          <p:cNvPicPr>
+            <a:picLocks noChangeAspect="1"/>
+          </p:cNvPicPr>
+          <p:nvPr/>
+        </p:nvPicPr>
+        <p:blipFill>
+          <a:blip r:embed="rId7">
+            <a:extLst>
+              <a:ext uri="{28A0092B-C50C-407E-A947-70E740481C1C}">
+                <a14:useLocalDpi xmlns:a14="http://schemas.microsoft.com/office/drawing/2010/main" val="0"/>
+              </a:ext>
+            </a:extLst>
+          </a:blip>
+          <a:stretch>
+            <a:fillRect/>
+          </a:stretch>
+        </p:blipFill>
+        <p:spPr>
+          <a:xfrm>
+            <a:off x="19896730" y="7802610"/>
+            <a:ext cx="3279072" cy="2119552"/>
+          </a:xfrm>
+          <a:prstGeom prst="rect">
+            <a:avLst/>
+          </a:prstGeom>
+        </p:spPr>
+      </p:pic>
+      <p:pic>
+        <p:nvPicPr>
+          <p:cNvPr id="36" name="Grafik 35">
+            <a:extLst>
+              <a:ext uri="{FF2B5EF4-FFF2-40B4-BE49-F238E27FC236}">
+                <a16:creationId xmlns:a16="http://schemas.microsoft.com/office/drawing/2014/main" id="{F0178204-FE16-4423-8F6D-DD211F9DB0E6}"/>
+              </a:ext>
+            </a:extLst>
+          </p:cNvPr>
+          <p:cNvPicPr>
+            <a:picLocks noChangeAspect="1"/>
+          </p:cNvPicPr>
+          <p:nvPr/>
+        </p:nvPicPr>
+        <p:blipFill>
+          <a:blip r:embed="rId8">
+            <a:extLst>
+              <a:ext uri="{28A0092B-C50C-407E-A947-70E740481C1C}">
+                <a14:useLocalDpi xmlns:a14="http://schemas.microsoft.com/office/drawing/2010/main" val="0"/>
+              </a:ext>
+            </a:extLst>
+          </a:blip>
+          <a:stretch>
+            <a:fillRect/>
+          </a:stretch>
+        </p:blipFill>
+        <p:spPr>
+          <a:xfrm>
+            <a:off x="16317761" y="7802610"/>
+            <a:ext cx="3758137" cy="2429214"/>
+          </a:xfrm>
+          <a:prstGeom prst="rect">
+            <a:avLst/>
+          </a:prstGeom>
+        </p:spPr>
+      </p:pic>
+      <p:pic>
+        <p:nvPicPr>
+          <p:cNvPr id="38" name="Grafik 37">
+            <a:extLst>
+              <a:ext uri="{FF2B5EF4-FFF2-40B4-BE49-F238E27FC236}">
+                <a16:creationId xmlns:a16="http://schemas.microsoft.com/office/drawing/2014/main" id="{5CE79735-B8A7-4590-BF7C-F8BD25B960D0}"/>
               </a:ext>
             </a:extLst>
           </p:cNvPr>
@@ -4004,8 +4030,8 @@
         </p:blipFill>
         <p:spPr>
           <a:xfrm>
-            <a:off x="19896730" y="7802610"/>
-            <a:ext cx="3279072" cy="2119552"/>
+            <a:off x="16084305" y="4439463"/>
+            <a:ext cx="2999223" cy="1938661"/>
           </a:xfrm>
           <a:prstGeom prst="rect">
             <a:avLst/>
@@ -4014,10 +4040,10 @@
       </p:pic>
       <p:pic>
         <p:nvPicPr>
-          <p:cNvPr id="36" name="Grafik 35">
+          <p:cNvPr id="40" name="Grafik 39">
             <a:extLst>
               <a:ext uri="{FF2B5EF4-FFF2-40B4-BE49-F238E27FC236}">
-                <a16:creationId xmlns:a16="http://schemas.microsoft.com/office/drawing/2014/main" id="{F0178204-FE16-4423-8F6D-DD211F9DB0E6}"/>
+                <a16:creationId xmlns:a16="http://schemas.microsoft.com/office/drawing/2014/main" id="{BBD6C20B-2412-4EEC-8E9B-08999B366A66}"/>
               </a:ext>
             </a:extLst>
           </p:cNvPr>
@@ -4040,78 +4066,6 @@
         </p:blipFill>
         <p:spPr>
           <a:xfrm>
-            <a:off x="16317761" y="7802610"/>
-            <a:ext cx="3758137" cy="2429214"/>
-          </a:xfrm>
-          <a:prstGeom prst="rect">
-            <a:avLst/>
-          </a:prstGeom>
-        </p:spPr>
-      </p:pic>
-      <p:pic>
-        <p:nvPicPr>
-          <p:cNvPr id="38" name="Grafik 37">
-            <a:extLst>
-              <a:ext uri="{FF2B5EF4-FFF2-40B4-BE49-F238E27FC236}">
-                <a16:creationId xmlns:a16="http://schemas.microsoft.com/office/drawing/2014/main" id="{5CE79735-B8A7-4590-BF7C-F8BD25B960D0}"/>
-              </a:ext>
-            </a:extLst>
-          </p:cNvPr>
-          <p:cNvPicPr>
-            <a:picLocks noChangeAspect="1"/>
-          </p:cNvPicPr>
-          <p:nvPr/>
-        </p:nvPicPr>
-        <p:blipFill>
-          <a:blip r:embed="rId11">
-            <a:extLst>
-              <a:ext uri="{28A0092B-C50C-407E-A947-70E740481C1C}">
-                <a14:useLocalDpi xmlns:a14="http://schemas.microsoft.com/office/drawing/2010/main" val="0"/>
-              </a:ext>
-            </a:extLst>
-          </a:blip>
-          <a:stretch>
-            <a:fillRect/>
-          </a:stretch>
-        </p:blipFill>
-        <p:spPr>
-          <a:xfrm>
-            <a:off x="16084305" y="4439463"/>
-            <a:ext cx="2999223" cy="1938661"/>
-          </a:xfrm>
-          <a:prstGeom prst="rect">
-            <a:avLst/>
-          </a:prstGeom>
-        </p:spPr>
-      </p:pic>
-      <p:pic>
-        <p:nvPicPr>
-          <p:cNvPr id="40" name="Grafik 39">
-            <a:extLst>
-              <a:ext uri="{FF2B5EF4-FFF2-40B4-BE49-F238E27FC236}">
-                <a16:creationId xmlns:a16="http://schemas.microsoft.com/office/drawing/2014/main" id="{BBD6C20B-2412-4EEC-8E9B-08999B366A66}"/>
-              </a:ext>
-            </a:extLst>
-          </p:cNvPr>
-          <p:cNvPicPr>
-            <a:picLocks noChangeAspect="1"/>
-          </p:cNvPicPr>
-          <p:nvPr/>
-        </p:nvPicPr>
-        <p:blipFill>
-          <a:blip r:embed="rId12">
-            <a:extLst>
-              <a:ext uri="{28A0092B-C50C-407E-A947-70E740481C1C}">
-                <a14:useLocalDpi xmlns:a14="http://schemas.microsoft.com/office/drawing/2010/main" val="0"/>
-              </a:ext>
-            </a:extLst>
-          </a:blip>
-          <a:stretch>
-            <a:fillRect/>
-          </a:stretch>
-        </p:blipFill>
-        <p:spPr>
-          <a:xfrm>
             <a:off x="23680348" y="7795561"/>
             <a:ext cx="4208851" cy="2429214"/>
           </a:xfrm>
@@ -4135,7 +4089,7 @@
           <p:nvPr/>
         </p:nvPicPr>
         <p:blipFill>
-          <a:blip r:embed="rId11">
+          <a:blip r:embed="rId9">
             <a:extLst>
               <a:ext uri="{28A0092B-C50C-407E-A947-70E740481C1C}">
                 <a14:useLocalDpi xmlns:a14="http://schemas.microsoft.com/office/drawing/2010/main" val="0"/>
@@ -4277,7 +4231,7 @@
           <p:nvPr/>
         </p:nvPicPr>
         <p:blipFill>
-          <a:blip r:embed="rId13"/>
+          <a:blip r:embed="rId11"/>
           <a:stretch>
             <a:fillRect/>
           </a:stretch>
@@ -4292,6 +4246,952 @@
           </a:prstGeom>
         </p:spPr>
       </p:pic>
+      <p:grpSp>
+        <p:nvGrpSpPr>
+          <p:cNvPr id="60" name="Gruppieren 59">
+            <a:extLst>
+              <a:ext uri="{FF2B5EF4-FFF2-40B4-BE49-F238E27FC236}">
+                <a16:creationId xmlns:a16="http://schemas.microsoft.com/office/drawing/2014/main" id="{D10844F2-DEB4-4F77-87E8-46F1D5686F33}"/>
+              </a:ext>
+            </a:extLst>
+          </p:cNvPr>
+          <p:cNvGrpSpPr/>
+          <p:nvPr/>
+        </p:nvGrpSpPr>
+        <p:grpSpPr>
+          <a:xfrm>
+            <a:off x="1066413" y="5026203"/>
+            <a:ext cx="1230938" cy="769520"/>
+            <a:chOff x="1066413" y="5029937"/>
+            <a:chExt cx="1230938" cy="769520"/>
+          </a:xfrm>
+        </p:grpSpPr>
+        <p:sp>
+          <p:nvSpPr>
+            <p:cNvPr id="29" name="Textfeld 28">
+              <a:extLst>
+                <a:ext uri="{FF2B5EF4-FFF2-40B4-BE49-F238E27FC236}">
+                  <a16:creationId xmlns:a16="http://schemas.microsoft.com/office/drawing/2014/main" id="{E5DE889C-57E3-494A-BAFA-52E50E5B90C1}"/>
+                </a:ext>
+              </a:extLst>
+            </p:cNvPr>
+            <p:cNvSpPr txBox="1"/>
+            <p:nvPr/>
+          </p:nvSpPr>
+          <p:spPr>
+            <a:xfrm>
+              <a:off x="1066413" y="5491680"/>
+              <a:ext cx="1230938" cy="307777"/>
+            </a:xfrm>
+            <a:prstGeom prst="rect">
+              <a:avLst/>
+            </a:prstGeom>
+            <a:noFill/>
+          </p:spPr>
+          <p:txBody>
+            <a:bodyPr wrap="square" rtlCol="0">
+              <a:spAutoFit/>
+            </a:bodyPr>
+            <a:lstStyle/>
+            <a:p>
+              <a:pPr algn="ctr"/>
+              <a:r>
+                <a:rPr lang="en-GB" sz="1400" dirty="0">
+                  <a:latin typeface="Segoe UI Light" panose="020B0502040204020203" pitchFamily="34" charset="0"/>
+                  <a:cs typeface="Segoe UI Light" panose="020B0502040204020203" pitchFamily="34" charset="0"/>
+                </a:rPr>
+                <a:t>Quality of Life</a:t>
+              </a:r>
+            </a:p>
+          </p:txBody>
+        </p:sp>
+        <p:pic>
+          <p:nvPicPr>
+            <p:cNvPr id="8" name="Grafik 7">
+              <a:extLst>
+                <a:ext uri="{FF2B5EF4-FFF2-40B4-BE49-F238E27FC236}">
+                  <a16:creationId xmlns:a16="http://schemas.microsoft.com/office/drawing/2014/main" id="{FA8DB1B3-C1FC-4D80-B7D9-DC9FB2AB892B}"/>
+                </a:ext>
+              </a:extLst>
+            </p:cNvPr>
+            <p:cNvPicPr>
+              <a:picLocks noChangeAspect="1"/>
+            </p:cNvPicPr>
+            <p:nvPr/>
+          </p:nvPicPr>
+          <p:blipFill>
+            <a:blip r:embed="rId12">
+              <a:extLst>
+                <a:ext uri="{28A0092B-C50C-407E-A947-70E740481C1C}">
+                  <a14:useLocalDpi xmlns:a14="http://schemas.microsoft.com/office/drawing/2010/main" val="0"/>
+                </a:ext>
+              </a:extLst>
+            </a:blip>
+            <a:stretch>
+              <a:fillRect/>
+            </a:stretch>
+          </p:blipFill>
+          <p:spPr>
+            <a:xfrm>
+              <a:off x="1381405" y="5029937"/>
+              <a:ext cx="540000" cy="540000"/>
+            </a:xfrm>
+            <a:prstGeom prst="rect">
+              <a:avLst/>
+            </a:prstGeom>
+          </p:spPr>
+        </p:pic>
+      </p:grpSp>
+      <p:grpSp>
+        <p:nvGrpSpPr>
+          <p:cNvPr id="59" name="Gruppieren 58">
+            <a:extLst>
+              <a:ext uri="{FF2B5EF4-FFF2-40B4-BE49-F238E27FC236}">
+                <a16:creationId xmlns:a16="http://schemas.microsoft.com/office/drawing/2014/main" id="{375C55B6-23D8-484F-A706-5E7A7A275E86}"/>
+              </a:ext>
+            </a:extLst>
+          </p:cNvPr>
+          <p:cNvGrpSpPr/>
+          <p:nvPr/>
+        </p:nvGrpSpPr>
+        <p:grpSpPr>
+          <a:xfrm>
+            <a:off x="2262305" y="5026204"/>
+            <a:ext cx="992676" cy="769519"/>
+            <a:chOff x="2380592" y="5029937"/>
+            <a:chExt cx="992676" cy="769519"/>
+          </a:xfrm>
+        </p:grpSpPr>
+        <p:pic>
+          <p:nvPicPr>
+            <p:cNvPr id="10" name="Grafik 9">
+              <a:extLst>
+                <a:ext uri="{FF2B5EF4-FFF2-40B4-BE49-F238E27FC236}">
+                  <a16:creationId xmlns:a16="http://schemas.microsoft.com/office/drawing/2014/main" id="{58355202-26FF-4542-8C17-F15901CAFECC}"/>
+                </a:ext>
+              </a:extLst>
+            </p:cNvPr>
+            <p:cNvPicPr>
+              <a:picLocks noChangeAspect="1"/>
+            </p:cNvPicPr>
+            <p:nvPr/>
+          </p:nvPicPr>
+          <p:blipFill>
+            <a:blip r:embed="rId13">
+              <a:extLst>
+                <a:ext uri="{28A0092B-C50C-407E-A947-70E740481C1C}">
+                  <a14:useLocalDpi xmlns:a14="http://schemas.microsoft.com/office/drawing/2010/main" val="0"/>
+                </a:ext>
+              </a:extLst>
+            </a:blip>
+            <a:stretch>
+              <a:fillRect/>
+            </a:stretch>
+          </p:blipFill>
+          <p:spPr>
+            <a:xfrm>
+              <a:off x="2609578" y="5029937"/>
+              <a:ext cx="540000" cy="540000"/>
+            </a:xfrm>
+            <a:prstGeom prst="rect">
+              <a:avLst/>
+            </a:prstGeom>
+          </p:spPr>
+        </p:pic>
+        <p:sp>
+          <p:nvSpPr>
+            <p:cNvPr id="37" name="Textfeld 36">
+              <a:extLst>
+                <a:ext uri="{FF2B5EF4-FFF2-40B4-BE49-F238E27FC236}">
+                  <a16:creationId xmlns:a16="http://schemas.microsoft.com/office/drawing/2014/main" id="{615A6FBA-07BA-4D8C-B894-793E5D3432BE}"/>
+                </a:ext>
+              </a:extLst>
+            </p:cNvPr>
+            <p:cNvSpPr txBox="1"/>
+            <p:nvPr/>
+          </p:nvSpPr>
+          <p:spPr>
+            <a:xfrm>
+              <a:off x="2380592" y="5491679"/>
+              <a:ext cx="992676" cy="307777"/>
+            </a:xfrm>
+            <a:prstGeom prst="rect">
+              <a:avLst/>
+            </a:prstGeom>
+            <a:noFill/>
+          </p:spPr>
+          <p:txBody>
+            <a:bodyPr wrap="square" rtlCol="0">
+              <a:spAutoFit/>
+            </a:bodyPr>
+            <a:lstStyle/>
+            <a:p>
+              <a:pPr algn="ctr"/>
+              <a:r>
+                <a:rPr lang="en-GB" sz="1400" dirty="0">
+                  <a:latin typeface="Segoe UI Light" panose="020B0502040204020203" pitchFamily="34" charset="0"/>
+                  <a:cs typeface="Segoe UI Light" panose="020B0502040204020203" pitchFamily="34" charset="0"/>
+                </a:rPr>
+                <a:t>Health</a:t>
+              </a:r>
+            </a:p>
+          </p:txBody>
+        </p:sp>
+      </p:grpSp>
+      <p:grpSp>
+        <p:nvGrpSpPr>
+          <p:cNvPr id="61" name="Gruppieren 60">
+            <a:extLst>
+              <a:ext uri="{FF2B5EF4-FFF2-40B4-BE49-F238E27FC236}">
+                <a16:creationId xmlns:a16="http://schemas.microsoft.com/office/drawing/2014/main" id="{138E6E19-B287-4F4E-BCE5-1188DF1E31A5}"/>
+              </a:ext>
+            </a:extLst>
+          </p:cNvPr>
+          <p:cNvGrpSpPr/>
+          <p:nvPr/>
+        </p:nvGrpSpPr>
+        <p:grpSpPr>
+          <a:xfrm>
+            <a:off x="3219935" y="5025327"/>
+            <a:ext cx="1230938" cy="771272"/>
+            <a:chOff x="3166969" y="5023841"/>
+            <a:chExt cx="1230938" cy="771272"/>
+          </a:xfrm>
+        </p:grpSpPr>
+        <p:pic>
+          <p:nvPicPr>
+            <p:cNvPr id="18" name="Grafik 17">
+              <a:extLst>
+                <a:ext uri="{FF2B5EF4-FFF2-40B4-BE49-F238E27FC236}">
+                  <a16:creationId xmlns:a16="http://schemas.microsoft.com/office/drawing/2014/main" id="{93953D04-E3B6-434B-A956-503DDDBEC0C7}"/>
+                </a:ext>
+              </a:extLst>
+            </p:cNvPr>
+            <p:cNvPicPr>
+              <a:picLocks noChangeAspect="1"/>
+            </p:cNvPicPr>
+            <p:nvPr/>
+          </p:nvPicPr>
+          <p:blipFill>
+            <a:blip r:embed="rId14">
+              <a:extLst>
+                <a:ext uri="{28A0092B-C50C-407E-A947-70E740481C1C}">
+                  <a14:useLocalDpi xmlns:a14="http://schemas.microsoft.com/office/drawing/2010/main" val="0"/>
+                </a:ext>
+              </a:extLst>
+            </a:blip>
+            <a:stretch>
+              <a:fillRect/>
+            </a:stretch>
+          </p:blipFill>
+          <p:spPr>
+            <a:xfrm>
+              <a:off x="3517711" y="5023841"/>
+              <a:ext cx="540000" cy="540000"/>
+            </a:xfrm>
+            <a:prstGeom prst="rect">
+              <a:avLst/>
+            </a:prstGeom>
+          </p:spPr>
+        </p:pic>
+        <p:sp>
+          <p:nvSpPr>
+            <p:cNvPr id="39" name="Textfeld 38">
+              <a:extLst>
+                <a:ext uri="{FF2B5EF4-FFF2-40B4-BE49-F238E27FC236}">
+                  <a16:creationId xmlns:a16="http://schemas.microsoft.com/office/drawing/2014/main" id="{713E46D4-7D41-4BA1-8676-96E58FAF443A}"/>
+                </a:ext>
+              </a:extLst>
+            </p:cNvPr>
+            <p:cNvSpPr txBox="1"/>
+            <p:nvPr/>
+          </p:nvSpPr>
+          <p:spPr>
+            <a:xfrm>
+              <a:off x="3166969" y="5487336"/>
+              <a:ext cx="1230938" cy="307777"/>
+            </a:xfrm>
+            <a:prstGeom prst="rect">
+              <a:avLst/>
+            </a:prstGeom>
+            <a:noFill/>
+          </p:spPr>
+          <p:txBody>
+            <a:bodyPr wrap="square" rtlCol="0">
+              <a:spAutoFit/>
+            </a:bodyPr>
+            <a:lstStyle/>
+            <a:p>
+              <a:pPr algn="ctr"/>
+              <a:r>
+                <a:rPr lang="en-GB" sz="1400" dirty="0">
+                  <a:latin typeface="Segoe UI Light" panose="020B0502040204020203" pitchFamily="34" charset="0"/>
+                  <a:cs typeface="Segoe UI Light" panose="020B0502040204020203" pitchFamily="34" charset="0"/>
+                </a:rPr>
+                <a:t>Population</a:t>
+              </a:r>
+            </a:p>
+          </p:txBody>
+        </p:sp>
+      </p:grpSp>
+      <p:grpSp>
+        <p:nvGrpSpPr>
+          <p:cNvPr id="58" name="Gruppieren 57">
+            <a:extLst>
+              <a:ext uri="{FF2B5EF4-FFF2-40B4-BE49-F238E27FC236}">
+                <a16:creationId xmlns:a16="http://schemas.microsoft.com/office/drawing/2014/main" id="{576F954D-C5C8-4DEF-B25F-08B48B725910}"/>
+              </a:ext>
+            </a:extLst>
+          </p:cNvPr>
+          <p:cNvGrpSpPr/>
+          <p:nvPr/>
+        </p:nvGrpSpPr>
+        <p:grpSpPr>
+          <a:xfrm>
+            <a:off x="4415826" y="5024641"/>
+            <a:ext cx="1230938" cy="772644"/>
+            <a:chOff x="4716983" y="5029937"/>
+            <a:chExt cx="1230938" cy="772644"/>
+          </a:xfrm>
+        </p:grpSpPr>
+        <p:pic>
+          <p:nvPicPr>
+            <p:cNvPr id="23" name="Grafik 22">
+              <a:extLst>
+                <a:ext uri="{FF2B5EF4-FFF2-40B4-BE49-F238E27FC236}">
+                  <a16:creationId xmlns:a16="http://schemas.microsoft.com/office/drawing/2014/main" id="{4F66B2D8-6D8F-45A5-9111-1AE2D7C0F09A}"/>
+                </a:ext>
+              </a:extLst>
+            </p:cNvPr>
+            <p:cNvPicPr>
+              <a:picLocks noChangeAspect="1"/>
+            </p:cNvPicPr>
+            <p:nvPr/>
+          </p:nvPicPr>
+          <p:blipFill>
+            <a:blip r:embed="rId15">
+              <a:extLst>
+                <a:ext uri="{28A0092B-C50C-407E-A947-70E740481C1C}">
+                  <a14:useLocalDpi xmlns:a14="http://schemas.microsoft.com/office/drawing/2010/main" val="0"/>
+                </a:ext>
+              </a:extLst>
+            </a:blip>
+            <a:stretch>
+              <a:fillRect/>
+            </a:stretch>
+          </p:blipFill>
+          <p:spPr>
+            <a:xfrm>
+              <a:off x="5065923" y="5029937"/>
+              <a:ext cx="540000" cy="540000"/>
+            </a:xfrm>
+            <a:prstGeom prst="rect">
+              <a:avLst/>
+            </a:prstGeom>
+          </p:spPr>
+        </p:pic>
+        <p:sp>
+          <p:nvSpPr>
+            <p:cNvPr id="44" name="Textfeld 43">
+              <a:extLst>
+                <a:ext uri="{FF2B5EF4-FFF2-40B4-BE49-F238E27FC236}">
+                  <a16:creationId xmlns:a16="http://schemas.microsoft.com/office/drawing/2014/main" id="{0F35411B-4874-416F-A88C-0282D00FEA12}"/>
+                </a:ext>
+              </a:extLst>
+            </p:cNvPr>
+            <p:cNvSpPr txBox="1"/>
+            <p:nvPr/>
+          </p:nvSpPr>
+          <p:spPr>
+            <a:xfrm>
+              <a:off x="4716983" y="5494804"/>
+              <a:ext cx="1230938" cy="307777"/>
+            </a:xfrm>
+            <a:prstGeom prst="rect">
+              <a:avLst/>
+            </a:prstGeom>
+            <a:noFill/>
+          </p:spPr>
+          <p:txBody>
+            <a:bodyPr wrap="square" rtlCol="0">
+              <a:spAutoFit/>
+            </a:bodyPr>
+            <a:lstStyle/>
+            <a:p>
+              <a:pPr algn="ctr"/>
+              <a:r>
+                <a:rPr lang="en-GB" sz="1400" dirty="0">
+                  <a:latin typeface="Segoe UI Light" panose="020B0502040204020203" pitchFamily="34" charset="0"/>
+                  <a:cs typeface="Segoe UI Light" panose="020B0502040204020203" pitchFamily="34" charset="0"/>
+                </a:rPr>
+                <a:t>Infrastructure</a:t>
+              </a:r>
+            </a:p>
+          </p:txBody>
+        </p:sp>
+      </p:grpSp>
+      <p:grpSp>
+        <p:nvGrpSpPr>
+          <p:cNvPr id="62" name="Gruppieren 61">
+            <a:extLst>
+              <a:ext uri="{FF2B5EF4-FFF2-40B4-BE49-F238E27FC236}">
+                <a16:creationId xmlns:a16="http://schemas.microsoft.com/office/drawing/2014/main" id="{F9E461DC-370D-4CC3-9635-A8CE4F07A524}"/>
+              </a:ext>
+            </a:extLst>
+          </p:cNvPr>
+          <p:cNvGrpSpPr/>
+          <p:nvPr/>
+        </p:nvGrpSpPr>
+        <p:grpSpPr>
+          <a:xfrm>
+            <a:off x="1072040" y="5842027"/>
+            <a:ext cx="1230938" cy="804377"/>
+            <a:chOff x="1072040" y="5842027"/>
+            <a:chExt cx="1230938" cy="804377"/>
+          </a:xfrm>
+        </p:grpSpPr>
+        <p:pic>
+          <p:nvPicPr>
+            <p:cNvPr id="27" name="Grafik 26">
+              <a:extLst>
+                <a:ext uri="{FF2B5EF4-FFF2-40B4-BE49-F238E27FC236}">
+                  <a16:creationId xmlns:a16="http://schemas.microsoft.com/office/drawing/2014/main" id="{17565774-F0C1-42F6-808B-211A39D3B916}"/>
+                </a:ext>
+              </a:extLst>
+            </p:cNvPr>
+            <p:cNvPicPr>
+              <a:picLocks noChangeAspect="1"/>
+            </p:cNvPicPr>
+            <p:nvPr/>
+          </p:nvPicPr>
+          <p:blipFill>
+            <a:blip r:embed="rId16">
+              <a:extLst>
+                <a:ext uri="{28A0092B-C50C-407E-A947-70E740481C1C}">
+                  <a14:useLocalDpi xmlns:a14="http://schemas.microsoft.com/office/drawing/2010/main" val="0"/>
+                </a:ext>
+              </a:extLst>
+            </a:blip>
+            <a:stretch>
+              <a:fillRect/>
+            </a:stretch>
+          </p:blipFill>
+          <p:spPr>
+            <a:xfrm>
+              <a:off x="1377723" y="5842027"/>
+              <a:ext cx="540000" cy="540000"/>
+            </a:xfrm>
+            <a:prstGeom prst="rect">
+              <a:avLst/>
+            </a:prstGeom>
+          </p:spPr>
+        </p:pic>
+        <p:sp>
+          <p:nvSpPr>
+            <p:cNvPr id="46" name="Textfeld 45">
+              <a:extLst>
+                <a:ext uri="{FF2B5EF4-FFF2-40B4-BE49-F238E27FC236}">
+                  <a16:creationId xmlns:a16="http://schemas.microsoft.com/office/drawing/2014/main" id="{9A2366D0-7D3B-4A3D-B0F1-055C0120D3B4}"/>
+                </a:ext>
+              </a:extLst>
+            </p:cNvPr>
+            <p:cNvSpPr txBox="1"/>
+            <p:nvPr/>
+          </p:nvSpPr>
+          <p:spPr>
+            <a:xfrm>
+              <a:off x="1072040" y="6338627"/>
+              <a:ext cx="1230938" cy="307777"/>
+            </a:xfrm>
+            <a:prstGeom prst="rect">
+              <a:avLst/>
+            </a:prstGeom>
+            <a:noFill/>
+          </p:spPr>
+          <p:txBody>
+            <a:bodyPr wrap="square" rtlCol="0">
+              <a:spAutoFit/>
+            </a:bodyPr>
+            <a:lstStyle/>
+            <a:p>
+              <a:pPr algn="ctr"/>
+              <a:r>
+                <a:rPr lang="en-GB" sz="1400" dirty="0">
+                  <a:latin typeface="Segoe UI Light" panose="020B0502040204020203" pitchFamily="34" charset="0"/>
+                  <a:cs typeface="Segoe UI Light" panose="020B0502040204020203" pitchFamily="34" charset="0"/>
+                </a:rPr>
+                <a:t>Environment</a:t>
+              </a:r>
+            </a:p>
+          </p:txBody>
+        </p:sp>
+      </p:grpSp>
+      <p:grpSp>
+        <p:nvGrpSpPr>
+          <p:cNvPr id="63" name="Gruppieren 62">
+            <a:extLst>
+              <a:ext uri="{FF2B5EF4-FFF2-40B4-BE49-F238E27FC236}">
+                <a16:creationId xmlns:a16="http://schemas.microsoft.com/office/drawing/2014/main" id="{02209092-BAE5-4C1B-B324-75116602CD1C}"/>
+              </a:ext>
+            </a:extLst>
+          </p:cNvPr>
+          <p:cNvGrpSpPr/>
+          <p:nvPr/>
+        </p:nvGrpSpPr>
+        <p:grpSpPr>
+          <a:xfrm>
+            <a:off x="2183074" y="5847066"/>
+            <a:ext cx="1230938" cy="794298"/>
+            <a:chOff x="2159781" y="5842027"/>
+            <a:chExt cx="1230938" cy="794298"/>
+          </a:xfrm>
+        </p:grpSpPr>
+        <p:pic>
+          <p:nvPicPr>
+            <p:cNvPr id="35" name="Grafik 34">
+              <a:extLst>
+                <a:ext uri="{FF2B5EF4-FFF2-40B4-BE49-F238E27FC236}">
+                  <a16:creationId xmlns:a16="http://schemas.microsoft.com/office/drawing/2014/main" id="{2AB523F6-55C0-44FC-92F7-73EF1B4DAA73}"/>
+                </a:ext>
+              </a:extLst>
+            </p:cNvPr>
+            <p:cNvPicPr>
+              <a:picLocks noChangeAspect="1"/>
+            </p:cNvPicPr>
+            <p:nvPr/>
+          </p:nvPicPr>
+          <p:blipFill>
+            <a:blip r:embed="rId17">
+              <a:extLst>
+                <a:ext uri="{28A0092B-C50C-407E-A947-70E740481C1C}">
+                  <a14:useLocalDpi xmlns:a14="http://schemas.microsoft.com/office/drawing/2010/main" val="0"/>
+                </a:ext>
+              </a:extLst>
+            </a:blip>
+            <a:stretch>
+              <a:fillRect/>
+            </a:stretch>
+          </p:blipFill>
+          <p:spPr>
+            <a:xfrm>
+              <a:off x="2504351" y="5842027"/>
+              <a:ext cx="540000" cy="540000"/>
+            </a:xfrm>
+            <a:prstGeom prst="rect">
+              <a:avLst/>
+            </a:prstGeom>
+          </p:spPr>
+        </p:pic>
+        <p:sp>
+          <p:nvSpPr>
+            <p:cNvPr id="48" name="Textfeld 47">
+              <a:extLst>
+                <a:ext uri="{FF2B5EF4-FFF2-40B4-BE49-F238E27FC236}">
+                  <a16:creationId xmlns:a16="http://schemas.microsoft.com/office/drawing/2014/main" id="{6C14096D-006D-40E2-A259-384BBBEFC748}"/>
+                </a:ext>
+              </a:extLst>
+            </p:cNvPr>
+            <p:cNvSpPr txBox="1"/>
+            <p:nvPr/>
+          </p:nvSpPr>
+          <p:spPr>
+            <a:xfrm>
+              <a:off x="2159781" y="6328548"/>
+              <a:ext cx="1230938" cy="307777"/>
+            </a:xfrm>
+            <a:prstGeom prst="rect">
+              <a:avLst/>
+            </a:prstGeom>
+            <a:noFill/>
+          </p:spPr>
+          <p:txBody>
+            <a:bodyPr wrap="square" rtlCol="0">
+              <a:spAutoFit/>
+            </a:bodyPr>
+            <a:lstStyle/>
+            <a:p>
+              <a:pPr algn="ctr"/>
+              <a:r>
+                <a:rPr lang="en-GB" sz="1400" dirty="0">
+                  <a:latin typeface="Segoe UI Light" panose="020B0502040204020203" pitchFamily="34" charset="0"/>
+                  <a:cs typeface="Segoe UI Light" panose="020B0502040204020203" pitchFamily="34" charset="0"/>
+                </a:rPr>
+                <a:t>Education</a:t>
+              </a:r>
+            </a:p>
+          </p:txBody>
+        </p:sp>
+      </p:grpSp>
+      <p:grpSp>
+        <p:nvGrpSpPr>
+          <p:cNvPr id="64" name="Gruppieren 63">
+            <a:extLst>
+              <a:ext uri="{FF2B5EF4-FFF2-40B4-BE49-F238E27FC236}">
+                <a16:creationId xmlns:a16="http://schemas.microsoft.com/office/drawing/2014/main" id="{F2D0A8E0-B86B-4A18-A451-CDE346CC3524}"/>
+              </a:ext>
+            </a:extLst>
+          </p:cNvPr>
+          <p:cNvGrpSpPr/>
+          <p:nvPr/>
+        </p:nvGrpSpPr>
+        <p:grpSpPr>
+          <a:xfrm>
+            <a:off x="3294108" y="5844547"/>
+            <a:ext cx="1230938" cy="799337"/>
+            <a:chOff x="3291261" y="5842027"/>
+            <a:chExt cx="1230938" cy="799337"/>
+          </a:xfrm>
+        </p:grpSpPr>
+        <p:pic>
+          <p:nvPicPr>
+            <p:cNvPr id="50" name="Grafik 49">
+              <a:extLst>
+                <a:ext uri="{FF2B5EF4-FFF2-40B4-BE49-F238E27FC236}">
+                  <a16:creationId xmlns:a16="http://schemas.microsoft.com/office/drawing/2014/main" id="{23D114B9-EC65-4094-B439-75EFDD11F9A9}"/>
+                </a:ext>
+              </a:extLst>
+            </p:cNvPr>
+            <p:cNvPicPr>
+              <a:picLocks noChangeAspect="1"/>
+            </p:cNvPicPr>
+            <p:nvPr/>
+          </p:nvPicPr>
+          <p:blipFill>
+            <a:blip r:embed="rId18">
+              <a:extLst>
+                <a:ext uri="{28A0092B-C50C-407E-A947-70E740481C1C}">
+                  <a14:useLocalDpi xmlns:a14="http://schemas.microsoft.com/office/drawing/2010/main" val="0"/>
+                </a:ext>
+              </a:extLst>
+            </a:blip>
+            <a:stretch>
+              <a:fillRect/>
+            </a:stretch>
+          </p:blipFill>
+          <p:spPr>
+            <a:xfrm>
+              <a:off x="3630979" y="5842027"/>
+              <a:ext cx="540000" cy="540000"/>
+            </a:xfrm>
+            <a:prstGeom prst="rect">
+              <a:avLst/>
+            </a:prstGeom>
+          </p:spPr>
+        </p:pic>
+        <p:sp>
+          <p:nvSpPr>
+            <p:cNvPr id="51" name="Textfeld 50">
+              <a:extLst>
+                <a:ext uri="{FF2B5EF4-FFF2-40B4-BE49-F238E27FC236}">
+                  <a16:creationId xmlns:a16="http://schemas.microsoft.com/office/drawing/2014/main" id="{56668B34-3AA5-4AC1-B6D0-9B49068216B6}"/>
+                </a:ext>
+              </a:extLst>
+            </p:cNvPr>
+            <p:cNvSpPr txBox="1"/>
+            <p:nvPr/>
+          </p:nvSpPr>
+          <p:spPr>
+            <a:xfrm>
+              <a:off x="3291261" y="6333587"/>
+              <a:ext cx="1230938" cy="307777"/>
+            </a:xfrm>
+            <a:prstGeom prst="rect">
+              <a:avLst/>
+            </a:prstGeom>
+            <a:noFill/>
+          </p:spPr>
+          <p:txBody>
+            <a:bodyPr wrap="square" rtlCol="0">
+              <a:spAutoFit/>
+            </a:bodyPr>
+            <a:lstStyle/>
+            <a:p>
+              <a:pPr algn="ctr"/>
+              <a:r>
+                <a:rPr lang="en-GB" sz="1400" dirty="0">
+                  <a:latin typeface="Segoe UI Light" panose="020B0502040204020203" pitchFamily="34" charset="0"/>
+                  <a:cs typeface="Segoe UI Light" panose="020B0502040204020203" pitchFamily="34" charset="0"/>
+                </a:rPr>
+                <a:t>Economy</a:t>
+              </a:r>
+            </a:p>
+          </p:txBody>
+        </p:sp>
+      </p:grpSp>
+      <p:grpSp>
+        <p:nvGrpSpPr>
+          <p:cNvPr id="65" name="Gruppieren 64">
+            <a:extLst>
+              <a:ext uri="{FF2B5EF4-FFF2-40B4-BE49-F238E27FC236}">
+                <a16:creationId xmlns:a16="http://schemas.microsoft.com/office/drawing/2014/main" id="{643A9D5F-AFBF-4664-9FD7-DCA73BBA663C}"/>
+              </a:ext>
+            </a:extLst>
+          </p:cNvPr>
+          <p:cNvGrpSpPr/>
+          <p:nvPr/>
+        </p:nvGrpSpPr>
+        <p:grpSpPr>
+          <a:xfrm>
+            <a:off x="4405143" y="5848560"/>
+            <a:ext cx="1230938" cy="791310"/>
+            <a:chOff x="4411239" y="5842027"/>
+            <a:chExt cx="1230938" cy="791310"/>
+          </a:xfrm>
+        </p:grpSpPr>
+        <p:pic>
+          <p:nvPicPr>
+            <p:cNvPr id="53" name="Grafik 52">
+              <a:extLst>
+                <a:ext uri="{FF2B5EF4-FFF2-40B4-BE49-F238E27FC236}">
+                  <a16:creationId xmlns:a16="http://schemas.microsoft.com/office/drawing/2014/main" id="{F4A92F58-5F70-4B6C-9BB7-82E8818B7E85}"/>
+                </a:ext>
+              </a:extLst>
+            </p:cNvPr>
+            <p:cNvPicPr>
+              <a:picLocks noChangeAspect="1"/>
+            </p:cNvPicPr>
+            <p:nvPr/>
+          </p:nvPicPr>
+          <p:blipFill>
+            <a:blip r:embed="rId19">
+              <a:extLst>
+                <a:ext uri="{28A0092B-C50C-407E-A947-70E740481C1C}">
+                  <a14:useLocalDpi xmlns:a14="http://schemas.microsoft.com/office/drawing/2010/main" val="0"/>
+                </a:ext>
+              </a:extLst>
+            </a:blip>
+            <a:stretch>
+              <a:fillRect/>
+            </a:stretch>
+          </p:blipFill>
+          <p:spPr>
+            <a:xfrm>
+              <a:off x="4757608" y="5842027"/>
+              <a:ext cx="540000" cy="540000"/>
+            </a:xfrm>
+            <a:prstGeom prst="rect">
+              <a:avLst/>
+            </a:prstGeom>
+          </p:spPr>
+        </p:pic>
+        <p:sp>
+          <p:nvSpPr>
+            <p:cNvPr id="54" name="Textfeld 53">
+              <a:extLst>
+                <a:ext uri="{FF2B5EF4-FFF2-40B4-BE49-F238E27FC236}">
+                  <a16:creationId xmlns:a16="http://schemas.microsoft.com/office/drawing/2014/main" id="{11181380-77BB-4FDF-AB5D-6ED36AFEE862}"/>
+                </a:ext>
+              </a:extLst>
+            </p:cNvPr>
+            <p:cNvSpPr txBox="1"/>
+            <p:nvPr/>
+          </p:nvSpPr>
+          <p:spPr>
+            <a:xfrm>
+              <a:off x="4411239" y="6325560"/>
+              <a:ext cx="1230938" cy="307777"/>
+            </a:xfrm>
+            <a:prstGeom prst="rect">
+              <a:avLst/>
+            </a:prstGeom>
+            <a:noFill/>
+          </p:spPr>
+          <p:txBody>
+            <a:bodyPr wrap="square" rtlCol="0">
+              <a:spAutoFit/>
+            </a:bodyPr>
+            <a:lstStyle/>
+            <a:p>
+              <a:pPr algn="ctr"/>
+              <a:r>
+                <a:rPr lang="en-GB" sz="1400" dirty="0">
+                  <a:latin typeface="Segoe UI Light" panose="020B0502040204020203" pitchFamily="34" charset="0"/>
+                  <a:cs typeface="Segoe UI Light" panose="020B0502040204020203" pitchFamily="34" charset="0"/>
+                </a:rPr>
+                <a:t>Politics</a:t>
+              </a:r>
+            </a:p>
+          </p:txBody>
+        </p:sp>
+      </p:grpSp>
+      <p:sp>
+        <p:nvSpPr>
+          <p:cNvPr id="55" name="Textfeld 54">
+            <a:extLst>
+              <a:ext uri="{FF2B5EF4-FFF2-40B4-BE49-F238E27FC236}">
+                <a16:creationId xmlns:a16="http://schemas.microsoft.com/office/drawing/2014/main" id="{FD7864BE-EC92-4B34-981D-BDD811868612}"/>
+              </a:ext>
+            </a:extLst>
+          </p:cNvPr>
+          <p:cNvSpPr txBox="1"/>
+          <p:nvPr/>
+        </p:nvSpPr>
+        <p:spPr>
+          <a:xfrm>
+            <a:off x="1154405" y="4521106"/>
+            <a:ext cx="1170101" cy="369332"/>
+          </a:xfrm>
+          <a:prstGeom prst="rect">
+            <a:avLst/>
+          </a:prstGeom>
+          <a:noFill/>
+        </p:spPr>
+        <p:txBody>
+          <a:bodyPr wrap="square" rtlCol="0">
+            <a:spAutoFit/>
+          </a:bodyPr>
+          <a:lstStyle/>
+          <a:p>
+            <a:r>
+              <a:rPr lang="en-GB" b="1" dirty="0">
+                <a:latin typeface="Segoe UI Light" panose="020B0502040204020203" pitchFamily="34" charset="0"/>
+                <a:cs typeface="Segoe UI Light" panose="020B0502040204020203" pitchFamily="34" charset="0"/>
+              </a:rPr>
+              <a:t>Variables</a:t>
+            </a:r>
+          </a:p>
+        </p:txBody>
+      </p:sp>
+      <p:sp>
+        <p:nvSpPr>
+          <p:cNvPr id="56" name="Textfeld 55">
+            <a:extLst>
+              <a:ext uri="{FF2B5EF4-FFF2-40B4-BE49-F238E27FC236}">
+                <a16:creationId xmlns:a16="http://schemas.microsoft.com/office/drawing/2014/main" id="{8DF74031-AB9B-4E8E-85C6-2D730CE1A19B}"/>
+              </a:ext>
+            </a:extLst>
+          </p:cNvPr>
+          <p:cNvSpPr txBox="1"/>
+          <p:nvPr/>
+        </p:nvSpPr>
+        <p:spPr>
+          <a:xfrm>
+            <a:off x="7870285" y="8939816"/>
+            <a:ext cx="5429729" cy="1661993"/>
+          </a:xfrm>
+          <a:prstGeom prst="rect">
+            <a:avLst/>
+          </a:prstGeom>
+          <a:noFill/>
+        </p:spPr>
+        <p:txBody>
+          <a:bodyPr wrap="square" rtlCol="0">
+            <a:spAutoFit/>
+          </a:bodyPr>
+          <a:lstStyle/>
+          <a:p>
+            <a:r>
+              <a:rPr lang="en-GB" sz="1400" b="1" dirty="0">
+                <a:latin typeface="Segoe UI Light" panose="020B0502040204020203" pitchFamily="34" charset="0"/>
+                <a:cs typeface="Segoe UI Light" panose="020B0502040204020203" pitchFamily="34" charset="0"/>
+              </a:rPr>
+              <a:t>World Happiness Rank</a:t>
+            </a:r>
+          </a:p>
+          <a:p>
+            <a:pPr marL="342900" indent="-342900">
+              <a:buAutoNum type="arabicPeriod"/>
+            </a:pPr>
+            <a:r>
+              <a:rPr lang="en-GB" sz="1400" dirty="0">
+                <a:latin typeface="Segoe UI Light" panose="020B0502040204020203" pitchFamily="34" charset="0"/>
+                <a:cs typeface="Segoe UI Light" panose="020B0502040204020203" pitchFamily="34" charset="0"/>
+              </a:rPr>
+              <a:t>Switzerland</a:t>
+            </a:r>
+          </a:p>
+          <a:p>
+            <a:pPr marL="342900" indent="-342900">
+              <a:buAutoNum type="arabicPeriod"/>
+            </a:pPr>
+            <a:r>
+              <a:rPr lang="en-GB" sz="1400" dirty="0">
+                <a:latin typeface="Segoe UI Light" panose="020B0502040204020203" pitchFamily="34" charset="0"/>
+                <a:cs typeface="Segoe UI Light" panose="020B0502040204020203" pitchFamily="34" charset="0"/>
+              </a:rPr>
+              <a:t>Iceland</a:t>
+            </a:r>
+          </a:p>
+          <a:p>
+            <a:pPr marL="342900" indent="-342900">
+              <a:buAutoNum type="arabicPeriod"/>
+            </a:pPr>
+            <a:r>
+              <a:rPr lang="en-GB" sz="1400" dirty="0">
+                <a:latin typeface="Segoe UI Light" panose="020B0502040204020203" pitchFamily="34" charset="0"/>
+                <a:cs typeface="Segoe UI Light" panose="020B0502040204020203" pitchFamily="34" charset="0"/>
+              </a:rPr>
+              <a:t>Denmark</a:t>
+            </a:r>
+          </a:p>
+          <a:p>
+            <a:r>
+              <a:rPr lang="en-GB" sz="1400" dirty="0">
+                <a:latin typeface="Segoe UI Light" panose="020B0502040204020203" pitchFamily="34" charset="0"/>
+                <a:cs typeface="Segoe UI Light" panose="020B0502040204020203" pitchFamily="34" charset="0"/>
+              </a:rPr>
+              <a:t>…</a:t>
+            </a:r>
+          </a:p>
+          <a:p>
+            <a:r>
+              <a:rPr lang="en-GB" sz="1400" dirty="0">
+                <a:latin typeface="Segoe UI Light" panose="020B0502040204020203" pitchFamily="34" charset="0"/>
+                <a:cs typeface="Segoe UI Light" panose="020B0502040204020203" pitchFamily="34" charset="0"/>
+              </a:rPr>
+              <a:t>149. Togo</a:t>
+            </a:r>
+          </a:p>
+          <a:p>
+            <a:pPr marL="285750" indent="-285750">
+              <a:buFont typeface="Arial" panose="020B0604020202020204" pitchFamily="34" charset="0"/>
+              <a:buChar char="•"/>
+            </a:pPr>
+            <a:endParaRPr lang="en-GB" dirty="0">
+              <a:latin typeface="Segoe UI Light" panose="020B0502040204020203" pitchFamily="34" charset="0"/>
+              <a:cs typeface="Segoe UI Light" panose="020B0502040204020203" pitchFamily="34" charset="0"/>
+            </a:endParaRPr>
+          </a:p>
+        </p:txBody>
+      </p:sp>
+      <p:sp>
+        <p:nvSpPr>
+          <p:cNvPr id="66" name="Textfeld 65">
+            <a:extLst>
+              <a:ext uri="{FF2B5EF4-FFF2-40B4-BE49-F238E27FC236}">
+                <a16:creationId xmlns:a16="http://schemas.microsoft.com/office/drawing/2014/main" id="{74A0C1E6-4CEF-4939-B100-C6B355EF2D59}"/>
+              </a:ext>
+            </a:extLst>
+          </p:cNvPr>
+          <p:cNvSpPr txBox="1"/>
+          <p:nvPr/>
+        </p:nvSpPr>
+        <p:spPr>
+          <a:xfrm>
+            <a:off x="1154404" y="6974917"/>
+            <a:ext cx="2340635" cy="369332"/>
+          </a:xfrm>
+          <a:prstGeom prst="rect">
+            <a:avLst/>
+          </a:prstGeom>
+          <a:noFill/>
+        </p:spPr>
+        <p:txBody>
+          <a:bodyPr wrap="square" rtlCol="0">
+            <a:spAutoFit/>
+          </a:bodyPr>
+          <a:lstStyle/>
+          <a:p>
+            <a:r>
+              <a:rPr lang="en-GB" b="1" dirty="0">
+                <a:latin typeface="Segoe UI Light" panose="020B0502040204020203" pitchFamily="34" charset="0"/>
+                <a:cs typeface="Segoe UI Light" panose="020B0502040204020203" pitchFamily="34" charset="0"/>
+              </a:rPr>
+              <a:t>Data Pre-processing</a:t>
+            </a:r>
+          </a:p>
+        </p:txBody>
+      </p:sp>
     </p:spTree>
     <p:extLst>
       <p:ext uri="{BB962C8B-B14F-4D97-AF65-F5344CB8AC3E}">

--- a/REPORT/Poster.pptx
+++ b/REPORT/Poster.pptx
@@ -106,7 +106,18 @@
   </p:defaultTextStyle>
   <p:extLst>
     <p:ext uri="{EFAFB233-063F-42B5-8137-9DF3F51BA10A}">
-      <p15:sldGuideLst xmlns:p15="http://schemas.microsoft.com/office/powerpoint/2012/main"/>
+      <p15:sldGuideLst xmlns:p15="http://schemas.microsoft.com/office/powerpoint/2012/main">
+        <p15:guide id="1" orient="horz" pos="11112" userDrawn="1">
+          <p15:clr>
+            <a:srgbClr val="A4A3A4"/>
+          </p15:clr>
+        </p15:guide>
+        <p15:guide id="2" pos="191" userDrawn="1">
+          <p15:clr>
+            <a:srgbClr val="A4A3A4"/>
+          </p15:clr>
+        </p15:guide>
+      </p15:sldGuideLst>
     </p:ext>
   </p:extLst>
 </p:presentation>
@@ -3256,8 +3267,8 @@
         </p:blipFill>
         <p:spPr>
           <a:xfrm>
-            <a:off x="26015942" y="3589981"/>
-            <a:ext cx="3303427" cy="3255551"/>
+            <a:off x="25695663" y="2902923"/>
+            <a:ext cx="3535701" cy="3484459"/>
           </a:xfrm>
           <a:prstGeom prst="rect">
             <a:avLst/>
@@ -3542,13 +3553,13 @@
               </a:ext>
             </a:extLst>
           </a:blip>
-          <a:srcRect t="4800"/>
+          <a:srcRect l="4522" t="4800" r="3428" b="4409"/>
           <a:stretch/>
         </p:blipFill>
         <p:spPr>
           <a:xfrm>
-            <a:off x="5900257" y="4906298"/>
-            <a:ext cx="9237349" cy="4754231"/>
+            <a:off x="6006610" y="6247021"/>
+            <a:ext cx="8621344" cy="4597191"/>
           </a:xfrm>
           <a:prstGeom prst="rect">
             <a:avLst/>
@@ -3569,8 +3580,8 @@
         </p:nvSpPr>
         <p:spPr>
           <a:xfrm>
-            <a:off x="1154405" y="3075742"/>
-            <a:ext cx="5429729" cy="1446550"/>
+            <a:off x="1089089" y="3075742"/>
+            <a:ext cx="5429729" cy="1477328"/>
           </a:xfrm>
           <a:prstGeom prst="rect">
             <a:avLst/>
@@ -3584,12 +3595,16 @@
           <a:lstStyle/>
           <a:p>
             <a:r>
-              <a:rPr lang="en-GB" sz="1400" b="1" dirty="0">
+              <a:rPr lang="en-GB" sz="1600" b="1" dirty="0">
                 <a:latin typeface="Segoe UI Light" panose="020B0502040204020203" pitchFamily="34" charset="0"/>
                 <a:cs typeface="Segoe UI Light" panose="020B0502040204020203" pitchFamily="34" charset="0"/>
               </a:rPr>
               <a:t>Objective</a:t>
             </a:r>
+            <a:endParaRPr lang="en-GB" sz="1400" b="1" dirty="0">
+              <a:latin typeface="Segoe UI Light" panose="020B0502040204020203" pitchFamily="34" charset="0"/>
+              <a:cs typeface="Segoe UI Light" panose="020B0502040204020203" pitchFamily="34" charset="0"/>
+            </a:endParaRPr>
           </a:p>
           <a:p>
             <a:pPr marL="285750" indent="-285750">
@@ -3683,8 +3698,8 @@
         </p:blipFill>
         <p:spPr>
           <a:xfrm>
-            <a:off x="1173952" y="7403762"/>
-            <a:ext cx="3333852" cy="2154961"/>
+            <a:off x="1717940" y="6779774"/>
+            <a:ext cx="3569369" cy="2307196"/>
           </a:xfrm>
           <a:prstGeom prst="rect">
             <a:avLst/>
@@ -3705,7 +3720,7 @@
           </p:cNvPicPr>
           <p:nvPr/>
         </p:nvPicPr>
-        <p:blipFill>
+        <p:blipFill rotWithShape="1">
           <a:blip r:embed="rId6">
             <a:extLst>
               <a:ext uri="{28A0092B-C50C-407E-A947-70E740481C1C}">
@@ -3713,14 +3728,13 @@
               </a:ext>
             </a:extLst>
           </a:blip>
-          <a:stretch>
-            <a:fillRect/>
-          </a:stretch>
+          <a:srcRect t="-1" b="3636"/>
+          <a:stretch/>
         </p:blipFill>
         <p:spPr>
           <a:xfrm>
-            <a:off x="2898254" y="8535922"/>
-            <a:ext cx="3105237" cy="2007187"/>
+            <a:off x="1724390" y="8847186"/>
+            <a:ext cx="3569368" cy="2223307"/>
           </a:xfrm>
           <a:prstGeom prst="rect">
             <a:avLst/>
@@ -3741,8 +3755,8 @@
         </p:nvSpPr>
         <p:spPr>
           <a:xfrm>
-            <a:off x="5414269" y="3071728"/>
-            <a:ext cx="6039905" cy="1169551"/>
+            <a:off x="5953428" y="3072200"/>
+            <a:ext cx="6039905" cy="1200329"/>
           </a:xfrm>
           <a:prstGeom prst="rect">
             <a:avLst/>
@@ -3756,12 +3770,16 @@
           <a:lstStyle/>
           <a:p>
             <a:r>
-              <a:rPr lang="en-GB" sz="1400" b="1" dirty="0">
+              <a:rPr lang="en-GB" sz="1600" b="1" dirty="0">
                 <a:latin typeface="Segoe UI Light" panose="020B0502040204020203" pitchFamily="34" charset="0"/>
                 <a:cs typeface="Segoe UI Light" panose="020B0502040204020203" pitchFamily="34" charset="0"/>
               </a:rPr>
               <a:t>Methodology</a:t>
             </a:r>
+            <a:endParaRPr lang="en-GB" sz="1400" b="1" dirty="0">
+              <a:latin typeface="Segoe UI Light" panose="020B0502040204020203" pitchFamily="34" charset="0"/>
+              <a:cs typeface="Segoe UI Light" panose="020B0502040204020203" pitchFamily="34" charset="0"/>
+            </a:endParaRPr>
           </a:p>
           <a:p>
             <a:pPr marL="285750" lvl="0" indent="-285750" fontAlgn="ctr">
@@ -4038,78 +4056,6 @@
           </a:prstGeom>
         </p:spPr>
       </p:pic>
-      <p:pic>
-        <p:nvPicPr>
-          <p:cNvPr id="40" name="Grafik 39">
-            <a:extLst>
-              <a:ext uri="{FF2B5EF4-FFF2-40B4-BE49-F238E27FC236}">
-                <a16:creationId xmlns:a16="http://schemas.microsoft.com/office/drawing/2014/main" id="{BBD6C20B-2412-4EEC-8E9B-08999B366A66}"/>
-              </a:ext>
-            </a:extLst>
-          </p:cNvPr>
-          <p:cNvPicPr>
-            <a:picLocks noChangeAspect="1"/>
-          </p:cNvPicPr>
-          <p:nvPr/>
-        </p:nvPicPr>
-        <p:blipFill>
-          <a:blip r:embed="rId10">
-            <a:extLst>
-              <a:ext uri="{28A0092B-C50C-407E-A947-70E740481C1C}">
-                <a14:useLocalDpi xmlns:a14="http://schemas.microsoft.com/office/drawing/2010/main" val="0"/>
-              </a:ext>
-            </a:extLst>
-          </a:blip>
-          <a:stretch>
-            <a:fillRect/>
-          </a:stretch>
-        </p:blipFill>
-        <p:spPr>
-          <a:xfrm>
-            <a:off x="23680348" y="7795561"/>
-            <a:ext cx="4208851" cy="2429214"/>
-          </a:xfrm>
-          <a:prstGeom prst="rect">
-            <a:avLst/>
-          </a:prstGeom>
-        </p:spPr>
-      </p:pic>
-      <p:pic>
-        <p:nvPicPr>
-          <p:cNvPr id="41" name="Grafik 40">
-            <a:extLst>
-              <a:ext uri="{FF2B5EF4-FFF2-40B4-BE49-F238E27FC236}">
-                <a16:creationId xmlns:a16="http://schemas.microsoft.com/office/drawing/2014/main" id="{0334906B-2138-4DD7-9B04-AE6A9B7D8F9E}"/>
-              </a:ext>
-            </a:extLst>
-          </p:cNvPr>
-          <p:cNvPicPr>
-            <a:picLocks noChangeAspect="1"/>
-          </p:cNvPicPr>
-          <p:nvPr/>
-        </p:nvPicPr>
-        <p:blipFill>
-          <a:blip r:embed="rId9">
-            <a:extLst>
-              <a:ext uri="{28A0092B-C50C-407E-A947-70E740481C1C}">
-                <a14:useLocalDpi xmlns:a14="http://schemas.microsoft.com/office/drawing/2010/main" val="0"/>
-              </a:ext>
-            </a:extLst>
-          </a:blip>
-          <a:stretch>
-            <a:fillRect/>
-          </a:stretch>
-        </p:blipFill>
-        <p:spPr>
-          <a:xfrm>
-            <a:off x="23175802" y="4346970"/>
-            <a:ext cx="3285404" cy="2123645"/>
-          </a:xfrm>
-          <a:prstGeom prst="rect">
-            <a:avLst/>
-          </a:prstGeom>
-        </p:spPr>
-      </p:pic>
       <p:sp>
         <p:nvSpPr>
           <p:cNvPr id="42" name="Textfeld 41">
@@ -4124,8 +4070,8 @@
         </p:nvSpPr>
         <p:spPr>
           <a:xfrm>
-            <a:off x="16317761" y="3115029"/>
-            <a:ext cx="4469599" cy="369332"/>
+            <a:off x="16294611" y="2976132"/>
+            <a:ext cx="4469599" cy="338554"/>
           </a:xfrm>
           <a:prstGeom prst="rect">
             <a:avLst/>
@@ -4139,7 +4085,10 @@
           <a:lstStyle/>
           <a:p>
             <a:r>
-              <a:rPr lang="en-GB" dirty="0"/>
+              <a:rPr lang="en-GB" sz="1600" b="1" dirty="0">
+                <a:latin typeface="Segoe UI Light" panose="020B0502040204020203" pitchFamily="34" charset="0"/>
+                <a:cs typeface="Segoe UI Light" panose="020B0502040204020203" pitchFamily="34" charset="0"/>
+              </a:rPr>
               <a:t>Principal Component Analysis (PCA)</a:t>
             </a:r>
           </a:p>
@@ -4159,8 +4108,8 @@
         </p:nvSpPr>
         <p:spPr>
           <a:xfrm>
-            <a:off x="23198056" y="3115029"/>
-            <a:ext cx="4469599" cy="369332"/>
+            <a:off x="23312176" y="2902923"/>
+            <a:ext cx="4469599" cy="338554"/>
           </a:xfrm>
           <a:prstGeom prst="rect">
             <a:avLst/>
@@ -4174,7 +4123,10 @@
           <a:lstStyle/>
           <a:p>
             <a:r>
-              <a:rPr lang="en-GB" dirty="0"/>
+              <a:rPr lang="en-GB" sz="1600" b="1" dirty="0">
+                <a:latin typeface="Segoe UI Light" panose="020B0502040204020203" pitchFamily="34" charset="0"/>
+                <a:cs typeface="Segoe UI Light" panose="020B0502040204020203" pitchFamily="34" charset="0"/>
+              </a:rPr>
               <a:t>Factor Analysis (FA)</a:t>
             </a:r>
           </a:p>
@@ -4189,13 +4141,15 @@
               </a:ext>
             </a:extLst>
           </p:cNvPr>
-          <p:cNvCxnSpPr/>
+          <p:cNvCxnSpPr>
+            <a:cxnSpLocks/>
+          </p:cNvCxnSpPr>
           <p:nvPr/>
         </p:nvCxnSpPr>
         <p:spPr>
           <a:xfrm>
-            <a:off x="22979410" y="3262696"/>
-            <a:ext cx="0" cy="7165671"/>
+            <a:off x="22840514" y="3262696"/>
+            <a:ext cx="15240" cy="3582836"/>
           </a:xfrm>
           <a:prstGeom prst="line">
             <a:avLst/>
@@ -4231,7 +4185,7 @@
           <p:nvPr/>
         </p:nvPicPr>
         <p:blipFill>
-          <a:blip r:embed="rId11"/>
+          <a:blip r:embed="rId10"/>
           <a:stretch>
             <a:fillRect/>
           </a:stretch>
@@ -4248,10 +4202,10 @@
       </p:pic>
       <p:grpSp>
         <p:nvGrpSpPr>
-          <p:cNvPr id="60" name="Gruppieren 59">
+          <p:cNvPr id="69" name="Gruppieren 68">
             <a:extLst>
               <a:ext uri="{FF2B5EF4-FFF2-40B4-BE49-F238E27FC236}">
-                <a16:creationId xmlns:a16="http://schemas.microsoft.com/office/drawing/2014/main" id="{D10844F2-DEB4-4F77-87E8-46F1D5686F33}"/>
+                <a16:creationId xmlns:a16="http://schemas.microsoft.com/office/drawing/2014/main" id="{11C50BA9-B138-411A-9340-A6E97C0727C4}"/>
               </a:ext>
             </a:extLst>
           </p:cNvPr>
@@ -4260,759 +4214,780 @@
         </p:nvGrpSpPr>
         <p:grpSpPr>
           <a:xfrm>
-            <a:off x="1066413" y="5026203"/>
-            <a:ext cx="1230938" cy="769520"/>
-            <a:chOff x="1066413" y="5029937"/>
-            <a:chExt cx="1230938" cy="769520"/>
+            <a:off x="1084497" y="4723232"/>
+            <a:ext cx="4580351" cy="1621763"/>
+            <a:chOff x="1066413" y="5024641"/>
+            <a:chExt cx="4580351" cy="1621763"/>
           </a:xfrm>
         </p:grpSpPr>
-        <p:sp>
-          <p:nvSpPr>
-            <p:cNvPr id="29" name="Textfeld 28">
+        <p:grpSp>
+          <p:nvGrpSpPr>
+            <p:cNvPr id="60" name="Gruppieren 59">
               <a:extLst>
                 <a:ext uri="{FF2B5EF4-FFF2-40B4-BE49-F238E27FC236}">
-                  <a16:creationId xmlns:a16="http://schemas.microsoft.com/office/drawing/2014/main" id="{E5DE889C-57E3-494A-BAFA-52E50E5B90C1}"/>
+                  <a16:creationId xmlns:a16="http://schemas.microsoft.com/office/drawing/2014/main" id="{D10844F2-DEB4-4F77-87E8-46F1D5686F33}"/>
                 </a:ext>
               </a:extLst>
             </p:cNvPr>
-            <p:cNvSpPr txBox="1"/>
+            <p:cNvGrpSpPr/>
             <p:nvPr/>
-          </p:nvSpPr>
-          <p:spPr>
+          </p:nvGrpSpPr>
+          <p:grpSpPr>
             <a:xfrm>
-              <a:off x="1066413" y="5491680"/>
-              <a:ext cx="1230938" cy="307777"/>
+              <a:off x="1066413" y="5026203"/>
+              <a:ext cx="1230938" cy="769520"/>
+              <a:chOff x="1066413" y="5029937"/>
+              <a:chExt cx="1230938" cy="769520"/>
             </a:xfrm>
-            <a:prstGeom prst="rect">
-              <a:avLst/>
-            </a:prstGeom>
-            <a:noFill/>
-          </p:spPr>
-          <p:txBody>
-            <a:bodyPr wrap="square" rtlCol="0">
-              <a:spAutoFit/>
-            </a:bodyPr>
-            <a:lstStyle/>
-            <a:p>
-              <a:pPr algn="ctr"/>
-              <a:r>
-                <a:rPr lang="en-GB" sz="1400" dirty="0">
-                  <a:latin typeface="Segoe UI Light" panose="020B0502040204020203" pitchFamily="34" charset="0"/>
-                  <a:cs typeface="Segoe UI Light" panose="020B0502040204020203" pitchFamily="34" charset="0"/>
-                </a:rPr>
-                <a:t>Quality of Life</a:t>
-              </a:r>
-            </a:p>
-          </p:txBody>
-        </p:sp>
-        <p:pic>
-          <p:nvPicPr>
-            <p:cNvPr id="8" name="Grafik 7">
+          </p:grpSpPr>
+          <p:sp>
+            <p:nvSpPr>
+              <p:cNvPr id="29" name="Textfeld 28">
+                <a:extLst>
+                  <a:ext uri="{FF2B5EF4-FFF2-40B4-BE49-F238E27FC236}">
+                    <a16:creationId xmlns:a16="http://schemas.microsoft.com/office/drawing/2014/main" id="{E5DE889C-57E3-494A-BAFA-52E50E5B90C1}"/>
+                  </a:ext>
+                </a:extLst>
+              </p:cNvPr>
+              <p:cNvSpPr txBox="1"/>
+              <p:nvPr/>
+            </p:nvSpPr>
+            <p:spPr>
+              <a:xfrm>
+                <a:off x="1066413" y="5491680"/>
+                <a:ext cx="1230938" cy="307777"/>
+              </a:xfrm>
+              <a:prstGeom prst="rect">
+                <a:avLst/>
+              </a:prstGeom>
+              <a:noFill/>
+            </p:spPr>
+            <p:txBody>
+              <a:bodyPr wrap="square" rtlCol="0">
+                <a:spAutoFit/>
+              </a:bodyPr>
+              <a:lstStyle/>
+              <a:p>
+                <a:pPr algn="ctr"/>
+                <a:r>
+                  <a:rPr lang="en-GB" sz="1400" dirty="0">
+                    <a:latin typeface="Segoe UI Light" panose="020B0502040204020203" pitchFamily="34" charset="0"/>
+                    <a:cs typeface="Segoe UI Light" panose="020B0502040204020203" pitchFamily="34" charset="0"/>
+                  </a:rPr>
+                  <a:t>Quality of Life</a:t>
+                </a:r>
+              </a:p>
+            </p:txBody>
+          </p:sp>
+          <p:pic>
+            <p:nvPicPr>
+              <p:cNvPr id="8" name="Grafik 7">
+                <a:extLst>
+                  <a:ext uri="{FF2B5EF4-FFF2-40B4-BE49-F238E27FC236}">
+                    <a16:creationId xmlns:a16="http://schemas.microsoft.com/office/drawing/2014/main" id="{FA8DB1B3-C1FC-4D80-B7D9-DC9FB2AB892B}"/>
+                  </a:ext>
+                </a:extLst>
+              </p:cNvPr>
+              <p:cNvPicPr>
+                <a:picLocks noChangeAspect="1"/>
+              </p:cNvPicPr>
+              <p:nvPr/>
+            </p:nvPicPr>
+            <p:blipFill>
+              <a:blip r:embed="rId11">
+                <a:extLst>
+                  <a:ext uri="{28A0092B-C50C-407E-A947-70E740481C1C}">
+                    <a14:useLocalDpi xmlns:a14="http://schemas.microsoft.com/office/drawing/2010/main" val="0"/>
+                  </a:ext>
+                </a:extLst>
+              </a:blip>
+              <a:stretch>
+                <a:fillRect/>
+              </a:stretch>
+            </p:blipFill>
+            <p:spPr>
+              <a:xfrm>
+                <a:off x="1381405" y="5029937"/>
+                <a:ext cx="540000" cy="540000"/>
+              </a:xfrm>
+              <a:prstGeom prst="rect">
+                <a:avLst/>
+              </a:prstGeom>
+            </p:spPr>
+          </p:pic>
+        </p:grpSp>
+        <p:grpSp>
+          <p:nvGrpSpPr>
+            <p:cNvPr id="59" name="Gruppieren 58">
               <a:extLst>
                 <a:ext uri="{FF2B5EF4-FFF2-40B4-BE49-F238E27FC236}">
-                  <a16:creationId xmlns:a16="http://schemas.microsoft.com/office/drawing/2014/main" id="{FA8DB1B3-C1FC-4D80-B7D9-DC9FB2AB892B}"/>
+                  <a16:creationId xmlns:a16="http://schemas.microsoft.com/office/drawing/2014/main" id="{375C55B6-23D8-484F-A706-5E7A7A275E86}"/>
                 </a:ext>
               </a:extLst>
             </p:cNvPr>
-            <p:cNvPicPr>
-              <a:picLocks noChangeAspect="1"/>
-            </p:cNvPicPr>
+            <p:cNvGrpSpPr/>
             <p:nvPr/>
-          </p:nvPicPr>
-          <p:blipFill>
-            <a:blip r:embed="rId12">
-              <a:extLst>
-                <a:ext uri="{28A0092B-C50C-407E-A947-70E740481C1C}">
-                  <a14:useLocalDpi xmlns:a14="http://schemas.microsoft.com/office/drawing/2010/main" val="0"/>
-                </a:ext>
-              </a:extLst>
-            </a:blip>
-            <a:stretch>
-              <a:fillRect/>
-            </a:stretch>
-          </p:blipFill>
-          <p:spPr>
+          </p:nvGrpSpPr>
+          <p:grpSpPr>
             <a:xfrm>
-              <a:off x="1381405" y="5029937"/>
-              <a:ext cx="540000" cy="540000"/>
+              <a:off x="2262305" y="5026204"/>
+              <a:ext cx="992676" cy="769519"/>
+              <a:chOff x="2380592" y="5029937"/>
+              <a:chExt cx="992676" cy="769519"/>
             </a:xfrm>
-            <a:prstGeom prst="rect">
-              <a:avLst/>
-            </a:prstGeom>
-          </p:spPr>
-        </p:pic>
-      </p:grpSp>
-      <p:grpSp>
-        <p:nvGrpSpPr>
-          <p:cNvPr id="59" name="Gruppieren 58">
-            <a:extLst>
-              <a:ext uri="{FF2B5EF4-FFF2-40B4-BE49-F238E27FC236}">
-                <a16:creationId xmlns:a16="http://schemas.microsoft.com/office/drawing/2014/main" id="{375C55B6-23D8-484F-A706-5E7A7A275E86}"/>
-              </a:ext>
-            </a:extLst>
-          </p:cNvPr>
-          <p:cNvGrpSpPr/>
-          <p:nvPr/>
-        </p:nvGrpSpPr>
-        <p:grpSpPr>
-          <a:xfrm>
-            <a:off x="2262305" y="5026204"/>
-            <a:ext cx="992676" cy="769519"/>
-            <a:chOff x="2380592" y="5029937"/>
-            <a:chExt cx="992676" cy="769519"/>
-          </a:xfrm>
-        </p:grpSpPr>
-        <p:pic>
-          <p:nvPicPr>
-            <p:cNvPr id="10" name="Grafik 9">
+          </p:grpSpPr>
+          <p:pic>
+            <p:nvPicPr>
+              <p:cNvPr id="10" name="Grafik 9">
+                <a:extLst>
+                  <a:ext uri="{FF2B5EF4-FFF2-40B4-BE49-F238E27FC236}">
+                    <a16:creationId xmlns:a16="http://schemas.microsoft.com/office/drawing/2014/main" id="{58355202-26FF-4542-8C17-F15901CAFECC}"/>
+                  </a:ext>
+                </a:extLst>
+              </p:cNvPr>
+              <p:cNvPicPr>
+                <a:picLocks noChangeAspect="1"/>
+              </p:cNvPicPr>
+              <p:nvPr/>
+            </p:nvPicPr>
+            <p:blipFill>
+              <a:blip r:embed="rId12">
+                <a:extLst>
+                  <a:ext uri="{28A0092B-C50C-407E-A947-70E740481C1C}">
+                    <a14:useLocalDpi xmlns:a14="http://schemas.microsoft.com/office/drawing/2010/main" val="0"/>
+                  </a:ext>
+                </a:extLst>
+              </a:blip>
+              <a:stretch>
+                <a:fillRect/>
+              </a:stretch>
+            </p:blipFill>
+            <p:spPr>
+              <a:xfrm>
+                <a:off x="2609578" y="5029937"/>
+                <a:ext cx="540000" cy="540000"/>
+              </a:xfrm>
+              <a:prstGeom prst="rect">
+                <a:avLst/>
+              </a:prstGeom>
+            </p:spPr>
+          </p:pic>
+          <p:sp>
+            <p:nvSpPr>
+              <p:cNvPr id="37" name="Textfeld 36">
+                <a:extLst>
+                  <a:ext uri="{FF2B5EF4-FFF2-40B4-BE49-F238E27FC236}">
+                    <a16:creationId xmlns:a16="http://schemas.microsoft.com/office/drawing/2014/main" id="{615A6FBA-07BA-4D8C-B894-793E5D3432BE}"/>
+                  </a:ext>
+                </a:extLst>
+              </p:cNvPr>
+              <p:cNvSpPr txBox="1"/>
+              <p:nvPr/>
+            </p:nvSpPr>
+            <p:spPr>
+              <a:xfrm>
+                <a:off x="2380592" y="5491679"/>
+                <a:ext cx="992676" cy="307777"/>
+              </a:xfrm>
+              <a:prstGeom prst="rect">
+                <a:avLst/>
+              </a:prstGeom>
+              <a:noFill/>
+            </p:spPr>
+            <p:txBody>
+              <a:bodyPr wrap="square" rtlCol="0">
+                <a:spAutoFit/>
+              </a:bodyPr>
+              <a:lstStyle/>
+              <a:p>
+                <a:pPr algn="ctr"/>
+                <a:r>
+                  <a:rPr lang="en-GB" sz="1400" dirty="0">
+                    <a:latin typeface="Segoe UI Light" panose="020B0502040204020203" pitchFamily="34" charset="0"/>
+                    <a:cs typeface="Segoe UI Light" panose="020B0502040204020203" pitchFamily="34" charset="0"/>
+                  </a:rPr>
+                  <a:t>Health</a:t>
+                </a:r>
+              </a:p>
+            </p:txBody>
+          </p:sp>
+        </p:grpSp>
+        <p:grpSp>
+          <p:nvGrpSpPr>
+            <p:cNvPr id="61" name="Gruppieren 60">
               <a:extLst>
                 <a:ext uri="{FF2B5EF4-FFF2-40B4-BE49-F238E27FC236}">
-                  <a16:creationId xmlns:a16="http://schemas.microsoft.com/office/drawing/2014/main" id="{58355202-26FF-4542-8C17-F15901CAFECC}"/>
+                  <a16:creationId xmlns:a16="http://schemas.microsoft.com/office/drawing/2014/main" id="{138E6E19-B287-4F4E-BCE5-1188DF1E31A5}"/>
                 </a:ext>
               </a:extLst>
             </p:cNvPr>
-            <p:cNvPicPr>
-              <a:picLocks noChangeAspect="1"/>
-            </p:cNvPicPr>
+            <p:cNvGrpSpPr/>
             <p:nvPr/>
-          </p:nvPicPr>
-          <p:blipFill>
-            <a:blip r:embed="rId13">
-              <a:extLst>
-                <a:ext uri="{28A0092B-C50C-407E-A947-70E740481C1C}">
-                  <a14:useLocalDpi xmlns:a14="http://schemas.microsoft.com/office/drawing/2010/main" val="0"/>
-                </a:ext>
-              </a:extLst>
-            </a:blip>
-            <a:stretch>
-              <a:fillRect/>
-            </a:stretch>
-          </p:blipFill>
-          <p:spPr>
+          </p:nvGrpSpPr>
+          <p:grpSpPr>
             <a:xfrm>
-              <a:off x="2609578" y="5029937"/>
-              <a:ext cx="540000" cy="540000"/>
+              <a:off x="3219935" y="5025327"/>
+              <a:ext cx="1230938" cy="771272"/>
+              <a:chOff x="3166969" y="5023841"/>
+              <a:chExt cx="1230938" cy="771272"/>
             </a:xfrm>
-            <a:prstGeom prst="rect">
-              <a:avLst/>
-            </a:prstGeom>
-          </p:spPr>
-        </p:pic>
-        <p:sp>
-          <p:nvSpPr>
-            <p:cNvPr id="37" name="Textfeld 36">
+          </p:grpSpPr>
+          <p:pic>
+            <p:nvPicPr>
+              <p:cNvPr id="18" name="Grafik 17">
+                <a:extLst>
+                  <a:ext uri="{FF2B5EF4-FFF2-40B4-BE49-F238E27FC236}">
+                    <a16:creationId xmlns:a16="http://schemas.microsoft.com/office/drawing/2014/main" id="{93953D04-E3B6-434B-A956-503DDDBEC0C7}"/>
+                  </a:ext>
+                </a:extLst>
+              </p:cNvPr>
+              <p:cNvPicPr>
+                <a:picLocks noChangeAspect="1"/>
+              </p:cNvPicPr>
+              <p:nvPr/>
+            </p:nvPicPr>
+            <p:blipFill>
+              <a:blip r:embed="rId13">
+                <a:extLst>
+                  <a:ext uri="{28A0092B-C50C-407E-A947-70E740481C1C}">
+                    <a14:useLocalDpi xmlns:a14="http://schemas.microsoft.com/office/drawing/2010/main" val="0"/>
+                  </a:ext>
+                </a:extLst>
+              </a:blip>
+              <a:stretch>
+                <a:fillRect/>
+              </a:stretch>
+            </p:blipFill>
+            <p:spPr>
+              <a:xfrm>
+                <a:off x="3517711" y="5023841"/>
+                <a:ext cx="540000" cy="540000"/>
+              </a:xfrm>
+              <a:prstGeom prst="rect">
+                <a:avLst/>
+              </a:prstGeom>
+            </p:spPr>
+          </p:pic>
+          <p:sp>
+            <p:nvSpPr>
+              <p:cNvPr id="39" name="Textfeld 38">
+                <a:extLst>
+                  <a:ext uri="{FF2B5EF4-FFF2-40B4-BE49-F238E27FC236}">
+                    <a16:creationId xmlns:a16="http://schemas.microsoft.com/office/drawing/2014/main" id="{713E46D4-7D41-4BA1-8676-96E58FAF443A}"/>
+                  </a:ext>
+                </a:extLst>
+              </p:cNvPr>
+              <p:cNvSpPr txBox="1"/>
+              <p:nvPr/>
+            </p:nvSpPr>
+            <p:spPr>
+              <a:xfrm>
+                <a:off x="3166969" y="5487336"/>
+                <a:ext cx="1230938" cy="307777"/>
+              </a:xfrm>
+              <a:prstGeom prst="rect">
+                <a:avLst/>
+              </a:prstGeom>
+              <a:noFill/>
+            </p:spPr>
+            <p:txBody>
+              <a:bodyPr wrap="square" rtlCol="0">
+                <a:spAutoFit/>
+              </a:bodyPr>
+              <a:lstStyle/>
+              <a:p>
+                <a:pPr algn="ctr"/>
+                <a:r>
+                  <a:rPr lang="en-GB" sz="1400" dirty="0">
+                    <a:latin typeface="Segoe UI Light" panose="020B0502040204020203" pitchFamily="34" charset="0"/>
+                    <a:cs typeface="Segoe UI Light" panose="020B0502040204020203" pitchFamily="34" charset="0"/>
+                  </a:rPr>
+                  <a:t>Population</a:t>
+                </a:r>
+              </a:p>
+            </p:txBody>
+          </p:sp>
+        </p:grpSp>
+        <p:grpSp>
+          <p:nvGrpSpPr>
+            <p:cNvPr id="58" name="Gruppieren 57">
               <a:extLst>
                 <a:ext uri="{FF2B5EF4-FFF2-40B4-BE49-F238E27FC236}">
-                  <a16:creationId xmlns:a16="http://schemas.microsoft.com/office/drawing/2014/main" id="{615A6FBA-07BA-4D8C-B894-793E5D3432BE}"/>
+                  <a16:creationId xmlns:a16="http://schemas.microsoft.com/office/drawing/2014/main" id="{576F954D-C5C8-4DEF-B25F-08B48B725910}"/>
                 </a:ext>
               </a:extLst>
             </p:cNvPr>
-            <p:cNvSpPr txBox="1"/>
+            <p:cNvGrpSpPr/>
             <p:nvPr/>
-          </p:nvSpPr>
-          <p:spPr>
+          </p:nvGrpSpPr>
+          <p:grpSpPr>
             <a:xfrm>
-              <a:off x="2380592" y="5491679"/>
-              <a:ext cx="992676" cy="307777"/>
+              <a:off x="4415826" y="5024641"/>
+              <a:ext cx="1230938" cy="772644"/>
+              <a:chOff x="4716983" y="5029937"/>
+              <a:chExt cx="1230938" cy="772644"/>
             </a:xfrm>
-            <a:prstGeom prst="rect">
-              <a:avLst/>
-            </a:prstGeom>
-            <a:noFill/>
-          </p:spPr>
-          <p:txBody>
-            <a:bodyPr wrap="square" rtlCol="0">
-              <a:spAutoFit/>
-            </a:bodyPr>
-            <a:lstStyle/>
-            <a:p>
-              <a:pPr algn="ctr"/>
-              <a:r>
-                <a:rPr lang="en-GB" sz="1400" dirty="0">
-                  <a:latin typeface="Segoe UI Light" panose="020B0502040204020203" pitchFamily="34" charset="0"/>
-                  <a:cs typeface="Segoe UI Light" panose="020B0502040204020203" pitchFamily="34" charset="0"/>
-                </a:rPr>
-                <a:t>Health</a:t>
-              </a:r>
-            </a:p>
-          </p:txBody>
-        </p:sp>
-      </p:grpSp>
-      <p:grpSp>
-        <p:nvGrpSpPr>
-          <p:cNvPr id="61" name="Gruppieren 60">
-            <a:extLst>
-              <a:ext uri="{FF2B5EF4-FFF2-40B4-BE49-F238E27FC236}">
-                <a16:creationId xmlns:a16="http://schemas.microsoft.com/office/drawing/2014/main" id="{138E6E19-B287-4F4E-BCE5-1188DF1E31A5}"/>
-              </a:ext>
-            </a:extLst>
-          </p:cNvPr>
-          <p:cNvGrpSpPr/>
-          <p:nvPr/>
-        </p:nvGrpSpPr>
-        <p:grpSpPr>
-          <a:xfrm>
-            <a:off x="3219935" y="5025327"/>
-            <a:ext cx="1230938" cy="771272"/>
-            <a:chOff x="3166969" y="5023841"/>
-            <a:chExt cx="1230938" cy="771272"/>
-          </a:xfrm>
-        </p:grpSpPr>
-        <p:pic>
-          <p:nvPicPr>
-            <p:cNvPr id="18" name="Grafik 17">
+          </p:grpSpPr>
+          <p:pic>
+            <p:nvPicPr>
+              <p:cNvPr id="23" name="Grafik 22">
+                <a:extLst>
+                  <a:ext uri="{FF2B5EF4-FFF2-40B4-BE49-F238E27FC236}">
+                    <a16:creationId xmlns:a16="http://schemas.microsoft.com/office/drawing/2014/main" id="{4F66B2D8-6D8F-45A5-9111-1AE2D7C0F09A}"/>
+                  </a:ext>
+                </a:extLst>
+              </p:cNvPr>
+              <p:cNvPicPr>
+                <a:picLocks noChangeAspect="1"/>
+              </p:cNvPicPr>
+              <p:nvPr/>
+            </p:nvPicPr>
+            <p:blipFill>
+              <a:blip r:embed="rId14">
+                <a:extLst>
+                  <a:ext uri="{28A0092B-C50C-407E-A947-70E740481C1C}">
+                    <a14:useLocalDpi xmlns:a14="http://schemas.microsoft.com/office/drawing/2010/main" val="0"/>
+                  </a:ext>
+                </a:extLst>
+              </a:blip>
+              <a:stretch>
+                <a:fillRect/>
+              </a:stretch>
+            </p:blipFill>
+            <p:spPr>
+              <a:xfrm>
+                <a:off x="5065923" y="5029937"/>
+                <a:ext cx="540000" cy="540000"/>
+              </a:xfrm>
+              <a:prstGeom prst="rect">
+                <a:avLst/>
+              </a:prstGeom>
+            </p:spPr>
+          </p:pic>
+          <p:sp>
+            <p:nvSpPr>
+              <p:cNvPr id="44" name="Textfeld 43">
+                <a:extLst>
+                  <a:ext uri="{FF2B5EF4-FFF2-40B4-BE49-F238E27FC236}">
+                    <a16:creationId xmlns:a16="http://schemas.microsoft.com/office/drawing/2014/main" id="{0F35411B-4874-416F-A88C-0282D00FEA12}"/>
+                  </a:ext>
+                </a:extLst>
+              </p:cNvPr>
+              <p:cNvSpPr txBox="1"/>
+              <p:nvPr/>
+            </p:nvSpPr>
+            <p:spPr>
+              <a:xfrm>
+                <a:off x="4716983" y="5494804"/>
+                <a:ext cx="1230938" cy="307777"/>
+              </a:xfrm>
+              <a:prstGeom prst="rect">
+                <a:avLst/>
+              </a:prstGeom>
+              <a:noFill/>
+            </p:spPr>
+            <p:txBody>
+              <a:bodyPr wrap="square" rtlCol="0">
+                <a:spAutoFit/>
+              </a:bodyPr>
+              <a:lstStyle/>
+              <a:p>
+                <a:pPr algn="ctr"/>
+                <a:r>
+                  <a:rPr lang="en-GB" sz="1400" dirty="0">
+                    <a:latin typeface="Segoe UI Light" panose="020B0502040204020203" pitchFamily="34" charset="0"/>
+                    <a:cs typeface="Segoe UI Light" panose="020B0502040204020203" pitchFamily="34" charset="0"/>
+                  </a:rPr>
+                  <a:t>Infrastructure</a:t>
+                </a:r>
+              </a:p>
+            </p:txBody>
+          </p:sp>
+        </p:grpSp>
+        <p:grpSp>
+          <p:nvGrpSpPr>
+            <p:cNvPr id="62" name="Gruppieren 61">
               <a:extLst>
                 <a:ext uri="{FF2B5EF4-FFF2-40B4-BE49-F238E27FC236}">
-                  <a16:creationId xmlns:a16="http://schemas.microsoft.com/office/drawing/2014/main" id="{93953D04-E3B6-434B-A956-503DDDBEC0C7}"/>
+                  <a16:creationId xmlns:a16="http://schemas.microsoft.com/office/drawing/2014/main" id="{F9E461DC-370D-4CC3-9635-A8CE4F07A524}"/>
                 </a:ext>
               </a:extLst>
             </p:cNvPr>
-            <p:cNvPicPr>
-              <a:picLocks noChangeAspect="1"/>
-            </p:cNvPicPr>
+            <p:cNvGrpSpPr/>
             <p:nvPr/>
-          </p:nvPicPr>
-          <p:blipFill>
-            <a:blip r:embed="rId14">
-              <a:extLst>
-                <a:ext uri="{28A0092B-C50C-407E-A947-70E740481C1C}">
-                  <a14:useLocalDpi xmlns:a14="http://schemas.microsoft.com/office/drawing/2010/main" val="0"/>
-                </a:ext>
-              </a:extLst>
-            </a:blip>
-            <a:stretch>
-              <a:fillRect/>
-            </a:stretch>
-          </p:blipFill>
-          <p:spPr>
+          </p:nvGrpSpPr>
+          <p:grpSpPr>
             <a:xfrm>
-              <a:off x="3517711" y="5023841"/>
-              <a:ext cx="540000" cy="540000"/>
+              <a:off x="1072040" y="5842027"/>
+              <a:ext cx="1230938" cy="804377"/>
+              <a:chOff x="1072040" y="5842027"/>
+              <a:chExt cx="1230938" cy="804377"/>
             </a:xfrm>
-            <a:prstGeom prst="rect">
-              <a:avLst/>
-            </a:prstGeom>
-          </p:spPr>
-        </p:pic>
-        <p:sp>
-          <p:nvSpPr>
-            <p:cNvPr id="39" name="Textfeld 38">
+          </p:grpSpPr>
+          <p:pic>
+            <p:nvPicPr>
+              <p:cNvPr id="27" name="Grafik 26">
+                <a:extLst>
+                  <a:ext uri="{FF2B5EF4-FFF2-40B4-BE49-F238E27FC236}">
+                    <a16:creationId xmlns:a16="http://schemas.microsoft.com/office/drawing/2014/main" id="{17565774-F0C1-42F6-808B-211A39D3B916}"/>
+                  </a:ext>
+                </a:extLst>
+              </p:cNvPr>
+              <p:cNvPicPr>
+                <a:picLocks noChangeAspect="1"/>
+              </p:cNvPicPr>
+              <p:nvPr/>
+            </p:nvPicPr>
+            <p:blipFill>
+              <a:blip r:embed="rId15">
+                <a:extLst>
+                  <a:ext uri="{28A0092B-C50C-407E-A947-70E740481C1C}">
+                    <a14:useLocalDpi xmlns:a14="http://schemas.microsoft.com/office/drawing/2010/main" val="0"/>
+                  </a:ext>
+                </a:extLst>
+              </a:blip>
+              <a:stretch>
+                <a:fillRect/>
+              </a:stretch>
+            </p:blipFill>
+            <p:spPr>
+              <a:xfrm>
+                <a:off x="1377723" y="5842027"/>
+                <a:ext cx="540000" cy="540000"/>
+              </a:xfrm>
+              <a:prstGeom prst="rect">
+                <a:avLst/>
+              </a:prstGeom>
+            </p:spPr>
+          </p:pic>
+          <p:sp>
+            <p:nvSpPr>
+              <p:cNvPr id="46" name="Textfeld 45">
+                <a:extLst>
+                  <a:ext uri="{FF2B5EF4-FFF2-40B4-BE49-F238E27FC236}">
+                    <a16:creationId xmlns:a16="http://schemas.microsoft.com/office/drawing/2014/main" id="{9A2366D0-7D3B-4A3D-B0F1-055C0120D3B4}"/>
+                  </a:ext>
+                </a:extLst>
+              </p:cNvPr>
+              <p:cNvSpPr txBox="1"/>
+              <p:nvPr/>
+            </p:nvSpPr>
+            <p:spPr>
+              <a:xfrm>
+                <a:off x="1072040" y="6338627"/>
+                <a:ext cx="1230938" cy="307777"/>
+              </a:xfrm>
+              <a:prstGeom prst="rect">
+                <a:avLst/>
+              </a:prstGeom>
+              <a:noFill/>
+            </p:spPr>
+            <p:txBody>
+              <a:bodyPr wrap="square" rtlCol="0">
+                <a:spAutoFit/>
+              </a:bodyPr>
+              <a:lstStyle/>
+              <a:p>
+                <a:pPr algn="ctr"/>
+                <a:r>
+                  <a:rPr lang="en-GB" sz="1400" dirty="0">
+                    <a:latin typeface="Segoe UI Light" panose="020B0502040204020203" pitchFamily="34" charset="0"/>
+                    <a:cs typeface="Segoe UI Light" panose="020B0502040204020203" pitchFamily="34" charset="0"/>
+                  </a:rPr>
+                  <a:t>Environment</a:t>
+                </a:r>
+              </a:p>
+            </p:txBody>
+          </p:sp>
+        </p:grpSp>
+        <p:grpSp>
+          <p:nvGrpSpPr>
+            <p:cNvPr id="63" name="Gruppieren 62">
               <a:extLst>
                 <a:ext uri="{FF2B5EF4-FFF2-40B4-BE49-F238E27FC236}">
-                  <a16:creationId xmlns:a16="http://schemas.microsoft.com/office/drawing/2014/main" id="{713E46D4-7D41-4BA1-8676-96E58FAF443A}"/>
+                  <a16:creationId xmlns:a16="http://schemas.microsoft.com/office/drawing/2014/main" id="{02209092-BAE5-4C1B-B324-75116602CD1C}"/>
                 </a:ext>
               </a:extLst>
             </p:cNvPr>
-            <p:cNvSpPr txBox="1"/>
+            <p:cNvGrpSpPr/>
             <p:nvPr/>
-          </p:nvSpPr>
-          <p:spPr>
+          </p:nvGrpSpPr>
+          <p:grpSpPr>
             <a:xfrm>
-              <a:off x="3166969" y="5487336"/>
-              <a:ext cx="1230938" cy="307777"/>
+              <a:off x="2183074" y="5847066"/>
+              <a:ext cx="1230938" cy="794298"/>
+              <a:chOff x="2159781" y="5842027"/>
+              <a:chExt cx="1230938" cy="794298"/>
             </a:xfrm>
-            <a:prstGeom prst="rect">
-              <a:avLst/>
-            </a:prstGeom>
-            <a:noFill/>
-          </p:spPr>
-          <p:txBody>
-            <a:bodyPr wrap="square" rtlCol="0">
-              <a:spAutoFit/>
-            </a:bodyPr>
-            <a:lstStyle/>
-            <a:p>
-              <a:pPr algn="ctr"/>
-              <a:r>
-                <a:rPr lang="en-GB" sz="1400" dirty="0">
-                  <a:latin typeface="Segoe UI Light" panose="020B0502040204020203" pitchFamily="34" charset="0"/>
-                  <a:cs typeface="Segoe UI Light" panose="020B0502040204020203" pitchFamily="34" charset="0"/>
-                </a:rPr>
-                <a:t>Population</a:t>
-              </a:r>
-            </a:p>
-          </p:txBody>
-        </p:sp>
-      </p:grpSp>
-      <p:grpSp>
-        <p:nvGrpSpPr>
-          <p:cNvPr id="58" name="Gruppieren 57">
-            <a:extLst>
-              <a:ext uri="{FF2B5EF4-FFF2-40B4-BE49-F238E27FC236}">
-                <a16:creationId xmlns:a16="http://schemas.microsoft.com/office/drawing/2014/main" id="{576F954D-C5C8-4DEF-B25F-08B48B725910}"/>
-              </a:ext>
-            </a:extLst>
-          </p:cNvPr>
-          <p:cNvGrpSpPr/>
-          <p:nvPr/>
-        </p:nvGrpSpPr>
-        <p:grpSpPr>
-          <a:xfrm>
-            <a:off x="4415826" y="5024641"/>
-            <a:ext cx="1230938" cy="772644"/>
-            <a:chOff x="4716983" y="5029937"/>
-            <a:chExt cx="1230938" cy="772644"/>
-          </a:xfrm>
-        </p:grpSpPr>
-        <p:pic>
-          <p:nvPicPr>
-            <p:cNvPr id="23" name="Grafik 22">
+          </p:grpSpPr>
+          <p:pic>
+            <p:nvPicPr>
+              <p:cNvPr id="35" name="Grafik 34">
+                <a:extLst>
+                  <a:ext uri="{FF2B5EF4-FFF2-40B4-BE49-F238E27FC236}">
+                    <a16:creationId xmlns:a16="http://schemas.microsoft.com/office/drawing/2014/main" id="{2AB523F6-55C0-44FC-92F7-73EF1B4DAA73}"/>
+                  </a:ext>
+                </a:extLst>
+              </p:cNvPr>
+              <p:cNvPicPr>
+                <a:picLocks noChangeAspect="1"/>
+              </p:cNvPicPr>
+              <p:nvPr/>
+            </p:nvPicPr>
+            <p:blipFill>
+              <a:blip r:embed="rId16">
+                <a:extLst>
+                  <a:ext uri="{28A0092B-C50C-407E-A947-70E740481C1C}">
+                    <a14:useLocalDpi xmlns:a14="http://schemas.microsoft.com/office/drawing/2010/main" val="0"/>
+                  </a:ext>
+                </a:extLst>
+              </a:blip>
+              <a:stretch>
+                <a:fillRect/>
+              </a:stretch>
+            </p:blipFill>
+            <p:spPr>
+              <a:xfrm>
+                <a:off x="2504351" y="5842027"/>
+                <a:ext cx="540000" cy="540000"/>
+              </a:xfrm>
+              <a:prstGeom prst="rect">
+                <a:avLst/>
+              </a:prstGeom>
+            </p:spPr>
+          </p:pic>
+          <p:sp>
+            <p:nvSpPr>
+              <p:cNvPr id="48" name="Textfeld 47">
+                <a:extLst>
+                  <a:ext uri="{FF2B5EF4-FFF2-40B4-BE49-F238E27FC236}">
+                    <a16:creationId xmlns:a16="http://schemas.microsoft.com/office/drawing/2014/main" id="{6C14096D-006D-40E2-A259-384BBBEFC748}"/>
+                  </a:ext>
+                </a:extLst>
+              </p:cNvPr>
+              <p:cNvSpPr txBox="1"/>
+              <p:nvPr/>
+            </p:nvSpPr>
+            <p:spPr>
+              <a:xfrm>
+                <a:off x="2159781" y="6328548"/>
+                <a:ext cx="1230938" cy="307777"/>
+              </a:xfrm>
+              <a:prstGeom prst="rect">
+                <a:avLst/>
+              </a:prstGeom>
+              <a:noFill/>
+            </p:spPr>
+            <p:txBody>
+              <a:bodyPr wrap="square" rtlCol="0">
+                <a:spAutoFit/>
+              </a:bodyPr>
+              <a:lstStyle/>
+              <a:p>
+                <a:pPr algn="ctr"/>
+                <a:r>
+                  <a:rPr lang="en-GB" sz="1400" dirty="0">
+                    <a:latin typeface="Segoe UI Light" panose="020B0502040204020203" pitchFamily="34" charset="0"/>
+                    <a:cs typeface="Segoe UI Light" panose="020B0502040204020203" pitchFamily="34" charset="0"/>
+                  </a:rPr>
+                  <a:t>Education</a:t>
+                </a:r>
+              </a:p>
+            </p:txBody>
+          </p:sp>
+        </p:grpSp>
+        <p:grpSp>
+          <p:nvGrpSpPr>
+            <p:cNvPr id="64" name="Gruppieren 63">
               <a:extLst>
                 <a:ext uri="{FF2B5EF4-FFF2-40B4-BE49-F238E27FC236}">
-                  <a16:creationId xmlns:a16="http://schemas.microsoft.com/office/drawing/2014/main" id="{4F66B2D8-6D8F-45A5-9111-1AE2D7C0F09A}"/>
+                  <a16:creationId xmlns:a16="http://schemas.microsoft.com/office/drawing/2014/main" id="{F2D0A8E0-B86B-4A18-A451-CDE346CC3524}"/>
                 </a:ext>
               </a:extLst>
             </p:cNvPr>
-            <p:cNvPicPr>
-              <a:picLocks noChangeAspect="1"/>
-            </p:cNvPicPr>
+            <p:cNvGrpSpPr/>
             <p:nvPr/>
-          </p:nvPicPr>
-          <p:blipFill>
-            <a:blip r:embed="rId15">
-              <a:extLst>
-                <a:ext uri="{28A0092B-C50C-407E-A947-70E740481C1C}">
-                  <a14:useLocalDpi xmlns:a14="http://schemas.microsoft.com/office/drawing/2010/main" val="0"/>
-                </a:ext>
-              </a:extLst>
-            </a:blip>
-            <a:stretch>
-              <a:fillRect/>
-            </a:stretch>
-          </p:blipFill>
-          <p:spPr>
+          </p:nvGrpSpPr>
+          <p:grpSpPr>
             <a:xfrm>
-              <a:off x="5065923" y="5029937"/>
-              <a:ext cx="540000" cy="540000"/>
+              <a:off x="3294108" y="5844547"/>
+              <a:ext cx="1230938" cy="799337"/>
+              <a:chOff x="3291261" y="5842027"/>
+              <a:chExt cx="1230938" cy="799337"/>
             </a:xfrm>
-            <a:prstGeom prst="rect">
-              <a:avLst/>
-            </a:prstGeom>
-          </p:spPr>
-        </p:pic>
-        <p:sp>
-          <p:nvSpPr>
-            <p:cNvPr id="44" name="Textfeld 43">
+          </p:grpSpPr>
+          <p:pic>
+            <p:nvPicPr>
+              <p:cNvPr id="50" name="Grafik 49">
+                <a:extLst>
+                  <a:ext uri="{FF2B5EF4-FFF2-40B4-BE49-F238E27FC236}">
+                    <a16:creationId xmlns:a16="http://schemas.microsoft.com/office/drawing/2014/main" id="{23D114B9-EC65-4094-B439-75EFDD11F9A9}"/>
+                  </a:ext>
+                </a:extLst>
+              </p:cNvPr>
+              <p:cNvPicPr>
+                <a:picLocks noChangeAspect="1"/>
+              </p:cNvPicPr>
+              <p:nvPr/>
+            </p:nvPicPr>
+            <p:blipFill>
+              <a:blip r:embed="rId17">
+                <a:extLst>
+                  <a:ext uri="{28A0092B-C50C-407E-A947-70E740481C1C}">
+                    <a14:useLocalDpi xmlns:a14="http://schemas.microsoft.com/office/drawing/2010/main" val="0"/>
+                  </a:ext>
+                </a:extLst>
+              </a:blip>
+              <a:stretch>
+                <a:fillRect/>
+              </a:stretch>
+            </p:blipFill>
+            <p:spPr>
+              <a:xfrm>
+                <a:off x="3630979" y="5842027"/>
+                <a:ext cx="540000" cy="540000"/>
+              </a:xfrm>
+              <a:prstGeom prst="rect">
+                <a:avLst/>
+              </a:prstGeom>
+            </p:spPr>
+          </p:pic>
+          <p:sp>
+            <p:nvSpPr>
+              <p:cNvPr id="51" name="Textfeld 50">
+                <a:extLst>
+                  <a:ext uri="{FF2B5EF4-FFF2-40B4-BE49-F238E27FC236}">
+                    <a16:creationId xmlns:a16="http://schemas.microsoft.com/office/drawing/2014/main" id="{56668B34-3AA5-4AC1-B6D0-9B49068216B6}"/>
+                  </a:ext>
+                </a:extLst>
+              </p:cNvPr>
+              <p:cNvSpPr txBox="1"/>
+              <p:nvPr/>
+            </p:nvSpPr>
+            <p:spPr>
+              <a:xfrm>
+                <a:off x="3291261" y="6333587"/>
+                <a:ext cx="1230938" cy="307777"/>
+              </a:xfrm>
+              <a:prstGeom prst="rect">
+                <a:avLst/>
+              </a:prstGeom>
+              <a:noFill/>
+            </p:spPr>
+            <p:txBody>
+              <a:bodyPr wrap="square" rtlCol="0">
+                <a:spAutoFit/>
+              </a:bodyPr>
+              <a:lstStyle/>
+              <a:p>
+                <a:pPr algn="ctr"/>
+                <a:r>
+                  <a:rPr lang="en-GB" sz="1400" dirty="0">
+                    <a:latin typeface="Segoe UI Light" panose="020B0502040204020203" pitchFamily="34" charset="0"/>
+                    <a:cs typeface="Segoe UI Light" panose="020B0502040204020203" pitchFamily="34" charset="0"/>
+                  </a:rPr>
+                  <a:t>Economy</a:t>
+                </a:r>
+              </a:p>
+            </p:txBody>
+          </p:sp>
+        </p:grpSp>
+        <p:grpSp>
+          <p:nvGrpSpPr>
+            <p:cNvPr id="65" name="Gruppieren 64">
               <a:extLst>
                 <a:ext uri="{FF2B5EF4-FFF2-40B4-BE49-F238E27FC236}">
-                  <a16:creationId xmlns:a16="http://schemas.microsoft.com/office/drawing/2014/main" id="{0F35411B-4874-416F-A88C-0282D00FEA12}"/>
+                  <a16:creationId xmlns:a16="http://schemas.microsoft.com/office/drawing/2014/main" id="{643A9D5F-AFBF-4664-9FD7-DCA73BBA663C}"/>
                 </a:ext>
               </a:extLst>
             </p:cNvPr>
-            <p:cNvSpPr txBox="1"/>
+            <p:cNvGrpSpPr/>
             <p:nvPr/>
-          </p:nvSpPr>
-          <p:spPr>
+          </p:nvGrpSpPr>
+          <p:grpSpPr>
             <a:xfrm>
-              <a:off x="4716983" y="5494804"/>
-              <a:ext cx="1230938" cy="307777"/>
+              <a:off x="4405143" y="5848560"/>
+              <a:ext cx="1230938" cy="791310"/>
+              <a:chOff x="4411239" y="5842027"/>
+              <a:chExt cx="1230938" cy="791310"/>
             </a:xfrm>
-            <a:prstGeom prst="rect">
-              <a:avLst/>
-            </a:prstGeom>
-            <a:noFill/>
-          </p:spPr>
-          <p:txBody>
-            <a:bodyPr wrap="square" rtlCol="0">
-              <a:spAutoFit/>
-            </a:bodyPr>
-            <a:lstStyle/>
-            <a:p>
-              <a:pPr algn="ctr"/>
-              <a:r>
-                <a:rPr lang="en-GB" sz="1400" dirty="0">
-                  <a:latin typeface="Segoe UI Light" panose="020B0502040204020203" pitchFamily="34" charset="0"/>
-                  <a:cs typeface="Segoe UI Light" panose="020B0502040204020203" pitchFamily="34" charset="0"/>
-                </a:rPr>
-                <a:t>Infrastructure</a:t>
-              </a:r>
-            </a:p>
-          </p:txBody>
-        </p:sp>
-      </p:grpSp>
-      <p:grpSp>
-        <p:nvGrpSpPr>
-          <p:cNvPr id="62" name="Gruppieren 61">
-            <a:extLst>
-              <a:ext uri="{FF2B5EF4-FFF2-40B4-BE49-F238E27FC236}">
-                <a16:creationId xmlns:a16="http://schemas.microsoft.com/office/drawing/2014/main" id="{F9E461DC-370D-4CC3-9635-A8CE4F07A524}"/>
-              </a:ext>
-            </a:extLst>
-          </p:cNvPr>
-          <p:cNvGrpSpPr/>
-          <p:nvPr/>
-        </p:nvGrpSpPr>
-        <p:grpSpPr>
-          <a:xfrm>
-            <a:off x="1072040" y="5842027"/>
-            <a:ext cx="1230938" cy="804377"/>
-            <a:chOff x="1072040" y="5842027"/>
-            <a:chExt cx="1230938" cy="804377"/>
-          </a:xfrm>
-        </p:grpSpPr>
-        <p:pic>
-          <p:nvPicPr>
-            <p:cNvPr id="27" name="Grafik 26">
-              <a:extLst>
-                <a:ext uri="{FF2B5EF4-FFF2-40B4-BE49-F238E27FC236}">
-                  <a16:creationId xmlns:a16="http://schemas.microsoft.com/office/drawing/2014/main" id="{17565774-F0C1-42F6-808B-211A39D3B916}"/>
-                </a:ext>
-              </a:extLst>
-            </p:cNvPr>
-            <p:cNvPicPr>
-              <a:picLocks noChangeAspect="1"/>
-            </p:cNvPicPr>
-            <p:nvPr/>
-          </p:nvPicPr>
-          <p:blipFill>
-            <a:blip r:embed="rId16">
-              <a:extLst>
-                <a:ext uri="{28A0092B-C50C-407E-A947-70E740481C1C}">
-                  <a14:useLocalDpi xmlns:a14="http://schemas.microsoft.com/office/drawing/2010/main" val="0"/>
-                </a:ext>
-              </a:extLst>
-            </a:blip>
-            <a:stretch>
-              <a:fillRect/>
-            </a:stretch>
-          </p:blipFill>
-          <p:spPr>
-            <a:xfrm>
-              <a:off x="1377723" y="5842027"/>
-              <a:ext cx="540000" cy="540000"/>
-            </a:xfrm>
-            <a:prstGeom prst="rect">
-              <a:avLst/>
-            </a:prstGeom>
-          </p:spPr>
-        </p:pic>
-        <p:sp>
-          <p:nvSpPr>
-            <p:cNvPr id="46" name="Textfeld 45">
-              <a:extLst>
-                <a:ext uri="{FF2B5EF4-FFF2-40B4-BE49-F238E27FC236}">
-                  <a16:creationId xmlns:a16="http://schemas.microsoft.com/office/drawing/2014/main" id="{9A2366D0-7D3B-4A3D-B0F1-055C0120D3B4}"/>
-                </a:ext>
-              </a:extLst>
-            </p:cNvPr>
-            <p:cNvSpPr txBox="1"/>
-            <p:nvPr/>
-          </p:nvSpPr>
-          <p:spPr>
-            <a:xfrm>
-              <a:off x="1072040" y="6338627"/>
-              <a:ext cx="1230938" cy="307777"/>
-            </a:xfrm>
-            <a:prstGeom prst="rect">
-              <a:avLst/>
-            </a:prstGeom>
-            <a:noFill/>
-          </p:spPr>
-          <p:txBody>
-            <a:bodyPr wrap="square" rtlCol="0">
-              <a:spAutoFit/>
-            </a:bodyPr>
-            <a:lstStyle/>
-            <a:p>
-              <a:pPr algn="ctr"/>
-              <a:r>
-                <a:rPr lang="en-GB" sz="1400" dirty="0">
-                  <a:latin typeface="Segoe UI Light" panose="020B0502040204020203" pitchFamily="34" charset="0"/>
-                  <a:cs typeface="Segoe UI Light" panose="020B0502040204020203" pitchFamily="34" charset="0"/>
-                </a:rPr>
-                <a:t>Environment</a:t>
-              </a:r>
-            </a:p>
-          </p:txBody>
-        </p:sp>
-      </p:grpSp>
-      <p:grpSp>
-        <p:nvGrpSpPr>
-          <p:cNvPr id="63" name="Gruppieren 62">
-            <a:extLst>
-              <a:ext uri="{FF2B5EF4-FFF2-40B4-BE49-F238E27FC236}">
-                <a16:creationId xmlns:a16="http://schemas.microsoft.com/office/drawing/2014/main" id="{02209092-BAE5-4C1B-B324-75116602CD1C}"/>
-              </a:ext>
-            </a:extLst>
-          </p:cNvPr>
-          <p:cNvGrpSpPr/>
-          <p:nvPr/>
-        </p:nvGrpSpPr>
-        <p:grpSpPr>
-          <a:xfrm>
-            <a:off x="2183074" y="5847066"/>
-            <a:ext cx="1230938" cy="794298"/>
-            <a:chOff x="2159781" y="5842027"/>
-            <a:chExt cx="1230938" cy="794298"/>
-          </a:xfrm>
-        </p:grpSpPr>
-        <p:pic>
-          <p:nvPicPr>
-            <p:cNvPr id="35" name="Grafik 34">
-              <a:extLst>
-                <a:ext uri="{FF2B5EF4-FFF2-40B4-BE49-F238E27FC236}">
-                  <a16:creationId xmlns:a16="http://schemas.microsoft.com/office/drawing/2014/main" id="{2AB523F6-55C0-44FC-92F7-73EF1B4DAA73}"/>
-                </a:ext>
-              </a:extLst>
-            </p:cNvPr>
-            <p:cNvPicPr>
-              <a:picLocks noChangeAspect="1"/>
-            </p:cNvPicPr>
-            <p:nvPr/>
-          </p:nvPicPr>
-          <p:blipFill>
-            <a:blip r:embed="rId17">
-              <a:extLst>
-                <a:ext uri="{28A0092B-C50C-407E-A947-70E740481C1C}">
-                  <a14:useLocalDpi xmlns:a14="http://schemas.microsoft.com/office/drawing/2010/main" val="0"/>
-                </a:ext>
-              </a:extLst>
-            </a:blip>
-            <a:stretch>
-              <a:fillRect/>
-            </a:stretch>
-          </p:blipFill>
-          <p:spPr>
-            <a:xfrm>
-              <a:off x="2504351" y="5842027"/>
-              <a:ext cx="540000" cy="540000"/>
-            </a:xfrm>
-            <a:prstGeom prst="rect">
-              <a:avLst/>
-            </a:prstGeom>
-          </p:spPr>
-        </p:pic>
-        <p:sp>
-          <p:nvSpPr>
-            <p:cNvPr id="48" name="Textfeld 47">
-              <a:extLst>
-                <a:ext uri="{FF2B5EF4-FFF2-40B4-BE49-F238E27FC236}">
-                  <a16:creationId xmlns:a16="http://schemas.microsoft.com/office/drawing/2014/main" id="{6C14096D-006D-40E2-A259-384BBBEFC748}"/>
-                </a:ext>
-              </a:extLst>
-            </p:cNvPr>
-            <p:cNvSpPr txBox="1"/>
-            <p:nvPr/>
-          </p:nvSpPr>
-          <p:spPr>
-            <a:xfrm>
-              <a:off x="2159781" y="6328548"/>
-              <a:ext cx="1230938" cy="307777"/>
-            </a:xfrm>
-            <a:prstGeom prst="rect">
-              <a:avLst/>
-            </a:prstGeom>
-            <a:noFill/>
-          </p:spPr>
-          <p:txBody>
-            <a:bodyPr wrap="square" rtlCol="0">
-              <a:spAutoFit/>
-            </a:bodyPr>
-            <a:lstStyle/>
-            <a:p>
-              <a:pPr algn="ctr"/>
-              <a:r>
-                <a:rPr lang="en-GB" sz="1400" dirty="0">
-                  <a:latin typeface="Segoe UI Light" panose="020B0502040204020203" pitchFamily="34" charset="0"/>
-                  <a:cs typeface="Segoe UI Light" panose="020B0502040204020203" pitchFamily="34" charset="0"/>
-                </a:rPr>
-                <a:t>Education</a:t>
-              </a:r>
-            </a:p>
-          </p:txBody>
-        </p:sp>
-      </p:grpSp>
-      <p:grpSp>
-        <p:nvGrpSpPr>
-          <p:cNvPr id="64" name="Gruppieren 63">
-            <a:extLst>
-              <a:ext uri="{FF2B5EF4-FFF2-40B4-BE49-F238E27FC236}">
-                <a16:creationId xmlns:a16="http://schemas.microsoft.com/office/drawing/2014/main" id="{F2D0A8E0-B86B-4A18-A451-CDE346CC3524}"/>
-              </a:ext>
-            </a:extLst>
-          </p:cNvPr>
-          <p:cNvGrpSpPr/>
-          <p:nvPr/>
-        </p:nvGrpSpPr>
-        <p:grpSpPr>
-          <a:xfrm>
-            <a:off x="3294108" y="5844547"/>
-            <a:ext cx="1230938" cy="799337"/>
-            <a:chOff x="3291261" y="5842027"/>
-            <a:chExt cx="1230938" cy="799337"/>
-          </a:xfrm>
-        </p:grpSpPr>
-        <p:pic>
-          <p:nvPicPr>
-            <p:cNvPr id="50" name="Grafik 49">
-              <a:extLst>
-                <a:ext uri="{FF2B5EF4-FFF2-40B4-BE49-F238E27FC236}">
-                  <a16:creationId xmlns:a16="http://schemas.microsoft.com/office/drawing/2014/main" id="{23D114B9-EC65-4094-B439-75EFDD11F9A9}"/>
-                </a:ext>
-              </a:extLst>
-            </p:cNvPr>
-            <p:cNvPicPr>
-              <a:picLocks noChangeAspect="1"/>
-            </p:cNvPicPr>
-            <p:nvPr/>
-          </p:nvPicPr>
-          <p:blipFill>
-            <a:blip r:embed="rId18">
-              <a:extLst>
-                <a:ext uri="{28A0092B-C50C-407E-A947-70E740481C1C}">
-                  <a14:useLocalDpi xmlns:a14="http://schemas.microsoft.com/office/drawing/2010/main" val="0"/>
-                </a:ext>
-              </a:extLst>
-            </a:blip>
-            <a:stretch>
-              <a:fillRect/>
-            </a:stretch>
-          </p:blipFill>
-          <p:spPr>
-            <a:xfrm>
-              <a:off x="3630979" y="5842027"/>
-              <a:ext cx="540000" cy="540000"/>
-            </a:xfrm>
-            <a:prstGeom prst="rect">
-              <a:avLst/>
-            </a:prstGeom>
-          </p:spPr>
-        </p:pic>
-        <p:sp>
-          <p:nvSpPr>
-            <p:cNvPr id="51" name="Textfeld 50">
-              <a:extLst>
-                <a:ext uri="{FF2B5EF4-FFF2-40B4-BE49-F238E27FC236}">
-                  <a16:creationId xmlns:a16="http://schemas.microsoft.com/office/drawing/2014/main" id="{56668B34-3AA5-4AC1-B6D0-9B49068216B6}"/>
-                </a:ext>
-              </a:extLst>
-            </p:cNvPr>
-            <p:cNvSpPr txBox="1"/>
-            <p:nvPr/>
-          </p:nvSpPr>
-          <p:spPr>
-            <a:xfrm>
-              <a:off x="3291261" y="6333587"/>
-              <a:ext cx="1230938" cy="307777"/>
-            </a:xfrm>
-            <a:prstGeom prst="rect">
-              <a:avLst/>
-            </a:prstGeom>
-            <a:noFill/>
-          </p:spPr>
-          <p:txBody>
-            <a:bodyPr wrap="square" rtlCol="0">
-              <a:spAutoFit/>
-            </a:bodyPr>
-            <a:lstStyle/>
-            <a:p>
-              <a:pPr algn="ctr"/>
-              <a:r>
-                <a:rPr lang="en-GB" sz="1400" dirty="0">
-                  <a:latin typeface="Segoe UI Light" panose="020B0502040204020203" pitchFamily="34" charset="0"/>
-                  <a:cs typeface="Segoe UI Light" panose="020B0502040204020203" pitchFamily="34" charset="0"/>
-                </a:rPr>
-                <a:t>Economy</a:t>
-              </a:r>
-            </a:p>
-          </p:txBody>
-        </p:sp>
-      </p:grpSp>
-      <p:grpSp>
-        <p:nvGrpSpPr>
-          <p:cNvPr id="65" name="Gruppieren 64">
-            <a:extLst>
-              <a:ext uri="{FF2B5EF4-FFF2-40B4-BE49-F238E27FC236}">
-                <a16:creationId xmlns:a16="http://schemas.microsoft.com/office/drawing/2014/main" id="{643A9D5F-AFBF-4664-9FD7-DCA73BBA663C}"/>
-              </a:ext>
-            </a:extLst>
-          </p:cNvPr>
-          <p:cNvGrpSpPr/>
-          <p:nvPr/>
-        </p:nvGrpSpPr>
-        <p:grpSpPr>
-          <a:xfrm>
-            <a:off x="4405143" y="5848560"/>
-            <a:ext cx="1230938" cy="791310"/>
-            <a:chOff x="4411239" y="5842027"/>
-            <a:chExt cx="1230938" cy="791310"/>
-          </a:xfrm>
-        </p:grpSpPr>
-        <p:pic>
-          <p:nvPicPr>
-            <p:cNvPr id="53" name="Grafik 52">
-              <a:extLst>
-                <a:ext uri="{FF2B5EF4-FFF2-40B4-BE49-F238E27FC236}">
-                  <a16:creationId xmlns:a16="http://schemas.microsoft.com/office/drawing/2014/main" id="{F4A92F58-5F70-4B6C-9BB7-82E8818B7E85}"/>
-                </a:ext>
-              </a:extLst>
-            </p:cNvPr>
-            <p:cNvPicPr>
-              <a:picLocks noChangeAspect="1"/>
-            </p:cNvPicPr>
-            <p:nvPr/>
-          </p:nvPicPr>
-          <p:blipFill>
-            <a:blip r:embed="rId19">
-              <a:extLst>
-                <a:ext uri="{28A0092B-C50C-407E-A947-70E740481C1C}">
-                  <a14:useLocalDpi xmlns:a14="http://schemas.microsoft.com/office/drawing/2010/main" val="0"/>
-                </a:ext>
-              </a:extLst>
-            </a:blip>
-            <a:stretch>
-              <a:fillRect/>
-            </a:stretch>
-          </p:blipFill>
-          <p:spPr>
-            <a:xfrm>
-              <a:off x="4757608" y="5842027"/>
-              <a:ext cx="540000" cy="540000"/>
-            </a:xfrm>
-            <a:prstGeom prst="rect">
-              <a:avLst/>
-            </a:prstGeom>
-          </p:spPr>
-        </p:pic>
-        <p:sp>
-          <p:nvSpPr>
-            <p:cNvPr id="54" name="Textfeld 53">
-              <a:extLst>
-                <a:ext uri="{FF2B5EF4-FFF2-40B4-BE49-F238E27FC236}">
-                  <a16:creationId xmlns:a16="http://schemas.microsoft.com/office/drawing/2014/main" id="{11181380-77BB-4FDF-AB5D-6ED36AFEE862}"/>
-                </a:ext>
-              </a:extLst>
-            </p:cNvPr>
-            <p:cNvSpPr txBox="1"/>
-            <p:nvPr/>
-          </p:nvSpPr>
-          <p:spPr>
-            <a:xfrm>
-              <a:off x="4411239" y="6325560"/>
-              <a:ext cx="1230938" cy="307777"/>
-            </a:xfrm>
-            <a:prstGeom prst="rect">
-              <a:avLst/>
-            </a:prstGeom>
-            <a:noFill/>
-          </p:spPr>
-          <p:txBody>
-            <a:bodyPr wrap="square" rtlCol="0">
-              <a:spAutoFit/>
-            </a:bodyPr>
-            <a:lstStyle/>
-            <a:p>
-              <a:pPr algn="ctr"/>
-              <a:r>
-                <a:rPr lang="en-GB" sz="1400" dirty="0">
-                  <a:latin typeface="Segoe UI Light" panose="020B0502040204020203" pitchFamily="34" charset="0"/>
-                  <a:cs typeface="Segoe UI Light" panose="020B0502040204020203" pitchFamily="34" charset="0"/>
-                </a:rPr>
-                <a:t>Politics</a:t>
-              </a:r>
-            </a:p>
-          </p:txBody>
-        </p:sp>
+          </p:grpSpPr>
+          <p:pic>
+            <p:nvPicPr>
+              <p:cNvPr id="53" name="Grafik 52">
+                <a:extLst>
+                  <a:ext uri="{FF2B5EF4-FFF2-40B4-BE49-F238E27FC236}">
+                    <a16:creationId xmlns:a16="http://schemas.microsoft.com/office/drawing/2014/main" id="{F4A92F58-5F70-4B6C-9BB7-82E8818B7E85}"/>
+                  </a:ext>
+                </a:extLst>
+              </p:cNvPr>
+              <p:cNvPicPr>
+                <a:picLocks noChangeAspect="1"/>
+              </p:cNvPicPr>
+              <p:nvPr/>
+            </p:nvPicPr>
+            <p:blipFill>
+              <a:blip r:embed="rId18">
+                <a:extLst>
+                  <a:ext uri="{28A0092B-C50C-407E-A947-70E740481C1C}">
+                    <a14:useLocalDpi xmlns:a14="http://schemas.microsoft.com/office/drawing/2010/main" val="0"/>
+                  </a:ext>
+                </a:extLst>
+              </a:blip>
+              <a:stretch>
+                <a:fillRect/>
+              </a:stretch>
+            </p:blipFill>
+            <p:spPr>
+              <a:xfrm>
+                <a:off x="4757608" y="5842027"/>
+                <a:ext cx="540000" cy="540000"/>
+              </a:xfrm>
+              <a:prstGeom prst="rect">
+                <a:avLst/>
+              </a:prstGeom>
+            </p:spPr>
+          </p:pic>
+          <p:sp>
+            <p:nvSpPr>
+              <p:cNvPr id="54" name="Textfeld 53">
+                <a:extLst>
+                  <a:ext uri="{FF2B5EF4-FFF2-40B4-BE49-F238E27FC236}">
+                    <a16:creationId xmlns:a16="http://schemas.microsoft.com/office/drawing/2014/main" id="{11181380-77BB-4FDF-AB5D-6ED36AFEE862}"/>
+                  </a:ext>
+                </a:extLst>
+              </p:cNvPr>
+              <p:cNvSpPr txBox="1"/>
+              <p:nvPr/>
+            </p:nvSpPr>
+            <p:spPr>
+              <a:xfrm>
+                <a:off x="4411239" y="6325560"/>
+                <a:ext cx="1230938" cy="307777"/>
+              </a:xfrm>
+              <a:prstGeom prst="rect">
+                <a:avLst/>
+              </a:prstGeom>
+              <a:noFill/>
+            </p:spPr>
+            <p:txBody>
+              <a:bodyPr wrap="square" rtlCol="0">
+                <a:spAutoFit/>
+              </a:bodyPr>
+              <a:lstStyle/>
+              <a:p>
+                <a:pPr algn="ctr"/>
+                <a:r>
+                  <a:rPr lang="en-GB" sz="1400" dirty="0">
+                    <a:latin typeface="Segoe UI Light" panose="020B0502040204020203" pitchFamily="34" charset="0"/>
+                    <a:cs typeface="Segoe UI Light" panose="020B0502040204020203" pitchFamily="34" charset="0"/>
+                  </a:rPr>
+                  <a:t>Politics</a:t>
+                </a:r>
+              </a:p>
+            </p:txBody>
+          </p:sp>
+        </p:grpSp>
       </p:grpSp>
       <p:sp>
         <p:nvSpPr>
@@ -5028,8 +5003,8 @@
         </p:nvSpPr>
         <p:spPr>
           <a:xfrm>
-            <a:off x="1154405" y="4521106"/>
-            <a:ext cx="1170101" cy="369332"/>
+            <a:off x="1089090" y="4357817"/>
+            <a:ext cx="1170101" cy="338554"/>
           </a:xfrm>
           <a:prstGeom prst="rect">
             <a:avLst/>
@@ -5043,111 +5018,13 @@
           <a:lstStyle/>
           <a:p>
             <a:r>
-              <a:rPr lang="en-GB" b="1" dirty="0">
+              <a:rPr lang="en-GB" sz="1600" b="1" dirty="0">
                 <a:latin typeface="Segoe UI Light" panose="020B0502040204020203" pitchFamily="34" charset="0"/>
                 <a:cs typeface="Segoe UI Light" panose="020B0502040204020203" pitchFamily="34" charset="0"/>
               </a:rPr>
               <a:t>Variables</a:t>
             </a:r>
-          </a:p>
-        </p:txBody>
-      </p:sp>
-      <p:sp>
-        <p:nvSpPr>
-          <p:cNvPr id="56" name="Textfeld 55">
-            <a:extLst>
-              <a:ext uri="{FF2B5EF4-FFF2-40B4-BE49-F238E27FC236}">
-                <a16:creationId xmlns:a16="http://schemas.microsoft.com/office/drawing/2014/main" id="{8DF74031-AB9B-4E8E-85C6-2D730CE1A19B}"/>
-              </a:ext>
-            </a:extLst>
-          </p:cNvPr>
-          <p:cNvSpPr txBox="1"/>
-          <p:nvPr/>
-        </p:nvSpPr>
-        <p:spPr>
-          <a:xfrm>
-            <a:off x="7870285" y="8939816"/>
-            <a:ext cx="5429729" cy="1661993"/>
-          </a:xfrm>
-          <a:prstGeom prst="rect">
-            <a:avLst/>
-          </a:prstGeom>
-          <a:noFill/>
-        </p:spPr>
-        <p:txBody>
-          <a:bodyPr wrap="square" rtlCol="0">
-            <a:spAutoFit/>
-          </a:bodyPr>
-          <a:lstStyle/>
-          <a:p>
-            <a:r>
-              <a:rPr lang="en-GB" sz="1400" b="1" dirty="0">
-                <a:latin typeface="Segoe UI Light" panose="020B0502040204020203" pitchFamily="34" charset="0"/>
-                <a:cs typeface="Segoe UI Light" panose="020B0502040204020203" pitchFamily="34" charset="0"/>
-              </a:rPr>
-              <a:t>World Happiness Rank</a:t>
-            </a:r>
-          </a:p>
-          <a:p>
-            <a:pPr marL="342900" indent="-342900">
-              <a:buAutoNum type="arabicPeriod"/>
-            </a:pPr>
-            <a:r>
-              <a:rPr lang="en-GB" sz="1400" dirty="0">
-                <a:latin typeface="Segoe UI Light" panose="020B0502040204020203" pitchFamily="34" charset="0"/>
-                <a:cs typeface="Segoe UI Light" panose="020B0502040204020203" pitchFamily="34" charset="0"/>
-              </a:rPr>
-              <a:t>Switzerland</a:t>
-            </a:r>
-          </a:p>
-          <a:p>
-            <a:pPr marL="342900" indent="-342900">
-              <a:buAutoNum type="arabicPeriod"/>
-            </a:pPr>
-            <a:r>
-              <a:rPr lang="en-GB" sz="1400" dirty="0">
-                <a:latin typeface="Segoe UI Light" panose="020B0502040204020203" pitchFamily="34" charset="0"/>
-                <a:cs typeface="Segoe UI Light" panose="020B0502040204020203" pitchFamily="34" charset="0"/>
-              </a:rPr>
-              <a:t>Iceland</a:t>
-            </a:r>
-          </a:p>
-          <a:p>
-            <a:pPr marL="342900" indent="-342900">
-              <a:buAutoNum type="arabicPeriod"/>
-            </a:pPr>
-            <a:r>
-              <a:rPr lang="en-GB" sz="1400" dirty="0">
-                <a:latin typeface="Segoe UI Light" panose="020B0502040204020203" pitchFamily="34" charset="0"/>
-                <a:cs typeface="Segoe UI Light" panose="020B0502040204020203" pitchFamily="34" charset="0"/>
-              </a:rPr>
-              <a:t>Denmark</a:t>
-            </a:r>
-          </a:p>
-          <a:p>
-            <a:r>
-              <a:rPr lang="en-GB" sz="1400" dirty="0">
-                <a:latin typeface="Segoe UI Light" panose="020B0502040204020203" pitchFamily="34" charset="0"/>
-                <a:cs typeface="Segoe UI Light" panose="020B0502040204020203" pitchFamily="34" charset="0"/>
-              </a:rPr>
-              <a:t>…</a:t>
-            </a:r>
-          </a:p>
-          <a:p>
-            <a:r>
-              <a:rPr lang="en-GB" sz="1400" dirty="0">
-                <a:latin typeface="Segoe UI Light" panose="020B0502040204020203" pitchFamily="34" charset="0"/>
-                <a:cs typeface="Segoe UI Light" panose="020B0502040204020203" pitchFamily="34" charset="0"/>
-              </a:rPr>
-              <a:t>149. Togo</a:t>
-            </a:r>
-          </a:p>
-          <a:p>
-            <a:pPr marL="285750" indent="-285750">
-              <a:buFont typeface="Arial" panose="020B0604020202020204" pitchFamily="34" charset="0"/>
-              <a:buChar char="•"/>
-            </a:pPr>
-            <a:endParaRPr lang="en-GB" dirty="0">
+            <a:endParaRPr lang="en-GB" b="1" dirty="0">
               <a:latin typeface="Segoe UI Light" panose="020B0502040204020203" pitchFamily="34" charset="0"/>
               <a:cs typeface="Segoe UI Light" panose="020B0502040204020203" pitchFamily="34" charset="0"/>
             </a:endParaRPr>
@@ -5168,8 +5045,8 @@
         </p:nvSpPr>
         <p:spPr>
           <a:xfrm>
-            <a:off x="1154404" y="6974917"/>
-            <a:ext cx="2340635" cy="369332"/>
+            <a:off x="1066527" y="6485554"/>
+            <a:ext cx="2340635" cy="338554"/>
           </a:xfrm>
           <a:prstGeom prst="rect">
             <a:avLst/>
@@ -5183,12 +5060,521 @@
           <a:lstStyle/>
           <a:p>
             <a:r>
-              <a:rPr lang="en-GB" b="1" dirty="0">
+              <a:rPr lang="en-GB" sz="1600" b="1" dirty="0">
                 <a:latin typeface="Segoe UI Light" panose="020B0502040204020203" pitchFamily="34" charset="0"/>
                 <a:cs typeface="Segoe UI Light" panose="020B0502040204020203" pitchFamily="34" charset="0"/>
               </a:rPr>
               <a:t>Data Pre-processing</a:t>
             </a:r>
+          </a:p>
+        </p:txBody>
+      </p:sp>
+      <p:sp>
+        <p:nvSpPr>
+          <p:cNvPr id="70" name="Textfeld 69">
+            <a:extLst>
+              <a:ext uri="{FF2B5EF4-FFF2-40B4-BE49-F238E27FC236}">
+                <a16:creationId xmlns:a16="http://schemas.microsoft.com/office/drawing/2014/main" id="{C09A3853-3912-444D-89AD-A9B50E597ED4}"/>
+              </a:ext>
+            </a:extLst>
+          </p:cNvPr>
+          <p:cNvSpPr txBox="1"/>
+          <p:nvPr/>
+        </p:nvSpPr>
+        <p:spPr>
+          <a:xfrm>
+            <a:off x="5976847" y="4357817"/>
+            <a:ext cx="2188927" cy="2215991"/>
+          </a:xfrm>
+          <a:prstGeom prst="rect">
+            <a:avLst/>
+          </a:prstGeom>
+          <a:noFill/>
+        </p:spPr>
+        <p:txBody>
+          <a:bodyPr wrap="square" rtlCol="0">
+            <a:spAutoFit/>
+          </a:bodyPr>
+          <a:lstStyle/>
+          <a:p>
+            <a:r>
+              <a:rPr lang="en-GB" sz="1600" b="1" dirty="0">
+                <a:latin typeface="Segoe UI Light" panose="020B0502040204020203" pitchFamily="34" charset="0"/>
+                <a:cs typeface="Segoe UI Light" panose="020B0502040204020203" pitchFamily="34" charset="0"/>
+              </a:rPr>
+              <a:t>World Happiness Rank</a:t>
+            </a:r>
+          </a:p>
+          <a:p>
+            <a:endParaRPr lang="en-GB" sz="1600" b="1" dirty="0">
+              <a:latin typeface="Segoe UI Light" panose="020B0502040204020203" pitchFamily="34" charset="0"/>
+              <a:cs typeface="Segoe UI Light" panose="020B0502040204020203" pitchFamily="34" charset="0"/>
+            </a:endParaRPr>
+          </a:p>
+          <a:p>
+            <a:r>
+              <a:rPr lang="en-GB" sz="1400" dirty="0">
+                <a:latin typeface="Segoe UI Light" panose="020B0502040204020203" pitchFamily="34" charset="0"/>
+                <a:cs typeface="Segoe UI Light" panose="020B0502040204020203" pitchFamily="34" charset="0"/>
+              </a:rPr>
+              <a:t>      Switzerland</a:t>
+            </a:r>
+          </a:p>
+          <a:p>
+            <a:r>
+              <a:rPr lang="en-GB" sz="1400" dirty="0">
+                <a:latin typeface="Segoe UI Light" panose="020B0502040204020203" pitchFamily="34" charset="0"/>
+                <a:cs typeface="Segoe UI Light" panose="020B0502040204020203" pitchFamily="34" charset="0"/>
+              </a:rPr>
+              <a:t>      Iceland</a:t>
+            </a:r>
+          </a:p>
+          <a:p>
+            <a:r>
+              <a:rPr lang="en-GB" sz="1400" dirty="0">
+                <a:latin typeface="Segoe UI Light" panose="020B0502040204020203" pitchFamily="34" charset="0"/>
+                <a:cs typeface="Segoe UI Light" panose="020B0502040204020203" pitchFamily="34" charset="0"/>
+              </a:rPr>
+              <a:t>      Denmark</a:t>
+            </a:r>
+          </a:p>
+          <a:p>
+            <a:r>
+              <a:rPr lang="en-GB" sz="1400" dirty="0">
+                <a:latin typeface="Segoe UI Light" panose="020B0502040204020203" pitchFamily="34" charset="0"/>
+                <a:cs typeface="Segoe UI Light" panose="020B0502040204020203" pitchFamily="34" charset="0"/>
+              </a:rPr>
+              <a:t>      …</a:t>
+            </a:r>
+          </a:p>
+          <a:p>
+            <a:r>
+              <a:rPr lang="en-GB" sz="1400" dirty="0">
+                <a:latin typeface="Segoe UI Light" panose="020B0502040204020203" pitchFamily="34" charset="0"/>
+                <a:cs typeface="Segoe UI Light" panose="020B0502040204020203" pitchFamily="34" charset="0"/>
+              </a:rPr>
+              <a:t>      Togo</a:t>
+            </a:r>
+          </a:p>
+          <a:p>
+            <a:endParaRPr lang="en-GB" dirty="0">
+              <a:latin typeface="Segoe UI Light" panose="020B0502040204020203" pitchFamily="34" charset="0"/>
+              <a:cs typeface="Segoe UI Light" panose="020B0502040204020203" pitchFamily="34" charset="0"/>
+            </a:endParaRPr>
+          </a:p>
+          <a:p>
+            <a:endParaRPr lang="en-GB" b="1" dirty="0">
+              <a:latin typeface="Segoe UI Light" panose="020B0502040204020203" pitchFamily="34" charset="0"/>
+              <a:cs typeface="Segoe UI Light" panose="020B0502040204020203" pitchFamily="34" charset="0"/>
+            </a:endParaRPr>
+          </a:p>
+        </p:txBody>
+      </p:sp>
+      <p:sp>
+        <p:nvSpPr>
+          <p:cNvPr id="71" name="Textfeld 70">
+            <a:extLst>
+              <a:ext uri="{FF2B5EF4-FFF2-40B4-BE49-F238E27FC236}">
+                <a16:creationId xmlns:a16="http://schemas.microsoft.com/office/drawing/2014/main" id="{85096C5C-A0D7-4B11-9DB7-9B2C9650AB29}"/>
+              </a:ext>
+            </a:extLst>
+          </p:cNvPr>
+          <p:cNvSpPr txBox="1"/>
+          <p:nvPr/>
+        </p:nvSpPr>
+        <p:spPr>
+          <a:xfrm>
+            <a:off x="7889798" y="4845750"/>
+            <a:ext cx="7075882" cy="1169551"/>
+          </a:xfrm>
+          <a:prstGeom prst="rect">
+            <a:avLst/>
+          </a:prstGeom>
+          <a:noFill/>
+        </p:spPr>
+        <p:txBody>
+          <a:bodyPr wrap="square" rtlCol="0">
+            <a:spAutoFit/>
+          </a:bodyPr>
+          <a:lstStyle/>
+          <a:p>
+            <a:r>
+              <a:rPr lang="en-GB" sz="1400" dirty="0">
+                <a:latin typeface="Segoe UI Light" panose="020B0502040204020203" pitchFamily="34" charset="0"/>
+                <a:cs typeface="Segoe UI Light" panose="020B0502040204020203" pitchFamily="34" charset="0"/>
+              </a:rPr>
+              <a:t>The worlds happiest country is Switzerland with a rank of 7.6/10. The variables that are the most contributing to this result is high quality of Family Life, Health Life Expectancy and Freedom. The least happy country in the world is Togo. The strongest variables are Economy, Family and Automotive Mortality. In general the people living in the countries of Western Europe and America tend to be happier than the people living in Afrika and Asia.</a:t>
+            </a:r>
+            <a:endParaRPr lang="en-GB" b="1" dirty="0">
+              <a:latin typeface="Segoe UI Light" panose="020B0502040204020203" pitchFamily="34" charset="0"/>
+              <a:cs typeface="Segoe UI Light" panose="020B0502040204020203" pitchFamily="34" charset="0"/>
+            </a:endParaRPr>
+          </a:p>
+        </p:txBody>
+      </p:sp>
+      <p:pic>
+        <p:nvPicPr>
+          <p:cNvPr id="73" name="Grafik 72">
+            <a:extLst>
+              <a:ext uri="{FF2B5EF4-FFF2-40B4-BE49-F238E27FC236}">
+                <a16:creationId xmlns:a16="http://schemas.microsoft.com/office/drawing/2014/main" id="{19898755-75B3-4109-AE19-F95FA5991D2F}"/>
+              </a:ext>
+            </a:extLst>
+          </p:cNvPr>
+          <p:cNvPicPr>
+            <a:picLocks noChangeAspect="1"/>
+          </p:cNvPicPr>
+          <p:nvPr/>
+        </p:nvPicPr>
+        <p:blipFill>
+          <a:blip r:embed="rId19">
+            <a:extLst>
+              <a:ext uri="{28A0092B-C50C-407E-A947-70E740481C1C}">
+                <a14:useLocalDpi xmlns:a14="http://schemas.microsoft.com/office/drawing/2010/main" val="0"/>
+              </a:ext>
+            </a:extLst>
+          </a:blip>
+          <a:stretch>
+            <a:fillRect/>
+          </a:stretch>
+        </p:blipFill>
+        <p:spPr>
+          <a:xfrm>
+            <a:off x="9087259" y="7703550"/>
+            <a:ext cx="252000" cy="252000"/>
+          </a:xfrm>
+          <a:prstGeom prst="rect">
+            <a:avLst/>
+          </a:prstGeom>
+        </p:spPr>
+      </p:pic>
+      <p:pic>
+        <p:nvPicPr>
+          <p:cNvPr id="74" name="Grafik 73">
+            <a:extLst>
+              <a:ext uri="{FF2B5EF4-FFF2-40B4-BE49-F238E27FC236}">
+                <a16:creationId xmlns:a16="http://schemas.microsoft.com/office/drawing/2014/main" id="{2C75AF1F-5CEB-4A39-859B-B770DC653AC9}"/>
+              </a:ext>
+            </a:extLst>
+          </p:cNvPr>
+          <p:cNvPicPr>
+            <a:picLocks noChangeAspect="1"/>
+          </p:cNvPicPr>
+          <p:nvPr/>
+        </p:nvPicPr>
+        <p:blipFill>
+          <a:blip r:embed="rId19">
+            <a:extLst>
+              <a:ext uri="{28A0092B-C50C-407E-A947-70E740481C1C}">
+                <a14:useLocalDpi xmlns:a14="http://schemas.microsoft.com/office/drawing/2010/main" val="0"/>
+              </a:ext>
+            </a:extLst>
+          </a:blip>
+          <a:stretch>
+            <a:fillRect/>
+          </a:stretch>
+        </p:blipFill>
+        <p:spPr>
+          <a:xfrm>
+            <a:off x="6107665" y="4918042"/>
+            <a:ext cx="162000" cy="162000"/>
+          </a:xfrm>
+          <a:prstGeom prst="rect">
+            <a:avLst/>
+          </a:prstGeom>
+        </p:spPr>
+      </p:pic>
+      <p:pic>
+        <p:nvPicPr>
+          <p:cNvPr id="76" name="Grafik 75">
+            <a:extLst>
+              <a:ext uri="{FF2B5EF4-FFF2-40B4-BE49-F238E27FC236}">
+                <a16:creationId xmlns:a16="http://schemas.microsoft.com/office/drawing/2014/main" id="{6EBA92B0-28E5-4F5B-85D9-82F92119E616}"/>
+              </a:ext>
+            </a:extLst>
+          </p:cNvPr>
+          <p:cNvPicPr>
+            <a:picLocks noChangeAspect="1"/>
+          </p:cNvPicPr>
+          <p:nvPr/>
+        </p:nvPicPr>
+        <p:blipFill>
+          <a:blip r:embed="rId20">
+            <a:extLst>
+              <a:ext uri="{28A0092B-C50C-407E-A947-70E740481C1C}">
+                <a14:useLocalDpi xmlns:a14="http://schemas.microsoft.com/office/drawing/2010/main" val="0"/>
+              </a:ext>
+            </a:extLst>
+          </a:blip>
+          <a:stretch>
+            <a:fillRect/>
+          </a:stretch>
+        </p:blipFill>
+        <p:spPr>
+          <a:xfrm>
+            <a:off x="8496612" y="6915265"/>
+            <a:ext cx="252000" cy="252000"/>
+          </a:xfrm>
+          <a:prstGeom prst="rect">
+            <a:avLst/>
+          </a:prstGeom>
+        </p:spPr>
+      </p:pic>
+      <p:pic>
+        <p:nvPicPr>
+          <p:cNvPr id="77" name="Grafik 76">
+            <a:extLst>
+              <a:ext uri="{FF2B5EF4-FFF2-40B4-BE49-F238E27FC236}">
+                <a16:creationId xmlns:a16="http://schemas.microsoft.com/office/drawing/2014/main" id="{712A983A-EA50-4904-9A6C-F5AB858A94F4}"/>
+              </a:ext>
+            </a:extLst>
+          </p:cNvPr>
+          <p:cNvPicPr>
+            <a:picLocks noChangeAspect="1"/>
+          </p:cNvPicPr>
+          <p:nvPr/>
+        </p:nvPicPr>
+        <p:blipFill>
+          <a:blip r:embed="rId20">
+            <a:extLst>
+              <a:ext uri="{28A0092B-C50C-407E-A947-70E740481C1C}">
+                <a14:useLocalDpi xmlns:a14="http://schemas.microsoft.com/office/drawing/2010/main" val="0"/>
+              </a:ext>
+            </a:extLst>
+          </a:blip>
+          <a:stretch>
+            <a:fillRect/>
+          </a:stretch>
+        </p:blipFill>
+        <p:spPr>
+          <a:xfrm>
+            <a:off x="6107667" y="5143510"/>
+            <a:ext cx="162000" cy="162000"/>
+          </a:xfrm>
+          <a:prstGeom prst="rect">
+            <a:avLst/>
+          </a:prstGeom>
+        </p:spPr>
+      </p:pic>
+      <p:pic>
+        <p:nvPicPr>
+          <p:cNvPr id="79" name="Grafik 78">
+            <a:extLst>
+              <a:ext uri="{FF2B5EF4-FFF2-40B4-BE49-F238E27FC236}">
+                <a16:creationId xmlns:a16="http://schemas.microsoft.com/office/drawing/2014/main" id="{71777D5D-D0CE-4308-AAE7-E90F8B800347}"/>
+              </a:ext>
+            </a:extLst>
+          </p:cNvPr>
+          <p:cNvPicPr>
+            <a:picLocks noChangeAspect="1"/>
+          </p:cNvPicPr>
+          <p:nvPr/>
+        </p:nvPicPr>
+        <p:blipFill>
+          <a:blip r:embed="rId21">
+            <a:extLst>
+              <a:ext uri="{28A0092B-C50C-407E-A947-70E740481C1C}">
+                <a14:useLocalDpi xmlns:a14="http://schemas.microsoft.com/office/drawing/2010/main" val="0"/>
+              </a:ext>
+            </a:extLst>
+          </a:blip>
+          <a:stretch>
+            <a:fillRect/>
+          </a:stretch>
+        </p:blipFill>
+        <p:spPr>
+          <a:xfrm>
+            <a:off x="9269217" y="7153712"/>
+            <a:ext cx="252000" cy="252000"/>
+          </a:xfrm>
+          <a:prstGeom prst="rect">
+            <a:avLst/>
+          </a:prstGeom>
+        </p:spPr>
+      </p:pic>
+      <p:pic>
+        <p:nvPicPr>
+          <p:cNvPr id="80" name="Grafik 79">
+            <a:extLst>
+              <a:ext uri="{FF2B5EF4-FFF2-40B4-BE49-F238E27FC236}">
+                <a16:creationId xmlns:a16="http://schemas.microsoft.com/office/drawing/2014/main" id="{A401FFFC-38C8-42FA-96D7-BDFCC1007BA9}"/>
+              </a:ext>
+            </a:extLst>
+          </p:cNvPr>
+          <p:cNvPicPr>
+            <a:picLocks noChangeAspect="1"/>
+          </p:cNvPicPr>
+          <p:nvPr/>
+        </p:nvPicPr>
+        <p:blipFill>
+          <a:blip r:embed="rId21">
+            <a:extLst>
+              <a:ext uri="{28A0092B-C50C-407E-A947-70E740481C1C}">
+                <a14:useLocalDpi xmlns:a14="http://schemas.microsoft.com/office/drawing/2010/main" val="0"/>
+              </a:ext>
+            </a:extLst>
+          </a:blip>
+          <a:stretch>
+            <a:fillRect/>
+          </a:stretch>
+        </p:blipFill>
+        <p:spPr>
+          <a:xfrm>
+            <a:off x="6107665" y="5368185"/>
+            <a:ext cx="162000" cy="162000"/>
+          </a:xfrm>
+          <a:prstGeom prst="rect">
+            <a:avLst/>
+          </a:prstGeom>
+        </p:spPr>
+      </p:pic>
+      <p:pic>
+        <p:nvPicPr>
+          <p:cNvPr id="82" name="Grafik 81">
+            <a:extLst>
+              <a:ext uri="{FF2B5EF4-FFF2-40B4-BE49-F238E27FC236}">
+                <a16:creationId xmlns:a16="http://schemas.microsoft.com/office/drawing/2014/main" id="{3F016134-33DC-4F0E-BC29-B7CCD22EE634}"/>
+              </a:ext>
+            </a:extLst>
+          </p:cNvPr>
+          <p:cNvPicPr>
+            <a:picLocks noChangeAspect="1"/>
+          </p:cNvPicPr>
+          <p:nvPr/>
+        </p:nvPicPr>
+        <p:blipFill>
+          <a:blip r:embed="rId22">
+            <a:extLst>
+              <a:ext uri="{28A0092B-C50C-407E-A947-70E740481C1C}">
+                <a14:useLocalDpi xmlns:a14="http://schemas.microsoft.com/office/drawing/2010/main" val="0"/>
+              </a:ext>
+            </a:extLst>
+          </a:blip>
+          <a:stretch>
+            <a:fillRect/>
+          </a:stretch>
+        </p:blipFill>
+        <p:spPr>
+          <a:xfrm>
+            <a:off x="8934553" y="8699826"/>
+            <a:ext cx="252000" cy="252000"/>
+          </a:xfrm>
+          <a:prstGeom prst="rect">
+            <a:avLst/>
+          </a:prstGeom>
+        </p:spPr>
+      </p:pic>
+      <p:pic>
+        <p:nvPicPr>
+          <p:cNvPr id="83" name="Grafik 82">
+            <a:extLst>
+              <a:ext uri="{FF2B5EF4-FFF2-40B4-BE49-F238E27FC236}">
+                <a16:creationId xmlns:a16="http://schemas.microsoft.com/office/drawing/2014/main" id="{C16A84EF-0560-407B-9026-DBD1E542C061}"/>
+              </a:ext>
+            </a:extLst>
+          </p:cNvPr>
+          <p:cNvPicPr>
+            <a:picLocks noChangeAspect="1"/>
+          </p:cNvPicPr>
+          <p:nvPr/>
+        </p:nvPicPr>
+        <p:blipFill>
+          <a:blip r:embed="rId22">
+            <a:extLst>
+              <a:ext uri="{28A0092B-C50C-407E-A947-70E740481C1C}">
+                <a14:useLocalDpi xmlns:a14="http://schemas.microsoft.com/office/drawing/2010/main" val="0"/>
+              </a:ext>
+            </a:extLst>
+          </a:blip>
+          <a:stretch>
+            <a:fillRect/>
+          </a:stretch>
+        </p:blipFill>
+        <p:spPr>
+          <a:xfrm>
+            <a:off x="6110548" y="5769014"/>
+            <a:ext cx="162000" cy="162000"/>
+          </a:xfrm>
+          <a:prstGeom prst="rect">
+            <a:avLst/>
+          </a:prstGeom>
+        </p:spPr>
+      </p:pic>
+      <p:pic>
+        <p:nvPicPr>
+          <p:cNvPr id="85" name="Grafik 84">
+            <a:extLst>
+              <a:ext uri="{FF2B5EF4-FFF2-40B4-BE49-F238E27FC236}">
+                <a16:creationId xmlns:a16="http://schemas.microsoft.com/office/drawing/2014/main" id="{2FCABDDB-B064-4A4D-B72C-AC096FB30016}"/>
+              </a:ext>
+            </a:extLst>
+          </p:cNvPr>
+          <p:cNvPicPr>
+            <a:picLocks noChangeAspect="1"/>
+          </p:cNvPicPr>
+          <p:nvPr/>
+        </p:nvPicPr>
+        <p:blipFill>
+          <a:blip r:embed="rId23">
+            <a:extLst>
+              <a:ext uri="{28A0092B-C50C-407E-A947-70E740481C1C}">
+                <a14:useLocalDpi xmlns:a14="http://schemas.microsoft.com/office/drawing/2010/main" val="0"/>
+              </a:ext>
+            </a:extLst>
+          </a:blip>
+          <a:stretch>
+            <a:fillRect/>
+          </a:stretch>
+        </p:blipFill>
+        <p:spPr>
+          <a:xfrm>
+            <a:off x="23468858" y="3717279"/>
+            <a:ext cx="1548146" cy="2580245"/>
+          </a:xfrm>
+          <a:prstGeom prst="rect">
+            <a:avLst/>
+          </a:prstGeom>
+        </p:spPr>
+      </p:pic>
+      <p:sp>
+        <p:nvSpPr>
+          <p:cNvPr id="86" name="Textfeld 85">
+            <a:extLst>
+              <a:ext uri="{FF2B5EF4-FFF2-40B4-BE49-F238E27FC236}">
+                <a16:creationId xmlns:a16="http://schemas.microsoft.com/office/drawing/2014/main" id="{2D4AD2A7-E80C-4845-8110-77925FB7C684}"/>
+              </a:ext>
+            </a:extLst>
+          </p:cNvPr>
+          <p:cNvSpPr txBox="1"/>
+          <p:nvPr/>
+        </p:nvSpPr>
+        <p:spPr>
+          <a:xfrm>
+            <a:off x="23147697" y="6364845"/>
+            <a:ext cx="6391840" cy="738664"/>
+          </a:xfrm>
+          <a:prstGeom prst="rect">
+            <a:avLst/>
+          </a:prstGeom>
+          <a:noFill/>
+        </p:spPr>
+        <p:txBody>
+          <a:bodyPr wrap="square" rtlCol="0">
+            <a:spAutoFit/>
+          </a:bodyPr>
+          <a:lstStyle/>
+          <a:p>
+            <a:r>
+              <a:rPr lang="en-GB" sz="1400" dirty="0">
+                <a:latin typeface="Segoe UI Light" panose="020B0502040204020203" pitchFamily="34" charset="0"/>
+                <a:cs typeface="Segoe UI Light" panose="020B0502040204020203" pitchFamily="34" charset="0"/>
+              </a:rPr>
+              <a:t>The results of FA show how the assignment of the variables to the dimensions changed. After rotating the PC’s, the second and the third dimensions explains more variance. Furthermore, the Loadings are more clear in terms of interpretation.</a:t>
+            </a:r>
+            <a:endParaRPr lang="en-GB" b="1" dirty="0">
+              <a:latin typeface="Segoe UI Light" panose="020B0502040204020203" pitchFamily="34" charset="0"/>
+              <a:cs typeface="Segoe UI Light" panose="020B0502040204020203" pitchFamily="34" charset="0"/>
+            </a:endParaRPr>
           </a:p>
         </p:txBody>
       </p:sp>

--- a/REPORT/Poster.pptx
+++ b/REPORT/Poster.pptx
@@ -4,8 +4,12 @@
   <p:sldMasterIdLst>
     <p:sldMasterId id="2147483660" r:id="rId1"/>
   </p:sldMasterIdLst>
+  <p:notesMasterIdLst>
+    <p:notesMasterId r:id="rId4"/>
+  </p:notesMasterIdLst>
   <p:sldIdLst>
     <p:sldId id="256" r:id="rId2"/>
+    <p:sldId id="257" r:id="rId3"/>
   </p:sldIdLst>
   <p:sldSz cx="30275213" cy="21383625"/>
   <p:notesSz cx="6858000" cy="9144000"/>
@@ -121,6 +125,440 @@
     </p:ext>
   </p:extLst>
 </p:presentation>
+</file>
+
+<file path=ppt/notesMasters/notesMaster1.xml><?xml version="1.0" encoding="utf-8"?>
+<p:notesMaster xmlns:a="http://schemas.openxmlformats.org/drawingml/2006/main" xmlns:r="http://schemas.openxmlformats.org/officeDocument/2006/relationships" xmlns:p="http://schemas.openxmlformats.org/presentationml/2006/main">
+  <p:cSld>
+    <p:bg>
+      <p:bgRef idx="1001">
+        <a:schemeClr val="bg1"/>
+      </p:bgRef>
+    </p:bg>
+    <p:spTree>
+      <p:nvGrpSpPr>
+        <p:cNvPr id="1" name=""/>
+        <p:cNvGrpSpPr/>
+        <p:nvPr/>
+      </p:nvGrpSpPr>
+      <p:grpSpPr>
+        <a:xfrm>
+          <a:off x="0" y="0"/>
+          <a:ext cx="0" cy="0"/>
+          <a:chOff x="0" y="0"/>
+          <a:chExt cx="0" cy="0"/>
+        </a:xfrm>
+      </p:grpSpPr>
+      <p:sp>
+        <p:nvSpPr>
+          <p:cNvPr id="2" name="Kopfzeilenplatzhalter 1"/>
+          <p:cNvSpPr>
+            <a:spLocks noGrp="1"/>
+          </p:cNvSpPr>
+          <p:nvPr>
+            <p:ph type="hdr" sz="quarter"/>
+          </p:nvPr>
+        </p:nvSpPr>
+        <p:spPr>
+          <a:xfrm>
+            <a:off x="0" y="0"/>
+            <a:ext cx="2971800" cy="458788"/>
+          </a:xfrm>
+          <a:prstGeom prst="rect">
+            <a:avLst/>
+          </a:prstGeom>
+        </p:spPr>
+        <p:txBody>
+          <a:bodyPr vert="horz" lIns="91440" tIns="45720" rIns="91440" bIns="45720" rtlCol="0"/>
+          <a:lstStyle>
+            <a:lvl1pPr algn="l">
+              <a:defRPr sz="1200"/>
+            </a:lvl1pPr>
+          </a:lstStyle>
+          <a:p>
+            <a:endParaRPr lang="en-GB"/>
+          </a:p>
+        </p:txBody>
+      </p:sp>
+      <p:sp>
+        <p:nvSpPr>
+          <p:cNvPr id="3" name="Datumsplatzhalter 2"/>
+          <p:cNvSpPr>
+            <a:spLocks noGrp="1"/>
+          </p:cNvSpPr>
+          <p:nvPr>
+            <p:ph type="dt" idx="1"/>
+          </p:nvPr>
+        </p:nvSpPr>
+        <p:spPr>
+          <a:xfrm>
+            <a:off x="3884613" y="0"/>
+            <a:ext cx="2971800" cy="458788"/>
+          </a:xfrm>
+          <a:prstGeom prst="rect">
+            <a:avLst/>
+          </a:prstGeom>
+        </p:spPr>
+        <p:txBody>
+          <a:bodyPr vert="horz" lIns="91440" tIns="45720" rIns="91440" bIns="45720" rtlCol="0"/>
+          <a:lstStyle>
+            <a:lvl1pPr algn="r">
+              <a:defRPr sz="1200"/>
+            </a:lvl1pPr>
+          </a:lstStyle>
+          <a:p>
+            <a:fld id="{950F6633-CA7C-4FFA-B3DB-61DF2E245CFF}" type="datetimeFigureOut">
+              <a:rPr lang="en-GB" smtClean="0"/>
+              <a:t>04/06/2018</a:t>
+            </a:fld>
+            <a:endParaRPr lang="en-GB"/>
+          </a:p>
+        </p:txBody>
+      </p:sp>
+      <p:sp>
+        <p:nvSpPr>
+          <p:cNvPr id="4" name="Folienbildplatzhalter 3"/>
+          <p:cNvSpPr>
+            <a:spLocks noGrp="1" noRot="1" noChangeAspect="1"/>
+          </p:cNvSpPr>
+          <p:nvPr>
+            <p:ph type="sldImg" idx="2"/>
+          </p:nvPr>
+        </p:nvSpPr>
+        <p:spPr>
+          <a:xfrm>
+            <a:off x="1244600" y="1143000"/>
+            <a:ext cx="4368800" cy="3086100"/>
+          </a:xfrm>
+          <a:prstGeom prst="rect">
+            <a:avLst/>
+          </a:prstGeom>
+          <a:noFill/>
+          <a:ln w="12700">
+            <a:solidFill>
+              <a:prstClr val="black"/>
+            </a:solidFill>
+          </a:ln>
+        </p:spPr>
+        <p:txBody>
+          <a:bodyPr vert="horz" lIns="91440" tIns="45720" rIns="91440" bIns="45720" rtlCol="0" anchor="ctr"/>
+          <a:lstStyle/>
+          <a:p>
+            <a:endParaRPr lang="en-GB"/>
+          </a:p>
+        </p:txBody>
+      </p:sp>
+      <p:sp>
+        <p:nvSpPr>
+          <p:cNvPr id="5" name="Notizenplatzhalter 4"/>
+          <p:cNvSpPr>
+            <a:spLocks noGrp="1"/>
+          </p:cNvSpPr>
+          <p:nvPr>
+            <p:ph type="body" sz="quarter" idx="3"/>
+          </p:nvPr>
+        </p:nvSpPr>
+        <p:spPr>
+          <a:xfrm>
+            <a:off x="685800" y="4400550"/>
+            <a:ext cx="5486400" cy="3600450"/>
+          </a:xfrm>
+          <a:prstGeom prst="rect">
+            <a:avLst/>
+          </a:prstGeom>
+        </p:spPr>
+        <p:txBody>
+          <a:bodyPr vert="horz" lIns="91440" tIns="45720" rIns="91440" bIns="45720" rtlCol="0"/>
+          <a:lstStyle/>
+          <a:p>
+            <a:pPr lvl="0"/>
+            <a:r>
+              <a:rPr lang="de-DE"/>
+              <a:t>Mastertextformat bearbeiten</a:t>
+            </a:r>
+          </a:p>
+          <a:p>
+            <a:pPr lvl="1"/>
+            <a:r>
+              <a:rPr lang="de-DE"/>
+              <a:t>Zweite Ebene</a:t>
+            </a:r>
+          </a:p>
+          <a:p>
+            <a:pPr lvl="2"/>
+            <a:r>
+              <a:rPr lang="de-DE"/>
+              <a:t>Dritte Ebene</a:t>
+            </a:r>
+          </a:p>
+          <a:p>
+            <a:pPr lvl="3"/>
+            <a:r>
+              <a:rPr lang="de-DE"/>
+              <a:t>Vierte Ebene</a:t>
+            </a:r>
+          </a:p>
+          <a:p>
+            <a:pPr lvl="4"/>
+            <a:r>
+              <a:rPr lang="de-DE"/>
+              <a:t>Fünfte Ebene</a:t>
+            </a:r>
+            <a:endParaRPr lang="en-GB"/>
+          </a:p>
+        </p:txBody>
+      </p:sp>
+      <p:sp>
+        <p:nvSpPr>
+          <p:cNvPr id="6" name="Fußzeilenplatzhalter 5"/>
+          <p:cNvSpPr>
+            <a:spLocks noGrp="1"/>
+          </p:cNvSpPr>
+          <p:nvPr>
+            <p:ph type="ftr" sz="quarter" idx="4"/>
+          </p:nvPr>
+        </p:nvSpPr>
+        <p:spPr>
+          <a:xfrm>
+            <a:off x="0" y="8685213"/>
+            <a:ext cx="2971800" cy="458787"/>
+          </a:xfrm>
+          <a:prstGeom prst="rect">
+            <a:avLst/>
+          </a:prstGeom>
+        </p:spPr>
+        <p:txBody>
+          <a:bodyPr vert="horz" lIns="91440" tIns="45720" rIns="91440" bIns="45720" rtlCol="0" anchor="b"/>
+          <a:lstStyle>
+            <a:lvl1pPr algn="l">
+              <a:defRPr sz="1200"/>
+            </a:lvl1pPr>
+          </a:lstStyle>
+          <a:p>
+            <a:endParaRPr lang="en-GB"/>
+          </a:p>
+        </p:txBody>
+      </p:sp>
+      <p:sp>
+        <p:nvSpPr>
+          <p:cNvPr id="7" name="Foliennummernplatzhalter 6"/>
+          <p:cNvSpPr>
+            <a:spLocks noGrp="1"/>
+          </p:cNvSpPr>
+          <p:nvPr>
+            <p:ph type="sldNum" sz="quarter" idx="5"/>
+          </p:nvPr>
+        </p:nvSpPr>
+        <p:spPr>
+          <a:xfrm>
+            <a:off x="3884613" y="8685213"/>
+            <a:ext cx="2971800" cy="458787"/>
+          </a:xfrm>
+          <a:prstGeom prst="rect">
+            <a:avLst/>
+          </a:prstGeom>
+        </p:spPr>
+        <p:txBody>
+          <a:bodyPr vert="horz" lIns="91440" tIns="45720" rIns="91440" bIns="45720" rtlCol="0" anchor="b"/>
+          <a:lstStyle>
+            <a:lvl1pPr algn="r">
+              <a:defRPr sz="1200"/>
+            </a:lvl1pPr>
+          </a:lstStyle>
+          <a:p>
+            <a:fld id="{60B8BCF7-3141-47ED-B90F-E23166D74BF4}" type="slidenum">
+              <a:rPr lang="en-GB" smtClean="0"/>
+              <a:t>‹Nr.›</a:t>
+            </a:fld>
+            <a:endParaRPr lang="en-GB"/>
+          </a:p>
+        </p:txBody>
+      </p:sp>
+    </p:spTree>
+    <p:extLst>
+      <p:ext uri="{BB962C8B-B14F-4D97-AF65-F5344CB8AC3E}">
+        <p14:creationId xmlns:p14="http://schemas.microsoft.com/office/powerpoint/2010/main" val="3423920898"/>
+      </p:ext>
+    </p:extLst>
+  </p:cSld>
+  <p:clrMap bg1="lt1" tx1="dk1" bg2="lt2" tx2="dk2" accent1="accent1" accent2="accent2" accent3="accent3" accent4="accent4" accent5="accent5" accent6="accent6" hlink="hlink" folHlink="folHlink"/>
+  <p:notesStyle>
+    <a:lvl1pPr marL="0" algn="l" defTabSz="914400" rtl="0" eaLnBrk="1" latinLnBrk="0" hangingPunct="1">
+      <a:defRPr sz="1200" kern="1200">
+        <a:solidFill>
+          <a:schemeClr val="tx1"/>
+        </a:solidFill>
+        <a:latin typeface="+mn-lt"/>
+        <a:ea typeface="+mn-ea"/>
+        <a:cs typeface="+mn-cs"/>
+      </a:defRPr>
+    </a:lvl1pPr>
+    <a:lvl2pPr marL="457200" algn="l" defTabSz="914400" rtl="0" eaLnBrk="1" latinLnBrk="0" hangingPunct="1">
+      <a:defRPr sz="1200" kern="1200">
+        <a:solidFill>
+          <a:schemeClr val="tx1"/>
+        </a:solidFill>
+        <a:latin typeface="+mn-lt"/>
+        <a:ea typeface="+mn-ea"/>
+        <a:cs typeface="+mn-cs"/>
+      </a:defRPr>
+    </a:lvl2pPr>
+    <a:lvl3pPr marL="914400" algn="l" defTabSz="914400" rtl="0" eaLnBrk="1" latinLnBrk="0" hangingPunct="1">
+      <a:defRPr sz="1200" kern="1200">
+        <a:solidFill>
+          <a:schemeClr val="tx1"/>
+        </a:solidFill>
+        <a:latin typeface="+mn-lt"/>
+        <a:ea typeface="+mn-ea"/>
+        <a:cs typeface="+mn-cs"/>
+      </a:defRPr>
+    </a:lvl3pPr>
+    <a:lvl4pPr marL="1371600" algn="l" defTabSz="914400" rtl="0" eaLnBrk="1" latinLnBrk="0" hangingPunct="1">
+      <a:defRPr sz="1200" kern="1200">
+        <a:solidFill>
+          <a:schemeClr val="tx1"/>
+        </a:solidFill>
+        <a:latin typeface="+mn-lt"/>
+        <a:ea typeface="+mn-ea"/>
+        <a:cs typeface="+mn-cs"/>
+      </a:defRPr>
+    </a:lvl4pPr>
+    <a:lvl5pPr marL="1828800" algn="l" defTabSz="914400" rtl="0" eaLnBrk="1" latinLnBrk="0" hangingPunct="1">
+      <a:defRPr sz="1200" kern="1200">
+        <a:solidFill>
+          <a:schemeClr val="tx1"/>
+        </a:solidFill>
+        <a:latin typeface="+mn-lt"/>
+        <a:ea typeface="+mn-ea"/>
+        <a:cs typeface="+mn-cs"/>
+      </a:defRPr>
+    </a:lvl5pPr>
+    <a:lvl6pPr marL="2286000" algn="l" defTabSz="914400" rtl="0" eaLnBrk="1" latinLnBrk="0" hangingPunct="1">
+      <a:defRPr sz="1200" kern="1200">
+        <a:solidFill>
+          <a:schemeClr val="tx1"/>
+        </a:solidFill>
+        <a:latin typeface="+mn-lt"/>
+        <a:ea typeface="+mn-ea"/>
+        <a:cs typeface="+mn-cs"/>
+      </a:defRPr>
+    </a:lvl6pPr>
+    <a:lvl7pPr marL="2743200" algn="l" defTabSz="914400" rtl="0" eaLnBrk="1" latinLnBrk="0" hangingPunct="1">
+      <a:defRPr sz="1200" kern="1200">
+        <a:solidFill>
+          <a:schemeClr val="tx1"/>
+        </a:solidFill>
+        <a:latin typeface="+mn-lt"/>
+        <a:ea typeface="+mn-ea"/>
+        <a:cs typeface="+mn-cs"/>
+      </a:defRPr>
+    </a:lvl7pPr>
+    <a:lvl8pPr marL="3200400" algn="l" defTabSz="914400" rtl="0" eaLnBrk="1" latinLnBrk="0" hangingPunct="1">
+      <a:defRPr sz="1200" kern="1200">
+        <a:solidFill>
+          <a:schemeClr val="tx1"/>
+        </a:solidFill>
+        <a:latin typeface="+mn-lt"/>
+        <a:ea typeface="+mn-ea"/>
+        <a:cs typeface="+mn-cs"/>
+      </a:defRPr>
+    </a:lvl8pPr>
+    <a:lvl9pPr marL="3657600" algn="l" defTabSz="914400" rtl="0" eaLnBrk="1" latinLnBrk="0" hangingPunct="1">
+      <a:defRPr sz="1200" kern="1200">
+        <a:solidFill>
+          <a:schemeClr val="tx1"/>
+        </a:solidFill>
+        <a:latin typeface="+mn-lt"/>
+        <a:ea typeface="+mn-ea"/>
+        <a:cs typeface="+mn-cs"/>
+      </a:defRPr>
+    </a:lvl9pPr>
+  </p:notesStyle>
+</p:notesMaster>
+</file>
+
+<file path=ppt/notesSlides/notesSlide1.xml><?xml version="1.0" encoding="utf-8"?>
+<p:notes xmlns:a="http://schemas.openxmlformats.org/drawingml/2006/main" xmlns:r="http://schemas.openxmlformats.org/officeDocument/2006/relationships" xmlns:p="http://schemas.openxmlformats.org/presentationml/2006/main">
+  <p:cSld>
+    <p:spTree>
+      <p:nvGrpSpPr>
+        <p:cNvPr id="1" name=""/>
+        <p:cNvGrpSpPr/>
+        <p:nvPr/>
+      </p:nvGrpSpPr>
+      <p:grpSpPr>
+        <a:xfrm>
+          <a:off x="0" y="0"/>
+          <a:ext cx="0" cy="0"/>
+          <a:chOff x="0" y="0"/>
+          <a:chExt cx="0" cy="0"/>
+        </a:xfrm>
+      </p:grpSpPr>
+      <p:sp>
+        <p:nvSpPr>
+          <p:cNvPr id="2" name="Folienbildplatzhalter 1"/>
+          <p:cNvSpPr>
+            <a:spLocks noGrp="1" noRot="1" noChangeAspect="1"/>
+          </p:cNvSpPr>
+          <p:nvPr>
+            <p:ph type="sldImg"/>
+          </p:nvPr>
+        </p:nvSpPr>
+        <p:spPr/>
+      </p:sp>
+      <p:sp>
+        <p:nvSpPr>
+          <p:cNvPr id="3" name="Notizenplatzhalter 2"/>
+          <p:cNvSpPr>
+            <a:spLocks noGrp="1"/>
+          </p:cNvSpPr>
+          <p:nvPr>
+            <p:ph type="body" idx="1"/>
+          </p:nvPr>
+        </p:nvSpPr>
+        <p:spPr/>
+        <p:txBody>
+          <a:bodyPr/>
+          <a:lstStyle/>
+          <a:p>
+            <a:endParaRPr lang="en-GB" dirty="0"/>
+          </a:p>
+        </p:txBody>
+      </p:sp>
+      <p:sp>
+        <p:nvSpPr>
+          <p:cNvPr id="4" name="Foliennummernplatzhalter 3"/>
+          <p:cNvSpPr>
+            <a:spLocks noGrp="1"/>
+          </p:cNvSpPr>
+          <p:nvPr>
+            <p:ph type="sldNum" sz="quarter" idx="10"/>
+          </p:nvPr>
+        </p:nvSpPr>
+        <p:spPr/>
+        <p:txBody>
+          <a:bodyPr/>
+          <a:lstStyle/>
+          <a:p>
+            <a:fld id="{60B8BCF7-3141-47ED-B90F-E23166D74BF4}" type="slidenum">
+              <a:rPr lang="en-GB" smtClean="0"/>
+              <a:t>1</a:t>
+            </a:fld>
+            <a:endParaRPr lang="en-GB"/>
+          </a:p>
+        </p:txBody>
+      </p:sp>
+    </p:spTree>
+    <p:extLst>
+      <p:ext uri="{BB962C8B-B14F-4D97-AF65-F5344CB8AC3E}">
+        <p14:creationId xmlns:p14="http://schemas.microsoft.com/office/powerpoint/2010/main" val="2526698694"/>
+      </p:ext>
+    </p:extLst>
+  </p:cSld>
+  <p:clrMapOvr>
+    <a:masterClrMapping/>
+  </p:clrMapOvr>
+</p:notes>
 </file>
 
 <file path=ppt/slideLayouts/slideLayout1.xml><?xml version="1.0" encoding="utf-8"?>
@@ -2984,10 +3422,10 @@
       </p:grpSpPr>
       <p:sp>
         <p:nvSpPr>
-          <p:cNvPr id="2" name="Rechteck: abgerundete Ecken 1">
+          <p:cNvPr id="31" name="Rechteck: abgerundete Ecken 30">
             <a:extLst>
               <a:ext uri="{FF2B5EF4-FFF2-40B4-BE49-F238E27FC236}">
-                <a16:creationId xmlns:a16="http://schemas.microsoft.com/office/drawing/2014/main" id="{9EB4E38C-BB81-4B83-AA86-1A37E719DCA0}"/>
+                <a16:creationId xmlns:a16="http://schemas.microsoft.com/office/drawing/2014/main" id="{30BB9FBD-13A9-4EF0-AFBF-F30FBC9734F1}"/>
               </a:ext>
             </a:extLst>
           </p:cNvPr>
@@ -2996,8 +3434,8 @@
         </p:nvSpPr>
         <p:spPr>
           <a:xfrm>
-            <a:off x="720436" y="1949326"/>
-            <a:ext cx="14417170" cy="9217437"/>
+            <a:off x="22994650" y="11831782"/>
+            <a:ext cx="6691485" cy="8969941"/>
           </a:xfrm>
           <a:prstGeom prst="roundRect">
             <a:avLst/>
@@ -3023,20 +3461,59 @@
           </a:fontRef>
         </p:style>
         <p:txBody>
-          <a:bodyPr rtlCol="0" anchor="ctr"/>
+          <a:bodyPr rot="0" spcFirstLastPara="0" vertOverflow="overflow" horzOverflow="overflow" vert="horz" wrap="square" lIns="91440" tIns="45720" rIns="91440" bIns="45720" numCol="1" spcCol="0" rtlCol="0" fromWordArt="0" anchor="ctr" anchorCtr="0" forceAA="0" compatLnSpc="1">
+            <a:prstTxWarp prst="textNoShape">
+              <a:avLst/>
+            </a:prstTxWarp>
+            <a:noAutofit/>
+          </a:bodyPr>
           <a:lstStyle/>
           <a:p>
             <a:pPr algn="ctr"/>
-            <a:endParaRPr lang="en-GB" dirty="0"/>
-          </a:p>
-        </p:txBody>
-      </p:sp>
-      <p:sp>
-        <p:nvSpPr>
-          <p:cNvPr id="3" name="Rechteck: abgerundete Ecken 2">
+            <a:endParaRPr lang="en-GB" dirty="0">
+              <a:solidFill>
+                <a:schemeClr val="tx1"/>
+              </a:solidFill>
+            </a:endParaRPr>
+          </a:p>
+        </p:txBody>
+      </p:sp>
+      <p:pic>
+        <p:nvPicPr>
+          <p:cNvPr id="67" name="Grafik 66">
             <a:extLst>
               <a:ext uri="{FF2B5EF4-FFF2-40B4-BE49-F238E27FC236}">
-                <a16:creationId xmlns:a16="http://schemas.microsoft.com/office/drawing/2014/main" id="{9691E72A-ED8D-4C5F-9BC8-8FF7D16C230C}"/>
+                <a16:creationId xmlns:a16="http://schemas.microsoft.com/office/drawing/2014/main" id="{0D8B382B-E6FB-4566-A136-4B0BFF8DC7F1}"/>
+              </a:ext>
+            </a:extLst>
+          </p:cNvPr>
+          <p:cNvPicPr>
+            <a:picLocks noChangeAspect="1"/>
+          </p:cNvPicPr>
+          <p:nvPr/>
+        </p:nvPicPr>
+        <p:blipFill>
+          <a:blip r:embed="rId3"/>
+          <a:stretch>
+            <a:fillRect/>
+          </a:stretch>
+        </p:blipFill>
+        <p:spPr>
+          <a:xfrm>
+            <a:off x="19143512" y="3400625"/>
+            <a:ext cx="3581976" cy="3581976"/>
+          </a:xfrm>
+          <a:prstGeom prst="rect">
+            <a:avLst/>
+          </a:prstGeom>
+        </p:spPr>
+      </p:pic>
+      <p:sp>
+        <p:nvSpPr>
+          <p:cNvPr id="49" name="Rechteck: abgerundete Ecken 48">
+            <a:extLst>
+              <a:ext uri="{FF2B5EF4-FFF2-40B4-BE49-F238E27FC236}">
+                <a16:creationId xmlns:a16="http://schemas.microsoft.com/office/drawing/2014/main" id="{83DDDBFF-A8CF-45AA-96B6-E5033E364744}"/>
               </a:ext>
             </a:extLst>
           </p:cNvPr>
@@ -3045,15 +3522,22 @@
         </p:nvSpPr>
         <p:spPr>
           <a:xfrm>
-            <a:off x="15894195" y="11831782"/>
-            <a:ext cx="6691485" cy="8969941"/>
+            <a:off x="22756241" y="2452767"/>
+            <a:ext cx="6741753" cy="4663545"/>
           </a:xfrm>
           <a:prstGeom prst="roundRect">
-            <a:avLst/>
+            <a:avLst>
+              <a:gd name="adj" fmla="val 22794"/>
+            </a:avLst>
           </a:prstGeom>
           <a:solidFill>
-            <a:schemeClr val="bg1"/>
+            <a:schemeClr val="bg1">
+              <a:lumMod val="85000"/>
+            </a:schemeClr>
           </a:solidFill>
+          <a:ln>
+            <a:noFill/>
+          </a:ln>
         </p:spPr>
         <p:style>
           <a:lnRef idx="2">
@@ -3072,12 +3556,7 @@
           </a:fontRef>
         </p:style>
         <p:txBody>
-          <a:bodyPr rot="0" spcFirstLastPara="0" vertOverflow="overflow" horzOverflow="overflow" vert="horz" wrap="square" lIns="91440" tIns="45720" rIns="91440" bIns="45720" numCol="1" spcCol="0" rtlCol="0" fromWordArt="0" anchor="ctr" anchorCtr="0" forceAA="0" compatLnSpc="1">
-            <a:prstTxWarp prst="textNoShape">
-              <a:avLst/>
-            </a:prstTxWarp>
-            <a:noAutofit/>
-          </a:bodyPr>
+          <a:bodyPr rtlCol="0" anchor="ctr"/>
           <a:lstStyle/>
           <a:p>
             <a:pPr algn="ctr"/>
@@ -3087,10 +3566,10 @@
       </p:sp>
       <p:sp>
         <p:nvSpPr>
-          <p:cNvPr id="4" name="Rechteck: abgerundete Ecken 3">
+          <p:cNvPr id="3" name="Rechteck: abgerundete Ecken 2">
             <a:extLst>
               <a:ext uri="{FF2B5EF4-FFF2-40B4-BE49-F238E27FC236}">
-                <a16:creationId xmlns:a16="http://schemas.microsoft.com/office/drawing/2014/main" id="{4B4796D8-9834-4939-B5D2-7BA2DA855B38}"/>
+                <a16:creationId xmlns:a16="http://schemas.microsoft.com/office/drawing/2014/main" id="{9691E72A-ED8D-4C5F-9BC8-8FF7D16C230C}"/>
               </a:ext>
             </a:extLst>
           </p:cNvPr>
@@ -3099,8 +3578,8 @@
         </p:nvSpPr>
         <p:spPr>
           <a:xfrm>
-            <a:off x="15894196" y="2105889"/>
-            <a:ext cx="13660582" cy="9060873"/>
+            <a:off x="9753663" y="11831782"/>
+            <a:ext cx="12832018" cy="8969941"/>
           </a:xfrm>
           <a:prstGeom prst="roundRect">
             <a:avLst/>
@@ -3154,7 +3633,7 @@
         <p:spPr>
           <a:xfrm>
             <a:off x="720436" y="11831782"/>
-            <a:ext cx="14417170" cy="8969941"/>
+            <a:ext cx="8466117" cy="8969941"/>
           </a:xfrm>
           <a:prstGeom prst="roundRect">
             <a:avLst/>
@@ -3239,84 +3718,12 @@
           </a:p>
         </p:txBody>
       </p:sp>
-      <p:pic>
-        <p:nvPicPr>
-          <p:cNvPr id="11" name="Grafik 10">
+      <p:sp>
+        <p:nvSpPr>
+          <p:cNvPr id="16" name="Rechteck: abgerundete Ecken 15">
             <a:extLst>
               <a:ext uri="{FF2B5EF4-FFF2-40B4-BE49-F238E27FC236}">
-                <a16:creationId xmlns:a16="http://schemas.microsoft.com/office/drawing/2014/main" id="{78ACC691-1DA8-44B9-9B96-6A7ABD399436}"/>
-              </a:ext>
-            </a:extLst>
-          </p:cNvPr>
-          <p:cNvPicPr>
-            <a:picLocks noChangeAspect="1"/>
-          </p:cNvPicPr>
-          <p:nvPr/>
-        </p:nvPicPr>
-        <p:blipFill>
-          <a:blip r:embed="rId2">
-            <a:extLst>
-              <a:ext uri="{28A0092B-C50C-407E-A947-70E740481C1C}">
-                <a14:useLocalDpi xmlns:a14="http://schemas.microsoft.com/office/drawing/2010/main" val="0"/>
-              </a:ext>
-            </a:extLst>
-          </a:blip>
-          <a:stretch>
-            <a:fillRect/>
-          </a:stretch>
-        </p:blipFill>
-        <p:spPr>
-          <a:xfrm>
-            <a:off x="25695663" y="2902923"/>
-            <a:ext cx="3535701" cy="3484459"/>
-          </a:xfrm>
-          <a:prstGeom prst="rect">
-            <a:avLst/>
-          </a:prstGeom>
-        </p:spPr>
-      </p:pic>
-      <p:pic>
-        <p:nvPicPr>
-          <p:cNvPr id="13" name="Grafik 12">
-            <a:extLst>
-              <a:ext uri="{FF2B5EF4-FFF2-40B4-BE49-F238E27FC236}">
-                <a16:creationId xmlns:a16="http://schemas.microsoft.com/office/drawing/2014/main" id="{4BAFADC6-FDB5-4ED8-BBA8-E0555B52B2EB}"/>
-              </a:ext>
-            </a:extLst>
-          </p:cNvPr>
-          <p:cNvPicPr>
-            <a:picLocks noChangeAspect="1"/>
-          </p:cNvPicPr>
-          <p:nvPr/>
-        </p:nvPicPr>
-        <p:blipFill>
-          <a:blip r:embed="rId3">
-            <a:extLst>
-              <a:ext uri="{28A0092B-C50C-407E-A947-70E740481C1C}">
-                <a14:useLocalDpi xmlns:a14="http://schemas.microsoft.com/office/drawing/2010/main" val="0"/>
-              </a:ext>
-            </a:extLst>
-          </a:blip>
-          <a:stretch>
-            <a:fillRect/>
-          </a:stretch>
-        </p:blipFill>
-        <p:spPr>
-          <a:xfrm>
-            <a:off x="19115787" y="3625993"/>
-            <a:ext cx="3303425" cy="3255551"/>
-          </a:xfrm>
-          <a:prstGeom prst="rect">
-            <a:avLst/>
-          </a:prstGeom>
-        </p:spPr>
-      </p:pic>
-      <p:sp>
-        <p:nvSpPr>
-          <p:cNvPr id="14" name="Rechteck: abgerundete Ecken 13">
-            <a:extLst>
-              <a:ext uri="{FF2B5EF4-FFF2-40B4-BE49-F238E27FC236}">
-                <a16:creationId xmlns:a16="http://schemas.microsoft.com/office/drawing/2014/main" id="{C9448E25-4DFB-417F-9427-887A0EB7343A}"/>
+                <a16:creationId xmlns:a16="http://schemas.microsoft.com/office/drawing/2014/main" id="{652A2633-20E2-4516-8EAE-564AF76EC450}"/>
               </a:ext>
             </a:extLst>
           </p:cNvPr>
@@ -3325,8 +3732,8 @@
         </p:nvSpPr>
         <p:spPr>
           <a:xfrm>
-            <a:off x="16386463" y="1805251"/>
-            <a:ext cx="3689435" cy="830997"/>
+            <a:off x="1243444" y="11703190"/>
+            <a:ext cx="3733537" cy="891962"/>
           </a:xfrm>
           <a:prstGeom prst="roundRect">
             <a:avLst/>
@@ -3361,17 +3768,17 @@
                 <a:latin typeface="Segoe UI Light" panose="020B0502040204020203" pitchFamily="34" charset="0"/>
                 <a:cs typeface="Segoe UI Light" panose="020B0502040204020203" pitchFamily="34" charset="0"/>
               </a:rPr>
-              <a:t>Dimension Reduction</a:t>
-            </a:r>
-          </a:p>
-        </p:txBody>
-      </p:sp>
-      <p:sp>
-        <p:nvSpPr>
-          <p:cNvPr id="15" name="Rechteck: abgerundete Ecken 14">
+              <a:t>Cluster Analysis</a:t>
+            </a:r>
+          </a:p>
+        </p:txBody>
+      </p:sp>
+      <p:sp>
+        <p:nvSpPr>
+          <p:cNvPr id="17" name="Rechteck: abgerundete Ecken 16">
             <a:extLst>
               <a:ext uri="{FF2B5EF4-FFF2-40B4-BE49-F238E27FC236}">
-                <a16:creationId xmlns:a16="http://schemas.microsoft.com/office/drawing/2014/main" id="{615EA419-6204-4B9E-AA03-B160DB96CEE4}"/>
+                <a16:creationId xmlns:a16="http://schemas.microsoft.com/office/drawing/2014/main" id="{5732E25D-F51E-45A4-8AE3-AC5E31394D08}"/>
               </a:ext>
             </a:extLst>
           </p:cNvPr>
@@ -3380,8 +3787,8 @@
         </p:nvSpPr>
         <p:spPr>
           <a:xfrm>
-            <a:off x="1287545" y="1747815"/>
-            <a:ext cx="3689436" cy="824688"/>
+            <a:off x="10317282" y="11612806"/>
+            <a:ext cx="3510267" cy="904309"/>
           </a:xfrm>
           <a:prstGeom prst="roundRect">
             <a:avLst/>
@@ -3416,17 +3823,313 @@
                 <a:latin typeface="Segoe UI Light" panose="020B0502040204020203" pitchFamily="34" charset="0"/>
                 <a:cs typeface="Segoe UI Light" panose="020B0502040204020203" pitchFamily="34" charset="0"/>
               </a:rPr>
-              <a:t>Data Exploration</a:t>
-            </a:r>
-          </a:p>
-        </p:txBody>
-      </p:sp>
-      <p:sp>
-        <p:nvSpPr>
-          <p:cNvPr id="16" name="Rechteck: abgerundete Ecken 15">
+              <a:t>Predictive Analysis</a:t>
+            </a:r>
+          </a:p>
+        </p:txBody>
+      </p:sp>
+      <p:sp>
+        <p:nvSpPr>
+          <p:cNvPr id="20" name="Textfeld 19">
             <a:extLst>
               <a:ext uri="{FF2B5EF4-FFF2-40B4-BE49-F238E27FC236}">
-                <a16:creationId xmlns:a16="http://schemas.microsoft.com/office/drawing/2014/main" id="{652A2633-20E2-4516-8EAE-564AF76EC450}"/>
+                <a16:creationId xmlns:a16="http://schemas.microsoft.com/office/drawing/2014/main" id="{D7252238-9487-4325-B627-C26508801BFA}"/>
+              </a:ext>
+            </a:extLst>
+          </p:cNvPr>
+          <p:cNvSpPr txBox="1"/>
+          <p:nvPr/>
+        </p:nvSpPr>
+        <p:spPr>
+          <a:xfrm>
+            <a:off x="1089089" y="3075742"/>
+            <a:ext cx="5429729" cy="1908215"/>
+          </a:xfrm>
+          <a:prstGeom prst="rect">
+            <a:avLst/>
+          </a:prstGeom>
+          <a:noFill/>
+        </p:spPr>
+        <p:txBody>
+          <a:bodyPr wrap="square" rtlCol="0">
+            <a:spAutoFit/>
+          </a:bodyPr>
+          <a:lstStyle/>
+          <a:p>
+            <a:r>
+              <a:rPr lang="en-GB" sz="1600" b="1" dirty="0">
+                <a:latin typeface="Segoe UI Light" panose="020B0502040204020203" pitchFamily="34" charset="0"/>
+                <a:cs typeface="Segoe UI Light" panose="020B0502040204020203" pitchFamily="34" charset="0"/>
+              </a:rPr>
+              <a:t>Objective</a:t>
+            </a:r>
+            <a:endParaRPr lang="en-GB" sz="1400" b="1" dirty="0">
+              <a:latin typeface="Segoe UI Light" panose="020B0502040204020203" pitchFamily="34" charset="0"/>
+              <a:cs typeface="Segoe UI Light" panose="020B0502040204020203" pitchFamily="34" charset="0"/>
+            </a:endParaRPr>
+          </a:p>
+          <a:p>
+            <a:pPr marL="285750" indent="-285750">
+              <a:buFont typeface="Arial" panose="020B0604020202020204" pitchFamily="34" charset="0"/>
+              <a:buChar char="•"/>
+            </a:pPr>
+            <a:r>
+              <a:rPr lang="en-GB" sz="1400" dirty="0">
+                <a:latin typeface="Segoe UI Light" panose="020B0502040204020203" pitchFamily="34" charset="0"/>
+                <a:cs typeface="Segoe UI Light" panose="020B0502040204020203" pitchFamily="34" charset="0"/>
+              </a:rPr>
+              <a:t>Analyse happiness around the world</a:t>
+            </a:r>
+          </a:p>
+          <a:p>
+            <a:pPr marL="742950" lvl="1" indent="-285750">
+              <a:buFont typeface="Arial" panose="020B0604020202020204" pitchFamily="34" charset="0"/>
+              <a:buChar char="•"/>
+            </a:pPr>
+            <a:r>
+              <a:rPr lang="en-GB" sz="1400" dirty="0">
+                <a:latin typeface="Segoe UI Light" panose="020B0502040204020203" pitchFamily="34" charset="0"/>
+                <a:cs typeface="Segoe UI Light" panose="020B0502040204020203" pitchFamily="34" charset="0"/>
+              </a:rPr>
+              <a:t>Discover the factors that influence happiness</a:t>
+            </a:r>
+          </a:p>
+          <a:p>
+            <a:pPr marL="742950" lvl="1" indent="-285750">
+              <a:buFont typeface="Arial" panose="020B0604020202020204" pitchFamily="34" charset="0"/>
+              <a:buChar char="•"/>
+            </a:pPr>
+            <a:r>
+              <a:rPr lang="en-GB" sz="1400" dirty="0">
+                <a:latin typeface="Segoe UI Light" panose="020B0502040204020203" pitchFamily="34" charset="0"/>
+                <a:cs typeface="Segoe UI Light" panose="020B0502040204020203" pitchFamily="34" charset="0"/>
+              </a:rPr>
+              <a:t>Which factors lead to high, mid or low happiness</a:t>
+            </a:r>
+          </a:p>
+          <a:p>
+            <a:pPr marL="742950" lvl="1" indent="-285750">
+              <a:buFont typeface="Arial" panose="020B0604020202020204" pitchFamily="34" charset="0"/>
+              <a:buChar char="•"/>
+            </a:pPr>
+            <a:r>
+              <a:rPr lang="en-GB" sz="1400" dirty="0">
+                <a:latin typeface="Segoe UI Light" panose="020B0502040204020203" pitchFamily="34" charset="0"/>
+                <a:cs typeface="Segoe UI Light" panose="020B0502040204020203" pitchFamily="34" charset="0"/>
+              </a:rPr>
+              <a:t>Prediction of happiness</a:t>
+            </a:r>
+          </a:p>
+          <a:p>
+            <a:pPr marL="285750" indent="-285750">
+              <a:buFont typeface="Arial" panose="020B0604020202020204" pitchFamily="34" charset="0"/>
+              <a:buChar char="•"/>
+            </a:pPr>
+            <a:r>
+              <a:rPr lang="en-GB" sz="1400" dirty="0">
+                <a:latin typeface="Segoe UI Light" panose="020B0502040204020203" pitchFamily="34" charset="0"/>
+                <a:cs typeface="Segoe UI Light" panose="020B0502040204020203" pitchFamily="34" charset="0"/>
+              </a:rPr>
+              <a:t>Analyse similarity of countries</a:t>
+            </a:r>
+          </a:p>
+          <a:p>
+            <a:pPr marL="285750" indent="-285750">
+              <a:buFont typeface="Arial" panose="020B0604020202020204" pitchFamily="34" charset="0"/>
+              <a:buChar char="•"/>
+            </a:pPr>
+            <a:endParaRPr lang="en-GB" sz="1400" dirty="0">
+              <a:latin typeface="Segoe UI Light" panose="020B0502040204020203" pitchFamily="34" charset="0"/>
+              <a:cs typeface="Segoe UI Light" panose="020B0502040204020203" pitchFamily="34" charset="0"/>
+            </a:endParaRPr>
+          </a:p>
+          <a:p>
+            <a:pPr marL="285750" indent="-285750">
+              <a:buFont typeface="Arial" panose="020B0604020202020204" pitchFamily="34" charset="0"/>
+              <a:buChar char="•"/>
+            </a:pPr>
+            <a:endParaRPr lang="en-GB" dirty="0">
+              <a:latin typeface="Segoe UI Light" panose="020B0502040204020203" pitchFamily="34" charset="0"/>
+              <a:cs typeface="Segoe UI Light" panose="020B0502040204020203" pitchFamily="34" charset="0"/>
+            </a:endParaRPr>
+          </a:p>
+        </p:txBody>
+      </p:sp>
+      <p:pic>
+        <p:nvPicPr>
+          <p:cNvPr id="22" name="Grafik 21">
+            <a:extLst>
+              <a:ext uri="{FF2B5EF4-FFF2-40B4-BE49-F238E27FC236}">
+                <a16:creationId xmlns:a16="http://schemas.microsoft.com/office/drawing/2014/main" id="{8B00F58E-9B7B-44DC-A078-DAA568A7310E}"/>
+              </a:ext>
+            </a:extLst>
+          </p:cNvPr>
+          <p:cNvPicPr>
+            <a:picLocks noChangeAspect="1"/>
+          </p:cNvPicPr>
+          <p:nvPr/>
+        </p:nvPicPr>
+        <p:blipFill>
+          <a:blip r:embed="rId4">
+            <a:extLst>
+              <a:ext uri="{28A0092B-C50C-407E-A947-70E740481C1C}">
+                <a14:useLocalDpi xmlns:a14="http://schemas.microsoft.com/office/drawing/2010/main" val="0"/>
+              </a:ext>
+            </a:extLst>
+          </a:blip>
+          <a:stretch>
+            <a:fillRect/>
+          </a:stretch>
+        </p:blipFill>
+        <p:spPr>
+          <a:xfrm>
+            <a:off x="1717940" y="6779774"/>
+            <a:ext cx="3569369" cy="2307196"/>
+          </a:xfrm>
+          <a:prstGeom prst="rect">
+            <a:avLst/>
+          </a:prstGeom>
+        </p:spPr>
+      </p:pic>
+      <p:pic>
+        <p:nvPicPr>
+          <p:cNvPr id="24" name="Grafik 23">
+            <a:extLst>
+              <a:ext uri="{FF2B5EF4-FFF2-40B4-BE49-F238E27FC236}">
+                <a16:creationId xmlns:a16="http://schemas.microsoft.com/office/drawing/2014/main" id="{8462D31E-82A9-49E4-8BE2-D941651AF3BF}"/>
+              </a:ext>
+            </a:extLst>
+          </p:cNvPr>
+          <p:cNvPicPr>
+            <a:picLocks noChangeAspect="1"/>
+          </p:cNvPicPr>
+          <p:nvPr/>
+        </p:nvPicPr>
+        <p:blipFill rotWithShape="1">
+          <a:blip r:embed="rId5">
+            <a:extLst>
+              <a:ext uri="{28A0092B-C50C-407E-A947-70E740481C1C}">
+                <a14:useLocalDpi xmlns:a14="http://schemas.microsoft.com/office/drawing/2010/main" val="0"/>
+              </a:ext>
+            </a:extLst>
+          </a:blip>
+          <a:srcRect t="-1" b="3636"/>
+          <a:stretch/>
+        </p:blipFill>
+        <p:spPr>
+          <a:xfrm>
+            <a:off x="1724390" y="8847186"/>
+            <a:ext cx="3569368" cy="2223307"/>
+          </a:xfrm>
+          <a:prstGeom prst="rect">
+            <a:avLst/>
+          </a:prstGeom>
+        </p:spPr>
+      </p:pic>
+      <p:sp>
+        <p:nvSpPr>
+          <p:cNvPr id="30" name="Textfeld 29">
+            <a:extLst>
+              <a:ext uri="{FF2B5EF4-FFF2-40B4-BE49-F238E27FC236}">
+                <a16:creationId xmlns:a16="http://schemas.microsoft.com/office/drawing/2014/main" id="{3CF526E3-5C97-4D0A-82E9-6E371CE664D0}"/>
+              </a:ext>
+            </a:extLst>
+          </p:cNvPr>
+          <p:cNvSpPr txBox="1"/>
+          <p:nvPr/>
+        </p:nvSpPr>
+        <p:spPr>
+          <a:xfrm>
+            <a:off x="5953428" y="3072200"/>
+            <a:ext cx="6039905" cy="1200329"/>
+          </a:xfrm>
+          <a:prstGeom prst="rect">
+            <a:avLst/>
+          </a:prstGeom>
+          <a:noFill/>
+        </p:spPr>
+        <p:txBody>
+          <a:bodyPr wrap="square" rtlCol="0">
+            <a:spAutoFit/>
+          </a:bodyPr>
+          <a:lstStyle/>
+          <a:p>
+            <a:r>
+              <a:rPr lang="en-GB" sz="1600" b="1" dirty="0">
+                <a:latin typeface="Segoe UI Light" panose="020B0502040204020203" pitchFamily="34" charset="0"/>
+                <a:cs typeface="Segoe UI Light" panose="020B0502040204020203" pitchFamily="34" charset="0"/>
+              </a:rPr>
+              <a:t>Methodology</a:t>
+            </a:r>
+            <a:endParaRPr lang="en-GB" sz="1400" b="1" dirty="0">
+              <a:latin typeface="Segoe UI Light" panose="020B0502040204020203" pitchFamily="34" charset="0"/>
+              <a:cs typeface="Segoe UI Light" panose="020B0502040204020203" pitchFamily="34" charset="0"/>
+            </a:endParaRPr>
+          </a:p>
+          <a:p>
+            <a:pPr marL="285750" lvl="0" indent="-285750" fontAlgn="ctr">
+              <a:buFont typeface="Arial" panose="020B0604020202020204" pitchFamily="34" charset="0"/>
+              <a:buChar char="•"/>
+            </a:pPr>
+            <a:r>
+              <a:rPr lang="en-GB" sz="1400" dirty="0">
+                <a:latin typeface="Segoe UI Light" panose="020B0502040204020203" pitchFamily="34" charset="0"/>
+                <a:cs typeface="Segoe UI Light" panose="020B0502040204020203" pitchFamily="34" charset="0"/>
+              </a:rPr>
+              <a:t>Data preparation</a:t>
+            </a:r>
+            <a:endParaRPr lang="en-GB" dirty="0">
+              <a:latin typeface="Segoe UI Light" panose="020B0502040204020203" pitchFamily="34" charset="0"/>
+              <a:cs typeface="Segoe UI Light" panose="020B0502040204020203" pitchFamily="34" charset="0"/>
+            </a:endParaRPr>
+          </a:p>
+          <a:p>
+            <a:pPr marL="285750" lvl="0" indent="-285750" fontAlgn="ctr">
+              <a:buFont typeface="Arial" panose="020B0604020202020204" pitchFamily="34" charset="0"/>
+              <a:buChar char="•"/>
+            </a:pPr>
+            <a:r>
+              <a:rPr lang="en-GB" sz="1400" dirty="0">
+                <a:latin typeface="Segoe UI Light" panose="020B0502040204020203" pitchFamily="34" charset="0"/>
+                <a:cs typeface="Segoe UI Light" panose="020B0502040204020203" pitchFamily="34" charset="0"/>
+              </a:rPr>
+              <a:t>Dimension Reduction (PCA, FA)</a:t>
+            </a:r>
+          </a:p>
+          <a:p>
+            <a:pPr marL="285750" lvl="0" indent="-285750" fontAlgn="ctr">
+              <a:buFont typeface="Arial" panose="020B0604020202020204" pitchFamily="34" charset="0"/>
+              <a:buChar char="•"/>
+            </a:pPr>
+            <a:r>
+              <a:rPr lang="en-GB" sz="1400" dirty="0">
+                <a:latin typeface="Segoe UI Light" panose="020B0502040204020203" pitchFamily="34" charset="0"/>
+                <a:cs typeface="Segoe UI Light" panose="020B0502040204020203" pitchFamily="34" charset="0"/>
+              </a:rPr>
+              <a:t>Clustering</a:t>
+            </a:r>
+          </a:p>
+          <a:p>
+            <a:pPr marL="285750" lvl="0" indent="-285750" fontAlgn="ctr">
+              <a:buFont typeface="Arial" panose="020B0604020202020204" pitchFamily="34" charset="0"/>
+              <a:buChar char="•"/>
+            </a:pPr>
+            <a:r>
+              <a:rPr lang="en-GB" sz="1400" dirty="0">
+                <a:latin typeface="Segoe UI Light" panose="020B0502040204020203" pitchFamily="34" charset="0"/>
+                <a:cs typeface="Segoe UI Light" panose="020B0502040204020203" pitchFamily="34" charset="0"/>
+              </a:rPr>
+              <a:t>Regression</a:t>
+            </a:r>
+          </a:p>
+        </p:txBody>
+      </p:sp>
+      <p:sp>
+        <p:nvSpPr>
+          <p:cNvPr id="32" name="Rechteck: abgerundete Ecken 31">
+            <a:extLst>
+              <a:ext uri="{FF2B5EF4-FFF2-40B4-BE49-F238E27FC236}">
+                <a16:creationId xmlns:a16="http://schemas.microsoft.com/office/drawing/2014/main" id="{461FBEA4-F95D-4646-B596-410B62B525DC}"/>
               </a:ext>
             </a:extLst>
           </p:cNvPr>
@@ -3435,8 +4138,8 @@
         </p:nvSpPr>
         <p:spPr>
           <a:xfrm>
-            <a:off x="1243444" y="11703190"/>
-            <a:ext cx="3733537" cy="891962"/>
+            <a:off x="23486919" y="11703190"/>
+            <a:ext cx="3060170" cy="891962"/>
           </a:xfrm>
           <a:prstGeom prst="roundRect">
             <a:avLst/>
@@ -3471,211 +4174,17 @@
                 <a:latin typeface="Segoe UI Light" panose="020B0502040204020203" pitchFamily="34" charset="0"/>
                 <a:cs typeface="Segoe UI Light" panose="020B0502040204020203" pitchFamily="34" charset="0"/>
               </a:rPr>
-              <a:t>Cluster Analysis</a:t>
-            </a:r>
-          </a:p>
-        </p:txBody>
-      </p:sp>
-      <p:sp>
-        <p:nvSpPr>
-          <p:cNvPr id="17" name="Rechteck: abgerundete Ecken 16">
-            <a:extLst>
-              <a:ext uri="{FF2B5EF4-FFF2-40B4-BE49-F238E27FC236}">
-                <a16:creationId xmlns:a16="http://schemas.microsoft.com/office/drawing/2014/main" id="{5732E25D-F51E-45A4-8AE3-AC5E31394D08}"/>
-              </a:ext>
-            </a:extLst>
-          </p:cNvPr>
-          <p:cNvSpPr/>
-          <p:nvPr/>
-        </p:nvSpPr>
-        <p:spPr>
-          <a:xfrm>
-            <a:off x="16084305" y="11703190"/>
-            <a:ext cx="3510267" cy="904309"/>
-          </a:xfrm>
-          <a:prstGeom prst="roundRect">
-            <a:avLst/>
-          </a:prstGeom>
-          <a:ln>
-            <a:noFill/>
-          </a:ln>
-        </p:spPr>
-        <p:style>
-          <a:lnRef idx="2">
-            <a:schemeClr val="accent1">
-              <a:shade val="50000"/>
-            </a:schemeClr>
-          </a:lnRef>
-          <a:fillRef idx="1">
-            <a:schemeClr val="accent1"/>
-          </a:fillRef>
-          <a:effectRef idx="0">
-            <a:schemeClr val="accent1"/>
-          </a:effectRef>
-          <a:fontRef idx="minor">
-            <a:schemeClr val="lt1"/>
-          </a:fontRef>
-        </p:style>
-        <p:txBody>
-          <a:bodyPr rtlCol="0" anchor="ctr"/>
-          <a:lstStyle/>
-          <a:p>
-            <a:pPr algn="ctr"/>
-            <a:r>
-              <a:rPr lang="en-GB" sz="2800" dirty="0">
-                <a:latin typeface="Segoe UI Light" panose="020B0502040204020203" pitchFamily="34" charset="0"/>
-                <a:cs typeface="Segoe UI Light" panose="020B0502040204020203" pitchFamily="34" charset="0"/>
-              </a:rPr>
-              <a:t>Predictive Analysis</a:t>
+              <a:t>Discussion</a:t>
             </a:r>
           </a:p>
         </p:txBody>
       </p:sp>
       <p:pic>
         <p:nvPicPr>
-          <p:cNvPr id="19" name="Grafik 18">
+          <p:cNvPr id="34" name="Grafik 33">
             <a:extLst>
               <a:ext uri="{FF2B5EF4-FFF2-40B4-BE49-F238E27FC236}">
-                <a16:creationId xmlns:a16="http://schemas.microsoft.com/office/drawing/2014/main" id="{2CB21200-1D9D-4ADD-B3BD-5A6D4820CFA1}"/>
-              </a:ext>
-            </a:extLst>
-          </p:cNvPr>
-          <p:cNvPicPr>
-            <a:picLocks noChangeAspect="1"/>
-          </p:cNvPicPr>
-          <p:nvPr/>
-        </p:nvPicPr>
-        <p:blipFill rotWithShape="1">
-          <a:blip r:embed="rId4">
-            <a:extLst>
-              <a:ext uri="{28A0092B-C50C-407E-A947-70E740481C1C}">
-                <a14:useLocalDpi xmlns:a14="http://schemas.microsoft.com/office/drawing/2010/main" val="0"/>
-              </a:ext>
-            </a:extLst>
-          </a:blip>
-          <a:srcRect l="4522" t="4800" r="3428" b="4409"/>
-          <a:stretch/>
-        </p:blipFill>
-        <p:spPr>
-          <a:xfrm>
-            <a:off x="6006610" y="6247021"/>
-            <a:ext cx="8621344" cy="4597191"/>
-          </a:xfrm>
-          <a:prstGeom prst="rect">
-            <a:avLst/>
-          </a:prstGeom>
-        </p:spPr>
-      </p:pic>
-      <p:sp>
-        <p:nvSpPr>
-          <p:cNvPr id="20" name="Textfeld 19">
-            <a:extLst>
-              <a:ext uri="{FF2B5EF4-FFF2-40B4-BE49-F238E27FC236}">
-                <a16:creationId xmlns:a16="http://schemas.microsoft.com/office/drawing/2014/main" id="{D7252238-9487-4325-B627-C26508801BFA}"/>
-              </a:ext>
-            </a:extLst>
-          </p:cNvPr>
-          <p:cNvSpPr txBox="1"/>
-          <p:nvPr/>
-        </p:nvSpPr>
-        <p:spPr>
-          <a:xfrm>
-            <a:off x="1089089" y="3075742"/>
-            <a:ext cx="5429729" cy="1477328"/>
-          </a:xfrm>
-          <a:prstGeom prst="rect">
-            <a:avLst/>
-          </a:prstGeom>
-          <a:noFill/>
-        </p:spPr>
-        <p:txBody>
-          <a:bodyPr wrap="square" rtlCol="0">
-            <a:spAutoFit/>
-          </a:bodyPr>
-          <a:lstStyle/>
-          <a:p>
-            <a:r>
-              <a:rPr lang="en-GB" sz="1600" b="1" dirty="0">
-                <a:latin typeface="Segoe UI Light" panose="020B0502040204020203" pitchFamily="34" charset="0"/>
-                <a:cs typeface="Segoe UI Light" panose="020B0502040204020203" pitchFamily="34" charset="0"/>
-              </a:rPr>
-              <a:t>Objective</a:t>
-            </a:r>
-            <a:endParaRPr lang="en-GB" sz="1400" b="1" dirty="0">
-              <a:latin typeface="Segoe UI Light" panose="020B0502040204020203" pitchFamily="34" charset="0"/>
-              <a:cs typeface="Segoe UI Light" panose="020B0502040204020203" pitchFamily="34" charset="0"/>
-            </a:endParaRPr>
-          </a:p>
-          <a:p>
-            <a:pPr marL="285750" indent="-285750">
-              <a:buFont typeface="Arial" panose="020B0604020202020204" pitchFamily="34" charset="0"/>
-              <a:buChar char="•"/>
-            </a:pPr>
-            <a:r>
-              <a:rPr lang="en-GB" sz="1400" dirty="0">
-                <a:latin typeface="Segoe UI Light" panose="020B0502040204020203" pitchFamily="34" charset="0"/>
-                <a:cs typeface="Segoe UI Light" panose="020B0502040204020203" pitchFamily="34" charset="0"/>
-              </a:rPr>
-              <a:t>Analyse happiness around the world</a:t>
-            </a:r>
-          </a:p>
-          <a:p>
-            <a:pPr marL="285750" indent="-285750">
-              <a:buFont typeface="Arial" panose="020B0604020202020204" pitchFamily="34" charset="0"/>
-              <a:buChar char="•"/>
-            </a:pPr>
-            <a:r>
-              <a:rPr lang="en-GB" sz="1400" dirty="0">
-                <a:latin typeface="Segoe UI Light" panose="020B0502040204020203" pitchFamily="34" charset="0"/>
-                <a:cs typeface="Segoe UI Light" panose="020B0502040204020203" pitchFamily="34" charset="0"/>
-              </a:rPr>
-              <a:t>Discover the factors that influence happiness</a:t>
-            </a:r>
-          </a:p>
-          <a:p>
-            <a:pPr marL="285750" indent="-285750">
-              <a:buFont typeface="Arial" panose="020B0604020202020204" pitchFamily="34" charset="0"/>
-              <a:buChar char="•"/>
-            </a:pPr>
-            <a:r>
-              <a:rPr lang="en-GB" sz="1400" dirty="0">
-                <a:latin typeface="Segoe UI Light" panose="020B0502040204020203" pitchFamily="34" charset="0"/>
-                <a:cs typeface="Segoe UI Light" panose="020B0502040204020203" pitchFamily="34" charset="0"/>
-              </a:rPr>
-              <a:t>Which factors lead to high, mid or low happiness</a:t>
-            </a:r>
-          </a:p>
-          <a:p>
-            <a:pPr marL="285750" indent="-285750">
-              <a:buFont typeface="Arial" panose="020B0604020202020204" pitchFamily="34" charset="0"/>
-              <a:buChar char="•"/>
-            </a:pPr>
-            <a:r>
-              <a:rPr lang="en-GB" sz="1400" dirty="0">
-                <a:latin typeface="Segoe UI Light" panose="020B0502040204020203" pitchFamily="34" charset="0"/>
-                <a:cs typeface="Segoe UI Light" panose="020B0502040204020203" pitchFamily="34" charset="0"/>
-              </a:rPr>
-              <a:t>Prediction of happiness</a:t>
-            </a:r>
-          </a:p>
-          <a:p>
-            <a:pPr marL="285750" indent="-285750">
-              <a:buFont typeface="Arial" panose="020B0604020202020204" pitchFamily="34" charset="0"/>
-              <a:buChar char="•"/>
-            </a:pPr>
-            <a:endParaRPr lang="en-GB" dirty="0">
-              <a:latin typeface="Segoe UI Light" panose="020B0502040204020203" pitchFamily="34" charset="0"/>
-              <a:cs typeface="Segoe UI Light" panose="020B0502040204020203" pitchFamily="34" charset="0"/>
-            </a:endParaRPr>
-          </a:p>
-        </p:txBody>
-      </p:sp>
-      <p:pic>
-        <p:nvPicPr>
-          <p:cNvPr id="22" name="Grafik 21">
-            <a:extLst>
-              <a:ext uri="{FF2B5EF4-FFF2-40B4-BE49-F238E27FC236}">
-                <a16:creationId xmlns:a16="http://schemas.microsoft.com/office/drawing/2014/main" id="{8B00F58E-9B7B-44DC-A078-DAA568A7310E}"/>
+                <a16:creationId xmlns:a16="http://schemas.microsoft.com/office/drawing/2014/main" id="{9DA67AC0-A3DF-4F52-AE64-2A362962E258}"/>
               </a:ext>
             </a:extLst>
           </p:cNvPr>
@@ -3685,7 +4194,7 @@
           <p:nvPr/>
         </p:nvPicPr>
         <p:blipFill>
-          <a:blip r:embed="rId5">
+          <a:blip r:embed="rId6">
             <a:extLst>
               <a:ext uri="{28A0092B-C50C-407E-A947-70E740481C1C}">
                 <a14:useLocalDpi xmlns:a14="http://schemas.microsoft.com/office/drawing/2010/main" val="0"/>
@@ -3698,8 +4207,8 @@
         </p:blipFill>
         <p:spPr>
           <a:xfrm>
-            <a:off x="1717940" y="6779774"/>
-            <a:ext cx="3569369" cy="2307196"/>
+            <a:off x="20752039" y="7562290"/>
+            <a:ext cx="5120274" cy="3309682"/>
           </a:xfrm>
           <a:prstGeom prst="rect">
             <a:avLst/>
@@ -3708,252 +4217,10 @@
       </p:pic>
       <p:pic>
         <p:nvPicPr>
-          <p:cNvPr id="24" name="Grafik 23">
+          <p:cNvPr id="36" name="Grafik 35">
             <a:extLst>
               <a:ext uri="{FF2B5EF4-FFF2-40B4-BE49-F238E27FC236}">
-                <a16:creationId xmlns:a16="http://schemas.microsoft.com/office/drawing/2014/main" id="{8462D31E-82A9-49E4-8BE2-D941651AF3BF}"/>
-              </a:ext>
-            </a:extLst>
-          </p:cNvPr>
-          <p:cNvPicPr>
-            <a:picLocks noChangeAspect="1"/>
-          </p:cNvPicPr>
-          <p:nvPr/>
-        </p:nvPicPr>
-        <p:blipFill rotWithShape="1">
-          <a:blip r:embed="rId6">
-            <a:extLst>
-              <a:ext uri="{28A0092B-C50C-407E-A947-70E740481C1C}">
-                <a14:useLocalDpi xmlns:a14="http://schemas.microsoft.com/office/drawing/2010/main" val="0"/>
-              </a:ext>
-            </a:extLst>
-          </a:blip>
-          <a:srcRect t="-1" b="3636"/>
-          <a:stretch/>
-        </p:blipFill>
-        <p:spPr>
-          <a:xfrm>
-            <a:off x="1724390" y="8847186"/>
-            <a:ext cx="3569368" cy="2223307"/>
-          </a:xfrm>
-          <a:prstGeom prst="rect">
-            <a:avLst/>
-          </a:prstGeom>
-        </p:spPr>
-      </p:pic>
-      <p:sp>
-        <p:nvSpPr>
-          <p:cNvPr id="30" name="Textfeld 29">
-            <a:extLst>
-              <a:ext uri="{FF2B5EF4-FFF2-40B4-BE49-F238E27FC236}">
-                <a16:creationId xmlns:a16="http://schemas.microsoft.com/office/drawing/2014/main" id="{3CF526E3-5C97-4D0A-82E9-6E371CE664D0}"/>
-              </a:ext>
-            </a:extLst>
-          </p:cNvPr>
-          <p:cNvSpPr txBox="1"/>
-          <p:nvPr/>
-        </p:nvSpPr>
-        <p:spPr>
-          <a:xfrm>
-            <a:off x="5953428" y="3072200"/>
-            <a:ext cx="6039905" cy="1200329"/>
-          </a:xfrm>
-          <a:prstGeom prst="rect">
-            <a:avLst/>
-          </a:prstGeom>
-          <a:noFill/>
-        </p:spPr>
-        <p:txBody>
-          <a:bodyPr wrap="square" rtlCol="0">
-            <a:spAutoFit/>
-          </a:bodyPr>
-          <a:lstStyle/>
-          <a:p>
-            <a:r>
-              <a:rPr lang="en-GB" sz="1600" b="1" dirty="0">
-                <a:latin typeface="Segoe UI Light" panose="020B0502040204020203" pitchFamily="34" charset="0"/>
-                <a:cs typeface="Segoe UI Light" panose="020B0502040204020203" pitchFamily="34" charset="0"/>
-              </a:rPr>
-              <a:t>Methodology</a:t>
-            </a:r>
-            <a:endParaRPr lang="en-GB" sz="1400" b="1" dirty="0">
-              <a:latin typeface="Segoe UI Light" panose="020B0502040204020203" pitchFamily="34" charset="0"/>
-              <a:cs typeface="Segoe UI Light" panose="020B0502040204020203" pitchFamily="34" charset="0"/>
-            </a:endParaRPr>
-          </a:p>
-          <a:p>
-            <a:pPr marL="285750" lvl="0" indent="-285750" fontAlgn="ctr">
-              <a:buFont typeface="Arial" panose="020B0604020202020204" pitchFamily="34" charset="0"/>
-              <a:buChar char="•"/>
-            </a:pPr>
-            <a:r>
-              <a:rPr lang="en-GB" sz="1400" dirty="0">
-                <a:latin typeface="Segoe UI Light" panose="020B0502040204020203" pitchFamily="34" charset="0"/>
-                <a:cs typeface="Segoe UI Light" panose="020B0502040204020203" pitchFamily="34" charset="0"/>
-              </a:rPr>
-              <a:t>Data preparation</a:t>
-            </a:r>
-            <a:endParaRPr lang="en-GB" dirty="0">
-              <a:latin typeface="Segoe UI Light" panose="020B0502040204020203" pitchFamily="34" charset="0"/>
-              <a:cs typeface="Segoe UI Light" panose="020B0502040204020203" pitchFamily="34" charset="0"/>
-            </a:endParaRPr>
-          </a:p>
-          <a:p>
-            <a:pPr marL="285750" lvl="0" indent="-285750" fontAlgn="ctr">
-              <a:buFont typeface="Arial" panose="020B0604020202020204" pitchFamily="34" charset="0"/>
-              <a:buChar char="•"/>
-            </a:pPr>
-            <a:r>
-              <a:rPr lang="en-GB" sz="1400" dirty="0">
-                <a:latin typeface="Segoe UI Light" panose="020B0502040204020203" pitchFamily="34" charset="0"/>
-                <a:cs typeface="Segoe UI Light" panose="020B0502040204020203" pitchFamily="34" charset="0"/>
-              </a:rPr>
-              <a:t>Dimension Reduction (PCA, FA)</a:t>
-            </a:r>
-          </a:p>
-          <a:p>
-            <a:pPr marL="285750" lvl="0" indent="-285750" fontAlgn="ctr">
-              <a:buFont typeface="Arial" panose="020B0604020202020204" pitchFamily="34" charset="0"/>
-              <a:buChar char="•"/>
-            </a:pPr>
-            <a:r>
-              <a:rPr lang="en-GB" sz="1400" dirty="0">
-                <a:latin typeface="Segoe UI Light" panose="020B0502040204020203" pitchFamily="34" charset="0"/>
-                <a:cs typeface="Segoe UI Light" panose="020B0502040204020203" pitchFamily="34" charset="0"/>
-              </a:rPr>
-              <a:t>Clustering</a:t>
-            </a:r>
-          </a:p>
-          <a:p>
-            <a:pPr marL="285750" lvl="0" indent="-285750" fontAlgn="ctr">
-              <a:buFont typeface="Arial" panose="020B0604020202020204" pitchFamily="34" charset="0"/>
-              <a:buChar char="•"/>
-            </a:pPr>
-            <a:r>
-              <a:rPr lang="en-GB" sz="1400" dirty="0">
-                <a:latin typeface="Segoe UI Light" panose="020B0502040204020203" pitchFamily="34" charset="0"/>
-                <a:cs typeface="Segoe UI Light" panose="020B0502040204020203" pitchFamily="34" charset="0"/>
-              </a:rPr>
-              <a:t>Regression</a:t>
-            </a:r>
-          </a:p>
-        </p:txBody>
-      </p:sp>
-      <p:sp>
-        <p:nvSpPr>
-          <p:cNvPr id="31" name="Rechteck: abgerundete Ecken 30">
-            <a:extLst>
-              <a:ext uri="{FF2B5EF4-FFF2-40B4-BE49-F238E27FC236}">
-                <a16:creationId xmlns:a16="http://schemas.microsoft.com/office/drawing/2014/main" id="{30BB9FBD-13A9-4EF0-AFBF-F30FBC9734F1}"/>
-              </a:ext>
-            </a:extLst>
-          </p:cNvPr>
-          <p:cNvSpPr/>
-          <p:nvPr/>
-        </p:nvSpPr>
-        <p:spPr>
-          <a:xfrm>
-            <a:off x="22994650" y="11831782"/>
-            <a:ext cx="6691485" cy="8969941"/>
-          </a:xfrm>
-          <a:prstGeom prst="roundRect">
-            <a:avLst/>
-          </a:prstGeom>
-          <a:solidFill>
-            <a:schemeClr val="bg1"/>
-          </a:solidFill>
-        </p:spPr>
-        <p:style>
-          <a:lnRef idx="2">
-            <a:schemeClr val="accent1">
-              <a:shade val="50000"/>
-            </a:schemeClr>
-          </a:lnRef>
-          <a:fillRef idx="1">
-            <a:schemeClr val="accent1"/>
-          </a:fillRef>
-          <a:effectRef idx="0">
-            <a:schemeClr val="accent1"/>
-          </a:effectRef>
-          <a:fontRef idx="minor">
-            <a:schemeClr val="lt1"/>
-          </a:fontRef>
-        </p:style>
-        <p:txBody>
-          <a:bodyPr rot="0" spcFirstLastPara="0" vertOverflow="overflow" horzOverflow="overflow" vert="horz" wrap="square" lIns="91440" tIns="45720" rIns="91440" bIns="45720" numCol="1" spcCol="0" rtlCol="0" fromWordArt="0" anchor="ctr" anchorCtr="0" forceAA="0" compatLnSpc="1">
-            <a:prstTxWarp prst="textNoShape">
-              <a:avLst/>
-            </a:prstTxWarp>
-            <a:noAutofit/>
-          </a:bodyPr>
-          <a:lstStyle/>
-          <a:p>
-            <a:pPr algn="ctr"/>
-            <a:endParaRPr lang="en-GB"/>
-          </a:p>
-        </p:txBody>
-      </p:sp>
-      <p:sp>
-        <p:nvSpPr>
-          <p:cNvPr id="32" name="Rechteck: abgerundete Ecken 31">
-            <a:extLst>
-              <a:ext uri="{FF2B5EF4-FFF2-40B4-BE49-F238E27FC236}">
-                <a16:creationId xmlns:a16="http://schemas.microsoft.com/office/drawing/2014/main" id="{461FBEA4-F95D-4646-B596-410B62B525DC}"/>
-              </a:ext>
-            </a:extLst>
-          </p:cNvPr>
-          <p:cNvSpPr/>
-          <p:nvPr/>
-        </p:nvSpPr>
-        <p:spPr>
-          <a:xfrm>
-            <a:off x="23486919" y="11703190"/>
-            <a:ext cx="3060170" cy="891962"/>
-          </a:xfrm>
-          <a:prstGeom prst="roundRect">
-            <a:avLst/>
-          </a:prstGeom>
-          <a:ln>
-            <a:noFill/>
-          </a:ln>
-        </p:spPr>
-        <p:style>
-          <a:lnRef idx="2">
-            <a:schemeClr val="accent1">
-              <a:shade val="50000"/>
-            </a:schemeClr>
-          </a:lnRef>
-          <a:fillRef idx="1">
-            <a:schemeClr val="accent1"/>
-          </a:fillRef>
-          <a:effectRef idx="0">
-            <a:schemeClr val="accent1"/>
-          </a:effectRef>
-          <a:fontRef idx="minor">
-            <a:schemeClr val="lt1"/>
-          </a:fontRef>
-        </p:style>
-        <p:txBody>
-          <a:bodyPr rtlCol="0" anchor="ctr"/>
-          <a:lstStyle/>
-          <a:p>
-            <a:pPr algn="ctr"/>
-            <a:r>
-              <a:rPr lang="en-GB" sz="2800" dirty="0">
-                <a:latin typeface="Segoe UI Light" panose="020B0502040204020203" pitchFamily="34" charset="0"/>
-                <a:cs typeface="Segoe UI Light" panose="020B0502040204020203" pitchFamily="34" charset="0"/>
-              </a:rPr>
-              <a:t>Discussion</a:t>
-            </a:r>
-          </a:p>
-        </p:txBody>
-      </p:sp>
-      <p:pic>
-        <p:nvPicPr>
-          <p:cNvPr id="34" name="Grafik 33">
-            <a:extLst>
-              <a:ext uri="{FF2B5EF4-FFF2-40B4-BE49-F238E27FC236}">
-                <a16:creationId xmlns:a16="http://schemas.microsoft.com/office/drawing/2014/main" id="{9DA67AC0-A3DF-4F52-AE64-2A362962E258}"/>
+                <a16:creationId xmlns:a16="http://schemas.microsoft.com/office/drawing/2014/main" id="{F0178204-FE16-4423-8F6D-DD211F9DB0E6}"/>
               </a:ext>
             </a:extLst>
           </p:cNvPr>
@@ -3976,20 +4243,96 @@
         </p:blipFill>
         <p:spPr>
           <a:xfrm>
-            <a:off x="19896730" y="7802610"/>
-            <a:ext cx="3279072" cy="2119552"/>
+            <a:off x="16153561" y="7476351"/>
+            <a:ext cx="5036527" cy="3255550"/>
           </a:xfrm>
           <a:prstGeom prst="rect">
             <a:avLst/>
           </a:prstGeom>
         </p:spPr>
       </p:pic>
+      <p:sp>
+        <p:nvSpPr>
+          <p:cNvPr id="42" name="Textfeld 41">
+            <a:extLst>
+              <a:ext uri="{FF2B5EF4-FFF2-40B4-BE49-F238E27FC236}">
+                <a16:creationId xmlns:a16="http://schemas.microsoft.com/office/drawing/2014/main" id="{33007021-6EEF-4A33-B27A-3D5386934185}"/>
+              </a:ext>
+            </a:extLst>
+          </p:cNvPr>
+          <p:cNvSpPr txBox="1"/>
+          <p:nvPr/>
+        </p:nvSpPr>
+        <p:spPr>
+          <a:xfrm>
+            <a:off x="16294611" y="2976132"/>
+            <a:ext cx="4469599" cy="338554"/>
+          </a:xfrm>
+          <a:prstGeom prst="rect">
+            <a:avLst/>
+          </a:prstGeom>
+          <a:noFill/>
+        </p:spPr>
+        <p:txBody>
+          <a:bodyPr wrap="square" rtlCol="0">
+            <a:spAutoFit/>
+          </a:bodyPr>
+          <a:lstStyle/>
+          <a:p>
+            <a:r>
+              <a:rPr lang="en-GB" sz="1600" b="1" dirty="0">
+                <a:latin typeface="Segoe UI Light" panose="020B0502040204020203" pitchFamily="34" charset="0"/>
+                <a:cs typeface="Segoe UI Light" panose="020B0502040204020203" pitchFamily="34" charset="0"/>
+              </a:rPr>
+              <a:t>Principal Component Analysis (PCA)</a:t>
+            </a:r>
+          </a:p>
+        </p:txBody>
+      </p:sp>
+      <p:sp>
+        <p:nvSpPr>
+          <p:cNvPr id="43" name="Textfeld 42">
+            <a:extLst>
+              <a:ext uri="{FF2B5EF4-FFF2-40B4-BE49-F238E27FC236}">
+                <a16:creationId xmlns:a16="http://schemas.microsoft.com/office/drawing/2014/main" id="{2F92A97A-CFB4-4E6E-886E-1F00B8D3803F}"/>
+              </a:ext>
+            </a:extLst>
+          </p:cNvPr>
+          <p:cNvSpPr txBox="1"/>
+          <p:nvPr/>
+        </p:nvSpPr>
+        <p:spPr>
+          <a:xfrm>
+            <a:off x="23312176" y="2902923"/>
+            <a:ext cx="4469599" cy="338554"/>
+          </a:xfrm>
+          <a:prstGeom prst="rect">
+            <a:avLst/>
+          </a:prstGeom>
+          <a:noFill/>
+        </p:spPr>
+        <p:txBody>
+          <a:bodyPr wrap="square" rtlCol="0">
+            <a:spAutoFit/>
+          </a:bodyPr>
+          <a:lstStyle/>
+          <a:p>
+            <a:r>
+              <a:rPr lang="en-GB" sz="1600" b="1" dirty="0">
+                <a:latin typeface="Segoe UI Light" panose="020B0502040204020203" pitchFamily="34" charset="0"/>
+                <a:cs typeface="Segoe UI Light" panose="020B0502040204020203" pitchFamily="34" charset="0"/>
+              </a:rPr>
+              <a:t>Factor Analysis (FA)</a:t>
+            </a:r>
+          </a:p>
+        </p:txBody>
+      </p:sp>
       <p:pic>
         <p:nvPicPr>
-          <p:cNvPr id="36" name="Grafik 35">
+          <p:cNvPr id="47" name="Grafik 46">
             <a:extLst>
               <a:ext uri="{FF2B5EF4-FFF2-40B4-BE49-F238E27FC236}">
-                <a16:creationId xmlns:a16="http://schemas.microsoft.com/office/drawing/2014/main" id="{F0178204-FE16-4423-8F6D-DD211F9DB0E6}"/>
+                <a16:creationId xmlns:a16="http://schemas.microsoft.com/office/drawing/2014/main" id="{384FDCAD-779F-483A-BF56-27F659314A79}"/>
               </a:ext>
             </a:extLst>
           </p:cNvPr>
@@ -3999,201 +4342,15 @@
           <p:nvPr/>
         </p:nvPicPr>
         <p:blipFill>
-          <a:blip r:embed="rId8">
-            <a:extLst>
-              <a:ext uri="{28A0092B-C50C-407E-A947-70E740481C1C}">
-                <a14:useLocalDpi xmlns:a14="http://schemas.microsoft.com/office/drawing/2010/main" val="0"/>
-              </a:ext>
-            </a:extLst>
-          </a:blip>
+          <a:blip r:embed="rId8"/>
           <a:stretch>
             <a:fillRect/>
           </a:stretch>
         </p:blipFill>
         <p:spPr>
           <a:xfrm>
-            <a:off x="16317761" y="7802610"/>
-            <a:ext cx="3758137" cy="2429214"/>
-          </a:xfrm>
-          <a:prstGeom prst="rect">
-            <a:avLst/>
-          </a:prstGeom>
-        </p:spPr>
-      </p:pic>
-      <p:pic>
-        <p:nvPicPr>
-          <p:cNvPr id="38" name="Grafik 37">
-            <a:extLst>
-              <a:ext uri="{FF2B5EF4-FFF2-40B4-BE49-F238E27FC236}">
-                <a16:creationId xmlns:a16="http://schemas.microsoft.com/office/drawing/2014/main" id="{5CE79735-B8A7-4590-BF7C-F8BD25B960D0}"/>
-              </a:ext>
-            </a:extLst>
-          </p:cNvPr>
-          <p:cNvPicPr>
-            <a:picLocks noChangeAspect="1"/>
-          </p:cNvPicPr>
-          <p:nvPr/>
-        </p:nvPicPr>
-        <p:blipFill>
-          <a:blip r:embed="rId9">
-            <a:extLst>
-              <a:ext uri="{28A0092B-C50C-407E-A947-70E740481C1C}">
-                <a14:useLocalDpi xmlns:a14="http://schemas.microsoft.com/office/drawing/2010/main" val="0"/>
-              </a:ext>
-            </a:extLst>
-          </a:blip>
-          <a:stretch>
-            <a:fillRect/>
-          </a:stretch>
-        </p:blipFill>
-        <p:spPr>
-          <a:xfrm>
-            <a:off x="16084305" y="4439463"/>
-            <a:ext cx="2999223" cy="1938661"/>
-          </a:xfrm>
-          <a:prstGeom prst="rect">
-            <a:avLst/>
-          </a:prstGeom>
-        </p:spPr>
-      </p:pic>
-      <p:sp>
-        <p:nvSpPr>
-          <p:cNvPr id="42" name="Textfeld 41">
-            <a:extLst>
-              <a:ext uri="{FF2B5EF4-FFF2-40B4-BE49-F238E27FC236}">
-                <a16:creationId xmlns:a16="http://schemas.microsoft.com/office/drawing/2014/main" id="{33007021-6EEF-4A33-B27A-3D5386934185}"/>
-              </a:ext>
-            </a:extLst>
-          </p:cNvPr>
-          <p:cNvSpPr txBox="1"/>
-          <p:nvPr/>
-        </p:nvSpPr>
-        <p:spPr>
-          <a:xfrm>
-            <a:off x="16294611" y="2976132"/>
-            <a:ext cx="4469599" cy="338554"/>
-          </a:xfrm>
-          <a:prstGeom prst="rect">
-            <a:avLst/>
-          </a:prstGeom>
-          <a:noFill/>
-        </p:spPr>
-        <p:txBody>
-          <a:bodyPr wrap="square" rtlCol="0">
-            <a:spAutoFit/>
-          </a:bodyPr>
-          <a:lstStyle/>
-          <a:p>
-            <a:r>
-              <a:rPr lang="en-GB" sz="1600" b="1" dirty="0">
-                <a:latin typeface="Segoe UI Light" panose="020B0502040204020203" pitchFamily="34" charset="0"/>
-                <a:cs typeface="Segoe UI Light" panose="020B0502040204020203" pitchFamily="34" charset="0"/>
-              </a:rPr>
-              <a:t>Principal Component Analysis (PCA)</a:t>
-            </a:r>
-          </a:p>
-        </p:txBody>
-      </p:sp>
-      <p:sp>
-        <p:nvSpPr>
-          <p:cNvPr id="43" name="Textfeld 42">
-            <a:extLst>
-              <a:ext uri="{FF2B5EF4-FFF2-40B4-BE49-F238E27FC236}">
-                <a16:creationId xmlns:a16="http://schemas.microsoft.com/office/drawing/2014/main" id="{2F92A97A-CFB4-4E6E-886E-1F00B8D3803F}"/>
-              </a:ext>
-            </a:extLst>
-          </p:cNvPr>
-          <p:cNvSpPr txBox="1"/>
-          <p:nvPr/>
-        </p:nvSpPr>
-        <p:spPr>
-          <a:xfrm>
-            <a:off x="23312176" y="2902923"/>
-            <a:ext cx="4469599" cy="338554"/>
-          </a:xfrm>
-          <a:prstGeom prst="rect">
-            <a:avLst/>
-          </a:prstGeom>
-          <a:noFill/>
-        </p:spPr>
-        <p:txBody>
-          <a:bodyPr wrap="square" rtlCol="0">
-            <a:spAutoFit/>
-          </a:bodyPr>
-          <a:lstStyle/>
-          <a:p>
-            <a:r>
-              <a:rPr lang="en-GB" sz="1600" b="1" dirty="0">
-                <a:latin typeface="Segoe UI Light" panose="020B0502040204020203" pitchFamily="34" charset="0"/>
-                <a:cs typeface="Segoe UI Light" panose="020B0502040204020203" pitchFamily="34" charset="0"/>
-              </a:rPr>
-              <a:t>Factor Analysis (FA)</a:t>
-            </a:r>
-          </a:p>
-        </p:txBody>
-      </p:sp>
-      <p:cxnSp>
-        <p:nvCxnSpPr>
-          <p:cNvPr id="45" name="Gerader Verbinder 44">
-            <a:extLst>
-              <a:ext uri="{FF2B5EF4-FFF2-40B4-BE49-F238E27FC236}">
-                <a16:creationId xmlns:a16="http://schemas.microsoft.com/office/drawing/2014/main" id="{DB63E3E9-A270-4A58-9C9F-A9F1CCA7D478}"/>
-              </a:ext>
-            </a:extLst>
-          </p:cNvPr>
-          <p:cNvCxnSpPr>
-            <a:cxnSpLocks/>
-          </p:cNvCxnSpPr>
-          <p:nvPr/>
-        </p:nvCxnSpPr>
-        <p:spPr>
-          <a:xfrm>
-            <a:off x="22840514" y="3262696"/>
-            <a:ext cx="15240" cy="3582836"/>
-          </a:xfrm>
-          <a:prstGeom prst="line">
-            <a:avLst/>
-          </a:prstGeom>
-        </p:spPr>
-        <p:style>
-          <a:lnRef idx="1">
-            <a:schemeClr val="accent3"/>
-          </a:lnRef>
-          <a:fillRef idx="0">
-            <a:schemeClr val="accent3"/>
-          </a:fillRef>
-          <a:effectRef idx="0">
-            <a:schemeClr val="accent3"/>
-          </a:effectRef>
-          <a:fontRef idx="minor">
-            <a:schemeClr val="tx1"/>
-          </a:fontRef>
-        </p:style>
-      </p:cxnSp>
-      <p:pic>
-        <p:nvPicPr>
-          <p:cNvPr id="47" name="Grafik 46">
-            <a:extLst>
-              <a:ext uri="{FF2B5EF4-FFF2-40B4-BE49-F238E27FC236}">
-                <a16:creationId xmlns:a16="http://schemas.microsoft.com/office/drawing/2014/main" id="{384FDCAD-779F-483A-BF56-27F659314A79}"/>
-              </a:ext>
-            </a:extLst>
-          </p:cNvPr>
-          <p:cNvPicPr>
-            <a:picLocks noChangeAspect="1"/>
-          </p:cNvPicPr>
-          <p:nvPr/>
-        </p:nvPicPr>
-        <p:blipFill>
-          <a:blip r:embed="rId10"/>
-          <a:stretch>
-            <a:fillRect/>
-          </a:stretch>
-        </p:blipFill>
-        <p:spPr>
-          <a:xfrm>
-            <a:off x="16542599" y="13143927"/>
-            <a:ext cx="2945162" cy="2945162"/>
+            <a:off x="18319104" y="12882697"/>
+            <a:ext cx="3740466" cy="3740466"/>
           </a:xfrm>
           <a:prstGeom prst="rect">
             <a:avLst/>
@@ -4294,7 +4451,7 @@
               <p:nvPr/>
             </p:nvPicPr>
             <p:blipFill>
-              <a:blip r:embed="rId11">
+              <a:blip r:embed="rId9">
                 <a:extLst>
                   <a:ext uri="{28A0092B-C50C-407E-A947-70E740481C1C}">
                     <a14:useLocalDpi xmlns:a14="http://schemas.microsoft.com/office/drawing/2010/main" val="0"/>
@@ -4351,7 +4508,7 @@
               <p:nvPr/>
             </p:nvPicPr>
             <p:blipFill>
-              <a:blip r:embed="rId12">
+              <a:blip r:embed="rId10">
                 <a:extLst>
                   <a:ext uri="{28A0092B-C50C-407E-A947-70E740481C1C}">
                     <a14:useLocalDpi xmlns:a14="http://schemas.microsoft.com/office/drawing/2010/main" val="0"/>
@@ -4447,7 +4604,7 @@
               <p:nvPr/>
             </p:nvPicPr>
             <p:blipFill>
-              <a:blip r:embed="rId13">
+              <a:blip r:embed="rId11">
                 <a:extLst>
                   <a:ext uri="{28A0092B-C50C-407E-A947-70E740481C1C}">
                     <a14:useLocalDpi xmlns:a14="http://schemas.microsoft.com/office/drawing/2010/main" val="0"/>
@@ -4543,7 +4700,7 @@
               <p:nvPr/>
             </p:nvPicPr>
             <p:blipFill>
-              <a:blip r:embed="rId14">
+              <a:blip r:embed="rId12">
                 <a:extLst>
                   <a:ext uri="{28A0092B-C50C-407E-A947-70E740481C1C}">
                     <a14:useLocalDpi xmlns:a14="http://schemas.microsoft.com/office/drawing/2010/main" val="0"/>
@@ -4639,7 +4796,7 @@
               <p:nvPr/>
             </p:nvPicPr>
             <p:blipFill>
-              <a:blip r:embed="rId15">
+              <a:blip r:embed="rId13">
                 <a:extLst>
                   <a:ext uri="{28A0092B-C50C-407E-A947-70E740481C1C}">
                     <a14:useLocalDpi xmlns:a14="http://schemas.microsoft.com/office/drawing/2010/main" val="0"/>
@@ -4735,7 +4892,7 @@
               <p:nvPr/>
             </p:nvPicPr>
             <p:blipFill>
-              <a:blip r:embed="rId16">
+              <a:blip r:embed="rId14">
                 <a:extLst>
                   <a:ext uri="{28A0092B-C50C-407E-A947-70E740481C1C}">
                     <a14:useLocalDpi xmlns:a14="http://schemas.microsoft.com/office/drawing/2010/main" val="0"/>
@@ -4831,7 +4988,7 @@
               <p:nvPr/>
             </p:nvPicPr>
             <p:blipFill>
-              <a:blip r:embed="rId17">
+              <a:blip r:embed="rId15">
                 <a:extLst>
                   <a:ext uri="{28A0092B-C50C-407E-A947-70E740481C1C}">
                     <a14:useLocalDpi xmlns:a14="http://schemas.microsoft.com/office/drawing/2010/main" val="0"/>
@@ -4927,7 +5084,7 @@
               <p:nvPr/>
             </p:nvPicPr>
             <p:blipFill>
-              <a:blip r:embed="rId18">
+              <a:blip r:embed="rId16">
                 <a:extLst>
                   <a:ext uri="{28A0092B-C50C-407E-A947-70E740481C1C}">
                     <a14:useLocalDpi xmlns:a14="http://schemas.microsoft.com/office/drawing/2010/main" val="0"/>
@@ -5084,7 +5241,7 @@
         <p:spPr>
           <a:xfrm>
             <a:off x="5976847" y="4357817"/>
-            <a:ext cx="2188927" cy="2215991"/>
+            <a:ext cx="2188927" cy="2646878"/>
           </a:xfrm>
           <a:prstGeom prst="rect">
             <a:avLst/>
@@ -5153,6 +5310,21 @@
                 <a:latin typeface="Segoe UI Light" panose="020B0502040204020203" pitchFamily="34" charset="0"/>
                 <a:cs typeface="Segoe UI Light" panose="020B0502040204020203" pitchFamily="34" charset="0"/>
               </a:rPr>
+              <a:t>      </a:t>
+            </a:r>
+          </a:p>
+          <a:p>
+            <a:endParaRPr lang="en-GB" sz="1400" dirty="0">
+              <a:latin typeface="Segoe UI Light" panose="020B0502040204020203" pitchFamily="34" charset="0"/>
+              <a:cs typeface="Segoe UI Light" panose="020B0502040204020203" pitchFamily="34" charset="0"/>
+            </a:endParaRPr>
+          </a:p>
+          <a:p>
+            <a:r>
+              <a:rPr lang="en-GB" sz="1400" dirty="0">
+                <a:latin typeface="Segoe UI Light" panose="020B0502040204020203" pitchFamily="34" charset="0"/>
+                <a:cs typeface="Segoe UI Light" panose="020B0502040204020203" pitchFamily="34" charset="0"/>
+              </a:rPr>
               <a:t>      Togo</a:t>
             </a:r>
           </a:p>
@@ -5214,10 +5386,82 @@
       </p:sp>
       <p:pic>
         <p:nvPicPr>
-          <p:cNvPr id="73" name="Grafik 72">
+          <p:cNvPr id="74" name="Grafik 73">
             <a:extLst>
               <a:ext uri="{FF2B5EF4-FFF2-40B4-BE49-F238E27FC236}">
-                <a16:creationId xmlns:a16="http://schemas.microsoft.com/office/drawing/2014/main" id="{19898755-75B3-4109-AE19-F95FA5991D2F}"/>
+                <a16:creationId xmlns:a16="http://schemas.microsoft.com/office/drawing/2014/main" id="{2C75AF1F-5CEB-4A39-859B-B770DC653AC9}"/>
+              </a:ext>
+            </a:extLst>
+          </p:cNvPr>
+          <p:cNvPicPr>
+            <a:picLocks noChangeAspect="1"/>
+          </p:cNvPicPr>
+          <p:nvPr/>
+        </p:nvPicPr>
+        <p:blipFill>
+          <a:blip r:embed="rId17">
+            <a:extLst>
+              <a:ext uri="{28A0092B-C50C-407E-A947-70E740481C1C}">
+                <a14:useLocalDpi xmlns:a14="http://schemas.microsoft.com/office/drawing/2010/main" val="0"/>
+              </a:ext>
+            </a:extLst>
+          </a:blip>
+          <a:stretch>
+            <a:fillRect/>
+          </a:stretch>
+        </p:blipFill>
+        <p:spPr>
+          <a:xfrm>
+            <a:off x="6107665" y="4918042"/>
+            <a:ext cx="162000" cy="162000"/>
+          </a:xfrm>
+          <a:prstGeom prst="rect">
+            <a:avLst/>
+          </a:prstGeom>
+        </p:spPr>
+      </p:pic>
+      <p:pic>
+        <p:nvPicPr>
+          <p:cNvPr id="77" name="Grafik 76">
+            <a:extLst>
+              <a:ext uri="{FF2B5EF4-FFF2-40B4-BE49-F238E27FC236}">
+                <a16:creationId xmlns:a16="http://schemas.microsoft.com/office/drawing/2014/main" id="{712A983A-EA50-4904-9A6C-F5AB858A94F4}"/>
+              </a:ext>
+            </a:extLst>
+          </p:cNvPr>
+          <p:cNvPicPr>
+            <a:picLocks noChangeAspect="1"/>
+          </p:cNvPicPr>
+          <p:nvPr/>
+        </p:nvPicPr>
+        <p:blipFill>
+          <a:blip r:embed="rId18">
+            <a:extLst>
+              <a:ext uri="{28A0092B-C50C-407E-A947-70E740481C1C}">
+                <a14:useLocalDpi xmlns:a14="http://schemas.microsoft.com/office/drawing/2010/main" val="0"/>
+              </a:ext>
+            </a:extLst>
+          </a:blip>
+          <a:stretch>
+            <a:fillRect/>
+          </a:stretch>
+        </p:blipFill>
+        <p:spPr>
+          <a:xfrm>
+            <a:off x="6107667" y="5143510"/>
+            <a:ext cx="162000" cy="162000"/>
+          </a:xfrm>
+          <a:prstGeom prst="rect">
+            <a:avLst/>
+          </a:prstGeom>
+        </p:spPr>
+      </p:pic>
+      <p:pic>
+        <p:nvPicPr>
+          <p:cNvPr id="80" name="Grafik 79">
+            <a:extLst>
+              <a:ext uri="{FF2B5EF4-FFF2-40B4-BE49-F238E27FC236}">
+                <a16:creationId xmlns:a16="http://schemas.microsoft.com/office/drawing/2014/main" id="{A401FFFC-38C8-42FA-96D7-BDFCC1007BA9}"/>
               </a:ext>
             </a:extLst>
           </p:cNvPr>
@@ -5240,8 +5484,8 @@
         </p:blipFill>
         <p:spPr>
           <a:xfrm>
-            <a:off x="9087259" y="7703550"/>
-            <a:ext cx="252000" cy="252000"/>
+            <a:off x="6107665" y="5368185"/>
+            <a:ext cx="162000" cy="162000"/>
           </a:xfrm>
           <a:prstGeom prst="rect">
             <a:avLst/>
@@ -5250,10 +5494,117 @@
       </p:pic>
       <p:pic>
         <p:nvPicPr>
-          <p:cNvPr id="74" name="Grafik 73">
+          <p:cNvPr id="19" name="Grafik 18">
             <a:extLst>
               <a:ext uri="{FF2B5EF4-FFF2-40B4-BE49-F238E27FC236}">
-                <a16:creationId xmlns:a16="http://schemas.microsoft.com/office/drawing/2014/main" id="{2C75AF1F-5CEB-4A39-859B-B770DC653AC9}"/>
+                <a16:creationId xmlns:a16="http://schemas.microsoft.com/office/drawing/2014/main" id="{2CB21200-1D9D-4ADD-B3BD-5A6D4820CFA1}"/>
+              </a:ext>
+            </a:extLst>
+          </p:cNvPr>
+          <p:cNvPicPr>
+            <a:picLocks noChangeAspect="1"/>
+          </p:cNvPicPr>
+          <p:nvPr/>
+        </p:nvPicPr>
+        <p:blipFill rotWithShape="1">
+          <a:blip r:embed="rId20">
+            <a:extLst>
+              <a:ext uri="{28A0092B-C50C-407E-A947-70E740481C1C}">
+                <a14:useLocalDpi xmlns:a14="http://schemas.microsoft.com/office/drawing/2010/main" val="0"/>
+              </a:ext>
+            </a:extLst>
+          </a:blip>
+          <a:srcRect l="4522" t="4800" r="3428" b="4409"/>
+          <a:stretch/>
+        </p:blipFill>
+        <p:spPr>
+          <a:xfrm>
+            <a:off x="5991370" y="6478509"/>
+            <a:ext cx="8621344" cy="4597191"/>
+          </a:xfrm>
+          <a:prstGeom prst="rect">
+            <a:avLst/>
+          </a:prstGeom>
+        </p:spPr>
+      </p:pic>
+      <p:pic>
+        <p:nvPicPr>
+          <p:cNvPr id="73" name="Grafik 72">
+            <a:extLst>
+              <a:ext uri="{FF2B5EF4-FFF2-40B4-BE49-F238E27FC236}">
+                <a16:creationId xmlns:a16="http://schemas.microsoft.com/office/drawing/2014/main" id="{19898755-75B3-4109-AE19-F95FA5991D2F}"/>
+              </a:ext>
+            </a:extLst>
+          </p:cNvPr>
+          <p:cNvPicPr>
+            <a:picLocks noChangeAspect="1"/>
+          </p:cNvPicPr>
+          <p:nvPr/>
+        </p:nvPicPr>
+        <p:blipFill>
+          <a:blip r:embed="rId17">
+            <a:extLst>
+              <a:ext uri="{28A0092B-C50C-407E-A947-70E740481C1C}">
+                <a14:useLocalDpi xmlns:a14="http://schemas.microsoft.com/office/drawing/2010/main" val="0"/>
+              </a:ext>
+            </a:extLst>
+          </a:blip>
+          <a:stretch>
+            <a:fillRect/>
+          </a:stretch>
+        </p:blipFill>
+        <p:spPr>
+          <a:xfrm>
+            <a:off x="9072019" y="7935038"/>
+            <a:ext cx="252000" cy="252000"/>
+          </a:xfrm>
+          <a:prstGeom prst="rect">
+            <a:avLst/>
+          </a:prstGeom>
+        </p:spPr>
+      </p:pic>
+      <p:pic>
+        <p:nvPicPr>
+          <p:cNvPr id="76" name="Grafik 75">
+            <a:extLst>
+              <a:ext uri="{FF2B5EF4-FFF2-40B4-BE49-F238E27FC236}">
+                <a16:creationId xmlns:a16="http://schemas.microsoft.com/office/drawing/2014/main" id="{6EBA92B0-28E5-4F5B-85D9-82F92119E616}"/>
+              </a:ext>
+            </a:extLst>
+          </p:cNvPr>
+          <p:cNvPicPr>
+            <a:picLocks noChangeAspect="1"/>
+          </p:cNvPicPr>
+          <p:nvPr/>
+        </p:nvPicPr>
+        <p:blipFill>
+          <a:blip r:embed="rId18">
+            <a:extLst>
+              <a:ext uri="{28A0092B-C50C-407E-A947-70E740481C1C}">
+                <a14:useLocalDpi xmlns:a14="http://schemas.microsoft.com/office/drawing/2010/main" val="0"/>
+              </a:ext>
+            </a:extLst>
+          </a:blip>
+          <a:stretch>
+            <a:fillRect/>
+          </a:stretch>
+        </p:blipFill>
+        <p:spPr>
+          <a:xfrm>
+            <a:off x="8481372" y="7146753"/>
+            <a:ext cx="252000" cy="252000"/>
+          </a:xfrm>
+          <a:prstGeom prst="rect">
+            <a:avLst/>
+          </a:prstGeom>
+        </p:spPr>
+      </p:pic>
+      <p:pic>
+        <p:nvPicPr>
+          <p:cNvPr id="79" name="Grafik 78">
+            <a:extLst>
+              <a:ext uri="{FF2B5EF4-FFF2-40B4-BE49-F238E27FC236}">
+                <a16:creationId xmlns:a16="http://schemas.microsoft.com/office/drawing/2014/main" id="{71777D5D-D0CE-4308-AAE7-E90F8B800347}"/>
               </a:ext>
             </a:extLst>
           </p:cNvPr>
@@ -5276,8 +5627,8 @@
         </p:blipFill>
         <p:spPr>
           <a:xfrm>
-            <a:off x="6107665" y="4918042"/>
-            <a:ext cx="162000" cy="162000"/>
+            <a:off x="9253977" y="7385200"/>
+            <a:ext cx="252000" cy="252000"/>
           </a:xfrm>
           <a:prstGeom prst="rect">
             <a:avLst/>
@@ -5286,82 +5637,10 @@
       </p:pic>
       <p:pic>
         <p:nvPicPr>
-          <p:cNvPr id="76" name="Grafik 75">
+          <p:cNvPr id="82" name="Grafik 81">
             <a:extLst>
               <a:ext uri="{FF2B5EF4-FFF2-40B4-BE49-F238E27FC236}">
-                <a16:creationId xmlns:a16="http://schemas.microsoft.com/office/drawing/2014/main" id="{6EBA92B0-28E5-4F5B-85D9-82F92119E616}"/>
-              </a:ext>
-            </a:extLst>
-          </p:cNvPr>
-          <p:cNvPicPr>
-            <a:picLocks noChangeAspect="1"/>
-          </p:cNvPicPr>
-          <p:nvPr/>
-        </p:nvPicPr>
-        <p:blipFill>
-          <a:blip r:embed="rId20">
-            <a:extLst>
-              <a:ext uri="{28A0092B-C50C-407E-A947-70E740481C1C}">
-                <a14:useLocalDpi xmlns:a14="http://schemas.microsoft.com/office/drawing/2010/main" val="0"/>
-              </a:ext>
-            </a:extLst>
-          </a:blip>
-          <a:stretch>
-            <a:fillRect/>
-          </a:stretch>
-        </p:blipFill>
-        <p:spPr>
-          <a:xfrm>
-            <a:off x="8496612" y="6915265"/>
-            <a:ext cx="252000" cy="252000"/>
-          </a:xfrm>
-          <a:prstGeom prst="rect">
-            <a:avLst/>
-          </a:prstGeom>
-        </p:spPr>
-      </p:pic>
-      <p:pic>
-        <p:nvPicPr>
-          <p:cNvPr id="77" name="Grafik 76">
-            <a:extLst>
-              <a:ext uri="{FF2B5EF4-FFF2-40B4-BE49-F238E27FC236}">
-                <a16:creationId xmlns:a16="http://schemas.microsoft.com/office/drawing/2014/main" id="{712A983A-EA50-4904-9A6C-F5AB858A94F4}"/>
-              </a:ext>
-            </a:extLst>
-          </p:cNvPr>
-          <p:cNvPicPr>
-            <a:picLocks noChangeAspect="1"/>
-          </p:cNvPicPr>
-          <p:nvPr/>
-        </p:nvPicPr>
-        <p:blipFill>
-          <a:blip r:embed="rId20">
-            <a:extLst>
-              <a:ext uri="{28A0092B-C50C-407E-A947-70E740481C1C}">
-                <a14:useLocalDpi xmlns:a14="http://schemas.microsoft.com/office/drawing/2010/main" val="0"/>
-              </a:ext>
-            </a:extLst>
-          </a:blip>
-          <a:stretch>
-            <a:fillRect/>
-          </a:stretch>
-        </p:blipFill>
-        <p:spPr>
-          <a:xfrm>
-            <a:off x="6107667" y="5143510"/>
-            <a:ext cx="162000" cy="162000"/>
-          </a:xfrm>
-          <a:prstGeom prst="rect">
-            <a:avLst/>
-          </a:prstGeom>
-        </p:spPr>
-      </p:pic>
-      <p:pic>
-        <p:nvPicPr>
-          <p:cNvPr id="79" name="Grafik 78">
-            <a:extLst>
-              <a:ext uri="{FF2B5EF4-FFF2-40B4-BE49-F238E27FC236}">
-                <a16:creationId xmlns:a16="http://schemas.microsoft.com/office/drawing/2014/main" id="{71777D5D-D0CE-4308-AAE7-E90F8B800347}"/>
+                <a16:creationId xmlns:a16="http://schemas.microsoft.com/office/drawing/2014/main" id="{3F016134-33DC-4F0E-BC29-B7CCD22EE634}"/>
               </a:ext>
             </a:extLst>
           </p:cNvPr>
@@ -5384,7 +5663,7 @@
         </p:blipFill>
         <p:spPr>
           <a:xfrm>
-            <a:off x="9269217" y="7153712"/>
+            <a:off x="8898993" y="8946554"/>
             <a:ext cx="252000" cy="252000"/>
           </a:xfrm>
           <a:prstGeom prst="rect">
@@ -5394,10 +5673,10 @@
       </p:pic>
       <p:pic>
         <p:nvPicPr>
-          <p:cNvPr id="80" name="Grafik 79">
+          <p:cNvPr id="83" name="Grafik 82">
             <a:extLst>
               <a:ext uri="{FF2B5EF4-FFF2-40B4-BE49-F238E27FC236}">
-                <a16:creationId xmlns:a16="http://schemas.microsoft.com/office/drawing/2014/main" id="{A401FFFC-38C8-42FA-96D7-BDFCC1007BA9}"/>
+                <a16:creationId xmlns:a16="http://schemas.microsoft.com/office/drawing/2014/main" id="{C16A84EF-0560-407B-9026-DBD1E542C061}"/>
               </a:ext>
             </a:extLst>
           </p:cNvPr>
@@ -5420,7 +5699,7 @@
         </p:blipFill>
         <p:spPr>
           <a:xfrm>
-            <a:off x="6107665" y="5368185"/>
+            <a:off x="6110548" y="6210974"/>
             <a:ext cx="162000" cy="162000"/>
           </a:xfrm>
           <a:prstGeom prst="rect">
@@ -5430,10 +5709,10 @@
       </p:pic>
       <p:pic>
         <p:nvPicPr>
-          <p:cNvPr id="82" name="Grafik 81">
+          <p:cNvPr id="85" name="Grafik 84">
             <a:extLst>
               <a:ext uri="{FF2B5EF4-FFF2-40B4-BE49-F238E27FC236}">
-                <a16:creationId xmlns:a16="http://schemas.microsoft.com/office/drawing/2014/main" id="{3F016134-33DC-4F0E-BC29-B7CCD22EE634}"/>
+                <a16:creationId xmlns:a16="http://schemas.microsoft.com/office/drawing/2014/main" id="{2FCABDDB-B064-4A4D-B72C-AC096FB30016}"/>
               </a:ext>
             </a:extLst>
           </p:cNvPr>
@@ -5456,20 +5735,164 @@
         </p:blipFill>
         <p:spPr>
           <a:xfrm>
-            <a:off x="8934553" y="8699826"/>
-            <a:ext cx="252000" cy="252000"/>
+            <a:off x="23390592" y="3516386"/>
+            <a:ext cx="1548146" cy="2580245"/>
           </a:xfrm>
           <a:prstGeom prst="rect">
             <a:avLst/>
           </a:prstGeom>
         </p:spPr>
       </p:pic>
+      <p:sp>
+        <p:nvSpPr>
+          <p:cNvPr id="86" name="Textfeld 85">
+            <a:extLst>
+              <a:ext uri="{FF2B5EF4-FFF2-40B4-BE49-F238E27FC236}">
+                <a16:creationId xmlns:a16="http://schemas.microsoft.com/office/drawing/2014/main" id="{2D4AD2A7-E80C-4845-8110-77925FB7C684}"/>
+              </a:ext>
+            </a:extLst>
+          </p:cNvPr>
+          <p:cNvSpPr txBox="1"/>
+          <p:nvPr/>
+        </p:nvSpPr>
+        <p:spPr>
+          <a:xfrm>
+            <a:off x="23401647" y="6139497"/>
+            <a:ext cx="5901002" cy="954107"/>
+          </a:xfrm>
+          <a:prstGeom prst="rect">
+            <a:avLst/>
+          </a:prstGeom>
+          <a:noFill/>
+        </p:spPr>
+        <p:txBody>
+          <a:bodyPr wrap="square" rtlCol="0">
+            <a:spAutoFit/>
+          </a:bodyPr>
+          <a:lstStyle/>
+          <a:p>
+            <a:r>
+              <a:rPr lang="en-GB" sz="1400" dirty="0">
+                <a:latin typeface="Segoe UI Light" panose="020B0502040204020203" pitchFamily="34" charset="0"/>
+                <a:cs typeface="Segoe UI Light" panose="020B0502040204020203" pitchFamily="34" charset="0"/>
+              </a:rPr>
+              <a:t>The results of FA show how the assignment of the variables to the dimensions changed. After rotating the PC’s, the second and the third dimensions explains more variance. Furthermore, the Loadings are more clear in terms of interpretation.</a:t>
+            </a:r>
+            <a:endParaRPr lang="en-GB" b="1" dirty="0">
+              <a:latin typeface="Segoe UI Light" panose="020B0502040204020203" pitchFamily="34" charset="0"/>
+              <a:cs typeface="Segoe UI Light" panose="020B0502040204020203" pitchFamily="34" charset="0"/>
+            </a:endParaRPr>
+          </a:p>
+        </p:txBody>
+      </p:sp>
+      <p:sp>
+        <p:nvSpPr>
+          <p:cNvPr id="2" name="Rechteck: abgerundete Ecken 1">
+            <a:extLst>
+              <a:ext uri="{FF2B5EF4-FFF2-40B4-BE49-F238E27FC236}">
+                <a16:creationId xmlns:a16="http://schemas.microsoft.com/office/drawing/2014/main" id="{9EB4E38C-BB81-4B83-AA86-1A37E719DCA0}"/>
+              </a:ext>
+            </a:extLst>
+          </p:cNvPr>
+          <p:cNvSpPr/>
+          <p:nvPr/>
+        </p:nvSpPr>
+        <p:spPr>
+          <a:xfrm>
+            <a:off x="720436" y="1949326"/>
+            <a:ext cx="14417170" cy="9217437"/>
+          </a:xfrm>
+          <a:prstGeom prst="roundRect">
+            <a:avLst/>
+          </a:prstGeom>
+          <a:noFill/>
+        </p:spPr>
+        <p:style>
+          <a:lnRef idx="2">
+            <a:schemeClr val="accent1">
+              <a:shade val="50000"/>
+            </a:schemeClr>
+          </a:lnRef>
+          <a:fillRef idx="1">
+            <a:schemeClr val="accent1"/>
+          </a:fillRef>
+          <a:effectRef idx="0">
+            <a:schemeClr val="accent1"/>
+          </a:effectRef>
+          <a:fontRef idx="minor">
+            <a:schemeClr val="lt1"/>
+          </a:fontRef>
+        </p:style>
+        <p:txBody>
+          <a:bodyPr rtlCol="0" anchor="ctr"/>
+          <a:lstStyle/>
+          <a:p>
+            <a:pPr algn="ctr"/>
+            <a:endParaRPr lang="en-GB" dirty="0"/>
+          </a:p>
+        </p:txBody>
+      </p:sp>
+      <p:sp>
+        <p:nvSpPr>
+          <p:cNvPr id="15" name="Rechteck: abgerundete Ecken 14">
+            <a:extLst>
+              <a:ext uri="{FF2B5EF4-FFF2-40B4-BE49-F238E27FC236}">
+                <a16:creationId xmlns:a16="http://schemas.microsoft.com/office/drawing/2014/main" id="{615EA419-6204-4B9E-AA03-B160DB96CEE4}"/>
+              </a:ext>
+            </a:extLst>
+          </p:cNvPr>
+          <p:cNvSpPr/>
+          <p:nvPr/>
+        </p:nvSpPr>
+        <p:spPr>
+          <a:xfrm>
+            <a:off x="1287545" y="1747815"/>
+            <a:ext cx="3689436" cy="824688"/>
+          </a:xfrm>
+          <a:prstGeom prst="roundRect">
+            <a:avLst/>
+          </a:prstGeom>
+          <a:ln>
+            <a:noFill/>
+          </a:ln>
+        </p:spPr>
+        <p:style>
+          <a:lnRef idx="2">
+            <a:schemeClr val="accent1">
+              <a:shade val="50000"/>
+            </a:schemeClr>
+          </a:lnRef>
+          <a:fillRef idx="1">
+            <a:schemeClr val="accent1"/>
+          </a:fillRef>
+          <a:effectRef idx="0">
+            <a:schemeClr val="accent1"/>
+          </a:effectRef>
+          <a:fontRef idx="minor">
+            <a:schemeClr val="lt1"/>
+          </a:fontRef>
+        </p:style>
+        <p:txBody>
+          <a:bodyPr rtlCol="0" anchor="ctr"/>
+          <a:lstStyle/>
+          <a:p>
+            <a:pPr algn="ctr"/>
+            <a:r>
+              <a:rPr lang="en-GB" sz="2800" dirty="0">
+                <a:latin typeface="Segoe UI Light" panose="020B0502040204020203" pitchFamily="34" charset="0"/>
+                <a:cs typeface="Segoe UI Light" panose="020B0502040204020203" pitchFamily="34" charset="0"/>
+              </a:rPr>
+              <a:t>Data Exploration</a:t>
+            </a:r>
+          </a:p>
+        </p:txBody>
+      </p:sp>
       <p:pic>
         <p:nvPicPr>
-          <p:cNvPr id="83" name="Grafik 82">
+          <p:cNvPr id="26" name="Grafik 25">
             <a:extLst>
               <a:ext uri="{FF2B5EF4-FFF2-40B4-BE49-F238E27FC236}">
-                <a16:creationId xmlns:a16="http://schemas.microsoft.com/office/drawing/2014/main" id="{C16A84EF-0560-407B-9026-DBD1E542C061}"/>
+                <a16:creationId xmlns:a16="http://schemas.microsoft.com/office/drawing/2014/main" id="{9A9E4601-0B29-4693-BB1D-53BF12DFBBFC}"/>
               </a:ext>
             </a:extLst>
           </p:cNvPr>
@@ -5479,21 +5902,15 @@
           <p:nvPr/>
         </p:nvPicPr>
         <p:blipFill>
-          <a:blip r:embed="rId22">
-            <a:extLst>
-              <a:ext uri="{28A0092B-C50C-407E-A947-70E740481C1C}">
-                <a14:useLocalDpi xmlns:a14="http://schemas.microsoft.com/office/drawing/2010/main" val="0"/>
-              </a:ext>
-            </a:extLst>
-          </a:blip>
+          <a:blip r:embed="rId23"/>
           <a:stretch>
             <a:fillRect/>
           </a:stretch>
         </p:blipFill>
         <p:spPr>
           <a:xfrm>
-            <a:off x="6110548" y="5769014"/>
-            <a:ext cx="162000" cy="162000"/>
+            <a:off x="1974502" y="16594175"/>
+            <a:ext cx="6004958" cy="4003305"/>
           </a:xfrm>
           <a:prstGeom prst="rect">
             <a:avLst/>
@@ -5502,10 +5919,10 @@
       </p:pic>
       <p:pic>
         <p:nvPicPr>
-          <p:cNvPr id="85" name="Grafik 84">
+          <p:cNvPr id="28" name="Grafik 27">
             <a:extLst>
               <a:ext uri="{FF2B5EF4-FFF2-40B4-BE49-F238E27FC236}">
-                <a16:creationId xmlns:a16="http://schemas.microsoft.com/office/drawing/2014/main" id="{2FCABDDB-B064-4A4D-B72C-AC096FB30016}"/>
+                <a16:creationId xmlns:a16="http://schemas.microsoft.com/office/drawing/2014/main" id="{C885437F-B18F-4220-B36C-3399B498F414}"/>
               </a:ext>
             </a:extLst>
           </p:cNvPr>
@@ -5515,7 +5932,527 @@
           <p:nvPr/>
         </p:nvPicPr>
         <p:blipFill>
-          <a:blip r:embed="rId23">
+          <a:blip r:embed="rId24"/>
+          <a:stretch>
+            <a:fillRect/>
+          </a:stretch>
+        </p:blipFill>
+        <p:spPr>
+          <a:xfrm>
+            <a:off x="1395807" y="12975884"/>
+            <a:ext cx="5234549" cy="3489699"/>
+          </a:xfrm>
+          <a:prstGeom prst="rect">
+            <a:avLst/>
+          </a:prstGeom>
+        </p:spPr>
+      </p:pic>
+      <p:pic>
+        <p:nvPicPr>
+          <p:cNvPr id="33" name="Grafik 32">
+            <a:extLst>
+              <a:ext uri="{FF2B5EF4-FFF2-40B4-BE49-F238E27FC236}">
+                <a16:creationId xmlns:a16="http://schemas.microsoft.com/office/drawing/2014/main" id="{E97B1DA9-BD14-4401-8687-474082219849}"/>
+              </a:ext>
+            </a:extLst>
+          </p:cNvPr>
+          <p:cNvPicPr>
+            <a:picLocks noChangeAspect="1"/>
+          </p:cNvPicPr>
+          <p:nvPr/>
+        </p:nvPicPr>
+        <p:blipFill>
+          <a:blip r:embed="rId25"/>
+          <a:stretch>
+            <a:fillRect/>
+          </a:stretch>
+        </p:blipFill>
+        <p:spPr>
+          <a:xfrm>
+            <a:off x="25546975" y="7416950"/>
+            <a:ext cx="3498499" cy="3498499"/>
+          </a:xfrm>
+          <a:prstGeom prst="rect">
+            <a:avLst/>
+          </a:prstGeom>
+        </p:spPr>
+      </p:pic>
+      <p:sp>
+        <p:nvSpPr>
+          <p:cNvPr id="4" name="Rechteck: abgerundete Ecken 3">
+            <a:extLst>
+              <a:ext uri="{FF2B5EF4-FFF2-40B4-BE49-F238E27FC236}">
+                <a16:creationId xmlns:a16="http://schemas.microsoft.com/office/drawing/2014/main" id="{4B4796D8-9834-4939-B5D2-7BA2DA855B38}"/>
+              </a:ext>
+            </a:extLst>
+          </p:cNvPr>
+          <p:cNvSpPr/>
+          <p:nvPr/>
+        </p:nvSpPr>
+        <p:spPr>
+          <a:xfrm>
+            <a:off x="15894195" y="2105889"/>
+            <a:ext cx="13837659" cy="9060873"/>
+          </a:xfrm>
+          <a:prstGeom prst="roundRect">
+            <a:avLst/>
+          </a:prstGeom>
+          <a:noFill/>
+        </p:spPr>
+        <p:style>
+          <a:lnRef idx="2">
+            <a:schemeClr val="accent1">
+              <a:shade val="50000"/>
+            </a:schemeClr>
+          </a:lnRef>
+          <a:fillRef idx="1">
+            <a:schemeClr val="accent1"/>
+          </a:fillRef>
+          <a:effectRef idx="0">
+            <a:schemeClr val="accent1"/>
+          </a:effectRef>
+          <a:fontRef idx="minor">
+            <a:schemeClr val="lt1"/>
+          </a:fontRef>
+        </p:style>
+        <p:txBody>
+          <a:bodyPr rot="0" spcFirstLastPara="0" vertOverflow="overflow" horzOverflow="overflow" vert="horz" wrap="square" lIns="91440" tIns="45720" rIns="91440" bIns="45720" numCol="1" spcCol="0" rtlCol="0" fromWordArt="0" anchor="ctr" anchorCtr="0" forceAA="0" compatLnSpc="1">
+            <a:prstTxWarp prst="textNoShape">
+              <a:avLst/>
+            </a:prstTxWarp>
+            <a:noAutofit/>
+          </a:bodyPr>
+          <a:lstStyle/>
+          <a:p>
+            <a:pPr algn="ctr"/>
+            <a:endParaRPr lang="en-GB"/>
+          </a:p>
+        </p:txBody>
+      </p:sp>
+      <p:pic>
+        <p:nvPicPr>
+          <p:cNvPr id="41" name="Grafik 40">
+            <a:extLst>
+              <a:ext uri="{FF2B5EF4-FFF2-40B4-BE49-F238E27FC236}">
+                <a16:creationId xmlns:a16="http://schemas.microsoft.com/office/drawing/2014/main" id="{08E8AFA2-A2F7-41CD-AA6A-0414E5BC2DE4}"/>
+              </a:ext>
+            </a:extLst>
+          </p:cNvPr>
+          <p:cNvPicPr>
+            <a:picLocks noChangeAspect="1"/>
+          </p:cNvPicPr>
+          <p:nvPr/>
+        </p:nvPicPr>
+        <p:blipFill rotWithShape="1">
+          <a:blip r:embed="rId26">
+            <a:extLst>
+              <a:ext uri="{28A0092B-C50C-407E-A947-70E740481C1C}">
+                <a14:useLocalDpi xmlns:a14="http://schemas.microsoft.com/office/drawing/2010/main" val="0"/>
+              </a:ext>
+            </a:extLst>
+          </a:blip>
+          <a:srcRect t="5254" r="36709"/>
+          <a:stretch/>
+        </p:blipFill>
+        <p:spPr>
+          <a:xfrm>
+            <a:off x="25603843" y="2825817"/>
+            <a:ext cx="3271881" cy="3165978"/>
+          </a:xfrm>
+          <a:prstGeom prst="rect">
+            <a:avLst/>
+          </a:prstGeom>
+        </p:spPr>
+      </p:pic>
+      <p:sp>
+        <p:nvSpPr>
+          <p:cNvPr id="78" name="Textfeld 77">
+            <a:extLst>
+              <a:ext uri="{FF2B5EF4-FFF2-40B4-BE49-F238E27FC236}">
+                <a16:creationId xmlns:a16="http://schemas.microsoft.com/office/drawing/2014/main" id="{01AAE052-7ACB-4B91-9469-813CA409F9EF}"/>
+              </a:ext>
+            </a:extLst>
+          </p:cNvPr>
+          <p:cNvSpPr txBox="1"/>
+          <p:nvPr/>
+        </p:nvSpPr>
+        <p:spPr>
+          <a:xfrm>
+            <a:off x="16128736" y="5441286"/>
+            <a:ext cx="3364784" cy="1600438"/>
+          </a:xfrm>
+          <a:prstGeom prst="rect">
+            <a:avLst/>
+          </a:prstGeom>
+          <a:noFill/>
+        </p:spPr>
+        <p:txBody>
+          <a:bodyPr wrap="square" rtlCol="0">
+            <a:spAutoFit/>
+          </a:bodyPr>
+          <a:lstStyle/>
+          <a:p>
+            <a:r>
+              <a:rPr lang="en-GB" sz="1400" dirty="0">
+                <a:latin typeface="Segoe UI Light" panose="020B0502040204020203" pitchFamily="34" charset="0"/>
+                <a:cs typeface="Segoe UI Light" panose="020B0502040204020203" pitchFamily="34" charset="0"/>
+              </a:rPr>
+              <a:t>The results of FA show how the assignment of the variables to the dimensions changed. After rotating the PC’s, the second and the third dimensions explains more variance. Furthermore, the Loadings are more clear in terms of interpretation.</a:t>
+            </a:r>
+            <a:endParaRPr lang="en-GB" b="1" dirty="0">
+              <a:latin typeface="Segoe UI Light" panose="020B0502040204020203" pitchFamily="34" charset="0"/>
+              <a:cs typeface="Segoe UI Light" panose="020B0502040204020203" pitchFamily="34" charset="0"/>
+            </a:endParaRPr>
+          </a:p>
+        </p:txBody>
+      </p:sp>
+      <p:sp>
+        <p:nvSpPr>
+          <p:cNvPr id="81" name="Textfeld 80">
+            <a:extLst>
+              <a:ext uri="{FF2B5EF4-FFF2-40B4-BE49-F238E27FC236}">
+                <a16:creationId xmlns:a16="http://schemas.microsoft.com/office/drawing/2014/main" id="{A9600A04-A50C-4B1C-ACF6-8A3C8FB22A35}"/>
+              </a:ext>
+            </a:extLst>
+          </p:cNvPr>
+          <p:cNvSpPr txBox="1"/>
+          <p:nvPr/>
+        </p:nvSpPr>
+        <p:spPr>
+          <a:xfrm>
+            <a:off x="16084305" y="7060199"/>
+            <a:ext cx="4469599" cy="338554"/>
+          </a:xfrm>
+          <a:prstGeom prst="rect">
+            <a:avLst/>
+          </a:prstGeom>
+          <a:noFill/>
+        </p:spPr>
+        <p:txBody>
+          <a:bodyPr wrap="square" rtlCol="0">
+            <a:spAutoFit/>
+          </a:bodyPr>
+          <a:lstStyle/>
+          <a:p>
+            <a:r>
+              <a:rPr lang="en-GB" sz="1600" b="1" dirty="0">
+                <a:latin typeface="Segoe UI Light" panose="020B0502040204020203" pitchFamily="34" charset="0"/>
+                <a:cs typeface="Segoe UI Light" panose="020B0502040204020203" pitchFamily="34" charset="0"/>
+              </a:rPr>
+              <a:t>PCA Interpretation</a:t>
+            </a:r>
+          </a:p>
+        </p:txBody>
+      </p:sp>
+      <p:sp>
+        <p:nvSpPr>
+          <p:cNvPr id="14" name="Rechteck: abgerundete Ecken 13">
+            <a:extLst>
+              <a:ext uri="{FF2B5EF4-FFF2-40B4-BE49-F238E27FC236}">
+                <a16:creationId xmlns:a16="http://schemas.microsoft.com/office/drawing/2014/main" id="{C9448E25-4DFB-417F-9427-887A0EB7343A}"/>
+              </a:ext>
+            </a:extLst>
+          </p:cNvPr>
+          <p:cNvSpPr/>
+          <p:nvPr/>
+        </p:nvSpPr>
+        <p:spPr>
+          <a:xfrm>
+            <a:off x="16386463" y="1805251"/>
+            <a:ext cx="3689435" cy="830997"/>
+          </a:xfrm>
+          <a:prstGeom prst="roundRect">
+            <a:avLst/>
+          </a:prstGeom>
+          <a:ln>
+            <a:noFill/>
+          </a:ln>
+        </p:spPr>
+        <p:style>
+          <a:lnRef idx="2">
+            <a:schemeClr val="accent1">
+              <a:shade val="50000"/>
+            </a:schemeClr>
+          </a:lnRef>
+          <a:fillRef idx="1">
+            <a:schemeClr val="accent1"/>
+          </a:fillRef>
+          <a:effectRef idx="0">
+            <a:schemeClr val="accent1"/>
+          </a:effectRef>
+          <a:fontRef idx="minor">
+            <a:schemeClr val="lt1"/>
+          </a:fontRef>
+        </p:style>
+        <p:txBody>
+          <a:bodyPr rtlCol="0" anchor="ctr"/>
+          <a:lstStyle/>
+          <a:p>
+            <a:pPr algn="ctr"/>
+            <a:r>
+              <a:rPr lang="en-GB" sz="2800" dirty="0">
+                <a:latin typeface="Segoe UI Light" panose="020B0502040204020203" pitchFamily="34" charset="0"/>
+                <a:cs typeface="Segoe UI Light" panose="020B0502040204020203" pitchFamily="34" charset="0"/>
+              </a:rPr>
+              <a:t>Dimension Reduction</a:t>
+            </a:r>
+          </a:p>
+        </p:txBody>
+      </p:sp>
+      <p:sp>
+        <p:nvSpPr>
+          <p:cNvPr id="52" name="Textfeld 51">
+            <a:extLst>
+              <a:ext uri="{FF2B5EF4-FFF2-40B4-BE49-F238E27FC236}">
+                <a16:creationId xmlns:a16="http://schemas.microsoft.com/office/drawing/2014/main" id="{B84592CF-F25C-4FED-870B-E7E24FA58AEA}"/>
+              </a:ext>
+            </a:extLst>
+          </p:cNvPr>
+          <p:cNvSpPr txBox="1"/>
+          <p:nvPr/>
+        </p:nvSpPr>
+        <p:spPr>
+          <a:xfrm>
+            <a:off x="10649785" y="16947802"/>
+            <a:ext cx="5244410" cy="2462213"/>
+          </a:xfrm>
+          <a:prstGeom prst="rect">
+            <a:avLst/>
+          </a:prstGeom>
+          <a:noFill/>
+        </p:spPr>
+        <p:txBody>
+          <a:bodyPr wrap="square" rtlCol="0">
+            <a:spAutoFit/>
+          </a:bodyPr>
+          <a:lstStyle/>
+          <a:p>
+            <a:r>
+              <a:rPr lang="en-GB" sz="1400" dirty="0">
+                <a:latin typeface="Segoe UI Light" panose="020B0502040204020203" pitchFamily="34" charset="0"/>
+                <a:cs typeface="Segoe UI Light" panose="020B0502040204020203" pitchFamily="34" charset="0"/>
+              </a:rPr>
+              <a:t>Variables that predict happiness: (R² = 78% ~ 3 PC) </a:t>
+            </a:r>
+            <a:r>
+              <a:rPr lang="en-GB" sz="1400" dirty="0">
+                <a:latin typeface="Segoe UI Light" panose="020B0502040204020203" pitchFamily="34" charset="0"/>
+                <a:cs typeface="Segoe UI Light" panose="020B0502040204020203" pitchFamily="34" charset="0"/>
+                <a:sym typeface="Wingdings" panose="05000000000000000000" pitchFamily="2" charset="2"/>
+              </a:rPr>
+              <a:t> Variable Importance </a:t>
+            </a:r>
+            <a:r>
+              <a:rPr lang="en-GB" sz="1400" dirty="0" err="1">
+                <a:latin typeface="Segoe UI Light" panose="020B0502040204020203" pitchFamily="34" charset="0"/>
+                <a:cs typeface="Segoe UI Light" panose="020B0502040204020203" pitchFamily="34" charset="0"/>
+                <a:sym typeface="Wingdings" panose="05000000000000000000" pitchFamily="2" charset="2"/>
+              </a:rPr>
+              <a:t>grpah</a:t>
+            </a:r>
+            <a:endParaRPr lang="en-GB" sz="1400" dirty="0">
+              <a:latin typeface="Segoe UI Light" panose="020B0502040204020203" pitchFamily="34" charset="0"/>
+              <a:cs typeface="Segoe UI Light" panose="020B0502040204020203" pitchFamily="34" charset="0"/>
+            </a:endParaRPr>
+          </a:p>
+          <a:p>
+            <a:pPr marL="285750" indent="-285750">
+              <a:buFontTx/>
+              <a:buChar char="-"/>
+            </a:pPr>
+            <a:r>
+              <a:rPr lang="en-GB" sz="1400" dirty="0">
+                <a:latin typeface="Segoe UI Light" panose="020B0502040204020203" pitchFamily="34" charset="0"/>
+                <a:cs typeface="Segoe UI Light" panose="020B0502040204020203" pitchFamily="34" charset="0"/>
+              </a:rPr>
+              <a:t>Economy GDP per Capita</a:t>
+            </a:r>
+          </a:p>
+          <a:p>
+            <a:pPr marL="285750" indent="-285750">
+              <a:buFontTx/>
+              <a:buChar char="-"/>
+            </a:pPr>
+            <a:r>
+              <a:rPr lang="en-GB" sz="1400" dirty="0">
+                <a:latin typeface="Segoe UI Light" panose="020B0502040204020203" pitchFamily="34" charset="0"/>
+                <a:cs typeface="Segoe UI Light" panose="020B0502040204020203" pitchFamily="34" charset="0"/>
+              </a:rPr>
+              <a:t>Family</a:t>
+            </a:r>
+          </a:p>
+          <a:p>
+            <a:pPr marL="285750" indent="-285750">
+              <a:buFontTx/>
+              <a:buChar char="-"/>
+            </a:pPr>
+            <a:r>
+              <a:rPr lang="en-GB" sz="1400" dirty="0">
+                <a:latin typeface="Segoe UI Light" panose="020B0502040204020203" pitchFamily="34" charset="0"/>
+                <a:cs typeface="Segoe UI Light" panose="020B0502040204020203" pitchFamily="34" charset="0"/>
+              </a:rPr>
+              <a:t>Freedom</a:t>
+            </a:r>
+          </a:p>
+          <a:p>
+            <a:pPr marL="285750" indent="-285750">
+              <a:buFontTx/>
+              <a:buChar char="-"/>
+            </a:pPr>
+            <a:r>
+              <a:rPr lang="en-GB" sz="1400" dirty="0">
+                <a:latin typeface="Segoe UI Light" panose="020B0502040204020203" pitchFamily="34" charset="0"/>
+                <a:cs typeface="Segoe UI Light" panose="020B0502040204020203" pitchFamily="34" charset="0"/>
+              </a:rPr>
+              <a:t>Internet Usage Index</a:t>
+            </a:r>
+          </a:p>
+          <a:p>
+            <a:pPr marL="285750" indent="-285750">
+              <a:buFontTx/>
+              <a:buChar char="-"/>
+            </a:pPr>
+            <a:r>
+              <a:rPr lang="en-GB" sz="1400" dirty="0">
+                <a:latin typeface="Segoe UI Light" panose="020B0502040204020203" pitchFamily="34" charset="0"/>
+                <a:cs typeface="Segoe UI Light" panose="020B0502040204020203" pitchFamily="34" charset="0"/>
+              </a:rPr>
+              <a:t>Health Life Expectancy</a:t>
+            </a:r>
+          </a:p>
+          <a:p>
+            <a:pPr marL="285750" indent="-285750">
+              <a:buFontTx/>
+              <a:buChar char="-"/>
+            </a:pPr>
+            <a:endParaRPr lang="en-GB" sz="1400" dirty="0">
+              <a:latin typeface="Segoe UI Light" panose="020B0502040204020203" pitchFamily="34" charset="0"/>
+              <a:cs typeface="Segoe UI Light" panose="020B0502040204020203" pitchFamily="34" charset="0"/>
+            </a:endParaRPr>
+          </a:p>
+          <a:p>
+            <a:pPr marL="285750" indent="-285750">
+              <a:buFontTx/>
+              <a:buChar char="-"/>
+            </a:pPr>
+            <a:endParaRPr lang="en-GB" sz="1400" dirty="0">
+              <a:latin typeface="Segoe UI Light" panose="020B0502040204020203" pitchFamily="34" charset="0"/>
+              <a:cs typeface="Segoe UI Light" panose="020B0502040204020203" pitchFamily="34" charset="0"/>
+            </a:endParaRPr>
+          </a:p>
+          <a:p>
+            <a:r>
+              <a:rPr lang="en-GB" sz="1400" dirty="0">
+                <a:latin typeface="Segoe UI Light" panose="020B0502040204020203" pitchFamily="34" charset="0"/>
+                <a:cs typeface="Segoe UI Light" panose="020B0502040204020203" pitchFamily="34" charset="0"/>
+              </a:rPr>
+              <a:t>Variables explain low, mid, high with </a:t>
+            </a:r>
+            <a:r>
+              <a:rPr lang="en-GB" sz="1400" dirty="0" err="1">
+                <a:latin typeface="Segoe UI Light" panose="020B0502040204020203" pitchFamily="34" charset="0"/>
+                <a:cs typeface="Segoe UI Light" panose="020B0502040204020203" pitchFamily="34" charset="0"/>
+              </a:rPr>
+              <a:t>corrmatrix</a:t>
+            </a:r>
+            <a:r>
+              <a:rPr lang="en-GB" sz="1400" dirty="0">
+                <a:latin typeface="Segoe UI Light" panose="020B0502040204020203" pitchFamily="34" charset="0"/>
+                <a:cs typeface="Segoe UI Light" panose="020B0502040204020203" pitchFamily="34" charset="0"/>
+              </a:rPr>
+              <a:t> as </a:t>
+            </a:r>
+            <a:r>
+              <a:rPr lang="en-GB" sz="1400" dirty="0" err="1">
+                <a:latin typeface="Segoe UI Light" panose="020B0502040204020203" pitchFamily="34" charset="0"/>
+                <a:cs typeface="Segoe UI Light" panose="020B0502040204020203" pitchFamily="34" charset="0"/>
+              </a:rPr>
+              <a:t>interpretion</a:t>
+            </a:r>
+            <a:endParaRPr lang="en-GB" sz="1400" dirty="0">
+              <a:latin typeface="Segoe UI Light" panose="020B0502040204020203" pitchFamily="34" charset="0"/>
+              <a:cs typeface="Segoe UI Light" panose="020B0502040204020203" pitchFamily="34" charset="0"/>
+            </a:endParaRPr>
+          </a:p>
+          <a:p>
+            <a:r>
+              <a:rPr lang="en-GB" sz="1400" dirty="0">
+                <a:latin typeface="Segoe UI Light" panose="020B0502040204020203" pitchFamily="34" charset="0"/>
+                <a:cs typeface="Segoe UI Light" panose="020B0502040204020203" pitchFamily="34" charset="0"/>
+              </a:rPr>
+              <a:t>Interpret </a:t>
+            </a:r>
+            <a:r>
+              <a:rPr lang="en-GB" sz="1400" dirty="0" err="1">
+                <a:latin typeface="Segoe UI Light" panose="020B0502040204020203" pitchFamily="34" charset="0"/>
+                <a:cs typeface="Segoe UI Light" panose="020B0502040204020203" pitchFamily="34" charset="0"/>
+              </a:rPr>
+              <a:t>corr</a:t>
+            </a:r>
+            <a:r>
+              <a:rPr lang="en-GB" sz="1400" dirty="0">
+                <a:latin typeface="Segoe UI Light" panose="020B0502040204020203" pitchFamily="34" charset="0"/>
+                <a:cs typeface="Segoe UI Light" panose="020B0502040204020203" pitchFamily="34" charset="0"/>
+              </a:rPr>
+              <a:t> matrix</a:t>
+            </a:r>
+          </a:p>
+        </p:txBody>
+      </p:sp>
+      <p:sp>
+        <p:nvSpPr>
+          <p:cNvPr id="84" name="Textfeld 83">
+            <a:extLst>
+              <a:ext uri="{FF2B5EF4-FFF2-40B4-BE49-F238E27FC236}">
+                <a16:creationId xmlns:a16="http://schemas.microsoft.com/office/drawing/2014/main" id="{7B8F039E-53BE-4743-A125-4436A25EC159}"/>
+              </a:ext>
+            </a:extLst>
+          </p:cNvPr>
+          <p:cNvSpPr txBox="1"/>
+          <p:nvPr/>
+        </p:nvSpPr>
+        <p:spPr>
+          <a:xfrm>
+            <a:off x="6630356" y="12595152"/>
+            <a:ext cx="2304197" cy="2031325"/>
+          </a:xfrm>
+          <a:prstGeom prst="rect">
+            <a:avLst/>
+          </a:prstGeom>
+          <a:noFill/>
+        </p:spPr>
+        <p:txBody>
+          <a:bodyPr wrap="square" rtlCol="0">
+            <a:spAutoFit/>
+          </a:bodyPr>
+          <a:lstStyle/>
+          <a:p>
+            <a:r>
+              <a:rPr lang="en-GB" sz="1400" dirty="0">
+                <a:latin typeface="Segoe UI Light" panose="020B0502040204020203" pitchFamily="34" charset="0"/>
+                <a:cs typeface="Segoe UI Light" panose="020B0502040204020203" pitchFamily="34" charset="0"/>
+              </a:rPr>
+              <a:t>The results of FA show how the assignment of the variables to the dimensions changed. After rotating the PC’s, the second and the third dimensions explains more variance. Furthermore, the Loadings are more clear in terms of interpretation.</a:t>
+            </a:r>
+          </a:p>
+        </p:txBody>
+      </p:sp>
+      <p:pic>
+        <p:nvPicPr>
+          <p:cNvPr id="57" name="Grafik 56">
+            <a:extLst>
+              <a:ext uri="{FF2B5EF4-FFF2-40B4-BE49-F238E27FC236}">
+                <a16:creationId xmlns:a16="http://schemas.microsoft.com/office/drawing/2014/main" id="{40CB14E3-7617-4268-A302-C88AFD35C55A}"/>
+              </a:ext>
+            </a:extLst>
+          </p:cNvPr>
+          <p:cNvPicPr>
+            <a:picLocks noChangeAspect="1"/>
+          </p:cNvPicPr>
+          <p:nvPr/>
+        </p:nvPicPr>
+        <p:blipFill>
+          <a:blip r:embed="rId27">
             <a:extLst>
               <a:ext uri="{28A0092B-C50C-407E-A947-70E740481C1C}">
                 <a14:useLocalDpi xmlns:a14="http://schemas.microsoft.com/office/drawing/2010/main" val="0"/>
@@ -5528,8 +6465,8 @@
         </p:blipFill>
         <p:spPr>
           <a:xfrm>
-            <a:off x="23468858" y="3717279"/>
-            <a:ext cx="1548146" cy="2580245"/>
+            <a:off x="28020274" y="19277736"/>
+            <a:ext cx="1087302" cy="1087302"/>
           </a:xfrm>
           <a:prstGeom prst="rect">
             <a:avLst/>
@@ -5538,10 +6475,10 @@
       </p:pic>
       <p:sp>
         <p:nvSpPr>
-          <p:cNvPr id="86" name="Textfeld 85">
+          <p:cNvPr id="87" name="Textfeld 86">
             <a:extLst>
               <a:ext uri="{FF2B5EF4-FFF2-40B4-BE49-F238E27FC236}">
-                <a16:creationId xmlns:a16="http://schemas.microsoft.com/office/drawing/2014/main" id="{2D4AD2A7-E80C-4845-8110-77925FB7C684}"/>
+                <a16:creationId xmlns:a16="http://schemas.microsoft.com/office/drawing/2014/main" id="{832B9877-46F0-48C5-AFC9-33CEF009BE88}"/>
               </a:ext>
             </a:extLst>
           </p:cNvPr>
@@ -5550,8 +6487,8 @@
         </p:nvSpPr>
         <p:spPr>
           <a:xfrm>
-            <a:off x="23147697" y="6364845"/>
-            <a:ext cx="6391840" cy="738664"/>
+            <a:off x="10129021" y="12882697"/>
+            <a:ext cx="4469599" cy="338554"/>
           </a:xfrm>
           <a:prstGeom prst="rect">
             <a:avLst/>
@@ -5565,12 +6502,461 @@
           <a:lstStyle/>
           <a:p>
             <a:r>
+              <a:rPr lang="en-GB" sz="1600" b="1" dirty="0">
+                <a:latin typeface="Segoe UI Light" panose="020B0502040204020203" pitchFamily="34" charset="0"/>
+                <a:cs typeface="Segoe UI Light" panose="020B0502040204020203" pitchFamily="34" charset="0"/>
+              </a:rPr>
+              <a:t>Variables</a:t>
+            </a:r>
+          </a:p>
+        </p:txBody>
+      </p:sp>
+      <p:sp>
+        <p:nvSpPr>
+          <p:cNvPr id="88" name="Textfeld 87">
+            <a:extLst>
+              <a:ext uri="{FF2B5EF4-FFF2-40B4-BE49-F238E27FC236}">
+                <a16:creationId xmlns:a16="http://schemas.microsoft.com/office/drawing/2014/main" id="{4A738AE2-9073-40EB-A42B-84727F69259C}"/>
+              </a:ext>
+            </a:extLst>
+          </p:cNvPr>
+          <p:cNvSpPr txBox="1"/>
+          <p:nvPr/>
+        </p:nvSpPr>
+        <p:spPr>
+          <a:xfrm>
+            <a:off x="16386463" y="12702298"/>
+            <a:ext cx="4469599" cy="338554"/>
+          </a:xfrm>
+          <a:prstGeom prst="rect">
+            <a:avLst/>
+          </a:prstGeom>
+          <a:noFill/>
+        </p:spPr>
+        <p:txBody>
+          <a:bodyPr wrap="square" rtlCol="0">
+            <a:spAutoFit/>
+          </a:bodyPr>
+          <a:lstStyle/>
+          <a:p>
+            <a:r>
+              <a:rPr lang="en-GB" sz="1600" b="1" dirty="0">
+                <a:latin typeface="Segoe UI Light" panose="020B0502040204020203" pitchFamily="34" charset="0"/>
+                <a:cs typeface="Segoe UI Light" panose="020B0502040204020203" pitchFamily="34" charset="0"/>
+              </a:rPr>
+              <a:t>Principal Components</a:t>
+            </a:r>
+          </a:p>
+        </p:txBody>
+      </p:sp>
+      <p:sp>
+        <p:nvSpPr>
+          <p:cNvPr id="68" name="Rechteck 67">
+            <a:extLst>
+              <a:ext uri="{FF2B5EF4-FFF2-40B4-BE49-F238E27FC236}">
+                <a16:creationId xmlns:a16="http://schemas.microsoft.com/office/drawing/2014/main" id="{5DEA9385-3B6C-4308-9636-5FE4B12FB130}"/>
+              </a:ext>
+            </a:extLst>
+          </p:cNvPr>
+          <p:cNvSpPr/>
+          <p:nvPr/>
+        </p:nvSpPr>
+        <p:spPr>
+          <a:xfrm>
+            <a:off x="20673060" y="3584844"/>
+            <a:ext cx="517028" cy="175820"/>
+          </a:xfrm>
+          <a:prstGeom prst="rect">
+            <a:avLst/>
+          </a:prstGeom>
+          <a:noFill/>
+          <a:ln>
+            <a:solidFill>
+              <a:schemeClr val="tx1"/>
+            </a:solidFill>
+          </a:ln>
+        </p:spPr>
+        <p:style>
+          <a:lnRef idx="2">
+            <a:schemeClr val="accent1">
+              <a:shade val="50000"/>
+            </a:schemeClr>
+          </a:lnRef>
+          <a:fillRef idx="1">
+            <a:schemeClr val="accent1"/>
+          </a:fillRef>
+          <a:effectRef idx="0">
+            <a:schemeClr val="accent1"/>
+          </a:effectRef>
+          <a:fontRef idx="minor">
+            <a:schemeClr val="lt1"/>
+          </a:fontRef>
+        </p:style>
+        <p:txBody>
+          <a:bodyPr rtlCol="0" anchor="ctr"/>
+          <a:lstStyle/>
+          <a:p>
+            <a:pPr algn="ctr"/>
+            <a:endParaRPr lang="en-GB"/>
+          </a:p>
+        </p:txBody>
+      </p:sp>
+      <p:sp>
+        <p:nvSpPr>
+          <p:cNvPr id="89" name="Rechteck 88">
+            <a:extLst>
+              <a:ext uri="{FF2B5EF4-FFF2-40B4-BE49-F238E27FC236}">
+                <a16:creationId xmlns:a16="http://schemas.microsoft.com/office/drawing/2014/main" id="{111D00A6-B2D7-4C07-A669-E5F8BD5C8B34}"/>
+              </a:ext>
+            </a:extLst>
+          </p:cNvPr>
+          <p:cNvSpPr/>
+          <p:nvPr/>
+        </p:nvSpPr>
+        <p:spPr>
+          <a:xfrm>
+            <a:off x="20673060" y="3760104"/>
+            <a:ext cx="517028" cy="175820"/>
+          </a:xfrm>
+          <a:prstGeom prst="rect">
+            <a:avLst/>
+          </a:prstGeom>
+          <a:noFill/>
+          <a:ln>
+            <a:solidFill>
+              <a:schemeClr val="tx1"/>
+            </a:solidFill>
+          </a:ln>
+        </p:spPr>
+        <p:style>
+          <a:lnRef idx="2">
+            <a:schemeClr val="accent1">
+              <a:shade val="50000"/>
+            </a:schemeClr>
+          </a:lnRef>
+          <a:fillRef idx="1">
+            <a:schemeClr val="accent1"/>
+          </a:fillRef>
+          <a:effectRef idx="0">
+            <a:schemeClr val="accent1"/>
+          </a:effectRef>
+          <a:fontRef idx="minor">
+            <a:schemeClr val="lt1"/>
+          </a:fontRef>
+        </p:style>
+        <p:txBody>
+          <a:bodyPr rtlCol="0" anchor="ctr"/>
+          <a:lstStyle/>
+          <a:p>
+            <a:pPr algn="ctr"/>
+            <a:endParaRPr lang="en-GB"/>
+          </a:p>
+        </p:txBody>
+      </p:sp>
+      <p:sp>
+        <p:nvSpPr>
+          <p:cNvPr id="90" name="Rechteck 89">
+            <a:extLst>
+              <a:ext uri="{FF2B5EF4-FFF2-40B4-BE49-F238E27FC236}">
+                <a16:creationId xmlns:a16="http://schemas.microsoft.com/office/drawing/2014/main" id="{56D117B1-03FB-4FBA-978D-423D84D4D20F}"/>
+              </a:ext>
+            </a:extLst>
+          </p:cNvPr>
+          <p:cNvSpPr/>
+          <p:nvPr/>
+        </p:nvSpPr>
+        <p:spPr>
+          <a:xfrm>
+            <a:off x="20665440" y="3942984"/>
+            <a:ext cx="517028" cy="175820"/>
+          </a:xfrm>
+          <a:prstGeom prst="rect">
+            <a:avLst/>
+          </a:prstGeom>
+          <a:noFill/>
+          <a:ln>
+            <a:solidFill>
+              <a:schemeClr val="tx1"/>
+            </a:solidFill>
+          </a:ln>
+        </p:spPr>
+        <p:style>
+          <a:lnRef idx="2">
+            <a:schemeClr val="accent1">
+              <a:shade val="50000"/>
+            </a:schemeClr>
+          </a:lnRef>
+          <a:fillRef idx="1">
+            <a:schemeClr val="accent1"/>
+          </a:fillRef>
+          <a:effectRef idx="0">
+            <a:schemeClr val="accent1"/>
+          </a:effectRef>
+          <a:fontRef idx="minor">
+            <a:schemeClr val="lt1"/>
+          </a:fontRef>
+        </p:style>
+        <p:txBody>
+          <a:bodyPr rtlCol="0" anchor="ctr"/>
+          <a:lstStyle/>
+          <a:p>
+            <a:pPr algn="ctr"/>
+            <a:endParaRPr lang="en-GB"/>
+          </a:p>
+        </p:txBody>
+      </p:sp>
+      <p:sp>
+        <p:nvSpPr>
+          <p:cNvPr id="91" name="Rechteck 90">
+            <a:extLst>
+              <a:ext uri="{FF2B5EF4-FFF2-40B4-BE49-F238E27FC236}">
+                <a16:creationId xmlns:a16="http://schemas.microsoft.com/office/drawing/2014/main" id="{65861082-0F02-4951-96C7-A807BB790379}"/>
+              </a:ext>
+            </a:extLst>
+          </p:cNvPr>
+          <p:cNvSpPr/>
+          <p:nvPr/>
+        </p:nvSpPr>
+        <p:spPr>
+          <a:xfrm>
+            <a:off x="20665440" y="4125864"/>
+            <a:ext cx="517028" cy="175820"/>
+          </a:xfrm>
+          <a:prstGeom prst="rect">
+            <a:avLst/>
+          </a:prstGeom>
+          <a:noFill/>
+          <a:ln>
+            <a:solidFill>
+              <a:schemeClr val="tx1"/>
+            </a:solidFill>
+          </a:ln>
+        </p:spPr>
+        <p:style>
+          <a:lnRef idx="2">
+            <a:schemeClr val="accent1">
+              <a:shade val="50000"/>
+            </a:schemeClr>
+          </a:lnRef>
+          <a:fillRef idx="1">
+            <a:schemeClr val="accent1"/>
+          </a:fillRef>
+          <a:effectRef idx="0">
+            <a:schemeClr val="accent1"/>
+          </a:effectRef>
+          <a:fontRef idx="minor">
+            <a:schemeClr val="lt1"/>
+          </a:fontRef>
+        </p:style>
+        <p:txBody>
+          <a:bodyPr rtlCol="0" anchor="ctr"/>
+          <a:lstStyle/>
+          <a:p>
+            <a:pPr algn="ctr"/>
+            <a:endParaRPr lang="en-GB"/>
+          </a:p>
+        </p:txBody>
+      </p:sp>
+      <p:sp>
+        <p:nvSpPr>
+          <p:cNvPr id="92" name="Rechteck 91">
+            <a:extLst>
+              <a:ext uri="{FF2B5EF4-FFF2-40B4-BE49-F238E27FC236}">
+                <a16:creationId xmlns:a16="http://schemas.microsoft.com/office/drawing/2014/main" id="{EC050670-56EB-4B1C-BF12-7207DFD443C6}"/>
+              </a:ext>
+            </a:extLst>
+          </p:cNvPr>
+          <p:cNvSpPr/>
+          <p:nvPr/>
+        </p:nvSpPr>
+        <p:spPr>
+          <a:xfrm>
+            <a:off x="20673060" y="4308744"/>
+            <a:ext cx="517028" cy="175820"/>
+          </a:xfrm>
+          <a:prstGeom prst="rect">
+            <a:avLst/>
+          </a:prstGeom>
+          <a:noFill/>
+          <a:ln>
+            <a:solidFill>
+              <a:schemeClr val="tx1"/>
+            </a:solidFill>
+          </a:ln>
+        </p:spPr>
+        <p:style>
+          <a:lnRef idx="2">
+            <a:schemeClr val="accent1">
+              <a:shade val="50000"/>
+            </a:schemeClr>
+          </a:lnRef>
+          <a:fillRef idx="1">
+            <a:schemeClr val="accent1"/>
+          </a:fillRef>
+          <a:effectRef idx="0">
+            <a:schemeClr val="accent1"/>
+          </a:effectRef>
+          <a:fontRef idx="minor">
+            <a:schemeClr val="lt1"/>
+          </a:fontRef>
+        </p:style>
+        <p:txBody>
+          <a:bodyPr rtlCol="0" anchor="ctr"/>
+          <a:lstStyle/>
+          <a:p>
+            <a:pPr algn="ctr"/>
+            <a:endParaRPr lang="en-GB"/>
+          </a:p>
+        </p:txBody>
+      </p:sp>
+      <p:sp>
+        <p:nvSpPr>
+          <p:cNvPr id="93" name="Rechteck 92">
+            <a:extLst>
+              <a:ext uri="{FF2B5EF4-FFF2-40B4-BE49-F238E27FC236}">
+                <a16:creationId xmlns:a16="http://schemas.microsoft.com/office/drawing/2014/main" id="{BAF1600A-B319-44CA-B123-243EDC507B50}"/>
+              </a:ext>
+            </a:extLst>
+          </p:cNvPr>
+          <p:cNvSpPr/>
+          <p:nvPr/>
+        </p:nvSpPr>
+        <p:spPr>
+          <a:xfrm>
+            <a:off x="21732240" y="4499244"/>
+            <a:ext cx="517028" cy="175820"/>
+          </a:xfrm>
+          <a:prstGeom prst="rect">
+            <a:avLst/>
+          </a:prstGeom>
+          <a:noFill/>
+          <a:ln>
+            <a:solidFill>
+              <a:schemeClr val="tx1">
+                <a:lumMod val="50000"/>
+                <a:lumOff val="50000"/>
+              </a:schemeClr>
+            </a:solidFill>
+          </a:ln>
+        </p:spPr>
+        <p:style>
+          <a:lnRef idx="2">
+            <a:schemeClr val="accent1">
+              <a:shade val="50000"/>
+            </a:schemeClr>
+          </a:lnRef>
+          <a:fillRef idx="1">
+            <a:schemeClr val="accent1"/>
+          </a:fillRef>
+          <a:effectRef idx="0">
+            <a:schemeClr val="accent1"/>
+          </a:effectRef>
+          <a:fontRef idx="minor">
+            <a:schemeClr val="lt1"/>
+          </a:fontRef>
+        </p:style>
+        <p:txBody>
+          <a:bodyPr rtlCol="0" anchor="ctr"/>
+          <a:lstStyle/>
+          <a:p>
+            <a:pPr algn="ctr"/>
+            <a:endParaRPr lang="en-GB"/>
+          </a:p>
+        </p:txBody>
+      </p:sp>
+      <p:sp>
+        <p:nvSpPr>
+          <p:cNvPr id="95" name="Textfeld 94">
+            <a:extLst>
+              <a:ext uri="{FF2B5EF4-FFF2-40B4-BE49-F238E27FC236}">
+                <a16:creationId xmlns:a16="http://schemas.microsoft.com/office/drawing/2014/main" id="{D3BCF549-CC0C-445D-ABD8-B69B09AF603F}"/>
+              </a:ext>
+            </a:extLst>
+          </p:cNvPr>
+          <p:cNvSpPr txBox="1"/>
+          <p:nvPr/>
+        </p:nvSpPr>
+        <p:spPr>
+          <a:xfrm>
+            <a:off x="23644857" y="13153336"/>
+            <a:ext cx="3364784" cy="2123658"/>
+          </a:xfrm>
+          <a:prstGeom prst="rect">
+            <a:avLst/>
+          </a:prstGeom>
+          <a:noFill/>
+        </p:spPr>
+        <p:txBody>
+          <a:bodyPr wrap="square" rtlCol="0">
+            <a:spAutoFit/>
+          </a:bodyPr>
+          <a:lstStyle/>
+          <a:p>
+            <a:r>
+              <a:rPr lang="en-GB" sz="1600" dirty="0">
+                <a:latin typeface="Segoe UI Light" panose="020B0502040204020203" pitchFamily="34" charset="0"/>
+                <a:cs typeface="Segoe UI Light" panose="020B0502040204020203" pitchFamily="34" charset="0"/>
+              </a:rPr>
+              <a:t>But what is “happiness”?</a:t>
+            </a:r>
+          </a:p>
+          <a:p>
+            <a:pPr marL="285750" indent="-285750">
+              <a:buFontTx/>
+              <a:buChar char="-"/>
+            </a:pPr>
+            <a:endParaRPr lang="en-GB" sz="1400" dirty="0">
+              <a:latin typeface="Segoe UI Light" panose="020B0502040204020203" pitchFamily="34" charset="0"/>
+              <a:cs typeface="Segoe UI Light" panose="020B0502040204020203" pitchFamily="34" charset="0"/>
+            </a:endParaRPr>
+          </a:p>
+          <a:p>
+            <a:pPr marL="285750" indent="-285750">
+              <a:buFontTx/>
+              <a:buChar char="-"/>
+            </a:pPr>
+            <a:r>
               <a:rPr lang="en-GB" sz="1400" dirty="0">
                 <a:latin typeface="Segoe UI Light" panose="020B0502040204020203" pitchFamily="34" charset="0"/>
                 <a:cs typeface="Segoe UI Light" panose="020B0502040204020203" pitchFamily="34" charset="0"/>
               </a:rPr>
-              <a:t>The results of FA show how the assignment of the variables to the dimensions changed. After rotating the PC’s, the second and the third dimensions explains more variance. Furthermore, the Loadings are more clear in terms of interpretation.</a:t>
-            </a:r>
+              <a:t>Explain outcome variables quickly</a:t>
+            </a:r>
+          </a:p>
+          <a:p>
+            <a:pPr marL="285750" indent="-285750">
+              <a:buFontTx/>
+              <a:buChar char="-"/>
+            </a:pPr>
+            <a:r>
+              <a:rPr lang="en-GB" sz="1400" dirty="0">
+                <a:latin typeface="Segoe UI Light" panose="020B0502040204020203" pitchFamily="34" charset="0"/>
+                <a:cs typeface="Segoe UI Light" panose="020B0502040204020203" pitchFamily="34" charset="0"/>
+              </a:rPr>
+              <a:t>Interpretation of happiness (UN Data doesn’t match with term happiness in the world) -&gt; cant measure happiness</a:t>
+            </a:r>
+          </a:p>
+          <a:p>
+            <a:pPr marL="285750" indent="-285750">
+              <a:buFontTx/>
+              <a:buChar char="-"/>
+            </a:pPr>
+            <a:endParaRPr lang="en-GB" sz="1400" dirty="0">
+              <a:latin typeface="Segoe UI Light" panose="020B0502040204020203" pitchFamily="34" charset="0"/>
+              <a:cs typeface="Segoe UI Light" panose="020B0502040204020203" pitchFamily="34" charset="0"/>
+            </a:endParaRPr>
+          </a:p>
+          <a:p>
+            <a:pPr marL="285750" indent="-285750">
+              <a:buFontTx/>
+              <a:buChar char="-"/>
+            </a:pPr>
+            <a:endParaRPr lang="en-GB" sz="1400" dirty="0">
+              <a:latin typeface="Segoe UI Light" panose="020B0502040204020203" pitchFamily="34" charset="0"/>
+              <a:cs typeface="Segoe UI Light" panose="020B0502040204020203" pitchFamily="34" charset="0"/>
+            </a:endParaRPr>
+          </a:p>
+          <a:p>
             <a:endParaRPr lang="en-GB" b="1" dirty="0">
               <a:latin typeface="Segoe UI Light" panose="020B0502040204020203" pitchFamily="34" charset="0"/>
               <a:cs typeface="Segoe UI Light" panose="020B0502040204020203" pitchFamily="34" charset="0"/>
@@ -5578,10 +6964,485 @@
           </a:p>
         </p:txBody>
       </p:sp>
+      <p:pic>
+        <p:nvPicPr>
+          <p:cNvPr id="97" name="Grafik 96">
+            <a:extLst>
+              <a:ext uri="{FF2B5EF4-FFF2-40B4-BE49-F238E27FC236}">
+                <a16:creationId xmlns:a16="http://schemas.microsoft.com/office/drawing/2014/main" id="{610788E9-0472-491F-BBF7-775010BB4BE6}"/>
+              </a:ext>
+            </a:extLst>
+          </p:cNvPr>
+          <p:cNvPicPr>
+            <a:picLocks noChangeAspect="1"/>
+          </p:cNvPicPr>
+          <p:nvPr/>
+        </p:nvPicPr>
+        <p:blipFill>
+          <a:blip r:embed="rId28">
+            <a:extLst>
+              <a:ext uri="{28A0092B-C50C-407E-A947-70E740481C1C}">
+                <a14:useLocalDpi xmlns:a14="http://schemas.microsoft.com/office/drawing/2010/main" val="0"/>
+              </a:ext>
+            </a:extLst>
+          </a:blip>
+          <a:stretch>
+            <a:fillRect/>
+          </a:stretch>
+        </p:blipFill>
+        <p:spPr>
+          <a:xfrm>
+            <a:off x="16150830" y="3339848"/>
+            <a:ext cx="3268903" cy="2101438"/>
+          </a:xfrm>
+          <a:prstGeom prst="rect">
+            <a:avLst/>
+          </a:prstGeom>
+        </p:spPr>
+      </p:pic>
+      <p:sp>
+        <p:nvSpPr>
+          <p:cNvPr id="98" name="Textfeld 97">
+            <a:extLst>
+              <a:ext uri="{FF2B5EF4-FFF2-40B4-BE49-F238E27FC236}">
+                <a16:creationId xmlns:a16="http://schemas.microsoft.com/office/drawing/2014/main" id="{5B6D9E7A-4324-4701-9C5F-517883FC8C70}"/>
+              </a:ext>
+            </a:extLst>
+          </p:cNvPr>
+          <p:cNvSpPr txBox="1"/>
+          <p:nvPr/>
+        </p:nvSpPr>
+        <p:spPr>
+          <a:xfrm rot="16200000">
+            <a:off x="15759770" y="4246813"/>
+            <a:ext cx="1600438" cy="253916"/>
+          </a:xfrm>
+          <a:prstGeom prst="rect">
+            <a:avLst/>
+          </a:prstGeom>
+          <a:noFill/>
+        </p:spPr>
+        <p:txBody>
+          <a:bodyPr wrap="square" rtlCol="0">
+            <a:spAutoFit/>
+          </a:bodyPr>
+          <a:lstStyle/>
+          <a:p>
+            <a:pPr algn="r"/>
+            <a:r>
+              <a:rPr lang="en-GB" sz="900" dirty="0">
+                <a:latin typeface="Segoe UI Light" panose="020B0502040204020203" pitchFamily="34" charset="0"/>
+                <a:cs typeface="Segoe UI Light" panose="020B0502040204020203" pitchFamily="34" charset="0"/>
+              </a:rPr>
+              <a:t>Country</a:t>
+            </a:r>
+            <a:r>
+              <a:rPr lang="en-GB" sz="1050" dirty="0"/>
+              <a:t> </a:t>
+            </a:r>
+            <a:r>
+              <a:rPr lang="en-GB" sz="900" dirty="0">
+                <a:latin typeface="Segoe UI Light" panose="020B0502040204020203" pitchFamily="34" charset="0"/>
+                <a:cs typeface="Segoe UI Light" panose="020B0502040204020203" pitchFamily="34" charset="0"/>
+              </a:rPr>
+              <a:t>Development</a:t>
+            </a:r>
+          </a:p>
+        </p:txBody>
+      </p:sp>
+      <p:sp>
+        <p:nvSpPr>
+          <p:cNvPr id="100" name="Textfeld 99">
+            <a:extLst>
+              <a:ext uri="{FF2B5EF4-FFF2-40B4-BE49-F238E27FC236}">
+                <a16:creationId xmlns:a16="http://schemas.microsoft.com/office/drawing/2014/main" id="{73F2E291-23B2-4780-A7BD-A187EE9C5707}"/>
+              </a:ext>
+            </a:extLst>
+          </p:cNvPr>
+          <p:cNvSpPr txBox="1"/>
+          <p:nvPr/>
+        </p:nvSpPr>
+        <p:spPr>
+          <a:xfrm rot="16200000">
+            <a:off x="16117539" y="4167889"/>
+            <a:ext cx="1480469" cy="230832"/>
+          </a:xfrm>
+          <a:prstGeom prst="rect">
+            <a:avLst/>
+          </a:prstGeom>
+          <a:noFill/>
+        </p:spPr>
+        <p:txBody>
+          <a:bodyPr wrap="square" rtlCol="0">
+            <a:spAutoFit/>
+          </a:bodyPr>
+          <a:lstStyle/>
+          <a:p>
+            <a:pPr algn="r"/>
+            <a:r>
+              <a:rPr lang="en-GB" sz="900" dirty="0">
+                <a:latin typeface="Segoe UI Light" panose="020B0502040204020203" pitchFamily="34" charset="0"/>
+                <a:cs typeface="Segoe UI Light" panose="020B0502040204020203" pitchFamily="34" charset="0"/>
+              </a:rPr>
+              <a:t>Freedom &amp; Corruption</a:t>
+            </a:r>
+          </a:p>
+        </p:txBody>
+      </p:sp>
+      <p:sp>
+        <p:nvSpPr>
+          <p:cNvPr id="101" name="Textfeld 100">
+            <a:extLst>
+              <a:ext uri="{FF2B5EF4-FFF2-40B4-BE49-F238E27FC236}">
+                <a16:creationId xmlns:a16="http://schemas.microsoft.com/office/drawing/2014/main" id="{0287E17F-0457-4927-9A87-C981F7D5F1F5}"/>
+              </a:ext>
+            </a:extLst>
+          </p:cNvPr>
+          <p:cNvSpPr txBox="1"/>
+          <p:nvPr/>
+        </p:nvSpPr>
+        <p:spPr>
+          <a:xfrm rot="16200000">
+            <a:off x="16483990" y="4092990"/>
+            <a:ext cx="1330673" cy="230832"/>
+          </a:xfrm>
+          <a:prstGeom prst="rect">
+            <a:avLst/>
+          </a:prstGeom>
+          <a:noFill/>
+        </p:spPr>
+        <p:txBody>
+          <a:bodyPr wrap="square" rtlCol="0">
+            <a:spAutoFit/>
+          </a:bodyPr>
+          <a:lstStyle/>
+          <a:p>
+            <a:pPr algn="r"/>
+            <a:r>
+              <a:rPr lang="en-GB" sz="900" dirty="0">
+                <a:latin typeface="Segoe UI Light" panose="020B0502040204020203" pitchFamily="34" charset="0"/>
+                <a:cs typeface="Segoe UI Light" panose="020B0502040204020203" pitchFamily="34" charset="0"/>
+              </a:rPr>
+              <a:t>Air Pollution</a:t>
+            </a:r>
+          </a:p>
+        </p:txBody>
+      </p:sp>
+      <p:sp>
+        <p:nvSpPr>
+          <p:cNvPr id="103" name="Rechteck 102">
+            <a:extLst>
+              <a:ext uri="{FF2B5EF4-FFF2-40B4-BE49-F238E27FC236}">
+                <a16:creationId xmlns:a16="http://schemas.microsoft.com/office/drawing/2014/main" id="{6E0367F2-FCB5-435A-94F9-ECAA5FC29410}"/>
+              </a:ext>
+            </a:extLst>
+          </p:cNvPr>
+          <p:cNvSpPr/>
+          <p:nvPr/>
+        </p:nvSpPr>
+        <p:spPr>
+          <a:xfrm>
+            <a:off x="20744014" y="6777758"/>
+            <a:ext cx="1709586" cy="338554"/>
+          </a:xfrm>
+          <a:prstGeom prst="rect">
+            <a:avLst/>
+          </a:prstGeom>
+          <a:solidFill>
+            <a:schemeClr val="bg1"/>
+          </a:solidFill>
+          <a:ln>
+            <a:solidFill>
+              <a:schemeClr val="bg1"/>
+            </a:solidFill>
+          </a:ln>
+        </p:spPr>
+        <p:style>
+          <a:lnRef idx="2">
+            <a:schemeClr val="accent1">
+              <a:shade val="50000"/>
+            </a:schemeClr>
+          </a:lnRef>
+          <a:fillRef idx="1">
+            <a:schemeClr val="accent1"/>
+          </a:fillRef>
+          <a:effectRef idx="0">
+            <a:schemeClr val="accent1"/>
+          </a:effectRef>
+          <a:fontRef idx="minor">
+            <a:schemeClr val="lt1"/>
+          </a:fontRef>
+        </p:style>
+        <p:txBody>
+          <a:bodyPr rtlCol="0" anchor="ctr"/>
+          <a:lstStyle/>
+          <a:p>
+            <a:pPr algn="ctr"/>
+            <a:endParaRPr lang="en-GB"/>
+          </a:p>
+        </p:txBody>
+      </p:sp>
+      <p:sp>
+        <p:nvSpPr>
+          <p:cNvPr id="102" name="Rechteck 101">
+            <a:extLst>
+              <a:ext uri="{FF2B5EF4-FFF2-40B4-BE49-F238E27FC236}">
+                <a16:creationId xmlns:a16="http://schemas.microsoft.com/office/drawing/2014/main" id="{EE214473-7542-4913-A2A5-C8D5E3345B32}"/>
+              </a:ext>
+            </a:extLst>
+          </p:cNvPr>
+          <p:cNvSpPr/>
+          <p:nvPr/>
+        </p:nvSpPr>
+        <p:spPr>
+          <a:xfrm rot="18884007">
+            <a:off x="19747469" y="6950519"/>
+            <a:ext cx="1705790" cy="331585"/>
+          </a:xfrm>
+          <a:prstGeom prst="rect">
+            <a:avLst/>
+          </a:prstGeom>
+          <a:noFill/>
+          <a:ln>
+            <a:noFill/>
+          </a:ln>
+        </p:spPr>
+        <p:style>
+          <a:lnRef idx="2">
+            <a:schemeClr val="accent1">
+              <a:shade val="50000"/>
+            </a:schemeClr>
+          </a:lnRef>
+          <a:fillRef idx="1">
+            <a:schemeClr val="accent1"/>
+          </a:fillRef>
+          <a:effectRef idx="0">
+            <a:schemeClr val="accent1"/>
+          </a:effectRef>
+          <a:fontRef idx="minor">
+            <a:schemeClr val="lt1"/>
+          </a:fontRef>
+        </p:style>
+        <p:txBody>
+          <a:bodyPr rtlCol="0" anchor="ctr"/>
+          <a:lstStyle/>
+          <a:p>
+            <a:pPr algn="ctr"/>
+            <a:r>
+              <a:rPr lang="en-GB" sz="800" b="1" dirty="0">
+                <a:solidFill>
+                  <a:schemeClr val="tx1"/>
+                </a:solidFill>
+                <a:latin typeface="Segoe UI Light" panose="020B0502040204020203" pitchFamily="34" charset="0"/>
+                <a:cs typeface="Segoe UI Light" panose="020B0502040204020203" pitchFamily="34" charset="0"/>
+              </a:rPr>
+              <a:t>Country Development</a:t>
+            </a:r>
+          </a:p>
+        </p:txBody>
+      </p:sp>
+      <p:sp>
+        <p:nvSpPr>
+          <p:cNvPr id="104" name="Rechteck 103">
+            <a:extLst>
+              <a:ext uri="{FF2B5EF4-FFF2-40B4-BE49-F238E27FC236}">
+                <a16:creationId xmlns:a16="http://schemas.microsoft.com/office/drawing/2014/main" id="{55BBC88D-9C6D-4EC6-A43D-52EE4910216A}"/>
+              </a:ext>
+            </a:extLst>
+          </p:cNvPr>
+          <p:cNvSpPr/>
+          <p:nvPr/>
+        </p:nvSpPr>
+        <p:spPr>
+          <a:xfrm rot="18884007">
+            <a:off x="20306530" y="6980961"/>
+            <a:ext cx="1705790" cy="331585"/>
+          </a:xfrm>
+          <a:prstGeom prst="rect">
+            <a:avLst/>
+          </a:prstGeom>
+          <a:noFill/>
+          <a:ln>
+            <a:noFill/>
+          </a:ln>
+        </p:spPr>
+        <p:style>
+          <a:lnRef idx="2">
+            <a:schemeClr val="accent1">
+              <a:shade val="50000"/>
+            </a:schemeClr>
+          </a:lnRef>
+          <a:fillRef idx="1">
+            <a:schemeClr val="accent1"/>
+          </a:fillRef>
+          <a:effectRef idx="0">
+            <a:schemeClr val="accent1"/>
+          </a:effectRef>
+          <a:fontRef idx="minor">
+            <a:schemeClr val="lt1"/>
+          </a:fontRef>
+        </p:style>
+        <p:txBody>
+          <a:bodyPr rtlCol="0" anchor="ctr"/>
+          <a:lstStyle/>
+          <a:p>
+            <a:pPr algn="ctr"/>
+            <a:r>
+              <a:rPr lang="en-GB" sz="800" b="1" dirty="0">
+                <a:solidFill>
+                  <a:schemeClr val="tx1"/>
+                </a:solidFill>
+                <a:latin typeface="Segoe UI Light" panose="020B0502040204020203" pitchFamily="34" charset="0"/>
+                <a:cs typeface="Segoe UI Light" panose="020B0502040204020203" pitchFamily="34" charset="0"/>
+              </a:rPr>
+              <a:t>Freedom &amp; Corruption</a:t>
+            </a:r>
+          </a:p>
+        </p:txBody>
+      </p:sp>
+      <p:sp>
+        <p:nvSpPr>
+          <p:cNvPr id="105" name="Rechteck 104">
+            <a:extLst>
+              <a:ext uri="{FF2B5EF4-FFF2-40B4-BE49-F238E27FC236}">
+                <a16:creationId xmlns:a16="http://schemas.microsoft.com/office/drawing/2014/main" id="{3FA6D8C5-F014-4805-951D-B5F7A4B65C57}"/>
+              </a:ext>
+            </a:extLst>
+          </p:cNvPr>
+          <p:cNvSpPr/>
+          <p:nvPr/>
+        </p:nvSpPr>
+        <p:spPr>
+          <a:xfrm rot="18884007">
+            <a:off x="20945410" y="6851592"/>
+            <a:ext cx="1705790" cy="331585"/>
+          </a:xfrm>
+          <a:prstGeom prst="rect">
+            <a:avLst/>
+          </a:prstGeom>
+          <a:noFill/>
+          <a:ln>
+            <a:noFill/>
+          </a:ln>
+        </p:spPr>
+        <p:style>
+          <a:lnRef idx="2">
+            <a:schemeClr val="accent1">
+              <a:shade val="50000"/>
+            </a:schemeClr>
+          </a:lnRef>
+          <a:fillRef idx="1">
+            <a:schemeClr val="accent1"/>
+          </a:fillRef>
+          <a:effectRef idx="0">
+            <a:schemeClr val="accent1"/>
+          </a:effectRef>
+          <a:fontRef idx="minor">
+            <a:schemeClr val="lt1"/>
+          </a:fontRef>
+        </p:style>
+        <p:txBody>
+          <a:bodyPr rtlCol="0" anchor="ctr"/>
+          <a:lstStyle/>
+          <a:p>
+            <a:pPr algn="ctr"/>
+            <a:r>
+              <a:rPr lang="en-GB" sz="800" b="1" dirty="0">
+                <a:solidFill>
+                  <a:schemeClr val="tx1"/>
+                </a:solidFill>
+                <a:latin typeface="Segoe UI Light" panose="020B0502040204020203" pitchFamily="34" charset="0"/>
+                <a:cs typeface="Segoe UI Light" panose="020B0502040204020203" pitchFamily="34" charset="0"/>
+              </a:rPr>
+              <a:t>Air Pollution</a:t>
+            </a:r>
+          </a:p>
+        </p:txBody>
+      </p:sp>
     </p:spTree>
     <p:extLst>
       <p:ext uri="{BB962C8B-B14F-4D97-AF65-F5344CB8AC3E}">
         <p14:creationId xmlns:p14="http://schemas.microsoft.com/office/powerpoint/2010/main" val="727998470"/>
+      </p:ext>
+    </p:extLst>
+  </p:cSld>
+  <p:clrMapOvr>
+    <a:masterClrMapping/>
+  </p:clrMapOvr>
+</p:sld>
+</file>
+
+<file path=ppt/slides/slide2.xml><?xml version="1.0" encoding="utf-8"?>
+<p:sld xmlns:a="http://schemas.openxmlformats.org/drawingml/2006/main" xmlns:r="http://schemas.openxmlformats.org/officeDocument/2006/relationships" xmlns:p="http://schemas.openxmlformats.org/presentationml/2006/main">
+  <p:cSld>
+    <p:spTree>
+      <p:nvGrpSpPr>
+        <p:cNvPr id="1" name=""/>
+        <p:cNvGrpSpPr/>
+        <p:nvPr/>
+      </p:nvGrpSpPr>
+      <p:grpSpPr>
+        <a:xfrm>
+          <a:off x="0" y="0"/>
+          <a:ext cx="0" cy="0"/>
+          <a:chOff x="0" y="0"/>
+          <a:chExt cx="0" cy="0"/>
+        </a:xfrm>
+      </p:grpSpPr>
+      <p:sp>
+        <p:nvSpPr>
+          <p:cNvPr id="2" name="Titel 1">
+            <a:extLst>
+              <a:ext uri="{FF2B5EF4-FFF2-40B4-BE49-F238E27FC236}">
+                <a16:creationId xmlns:a16="http://schemas.microsoft.com/office/drawing/2014/main" id="{AE234184-82E3-4977-988E-ACBFD708D8BD}"/>
+              </a:ext>
+            </a:extLst>
+          </p:cNvPr>
+          <p:cNvSpPr>
+            <a:spLocks noGrp="1"/>
+          </p:cNvSpPr>
+          <p:nvPr>
+            <p:ph type="title"/>
+          </p:nvPr>
+        </p:nvSpPr>
+        <p:spPr/>
+        <p:txBody>
+          <a:bodyPr/>
+          <a:lstStyle/>
+          <a:p>
+            <a:endParaRPr lang="en-GB"/>
+          </a:p>
+        </p:txBody>
+      </p:sp>
+      <p:sp>
+        <p:nvSpPr>
+          <p:cNvPr id="3" name="Inhaltsplatzhalter 2">
+            <a:extLst>
+              <a:ext uri="{FF2B5EF4-FFF2-40B4-BE49-F238E27FC236}">
+                <a16:creationId xmlns:a16="http://schemas.microsoft.com/office/drawing/2014/main" id="{3A80FD68-1B67-4561-8CEA-F89778DE1155}"/>
+              </a:ext>
+            </a:extLst>
+          </p:cNvPr>
+          <p:cNvSpPr>
+            <a:spLocks noGrp="1"/>
+          </p:cNvSpPr>
+          <p:nvPr>
+            <p:ph idx="1"/>
+          </p:nvPr>
+        </p:nvSpPr>
+        <p:spPr/>
+        <p:txBody>
+          <a:bodyPr/>
+          <a:lstStyle/>
+          <a:p>
+            <a:endParaRPr lang="en-GB"/>
+          </a:p>
+        </p:txBody>
+      </p:sp>
+    </p:spTree>
+    <p:extLst>
+      <p:ext uri="{BB962C8B-B14F-4D97-AF65-F5344CB8AC3E}">
+        <p14:creationId xmlns:p14="http://schemas.microsoft.com/office/powerpoint/2010/main" val="2468671382"/>
       </p:ext>
     </p:extLst>
   </p:cSld>
@@ -5850,4 +7711,299 @@
     </a:ext>
   </a:extLst>
 </a:theme>
+</file>
+
+<file path=ppt/theme/theme2.xml><?xml version="1.0" encoding="utf-8"?>
+<a:theme xmlns:a="http://schemas.openxmlformats.org/drawingml/2006/main" name="Office">
+  <a:themeElements>
+    <a:clrScheme name="Office">
+      <a:dk1>
+        <a:sysClr val="windowText" lastClr="000000"/>
+      </a:dk1>
+      <a:lt1>
+        <a:sysClr val="window" lastClr="FFFFFF"/>
+      </a:lt1>
+      <a:dk2>
+        <a:srgbClr val="44546A"/>
+      </a:dk2>
+      <a:lt2>
+        <a:srgbClr val="E7E6E6"/>
+      </a:lt2>
+      <a:accent1>
+        <a:srgbClr val="4472C4"/>
+      </a:accent1>
+      <a:accent2>
+        <a:srgbClr val="ED7D31"/>
+      </a:accent2>
+      <a:accent3>
+        <a:srgbClr val="A5A5A5"/>
+      </a:accent3>
+      <a:accent4>
+        <a:srgbClr val="FFC000"/>
+      </a:accent4>
+      <a:accent5>
+        <a:srgbClr val="5B9BD5"/>
+      </a:accent5>
+      <a:accent6>
+        <a:srgbClr val="70AD47"/>
+      </a:accent6>
+      <a:hlink>
+        <a:srgbClr val="0563C1"/>
+      </a:hlink>
+      <a:folHlink>
+        <a:srgbClr val="954F72"/>
+      </a:folHlink>
+    </a:clrScheme>
+    <a:fontScheme name="Office">
+      <a:majorFont>
+        <a:latin typeface="Calibri Light" panose="020F0302020204030204"/>
+        <a:ea typeface=""/>
+        <a:cs typeface=""/>
+        <a:font script="Jpan" typeface="游ゴシック Light"/>
+        <a:font script="Hang" typeface="맑은 고딕"/>
+        <a:font script="Hans" typeface="等线 Light"/>
+        <a:font script="Hant" typeface="新細明體"/>
+        <a:font script="Arab" typeface="Times New Roman"/>
+        <a:font script="Hebr" typeface="Times New Roman"/>
+        <a:font script="Thai" typeface="Angsana New"/>
+        <a:font script="Ethi" typeface="Nyala"/>
+        <a:font script="Beng" typeface="Vrinda"/>
+        <a:font script="Gujr" typeface="Shruti"/>
+        <a:font script="Khmr" typeface="MoolBoran"/>
+        <a:font script="Knda" typeface="Tunga"/>
+        <a:font script="Guru" typeface="Raavi"/>
+        <a:font script="Cans" typeface="Euphemia"/>
+        <a:font script="Cher" typeface="Plantagenet Cherokee"/>
+        <a:font script="Yiii" typeface="Microsoft Yi Baiti"/>
+        <a:font script="Tibt" typeface="Microsoft Himalaya"/>
+        <a:font script="Thaa" typeface="MV Boli"/>
+        <a:font script="Deva" typeface="Mangal"/>
+        <a:font script="Telu" typeface="Gautami"/>
+        <a:font script="Taml" typeface="Latha"/>
+        <a:font script="Syrc" typeface="Estrangelo Edessa"/>
+        <a:font script="Orya" typeface="Kalinga"/>
+        <a:font script="Mlym" typeface="Kartika"/>
+        <a:font script="Laoo" typeface="DokChampa"/>
+        <a:font script="Sinh" typeface="Iskoola Pota"/>
+        <a:font script="Mong" typeface="Mongolian Baiti"/>
+        <a:font script="Viet" typeface="Times New Roman"/>
+        <a:font script="Uigh" typeface="Microsoft Uighur"/>
+        <a:font script="Geor" typeface="Sylfaen"/>
+        <a:font script="Armn" typeface="Arial"/>
+        <a:font script="Bugi" typeface="Leelawadee UI"/>
+        <a:font script="Bopo" typeface="Microsoft JhengHei"/>
+        <a:font script="Java" typeface="Javanese Text"/>
+        <a:font script="Lisu" typeface="Segoe UI"/>
+        <a:font script="Mymr" typeface="Myanmar Text"/>
+        <a:font script="Nkoo" typeface="Ebrima"/>
+        <a:font script="Olck" typeface="Nirmala UI"/>
+        <a:font script="Osma" typeface="Ebrima"/>
+        <a:font script="Phag" typeface="Phagspa"/>
+        <a:font script="Syrn" typeface="Estrangelo Edessa"/>
+        <a:font script="Syrj" typeface="Estrangelo Edessa"/>
+        <a:font script="Syre" typeface="Estrangelo Edessa"/>
+        <a:font script="Sora" typeface="Nirmala UI"/>
+        <a:font script="Tale" typeface="Microsoft Tai Le"/>
+        <a:font script="Talu" typeface="Microsoft New Tai Lue"/>
+        <a:font script="Tfng" typeface="Ebrima"/>
+      </a:majorFont>
+      <a:minorFont>
+        <a:latin typeface="Calibri" panose="020F0502020204030204"/>
+        <a:ea typeface=""/>
+        <a:cs typeface=""/>
+        <a:font script="Jpan" typeface="游ゴシック"/>
+        <a:font script="Hang" typeface="맑은 고딕"/>
+        <a:font script="Hans" typeface="等线"/>
+        <a:font script="Hant" typeface="新細明體"/>
+        <a:font script="Arab" typeface="Arial"/>
+        <a:font script="Hebr" typeface="Arial"/>
+        <a:font script="Thai" typeface="Cordia New"/>
+        <a:font script="Ethi" typeface="Nyala"/>
+        <a:font script="Beng" typeface="Vrinda"/>
+        <a:font script="Gujr" typeface="Shruti"/>
+        <a:font script="Khmr" typeface="DaunPenh"/>
+        <a:font script="Knda" typeface="Tunga"/>
+        <a:font script="Guru" typeface="Raavi"/>
+        <a:font script="Cans" typeface="Euphemia"/>
+        <a:font script="Cher" typeface="Plantagenet Cherokee"/>
+        <a:font script="Yiii" typeface="Microsoft Yi Baiti"/>
+        <a:font script="Tibt" typeface="Microsoft Himalaya"/>
+        <a:font script="Thaa" typeface="MV Boli"/>
+        <a:font script="Deva" typeface="Mangal"/>
+        <a:font script="Telu" typeface="Gautami"/>
+        <a:font script="Taml" typeface="Latha"/>
+        <a:font script="Syrc" typeface="Estrangelo Edessa"/>
+        <a:font script="Orya" typeface="Kalinga"/>
+        <a:font script="Mlym" typeface="Kartika"/>
+        <a:font script="Laoo" typeface="DokChampa"/>
+        <a:font script="Sinh" typeface="Iskoola Pota"/>
+        <a:font script="Mong" typeface="Mongolian Baiti"/>
+        <a:font script="Viet" typeface="Arial"/>
+        <a:font script="Uigh" typeface="Microsoft Uighur"/>
+        <a:font script="Geor" typeface="Sylfaen"/>
+        <a:font script="Armn" typeface="Arial"/>
+        <a:font script="Bugi" typeface="Leelawadee UI"/>
+        <a:font script="Bopo" typeface="Microsoft JhengHei"/>
+        <a:font script="Java" typeface="Javanese Text"/>
+        <a:font script="Lisu" typeface="Segoe UI"/>
+        <a:font script="Mymr" typeface="Myanmar Text"/>
+        <a:font script="Nkoo" typeface="Ebrima"/>
+        <a:font script="Olck" typeface="Nirmala UI"/>
+        <a:font script="Osma" typeface="Ebrima"/>
+        <a:font script="Phag" typeface="Phagspa"/>
+        <a:font script="Syrn" typeface="Estrangelo Edessa"/>
+        <a:font script="Syrj" typeface="Estrangelo Edessa"/>
+        <a:font script="Syre" typeface="Estrangelo Edessa"/>
+        <a:font script="Sora" typeface="Nirmala UI"/>
+        <a:font script="Tale" typeface="Microsoft Tai Le"/>
+        <a:font script="Talu" typeface="Microsoft New Tai Lue"/>
+        <a:font script="Tfng" typeface="Ebrima"/>
+      </a:minorFont>
+    </a:fontScheme>
+    <a:fmtScheme name="Office">
+      <a:fillStyleLst>
+        <a:solidFill>
+          <a:schemeClr val="phClr"/>
+        </a:solidFill>
+        <a:gradFill rotWithShape="1">
+          <a:gsLst>
+            <a:gs pos="0">
+              <a:schemeClr val="phClr">
+                <a:lumMod val="110000"/>
+                <a:satMod val="105000"/>
+                <a:tint val="67000"/>
+              </a:schemeClr>
+            </a:gs>
+            <a:gs pos="50000">
+              <a:schemeClr val="phClr">
+                <a:lumMod val="105000"/>
+                <a:satMod val="103000"/>
+                <a:tint val="73000"/>
+              </a:schemeClr>
+            </a:gs>
+            <a:gs pos="100000">
+              <a:schemeClr val="phClr">
+                <a:lumMod val="105000"/>
+                <a:satMod val="109000"/>
+                <a:tint val="81000"/>
+              </a:schemeClr>
+            </a:gs>
+          </a:gsLst>
+          <a:lin ang="5400000" scaled="0"/>
+        </a:gradFill>
+        <a:gradFill rotWithShape="1">
+          <a:gsLst>
+            <a:gs pos="0">
+              <a:schemeClr val="phClr">
+                <a:satMod val="103000"/>
+                <a:lumMod val="102000"/>
+                <a:tint val="94000"/>
+              </a:schemeClr>
+            </a:gs>
+            <a:gs pos="50000">
+              <a:schemeClr val="phClr">
+                <a:satMod val="110000"/>
+                <a:lumMod val="100000"/>
+                <a:shade val="100000"/>
+              </a:schemeClr>
+            </a:gs>
+            <a:gs pos="100000">
+              <a:schemeClr val="phClr">
+                <a:lumMod val="99000"/>
+                <a:satMod val="120000"/>
+                <a:shade val="78000"/>
+              </a:schemeClr>
+            </a:gs>
+          </a:gsLst>
+          <a:lin ang="5400000" scaled="0"/>
+        </a:gradFill>
+      </a:fillStyleLst>
+      <a:lnStyleLst>
+        <a:ln w="6350" cap="flat" cmpd="sng" algn="ctr">
+          <a:solidFill>
+            <a:schemeClr val="phClr"/>
+          </a:solidFill>
+          <a:prstDash val="solid"/>
+          <a:miter lim="800000"/>
+        </a:ln>
+        <a:ln w="12700" cap="flat" cmpd="sng" algn="ctr">
+          <a:solidFill>
+            <a:schemeClr val="phClr"/>
+          </a:solidFill>
+          <a:prstDash val="solid"/>
+          <a:miter lim="800000"/>
+        </a:ln>
+        <a:ln w="19050" cap="flat" cmpd="sng" algn="ctr">
+          <a:solidFill>
+            <a:schemeClr val="phClr"/>
+          </a:solidFill>
+          <a:prstDash val="solid"/>
+          <a:miter lim="800000"/>
+        </a:ln>
+      </a:lnStyleLst>
+      <a:effectStyleLst>
+        <a:effectStyle>
+          <a:effectLst/>
+        </a:effectStyle>
+        <a:effectStyle>
+          <a:effectLst/>
+        </a:effectStyle>
+        <a:effectStyle>
+          <a:effectLst>
+            <a:outerShdw blurRad="57150" dist="19050" dir="5400000" algn="ctr" rotWithShape="0">
+              <a:srgbClr val="000000">
+                <a:alpha val="63000"/>
+              </a:srgbClr>
+            </a:outerShdw>
+          </a:effectLst>
+        </a:effectStyle>
+      </a:effectStyleLst>
+      <a:bgFillStyleLst>
+        <a:solidFill>
+          <a:schemeClr val="phClr"/>
+        </a:solidFill>
+        <a:solidFill>
+          <a:schemeClr val="phClr">
+            <a:tint val="95000"/>
+            <a:satMod val="170000"/>
+          </a:schemeClr>
+        </a:solidFill>
+        <a:gradFill rotWithShape="1">
+          <a:gsLst>
+            <a:gs pos="0">
+              <a:schemeClr val="phClr">
+                <a:tint val="93000"/>
+                <a:satMod val="150000"/>
+                <a:shade val="98000"/>
+                <a:lumMod val="102000"/>
+              </a:schemeClr>
+            </a:gs>
+            <a:gs pos="50000">
+              <a:schemeClr val="phClr">
+                <a:tint val="98000"/>
+                <a:satMod val="130000"/>
+                <a:shade val="90000"/>
+                <a:lumMod val="103000"/>
+              </a:schemeClr>
+            </a:gs>
+            <a:gs pos="100000">
+              <a:schemeClr val="phClr">
+                <a:shade val="63000"/>
+                <a:satMod val="120000"/>
+              </a:schemeClr>
+            </a:gs>
+          </a:gsLst>
+          <a:lin ang="5400000" scaled="0"/>
+        </a:gradFill>
+      </a:bgFillStyleLst>
+    </a:fmtScheme>
+  </a:themeElements>
+  <a:objectDefaults/>
+  <a:extraClrSchemeLst/>
+  <a:extLst>
+    <a:ext uri="{05A4C25C-085E-4340-85A3-A5531E510DB2}">
+      <thm15:themeFamily xmlns:thm15="http://schemas.microsoft.com/office/thememl/2012/main" name="Office Theme" id="{62F939B6-93AF-4DB8-9C6B-D6C7DFDC589F}" vid="{4A3C46E8-61CC-4603-A589-7422A47A8E4A}"/>
+    </a:ext>
+  </a:extLst>
+</a:theme>
 </file>
--- a/REPORT/Poster.pptx
+++ b/REPORT/Poster.pptx
@@ -5,11 +5,10 @@
     <p:sldMasterId id="2147483660" r:id="rId1"/>
   </p:sldMasterIdLst>
   <p:notesMasterIdLst>
-    <p:notesMasterId r:id="rId4"/>
+    <p:notesMasterId r:id="rId3"/>
   </p:notesMasterIdLst>
   <p:sldIdLst>
     <p:sldId id="256" r:id="rId2"/>
-    <p:sldId id="257" r:id="rId3"/>
   </p:sldIdLst>
   <p:sldSz cx="30275213" cy="21383625"/>
   <p:notesSz cx="6858000" cy="9144000"/>
@@ -110,18 +109,7 @@
   </p:defaultTextStyle>
   <p:extLst>
     <p:ext uri="{EFAFB233-063F-42B5-8137-9DF3F51BA10A}">
-      <p15:sldGuideLst xmlns:p15="http://schemas.microsoft.com/office/powerpoint/2012/main">
-        <p15:guide id="1" orient="horz" pos="11112" userDrawn="1">
-          <p15:clr>
-            <a:srgbClr val="A4A3A4"/>
-          </p15:clr>
-        </p15:guide>
-        <p15:guide id="2" pos="191" userDrawn="1">
-          <p15:clr>
-            <a:srgbClr val="A4A3A4"/>
-          </p15:clr>
-        </p15:guide>
-      </p15:sldGuideLst>
+      <p15:sldGuideLst xmlns:p15="http://schemas.microsoft.com/office/powerpoint/2012/main"/>
     </p:ext>
   </p:extLst>
 </p:presentation>
@@ -209,7 +197,7 @@
           <a:p>
             <a:fld id="{950F6633-CA7C-4FFA-B3DB-61DF2E245CFF}" type="datetimeFigureOut">
               <a:rPr lang="en-GB" smtClean="0"/>
-              <a:t>04/06/2018</a:t>
+              <a:t>05/06/2018</a:t>
             </a:fld>
             <a:endParaRPr lang="en-GB"/>
           </a:p>
@@ -692,7 +680,7 @@
           <a:p>
             <a:fld id="{A4900D08-14C1-4468-B21E-48F4F1A4C0FB}" type="datetimeFigureOut">
               <a:rPr lang="en-GB" smtClean="0"/>
-              <a:t>04/06/2018</a:t>
+              <a:t>05/06/2018</a:t>
             </a:fld>
             <a:endParaRPr lang="en-GB"/>
           </a:p>
@@ -862,7 +850,7 @@
           <a:p>
             <a:fld id="{A4900D08-14C1-4468-B21E-48F4F1A4C0FB}" type="datetimeFigureOut">
               <a:rPr lang="en-GB" smtClean="0"/>
-              <a:t>04/06/2018</a:t>
+              <a:t>05/06/2018</a:t>
             </a:fld>
             <a:endParaRPr lang="en-GB"/>
           </a:p>
@@ -1042,7 +1030,7 @@
           <a:p>
             <a:fld id="{A4900D08-14C1-4468-B21E-48F4F1A4C0FB}" type="datetimeFigureOut">
               <a:rPr lang="en-GB" smtClean="0"/>
-              <a:t>04/06/2018</a:t>
+              <a:t>05/06/2018</a:t>
             </a:fld>
             <a:endParaRPr lang="en-GB"/>
           </a:p>
@@ -1212,7 +1200,7 @@
           <a:p>
             <a:fld id="{A4900D08-14C1-4468-B21E-48F4F1A4C0FB}" type="datetimeFigureOut">
               <a:rPr lang="en-GB" smtClean="0"/>
-              <a:t>04/06/2018</a:t>
+              <a:t>05/06/2018</a:t>
             </a:fld>
             <a:endParaRPr lang="en-GB"/>
           </a:p>
@@ -1456,7 +1444,7 @@
           <a:p>
             <a:fld id="{A4900D08-14C1-4468-B21E-48F4F1A4C0FB}" type="datetimeFigureOut">
               <a:rPr lang="en-GB" smtClean="0"/>
-              <a:t>04/06/2018</a:t>
+              <a:t>05/06/2018</a:t>
             </a:fld>
             <a:endParaRPr lang="en-GB"/>
           </a:p>
@@ -1688,7 +1676,7 @@
           <a:p>
             <a:fld id="{A4900D08-14C1-4468-B21E-48F4F1A4C0FB}" type="datetimeFigureOut">
               <a:rPr lang="en-GB" smtClean="0"/>
-              <a:t>04/06/2018</a:t>
+              <a:t>05/06/2018</a:t>
             </a:fld>
             <a:endParaRPr lang="en-GB"/>
           </a:p>
@@ -2055,7 +2043,7 @@
           <a:p>
             <a:fld id="{A4900D08-14C1-4468-B21E-48F4F1A4C0FB}" type="datetimeFigureOut">
               <a:rPr lang="en-GB" smtClean="0"/>
-              <a:t>04/06/2018</a:t>
+              <a:t>05/06/2018</a:t>
             </a:fld>
             <a:endParaRPr lang="en-GB"/>
           </a:p>
@@ -2173,7 +2161,7 @@
           <a:p>
             <a:fld id="{A4900D08-14C1-4468-B21E-48F4F1A4C0FB}" type="datetimeFigureOut">
               <a:rPr lang="en-GB" smtClean="0"/>
-              <a:t>04/06/2018</a:t>
+              <a:t>05/06/2018</a:t>
             </a:fld>
             <a:endParaRPr lang="en-GB"/>
           </a:p>
@@ -2268,7 +2256,7 @@
           <a:p>
             <a:fld id="{A4900D08-14C1-4468-B21E-48F4F1A4C0FB}" type="datetimeFigureOut">
               <a:rPr lang="en-GB" smtClean="0"/>
-              <a:t>04/06/2018</a:t>
+              <a:t>05/06/2018</a:t>
             </a:fld>
             <a:endParaRPr lang="en-GB"/>
           </a:p>
@@ -2545,7 +2533,7 @@
           <a:p>
             <a:fld id="{A4900D08-14C1-4468-B21E-48F4F1A4C0FB}" type="datetimeFigureOut">
               <a:rPr lang="en-GB" smtClean="0"/>
-              <a:t>04/06/2018</a:t>
+              <a:t>05/06/2018</a:t>
             </a:fld>
             <a:endParaRPr lang="en-GB"/>
           </a:p>
@@ -2802,7 +2790,7 @@
           <a:p>
             <a:fld id="{A4900D08-14C1-4468-B21E-48F4F1A4C0FB}" type="datetimeFigureOut">
               <a:rPr lang="en-GB" smtClean="0"/>
-              <a:t>04/06/2018</a:t>
+              <a:t>05/06/2018</a:t>
             </a:fld>
             <a:endParaRPr lang="en-GB"/>
           </a:p>
@@ -3015,7 +3003,7 @@
           <a:p>
             <a:fld id="{A4900D08-14C1-4468-B21E-48F4F1A4C0FB}" type="datetimeFigureOut">
               <a:rPr lang="en-GB" smtClean="0"/>
-              <a:t>04/06/2018</a:t>
+              <a:t>05/06/2018</a:t>
             </a:fld>
             <a:endParaRPr lang="en-GB"/>
           </a:p>
@@ -3420,6 +3408,77 @@
           <a:chExt cx="0" cy="0"/>
         </a:xfrm>
       </p:grpSpPr>
+      <p:pic>
+        <p:nvPicPr>
+          <p:cNvPr id="21" name="Grafik 20">
+            <a:extLst>
+              <a:ext uri="{FF2B5EF4-FFF2-40B4-BE49-F238E27FC236}">
+                <a16:creationId xmlns:a16="http://schemas.microsoft.com/office/drawing/2014/main" id="{E7C66175-C915-47C7-A959-4AA47004429D}"/>
+              </a:ext>
+            </a:extLst>
+          </p:cNvPr>
+          <p:cNvPicPr>
+            <a:picLocks noChangeAspect="1"/>
+          </p:cNvPicPr>
+          <p:nvPr/>
+        </p:nvPicPr>
+        <p:blipFill rotWithShape="1">
+          <a:blip r:embed="rId3">
+            <a:extLst>
+              <a:ext uri="{28A0092B-C50C-407E-A947-70E740481C1C}">
+                <a14:useLocalDpi xmlns:a14="http://schemas.microsoft.com/office/drawing/2010/main" val="0"/>
+              </a:ext>
+            </a:extLst>
+          </a:blip>
+          <a:srcRect l="4063" t="12068" r="6522" b="15836"/>
+          <a:stretch/>
+        </p:blipFill>
+        <p:spPr>
+          <a:xfrm>
+            <a:off x="6132503" y="6367715"/>
+            <a:ext cx="8740546" cy="4697969"/>
+          </a:xfrm>
+          <a:prstGeom prst="rect">
+            <a:avLst/>
+          </a:prstGeom>
+        </p:spPr>
+      </p:pic>
+      <p:pic>
+        <p:nvPicPr>
+          <p:cNvPr id="12" name="Grafik 11">
+            <a:extLst>
+              <a:ext uri="{FF2B5EF4-FFF2-40B4-BE49-F238E27FC236}">
+                <a16:creationId xmlns:a16="http://schemas.microsoft.com/office/drawing/2014/main" id="{D409BF9D-DF5C-4243-A538-5F8A3A4C5AA6}"/>
+              </a:ext>
+            </a:extLst>
+          </p:cNvPr>
+          <p:cNvPicPr>
+            <a:picLocks noChangeAspect="1"/>
+          </p:cNvPicPr>
+          <p:nvPr/>
+        </p:nvPicPr>
+        <p:blipFill>
+          <a:blip r:embed="rId4">
+            <a:extLst>
+              <a:ext uri="{28A0092B-C50C-407E-A947-70E740481C1C}">
+                <a14:useLocalDpi xmlns:a14="http://schemas.microsoft.com/office/drawing/2010/main" val="0"/>
+              </a:ext>
+            </a:extLst>
+          </a:blip>
+          <a:stretch>
+            <a:fillRect/>
+          </a:stretch>
+        </p:blipFill>
+        <p:spPr>
+          <a:xfrm>
+            <a:off x="1393393" y="8995685"/>
+            <a:ext cx="3266460" cy="2070000"/>
+          </a:xfrm>
+          <a:prstGeom prst="rect">
+            <a:avLst/>
+          </a:prstGeom>
+        </p:spPr>
+      </p:pic>
       <p:sp>
         <p:nvSpPr>
           <p:cNvPr id="31" name="Rechteck: abgerundete Ecken 30">
@@ -3434,8 +3493,8 @@
         </p:nvSpPr>
         <p:spPr>
           <a:xfrm>
-            <a:off x="22994650" y="11831782"/>
-            <a:ext cx="6691485" cy="8969941"/>
+            <a:off x="22994650" y="11892106"/>
+            <a:ext cx="6691485" cy="8909617"/>
           </a:xfrm>
           <a:prstGeom prst="roundRect">
             <a:avLst/>
@@ -3478,36 +3537,6 @@
           </a:p>
         </p:txBody>
       </p:sp>
-      <p:pic>
-        <p:nvPicPr>
-          <p:cNvPr id="67" name="Grafik 66">
-            <a:extLst>
-              <a:ext uri="{FF2B5EF4-FFF2-40B4-BE49-F238E27FC236}">
-                <a16:creationId xmlns:a16="http://schemas.microsoft.com/office/drawing/2014/main" id="{0D8B382B-E6FB-4566-A136-4B0BFF8DC7F1}"/>
-              </a:ext>
-            </a:extLst>
-          </p:cNvPr>
-          <p:cNvPicPr>
-            <a:picLocks noChangeAspect="1"/>
-          </p:cNvPicPr>
-          <p:nvPr/>
-        </p:nvPicPr>
-        <p:blipFill>
-          <a:blip r:embed="rId3"/>
-          <a:stretch>
-            <a:fillRect/>
-          </a:stretch>
-        </p:blipFill>
-        <p:spPr>
-          <a:xfrm>
-            <a:off x="19143512" y="3400625"/>
-            <a:ext cx="3581976" cy="3581976"/>
-          </a:xfrm>
-          <a:prstGeom prst="rect">
-            <a:avLst/>
-          </a:prstGeom>
-        </p:spPr>
-      </p:pic>
       <p:sp>
         <p:nvSpPr>
           <p:cNvPr id="49" name="Rechteck: abgerundete Ecken 48">
@@ -3522,17 +3551,17 @@
         </p:nvSpPr>
         <p:spPr>
           <a:xfrm>
-            <a:off x="22756241" y="2452767"/>
-            <a:ext cx="6741753" cy="4663545"/>
+            <a:off x="23208573" y="2383347"/>
+            <a:ext cx="5898465" cy="4663545"/>
           </a:xfrm>
           <a:prstGeom prst="roundRect">
             <a:avLst>
-              <a:gd name="adj" fmla="val 22794"/>
+              <a:gd name="adj" fmla="val 10593"/>
             </a:avLst>
           </a:prstGeom>
           <a:solidFill>
             <a:schemeClr val="bg1">
-              <a:lumMod val="85000"/>
+              <a:lumMod val="95000"/>
             </a:schemeClr>
           </a:solidFill>
           <a:ln>
@@ -3578,8 +3607,8 @@
         </p:nvSpPr>
         <p:spPr>
           <a:xfrm>
-            <a:off x="9753663" y="11831782"/>
-            <a:ext cx="12832018" cy="8969941"/>
+            <a:off x="9631669" y="11892106"/>
+            <a:ext cx="12954012" cy="8909617"/>
           </a:xfrm>
           <a:prstGeom prst="roundRect">
             <a:avLst/>
@@ -3620,10 +3649,56 @@
       </p:sp>
       <p:sp>
         <p:nvSpPr>
-          <p:cNvPr id="5" name="Rechteck: abgerundete Ecken 4">
+          <p:cNvPr id="6" name="Textfeld 5">
             <a:extLst>
               <a:ext uri="{FF2B5EF4-FFF2-40B4-BE49-F238E27FC236}">
-                <a16:creationId xmlns:a16="http://schemas.microsoft.com/office/drawing/2014/main" id="{DBC15CEA-203F-4297-B616-17213A939DD1}"/>
+                <a16:creationId xmlns:a16="http://schemas.microsoft.com/office/drawing/2014/main" id="{D1C74C90-5FF4-4648-B68E-1C1BAAA2610A}"/>
+              </a:ext>
+            </a:extLst>
+          </p:cNvPr>
+          <p:cNvSpPr txBox="1"/>
+          <p:nvPr/>
+        </p:nvSpPr>
+        <p:spPr>
+          <a:xfrm>
+            <a:off x="720436" y="581902"/>
+            <a:ext cx="29011419" cy="830997"/>
+          </a:xfrm>
+          <a:prstGeom prst="rect">
+            <a:avLst/>
+          </a:prstGeom>
+          <a:noFill/>
+        </p:spPr>
+        <p:txBody>
+          <a:bodyPr wrap="square" rtlCol="0">
+            <a:spAutoFit/>
+          </a:bodyPr>
+          <a:lstStyle/>
+          <a:p>
+            <a:pPr algn="ctr"/>
+            <a:r>
+              <a:rPr lang="en-GB" sz="4800" b="1" dirty="0">
+                <a:latin typeface="Segoe UI Light" panose="020B0502040204020203" pitchFamily="34" charset="0"/>
+                <a:cs typeface="Segoe UI Light" panose="020B0502040204020203" pitchFamily="34" charset="0"/>
+              </a:rPr>
+              <a:t>World Happiness </a:t>
+            </a:r>
+            <a:r>
+              <a:rPr lang="en-GB" sz="4800" dirty="0">
+                <a:latin typeface="Segoe UI Light" panose="020B0502040204020203" pitchFamily="34" charset="0"/>
+                <a:cs typeface="Segoe UI Light" panose="020B0502040204020203" pitchFamily="34" charset="0"/>
+              </a:rPr>
+              <a:t>– How happy was your country in 2015?</a:t>
+            </a:r>
+          </a:p>
+        </p:txBody>
+      </p:sp>
+      <p:sp>
+        <p:nvSpPr>
+          <p:cNvPr id="17" name="Rechteck: abgerundete Ecken 16">
+            <a:extLst>
+              <a:ext uri="{FF2B5EF4-FFF2-40B4-BE49-F238E27FC236}">
+                <a16:creationId xmlns:a16="http://schemas.microsoft.com/office/drawing/2014/main" id="{5732E25D-F51E-45A4-8AE3-AC5E31394D08}"/>
               </a:ext>
             </a:extLst>
           </p:cNvPr>
@@ -3632,15 +3707,15 @@
         </p:nvSpPr>
         <p:spPr>
           <a:xfrm>
-            <a:off x="720436" y="11831782"/>
-            <a:ext cx="8466117" cy="8969941"/>
+            <a:off x="10307939" y="11583548"/>
+            <a:ext cx="3672000" cy="828000"/>
           </a:xfrm>
           <a:prstGeom prst="roundRect">
             <a:avLst/>
           </a:prstGeom>
-          <a:solidFill>
-            <a:schemeClr val="bg1"/>
-          </a:solidFill>
+          <a:ln>
+            <a:noFill/>
+          </a:ln>
         </p:spPr>
         <p:style>
           <a:lnRef idx="2">
@@ -3659,25 +3734,26 @@
           </a:fontRef>
         </p:style>
         <p:txBody>
-          <a:bodyPr rot="0" spcFirstLastPara="0" vertOverflow="overflow" horzOverflow="overflow" vert="horz" wrap="square" lIns="91440" tIns="45720" rIns="91440" bIns="45720" numCol="1" spcCol="0" rtlCol="0" fromWordArt="0" anchor="ctr" anchorCtr="0" forceAA="0" compatLnSpc="1">
-            <a:prstTxWarp prst="textNoShape">
-              <a:avLst/>
-            </a:prstTxWarp>
-            <a:noAutofit/>
-          </a:bodyPr>
+          <a:bodyPr rtlCol="0" anchor="ctr"/>
           <a:lstStyle/>
           <a:p>
             <a:pPr algn="ctr"/>
-            <a:endParaRPr lang="en-GB"/>
-          </a:p>
-        </p:txBody>
-      </p:sp>
-      <p:sp>
-        <p:nvSpPr>
-          <p:cNvPr id="6" name="Textfeld 5">
+            <a:r>
+              <a:rPr lang="en-GB" sz="2800" dirty="0">
+                <a:latin typeface="Segoe UI Light" panose="020B0502040204020203" pitchFamily="34" charset="0"/>
+                <a:cs typeface="Segoe UI Light" panose="020B0502040204020203" pitchFamily="34" charset="0"/>
+              </a:rPr>
+              <a:t>Predictive Analysis</a:t>
+            </a:r>
+          </a:p>
+        </p:txBody>
+      </p:sp>
+      <p:sp>
+        <p:nvSpPr>
+          <p:cNvPr id="20" name="Textfeld 19">
             <a:extLst>
               <a:ext uri="{FF2B5EF4-FFF2-40B4-BE49-F238E27FC236}">
-                <a16:creationId xmlns:a16="http://schemas.microsoft.com/office/drawing/2014/main" id="{D1C74C90-5FF4-4648-B68E-1C1BAAA2610A}"/>
+                <a16:creationId xmlns:a16="http://schemas.microsoft.com/office/drawing/2014/main" id="{D7252238-9487-4325-B627-C26508801BFA}"/>
               </a:ext>
             </a:extLst>
           </p:cNvPr>
@@ -3686,8 +3762,8 @@
         </p:nvSpPr>
         <p:spPr>
           <a:xfrm>
-            <a:off x="720436" y="581902"/>
-            <a:ext cx="29011419" cy="830997"/>
+            <a:off x="1089089" y="2781102"/>
+            <a:ext cx="5429729" cy="1985159"/>
           </a:xfrm>
           <a:prstGeom prst="rect">
             <a:avLst/>
@@ -3700,30 +3776,226 @@
           </a:bodyPr>
           <a:lstStyle/>
           <a:p>
-            <a:pPr algn="ctr"/>
-            <a:r>
-              <a:rPr lang="en-GB" sz="4800" b="1" dirty="0">
+            <a:r>
+              <a:rPr lang="en-GB" sz="1600" b="1" dirty="0">
                 <a:latin typeface="Segoe UI Light" panose="020B0502040204020203" pitchFamily="34" charset="0"/>
                 <a:cs typeface="Segoe UI Light" panose="020B0502040204020203" pitchFamily="34" charset="0"/>
               </a:rPr>
-              <a:t>World Happiness </a:t>
-            </a:r>
-            <a:r>
-              <a:rPr lang="en-GB" sz="4800" dirty="0">
+              <a:t>Objective</a:t>
+            </a:r>
+          </a:p>
+          <a:p>
+            <a:endParaRPr lang="en-GB" sz="500" b="1" dirty="0">
+              <a:latin typeface="Segoe UI Light" panose="020B0502040204020203" pitchFamily="34" charset="0"/>
+              <a:cs typeface="Segoe UI Light" panose="020B0502040204020203" pitchFamily="34" charset="0"/>
+            </a:endParaRPr>
+          </a:p>
+          <a:p>
+            <a:pPr marL="285750" indent="-285750">
+              <a:buFont typeface="Arial" panose="020B0604020202020204" pitchFamily="34" charset="0"/>
+              <a:buChar char="•"/>
+            </a:pPr>
+            <a:r>
+              <a:rPr lang="en-GB" sz="1400" dirty="0">
                 <a:latin typeface="Segoe UI Light" panose="020B0502040204020203" pitchFamily="34" charset="0"/>
                 <a:cs typeface="Segoe UI Light" panose="020B0502040204020203" pitchFamily="34" charset="0"/>
               </a:rPr>
-              <a:t>– How happy was your country in 2015?</a:t>
-            </a:r>
-          </a:p>
-        </p:txBody>
-      </p:sp>
-      <p:sp>
-        <p:nvSpPr>
-          <p:cNvPr id="16" name="Rechteck: abgerundete Ecken 15">
+              <a:t>Analysis of happiness around the world</a:t>
+            </a:r>
+          </a:p>
+          <a:p>
+            <a:pPr marL="742950" lvl="1" indent="-285750">
+              <a:buFont typeface="Arial" panose="020B0604020202020204" pitchFamily="34" charset="0"/>
+              <a:buChar char="•"/>
+            </a:pPr>
+            <a:r>
+              <a:rPr lang="en-GB" sz="1400" dirty="0">
+                <a:latin typeface="Segoe UI Light" panose="020B0502040204020203" pitchFamily="34" charset="0"/>
+                <a:cs typeface="Segoe UI Light" panose="020B0502040204020203" pitchFamily="34" charset="0"/>
+              </a:rPr>
+              <a:t>Discover the factors that influence happiness</a:t>
+            </a:r>
+          </a:p>
+          <a:p>
+            <a:pPr marL="742950" lvl="1" indent="-285750">
+              <a:buFont typeface="Arial" panose="020B0604020202020204" pitchFamily="34" charset="0"/>
+              <a:buChar char="•"/>
+            </a:pPr>
+            <a:r>
+              <a:rPr lang="en-GB" sz="1400" dirty="0">
+                <a:latin typeface="Segoe UI Light" panose="020B0502040204020203" pitchFamily="34" charset="0"/>
+                <a:cs typeface="Segoe UI Light" panose="020B0502040204020203" pitchFamily="34" charset="0"/>
+              </a:rPr>
+              <a:t>Which factors lead to high, mid or low happiness</a:t>
+            </a:r>
+          </a:p>
+          <a:p>
+            <a:pPr marL="742950" lvl="1" indent="-285750">
+              <a:buFont typeface="Arial" panose="020B0604020202020204" pitchFamily="34" charset="0"/>
+              <a:buChar char="•"/>
+            </a:pPr>
+            <a:r>
+              <a:rPr lang="en-GB" sz="1400" dirty="0">
+                <a:latin typeface="Segoe UI Light" panose="020B0502040204020203" pitchFamily="34" charset="0"/>
+                <a:cs typeface="Segoe UI Light" panose="020B0502040204020203" pitchFamily="34" charset="0"/>
+              </a:rPr>
+              <a:t>Prediction of happiness</a:t>
+            </a:r>
+          </a:p>
+          <a:p>
+            <a:pPr marL="285750" indent="-285750">
+              <a:buFont typeface="Arial" panose="020B0604020202020204" pitchFamily="34" charset="0"/>
+              <a:buChar char="•"/>
+            </a:pPr>
+            <a:r>
+              <a:rPr lang="en-GB" sz="1400" dirty="0">
+                <a:latin typeface="Segoe UI Light" panose="020B0502040204020203" pitchFamily="34" charset="0"/>
+                <a:cs typeface="Segoe UI Light" panose="020B0502040204020203" pitchFamily="34" charset="0"/>
+              </a:rPr>
+              <a:t>Analysis similarity of countries</a:t>
+            </a:r>
+          </a:p>
+          <a:p>
+            <a:pPr marL="285750" indent="-285750">
+              <a:buFont typeface="Arial" panose="020B0604020202020204" pitchFamily="34" charset="0"/>
+              <a:buChar char="•"/>
+            </a:pPr>
+            <a:endParaRPr lang="en-GB" sz="1400" dirty="0">
+              <a:latin typeface="Segoe UI Light" panose="020B0502040204020203" pitchFamily="34" charset="0"/>
+              <a:cs typeface="Segoe UI Light" panose="020B0502040204020203" pitchFamily="34" charset="0"/>
+            </a:endParaRPr>
+          </a:p>
+          <a:p>
+            <a:pPr marL="285750" indent="-285750">
+              <a:buFont typeface="Arial" panose="020B0604020202020204" pitchFamily="34" charset="0"/>
+              <a:buChar char="•"/>
+            </a:pPr>
+            <a:endParaRPr lang="en-GB" dirty="0">
+              <a:latin typeface="Segoe UI Light" panose="020B0502040204020203" pitchFamily="34" charset="0"/>
+              <a:cs typeface="Segoe UI Light" panose="020B0502040204020203" pitchFamily="34" charset="0"/>
+            </a:endParaRPr>
+          </a:p>
+        </p:txBody>
+      </p:sp>
+      <p:sp>
+        <p:nvSpPr>
+          <p:cNvPr id="30" name="Textfeld 29">
             <a:extLst>
               <a:ext uri="{FF2B5EF4-FFF2-40B4-BE49-F238E27FC236}">
-                <a16:creationId xmlns:a16="http://schemas.microsoft.com/office/drawing/2014/main" id="{652A2633-20E2-4516-8EAE-564AF76EC450}"/>
+                <a16:creationId xmlns:a16="http://schemas.microsoft.com/office/drawing/2014/main" id="{3CF526E3-5C97-4D0A-82E9-6E371CE664D0}"/>
+              </a:ext>
+            </a:extLst>
+          </p:cNvPr>
+          <p:cNvSpPr txBox="1"/>
+          <p:nvPr/>
+        </p:nvSpPr>
+        <p:spPr>
+          <a:xfrm>
+            <a:off x="5953428" y="2777560"/>
+            <a:ext cx="6039905" cy="1492716"/>
+          </a:xfrm>
+          <a:prstGeom prst="rect">
+            <a:avLst/>
+          </a:prstGeom>
+          <a:noFill/>
+        </p:spPr>
+        <p:txBody>
+          <a:bodyPr wrap="square" rtlCol="0">
+            <a:spAutoFit/>
+          </a:bodyPr>
+          <a:lstStyle/>
+          <a:p>
+            <a:r>
+              <a:rPr lang="en-GB" sz="1600" b="1" dirty="0">
+                <a:latin typeface="Segoe UI Light" panose="020B0502040204020203" pitchFamily="34" charset="0"/>
+                <a:cs typeface="Segoe UI Light" panose="020B0502040204020203" pitchFamily="34" charset="0"/>
+              </a:rPr>
+              <a:t>Methodology</a:t>
+            </a:r>
+          </a:p>
+          <a:p>
+            <a:endParaRPr lang="en-GB" sz="500" b="1" dirty="0">
+              <a:latin typeface="Segoe UI Light" panose="020B0502040204020203" pitchFamily="34" charset="0"/>
+              <a:cs typeface="Segoe UI Light" panose="020B0502040204020203" pitchFamily="34" charset="0"/>
+            </a:endParaRPr>
+          </a:p>
+          <a:p>
+            <a:pPr marL="285750" lvl="0" indent="-285750" fontAlgn="ctr">
+              <a:buFont typeface="Arial" panose="020B0604020202020204" pitchFamily="34" charset="0"/>
+              <a:buChar char="•"/>
+            </a:pPr>
+            <a:r>
+              <a:rPr lang="en-GB" sz="1400" dirty="0">
+                <a:latin typeface="Segoe UI Light" panose="020B0502040204020203" pitchFamily="34" charset="0"/>
+                <a:cs typeface="Segoe UI Light" panose="020B0502040204020203" pitchFamily="34" charset="0"/>
+              </a:rPr>
+              <a:t>Data preparation</a:t>
+            </a:r>
+            <a:endParaRPr lang="en-GB" dirty="0">
+              <a:latin typeface="Segoe UI Light" panose="020B0502040204020203" pitchFamily="34" charset="0"/>
+              <a:cs typeface="Segoe UI Light" panose="020B0502040204020203" pitchFamily="34" charset="0"/>
+            </a:endParaRPr>
+          </a:p>
+          <a:p>
+            <a:pPr marL="285750" lvl="0" indent="-285750" fontAlgn="ctr">
+              <a:buFont typeface="Arial" panose="020B0604020202020204" pitchFamily="34" charset="0"/>
+              <a:buChar char="•"/>
+            </a:pPr>
+            <a:r>
+              <a:rPr lang="en-GB" sz="1400" dirty="0">
+                <a:latin typeface="Segoe UI Light" panose="020B0502040204020203" pitchFamily="34" charset="0"/>
+                <a:cs typeface="Segoe UI Light" panose="020B0502040204020203" pitchFamily="34" charset="0"/>
+              </a:rPr>
+              <a:t>Dimension Reduction (PCA, FA)</a:t>
+            </a:r>
+          </a:p>
+          <a:p>
+            <a:pPr marL="285750" lvl="0" indent="-285750" fontAlgn="ctr">
+              <a:buFont typeface="Arial" panose="020B0604020202020204" pitchFamily="34" charset="0"/>
+              <a:buChar char="•"/>
+            </a:pPr>
+            <a:r>
+              <a:rPr lang="en-GB" sz="1400" dirty="0">
+                <a:latin typeface="Segoe UI Light" panose="020B0502040204020203" pitchFamily="34" charset="0"/>
+                <a:cs typeface="Segoe UI Light" panose="020B0502040204020203" pitchFamily="34" charset="0"/>
+              </a:rPr>
+              <a:t>Clustering</a:t>
+            </a:r>
+          </a:p>
+          <a:p>
+            <a:pPr marL="285750" lvl="0" indent="-285750" fontAlgn="ctr">
+              <a:buFont typeface="Arial" panose="020B0604020202020204" pitchFamily="34" charset="0"/>
+              <a:buChar char="•"/>
+            </a:pPr>
+            <a:r>
+              <a:rPr lang="en-GB" sz="1400" dirty="0">
+                <a:latin typeface="Segoe UI Light" panose="020B0502040204020203" pitchFamily="34" charset="0"/>
+                <a:cs typeface="Segoe UI Light" panose="020B0502040204020203" pitchFamily="34" charset="0"/>
+              </a:rPr>
+              <a:t>Linear Regression</a:t>
+            </a:r>
+          </a:p>
+          <a:p>
+            <a:pPr marL="285750" lvl="0" indent="-285750" fontAlgn="ctr">
+              <a:buFont typeface="Arial" panose="020B0604020202020204" pitchFamily="34" charset="0"/>
+              <a:buChar char="•"/>
+            </a:pPr>
+            <a:r>
+              <a:rPr lang="en-GB" sz="1400" dirty="0">
+                <a:latin typeface="Segoe UI Light" panose="020B0502040204020203" pitchFamily="34" charset="0"/>
+                <a:cs typeface="Segoe UI Light" panose="020B0502040204020203" pitchFamily="34" charset="0"/>
+              </a:rPr>
+              <a:t>Recursive Feature Elimination (RFE)</a:t>
+            </a:r>
+          </a:p>
+        </p:txBody>
+      </p:sp>
+      <p:sp>
+        <p:nvSpPr>
+          <p:cNvPr id="32" name="Rechteck: abgerundete Ecken 31">
+            <a:extLst>
+              <a:ext uri="{FF2B5EF4-FFF2-40B4-BE49-F238E27FC236}">
+                <a16:creationId xmlns:a16="http://schemas.microsoft.com/office/drawing/2014/main" id="{461FBEA4-F95D-4646-B596-410B62B525DC}"/>
               </a:ext>
             </a:extLst>
           </p:cNvPr>
@@ -3732,8 +4004,8 @@
         </p:nvSpPr>
         <p:spPr>
           <a:xfrm>
-            <a:off x="1243444" y="11703190"/>
-            <a:ext cx="3733537" cy="891962"/>
+            <a:off x="23439766" y="11621839"/>
+            <a:ext cx="3672000" cy="828000"/>
           </a:xfrm>
           <a:prstGeom prst="roundRect">
             <a:avLst/>
@@ -3768,17 +4040,1234 @@
                 <a:latin typeface="Segoe UI Light" panose="020B0502040204020203" pitchFamily="34" charset="0"/>
                 <a:cs typeface="Segoe UI Light" panose="020B0502040204020203" pitchFamily="34" charset="0"/>
               </a:rPr>
-              <a:t>Cluster Analysis</a:t>
-            </a:r>
-          </a:p>
-        </p:txBody>
-      </p:sp>
-      <p:sp>
-        <p:nvSpPr>
-          <p:cNvPr id="17" name="Rechteck: abgerundete Ecken 16">
+              <a:t>Discussion</a:t>
+            </a:r>
+          </a:p>
+        </p:txBody>
+      </p:sp>
+      <p:pic>
+        <p:nvPicPr>
+          <p:cNvPr id="34" name="Grafik 33">
             <a:extLst>
               <a:ext uri="{FF2B5EF4-FFF2-40B4-BE49-F238E27FC236}">
-                <a16:creationId xmlns:a16="http://schemas.microsoft.com/office/drawing/2014/main" id="{5732E25D-F51E-45A4-8AE3-AC5E31394D08}"/>
+                <a16:creationId xmlns:a16="http://schemas.microsoft.com/office/drawing/2014/main" id="{9DA67AC0-A3DF-4F52-AE64-2A362962E258}"/>
+              </a:ext>
+            </a:extLst>
+          </p:cNvPr>
+          <p:cNvPicPr>
+            <a:picLocks noChangeAspect="1"/>
+          </p:cNvPicPr>
+          <p:nvPr/>
+        </p:nvPicPr>
+        <p:blipFill>
+          <a:blip r:embed="rId5">
+            <a:extLst>
+              <a:ext uri="{28A0092B-C50C-407E-A947-70E740481C1C}">
+                <a14:useLocalDpi xmlns:a14="http://schemas.microsoft.com/office/drawing/2010/main" val="0"/>
+              </a:ext>
+            </a:extLst>
+          </a:blip>
+          <a:stretch>
+            <a:fillRect/>
+          </a:stretch>
+        </p:blipFill>
+        <p:spPr>
+          <a:xfrm>
+            <a:off x="20752039" y="7562290"/>
+            <a:ext cx="5120274" cy="3309682"/>
+          </a:xfrm>
+          <a:prstGeom prst="rect">
+            <a:avLst/>
+          </a:prstGeom>
+        </p:spPr>
+      </p:pic>
+      <p:pic>
+        <p:nvPicPr>
+          <p:cNvPr id="36" name="Grafik 35">
+            <a:extLst>
+              <a:ext uri="{FF2B5EF4-FFF2-40B4-BE49-F238E27FC236}">
+                <a16:creationId xmlns:a16="http://schemas.microsoft.com/office/drawing/2014/main" id="{F0178204-FE16-4423-8F6D-DD211F9DB0E6}"/>
+              </a:ext>
+            </a:extLst>
+          </p:cNvPr>
+          <p:cNvPicPr>
+            <a:picLocks noChangeAspect="1"/>
+          </p:cNvPicPr>
+          <p:nvPr/>
+        </p:nvPicPr>
+        <p:blipFill>
+          <a:blip r:embed="rId6">
+            <a:extLst>
+              <a:ext uri="{28A0092B-C50C-407E-A947-70E740481C1C}">
+                <a14:useLocalDpi xmlns:a14="http://schemas.microsoft.com/office/drawing/2010/main" val="0"/>
+              </a:ext>
+            </a:extLst>
+          </a:blip>
+          <a:stretch>
+            <a:fillRect/>
+          </a:stretch>
+        </p:blipFill>
+        <p:spPr>
+          <a:xfrm>
+            <a:off x="16153561" y="7476351"/>
+            <a:ext cx="5036527" cy="3255550"/>
+          </a:xfrm>
+          <a:prstGeom prst="rect">
+            <a:avLst/>
+          </a:prstGeom>
+        </p:spPr>
+      </p:pic>
+      <p:sp>
+        <p:nvSpPr>
+          <p:cNvPr id="42" name="Textfeld 41">
+            <a:extLst>
+              <a:ext uri="{FF2B5EF4-FFF2-40B4-BE49-F238E27FC236}">
+                <a16:creationId xmlns:a16="http://schemas.microsoft.com/office/drawing/2014/main" id="{33007021-6EEF-4A33-B27A-3D5386934185}"/>
+              </a:ext>
+            </a:extLst>
+          </p:cNvPr>
+          <p:cNvSpPr txBox="1"/>
+          <p:nvPr/>
+        </p:nvSpPr>
+        <p:spPr>
+          <a:xfrm>
+            <a:off x="16190979" y="2835924"/>
+            <a:ext cx="4469599" cy="338554"/>
+          </a:xfrm>
+          <a:prstGeom prst="rect">
+            <a:avLst/>
+          </a:prstGeom>
+          <a:noFill/>
+        </p:spPr>
+        <p:txBody>
+          <a:bodyPr wrap="square" rtlCol="0">
+            <a:spAutoFit/>
+          </a:bodyPr>
+          <a:lstStyle/>
+          <a:p>
+            <a:r>
+              <a:rPr lang="en-GB" sz="1600" b="1" dirty="0">
+                <a:latin typeface="Segoe UI Light" panose="020B0502040204020203" pitchFamily="34" charset="0"/>
+                <a:cs typeface="Segoe UI Light" panose="020B0502040204020203" pitchFamily="34" charset="0"/>
+              </a:rPr>
+              <a:t>Principal Component Analysis (PCA)</a:t>
+            </a:r>
+          </a:p>
+        </p:txBody>
+      </p:sp>
+      <p:sp>
+        <p:nvSpPr>
+          <p:cNvPr id="43" name="Textfeld 42">
+            <a:extLst>
+              <a:ext uri="{FF2B5EF4-FFF2-40B4-BE49-F238E27FC236}">
+                <a16:creationId xmlns:a16="http://schemas.microsoft.com/office/drawing/2014/main" id="{2F92A97A-CFB4-4E6E-886E-1F00B8D3803F}"/>
+              </a:ext>
+            </a:extLst>
+          </p:cNvPr>
+          <p:cNvSpPr txBox="1"/>
+          <p:nvPr/>
+        </p:nvSpPr>
+        <p:spPr>
+          <a:xfrm>
+            <a:off x="23376685" y="2601563"/>
+            <a:ext cx="4469599" cy="338554"/>
+          </a:xfrm>
+          <a:prstGeom prst="rect">
+            <a:avLst/>
+          </a:prstGeom>
+          <a:noFill/>
+        </p:spPr>
+        <p:txBody>
+          <a:bodyPr wrap="square" rtlCol="0">
+            <a:spAutoFit/>
+          </a:bodyPr>
+          <a:lstStyle/>
+          <a:p>
+            <a:r>
+              <a:rPr lang="en-GB" sz="1600" b="1" dirty="0">
+                <a:latin typeface="Segoe UI Light" panose="020B0502040204020203" pitchFamily="34" charset="0"/>
+                <a:cs typeface="Segoe UI Light" panose="020B0502040204020203" pitchFamily="34" charset="0"/>
+              </a:rPr>
+              <a:t>Factor Analysis (FA)</a:t>
+            </a:r>
+          </a:p>
+        </p:txBody>
+      </p:sp>
+      <p:pic>
+        <p:nvPicPr>
+          <p:cNvPr id="47" name="Grafik 46">
+            <a:extLst>
+              <a:ext uri="{FF2B5EF4-FFF2-40B4-BE49-F238E27FC236}">
+                <a16:creationId xmlns:a16="http://schemas.microsoft.com/office/drawing/2014/main" id="{384FDCAD-779F-483A-BF56-27F659314A79}"/>
+              </a:ext>
+            </a:extLst>
+          </p:cNvPr>
+          <p:cNvPicPr>
+            <a:picLocks noChangeAspect="1"/>
+          </p:cNvPicPr>
+          <p:nvPr/>
+        </p:nvPicPr>
+        <p:blipFill>
+          <a:blip r:embed="rId7"/>
+          <a:stretch>
+            <a:fillRect/>
+          </a:stretch>
+        </p:blipFill>
+        <p:spPr>
+          <a:xfrm>
+            <a:off x="18319104" y="12882697"/>
+            <a:ext cx="3740466" cy="3740466"/>
+          </a:xfrm>
+          <a:prstGeom prst="rect">
+            <a:avLst/>
+          </a:prstGeom>
+        </p:spPr>
+      </p:pic>
+      <p:sp>
+        <p:nvSpPr>
+          <p:cNvPr id="29" name="Textfeld 28">
+            <a:extLst>
+              <a:ext uri="{FF2B5EF4-FFF2-40B4-BE49-F238E27FC236}">
+                <a16:creationId xmlns:a16="http://schemas.microsoft.com/office/drawing/2014/main" id="{E5DE889C-57E3-494A-BAFA-52E50E5B90C1}"/>
+              </a:ext>
+            </a:extLst>
+          </p:cNvPr>
+          <p:cNvSpPr txBox="1"/>
+          <p:nvPr/>
+        </p:nvSpPr>
+        <p:spPr>
+          <a:xfrm>
+            <a:off x="1084497" y="5186537"/>
+            <a:ext cx="1230938" cy="307777"/>
+          </a:xfrm>
+          <a:prstGeom prst="rect">
+            <a:avLst/>
+          </a:prstGeom>
+          <a:noFill/>
+        </p:spPr>
+        <p:txBody>
+          <a:bodyPr wrap="square" rtlCol="0">
+            <a:spAutoFit/>
+          </a:bodyPr>
+          <a:lstStyle/>
+          <a:p>
+            <a:pPr algn="ctr"/>
+            <a:r>
+              <a:rPr lang="en-GB" sz="1400" dirty="0">
+                <a:latin typeface="Segoe UI Light" panose="020B0502040204020203" pitchFamily="34" charset="0"/>
+                <a:cs typeface="Segoe UI Light" panose="020B0502040204020203" pitchFamily="34" charset="0"/>
+              </a:rPr>
+              <a:t>Quality of Life</a:t>
+            </a:r>
+          </a:p>
+        </p:txBody>
+      </p:sp>
+      <p:pic>
+        <p:nvPicPr>
+          <p:cNvPr id="8" name="Grafik 7">
+            <a:extLst>
+              <a:ext uri="{FF2B5EF4-FFF2-40B4-BE49-F238E27FC236}">
+                <a16:creationId xmlns:a16="http://schemas.microsoft.com/office/drawing/2014/main" id="{FA8DB1B3-C1FC-4D80-B7D9-DC9FB2AB892B}"/>
+              </a:ext>
+            </a:extLst>
+          </p:cNvPr>
+          <p:cNvPicPr>
+            <a:picLocks noChangeAspect="1"/>
+          </p:cNvPicPr>
+          <p:nvPr/>
+        </p:nvPicPr>
+        <p:blipFill>
+          <a:blip r:embed="rId8">
+            <a:extLst>
+              <a:ext uri="{28A0092B-C50C-407E-A947-70E740481C1C}">
+                <a14:useLocalDpi xmlns:a14="http://schemas.microsoft.com/office/drawing/2010/main" val="0"/>
+              </a:ext>
+            </a:extLst>
+          </a:blip>
+          <a:stretch>
+            <a:fillRect/>
+          </a:stretch>
+        </p:blipFill>
+        <p:spPr>
+          <a:xfrm>
+            <a:off x="1460449" y="4709554"/>
+            <a:ext cx="468000" cy="468000"/>
+          </a:xfrm>
+          <a:prstGeom prst="rect">
+            <a:avLst/>
+          </a:prstGeom>
+        </p:spPr>
+      </p:pic>
+      <p:pic>
+        <p:nvPicPr>
+          <p:cNvPr id="10" name="Grafik 9">
+            <a:extLst>
+              <a:ext uri="{FF2B5EF4-FFF2-40B4-BE49-F238E27FC236}">
+                <a16:creationId xmlns:a16="http://schemas.microsoft.com/office/drawing/2014/main" id="{58355202-26FF-4542-8C17-F15901CAFECC}"/>
+              </a:ext>
+            </a:extLst>
+          </p:cNvPr>
+          <p:cNvPicPr>
+            <a:picLocks noChangeAspect="1"/>
+          </p:cNvPicPr>
+          <p:nvPr/>
+        </p:nvPicPr>
+        <p:blipFill>
+          <a:blip r:embed="rId9">
+            <a:extLst>
+              <a:ext uri="{28A0092B-C50C-407E-A947-70E740481C1C}">
+                <a14:useLocalDpi xmlns:a14="http://schemas.microsoft.com/office/drawing/2010/main" val="0"/>
+              </a:ext>
+            </a:extLst>
+          </a:blip>
+          <a:stretch>
+            <a:fillRect/>
+          </a:stretch>
+        </p:blipFill>
+        <p:spPr>
+          <a:xfrm>
+            <a:off x="2496617" y="4709554"/>
+            <a:ext cx="468000" cy="468000"/>
+          </a:xfrm>
+          <a:prstGeom prst="rect">
+            <a:avLst/>
+          </a:prstGeom>
+        </p:spPr>
+      </p:pic>
+      <p:sp>
+        <p:nvSpPr>
+          <p:cNvPr id="37" name="Textfeld 36">
+            <a:extLst>
+              <a:ext uri="{FF2B5EF4-FFF2-40B4-BE49-F238E27FC236}">
+                <a16:creationId xmlns:a16="http://schemas.microsoft.com/office/drawing/2014/main" id="{615A6FBA-07BA-4D8C-B894-793E5D3432BE}"/>
+              </a:ext>
+            </a:extLst>
+          </p:cNvPr>
+          <p:cNvSpPr txBox="1"/>
+          <p:nvPr/>
+        </p:nvSpPr>
+        <p:spPr>
+          <a:xfrm>
+            <a:off x="2348067" y="5186537"/>
+            <a:ext cx="770302" cy="307777"/>
+          </a:xfrm>
+          <a:prstGeom prst="rect">
+            <a:avLst/>
+          </a:prstGeom>
+          <a:noFill/>
+        </p:spPr>
+        <p:txBody>
+          <a:bodyPr wrap="square" rtlCol="0">
+            <a:spAutoFit/>
+          </a:bodyPr>
+          <a:lstStyle/>
+          <a:p>
+            <a:pPr algn="ctr"/>
+            <a:r>
+              <a:rPr lang="en-GB" sz="1400" dirty="0">
+                <a:latin typeface="Segoe UI Light" panose="020B0502040204020203" pitchFamily="34" charset="0"/>
+                <a:cs typeface="Segoe UI Light" panose="020B0502040204020203" pitchFamily="34" charset="0"/>
+              </a:rPr>
+              <a:t>Health</a:t>
+            </a:r>
+          </a:p>
+        </p:txBody>
+      </p:sp>
+      <p:pic>
+        <p:nvPicPr>
+          <p:cNvPr id="18" name="Grafik 17">
+            <a:extLst>
+              <a:ext uri="{FF2B5EF4-FFF2-40B4-BE49-F238E27FC236}">
+                <a16:creationId xmlns:a16="http://schemas.microsoft.com/office/drawing/2014/main" id="{93953D04-E3B6-434B-A956-503DDDBEC0C7}"/>
+              </a:ext>
+            </a:extLst>
+          </p:cNvPr>
+          <p:cNvPicPr>
+            <a:picLocks noChangeAspect="1"/>
+          </p:cNvPicPr>
+          <p:nvPr/>
+        </p:nvPicPr>
+        <p:blipFill>
+          <a:blip r:embed="rId10">
+            <a:extLst>
+              <a:ext uri="{28A0092B-C50C-407E-A947-70E740481C1C}">
+                <a14:useLocalDpi xmlns:a14="http://schemas.microsoft.com/office/drawing/2010/main" val="0"/>
+              </a:ext>
+            </a:extLst>
+          </a:blip>
+          <a:stretch>
+            <a:fillRect/>
+          </a:stretch>
+        </p:blipFill>
+        <p:spPr>
+          <a:xfrm>
+            <a:off x="3532785" y="4709554"/>
+            <a:ext cx="468000" cy="468000"/>
+          </a:xfrm>
+          <a:prstGeom prst="rect">
+            <a:avLst/>
+          </a:prstGeom>
+        </p:spPr>
+      </p:pic>
+      <p:sp>
+        <p:nvSpPr>
+          <p:cNvPr id="39" name="Textfeld 38">
+            <a:extLst>
+              <a:ext uri="{FF2B5EF4-FFF2-40B4-BE49-F238E27FC236}">
+                <a16:creationId xmlns:a16="http://schemas.microsoft.com/office/drawing/2014/main" id="{713E46D4-7D41-4BA1-8676-96E58FAF443A}"/>
+              </a:ext>
+            </a:extLst>
+          </p:cNvPr>
+          <p:cNvSpPr txBox="1"/>
+          <p:nvPr/>
+        </p:nvSpPr>
+        <p:spPr>
+          <a:xfrm>
+            <a:off x="3208682" y="5188099"/>
+            <a:ext cx="1116205" cy="307777"/>
+          </a:xfrm>
+          <a:prstGeom prst="rect">
+            <a:avLst/>
+          </a:prstGeom>
+          <a:noFill/>
+        </p:spPr>
+        <p:txBody>
+          <a:bodyPr wrap="square" rtlCol="0">
+            <a:spAutoFit/>
+          </a:bodyPr>
+          <a:lstStyle/>
+          <a:p>
+            <a:pPr algn="ctr"/>
+            <a:r>
+              <a:rPr lang="en-GB" sz="1400" dirty="0">
+                <a:latin typeface="Segoe UI Light" panose="020B0502040204020203" pitchFamily="34" charset="0"/>
+                <a:cs typeface="Segoe UI Light" panose="020B0502040204020203" pitchFamily="34" charset="0"/>
+              </a:rPr>
+              <a:t>Population</a:t>
+            </a:r>
+          </a:p>
+        </p:txBody>
+      </p:sp>
+      <p:pic>
+        <p:nvPicPr>
+          <p:cNvPr id="23" name="Grafik 22">
+            <a:extLst>
+              <a:ext uri="{FF2B5EF4-FFF2-40B4-BE49-F238E27FC236}">
+                <a16:creationId xmlns:a16="http://schemas.microsoft.com/office/drawing/2014/main" id="{4F66B2D8-6D8F-45A5-9111-1AE2D7C0F09A}"/>
+              </a:ext>
+            </a:extLst>
+          </p:cNvPr>
+          <p:cNvPicPr>
+            <a:picLocks noChangeAspect="1"/>
+          </p:cNvPicPr>
+          <p:nvPr/>
+        </p:nvPicPr>
+        <p:blipFill>
+          <a:blip r:embed="rId11">
+            <a:extLst>
+              <a:ext uri="{28A0092B-C50C-407E-A947-70E740481C1C}">
+                <a14:useLocalDpi xmlns:a14="http://schemas.microsoft.com/office/drawing/2010/main" val="0"/>
+              </a:ext>
+            </a:extLst>
+          </a:blip>
+          <a:stretch>
+            <a:fillRect/>
+          </a:stretch>
+        </p:blipFill>
+        <p:spPr>
+          <a:xfrm>
+            <a:off x="4568953" y="4709554"/>
+            <a:ext cx="468000" cy="468000"/>
+          </a:xfrm>
+          <a:prstGeom prst="rect">
+            <a:avLst/>
+          </a:prstGeom>
+        </p:spPr>
+      </p:pic>
+      <p:sp>
+        <p:nvSpPr>
+          <p:cNvPr id="44" name="Textfeld 43">
+            <a:extLst>
+              <a:ext uri="{FF2B5EF4-FFF2-40B4-BE49-F238E27FC236}">
+                <a16:creationId xmlns:a16="http://schemas.microsoft.com/office/drawing/2014/main" id="{0F35411B-4874-416F-A88C-0282D00FEA12}"/>
+              </a:ext>
+            </a:extLst>
+          </p:cNvPr>
+          <p:cNvSpPr txBox="1"/>
+          <p:nvPr/>
+        </p:nvSpPr>
+        <p:spPr>
+          <a:xfrm>
+            <a:off x="4187484" y="5195466"/>
+            <a:ext cx="1230938" cy="307777"/>
+          </a:xfrm>
+          <a:prstGeom prst="rect">
+            <a:avLst/>
+          </a:prstGeom>
+          <a:noFill/>
+        </p:spPr>
+        <p:txBody>
+          <a:bodyPr wrap="square" rtlCol="0">
+            <a:spAutoFit/>
+          </a:bodyPr>
+          <a:lstStyle/>
+          <a:p>
+            <a:pPr algn="ctr"/>
+            <a:r>
+              <a:rPr lang="en-GB" sz="1400" dirty="0">
+                <a:latin typeface="Segoe UI Light" panose="020B0502040204020203" pitchFamily="34" charset="0"/>
+                <a:cs typeface="Segoe UI Light" panose="020B0502040204020203" pitchFamily="34" charset="0"/>
+              </a:rPr>
+              <a:t>Infrastructure</a:t>
+            </a:r>
+          </a:p>
+        </p:txBody>
+      </p:sp>
+      <p:pic>
+        <p:nvPicPr>
+          <p:cNvPr id="27" name="Grafik 26">
+            <a:extLst>
+              <a:ext uri="{FF2B5EF4-FFF2-40B4-BE49-F238E27FC236}">
+                <a16:creationId xmlns:a16="http://schemas.microsoft.com/office/drawing/2014/main" id="{17565774-F0C1-42F6-808B-211A39D3B916}"/>
+              </a:ext>
+            </a:extLst>
+          </p:cNvPr>
+          <p:cNvPicPr>
+            <a:picLocks noChangeAspect="1"/>
+          </p:cNvPicPr>
+          <p:nvPr/>
+        </p:nvPicPr>
+        <p:blipFill>
+          <a:blip r:embed="rId12">
+            <a:extLst>
+              <a:ext uri="{28A0092B-C50C-407E-A947-70E740481C1C}">
+                <a14:useLocalDpi xmlns:a14="http://schemas.microsoft.com/office/drawing/2010/main" val="0"/>
+              </a:ext>
+            </a:extLst>
+          </a:blip>
+          <a:stretch>
+            <a:fillRect/>
+          </a:stretch>
+        </p:blipFill>
+        <p:spPr>
+          <a:xfrm>
+            <a:off x="1471894" y="5598484"/>
+            <a:ext cx="468000" cy="468000"/>
+          </a:xfrm>
+          <a:prstGeom prst="rect">
+            <a:avLst/>
+          </a:prstGeom>
+        </p:spPr>
+      </p:pic>
+      <p:sp>
+        <p:nvSpPr>
+          <p:cNvPr id="46" name="Textfeld 45">
+            <a:extLst>
+              <a:ext uri="{FF2B5EF4-FFF2-40B4-BE49-F238E27FC236}">
+                <a16:creationId xmlns:a16="http://schemas.microsoft.com/office/drawing/2014/main" id="{9A2366D0-7D3B-4A3D-B0F1-055C0120D3B4}"/>
+              </a:ext>
+            </a:extLst>
+          </p:cNvPr>
+          <p:cNvSpPr txBox="1"/>
+          <p:nvPr/>
+        </p:nvSpPr>
+        <p:spPr>
+          <a:xfrm>
+            <a:off x="1090124" y="6037218"/>
+            <a:ext cx="1230938" cy="307777"/>
+          </a:xfrm>
+          <a:prstGeom prst="rect">
+            <a:avLst/>
+          </a:prstGeom>
+          <a:noFill/>
+        </p:spPr>
+        <p:txBody>
+          <a:bodyPr wrap="square" rtlCol="0">
+            <a:spAutoFit/>
+          </a:bodyPr>
+          <a:lstStyle/>
+          <a:p>
+            <a:pPr algn="ctr"/>
+            <a:r>
+              <a:rPr lang="en-GB" sz="1400" dirty="0">
+                <a:latin typeface="Segoe UI Light" panose="020B0502040204020203" pitchFamily="34" charset="0"/>
+                <a:cs typeface="Segoe UI Light" panose="020B0502040204020203" pitchFamily="34" charset="0"/>
+              </a:rPr>
+              <a:t>Environment</a:t>
+            </a:r>
+          </a:p>
+        </p:txBody>
+      </p:sp>
+      <p:pic>
+        <p:nvPicPr>
+          <p:cNvPr id="35" name="Grafik 34">
+            <a:extLst>
+              <a:ext uri="{FF2B5EF4-FFF2-40B4-BE49-F238E27FC236}">
+                <a16:creationId xmlns:a16="http://schemas.microsoft.com/office/drawing/2014/main" id="{2AB523F6-55C0-44FC-92F7-73EF1B4DAA73}"/>
+              </a:ext>
+            </a:extLst>
+          </p:cNvPr>
+          <p:cNvPicPr>
+            <a:picLocks noChangeAspect="1"/>
+          </p:cNvPicPr>
+          <p:nvPr/>
+        </p:nvPicPr>
+        <p:blipFill>
+          <a:blip r:embed="rId13">
+            <a:extLst>
+              <a:ext uri="{28A0092B-C50C-407E-A947-70E740481C1C}">
+                <a14:useLocalDpi xmlns:a14="http://schemas.microsoft.com/office/drawing/2010/main" val="0"/>
+              </a:ext>
+            </a:extLst>
+          </a:blip>
+          <a:stretch>
+            <a:fillRect/>
+          </a:stretch>
+        </p:blipFill>
+        <p:spPr>
+          <a:xfrm>
+            <a:off x="2478153" y="5598484"/>
+            <a:ext cx="468000" cy="468000"/>
+          </a:xfrm>
+          <a:prstGeom prst="rect">
+            <a:avLst/>
+          </a:prstGeom>
+        </p:spPr>
+      </p:pic>
+      <p:sp>
+        <p:nvSpPr>
+          <p:cNvPr id="48" name="Textfeld 47">
+            <a:extLst>
+              <a:ext uri="{FF2B5EF4-FFF2-40B4-BE49-F238E27FC236}">
+                <a16:creationId xmlns:a16="http://schemas.microsoft.com/office/drawing/2014/main" id="{6C14096D-006D-40E2-A259-384BBBEFC748}"/>
+              </a:ext>
+            </a:extLst>
+          </p:cNvPr>
+          <p:cNvSpPr txBox="1"/>
+          <p:nvPr/>
+        </p:nvSpPr>
+        <p:spPr>
+          <a:xfrm>
+            <a:off x="2225547" y="6030684"/>
+            <a:ext cx="973212" cy="307777"/>
+          </a:xfrm>
+          <a:prstGeom prst="rect">
+            <a:avLst/>
+          </a:prstGeom>
+          <a:noFill/>
+        </p:spPr>
+        <p:txBody>
+          <a:bodyPr wrap="square" rtlCol="0">
+            <a:spAutoFit/>
+          </a:bodyPr>
+          <a:lstStyle/>
+          <a:p>
+            <a:pPr algn="ctr"/>
+            <a:r>
+              <a:rPr lang="en-GB" sz="1400" dirty="0">
+                <a:latin typeface="Segoe UI Light" panose="020B0502040204020203" pitchFamily="34" charset="0"/>
+                <a:cs typeface="Segoe UI Light" panose="020B0502040204020203" pitchFamily="34" charset="0"/>
+              </a:rPr>
+              <a:t>Education</a:t>
+            </a:r>
+          </a:p>
+        </p:txBody>
+      </p:sp>
+      <p:pic>
+        <p:nvPicPr>
+          <p:cNvPr id="50" name="Grafik 49">
+            <a:extLst>
+              <a:ext uri="{FF2B5EF4-FFF2-40B4-BE49-F238E27FC236}">
+                <a16:creationId xmlns:a16="http://schemas.microsoft.com/office/drawing/2014/main" id="{23D114B9-EC65-4094-B439-75EFDD11F9A9}"/>
+              </a:ext>
+            </a:extLst>
+          </p:cNvPr>
+          <p:cNvPicPr>
+            <a:picLocks noChangeAspect="1"/>
+          </p:cNvPicPr>
+          <p:nvPr/>
+        </p:nvPicPr>
+        <p:blipFill>
+          <a:blip r:embed="rId14">
+            <a:extLst>
+              <a:ext uri="{28A0092B-C50C-407E-A947-70E740481C1C}">
+                <a14:useLocalDpi xmlns:a14="http://schemas.microsoft.com/office/drawing/2010/main" val="0"/>
+              </a:ext>
+            </a:extLst>
+          </a:blip>
+          <a:stretch>
+            <a:fillRect/>
+          </a:stretch>
+        </p:blipFill>
+        <p:spPr>
+          <a:xfrm>
+            <a:off x="3522512" y="5598484"/>
+            <a:ext cx="468000" cy="468000"/>
+          </a:xfrm>
+          <a:prstGeom prst="rect">
+            <a:avLst/>
+          </a:prstGeom>
+        </p:spPr>
+      </p:pic>
+      <p:sp>
+        <p:nvSpPr>
+          <p:cNvPr id="51" name="Textfeld 50">
+            <a:extLst>
+              <a:ext uri="{FF2B5EF4-FFF2-40B4-BE49-F238E27FC236}">
+                <a16:creationId xmlns:a16="http://schemas.microsoft.com/office/drawing/2014/main" id="{56668B34-3AA5-4AC1-B6D0-9B49068216B6}"/>
+              </a:ext>
+            </a:extLst>
+          </p:cNvPr>
+          <p:cNvSpPr txBox="1"/>
+          <p:nvPr/>
+        </p:nvSpPr>
+        <p:spPr>
+          <a:xfrm>
+            <a:off x="3228538" y="6033339"/>
+            <a:ext cx="1047500" cy="307777"/>
+          </a:xfrm>
+          <a:prstGeom prst="rect">
+            <a:avLst/>
+          </a:prstGeom>
+          <a:noFill/>
+        </p:spPr>
+        <p:txBody>
+          <a:bodyPr wrap="square" rtlCol="0">
+            <a:spAutoFit/>
+          </a:bodyPr>
+          <a:lstStyle/>
+          <a:p>
+            <a:pPr algn="ctr"/>
+            <a:r>
+              <a:rPr lang="en-GB" sz="1400" dirty="0">
+                <a:latin typeface="Segoe UI Light" panose="020B0502040204020203" pitchFamily="34" charset="0"/>
+                <a:cs typeface="Segoe UI Light" panose="020B0502040204020203" pitchFamily="34" charset="0"/>
+              </a:rPr>
+              <a:t>Economy</a:t>
+            </a:r>
+          </a:p>
+        </p:txBody>
+      </p:sp>
+      <p:pic>
+        <p:nvPicPr>
+          <p:cNvPr id="53" name="Grafik 52">
+            <a:extLst>
+              <a:ext uri="{FF2B5EF4-FFF2-40B4-BE49-F238E27FC236}">
+                <a16:creationId xmlns:a16="http://schemas.microsoft.com/office/drawing/2014/main" id="{F4A92F58-5F70-4B6C-9BB7-82E8818B7E85}"/>
+              </a:ext>
+            </a:extLst>
+          </p:cNvPr>
+          <p:cNvPicPr>
+            <a:picLocks noChangeAspect="1"/>
+          </p:cNvPicPr>
+          <p:nvPr/>
+        </p:nvPicPr>
+        <p:blipFill>
+          <a:blip r:embed="rId15">
+            <a:extLst>
+              <a:ext uri="{28A0092B-C50C-407E-A947-70E740481C1C}">
+                <a14:useLocalDpi xmlns:a14="http://schemas.microsoft.com/office/drawing/2010/main" val="0"/>
+              </a:ext>
+            </a:extLst>
+          </a:blip>
+          <a:stretch>
+            <a:fillRect/>
+          </a:stretch>
+        </p:blipFill>
+        <p:spPr>
+          <a:xfrm>
+            <a:off x="4566871" y="5598484"/>
+            <a:ext cx="468000" cy="468000"/>
+          </a:xfrm>
+          <a:prstGeom prst="rect">
+            <a:avLst/>
+          </a:prstGeom>
+        </p:spPr>
+      </p:pic>
+      <p:sp>
+        <p:nvSpPr>
+          <p:cNvPr id="54" name="Textfeld 53">
+            <a:extLst>
+              <a:ext uri="{FF2B5EF4-FFF2-40B4-BE49-F238E27FC236}">
+                <a16:creationId xmlns:a16="http://schemas.microsoft.com/office/drawing/2014/main" id="{11181380-77BB-4FDF-AB5D-6ED36AFEE862}"/>
+              </a:ext>
+            </a:extLst>
+          </p:cNvPr>
+          <p:cNvSpPr txBox="1"/>
+          <p:nvPr/>
+        </p:nvSpPr>
+        <p:spPr>
+          <a:xfrm>
+            <a:off x="4317748" y="6041187"/>
+            <a:ext cx="965368" cy="307777"/>
+          </a:xfrm>
+          <a:prstGeom prst="rect">
+            <a:avLst/>
+          </a:prstGeom>
+          <a:noFill/>
+        </p:spPr>
+        <p:txBody>
+          <a:bodyPr wrap="square" rtlCol="0">
+            <a:spAutoFit/>
+          </a:bodyPr>
+          <a:lstStyle/>
+          <a:p>
+            <a:pPr algn="ctr"/>
+            <a:r>
+              <a:rPr lang="en-GB" sz="1400" dirty="0">
+                <a:latin typeface="Segoe UI Light" panose="020B0502040204020203" pitchFamily="34" charset="0"/>
+                <a:cs typeface="Segoe UI Light" panose="020B0502040204020203" pitchFamily="34" charset="0"/>
+              </a:rPr>
+              <a:t>Politics</a:t>
+            </a:r>
+          </a:p>
+        </p:txBody>
+      </p:sp>
+      <p:sp>
+        <p:nvSpPr>
+          <p:cNvPr id="55" name="Textfeld 54">
+            <a:extLst>
+              <a:ext uri="{FF2B5EF4-FFF2-40B4-BE49-F238E27FC236}">
+                <a16:creationId xmlns:a16="http://schemas.microsoft.com/office/drawing/2014/main" id="{FD7864BE-EC92-4B34-981D-BDD811868612}"/>
+              </a:ext>
+            </a:extLst>
+          </p:cNvPr>
+          <p:cNvSpPr txBox="1"/>
+          <p:nvPr/>
+        </p:nvSpPr>
+        <p:spPr>
+          <a:xfrm>
+            <a:off x="1089090" y="4319717"/>
+            <a:ext cx="1170101" cy="338554"/>
+          </a:xfrm>
+          <a:prstGeom prst="rect">
+            <a:avLst/>
+          </a:prstGeom>
+          <a:noFill/>
+        </p:spPr>
+        <p:txBody>
+          <a:bodyPr wrap="square" rtlCol="0">
+            <a:spAutoFit/>
+          </a:bodyPr>
+          <a:lstStyle/>
+          <a:p>
+            <a:r>
+              <a:rPr lang="en-GB" sz="1600" b="1" dirty="0">
+                <a:latin typeface="Segoe UI Light" panose="020B0502040204020203" pitchFamily="34" charset="0"/>
+                <a:cs typeface="Segoe UI Light" panose="020B0502040204020203" pitchFamily="34" charset="0"/>
+              </a:rPr>
+              <a:t>Variables</a:t>
+            </a:r>
+            <a:endParaRPr lang="en-GB" b="1" dirty="0">
+              <a:latin typeface="Segoe UI Light" panose="020B0502040204020203" pitchFamily="34" charset="0"/>
+              <a:cs typeface="Segoe UI Light" panose="020B0502040204020203" pitchFamily="34" charset="0"/>
+            </a:endParaRPr>
+          </a:p>
+        </p:txBody>
+      </p:sp>
+      <p:sp>
+        <p:nvSpPr>
+          <p:cNvPr id="66" name="Textfeld 65">
+            <a:extLst>
+              <a:ext uri="{FF2B5EF4-FFF2-40B4-BE49-F238E27FC236}">
+                <a16:creationId xmlns:a16="http://schemas.microsoft.com/office/drawing/2014/main" id="{74A0C1E6-4CEF-4939-B100-C6B355EF2D59}"/>
+              </a:ext>
+            </a:extLst>
+          </p:cNvPr>
+          <p:cNvSpPr txBox="1"/>
+          <p:nvPr/>
+        </p:nvSpPr>
+        <p:spPr>
+          <a:xfrm>
+            <a:off x="1066527" y="6485554"/>
+            <a:ext cx="2340635" cy="338554"/>
+          </a:xfrm>
+          <a:prstGeom prst="rect">
+            <a:avLst/>
+          </a:prstGeom>
+          <a:noFill/>
+        </p:spPr>
+        <p:txBody>
+          <a:bodyPr wrap="square" rtlCol="0">
+            <a:spAutoFit/>
+          </a:bodyPr>
+          <a:lstStyle/>
+          <a:p>
+            <a:r>
+              <a:rPr lang="en-GB" sz="1600" b="1" dirty="0">
+                <a:latin typeface="Segoe UI Light" panose="020B0502040204020203" pitchFamily="34" charset="0"/>
+                <a:cs typeface="Segoe UI Light" panose="020B0502040204020203" pitchFamily="34" charset="0"/>
+              </a:rPr>
+              <a:t>Data Pre-processing</a:t>
+            </a:r>
+          </a:p>
+        </p:txBody>
+      </p:sp>
+      <p:sp>
+        <p:nvSpPr>
+          <p:cNvPr id="70" name="Textfeld 69">
+            <a:extLst>
+              <a:ext uri="{FF2B5EF4-FFF2-40B4-BE49-F238E27FC236}">
+                <a16:creationId xmlns:a16="http://schemas.microsoft.com/office/drawing/2014/main" id="{C09A3853-3912-444D-89AD-A9B50E597ED4}"/>
+              </a:ext>
+            </a:extLst>
+          </p:cNvPr>
+          <p:cNvSpPr txBox="1"/>
+          <p:nvPr/>
+        </p:nvSpPr>
+        <p:spPr>
+          <a:xfrm>
+            <a:off x="5984421" y="4319717"/>
+            <a:ext cx="2188927" cy="2554545"/>
+          </a:xfrm>
+          <a:prstGeom prst="rect">
+            <a:avLst/>
+          </a:prstGeom>
+          <a:noFill/>
+        </p:spPr>
+        <p:txBody>
+          <a:bodyPr wrap="square" rtlCol="0">
+            <a:spAutoFit/>
+          </a:bodyPr>
+          <a:lstStyle/>
+          <a:p>
+            <a:r>
+              <a:rPr lang="en-GB" sz="1600" b="1" dirty="0">
+                <a:latin typeface="Segoe UI Light" panose="020B0502040204020203" pitchFamily="34" charset="0"/>
+                <a:cs typeface="Segoe UI Light" panose="020B0502040204020203" pitchFamily="34" charset="0"/>
+              </a:rPr>
+              <a:t>World Happiness Rank</a:t>
+            </a:r>
+          </a:p>
+          <a:p>
+            <a:endParaRPr lang="en-GB" sz="1000" b="1" dirty="0">
+              <a:latin typeface="Segoe UI Light" panose="020B0502040204020203" pitchFamily="34" charset="0"/>
+              <a:cs typeface="Segoe UI Light" panose="020B0502040204020203" pitchFamily="34" charset="0"/>
+            </a:endParaRPr>
+          </a:p>
+          <a:p>
+            <a:r>
+              <a:rPr lang="en-GB" sz="1400" dirty="0">
+                <a:latin typeface="Segoe UI Light" panose="020B0502040204020203" pitchFamily="34" charset="0"/>
+                <a:cs typeface="Segoe UI Light" panose="020B0502040204020203" pitchFamily="34" charset="0"/>
+              </a:rPr>
+              <a:t>      Switzerland</a:t>
+            </a:r>
+          </a:p>
+          <a:p>
+            <a:r>
+              <a:rPr lang="en-GB" sz="1400" dirty="0">
+                <a:latin typeface="Segoe UI Light" panose="020B0502040204020203" pitchFamily="34" charset="0"/>
+                <a:cs typeface="Segoe UI Light" panose="020B0502040204020203" pitchFamily="34" charset="0"/>
+              </a:rPr>
+              <a:t>      Iceland</a:t>
+            </a:r>
+          </a:p>
+          <a:p>
+            <a:r>
+              <a:rPr lang="en-GB" sz="1400" dirty="0">
+                <a:latin typeface="Segoe UI Light" panose="020B0502040204020203" pitchFamily="34" charset="0"/>
+                <a:cs typeface="Segoe UI Light" panose="020B0502040204020203" pitchFamily="34" charset="0"/>
+              </a:rPr>
+              <a:t>      Denmark</a:t>
+            </a:r>
+          </a:p>
+          <a:p>
+            <a:r>
+              <a:rPr lang="en-GB" sz="1400" dirty="0">
+                <a:latin typeface="Segoe UI Light" panose="020B0502040204020203" pitchFamily="34" charset="0"/>
+                <a:cs typeface="Segoe UI Light" panose="020B0502040204020203" pitchFamily="34" charset="0"/>
+              </a:rPr>
+              <a:t>      …</a:t>
+            </a:r>
+          </a:p>
+          <a:p>
+            <a:r>
+              <a:rPr lang="en-GB" sz="1400" dirty="0">
+                <a:latin typeface="Segoe UI Light" panose="020B0502040204020203" pitchFamily="34" charset="0"/>
+                <a:cs typeface="Segoe UI Light" panose="020B0502040204020203" pitchFamily="34" charset="0"/>
+              </a:rPr>
+              <a:t>      Benin</a:t>
+            </a:r>
+          </a:p>
+          <a:p>
+            <a:r>
+              <a:rPr lang="en-GB" sz="1400" dirty="0">
+                <a:latin typeface="Segoe UI Light" panose="020B0502040204020203" pitchFamily="34" charset="0"/>
+                <a:cs typeface="Segoe UI Light" panose="020B0502040204020203" pitchFamily="34" charset="0"/>
+              </a:rPr>
+              <a:t>      Syria</a:t>
+            </a:r>
+          </a:p>
+          <a:p>
+            <a:r>
+              <a:rPr lang="en-GB" sz="1400" dirty="0">
+                <a:latin typeface="Segoe UI Light" panose="020B0502040204020203" pitchFamily="34" charset="0"/>
+                <a:cs typeface="Segoe UI Light" panose="020B0502040204020203" pitchFamily="34" charset="0"/>
+              </a:rPr>
+              <a:t>      Togo</a:t>
+            </a:r>
+          </a:p>
+          <a:p>
+            <a:endParaRPr lang="en-GB" dirty="0">
+              <a:latin typeface="Segoe UI Light" panose="020B0502040204020203" pitchFamily="34" charset="0"/>
+              <a:cs typeface="Segoe UI Light" panose="020B0502040204020203" pitchFamily="34" charset="0"/>
+            </a:endParaRPr>
+          </a:p>
+          <a:p>
+            <a:endParaRPr lang="en-GB" b="1" dirty="0">
+              <a:latin typeface="Segoe UI Light" panose="020B0502040204020203" pitchFamily="34" charset="0"/>
+              <a:cs typeface="Segoe UI Light" panose="020B0502040204020203" pitchFamily="34" charset="0"/>
+            </a:endParaRPr>
+          </a:p>
+        </p:txBody>
+      </p:sp>
+      <p:sp>
+        <p:nvSpPr>
+          <p:cNvPr id="71" name="Textfeld 70">
+            <a:extLst>
+              <a:ext uri="{FF2B5EF4-FFF2-40B4-BE49-F238E27FC236}">
+                <a16:creationId xmlns:a16="http://schemas.microsoft.com/office/drawing/2014/main" id="{85096C5C-A0D7-4B11-9DB7-9B2C9650AB29}"/>
+              </a:ext>
+            </a:extLst>
+          </p:cNvPr>
+          <p:cNvSpPr txBox="1"/>
+          <p:nvPr/>
+        </p:nvSpPr>
+        <p:spPr>
+          <a:xfrm>
+            <a:off x="7363156" y="4709637"/>
+            <a:ext cx="7541967" cy="1384995"/>
+          </a:xfrm>
+          <a:prstGeom prst="rect">
+            <a:avLst/>
+          </a:prstGeom>
+          <a:noFill/>
+        </p:spPr>
+        <p:txBody>
+          <a:bodyPr wrap="square" rtlCol="0">
+            <a:spAutoFit/>
+          </a:bodyPr>
+          <a:lstStyle/>
+          <a:p>
+            <a:pPr algn="just"/>
+            <a:r>
+              <a:rPr lang="en-GB" sz="1400" dirty="0">
+                <a:latin typeface="Segoe UI Light" panose="020B0502040204020203" pitchFamily="34" charset="0"/>
+                <a:cs typeface="Segoe UI Light" panose="020B0502040204020203" pitchFamily="34" charset="0"/>
+              </a:rPr>
+              <a:t>The worlds happiest countries are Switzerland, Iceland and Denmark. The variables that are the most contributing to this result is high quality of Family Life, Health Life Expectancy and Freedom. The least happy countries are Benin, Syria and Togo. The variables indicating their happiness are Economy, Family and Automotive Mortality. </a:t>
+            </a:r>
+          </a:p>
+          <a:p>
+            <a:pPr algn="just"/>
+            <a:r>
+              <a:rPr lang="en-GB" sz="1400" dirty="0">
+                <a:latin typeface="Segoe UI Light" panose="020B0502040204020203" pitchFamily="34" charset="0"/>
+                <a:cs typeface="Segoe UI Light" panose="020B0502040204020203" pitchFamily="34" charset="0"/>
+              </a:rPr>
+              <a:t>In general the people living in the countries of Western Europe and America tend to be happier than the people living in Afrika and Asia.</a:t>
+            </a:r>
+            <a:endParaRPr lang="en-GB" b="1" dirty="0">
+              <a:latin typeface="Segoe UI Light" panose="020B0502040204020203" pitchFamily="34" charset="0"/>
+              <a:cs typeface="Segoe UI Light" panose="020B0502040204020203" pitchFamily="34" charset="0"/>
+            </a:endParaRPr>
+          </a:p>
+        </p:txBody>
+      </p:sp>
+      <p:pic>
+        <p:nvPicPr>
+          <p:cNvPr id="74" name="Grafik 73">
+            <a:extLst>
+              <a:ext uri="{FF2B5EF4-FFF2-40B4-BE49-F238E27FC236}">
+                <a16:creationId xmlns:a16="http://schemas.microsoft.com/office/drawing/2014/main" id="{2C75AF1F-5CEB-4A39-859B-B770DC653AC9}"/>
+              </a:ext>
+            </a:extLst>
+          </p:cNvPr>
+          <p:cNvPicPr>
+            <a:picLocks noChangeAspect="1"/>
+          </p:cNvPicPr>
+          <p:nvPr/>
+        </p:nvPicPr>
+        <p:blipFill>
+          <a:blip r:embed="rId16">
+            <a:extLst>
+              <a:ext uri="{28A0092B-C50C-407E-A947-70E740481C1C}">
+                <a14:useLocalDpi xmlns:a14="http://schemas.microsoft.com/office/drawing/2010/main" val="0"/>
+              </a:ext>
+            </a:extLst>
+          </a:blip>
+          <a:stretch>
+            <a:fillRect/>
+          </a:stretch>
+        </p:blipFill>
+        <p:spPr>
+          <a:xfrm>
+            <a:off x="6118413" y="4778826"/>
+            <a:ext cx="162000" cy="162000"/>
+          </a:xfrm>
+          <a:prstGeom prst="rect">
+            <a:avLst/>
+          </a:prstGeom>
+        </p:spPr>
+      </p:pic>
+      <p:pic>
+        <p:nvPicPr>
+          <p:cNvPr id="77" name="Grafik 76">
+            <a:extLst>
+              <a:ext uri="{FF2B5EF4-FFF2-40B4-BE49-F238E27FC236}">
+                <a16:creationId xmlns:a16="http://schemas.microsoft.com/office/drawing/2014/main" id="{712A983A-EA50-4904-9A6C-F5AB858A94F4}"/>
+              </a:ext>
+            </a:extLst>
+          </p:cNvPr>
+          <p:cNvPicPr>
+            <a:picLocks noChangeAspect="1"/>
+          </p:cNvPicPr>
+          <p:nvPr/>
+        </p:nvPicPr>
+        <p:blipFill>
+          <a:blip r:embed="rId17">
+            <a:extLst>
+              <a:ext uri="{28A0092B-C50C-407E-A947-70E740481C1C}">
+                <a14:useLocalDpi xmlns:a14="http://schemas.microsoft.com/office/drawing/2010/main" val="0"/>
+              </a:ext>
+            </a:extLst>
+          </a:blip>
+          <a:stretch>
+            <a:fillRect/>
+          </a:stretch>
+        </p:blipFill>
+        <p:spPr>
+          <a:xfrm>
+            <a:off x="6118413" y="5002319"/>
+            <a:ext cx="162000" cy="162000"/>
+          </a:xfrm>
+          <a:prstGeom prst="rect">
+            <a:avLst/>
+          </a:prstGeom>
+        </p:spPr>
+      </p:pic>
+      <p:pic>
+        <p:nvPicPr>
+          <p:cNvPr id="80" name="Grafik 79">
+            <a:extLst>
+              <a:ext uri="{FF2B5EF4-FFF2-40B4-BE49-F238E27FC236}">
+                <a16:creationId xmlns:a16="http://schemas.microsoft.com/office/drawing/2014/main" id="{A401FFFC-38C8-42FA-96D7-BDFCC1007BA9}"/>
+              </a:ext>
+            </a:extLst>
+          </p:cNvPr>
+          <p:cNvPicPr>
+            <a:picLocks noChangeAspect="1"/>
+          </p:cNvPicPr>
+          <p:nvPr/>
+        </p:nvPicPr>
+        <p:blipFill>
+          <a:blip r:embed="rId18">
+            <a:extLst>
+              <a:ext uri="{28A0092B-C50C-407E-A947-70E740481C1C}">
+                <a14:useLocalDpi xmlns:a14="http://schemas.microsoft.com/office/drawing/2010/main" val="0"/>
+              </a:ext>
+            </a:extLst>
+          </a:blip>
+          <a:stretch>
+            <a:fillRect/>
+          </a:stretch>
+        </p:blipFill>
+        <p:spPr>
+          <a:xfrm>
+            <a:off x="6112500" y="5220395"/>
+            <a:ext cx="162000" cy="162000"/>
+          </a:xfrm>
+          <a:prstGeom prst="rect">
+            <a:avLst/>
+          </a:prstGeom>
+        </p:spPr>
+      </p:pic>
+      <p:pic>
+        <p:nvPicPr>
+          <p:cNvPr id="83" name="Grafik 82">
+            <a:extLst>
+              <a:ext uri="{FF2B5EF4-FFF2-40B4-BE49-F238E27FC236}">
+                <a16:creationId xmlns:a16="http://schemas.microsoft.com/office/drawing/2014/main" id="{C16A84EF-0560-407B-9026-DBD1E542C061}"/>
+              </a:ext>
+            </a:extLst>
+          </p:cNvPr>
+          <p:cNvPicPr>
+            <a:picLocks noChangeAspect="1"/>
+          </p:cNvPicPr>
+          <p:nvPr/>
+        </p:nvPicPr>
+        <p:blipFill>
+          <a:blip r:embed="rId19">
+            <a:extLst>
+              <a:ext uri="{28A0092B-C50C-407E-A947-70E740481C1C}">
+                <a14:useLocalDpi xmlns:a14="http://schemas.microsoft.com/office/drawing/2010/main" val="0"/>
+              </a:ext>
+            </a:extLst>
+          </a:blip>
+          <a:stretch>
+            <a:fillRect/>
+          </a:stretch>
+        </p:blipFill>
+        <p:spPr>
+          <a:xfrm>
+            <a:off x="6110548" y="6083974"/>
+            <a:ext cx="162000" cy="162000"/>
+          </a:xfrm>
+          <a:prstGeom prst="rect">
+            <a:avLst/>
+          </a:prstGeom>
+        </p:spPr>
+      </p:pic>
+      <p:sp>
+        <p:nvSpPr>
+          <p:cNvPr id="86" name="Textfeld 85">
+            <a:extLst>
+              <a:ext uri="{FF2B5EF4-FFF2-40B4-BE49-F238E27FC236}">
+                <a16:creationId xmlns:a16="http://schemas.microsoft.com/office/drawing/2014/main" id="{2D4AD2A7-E80C-4845-8110-77925FB7C684}"/>
+              </a:ext>
+            </a:extLst>
+          </p:cNvPr>
+          <p:cNvSpPr txBox="1"/>
+          <p:nvPr/>
+        </p:nvSpPr>
+        <p:spPr>
+          <a:xfrm>
+            <a:off x="23494390" y="5930897"/>
+            <a:ext cx="5385021" cy="954107"/>
+          </a:xfrm>
+          <a:prstGeom prst="rect">
+            <a:avLst/>
+          </a:prstGeom>
+          <a:noFill/>
+        </p:spPr>
+        <p:txBody>
+          <a:bodyPr wrap="square" rtlCol="0">
+            <a:spAutoFit/>
+          </a:bodyPr>
+          <a:lstStyle/>
+          <a:p>
+            <a:pPr algn="just"/>
+            <a:r>
+              <a:rPr lang="en-GB" sz="1400" dirty="0">
+                <a:latin typeface="Segoe UI Light" panose="020B0502040204020203" pitchFamily="34" charset="0"/>
+                <a:cs typeface="Segoe UI Light" panose="020B0502040204020203" pitchFamily="34" charset="0"/>
+              </a:rPr>
+              <a:t>The results of FA show how the assignment of the variables to the dimensions changed. After rotating the PC’s, the second and the third dimensions explains more variance. Furthermore, the Loadings are more clear in terms of interpretation.</a:t>
+            </a:r>
+            <a:endParaRPr lang="en-GB" b="1" dirty="0">
+              <a:latin typeface="Segoe UI Light" panose="020B0502040204020203" pitchFamily="34" charset="0"/>
+              <a:cs typeface="Segoe UI Light" panose="020B0502040204020203" pitchFamily="34" charset="0"/>
+            </a:endParaRPr>
+          </a:p>
+        </p:txBody>
+      </p:sp>
+      <p:sp>
+        <p:nvSpPr>
+          <p:cNvPr id="2" name="Rechteck: abgerundete Ecken 1">
+            <a:extLst>
+              <a:ext uri="{FF2B5EF4-FFF2-40B4-BE49-F238E27FC236}">
+                <a16:creationId xmlns:a16="http://schemas.microsoft.com/office/drawing/2014/main" id="{9EB4E38C-BB81-4B83-AA86-1A37E719DCA0}"/>
               </a:ext>
             </a:extLst>
           </p:cNvPr>
@@ -3787,15 +5276,13 @@
         </p:nvSpPr>
         <p:spPr>
           <a:xfrm>
-            <a:off x="10317282" y="11612806"/>
-            <a:ext cx="3510267" cy="904309"/>
+            <a:off x="720436" y="1949326"/>
+            <a:ext cx="14417170" cy="9217437"/>
           </a:xfrm>
           <a:prstGeom prst="roundRect">
             <a:avLst/>
           </a:prstGeom>
-          <a:ln>
-            <a:noFill/>
-          </a:ln>
+          <a:noFill/>
         </p:spPr>
         <p:style>
           <a:lnRef idx="2">
@@ -3818,318 +5305,16 @@
           <a:lstStyle/>
           <a:p>
             <a:pPr algn="ctr"/>
-            <a:r>
-              <a:rPr lang="en-GB" sz="2800" dirty="0">
-                <a:latin typeface="Segoe UI Light" panose="020B0502040204020203" pitchFamily="34" charset="0"/>
-                <a:cs typeface="Segoe UI Light" panose="020B0502040204020203" pitchFamily="34" charset="0"/>
-              </a:rPr>
-              <a:t>Predictive Analysis</a:t>
-            </a:r>
-          </a:p>
-        </p:txBody>
-      </p:sp>
-      <p:sp>
-        <p:nvSpPr>
-          <p:cNvPr id="20" name="Textfeld 19">
+            <a:endParaRPr lang="en-GB" dirty="0"/>
+          </a:p>
+        </p:txBody>
+      </p:sp>
+      <p:sp>
+        <p:nvSpPr>
+          <p:cNvPr id="15" name="Rechteck: abgerundete Ecken 14">
             <a:extLst>
               <a:ext uri="{FF2B5EF4-FFF2-40B4-BE49-F238E27FC236}">
-                <a16:creationId xmlns:a16="http://schemas.microsoft.com/office/drawing/2014/main" id="{D7252238-9487-4325-B627-C26508801BFA}"/>
-              </a:ext>
-            </a:extLst>
-          </p:cNvPr>
-          <p:cNvSpPr txBox="1"/>
-          <p:nvPr/>
-        </p:nvSpPr>
-        <p:spPr>
-          <a:xfrm>
-            <a:off x="1089089" y="3075742"/>
-            <a:ext cx="5429729" cy="1908215"/>
-          </a:xfrm>
-          <a:prstGeom prst="rect">
-            <a:avLst/>
-          </a:prstGeom>
-          <a:noFill/>
-        </p:spPr>
-        <p:txBody>
-          <a:bodyPr wrap="square" rtlCol="0">
-            <a:spAutoFit/>
-          </a:bodyPr>
-          <a:lstStyle/>
-          <a:p>
-            <a:r>
-              <a:rPr lang="en-GB" sz="1600" b="1" dirty="0">
-                <a:latin typeface="Segoe UI Light" panose="020B0502040204020203" pitchFamily="34" charset="0"/>
-                <a:cs typeface="Segoe UI Light" panose="020B0502040204020203" pitchFamily="34" charset="0"/>
-              </a:rPr>
-              <a:t>Objective</a:t>
-            </a:r>
-            <a:endParaRPr lang="en-GB" sz="1400" b="1" dirty="0">
-              <a:latin typeface="Segoe UI Light" panose="020B0502040204020203" pitchFamily="34" charset="0"/>
-              <a:cs typeface="Segoe UI Light" panose="020B0502040204020203" pitchFamily="34" charset="0"/>
-            </a:endParaRPr>
-          </a:p>
-          <a:p>
-            <a:pPr marL="285750" indent="-285750">
-              <a:buFont typeface="Arial" panose="020B0604020202020204" pitchFamily="34" charset="0"/>
-              <a:buChar char="•"/>
-            </a:pPr>
-            <a:r>
-              <a:rPr lang="en-GB" sz="1400" dirty="0">
-                <a:latin typeface="Segoe UI Light" panose="020B0502040204020203" pitchFamily="34" charset="0"/>
-                <a:cs typeface="Segoe UI Light" panose="020B0502040204020203" pitchFamily="34" charset="0"/>
-              </a:rPr>
-              <a:t>Analyse happiness around the world</a:t>
-            </a:r>
-          </a:p>
-          <a:p>
-            <a:pPr marL="742950" lvl="1" indent="-285750">
-              <a:buFont typeface="Arial" panose="020B0604020202020204" pitchFamily="34" charset="0"/>
-              <a:buChar char="•"/>
-            </a:pPr>
-            <a:r>
-              <a:rPr lang="en-GB" sz="1400" dirty="0">
-                <a:latin typeface="Segoe UI Light" panose="020B0502040204020203" pitchFamily="34" charset="0"/>
-                <a:cs typeface="Segoe UI Light" panose="020B0502040204020203" pitchFamily="34" charset="0"/>
-              </a:rPr>
-              <a:t>Discover the factors that influence happiness</a:t>
-            </a:r>
-          </a:p>
-          <a:p>
-            <a:pPr marL="742950" lvl="1" indent="-285750">
-              <a:buFont typeface="Arial" panose="020B0604020202020204" pitchFamily="34" charset="0"/>
-              <a:buChar char="•"/>
-            </a:pPr>
-            <a:r>
-              <a:rPr lang="en-GB" sz="1400" dirty="0">
-                <a:latin typeface="Segoe UI Light" panose="020B0502040204020203" pitchFamily="34" charset="0"/>
-                <a:cs typeface="Segoe UI Light" panose="020B0502040204020203" pitchFamily="34" charset="0"/>
-              </a:rPr>
-              <a:t>Which factors lead to high, mid or low happiness</a:t>
-            </a:r>
-          </a:p>
-          <a:p>
-            <a:pPr marL="742950" lvl="1" indent="-285750">
-              <a:buFont typeface="Arial" panose="020B0604020202020204" pitchFamily="34" charset="0"/>
-              <a:buChar char="•"/>
-            </a:pPr>
-            <a:r>
-              <a:rPr lang="en-GB" sz="1400" dirty="0">
-                <a:latin typeface="Segoe UI Light" panose="020B0502040204020203" pitchFamily="34" charset="0"/>
-                <a:cs typeface="Segoe UI Light" panose="020B0502040204020203" pitchFamily="34" charset="0"/>
-              </a:rPr>
-              <a:t>Prediction of happiness</a:t>
-            </a:r>
-          </a:p>
-          <a:p>
-            <a:pPr marL="285750" indent="-285750">
-              <a:buFont typeface="Arial" panose="020B0604020202020204" pitchFamily="34" charset="0"/>
-              <a:buChar char="•"/>
-            </a:pPr>
-            <a:r>
-              <a:rPr lang="en-GB" sz="1400" dirty="0">
-                <a:latin typeface="Segoe UI Light" panose="020B0502040204020203" pitchFamily="34" charset="0"/>
-                <a:cs typeface="Segoe UI Light" panose="020B0502040204020203" pitchFamily="34" charset="0"/>
-              </a:rPr>
-              <a:t>Analyse similarity of countries</a:t>
-            </a:r>
-          </a:p>
-          <a:p>
-            <a:pPr marL="285750" indent="-285750">
-              <a:buFont typeface="Arial" panose="020B0604020202020204" pitchFamily="34" charset="0"/>
-              <a:buChar char="•"/>
-            </a:pPr>
-            <a:endParaRPr lang="en-GB" sz="1400" dirty="0">
-              <a:latin typeface="Segoe UI Light" panose="020B0502040204020203" pitchFamily="34" charset="0"/>
-              <a:cs typeface="Segoe UI Light" panose="020B0502040204020203" pitchFamily="34" charset="0"/>
-            </a:endParaRPr>
-          </a:p>
-          <a:p>
-            <a:pPr marL="285750" indent="-285750">
-              <a:buFont typeface="Arial" panose="020B0604020202020204" pitchFamily="34" charset="0"/>
-              <a:buChar char="•"/>
-            </a:pPr>
-            <a:endParaRPr lang="en-GB" dirty="0">
-              <a:latin typeface="Segoe UI Light" panose="020B0502040204020203" pitchFamily="34" charset="0"/>
-              <a:cs typeface="Segoe UI Light" panose="020B0502040204020203" pitchFamily="34" charset="0"/>
-            </a:endParaRPr>
-          </a:p>
-        </p:txBody>
-      </p:sp>
-      <p:pic>
-        <p:nvPicPr>
-          <p:cNvPr id="22" name="Grafik 21">
-            <a:extLst>
-              <a:ext uri="{FF2B5EF4-FFF2-40B4-BE49-F238E27FC236}">
-                <a16:creationId xmlns:a16="http://schemas.microsoft.com/office/drawing/2014/main" id="{8B00F58E-9B7B-44DC-A078-DAA568A7310E}"/>
-              </a:ext>
-            </a:extLst>
-          </p:cNvPr>
-          <p:cNvPicPr>
-            <a:picLocks noChangeAspect="1"/>
-          </p:cNvPicPr>
-          <p:nvPr/>
-        </p:nvPicPr>
-        <p:blipFill>
-          <a:blip r:embed="rId4">
-            <a:extLst>
-              <a:ext uri="{28A0092B-C50C-407E-A947-70E740481C1C}">
-                <a14:useLocalDpi xmlns:a14="http://schemas.microsoft.com/office/drawing/2010/main" val="0"/>
-              </a:ext>
-            </a:extLst>
-          </a:blip>
-          <a:stretch>
-            <a:fillRect/>
-          </a:stretch>
-        </p:blipFill>
-        <p:spPr>
-          <a:xfrm>
-            <a:off x="1717940" y="6779774"/>
-            <a:ext cx="3569369" cy="2307196"/>
-          </a:xfrm>
-          <a:prstGeom prst="rect">
-            <a:avLst/>
-          </a:prstGeom>
-        </p:spPr>
-      </p:pic>
-      <p:pic>
-        <p:nvPicPr>
-          <p:cNvPr id="24" name="Grafik 23">
-            <a:extLst>
-              <a:ext uri="{FF2B5EF4-FFF2-40B4-BE49-F238E27FC236}">
-                <a16:creationId xmlns:a16="http://schemas.microsoft.com/office/drawing/2014/main" id="{8462D31E-82A9-49E4-8BE2-D941651AF3BF}"/>
-              </a:ext>
-            </a:extLst>
-          </p:cNvPr>
-          <p:cNvPicPr>
-            <a:picLocks noChangeAspect="1"/>
-          </p:cNvPicPr>
-          <p:nvPr/>
-        </p:nvPicPr>
-        <p:blipFill rotWithShape="1">
-          <a:blip r:embed="rId5">
-            <a:extLst>
-              <a:ext uri="{28A0092B-C50C-407E-A947-70E740481C1C}">
-                <a14:useLocalDpi xmlns:a14="http://schemas.microsoft.com/office/drawing/2010/main" val="0"/>
-              </a:ext>
-            </a:extLst>
-          </a:blip>
-          <a:srcRect t="-1" b="3636"/>
-          <a:stretch/>
-        </p:blipFill>
-        <p:spPr>
-          <a:xfrm>
-            <a:off x="1724390" y="8847186"/>
-            <a:ext cx="3569368" cy="2223307"/>
-          </a:xfrm>
-          <a:prstGeom prst="rect">
-            <a:avLst/>
-          </a:prstGeom>
-        </p:spPr>
-      </p:pic>
-      <p:sp>
-        <p:nvSpPr>
-          <p:cNvPr id="30" name="Textfeld 29">
-            <a:extLst>
-              <a:ext uri="{FF2B5EF4-FFF2-40B4-BE49-F238E27FC236}">
-                <a16:creationId xmlns:a16="http://schemas.microsoft.com/office/drawing/2014/main" id="{3CF526E3-5C97-4D0A-82E9-6E371CE664D0}"/>
-              </a:ext>
-            </a:extLst>
-          </p:cNvPr>
-          <p:cNvSpPr txBox="1"/>
-          <p:nvPr/>
-        </p:nvSpPr>
-        <p:spPr>
-          <a:xfrm>
-            <a:off x="5953428" y="3072200"/>
-            <a:ext cx="6039905" cy="1200329"/>
-          </a:xfrm>
-          <a:prstGeom prst="rect">
-            <a:avLst/>
-          </a:prstGeom>
-          <a:noFill/>
-        </p:spPr>
-        <p:txBody>
-          <a:bodyPr wrap="square" rtlCol="0">
-            <a:spAutoFit/>
-          </a:bodyPr>
-          <a:lstStyle/>
-          <a:p>
-            <a:r>
-              <a:rPr lang="en-GB" sz="1600" b="1" dirty="0">
-                <a:latin typeface="Segoe UI Light" panose="020B0502040204020203" pitchFamily="34" charset="0"/>
-                <a:cs typeface="Segoe UI Light" panose="020B0502040204020203" pitchFamily="34" charset="0"/>
-              </a:rPr>
-              <a:t>Methodology</a:t>
-            </a:r>
-            <a:endParaRPr lang="en-GB" sz="1400" b="1" dirty="0">
-              <a:latin typeface="Segoe UI Light" panose="020B0502040204020203" pitchFamily="34" charset="0"/>
-              <a:cs typeface="Segoe UI Light" panose="020B0502040204020203" pitchFamily="34" charset="0"/>
-            </a:endParaRPr>
-          </a:p>
-          <a:p>
-            <a:pPr marL="285750" lvl="0" indent="-285750" fontAlgn="ctr">
-              <a:buFont typeface="Arial" panose="020B0604020202020204" pitchFamily="34" charset="0"/>
-              <a:buChar char="•"/>
-            </a:pPr>
-            <a:r>
-              <a:rPr lang="en-GB" sz="1400" dirty="0">
-                <a:latin typeface="Segoe UI Light" panose="020B0502040204020203" pitchFamily="34" charset="0"/>
-                <a:cs typeface="Segoe UI Light" panose="020B0502040204020203" pitchFamily="34" charset="0"/>
-              </a:rPr>
-              <a:t>Data preparation</a:t>
-            </a:r>
-            <a:endParaRPr lang="en-GB" dirty="0">
-              <a:latin typeface="Segoe UI Light" panose="020B0502040204020203" pitchFamily="34" charset="0"/>
-              <a:cs typeface="Segoe UI Light" panose="020B0502040204020203" pitchFamily="34" charset="0"/>
-            </a:endParaRPr>
-          </a:p>
-          <a:p>
-            <a:pPr marL="285750" lvl="0" indent="-285750" fontAlgn="ctr">
-              <a:buFont typeface="Arial" panose="020B0604020202020204" pitchFamily="34" charset="0"/>
-              <a:buChar char="•"/>
-            </a:pPr>
-            <a:r>
-              <a:rPr lang="en-GB" sz="1400" dirty="0">
-                <a:latin typeface="Segoe UI Light" panose="020B0502040204020203" pitchFamily="34" charset="0"/>
-                <a:cs typeface="Segoe UI Light" panose="020B0502040204020203" pitchFamily="34" charset="0"/>
-              </a:rPr>
-              <a:t>Dimension Reduction (PCA, FA)</a:t>
-            </a:r>
-          </a:p>
-          <a:p>
-            <a:pPr marL="285750" lvl="0" indent="-285750" fontAlgn="ctr">
-              <a:buFont typeface="Arial" panose="020B0604020202020204" pitchFamily="34" charset="0"/>
-              <a:buChar char="•"/>
-            </a:pPr>
-            <a:r>
-              <a:rPr lang="en-GB" sz="1400" dirty="0">
-                <a:latin typeface="Segoe UI Light" panose="020B0502040204020203" pitchFamily="34" charset="0"/>
-                <a:cs typeface="Segoe UI Light" panose="020B0502040204020203" pitchFamily="34" charset="0"/>
-              </a:rPr>
-              <a:t>Clustering</a:t>
-            </a:r>
-          </a:p>
-          <a:p>
-            <a:pPr marL="285750" lvl="0" indent="-285750" fontAlgn="ctr">
-              <a:buFont typeface="Arial" panose="020B0604020202020204" pitchFamily="34" charset="0"/>
-              <a:buChar char="•"/>
-            </a:pPr>
-            <a:r>
-              <a:rPr lang="en-GB" sz="1400" dirty="0">
-                <a:latin typeface="Segoe UI Light" panose="020B0502040204020203" pitchFamily="34" charset="0"/>
-                <a:cs typeface="Segoe UI Light" panose="020B0502040204020203" pitchFamily="34" charset="0"/>
-              </a:rPr>
-              <a:t>Regression</a:t>
-            </a:r>
-          </a:p>
-        </p:txBody>
-      </p:sp>
-      <p:sp>
-        <p:nvSpPr>
-          <p:cNvPr id="32" name="Rechteck: abgerundete Ecken 31">
-            <a:extLst>
-              <a:ext uri="{FF2B5EF4-FFF2-40B4-BE49-F238E27FC236}">
-                <a16:creationId xmlns:a16="http://schemas.microsoft.com/office/drawing/2014/main" id="{461FBEA4-F95D-4646-B596-410B62B525DC}"/>
+                <a16:creationId xmlns:a16="http://schemas.microsoft.com/office/drawing/2014/main" id="{615EA419-6204-4B9E-AA03-B160DB96CEE4}"/>
               </a:ext>
             </a:extLst>
           </p:cNvPr>
@@ -4138,8 +5323,8 @@
         </p:nvSpPr>
         <p:spPr>
           <a:xfrm>
-            <a:off x="23486919" y="11703190"/>
-            <a:ext cx="3060170" cy="891962"/>
+            <a:off x="1287545" y="1747815"/>
+            <a:ext cx="3672000" cy="828000"/>
           </a:xfrm>
           <a:prstGeom prst="roundRect">
             <a:avLst/>
@@ -4174,17 +5359,17 @@
                 <a:latin typeface="Segoe UI Light" panose="020B0502040204020203" pitchFamily="34" charset="0"/>
                 <a:cs typeface="Segoe UI Light" panose="020B0502040204020203" pitchFamily="34" charset="0"/>
               </a:rPr>
-              <a:t>Discussion</a:t>
+              <a:t>Data Exploration</a:t>
             </a:r>
           </a:p>
         </p:txBody>
       </p:sp>
       <p:pic>
         <p:nvPicPr>
-          <p:cNvPr id="34" name="Grafik 33">
+          <p:cNvPr id="33" name="Grafik 32">
             <a:extLst>
               <a:ext uri="{FF2B5EF4-FFF2-40B4-BE49-F238E27FC236}">
-                <a16:creationId xmlns:a16="http://schemas.microsoft.com/office/drawing/2014/main" id="{9DA67AC0-A3DF-4F52-AE64-2A362962E258}"/>
+                <a16:creationId xmlns:a16="http://schemas.microsoft.com/office/drawing/2014/main" id="{E97B1DA9-BD14-4401-8687-474082219849}"/>
               </a:ext>
             </a:extLst>
           </p:cNvPr>
@@ -4194,1603 +5379,27 @@
           <p:nvPr/>
         </p:nvPicPr>
         <p:blipFill>
-          <a:blip r:embed="rId6">
-            <a:extLst>
-              <a:ext uri="{28A0092B-C50C-407E-A947-70E740481C1C}">
-                <a14:useLocalDpi xmlns:a14="http://schemas.microsoft.com/office/drawing/2010/main" val="0"/>
-              </a:ext>
-            </a:extLst>
-          </a:blip>
+          <a:blip r:embed="rId20"/>
           <a:stretch>
             <a:fillRect/>
           </a:stretch>
         </p:blipFill>
         <p:spPr>
           <a:xfrm>
-            <a:off x="20752039" y="7562290"/>
-            <a:ext cx="5120274" cy="3309682"/>
+            <a:off x="25546975" y="7416950"/>
+            <a:ext cx="3498499" cy="3498499"/>
           </a:xfrm>
           <a:prstGeom prst="rect">
             <a:avLst/>
           </a:prstGeom>
         </p:spPr>
       </p:pic>
-      <p:pic>
-        <p:nvPicPr>
-          <p:cNvPr id="36" name="Grafik 35">
+      <p:sp>
+        <p:nvSpPr>
+          <p:cNvPr id="4" name="Rechteck: abgerundete Ecken 3">
             <a:extLst>
               <a:ext uri="{FF2B5EF4-FFF2-40B4-BE49-F238E27FC236}">
-                <a16:creationId xmlns:a16="http://schemas.microsoft.com/office/drawing/2014/main" id="{F0178204-FE16-4423-8F6D-DD211F9DB0E6}"/>
-              </a:ext>
-            </a:extLst>
-          </p:cNvPr>
-          <p:cNvPicPr>
-            <a:picLocks noChangeAspect="1"/>
-          </p:cNvPicPr>
-          <p:nvPr/>
-        </p:nvPicPr>
-        <p:blipFill>
-          <a:blip r:embed="rId7">
-            <a:extLst>
-              <a:ext uri="{28A0092B-C50C-407E-A947-70E740481C1C}">
-                <a14:useLocalDpi xmlns:a14="http://schemas.microsoft.com/office/drawing/2010/main" val="0"/>
-              </a:ext>
-            </a:extLst>
-          </a:blip>
-          <a:stretch>
-            <a:fillRect/>
-          </a:stretch>
-        </p:blipFill>
-        <p:spPr>
-          <a:xfrm>
-            <a:off x="16153561" y="7476351"/>
-            <a:ext cx="5036527" cy="3255550"/>
-          </a:xfrm>
-          <a:prstGeom prst="rect">
-            <a:avLst/>
-          </a:prstGeom>
-        </p:spPr>
-      </p:pic>
-      <p:sp>
-        <p:nvSpPr>
-          <p:cNvPr id="42" name="Textfeld 41">
-            <a:extLst>
-              <a:ext uri="{FF2B5EF4-FFF2-40B4-BE49-F238E27FC236}">
-                <a16:creationId xmlns:a16="http://schemas.microsoft.com/office/drawing/2014/main" id="{33007021-6EEF-4A33-B27A-3D5386934185}"/>
-              </a:ext>
-            </a:extLst>
-          </p:cNvPr>
-          <p:cNvSpPr txBox="1"/>
-          <p:nvPr/>
-        </p:nvSpPr>
-        <p:spPr>
-          <a:xfrm>
-            <a:off x="16294611" y="2976132"/>
-            <a:ext cx="4469599" cy="338554"/>
-          </a:xfrm>
-          <a:prstGeom prst="rect">
-            <a:avLst/>
-          </a:prstGeom>
-          <a:noFill/>
-        </p:spPr>
-        <p:txBody>
-          <a:bodyPr wrap="square" rtlCol="0">
-            <a:spAutoFit/>
-          </a:bodyPr>
-          <a:lstStyle/>
-          <a:p>
-            <a:r>
-              <a:rPr lang="en-GB" sz="1600" b="1" dirty="0">
-                <a:latin typeface="Segoe UI Light" panose="020B0502040204020203" pitchFamily="34" charset="0"/>
-                <a:cs typeface="Segoe UI Light" panose="020B0502040204020203" pitchFamily="34" charset="0"/>
-              </a:rPr>
-              <a:t>Principal Component Analysis (PCA)</a:t>
-            </a:r>
-          </a:p>
-        </p:txBody>
-      </p:sp>
-      <p:sp>
-        <p:nvSpPr>
-          <p:cNvPr id="43" name="Textfeld 42">
-            <a:extLst>
-              <a:ext uri="{FF2B5EF4-FFF2-40B4-BE49-F238E27FC236}">
-                <a16:creationId xmlns:a16="http://schemas.microsoft.com/office/drawing/2014/main" id="{2F92A97A-CFB4-4E6E-886E-1F00B8D3803F}"/>
-              </a:ext>
-            </a:extLst>
-          </p:cNvPr>
-          <p:cNvSpPr txBox="1"/>
-          <p:nvPr/>
-        </p:nvSpPr>
-        <p:spPr>
-          <a:xfrm>
-            <a:off x="23312176" y="2902923"/>
-            <a:ext cx="4469599" cy="338554"/>
-          </a:xfrm>
-          <a:prstGeom prst="rect">
-            <a:avLst/>
-          </a:prstGeom>
-          <a:noFill/>
-        </p:spPr>
-        <p:txBody>
-          <a:bodyPr wrap="square" rtlCol="0">
-            <a:spAutoFit/>
-          </a:bodyPr>
-          <a:lstStyle/>
-          <a:p>
-            <a:r>
-              <a:rPr lang="en-GB" sz="1600" b="1" dirty="0">
-                <a:latin typeface="Segoe UI Light" panose="020B0502040204020203" pitchFamily="34" charset="0"/>
-                <a:cs typeface="Segoe UI Light" panose="020B0502040204020203" pitchFamily="34" charset="0"/>
-              </a:rPr>
-              <a:t>Factor Analysis (FA)</a:t>
-            </a:r>
-          </a:p>
-        </p:txBody>
-      </p:sp>
-      <p:pic>
-        <p:nvPicPr>
-          <p:cNvPr id="47" name="Grafik 46">
-            <a:extLst>
-              <a:ext uri="{FF2B5EF4-FFF2-40B4-BE49-F238E27FC236}">
-                <a16:creationId xmlns:a16="http://schemas.microsoft.com/office/drawing/2014/main" id="{384FDCAD-779F-483A-BF56-27F659314A79}"/>
-              </a:ext>
-            </a:extLst>
-          </p:cNvPr>
-          <p:cNvPicPr>
-            <a:picLocks noChangeAspect="1"/>
-          </p:cNvPicPr>
-          <p:nvPr/>
-        </p:nvPicPr>
-        <p:blipFill>
-          <a:blip r:embed="rId8"/>
-          <a:stretch>
-            <a:fillRect/>
-          </a:stretch>
-        </p:blipFill>
-        <p:spPr>
-          <a:xfrm>
-            <a:off x="18319104" y="12882697"/>
-            <a:ext cx="3740466" cy="3740466"/>
-          </a:xfrm>
-          <a:prstGeom prst="rect">
-            <a:avLst/>
-          </a:prstGeom>
-        </p:spPr>
-      </p:pic>
-      <p:grpSp>
-        <p:nvGrpSpPr>
-          <p:cNvPr id="69" name="Gruppieren 68">
-            <a:extLst>
-              <a:ext uri="{FF2B5EF4-FFF2-40B4-BE49-F238E27FC236}">
-                <a16:creationId xmlns:a16="http://schemas.microsoft.com/office/drawing/2014/main" id="{11C50BA9-B138-411A-9340-A6E97C0727C4}"/>
-              </a:ext>
-            </a:extLst>
-          </p:cNvPr>
-          <p:cNvGrpSpPr/>
-          <p:nvPr/>
-        </p:nvGrpSpPr>
-        <p:grpSpPr>
-          <a:xfrm>
-            <a:off x="1084497" y="4723232"/>
-            <a:ext cx="4580351" cy="1621763"/>
-            <a:chOff x="1066413" y="5024641"/>
-            <a:chExt cx="4580351" cy="1621763"/>
-          </a:xfrm>
-        </p:grpSpPr>
-        <p:grpSp>
-          <p:nvGrpSpPr>
-            <p:cNvPr id="60" name="Gruppieren 59">
-              <a:extLst>
-                <a:ext uri="{FF2B5EF4-FFF2-40B4-BE49-F238E27FC236}">
-                  <a16:creationId xmlns:a16="http://schemas.microsoft.com/office/drawing/2014/main" id="{D10844F2-DEB4-4F77-87E8-46F1D5686F33}"/>
-                </a:ext>
-              </a:extLst>
-            </p:cNvPr>
-            <p:cNvGrpSpPr/>
-            <p:nvPr/>
-          </p:nvGrpSpPr>
-          <p:grpSpPr>
-            <a:xfrm>
-              <a:off x="1066413" y="5026203"/>
-              <a:ext cx="1230938" cy="769520"/>
-              <a:chOff x="1066413" y="5029937"/>
-              <a:chExt cx="1230938" cy="769520"/>
-            </a:xfrm>
-          </p:grpSpPr>
-          <p:sp>
-            <p:nvSpPr>
-              <p:cNvPr id="29" name="Textfeld 28">
-                <a:extLst>
-                  <a:ext uri="{FF2B5EF4-FFF2-40B4-BE49-F238E27FC236}">
-                    <a16:creationId xmlns:a16="http://schemas.microsoft.com/office/drawing/2014/main" id="{E5DE889C-57E3-494A-BAFA-52E50E5B90C1}"/>
-                  </a:ext>
-                </a:extLst>
-              </p:cNvPr>
-              <p:cNvSpPr txBox="1"/>
-              <p:nvPr/>
-            </p:nvSpPr>
-            <p:spPr>
-              <a:xfrm>
-                <a:off x="1066413" y="5491680"/>
-                <a:ext cx="1230938" cy="307777"/>
-              </a:xfrm>
-              <a:prstGeom prst="rect">
-                <a:avLst/>
-              </a:prstGeom>
-              <a:noFill/>
-            </p:spPr>
-            <p:txBody>
-              <a:bodyPr wrap="square" rtlCol="0">
-                <a:spAutoFit/>
-              </a:bodyPr>
-              <a:lstStyle/>
-              <a:p>
-                <a:pPr algn="ctr"/>
-                <a:r>
-                  <a:rPr lang="en-GB" sz="1400" dirty="0">
-                    <a:latin typeface="Segoe UI Light" panose="020B0502040204020203" pitchFamily="34" charset="0"/>
-                    <a:cs typeface="Segoe UI Light" panose="020B0502040204020203" pitchFamily="34" charset="0"/>
-                  </a:rPr>
-                  <a:t>Quality of Life</a:t>
-                </a:r>
-              </a:p>
-            </p:txBody>
-          </p:sp>
-          <p:pic>
-            <p:nvPicPr>
-              <p:cNvPr id="8" name="Grafik 7">
-                <a:extLst>
-                  <a:ext uri="{FF2B5EF4-FFF2-40B4-BE49-F238E27FC236}">
-                    <a16:creationId xmlns:a16="http://schemas.microsoft.com/office/drawing/2014/main" id="{FA8DB1B3-C1FC-4D80-B7D9-DC9FB2AB892B}"/>
-                  </a:ext>
-                </a:extLst>
-              </p:cNvPr>
-              <p:cNvPicPr>
-                <a:picLocks noChangeAspect="1"/>
-              </p:cNvPicPr>
-              <p:nvPr/>
-            </p:nvPicPr>
-            <p:blipFill>
-              <a:blip r:embed="rId9">
-                <a:extLst>
-                  <a:ext uri="{28A0092B-C50C-407E-A947-70E740481C1C}">
-                    <a14:useLocalDpi xmlns:a14="http://schemas.microsoft.com/office/drawing/2010/main" val="0"/>
-                  </a:ext>
-                </a:extLst>
-              </a:blip>
-              <a:stretch>
-                <a:fillRect/>
-              </a:stretch>
-            </p:blipFill>
-            <p:spPr>
-              <a:xfrm>
-                <a:off x="1381405" y="5029937"/>
-                <a:ext cx="540000" cy="540000"/>
-              </a:xfrm>
-              <a:prstGeom prst="rect">
-                <a:avLst/>
-              </a:prstGeom>
-            </p:spPr>
-          </p:pic>
-        </p:grpSp>
-        <p:grpSp>
-          <p:nvGrpSpPr>
-            <p:cNvPr id="59" name="Gruppieren 58">
-              <a:extLst>
-                <a:ext uri="{FF2B5EF4-FFF2-40B4-BE49-F238E27FC236}">
-                  <a16:creationId xmlns:a16="http://schemas.microsoft.com/office/drawing/2014/main" id="{375C55B6-23D8-484F-A706-5E7A7A275E86}"/>
-                </a:ext>
-              </a:extLst>
-            </p:cNvPr>
-            <p:cNvGrpSpPr/>
-            <p:nvPr/>
-          </p:nvGrpSpPr>
-          <p:grpSpPr>
-            <a:xfrm>
-              <a:off x="2262305" y="5026204"/>
-              <a:ext cx="992676" cy="769519"/>
-              <a:chOff x="2380592" y="5029937"/>
-              <a:chExt cx="992676" cy="769519"/>
-            </a:xfrm>
-          </p:grpSpPr>
-          <p:pic>
-            <p:nvPicPr>
-              <p:cNvPr id="10" name="Grafik 9">
-                <a:extLst>
-                  <a:ext uri="{FF2B5EF4-FFF2-40B4-BE49-F238E27FC236}">
-                    <a16:creationId xmlns:a16="http://schemas.microsoft.com/office/drawing/2014/main" id="{58355202-26FF-4542-8C17-F15901CAFECC}"/>
-                  </a:ext>
-                </a:extLst>
-              </p:cNvPr>
-              <p:cNvPicPr>
-                <a:picLocks noChangeAspect="1"/>
-              </p:cNvPicPr>
-              <p:nvPr/>
-            </p:nvPicPr>
-            <p:blipFill>
-              <a:blip r:embed="rId10">
-                <a:extLst>
-                  <a:ext uri="{28A0092B-C50C-407E-A947-70E740481C1C}">
-                    <a14:useLocalDpi xmlns:a14="http://schemas.microsoft.com/office/drawing/2010/main" val="0"/>
-                  </a:ext>
-                </a:extLst>
-              </a:blip>
-              <a:stretch>
-                <a:fillRect/>
-              </a:stretch>
-            </p:blipFill>
-            <p:spPr>
-              <a:xfrm>
-                <a:off x="2609578" y="5029937"/>
-                <a:ext cx="540000" cy="540000"/>
-              </a:xfrm>
-              <a:prstGeom prst="rect">
-                <a:avLst/>
-              </a:prstGeom>
-            </p:spPr>
-          </p:pic>
-          <p:sp>
-            <p:nvSpPr>
-              <p:cNvPr id="37" name="Textfeld 36">
-                <a:extLst>
-                  <a:ext uri="{FF2B5EF4-FFF2-40B4-BE49-F238E27FC236}">
-                    <a16:creationId xmlns:a16="http://schemas.microsoft.com/office/drawing/2014/main" id="{615A6FBA-07BA-4D8C-B894-793E5D3432BE}"/>
-                  </a:ext>
-                </a:extLst>
-              </p:cNvPr>
-              <p:cNvSpPr txBox="1"/>
-              <p:nvPr/>
-            </p:nvSpPr>
-            <p:spPr>
-              <a:xfrm>
-                <a:off x="2380592" y="5491679"/>
-                <a:ext cx="992676" cy="307777"/>
-              </a:xfrm>
-              <a:prstGeom prst="rect">
-                <a:avLst/>
-              </a:prstGeom>
-              <a:noFill/>
-            </p:spPr>
-            <p:txBody>
-              <a:bodyPr wrap="square" rtlCol="0">
-                <a:spAutoFit/>
-              </a:bodyPr>
-              <a:lstStyle/>
-              <a:p>
-                <a:pPr algn="ctr"/>
-                <a:r>
-                  <a:rPr lang="en-GB" sz="1400" dirty="0">
-                    <a:latin typeface="Segoe UI Light" panose="020B0502040204020203" pitchFamily="34" charset="0"/>
-                    <a:cs typeface="Segoe UI Light" panose="020B0502040204020203" pitchFamily="34" charset="0"/>
-                  </a:rPr>
-                  <a:t>Health</a:t>
-                </a:r>
-              </a:p>
-            </p:txBody>
-          </p:sp>
-        </p:grpSp>
-        <p:grpSp>
-          <p:nvGrpSpPr>
-            <p:cNvPr id="61" name="Gruppieren 60">
-              <a:extLst>
-                <a:ext uri="{FF2B5EF4-FFF2-40B4-BE49-F238E27FC236}">
-                  <a16:creationId xmlns:a16="http://schemas.microsoft.com/office/drawing/2014/main" id="{138E6E19-B287-4F4E-BCE5-1188DF1E31A5}"/>
-                </a:ext>
-              </a:extLst>
-            </p:cNvPr>
-            <p:cNvGrpSpPr/>
-            <p:nvPr/>
-          </p:nvGrpSpPr>
-          <p:grpSpPr>
-            <a:xfrm>
-              <a:off x="3219935" y="5025327"/>
-              <a:ext cx="1230938" cy="771272"/>
-              <a:chOff x="3166969" y="5023841"/>
-              <a:chExt cx="1230938" cy="771272"/>
-            </a:xfrm>
-          </p:grpSpPr>
-          <p:pic>
-            <p:nvPicPr>
-              <p:cNvPr id="18" name="Grafik 17">
-                <a:extLst>
-                  <a:ext uri="{FF2B5EF4-FFF2-40B4-BE49-F238E27FC236}">
-                    <a16:creationId xmlns:a16="http://schemas.microsoft.com/office/drawing/2014/main" id="{93953D04-E3B6-434B-A956-503DDDBEC0C7}"/>
-                  </a:ext>
-                </a:extLst>
-              </p:cNvPr>
-              <p:cNvPicPr>
-                <a:picLocks noChangeAspect="1"/>
-              </p:cNvPicPr>
-              <p:nvPr/>
-            </p:nvPicPr>
-            <p:blipFill>
-              <a:blip r:embed="rId11">
-                <a:extLst>
-                  <a:ext uri="{28A0092B-C50C-407E-A947-70E740481C1C}">
-                    <a14:useLocalDpi xmlns:a14="http://schemas.microsoft.com/office/drawing/2010/main" val="0"/>
-                  </a:ext>
-                </a:extLst>
-              </a:blip>
-              <a:stretch>
-                <a:fillRect/>
-              </a:stretch>
-            </p:blipFill>
-            <p:spPr>
-              <a:xfrm>
-                <a:off x="3517711" y="5023841"/>
-                <a:ext cx="540000" cy="540000"/>
-              </a:xfrm>
-              <a:prstGeom prst="rect">
-                <a:avLst/>
-              </a:prstGeom>
-            </p:spPr>
-          </p:pic>
-          <p:sp>
-            <p:nvSpPr>
-              <p:cNvPr id="39" name="Textfeld 38">
-                <a:extLst>
-                  <a:ext uri="{FF2B5EF4-FFF2-40B4-BE49-F238E27FC236}">
-                    <a16:creationId xmlns:a16="http://schemas.microsoft.com/office/drawing/2014/main" id="{713E46D4-7D41-4BA1-8676-96E58FAF443A}"/>
-                  </a:ext>
-                </a:extLst>
-              </p:cNvPr>
-              <p:cNvSpPr txBox="1"/>
-              <p:nvPr/>
-            </p:nvSpPr>
-            <p:spPr>
-              <a:xfrm>
-                <a:off x="3166969" y="5487336"/>
-                <a:ext cx="1230938" cy="307777"/>
-              </a:xfrm>
-              <a:prstGeom prst="rect">
-                <a:avLst/>
-              </a:prstGeom>
-              <a:noFill/>
-            </p:spPr>
-            <p:txBody>
-              <a:bodyPr wrap="square" rtlCol="0">
-                <a:spAutoFit/>
-              </a:bodyPr>
-              <a:lstStyle/>
-              <a:p>
-                <a:pPr algn="ctr"/>
-                <a:r>
-                  <a:rPr lang="en-GB" sz="1400" dirty="0">
-                    <a:latin typeface="Segoe UI Light" panose="020B0502040204020203" pitchFamily="34" charset="0"/>
-                    <a:cs typeface="Segoe UI Light" panose="020B0502040204020203" pitchFamily="34" charset="0"/>
-                  </a:rPr>
-                  <a:t>Population</a:t>
-                </a:r>
-              </a:p>
-            </p:txBody>
-          </p:sp>
-        </p:grpSp>
-        <p:grpSp>
-          <p:nvGrpSpPr>
-            <p:cNvPr id="58" name="Gruppieren 57">
-              <a:extLst>
-                <a:ext uri="{FF2B5EF4-FFF2-40B4-BE49-F238E27FC236}">
-                  <a16:creationId xmlns:a16="http://schemas.microsoft.com/office/drawing/2014/main" id="{576F954D-C5C8-4DEF-B25F-08B48B725910}"/>
-                </a:ext>
-              </a:extLst>
-            </p:cNvPr>
-            <p:cNvGrpSpPr/>
-            <p:nvPr/>
-          </p:nvGrpSpPr>
-          <p:grpSpPr>
-            <a:xfrm>
-              <a:off x="4415826" y="5024641"/>
-              <a:ext cx="1230938" cy="772644"/>
-              <a:chOff x="4716983" y="5029937"/>
-              <a:chExt cx="1230938" cy="772644"/>
-            </a:xfrm>
-          </p:grpSpPr>
-          <p:pic>
-            <p:nvPicPr>
-              <p:cNvPr id="23" name="Grafik 22">
-                <a:extLst>
-                  <a:ext uri="{FF2B5EF4-FFF2-40B4-BE49-F238E27FC236}">
-                    <a16:creationId xmlns:a16="http://schemas.microsoft.com/office/drawing/2014/main" id="{4F66B2D8-6D8F-45A5-9111-1AE2D7C0F09A}"/>
-                  </a:ext>
-                </a:extLst>
-              </p:cNvPr>
-              <p:cNvPicPr>
-                <a:picLocks noChangeAspect="1"/>
-              </p:cNvPicPr>
-              <p:nvPr/>
-            </p:nvPicPr>
-            <p:blipFill>
-              <a:blip r:embed="rId12">
-                <a:extLst>
-                  <a:ext uri="{28A0092B-C50C-407E-A947-70E740481C1C}">
-                    <a14:useLocalDpi xmlns:a14="http://schemas.microsoft.com/office/drawing/2010/main" val="0"/>
-                  </a:ext>
-                </a:extLst>
-              </a:blip>
-              <a:stretch>
-                <a:fillRect/>
-              </a:stretch>
-            </p:blipFill>
-            <p:spPr>
-              <a:xfrm>
-                <a:off x="5065923" y="5029937"/>
-                <a:ext cx="540000" cy="540000"/>
-              </a:xfrm>
-              <a:prstGeom prst="rect">
-                <a:avLst/>
-              </a:prstGeom>
-            </p:spPr>
-          </p:pic>
-          <p:sp>
-            <p:nvSpPr>
-              <p:cNvPr id="44" name="Textfeld 43">
-                <a:extLst>
-                  <a:ext uri="{FF2B5EF4-FFF2-40B4-BE49-F238E27FC236}">
-                    <a16:creationId xmlns:a16="http://schemas.microsoft.com/office/drawing/2014/main" id="{0F35411B-4874-416F-A88C-0282D00FEA12}"/>
-                  </a:ext>
-                </a:extLst>
-              </p:cNvPr>
-              <p:cNvSpPr txBox="1"/>
-              <p:nvPr/>
-            </p:nvSpPr>
-            <p:spPr>
-              <a:xfrm>
-                <a:off x="4716983" y="5494804"/>
-                <a:ext cx="1230938" cy="307777"/>
-              </a:xfrm>
-              <a:prstGeom prst="rect">
-                <a:avLst/>
-              </a:prstGeom>
-              <a:noFill/>
-            </p:spPr>
-            <p:txBody>
-              <a:bodyPr wrap="square" rtlCol="0">
-                <a:spAutoFit/>
-              </a:bodyPr>
-              <a:lstStyle/>
-              <a:p>
-                <a:pPr algn="ctr"/>
-                <a:r>
-                  <a:rPr lang="en-GB" sz="1400" dirty="0">
-                    <a:latin typeface="Segoe UI Light" panose="020B0502040204020203" pitchFamily="34" charset="0"/>
-                    <a:cs typeface="Segoe UI Light" panose="020B0502040204020203" pitchFamily="34" charset="0"/>
-                  </a:rPr>
-                  <a:t>Infrastructure</a:t>
-                </a:r>
-              </a:p>
-            </p:txBody>
-          </p:sp>
-        </p:grpSp>
-        <p:grpSp>
-          <p:nvGrpSpPr>
-            <p:cNvPr id="62" name="Gruppieren 61">
-              <a:extLst>
-                <a:ext uri="{FF2B5EF4-FFF2-40B4-BE49-F238E27FC236}">
-                  <a16:creationId xmlns:a16="http://schemas.microsoft.com/office/drawing/2014/main" id="{F9E461DC-370D-4CC3-9635-A8CE4F07A524}"/>
-                </a:ext>
-              </a:extLst>
-            </p:cNvPr>
-            <p:cNvGrpSpPr/>
-            <p:nvPr/>
-          </p:nvGrpSpPr>
-          <p:grpSpPr>
-            <a:xfrm>
-              <a:off x="1072040" y="5842027"/>
-              <a:ext cx="1230938" cy="804377"/>
-              <a:chOff x="1072040" y="5842027"/>
-              <a:chExt cx="1230938" cy="804377"/>
-            </a:xfrm>
-          </p:grpSpPr>
-          <p:pic>
-            <p:nvPicPr>
-              <p:cNvPr id="27" name="Grafik 26">
-                <a:extLst>
-                  <a:ext uri="{FF2B5EF4-FFF2-40B4-BE49-F238E27FC236}">
-                    <a16:creationId xmlns:a16="http://schemas.microsoft.com/office/drawing/2014/main" id="{17565774-F0C1-42F6-808B-211A39D3B916}"/>
-                  </a:ext>
-                </a:extLst>
-              </p:cNvPr>
-              <p:cNvPicPr>
-                <a:picLocks noChangeAspect="1"/>
-              </p:cNvPicPr>
-              <p:nvPr/>
-            </p:nvPicPr>
-            <p:blipFill>
-              <a:blip r:embed="rId13">
-                <a:extLst>
-                  <a:ext uri="{28A0092B-C50C-407E-A947-70E740481C1C}">
-                    <a14:useLocalDpi xmlns:a14="http://schemas.microsoft.com/office/drawing/2010/main" val="0"/>
-                  </a:ext>
-                </a:extLst>
-              </a:blip>
-              <a:stretch>
-                <a:fillRect/>
-              </a:stretch>
-            </p:blipFill>
-            <p:spPr>
-              <a:xfrm>
-                <a:off x="1377723" y="5842027"/>
-                <a:ext cx="540000" cy="540000"/>
-              </a:xfrm>
-              <a:prstGeom prst="rect">
-                <a:avLst/>
-              </a:prstGeom>
-            </p:spPr>
-          </p:pic>
-          <p:sp>
-            <p:nvSpPr>
-              <p:cNvPr id="46" name="Textfeld 45">
-                <a:extLst>
-                  <a:ext uri="{FF2B5EF4-FFF2-40B4-BE49-F238E27FC236}">
-                    <a16:creationId xmlns:a16="http://schemas.microsoft.com/office/drawing/2014/main" id="{9A2366D0-7D3B-4A3D-B0F1-055C0120D3B4}"/>
-                  </a:ext>
-                </a:extLst>
-              </p:cNvPr>
-              <p:cNvSpPr txBox="1"/>
-              <p:nvPr/>
-            </p:nvSpPr>
-            <p:spPr>
-              <a:xfrm>
-                <a:off x="1072040" y="6338627"/>
-                <a:ext cx="1230938" cy="307777"/>
-              </a:xfrm>
-              <a:prstGeom prst="rect">
-                <a:avLst/>
-              </a:prstGeom>
-              <a:noFill/>
-            </p:spPr>
-            <p:txBody>
-              <a:bodyPr wrap="square" rtlCol="0">
-                <a:spAutoFit/>
-              </a:bodyPr>
-              <a:lstStyle/>
-              <a:p>
-                <a:pPr algn="ctr"/>
-                <a:r>
-                  <a:rPr lang="en-GB" sz="1400" dirty="0">
-                    <a:latin typeface="Segoe UI Light" panose="020B0502040204020203" pitchFamily="34" charset="0"/>
-                    <a:cs typeface="Segoe UI Light" panose="020B0502040204020203" pitchFamily="34" charset="0"/>
-                  </a:rPr>
-                  <a:t>Environment</a:t>
-                </a:r>
-              </a:p>
-            </p:txBody>
-          </p:sp>
-        </p:grpSp>
-        <p:grpSp>
-          <p:nvGrpSpPr>
-            <p:cNvPr id="63" name="Gruppieren 62">
-              <a:extLst>
-                <a:ext uri="{FF2B5EF4-FFF2-40B4-BE49-F238E27FC236}">
-                  <a16:creationId xmlns:a16="http://schemas.microsoft.com/office/drawing/2014/main" id="{02209092-BAE5-4C1B-B324-75116602CD1C}"/>
-                </a:ext>
-              </a:extLst>
-            </p:cNvPr>
-            <p:cNvGrpSpPr/>
-            <p:nvPr/>
-          </p:nvGrpSpPr>
-          <p:grpSpPr>
-            <a:xfrm>
-              <a:off x="2183074" y="5847066"/>
-              <a:ext cx="1230938" cy="794298"/>
-              <a:chOff x="2159781" y="5842027"/>
-              <a:chExt cx="1230938" cy="794298"/>
-            </a:xfrm>
-          </p:grpSpPr>
-          <p:pic>
-            <p:nvPicPr>
-              <p:cNvPr id="35" name="Grafik 34">
-                <a:extLst>
-                  <a:ext uri="{FF2B5EF4-FFF2-40B4-BE49-F238E27FC236}">
-                    <a16:creationId xmlns:a16="http://schemas.microsoft.com/office/drawing/2014/main" id="{2AB523F6-55C0-44FC-92F7-73EF1B4DAA73}"/>
-                  </a:ext>
-                </a:extLst>
-              </p:cNvPr>
-              <p:cNvPicPr>
-                <a:picLocks noChangeAspect="1"/>
-              </p:cNvPicPr>
-              <p:nvPr/>
-            </p:nvPicPr>
-            <p:blipFill>
-              <a:blip r:embed="rId14">
-                <a:extLst>
-                  <a:ext uri="{28A0092B-C50C-407E-A947-70E740481C1C}">
-                    <a14:useLocalDpi xmlns:a14="http://schemas.microsoft.com/office/drawing/2010/main" val="0"/>
-                  </a:ext>
-                </a:extLst>
-              </a:blip>
-              <a:stretch>
-                <a:fillRect/>
-              </a:stretch>
-            </p:blipFill>
-            <p:spPr>
-              <a:xfrm>
-                <a:off x="2504351" y="5842027"/>
-                <a:ext cx="540000" cy="540000"/>
-              </a:xfrm>
-              <a:prstGeom prst="rect">
-                <a:avLst/>
-              </a:prstGeom>
-            </p:spPr>
-          </p:pic>
-          <p:sp>
-            <p:nvSpPr>
-              <p:cNvPr id="48" name="Textfeld 47">
-                <a:extLst>
-                  <a:ext uri="{FF2B5EF4-FFF2-40B4-BE49-F238E27FC236}">
-                    <a16:creationId xmlns:a16="http://schemas.microsoft.com/office/drawing/2014/main" id="{6C14096D-006D-40E2-A259-384BBBEFC748}"/>
-                  </a:ext>
-                </a:extLst>
-              </p:cNvPr>
-              <p:cNvSpPr txBox="1"/>
-              <p:nvPr/>
-            </p:nvSpPr>
-            <p:spPr>
-              <a:xfrm>
-                <a:off x="2159781" y="6328548"/>
-                <a:ext cx="1230938" cy="307777"/>
-              </a:xfrm>
-              <a:prstGeom prst="rect">
-                <a:avLst/>
-              </a:prstGeom>
-              <a:noFill/>
-            </p:spPr>
-            <p:txBody>
-              <a:bodyPr wrap="square" rtlCol="0">
-                <a:spAutoFit/>
-              </a:bodyPr>
-              <a:lstStyle/>
-              <a:p>
-                <a:pPr algn="ctr"/>
-                <a:r>
-                  <a:rPr lang="en-GB" sz="1400" dirty="0">
-                    <a:latin typeface="Segoe UI Light" panose="020B0502040204020203" pitchFamily="34" charset="0"/>
-                    <a:cs typeface="Segoe UI Light" panose="020B0502040204020203" pitchFamily="34" charset="0"/>
-                  </a:rPr>
-                  <a:t>Education</a:t>
-                </a:r>
-              </a:p>
-            </p:txBody>
-          </p:sp>
-        </p:grpSp>
-        <p:grpSp>
-          <p:nvGrpSpPr>
-            <p:cNvPr id="64" name="Gruppieren 63">
-              <a:extLst>
-                <a:ext uri="{FF2B5EF4-FFF2-40B4-BE49-F238E27FC236}">
-                  <a16:creationId xmlns:a16="http://schemas.microsoft.com/office/drawing/2014/main" id="{F2D0A8E0-B86B-4A18-A451-CDE346CC3524}"/>
-                </a:ext>
-              </a:extLst>
-            </p:cNvPr>
-            <p:cNvGrpSpPr/>
-            <p:nvPr/>
-          </p:nvGrpSpPr>
-          <p:grpSpPr>
-            <a:xfrm>
-              <a:off x="3294108" y="5844547"/>
-              <a:ext cx="1230938" cy="799337"/>
-              <a:chOff x="3291261" y="5842027"/>
-              <a:chExt cx="1230938" cy="799337"/>
-            </a:xfrm>
-          </p:grpSpPr>
-          <p:pic>
-            <p:nvPicPr>
-              <p:cNvPr id="50" name="Grafik 49">
-                <a:extLst>
-                  <a:ext uri="{FF2B5EF4-FFF2-40B4-BE49-F238E27FC236}">
-                    <a16:creationId xmlns:a16="http://schemas.microsoft.com/office/drawing/2014/main" id="{23D114B9-EC65-4094-B439-75EFDD11F9A9}"/>
-                  </a:ext>
-                </a:extLst>
-              </p:cNvPr>
-              <p:cNvPicPr>
-                <a:picLocks noChangeAspect="1"/>
-              </p:cNvPicPr>
-              <p:nvPr/>
-            </p:nvPicPr>
-            <p:blipFill>
-              <a:blip r:embed="rId15">
-                <a:extLst>
-                  <a:ext uri="{28A0092B-C50C-407E-A947-70E740481C1C}">
-                    <a14:useLocalDpi xmlns:a14="http://schemas.microsoft.com/office/drawing/2010/main" val="0"/>
-                  </a:ext>
-                </a:extLst>
-              </a:blip>
-              <a:stretch>
-                <a:fillRect/>
-              </a:stretch>
-            </p:blipFill>
-            <p:spPr>
-              <a:xfrm>
-                <a:off x="3630979" y="5842027"/>
-                <a:ext cx="540000" cy="540000"/>
-              </a:xfrm>
-              <a:prstGeom prst="rect">
-                <a:avLst/>
-              </a:prstGeom>
-            </p:spPr>
-          </p:pic>
-          <p:sp>
-            <p:nvSpPr>
-              <p:cNvPr id="51" name="Textfeld 50">
-                <a:extLst>
-                  <a:ext uri="{FF2B5EF4-FFF2-40B4-BE49-F238E27FC236}">
-                    <a16:creationId xmlns:a16="http://schemas.microsoft.com/office/drawing/2014/main" id="{56668B34-3AA5-4AC1-B6D0-9B49068216B6}"/>
-                  </a:ext>
-                </a:extLst>
-              </p:cNvPr>
-              <p:cNvSpPr txBox="1"/>
-              <p:nvPr/>
-            </p:nvSpPr>
-            <p:spPr>
-              <a:xfrm>
-                <a:off x="3291261" y="6333587"/>
-                <a:ext cx="1230938" cy="307777"/>
-              </a:xfrm>
-              <a:prstGeom prst="rect">
-                <a:avLst/>
-              </a:prstGeom>
-              <a:noFill/>
-            </p:spPr>
-            <p:txBody>
-              <a:bodyPr wrap="square" rtlCol="0">
-                <a:spAutoFit/>
-              </a:bodyPr>
-              <a:lstStyle/>
-              <a:p>
-                <a:pPr algn="ctr"/>
-                <a:r>
-                  <a:rPr lang="en-GB" sz="1400" dirty="0">
-                    <a:latin typeface="Segoe UI Light" panose="020B0502040204020203" pitchFamily="34" charset="0"/>
-                    <a:cs typeface="Segoe UI Light" panose="020B0502040204020203" pitchFamily="34" charset="0"/>
-                  </a:rPr>
-                  <a:t>Economy</a:t>
-                </a:r>
-              </a:p>
-            </p:txBody>
-          </p:sp>
-        </p:grpSp>
-        <p:grpSp>
-          <p:nvGrpSpPr>
-            <p:cNvPr id="65" name="Gruppieren 64">
-              <a:extLst>
-                <a:ext uri="{FF2B5EF4-FFF2-40B4-BE49-F238E27FC236}">
-                  <a16:creationId xmlns:a16="http://schemas.microsoft.com/office/drawing/2014/main" id="{643A9D5F-AFBF-4664-9FD7-DCA73BBA663C}"/>
-                </a:ext>
-              </a:extLst>
-            </p:cNvPr>
-            <p:cNvGrpSpPr/>
-            <p:nvPr/>
-          </p:nvGrpSpPr>
-          <p:grpSpPr>
-            <a:xfrm>
-              <a:off x="4405143" y="5848560"/>
-              <a:ext cx="1230938" cy="791310"/>
-              <a:chOff x="4411239" y="5842027"/>
-              <a:chExt cx="1230938" cy="791310"/>
-            </a:xfrm>
-          </p:grpSpPr>
-          <p:pic>
-            <p:nvPicPr>
-              <p:cNvPr id="53" name="Grafik 52">
-                <a:extLst>
-                  <a:ext uri="{FF2B5EF4-FFF2-40B4-BE49-F238E27FC236}">
-                    <a16:creationId xmlns:a16="http://schemas.microsoft.com/office/drawing/2014/main" id="{F4A92F58-5F70-4B6C-9BB7-82E8818B7E85}"/>
-                  </a:ext>
-                </a:extLst>
-              </p:cNvPr>
-              <p:cNvPicPr>
-                <a:picLocks noChangeAspect="1"/>
-              </p:cNvPicPr>
-              <p:nvPr/>
-            </p:nvPicPr>
-            <p:blipFill>
-              <a:blip r:embed="rId16">
-                <a:extLst>
-                  <a:ext uri="{28A0092B-C50C-407E-A947-70E740481C1C}">
-                    <a14:useLocalDpi xmlns:a14="http://schemas.microsoft.com/office/drawing/2010/main" val="0"/>
-                  </a:ext>
-                </a:extLst>
-              </a:blip>
-              <a:stretch>
-                <a:fillRect/>
-              </a:stretch>
-            </p:blipFill>
-            <p:spPr>
-              <a:xfrm>
-                <a:off x="4757608" y="5842027"/>
-                <a:ext cx="540000" cy="540000"/>
-              </a:xfrm>
-              <a:prstGeom prst="rect">
-                <a:avLst/>
-              </a:prstGeom>
-            </p:spPr>
-          </p:pic>
-          <p:sp>
-            <p:nvSpPr>
-              <p:cNvPr id="54" name="Textfeld 53">
-                <a:extLst>
-                  <a:ext uri="{FF2B5EF4-FFF2-40B4-BE49-F238E27FC236}">
-                    <a16:creationId xmlns:a16="http://schemas.microsoft.com/office/drawing/2014/main" id="{11181380-77BB-4FDF-AB5D-6ED36AFEE862}"/>
-                  </a:ext>
-                </a:extLst>
-              </p:cNvPr>
-              <p:cNvSpPr txBox="1"/>
-              <p:nvPr/>
-            </p:nvSpPr>
-            <p:spPr>
-              <a:xfrm>
-                <a:off x="4411239" y="6325560"/>
-                <a:ext cx="1230938" cy="307777"/>
-              </a:xfrm>
-              <a:prstGeom prst="rect">
-                <a:avLst/>
-              </a:prstGeom>
-              <a:noFill/>
-            </p:spPr>
-            <p:txBody>
-              <a:bodyPr wrap="square" rtlCol="0">
-                <a:spAutoFit/>
-              </a:bodyPr>
-              <a:lstStyle/>
-              <a:p>
-                <a:pPr algn="ctr"/>
-                <a:r>
-                  <a:rPr lang="en-GB" sz="1400" dirty="0">
-                    <a:latin typeface="Segoe UI Light" panose="020B0502040204020203" pitchFamily="34" charset="0"/>
-                    <a:cs typeface="Segoe UI Light" panose="020B0502040204020203" pitchFamily="34" charset="0"/>
-                  </a:rPr>
-                  <a:t>Politics</a:t>
-                </a:r>
-              </a:p>
-            </p:txBody>
-          </p:sp>
-        </p:grpSp>
-      </p:grpSp>
-      <p:sp>
-        <p:nvSpPr>
-          <p:cNvPr id="55" name="Textfeld 54">
-            <a:extLst>
-              <a:ext uri="{FF2B5EF4-FFF2-40B4-BE49-F238E27FC236}">
-                <a16:creationId xmlns:a16="http://schemas.microsoft.com/office/drawing/2014/main" id="{FD7864BE-EC92-4B34-981D-BDD811868612}"/>
-              </a:ext>
-            </a:extLst>
-          </p:cNvPr>
-          <p:cNvSpPr txBox="1"/>
-          <p:nvPr/>
-        </p:nvSpPr>
-        <p:spPr>
-          <a:xfrm>
-            <a:off x="1089090" y="4357817"/>
-            <a:ext cx="1170101" cy="338554"/>
-          </a:xfrm>
-          <a:prstGeom prst="rect">
-            <a:avLst/>
-          </a:prstGeom>
-          <a:noFill/>
-        </p:spPr>
-        <p:txBody>
-          <a:bodyPr wrap="square" rtlCol="0">
-            <a:spAutoFit/>
-          </a:bodyPr>
-          <a:lstStyle/>
-          <a:p>
-            <a:r>
-              <a:rPr lang="en-GB" sz="1600" b="1" dirty="0">
-                <a:latin typeface="Segoe UI Light" panose="020B0502040204020203" pitchFamily="34" charset="0"/>
-                <a:cs typeface="Segoe UI Light" panose="020B0502040204020203" pitchFamily="34" charset="0"/>
-              </a:rPr>
-              <a:t>Variables</a:t>
-            </a:r>
-            <a:endParaRPr lang="en-GB" b="1" dirty="0">
-              <a:latin typeface="Segoe UI Light" panose="020B0502040204020203" pitchFamily="34" charset="0"/>
-              <a:cs typeface="Segoe UI Light" panose="020B0502040204020203" pitchFamily="34" charset="0"/>
-            </a:endParaRPr>
-          </a:p>
-        </p:txBody>
-      </p:sp>
-      <p:sp>
-        <p:nvSpPr>
-          <p:cNvPr id="66" name="Textfeld 65">
-            <a:extLst>
-              <a:ext uri="{FF2B5EF4-FFF2-40B4-BE49-F238E27FC236}">
-                <a16:creationId xmlns:a16="http://schemas.microsoft.com/office/drawing/2014/main" id="{74A0C1E6-4CEF-4939-B100-C6B355EF2D59}"/>
-              </a:ext>
-            </a:extLst>
-          </p:cNvPr>
-          <p:cNvSpPr txBox="1"/>
-          <p:nvPr/>
-        </p:nvSpPr>
-        <p:spPr>
-          <a:xfrm>
-            <a:off x="1066527" y="6485554"/>
-            <a:ext cx="2340635" cy="338554"/>
-          </a:xfrm>
-          <a:prstGeom prst="rect">
-            <a:avLst/>
-          </a:prstGeom>
-          <a:noFill/>
-        </p:spPr>
-        <p:txBody>
-          <a:bodyPr wrap="square" rtlCol="0">
-            <a:spAutoFit/>
-          </a:bodyPr>
-          <a:lstStyle/>
-          <a:p>
-            <a:r>
-              <a:rPr lang="en-GB" sz="1600" b="1" dirty="0">
-                <a:latin typeface="Segoe UI Light" panose="020B0502040204020203" pitchFamily="34" charset="0"/>
-                <a:cs typeface="Segoe UI Light" panose="020B0502040204020203" pitchFamily="34" charset="0"/>
-              </a:rPr>
-              <a:t>Data Pre-processing</a:t>
-            </a:r>
-          </a:p>
-        </p:txBody>
-      </p:sp>
-      <p:sp>
-        <p:nvSpPr>
-          <p:cNvPr id="70" name="Textfeld 69">
-            <a:extLst>
-              <a:ext uri="{FF2B5EF4-FFF2-40B4-BE49-F238E27FC236}">
-                <a16:creationId xmlns:a16="http://schemas.microsoft.com/office/drawing/2014/main" id="{C09A3853-3912-444D-89AD-A9B50E597ED4}"/>
-              </a:ext>
-            </a:extLst>
-          </p:cNvPr>
-          <p:cNvSpPr txBox="1"/>
-          <p:nvPr/>
-        </p:nvSpPr>
-        <p:spPr>
-          <a:xfrm>
-            <a:off x="5976847" y="4357817"/>
-            <a:ext cx="2188927" cy="2646878"/>
-          </a:xfrm>
-          <a:prstGeom prst="rect">
-            <a:avLst/>
-          </a:prstGeom>
-          <a:noFill/>
-        </p:spPr>
-        <p:txBody>
-          <a:bodyPr wrap="square" rtlCol="0">
-            <a:spAutoFit/>
-          </a:bodyPr>
-          <a:lstStyle/>
-          <a:p>
-            <a:r>
-              <a:rPr lang="en-GB" sz="1600" b="1" dirty="0">
-                <a:latin typeface="Segoe UI Light" panose="020B0502040204020203" pitchFamily="34" charset="0"/>
-                <a:cs typeface="Segoe UI Light" panose="020B0502040204020203" pitchFamily="34" charset="0"/>
-              </a:rPr>
-              <a:t>World Happiness Rank</a:t>
-            </a:r>
-          </a:p>
-          <a:p>
-            <a:endParaRPr lang="en-GB" sz="1600" b="1" dirty="0">
-              <a:latin typeface="Segoe UI Light" panose="020B0502040204020203" pitchFamily="34" charset="0"/>
-              <a:cs typeface="Segoe UI Light" panose="020B0502040204020203" pitchFamily="34" charset="0"/>
-            </a:endParaRPr>
-          </a:p>
-          <a:p>
-            <a:r>
-              <a:rPr lang="en-GB" sz="1400" dirty="0">
-                <a:latin typeface="Segoe UI Light" panose="020B0502040204020203" pitchFamily="34" charset="0"/>
-                <a:cs typeface="Segoe UI Light" panose="020B0502040204020203" pitchFamily="34" charset="0"/>
-              </a:rPr>
-              <a:t>      Switzerland</a:t>
-            </a:r>
-          </a:p>
-          <a:p>
-            <a:r>
-              <a:rPr lang="en-GB" sz="1400" dirty="0">
-                <a:latin typeface="Segoe UI Light" panose="020B0502040204020203" pitchFamily="34" charset="0"/>
-                <a:cs typeface="Segoe UI Light" panose="020B0502040204020203" pitchFamily="34" charset="0"/>
-              </a:rPr>
-              <a:t>      Iceland</a:t>
-            </a:r>
-          </a:p>
-          <a:p>
-            <a:r>
-              <a:rPr lang="en-GB" sz="1400" dirty="0">
-                <a:latin typeface="Segoe UI Light" panose="020B0502040204020203" pitchFamily="34" charset="0"/>
-                <a:cs typeface="Segoe UI Light" panose="020B0502040204020203" pitchFamily="34" charset="0"/>
-              </a:rPr>
-              <a:t>      Denmark</a:t>
-            </a:r>
-          </a:p>
-          <a:p>
-            <a:r>
-              <a:rPr lang="en-GB" sz="1400" dirty="0">
-                <a:latin typeface="Segoe UI Light" panose="020B0502040204020203" pitchFamily="34" charset="0"/>
-                <a:cs typeface="Segoe UI Light" panose="020B0502040204020203" pitchFamily="34" charset="0"/>
-              </a:rPr>
-              <a:t>      …</a:t>
-            </a:r>
-          </a:p>
-          <a:p>
-            <a:r>
-              <a:rPr lang="en-GB" sz="1400" dirty="0">
-                <a:latin typeface="Segoe UI Light" panose="020B0502040204020203" pitchFamily="34" charset="0"/>
-                <a:cs typeface="Segoe UI Light" panose="020B0502040204020203" pitchFamily="34" charset="0"/>
-              </a:rPr>
-              <a:t>      </a:t>
-            </a:r>
-          </a:p>
-          <a:p>
-            <a:endParaRPr lang="en-GB" sz="1400" dirty="0">
-              <a:latin typeface="Segoe UI Light" panose="020B0502040204020203" pitchFamily="34" charset="0"/>
-              <a:cs typeface="Segoe UI Light" panose="020B0502040204020203" pitchFamily="34" charset="0"/>
-            </a:endParaRPr>
-          </a:p>
-          <a:p>
-            <a:r>
-              <a:rPr lang="en-GB" sz="1400" dirty="0">
-                <a:latin typeface="Segoe UI Light" panose="020B0502040204020203" pitchFamily="34" charset="0"/>
-                <a:cs typeface="Segoe UI Light" panose="020B0502040204020203" pitchFamily="34" charset="0"/>
-              </a:rPr>
-              <a:t>      Togo</a:t>
-            </a:r>
-          </a:p>
-          <a:p>
-            <a:endParaRPr lang="en-GB" dirty="0">
-              <a:latin typeface="Segoe UI Light" panose="020B0502040204020203" pitchFamily="34" charset="0"/>
-              <a:cs typeface="Segoe UI Light" panose="020B0502040204020203" pitchFamily="34" charset="0"/>
-            </a:endParaRPr>
-          </a:p>
-          <a:p>
-            <a:endParaRPr lang="en-GB" b="1" dirty="0">
-              <a:latin typeface="Segoe UI Light" panose="020B0502040204020203" pitchFamily="34" charset="0"/>
-              <a:cs typeface="Segoe UI Light" panose="020B0502040204020203" pitchFamily="34" charset="0"/>
-            </a:endParaRPr>
-          </a:p>
-        </p:txBody>
-      </p:sp>
-      <p:sp>
-        <p:nvSpPr>
-          <p:cNvPr id="71" name="Textfeld 70">
-            <a:extLst>
-              <a:ext uri="{FF2B5EF4-FFF2-40B4-BE49-F238E27FC236}">
-                <a16:creationId xmlns:a16="http://schemas.microsoft.com/office/drawing/2014/main" id="{85096C5C-A0D7-4B11-9DB7-9B2C9650AB29}"/>
-              </a:ext>
-            </a:extLst>
-          </p:cNvPr>
-          <p:cNvSpPr txBox="1"/>
-          <p:nvPr/>
-        </p:nvSpPr>
-        <p:spPr>
-          <a:xfrm>
-            <a:off x="7889798" y="4845750"/>
-            <a:ext cx="7075882" cy="1169551"/>
-          </a:xfrm>
-          <a:prstGeom prst="rect">
-            <a:avLst/>
-          </a:prstGeom>
-          <a:noFill/>
-        </p:spPr>
-        <p:txBody>
-          <a:bodyPr wrap="square" rtlCol="0">
-            <a:spAutoFit/>
-          </a:bodyPr>
-          <a:lstStyle/>
-          <a:p>
-            <a:r>
-              <a:rPr lang="en-GB" sz="1400" dirty="0">
-                <a:latin typeface="Segoe UI Light" panose="020B0502040204020203" pitchFamily="34" charset="0"/>
-                <a:cs typeface="Segoe UI Light" panose="020B0502040204020203" pitchFamily="34" charset="0"/>
-              </a:rPr>
-              <a:t>The worlds happiest country is Switzerland with a rank of 7.6/10. The variables that are the most contributing to this result is high quality of Family Life, Health Life Expectancy and Freedom. The least happy country in the world is Togo. The strongest variables are Economy, Family and Automotive Mortality. In general the people living in the countries of Western Europe and America tend to be happier than the people living in Afrika and Asia.</a:t>
-            </a:r>
-            <a:endParaRPr lang="en-GB" b="1" dirty="0">
-              <a:latin typeface="Segoe UI Light" panose="020B0502040204020203" pitchFamily="34" charset="0"/>
-              <a:cs typeface="Segoe UI Light" panose="020B0502040204020203" pitchFamily="34" charset="0"/>
-            </a:endParaRPr>
-          </a:p>
-        </p:txBody>
-      </p:sp>
-      <p:pic>
-        <p:nvPicPr>
-          <p:cNvPr id="74" name="Grafik 73">
-            <a:extLst>
-              <a:ext uri="{FF2B5EF4-FFF2-40B4-BE49-F238E27FC236}">
-                <a16:creationId xmlns:a16="http://schemas.microsoft.com/office/drawing/2014/main" id="{2C75AF1F-5CEB-4A39-859B-B770DC653AC9}"/>
-              </a:ext>
-            </a:extLst>
-          </p:cNvPr>
-          <p:cNvPicPr>
-            <a:picLocks noChangeAspect="1"/>
-          </p:cNvPicPr>
-          <p:nvPr/>
-        </p:nvPicPr>
-        <p:blipFill>
-          <a:blip r:embed="rId17">
-            <a:extLst>
-              <a:ext uri="{28A0092B-C50C-407E-A947-70E740481C1C}">
-                <a14:useLocalDpi xmlns:a14="http://schemas.microsoft.com/office/drawing/2010/main" val="0"/>
-              </a:ext>
-            </a:extLst>
-          </a:blip>
-          <a:stretch>
-            <a:fillRect/>
-          </a:stretch>
-        </p:blipFill>
-        <p:spPr>
-          <a:xfrm>
-            <a:off x="6107665" y="4918042"/>
-            <a:ext cx="162000" cy="162000"/>
-          </a:xfrm>
-          <a:prstGeom prst="rect">
-            <a:avLst/>
-          </a:prstGeom>
-        </p:spPr>
-      </p:pic>
-      <p:pic>
-        <p:nvPicPr>
-          <p:cNvPr id="77" name="Grafik 76">
-            <a:extLst>
-              <a:ext uri="{FF2B5EF4-FFF2-40B4-BE49-F238E27FC236}">
-                <a16:creationId xmlns:a16="http://schemas.microsoft.com/office/drawing/2014/main" id="{712A983A-EA50-4904-9A6C-F5AB858A94F4}"/>
-              </a:ext>
-            </a:extLst>
-          </p:cNvPr>
-          <p:cNvPicPr>
-            <a:picLocks noChangeAspect="1"/>
-          </p:cNvPicPr>
-          <p:nvPr/>
-        </p:nvPicPr>
-        <p:blipFill>
-          <a:blip r:embed="rId18">
-            <a:extLst>
-              <a:ext uri="{28A0092B-C50C-407E-A947-70E740481C1C}">
-                <a14:useLocalDpi xmlns:a14="http://schemas.microsoft.com/office/drawing/2010/main" val="0"/>
-              </a:ext>
-            </a:extLst>
-          </a:blip>
-          <a:stretch>
-            <a:fillRect/>
-          </a:stretch>
-        </p:blipFill>
-        <p:spPr>
-          <a:xfrm>
-            <a:off x="6107667" y="5143510"/>
-            <a:ext cx="162000" cy="162000"/>
-          </a:xfrm>
-          <a:prstGeom prst="rect">
-            <a:avLst/>
-          </a:prstGeom>
-        </p:spPr>
-      </p:pic>
-      <p:pic>
-        <p:nvPicPr>
-          <p:cNvPr id="80" name="Grafik 79">
-            <a:extLst>
-              <a:ext uri="{FF2B5EF4-FFF2-40B4-BE49-F238E27FC236}">
-                <a16:creationId xmlns:a16="http://schemas.microsoft.com/office/drawing/2014/main" id="{A401FFFC-38C8-42FA-96D7-BDFCC1007BA9}"/>
-              </a:ext>
-            </a:extLst>
-          </p:cNvPr>
-          <p:cNvPicPr>
-            <a:picLocks noChangeAspect="1"/>
-          </p:cNvPicPr>
-          <p:nvPr/>
-        </p:nvPicPr>
-        <p:blipFill>
-          <a:blip r:embed="rId19">
-            <a:extLst>
-              <a:ext uri="{28A0092B-C50C-407E-A947-70E740481C1C}">
-                <a14:useLocalDpi xmlns:a14="http://schemas.microsoft.com/office/drawing/2010/main" val="0"/>
-              </a:ext>
-            </a:extLst>
-          </a:blip>
-          <a:stretch>
-            <a:fillRect/>
-          </a:stretch>
-        </p:blipFill>
-        <p:spPr>
-          <a:xfrm>
-            <a:off x="6107665" y="5368185"/>
-            <a:ext cx="162000" cy="162000"/>
-          </a:xfrm>
-          <a:prstGeom prst="rect">
-            <a:avLst/>
-          </a:prstGeom>
-        </p:spPr>
-      </p:pic>
-      <p:pic>
-        <p:nvPicPr>
-          <p:cNvPr id="19" name="Grafik 18">
-            <a:extLst>
-              <a:ext uri="{FF2B5EF4-FFF2-40B4-BE49-F238E27FC236}">
-                <a16:creationId xmlns:a16="http://schemas.microsoft.com/office/drawing/2014/main" id="{2CB21200-1D9D-4ADD-B3BD-5A6D4820CFA1}"/>
-              </a:ext>
-            </a:extLst>
-          </p:cNvPr>
-          <p:cNvPicPr>
-            <a:picLocks noChangeAspect="1"/>
-          </p:cNvPicPr>
-          <p:nvPr/>
-        </p:nvPicPr>
-        <p:blipFill rotWithShape="1">
-          <a:blip r:embed="rId20">
-            <a:extLst>
-              <a:ext uri="{28A0092B-C50C-407E-A947-70E740481C1C}">
-                <a14:useLocalDpi xmlns:a14="http://schemas.microsoft.com/office/drawing/2010/main" val="0"/>
-              </a:ext>
-            </a:extLst>
-          </a:blip>
-          <a:srcRect l="4522" t="4800" r="3428" b="4409"/>
-          <a:stretch/>
-        </p:blipFill>
-        <p:spPr>
-          <a:xfrm>
-            <a:off x="5991370" y="6478509"/>
-            <a:ext cx="8621344" cy="4597191"/>
-          </a:xfrm>
-          <a:prstGeom prst="rect">
-            <a:avLst/>
-          </a:prstGeom>
-        </p:spPr>
-      </p:pic>
-      <p:pic>
-        <p:nvPicPr>
-          <p:cNvPr id="73" name="Grafik 72">
-            <a:extLst>
-              <a:ext uri="{FF2B5EF4-FFF2-40B4-BE49-F238E27FC236}">
-                <a16:creationId xmlns:a16="http://schemas.microsoft.com/office/drawing/2014/main" id="{19898755-75B3-4109-AE19-F95FA5991D2F}"/>
-              </a:ext>
-            </a:extLst>
-          </p:cNvPr>
-          <p:cNvPicPr>
-            <a:picLocks noChangeAspect="1"/>
-          </p:cNvPicPr>
-          <p:nvPr/>
-        </p:nvPicPr>
-        <p:blipFill>
-          <a:blip r:embed="rId17">
-            <a:extLst>
-              <a:ext uri="{28A0092B-C50C-407E-A947-70E740481C1C}">
-                <a14:useLocalDpi xmlns:a14="http://schemas.microsoft.com/office/drawing/2010/main" val="0"/>
-              </a:ext>
-            </a:extLst>
-          </a:blip>
-          <a:stretch>
-            <a:fillRect/>
-          </a:stretch>
-        </p:blipFill>
-        <p:spPr>
-          <a:xfrm>
-            <a:off x="9072019" y="7935038"/>
-            <a:ext cx="252000" cy="252000"/>
-          </a:xfrm>
-          <a:prstGeom prst="rect">
-            <a:avLst/>
-          </a:prstGeom>
-        </p:spPr>
-      </p:pic>
-      <p:pic>
-        <p:nvPicPr>
-          <p:cNvPr id="76" name="Grafik 75">
-            <a:extLst>
-              <a:ext uri="{FF2B5EF4-FFF2-40B4-BE49-F238E27FC236}">
-                <a16:creationId xmlns:a16="http://schemas.microsoft.com/office/drawing/2014/main" id="{6EBA92B0-28E5-4F5B-85D9-82F92119E616}"/>
-              </a:ext>
-            </a:extLst>
-          </p:cNvPr>
-          <p:cNvPicPr>
-            <a:picLocks noChangeAspect="1"/>
-          </p:cNvPicPr>
-          <p:nvPr/>
-        </p:nvPicPr>
-        <p:blipFill>
-          <a:blip r:embed="rId18">
-            <a:extLst>
-              <a:ext uri="{28A0092B-C50C-407E-A947-70E740481C1C}">
-                <a14:useLocalDpi xmlns:a14="http://schemas.microsoft.com/office/drawing/2010/main" val="0"/>
-              </a:ext>
-            </a:extLst>
-          </a:blip>
-          <a:stretch>
-            <a:fillRect/>
-          </a:stretch>
-        </p:blipFill>
-        <p:spPr>
-          <a:xfrm>
-            <a:off x="8481372" y="7146753"/>
-            <a:ext cx="252000" cy="252000"/>
-          </a:xfrm>
-          <a:prstGeom prst="rect">
-            <a:avLst/>
-          </a:prstGeom>
-        </p:spPr>
-      </p:pic>
-      <p:pic>
-        <p:nvPicPr>
-          <p:cNvPr id="79" name="Grafik 78">
-            <a:extLst>
-              <a:ext uri="{FF2B5EF4-FFF2-40B4-BE49-F238E27FC236}">
-                <a16:creationId xmlns:a16="http://schemas.microsoft.com/office/drawing/2014/main" id="{71777D5D-D0CE-4308-AAE7-E90F8B800347}"/>
-              </a:ext>
-            </a:extLst>
-          </p:cNvPr>
-          <p:cNvPicPr>
-            <a:picLocks noChangeAspect="1"/>
-          </p:cNvPicPr>
-          <p:nvPr/>
-        </p:nvPicPr>
-        <p:blipFill>
-          <a:blip r:embed="rId19">
-            <a:extLst>
-              <a:ext uri="{28A0092B-C50C-407E-A947-70E740481C1C}">
-                <a14:useLocalDpi xmlns:a14="http://schemas.microsoft.com/office/drawing/2010/main" val="0"/>
-              </a:ext>
-            </a:extLst>
-          </a:blip>
-          <a:stretch>
-            <a:fillRect/>
-          </a:stretch>
-        </p:blipFill>
-        <p:spPr>
-          <a:xfrm>
-            <a:off x="9253977" y="7385200"/>
-            <a:ext cx="252000" cy="252000"/>
-          </a:xfrm>
-          <a:prstGeom prst="rect">
-            <a:avLst/>
-          </a:prstGeom>
-        </p:spPr>
-      </p:pic>
-      <p:pic>
-        <p:nvPicPr>
-          <p:cNvPr id="82" name="Grafik 81">
-            <a:extLst>
-              <a:ext uri="{FF2B5EF4-FFF2-40B4-BE49-F238E27FC236}">
-                <a16:creationId xmlns:a16="http://schemas.microsoft.com/office/drawing/2014/main" id="{3F016134-33DC-4F0E-BC29-B7CCD22EE634}"/>
-              </a:ext>
-            </a:extLst>
-          </p:cNvPr>
-          <p:cNvPicPr>
-            <a:picLocks noChangeAspect="1"/>
-          </p:cNvPicPr>
-          <p:nvPr/>
-        </p:nvPicPr>
-        <p:blipFill>
-          <a:blip r:embed="rId21">
-            <a:extLst>
-              <a:ext uri="{28A0092B-C50C-407E-A947-70E740481C1C}">
-                <a14:useLocalDpi xmlns:a14="http://schemas.microsoft.com/office/drawing/2010/main" val="0"/>
-              </a:ext>
-            </a:extLst>
-          </a:blip>
-          <a:stretch>
-            <a:fillRect/>
-          </a:stretch>
-        </p:blipFill>
-        <p:spPr>
-          <a:xfrm>
-            <a:off x="8898993" y="8946554"/>
-            <a:ext cx="252000" cy="252000"/>
-          </a:xfrm>
-          <a:prstGeom prst="rect">
-            <a:avLst/>
-          </a:prstGeom>
-        </p:spPr>
-      </p:pic>
-      <p:pic>
-        <p:nvPicPr>
-          <p:cNvPr id="83" name="Grafik 82">
-            <a:extLst>
-              <a:ext uri="{FF2B5EF4-FFF2-40B4-BE49-F238E27FC236}">
-                <a16:creationId xmlns:a16="http://schemas.microsoft.com/office/drawing/2014/main" id="{C16A84EF-0560-407B-9026-DBD1E542C061}"/>
-              </a:ext>
-            </a:extLst>
-          </p:cNvPr>
-          <p:cNvPicPr>
-            <a:picLocks noChangeAspect="1"/>
-          </p:cNvPicPr>
-          <p:nvPr/>
-        </p:nvPicPr>
-        <p:blipFill>
-          <a:blip r:embed="rId21">
-            <a:extLst>
-              <a:ext uri="{28A0092B-C50C-407E-A947-70E740481C1C}">
-                <a14:useLocalDpi xmlns:a14="http://schemas.microsoft.com/office/drawing/2010/main" val="0"/>
-              </a:ext>
-            </a:extLst>
-          </a:blip>
-          <a:stretch>
-            <a:fillRect/>
-          </a:stretch>
-        </p:blipFill>
-        <p:spPr>
-          <a:xfrm>
-            <a:off x="6110548" y="6210974"/>
-            <a:ext cx="162000" cy="162000"/>
-          </a:xfrm>
-          <a:prstGeom prst="rect">
-            <a:avLst/>
-          </a:prstGeom>
-        </p:spPr>
-      </p:pic>
-      <p:pic>
-        <p:nvPicPr>
-          <p:cNvPr id="85" name="Grafik 84">
-            <a:extLst>
-              <a:ext uri="{FF2B5EF4-FFF2-40B4-BE49-F238E27FC236}">
-                <a16:creationId xmlns:a16="http://schemas.microsoft.com/office/drawing/2014/main" id="{2FCABDDB-B064-4A4D-B72C-AC096FB30016}"/>
-              </a:ext>
-            </a:extLst>
-          </p:cNvPr>
-          <p:cNvPicPr>
-            <a:picLocks noChangeAspect="1"/>
-          </p:cNvPicPr>
-          <p:nvPr/>
-        </p:nvPicPr>
-        <p:blipFill>
-          <a:blip r:embed="rId22">
-            <a:extLst>
-              <a:ext uri="{28A0092B-C50C-407E-A947-70E740481C1C}">
-                <a14:useLocalDpi xmlns:a14="http://schemas.microsoft.com/office/drawing/2010/main" val="0"/>
-              </a:ext>
-            </a:extLst>
-          </a:blip>
-          <a:stretch>
-            <a:fillRect/>
-          </a:stretch>
-        </p:blipFill>
-        <p:spPr>
-          <a:xfrm>
-            <a:off x="23390592" y="3516386"/>
-            <a:ext cx="1548146" cy="2580245"/>
-          </a:xfrm>
-          <a:prstGeom prst="rect">
-            <a:avLst/>
-          </a:prstGeom>
-        </p:spPr>
-      </p:pic>
-      <p:sp>
-        <p:nvSpPr>
-          <p:cNvPr id="86" name="Textfeld 85">
-            <a:extLst>
-              <a:ext uri="{FF2B5EF4-FFF2-40B4-BE49-F238E27FC236}">
-                <a16:creationId xmlns:a16="http://schemas.microsoft.com/office/drawing/2014/main" id="{2D4AD2A7-E80C-4845-8110-77925FB7C684}"/>
-              </a:ext>
-            </a:extLst>
-          </p:cNvPr>
-          <p:cNvSpPr txBox="1"/>
-          <p:nvPr/>
-        </p:nvSpPr>
-        <p:spPr>
-          <a:xfrm>
-            <a:off x="23401647" y="6139497"/>
-            <a:ext cx="5901002" cy="954107"/>
-          </a:xfrm>
-          <a:prstGeom prst="rect">
-            <a:avLst/>
-          </a:prstGeom>
-          <a:noFill/>
-        </p:spPr>
-        <p:txBody>
-          <a:bodyPr wrap="square" rtlCol="0">
-            <a:spAutoFit/>
-          </a:bodyPr>
-          <a:lstStyle/>
-          <a:p>
-            <a:r>
-              <a:rPr lang="en-GB" sz="1400" dirty="0">
-                <a:latin typeface="Segoe UI Light" panose="020B0502040204020203" pitchFamily="34" charset="0"/>
-                <a:cs typeface="Segoe UI Light" panose="020B0502040204020203" pitchFamily="34" charset="0"/>
-              </a:rPr>
-              <a:t>The results of FA show how the assignment of the variables to the dimensions changed. After rotating the PC’s, the second and the third dimensions explains more variance. Furthermore, the Loadings are more clear in terms of interpretation.</a:t>
-            </a:r>
-            <a:endParaRPr lang="en-GB" b="1" dirty="0">
-              <a:latin typeface="Segoe UI Light" panose="020B0502040204020203" pitchFamily="34" charset="0"/>
-              <a:cs typeface="Segoe UI Light" panose="020B0502040204020203" pitchFamily="34" charset="0"/>
-            </a:endParaRPr>
-          </a:p>
-        </p:txBody>
-      </p:sp>
-      <p:sp>
-        <p:nvSpPr>
-          <p:cNvPr id="2" name="Rechteck: abgerundete Ecken 1">
-            <a:extLst>
-              <a:ext uri="{FF2B5EF4-FFF2-40B4-BE49-F238E27FC236}">
-                <a16:creationId xmlns:a16="http://schemas.microsoft.com/office/drawing/2014/main" id="{9EB4E38C-BB81-4B83-AA86-1A37E719DCA0}"/>
+                <a16:creationId xmlns:a16="http://schemas.microsoft.com/office/drawing/2014/main" id="{4B4796D8-9834-4939-B5D2-7BA2DA855B38}"/>
               </a:ext>
             </a:extLst>
           </p:cNvPr>
@@ -5799,8 +5408,8 @@
         </p:nvSpPr>
         <p:spPr>
           <a:xfrm>
-            <a:off x="720436" y="1949326"/>
-            <a:ext cx="14417170" cy="9217437"/>
+            <a:off x="15594703" y="1949325"/>
+            <a:ext cx="13960074" cy="9217437"/>
           </a:xfrm>
           <a:prstGeom prst="roundRect">
             <a:avLst/>
@@ -5824,20 +5433,141 @@
           </a:fontRef>
         </p:style>
         <p:txBody>
-          <a:bodyPr rtlCol="0" anchor="ctr"/>
+          <a:bodyPr rot="0" spcFirstLastPara="0" vertOverflow="overflow" horzOverflow="overflow" vert="horz" wrap="square" lIns="91440" tIns="45720" rIns="91440" bIns="45720" numCol="1" spcCol="0" rtlCol="0" fromWordArt="0" anchor="ctr" anchorCtr="0" forceAA="0" compatLnSpc="1">
+            <a:prstTxWarp prst="textNoShape">
+              <a:avLst/>
+            </a:prstTxWarp>
+            <a:noAutofit/>
+          </a:bodyPr>
           <a:lstStyle/>
           <a:p>
             <a:pPr algn="ctr"/>
-            <a:endParaRPr lang="en-GB" dirty="0"/>
-          </a:p>
-        </p:txBody>
-      </p:sp>
-      <p:sp>
-        <p:nvSpPr>
-          <p:cNvPr id="15" name="Rechteck: abgerundete Ecken 14">
+            <a:endParaRPr lang="en-GB"/>
+          </a:p>
+        </p:txBody>
+      </p:sp>
+      <p:pic>
+        <p:nvPicPr>
+          <p:cNvPr id="41" name="Grafik 40">
             <a:extLst>
               <a:ext uri="{FF2B5EF4-FFF2-40B4-BE49-F238E27FC236}">
-                <a16:creationId xmlns:a16="http://schemas.microsoft.com/office/drawing/2014/main" id="{615EA419-6204-4B9E-AA03-B160DB96CEE4}"/>
+                <a16:creationId xmlns:a16="http://schemas.microsoft.com/office/drawing/2014/main" id="{08E8AFA2-A2F7-41CD-AA6A-0414E5BC2DE4}"/>
+              </a:ext>
+            </a:extLst>
+          </p:cNvPr>
+          <p:cNvPicPr>
+            <a:picLocks noChangeAspect="1"/>
+          </p:cNvPicPr>
+          <p:nvPr/>
+        </p:nvPicPr>
+        <p:blipFill rotWithShape="1">
+          <a:blip r:embed="rId21">
+            <a:extLst>
+              <a:ext uri="{28A0092B-C50C-407E-A947-70E740481C1C}">
+                <a14:useLocalDpi xmlns:a14="http://schemas.microsoft.com/office/drawing/2010/main" val="0"/>
+              </a:ext>
+            </a:extLst>
+          </a:blip>
+          <a:srcRect t="5254" r="36709"/>
+          <a:stretch/>
+        </p:blipFill>
+        <p:spPr>
+          <a:xfrm>
+            <a:off x="25489825" y="2600747"/>
+            <a:ext cx="3271881" cy="3165978"/>
+          </a:xfrm>
+          <a:prstGeom prst="rect">
+            <a:avLst/>
+          </a:prstGeom>
+        </p:spPr>
+      </p:pic>
+      <p:sp>
+        <p:nvSpPr>
+          <p:cNvPr id="78" name="Textfeld 77">
+            <a:extLst>
+              <a:ext uri="{FF2B5EF4-FFF2-40B4-BE49-F238E27FC236}">
+                <a16:creationId xmlns:a16="http://schemas.microsoft.com/office/drawing/2014/main" id="{01AAE052-7ACB-4B91-9469-813CA409F9EF}"/>
+              </a:ext>
+            </a:extLst>
+          </p:cNvPr>
+          <p:cNvSpPr txBox="1"/>
+          <p:nvPr/>
+        </p:nvSpPr>
+        <p:spPr>
+          <a:xfrm>
+            <a:off x="16128736" y="5573366"/>
+            <a:ext cx="3464891" cy="1384995"/>
+          </a:xfrm>
+          <a:prstGeom prst="rect">
+            <a:avLst/>
+          </a:prstGeom>
+          <a:noFill/>
+        </p:spPr>
+        <p:txBody>
+          <a:bodyPr wrap="square" rtlCol="0">
+            <a:spAutoFit/>
+          </a:bodyPr>
+          <a:lstStyle/>
+          <a:p>
+            <a:pPr algn="just"/>
+            <a:r>
+              <a:rPr lang="en-GB" sz="1400" dirty="0">
+                <a:latin typeface="Segoe UI Light" panose="020B0502040204020203" pitchFamily="34" charset="0"/>
+                <a:cs typeface="Segoe UI Light" panose="020B0502040204020203" pitchFamily="34" charset="0"/>
+              </a:rPr>
+              <a:t>The results of FA show how the assignment of the variables to the dimensions changed. After rotating the PC’s, the second and the third dimensions explains more variance. Furthermore, the Loadings are more clear in terms of interpretation.</a:t>
+            </a:r>
+            <a:endParaRPr lang="en-GB" b="1" dirty="0">
+              <a:latin typeface="Segoe UI Light" panose="020B0502040204020203" pitchFamily="34" charset="0"/>
+              <a:cs typeface="Segoe UI Light" panose="020B0502040204020203" pitchFamily="34" charset="0"/>
+            </a:endParaRPr>
+          </a:p>
+        </p:txBody>
+      </p:sp>
+      <p:sp>
+        <p:nvSpPr>
+          <p:cNvPr id="81" name="Textfeld 80">
+            <a:extLst>
+              <a:ext uri="{FF2B5EF4-FFF2-40B4-BE49-F238E27FC236}">
+                <a16:creationId xmlns:a16="http://schemas.microsoft.com/office/drawing/2014/main" id="{A9600A04-A50C-4B1C-ACF6-8A3C8FB22A35}"/>
+              </a:ext>
+            </a:extLst>
+          </p:cNvPr>
+          <p:cNvSpPr txBox="1"/>
+          <p:nvPr/>
+        </p:nvSpPr>
+        <p:spPr>
+          <a:xfrm>
+            <a:off x="16125140" y="7068835"/>
+            <a:ext cx="4469599" cy="338554"/>
+          </a:xfrm>
+          <a:prstGeom prst="rect">
+            <a:avLst/>
+          </a:prstGeom>
+          <a:noFill/>
+        </p:spPr>
+        <p:txBody>
+          <a:bodyPr wrap="square" rtlCol="0">
+            <a:spAutoFit/>
+          </a:bodyPr>
+          <a:lstStyle/>
+          <a:p>
+            <a:r>
+              <a:rPr lang="en-GB" sz="1600" b="1" dirty="0">
+                <a:latin typeface="Segoe UI Light" panose="020B0502040204020203" pitchFamily="34" charset="0"/>
+                <a:cs typeface="Segoe UI Light" panose="020B0502040204020203" pitchFamily="34" charset="0"/>
+              </a:rPr>
+              <a:t>PCA Interpretation</a:t>
+            </a:r>
+          </a:p>
+        </p:txBody>
+      </p:sp>
+      <p:sp>
+        <p:nvSpPr>
+          <p:cNvPr id="14" name="Rechteck: abgerundete Ecken 13">
+            <a:extLst>
+              <a:ext uri="{FF2B5EF4-FFF2-40B4-BE49-F238E27FC236}">
+                <a16:creationId xmlns:a16="http://schemas.microsoft.com/office/drawing/2014/main" id="{C9448E25-4DFB-417F-9427-887A0EB7343A}"/>
               </a:ext>
             </a:extLst>
           </p:cNvPr>
@@ -5846,8 +5576,8 @@
         </p:nvSpPr>
         <p:spPr>
           <a:xfrm>
-            <a:off x="1287545" y="1747815"/>
-            <a:ext cx="3689436" cy="824688"/>
+            <a:off x="16075143" y="1747815"/>
+            <a:ext cx="3672000" cy="828000"/>
           </a:xfrm>
           <a:prstGeom prst="roundRect">
             <a:avLst/>
@@ -5882,17 +5612,217 @@
                 <a:latin typeface="Segoe UI Light" panose="020B0502040204020203" pitchFamily="34" charset="0"/>
                 <a:cs typeface="Segoe UI Light" panose="020B0502040204020203" pitchFamily="34" charset="0"/>
               </a:rPr>
-              <a:t>Data Exploration</a:t>
+              <a:t>Dimension Reduction</a:t>
+            </a:r>
+          </a:p>
+        </p:txBody>
+      </p:sp>
+      <p:sp>
+        <p:nvSpPr>
+          <p:cNvPr id="52" name="Textfeld 51">
+            <a:extLst>
+              <a:ext uri="{FF2B5EF4-FFF2-40B4-BE49-F238E27FC236}">
+                <a16:creationId xmlns:a16="http://schemas.microsoft.com/office/drawing/2014/main" id="{B84592CF-F25C-4FED-870B-E7E24FA58AEA}"/>
+              </a:ext>
+            </a:extLst>
+          </p:cNvPr>
+          <p:cNvSpPr txBox="1"/>
+          <p:nvPr/>
+        </p:nvSpPr>
+        <p:spPr>
+          <a:xfrm>
+            <a:off x="10649785" y="16947802"/>
+            <a:ext cx="5244410" cy="2462213"/>
+          </a:xfrm>
+          <a:prstGeom prst="rect">
+            <a:avLst/>
+          </a:prstGeom>
+          <a:noFill/>
+        </p:spPr>
+        <p:txBody>
+          <a:bodyPr wrap="square" rtlCol="0">
+            <a:spAutoFit/>
+          </a:bodyPr>
+          <a:lstStyle/>
+          <a:p>
+            <a:r>
+              <a:rPr lang="en-GB" sz="1400" dirty="0">
+                <a:latin typeface="Segoe UI Light" panose="020B0502040204020203" pitchFamily="34" charset="0"/>
+                <a:cs typeface="Segoe UI Light" panose="020B0502040204020203" pitchFamily="34" charset="0"/>
+              </a:rPr>
+              <a:t>Variables that predict happiness: (R² = 78% ~ 3 PC) </a:t>
+            </a:r>
+            <a:r>
+              <a:rPr lang="en-GB" sz="1400" dirty="0">
+                <a:latin typeface="Segoe UI Light" panose="020B0502040204020203" pitchFamily="34" charset="0"/>
+                <a:cs typeface="Segoe UI Light" panose="020B0502040204020203" pitchFamily="34" charset="0"/>
+                <a:sym typeface="Wingdings" panose="05000000000000000000" pitchFamily="2" charset="2"/>
+              </a:rPr>
+              <a:t> Variable Importance </a:t>
+            </a:r>
+            <a:r>
+              <a:rPr lang="en-GB" sz="1400" dirty="0" err="1">
+                <a:latin typeface="Segoe UI Light" panose="020B0502040204020203" pitchFamily="34" charset="0"/>
+                <a:cs typeface="Segoe UI Light" panose="020B0502040204020203" pitchFamily="34" charset="0"/>
+                <a:sym typeface="Wingdings" panose="05000000000000000000" pitchFamily="2" charset="2"/>
+              </a:rPr>
+              <a:t>grpah</a:t>
+            </a:r>
+            <a:endParaRPr lang="en-GB" sz="1400" dirty="0">
+              <a:latin typeface="Segoe UI Light" panose="020B0502040204020203" pitchFamily="34" charset="0"/>
+              <a:cs typeface="Segoe UI Light" panose="020B0502040204020203" pitchFamily="34" charset="0"/>
+            </a:endParaRPr>
+          </a:p>
+          <a:p>
+            <a:pPr marL="285750" indent="-285750">
+              <a:buFontTx/>
+              <a:buChar char="-"/>
+            </a:pPr>
+            <a:r>
+              <a:rPr lang="en-GB" sz="1400" dirty="0">
+                <a:latin typeface="Segoe UI Light" panose="020B0502040204020203" pitchFamily="34" charset="0"/>
+                <a:cs typeface="Segoe UI Light" panose="020B0502040204020203" pitchFamily="34" charset="0"/>
+              </a:rPr>
+              <a:t>Economy GDP per Capita</a:t>
+            </a:r>
+          </a:p>
+          <a:p>
+            <a:pPr marL="285750" indent="-285750">
+              <a:buFontTx/>
+              <a:buChar char="-"/>
+            </a:pPr>
+            <a:r>
+              <a:rPr lang="en-GB" sz="1400" dirty="0">
+                <a:latin typeface="Segoe UI Light" panose="020B0502040204020203" pitchFamily="34" charset="0"/>
+                <a:cs typeface="Segoe UI Light" panose="020B0502040204020203" pitchFamily="34" charset="0"/>
+              </a:rPr>
+              <a:t>Family</a:t>
+            </a:r>
+          </a:p>
+          <a:p>
+            <a:pPr marL="285750" indent="-285750">
+              <a:buFontTx/>
+              <a:buChar char="-"/>
+            </a:pPr>
+            <a:r>
+              <a:rPr lang="en-GB" sz="1400" dirty="0">
+                <a:latin typeface="Segoe UI Light" panose="020B0502040204020203" pitchFamily="34" charset="0"/>
+                <a:cs typeface="Segoe UI Light" panose="020B0502040204020203" pitchFamily="34" charset="0"/>
+              </a:rPr>
+              <a:t>Freedom</a:t>
+            </a:r>
+          </a:p>
+          <a:p>
+            <a:pPr marL="285750" indent="-285750">
+              <a:buFontTx/>
+              <a:buChar char="-"/>
+            </a:pPr>
+            <a:r>
+              <a:rPr lang="en-GB" sz="1400" dirty="0">
+                <a:latin typeface="Segoe UI Light" panose="020B0502040204020203" pitchFamily="34" charset="0"/>
+                <a:cs typeface="Segoe UI Light" panose="020B0502040204020203" pitchFamily="34" charset="0"/>
+              </a:rPr>
+              <a:t>Internet Usage Index</a:t>
+            </a:r>
+          </a:p>
+          <a:p>
+            <a:pPr marL="285750" indent="-285750">
+              <a:buFontTx/>
+              <a:buChar char="-"/>
+            </a:pPr>
+            <a:r>
+              <a:rPr lang="en-GB" sz="1400" dirty="0">
+                <a:latin typeface="Segoe UI Light" panose="020B0502040204020203" pitchFamily="34" charset="0"/>
+                <a:cs typeface="Segoe UI Light" panose="020B0502040204020203" pitchFamily="34" charset="0"/>
+              </a:rPr>
+              <a:t>Health Life Expectancy</a:t>
+            </a:r>
+          </a:p>
+          <a:p>
+            <a:pPr marL="285750" indent="-285750">
+              <a:buFontTx/>
+              <a:buChar char="-"/>
+            </a:pPr>
+            <a:endParaRPr lang="en-GB" sz="1400" dirty="0">
+              <a:latin typeface="Segoe UI Light" panose="020B0502040204020203" pitchFamily="34" charset="0"/>
+              <a:cs typeface="Segoe UI Light" panose="020B0502040204020203" pitchFamily="34" charset="0"/>
+            </a:endParaRPr>
+          </a:p>
+          <a:p>
+            <a:pPr marL="285750" indent="-285750">
+              <a:buFontTx/>
+              <a:buChar char="-"/>
+            </a:pPr>
+            <a:endParaRPr lang="en-GB" sz="1400" dirty="0">
+              <a:latin typeface="Segoe UI Light" panose="020B0502040204020203" pitchFamily="34" charset="0"/>
+              <a:cs typeface="Segoe UI Light" panose="020B0502040204020203" pitchFamily="34" charset="0"/>
+            </a:endParaRPr>
+          </a:p>
+          <a:p>
+            <a:r>
+              <a:rPr lang="en-GB" sz="1400" dirty="0">
+                <a:latin typeface="Segoe UI Light" panose="020B0502040204020203" pitchFamily="34" charset="0"/>
+                <a:cs typeface="Segoe UI Light" panose="020B0502040204020203" pitchFamily="34" charset="0"/>
+              </a:rPr>
+              <a:t>Variables explain low, mid, high with </a:t>
+            </a:r>
+            <a:r>
+              <a:rPr lang="en-GB" sz="1400" dirty="0" err="1">
+                <a:latin typeface="Segoe UI Light" panose="020B0502040204020203" pitchFamily="34" charset="0"/>
+                <a:cs typeface="Segoe UI Light" panose="020B0502040204020203" pitchFamily="34" charset="0"/>
+              </a:rPr>
+              <a:t>corrmatrix</a:t>
+            </a:r>
+            <a:r>
+              <a:rPr lang="en-GB" sz="1400" dirty="0">
+                <a:latin typeface="Segoe UI Light" panose="020B0502040204020203" pitchFamily="34" charset="0"/>
+                <a:cs typeface="Segoe UI Light" panose="020B0502040204020203" pitchFamily="34" charset="0"/>
+              </a:rPr>
+              <a:t> as </a:t>
+            </a:r>
+            <a:r>
+              <a:rPr lang="en-GB" sz="1400" dirty="0" err="1">
+                <a:latin typeface="Segoe UI Light" panose="020B0502040204020203" pitchFamily="34" charset="0"/>
+                <a:cs typeface="Segoe UI Light" panose="020B0502040204020203" pitchFamily="34" charset="0"/>
+              </a:rPr>
+              <a:t>interpretion</a:t>
+            </a:r>
+            <a:endParaRPr lang="en-GB" sz="1400" dirty="0">
+              <a:latin typeface="Segoe UI Light" panose="020B0502040204020203" pitchFamily="34" charset="0"/>
+              <a:cs typeface="Segoe UI Light" panose="020B0502040204020203" pitchFamily="34" charset="0"/>
+            </a:endParaRPr>
+          </a:p>
+          <a:p>
+            <a:r>
+              <a:rPr lang="en-GB" sz="1400" dirty="0">
+                <a:latin typeface="Segoe UI Light" panose="020B0502040204020203" pitchFamily="34" charset="0"/>
+                <a:cs typeface="Segoe UI Light" panose="020B0502040204020203" pitchFamily="34" charset="0"/>
+              </a:rPr>
+              <a:t>Interpret </a:t>
+            </a:r>
+            <a:r>
+              <a:rPr lang="en-GB" sz="1400" dirty="0" err="1">
+                <a:latin typeface="Segoe UI Light" panose="020B0502040204020203" pitchFamily="34" charset="0"/>
+                <a:cs typeface="Segoe UI Light" panose="020B0502040204020203" pitchFamily="34" charset="0"/>
+              </a:rPr>
+              <a:t>corr</a:t>
+            </a:r>
+            <a:r>
+              <a:rPr lang="en-GB" sz="1400" dirty="0">
+                <a:latin typeface="Segoe UI Light" panose="020B0502040204020203" pitchFamily="34" charset="0"/>
+                <a:cs typeface="Segoe UI Light" panose="020B0502040204020203" pitchFamily="34" charset="0"/>
+              </a:rPr>
+              <a:t> matrix</a:t>
             </a:r>
           </a:p>
         </p:txBody>
       </p:sp>
       <p:pic>
         <p:nvPicPr>
-          <p:cNvPr id="26" name="Grafik 25">
+          <p:cNvPr id="57" name="Grafik 56">
             <a:extLst>
               <a:ext uri="{FF2B5EF4-FFF2-40B4-BE49-F238E27FC236}">
-                <a16:creationId xmlns:a16="http://schemas.microsoft.com/office/drawing/2014/main" id="{9A9E4601-0B29-4693-BB1D-53BF12DFBBFC}"/>
+                <a16:creationId xmlns:a16="http://schemas.microsoft.com/office/drawing/2014/main" id="{40CB14E3-7617-4268-A302-C88AFD35C55A}"/>
               </a:ext>
             </a:extLst>
           </p:cNvPr>
@@ -5902,27 +5832,393 @@
           <p:nvPr/>
         </p:nvPicPr>
         <p:blipFill>
-          <a:blip r:embed="rId23"/>
+          <a:blip r:embed="rId22">
+            <a:extLst>
+              <a:ext uri="{28A0092B-C50C-407E-A947-70E740481C1C}">
+                <a14:useLocalDpi xmlns:a14="http://schemas.microsoft.com/office/drawing/2010/main" val="0"/>
+              </a:ext>
+            </a:extLst>
+          </a:blip>
           <a:stretch>
             <a:fillRect/>
           </a:stretch>
         </p:blipFill>
         <p:spPr>
           <a:xfrm>
-            <a:off x="1974502" y="16594175"/>
-            <a:ext cx="6004958" cy="4003305"/>
+            <a:off x="28020274" y="19277736"/>
+            <a:ext cx="1087302" cy="1087302"/>
           </a:xfrm>
           <a:prstGeom prst="rect">
             <a:avLst/>
           </a:prstGeom>
         </p:spPr>
       </p:pic>
+      <p:sp>
+        <p:nvSpPr>
+          <p:cNvPr id="87" name="Textfeld 86">
+            <a:extLst>
+              <a:ext uri="{FF2B5EF4-FFF2-40B4-BE49-F238E27FC236}">
+                <a16:creationId xmlns:a16="http://schemas.microsoft.com/office/drawing/2014/main" id="{832B9877-46F0-48C5-AFC9-33CEF009BE88}"/>
+              </a:ext>
+            </a:extLst>
+          </p:cNvPr>
+          <p:cNvSpPr txBox="1"/>
+          <p:nvPr/>
+        </p:nvSpPr>
+        <p:spPr>
+          <a:xfrm>
+            <a:off x="10129021" y="12882697"/>
+            <a:ext cx="4469599" cy="338554"/>
+          </a:xfrm>
+          <a:prstGeom prst="rect">
+            <a:avLst/>
+          </a:prstGeom>
+          <a:noFill/>
+        </p:spPr>
+        <p:txBody>
+          <a:bodyPr wrap="square" rtlCol="0">
+            <a:spAutoFit/>
+          </a:bodyPr>
+          <a:lstStyle/>
+          <a:p>
+            <a:r>
+              <a:rPr lang="en-GB" sz="1600" b="1" dirty="0">
+                <a:latin typeface="Segoe UI Light" panose="020B0502040204020203" pitchFamily="34" charset="0"/>
+                <a:cs typeface="Segoe UI Light" panose="020B0502040204020203" pitchFamily="34" charset="0"/>
+              </a:rPr>
+              <a:t>Variables</a:t>
+            </a:r>
+          </a:p>
+        </p:txBody>
+      </p:sp>
+      <p:sp>
+        <p:nvSpPr>
+          <p:cNvPr id="88" name="Textfeld 87">
+            <a:extLst>
+              <a:ext uri="{FF2B5EF4-FFF2-40B4-BE49-F238E27FC236}">
+                <a16:creationId xmlns:a16="http://schemas.microsoft.com/office/drawing/2014/main" id="{4A738AE2-9073-40EB-A42B-84727F69259C}"/>
+              </a:ext>
+            </a:extLst>
+          </p:cNvPr>
+          <p:cNvSpPr txBox="1"/>
+          <p:nvPr/>
+        </p:nvSpPr>
+        <p:spPr>
+          <a:xfrm>
+            <a:off x="16386463" y="12702298"/>
+            <a:ext cx="4469599" cy="338554"/>
+          </a:xfrm>
+          <a:prstGeom prst="rect">
+            <a:avLst/>
+          </a:prstGeom>
+          <a:noFill/>
+        </p:spPr>
+        <p:txBody>
+          <a:bodyPr wrap="square" rtlCol="0">
+            <a:spAutoFit/>
+          </a:bodyPr>
+          <a:lstStyle/>
+          <a:p>
+            <a:r>
+              <a:rPr lang="en-GB" sz="1600" b="1" dirty="0">
+                <a:latin typeface="Segoe UI Light" panose="020B0502040204020203" pitchFamily="34" charset="0"/>
+                <a:cs typeface="Segoe UI Light" panose="020B0502040204020203" pitchFamily="34" charset="0"/>
+              </a:rPr>
+              <a:t>Principal Components</a:t>
+            </a:r>
+          </a:p>
+        </p:txBody>
+      </p:sp>
+      <p:sp>
+        <p:nvSpPr>
+          <p:cNvPr id="95" name="Textfeld 94">
+            <a:extLst>
+              <a:ext uri="{FF2B5EF4-FFF2-40B4-BE49-F238E27FC236}">
+                <a16:creationId xmlns:a16="http://schemas.microsoft.com/office/drawing/2014/main" id="{D3BCF549-CC0C-445D-ABD8-B69B09AF603F}"/>
+              </a:ext>
+            </a:extLst>
+          </p:cNvPr>
+          <p:cNvSpPr txBox="1"/>
+          <p:nvPr/>
+        </p:nvSpPr>
+        <p:spPr>
+          <a:xfrm>
+            <a:off x="23644857" y="13153336"/>
+            <a:ext cx="3364784" cy="2123658"/>
+          </a:xfrm>
+          <a:prstGeom prst="rect">
+            <a:avLst/>
+          </a:prstGeom>
+          <a:noFill/>
+        </p:spPr>
+        <p:txBody>
+          <a:bodyPr wrap="square" rtlCol="0">
+            <a:spAutoFit/>
+          </a:bodyPr>
+          <a:lstStyle/>
+          <a:p>
+            <a:r>
+              <a:rPr lang="en-GB" sz="1600" dirty="0">
+                <a:latin typeface="Segoe UI Light" panose="020B0502040204020203" pitchFamily="34" charset="0"/>
+                <a:cs typeface="Segoe UI Light" panose="020B0502040204020203" pitchFamily="34" charset="0"/>
+              </a:rPr>
+              <a:t>But what is “happiness”?</a:t>
+            </a:r>
+          </a:p>
+          <a:p>
+            <a:pPr marL="285750" indent="-285750">
+              <a:buFontTx/>
+              <a:buChar char="-"/>
+            </a:pPr>
+            <a:endParaRPr lang="en-GB" sz="1400" dirty="0">
+              <a:latin typeface="Segoe UI Light" panose="020B0502040204020203" pitchFamily="34" charset="0"/>
+              <a:cs typeface="Segoe UI Light" panose="020B0502040204020203" pitchFamily="34" charset="0"/>
+            </a:endParaRPr>
+          </a:p>
+          <a:p>
+            <a:pPr marL="285750" indent="-285750">
+              <a:buFontTx/>
+              <a:buChar char="-"/>
+            </a:pPr>
+            <a:r>
+              <a:rPr lang="en-GB" sz="1400" dirty="0">
+                <a:latin typeface="Segoe UI Light" panose="020B0502040204020203" pitchFamily="34" charset="0"/>
+                <a:cs typeface="Segoe UI Light" panose="020B0502040204020203" pitchFamily="34" charset="0"/>
+              </a:rPr>
+              <a:t>Explain outcome variables quickly</a:t>
+            </a:r>
+          </a:p>
+          <a:p>
+            <a:pPr marL="285750" indent="-285750">
+              <a:buFontTx/>
+              <a:buChar char="-"/>
+            </a:pPr>
+            <a:r>
+              <a:rPr lang="en-GB" sz="1400" dirty="0">
+                <a:latin typeface="Segoe UI Light" panose="020B0502040204020203" pitchFamily="34" charset="0"/>
+                <a:cs typeface="Segoe UI Light" panose="020B0502040204020203" pitchFamily="34" charset="0"/>
+              </a:rPr>
+              <a:t>Interpretation of happiness (UN Data doesn’t match with term happiness in the world) -&gt; cant measure happiness</a:t>
+            </a:r>
+          </a:p>
+          <a:p>
+            <a:pPr marL="285750" indent="-285750">
+              <a:buFontTx/>
+              <a:buChar char="-"/>
+            </a:pPr>
+            <a:endParaRPr lang="en-GB" sz="1400" dirty="0">
+              <a:latin typeface="Segoe UI Light" panose="020B0502040204020203" pitchFamily="34" charset="0"/>
+              <a:cs typeface="Segoe UI Light" panose="020B0502040204020203" pitchFamily="34" charset="0"/>
+            </a:endParaRPr>
+          </a:p>
+          <a:p>
+            <a:pPr marL="285750" indent="-285750">
+              <a:buFontTx/>
+              <a:buChar char="-"/>
+            </a:pPr>
+            <a:endParaRPr lang="en-GB" sz="1400" dirty="0">
+              <a:latin typeface="Segoe UI Light" panose="020B0502040204020203" pitchFamily="34" charset="0"/>
+              <a:cs typeface="Segoe UI Light" panose="020B0502040204020203" pitchFamily="34" charset="0"/>
+            </a:endParaRPr>
+          </a:p>
+          <a:p>
+            <a:endParaRPr lang="en-GB" b="1" dirty="0">
+              <a:latin typeface="Segoe UI Light" panose="020B0502040204020203" pitchFamily="34" charset="0"/>
+              <a:cs typeface="Segoe UI Light" panose="020B0502040204020203" pitchFamily="34" charset="0"/>
+            </a:endParaRPr>
+          </a:p>
+        </p:txBody>
+      </p:sp>
+      <p:grpSp>
+        <p:nvGrpSpPr>
+          <p:cNvPr id="75" name="Gruppieren 74">
+            <a:extLst>
+              <a:ext uri="{FF2B5EF4-FFF2-40B4-BE49-F238E27FC236}">
+                <a16:creationId xmlns:a16="http://schemas.microsoft.com/office/drawing/2014/main" id="{EAB79F1A-2881-447C-9BF5-DC35C06CBC85}"/>
+              </a:ext>
+            </a:extLst>
+          </p:cNvPr>
+          <p:cNvGrpSpPr/>
+          <p:nvPr/>
+        </p:nvGrpSpPr>
+        <p:grpSpPr>
+          <a:xfrm>
+            <a:off x="16082250" y="3556000"/>
+            <a:ext cx="3268903" cy="1984346"/>
+            <a:chOff x="16150830" y="3456940"/>
+            <a:chExt cx="3268903" cy="1984346"/>
+          </a:xfrm>
+        </p:grpSpPr>
+        <p:pic>
+          <p:nvPicPr>
+            <p:cNvPr id="97" name="Grafik 96">
+              <a:extLst>
+                <a:ext uri="{FF2B5EF4-FFF2-40B4-BE49-F238E27FC236}">
+                  <a16:creationId xmlns:a16="http://schemas.microsoft.com/office/drawing/2014/main" id="{610788E9-0472-491F-BBF7-775010BB4BE6}"/>
+                </a:ext>
+              </a:extLst>
+            </p:cNvPr>
+            <p:cNvPicPr>
+              <a:picLocks noChangeAspect="1"/>
+            </p:cNvPicPr>
+            <p:nvPr/>
+          </p:nvPicPr>
+          <p:blipFill rotWithShape="1">
+            <a:blip r:embed="rId23">
+              <a:extLst>
+                <a:ext uri="{28A0092B-C50C-407E-A947-70E740481C1C}">
+                  <a14:useLocalDpi xmlns:a14="http://schemas.microsoft.com/office/drawing/2010/main" val="0"/>
+                </a:ext>
+              </a:extLst>
+            </a:blip>
+            <a:srcRect t="5571"/>
+            <a:stretch/>
+          </p:blipFill>
+          <p:spPr>
+            <a:xfrm>
+              <a:off x="16150830" y="3456940"/>
+              <a:ext cx="3268903" cy="1984346"/>
+            </a:xfrm>
+            <a:prstGeom prst="rect">
+              <a:avLst/>
+            </a:prstGeom>
+          </p:spPr>
+        </p:pic>
+        <p:sp>
+          <p:nvSpPr>
+            <p:cNvPr id="98" name="Textfeld 97">
+              <a:extLst>
+                <a:ext uri="{FF2B5EF4-FFF2-40B4-BE49-F238E27FC236}">
+                  <a16:creationId xmlns:a16="http://schemas.microsoft.com/office/drawing/2014/main" id="{5B6D9E7A-4324-4701-9C5F-517883FC8C70}"/>
+                </a:ext>
+              </a:extLst>
+            </p:cNvPr>
+            <p:cNvSpPr txBox="1"/>
+            <p:nvPr/>
+          </p:nvSpPr>
+          <p:spPr>
+            <a:xfrm rot="16200000">
+              <a:off x="15759770" y="4246813"/>
+              <a:ext cx="1600438" cy="253916"/>
+            </a:xfrm>
+            <a:prstGeom prst="rect">
+              <a:avLst/>
+            </a:prstGeom>
+            <a:noFill/>
+          </p:spPr>
+          <p:txBody>
+            <a:bodyPr wrap="square" rtlCol="0">
+              <a:spAutoFit/>
+            </a:bodyPr>
+            <a:lstStyle/>
+            <a:p>
+              <a:pPr algn="r"/>
+              <a:r>
+                <a:rPr lang="en-GB" sz="900" dirty="0">
+                  <a:latin typeface="Segoe UI Light" panose="020B0502040204020203" pitchFamily="34" charset="0"/>
+                  <a:cs typeface="Segoe UI Light" panose="020B0502040204020203" pitchFamily="34" charset="0"/>
+                </a:rPr>
+                <a:t>Country</a:t>
+              </a:r>
+              <a:r>
+                <a:rPr lang="en-GB" sz="1050" dirty="0"/>
+                <a:t> </a:t>
+              </a:r>
+              <a:r>
+                <a:rPr lang="en-GB" sz="900" dirty="0">
+                  <a:latin typeface="Segoe UI Light" panose="020B0502040204020203" pitchFamily="34" charset="0"/>
+                  <a:cs typeface="Segoe UI Light" panose="020B0502040204020203" pitchFamily="34" charset="0"/>
+                </a:rPr>
+                <a:t>Development</a:t>
+              </a:r>
+            </a:p>
+          </p:txBody>
+        </p:sp>
+        <p:sp>
+          <p:nvSpPr>
+            <p:cNvPr id="100" name="Textfeld 99">
+              <a:extLst>
+                <a:ext uri="{FF2B5EF4-FFF2-40B4-BE49-F238E27FC236}">
+                  <a16:creationId xmlns:a16="http://schemas.microsoft.com/office/drawing/2014/main" id="{73F2E291-23B2-4780-A7BD-A187EE9C5707}"/>
+                </a:ext>
+              </a:extLst>
+            </p:cNvPr>
+            <p:cNvSpPr txBox="1"/>
+            <p:nvPr/>
+          </p:nvSpPr>
+          <p:spPr>
+            <a:xfrm rot="16200000">
+              <a:off x="16117539" y="4167889"/>
+              <a:ext cx="1480469" cy="230832"/>
+            </a:xfrm>
+            <a:prstGeom prst="rect">
+              <a:avLst/>
+            </a:prstGeom>
+            <a:noFill/>
+          </p:spPr>
+          <p:txBody>
+            <a:bodyPr wrap="square" rtlCol="0">
+              <a:spAutoFit/>
+            </a:bodyPr>
+            <a:lstStyle/>
+            <a:p>
+              <a:pPr algn="r"/>
+              <a:r>
+                <a:rPr lang="en-GB" sz="900" dirty="0">
+                  <a:latin typeface="Segoe UI Light" panose="020B0502040204020203" pitchFamily="34" charset="0"/>
+                  <a:cs typeface="Segoe UI Light" panose="020B0502040204020203" pitchFamily="34" charset="0"/>
+                </a:rPr>
+                <a:t>Freedom &amp; Corruption</a:t>
+              </a:r>
+            </a:p>
+          </p:txBody>
+        </p:sp>
+        <p:sp>
+          <p:nvSpPr>
+            <p:cNvPr id="101" name="Textfeld 100">
+              <a:extLst>
+                <a:ext uri="{FF2B5EF4-FFF2-40B4-BE49-F238E27FC236}">
+                  <a16:creationId xmlns:a16="http://schemas.microsoft.com/office/drawing/2014/main" id="{0287E17F-0457-4927-9A87-C981F7D5F1F5}"/>
+                </a:ext>
+              </a:extLst>
+            </p:cNvPr>
+            <p:cNvSpPr txBox="1"/>
+            <p:nvPr/>
+          </p:nvSpPr>
+          <p:spPr>
+            <a:xfrm rot="16200000">
+              <a:off x="16483990" y="4092990"/>
+              <a:ext cx="1330673" cy="230832"/>
+            </a:xfrm>
+            <a:prstGeom prst="rect">
+              <a:avLst/>
+            </a:prstGeom>
+            <a:noFill/>
+          </p:spPr>
+          <p:txBody>
+            <a:bodyPr wrap="square" rtlCol="0">
+              <a:spAutoFit/>
+            </a:bodyPr>
+            <a:lstStyle/>
+            <a:p>
+              <a:pPr algn="r"/>
+              <a:r>
+                <a:rPr lang="en-GB" sz="900" dirty="0">
+                  <a:latin typeface="Segoe UI Light" panose="020B0502040204020203" pitchFamily="34" charset="0"/>
+                  <a:cs typeface="Segoe UI Light" panose="020B0502040204020203" pitchFamily="34" charset="0"/>
+                </a:rPr>
+                <a:t>Air Pollution</a:t>
+              </a:r>
+            </a:p>
+          </p:txBody>
+        </p:sp>
+      </p:grpSp>
       <p:pic>
         <p:nvPicPr>
-          <p:cNvPr id="28" name="Grafik 27">
+          <p:cNvPr id="9" name="Grafik 8">
             <a:extLst>
               <a:ext uri="{FF2B5EF4-FFF2-40B4-BE49-F238E27FC236}">
-                <a16:creationId xmlns:a16="http://schemas.microsoft.com/office/drawing/2014/main" id="{C885437F-B18F-4220-B36C-3399B498F414}"/>
+                <a16:creationId xmlns:a16="http://schemas.microsoft.com/office/drawing/2014/main" id="{E81CE317-DF19-468E-B1AC-E56979EE6C98}"/>
               </a:ext>
             </a:extLst>
           </p:cNvPr>
@@ -5932,27 +6228,109 @@
           <p:nvPr/>
         </p:nvPicPr>
         <p:blipFill>
-          <a:blip r:embed="rId24"/>
+          <a:blip r:embed="rId24">
+            <a:extLst>
+              <a:ext uri="{28A0092B-C50C-407E-A947-70E740481C1C}">
+                <a14:useLocalDpi xmlns:a14="http://schemas.microsoft.com/office/drawing/2010/main" val="0"/>
+              </a:ext>
+            </a:extLst>
+          </a:blip>
           <a:stretch>
             <a:fillRect/>
           </a:stretch>
         </p:blipFill>
         <p:spPr>
           <a:xfrm>
-            <a:off x="1395807" y="12975884"/>
-            <a:ext cx="5234549" cy="3489699"/>
+            <a:off x="1391279" y="6919057"/>
+            <a:ext cx="3268574" cy="2071340"/>
           </a:xfrm>
           <a:prstGeom prst="rect">
             <a:avLst/>
           </a:prstGeom>
         </p:spPr>
       </p:pic>
+      <p:sp>
+        <p:nvSpPr>
+          <p:cNvPr id="94" name="Textfeld 93">
+            <a:extLst>
+              <a:ext uri="{FF2B5EF4-FFF2-40B4-BE49-F238E27FC236}">
+                <a16:creationId xmlns:a16="http://schemas.microsoft.com/office/drawing/2014/main" id="{CE4CDDBD-9899-4627-86E4-93F458BF63DC}"/>
+              </a:ext>
+            </a:extLst>
+          </p:cNvPr>
+          <p:cNvSpPr txBox="1"/>
+          <p:nvPr/>
+        </p:nvSpPr>
+        <p:spPr>
+          <a:xfrm>
+            <a:off x="1066527" y="6885384"/>
+            <a:ext cx="3968344" cy="307777"/>
+          </a:xfrm>
+          <a:prstGeom prst="rect">
+            <a:avLst/>
+          </a:prstGeom>
+          <a:noFill/>
+        </p:spPr>
+        <p:txBody>
+          <a:bodyPr wrap="square" rtlCol="0">
+            <a:spAutoFit/>
+          </a:bodyPr>
+          <a:lstStyle/>
+          <a:p>
+            <a:r>
+              <a:rPr lang="en-GB" sz="1400" dirty="0">
+                <a:latin typeface="Segoe UI Light" panose="020B0502040204020203" pitchFamily="34" charset="0"/>
+                <a:cs typeface="Segoe UI Light" panose="020B0502040204020203" pitchFamily="34" charset="0"/>
+              </a:rPr>
+              <a:t>Q-Q Plot – Assessment of multivariate normality</a:t>
+            </a:r>
+          </a:p>
+        </p:txBody>
+      </p:sp>
+      <p:sp>
+        <p:nvSpPr>
+          <p:cNvPr id="96" name="Textfeld 95">
+            <a:extLst>
+              <a:ext uri="{FF2B5EF4-FFF2-40B4-BE49-F238E27FC236}">
+                <a16:creationId xmlns:a16="http://schemas.microsoft.com/office/drawing/2014/main" id="{A46978B6-AC43-474A-88B5-7AD2ED3381F1}"/>
+              </a:ext>
+            </a:extLst>
+          </p:cNvPr>
+          <p:cNvSpPr txBox="1"/>
+          <p:nvPr/>
+        </p:nvSpPr>
+        <p:spPr>
+          <a:xfrm>
+            <a:off x="1090702" y="8970369"/>
+            <a:ext cx="3968344" cy="307777"/>
+          </a:xfrm>
+          <a:prstGeom prst="rect">
+            <a:avLst/>
+          </a:prstGeom>
+          <a:noFill/>
+        </p:spPr>
+        <p:txBody>
+          <a:bodyPr wrap="square" rtlCol="0">
+            <a:spAutoFit/>
+          </a:bodyPr>
+          <a:lstStyle/>
+          <a:p>
+            <a:r>
+              <a:rPr lang="en-GB" sz="1400" dirty="0">
+                <a:latin typeface="Segoe UI Light" panose="020B0502040204020203" pitchFamily="34" charset="0"/>
+                <a:cs typeface="Segoe UI Light" panose="020B0502040204020203" pitchFamily="34" charset="0"/>
+              </a:rPr>
+              <a:t>Q-Q Plot – Normalized data</a:t>
+            </a:r>
+          </a:p>
+        </p:txBody>
+      </p:sp>
       <p:pic>
         <p:nvPicPr>
-          <p:cNvPr id="33" name="Grafik 32">
+          <p:cNvPr id="73" name="Grafik 72">
             <a:extLst>
               <a:ext uri="{FF2B5EF4-FFF2-40B4-BE49-F238E27FC236}">
-                <a16:creationId xmlns:a16="http://schemas.microsoft.com/office/drawing/2014/main" id="{E97B1DA9-BD14-4401-8687-474082219849}"/>
+                <a16:creationId xmlns:a16="http://schemas.microsoft.com/office/drawing/2014/main" id="{19898755-75B3-4109-AE19-F95FA5991D2F}"/>
               </a:ext>
             </a:extLst>
           </p:cNvPr>
@@ -5962,27 +6340,2554 @@
           <p:nvPr/>
         </p:nvPicPr>
         <p:blipFill>
-          <a:blip r:embed="rId25"/>
+          <a:blip r:embed="rId16">
+            <a:extLst>
+              <a:ext uri="{28A0092B-C50C-407E-A947-70E740481C1C}">
+                <a14:useLocalDpi xmlns:a14="http://schemas.microsoft.com/office/drawing/2010/main" val="0"/>
+              </a:ext>
+            </a:extLst>
+          </a:blip>
           <a:stretch>
             <a:fillRect/>
           </a:stretch>
         </p:blipFill>
         <p:spPr>
           <a:xfrm>
-            <a:off x="25546975" y="7416950"/>
-            <a:ext cx="3498499" cy="3498499"/>
+            <a:off x="9235502" y="7774029"/>
+            <a:ext cx="252000" cy="252000"/>
           </a:xfrm>
           <a:prstGeom prst="rect">
             <a:avLst/>
           </a:prstGeom>
         </p:spPr>
       </p:pic>
-      <p:sp>
-        <p:nvSpPr>
-          <p:cNvPr id="4" name="Rechteck: abgerundete Ecken 3">
+      <p:pic>
+        <p:nvPicPr>
+          <p:cNvPr id="76" name="Grafik 75">
             <a:extLst>
               <a:ext uri="{FF2B5EF4-FFF2-40B4-BE49-F238E27FC236}">
-                <a16:creationId xmlns:a16="http://schemas.microsoft.com/office/drawing/2014/main" id="{4B4796D8-9834-4939-B5D2-7BA2DA855B38}"/>
+                <a16:creationId xmlns:a16="http://schemas.microsoft.com/office/drawing/2014/main" id="{6EBA92B0-28E5-4F5B-85D9-82F92119E616}"/>
+              </a:ext>
+            </a:extLst>
+          </p:cNvPr>
+          <p:cNvPicPr>
+            <a:picLocks noChangeAspect="1"/>
+          </p:cNvPicPr>
+          <p:nvPr/>
+        </p:nvPicPr>
+        <p:blipFill>
+          <a:blip r:embed="rId17">
+            <a:extLst>
+              <a:ext uri="{28A0092B-C50C-407E-A947-70E740481C1C}">
+                <a14:useLocalDpi xmlns:a14="http://schemas.microsoft.com/office/drawing/2010/main" val="0"/>
+              </a:ext>
+            </a:extLst>
+          </a:blip>
+          <a:stretch>
+            <a:fillRect/>
+          </a:stretch>
+        </p:blipFill>
+        <p:spPr>
+          <a:xfrm>
+            <a:off x="8586739" y="6983058"/>
+            <a:ext cx="252000" cy="252000"/>
+          </a:xfrm>
+          <a:prstGeom prst="rect">
+            <a:avLst/>
+          </a:prstGeom>
+        </p:spPr>
+      </p:pic>
+      <p:pic>
+        <p:nvPicPr>
+          <p:cNvPr id="79" name="Grafik 78">
+            <a:extLst>
+              <a:ext uri="{FF2B5EF4-FFF2-40B4-BE49-F238E27FC236}">
+                <a16:creationId xmlns:a16="http://schemas.microsoft.com/office/drawing/2014/main" id="{71777D5D-D0CE-4308-AAE7-E90F8B800347}"/>
+              </a:ext>
+            </a:extLst>
+          </p:cNvPr>
+          <p:cNvPicPr>
+            <a:picLocks noChangeAspect="1"/>
+          </p:cNvPicPr>
+          <p:nvPr/>
+        </p:nvPicPr>
+        <p:blipFill>
+          <a:blip r:embed="rId18">
+            <a:extLst>
+              <a:ext uri="{28A0092B-C50C-407E-A947-70E740481C1C}">
+                <a14:useLocalDpi xmlns:a14="http://schemas.microsoft.com/office/drawing/2010/main" val="0"/>
+              </a:ext>
+            </a:extLst>
+          </a:blip>
+          <a:stretch>
+            <a:fillRect/>
+          </a:stretch>
+        </p:blipFill>
+        <p:spPr>
+          <a:xfrm>
+            <a:off x="9265697" y="7425008"/>
+            <a:ext cx="252000" cy="252000"/>
+          </a:xfrm>
+          <a:prstGeom prst="rect">
+            <a:avLst/>
+          </a:prstGeom>
+        </p:spPr>
+      </p:pic>
+      <p:pic>
+        <p:nvPicPr>
+          <p:cNvPr id="82" name="Grafik 81">
+            <a:extLst>
+              <a:ext uri="{FF2B5EF4-FFF2-40B4-BE49-F238E27FC236}">
+                <a16:creationId xmlns:a16="http://schemas.microsoft.com/office/drawing/2014/main" id="{3F016134-33DC-4F0E-BC29-B7CCD22EE634}"/>
+              </a:ext>
+            </a:extLst>
+          </p:cNvPr>
+          <p:cNvPicPr>
+            <a:picLocks noChangeAspect="1"/>
+          </p:cNvPicPr>
+          <p:nvPr/>
+        </p:nvPicPr>
+        <p:blipFill>
+          <a:blip r:embed="rId19">
+            <a:extLst>
+              <a:ext uri="{28A0092B-C50C-407E-A947-70E740481C1C}">
+                <a14:useLocalDpi xmlns:a14="http://schemas.microsoft.com/office/drawing/2010/main" val="0"/>
+              </a:ext>
+            </a:extLst>
+          </a:blip>
+          <a:stretch>
+            <a:fillRect/>
+          </a:stretch>
+        </p:blipFill>
+        <p:spPr>
+          <a:xfrm>
+            <a:off x="9060553" y="8841777"/>
+            <a:ext cx="252000" cy="252000"/>
+          </a:xfrm>
+          <a:prstGeom prst="rect">
+            <a:avLst/>
+          </a:prstGeom>
+        </p:spPr>
+      </p:pic>
+      <p:pic>
+        <p:nvPicPr>
+          <p:cNvPr id="38" name="Grafik 37">
+            <a:extLst>
+              <a:ext uri="{FF2B5EF4-FFF2-40B4-BE49-F238E27FC236}">
+                <a16:creationId xmlns:a16="http://schemas.microsoft.com/office/drawing/2014/main" id="{F9FDDEE7-F8DB-4B82-860E-E9599A61BAA5}"/>
+              </a:ext>
+            </a:extLst>
+          </p:cNvPr>
+          <p:cNvPicPr>
+            <a:picLocks noChangeAspect="1"/>
+          </p:cNvPicPr>
+          <p:nvPr/>
+        </p:nvPicPr>
+        <p:blipFill>
+          <a:blip r:embed="rId25">
+            <a:extLst>
+              <a:ext uri="{28A0092B-C50C-407E-A947-70E740481C1C}">
+                <a14:useLocalDpi xmlns:a14="http://schemas.microsoft.com/office/drawing/2010/main" val="0"/>
+              </a:ext>
+            </a:extLst>
+          </a:blip>
+          <a:stretch>
+            <a:fillRect/>
+          </a:stretch>
+        </p:blipFill>
+        <p:spPr>
+          <a:xfrm>
+            <a:off x="9973381" y="8144975"/>
+            <a:ext cx="252000" cy="252000"/>
+          </a:xfrm>
+          <a:prstGeom prst="rect">
+            <a:avLst/>
+          </a:prstGeom>
+        </p:spPr>
+      </p:pic>
+      <p:pic>
+        <p:nvPicPr>
+          <p:cNvPr id="45" name="Grafik 44">
+            <a:extLst>
+              <a:ext uri="{FF2B5EF4-FFF2-40B4-BE49-F238E27FC236}">
+                <a16:creationId xmlns:a16="http://schemas.microsoft.com/office/drawing/2014/main" id="{90EA813E-FB93-4CB5-94D6-158F93874C4E}"/>
+              </a:ext>
+            </a:extLst>
+          </p:cNvPr>
+          <p:cNvPicPr>
+            <a:picLocks noChangeAspect="1"/>
+          </p:cNvPicPr>
+          <p:nvPr/>
+        </p:nvPicPr>
+        <p:blipFill>
+          <a:blip r:embed="rId26">
+            <a:extLst>
+              <a:ext uri="{28A0092B-C50C-407E-A947-70E740481C1C}">
+                <a14:useLocalDpi xmlns:a14="http://schemas.microsoft.com/office/drawing/2010/main" val="0"/>
+              </a:ext>
+            </a:extLst>
+          </a:blip>
+          <a:stretch>
+            <a:fillRect/>
+          </a:stretch>
+        </p:blipFill>
+        <p:spPr>
+          <a:xfrm>
+            <a:off x="9101882" y="8914199"/>
+            <a:ext cx="252000" cy="252000"/>
+          </a:xfrm>
+          <a:prstGeom prst="rect">
+            <a:avLst/>
+          </a:prstGeom>
+        </p:spPr>
+      </p:pic>
+      <p:pic>
+        <p:nvPicPr>
+          <p:cNvPr id="106" name="Grafik 105">
+            <a:extLst>
+              <a:ext uri="{FF2B5EF4-FFF2-40B4-BE49-F238E27FC236}">
+                <a16:creationId xmlns:a16="http://schemas.microsoft.com/office/drawing/2014/main" id="{CFC619DF-3390-42A3-BAD1-E9AEA3ACCC49}"/>
+              </a:ext>
+            </a:extLst>
+          </p:cNvPr>
+          <p:cNvPicPr>
+            <a:picLocks noChangeAspect="1"/>
+          </p:cNvPicPr>
+          <p:nvPr/>
+        </p:nvPicPr>
+        <p:blipFill>
+          <a:blip r:embed="rId25">
+            <a:extLst>
+              <a:ext uri="{28A0092B-C50C-407E-A947-70E740481C1C}">
+                <a14:useLocalDpi xmlns:a14="http://schemas.microsoft.com/office/drawing/2010/main" val="0"/>
+              </a:ext>
+            </a:extLst>
+          </a:blip>
+          <a:stretch>
+            <a:fillRect/>
+          </a:stretch>
+        </p:blipFill>
+        <p:spPr>
+          <a:xfrm>
+            <a:off x="6116604" y="5868684"/>
+            <a:ext cx="162000" cy="162000"/>
+          </a:xfrm>
+          <a:prstGeom prst="rect">
+            <a:avLst/>
+          </a:prstGeom>
+        </p:spPr>
+      </p:pic>
+      <p:pic>
+        <p:nvPicPr>
+          <p:cNvPr id="107" name="Grafik 106">
+            <a:extLst>
+              <a:ext uri="{FF2B5EF4-FFF2-40B4-BE49-F238E27FC236}">
+                <a16:creationId xmlns:a16="http://schemas.microsoft.com/office/drawing/2014/main" id="{4BC2ADAD-809D-4408-AD9E-D1DF6F9678D1}"/>
+              </a:ext>
+            </a:extLst>
+          </p:cNvPr>
+          <p:cNvPicPr>
+            <a:picLocks noChangeAspect="1"/>
+          </p:cNvPicPr>
+          <p:nvPr/>
+        </p:nvPicPr>
+        <p:blipFill>
+          <a:blip r:embed="rId26">
+            <a:extLst>
+              <a:ext uri="{28A0092B-C50C-407E-A947-70E740481C1C}">
+                <a14:useLocalDpi xmlns:a14="http://schemas.microsoft.com/office/drawing/2010/main" val="0"/>
+              </a:ext>
+            </a:extLst>
+          </a:blip>
+          <a:stretch>
+            <a:fillRect/>
+          </a:stretch>
+        </p:blipFill>
+        <p:spPr>
+          <a:xfrm>
+            <a:off x="6116604" y="5650608"/>
+            <a:ext cx="162000" cy="162000"/>
+          </a:xfrm>
+          <a:prstGeom prst="rect">
+            <a:avLst/>
+          </a:prstGeom>
+        </p:spPr>
+      </p:pic>
+      <p:grpSp>
+        <p:nvGrpSpPr>
+          <p:cNvPr id="127" name="Gruppieren 126">
+            <a:extLst>
+              <a:ext uri="{FF2B5EF4-FFF2-40B4-BE49-F238E27FC236}">
+                <a16:creationId xmlns:a16="http://schemas.microsoft.com/office/drawing/2014/main" id="{CB963C62-2E61-425E-80B8-7EC5DBC77EEE}"/>
+              </a:ext>
+            </a:extLst>
+          </p:cNvPr>
+          <p:cNvGrpSpPr/>
+          <p:nvPr/>
+        </p:nvGrpSpPr>
+        <p:grpSpPr>
+          <a:xfrm>
+            <a:off x="19569870" y="3471949"/>
+            <a:ext cx="3495977" cy="4426138"/>
+            <a:chOff x="19229510" y="3543069"/>
+            <a:chExt cx="3495977" cy="4426138"/>
+          </a:xfrm>
+        </p:grpSpPr>
+        <p:sp>
+          <p:nvSpPr>
+            <p:cNvPr id="72" name="Textfeld 71">
+              <a:extLst>
+                <a:ext uri="{FF2B5EF4-FFF2-40B4-BE49-F238E27FC236}">
+                  <a16:creationId xmlns:a16="http://schemas.microsoft.com/office/drawing/2014/main" id="{D5EF76CC-33D3-48A7-8C05-59C9B393CD5D}"/>
+                </a:ext>
+              </a:extLst>
+            </p:cNvPr>
+            <p:cNvSpPr txBox="1"/>
+            <p:nvPr/>
+          </p:nvSpPr>
+          <p:spPr>
+            <a:xfrm>
+              <a:off x="19229510" y="3545851"/>
+              <a:ext cx="1454144" cy="3211135"/>
+            </a:xfrm>
+            <a:prstGeom prst="rect">
+              <a:avLst/>
+            </a:prstGeom>
+            <a:noFill/>
+          </p:spPr>
+          <p:txBody>
+            <a:bodyPr wrap="square" rtlCol="0">
+              <a:spAutoFit/>
+            </a:bodyPr>
+            <a:lstStyle/>
+            <a:p>
+              <a:pPr algn="r">
+                <a:spcBef>
+                  <a:spcPts val="500"/>
+                </a:spcBef>
+              </a:pPr>
+              <a:r>
+                <a:rPr lang="en-GB" sz="800" dirty="0">
+                  <a:latin typeface="Segoe UI Light" panose="020B0502040204020203" pitchFamily="34" charset="0"/>
+                  <a:cs typeface="Segoe UI Light" panose="020B0502040204020203" pitchFamily="34" charset="0"/>
+                </a:rPr>
+                <a:t>Urban Population</a:t>
+              </a:r>
+            </a:p>
+            <a:p>
+              <a:pPr algn="r">
+                <a:spcBef>
+                  <a:spcPts val="500"/>
+                </a:spcBef>
+              </a:pPr>
+              <a:r>
+                <a:rPr lang="en-GB" sz="800" dirty="0">
+                  <a:latin typeface="Segoe UI Light" panose="020B0502040204020203" pitchFamily="34" charset="0"/>
+                  <a:cs typeface="Segoe UI Light" panose="020B0502040204020203" pitchFamily="34" charset="0"/>
+                </a:rPr>
+                <a:t>Automotive Mortality</a:t>
+              </a:r>
+            </a:p>
+            <a:p>
+              <a:pPr algn="r">
+                <a:spcBef>
+                  <a:spcPts val="500"/>
+                </a:spcBef>
+              </a:pPr>
+              <a:r>
+                <a:rPr lang="en-GB" sz="800" dirty="0">
+                  <a:latin typeface="Segoe UI Light" panose="020B0502040204020203" pitchFamily="34" charset="0"/>
+                  <a:cs typeface="Segoe UI Light" panose="020B0502040204020203" pitchFamily="34" charset="0"/>
+                </a:rPr>
+                <a:t>Infant Immunization Measles</a:t>
+              </a:r>
+            </a:p>
+            <a:p>
+              <a:pPr algn="r">
+                <a:spcBef>
+                  <a:spcPts val="500"/>
+                </a:spcBef>
+              </a:pPr>
+              <a:r>
+                <a:rPr lang="en-GB" sz="800" dirty="0">
+                  <a:latin typeface="Segoe UI Light" panose="020B0502040204020203" pitchFamily="34" charset="0"/>
+                  <a:cs typeface="Segoe UI Light" panose="020B0502040204020203" pitchFamily="34" charset="0"/>
+                </a:rPr>
+                <a:t>Entrepreneurship Cost</a:t>
+              </a:r>
+            </a:p>
+            <a:p>
+              <a:pPr algn="r">
+                <a:spcBef>
+                  <a:spcPts val="500"/>
+                </a:spcBef>
+              </a:pPr>
+              <a:r>
+                <a:rPr lang="en-GB" sz="800" dirty="0">
+                  <a:latin typeface="Segoe UI Light" panose="020B0502040204020203" pitchFamily="34" charset="0"/>
+                  <a:cs typeface="Segoe UI Light" panose="020B0502040204020203" pitchFamily="34" charset="0"/>
+                </a:rPr>
+                <a:t>Electricity Access</a:t>
+              </a:r>
+            </a:p>
+            <a:p>
+              <a:pPr algn="r">
+                <a:spcBef>
+                  <a:spcPts val="500"/>
+                </a:spcBef>
+              </a:pPr>
+              <a:r>
+                <a:rPr lang="en-GB" sz="800" dirty="0">
+                  <a:latin typeface="Segoe UI Light" panose="020B0502040204020203" pitchFamily="34" charset="0"/>
+                  <a:cs typeface="Segoe UI Light" panose="020B0502040204020203" pitchFamily="34" charset="0"/>
+                </a:rPr>
+                <a:t>Obesity</a:t>
+              </a:r>
+            </a:p>
+            <a:p>
+              <a:pPr algn="r">
+                <a:spcBef>
+                  <a:spcPts val="500"/>
+                </a:spcBef>
+              </a:pPr>
+              <a:r>
+                <a:rPr lang="en-GB" sz="800" dirty="0">
+                  <a:latin typeface="Segoe UI Light" panose="020B0502040204020203" pitchFamily="34" charset="0"/>
+                  <a:cs typeface="Segoe UI Light" panose="020B0502040204020203" pitchFamily="34" charset="0"/>
+                </a:rPr>
+                <a:t>Clean Water</a:t>
+              </a:r>
+            </a:p>
+            <a:p>
+              <a:pPr algn="r">
+                <a:spcBef>
+                  <a:spcPts val="500"/>
+                </a:spcBef>
+              </a:pPr>
+              <a:r>
+                <a:rPr lang="en-GB" sz="800" dirty="0">
+                  <a:latin typeface="Segoe UI Light" panose="020B0502040204020203" pitchFamily="34" charset="0"/>
+                  <a:cs typeface="Segoe UI Light" panose="020B0502040204020203" pitchFamily="34" charset="0"/>
+                </a:rPr>
+                <a:t>Birth Rate</a:t>
+              </a:r>
+            </a:p>
+            <a:p>
+              <a:pPr algn="r">
+                <a:spcBef>
+                  <a:spcPts val="500"/>
+                </a:spcBef>
+              </a:pPr>
+              <a:r>
+                <a:rPr lang="en-GB" sz="800" dirty="0">
+                  <a:latin typeface="Segoe UI Light" panose="020B0502040204020203" pitchFamily="34" charset="0"/>
+                  <a:cs typeface="Segoe UI Light" panose="020B0502040204020203" pitchFamily="34" charset="0"/>
+                </a:rPr>
+                <a:t>Child Mortality</a:t>
+              </a:r>
+            </a:p>
+            <a:p>
+              <a:pPr algn="r">
+                <a:spcBef>
+                  <a:spcPts val="500"/>
+                </a:spcBef>
+              </a:pPr>
+              <a:r>
+                <a:rPr lang="en-GB" sz="800" dirty="0">
+                  <a:latin typeface="Segoe UI Light" panose="020B0502040204020203" pitchFamily="34" charset="0"/>
+                  <a:cs typeface="Segoe UI Light" panose="020B0502040204020203" pitchFamily="34" charset="0"/>
+                </a:rPr>
+                <a:t>Cellular Subscriber</a:t>
+              </a:r>
+            </a:p>
+            <a:p>
+              <a:pPr algn="r">
+                <a:spcBef>
+                  <a:spcPts val="500"/>
+                </a:spcBef>
+              </a:pPr>
+              <a:r>
+                <a:rPr lang="en-GB" sz="800" dirty="0">
+                  <a:latin typeface="Segoe UI Light" panose="020B0502040204020203" pitchFamily="34" charset="0"/>
+                  <a:cs typeface="Segoe UI Light" panose="020B0502040204020203" pitchFamily="34" charset="0"/>
+                </a:rPr>
+                <a:t>Internet Usage</a:t>
+              </a:r>
+            </a:p>
+            <a:p>
+              <a:pPr algn="r">
+                <a:spcBef>
+                  <a:spcPts val="500"/>
+                </a:spcBef>
+              </a:pPr>
+              <a:r>
+                <a:rPr lang="en-GB" sz="800" dirty="0">
+                  <a:latin typeface="Segoe UI Light" panose="020B0502040204020203" pitchFamily="34" charset="0"/>
+                  <a:cs typeface="Segoe UI Light" panose="020B0502040204020203" pitchFamily="34" charset="0"/>
+                </a:rPr>
+                <a:t>Air Pollution</a:t>
+              </a:r>
+            </a:p>
+            <a:p>
+              <a:pPr algn="r">
+                <a:spcBef>
+                  <a:spcPts val="500"/>
+                </a:spcBef>
+              </a:pPr>
+              <a:r>
+                <a:rPr lang="en-GB" sz="800" dirty="0">
+                  <a:latin typeface="Segoe UI Light" panose="020B0502040204020203" pitchFamily="34" charset="0"/>
+                  <a:cs typeface="Segoe UI Light" panose="020B0502040204020203" pitchFamily="34" charset="0"/>
+                </a:rPr>
+                <a:t>Government Corruption</a:t>
+              </a:r>
+            </a:p>
+            <a:p>
+              <a:pPr algn="r">
+                <a:spcBef>
+                  <a:spcPts val="500"/>
+                </a:spcBef>
+              </a:pPr>
+              <a:r>
+                <a:rPr lang="en-GB" sz="800" dirty="0">
+                  <a:latin typeface="Segoe UI Light" panose="020B0502040204020203" pitchFamily="34" charset="0"/>
+                  <a:cs typeface="Segoe UI Light" panose="020B0502040204020203" pitchFamily="34" charset="0"/>
+                </a:rPr>
+                <a:t>Freedom</a:t>
+              </a:r>
+            </a:p>
+            <a:p>
+              <a:pPr algn="r">
+                <a:spcBef>
+                  <a:spcPts val="500"/>
+                </a:spcBef>
+              </a:pPr>
+              <a:r>
+                <a:rPr lang="en-GB" sz="800" dirty="0">
+                  <a:latin typeface="Segoe UI Light" panose="020B0502040204020203" pitchFamily="34" charset="0"/>
+                  <a:cs typeface="Segoe UI Light" panose="020B0502040204020203" pitchFamily="34" charset="0"/>
+                </a:rPr>
+                <a:t>Health Life Expectancy</a:t>
+              </a:r>
+            </a:p>
+            <a:p>
+              <a:pPr algn="r">
+                <a:spcBef>
+                  <a:spcPts val="500"/>
+                </a:spcBef>
+              </a:pPr>
+              <a:r>
+                <a:rPr lang="en-GB" sz="800" dirty="0">
+                  <a:latin typeface="Segoe UI Light" panose="020B0502040204020203" pitchFamily="34" charset="0"/>
+                  <a:cs typeface="Segoe UI Light" panose="020B0502040204020203" pitchFamily="34" charset="0"/>
+                </a:rPr>
+                <a:t>Family</a:t>
+              </a:r>
+            </a:p>
+            <a:p>
+              <a:pPr algn="r">
+                <a:spcBef>
+                  <a:spcPts val="500"/>
+                </a:spcBef>
+              </a:pPr>
+              <a:r>
+                <a:rPr lang="en-GB" sz="800" dirty="0">
+                  <a:latin typeface="Segoe UI Light" panose="020B0502040204020203" pitchFamily="34" charset="0"/>
+                  <a:cs typeface="Segoe UI Light" panose="020B0502040204020203" pitchFamily="34" charset="0"/>
+                </a:rPr>
+                <a:t>Economy GDP per Capita</a:t>
+              </a:r>
+            </a:p>
+          </p:txBody>
+        </p:sp>
+        <p:pic>
+          <p:nvPicPr>
+            <p:cNvPr id="67" name="Grafik 66">
+              <a:extLst>
+                <a:ext uri="{FF2B5EF4-FFF2-40B4-BE49-F238E27FC236}">
+                  <a16:creationId xmlns:a16="http://schemas.microsoft.com/office/drawing/2014/main" id="{0D8B382B-E6FB-4566-A136-4B0BFF8DC7F1}"/>
+                </a:ext>
+              </a:extLst>
+            </p:cNvPr>
+            <p:cNvPicPr>
+              <a:picLocks noChangeAspect="1"/>
+            </p:cNvPicPr>
+            <p:nvPr/>
+          </p:nvPicPr>
+          <p:blipFill rotWithShape="1">
+            <a:blip r:embed="rId27"/>
+            <a:srcRect l="40696" t="3977"/>
+            <a:stretch/>
+          </p:blipFill>
+          <p:spPr>
+            <a:xfrm>
+              <a:off x="20601250" y="3543069"/>
+              <a:ext cx="2124237" cy="3439532"/>
+            </a:xfrm>
+            <a:prstGeom prst="rect">
+              <a:avLst/>
+            </a:prstGeom>
+          </p:spPr>
+        </p:pic>
+        <p:grpSp>
+          <p:nvGrpSpPr>
+            <p:cNvPr id="99" name="Gruppieren 98">
+              <a:extLst>
+                <a:ext uri="{FF2B5EF4-FFF2-40B4-BE49-F238E27FC236}">
+                  <a16:creationId xmlns:a16="http://schemas.microsoft.com/office/drawing/2014/main" id="{C7BF9615-C96A-4926-B16B-C2820734B87E}"/>
+                </a:ext>
+              </a:extLst>
+            </p:cNvPr>
+            <p:cNvGrpSpPr/>
+            <p:nvPr/>
+          </p:nvGrpSpPr>
+          <p:grpSpPr>
+            <a:xfrm>
+              <a:off x="20663760" y="3577362"/>
+              <a:ext cx="1789840" cy="3538950"/>
+              <a:chOff x="20663760" y="3577362"/>
+              <a:chExt cx="1789840" cy="3538950"/>
+            </a:xfrm>
+          </p:grpSpPr>
+          <p:sp>
+            <p:nvSpPr>
+              <p:cNvPr id="93" name="Rechteck 92">
+                <a:extLst>
+                  <a:ext uri="{FF2B5EF4-FFF2-40B4-BE49-F238E27FC236}">
+                    <a16:creationId xmlns:a16="http://schemas.microsoft.com/office/drawing/2014/main" id="{BAF1600A-B319-44CA-B123-243EDC507B50}"/>
+                  </a:ext>
+                </a:extLst>
+              </p:cNvPr>
+              <p:cNvSpPr/>
+              <p:nvPr/>
+            </p:nvSpPr>
+            <p:spPr>
+              <a:xfrm>
+                <a:off x="21732239" y="4499244"/>
+                <a:ext cx="535095" cy="175820"/>
+              </a:xfrm>
+              <a:prstGeom prst="rect">
+                <a:avLst/>
+              </a:prstGeom>
+              <a:noFill/>
+              <a:ln>
+                <a:solidFill>
+                  <a:schemeClr val="tx1">
+                    <a:lumMod val="50000"/>
+                    <a:lumOff val="50000"/>
+                  </a:schemeClr>
+                </a:solidFill>
+              </a:ln>
+            </p:spPr>
+            <p:style>
+              <a:lnRef idx="2">
+                <a:schemeClr val="accent1">
+                  <a:shade val="50000"/>
+                </a:schemeClr>
+              </a:lnRef>
+              <a:fillRef idx="1">
+                <a:schemeClr val="accent1"/>
+              </a:fillRef>
+              <a:effectRef idx="0">
+                <a:schemeClr val="accent1"/>
+              </a:effectRef>
+              <a:fontRef idx="minor">
+                <a:schemeClr val="lt1"/>
+              </a:fontRef>
+            </p:style>
+            <p:txBody>
+              <a:bodyPr rtlCol="0" anchor="ctr"/>
+              <a:lstStyle/>
+              <a:p>
+                <a:pPr algn="ctr"/>
+                <a:endParaRPr lang="en-GB"/>
+              </a:p>
+            </p:txBody>
+          </p:sp>
+          <p:sp>
+            <p:nvSpPr>
+              <p:cNvPr id="103" name="Rechteck 102">
+                <a:extLst>
+                  <a:ext uri="{FF2B5EF4-FFF2-40B4-BE49-F238E27FC236}">
+                    <a16:creationId xmlns:a16="http://schemas.microsoft.com/office/drawing/2014/main" id="{6E0367F2-FCB5-435A-94F9-ECAA5FC29410}"/>
+                  </a:ext>
+                </a:extLst>
+              </p:cNvPr>
+              <p:cNvSpPr/>
+              <p:nvPr/>
+            </p:nvSpPr>
+            <p:spPr>
+              <a:xfrm>
+                <a:off x="20744014" y="6777758"/>
+                <a:ext cx="1709586" cy="338554"/>
+              </a:xfrm>
+              <a:prstGeom prst="rect">
+                <a:avLst/>
+              </a:prstGeom>
+              <a:solidFill>
+                <a:schemeClr val="bg1"/>
+              </a:solidFill>
+              <a:ln>
+                <a:solidFill>
+                  <a:schemeClr val="bg1"/>
+                </a:solidFill>
+              </a:ln>
+            </p:spPr>
+            <p:style>
+              <a:lnRef idx="2">
+                <a:schemeClr val="accent1">
+                  <a:shade val="50000"/>
+                </a:schemeClr>
+              </a:lnRef>
+              <a:fillRef idx="1">
+                <a:schemeClr val="accent1"/>
+              </a:fillRef>
+              <a:effectRef idx="0">
+                <a:schemeClr val="accent1"/>
+              </a:effectRef>
+              <a:fontRef idx="minor">
+                <a:schemeClr val="lt1"/>
+              </a:fontRef>
+            </p:style>
+            <p:txBody>
+              <a:bodyPr rtlCol="0" anchor="ctr"/>
+              <a:lstStyle/>
+              <a:p>
+                <a:pPr algn="ctr"/>
+                <a:endParaRPr lang="en-GB"/>
+              </a:p>
+            </p:txBody>
+          </p:sp>
+          <p:sp>
+            <p:nvSpPr>
+              <p:cNvPr id="108" name="Rechteck 107">
+                <a:extLst>
+                  <a:ext uri="{FF2B5EF4-FFF2-40B4-BE49-F238E27FC236}">
+                    <a16:creationId xmlns:a16="http://schemas.microsoft.com/office/drawing/2014/main" id="{BB20095A-FA4F-43E1-A11D-EBB9780C41EF}"/>
+                  </a:ext>
+                </a:extLst>
+              </p:cNvPr>
+              <p:cNvSpPr/>
+              <p:nvPr/>
+            </p:nvSpPr>
+            <p:spPr>
+              <a:xfrm>
+                <a:off x="20666952" y="3577362"/>
+                <a:ext cx="535095" cy="182468"/>
+              </a:xfrm>
+              <a:prstGeom prst="rect">
+                <a:avLst/>
+              </a:prstGeom>
+              <a:noFill/>
+              <a:ln>
+                <a:solidFill>
+                  <a:schemeClr val="tx1">
+                    <a:lumMod val="50000"/>
+                    <a:lumOff val="50000"/>
+                  </a:schemeClr>
+                </a:solidFill>
+              </a:ln>
+            </p:spPr>
+            <p:style>
+              <a:lnRef idx="2">
+                <a:schemeClr val="accent1">
+                  <a:shade val="50000"/>
+                </a:schemeClr>
+              </a:lnRef>
+              <a:fillRef idx="1">
+                <a:schemeClr val="accent1"/>
+              </a:fillRef>
+              <a:effectRef idx="0">
+                <a:schemeClr val="accent1"/>
+              </a:effectRef>
+              <a:fontRef idx="minor">
+                <a:schemeClr val="lt1"/>
+              </a:fontRef>
+            </p:style>
+            <p:txBody>
+              <a:bodyPr rtlCol="0" anchor="ctr"/>
+              <a:lstStyle/>
+              <a:p>
+                <a:pPr algn="ctr"/>
+                <a:endParaRPr lang="en-GB"/>
+              </a:p>
+            </p:txBody>
+          </p:sp>
+          <p:sp>
+            <p:nvSpPr>
+              <p:cNvPr id="109" name="Rechteck 108">
+                <a:extLst>
+                  <a:ext uri="{FF2B5EF4-FFF2-40B4-BE49-F238E27FC236}">
+                    <a16:creationId xmlns:a16="http://schemas.microsoft.com/office/drawing/2014/main" id="{388C1E19-D64C-4036-A968-5EDB93C3492E}"/>
+                  </a:ext>
+                </a:extLst>
+              </p:cNvPr>
+              <p:cNvSpPr/>
+              <p:nvPr/>
+            </p:nvSpPr>
+            <p:spPr>
+              <a:xfrm>
+                <a:off x="20667025" y="3760663"/>
+                <a:ext cx="535095" cy="182467"/>
+              </a:xfrm>
+              <a:prstGeom prst="rect">
+                <a:avLst/>
+              </a:prstGeom>
+              <a:noFill/>
+              <a:ln>
+                <a:solidFill>
+                  <a:schemeClr val="tx1">
+                    <a:lumMod val="50000"/>
+                    <a:lumOff val="50000"/>
+                  </a:schemeClr>
+                </a:solidFill>
+              </a:ln>
+            </p:spPr>
+            <p:style>
+              <a:lnRef idx="2">
+                <a:schemeClr val="accent1">
+                  <a:shade val="50000"/>
+                </a:schemeClr>
+              </a:lnRef>
+              <a:fillRef idx="1">
+                <a:schemeClr val="accent1"/>
+              </a:fillRef>
+              <a:effectRef idx="0">
+                <a:schemeClr val="accent1"/>
+              </a:effectRef>
+              <a:fontRef idx="minor">
+                <a:schemeClr val="lt1"/>
+              </a:fontRef>
+            </p:style>
+            <p:txBody>
+              <a:bodyPr rtlCol="0" anchor="ctr"/>
+              <a:lstStyle/>
+              <a:p>
+                <a:pPr algn="ctr"/>
+                <a:endParaRPr lang="en-GB"/>
+              </a:p>
+            </p:txBody>
+          </p:sp>
+          <p:sp>
+            <p:nvSpPr>
+              <p:cNvPr id="110" name="Rechteck 109">
+                <a:extLst>
+                  <a:ext uri="{FF2B5EF4-FFF2-40B4-BE49-F238E27FC236}">
+                    <a16:creationId xmlns:a16="http://schemas.microsoft.com/office/drawing/2014/main" id="{903C469E-2F21-4E94-8975-EAEA3694F927}"/>
+                  </a:ext>
+                </a:extLst>
+              </p:cNvPr>
+              <p:cNvSpPr/>
+              <p:nvPr/>
+            </p:nvSpPr>
+            <p:spPr>
+              <a:xfrm>
+                <a:off x="20666952" y="3943966"/>
+                <a:ext cx="535095" cy="185659"/>
+              </a:xfrm>
+              <a:prstGeom prst="rect">
+                <a:avLst/>
+              </a:prstGeom>
+              <a:noFill/>
+              <a:ln>
+                <a:solidFill>
+                  <a:schemeClr val="tx1">
+                    <a:lumMod val="50000"/>
+                    <a:lumOff val="50000"/>
+                  </a:schemeClr>
+                </a:solidFill>
+              </a:ln>
+            </p:spPr>
+            <p:style>
+              <a:lnRef idx="2">
+                <a:schemeClr val="accent1">
+                  <a:shade val="50000"/>
+                </a:schemeClr>
+              </a:lnRef>
+              <a:fillRef idx="1">
+                <a:schemeClr val="accent1"/>
+              </a:fillRef>
+              <a:effectRef idx="0">
+                <a:schemeClr val="accent1"/>
+              </a:effectRef>
+              <a:fontRef idx="minor">
+                <a:schemeClr val="lt1"/>
+              </a:fontRef>
+            </p:style>
+            <p:txBody>
+              <a:bodyPr rtlCol="0" anchor="ctr"/>
+              <a:lstStyle/>
+              <a:p>
+                <a:pPr algn="ctr"/>
+                <a:endParaRPr lang="en-GB"/>
+              </a:p>
+            </p:txBody>
+          </p:sp>
+          <p:sp>
+            <p:nvSpPr>
+              <p:cNvPr id="111" name="Rechteck 110">
+                <a:extLst>
+                  <a:ext uri="{FF2B5EF4-FFF2-40B4-BE49-F238E27FC236}">
+                    <a16:creationId xmlns:a16="http://schemas.microsoft.com/office/drawing/2014/main" id="{18E06F0D-AD45-4310-85D1-0A3F6F285607}"/>
+                  </a:ext>
+                </a:extLst>
+              </p:cNvPr>
+              <p:cNvSpPr/>
+              <p:nvPr/>
+            </p:nvSpPr>
+            <p:spPr>
+              <a:xfrm>
+                <a:off x="20666952" y="4127268"/>
+                <a:ext cx="535095" cy="185659"/>
+              </a:xfrm>
+              <a:prstGeom prst="rect">
+                <a:avLst/>
+              </a:prstGeom>
+              <a:noFill/>
+              <a:ln>
+                <a:solidFill>
+                  <a:schemeClr val="tx1">
+                    <a:lumMod val="50000"/>
+                    <a:lumOff val="50000"/>
+                  </a:schemeClr>
+                </a:solidFill>
+              </a:ln>
+            </p:spPr>
+            <p:style>
+              <a:lnRef idx="2">
+                <a:schemeClr val="accent1">
+                  <a:shade val="50000"/>
+                </a:schemeClr>
+              </a:lnRef>
+              <a:fillRef idx="1">
+                <a:schemeClr val="accent1"/>
+              </a:fillRef>
+              <a:effectRef idx="0">
+                <a:schemeClr val="accent1"/>
+              </a:effectRef>
+              <a:fontRef idx="minor">
+                <a:schemeClr val="lt1"/>
+              </a:fontRef>
+            </p:style>
+            <p:txBody>
+              <a:bodyPr rtlCol="0" anchor="ctr"/>
+              <a:lstStyle/>
+              <a:p>
+                <a:pPr algn="ctr"/>
+                <a:endParaRPr lang="en-GB"/>
+              </a:p>
+            </p:txBody>
+          </p:sp>
+          <p:sp>
+            <p:nvSpPr>
+              <p:cNvPr id="112" name="Rechteck 111">
+                <a:extLst>
+                  <a:ext uri="{FF2B5EF4-FFF2-40B4-BE49-F238E27FC236}">
+                    <a16:creationId xmlns:a16="http://schemas.microsoft.com/office/drawing/2014/main" id="{42888AF2-4289-4FB3-B2E6-836A76D48BA1}"/>
+                  </a:ext>
+                </a:extLst>
+              </p:cNvPr>
+              <p:cNvSpPr/>
+              <p:nvPr/>
+            </p:nvSpPr>
+            <p:spPr>
+              <a:xfrm>
+                <a:off x="20666952" y="4314458"/>
+                <a:ext cx="535095" cy="185659"/>
+              </a:xfrm>
+              <a:prstGeom prst="rect">
+                <a:avLst/>
+              </a:prstGeom>
+              <a:noFill/>
+              <a:ln>
+                <a:solidFill>
+                  <a:schemeClr val="tx1">
+                    <a:lumMod val="50000"/>
+                    <a:lumOff val="50000"/>
+                  </a:schemeClr>
+                </a:solidFill>
+              </a:ln>
+            </p:spPr>
+            <p:style>
+              <a:lnRef idx="2">
+                <a:schemeClr val="accent1">
+                  <a:shade val="50000"/>
+                </a:schemeClr>
+              </a:lnRef>
+              <a:fillRef idx="1">
+                <a:schemeClr val="accent1"/>
+              </a:fillRef>
+              <a:effectRef idx="0">
+                <a:schemeClr val="accent1"/>
+              </a:effectRef>
+              <a:fontRef idx="minor">
+                <a:schemeClr val="lt1"/>
+              </a:fontRef>
+            </p:style>
+            <p:txBody>
+              <a:bodyPr rtlCol="0" anchor="ctr"/>
+              <a:lstStyle/>
+              <a:p>
+                <a:pPr algn="ctr"/>
+                <a:endParaRPr lang="en-GB"/>
+              </a:p>
+            </p:txBody>
+          </p:sp>
+          <p:sp>
+            <p:nvSpPr>
+              <p:cNvPr id="113" name="Rechteck 112">
+                <a:extLst>
+                  <a:ext uri="{FF2B5EF4-FFF2-40B4-BE49-F238E27FC236}">
+                    <a16:creationId xmlns:a16="http://schemas.microsoft.com/office/drawing/2014/main" id="{5A2068C6-8D53-4AEE-A493-9597FFD42C8A}"/>
+                  </a:ext>
+                </a:extLst>
+              </p:cNvPr>
+              <p:cNvSpPr/>
+              <p:nvPr/>
+            </p:nvSpPr>
+            <p:spPr>
+              <a:xfrm>
+                <a:off x="20666952" y="4680516"/>
+                <a:ext cx="535095" cy="185659"/>
+              </a:xfrm>
+              <a:prstGeom prst="rect">
+                <a:avLst/>
+              </a:prstGeom>
+              <a:noFill/>
+              <a:ln>
+                <a:solidFill>
+                  <a:schemeClr val="tx1">
+                    <a:lumMod val="50000"/>
+                    <a:lumOff val="50000"/>
+                  </a:schemeClr>
+                </a:solidFill>
+              </a:ln>
+            </p:spPr>
+            <p:style>
+              <a:lnRef idx="2">
+                <a:schemeClr val="accent1">
+                  <a:shade val="50000"/>
+                </a:schemeClr>
+              </a:lnRef>
+              <a:fillRef idx="1">
+                <a:schemeClr val="accent1"/>
+              </a:fillRef>
+              <a:effectRef idx="0">
+                <a:schemeClr val="accent1"/>
+              </a:effectRef>
+              <a:fontRef idx="minor">
+                <a:schemeClr val="lt1"/>
+              </a:fontRef>
+            </p:style>
+            <p:txBody>
+              <a:bodyPr rtlCol="0" anchor="ctr"/>
+              <a:lstStyle/>
+              <a:p>
+                <a:pPr algn="ctr"/>
+                <a:endParaRPr lang="en-GB"/>
+              </a:p>
+            </p:txBody>
+          </p:sp>
+          <p:sp>
+            <p:nvSpPr>
+              <p:cNvPr id="114" name="Rechteck 113">
+                <a:extLst>
+                  <a:ext uri="{FF2B5EF4-FFF2-40B4-BE49-F238E27FC236}">
+                    <a16:creationId xmlns:a16="http://schemas.microsoft.com/office/drawing/2014/main" id="{41B37B50-07D5-4509-A4FA-D1AAB3991C8D}"/>
+                  </a:ext>
+                </a:extLst>
+              </p:cNvPr>
+              <p:cNvSpPr/>
+              <p:nvPr/>
+            </p:nvSpPr>
+            <p:spPr>
+              <a:xfrm>
+                <a:off x="20666622" y="4864652"/>
+                <a:ext cx="535095" cy="185659"/>
+              </a:xfrm>
+              <a:prstGeom prst="rect">
+                <a:avLst/>
+              </a:prstGeom>
+              <a:noFill/>
+              <a:ln>
+                <a:solidFill>
+                  <a:schemeClr val="tx1">
+                    <a:lumMod val="50000"/>
+                    <a:lumOff val="50000"/>
+                  </a:schemeClr>
+                </a:solidFill>
+              </a:ln>
+            </p:spPr>
+            <p:style>
+              <a:lnRef idx="2">
+                <a:schemeClr val="accent1">
+                  <a:shade val="50000"/>
+                </a:schemeClr>
+              </a:lnRef>
+              <a:fillRef idx="1">
+                <a:schemeClr val="accent1"/>
+              </a:fillRef>
+              <a:effectRef idx="0">
+                <a:schemeClr val="accent1"/>
+              </a:effectRef>
+              <a:fontRef idx="minor">
+                <a:schemeClr val="lt1"/>
+              </a:fontRef>
+            </p:style>
+            <p:txBody>
+              <a:bodyPr rtlCol="0" anchor="ctr"/>
+              <a:lstStyle/>
+              <a:p>
+                <a:pPr algn="ctr"/>
+                <a:endParaRPr lang="en-GB"/>
+              </a:p>
+            </p:txBody>
+          </p:sp>
+          <p:sp>
+            <p:nvSpPr>
+              <p:cNvPr id="115" name="Rechteck 114">
+                <a:extLst>
+                  <a:ext uri="{FF2B5EF4-FFF2-40B4-BE49-F238E27FC236}">
+                    <a16:creationId xmlns:a16="http://schemas.microsoft.com/office/drawing/2014/main" id="{0D626AAC-AC0A-49BF-B69F-28B2FEE03292}"/>
+                  </a:ext>
+                </a:extLst>
+              </p:cNvPr>
+              <p:cNvSpPr/>
+              <p:nvPr/>
+            </p:nvSpPr>
+            <p:spPr>
+              <a:xfrm>
+                <a:off x="20666622" y="5049073"/>
+                <a:ext cx="535095" cy="185659"/>
+              </a:xfrm>
+              <a:prstGeom prst="rect">
+                <a:avLst/>
+              </a:prstGeom>
+              <a:noFill/>
+              <a:ln>
+                <a:solidFill>
+                  <a:schemeClr val="tx1">
+                    <a:lumMod val="50000"/>
+                    <a:lumOff val="50000"/>
+                  </a:schemeClr>
+                </a:solidFill>
+              </a:ln>
+            </p:spPr>
+            <p:style>
+              <a:lnRef idx="2">
+                <a:schemeClr val="accent1">
+                  <a:shade val="50000"/>
+                </a:schemeClr>
+              </a:lnRef>
+              <a:fillRef idx="1">
+                <a:schemeClr val="accent1"/>
+              </a:fillRef>
+              <a:effectRef idx="0">
+                <a:schemeClr val="accent1"/>
+              </a:effectRef>
+              <a:fontRef idx="minor">
+                <a:schemeClr val="lt1"/>
+              </a:fontRef>
+            </p:style>
+            <p:txBody>
+              <a:bodyPr rtlCol="0" anchor="ctr"/>
+              <a:lstStyle/>
+              <a:p>
+                <a:pPr algn="ctr"/>
+                <a:endParaRPr lang="en-GB"/>
+              </a:p>
+            </p:txBody>
+          </p:sp>
+          <p:sp>
+            <p:nvSpPr>
+              <p:cNvPr id="116" name="Rechteck 115">
+                <a:extLst>
+                  <a:ext uri="{FF2B5EF4-FFF2-40B4-BE49-F238E27FC236}">
+                    <a16:creationId xmlns:a16="http://schemas.microsoft.com/office/drawing/2014/main" id="{38A27383-E9CD-4E32-A0E0-49FF40948A5E}"/>
+                  </a:ext>
+                </a:extLst>
+              </p:cNvPr>
+              <p:cNvSpPr/>
+              <p:nvPr/>
+            </p:nvSpPr>
+            <p:spPr>
+              <a:xfrm>
+                <a:off x="20666622" y="5234747"/>
+                <a:ext cx="535095" cy="185659"/>
+              </a:xfrm>
+              <a:prstGeom prst="rect">
+                <a:avLst/>
+              </a:prstGeom>
+              <a:noFill/>
+              <a:ln>
+                <a:solidFill>
+                  <a:schemeClr val="tx1">
+                    <a:lumMod val="50000"/>
+                    <a:lumOff val="50000"/>
+                  </a:schemeClr>
+                </a:solidFill>
+              </a:ln>
+            </p:spPr>
+            <p:style>
+              <a:lnRef idx="2">
+                <a:schemeClr val="accent1">
+                  <a:shade val="50000"/>
+                </a:schemeClr>
+              </a:lnRef>
+              <a:fillRef idx="1">
+                <a:schemeClr val="accent1"/>
+              </a:fillRef>
+              <a:effectRef idx="0">
+                <a:schemeClr val="accent1"/>
+              </a:effectRef>
+              <a:fontRef idx="minor">
+                <a:schemeClr val="lt1"/>
+              </a:fontRef>
+            </p:style>
+            <p:txBody>
+              <a:bodyPr rtlCol="0" anchor="ctr"/>
+              <a:lstStyle/>
+              <a:p>
+                <a:pPr algn="ctr"/>
+                <a:endParaRPr lang="en-GB"/>
+              </a:p>
+            </p:txBody>
+          </p:sp>
+          <p:sp>
+            <p:nvSpPr>
+              <p:cNvPr id="117" name="Rechteck 116">
+                <a:extLst>
+                  <a:ext uri="{FF2B5EF4-FFF2-40B4-BE49-F238E27FC236}">
+                    <a16:creationId xmlns:a16="http://schemas.microsoft.com/office/drawing/2014/main" id="{608B38CE-0EB3-48D7-A685-DD26FE4A3342}"/>
+                  </a:ext>
+                </a:extLst>
+              </p:cNvPr>
+              <p:cNvSpPr/>
+              <p:nvPr/>
+            </p:nvSpPr>
+            <p:spPr>
+              <a:xfrm>
+                <a:off x="20666622" y="5426503"/>
+                <a:ext cx="535095" cy="185659"/>
+              </a:xfrm>
+              <a:prstGeom prst="rect">
+                <a:avLst/>
+              </a:prstGeom>
+              <a:noFill/>
+              <a:ln>
+                <a:solidFill>
+                  <a:schemeClr val="tx1">
+                    <a:lumMod val="50000"/>
+                    <a:lumOff val="50000"/>
+                  </a:schemeClr>
+                </a:solidFill>
+              </a:ln>
+            </p:spPr>
+            <p:style>
+              <a:lnRef idx="2">
+                <a:schemeClr val="accent1">
+                  <a:shade val="50000"/>
+                </a:schemeClr>
+              </a:lnRef>
+              <a:fillRef idx="1">
+                <a:schemeClr val="accent1"/>
+              </a:fillRef>
+              <a:effectRef idx="0">
+                <a:schemeClr val="accent1"/>
+              </a:effectRef>
+              <a:fontRef idx="minor">
+                <a:schemeClr val="lt1"/>
+              </a:fontRef>
+            </p:style>
+            <p:txBody>
+              <a:bodyPr rtlCol="0" anchor="ctr"/>
+              <a:lstStyle/>
+              <a:p>
+                <a:pPr algn="ctr"/>
+                <a:endParaRPr lang="en-GB"/>
+              </a:p>
+            </p:txBody>
+          </p:sp>
+          <p:sp>
+            <p:nvSpPr>
+              <p:cNvPr id="118" name="Rechteck 117">
+                <a:extLst>
+                  <a:ext uri="{FF2B5EF4-FFF2-40B4-BE49-F238E27FC236}">
+                    <a16:creationId xmlns:a16="http://schemas.microsoft.com/office/drawing/2014/main" id="{A0CDB038-F757-409E-BB3D-9902C76EF3CB}"/>
+                  </a:ext>
+                </a:extLst>
+              </p:cNvPr>
+              <p:cNvSpPr/>
+              <p:nvPr/>
+            </p:nvSpPr>
+            <p:spPr>
+              <a:xfrm>
+                <a:off x="21732239" y="5608352"/>
+                <a:ext cx="535095" cy="185659"/>
+              </a:xfrm>
+              <a:prstGeom prst="rect">
+                <a:avLst/>
+              </a:prstGeom>
+              <a:noFill/>
+              <a:ln>
+                <a:solidFill>
+                  <a:schemeClr val="tx1">
+                    <a:lumMod val="50000"/>
+                    <a:lumOff val="50000"/>
+                  </a:schemeClr>
+                </a:solidFill>
+              </a:ln>
+            </p:spPr>
+            <p:style>
+              <a:lnRef idx="2">
+                <a:schemeClr val="accent1">
+                  <a:shade val="50000"/>
+                </a:schemeClr>
+              </a:lnRef>
+              <a:fillRef idx="1">
+                <a:schemeClr val="accent1"/>
+              </a:fillRef>
+              <a:effectRef idx="0">
+                <a:schemeClr val="accent1"/>
+              </a:effectRef>
+              <a:fontRef idx="minor">
+                <a:schemeClr val="lt1"/>
+              </a:fontRef>
+            </p:style>
+            <p:txBody>
+              <a:bodyPr rtlCol="0" anchor="ctr"/>
+              <a:lstStyle/>
+              <a:p>
+                <a:pPr algn="ctr"/>
+                <a:endParaRPr lang="en-GB"/>
+              </a:p>
+            </p:txBody>
+          </p:sp>
+          <p:sp>
+            <p:nvSpPr>
+              <p:cNvPr id="119" name="Rechteck 118">
+                <a:extLst>
+                  <a:ext uri="{FF2B5EF4-FFF2-40B4-BE49-F238E27FC236}">
+                    <a16:creationId xmlns:a16="http://schemas.microsoft.com/office/drawing/2014/main" id="{C3D6678D-74DF-4612-B17B-2C8B96D38C9C}"/>
+                  </a:ext>
+                </a:extLst>
+              </p:cNvPr>
+              <p:cNvSpPr/>
+              <p:nvPr/>
+            </p:nvSpPr>
+            <p:spPr>
+              <a:xfrm>
+                <a:off x="21193459" y="5791007"/>
+                <a:ext cx="535095" cy="185659"/>
+              </a:xfrm>
+              <a:prstGeom prst="rect">
+                <a:avLst/>
+              </a:prstGeom>
+              <a:noFill/>
+              <a:ln>
+                <a:solidFill>
+                  <a:schemeClr val="tx1">
+                    <a:lumMod val="50000"/>
+                    <a:lumOff val="50000"/>
+                  </a:schemeClr>
+                </a:solidFill>
+              </a:ln>
+            </p:spPr>
+            <p:style>
+              <a:lnRef idx="2">
+                <a:schemeClr val="accent1">
+                  <a:shade val="50000"/>
+                </a:schemeClr>
+              </a:lnRef>
+              <a:fillRef idx="1">
+                <a:schemeClr val="accent1"/>
+              </a:fillRef>
+              <a:effectRef idx="0">
+                <a:schemeClr val="accent1"/>
+              </a:effectRef>
+              <a:fontRef idx="minor">
+                <a:schemeClr val="lt1"/>
+              </a:fontRef>
+            </p:style>
+            <p:txBody>
+              <a:bodyPr rtlCol="0" anchor="ctr"/>
+              <a:lstStyle/>
+              <a:p>
+                <a:pPr algn="ctr"/>
+                <a:endParaRPr lang="en-GB"/>
+              </a:p>
+            </p:txBody>
+          </p:sp>
+          <p:sp>
+            <p:nvSpPr>
+              <p:cNvPr id="120" name="Rechteck 119">
+                <a:extLst>
+                  <a:ext uri="{FF2B5EF4-FFF2-40B4-BE49-F238E27FC236}">
+                    <a16:creationId xmlns:a16="http://schemas.microsoft.com/office/drawing/2014/main" id="{D1206544-4D03-49C3-A5AF-88872F751D6E}"/>
+                  </a:ext>
+                </a:extLst>
+              </p:cNvPr>
+              <p:cNvSpPr/>
+              <p:nvPr/>
+            </p:nvSpPr>
+            <p:spPr>
+              <a:xfrm>
+                <a:off x="21193459" y="5982147"/>
+                <a:ext cx="535095" cy="185659"/>
+              </a:xfrm>
+              <a:prstGeom prst="rect">
+                <a:avLst/>
+              </a:prstGeom>
+              <a:noFill/>
+              <a:ln>
+                <a:solidFill>
+                  <a:schemeClr val="tx1">
+                    <a:lumMod val="50000"/>
+                    <a:lumOff val="50000"/>
+                  </a:schemeClr>
+                </a:solidFill>
+              </a:ln>
+            </p:spPr>
+            <p:style>
+              <a:lnRef idx="2">
+                <a:schemeClr val="accent1">
+                  <a:shade val="50000"/>
+                </a:schemeClr>
+              </a:lnRef>
+              <a:fillRef idx="1">
+                <a:schemeClr val="accent1"/>
+              </a:fillRef>
+              <a:effectRef idx="0">
+                <a:schemeClr val="accent1"/>
+              </a:effectRef>
+              <a:fontRef idx="minor">
+                <a:schemeClr val="lt1"/>
+              </a:fontRef>
+            </p:style>
+            <p:txBody>
+              <a:bodyPr rtlCol="0" anchor="ctr"/>
+              <a:lstStyle/>
+              <a:p>
+                <a:pPr algn="ctr"/>
+                <a:endParaRPr lang="en-GB"/>
+              </a:p>
+            </p:txBody>
+          </p:sp>
+          <p:sp>
+            <p:nvSpPr>
+              <p:cNvPr id="121" name="Rechteck 120">
+                <a:extLst>
+                  <a:ext uri="{FF2B5EF4-FFF2-40B4-BE49-F238E27FC236}">
+                    <a16:creationId xmlns:a16="http://schemas.microsoft.com/office/drawing/2014/main" id="{38940F2A-0291-4446-93A5-85FB9873AE8E}"/>
+                  </a:ext>
+                </a:extLst>
+              </p:cNvPr>
+              <p:cNvSpPr/>
+              <p:nvPr/>
+            </p:nvSpPr>
+            <p:spPr>
+              <a:xfrm>
+                <a:off x="20663760" y="6164602"/>
+                <a:ext cx="535095" cy="185659"/>
+              </a:xfrm>
+              <a:prstGeom prst="rect">
+                <a:avLst/>
+              </a:prstGeom>
+              <a:noFill/>
+              <a:ln>
+                <a:solidFill>
+                  <a:schemeClr val="tx1">
+                    <a:lumMod val="50000"/>
+                    <a:lumOff val="50000"/>
+                  </a:schemeClr>
+                </a:solidFill>
+              </a:ln>
+            </p:spPr>
+            <p:style>
+              <a:lnRef idx="2">
+                <a:schemeClr val="accent1">
+                  <a:shade val="50000"/>
+                </a:schemeClr>
+              </a:lnRef>
+              <a:fillRef idx="1">
+                <a:schemeClr val="accent1"/>
+              </a:fillRef>
+              <a:effectRef idx="0">
+                <a:schemeClr val="accent1"/>
+              </a:effectRef>
+              <a:fontRef idx="minor">
+                <a:schemeClr val="lt1"/>
+              </a:fontRef>
+            </p:style>
+            <p:txBody>
+              <a:bodyPr rtlCol="0" anchor="ctr"/>
+              <a:lstStyle/>
+              <a:p>
+                <a:pPr algn="ctr"/>
+                <a:endParaRPr lang="en-GB"/>
+              </a:p>
+            </p:txBody>
+          </p:sp>
+          <p:sp>
+            <p:nvSpPr>
+              <p:cNvPr id="122" name="Rechteck 121">
+                <a:extLst>
+                  <a:ext uri="{FF2B5EF4-FFF2-40B4-BE49-F238E27FC236}">
+                    <a16:creationId xmlns:a16="http://schemas.microsoft.com/office/drawing/2014/main" id="{429A0F83-DCCE-4572-9BDD-298149BD459D}"/>
+                  </a:ext>
+                </a:extLst>
+              </p:cNvPr>
+              <p:cNvSpPr/>
+              <p:nvPr/>
+            </p:nvSpPr>
+            <p:spPr>
+              <a:xfrm>
+                <a:off x="20663760" y="6347512"/>
+                <a:ext cx="535095" cy="185659"/>
+              </a:xfrm>
+              <a:prstGeom prst="rect">
+                <a:avLst/>
+              </a:prstGeom>
+              <a:noFill/>
+              <a:ln>
+                <a:solidFill>
+                  <a:schemeClr val="tx1">
+                    <a:lumMod val="50000"/>
+                    <a:lumOff val="50000"/>
+                  </a:schemeClr>
+                </a:solidFill>
+              </a:ln>
+            </p:spPr>
+            <p:style>
+              <a:lnRef idx="2">
+                <a:schemeClr val="accent1">
+                  <a:shade val="50000"/>
+                </a:schemeClr>
+              </a:lnRef>
+              <a:fillRef idx="1">
+                <a:schemeClr val="accent1"/>
+              </a:fillRef>
+              <a:effectRef idx="0">
+                <a:schemeClr val="accent1"/>
+              </a:effectRef>
+              <a:fontRef idx="minor">
+                <a:schemeClr val="lt1"/>
+              </a:fontRef>
+            </p:style>
+            <p:txBody>
+              <a:bodyPr rtlCol="0" anchor="ctr"/>
+              <a:lstStyle/>
+              <a:p>
+                <a:pPr algn="ctr"/>
+                <a:endParaRPr lang="en-GB"/>
+              </a:p>
+            </p:txBody>
+          </p:sp>
+          <p:sp>
+            <p:nvSpPr>
+              <p:cNvPr id="123" name="Rechteck 122">
+                <a:extLst>
+                  <a:ext uri="{FF2B5EF4-FFF2-40B4-BE49-F238E27FC236}">
+                    <a16:creationId xmlns:a16="http://schemas.microsoft.com/office/drawing/2014/main" id="{4AD4BE51-E110-4E0D-A4BD-506E3285FE68}"/>
+                  </a:ext>
+                </a:extLst>
+              </p:cNvPr>
+              <p:cNvSpPr/>
+              <p:nvPr/>
+            </p:nvSpPr>
+            <p:spPr>
+              <a:xfrm>
+                <a:off x="20663760" y="6534397"/>
+                <a:ext cx="535095" cy="185659"/>
+              </a:xfrm>
+              <a:prstGeom prst="rect">
+                <a:avLst/>
+              </a:prstGeom>
+              <a:noFill/>
+              <a:ln>
+                <a:solidFill>
+                  <a:schemeClr val="tx1">
+                    <a:lumMod val="50000"/>
+                    <a:lumOff val="50000"/>
+                  </a:schemeClr>
+                </a:solidFill>
+              </a:ln>
+            </p:spPr>
+            <p:style>
+              <a:lnRef idx="2">
+                <a:schemeClr val="accent1">
+                  <a:shade val="50000"/>
+                </a:schemeClr>
+              </a:lnRef>
+              <a:fillRef idx="1">
+                <a:schemeClr val="accent1"/>
+              </a:fillRef>
+              <a:effectRef idx="0">
+                <a:schemeClr val="accent1"/>
+              </a:effectRef>
+              <a:fontRef idx="minor">
+                <a:schemeClr val="lt1"/>
+              </a:fontRef>
+            </p:style>
+            <p:txBody>
+              <a:bodyPr rtlCol="0" anchor="ctr"/>
+              <a:lstStyle/>
+              <a:p>
+                <a:pPr algn="ctr"/>
+                <a:endParaRPr lang="en-GB"/>
+              </a:p>
+            </p:txBody>
+          </p:sp>
+        </p:grpSp>
+        <p:sp>
+          <p:nvSpPr>
+            <p:cNvPr id="102" name="Rechteck 101">
+              <a:extLst>
+                <a:ext uri="{FF2B5EF4-FFF2-40B4-BE49-F238E27FC236}">
+                  <a16:creationId xmlns:a16="http://schemas.microsoft.com/office/drawing/2014/main" id="{EE214473-7542-4913-A2A5-C8D5E3345B32}"/>
+                </a:ext>
+              </a:extLst>
+            </p:cNvPr>
+            <p:cNvSpPr/>
+            <p:nvPr/>
+          </p:nvSpPr>
+          <p:spPr>
+            <a:xfrm rot="18884007">
+              <a:off x="19747469" y="6950519"/>
+              <a:ext cx="1705790" cy="331585"/>
+            </a:xfrm>
+            <a:prstGeom prst="rect">
+              <a:avLst/>
+            </a:prstGeom>
+            <a:noFill/>
+            <a:ln>
+              <a:noFill/>
+            </a:ln>
+          </p:spPr>
+          <p:style>
+            <a:lnRef idx="2">
+              <a:schemeClr val="accent1">
+                <a:shade val="50000"/>
+              </a:schemeClr>
+            </a:lnRef>
+            <a:fillRef idx="1">
+              <a:schemeClr val="accent1"/>
+            </a:fillRef>
+            <a:effectRef idx="0">
+              <a:schemeClr val="accent1"/>
+            </a:effectRef>
+            <a:fontRef idx="minor">
+              <a:schemeClr val="lt1"/>
+            </a:fontRef>
+          </p:style>
+          <p:txBody>
+            <a:bodyPr rtlCol="0" anchor="ctr"/>
+            <a:lstStyle/>
+            <a:p>
+              <a:pPr algn="ctr"/>
+              <a:r>
+                <a:rPr lang="en-GB" sz="800" b="1" dirty="0">
+                  <a:solidFill>
+                    <a:schemeClr val="tx1"/>
+                  </a:solidFill>
+                  <a:latin typeface="Segoe UI Light" panose="020B0502040204020203" pitchFamily="34" charset="0"/>
+                  <a:cs typeface="Segoe UI Light" panose="020B0502040204020203" pitchFamily="34" charset="0"/>
+                </a:rPr>
+                <a:t>Country Development</a:t>
+              </a:r>
+            </a:p>
+          </p:txBody>
+        </p:sp>
+        <p:sp>
+          <p:nvSpPr>
+            <p:cNvPr id="104" name="Rechteck 103">
+              <a:extLst>
+                <a:ext uri="{FF2B5EF4-FFF2-40B4-BE49-F238E27FC236}">
+                  <a16:creationId xmlns:a16="http://schemas.microsoft.com/office/drawing/2014/main" id="{55BBC88D-9C6D-4EC6-A43D-52EE4910216A}"/>
+                </a:ext>
+              </a:extLst>
+            </p:cNvPr>
+            <p:cNvSpPr/>
+            <p:nvPr/>
+          </p:nvSpPr>
+          <p:spPr>
+            <a:xfrm rot="18884007">
+              <a:off x="20300434" y="6950481"/>
+              <a:ext cx="1705790" cy="331585"/>
+            </a:xfrm>
+            <a:prstGeom prst="rect">
+              <a:avLst/>
+            </a:prstGeom>
+            <a:noFill/>
+            <a:ln>
+              <a:noFill/>
+            </a:ln>
+          </p:spPr>
+          <p:style>
+            <a:lnRef idx="2">
+              <a:schemeClr val="accent1">
+                <a:shade val="50000"/>
+              </a:schemeClr>
+            </a:lnRef>
+            <a:fillRef idx="1">
+              <a:schemeClr val="accent1"/>
+            </a:fillRef>
+            <a:effectRef idx="0">
+              <a:schemeClr val="accent1"/>
+            </a:effectRef>
+            <a:fontRef idx="minor">
+              <a:schemeClr val="lt1"/>
+            </a:fontRef>
+          </p:style>
+          <p:txBody>
+            <a:bodyPr rtlCol="0" anchor="ctr"/>
+            <a:lstStyle/>
+            <a:p>
+              <a:pPr algn="ctr"/>
+              <a:r>
+                <a:rPr lang="en-GB" sz="800" b="1" dirty="0">
+                  <a:solidFill>
+                    <a:schemeClr val="tx1"/>
+                  </a:solidFill>
+                  <a:latin typeface="Segoe UI Light" panose="020B0502040204020203" pitchFamily="34" charset="0"/>
+                  <a:cs typeface="Segoe UI Light" panose="020B0502040204020203" pitchFamily="34" charset="0"/>
+                </a:rPr>
+                <a:t>Freedom &amp; Corruption</a:t>
+              </a:r>
+            </a:p>
+          </p:txBody>
+        </p:sp>
+        <p:sp>
+          <p:nvSpPr>
+            <p:cNvPr id="105" name="Rechteck 104">
+              <a:extLst>
+                <a:ext uri="{FF2B5EF4-FFF2-40B4-BE49-F238E27FC236}">
+                  <a16:creationId xmlns:a16="http://schemas.microsoft.com/office/drawing/2014/main" id="{3FA6D8C5-F014-4805-951D-B5F7A4B65C57}"/>
+                </a:ext>
+              </a:extLst>
+            </p:cNvPr>
+            <p:cNvSpPr/>
+            <p:nvPr/>
+          </p:nvSpPr>
+          <p:spPr>
+            <a:xfrm rot="18884007">
+              <a:off x="20975890" y="6796728"/>
+              <a:ext cx="1705790" cy="331585"/>
+            </a:xfrm>
+            <a:prstGeom prst="rect">
+              <a:avLst/>
+            </a:prstGeom>
+            <a:noFill/>
+            <a:ln>
+              <a:noFill/>
+            </a:ln>
+          </p:spPr>
+          <p:style>
+            <a:lnRef idx="2">
+              <a:schemeClr val="accent1">
+                <a:shade val="50000"/>
+              </a:schemeClr>
+            </a:lnRef>
+            <a:fillRef idx="1">
+              <a:schemeClr val="accent1"/>
+            </a:fillRef>
+            <a:effectRef idx="0">
+              <a:schemeClr val="accent1"/>
+            </a:effectRef>
+            <a:fontRef idx="minor">
+              <a:schemeClr val="lt1"/>
+            </a:fontRef>
+          </p:style>
+          <p:txBody>
+            <a:bodyPr rtlCol="0" anchor="ctr"/>
+            <a:lstStyle/>
+            <a:p>
+              <a:pPr algn="ctr"/>
+              <a:r>
+                <a:rPr lang="en-GB" sz="800" b="1" dirty="0">
+                  <a:solidFill>
+                    <a:schemeClr val="tx1"/>
+                  </a:solidFill>
+                  <a:latin typeface="Segoe UI Light" panose="020B0502040204020203" pitchFamily="34" charset="0"/>
+                  <a:cs typeface="Segoe UI Light" panose="020B0502040204020203" pitchFamily="34" charset="0"/>
+                </a:rPr>
+                <a:t>Air Pollution</a:t>
+              </a:r>
+            </a:p>
+          </p:txBody>
+        </p:sp>
+      </p:grpSp>
+      <p:sp>
+        <p:nvSpPr>
+          <p:cNvPr id="124" name="Textfeld 123">
+            <a:extLst>
+              <a:ext uri="{FF2B5EF4-FFF2-40B4-BE49-F238E27FC236}">
+                <a16:creationId xmlns:a16="http://schemas.microsoft.com/office/drawing/2014/main" id="{C393C8C4-076C-42F8-9EC6-0D479387351C}"/>
+              </a:ext>
+            </a:extLst>
+          </p:cNvPr>
+          <p:cNvSpPr txBox="1"/>
+          <p:nvPr/>
+        </p:nvSpPr>
+        <p:spPr>
+          <a:xfrm>
+            <a:off x="16190979" y="3177669"/>
+            <a:ext cx="3159932" cy="307777"/>
+          </a:xfrm>
+          <a:prstGeom prst="rect">
+            <a:avLst/>
+          </a:prstGeom>
+          <a:noFill/>
+        </p:spPr>
+        <p:txBody>
+          <a:bodyPr wrap="square" rtlCol="0">
+            <a:spAutoFit/>
+          </a:bodyPr>
+          <a:lstStyle/>
+          <a:p>
+            <a:r>
+              <a:rPr lang="en-GB" sz="1400" dirty="0">
+                <a:latin typeface="Segoe UI Light" panose="020B0502040204020203" pitchFamily="34" charset="0"/>
+                <a:cs typeface="Segoe UI Light" panose="020B0502040204020203" pitchFamily="34" charset="0"/>
+              </a:rPr>
+              <a:t>PCA Scree Plot</a:t>
+            </a:r>
+            <a:endParaRPr lang="en-GB" b="1" dirty="0">
+              <a:latin typeface="Segoe UI Light" panose="020B0502040204020203" pitchFamily="34" charset="0"/>
+              <a:cs typeface="Segoe UI Light" panose="020B0502040204020203" pitchFamily="34" charset="0"/>
+            </a:endParaRPr>
+          </a:p>
+        </p:txBody>
+      </p:sp>
+      <p:sp>
+        <p:nvSpPr>
+          <p:cNvPr id="125" name="Textfeld 124">
+            <a:extLst>
+              <a:ext uri="{FF2B5EF4-FFF2-40B4-BE49-F238E27FC236}">
+                <a16:creationId xmlns:a16="http://schemas.microsoft.com/office/drawing/2014/main" id="{0B02C4DB-84B4-430E-89D6-521A4D506778}"/>
+              </a:ext>
+            </a:extLst>
+          </p:cNvPr>
+          <p:cNvSpPr txBox="1"/>
+          <p:nvPr/>
+        </p:nvSpPr>
+        <p:spPr>
+          <a:xfrm>
+            <a:off x="19596309" y="3147796"/>
+            <a:ext cx="3159932" cy="307777"/>
+          </a:xfrm>
+          <a:prstGeom prst="rect">
+            <a:avLst/>
+          </a:prstGeom>
+          <a:noFill/>
+        </p:spPr>
+        <p:txBody>
+          <a:bodyPr wrap="square" rtlCol="0">
+            <a:spAutoFit/>
+          </a:bodyPr>
+          <a:lstStyle/>
+          <a:p>
+            <a:r>
+              <a:rPr lang="en-GB" sz="1400" dirty="0">
+                <a:latin typeface="Segoe UI Light" panose="020B0502040204020203" pitchFamily="34" charset="0"/>
+                <a:cs typeface="Segoe UI Light" panose="020B0502040204020203" pitchFamily="34" charset="0"/>
+              </a:rPr>
+              <a:t>PCA Loadings</a:t>
+            </a:r>
+            <a:endParaRPr lang="en-GB" b="1" dirty="0">
+              <a:latin typeface="Segoe UI Light" panose="020B0502040204020203" pitchFamily="34" charset="0"/>
+              <a:cs typeface="Segoe UI Light" panose="020B0502040204020203" pitchFamily="34" charset="0"/>
+            </a:endParaRPr>
+          </a:p>
+        </p:txBody>
+      </p:sp>
+      <p:pic>
+        <p:nvPicPr>
+          <p:cNvPr id="129" name="Grafik 128">
+            <a:extLst>
+              <a:ext uri="{FF2B5EF4-FFF2-40B4-BE49-F238E27FC236}">
+                <a16:creationId xmlns:a16="http://schemas.microsoft.com/office/drawing/2014/main" id="{73836794-D855-4E68-8E7C-F0571193AB2F}"/>
+              </a:ext>
+            </a:extLst>
+          </p:cNvPr>
+          <p:cNvPicPr>
+            <a:picLocks noChangeAspect="1"/>
+          </p:cNvPicPr>
+          <p:nvPr/>
+        </p:nvPicPr>
+        <p:blipFill>
+          <a:blip r:embed="rId28">
+            <a:extLst>
+              <a:ext uri="{28A0092B-C50C-407E-A947-70E740481C1C}">
+                <a14:useLocalDpi xmlns:a14="http://schemas.microsoft.com/office/drawing/2010/main" val="0"/>
+              </a:ext>
+            </a:extLst>
+          </a:blip>
+          <a:stretch>
+            <a:fillRect/>
+          </a:stretch>
+        </p:blipFill>
+        <p:spPr>
+          <a:xfrm>
+            <a:off x="23587707" y="3190332"/>
+            <a:ext cx="1688059" cy="2700894"/>
+          </a:xfrm>
+          <a:prstGeom prst="rect">
+            <a:avLst/>
+          </a:prstGeom>
+        </p:spPr>
+      </p:pic>
+      <p:sp>
+        <p:nvSpPr>
+          <p:cNvPr id="130" name="Textfeld 129">
+            <a:extLst>
+              <a:ext uri="{FF2B5EF4-FFF2-40B4-BE49-F238E27FC236}">
+                <a16:creationId xmlns:a16="http://schemas.microsoft.com/office/drawing/2014/main" id="{FE88A252-AE06-467F-BD9C-2E7D09AEFE88}"/>
+              </a:ext>
+            </a:extLst>
+          </p:cNvPr>
+          <p:cNvSpPr txBox="1"/>
+          <p:nvPr/>
+        </p:nvSpPr>
+        <p:spPr>
+          <a:xfrm>
+            <a:off x="23494390" y="2899914"/>
+            <a:ext cx="1421740" cy="307777"/>
+          </a:xfrm>
+          <a:prstGeom prst="rect">
+            <a:avLst/>
+          </a:prstGeom>
+          <a:noFill/>
+        </p:spPr>
+        <p:txBody>
+          <a:bodyPr wrap="square" rtlCol="0">
+            <a:spAutoFit/>
+          </a:bodyPr>
+          <a:lstStyle/>
+          <a:p>
+            <a:pPr algn="just"/>
+            <a:r>
+              <a:rPr lang="en-GB" sz="1400" dirty="0">
+                <a:latin typeface="Segoe UI Light" panose="020B0502040204020203" pitchFamily="34" charset="0"/>
+                <a:cs typeface="Segoe UI Light" panose="020B0502040204020203" pitchFamily="34" charset="0"/>
+              </a:rPr>
+              <a:t>FA Scree Plot</a:t>
+            </a:r>
+            <a:endParaRPr lang="en-GB" b="1" dirty="0">
+              <a:latin typeface="Segoe UI Light" panose="020B0502040204020203" pitchFamily="34" charset="0"/>
+              <a:cs typeface="Segoe UI Light" panose="020B0502040204020203" pitchFamily="34" charset="0"/>
+            </a:endParaRPr>
+          </a:p>
+        </p:txBody>
+      </p:sp>
+      <p:sp>
+        <p:nvSpPr>
+          <p:cNvPr id="131" name="Textfeld 130">
+            <a:extLst>
+              <a:ext uri="{FF2B5EF4-FFF2-40B4-BE49-F238E27FC236}">
+                <a16:creationId xmlns:a16="http://schemas.microsoft.com/office/drawing/2014/main" id="{904AB503-0041-4415-8C23-D95E73B3B08C}"/>
+              </a:ext>
+            </a:extLst>
+          </p:cNvPr>
+          <p:cNvSpPr txBox="1"/>
+          <p:nvPr/>
+        </p:nvSpPr>
+        <p:spPr>
+          <a:xfrm rot="16200000">
+            <a:off x="22956734" y="4353996"/>
+            <a:ext cx="2160327" cy="253916"/>
+          </a:xfrm>
+          <a:prstGeom prst="rect">
+            <a:avLst/>
+          </a:prstGeom>
+          <a:noFill/>
+        </p:spPr>
+        <p:txBody>
+          <a:bodyPr wrap="square" rtlCol="0">
+            <a:spAutoFit/>
+          </a:bodyPr>
+          <a:lstStyle/>
+          <a:p>
+            <a:r>
+              <a:rPr lang="en-GB" sz="900" dirty="0">
+                <a:latin typeface="Segoe UI Light" panose="020B0502040204020203" pitchFamily="34" charset="0"/>
+                <a:cs typeface="Segoe UI Light" panose="020B0502040204020203" pitchFamily="34" charset="0"/>
+              </a:rPr>
+              <a:t>Country</a:t>
+            </a:r>
+            <a:r>
+              <a:rPr lang="en-GB" sz="1050" dirty="0"/>
+              <a:t> </a:t>
+            </a:r>
+            <a:r>
+              <a:rPr lang="en-GB" sz="900" dirty="0">
+                <a:latin typeface="Segoe UI Light" panose="020B0502040204020203" pitchFamily="34" charset="0"/>
+                <a:cs typeface="Segoe UI Light" panose="020B0502040204020203" pitchFamily="34" charset="0"/>
+              </a:rPr>
+              <a:t>Development</a:t>
+            </a:r>
+          </a:p>
+        </p:txBody>
+      </p:sp>
+      <p:sp>
+        <p:nvSpPr>
+          <p:cNvPr id="132" name="Textfeld 131">
+            <a:extLst>
+              <a:ext uri="{FF2B5EF4-FFF2-40B4-BE49-F238E27FC236}">
+                <a16:creationId xmlns:a16="http://schemas.microsoft.com/office/drawing/2014/main" id="{2D15AA6D-7002-4E92-A03C-F2FA7A57CDEB}"/>
+              </a:ext>
+            </a:extLst>
+          </p:cNvPr>
+          <p:cNvSpPr txBox="1"/>
+          <p:nvPr/>
+        </p:nvSpPr>
+        <p:spPr>
+          <a:xfrm rot="16200000">
+            <a:off x="23868506" y="4855874"/>
+            <a:ext cx="1249053" cy="230832"/>
+          </a:xfrm>
+          <a:prstGeom prst="rect">
+            <a:avLst/>
+          </a:prstGeom>
+          <a:noFill/>
+        </p:spPr>
+        <p:txBody>
+          <a:bodyPr wrap="square" rtlCol="0">
+            <a:spAutoFit/>
+          </a:bodyPr>
+          <a:lstStyle/>
+          <a:p>
+            <a:r>
+              <a:rPr lang="en-GB" sz="900" dirty="0">
+                <a:latin typeface="Segoe UI Light" panose="020B0502040204020203" pitchFamily="34" charset="0"/>
+                <a:cs typeface="Segoe UI Light" panose="020B0502040204020203" pitchFamily="34" charset="0"/>
+              </a:rPr>
+              <a:t>Quality of Life</a:t>
+            </a:r>
+          </a:p>
+        </p:txBody>
+      </p:sp>
+      <p:sp>
+        <p:nvSpPr>
+          <p:cNvPr id="133" name="Textfeld 132">
+            <a:extLst>
+              <a:ext uri="{FF2B5EF4-FFF2-40B4-BE49-F238E27FC236}">
+                <a16:creationId xmlns:a16="http://schemas.microsoft.com/office/drawing/2014/main" id="{05CAF5C1-652F-4C19-A180-009E7E1C4B5B}"/>
+              </a:ext>
+            </a:extLst>
+          </p:cNvPr>
+          <p:cNvSpPr txBox="1"/>
+          <p:nvPr/>
+        </p:nvSpPr>
+        <p:spPr>
+          <a:xfrm rot="16200000">
+            <a:off x="24609973" y="5135162"/>
+            <a:ext cx="692143" cy="230834"/>
+          </a:xfrm>
+          <a:prstGeom prst="rect">
+            <a:avLst/>
+          </a:prstGeom>
+          <a:noFill/>
+        </p:spPr>
+        <p:txBody>
+          <a:bodyPr wrap="square" rtlCol="0">
+            <a:spAutoFit/>
+          </a:bodyPr>
+          <a:lstStyle/>
+          <a:p>
+            <a:r>
+              <a:rPr lang="en-GB" sz="900" dirty="0">
+                <a:latin typeface="Segoe UI Light" panose="020B0502040204020203" pitchFamily="34" charset="0"/>
+                <a:cs typeface="Segoe UI Light" panose="020B0502040204020203" pitchFamily="34" charset="0"/>
+              </a:rPr>
+              <a:t>Freedom</a:t>
+            </a:r>
+          </a:p>
+        </p:txBody>
+      </p:sp>
+      <p:pic>
+        <p:nvPicPr>
+          <p:cNvPr id="135" name="Grafik 134">
+            <a:extLst>
+              <a:ext uri="{FF2B5EF4-FFF2-40B4-BE49-F238E27FC236}">
+                <a16:creationId xmlns:a16="http://schemas.microsoft.com/office/drawing/2014/main" id="{7C457359-AD83-4209-BAE2-5BD055181557}"/>
+              </a:ext>
+            </a:extLst>
+          </p:cNvPr>
+          <p:cNvPicPr>
+            <a:picLocks noChangeAspect="1"/>
+          </p:cNvPicPr>
+          <p:nvPr/>
+        </p:nvPicPr>
+        <p:blipFill rotWithShape="1">
+          <a:blip r:embed="rId29">
+            <a:extLst>
+              <a:ext uri="{28A0092B-C50C-407E-A947-70E740481C1C}">
+                <a14:useLocalDpi xmlns:a14="http://schemas.microsoft.com/office/drawing/2010/main" val="0"/>
+              </a:ext>
+            </a:extLst>
+          </a:blip>
+          <a:srcRect l="91134" t="2430" b="94348"/>
+          <a:stretch/>
+        </p:blipFill>
+        <p:spPr>
+          <a:xfrm>
+            <a:off x="13452212" y="9156146"/>
+            <a:ext cx="1064780" cy="257779"/>
+          </a:xfrm>
+          <a:prstGeom prst="rect">
+            <a:avLst/>
+          </a:prstGeom>
+        </p:spPr>
+      </p:pic>
+      <p:sp>
+        <p:nvSpPr>
+          <p:cNvPr id="136" name="Textfeld 135">
+            <a:extLst>
+              <a:ext uri="{FF2B5EF4-FFF2-40B4-BE49-F238E27FC236}">
+                <a16:creationId xmlns:a16="http://schemas.microsoft.com/office/drawing/2014/main" id="{F0A1C01D-0D4D-443E-9D5D-93354FFF4F12}"/>
+              </a:ext>
+            </a:extLst>
+          </p:cNvPr>
+          <p:cNvSpPr txBox="1"/>
+          <p:nvPr/>
+        </p:nvSpPr>
+        <p:spPr>
+          <a:xfrm>
+            <a:off x="13447550" y="8931213"/>
+            <a:ext cx="1064779" cy="230832"/>
+          </a:xfrm>
+          <a:prstGeom prst="rect">
+            <a:avLst/>
+          </a:prstGeom>
+          <a:noFill/>
+        </p:spPr>
+        <p:txBody>
+          <a:bodyPr wrap="square" rtlCol="0">
+            <a:spAutoFit/>
+          </a:bodyPr>
+          <a:lstStyle/>
+          <a:p>
+            <a:r>
+              <a:rPr lang="en-GB" sz="900" dirty="0">
+                <a:solidFill>
+                  <a:schemeClr val="tx1">
+                    <a:lumMod val="50000"/>
+                    <a:lumOff val="50000"/>
+                  </a:schemeClr>
+                </a:solidFill>
+                <a:latin typeface="Segoe UI Light" panose="020B0502040204020203" pitchFamily="34" charset="0"/>
+                <a:cs typeface="Segoe UI Light" panose="020B0502040204020203" pitchFamily="34" charset="0"/>
+              </a:rPr>
+              <a:t>Happiness Score</a:t>
+            </a:r>
+            <a:endParaRPr lang="en-GB" sz="900" dirty="0">
+              <a:solidFill>
+                <a:schemeClr val="tx1">
+                  <a:lumMod val="50000"/>
+                  <a:lumOff val="50000"/>
+                </a:schemeClr>
+              </a:solidFill>
+            </a:endParaRPr>
+          </a:p>
+        </p:txBody>
+      </p:sp>
+      <p:pic>
+        <p:nvPicPr>
+          <p:cNvPr id="140" name="Grafik 139">
+            <a:extLst>
+              <a:ext uri="{FF2B5EF4-FFF2-40B4-BE49-F238E27FC236}">
+                <a16:creationId xmlns:a16="http://schemas.microsoft.com/office/drawing/2014/main" id="{3E7248CA-E1D7-4C4B-903B-6A6EEEC373C5}"/>
+              </a:ext>
+            </a:extLst>
+          </p:cNvPr>
+          <p:cNvPicPr>
+            <a:picLocks noChangeAspect="1"/>
+          </p:cNvPicPr>
+          <p:nvPr/>
+        </p:nvPicPr>
+        <p:blipFill rotWithShape="1">
+          <a:blip r:embed="rId30">
+            <a:extLst>
+              <a:ext uri="{28A0092B-C50C-407E-A947-70E740481C1C}">
+                <a14:useLocalDpi xmlns:a14="http://schemas.microsoft.com/office/drawing/2010/main" val="0"/>
+              </a:ext>
+            </a:extLst>
+          </a:blip>
+          <a:srcRect t="4798"/>
+          <a:stretch/>
+        </p:blipFill>
+        <p:spPr>
+          <a:xfrm>
+            <a:off x="4022260" y="15405636"/>
+            <a:ext cx="5213242" cy="3477364"/>
+          </a:xfrm>
+          <a:prstGeom prst="rect">
+            <a:avLst/>
+          </a:prstGeom>
+        </p:spPr>
+      </p:pic>
+      <p:sp>
+        <p:nvSpPr>
+          <p:cNvPr id="141" name="Textfeld 140">
+            <a:extLst>
+              <a:ext uri="{FF2B5EF4-FFF2-40B4-BE49-F238E27FC236}">
+                <a16:creationId xmlns:a16="http://schemas.microsoft.com/office/drawing/2014/main" id="{3DDF8AEB-3236-4953-B89D-CB4D6D95804E}"/>
+              </a:ext>
+            </a:extLst>
+          </p:cNvPr>
+          <p:cNvSpPr txBox="1"/>
+          <p:nvPr/>
+        </p:nvSpPr>
+        <p:spPr>
+          <a:xfrm>
+            <a:off x="963959" y="13018031"/>
+            <a:ext cx="4469599" cy="338554"/>
+          </a:xfrm>
+          <a:prstGeom prst="rect">
+            <a:avLst/>
+          </a:prstGeom>
+          <a:noFill/>
+        </p:spPr>
+        <p:txBody>
+          <a:bodyPr wrap="square" rtlCol="0">
+            <a:spAutoFit/>
+          </a:bodyPr>
+          <a:lstStyle/>
+          <a:p>
+            <a:r>
+              <a:rPr lang="en-GB" sz="1600" b="1" dirty="0">
+                <a:latin typeface="Segoe UI Light" panose="020B0502040204020203" pitchFamily="34" charset="0"/>
+                <a:cs typeface="Segoe UI Light" panose="020B0502040204020203" pitchFamily="34" charset="0"/>
+              </a:rPr>
+              <a:t>Cluster Dendrogram</a:t>
+            </a:r>
+          </a:p>
+        </p:txBody>
+      </p:sp>
+      <p:sp>
+        <p:nvSpPr>
+          <p:cNvPr id="142" name="Textfeld 141">
+            <a:extLst>
+              <a:ext uri="{FF2B5EF4-FFF2-40B4-BE49-F238E27FC236}">
+                <a16:creationId xmlns:a16="http://schemas.microsoft.com/office/drawing/2014/main" id="{1C0DA642-AE1B-4F39-9BBA-485BD41FBD77}"/>
+              </a:ext>
+            </a:extLst>
+          </p:cNvPr>
+          <p:cNvSpPr txBox="1"/>
+          <p:nvPr/>
+        </p:nvSpPr>
+        <p:spPr>
+          <a:xfrm>
+            <a:off x="971859" y="12592498"/>
+            <a:ext cx="4469599" cy="338554"/>
+          </a:xfrm>
+          <a:prstGeom prst="rect">
+            <a:avLst/>
+          </a:prstGeom>
+          <a:noFill/>
+        </p:spPr>
+        <p:txBody>
+          <a:bodyPr wrap="square" rtlCol="0">
+            <a:spAutoFit/>
+          </a:bodyPr>
+          <a:lstStyle/>
+          <a:p>
+            <a:r>
+              <a:rPr lang="en-GB" sz="1600" b="1" dirty="0">
+                <a:latin typeface="Segoe UI Light" panose="020B0502040204020203" pitchFamily="34" charset="0"/>
+                <a:cs typeface="Segoe UI Light" panose="020B0502040204020203" pitchFamily="34" charset="0"/>
+              </a:rPr>
+              <a:t>Hierarchical Clustering on Principal Components</a:t>
+            </a:r>
+          </a:p>
+        </p:txBody>
+      </p:sp>
+      <p:pic>
+        <p:nvPicPr>
+          <p:cNvPr id="144" name="Grafik 143">
+            <a:extLst>
+              <a:ext uri="{FF2B5EF4-FFF2-40B4-BE49-F238E27FC236}">
+                <a16:creationId xmlns:a16="http://schemas.microsoft.com/office/drawing/2014/main" id="{D9A64C6F-FA9E-41AB-96EE-35C09EB6D752}"/>
+              </a:ext>
+            </a:extLst>
+          </p:cNvPr>
+          <p:cNvPicPr>
+            <a:picLocks noChangeAspect="1"/>
+          </p:cNvPicPr>
+          <p:nvPr/>
+        </p:nvPicPr>
+        <p:blipFill rotWithShape="1">
+          <a:blip r:embed="rId31">
+            <a:extLst>
+              <a:ext uri="{28A0092B-C50C-407E-A947-70E740481C1C}">
+                <a14:useLocalDpi xmlns:a14="http://schemas.microsoft.com/office/drawing/2010/main" val="0"/>
+              </a:ext>
+            </a:extLst>
+          </a:blip>
+          <a:srcRect t="5905"/>
+          <a:stretch/>
+        </p:blipFill>
+        <p:spPr>
+          <a:xfrm>
+            <a:off x="1006401" y="13356585"/>
+            <a:ext cx="3068853" cy="2165738"/>
+          </a:xfrm>
+          <a:prstGeom prst="rect">
+            <a:avLst/>
+          </a:prstGeom>
+        </p:spPr>
+      </p:pic>
+      <p:sp>
+        <p:nvSpPr>
+          <p:cNvPr id="84" name="Textfeld 83">
+            <a:extLst>
+              <a:ext uri="{FF2B5EF4-FFF2-40B4-BE49-F238E27FC236}">
+                <a16:creationId xmlns:a16="http://schemas.microsoft.com/office/drawing/2014/main" id="{7B8F039E-53BE-4743-A125-4436A25EC159}"/>
+              </a:ext>
+            </a:extLst>
+          </p:cNvPr>
+          <p:cNvSpPr txBox="1"/>
+          <p:nvPr/>
+        </p:nvSpPr>
+        <p:spPr>
+          <a:xfrm>
+            <a:off x="3265572" y="13138330"/>
+            <a:ext cx="5795339" cy="1169551"/>
+          </a:xfrm>
+          <a:prstGeom prst="rect">
+            <a:avLst/>
+          </a:prstGeom>
+          <a:noFill/>
+        </p:spPr>
+        <p:txBody>
+          <a:bodyPr wrap="square" rtlCol="0">
+            <a:spAutoFit/>
+          </a:bodyPr>
+          <a:lstStyle/>
+          <a:p>
+            <a:pPr algn="just"/>
+            <a:r>
+              <a:rPr lang="en-GB" sz="1400" dirty="0">
+                <a:latin typeface="Segoe UI Light" panose="020B0502040204020203" pitchFamily="34" charset="0"/>
+                <a:cs typeface="Segoe UI Light" panose="020B0502040204020203" pitchFamily="34" charset="0"/>
+              </a:rPr>
+              <a:t>According to the results of the Dendrogram, 3 clusters seem to make the most accurate division among the countries. To proof the optimal number of clusters, we also perform Elbow and Silhouette methods. The results confirm number of clusters equal to 3. The distance measure used is Euclidian Distance.</a:t>
+            </a:r>
+          </a:p>
+        </p:txBody>
+      </p:sp>
+      <p:sp>
+        <p:nvSpPr>
+          <p:cNvPr id="145" name="Textfeld 144">
+            <a:extLst>
+              <a:ext uri="{FF2B5EF4-FFF2-40B4-BE49-F238E27FC236}">
+                <a16:creationId xmlns:a16="http://schemas.microsoft.com/office/drawing/2014/main" id="{34D30FB4-BE51-4485-AF66-F6D96553E976}"/>
+              </a:ext>
+            </a:extLst>
+          </p:cNvPr>
+          <p:cNvSpPr txBox="1"/>
+          <p:nvPr/>
+        </p:nvSpPr>
+        <p:spPr>
+          <a:xfrm>
+            <a:off x="883135" y="15701729"/>
+            <a:ext cx="3302707" cy="2246769"/>
+          </a:xfrm>
+          <a:prstGeom prst="rect">
+            <a:avLst/>
+          </a:prstGeom>
+          <a:noFill/>
+        </p:spPr>
+        <p:txBody>
+          <a:bodyPr wrap="square" rtlCol="0">
+            <a:spAutoFit/>
+          </a:bodyPr>
+          <a:lstStyle/>
+          <a:p>
+            <a:r>
+              <a:rPr lang="en-GB" sz="1400" b="1" dirty="0">
+                <a:solidFill>
+                  <a:schemeClr val="accent1"/>
+                </a:solidFill>
+                <a:latin typeface="Segoe UI Light" panose="020B0502040204020203" pitchFamily="34" charset="0"/>
+                <a:cs typeface="Segoe UI Light" panose="020B0502040204020203" pitchFamily="34" charset="0"/>
+              </a:rPr>
+              <a:t>Africa</a:t>
+            </a:r>
+            <a:r>
+              <a:rPr lang="en-GB" sz="1400" dirty="0">
+                <a:latin typeface="Segoe UI Light" panose="020B0502040204020203" pitchFamily="34" charset="0"/>
+                <a:cs typeface="Segoe UI Light" panose="020B0502040204020203" pitchFamily="34" charset="0"/>
+              </a:rPr>
+              <a:t> </a:t>
+            </a:r>
+          </a:p>
+          <a:p>
+            <a:pPr marL="285750" indent="-285750">
+              <a:buFontTx/>
+              <a:buChar char="-"/>
+            </a:pPr>
+            <a:r>
+              <a:rPr lang="en-GB" sz="1400" dirty="0">
+                <a:latin typeface="Segoe UI Light" panose="020B0502040204020203" pitchFamily="34" charset="0"/>
+                <a:cs typeface="Segoe UI Light" panose="020B0502040204020203" pitchFamily="34" charset="0"/>
+              </a:rPr>
+              <a:t>low Country Development</a:t>
+            </a:r>
+          </a:p>
+          <a:p>
+            <a:pPr marL="285750" indent="-285750">
+              <a:buFontTx/>
+              <a:buChar char="-"/>
+            </a:pPr>
+            <a:r>
+              <a:rPr lang="en-GB" sz="1400" dirty="0">
+                <a:latin typeface="Segoe UI Light" panose="020B0502040204020203" pitchFamily="34" charset="0"/>
+                <a:cs typeface="Segoe UI Light" panose="020B0502040204020203" pitchFamily="34" charset="0"/>
+              </a:rPr>
+              <a:t>high Freedom &amp; Corruption </a:t>
+            </a:r>
+          </a:p>
+          <a:p>
+            <a:r>
+              <a:rPr lang="en-GB" sz="1400" b="1" dirty="0">
+                <a:solidFill>
+                  <a:schemeClr val="tx1">
+                    <a:lumMod val="50000"/>
+                    <a:lumOff val="50000"/>
+                  </a:schemeClr>
+                </a:solidFill>
+                <a:latin typeface="Segoe UI Light" panose="020B0502040204020203" pitchFamily="34" charset="0"/>
+                <a:cs typeface="Segoe UI Light" panose="020B0502040204020203" pitchFamily="34" charset="0"/>
+              </a:rPr>
+              <a:t>Western Europe, North America, Australia</a:t>
+            </a:r>
+          </a:p>
+          <a:p>
+            <a:pPr marL="285750" indent="-285750">
+              <a:buFontTx/>
+              <a:buChar char="-"/>
+            </a:pPr>
+            <a:r>
+              <a:rPr lang="en-GB" sz="1400" dirty="0">
+                <a:latin typeface="Segoe UI Light" panose="020B0502040204020203" pitchFamily="34" charset="0"/>
+                <a:cs typeface="Segoe UI Light" panose="020B0502040204020203" pitchFamily="34" charset="0"/>
+              </a:rPr>
+              <a:t>high Country Development</a:t>
+            </a:r>
+          </a:p>
+          <a:p>
+            <a:pPr marL="285750" indent="-285750">
+              <a:buFontTx/>
+              <a:buChar char="-"/>
+            </a:pPr>
+            <a:r>
+              <a:rPr lang="en-GB" sz="1400" dirty="0">
+                <a:latin typeface="Segoe UI Light" panose="020B0502040204020203" pitchFamily="34" charset="0"/>
+                <a:cs typeface="Segoe UI Light" panose="020B0502040204020203" pitchFamily="34" charset="0"/>
+              </a:rPr>
+              <a:t>high Freedom and Corruption</a:t>
+            </a:r>
+          </a:p>
+          <a:p>
+            <a:r>
+              <a:rPr lang="en-GB" sz="1400" b="1" dirty="0">
+                <a:solidFill>
+                  <a:schemeClr val="accent4">
+                    <a:lumMod val="60000"/>
+                    <a:lumOff val="40000"/>
+                  </a:schemeClr>
+                </a:solidFill>
+                <a:latin typeface="Segoe UI Light" panose="020B0502040204020203" pitchFamily="34" charset="0"/>
+                <a:cs typeface="Segoe UI Light" panose="020B0502040204020203" pitchFamily="34" charset="0"/>
+              </a:rPr>
+              <a:t>Asia, South America, Eastern Europe</a:t>
+            </a:r>
+          </a:p>
+          <a:p>
+            <a:pPr marL="285750" indent="-285750">
+              <a:buFontTx/>
+              <a:buChar char="-"/>
+            </a:pPr>
+            <a:r>
+              <a:rPr lang="en-GB" sz="1400" dirty="0">
+                <a:latin typeface="Segoe UI Light" panose="020B0502040204020203" pitchFamily="34" charset="0"/>
+                <a:cs typeface="Segoe UI Light" panose="020B0502040204020203" pitchFamily="34" charset="0"/>
+              </a:rPr>
+              <a:t>mid to low Country Development</a:t>
+            </a:r>
+          </a:p>
+          <a:p>
+            <a:pPr marL="285750" indent="-285750">
+              <a:buFontTx/>
+              <a:buChar char="-"/>
+            </a:pPr>
+            <a:r>
+              <a:rPr lang="en-GB" sz="1400" dirty="0">
+                <a:latin typeface="Segoe UI Light" panose="020B0502040204020203" pitchFamily="34" charset="0"/>
+                <a:cs typeface="Segoe UI Light" panose="020B0502040204020203" pitchFamily="34" charset="0"/>
+              </a:rPr>
+              <a:t>mid Freedom and Corruption</a:t>
+            </a:r>
+          </a:p>
+          <a:p>
+            <a:pPr algn="just"/>
+            <a:endParaRPr lang="en-GB" sz="1400" dirty="0">
+              <a:solidFill>
+                <a:schemeClr val="accent4">
+                  <a:lumMod val="60000"/>
+                  <a:lumOff val="40000"/>
+                </a:schemeClr>
+              </a:solidFill>
+              <a:latin typeface="Segoe UI Light" panose="020B0502040204020203" pitchFamily="34" charset="0"/>
+              <a:cs typeface="Segoe UI Light" panose="020B0502040204020203" pitchFamily="34" charset="0"/>
+            </a:endParaRPr>
+          </a:p>
+        </p:txBody>
+      </p:sp>
+      <p:pic>
+        <p:nvPicPr>
+          <p:cNvPr id="147" name="Grafik 146">
+            <a:extLst>
+              <a:ext uri="{FF2B5EF4-FFF2-40B4-BE49-F238E27FC236}">
+                <a16:creationId xmlns:a16="http://schemas.microsoft.com/office/drawing/2014/main" id="{F027AAC7-FA58-4FBC-84D7-CCA364127D15}"/>
+              </a:ext>
+            </a:extLst>
+          </p:cNvPr>
+          <p:cNvPicPr>
+            <a:picLocks noChangeAspect="1"/>
+          </p:cNvPicPr>
+          <p:nvPr/>
+        </p:nvPicPr>
+        <p:blipFill>
+          <a:blip r:embed="rId32">
+            <a:extLst>
+              <a:ext uri="{28A0092B-C50C-407E-A947-70E740481C1C}">
+                <a14:useLocalDpi xmlns:a14="http://schemas.microsoft.com/office/drawing/2010/main" val="0"/>
+              </a:ext>
+            </a:extLst>
+          </a:blip>
+          <a:stretch>
+            <a:fillRect/>
+          </a:stretch>
+        </p:blipFill>
+        <p:spPr>
+          <a:xfrm>
+            <a:off x="1007789" y="17961863"/>
+            <a:ext cx="3786045" cy="2811942"/>
+          </a:xfrm>
+          <a:prstGeom prst="rect">
+            <a:avLst/>
+          </a:prstGeom>
+        </p:spPr>
+      </p:pic>
+      <p:sp>
+        <p:nvSpPr>
+          <p:cNvPr id="5" name="Rechteck: abgerundete Ecken 4">
+            <a:extLst>
+              <a:ext uri="{FF2B5EF4-FFF2-40B4-BE49-F238E27FC236}">
+                <a16:creationId xmlns:a16="http://schemas.microsoft.com/office/drawing/2014/main" id="{DBC15CEA-203F-4297-B616-17213A939DD1}"/>
               </a:ext>
             </a:extLst>
           </p:cNvPr>
@@ -5991,8 +8896,8 @@
         </p:nvSpPr>
         <p:spPr>
           <a:xfrm>
-            <a:off x="15894195" y="2105889"/>
-            <a:ext cx="13837659" cy="9060873"/>
+            <a:off x="720436" y="11868341"/>
+            <a:ext cx="8466117" cy="8933381"/>
           </a:xfrm>
           <a:prstGeom prst="roundRect">
             <a:avLst/>
@@ -6029,127 +8934,12 @@
           </a:p>
         </p:txBody>
       </p:sp>
-      <p:pic>
-        <p:nvPicPr>
-          <p:cNvPr id="41" name="Grafik 40">
+      <p:sp>
+        <p:nvSpPr>
+          <p:cNvPr id="16" name="Rechteck: abgerundete Ecken 15">
             <a:extLst>
               <a:ext uri="{FF2B5EF4-FFF2-40B4-BE49-F238E27FC236}">
-                <a16:creationId xmlns:a16="http://schemas.microsoft.com/office/drawing/2014/main" id="{08E8AFA2-A2F7-41CD-AA6A-0414E5BC2DE4}"/>
-              </a:ext>
-            </a:extLst>
-          </p:cNvPr>
-          <p:cNvPicPr>
-            <a:picLocks noChangeAspect="1"/>
-          </p:cNvPicPr>
-          <p:nvPr/>
-        </p:nvPicPr>
-        <p:blipFill rotWithShape="1">
-          <a:blip r:embed="rId26">
-            <a:extLst>
-              <a:ext uri="{28A0092B-C50C-407E-A947-70E740481C1C}">
-                <a14:useLocalDpi xmlns:a14="http://schemas.microsoft.com/office/drawing/2010/main" val="0"/>
-              </a:ext>
-            </a:extLst>
-          </a:blip>
-          <a:srcRect t="5254" r="36709"/>
-          <a:stretch/>
-        </p:blipFill>
-        <p:spPr>
-          <a:xfrm>
-            <a:off x="25603843" y="2825817"/>
-            <a:ext cx="3271881" cy="3165978"/>
-          </a:xfrm>
-          <a:prstGeom prst="rect">
-            <a:avLst/>
-          </a:prstGeom>
-        </p:spPr>
-      </p:pic>
-      <p:sp>
-        <p:nvSpPr>
-          <p:cNvPr id="78" name="Textfeld 77">
-            <a:extLst>
-              <a:ext uri="{FF2B5EF4-FFF2-40B4-BE49-F238E27FC236}">
-                <a16:creationId xmlns:a16="http://schemas.microsoft.com/office/drawing/2014/main" id="{01AAE052-7ACB-4B91-9469-813CA409F9EF}"/>
-              </a:ext>
-            </a:extLst>
-          </p:cNvPr>
-          <p:cNvSpPr txBox="1"/>
-          <p:nvPr/>
-        </p:nvSpPr>
-        <p:spPr>
-          <a:xfrm>
-            <a:off x="16128736" y="5441286"/>
-            <a:ext cx="3364784" cy="1600438"/>
-          </a:xfrm>
-          <a:prstGeom prst="rect">
-            <a:avLst/>
-          </a:prstGeom>
-          <a:noFill/>
-        </p:spPr>
-        <p:txBody>
-          <a:bodyPr wrap="square" rtlCol="0">
-            <a:spAutoFit/>
-          </a:bodyPr>
-          <a:lstStyle/>
-          <a:p>
-            <a:r>
-              <a:rPr lang="en-GB" sz="1400" dirty="0">
-                <a:latin typeface="Segoe UI Light" panose="020B0502040204020203" pitchFamily="34" charset="0"/>
-                <a:cs typeface="Segoe UI Light" panose="020B0502040204020203" pitchFamily="34" charset="0"/>
-              </a:rPr>
-              <a:t>The results of FA show how the assignment of the variables to the dimensions changed. After rotating the PC’s, the second and the third dimensions explains more variance. Furthermore, the Loadings are more clear in terms of interpretation.</a:t>
-            </a:r>
-            <a:endParaRPr lang="en-GB" b="1" dirty="0">
-              <a:latin typeface="Segoe UI Light" panose="020B0502040204020203" pitchFamily="34" charset="0"/>
-              <a:cs typeface="Segoe UI Light" panose="020B0502040204020203" pitchFamily="34" charset="0"/>
-            </a:endParaRPr>
-          </a:p>
-        </p:txBody>
-      </p:sp>
-      <p:sp>
-        <p:nvSpPr>
-          <p:cNvPr id="81" name="Textfeld 80">
-            <a:extLst>
-              <a:ext uri="{FF2B5EF4-FFF2-40B4-BE49-F238E27FC236}">
-                <a16:creationId xmlns:a16="http://schemas.microsoft.com/office/drawing/2014/main" id="{A9600A04-A50C-4B1C-ACF6-8A3C8FB22A35}"/>
-              </a:ext>
-            </a:extLst>
-          </p:cNvPr>
-          <p:cNvSpPr txBox="1"/>
-          <p:nvPr/>
-        </p:nvSpPr>
-        <p:spPr>
-          <a:xfrm>
-            <a:off x="16084305" y="7060199"/>
-            <a:ext cx="4469599" cy="338554"/>
-          </a:xfrm>
-          <a:prstGeom prst="rect">
-            <a:avLst/>
-          </a:prstGeom>
-          <a:noFill/>
-        </p:spPr>
-        <p:txBody>
-          <a:bodyPr wrap="square" rtlCol="0">
-            <a:spAutoFit/>
-          </a:bodyPr>
-          <a:lstStyle/>
-          <a:p>
-            <a:r>
-              <a:rPr lang="en-GB" sz="1600" b="1" dirty="0">
-                <a:latin typeface="Segoe UI Light" panose="020B0502040204020203" pitchFamily="34" charset="0"/>
-                <a:cs typeface="Segoe UI Light" panose="020B0502040204020203" pitchFamily="34" charset="0"/>
-              </a:rPr>
-              <a:t>PCA Interpretation</a:t>
-            </a:r>
-          </a:p>
-        </p:txBody>
-      </p:sp>
-      <p:sp>
-        <p:nvSpPr>
-          <p:cNvPr id="14" name="Rechteck: abgerundete Ecken 13">
-            <a:extLst>
-              <a:ext uri="{FF2B5EF4-FFF2-40B4-BE49-F238E27FC236}">
-                <a16:creationId xmlns:a16="http://schemas.microsoft.com/office/drawing/2014/main" id="{C9448E25-4DFB-417F-9427-887A0EB7343A}"/>
+                <a16:creationId xmlns:a16="http://schemas.microsoft.com/office/drawing/2014/main" id="{652A2633-20E2-4516-8EAE-564AF76EC450}"/>
               </a:ext>
             </a:extLst>
           </p:cNvPr>
@@ -6158,8 +8948,8 @@
         </p:nvSpPr>
         <p:spPr>
           <a:xfrm>
-            <a:off x="16386463" y="1805251"/>
-            <a:ext cx="3689435" cy="830997"/>
+            <a:off x="1281494" y="11569806"/>
+            <a:ext cx="3672000" cy="828000"/>
           </a:xfrm>
           <a:prstGeom prst="roundRect">
             <a:avLst/>
@@ -6194,17 +8984,17 @@
                 <a:latin typeface="Segoe UI Light" panose="020B0502040204020203" pitchFamily="34" charset="0"/>
                 <a:cs typeface="Segoe UI Light" panose="020B0502040204020203" pitchFamily="34" charset="0"/>
               </a:rPr>
-              <a:t>Dimension Reduction</a:t>
-            </a:r>
-          </a:p>
-        </p:txBody>
-      </p:sp>
-      <p:sp>
-        <p:nvSpPr>
-          <p:cNvPr id="52" name="Textfeld 51">
+              <a:t>Cluster Analysis</a:t>
+            </a:r>
+          </a:p>
+        </p:txBody>
+      </p:sp>
+      <p:sp>
+        <p:nvSpPr>
+          <p:cNvPr id="148" name="Textfeld 147">
             <a:extLst>
               <a:ext uri="{FF2B5EF4-FFF2-40B4-BE49-F238E27FC236}">
-                <a16:creationId xmlns:a16="http://schemas.microsoft.com/office/drawing/2014/main" id="{B84592CF-F25C-4FED-870B-E7E24FA58AEA}"/>
+                <a16:creationId xmlns:a16="http://schemas.microsoft.com/office/drawing/2014/main" id="{F2BE75D9-1725-458A-8CCB-3CFE2D56D08D}"/>
               </a:ext>
             </a:extLst>
           </p:cNvPr>
@@ -6213,8 +9003,8 @@
         </p:nvSpPr>
         <p:spPr>
           <a:xfrm>
-            <a:off x="10649785" y="16947802"/>
-            <a:ext cx="5244410" cy="2462213"/>
+            <a:off x="4912490" y="18999802"/>
+            <a:ext cx="3926249" cy="1384995"/>
           </a:xfrm>
           <a:prstGeom prst="rect">
             <a:avLst/>
@@ -6227,1134 +9017,55 @@
           </a:bodyPr>
           <a:lstStyle/>
           <a:p>
+            <a:pPr algn="just"/>
             <a:r>
               <a:rPr lang="en-GB" sz="1400" dirty="0">
                 <a:latin typeface="Segoe UI Light" panose="020B0502040204020203" pitchFamily="34" charset="0"/>
                 <a:cs typeface="Segoe UI Light" panose="020B0502040204020203" pitchFamily="34" charset="0"/>
               </a:rPr>
-              <a:t>Variables that predict happiness: (R² = 78% ~ 3 PC) </a:t>
-            </a:r>
-            <a:r>
-              <a:rPr lang="en-GB" sz="1400" dirty="0">
-                <a:latin typeface="Segoe UI Light" panose="020B0502040204020203" pitchFamily="34" charset="0"/>
-                <a:cs typeface="Segoe UI Light" panose="020B0502040204020203" pitchFamily="34" charset="0"/>
-                <a:sym typeface="Wingdings" panose="05000000000000000000" pitchFamily="2" charset="2"/>
-              </a:rPr>
-              <a:t> Variable Importance </a:t>
-            </a:r>
-            <a:r>
-              <a:rPr lang="en-GB" sz="1400" dirty="0" err="1">
-                <a:latin typeface="Segoe UI Light" panose="020B0502040204020203" pitchFamily="34" charset="0"/>
-                <a:cs typeface="Segoe UI Light" panose="020B0502040204020203" pitchFamily="34" charset="0"/>
-                <a:sym typeface="Wingdings" panose="05000000000000000000" pitchFamily="2" charset="2"/>
-              </a:rPr>
-              <a:t>grpah</a:t>
-            </a:r>
-            <a:endParaRPr lang="en-GB" sz="1400" dirty="0">
-              <a:latin typeface="Segoe UI Light" panose="020B0502040204020203" pitchFamily="34" charset="0"/>
-              <a:cs typeface="Segoe UI Light" panose="020B0502040204020203" pitchFamily="34" charset="0"/>
-            </a:endParaRPr>
-          </a:p>
-          <a:p>
-            <a:pPr marL="285750" indent="-285750">
-              <a:buFontTx/>
-              <a:buChar char="-"/>
-            </a:pPr>
+              <a:t>The clusters show a geographical pattern among the grouped countries. Looking at the Phylogenetic Tree, the geographical distance becomes more clear as branches represent similarity. </a:t>
+            </a:r>
+          </a:p>
+          <a:p>
+            <a:endParaRPr lang="en-GB" sz="1400" dirty="0"/>
+          </a:p>
+        </p:txBody>
+      </p:sp>
+      <p:sp>
+        <p:nvSpPr>
+          <p:cNvPr id="149" name="Textfeld 148">
+            <a:extLst>
+              <a:ext uri="{FF2B5EF4-FFF2-40B4-BE49-F238E27FC236}">
+                <a16:creationId xmlns:a16="http://schemas.microsoft.com/office/drawing/2014/main" id="{E55A7ABB-FE46-4932-89A7-C86E881A41B2}"/>
+              </a:ext>
+            </a:extLst>
+          </p:cNvPr>
+          <p:cNvSpPr txBox="1"/>
+          <p:nvPr/>
+        </p:nvSpPr>
+        <p:spPr>
+          <a:xfrm>
+            <a:off x="4239660" y="14375413"/>
+            <a:ext cx="4820893" cy="954107"/>
+          </a:xfrm>
+          <a:prstGeom prst="rect">
+            <a:avLst/>
+          </a:prstGeom>
+          <a:noFill/>
+        </p:spPr>
+        <p:txBody>
+          <a:bodyPr wrap="square" rtlCol="0">
+            <a:spAutoFit/>
+          </a:bodyPr>
+          <a:lstStyle/>
+          <a:p>
+            <a:pPr algn="just"/>
             <a:r>
               <a:rPr lang="en-GB" sz="1400" dirty="0">
                 <a:latin typeface="Segoe UI Light" panose="020B0502040204020203" pitchFamily="34" charset="0"/>
                 <a:cs typeface="Segoe UI Light" panose="020B0502040204020203" pitchFamily="34" charset="0"/>
               </a:rPr>
-              <a:t>Economy GDP per Capita</a:t>
-            </a:r>
-          </a:p>
-          <a:p>
-            <a:pPr marL="285750" indent="-285750">
-              <a:buFontTx/>
-              <a:buChar char="-"/>
-            </a:pPr>
-            <a:r>
-              <a:rPr lang="en-GB" sz="1400" dirty="0">
-                <a:latin typeface="Segoe UI Light" panose="020B0502040204020203" pitchFamily="34" charset="0"/>
-                <a:cs typeface="Segoe UI Light" panose="020B0502040204020203" pitchFamily="34" charset="0"/>
-              </a:rPr>
-              <a:t>Family</a:t>
-            </a:r>
-          </a:p>
-          <a:p>
-            <a:pPr marL="285750" indent="-285750">
-              <a:buFontTx/>
-              <a:buChar char="-"/>
-            </a:pPr>
-            <a:r>
-              <a:rPr lang="en-GB" sz="1400" dirty="0">
-                <a:latin typeface="Segoe UI Light" panose="020B0502040204020203" pitchFamily="34" charset="0"/>
-                <a:cs typeface="Segoe UI Light" panose="020B0502040204020203" pitchFamily="34" charset="0"/>
-              </a:rPr>
-              <a:t>Freedom</a:t>
-            </a:r>
-          </a:p>
-          <a:p>
-            <a:pPr marL="285750" indent="-285750">
-              <a:buFontTx/>
-              <a:buChar char="-"/>
-            </a:pPr>
-            <a:r>
-              <a:rPr lang="en-GB" sz="1400" dirty="0">
-                <a:latin typeface="Segoe UI Light" panose="020B0502040204020203" pitchFamily="34" charset="0"/>
-                <a:cs typeface="Segoe UI Light" panose="020B0502040204020203" pitchFamily="34" charset="0"/>
-              </a:rPr>
-              <a:t>Internet Usage Index</a:t>
-            </a:r>
-          </a:p>
-          <a:p>
-            <a:pPr marL="285750" indent="-285750">
-              <a:buFontTx/>
-              <a:buChar char="-"/>
-            </a:pPr>
-            <a:r>
-              <a:rPr lang="en-GB" sz="1400" dirty="0">
-                <a:latin typeface="Segoe UI Light" panose="020B0502040204020203" pitchFamily="34" charset="0"/>
-                <a:cs typeface="Segoe UI Light" panose="020B0502040204020203" pitchFamily="34" charset="0"/>
-              </a:rPr>
-              <a:t>Health Life Expectancy</a:t>
-            </a:r>
-          </a:p>
-          <a:p>
-            <a:pPr marL="285750" indent="-285750">
-              <a:buFontTx/>
-              <a:buChar char="-"/>
-            </a:pPr>
-            <a:endParaRPr lang="en-GB" sz="1400" dirty="0">
-              <a:latin typeface="Segoe UI Light" panose="020B0502040204020203" pitchFamily="34" charset="0"/>
-              <a:cs typeface="Segoe UI Light" panose="020B0502040204020203" pitchFamily="34" charset="0"/>
-            </a:endParaRPr>
-          </a:p>
-          <a:p>
-            <a:pPr marL="285750" indent="-285750">
-              <a:buFontTx/>
-              <a:buChar char="-"/>
-            </a:pPr>
-            <a:endParaRPr lang="en-GB" sz="1400" dirty="0">
-              <a:latin typeface="Segoe UI Light" panose="020B0502040204020203" pitchFamily="34" charset="0"/>
-              <a:cs typeface="Segoe UI Light" panose="020B0502040204020203" pitchFamily="34" charset="0"/>
-            </a:endParaRPr>
-          </a:p>
-          <a:p>
-            <a:r>
-              <a:rPr lang="en-GB" sz="1400" dirty="0">
-                <a:latin typeface="Segoe UI Light" panose="020B0502040204020203" pitchFamily="34" charset="0"/>
-                <a:cs typeface="Segoe UI Light" panose="020B0502040204020203" pitchFamily="34" charset="0"/>
-              </a:rPr>
-              <a:t>Variables explain low, mid, high with </a:t>
-            </a:r>
-            <a:r>
-              <a:rPr lang="en-GB" sz="1400" dirty="0" err="1">
-                <a:latin typeface="Segoe UI Light" panose="020B0502040204020203" pitchFamily="34" charset="0"/>
-                <a:cs typeface="Segoe UI Light" panose="020B0502040204020203" pitchFamily="34" charset="0"/>
-              </a:rPr>
-              <a:t>corrmatrix</a:t>
-            </a:r>
-            <a:r>
-              <a:rPr lang="en-GB" sz="1400" dirty="0">
-                <a:latin typeface="Segoe UI Light" panose="020B0502040204020203" pitchFamily="34" charset="0"/>
-                <a:cs typeface="Segoe UI Light" panose="020B0502040204020203" pitchFamily="34" charset="0"/>
-              </a:rPr>
-              <a:t> as </a:t>
-            </a:r>
-            <a:r>
-              <a:rPr lang="en-GB" sz="1400" dirty="0" err="1">
-                <a:latin typeface="Segoe UI Light" panose="020B0502040204020203" pitchFamily="34" charset="0"/>
-                <a:cs typeface="Segoe UI Light" panose="020B0502040204020203" pitchFamily="34" charset="0"/>
-              </a:rPr>
-              <a:t>interpretion</a:t>
-            </a:r>
-            <a:endParaRPr lang="en-GB" sz="1400" dirty="0">
-              <a:latin typeface="Segoe UI Light" panose="020B0502040204020203" pitchFamily="34" charset="0"/>
-              <a:cs typeface="Segoe UI Light" panose="020B0502040204020203" pitchFamily="34" charset="0"/>
-            </a:endParaRPr>
-          </a:p>
-          <a:p>
-            <a:r>
-              <a:rPr lang="en-GB" sz="1400" dirty="0">
-                <a:latin typeface="Segoe UI Light" panose="020B0502040204020203" pitchFamily="34" charset="0"/>
-                <a:cs typeface="Segoe UI Light" panose="020B0502040204020203" pitchFamily="34" charset="0"/>
-              </a:rPr>
-              <a:t>Interpret </a:t>
-            </a:r>
-            <a:r>
-              <a:rPr lang="en-GB" sz="1400" dirty="0" err="1">
-                <a:latin typeface="Segoe UI Light" panose="020B0502040204020203" pitchFamily="34" charset="0"/>
-                <a:cs typeface="Segoe UI Light" panose="020B0502040204020203" pitchFamily="34" charset="0"/>
-              </a:rPr>
-              <a:t>corr</a:t>
-            </a:r>
-            <a:r>
-              <a:rPr lang="en-GB" sz="1400" dirty="0">
-                <a:latin typeface="Segoe UI Light" panose="020B0502040204020203" pitchFamily="34" charset="0"/>
-                <a:cs typeface="Segoe UI Light" panose="020B0502040204020203" pitchFamily="34" charset="0"/>
-              </a:rPr>
-              <a:t> matrix</a:t>
-            </a:r>
-          </a:p>
-        </p:txBody>
-      </p:sp>
-      <p:sp>
-        <p:nvSpPr>
-          <p:cNvPr id="84" name="Textfeld 83">
-            <a:extLst>
-              <a:ext uri="{FF2B5EF4-FFF2-40B4-BE49-F238E27FC236}">
-                <a16:creationId xmlns:a16="http://schemas.microsoft.com/office/drawing/2014/main" id="{7B8F039E-53BE-4743-A125-4436A25EC159}"/>
-              </a:ext>
-            </a:extLst>
-          </p:cNvPr>
-          <p:cNvSpPr txBox="1"/>
-          <p:nvPr/>
-        </p:nvSpPr>
-        <p:spPr>
-          <a:xfrm>
-            <a:off x="6630356" y="12595152"/>
-            <a:ext cx="2304197" cy="2031325"/>
-          </a:xfrm>
-          <a:prstGeom prst="rect">
-            <a:avLst/>
-          </a:prstGeom>
-          <a:noFill/>
-        </p:spPr>
-        <p:txBody>
-          <a:bodyPr wrap="square" rtlCol="0">
-            <a:spAutoFit/>
-          </a:bodyPr>
-          <a:lstStyle/>
-          <a:p>
-            <a:r>
-              <a:rPr lang="en-GB" sz="1400" dirty="0">
-                <a:latin typeface="Segoe UI Light" panose="020B0502040204020203" pitchFamily="34" charset="0"/>
-                <a:cs typeface="Segoe UI Light" panose="020B0502040204020203" pitchFamily="34" charset="0"/>
-              </a:rPr>
-              <a:t>The results of FA show how the assignment of the variables to the dimensions changed. After rotating the PC’s, the second and the third dimensions explains more variance. Furthermore, the Loadings are more clear in terms of interpretation.</a:t>
-            </a:r>
-          </a:p>
-        </p:txBody>
-      </p:sp>
-      <p:pic>
-        <p:nvPicPr>
-          <p:cNvPr id="57" name="Grafik 56">
-            <a:extLst>
-              <a:ext uri="{FF2B5EF4-FFF2-40B4-BE49-F238E27FC236}">
-                <a16:creationId xmlns:a16="http://schemas.microsoft.com/office/drawing/2014/main" id="{40CB14E3-7617-4268-A302-C88AFD35C55A}"/>
-              </a:ext>
-            </a:extLst>
-          </p:cNvPr>
-          <p:cNvPicPr>
-            <a:picLocks noChangeAspect="1"/>
-          </p:cNvPicPr>
-          <p:nvPr/>
-        </p:nvPicPr>
-        <p:blipFill>
-          <a:blip r:embed="rId27">
-            <a:extLst>
-              <a:ext uri="{28A0092B-C50C-407E-A947-70E740481C1C}">
-                <a14:useLocalDpi xmlns:a14="http://schemas.microsoft.com/office/drawing/2010/main" val="0"/>
-              </a:ext>
-            </a:extLst>
-          </a:blip>
-          <a:stretch>
-            <a:fillRect/>
-          </a:stretch>
-        </p:blipFill>
-        <p:spPr>
-          <a:xfrm>
-            <a:off x="28020274" y="19277736"/>
-            <a:ext cx="1087302" cy="1087302"/>
-          </a:xfrm>
-          <a:prstGeom prst="rect">
-            <a:avLst/>
-          </a:prstGeom>
-        </p:spPr>
-      </p:pic>
-      <p:sp>
-        <p:nvSpPr>
-          <p:cNvPr id="87" name="Textfeld 86">
-            <a:extLst>
-              <a:ext uri="{FF2B5EF4-FFF2-40B4-BE49-F238E27FC236}">
-                <a16:creationId xmlns:a16="http://schemas.microsoft.com/office/drawing/2014/main" id="{832B9877-46F0-48C5-AFC9-33CEF009BE88}"/>
-              </a:ext>
-            </a:extLst>
-          </p:cNvPr>
-          <p:cNvSpPr txBox="1"/>
-          <p:nvPr/>
-        </p:nvSpPr>
-        <p:spPr>
-          <a:xfrm>
-            <a:off x="10129021" y="12882697"/>
-            <a:ext cx="4469599" cy="338554"/>
-          </a:xfrm>
-          <a:prstGeom prst="rect">
-            <a:avLst/>
-          </a:prstGeom>
-          <a:noFill/>
-        </p:spPr>
-        <p:txBody>
-          <a:bodyPr wrap="square" rtlCol="0">
-            <a:spAutoFit/>
-          </a:bodyPr>
-          <a:lstStyle/>
-          <a:p>
-            <a:r>
-              <a:rPr lang="en-GB" sz="1600" b="1" dirty="0">
-                <a:latin typeface="Segoe UI Light" panose="020B0502040204020203" pitchFamily="34" charset="0"/>
-                <a:cs typeface="Segoe UI Light" panose="020B0502040204020203" pitchFamily="34" charset="0"/>
-              </a:rPr>
-              <a:t>Variables</a:t>
-            </a:r>
-          </a:p>
-        </p:txBody>
-      </p:sp>
-      <p:sp>
-        <p:nvSpPr>
-          <p:cNvPr id="88" name="Textfeld 87">
-            <a:extLst>
-              <a:ext uri="{FF2B5EF4-FFF2-40B4-BE49-F238E27FC236}">
-                <a16:creationId xmlns:a16="http://schemas.microsoft.com/office/drawing/2014/main" id="{4A738AE2-9073-40EB-A42B-84727F69259C}"/>
-              </a:ext>
-            </a:extLst>
-          </p:cNvPr>
-          <p:cNvSpPr txBox="1"/>
-          <p:nvPr/>
-        </p:nvSpPr>
-        <p:spPr>
-          <a:xfrm>
-            <a:off x="16386463" y="12702298"/>
-            <a:ext cx="4469599" cy="338554"/>
-          </a:xfrm>
-          <a:prstGeom prst="rect">
-            <a:avLst/>
-          </a:prstGeom>
-          <a:noFill/>
-        </p:spPr>
-        <p:txBody>
-          <a:bodyPr wrap="square" rtlCol="0">
-            <a:spAutoFit/>
-          </a:bodyPr>
-          <a:lstStyle/>
-          <a:p>
-            <a:r>
-              <a:rPr lang="en-GB" sz="1600" b="1" dirty="0">
-                <a:latin typeface="Segoe UI Light" panose="020B0502040204020203" pitchFamily="34" charset="0"/>
-                <a:cs typeface="Segoe UI Light" panose="020B0502040204020203" pitchFamily="34" charset="0"/>
-              </a:rPr>
-              <a:t>Principal Components</a:t>
-            </a:r>
-          </a:p>
-        </p:txBody>
-      </p:sp>
-      <p:sp>
-        <p:nvSpPr>
-          <p:cNvPr id="68" name="Rechteck 67">
-            <a:extLst>
-              <a:ext uri="{FF2B5EF4-FFF2-40B4-BE49-F238E27FC236}">
-                <a16:creationId xmlns:a16="http://schemas.microsoft.com/office/drawing/2014/main" id="{5DEA9385-3B6C-4308-9636-5FE4B12FB130}"/>
-              </a:ext>
-            </a:extLst>
-          </p:cNvPr>
-          <p:cNvSpPr/>
-          <p:nvPr/>
-        </p:nvSpPr>
-        <p:spPr>
-          <a:xfrm>
-            <a:off x="20673060" y="3584844"/>
-            <a:ext cx="517028" cy="175820"/>
-          </a:xfrm>
-          <a:prstGeom prst="rect">
-            <a:avLst/>
-          </a:prstGeom>
-          <a:noFill/>
-          <a:ln>
-            <a:solidFill>
-              <a:schemeClr val="tx1"/>
-            </a:solidFill>
-          </a:ln>
-        </p:spPr>
-        <p:style>
-          <a:lnRef idx="2">
-            <a:schemeClr val="accent1">
-              <a:shade val="50000"/>
-            </a:schemeClr>
-          </a:lnRef>
-          <a:fillRef idx="1">
-            <a:schemeClr val="accent1"/>
-          </a:fillRef>
-          <a:effectRef idx="0">
-            <a:schemeClr val="accent1"/>
-          </a:effectRef>
-          <a:fontRef idx="minor">
-            <a:schemeClr val="lt1"/>
-          </a:fontRef>
-        </p:style>
-        <p:txBody>
-          <a:bodyPr rtlCol="0" anchor="ctr"/>
-          <a:lstStyle/>
-          <a:p>
-            <a:pPr algn="ctr"/>
-            <a:endParaRPr lang="en-GB"/>
-          </a:p>
-        </p:txBody>
-      </p:sp>
-      <p:sp>
-        <p:nvSpPr>
-          <p:cNvPr id="89" name="Rechteck 88">
-            <a:extLst>
-              <a:ext uri="{FF2B5EF4-FFF2-40B4-BE49-F238E27FC236}">
-                <a16:creationId xmlns:a16="http://schemas.microsoft.com/office/drawing/2014/main" id="{111D00A6-B2D7-4C07-A669-E5F8BD5C8B34}"/>
-              </a:ext>
-            </a:extLst>
-          </p:cNvPr>
-          <p:cNvSpPr/>
-          <p:nvPr/>
-        </p:nvSpPr>
-        <p:spPr>
-          <a:xfrm>
-            <a:off x="20673060" y="3760104"/>
-            <a:ext cx="517028" cy="175820"/>
-          </a:xfrm>
-          <a:prstGeom prst="rect">
-            <a:avLst/>
-          </a:prstGeom>
-          <a:noFill/>
-          <a:ln>
-            <a:solidFill>
-              <a:schemeClr val="tx1"/>
-            </a:solidFill>
-          </a:ln>
-        </p:spPr>
-        <p:style>
-          <a:lnRef idx="2">
-            <a:schemeClr val="accent1">
-              <a:shade val="50000"/>
-            </a:schemeClr>
-          </a:lnRef>
-          <a:fillRef idx="1">
-            <a:schemeClr val="accent1"/>
-          </a:fillRef>
-          <a:effectRef idx="0">
-            <a:schemeClr val="accent1"/>
-          </a:effectRef>
-          <a:fontRef idx="minor">
-            <a:schemeClr val="lt1"/>
-          </a:fontRef>
-        </p:style>
-        <p:txBody>
-          <a:bodyPr rtlCol="0" anchor="ctr"/>
-          <a:lstStyle/>
-          <a:p>
-            <a:pPr algn="ctr"/>
-            <a:endParaRPr lang="en-GB"/>
-          </a:p>
-        </p:txBody>
-      </p:sp>
-      <p:sp>
-        <p:nvSpPr>
-          <p:cNvPr id="90" name="Rechteck 89">
-            <a:extLst>
-              <a:ext uri="{FF2B5EF4-FFF2-40B4-BE49-F238E27FC236}">
-                <a16:creationId xmlns:a16="http://schemas.microsoft.com/office/drawing/2014/main" id="{56D117B1-03FB-4FBA-978D-423D84D4D20F}"/>
-              </a:ext>
-            </a:extLst>
-          </p:cNvPr>
-          <p:cNvSpPr/>
-          <p:nvPr/>
-        </p:nvSpPr>
-        <p:spPr>
-          <a:xfrm>
-            <a:off x="20665440" y="3942984"/>
-            <a:ext cx="517028" cy="175820"/>
-          </a:xfrm>
-          <a:prstGeom prst="rect">
-            <a:avLst/>
-          </a:prstGeom>
-          <a:noFill/>
-          <a:ln>
-            <a:solidFill>
-              <a:schemeClr val="tx1"/>
-            </a:solidFill>
-          </a:ln>
-        </p:spPr>
-        <p:style>
-          <a:lnRef idx="2">
-            <a:schemeClr val="accent1">
-              <a:shade val="50000"/>
-            </a:schemeClr>
-          </a:lnRef>
-          <a:fillRef idx="1">
-            <a:schemeClr val="accent1"/>
-          </a:fillRef>
-          <a:effectRef idx="0">
-            <a:schemeClr val="accent1"/>
-          </a:effectRef>
-          <a:fontRef idx="minor">
-            <a:schemeClr val="lt1"/>
-          </a:fontRef>
-        </p:style>
-        <p:txBody>
-          <a:bodyPr rtlCol="0" anchor="ctr"/>
-          <a:lstStyle/>
-          <a:p>
-            <a:pPr algn="ctr"/>
-            <a:endParaRPr lang="en-GB"/>
-          </a:p>
-        </p:txBody>
-      </p:sp>
-      <p:sp>
-        <p:nvSpPr>
-          <p:cNvPr id="91" name="Rechteck 90">
-            <a:extLst>
-              <a:ext uri="{FF2B5EF4-FFF2-40B4-BE49-F238E27FC236}">
-                <a16:creationId xmlns:a16="http://schemas.microsoft.com/office/drawing/2014/main" id="{65861082-0F02-4951-96C7-A807BB790379}"/>
-              </a:ext>
-            </a:extLst>
-          </p:cNvPr>
-          <p:cNvSpPr/>
-          <p:nvPr/>
-        </p:nvSpPr>
-        <p:spPr>
-          <a:xfrm>
-            <a:off x="20665440" y="4125864"/>
-            <a:ext cx="517028" cy="175820"/>
-          </a:xfrm>
-          <a:prstGeom prst="rect">
-            <a:avLst/>
-          </a:prstGeom>
-          <a:noFill/>
-          <a:ln>
-            <a:solidFill>
-              <a:schemeClr val="tx1"/>
-            </a:solidFill>
-          </a:ln>
-        </p:spPr>
-        <p:style>
-          <a:lnRef idx="2">
-            <a:schemeClr val="accent1">
-              <a:shade val="50000"/>
-            </a:schemeClr>
-          </a:lnRef>
-          <a:fillRef idx="1">
-            <a:schemeClr val="accent1"/>
-          </a:fillRef>
-          <a:effectRef idx="0">
-            <a:schemeClr val="accent1"/>
-          </a:effectRef>
-          <a:fontRef idx="minor">
-            <a:schemeClr val="lt1"/>
-          </a:fontRef>
-        </p:style>
-        <p:txBody>
-          <a:bodyPr rtlCol="0" anchor="ctr"/>
-          <a:lstStyle/>
-          <a:p>
-            <a:pPr algn="ctr"/>
-            <a:endParaRPr lang="en-GB"/>
-          </a:p>
-        </p:txBody>
-      </p:sp>
-      <p:sp>
-        <p:nvSpPr>
-          <p:cNvPr id="92" name="Rechteck 91">
-            <a:extLst>
-              <a:ext uri="{FF2B5EF4-FFF2-40B4-BE49-F238E27FC236}">
-                <a16:creationId xmlns:a16="http://schemas.microsoft.com/office/drawing/2014/main" id="{EC050670-56EB-4B1C-BF12-7207DFD443C6}"/>
-              </a:ext>
-            </a:extLst>
-          </p:cNvPr>
-          <p:cNvSpPr/>
-          <p:nvPr/>
-        </p:nvSpPr>
-        <p:spPr>
-          <a:xfrm>
-            <a:off x="20673060" y="4308744"/>
-            <a:ext cx="517028" cy="175820"/>
-          </a:xfrm>
-          <a:prstGeom prst="rect">
-            <a:avLst/>
-          </a:prstGeom>
-          <a:noFill/>
-          <a:ln>
-            <a:solidFill>
-              <a:schemeClr val="tx1"/>
-            </a:solidFill>
-          </a:ln>
-        </p:spPr>
-        <p:style>
-          <a:lnRef idx="2">
-            <a:schemeClr val="accent1">
-              <a:shade val="50000"/>
-            </a:schemeClr>
-          </a:lnRef>
-          <a:fillRef idx="1">
-            <a:schemeClr val="accent1"/>
-          </a:fillRef>
-          <a:effectRef idx="0">
-            <a:schemeClr val="accent1"/>
-          </a:effectRef>
-          <a:fontRef idx="minor">
-            <a:schemeClr val="lt1"/>
-          </a:fontRef>
-        </p:style>
-        <p:txBody>
-          <a:bodyPr rtlCol="0" anchor="ctr"/>
-          <a:lstStyle/>
-          <a:p>
-            <a:pPr algn="ctr"/>
-            <a:endParaRPr lang="en-GB"/>
-          </a:p>
-        </p:txBody>
-      </p:sp>
-      <p:sp>
-        <p:nvSpPr>
-          <p:cNvPr id="93" name="Rechteck 92">
-            <a:extLst>
-              <a:ext uri="{FF2B5EF4-FFF2-40B4-BE49-F238E27FC236}">
-                <a16:creationId xmlns:a16="http://schemas.microsoft.com/office/drawing/2014/main" id="{BAF1600A-B319-44CA-B123-243EDC507B50}"/>
-              </a:ext>
-            </a:extLst>
-          </p:cNvPr>
-          <p:cNvSpPr/>
-          <p:nvPr/>
-        </p:nvSpPr>
-        <p:spPr>
-          <a:xfrm>
-            <a:off x="21732240" y="4499244"/>
-            <a:ext cx="517028" cy="175820"/>
-          </a:xfrm>
-          <a:prstGeom prst="rect">
-            <a:avLst/>
-          </a:prstGeom>
-          <a:noFill/>
-          <a:ln>
-            <a:solidFill>
-              <a:schemeClr val="tx1">
-                <a:lumMod val="50000"/>
-                <a:lumOff val="50000"/>
-              </a:schemeClr>
-            </a:solidFill>
-          </a:ln>
-        </p:spPr>
-        <p:style>
-          <a:lnRef idx="2">
-            <a:schemeClr val="accent1">
-              <a:shade val="50000"/>
-            </a:schemeClr>
-          </a:lnRef>
-          <a:fillRef idx="1">
-            <a:schemeClr val="accent1"/>
-          </a:fillRef>
-          <a:effectRef idx="0">
-            <a:schemeClr val="accent1"/>
-          </a:effectRef>
-          <a:fontRef idx="minor">
-            <a:schemeClr val="lt1"/>
-          </a:fontRef>
-        </p:style>
-        <p:txBody>
-          <a:bodyPr rtlCol="0" anchor="ctr"/>
-          <a:lstStyle/>
-          <a:p>
-            <a:pPr algn="ctr"/>
-            <a:endParaRPr lang="en-GB"/>
-          </a:p>
-        </p:txBody>
-      </p:sp>
-      <p:sp>
-        <p:nvSpPr>
-          <p:cNvPr id="95" name="Textfeld 94">
-            <a:extLst>
-              <a:ext uri="{FF2B5EF4-FFF2-40B4-BE49-F238E27FC236}">
-                <a16:creationId xmlns:a16="http://schemas.microsoft.com/office/drawing/2014/main" id="{D3BCF549-CC0C-445D-ABD8-B69B09AF603F}"/>
-              </a:ext>
-            </a:extLst>
-          </p:cNvPr>
-          <p:cNvSpPr txBox="1"/>
-          <p:nvPr/>
-        </p:nvSpPr>
-        <p:spPr>
-          <a:xfrm>
-            <a:off x="23644857" y="13153336"/>
-            <a:ext cx="3364784" cy="2123658"/>
-          </a:xfrm>
-          <a:prstGeom prst="rect">
-            <a:avLst/>
-          </a:prstGeom>
-          <a:noFill/>
-        </p:spPr>
-        <p:txBody>
-          <a:bodyPr wrap="square" rtlCol="0">
-            <a:spAutoFit/>
-          </a:bodyPr>
-          <a:lstStyle/>
-          <a:p>
-            <a:r>
-              <a:rPr lang="en-GB" sz="1600" dirty="0">
-                <a:latin typeface="Segoe UI Light" panose="020B0502040204020203" pitchFamily="34" charset="0"/>
-                <a:cs typeface="Segoe UI Light" panose="020B0502040204020203" pitchFamily="34" charset="0"/>
-              </a:rPr>
-              <a:t>But what is “happiness”?</a:t>
-            </a:r>
-          </a:p>
-          <a:p>
-            <a:pPr marL="285750" indent="-285750">
-              <a:buFontTx/>
-              <a:buChar char="-"/>
-            </a:pPr>
-            <a:endParaRPr lang="en-GB" sz="1400" dirty="0">
-              <a:latin typeface="Segoe UI Light" panose="020B0502040204020203" pitchFamily="34" charset="0"/>
-              <a:cs typeface="Segoe UI Light" panose="020B0502040204020203" pitchFamily="34" charset="0"/>
-            </a:endParaRPr>
-          </a:p>
-          <a:p>
-            <a:pPr marL="285750" indent="-285750">
-              <a:buFontTx/>
-              <a:buChar char="-"/>
-            </a:pPr>
-            <a:r>
-              <a:rPr lang="en-GB" sz="1400" dirty="0">
-                <a:latin typeface="Segoe UI Light" panose="020B0502040204020203" pitchFamily="34" charset="0"/>
-                <a:cs typeface="Segoe UI Light" panose="020B0502040204020203" pitchFamily="34" charset="0"/>
-              </a:rPr>
-              <a:t>Explain outcome variables quickly</a:t>
-            </a:r>
-          </a:p>
-          <a:p>
-            <a:pPr marL="285750" indent="-285750">
-              <a:buFontTx/>
-              <a:buChar char="-"/>
-            </a:pPr>
-            <a:r>
-              <a:rPr lang="en-GB" sz="1400" dirty="0">
-                <a:latin typeface="Segoe UI Light" panose="020B0502040204020203" pitchFamily="34" charset="0"/>
-                <a:cs typeface="Segoe UI Light" panose="020B0502040204020203" pitchFamily="34" charset="0"/>
-              </a:rPr>
-              <a:t>Interpretation of happiness (UN Data doesn’t match with term happiness in the world) -&gt; cant measure happiness</a:t>
-            </a:r>
-          </a:p>
-          <a:p>
-            <a:pPr marL="285750" indent="-285750">
-              <a:buFontTx/>
-              <a:buChar char="-"/>
-            </a:pPr>
-            <a:endParaRPr lang="en-GB" sz="1400" dirty="0">
-              <a:latin typeface="Segoe UI Light" panose="020B0502040204020203" pitchFamily="34" charset="0"/>
-              <a:cs typeface="Segoe UI Light" panose="020B0502040204020203" pitchFamily="34" charset="0"/>
-            </a:endParaRPr>
-          </a:p>
-          <a:p>
-            <a:pPr marL="285750" indent="-285750">
-              <a:buFontTx/>
-              <a:buChar char="-"/>
-            </a:pPr>
-            <a:endParaRPr lang="en-GB" sz="1400" dirty="0">
-              <a:latin typeface="Segoe UI Light" panose="020B0502040204020203" pitchFamily="34" charset="0"/>
-              <a:cs typeface="Segoe UI Light" panose="020B0502040204020203" pitchFamily="34" charset="0"/>
-            </a:endParaRPr>
-          </a:p>
-          <a:p>
-            <a:endParaRPr lang="en-GB" b="1" dirty="0">
-              <a:latin typeface="Segoe UI Light" panose="020B0502040204020203" pitchFamily="34" charset="0"/>
-              <a:cs typeface="Segoe UI Light" panose="020B0502040204020203" pitchFamily="34" charset="0"/>
-            </a:endParaRPr>
-          </a:p>
-        </p:txBody>
-      </p:sp>
-      <p:pic>
-        <p:nvPicPr>
-          <p:cNvPr id="97" name="Grafik 96">
-            <a:extLst>
-              <a:ext uri="{FF2B5EF4-FFF2-40B4-BE49-F238E27FC236}">
-                <a16:creationId xmlns:a16="http://schemas.microsoft.com/office/drawing/2014/main" id="{610788E9-0472-491F-BBF7-775010BB4BE6}"/>
-              </a:ext>
-            </a:extLst>
-          </p:cNvPr>
-          <p:cNvPicPr>
-            <a:picLocks noChangeAspect="1"/>
-          </p:cNvPicPr>
-          <p:nvPr/>
-        </p:nvPicPr>
-        <p:blipFill>
-          <a:blip r:embed="rId28">
-            <a:extLst>
-              <a:ext uri="{28A0092B-C50C-407E-A947-70E740481C1C}">
-                <a14:useLocalDpi xmlns:a14="http://schemas.microsoft.com/office/drawing/2010/main" val="0"/>
-              </a:ext>
-            </a:extLst>
-          </a:blip>
-          <a:stretch>
-            <a:fillRect/>
-          </a:stretch>
-        </p:blipFill>
-        <p:spPr>
-          <a:xfrm>
-            <a:off x="16150830" y="3339848"/>
-            <a:ext cx="3268903" cy="2101438"/>
-          </a:xfrm>
-          <a:prstGeom prst="rect">
-            <a:avLst/>
-          </a:prstGeom>
-        </p:spPr>
-      </p:pic>
-      <p:sp>
-        <p:nvSpPr>
-          <p:cNvPr id="98" name="Textfeld 97">
-            <a:extLst>
-              <a:ext uri="{FF2B5EF4-FFF2-40B4-BE49-F238E27FC236}">
-                <a16:creationId xmlns:a16="http://schemas.microsoft.com/office/drawing/2014/main" id="{5B6D9E7A-4324-4701-9C5F-517883FC8C70}"/>
-              </a:ext>
-            </a:extLst>
-          </p:cNvPr>
-          <p:cNvSpPr txBox="1"/>
-          <p:nvPr/>
-        </p:nvSpPr>
-        <p:spPr>
-          <a:xfrm rot="16200000">
-            <a:off x="15759770" y="4246813"/>
-            <a:ext cx="1600438" cy="253916"/>
-          </a:xfrm>
-          <a:prstGeom prst="rect">
-            <a:avLst/>
-          </a:prstGeom>
-          <a:noFill/>
-        </p:spPr>
-        <p:txBody>
-          <a:bodyPr wrap="square" rtlCol="0">
-            <a:spAutoFit/>
-          </a:bodyPr>
-          <a:lstStyle/>
-          <a:p>
-            <a:pPr algn="r"/>
-            <a:r>
-              <a:rPr lang="en-GB" sz="900" dirty="0">
-                <a:latin typeface="Segoe UI Light" panose="020B0502040204020203" pitchFamily="34" charset="0"/>
-                <a:cs typeface="Segoe UI Light" panose="020B0502040204020203" pitchFamily="34" charset="0"/>
-              </a:rPr>
-              <a:t>Country</a:t>
-            </a:r>
-            <a:r>
-              <a:rPr lang="en-GB" sz="1050" dirty="0"/>
-              <a:t> </a:t>
-            </a:r>
-            <a:r>
-              <a:rPr lang="en-GB" sz="900" dirty="0">
-                <a:latin typeface="Segoe UI Light" panose="020B0502040204020203" pitchFamily="34" charset="0"/>
-                <a:cs typeface="Segoe UI Light" panose="020B0502040204020203" pitchFamily="34" charset="0"/>
-              </a:rPr>
-              <a:t>Development</a:t>
-            </a:r>
-          </a:p>
-        </p:txBody>
-      </p:sp>
-      <p:sp>
-        <p:nvSpPr>
-          <p:cNvPr id="100" name="Textfeld 99">
-            <a:extLst>
-              <a:ext uri="{FF2B5EF4-FFF2-40B4-BE49-F238E27FC236}">
-                <a16:creationId xmlns:a16="http://schemas.microsoft.com/office/drawing/2014/main" id="{73F2E291-23B2-4780-A7BD-A187EE9C5707}"/>
-              </a:ext>
-            </a:extLst>
-          </p:cNvPr>
-          <p:cNvSpPr txBox="1"/>
-          <p:nvPr/>
-        </p:nvSpPr>
-        <p:spPr>
-          <a:xfrm rot="16200000">
-            <a:off x="16117539" y="4167889"/>
-            <a:ext cx="1480469" cy="230832"/>
-          </a:xfrm>
-          <a:prstGeom prst="rect">
-            <a:avLst/>
-          </a:prstGeom>
-          <a:noFill/>
-        </p:spPr>
-        <p:txBody>
-          <a:bodyPr wrap="square" rtlCol="0">
-            <a:spAutoFit/>
-          </a:bodyPr>
-          <a:lstStyle/>
-          <a:p>
-            <a:pPr algn="r"/>
-            <a:r>
-              <a:rPr lang="en-GB" sz="900" dirty="0">
-                <a:latin typeface="Segoe UI Light" panose="020B0502040204020203" pitchFamily="34" charset="0"/>
-                <a:cs typeface="Segoe UI Light" panose="020B0502040204020203" pitchFamily="34" charset="0"/>
-              </a:rPr>
-              <a:t>Freedom &amp; Corruption</a:t>
-            </a:r>
-          </a:p>
-        </p:txBody>
-      </p:sp>
-      <p:sp>
-        <p:nvSpPr>
-          <p:cNvPr id="101" name="Textfeld 100">
-            <a:extLst>
-              <a:ext uri="{FF2B5EF4-FFF2-40B4-BE49-F238E27FC236}">
-                <a16:creationId xmlns:a16="http://schemas.microsoft.com/office/drawing/2014/main" id="{0287E17F-0457-4927-9A87-C981F7D5F1F5}"/>
-              </a:ext>
-            </a:extLst>
-          </p:cNvPr>
-          <p:cNvSpPr txBox="1"/>
-          <p:nvPr/>
-        </p:nvSpPr>
-        <p:spPr>
-          <a:xfrm rot="16200000">
-            <a:off x="16483990" y="4092990"/>
-            <a:ext cx="1330673" cy="230832"/>
-          </a:xfrm>
-          <a:prstGeom prst="rect">
-            <a:avLst/>
-          </a:prstGeom>
-          <a:noFill/>
-        </p:spPr>
-        <p:txBody>
-          <a:bodyPr wrap="square" rtlCol="0">
-            <a:spAutoFit/>
-          </a:bodyPr>
-          <a:lstStyle/>
-          <a:p>
-            <a:pPr algn="r"/>
-            <a:r>
-              <a:rPr lang="en-GB" sz="900" dirty="0">
-                <a:latin typeface="Segoe UI Light" panose="020B0502040204020203" pitchFamily="34" charset="0"/>
-                <a:cs typeface="Segoe UI Light" panose="020B0502040204020203" pitchFamily="34" charset="0"/>
-              </a:rPr>
-              <a:t>Air Pollution</a:t>
-            </a:r>
-          </a:p>
-        </p:txBody>
-      </p:sp>
-      <p:sp>
-        <p:nvSpPr>
-          <p:cNvPr id="103" name="Rechteck 102">
-            <a:extLst>
-              <a:ext uri="{FF2B5EF4-FFF2-40B4-BE49-F238E27FC236}">
-                <a16:creationId xmlns:a16="http://schemas.microsoft.com/office/drawing/2014/main" id="{6E0367F2-FCB5-435A-94F9-ECAA5FC29410}"/>
-              </a:ext>
-            </a:extLst>
-          </p:cNvPr>
-          <p:cNvSpPr/>
-          <p:nvPr/>
-        </p:nvSpPr>
-        <p:spPr>
-          <a:xfrm>
-            <a:off x="20744014" y="6777758"/>
-            <a:ext cx="1709586" cy="338554"/>
-          </a:xfrm>
-          <a:prstGeom prst="rect">
-            <a:avLst/>
-          </a:prstGeom>
-          <a:solidFill>
-            <a:schemeClr val="bg1"/>
-          </a:solidFill>
-          <a:ln>
-            <a:solidFill>
-              <a:schemeClr val="bg1"/>
-            </a:solidFill>
-          </a:ln>
-        </p:spPr>
-        <p:style>
-          <a:lnRef idx="2">
-            <a:schemeClr val="accent1">
-              <a:shade val="50000"/>
-            </a:schemeClr>
-          </a:lnRef>
-          <a:fillRef idx="1">
-            <a:schemeClr val="accent1"/>
-          </a:fillRef>
-          <a:effectRef idx="0">
-            <a:schemeClr val="accent1"/>
-          </a:effectRef>
-          <a:fontRef idx="minor">
-            <a:schemeClr val="lt1"/>
-          </a:fontRef>
-        </p:style>
-        <p:txBody>
-          <a:bodyPr rtlCol="0" anchor="ctr"/>
-          <a:lstStyle/>
-          <a:p>
-            <a:pPr algn="ctr"/>
-            <a:endParaRPr lang="en-GB"/>
-          </a:p>
-        </p:txBody>
-      </p:sp>
-      <p:sp>
-        <p:nvSpPr>
-          <p:cNvPr id="102" name="Rechteck 101">
-            <a:extLst>
-              <a:ext uri="{FF2B5EF4-FFF2-40B4-BE49-F238E27FC236}">
-                <a16:creationId xmlns:a16="http://schemas.microsoft.com/office/drawing/2014/main" id="{EE214473-7542-4913-A2A5-C8D5E3345B32}"/>
-              </a:ext>
-            </a:extLst>
-          </p:cNvPr>
-          <p:cNvSpPr/>
-          <p:nvPr/>
-        </p:nvSpPr>
-        <p:spPr>
-          <a:xfrm rot="18884007">
-            <a:off x="19747469" y="6950519"/>
-            <a:ext cx="1705790" cy="331585"/>
-          </a:xfrm>
-          <a:prstGeom prst="rect">
-            <a:avLst/>
-          </a:prstGeom>
-          <a:noFill/>
-          <a:ln>
-            <a:noFill/>
-          </a:ln>
-        </p:spPr>
-        <p:style>
-          <a:lnRef idx="2">
-            <a:schemeClr val="accent1">
-              <a:shade val="50000"/>
-            </a:schemeClr>
-          </a:lnRef>
-          <a:fillRef idx="1">
-            <a:schemeClr val="accent1"/>
-          </a:fillRef>
-          <a:effectRef idx="0">
-            <a:schemeClr val="accent1"/>
-          </a:effectRef>
-          <a:fontRef idx="minor">
-            <a:schemeClr val="lt1"/>
-          </a:fontRef>
-        </p:style>
-        <p:txBody>
-          <a:bodyPr rtlCol="0" anchor="ctr"/>
-          <a:lstStyle/>
-          <a:p>
-            <a:pPr algn="ctr"/>
-            <a:r>
-              <a:rPr lang="en-GB" sz="800" b="1" dirty="0">
-                <a:solidFill>
-                  <a:schemeClr val="tx1"/>
-                </a:solidFill>
-                <a:latin typeface="Segoe UI Light" panose="020B0502040204020203" pitchFamily="34" charset="0"/>
-                <a:cs typeface="Segoe UI Light" panose="020B0502040204020203" pitchFamily="34" charset="0"/>
-              </a:rPr>
-              <a:t>Country Development</a:t>
-            </a:r>
-          </a:p>
-        </p:txBody>
-      </p:sp>
-      <p:sp>
-        <p:nvSpPr>
-          <p:cNvPr id="104" name="Rechteck 103">
-            <a:extLst>
-              <a:ext uri="{FF2B5EF4-FFF2-40B4-BE49-F238E27FC236}">
-                <a16:creationId xmlns:a16="http://schemas.microsoft.com/office/drawing/2014/main" id="{55BBC88D-9C6D-4EC6-A43D-52EE4910216A}"/>
-              </a:ext>
-            </a:extLst>
-          </p:cNvPr>
-          <p:cNvSpPr/>
-          <p:nvPr/>
-        </p:nvSpPr>
-        <p:spPr>
-          <a:xfrm rot="18884007">
-            <a:off x="20306530" y="6980961"/>
-            <a:ext cx="1705790" cy="331585"/>
-          </a:xfrm>
-          <a:prstGeom prst="rect">
-            <a:avLst/>
-          </a:prstGeom>
-          <a:noFill/>
-          <a:ln>
-            <a:noFill/>
-          </a:ln>
-        </p:spPr>
-        <p:style>
-          <a:lnRef idx="2">
-            <a:schemeClr val="accent1">
-              <a:shade val="50000"/>
-            </a:schemeClr>
-          </a:lnRef>
-          <a:fillRef idx="1">
-            <a:schemeClr val="accent1"/>
-          </a:fillRef>
-          <a:effectRef idx="0">
-            <a:schemeClr val="accent1"/>
-          </a:effectRef>
-          <a:fontRef idx="minor">
-            <a:schemeClr val="lt1"/>
-          </a:fontRef>
-        </p:style>
-        <p:txBody>
-          <a:bodyPr rtlCol="0" anchor="ctr"/>
-          <a:lstStyle/>
-          <a:p>
-            <a:pPr algn="ctr"/>
-            <a:r>
-              <a:rPr lang="en-GB" sz="800" b="1" dirty="0">
-                <a:solidFill>
-                  <a:schemeClr val="tx1"/>
-                </a:solidFill>
-                <a:latin typeface="Segoe UI Light" panose="020B0502040204020203" pitchFamily="34" charset="0"/>
-                <a:cs typeface="Segoe UI Light" panose="020B0502040204020203" pitchFamily="34" charset="0"/>
-              </a:rPr>
-              <a:t>Freedom &amp; Corruption</a:t>
-            </a:r>
-          </a:p>
-        </p:txBody>
-      </p:sp>
-      <p:sp>
-        <p:nvSpPr>
-          <p:cNvPr id="105" name="Rechteck 104">
-            <a:extLst>
-              <a:ext uri="{FF2B5EF4-FFF2-40B4-BE49-F238E27FC236}">
-                <a16:creationId xmlns:a16="http://schemas.microsoft.com/office/drawing/2014/main" id="{3FA6D8C5-F014-4805-951D-B5F7A4B65C57}"/>
-              </a:ext>
-            </a:extLst>
-          </p:cNvPr>
-          <p:cNvSpPr/>
-          <p:nvPr/>
-        </p:nvSpPr>
-        <p:spPr>
-          <a:xfrm rot="18884007">
-            <a:off x="20945410" y="6851592"/>
-            <a:ext cx="1705790" cy="331585"/>
-          </a:xfrm>
-          <a:prstGeom prst="rect">
-            <a:avLst/>
-          </a:prstGeom>
-          <a:noFill/>
-          <a:ln>
-            <a:noFill/>
-          </a:ln>
-        </p:spPr>
-        <p:style>
-          <a:lnRef idx="2">
-            <a:schemeClr val="accent1">
-              <a:shade val="50000"/>
-            </a:schemeClr>
-          </a:lnRef>
-          <a:fillRef idx="1">
-            <a:schemeClr val="accent1"/>
-          </a:fillRef>
-          <a:effectRef idx="0">
-            <a:schemeClr val="accent1"/>
-          </a:effectRef>
-          <a:fontRef idx="minor">
-            <a:schemeClr val="lt1"/>
-          </a:fontRef>
-        </p:style>
-        <p:txBody>
-          <a:bodyPr rtlCol="0" anchor="ctr"/>
-          <a:lstStyle/>
-          <a:p>
-            <a:pPr algn="ctr"/>
-            <a:r>
-              <a:rPr lang="en-GB" sz="800" b="1" dirty="0">
-                <a:solidFill>
-                  <a:schemeClr val="tx1"/>
-                </a:solidFill>
-                <a:latin typeface="Segoe UI Light" panose="020B0502040204020203" pitchFamily="34" charset="0"/>
-                <a:cs typeface="Segoe UI Light" panose="020B0502040204020203" pitchFamily="34" charset="0"/>
-              </a:rPr>
-              <a:t>Air Pollution</a:t>
+              <a:t>The clusters are visualized in a Scatter Plot across the two primary PC’s where Dimension 1 represents “Country Development” and Dimension 2 represents Freedom and Corruption.</a:t>
             </a:r>
           </a:p>
         </p:txBody>
@@ -7363,86 +9074,6 @@
     <p:extLst>
       <p:ext uri="{BB962C8B-B14F-4D97-AF65-F5344CB8AC3E}">
         <p14:creationId xmlns:p14="http://schemas.microsoft.com/office/powerpoint/2010/main" val="727998470"/>
-      </p:ext>
-    </p:extLst>
-  </p:cSld>
-  <p:clrMapOvr>
-    <a:masterClrMapping/>
-  </p:clrMapOvr>
-</p:sld>
-</file>
-
-<file path=ppt/slides/slide2.xml><?xml version="1.0" encoding="utf-8"?>
-<p:sld xmlns:a="http://schemas.openxmlformats.org/drawingml/2006/main" xmlns:r="http://schemas.openxmlformats.org/officeDocument/2006/relationships" xmlns:p="http://schemas.openxmlformats.org/presentationml/2006/main">
-  <p:cSld>
-    <p:spTree>
-      <p:nvGrpSpPr>
-        <p:cNvPr id="1" name=""/>
-        <p:cNvGrpSpPr/>
-        <p:nvPr/>
-      </p:nvGrpSpPr>
-      <p:grpSpPr>
-        <a:xfrm>
-          <a:off x="0" y="0"/>
-          <a:ext cx="0" cy="0"/>
-          <a:chOff x="0" y="0"/>
-          <a:chExt cx="0" cy="0"/>
-        </a:xfrm>
-      </p:grpSpPr>
-      <p:sp>
-        <p:nvSpPr>
-          <p:cNvPr id="2" name="Titel 1">
-            <a:extLst>
-              <a:ext uri="{FF2B5EF4-FFF2-40B4-BE49-F238E27FC236}">
-                <a16:creationId xmlns:a16="http://schemas.microsoft.com/office/drawing/2014/main" id="{AE234184-82E3-4977-988E-ACBFD708D8BD}"/>
-              </a:ext>
-            </a:extLst>
-          </p:cNvPr>
-          <p:cNvSpPr>
-            <a:spLocks noGrp="1"/>
-          </p:cNvSpPr>
-          <p:nvPr>
-            <p:ph type="title"/>
-          </p:nvPr>
-        </p:nvSpPr>
-        <p:spPr/>
-        <p:txBody>
-          <a:bodyPr/>
-          <a:lstStyle/>
-          <a:p>
-            <a:endParaRPr lang="en-GB"/>
-          </a:p>
-        </p:txBody>
-      </p:sp>
-      <p:sp>
-        <p:nvSpPr>
-          <p:cNvPr id="3" name="Inhaltsplatzhalter 2">
-            <a:extLst>
-              <a:ext uri="{FF2B5EF4-FFF2-40B4-BE49-F238E27FC236}">
-                <a16:creationId xmlns:a16="http://schemas.microsoft.com/office/drawing/2014/main" id="{3A80FD68-1B67-4561-8CEA-F89778DE1155}"/>
-              </a:ext>
-            </a:extLst>
-          </p:cNvPr>
-          <p:cNvSpPr>
-            <a:spLocks noGrp="1"/>
-          </p:cNvSpPr>
-          <p:nvPr>
-            <p:ph idx="1"/>
-          </p:nvPr>
-        </p:nvSpPr>
-        <p:spPr/>
-        <p:txBody>
-          <a:bodyPr/>
-          <a:lstStyle/>
-          <a:p>
-            <a:endParaRPr lang="en-GB"/>
-          </a:p>
-        </p:txBody>
-      </p:sp>
-    </p:spTree>
-    <p:extLst>
-      <p:ext uri="{BB962C8B-B14F-4D97-AF65-F5344CB8AC3E}">
-        <p14:creationId xmlns:p14="http://schemas.microsoft.com/office/powerpoint/2010/main" val="2468671382"/>
       </p:ext>
     </p:extLst>
   </p:cSld>

--- a/REPORT/Poster.pptx
+++ b/REPORT/Poster.pptx
@@ -3410,10 +3410,10 @@
       </p:grpSpPr>
       <p:pic>
         <p:nvPicPr>
-          <p:cNvPr id="21" name="Grafik 20">
-            <a:extLst>
-              <a:ext uri="{FF2B5EF4-FFF2-40B4-BE49-F238E27FC236}">
-                <a16:creationId xmlns:a16="http://schemas.microsoft.com/office/drawing/2014/main" id="{E7C66175-C915-47C7-A959-4AA47004429D}"/>
+          <p:cNvPr id="58" name="Grafik 57">
+            <a:extLst>
+              <a:ext uri="{FF2B5EF4-FFF2-40B4-BE49-F238E27FC236}">
+                <a16:creationId xmlns:a16="http://schemas.microsoft.com/office/drawing/2014/main" id="{6D58B08E-2BFF-4C43-B8E1-BF88F665AC2B}"/>
               </a:ext>
             </a:extLst>
           </p:cNvPr>
@@ -3424,6 +3424,111 @@
         </p:nvPicPr>
         <p:blipFill rotWithShape="1">
           <a:blip r:embed="rId3">
+            <a:extLst>
+              <a:ext uri="{28A0092B-C50C-407E-A947-70E740481C1C}">
+                <a14:useLocalDpi xmlns:a14="http://schemas.microsoft.com/office/drawing/2010/main" val="0"/>
+              </a:ext>
+            </a:extLst>
+          </a:blip>
+          <a:srcRect l="48031" t="4532"/>
+          <a:stretch/>
+        </p:blipFill>
+        <p:spPr>
+          <a:xfrm>
+            <a:off x="21360220" y="2826913"/>
+            <a:ext cx="2638509" cy="4324991"/>
+          </a:xfrm>
+          <a:prstGeom prst="rect">
+            <a:avLst/>
+          </a:prstGeom>
+        </p:spPr>
+      </p:pic>
+      <p:pic>
+        <p:nvPicPr>
+          <p:cNvPr id="11" name="Grafik 10">
+            <a:extLst>
+              <a:ext uri="{FF2B5EF4-FFF2-40B4-BE49-F238E27FC236}">
+                <a16:creationId xmlns:a16="http://schemas.microsoft.com/office/drawing/2014/main" id="{47FD6CE9-4E6F-474A-980F-D4BAE9D16A0D}"/>
+              </a:ext>
+            </a:extLst>
+          </p:cNvPr>
+          <p:cNvPicPr>
+            <a:picLocks noChangeAspect="1"/>
+          </p:cNvPicPr>
+          <p:nvPr/>
+        </p:nvPicPr>
+        <p:blipFill rotWithShape="1">
+          <a:blip r:embed="rId4">
+            <a:extLst>
+              <a:ext uri="{28A0092B-C50C-407E-A947-70E740481C1C}">
+                <a14:useLocalDpi xmlns:a14="http://schemas.microsoft.com/office/drawing/2010/main" val="0"/>
+              </a:ext>
+            </a:extLst>
+          </a:blip>
+          <a:srcRect t="5008"/>
+          <a:stretch/>
+        </p:blipFill>
+        <p:spPr>
+          <a:xfrm>
+            <a:off x="15362206" y="7391601"/>
+            <a:ext cx="5006994" cy="3532505"/>
+          </a:xfrm>
+          <a:prstGeom prst="rect">
+            <a:avLst/>
+          </a:prstGeom>
+        </p:spPr>
+      </p:pic>
+      <p:pic>
+        <p:nvPicPr>
+          <p:cNvPr id="19" name="Grafik 18">
+            <a:extLst>
+              <a:ext uri="{FF2B5EF4-FFF2-40B4-BE49-F238E27FC236}">
+                <a16:creationId xmlns:a16="http://schemas.microsoft.com/office/drawing/2014/main" id="{9B53A3A9-D8D5-478C-9297-83FFD95424FD}"/>
+              </a:ext>
+            </a:extLst>
+          </p:cNvPr>
+          <p:cNvPicPr>
+            <a:picLocks noChangeAspect="1"/>
+          </p:cNvPicPr>
+          <p:nvPr/>
+        </p:nvPicPr>
+        <p:blipFill rotWithShape="1">
+          <a:blip r:embed="rId5">
+            <a:extLst>
+              <a:ext uri="{28A0092B-C50C-407E-A947-70E740481C1C}">
+                <a14:useLocalDpi xmlns:a14="http://schemas.microsoft.com/office/drawing/2010/main" val="0"/>
+              </a:ext>
+            </a:extLst>
+          </a:blip>
+          <a:srcRect l="7422" t="4222" r="7458"/>
+          <a:stretch/>
+        </p:blipFill>
+        <p:spPr>
+          <a:xfrm>
+            <a:off x="20257035" y="7326258"/>
+            <a:ext cx="4371852" cy="3653627"/>
+          </a:xfrm>
+          <a:prstGeom prst="rect">
+            <a:avLst/>
+          </a:prstGeom>
+        </p:spPr>
+      </p:pic>
+      <p:pic>
+        <p:nvPicPr>
+          <p:cNvPr id="21" name="Grafik 20">
+            <a:extLst>
+              <a:ext uri="{FF2B5EF4-FFF2-40B4-BE49-F238E27FC236}">
+                <a16:creationId xmlns:a16="http://schemas.microsoft.com/office/drawing/2014/main" id="{E7C66175-C915-47C7-A959-4AA47004429D}"/>
+              </a:ext>
+            </a:extLst>
+          </p:cNvPr>
+          <p:cNvPicPr>
+            <a:picLocks noChangeAspect="1"/>
+          </p:cNvPicPr>
+          <p:nvPr/>
+        </p:nvPicPr>
+        <p:blipFill rotWithShape="1">
+          <a:blip r:embed="rId6">
             <a:extLst>
               <a:ext uri="{28A0092B-C50C-407E-A947-70E740481C1C}">
                 <a14:useLocalDpi xmlns:a14="http://schemas.microsoft.com/office/drawing/2010/main" val="0"/>
@@ -3435,7 +3540,7 @@
         </p:blipFill>
         <p:spPr>
           <a:xfrm>
-            <a:off x="6132503" y="6367715"/>
+            <a:off x="5736263" y="6367715"/>
             <a:ext cx="8740546" cy="4697969"/>
           </a:xfrm>
           <a:prstGeom prst="rect">
@@ -3458,7 +3563,7 @@
           <p:nvPr/>
         </p:nvPicPr>
         <p:blipFill>
-          <a:blip r:embed="rId4">
+          <a:blip r:embed="rId7">
             <a:extLst>
               <a:ext uri="{28A0092B-C50C-407E-A947-70E740481C1C}">
                 <a14:useLocalDpi xmlns:a14="http://schemas.microsoft.com/office/drawing/2010/main" val="0"/>
@@ -3471,7 +3576,7 @@
         </p:blipFill>
         <p:spPr>
           <a:xfrm>
-            <a:off x="1393393" y="8995685"/>
+            <a:off x="1405251" y="8997025"/>
             <a:ext cx="3266460" cy="2070000"/>
           </a:xfrm>
           <a:prstGeom prst="rect">
@@ -3551,8 +3656,8 @@
         </p:nvSpPr>
         <p:spPr>
           <a:xfrm>
-            <a:off x="23208573" y="2383347"/>
-            <a:ext cx="5898465" cy="4663545"/>
+            <a:off x="23539001" y="2307703"/>
+            <a:ext cx="5585883" cy="4663545"/>
           </a:xfrm>
           <a:prstGeom prst="roundRect">
             <a:avLst>
@@ -3608,7 +3713,7 @@
         <p:spPr>
           <a:xfrm>
             <a:off x="9631669" y="11892106"/>
-            <a:ext cx="12954012" cy="8909617"/>
+            <a:ext cx="12050114" cy="8909617"/>
           </a:xfrm>
           <a:prstGeom prst="roundRect">
             <a:avLst/>
@@ -3762,7 +3867,7 @@
         </p:nvSpPr>
         <p:spPr>
           <a:xfrm>
-            <a:off x="1089089" y="2781102"/>
+            <a:off x="9063849" y="2777560"/>
             <a:ext cx="5429729" cy="1985159"/>
           </a:xfrm>
           <a:prstGeom prst="rect">
@@ -3891,7 +3996,7 @@
         </p:nvSpPr>
         <p:spPr>
           <a:xfrm>
-            <a:off x="5953428" y="2777560"/>
+            <a:off x="5557188" y="2777560"/>
             <a:ext cx="6039905" cy="1492716"/>
           </a:xfrm>
           <a:prstGeom prst="rect">
@@ -4045,12 +4150,127 @@
           </a:p>
         </p:txBody>
       </p:sp>
+      <p:sp>
+        <p:nvSpPr>
+          <p:cNvPr id="42" name="Textfeld 41">
+            <a:extLst>
+              <a:ext uri="{FF2B5EF4-FFF2-40B4-BE49-F238E27FC236}">
+                <a16:creationId xmlns:a16="http://schemas.microsoft.com/office/drawing/2014/main" id="{33007021-6EEF-4A33-B27A-3D5386934185}"/>
+              </a:ext>
+            </a:extLst>
+          </p:cNvPr>
+          <p:cNvSpPr txBox="1"/>
+          <p:nvPr/>
+        </p:nvSpPr>
+        <p:spPr>
+          <a:xfrm>
+            <a:off x="15557937" y="2835924"/>
+            <a:ext cx="4469599" cy="338554"/>
+          </a:xfrm>
+          <a:prstGeom prst="rect">
+            <a:avLst/>
+          </a:prstGeom>
+          <a:noFill/>
+        </p:spPr>
+        <p:txBody>
+          <a:bodyPr wrap="square" rtlCol="0">
+            <a:spAutoFit/>
+          </a:bodyPr>
+          <a:lstStyle/>
+          <a:p>
+            <a:r>
+              <a:rPr lang="en-GB" sz="1600" b="1" dirty="0">
+                <a:latin typeface="Segoe UI Light" panose="020B0502040204020203" pitchFamily="34" charset="0"/>
+                <a:cs typeface="Segoe UI Light" panose="020B0502040204020203" pitchFamily="34" charset="0"/>
+              </a:rPr>
+              <a:t>Principal Component Analysis (PCA)</a:t>
+            </a:r>
+          </a:p>
+        </p:txBody>
+      </p:sp>
+      <p:sp>
+        <p:nvSpPr>
+          <p:cNvPr id="43" name="Textfeld 42">
+            <a:extLst>
+              <a:ext uri="{FF2B5EF4-FFF2-40B4-BE49-F238E27FC236}">
+                <a16:creationId xmlns:a16="http://schemas.microsoft.com/office/drawing/2014/main" id="{2F92A97A-CFB4-4E6E-886E-1F00B8D3803F}"/>
+              </a:ext>
+            </a:extLst>
+          </p:cNvPr>
+          <p:cNvSpPr txBox="1"/>
+          <p:nvPr/>
+        </p:nvSpPr>
+        <p:spPr>
+          <a:xfrm>
+            <a:off x="23573836" y="2525919"/>
+            <a:ext cx="4469599" cy="338554"/>
+          </a:xfrm>
+          <a:prstGeom prst="rect">
+            <a:avLst/>
+          </a:prstGeom>
+          <a:noFill/>
+        </p:spPr>
+        <p:txBody>
+          <a:bodyPr wrap="square" rtlCol="0">
+            <a:spAutoFit/>
+          </a:bodyPr>
+          <a:lstStyle/>
+          <a:p>
+            <a:r>
+              <a:rPr lang="en-GB" sz="1600" b="1" dirty="0">
+                <a:latin typeface="Segoe UI Light" panose="020B0502040204020203" pitchFamily="34" charset="0"/>
+                <a:cs typeface="Segoe UI Light" panose="020B0502040204020203" pitchFamily="34" charset="0"/>
+              </a:rPr>
+              <a:t>Factor Analysis (FA)</a:t>
+            </a:r>
+          </a:p>
+        </p:txBody>
+      </p:sp>
+      <p:sp>
+        <p:nvSpPr>
+          <p:cNvPr id="29" name="Textfeld 28">
+            <a:extLst>
+              <a:ext uri="{FF2B5EF4-FFF2-40B4-BE49-F238E27FC236}">
+                <a16:creationId xmlns:a16="http://schemas.microsoft.com/office/drawing/2014/main" id="{E5DE889C-57E3-494A-BAFA-52E50E5B90C1}"/>
+              </a:ext>
+            </a:extLst>
+          </p:cNvPr>
+          <p:cNvSpPr txBox="1"/>
+          <p:nvPr/>
+        </p:nvSpPr>
+        <p:spPr>
+          <a:xfrm>
+            <a:off x="1084497" y="5186537"/>
+            <a:ext cx="1230938" cy="307777"/>
+          </a:xfrm>
+          <a:prstGeom prst="rect">
+            <a:avLst/>
+          </a:prstGeom>
+          <a:noFill/>
+        </p:spPr>
+        <p:txBody>
+          <a:bodyPr wrap="square" rtlCol="0">
+            <a:spAutoFit/>
+          </a:bodyPr>
+          <a:lstStyle/>
+          <a:p>
+            <a:pPr algn="ctr"/>
+            <a:r>
+              <a:rPr lang="en-GB" sz="1400" dirty="0">
+                <a:latin typeface="Segoe UI Light" panose="020B0502040204020203" pitchFamily="34" charset="0"/>
+                <a:cs typeface="Segoe UI Light" panose="020B0502040204020203" pitchFamily="34" charset="0"/>
+              </a:rPr>
+              <a:t>Quality of Life</a:t>
+            </a:r>
+          </a:p>
+        </p:txBody>
+      </p:sp>
       <p:pic>
         <p:nvPicPr>
-          <p:cNvPr id="34" name="Grafik 33">
-            <a:extLst>
-              <a:ext uri="{FF2B5EF4-FFF2-40B4-BE49-F238E27FC236}">
-                <a16:creationId xmlns:a16="http://schemas.microsoft.com/office/drawing/2014/main" id="{9DA67AC0-A3DF-4F52-AE64-2A362962E258}"/>
+          <p:cNvPr id="8" name="Grafik 7">
+            <a:extLst>
+              <a:ext uri="{FF2B5EF4-FFF2-40B4-BE49-F238E27FC236}">
+                <a16:creationId xmlns:a16="http://schemas.microsoft.com/office/drawing/2014/main" id="{FA8DB1B3-C1FC-4D80-B7D9-DC9FB2AB892B}"/>
               </a:ext>
             </a:extLst>
           </p:cNvPr>
@@ -4060,7 +4280,7 @@
           <p:nvPr/>
         </p:nvPicPr>
         <p:blipFill>
-          <a:blip r:embed="rId5">
+          <a:blip r:embed="rId8">
             <a:extLst>
               <a:ext uri="{28A0092B-C50C-407E-A947-70E740481C1C}">
                 <a14:useLocalDpi xmlns:a14="http://schemas.microsoft.com/office/drawing/2010/main" val="0"/>
@@ -4073,8 +4293,8 @@
         </p:blipFill>
         <p:spPr>
           <a:xfrm>
-            <a:off x="20752039" y="7562290"/>
-            <a:ext cx="5120274" cy="3309682"/>
+            <a:off x="1460449" y="4709554"/>
+            <a:ext cx="468000" cy="468000"/>
           </a:xfrm>
           <a:prstGeom prst="rect">
             <a:avLst/>
@@ -4083,10 +4303,10 @@
       </p:pic>
       <p:pic>
         <p:nvPicPr>
-          <p:cNvPr id="36" name="Grafik 35">
-            <a:extLst>
-              <a:ext uri="{FF2B5EF4-FFF2-40B4-BE49-F238E27FC236}">
-                <a16:creationId xmlns:a16="http://schemas.microsoft.com/office/drawing/2014/main" id="{F0178204-FE16-4423-8F6D-DD211F9DB0E6}"/>
+          <p:cNvPr id="10" name="Grafik 9">
+            <a:extLst>
+              <a:ext uri="{FF2B5EF4-FFF2-40B4-BE49-F238E27FC236}">
+                <a16:creationId xmlns:a16="http://schemas.microsoft.com/office/drawing/2014/main" id="{58355202-26FF-4542-8C17-F15901CAFECC}"/>
               </a:ext>
             </a:extLst>
           </p:cNvPr>
@@ -4096,7 +4316,7 @@
           <p:nvPr/>
         </p:nvPicPr>
         <p:blipFill>
-          <a:blip r:embed="rId6">
+          <a:blip r:embed="rId9">
             <a:extLst>
               <a:ext uri="{28A0092B-C50C-407E-A947-70E740481C1C}">
                 <a14:useLocalDpi xmlns:a14="http://schemas.microsoft.com/office/drawing/2010/main" val="0"/>
@@ -4109,8 +4329,8 @@
         </p:blipFill>
         <p:spPr>
           <a:xfrm>
-            <a:off x="16153561" y="7476351"/>
-            <a:ext cx="5036527" cy="3255550"/>
+            <a:off x="2496617" y="4709554"/>
+            <a:ext cx="468000" cy="468000"/>
           </a:xfrm>
           <a:prstGeom prst="rect">
             <a:avLst/>
@@ -4119,10 +4339,10 @@
       </p:pic>
       <p:sp>
         <p:nvSpPr>
-          <p:cNvPr id="42" name="Textfeld 41">
-            <a:extLst>
-              <a:ext uri="{FF2B5EF4-FFF2-40B4-BE49-F238E27FC236}">
-                <a16:creationId xmlns:a16="http://schemas.microsoft.com/office/drawing/2014/main" id="{33007021-6EEF-4A33-B27A-3D5386934185}"/>
+          <p:cNvPr id="37" name="Textfeld 36">
+            <a:extLst>
+              <a:ext uri="{FF2B5EF4-FFF2-40B4-BE49-F238E27FC236}">
+                <a16:creationId xmlns:a16="http://schemas.microsoft.com/office/drawing/2014/main" id="{615A6FBA-07BA-4D8C-B894-793E5D3432BE}"/>
               </a:ext>
             </a:extLst>
           </p:cNvPr>
@@ -4131,8 +4351,8 @@
         </p:nvSpPr>
         <p:spPr>
           <a:xfrm>
-            <a:off x="16190979" y="2835924"/>
-            <a:ext cx="4469599" cy="338554"/>
+            <a:off x="2348067" y="5186537"/>
+            <a:ext cx="770302" cy="307777"/>
           </a:xfrm>
           <a:prstGeom prst="rect">
             <a:avLst/>
@@ -4145,60 +4365,23 @@
           </a:bodyPr>
           <a:lstStyle/>
           <a:p>
-            <a:r>
-              <a:rPr lang="en-GB" sz="1600" b="1" dirty="0">
-                <a:latin typeface="Segoe UI Light" panose="020B0502040204020203" pitchFamily="34" charset="0"/>
-                <a:cs typeface="Segoe UI Light" panose="020B0502040204020203" pitchFamily="34" charset="0"/>
-              </a:rPr>
-              <a:t>Principal Component Analysis (PCA)</a:t>
-            </a:r>
-          </a:p>
-        </p:txBody>
-      </p:sp>
-      <p:sp>
-        <p:nvSpPr>
-          <p:cNvPr id="43" name="Textfeld 42">
-            <a:extLst>
-              <a:ext uri="{FF2B5EF4-FFF2-40B4-BE49-F238E27FC236}">
-                <a16:creationId xmlns:a16="http://schemas.microsoft.com/office/drawing/2014/main" id="{2F92A97A-CFB4-4E6E-886E-1F00B8D3803F}"/>
-              </a:ext>
-            </a:extLst>
-          </p:cNvPr>
-          <p:cNvSpPr txBox="1"/>
-          <p:nvPr/>
-        </p:nvSpPr>
-        <p:spPr>
-          <a:xfrm>
-            <a:off x="23376685" y="2601563"/>
-            <a:ext cx="4469599" cy="338554"/>
-          </a:xfrm>
-          <a:prstGeom prst="rect">
-            <a:avLst/>
-          </a:prstGeom>
-          <a:noFill/>
-        </p:spPr>
-        <p:txBody>
-          <a:bodyPr wrap="square" rtlCol="0">
-            <a:spAutoFit/>
-          </a:bodyPr>
-          <a:lstStyle/>
-          <a:p>
-            <a:r>
-              <a:rPr lang="en-GB" sz="1600" b="1" dirty="0">
-                <a:latin typeface="Segoe UI Light" panose="020B0502040204020203" pitchFamily="34" charset="0"/>
-                <a:cs typeface="Segoe UI Light" panose="020B0502040204020203" pitchFamily="34" charset="0"/>
-              </a:rPr>
-              <a:t>Factor Analysis (FA)</a:t>
+            <a:pPr algn="ctr"/>
+            <a:r>
+              <a:rPr lang="en-GB" sz="1400" dirty="0">
+                <a:latin typeface="Segoe UI Light" panose="020B0502040204020203" pitchFamily="34" charset="0"/>
+                <a:cs typeface="Segoe UI Light" panose="020B0502040204020203" pitchFamily="34" charset="0"/>
+              </a:rPr>
+              <a:t>Health</a:t>
             </a:r>
           </a:p>
         </p:txBody>
       </p:sp>
       <p:pic>
         <p:nvPicPr>
-          <p:cNvPr id="47" name="Grafik 46">
-            <a:extLst>
-              <a:ext uri="{FF2B5EF4-FFF2-40B4-BE49-F238E27FC236}">
-                <a16:creationId xmlns:a16="http://schemas.microsoft.com/office/drawing/2014/main" id="{384FDCAD-779F-483A-BF56-27F659314A79}"/>
+          <p:cNvPr id="18" name="Grafik 17">
+            <a:extLst>
+              <a:ext uri="{FF2B5EF4-FFF2-40B4-BE49-F238E27FC236}">
+                <a16:creationId xmlns:a16="http://schemas.microsoft.com/office/drawing/2014/main" id="{93953D04-E3B6-434B-A956-503DDDBEC0C7}"/>
               </a:ext>
             </a:extLst>
           </p:cNvPr>
@@ -4208,76 +4391,7 @@
           <p:nvPr/>
         </p:nvPicPr>
         <p:blipFill>
-          <a:blip r:embed="rId7"/>
-          <a:stretch>
-            <a:fillRect/>
-          </a:stretch>
-        </p:blipFill>
-        <p:spPr>
-          <a:xfrm>
-            <a:off x="18319104" y="12882697"/>
-            <a:ext cx="3740466" cy="3740466"/>
-          </a:xfrm>
-          <a:prstGeom prst="rect">
-            <a:avLst/>
-          </a:prstGeom>
-        </p:spPr>
-      </p:pic>
-      <p:sp>
-        <p:nvSpPr>
-          <p:cNvPr id="29" name="Textfeld 28">
-            <a:extLst>
-              <a:ext uri="{FF2B5EF4-FFF2-40B4-BE49-F238E27FC236}">
-                <a16:creationId xmlns:a16="http://schemas.microsoft.com/office/drawing/2014/main" id="{E5DE889C-57E3-494A-BAFA-52E50E5B90C1}"/>
-              </a:ext>
-            </a:extLst>
-          </p:cNvPr>
-          <p:cNvSpPr txBox="1"/>
-          <p:nvPr/>
-        </p:nvSpPr>
-        <p:spPr>
-          <a:xfrm>
-            <a:off x="1084497" y="5186537"/>
-            <a:ext cx="1230938" cy="307777"/>
-          </a:xfrm>
-          <a:prstGeom prst="rect">
-            <a:avLst/>
-          </a:prstGeom>
-          <a:noFill/>
-        </p:spPr>
-        <p:txBody>
-          <a:bodyPr wrap="square" rtlCol="0">
-            <a:spAutoFit/>
-          </a:bodyPr>
-          <a:lstStyle/>
-          <a:p>
-            <a:pPr algn="ctr"/>
-            <a:r>
-              <a:rPr lang="en-GB" sz="1400" dirty="0">
-                <a:latin typeface="Segoe UI Light" panose="020B0502040204020203" pitchFamily="34" charset="0"/>
-                <a:cs typeface="Segoe UI Light" panose="020B0502040204020203" pitchFamily="34" charset="0"/>
-              </a:rPr>
-              <a:t>Quality of Life</a:t>
-            </a:r>
-          </a:p>
-        </p:txBody>
-      </p:sp>
-      <p:pic>
-        <p:nvPicPr>
-          <p:cNvPr id="8" name="Grafik 7">
-            <a:extLst>
-              <a:ext uri="{FF2B5EF4-FFF2-40B4-BE49-F238E27FC236}">
-                <a16:creationId xmlns:a16="http://schemas.microsoft.com/office/drawing/2014/main" id="{FA8DB1B3-C1FC-4D80-B7D9-DC9FB2AB892B}"/>
-              </a:ext>
-            </a:extLst>
-          </p:cNvPr>
-          <p:cNvPicPr>
-            <a:picLocks noChangeAspect="1"/>
-          </p:cNvPicPr>
-          <p:nvPr/>
-        </p:nvPicPr>
-        <p:blipFill>
-          <a:blip r:embed="rId8">
+          <a:blip r:embed="rId10">
             <a:extLst>
               <a:ext uri="{28A0092B-C50C-407E-A947-70E740481C1C}">
                 <a14:useLocalDpi xmlns:a14="http://schemas.microsoft.com/office/drawing/2010/main" val="0"/>
@@ -4290,7 +4404,7 @@
         </p:blipFill>
         <p:spPr>
           <a:xfrm>
-            <a:off x="1460449" y="4709554"/>
+            <a:off x="3532785" y="4709554"/>
             <a:ext cx="468000" cy="468000"/>
           </a:xfrm>
           <a:prstGeom prst="rect">
@@ -4298,12 +4412,51 @@
           </a:prstGeom>
         </p:spPr>
       </p:pic>
+      <p:sp>
+        <p:nvSpPr>
+          <p:cNvPr id="39" name="Textfeld 38">
+            <a:extLst>
+              <a:ext uri="{FF2B5EF4-FFF2-40B4-BE49-F238E27FC236}">
+                <a16:creationId xmlns:a16="http://schemas.microsoft.com/office/drawing/2014/main" id="{713E46D4-7D41-4BA1-8676-96E58FAF443A}"/>
+              </a:ext>
+            </a:extLst>
+          </p:cNvPr>
+          <p:cNvSpPr txBox="1"/>
+          <p:nvPr/>
+        </p:nvSpPr>
+        <p:spPr>
+          <a:xfrm>
+            <a:off x="3208682" y="5188099"/>
+            <a:ext cx="1116205" cy="307777"/>
+          </a:xfrm>
+          <a:prstGeom prst="rect">
+            <a:avLst/>
+          </a:prstGeom>
+          <a:noFill/>
+        </p:spPr>
+        <p:txBody>
+          <a:bodyPr wrap="square" rtlCol="0">
+            <a:spAutoFit/>
+          </a:bodyPr>
+          <a:lstStyle/>
+          <a:p>
+            <a:pPr algn="ctr"/>
+            <a:r>
+              <a:rPr lang="en-GB" sz="1400" dirty="0">
+                <a:latin typeface="Segoe UI Light" panose="020B0502040204020203" pitchFamily="34" charset="0"/>
+                <a:cs typeface="Segoe UI Light" panose="020B0502040204020203" pitchFamily="34" charset="0"/>
+              </a:rPr>
+              <a:t>Population</a:t>
+            </a:r>
+          </a:p>
+        </p:txBody>
+      </p:sp>
       <p:pic>
         <p:nvPicPr>
-          <p:cNvPr id="10" name="Grafik 9">
-            <a:extLst>
-              <a:ext uri="{FF2B5EF4-FFF2-40B4-BE49-F238E27FC236}">
-                <a16:creationId xmlns:a16="http://schemas.microsoft.com/office/drawing/2014/main" id="{58355202-26FF-4542-8C17-F15901CAFECC}"/>
+          <p:cNvPr id="23" name="Grafik 22">
+            <a:extLst>
+              <a:ext uri="{FF2B5EF4-FFF2-40B4-BE49-F238E27FC236}">
+                <a16:creationId xmlns:a16="http://schemas.microsoft.com/office/drawing/2014/main" id="{4F66B2D8-6D8F-45A5-9111-1AE2D7C0F09A}"/>
               </a:ext>
             </a:extLst>
           </p:cNvPr>
@@ -4313,7 +4466,7 @@
           <p:nvPr/>
         </p:nvPicPr>
         <p:blipFill>
-          <a:blip r:embed="rId9">
+          <a:blip r:embed="rId11">
             <a:extLst>
               <a:ext uri="{28A0092B-C50C-407E-A947-70E740481C1C}">
                 <a14:useLocalDpi xmlns:a14="http://schemas.microsoft.com/office/drawing/2010/main" val="0"/>
@@ -4326,7 +4479,7 @@
         </p:blipFill>
         <p:spPr>
           <a:xfrm>
-            <a:off x="2496617" y="4709554"/>
+            <a:off x="4568953" y="4709554"/>
             <a:ext cx="468000" cy="468000"/>
           </a:xfrm>
           <a:prstGeom prst="rect">
@@ -4336,10 +4489,10 @@
       </p:pic>
       <p:sp>
         <p:nvSpPr>
-          <p:cNvPr id="37" name="Textfeld 36">
-            <a:extLst>
-              <a:ext uri="{FF2B5EF4-FFF2-40B4-BE49-F238E27FC236}">
-                <a16:creationId xmlns:a16="http://schemas.microsoft.com/office/drawing/2014/main" id="{615A6FBA-07BA-4D8C-B894-793E5D3432BE}"/>
+          <p:cNvPr id="44" name="Textfeld 43">
+            <a:extLst>
+              <a:ext uri="{FF2B5EF4-FFF2-40B4-BE49-F238E27FC236}">
+                <a16:creationId xmlns:a16="http://schemas.microsoft.com/office/drawing/2014/main" id="{0F35411B-4874-416F-A88C-0282D00FEA12}"/>
               </a:ext>
             </a:extLst>
           </p:cNvPr>
@@ -4348,8 +4501,8 @@
         </p:nvSpPr>
         <p:spPr>
           <a:xfrm>
-            <a:off x="2348067" y="5186537"/>
-            <a:ext cx="770302" cy="307777"/>
+            <a:off x="4187484" y="5195466"/>
+            <a:ext cx="1230938" cy="307777"/>
           </a:xfrm>
           <a:prstGeom prst="rect">
             <a:avLst/>
@@ -4368,17 +4521,17 @@
                 <a:latin typeface="Segoe UI Light" panose="020B0502040204020203" pitchFamily="34" charset="0"/>
                 <a:cs typeface="Segoe UI Light" panose="020B0502040204020203" pitchFamily="34" charset="0"/>
               </a:rPr>
-              <a:t>Health</a:t>
+              <a:t>Infrastructure</a:t>
             </a:r>
           </a:p>
         </p:txBody>
       </p:sp>
       <p:pic>
         <p:nvPicPr>
-          <p:cNvPr id="18" name="Grafik 17">
-            <a:extLst>
-              <a:ext uri="{FF2B5EF4-FFF2-40B4-BE49-F238E27FC236}">
-                <a16:creationId xmlns:a16="http://schemas.microsoft.com/office/drawing/2014/main" id="{93953D04-E3B6-434B-A956-503DDDBEC0C7}"/>
+          <p:cNvPr id="27" name="Grafik 26">
+            <a:extLst>
+              <a:ext uri="{FF2B5EF4-FFF2-40B4-BE49-F238E27FC236}">
+                <a16:creationId xmlns:a16="http://schemas.microsoft.com/office/drawing/2014/main" id="{17565774-F0C1-42F6-808B-211A39D3B916}"/>
               </a:ext>
             </a:extLst>
           </p:cNvPr>
@@ -4388,7 +4541,7 @@
           <p:nvPr/>
         </p:nvPicPr>
         <p:blipFill>
-          <a:blip r:embed="rId10">
+          <a:blip r:embed="rId12">
             <a:extLst>
               <a:ext uri="{28A0092B-C50C-407E-A947-70E740481C1C}">
                 <a14:useLocalDpi xmlns:a14="http://schemas.microsoft.com/office/drawing/2010/main" val="0"/>
@@ -4401,7 +4554,7 @@
         </p:blipFill>
         <p:spPr>
           <a:xfrm>
-            <a:off x="3532785" y="4709554"/>
+            <a:off x="1471894" y="5598484"/>
             <a:ext cx="468000" cy="468000"/>
           </a:xfrm>
           <a:prstGeom prst="rect">
@@ -4411,10 +4564,10 @@
       </p:pic>
       <p:sp>
         <p:nvSpPr>
-          <p:cNvPr id="39" name="Textfeld 38">
-            <a:extLst>
-              <a:ext uri="{FF2B5EF4-FFF2-40B4-BE49-F238E27FC236}">
-                <a16:creationId xmlns:a16="http://schemas.microsoft.com/office/drawing/2014/main" id="{713E46D4-7D41-4BA1-8676-96E58FAF443A}"/>
+          <p:cNvPr id="46" name="Textfeld 45">
+            <a:extLst>
+              <a:ext uri="{FF2B5EF4-FFF2-40B4-BE49-F238E27FC236}">
+                <a16:creationId xmlns:a16="http://schemas.microsoft.com/office/drawing/2014/main" id="{9A2366D0-7D3B-4A3D-B0F1-055C0120D3B4}"/>
               </a:ext>
             </a:extLst>
           </p:cNvPr>
@@ -4423,8 +4576,8 @@
         </p:nvSpPr>
         <p:spPr>
           <a:xfrm>
-            <a:off x="3208682" y="5188099"/>
-            <a:ext cx="1116205" cy="307777"/>
+            <a:off x="1090124" y="6037218"/>
+            <a:ext cx="1230938" cy="307777"/>
           </a:xfrm>
           <a:prstGeom prst="rect">
             <a:avLst/>
@@ -4443,17 +4596,17 @@
                 <a:latin typeface="Segoe UI Light" panose="020B0502040204020203" pitchFamily="34" charset="0"/>
                 <a:cs typeface="Segoe UI Light" panose="020B0502040204020203" pitchFamily="34" charset="0"/>
               </a:rPr>
-              <a:t>Population</a:t>
+              <a:t>Environment</a:t>
             </a:r>
           </a:p>
         </p:txBody>
       </p:sp>
       <p:pic>
         <p:nvPicPr>
-          <p:cNvPr id="23" name="Grafik 22">
-            <a:extLst>
-              <a:ext uri="{FF2B5EF4-FFF2-40B4-BE49-F238E27FC236}">
-                <a16:creationId xmlns:a16="http://schemas.microsoft.com/office/drawing/2014/main" id="{4F66B2D8-6D8F-45A5-9111-1AE2D7C0F09A}"/>
+          <p:cNvPr id="35" name="Grafik 34">
+            <a:extLst>
+              <a:ext uri="{FF2B5EF4-FFF2-40B4-BE49-F238E27FC236}">
+                <a16:creationId xmlns:a16="http://schemas.microsoft.com/office/drawing/2014/main" id="{2AB523F6-55C0-44FC-92F7-73EF1B4DAA73}"/>
               </a:ext>
             </a:extLst>
           </p:cNvPr>
@@ -4463,7 +4616,7 @@
           <p:nvPr/>
         </p:nvPicPr>
         <p:blipFill>
-          <a:blip r:embed="rId11">
+          <a:blip r:embed="rId13">
             <a:extLst>
               <a:ext uri="{28A0092B-C50C-407E-A947-70E740481C1C}">
                 <a14:useLocalDpi xmlns:a14="http://schemas.microsoft.com/office/drawing/2010/main" val="0"/>
@@ -4476,7 +4629,7 @@
         </p:blipFill>
         <p:spPr>
           <a:xfrm>
-            <a:off x="4568953" y="4709554"/>
+            <a:off x="2478153" y="5598484"/>
             <a:ext cx="468000" cy="468000"/>
           </a:xfrm>
           <a:prstGeom prst="rect">
@@ -4486,10 +4639,10 @@
       </p:pic>
       <p:sp>
         <p:nvSpPr>
-          <p:cNvPr id="44" name="Textfeld 43">
-            <a:extLst>
-              <a:ext uri="{FF2B5EF4-FFF2-40B4-BE49-F238E27FC236}">
-                <a16:creationId xmlns:a16="http://schemas.microsoft.com/office/drawing/2014/main" id="{0F35411B-4874-416F-A88C-0282D00FEA12}"/>
+          <p:cNvPr id="48" name="Textfeld 47">
+            <a:extLst>
+              <a:ext uri="{FF2B5EF4-FFF2-40B4-BE49-F238E27FC236}">
+                <a16:creationId xmlns:a16="http://schemas.microsoft.com/office/drawing/2014/main" id="{6C14096D-006D-40E2-A259-384BBBEFC748}"/>
               </a:ext>
             </a:extLst>
           </p:cNvPr>
@@ -4498,8 +4651,8 @@
         </p:nvSpPr>
         <p:spPr>
           <a:xfrm>
-            <a:off x="4187484" y="5195466"/>
-            <a:ext cx="1230938" cy="307777"/>
+            <a:off x="2225547" y="6030684"/>
+            <a:ext cx="973212" cy="307777"/>
           </a:xfrm>
           <a:prstGeom prst="rect">
             <a:avLst/>
@@ -4518,17 +4671,17 @@
                 <a:latin typeface="Segoe UI Light" panose="020B0502040204020203" pitchFamily="34" charset="0"/>
                 <a:cs typeface="Segoe UI Light" panose="020B0502040204020203" pitchFamily="34" charset="0"/>
               </a:rPr>
-              <a:t>Infrastructure</a:t>
+              <a:t>Education</a:t>
             </a:r>
           </a:p>
         </p:txBody>
       </p:sp>
       <p:pic>
         <p:nvPicPr>
-          <p:cNvPr id="27" name="Grafik 26">
-            <a:extLst>
-              <a:ext uri="{FF2B5EF4-FFF2-40B4-BE49-F238E27FC236}">
-                <a16:creationId xmlns:a16="http://schemas.microsoft.com/office/drawing/2014/main" id="{17565774-F0C1-42F6-808B-211A39D3B916}"/>
+          <p:cNvPr id="50" name="Grafik 49">
+            <a:extLst>
+              <a:ext uri="{FF2B5EF4-FFF2-40B4-BE49-F238E27FC236}">
+                <a16:creationId xmlns:a16="http://schemas.microsoft.com/office/drawing/2014/main" id="{23D114B9-EC65-4094-B439-75EFDD11F9A9}"/>
               </a:ext>
             </a:extLst>
           </p:cNvPr>
@@ -4538,7 +4691,7 @@
           <p:nvPr/>
         </p:nvPicPr>
         <p:blipFill>
-          <a:blip r:embed="rId12">
+          <a:blip r:embed="rId14">
             <a:extLst>
               <a:ext uri="{28A0092B-C50C-407E-A947-70E740481C1C}">
                 <a14:useLocalDpi xmlns:a14="http://schemas.microsoft.com/office/drawing/2010/main" val="0"/>
@@ -4551,7 +4704,7 @@
         </p:blipFill>
         <p:spPr>
           <a:xfrm>
-            <a:off x="1471894" y="5598484"/>
+            <a:off x="3522512" y="5598484"/>
             <a:ext cx="468000" cy="468000"/>
           </a:xfrm>
           <a:prstGeom prst="rect">
@@ -4561,10 +4714,10 @@
       </p:pic>
       <p:sp>
         <p:nvSpPr>
-          <p:cNvPr id="46" name="Textfeld 45">
-            <a:extLst>
-              <a:ext uri="{FF2B5EF4-FFF2-40B4-BE49-F238E27FC236}">
-                <a16:creationId xmlns:a16="http://schemas.microsoft.com/office/drawing/2014/main" id="{9A2366D0-7D3B-4A3D-B0F1-055C0120D3B4}"/>
+          <p:cNvPr id="51" name="Textfeld 50">
+            <a:extLst>
+              <a:ext uri="{FF2B5EF4-FFF2-40B4-BE49-F238E27FC236}">
+                <a16:creationId xmlns:a16="http://schemas.microsoft.com/office/drawing/2014/main" id="{56668B34-3AA5-4AC1-B6D0-9B49068216B6}"/>
               </a:ext>
             </a:extLst>
           </p:cNvPr>
@@ -4573,8 +4726,8 @@
         </p:nvSpPr>
         <p:spPr>
           <a:xfrm>
-            <a:off x="1090124" y="6037218"/>
-            <a:ext cx="1230938" cy="307777"/>
+            <a:off x="3228538" y="6033339"/>
+            <a:ext cx="1047500" cy="307777"/>
           </a:xfrm>
           <a:prstGeom prst="rect">
             <a:avLst/>
@@ -4593,17 +4746,17 @@
                 <a:latin typeface="Segoe UI Light" panose="020B0502040204020203" pitchFamily="34" charset="0"/>
                 <a:cs typeface="Segoe UI Light" panose="020B0502040204020203" pitchFamily="34" charset="0"/>
               </a:rPr>
-              <a:t>Environment</a:t>
+              <a:t>Economy</a:t>
             </a:r>
           </a:p>
         </p:txBody>
       </p:sp>
       <p:pic>
         <p:nvPicPr>
-          <p:cNvPr id="35" name="Grafik 34">
-            <a:extLst>
-              <a:ext uri="{FF2B5EF4-FFF2-40B4-BE49-F238E27FC236}">
-                <a16:creationId xmlns:a16="http://schemas.microsoft.com/office/drawing/2014/main" id="{2AB523F6-55C0-44FC-92F7-73EF1B4DAA73}"/>
+          <p:cNvPr id="53" name="Grafik 52">
+            <a:extLst>
+              <a:ext uri="{FF2B5EF4-FFF2-40B4-BE49-F238E27FC236}">
+                <a16:creationId xmlns:a16="http://schemas.microsoft.com/office/drawing/2014/main" id="{F4A92F58-5F70-4B6C-9BB7-82E8818B7E85}"/>
               </a:ext>
             </a:extLst>
           </p:cNvPr>
@@ -4613,7 +4766,7 @@
           <p:nvPr/>
         </p:nvPicPr>
         <p:blipFill>
-          <a:blip r:embed="rId13">
+          <a:blip r:embed="rId15">
             <a:extLst>
               <a:ext uri="{28A0092B-C50C-407E-A947-70E740481C1C}">
                 <a14:useLocalDpi xmlns:a14="http://schemas.microsoft.com/office/drawing/2010/main" val="0"/>
@@ -4626,7 +4779,7 @@
         </p:blipFill>
         <p:spPr>
           <a:xfrm>
-            <a:off x="2478153" y="5598484"/>
+            <a:off x="4566871" y="5598484"/>
             <a:ext cx="468000" cy="468000"/>
           </a:xfrm>
           <a:prstGeom prst="rect">
@@ -4636,10 +4789,10 @@
       </p:pic>
       <p:sp>
         <p:nvSpPr>
-          <p:cNvPr id="48" name="Textfeld 47">
-            <a:extLst>
-              <a:ext uri="{FF2B5EF4-FFF2-40B4-BE49-F238E27FC236}">
-                <a16:creationId xmlns:a16="http://schemas.microsoft.com/office/drawing/2014/main" id="{6C14096D-006D-40E2-A259-384BBBEFC748}"/>
+          <p:cNvPr id="54" name="Textfeld 53">
+            <a:extLst>
+              <a:ext uri="{FF2B5EF4-FFF2-40B4-BE49-F238E27FC236}">
+                <a16:creationId xmlns:a16="http://schemas.microsoft.com/office/drawing/2014/main" id="{11181380-77BB-4FDF-AB5D-6ED36AFEE862}"/>
               </a:ext>
             </a:extLst>
           </p:cNvPr>
@@ -4648,8 +4801,8 @@
         </p:nvSpPr>
         <p:spPr>
           <a:xfrm>
-            <a:off x="2225547" y="6030684"/>
-            <a:ext cx="973212" cy="307777"/>
+            <a:off x="4317748" y="6041187"/>
+            <a:ext cx="965368" cy="307777"/>
           </a:xfrm>
           <a:prstGeom prst="rect">
             <a:avLst/>
@@ -4668,17 +4821,269 @@
                 <a:latin typeface="Segoe UI Light" panose="020B0502040204020203" pitchFamily="34" charset="0"/>
                 <a:cs typeface="Segoe UI Light" panose="020B0502040204020203" pitchFamily="34" charset="0"/>
               </a:rPr>
-              <a:t>Education</a:t>
-            </a:r>
+              <a:t>Politics</a:t>
+            </a:r>
+          </a:p>
+        </p:txBody>
+      </p:sp>
+      <p:sp>
+        <p:nvSpPr>
+          <p:cNvPr id="55" name="Textfeld 54">
+            <a:extLst>
+              <a:ext uri="{FF2B5EF4-FFF2-40B4-BE49-F238E27FC236}">
+                <a16:creationId xmlns:a16="http://schemas.microsoft.com/office/drawing/2014/main" id="{FD7864BE-EC92-4B34-981D-BDD811868612}"/>
+              </a:ext>
+            </a:extLst>
+          </p:cNvPr>
+          <p:cNvSpPr txBox="1"/>
+          <p:nvPr/>
+        </p:nvSpPr>
+        <p:spPr>
+          <a:xfrm>
+            <a:off x="1089090" y="4319717"/>
+            <a:ext cx="1170101" cy="338554"/>
+          </a:xfrm>
+          <a:prstGeom prst="rect">
+            <a:avLst/>
+          </a:prstGeom>
+          <a:noFill/>
+        </p:spPr>
+        <p:txBody>
+          <a:bodyPr wrap="square" rtlCol="0">
+            <a:spAutoFit/>
+          </a:bodyPr>
+          <a:lstStyle/>
+          <a:p>
+            <a:r>
+              <a:rPr lang="en-GB" sz="1600" b="1" dirty="0">
+                <a:latin typeface="Segoe UI Light" panose="020B0502040204020203" pitchFamily="34" charset="0"/>
+                <a:cs typeface="Segoe UI Light" panose="020B0502040204020203" pitchFamily="34" charset="0"/>
+              </a:rPr>
+              <a:t>Variables</a:t>
+            </a:r>
+            <a:endParaRPr lang="en-GB" b="1" dirty="0">
+              <a:latin typeface="Segoe UI Light" panose="020B0502040204020203" pitchFamily="34" charset="0"/>
+              <a:cs typeface="Segoe UI Light" panose="020B0502040204020203" pitchFamily="34" charset="0"/>
+            </a:endParaRPr>
+          </a:p>
+        </p:txBody>
+      </p:sp>
+      <p:sp>
+        <p:nvSpPr>
+          <p:cNvPr id="66" name="Textfeld 65">
+            <a:extLst>
+              <a:ext uri="{FF2B5EF4-FFF2-40B4-BE49-F238E27FC236}">
+                <a16:creationId xmlns:a16="http://schemas.microsoft.com/office/drawing/2014/main" id="{74A0C1E6-4CEF-4939-B100-C6B355EF2D59}"/>
+              </a:ext>
+            </a:extLst>
+          </p:cNvPr>
+          <p:cNvSpPr txBox="1"/>
+          <p:nvPr/>
+        </p:nvSpPr>
+        <p:spPr>
+          <a:xfrm>
+            <a:off x="1066527" y="6485554"/>
+            <a:ext cx="2340635" cy="338554"/>
+          </a:xfrm>
+          <a:prstGeom prst="rect">
+            <a:avLst/>
+          </a:prstGeom>
+          <a:noFill/>
+        </p:spPr>
+        <p:txBody>
+          <a:bodyPr wrap="square" rtlCol="0">
+            <a:spAutoFit/>
+          </a:bodyPr>
+          <a:lstStyle/>
+          <a:p>
+            <a:r>
+              <a:rPr lang="en-GB" sz="1600" b="1" dirty="0">
+                <a:latin typeface="Segoe UI Light" panose="020B0502040204020203" pitchFamily="34" charset="0"/>
+                <a:cs typeface="Segoe UI Light" panose="020B0502040204020203" pitchFamily="34" charset="0"/>
+              </a:rPr>
+              <a:t>Data Pre-processing</a:t>
+            </a:r>
+          </a:p>
+        </p:txBody>
+      </p:sp>
+      <p:sp>
+        <p:nvSpPr>
+          <p:cNvPr id="70" name="Textfeld 69">
+            <a:extLst>
+              <a:ext uri="{FF2B5EF4-FFF2-40B4-BE49-F238E27FC236}">
+                <a16:creationId xmlns:a16="http://schemas.microsoft.com/office/drawing/2014/main" id="{C09A3853-3912-444D-89AD-A9B50E597ED4}"/>
+              </a:ext>
+            </a:extLst>
+          </p:cNvPr>
+          <p:cNvSpPr txBox="1"/>
+          <p:nvPr/>
+        </p:nvSpPr>
+        <p:spPr>
+          <a:xfrm>
+            <a:off x="5588181" y="4319717"/>
+            <a:ext cx="2188927" cy="2554545"/>
+          </a:xfrm>
+          <a:prstGeom prst="rect">
+            <a:avLst/>
+          </a:prstGeom>
+          <a:noFill/>
+        </p:spPr>
+        <p:txBody>
+          <a:bodyPr wrap="square" rtlCol="0">
+            <a:spAutoFit/>
+          </a:bodyPr>
+          <a:lstStyle/>
+          <a:p>
+            <a:r>
+              <a:rPr lang="en-GB" sz="1600" b="1" dirty="0">
+                <a:latin typeface="Segoe UI Light" panose="020B0502040204020203" pitchFamily="34" charset="0"/>
+                <a:cs typeface="Segoe UI Light" panose="020B0502040204020203" pitchFamily="34" charset="0"/>
+              </a:rPr>
+              <a:t>World Happiness Rank</a:t>
+            </a:r>
+          </a:p>
+          <a:p>
+            <a:endParaRPr lang="en-GB" sz="1000" b="1" dirty="0">
+              <a:latin typeface="Segoe UI Light" panose="020B0502040204020203" pitchFamily="34" charset="0"/>
+              <a:cs typeface="Segoe UI Light" panose="020B0502040204020203" pitchFamily="34" charset="0"/>
+            </a:endParaRPr>
+          </a:p>
+          <a:p>
+            <a:r>
+              <a:rPr lang="en-GB" sz="1400" dirty="0">
+                <a:latin typeface="Segoe UI Light" panose="020B0502040204020203" pitchFamily="34" charset="0"/>
+                <a:cs typeface="Segoe UI Light" panose="020B0502040204020203" pitchFamily="34" charset="0"/>
+              </a:rPr>
+              <a:t>      Switzerland</a:t>
+            </a:r>
+          </a:p>
+          <a:p>
+            <a:r>
+              <a:rPr lang="en-GB" sz="1400" dirty="0">
+                <a:latin typeface="Segoe UI Light" panose="020B0502040204020203" pitchFamily="34" charset="0"/>
+                <a:cs typeface="Segoe UI Light" panose="020B0502040204020203" pitchFamily="34" charset="0"/>
+              </a:rPr>
+              <a:t>      Iceland</a:t>
+            </a:r>
+          </a:p>
+          <a:p>
+            <a:r>
+              <a:rPr lang="en-GB" sz="1400" dirty="0">
+                <a:latin typeface="Segoe UI Light" panose="020B0502040204020203" pitchFamily="34" charset="0"/>
+                <a:cs typeface="Segoe UI Light" panose="020B0502040204020203" pitchFamily="34" charset="0"/>
+              </a:rPr>
+              <a:t>      Denmark</a:t>
+            </a:r>
+          </a:p>
+          <a:p>
+            <a:r>
+              <a:rPr lang="en-GB" sz="1400" dirty="0">
+                <a:latin typeface="Segoe UI Light" panose="020B0502040204020203" pitchFamily="34" charset="0"/>
+                <a:cs typeface="Segoe UI Light" panose="020B0502040204020203" pitchFamily="34" charset="0"/>
+              </a:rPr>
+              <a:t>      …</a:t>
+            </a:r>
+          </a:p>
+          <a:p>
+            <a:r>
+              <a:rPr lang="en-GB" sz="1400" dirty="0">
+                <a:latin typeface="Segoe UI Light" panose="020B0502040204020203" pitchFamily="34" charset="0"/>
+                <a:cs typeface="Segoe UI Light" panose="020B0502040204020203" pitchFamily="34" charset="0"/>
+              </a:rPr>
+              <a:t>      Benin</a:t>
+            </a:r>
+          </a:p>
+          <a:p>
+            <a:r>
+              <a:rPr lang="en-GB" sz="1400" dirty="0">
+                <a:latin typeface="Segoe UI Light" panose="020B0502040204020203" pitchFamily="34" charset="0"/>
+                <a:cs typeface="Segoe UI Light" panose="020B0502040204020203" pitchFamily="34" charset="0"/>
+              </a:rPr>
+              <a:t>      Syria</a:t>
+            </a:r>
+          </a:p>
+          <a:p>
+            <a:r>
+              <a:rPr lang="en-GB" sz="1400" dirty="0">
+                <a:latin typeface="Segoe UI Light" panose="020B0502040204020203" pitchFamily="34" charset="0"/>
+                <a:cs typeface="Segoe UI Light" panose="020B0502040204020203" pitchFamily="34" charset="0"/>
+              </a:rPr>
+              <a:t>      Togo</a:t>
+            </a:r>
+          </a:p>
+          <a:p>
+            <a:endParaRPr lang="en-GB" dirty="0">
+              <a:latin typeface="Segoe UI Light" panose="020B0502040204020203" pitchFamily="34" charset="0"/>
+              <a:cs typeface="Segoe UI Light" panose="020B0502040204020203" pitchFamily="34" charset="0"/>
+            </a:endParaRPr>
+          </a:p>
+          <a:p>
+            <a:endParaRPr lang="en-GB" b="1" dirty="0">
+              <a:latin typeface="Segoe UI Light" panose="020B0502040204020203" pitchFamily="34" charset="0"/>
+              <a:cs typeface="Segoe UI Light" panose="020B0502040204020203" pitchFamily="34" charset="0"/>
+            </a:endParaRPr>
+          </a:p>
+        </p:txBody>
+      </p:sp>
+      <p:sp>
+        <p:nvSpPr>
+          <p:cNvPr id="71" name="Textfeld 70">
+            <a:extLst>
+              <a:ext uri="{FF2B5EF4-FFF2-40B4-BE49-F238E27FC236}">
+                <a16:creationId xmlns:a16="http://schemas.microsoft.com/office/drawing/2014/main" id="{85096C5C-A0D7-4B11-9DB7-9B2C9650AB29}"/>
+              </a:ext>
+            </a:extLst>
+          </p:cNvPr>
+          <p:cNvSpPr txBox="1"/>
+          <p:nvPr/>
+        </p:nvSpPr>
+        <p:spPr>
+          <a:xfrm>
+            <a:off x="6966916" y="4709637"/>
+            <a:ext cx="7541967" cy="1384995"/>
+          </a:xfrm>
+          <a:prstGeom prst="rect">
+            <a:avLst/>
+          </a:prstGeom>
+          <a:noFill/>
+        </p:spPr>
+        <p:txBody>
+          <a:bodyPr wrap="square" rtlCol="0">
+            <a:spAutoFit/>
+          </a:bodyPr>
+          <a:lstStyle/>
+          <a:p>
+            <a:pPr algn="just"/>
+            <a:r>
+              <a:rPr lang="en-GB" sz="1400" dirty="0">
+                <a:latin typeface="Segoe UI Light" panose="020B0502040204020203" pitchFamily="34" charset="0"/>
+                <a:cs typeface="Segoe UI Light" panose="020B0502040204020203" pitchFamily="34" charset="0"/>
+              </a:rPr>
+              <a:t>The worlds happiest countries are Switzerland, Iceland and Denmark. The variables that are the most contributing to this result is high quality of Family Life, Health Life Expectancy and Freedom. The least happy countries are Benin, Syria and Togo. The variables indicating their happiness are Economy, Family and Automotive Mortality. </a:t>
+            </a:r>
+          </a:p>
+          <a:p>
+            <a:pPr algn="just"/>
+            <a:r>
+              <a:rPr lang="en-GB" sz="1400" dirty="0">
+                <a:latin typeface="Segoe UI Light" panose="020B0502040204020203" pitchFamily="34" charset="0"/>
+                <a:cs typeface="Segoe UI Light" panose="020B0502040204020203" pitchFamily="34" charset="0"/>
+              </a:rPr>
+              <a:t>In general the people living in the countries of Western Europe and America tend to be happier than the people living in Afrika and Asia.</a:t>
+            </a:r>
+            <a:endParaRPr lang="en-GB" b="1" dirty="0">
+              <a:latin typeface="Segoe UI Light" panose="020B0502040204020203" pitchFamily="34" charset="0"/>
+              <a:cs typeface="Segoe UI Light" panose="020B0502040204020203" pitchFamily="34" charset="0"/>
+            </a:endParaRPr>
           </a:p>
         </p:txBody>
       </p:sp>
       <p:pic>
         <p:nvPicPr>
-          <p:cNvPr id="50" name="Grafik 49">
-            <a:extLst>
-              <a:ext uri="{FF2B5EF4-FFF2-40B4-BE49-F238E27FC236}">
-                <a16:creationId xmlns:a16="http://schemas.microsoft.com/office/drawing/2014/main" id="{23D114B9-EC65-4094-B439-75EFDD11F9A9}"/>
+          <p:cNvPr id="74" name="Grafik 73">
+            <a:extLst>
+              <a:ext uri="{FF2B5EF4-FFF2-40B4-BE49-F238E27FC236}">
+                <a16:creationId xmlns:a16="http://schemas.microsoft.com/office/drawing/2014/main" id="{2C75AF1F-5CEB-4A39-859B-B770DC653AC9}"/>
               </a:ext>
             </a:extLst>
           </p:cNvPr>
@@ -4688,7 +5093,7 @@
           <p:nvPr/>
         </p:nvPicPr>
         <p:blipFill>
-          <a:blip r:embed="rId14">
+          <a:blip r:embed="rId16">
             <a:extLst>
               <a:ext uri="{28A0092B-C50C-407E-A947-70E740481C1C}">
                 <a14:useLocalDpi xmlns:a14="http://schemas.microsoft.com/office/drawing/2010/main" val="0"/>
@@ -4701,59 +5106,20 @@
         </p:blipFill>
         <p:spPr>
           <a:xfrm>
-            <a:off x="3522512" y="5598484"/>
-            <a:ext cx="468000" cy="468000"/>
+            <a:off x="5722173" y="4778826"/>
+            <a:ext cx="162000" cy="162000"/>
           </a:xfrm>
           <a:prstGeom prst="rect">
             <a:avLst/>
           </a:prstGeom>
         </p:spPr>
       </p:pic>
-      <p:sp>
-        <p:nvSpPr>
-          <p:cNvPr id="51" name="Textfeld 50">
-            <a:extLst>
-              <a:ext uri="{FF2B5EF4-FFF2-40B4-BE49-F238E27FC236}">
-                <a16:creationId xmlns:a16="http://schemas.microsoft.com/office/drawing/2014/main" id="{56668B34-3AA5-4AC1-B6D0-9B49068216B6}"/>
-              </a:ext>
-            </a:extLst>
-          </p:cNvPr>
-          <p:cNvSpPr txBox="1"/>
-          <p:nvPr/>
-        </p:nvSpPr>
-        <p:spPr>
-          <a:xfrm>
-            <a:off x="3228538" y="6033339"/>
-            <a:ext cx="1047500" cy="307777"/>
-          </a:xfrm>
-          <a:prstGeom prst="rect">
-            <a:avLst/>
-          </a:prstGeom>
-          <a:noFill/>
-        </p:spPr>
-        <p:txBody>
-          <a:bodyPr wrap="square" rtlCol="0">
-            <a:spAutoFit/>
-          </a:bodyPr>
-          <a:lstStyle/>
-          <a:p>
-            <a:pPr algn="ctr"/>
-            <a:r>
-              <a:rPr lang="en-GB" sz="1400" dirty="0">
-                <a:latin typeface="Segoe UI Light" panose="020B0502040204020203" pitchFamily="34" charset="0"/>
-                <a:cs typeface="Segoe UI Light" panose="020B0502040204020203" pitchFamily="34" charset="0"/>
-              </a:rPr>
-              <a:t>Economy</a:t>
-            </a:r>
-          </a:p>
-        </p:txBody>
-      </p:sp>
       <p:pic>
         <p:nvPicPr>
-          <p:cNvPr id="53" name="Grafik 52">
-            <a:extLst>
-              <a:ext uri="{FF2B5EF4-FFF2-40B4-BE49-F238E27FC236}">
-                <a16:creationId xmlns:a16="http://schemas.microsoft.com/office/drawing/2014/main" id="{F4A92F58-5F70-4B6C-9BB7-82E8818B7E85}"/>
+          <p:cNvPr id="77" name="Grafik 76">
+            <a:extLst>
+              <a:ext uri="{FF2B5EF4-FFF2-40B4-BE49-F238E27FC236}">
+                <a16:creationId xmlns:a16="http://schemas.microsoft.com/office/drawing/2014/main" id="{712A983A-EA50-4904-9A6C-F5AB858A94F4}"/>
               </a:ext>
             </a:extLst>
           </p:cNvPr>
@@ -4763,7 +5129,7 @@
           <p:nvPr/>
         </p:nvPicPr>
         <p:blipFill>
-          <a:blip r:embed="rId15">
+          <a:blip r:embed="rId17">
             <a:extLst>
               <a:ext uri="{28A0092B-C50C-407E-A947-70E740481C1C}">
                 <a14:useLocalDpi xmlns:a14="http://schemas.microsoft.com/office/drawing/2010/main" val="0"/>
@@ -4776,311 +5142,20 @@
         </p:blipFill>
         <p:spPr>
           <a:xfrm>
-            <a:off x="4566871" y="5598484"/>
-            <a:ext cx="468000" cy="468000"/>
+            <a:off x="5722173" y="5002319"/>
+            <a:ext cx="162000" cy="162000"/>
           </a:xfrm>
           <a:prstGeom prst="rect">
             <a:avLst/>
           </a:prstGeom>
         </p:spPr>
       </p:pic>
-      <p:sp>
-        <p:nvSpPr>
-          <p:cNvPr id="54" name="Textfeld 53">
-            <a:extLst>
-              <a:ext uri="{FF2B5EF4-FFF2-40B4-BE49-F238E27FC236}">
-                <a16:creationId xmlns:a16="http://schemas.microsoft.com/office/drawing/2014/main" id="{11181380-77BB-4FDF-AB5D-6ED36AFEE862}"/>
-              </a:ext>
-            </a:extLst>
-          </p:cNvPr>
-          <p:cNvSpPr txBox="1"/>
-          <p:nvPr/>
-        </p:nvSpPr>
-        <p:spPr>
-          <a:xfrm>
-            <a:off x="4317748" y="6041187"/>
-            <a:ext cx="965368" cy="307777"/>
-          </a:xfrm>
-          <a:prstGeom prst="rect">
-            <a:avLst/>
-          </a:prstGeom>
-          <a:noFill/>
-        </p:spPr>
-        <p:txBody>
-          <a:bodyPr wrap="square" rtlCol="0">
-            <a:spAutoFit/>
-          </a:bodyPr>
-          <a:lstStyle/>
-          <a:p>
-            <a:pPr algn="ctr"/>
-            <a:r>
-              <a:rPr lang="en-GB" sz="1400" dirty="0">
-                <a:latin typeface="Segoe UI Light" panose="020B0502040204020203" pitchFamily="34" charset="0"/>
-                <a:cs typeface="Segoe UI Light" panose="020B0502040204020203" pitchFamily="34" charset="0"/>
-              </a:rPr>
-              <a:t>Politics</a:t>
-            </a:r>
-          </a:p>
-        </p:txBody>
-      </p:sp>
-      <p:sp>
-        <p:nvSpPr>
-          <p:cNvPr id="55" name="Textfeld 54">
-            <a:extLst>
-              <a:ext uri="{FF2B5EF4-FFF2-40B4-BE49-F238E27FC236}">
-                <a16:creationId xmlns:a16="http://schemas.microsoft.com/office/drawing/2014/main" id="{FD7864BE-EC92-4B34-981D-BDD811868612}"/>
-              </a:ext>
-            </a:extLst>
-          </p:cNvPr>
-          <p:cNvSpPr txBox="1"/>
-          <p:nvPr/>
-        </p:nvSpPr>
-        <p:spPr>
-          <a:xfrm>
-            <a:off x="1089090" y="4319717"/>
-            <a:ext cx="1170101" cy="338554"/>
-          </a:xfrm>
-          <a:prstGeom prst="rect">
-            <a:avLst/>
-          </a:prstGeom>
-          <a:noFill/>
-        </p:spPr>
-        <p:txBody>
-          <a:bodyPr wrap="square" rtlCol="0">
-            <a:spAutoFit/>
-          </a:bodyPr>
-          <a:lstStyle/>
-          <a:p>
-            <a:r>
-              <a:rPr lang="en-GB" sz="1600" b="1" dirty="0">
-                <a:latin typeface="Segoe UI Light" panose="020B0502040204020203" pitchFamily="34" charset="0"/>
-                <a:cs typeface="Segoe UI Light" panose="020B0502040204020203" pitchFamily="34" charset="0"/>
-              </a:rPr>
-              <a:t>Variables</a:t>
-            </a:r>
-            <a:endParaRPr lang="en-GB" b="1" dirty="0">
-              <a:latin typeface="Segoe UI Light" panose="020B0502040204020203" pitchFamily="34" charset="0"/>
-              <a:cs typeface="Segoe UI Light" panose="020B0502040204020203" pitchFamily="34" charset="0"/>
-            </a:endParaRPr>
-          </a:p>
-        </p:txBody>
-      </p:sp>
-      <p:sp>
-        <p:nvSpPr>
-          <p:cNvPr id="66" name="Textfeld 65">
-            <a:extLst>
-              <a:ext uri="{FF2B5EF4-FFF2-40B4-BE49-F238E27FC236}">
-                <a16:creationId xmlns:a16="http://schemas.microsoft.com/office/drawing/2014/main" id="{74A0C1E6-4CEF-4939-B100-C6B355EF2D59}"/>
-              </a:ext>
-            </a:extLst>
-          </p:cNvPr>
-          <p:cNvSpPr txBox="1"/>
-          <p:nvPr/>
-        </p:nvSpPr>
-        <p:spPr>
-          <a:xfrm>
-            <a:off x="1066527" y="6485554"/>
-            <a:ext cx="2340635" cy="338554"/>
-          </a:xfrm>
-          <a:prstGeom prst="rect">
-            <a:avLst/>
-          </a:prstGeom>
-          <a:noFill/>
-        </p:spPr>
-        <p:txBody>
-          <a:bodyPr wrap="square" rtlCol="0">
-            <a:spAutoFit/>
-          </a:bodyPr>
-          <a:lstStyle/>
-          <a:p>
-            <a:r>
-              <a:rPr lang="en-GB" sz="1600" b="1" dirty="0">
-                <a:latin typeface="Segoe UI Light" panose="020B0502040204020203" pitchFamily="34" charset="0"/>
-                <a:cs typeface="Segoe UI Light" panose="020B0502040204020203" pitchFamily="34" charset="0"/>
-              </a:rPr>
-              <a:t>Data Pre-processing</a:t>
-            </a:r>
-          </a:p>
-        </p:txBody>
-      </p:sp>
-      <p:sp>
-        <p:nvSpPr>
-          <p:cNvPr id="70" name="Textfeld 69">
-            <a:extLst>
-              <a:ext uri="{FF2B5EF4-FFF2-40B4-BE49-F238E27FC236}">
-                <a16:creationId xmlns:a16="http://schemas.microsoft.com/office/drawing/2014/main" id="{C09A3853-3912-444D-89AD-A9B50E597ED4}"/>
-              </a:ext>
-            </a:extLst>
-          </p:cNvPr>
-          <p:cNvSpPr txBox="1"/>
-          <p:nvPr/>
-        </p:nvSpPr>
-        <p:spPr>
-          <a:xfrm>
-            <a:off x="5984421" y="4319717"/>
-            <a:ext cx="2188927" cy="2554545"/>
-          </a:xfrm>
-          <a:prstGeom prst="rect">
-            <a:avLst/>
-          </a:prstGeom>
-          <a:noFill/>
-        </p:spPr>
-        <p:txBody>
-          <a:bodyPr wrap="square" rtlCol="0">
-            <a:spAutoFit/>
-          </a:bodyPr>
-          <a:lstStyle/>
-          <a:p>
-            <a:r>
-              <a:rPr lang="en-GB" sz="1600" b="1" dirty="0">
-                <a:latin typeface="Segoe UI Light" panose="020B0502040204020203" pitchFamily="34" charset="0"/>
-                <a:cs typeface="Segoe UI Light" panose="020B0502040204020203" pitchFamily="34" charset="0"/>
-              </a:rPr>
-              <a:t>World Happiness Rank</a:t>
-            </a:r>
-          </a:p>
-          <a:p>
-            <a:endParaRPr lang="en-GB" sz="1000" b="1" dirty="0">
-              <a:latin typeface="Segoe UI Light" panose="020B0502040204020203" pitchFamily="34" charset="0"/>
-              <a:cs typeface="Segoe UI Light" panose="020B0502040204020203" pitchFamily="34" charset="0"/>
-            </a:endParaRPr>
-          </a:p>
-          <a:p>
-            <a:r>
-              <a:rPr lang="en-GB" sz="1400" dirty="0">
-                <a:latin typeface="Segoe UI Light" panose="020B0502040204020203" pitchFamily="34" charset="0"/>
-                <a:cs typeface="Segoe UI Light" panose="020B0502040204020203" pitchFamily="34" charset="0"/>
-              </a:rPr>
-              <a:t>      Switzerland</a:t>
-            </a:r>
-          </a:p>
-          <a:p>
-            <a:r>
-              <a:rPr lang="en-GB" sz="1400" dirty="0">
-                <a:latin typeface="Segoe UI Light" panose="020B0502040204020203" pitchFamily="34" charset="0"/>
-                <a:cs typeface="Segoe UI Light" panose="020B0502040204020203" pitchFamily="34" charset="0"/>
-              </a:rPr>
-              <a:t>      Iceland</a:t>
-            </a:r>
-          </a:p>
-          <a:p>
-            <a:r>
-              <a:rPr lang="en-GB" sz="1400" dirty="0">
-                <a:latin typeface="Segoe UI Light" panose="020B0502040204020203" pitchFamily="34" charset="0"/>
-                <a:cs typeface="Segoe UI Light" panose="020B0502040204020203" pitchFamily="34" charset="0"/>
-              </a:rPr>
-              <a:t>      Denmark</a:t>
-            </a:r>
-          </a:p>
-          <a:p>
-            <a:r>
-              <a:rPr lang="en-GB" sz="1400" dirty="0">
-                <a:latin typeface="Segoe UI Light" panose="020B0502040204020203" pitchFamily="34" charset="0"/>
-                <a:cs typeface="Segoe UI Light" panose="020B0502040204020203" pitchFamily="34" charset="0"/>
-              </a:rPr>
-              <a:t>      …</a:t>
-            </a:r>
-          </a:p>
-          <a:p>
-            <a:r>
-              <a:rPr lang="en-GB" sz="1400" dirty="0">
-                <a:latin typeface="Segoe UI Light" panose="020B0502040204020203" pitchFamily="34" charset="0"/>
-                <a:cs typeface="Segoe UI Light" panose="020B0502040204020203" pitchFamily="34" charset="0"/>
-              </a:rPr>
-              <a:t>      Benin</a:t>
-            </a:r>
-          </a:p>
-          <a:p>
-            <a:r>
-              <a:rPr lang="en-GB" sz="1400" dirty="0">
-                <a:latin typeface="Segoe UI Light" panose="020B0502040204020203" pitchFamily="34" charset="0"/>
-                <a:cs typeface="Segoe UI Light" panose="020B0502040204020203" pitchFamily="34" charset="0"/>
-              </a:rPr>
-              <a:t>      Syria</a:t>
-            </a:r>
-          </a:p>
-          <a:p>
-            <a:r>
-              <a:rPr lang="en-GB" sz="1400" dirty="0">
-                <a:latin typeface="Segoe UI Light" panose="020B0502040204020203" pitchFamily="34" charset="0"/>
-                <a:cs typeface="Segoe UI Light" panose="020B0502040204020203" pitchFamily="34" charset="0"/>
-              </a:rPr>
-              <a:t>      Togo</a:t>
-            </a:r>
-          </a:p>
-          <a:p>
-            <a:endParaRPr lang="en-GB" dirty="0">
-              <a:latin typeface="Segoe UI Light" panose="020B0502040204020203" pitchFamily="34" charset="0"/>
-              <a:cs typeface="Segoe UI Light" panose="020B0502040204020203" pitchFamily="34" charset="0"/>
-            </a:endParaRPr>
-          </a:p>
-          <a:p>
-            <a:endParaRPr lang="en-GB" b="1" dirty="0">
-              <a:latin typeface="Segoe UI Light" panose="020B0502040204020203" pitchFamily="34" charset="0"/>
-              <a:cs typeface="Segoe UI Light" panose="020B0502040204020203" pitchFamily="34" charset="0"/>
-            </a:endParaRPr>
-          </a:p>
-        </p:txBody>
-      </p:sp>
-      <p:sp>
-        <p:nvSpPr>
-          <p:cNvPr id="71" name="Textfeld 70">
-            <a:extLst>
-              <a:ext uri="{FF2B5EF4-FFF2-40B4-BE49-F238E27FC236}">
-                <a16:creationId xmlns:a16="http://schemas.microsoft.com/office/drawing/2014/main" id="{85096C5C-A0D7-4B11-9DB7-9B2C9650AB29}"/>
-              </a:ext>
-            </a:extLst>
-          </p:cNvPr>
-          <p:cNvSpPr txBox="1"/>
-          <p:nvPr/>
-        </p:nvSpPr>
-        <p:spPr>
-          <a:xfrm>
-            <a:off x="7363156" y="4709637"/>
-            <a:ext cx="7541967" cy="1384995"/>
-          </a:xfrm>
-          <a:prstGeom prst="rect">
-            <a:avLst/>
-          </a:prstGeom>
-          <a:noFill/>
-        </p:spPr>
-        <p:txBody>
-          <a:bodyPr wrap="square" rtlCol="0">
-            <a:spAutoFit/>
-          </a:bodyPr>
-          <a:lstStyle/>
-          <a:p>
-            <a:pPr algn="just"/>
-            <a:r>
-              <a:rPr lang="en-GB" sz="1400" dirty="0">
-                <a:latin typeface="Segoe UI Light" panose="020B0502040204020203" pitchFamily="34" charset="0"/>
-                <a:cs typeface="Segoe UI Light" panose="020B0502040204020203" pitchFamily="34" charset="0"/>
-              </a:rPr>
-              <a:t>The worlds happiest countries are Switzerland, Iceland and Denmark. The variables that are the most contributing to this result is high quality of Family Life, Health Life Expectancy and Freedom. The least happy countries are Benin, Syria and Togo. The variables indicating their happiness are Economy, Family and Automotive Mortality. </a:t>
-            </a:r>
-          </a:p>
-          <a:p>
-            <a:pPr algn="just"/>
-            <a:r>
-              <a:rPr lang="en-GB" sz="1400" dirty="0">
-                <a:latin typeface="Segoe UI Light" panose="020B0502040204020203" pitchFamily="34" charset="0"/>
-                <a:cs typeface="Segoe UI Light" panose="020B0502040204020203" pitchFamily="34" charset="0"/>
-              </a:rPr>
-              <a:t>In general the people living in the countries of Western Europe and America tend to be happier than the people living in Afrika and Asia.</a:t>
-            </a:r>
-            <a:endParaRPr lang="en-GB" b="1" dirty="0">
-              <a:latin typeface="Segoe UI Light" panose="020B0502040204020203" pitchFamily="34" charset="0"/>
-              <a:cs typeface="Segoe UI Light" panose="020B0502040204020203" pitchFamily="34" charset="0"/>
-            </a:endParaRPr>
-          </a:p>
-        </p:txBody>
-      </p:sp>
       <p:pic>
         <p:nvPicPr>
-          <p:cNvPr id="74" name="Grafik 73">
-            <a:extLst>
-              <a:ext uri="{FF2B5EF4-FFF2-40B4-BE49-F238E27FC236}">
-                <a16:creationId xmlns:a16="http://schemas.microsoft.com/office/drawing/2014/main" id="{2C75AF1F-5CEB-4A39-859B-B770DC653AC9}"/>
+          <p:cNvPr id="80" name="Grafik 79">
+            <a:extLst>
+              <a:ext uri="{FF2B5EF4-FFF2-40B4-BE49-F238E27FC236}">
+                <a16:creationId xmlns:a16="http://schemas.microsoft.com/office/drawing/2014/main" id="{A401FFFC-38C8-42FA-96D7-BDFCC1007BA9}"/>
               </a:ext>
             </a:extLst>
           </p:cNvPr>
@@ -5090,7 +5165,7 @@
           <p:nvPr/>
         </p:nvPicPr>
         <p:blipFill>
-          <a:blip r:embed="rId16">
+          <a:blip r:embed="rId18">
             <a:extLst>
               <a:ext uri="{28A0092B-C50C-407E-A947-70E740481C1C}">
                 <a14:useLocalDpi xmlns:a14="http://schemas.microsoft.com/office/drawing/2010/main" val="0"/>
@@ -5103,7 +5178,7 @@
         </p:blipFill>
         <p:spPr>
           <a:xfrm>
-            <a:off x="6118413" y="4778826"/>
+            <a:off x="5716260" y="5220395"/>
             <a:ext cx="162000" cy="162000"/>
           </a:xfrm>
           <a:prstGeom prst="rect">
@@ -5113,10 +5188,10 @@
       </p:pic>
       <p:pic>
         <p:nvPicPr>
-          <p:cNvPr id="77" name="Grafik 76">
-            <a:extLst>
-              <a:ext uri="{FF2B5EF4-FFF2-40B4-BE49-F238E27FC236}">
-                <a16:creationId xmlns:a16="http://schemas.microsoft.com/office/drawing/2014/main" id="{712A983A-EA50-4904-9A6C-F5AB858A94F4}"/>
+          <p:cNvPr id="83" name="Grafik 82">
+            <a:extLst>
+              <a:ext uri="{FF2B5EF4-FFF2-40B4-BE49-F238E27FC236}">
+                <a16:creationId xmlns:a16="http://schemas.microsoft.com/office/drawing/2014/main" id="{C16A84EF-0560-407B-9026-DBD1E542C061}"/>
               </a:ext>
             </a:extLst>
           </p:cNvPr>
@@ -5126,7 +5201,7 @@
           <p:nvPr/>
         </p:nvPicPr>
         <p:blipFill>
-          <a:blip r:embed="rId17">
+          <a:blip r:embed="rId19">
             <a:extLst>
               <a:ext uri="{28A0092B-C50C-407E-A947-70E740481C1C}">
                 <a14:useLocalDpi xmlns:a14="http://schemas.microsoft.com/office/drawing/2010/main" val="0"/>
@@ -5139,7 +5214,7 @@
         </p:blipFill>
         <p:spPr>
           <a:xfrm>
-            <a:off x="6118413" y="5002319"/>
+            <a:off x="5714308" y="6083974"/>
             <a:ext cx="162000" cy="162000"/>
           </a:xfrm>
           <a:prstGeom prst="rect">
@@ -5147,78 +5222,6 @@
           </a:prstGeom>
         </p:spPr>
       </p:pic>
-      <p:pic>
-        <p:nvPicPr>
-          <p:cNvPr id="80" name="Grafik 79">
-            <a:extLst>
-              <a:ext uri="{FF2B5EF4-FFF2-40B4-BE49-F238E27FC236}">
-                <a16:creationId xmlns:a16="http://schemas.microsoft.com/office/drawing/2014/main" id="{A401FFFC-38C8-42FA-96D7-BDFCC1007BA9}"/>
-              </a:ext>
-            </a:extLst>
-          </p:cNvPr>
-          <p:cNvPicPr>
-            <a:picLocks noChangeAspect="1"/>
-          </p:cNvPicPr>
-          <p:nvPr/>
-        </p:nvPicPr>
-        <p:blipFill>
-          <a:blip r:embed="rId18">
-            <a:extLst>
-              <a:ext uri="{28A0092B-C50C-407E-A947-70E740481C1C}">
-                <a14:useLocalDpi xmlns:a14="http://schemas.microsoft.com/office/drawing/2010/main" val="0"/>
-              </a:ext>
-            </a:extLst>
-          </a:blip>
-          <a:stretch>
-            <a:fillRect/>
-          </a:stretch>
-        </p:blipFill>
-        <p:spPr>
-          <a:xfrm>
-            <a:off x="6112500" y="5220395"/>
-            <a:ext cx="162000" cy="162000"/>
-          </a:xfrm>
-          <a:prstGeom prst="rect">
-            <a:avLst/>
-          </a:prstGeom>
-        </p:spPr>
-      </p:pic>
-      <p:pic>
-        <p:nvPicPr>
-          <p:cNvPr id="83" name="Grafik 82">
-            <a:extLst>
-              <a:ext uri="{FF2B5EF4-FFF2-40B4-BE49-F238E27FC236}">
-                <a16:creationId xmlns:a16="http://schemas.microsoft.com/office/drawing/2014/main" id="{C16A84EF-0560-407B-9026-DBD1E542C061}"/>
-              </a:ext>
-            </a:extLst>
-          </p:cNvPr>
-          <p:cNvPicPr>
-            <a:picLocks noChangeAspect="1"/>
-          </p:cNvPicPr>
-          <p:nvPr/>
-        </p:nvPicPr>
-        <p:blipFill>
-          <a:blip r:embed="rId19">
-            <a:extLst>
-              <a:ext uri="{28A0092B-C50C-407E-A947-70E740481C1C}">
-                <a14:useLocalDpi xmlns:a14="http://schemas.microsoft.com/office/drawing/2010/main" val="0"/>
-              </a:ext>
-            </a:extLst>
-          </a:blip>
-          <a:stretch>
-            <a:fillRect/>
-          </a:stretch>
-        </p:blipFill>
-        <p:spPr>
-          <a:xfrm>
-            <a:off x="6110548" y="6083974"/>
-            <a:ext cx="162000" cy="162000"/>
-          </a:xfrm>
-          <a:prstGeom prst="rect">
-            <a:avLst/>
-          </a:prstGeom>
-        </p:spPr>
-      </p:pic>
       <p:sp>
         <p:nvSpPr>
           <p:cNvPr id="86" name="Textfeld 85">
@@ -5233,7 +5236,7 @@
         </p:nvSpPr>
         <p:spPr>
           <a:xfrm>
-            <a:off x="23494390" y="5930897"/>
+            <a:off x="23691541" y="5855253"/>
             <a:ext cx="5385021" cy="954107"/>
           </a:xfrm>
           <a:prstGeom prst="rect">
@@ -5277,7 +5280,7 @@
         <p:spPr>
           <a:xfrm>
             <a:off x="720436" y="1949326"/>
-            <a:ext cx="14417170" cy="9217437"/>
+            <a:ext cx="14013831" cy="9217437"/>
           </a:xfrm>
           <a:prstGeom prst="roundRect">
             <a:avLst/>
@@ -5366,10 +5369,10 @@
       </p:sp>
       <p:pic>
         <p:nvPicPr>
-          <p:cNvPr id="33" name="Grafik 32">
-            <a:extLst>
-              <a:ext uri="{FF2B5EF4-FFF2-40B4-BE49-F238E27FC236}">
-                <a16:creationId xmlns:a16="http://schemas.microsoft.com/office/drawing/2014/main" id="{E97B1DA9-BD14-4401-8687-474082219849}"/>
+          <p:cNvPr id="41" name="Grafik 40">
+            <a:extLst>
+              <a:ext uri="{FF2B5EF4-FFF2-40B4-BE49-F238E27FC236}">
+                <a16:creationId xmlns:a16="http://schemas.microsoft.com/office/drawing/2014/main" id="{08E8AFA2-A2F7-41CD-AA6A-0414E5BC2DE4}"/>
               </a:ext>
             </a:extLst>
           </p:cNvPr>
@@ -5378,90 +5381,8 @@
           </p:cNvPicPr>
           <p:nvPr/>
         </p:nvPicPr>
-        <p:blipFill>
-          <a:blip r:embed="rId20"/>
-          <a:stretch>
-            <a:fillRect/>
-          </a:stretch>
-        </p:blipFill>
-        <p:spPr>
-          <a:xfrm>
-            <a:off x="25546975" y="7416950"/>
-            <a:ext cx="3498499" cy="3498499"/>
-          </a:xfrm>
-          <a:prstGeom prst="rect">
-            <a:avLst/>
-          </a:prstGeom>
-        </p:spPr>
-      </p:pic>
-      <p:sp>
-        <p:nvSpPr>
-          <p:cNvPr id="4" name="Rechteck: abgerundete Ecken 3">
-            <a:extLst>
-              <a:ext uri="{FF2B5EF4-FFF2-40B4-BE49-F238E27FC236}">
-                <a16:creationId xmlns:a16="http://schemas.microsoft.com/office/drawing/2014/main" id="{4B4796D8-9834-4939-B5D2-7BA2DA855B38}"/>
-              </a:ext>
-            </a:extLst>
-          </p:cNvPr>
-          <p:cNvSpPr/>
-          <p:nvPr/>
-        </p:nvSpPr>
-        <p:spPr>
-          <a:xfrm>
-            <a:off x="15594703" y="1949325"/>
-            <a:ext cx="13960074" cy="9217437"/>
-          </a:xfrm>
-          <a:prstGeom prst="roundRect">
-            <a:avLst/>
-          </a:prstGeom>
-          <a:noFill/>
-        </p:spPr>
-        <p:style>
-          <a:lnRef idx="2">
-            <a:schemeClr val="accent1">
-              <a:shade val="50000"/>
-            </a:schemeClr>
-          </a:lnRef>
-          <a:fillRef idx="1">
-            <a:schemeClr val="accent1"/>
-          </a:fillRef>
-          <a:effectRef idx="0">
-            <a:schemeClr val="accent1"/>
-          </a:effectRef>
-          <a:fontRef idx="minor">
-            <a:schemeClr val="lt1"/>
-          </a:fontRef>
-        </p:style>
-        <p:txBody>
-          <a:bodyPr rot="0" spcFirstLastPara="0" vertOverflow="overflow" horzOverflow="overflow" vert="horz" wrap="square" lIns="91440" tIns="45720" rIns="91440" bIns="45720" numCol="1" spcCol="0" rtlCol="0" fromWordArt="0" anchor="ctr" anchorCtr="0" forceAA="0" compatLnSpc="1">
-            <a:prstTxWarp prst="textNoShape">
-              <a:avLst/>
-            </a:prstTxWarp>
-            <a:noAutofit/>
-          </a:bodyPr>
-          <a:lstStyle/>
-          <a:p>
-            <a:pPr algn="ctr"/>
-            <a:endParaRPr lang="en-GB"/>
-          </a:p>
-        </p:txBody>
-      </p:sp>
-      <p:pic>
-        <p:nvPicPr>
-          <p:cNvPr id="41" name="Grafik 40">
-            <a:extLst>
-              <a:ext uri="{FF2B5EF4-FFF2-40B4-BE49-F238E27FC236}">
-                <a16:creationId xmlns:a16="http://schemas.microsoft.com/office/drawing/2014/main" id="{08E8AFA2-A2F7-41CD-AA6A-0414E5BC2DE4}"/>
-              </a:ext>
-            </a:extLst>
-          </p:cNvPr>
-          <p:cNvPicPr>
-            <a:picLocks noChangeAspect="1"/>
-          </p:cNvPicPr>
-          <p:nvPr/>
-        </p:nvPicPr>
         <p:blipFill rotWithShape="1">
-          <a:blip r:embed="rId21">
+          <a:blip r:embed="rId20">
             <a:extLst>
               <a:ext uri="{28A0092B-C50C-407E-A947-70E740481C1C}">
                 <a14:useLocalDpi xmlns:a14="http://schemas.microsoft.com/office/drawing/2010/main" val="0"/>
@@ -5473,7 +5394,7 @@
         </p:blipFill>
         <p:spPr>
           <a:xfrm>
-            <a:off x="25489825" y="2600747"/>
+            <a:off x="25686976" y="2525103"/>
             <a:ext cx="3271881" cy="3165978"/>
           </a:xfrm>
           <a:prstGeom prst="rect">
@@ -5495,8 +5416,8 @@
         </p:nvSpPr>
         <p:spPr>
           <a:xfrm>
-            <a:off x="16128736" y="5573366"/>
-            <a:ext cx="3464891" cy="1384995"/>
+            <a:off x="15495694" y="5573366"/>
+            <a:ext cx="4281987" cy="1169551"/>
           </a:xfrm>
           <a:prstGeom prst="rect">
             <a:avLst/>
@@ -5538,7 +5459,7 @@
         </p:nvSpPr>
         <p:spPr>
           <a:xfrm>
-            <a:off x="16125140" y="7068835"/>
+            <a:off x="15492098" y="7018310"/>
             <a:ext cx="4469599" cy="338554"/>
           </a:xfrm>
           <a:prstGeom prst="rect">
@@ -5564,61 +5485,6 @@
       </p:sp>
       <p:sp>
         <p:nvSpPr>
-          <p:cNvPr id="14" name="Rechteck: abgerundete Ecken 13">
-            <a:extLst>
-              <a:ext uri="{FF2B5EF4-FFF2-40B4-BE49-F238E27FC236}">
-                <a16:creationId xmlns:a16="http://schemas.microsoft.com/office/drawing/2014/main" id="{C9448E25-4DFB-417F-9427-887A0EB7343A}"/>
-              </a:ext>
-            </a:extLst>
-          </p:cNvPr>
-          <p:cNvSpPr/>
-          <p:nvPr/>
-        </p:nvSpPr>
-        <p:spPr>
-          <a:xfrm>
-            <a:off x="16075143" y="1747815"/>
-            <a:ext cx="3672000" cy="828000"/>
-          </a:xfrm>
-          <a:prstGeom prst="roundRect">
-            <a:avLst/>
-          </a:prstGeom>
-          <a:ln>
-            <a:noFill/>
-          </a:ln>
-        </p:spPr>
-        <p:style>
-          <a:lnRef idx="2">
-            <a:schemeClr val="accent1">
-              <a:shade val="50000"/>
-            </a:schemeClr>
-          </a:lnRef>
-          <a:fillRef idx="1">
-            <a:schemeClr val="accent1"/>
-          </a:fillRef>
-          <a:effectRef idx="0">
-            <a:schemeClr val="accent1"/>
-          </a:effectRef>
-          <a:fontRef idx="minor">
-            <a:schemeClr val="lt1"/>
-          </a:fontRef>
-        </p:style>
-        <p:txBody>
-          <a:bodyPr rtlCol="0" anchor="ctr"/>
-          <a:lstStyle/>
-          <a:p>
-            <a:pPr algn="ctr"/>
-            <a:r>
-              <a:rPr lang="en-GB" sz="2800" dirty="0">
-                <a:latin typeface="Segoe UI Light" panose="020B0502040204020203" pitchFamily="34" charset="0"/>
-                <a:cs typeface="Segoe UI Light" panose="020B0502040204020203" pitchFamily="34" charset="0"/>
-              </a:rPr>
-              <a:t>Dimension Reduction</a:t>
-            </a:r>
-          </a:p>
-        </p:txBody>
-      </p:sp>
-      <p:sp>
-        <p:nvSpPr>
           <p:cNvPr id="52" name="Textfeld 51">
             <a:extLst>
               <a:ext uri="{FF2B5EF4-FFF2-40B4-BE49-F238E27FC236}">
@@ -5631,7 +5497,7 @@
         </p:nvSpPr>
         <p:spPr>
           <a:xfrm>
-            <a:off x="10649785" y="16947802"/>
+            <a:off x="10554687" y="18057708"/>
             <a:ext cx="5244410" cy="2462213"/>
           </a:xfrm>
           <a:prstGeom prst="rect">
@@ -5832,7 +5698,7 @@
           <p:nvPr/>
         </p:nvPicPr>
         <p:blipFill>
-          <a:blip r:embed="rId22">
+          <a:blip r:embed="rId21">
             <a:extLst>
               <a:ext uri="{28A0092B-C50C-407E-A947-70E740481C1C}">
                 <a14:useLocalDpi xmlns:a14="http://schemas.microsoft.com/office/drawing/2010/main" val="0"/>
@@ -5855,10 +5721,10 @@
       </p:pic>
       <p:sp>
         <p:nvSpPr>
-          <p:cNvPr id="87" name="Textfeld 86">
-            <a:extLst>
-              <a:ext uri="{FF2B5EF4-FFF2-40B4-BE49-F238E27FC236}">
-                <a16:creationId xmlns:a16="http://schemas.microsoft.com/office/drawing/2014/main" id="{832B9877-46F0-48C5-AFC9-33CEF009BE88}"/>
+          <p:cNvPr id="88" name="Textfeld 87">
+            <a:extLst>
+              <a:ext uri="{FF2B5EF4-FFF2-40B4-BE49-F238E27FC236}">
+                <a16:creationId xmlns:a16="http://schemas.microsoft.com/office/drawing/2014/main" id="{4A738AE2-9073-40EB-A42B-84727F69259C}"/>
               </a:ext>
             </a:extLst>
           </p:cNvPr>
@@ -5867,8 +5733,8 @@
         </p:nvSpPr>
         <p:spPr>
           <a:xfrm>
-            <a:off x="10129021" y="12882697"/>
-            <a:ext cx="4469599" cy="338554"/>
+            <a:off x="16386463" y="12553555"/>
+            <a:ext cx="4469599" cy="584775"/>
           </a:xfrm>
           <a:prstGeom prst="rect">
             <a:avLst/>
@@ -5886,45 +5752,16 @@
                 <a:latin typeface="Segoe UI Light" panose="020B0502040204020203" pitchFamily="34" charset="0"/>
                 <a:cs typeface="Segoe UI Light" panose="020B0502040204020203" pitchFamily="34" charset="0"/>
               </a:rPr>
-              <a:t>Variables</a:t>
-            </a:r>
-          </a:p>
-        </p:txBody>
-      </p:sp>
-      <p:sp>
-        <p:nvSpPr>
-          <p:cNvPr id="88" name="Textfeld 87">
-            <a:extLst>
-              <a:ext uri="{FF2B5EF4-FFF2-40B4-BE49-F238E27FC236}">
-                <a16:creationId xmlns:a16="http://schemas.microsoft.com/office/drawing/2014/main" id="{4A738AE2-9073-40EB-A42B-84727F69259C}"/>
-              </a:ext>
-            </a:extLst>
-          </p:cNvPr>
-          <p:cNvSpPr txBox="1"/>
-          <p:nvPr/>
-        </p:nvSpPr>
-        <p:spPr>
-          <a:xfrm>
-            <a:off x="16386463" y="12702298"/>
-            <a:ext cx="4469599" cy="338554"/>
-          </a:xfrm>
-          <a:prstGeom prst="rect">
-            <a:avLst/>
-          </a:prstGeom>
-          <a:noFill/>
-        </p:spPr>
-        <p:txBody>
-          <a:bodyPr wrap="square" rtlCol="0">
-            <a:spAutoFit/>
-          </a:bodyPr>
-          <a:lstStyle/>
-          <a:p>
-            <a:r>
-              <a:rPr lang="en-GB" sz="1600" b="1" dirty="0">
-                <a:latin typeface="Segoe UI Light" panose="020B0502040204020203" pitchFamily="34" charset="0"/>
-                <a:cs typeface="Segoe UI Light" panose="020B0502040204020203" pitchFamily="34" charset="0"/>
-              </a:rPr>
               <a:t>Principal Components</a:t>
+            </a:r>
+          </a:p>
+          <a:p>
+            <a:r>
+              <a:rPr lang="en-GB" sz="1600" dirty="0">
+                <a:latin typeface="Segoe UI Light" panose="020B0502040204020203" pitchFamily="34" charset="0"/>
+                <a:cs typeface="Segoe UI Light" panose="020B0502040204020203" pitchFamily="34" charset="0"/>
+              </a:rPr>
+              <a:t>Simple Linear Regression</a:t>
             </a:r>
           </a:p>
         </p:txBody>
@@ -6043,7 +5880,7 @@
         </p:nvGrpSpPr>
         <p:grpSpPr>
           <a:xfrm>
-            <a:off x="16082250" y="3556000"/>
+            <a:off x="15449208" y="3556000"/>
             <a:ext cx="3268903" cy="1984346"/>
             <a:chOff x="16150830" y="3456940"/>
             <a:chExt cx="3268903" cy="1984346"/>
@@ -6064,7 +5901,7 @@
             <p:nvPr/>
           </p:nvPicPr>
           <p:blipFill rotWithShape="1">
-            <a:blip r:embed="rId23">
+            <a:blip r:embed="rId22">
               <a:extLst>
                 <a:ext uri="{28A0092B-C50C-407E-A947-70E740481C1C}">
                   <a14:useLocalDpi xmlns:a14="http://schemas.microsoft.com/office/drawing/2010/main" val="0"/>
@@ -6228,7 +6065,7 @@
           <p:nvPr/>
         </p:nvPicPr>
         <p:blipFill>
-          <a:blip r:embed="rId24">
+          <a:blip r:embed="rId23">
             <a:extLst>
               <a:ext uri="{28A0092B-C50C-407E-A947-70E740481C1C}">
                 <a14:useLocalDpi xmlns:a14="http://schemas.microsoft.com/office/drawing/2010/main" val="0"/>
@@ -6353,7 +6190,7 @@
         </p:blipFill>
         <p:spPr>
           <a:xfrm>
-            <a:off x="9235502" y="7774029"/>
+            <a:off x="8839262" y="7774029"/>
             <a:ext cx="252000" cy="252000"/>
           </a:xfrm>
           <a:prstGeom prst="rect">
@@ -6389,7 +6226,7 @@
         </p:blipFill>
         <p:spPr>
           <a:xfrm>
-            <a:off x="8586739" y="6983058"/>
+            <a:off x="8190499" y="6983058"/>
             <a:ext cx="252000" cy="252000"/>
           </a:xfrm>
           <a:prstGeom prst="rect">
@@ -6425,7 +6262,7 @@
         </p:blipFill>
         <p:spPr>
           <a:xfrm>
-            <a:off x="9265697" y="7425008"/>
+            <a:off x="8869457" y="7425008"/>
             <a:ext cx="252000" cy="252000"/>
           </a:xfrm>
           <a:prstGeom prst="rect">
@@ -6461,7 +6298,7 @@
         </p:blipFill>
         <p:spPr>
           <a:xfrm>
-            <a:off x="9060553" y="8841777"/>
+            <a:off x="8664313" y="8841777"/>
             <a:ext cx="252000" cy="252000"/>
           </a:xfrm>
           <a:prstGeom prst="rect">
@@ -6484,7 +6321,7 @@
           <p:nvPr/>
         </p:nvPicPr>
         <p:blipFill>
-          <a:blip r:embed="rId25">
+          <a:blip r:embed="rId24">
             <a:extLst>
               <a:ext uri="{28A0092B-C50C-407E-A947-70E740481C1C}">
                 <a14:useLocalDpi xmlns:a14="http://schemas.microsoft.com/office/drawing/2010/main" val="0"/>
@@ -6497,7 +6334,7 @@
         </p:blipFill>
         <p:spPr>
           <a:xfrm>
-            <a:off x="9973381" y="8144975"/>
+            <a:off x="9577141" y="8144975"/>
             <a:ext cx="252000" cy="252000"/>
           </a:xfrm>
           <a:prstGeom prst="rect">
@@ -6520,7 +6357,7 @@
           <p:nvPr/>
         </p:nvPicPr>
         <p:blipFill>
-          <a:blip r:embed="rId26">
+          <a:blip r:embed="rId25">
             <a:extLst>
               <a:ext uri="{28A0092B-C50C-407E-A947-70E740481C1C}">
                 <a14:useLocalDpi xmlns:a14="http://schemas.microsoft.com/office/drawing/2010/main" val="0"/>
@@ -6533,7 +6370,7 @@
         </p:blipFill>
         <p:spPr>
           <a:xfrm>
-            <a:off x="9101882" y="8914199"/>
+            <a:off x="8705642" y="8914199"/>
             <a:ext cx="252000" cy="252000"/>
           </a:xfrm>
           <a:prstGeom prst="rect">
@@ -6556,7 +6393,7 @@
           <p:nvPr/>
         </p:nvPicPr>
         <p:blipFill>
-          <a:blip r:embed="rId25">
+          <a:blip r:embed="rId24">
             <a:extLst>
               <a:ext uri="{28A0092B-C50C-407E-A947-70E740481C1C}">
                 <a14:useLocalDpi xmlns:a14="http://schemas.microsoft.com/office/drawing/2010/main" val="0"/>
@@ -6569,7 +6406,7 @@
         </p:blipFill>
         <p:spPr>
           <a:xfrm>
-            <a:off x="6116604" y="5868684"/>
+            <a:off x="5720364" y="5868684"/>
             <a:ext cx="162000" cy="162000"/>
           </a:xfrm>
           <a:prstGeom prst="rect">
@@ -6592,7 +6429,7 @@
           <p:nvPr/>
         </p:nvPicPr>
         <p:blipFill>
-          <a:blip r:embed="rId26">
+          <a:blip r:embed="rId25">
             <a:extLst>
               <a:ext uri="{28A0092B-C50C-407E-A947-70E740481C1C}">
                 <a14:useLocalDpi xmlns:a14="http://schemas.microsoft.com/office/drawing/2010/main" val="0"/>
@@ -6605,7 +6442,7 @@
         </p:blipFill>
         <p:spPr>
           <a:xfrm>
-            <a:off x="6116604" y="5650608"/>
+            <a:off x="5720364" y="5650608"/>
             <a:ext cx="162000" cy="162000"/>
           </a:xfrm>
           <a:prstGeom prst="rect">
@@ -6613,1516 +6450,12 @@
           </a:prstGeom>
         </p:spPr>
       </p:pic>
-      <p:grpSp>
-        <p:nvGrpSpPr>
-          <p:cNvPr id="127" name="Gruppieren 126">
-            <a:extLst>
-              <a:ext uri="{FF2B5EF4-FFF2-40B4-BE49-F238E27FC236}">
-                <a16:creationId xmlns:a16="http://schemas.microsoft.com/office/drawing/2014/main" id="{CB963C62-2E61-425E-80B8-7EC5DBC77EEE}"/>
-              </a:ext>
-            </a:extLst>
-          </p:cNvPr>
-          <p:cNvGrpSpPr/>
-          <p:nvPr/>
-        </p:nvGrpSpPr>
-        <p:grpSpPr>
-          <a:xfrm>
-            <a:off x="19569870" y="3471949"/>
-            <a:ext cx="3495977" cy="4426138"/>
-            <a:chOff x="19229510" y="3543069"/>
-            <a:chExt cx="3495977" cy="4426138"/>
-          </a:xfrm>
-        </p:grpSpPr>
-        <p:sp>
-          <p:nvSpPr>
-            <p:cNvPr id="72" name="Textfeld 71">
-              <a:extLst>
-                <a:ext uri="{FF2B5EF4-FFF2-40B4-BE49-F238E27FC236}">
-                  <a16:creationId xmlns:a16="http://schemas.microsoft.com/office/drawing/2014/main" id="{D5EF76CC-33D3-48A7-8C05-59C9B393CD5D}"/>
-                </a:ext>
-              </a:extLst>
-            </p:cNvPr>
-            <p:cNvSpPr txBox="1"/>
-            <p:nvPr/>
-          </p:nvSpPr>
-          <p:spPr>
-            <a:xfrm>
-              <a:off x="19229510" y="3545851"/>
-              <a:ext cx="1454144" cy="3211135"/>
-            </a:xfrm>
-            <a:prstGeom prst="rect">
-              <a:avLst/>
-            </a:prstGeom>
-            <a:noFill/>
-          </p:spPr>
-          <p:txBody>
-            <a:bodyPr wrap="square" rtlCol="0">
-              <a:spAutoFit/>
-            </a:bodyPr>
-            <a:lstStyle/>
-            <a:p>
-              <a:pPr algn="r">
-                <a:spcBef>
-                  <a:spcPts val="500"/>
-                </a:spcBef>
-              </a:pPr>
-              <a:r>
-                <a:rPr lang="en-GB" sz="800" dirty="0">
-                  <a:latin typeface="Segoe UI Light" panose="020B0502040204020203" pitchFamily="34" charset="0"/>
-                  <a:cs typeface="Segoe UI Light" panose="020B0502040204020203" pitchFamily="34" charset="0"/>
-                </a:rPr>
-                <a:t>Urban Population</a:t>
-              </a:r>
-            </a:p>
-            <a:p>
-              <a:pPr algn="r">
-                <a:spcBef>
-                  <a:spcPts val="500"/>
-                </a:spcBef>
-              </a:pPr>
-              <a:r>
-                <a:rPr lang="en-GB" sz="800" dirty="0">
-                  <a:latin typeface="Segoe UI Light" panose="020B0502040204020203" pitchFamily="34" charset="0"/>
-                  <a:cs typeface="Segoe UI Light" panose="020B0502040204020203" pitchFamily="34" charset="0"/>
-                </a:rPr>
-                <a:t>Automotive Mortality</a:t>
-              </a:r>
-            </a:p>
-            <a:p>
-              <a:pPr algn="r">
-                <a:spcBef>
-                  <a:spcPts val="500"/>
-                </a:spcBef>
-              </a:pPr>
-              <a:r>
-                <a:rPr lang="en-GB" sz="800" dirty="0">
-                  <a:latin typeface="Segoe UI Light" panose="020B0502040204020203" pitchFamily="34" charset="0"/>
-                  <a:cs typeface="Segoe UI Light" panose="020B0502040204020203" pitchFamily="34" charset="0"/>
-                </a:rPr>
-                <a:t>Infant Immunization Measles</a:t>
-              </a:r>
-            </a:p>
-            <a:p>
-              <a:pPr algn="r">
-                <a:spcBef>
-                  <a:spcPts val="500"/>
-                </a:spcBef>
-              </a:pPr>
-              <a:r>
-                <a:rPr lang="en-GB" sz="800" dirty="0">
-                  <a:latin typeface="Segoe UI Light" panose="020B0502040204020203" pitchFamily="34" charset="0"/>
-                  <a:cs typeface="Segoe UI Light" panose="020B0502040204020203" pitchFamily="34" charset="0"/>
-                </a:rPr>
-                <a:t>Entrepreneurship Cost</a:t>
-              </a:r>
-            </a:p>
-            <a:p>
-              <a:pPr algn="r">
-                <a:spcBef>
-                  <a:spcPts val="500"/>
-                </a:spcBef>
-              </a:pPr>
-              <a:r>
-                <a:rPr lang="en-GB" sz="800" dirty="0">
-                  <a:latin typeface="Segoe UI Light" panose="020B0502040204020203" pitchFamily="34" charset="0"/>
-                  <a:cs typeface="Segoe UI Light" panose="020B0502040204020203" pitchFamily="34" charset="0"/>
-                </a:rPr>
-                <a:t>Electricity Access</a:t>
-              </a:r>
-            </a:p>
-            <a:p>
-              <a:pPr algn="r">
-                <a:spcBef>
-                  <a:spcPts val="500"/>
-                </a:spcBef>
-              </a:pPr>
-              <a:r>
-                <a:rPr lang="en-GB" sz="800" dirty="0">
-                  <a:latin typeface="Segoe UI Light" panose="020B0502040204020203" pitchFamily="34" charset="0"/>
-                  <a:cs typeface="Segoe UI Light" panose="020B0502040204020203" pitchFamily="34" charset="0"/>
-                </a:rPr>
-                <a:t>Obesity</a:t>
-              </a:r>
-            </a:p>
-            <a:p>
-              <a:pPr algn="r">
-                <a:spcBef>
-                  <a:spcPts val="500"/>
-                </a:spcBef>
-              </a:pPr>
-              <a:r>
-                <a:rPr lang="en-GB" sz="800" dirty="0">
-                  <a:latin typeface="Segoe UI Light" panose="020B0502040204020203" pitchFamily="34" charset="0"/>
-                  <a:cs typeface="Segoe UI Light" panose="020B0502040204020203" pitchFamily="34" charset="0"/>
-                </a:rPr>
-                <a:t>Clean Water</a:t>
-              </a:r>
-            </a:p>
-            <a:p>
-              <a:pPr algn="r">
-                <a:spcBef>
-                  <a:spcPts val="500"/>
-                </a:spcBef>
-              </a:pPr>
-              <a:r>
-                <a:rPr lang="en-GB" sz="800" dirty="0">
-                  <a:latin typeface="Segoe UI Light" panose="020B0502040204020203" pitchFamily="34" charset="0"/>
-                  <a:cs typeface="Segoe UI Light" panose="020B0502040204020203" pitchFamily="34" charset="0"/>
-                </a:rPr>
-                <a:t>Birth Rate</a:t>
-              </a:r>
-            </a:p>
-            <a:p>
-              <a:pPr algn="r">
-                <a:spcBef>
-                  <a:spcPts val="500"/>
-                </a:spcBef>
-              </a:pPr>
-              <a:r>
-                <a:rPr lang="en-GB" sz="800" dirty="0">
-                  <a:latin typeface="Segoe UI Light" panose="020B0502040204020203" pitchFamily="34" charset="0"/>
-                  <a:cs typeface="Segoe UI Light" panose="020B0502040204020203" pitchFamily="34" charset="0"/>
-                </a:rPr>
-                <a:t>Child Mortality</a:t>
-              </a:r>
-            </a:p>
-            <a:p>
-              <a:pPr algn="r">
-                <a:spcBef>
-                  <a:spcPts val="500"/>
-                </a:spcBef>
-              </a:pPr>
-              <a:r>
-                <a:rPr lang="en-GB" sz="800" dirty="0">
-                  <a:latin typeface="Segoe UI Light" panose="020B0502040204020203" pitchFamily="34" charset="0"/>
-                  <a:cs typeface="Segoe UI Light" panose="020B0502040204020203" pitchFamily="34" charset="0"/>
-                </a:rPr>
-                <a:t>Cellular Subscriber</a:t>
-              </a:r>
-            </a:p>
-            <a:p>
-              <a:pPr algn="r">
-                <a:spcBef>
-                  <a:spcPts val="500"/>
-                </a:spcBef>
-              </a:pPr>
-              <a:r>
-                <a:rPr lang="en-GB" sz="800" dirty="0">
-                  <a:latin typeface="Segoe UI Light" panose="020B0502040204020203" pitchFamily="34" charset="0"/>
-                  <a:cs typeface="Segoe UI Light" panose="020B0502040204020203" pitchFamily="34" charset="0"/>
-                </a:rPr>
-                <a:t>Internet Usage</a:t>
-              </a:r>
-            </a:p>
-            <a:p>
-              <a:pPr algn="r">
-                <a:spcBef>
-                  <a:spcPts val="500"/>
-                </a:spcBef>
-              </a:pPr>
-              <a:r>
-                <a:rPr lang="en-GB" sz="800" dirty="0">
-                  <a:latin typeface="Segoe UI Light" panose="020B0502040204020203" pitchFamily="34" charset="0"/>
-                  <a:cs typeface="Segoe UI Light" panose="020B0502040204020203" pitchFamily="34" charset="0"/>
-                </a:rPr>
-                <a:t>Air Pollution</a:t>
-              </a:r>
-            </a:p>
-            <a:p>
-              <a:pPr algn="r">
-                <a:spcBef>
-                  <a:spcPts val="500"/>
-                </a:spcBef>
-              </a:pPr>
-              <a:r>
-                <a:rPr lang="en-GB" sz="800" dirty="0">
-                  <a:latin typeface="Segoe UI Light" panose="020B0502040204020203" pitchFamily="34" charset="0"/>
-                  <a:cs typeface="Segoe UI Light" panose="020B0502040204020203" pitchFamily="34" charset="0"/>
-                </a:rPr>
-                <a:t>Government Corruption</a:t>
-              </a:r>
-            </a:p>
-            <a:p>
-              <a:pPr algn="r">
-                <a:spcBef>
-                  <a:spcPts val="500"/>
-                </a:spcBef>
-              </a:pPr>
-              <a:r>
-                <a:rPr lang="en-GB" sz="800" dirty="0">
-                  <a:latin typeface="Segoe UI Light" panose="020B0502040204020203" pitchFamily="34" charset="0"/>
-                  <a:cs typeface="Segoe UI Light" panose="020B0502040204020203" pitchFamily="34" charset="0"/>
-                </a:rPr>
-                <a:t>Freedom</a:t>
-              </a:r>
-            </a:p>
-            <a:p>
-              <a:pPr algn="r">
-                <a:spcBef>
-                  <a:spcPts val="500"/>
-                </a:spcBef>
-              </a:pPr>
-              <a:r>
-                <a:rPr lang="en-GB" sz="800" dirty="0">
-                  <a:latin typeface="Segoe UI Light" panose="020B0502040204020203" pitchFamily="34" charset="0"/>
-                  <a:cs typeface="Segoe UI Light" panose="020B0502040204020203" pitchFamily="34" charset="0"/>
-                </a:rPr>
-                <a:t>Health Life Expectancy</a:t>
-              </a:r>
-            </a:p>
-            <a:p>
-              <a:pPr algn="r">
-                <a:spcBef>
-                  <a:spcPts val="500"/>
-                </a:spcBef>
-              </a:pPr>
-              <a:r>
-                <a:rPr lang="en-GB" sz="800" dirty="0">
-                  <a:latin typeface="Segoe UI Light" panose="020B0502040204020203" pitchFamily="34" charset="0"/>
-                  <a:cs typeface="Segoe UI Light" panose="020B0502040204020203" pitchFamily="34" charset="0"/>
-                </a:rPr>
-                <a:t>Family</a:t>
-              </a:r>
-            </a:p>
-            <a:p>
-              <a:pPr algn="r">
-                <a:spcBef>
-                  <a:spcPts val="500"/>
-                </a:spcBef>
-              </a:pPr>
-              <a:r>
-                <a:rPr lang="en-GB" sz="800" dirty="0">
-                  <a:latin typeface="Segoe UI Light" panose="020B0502040204020203" pitchFamily="34" charset="0"/>
-                  <a:cs typeface="Segoe UI Light" panose="020B0502040204020203" pitchFamily="34" charset="0"/>
-                </a:rPr>
-                <a:t>Economy GDP per Capita</a:t>
-              </a:r>
-            </a:p>
-          </p:txBody>
-        </p:sp>
-        <p:pic>
-          <p:nvPicPr>
-            <p:cNvPr id="67" name="Grafik 66">
-              <a:extLst>
-                <a:ext uri="{FF2B5EF4-FFF2-40B4-BE49-F238E27FC236}">
-                  <a16:creationId xmlns:a16="http://schemas.microsoft.com/office/drawing/2014/main" id="{0D8B382B-E6FB-4566-A136-4B0BFF8DC7F1}"/>
-                </a:ext>
-              </a:extLst>
-            </p:cNvPr>
-            <p:cNvPicPr>
-              <a:picLocks noChangeAspect="1"/>
-            </p:cNvPicPr>
-            <p:nvPr/>
-          </p:nvPicPr>
-          <p:blipFill rotWithShape="1">
-            <a:blip r:embed="rId27"/>
-            <a:srcRect l="40696" t="3977"/>
-            <a:stretch/>
-          </p:blipFill>
-          <p:spPr>
-            <a:xfrm>
-              <a:off x="20601250" y="3543069"/>
-              <a:ext cx="2124237" cy="3439532"/>
-            </a:xfrm>
-            <a:prstGeom prst="rect">
-              <a:avLst/>
-            </a:prstGeom>
-          </p:spPr>
-        </p:pic>
-        <p:grpSp>
-          <p:nvGrpSpPr>
-            <p:cNvPr id="99" name="Gruppieren 98">
-              <a:extLst>
-                <a:ext uri="{FF2B5EF4-FFF2-40B4-BE49-F238E27FC236}">
-                  <a16:creationId xmlns:a16="http://schemas.microsoft.com/office/drawing/2014/main" id="{C7BF9615-C96A-4926-B16B-C2820734B87E}"/>
-                </a:ext>
-              </a:extLst>
-            </p:cNvPr>
-            <p:cNvGrpSpPr/>
-            <p:nvPr/>
-          </p:nvGrpSpPr>
-          <p:grpSpPr>
-            <a:xfrm>
-              <a:off x="20663760" y="3577362"/>
-              <a:ext cx="1789840" cy="3538950"/>
-              <a:chOff x="20663760" y="3577362"/>
-              <a:chExt cx="1789840" cy="3538950"/>
-            </a:xfrm>
-          </p:grpSpPr>
-          <p:sp>
-            <p:nvSpPr>
-              <p:cNvPr id="93" name="Rechteck 92">
-                <a:extLst>
-                  <a:ext uri="{FF2B5EF4-FFF2-40B4-BE49-F238E27FC236}">
-                    <a16:creationId xmlns:a16="http://schemas.microsoft.com/office/drawing/2014/main" id="{BAF1600A-B319-44CA-B123-243EDC507B50}"/>
-                  </a:ext>
-                </a:extLst>
-              </p:cNvPr>
-              <p:cNvSpPr/>
-              <p:nvPr/>
-            </p:nvSpPr>
-            <p:spPr>
-              <a:xfrm>
-                <a:off x="21732239" y="4499244"/>
-                <a:ext cx="535095" cy="175820"/>
-              </a:xfrm>
-              <a:prstGeom prst="rect">
-                <a:avLst/>
-              </a:prstGeom>
-              <a:noFill/>
-              <a:ln>
-                <a:solidFill>
-                  <a:schemeClr val="tx1">
-                    <a:lumMod val="50000"/>
-                    <a:lumOff val="50000"/>
-                  </a:schemeClr>
-                </a:solidFill>
-              </a:ln>
-            </p:spPr>
-            <p:style>
-              <a:lnRef idx="2">
-                <a:schemeClr val="accent1">
-                  <a:shade val="50000"/>
-                </a:schemeClr>
-              </a:lnRef>
-              <a:fillRef idx="1">
-                <a:schemeClr val="accent1"/>
-              </a:fillRef>
-              <a:effectRef idx="0">
-                <a:schemeClr val="accent1"/>
-              </a:effectRef>
-              <a:fontRef idx="minor">
-                <a:schemeClr val="lt1"/>
-              </a:fontRef>
-            </p:style>
-            <p:txBody>
-              <a:bodyPr rtlCol="0" anchor="ctr"/>
-              <a:lstStyle/>
-              <a:p>
-                <a:pPr algn="ctr"/>
-                <a:endParaRPr lang="en-GB"/>
-              </a:p>
-            </p:txBody>
-          </p:sp>
-          <p:sp>
-            <p:nvSpPr>
-              <p:cNvPr id="103" name="Rechteck 102">
-                <a:extLst>
-                  <a:ext uri="{FF2B5EF4-FFF2-40B4-BE49-F238E27FC236}">
-                    <a16:creationId xmlns:a16="http://schemas.microsoft.com/office/drawing/2014/main" id="{6E0367F2-FCB5-435A-94F9-ECAA5FC29410}"/>
-                  </a:ext>
-                </a:extLst>
-              </p:cNvPr>
-              <p:cNvSpPr/>
-              <p:nvPr/>
-            </p:nvSpPr>
-            <p:spPr>
-              <a:xfrm>
-                <a:off x="20744014" y="6777758"/>
-                <a:ext cx="1709586" cy="338554"/>
-              </a:xfrm>
-              <a:prstGeom prst="rect">
-                <a:avLst/>
-              </a:prstGeom>
-              <a:solidFill>
-                <a:schemeClr val="bg1"/>
-              </a:solidFill>
-              <a:ln>
-                <a:solidFill>
-                  <a:schemeClr val="bg1"/>
-                </a:solidFill>
-              </a:ln>
-            </p:spPr>
-            <p:style>
-              <a:lnRef idx="2">
-                <a:schemeClr val="accent1">
-                  <a:shade val="50000"/>
-                </a:schemeClr>
-              </a:lnRef>
-              <a:fillRef idx="1">
-                <a:schemeClr val="accent1"/>
-              </a:fillRef>
-              <a:effectRef idx="0">
-                <a:schemeClr val="accent1"/>
-              </a:effectRef>
-              <a:fontRef idx="minor">
-                <a:schemeClr val="lt1"/>
-              </a:fontRef>
-            </p:style>
-            <p:txBody>
-              <a:bodyPr rtlCol="0" anchor="ctr"/>
-              <a:lstStyle/>
-              <a:p>
-                <a:pPr algn="ctr"/>
-                <a:endParaRPr lang="en-GB"/>
-              </a:p>
-            </p:txBody>
-          </p:sp>
-          <p:sp>
-            <p:nvSpPr>
-              <p:cNvPr id="108" name="Rechteck 107">
-                <a:extLst>
-                  <a:ext uri="{FF2B5EF4-FFF2-40B4-BE49-F238E27FC236}">
-                    <a16:creationId xmlns:a16="http://schemas.microsoft.com/office/drawing/2014/main" id="{BB20095A-FA4F-43E1-A11D-EBB9780C41EF}"/>
-                  </a:ext>
-                </a:extLst>
-              </p:cNvPr>
-              <p:cNvSpPr/>
-              <p:nvPr/>
-            </p:nvSpPr>
-            <p:spPr>
-              <a:xfrm>
-                <a:off x="20666952" y="3577362"/>
-                <a:ext cx="535095" cy="182468"/>
-              </a:xfrm>
-              <a:prstGeom prst="rect">
-                <a:avLst/>
-              </a:prstGeom>
-              <a:noFill/>
-              <a:ln>
-                <a:solidFill>
-                  <a:schemeClr val="tx1">
-                    <a:lumMod val="50000"/>
-                    <a:lumOff val="50000"/>
-                  </a:schemeClr>
-                </a:solidFill>
-              </a:ln>
-            </p:spPr>
-            <p:style>
-              <a:lnRef idx="2">
-                <a:schemeClr val="accent1">
-                  <a:shade val="50000"/>
-                </a:schemeClr>
-              </a:lnRef>
-              <a:fillRef idx="1">
-                <a:schemeClr val="accent1"/>
-              </a:fillRef>
-              <a:effectRef idx="0">
-                <a:schemeClr val="accent1"/>
-              </a:effectRef>
-              <a:fontRef idx="minor">
-                <a:schemeClr val="lt1"/>
-              </a:fontRef>
-            </p:style>
-            <p:txBody>
-              <a:bodyPr rtlCol="0" anchor="ctr"/>
-              <a:lstStyle/>
-              <a:p>
-                <a:pPr algn="ctr"/>
-                <a:endParaRPr lang="en-GB"/>
-              </a:p>
-            </p:txBody>
-          </p:sp>
-          <p:sp>
-            <p:nvSpPr>
-              <p:cNvPr id="109" name="Rechteck 108">
-                <a:extLst>
-                  <a:ext uri="{FF2B5EF4-FFF2-40B4-BE49-F238E27FC236}">
-                    <a16:creationId xmlns:a16="http://schemas.microsoft.com/office/drawing/2014/main" id="{388C1E19-D64C-4036-A968-5EDB93C3492E}"/>
-                  </a:ext>
-                </a:extLst>
-              </p:cNvPr>
-              <p:cNvSpPr/>
-              <p:nvPr/>
-            </p:nvSpPr>
-            <p:spPr>
-              <a:xfrm>
-                <a:off x="20667025" y="3760663"/>
-                <a:ext cx="535095" cy="182467"/>
-              </a:xfrm>
-              <a:prstGeom prst="rect">
-                <a:avLst/>
-              </a:prstGeom>
-              <a:noFill/>
-              <a:ln>
-                <a:solidFill>
-                  <a:schemeClr val="tx1">
-                    <a:lumMod val="50000"/>
-                    <a:lumOff val="50000"/>
-                  </a:schemeClr>
-                </a:solidFill>
-              </a:ln>
-            </p:spPr>
-            <p:style>
-              <a:lnRef idx="2">
-                <a:schemeClr val="accent1">
-                  <a:shade val="50000"/>
-                </a:schemeClr>
-              </a:lnRef>
-              <a:fillRef idx="1">
-                <a:schemeClr val="accent1"/>
-              </a:fillRef>
-              <a:effectRef idx="0">
-                <a:schemeClr val="accent1"/>
-              </a:effectRef>
-              <a:fontRef idx="minor">
-                <a:schemeClr val="lt1"/>
-              </a:fontRef>
-            </p:style>
-            <p:txBody>
-              <a:bodyPr rtlCol="0" anchor="ctr"/>
-              <a:lstStyle/>
-              <a:p>
-                <a:pPr algn="ctr"/>
-                <a:endParaRPr lang="en-GB"/>
-              </a:p>
-            </p:txBody>
-          </p:sp>
-          <p:sp>
-            <p:nvSpPr>
-              <p:cNvPr id="110" name="Rechteck 109">
-                <a:extLst>
-                  <a:ext uri="{FF2B5EF4-FFF2-40B4-BE49-F238E27FC236}">
-                    <a16:creationId xmlns:a16="http://schemas.microsoft.com/office/drawing/2014/main" id="{903C469E-2F21-4E94-8975-EAEA3694F927}"/>
-                  </a:ext>
-                </a:extLst>
-              </p:cNvPr>
-              <p:cNvSpPr/>
-              <p:nvPr/>
-            </p:nvSpPr>
-            <p:spPr>
-              <a:xfrm>
-                <a:off x="20666952" y="3943966"/>
-                <a:ext cx="535095" cy="185659"/>
-              </a:xfrm>
-              <a:prstGeom prst="rect">
-                <a:avLst/>
-              </a:prstGeom>
-              <a:noFill/>
-              <a:ln>
-                <a:solidFill>
-                  <a:schemeClr val="tx1">
-                    <a:lumMod val="50000"/>
-                    <a:lumOff val="50000"/>
-                  </a:schemeClr>
-                </a:solidFill>
-              </a:ln>
-            </p:spPr>
-            <p:style>
-              <a:lnRef idx="2">
-                <a:schemeClr val="accent1">
-                  <a:shade val="50000"/>
-                </a:schemeClr>
-              </a:lnRef>
-              <a:fillRef idx="1">
-                <a:schemeClr val="accent1"/>
-              </a:fillRef>
-              <a:effectRef idx="0">
-                <a:schemeClr val="accent1"/>
-              </a:effectRef>
-              <a:fontRef idx="minor">
-                <a:schemeClr val="lt1"/>
-              </a:fontRef>
-            </p:style>
-            <p:txBody>
-              <a:bodyPr rtlCol="0" anchor="ctr"/>
-              <a:lstStyle/>
-              <a:p>
-                <a:pPr algn="ctr"/>
-                <a:endParaRPr lang="en-GB"/>
-              </a:p>
-            </p:txBody>
-          </p:sp>
-          <p:sp>
-            <p:nvSpPr>
-              <p:cNvPr id="111" name="Rechteck 110">
-                <a:extLst>
-                  <a:ext uri="{FF2B5EF4-FFF2-40B4-BE49-F238E27FC236}">
-                    <a16:creationId xmlns:a16="http://schemas.microsoft.com/office/drawing/2014/main" id="{18E06F0D-AD45-4310-85D1-0A3F6F285607}"/>
-                  </a:ext>
-                </a:extLst>
-              </p:cNvPr>
-              <p:cNvSpPr/>
-              <p:nvPr/>
-            </p:nvSpPr>
-            <p:spPr>
-              <a:xfrm>
-                <a:off x="20666952" y="4127268"/>
-                <a:ext cx="535095" cy="185659"/>
-              </a:xfrm>
-              <a:prstGeom prst="rect">
-                <a:avLst/>
-              </a:prstGeom>
-              <a:noFill/>
-              <a:ln>
-                <a:solidFill>
-                  <a:schemeClr val="tx1">
-                    <a:lumMod val="50000"/>
-                    <a:lumOff val="50000"/>
-                  </a:schemeClr>
-                </a:solidFill>
-              </a:ln>
-            </p:spPr>
-            <p:style>
-              <a:lnRef idx="2">
-                <a:schemeClr val="accent1">
-                  <a:shade val="50000"/>
-                </a:schemeClr>
-              </a:lnRef>
-              <a:fillRef idx="1">
-                <a:schemeClr val="accent1"/>
-              </a:fillRef>
-              <a:effectRef idx="0">
-                <a:schemeClr val="accent1"/>
-              </a:effectRef>
-              <a:fontRef idx="minor">
-                <a:schemeClr val="lt1"/>
-              </a:fontRef>
-            </p:style>
-            <p:txBody>
-              <a:bodyPr rtlCol="0" anchor="ctr"/>
-              <a:lstStyle/>
-              <a:p>
-                <a:pPr algn="ctr"/>
-                <a:endParaRPr lang="en-GB"/>
-              </a:p>
-            </p:txBody>
-          </p:sp>
-          <p:sp>
-            <p:nvSpPr>
-              <p:cNvPr id="112" name="Rechteck 111">
-                <a:extLst>
-                  <a:ext uri="{FF2B5EF4-FFF2-40B4-BE49-F238E27FC236}">
-                    <a16:creationId xmlns:a16="http://schemas.microsoft.com/office/drawing/2014/main" id="{42888AF2-4289-4FB3-B2E6-836A76D48BA1}"/>
-                  </a:ext>
-                </a:extLst>
-              </p:cNvPr>
-              <p:cNvSpPr/>
-              <p:nvPr/>
-            </p:nvSpPr>
-            <p:spPr>
-              <a:xfrm>
-                <a:off x="20666952" y="4314458"/>
-                <a:ext cx="535095" cy="185659"/>
-              </a:xfrm>
-              <a:prstGeom prst="rect">
-                <a:avLst/>
-              </a:prstGeom>
-              <a:noFill/>
-              <a:ln>
-                <a:solidFill>
-                  <a:schemeClr val="tx1">
-                    <a:lumMod val="50000"/>
-                    <a:lumOff val="50000"/>
-                  </a:schemeClr>
-                </a:solidFill>
-              </a:ln>
-            </p:spPr>
-            <p:style>
-              <a:lnRef idx="2">
-                <a:schemeClr val="accent1">
-                  <a:shade val="50000"/>
-                </a:schemeClr>
-              </a:lnRef>
-              <a:fillRef idx="1">
-                <a:schemeClr val="accent1"/>
-              </a:fillRef>
-              <a:effectRef idx="0">
-                <a:schemeClr val="accent1"/>
-              </a:effectRef>
-              <a:fontRef idx="minor">
-                <a:schemeClr val="lt1"/>
-              </a:fontRef>
-            </p:style>
-            <p:txBody>
-              <a:bodyPr rtlCol="0" anchor="ctr"/>
-              <a:lstStyle/>
-              <a:p>
-                <a:pPr algn="ctr"/>
-                <a:endParaRPr lang="en-GB"/>
-              </a:p>
-            </p:txBody>
-          </p:sp>
-          <p:sp>
-            <p:nvSpPr>
-              <p:cNvPr id="113" name="Rechteck 112">
-                <a:extLst>
-                  <a:ext uri="{FF2B5EF4-FFF2-40B4-BE49-F238E27FC236}">
-                    <a16:creationId xmlns:a16="http://schemas.microsoft.com/office/drawing/2014/main" id="{5A2068C6-8D53-4AEE-A493-9597FFD42C8A}"/>
-                  </a:ext>
-                </a:extLst>
-              </p:cNvPr>
-              <p:cNvSpPr/>
-              <p:nvPr/>
-            </p:nvSpPr>
-            <p:spPr>
-              <a:xfrm>
-                <a:off x="20666952" y="4680516"/>
-                <a:ext cx="535095" cy="185659"/>
-              </a:xfrm>
-              <a:prstGeom prst="rect">
-                <a:avLst/>
-              </a:prstGeom>
-              <a:noFill/>
-              <a:ln>
-                <a:solidFill>
-                  <a:schemeClr val="tx1">
-                    <a:lumMod val="50000"/>
-                    <a:lumOff val="50000"/>
-                  </a:schemeClr>
-                </a:solidFill>
-              </a:ln>
-            </p:spPr>
-            <p:style>
-              <a:lnRef idx="2">
-                <a:schemeClr val="accent1">
-                  <a:shade val="50000"/>
-                </a:schemeClr>
-              </a:lnRef>
-              <a:fillRef idx="1">
-                <a:schemeClr val="accent1"/>
-              </a:fillRef>
-              <a:effectRef idx="0">
-                <a:schemeClr val="accent1"/>
-              </a:effectRef>
-              <a:fontRef idx="minor">
-                <a:schemeClr val="lt1"/>
-              </a:fontRef>
-            </p:style>
-            <p:txBody>
-              <a:bodyPr rtlCol="0" anchor="ctr"/>
-              <a:lstStyle/>
-              <a:p>
-                <a:pPr algn="ctr"/>
-                <a:endParaRPr lang="en-GB"/>
-              </a:p>
-            </p:txBody>
-          </p:sp>
-          <p:sp>
-            <p:nvSpPr>
-              <p:cNvPr id="114" name="Rechteck 113">
-                <a:extLst>
-                  <a:ext uri="{FF2B5EF4-FFF2-40B4-BE49-F238E27FC236}">
-                    <a16:creationId xmlns:a16="http://schemas.microsoft.com/office/drawing/2014/main" id="{41B37B50-07D5-4509-A4FA-D1AAB3991C8D}"/>
-                  </a:ext>
-                </a:extLst>
-              </p:cNvPr>
-              <p:cNvSpPr/>
-              <p:nvPr/>
-            </p:nvSpPr>
-            <p:spPr>
-              <a:xfrm>
-                <a:off x="20666622" y="4864652"/>
-                <a:ext cx="535095" cy="185659"/>
-              </a:xfrm>
-              <a:prstGeom prst="rect">
-                <a:avLst/>
-              </a:prstGeom>
-              <a:noFill/>
-              <a:ln>
-                <a:solidFill>
-                  <a:schemeClr val="tx1">
-                    <a:lumMod val="50000"/>
-                    <a:lumOff val="50000"/>
-                  </a:schemeClr>
-                </a:solidFill>
-              </a:ln>
-            </p:spPr>
-            <p:style>
-              <a:lnRef idx="2">
-                <a:schemeClr val="accent1">
-                  <a:shade val="50000"/>
-                </a:schemeClr>
-              </a:lnRef>
-              <a:fillRef idx="1">
-                <a:schemeClr val="accent1"/>
-              </a:fillRef>
-              <a:effectRef idx="0">
-                <a:schemeClr val="accent1"/>
-              </a:effectRef>
-              <a:fontRef idx="minor">
-                <a:schemeClr val="lt1"/>
-              </a:fontRef>
-            </p:style>
-            <p:txBody>
-              <a:bodyPr rtlCol="0" anchor="ctr"/>
-              <a:lstStyle/>
-              <a:p>
-                <a:pPr algn="ctr"/>
-                <a:endParaRPr lang="en-GB"/>
-              </a:p>
-            </p:txBody>
-          </p:sp>
-          <p:sp>
-            <p:nvSpPr>
-              <p:cNvPr id="115" name="Rechteck 114">
-                <a:extLst>
-                  <a:ext uri="{FF2B5EF4-FFF2-40B4-BE49-F238E27FC236}">
-                    <a16:creationId xmlns:a16="http://schemas.microsoft.com/office/drawing/2014/main" id="{0D626AAC-AC0A-49BF-B69F-28B2FEE03292}"/>
-                  </a:ext>
-                </a:extLst>
-              </p:cNvPr>
-              <p:cNvSpPr/>
-              <p:nvPr/>
-            </p:nvSpPr>
-            <p:spPr>
-              <a:xfrm>
-                <a:off x="20666622" y="5049073"/>
-                <a:ext cx="535095" cy="185659"/>
-              </a:xfrm>
-              <a:prstGeom prst="rect">
-                <a:avLst/>
-              </a:prstGeom>
-              <a:noFill/>
-              <a:ln>
-                <a:solidFill>
-                  <a:schemeClr val="tx1">
-                    <a:lumMod val="50000"/>
-                    <a:lumOff val="50000"/>
-                  </a:schemeClr>
-                </a:solidFill>
-              </a:ln>
-            </p:spPr>
-            <p:style>
-              <a:lnRef idx="2">
-                <a:schemeClr val="accent1">
-                  <a:shade val="50000"/>
-                </a:schemeClr>
-              </a:lnRef>
-              <a:fillRef idx="1">
-                <a:schemeClr val="accent1"/>
-              </a:fillRef>
-              <a:effectRef idx="0">
-                <a:schemeClr val="accent1"/>
-              </a:effectRef>
-              <a:fontRef idx="minor">
-                <a:schemeClr val="lt1"/>
-              </a:fontRef>
-            </p:style>
-            <p:txBody>
-              <a:bodyPr rtlCol="0" anchor="ctr"/>
-              <a:lstStyle/>
-              <a:p>
-                <a:pPr algn="ctr"/>
-                <a:endParaRPr lang="en-GB"/>
-              </a:p>
-            </p:txBody>
-          </p:sp>
-          <p:sp>
-            <p:nvSpPr>
-              <p:cNvPr id="116" name="Rechteck 115">
-                <a:extLst>
-                  <a:ext uri="{FF2B5EF4-FFF2-40B4-BE49-F238E27FC236}">
-                    <a16:creationId xmlns:a16="http://schemas.microsoft.com/office/drawing/2014/main" id="{38A27383-E9CD-4E32-A0E0-49FF40948A5E}"/>
-                  </a:ext>
-                </a:extLst>
-              </p:cNvPr>
-              <p:cNvSpPr/>
-              <p:nvPr/>
-            </p:nvSpPr>
-            <p:spPr>
-              <a:xfrm>
-                <a:off x="20666622" y="5234747"/>
-                <a:ext cx="535095" cy="185659"/>
-              </a:xfrm>
-              <a:prstGeom prst="rect">
-                <a:avLst/>
-              </a:prstGeom>
-              <a:noFill/>
-              <a:ln>
-                <a:solidFill>
-                  <a:schemeClr val="tx1">
-                    <a:lumMod val="50000"/>
-                    <a:lumOff val="50000"/>
-                  </a:schemeClr>
-                </a:solidFill>
-              </a:ln>
-            </p:spPr>
-            <p:style>
-              <a:lnRef idx="2">
-                <a:schemeClr val="accent1">
-                  <a:shade val="50000"/>
-                </a:schemeClr>
-              </a:lnRef>
-              <a:fillRef idx="1">
-                <a:schemeClr val="accent1"/>
-              </a:fillRef>
-              <a:effectRef idx="0">
-                <a:schemeClr val="accent1"/>
-              </a:effectRef>
-              <a:fontRef idx="minor">
-                <a:schemeClr val="lt1"/>
-              </a:fontRef>
-            </p:style>
-            <p:txBody>
-              <a:bodyPr rtlCol="0" anchor="ctr"/>
-              <a:lstStyle/>
-              <a:p>
-                <a:pPr algn="ctr"/>
-                <a:endParaRPr lang="en-GB"/>
-              </a:p>
-            </p:txBody>
-          </p:sp>
-          <p:sp>
-            <p:nvSpPr>
-              <p:cNvPr id="117" name="Rechteck 116">
-                <a:extLst>
-                  <a:ext uri="{FF2B5EF4-FFF2-40B4-BE49-F238E27FC236}">
-                    <a16:creationId xmlns:a16="http://schemas.microsoft.com/office/drawing/2014/main" id="{608B38CE-0EB3-48D7-A685-DD26FE4A3342}"/>
-                  </a:ext>
-                </a:extLst>
-              </p:cNvPr>
-              <p:cNvSpPr/>
-              <p:nvPr/>
-            </p:nvSpPr>
-            <p:spPr>
-              <a:xfrm>
-                <a:off x="20666622" y="5426503"/>
-                <a:ext cx="535095" cy="185659"/>
-              </a:xfrm>
-              <a:prstGeom prst="rect">
-                <a:avLst/>
-              </a:prstGeom>
-              <a:noFill/>
-              <a:ln>
-                <a:solidFill>
-                  <a:schemeClr val="tx1">
-                    <a:lumMod val="50000"/>
-                    <a:lumOff val="50000"/>
-                  </a:schemeClr>
-                </a:solidFill>
-              </a:ln>
-            </p:spPr>
-            <p:style>
-              <a:lnRef idx="2">
-                <a:schemeClr val="accent1">
-                  <a:shade val="50000"/>
-                </a:schemeClr>
-              </a:lnRef>
-              <a:fillRef idx="1">
-                <a:schemeClr val="accent1"/>
-              </a:fillRef>
-              <a:effectRef idx="0">
-                <a:schemeClr val="accent1"/>
-              </a:effectRef>
-              <a:fontRef idx="minor">
-                <a:schemeClr val="lt1"/>
-              </a:fontRef>
-            </p:style>
-            <p:txBody>
-              <a:bodyPr rtlCol="0" anchor="ctr"/>
-              <a:lstStyle/>
-              <a:p>
-                <a:pPr algn="ctr"/>
-                <a:endParaRPr lang="en-GB"/>
-              </a:p>
-            </p:txBody>
-          </p:sp>
-          <p:sp>
-            <p:nvSpPr>
-              <p:cNvPr id="118" name="Rechteck 117">
-                <a:extLst>
-                  <a:ext uri="{FF2B5EF4-FFF2-40B4-BE49-F238E27FC236}">
-                    <a16:creationId xmlns:a16="http://schemas.microsoft.com/office/drawing/2014/main" id="{A0CDB038-F757-409E-BB3D-9902C76EF3CB}"/>
-                  </a:ext>
-                </a:extLst>
-              </p:cNvPr>
-              <p:cNvSpPr/>
-              <p:nvPr/>
-            </p:nvSpPr>
-            <p:spPr>
-              <a:xfrm>
-                <a:off x="21732239" y="5608352"/>
-                <a:ext cx="535095" cy="185659"/>
-              </a:xfrm>
-              <a:prstGeom prst="rect">
-                <a:avLst/>
-              </a:prstGeom>
-              <a:noFill/>
-              <a:ln>
-                <a:solidFill>
-                  <a:schemeClr val="tx1">
-                    <a:lumMod val="50000"/>
-                    <a:lumOff val="50000"/>
-                  </a:schemeClr>
-                </a:solidFill>
-              </a:ln>
-            </p:spPr>
-            <p:style>
-              <a:lnRef idx="2">
-                <a:schemeClr val="accent1">
-                  <a:shade val="50000"/>
-                </a:schemeClr>
-              </a:lnRef>
-              <a:fillRef idx="1">
-                <a:schemeClr val="accent1"/>
-              </a:fillRef>
-              <a:effectRef idx="0">
-                <a:schemeClr val="accent1"/>
-              </a:effectRef>
-              <a:fontRef idx="minor">
-                <a:schemeClr val="lt1"/>
-              </a:fontRef>
-            </p:style>
-            <p:txBody>
-              <a:bodyPr rtlCol="0" anchor="ctr"/>
-              <a:lstStyle/>
-              <a:p>
-                <a:pPr algn="ctr"/>
-                <a:endParaRPr lang="en-GB"/>
-              </a:p>
-            </p:txBody>
-          </p:sp>
-          <p:sp>
-            <p:nvSpPr>
-              <p:cNvPr id="119" name="Rechteck 118">
-                <a:extLst>
-                  <a:ext uri="{FF2B5EF4-FFF2-40B4-BE49-F238E27FC236}">
-                    <a16:creationId xmlns:a16="http://schemas.microsoft.com/office/drawing/2014/main" id="{C3D6678D-74DF-4612-B17B-2C8B96D38C9C}"/>
-                  </a:ext>
-                </a:extLst>
-              </p:cNvPr>
-              <p:cNvSpPr/>
-              <p:nvPr/>
-            </p:nvSpPr>
-            <p:spPr>
-              <a:xfrm>
-                <a:off x="21193459" y="5791007"/>
-                <a:ext cx="535095" cy="185659"/>
-              </a:xfrm>
-              <a:prstGeom prst="rect">
-                <a:avLst/>
-              </a:prstGeom>
-              <a:noFill/>
-              <a:ln>
-                <a:solidFill>
-                  <a:schemeClr val="tx1">
-                    <a:lumMod val="50000"/>
-                    <a:lumOff val="50000"/>
-                  </a:schemeClr>
-                </a:solidFill>
-              </a:ln>
-            </p:spPr>
-            <p:style>
-              <a:lnRef idx="2">
-                <a:schemeClr val="accent1">
-                  <a:shade val="50000"/>
-                </a:schemeClr>
-              </a:lnRef>
-              <a:fillRef idx="1">
-                <a:schemeClr val="accent1"/>
-              </a:fillRef>
-              <a:effectRef idx="0">
-                <a:schemeClr val="accent1"/>
-              </a:effectRef>
-              <a:fontRef idx="minor">
-                <a:schemeClr val="lt1"/>
-              </a:fontRef>
-            </p:style>
-            <p:txBody>
-              <a:bodyPr rtlCol="0" anchor="ctr"/>
-              <a:lstStyle/>
-              <a:p>
-                <a:pPr algn="ctr"/>
-                <a:endParaRPr lang="en-GB"/>
-              </a:p>
-            </p:txBody>
-          </p:sp>
-          <p:sp>
-            <p:nvSpPr>
-              <p:cNvPr id="120" name="Rechteck 119">
-                <a:extLst>
-                  <a:ext uri="{FF2B5EF4-FFF2-40B4-BE49-F238E27FC236}">
-                    <a16:creationId xmlns:a16="http://schemas.microsoft.com/office/drawing/2014/main" id="{D1206544-4D03-49C3-A5AF-88872F751D6E}"/>
-                  </a:ext>
-                </a:extLst>
-              </p:cNvPr>
-              <p:cNvSpPr/>
-              <p:nvPr/>
-            </p:nvSpPr>
-            <p:spPr>
-              <a:xfrm>
-                <a:off x="21193459" y="5982147"/>
-                <a:ext cx="535095" cy="185659"/>
-              </a:xfrm>
-              <a:prstGeom prst="rect">
-                <a:avLst/>
-              </a:prstGeom>
-              <a:noFill/>
-              <a:ln>
-                <a:solidFill>
-                  <a:schemeClr val="tx1">
-                    <a:lumMod val="50000"/>
-                    <a:lumOff val="50000"/>
-                  </a:schemeClr>
-                </a:solidFill>
-              </a:ln>
-            </p:spPr>
-            <p:style>
-              <a:lnRef idx="2">
-                <a:schemeClr val="accent1">
-                  <a:shade val="50000"/>
-                </a:schemeClr>
-              </a:lnRef>
-              <a:fillRef idx="1">
-                <a:schemeClr val="accent1"/>
-              </a:fillRef>
-              <a:effectRef idx="0">
-                <a:schemeClr val="accent1"/>
-              </a:effectRef>
-              <a:fontRef idx="minor">
-                <a:schemeClr val="lt1"/>
-              </a:fontRef>
-            </p:style>
-            <p:txBody>
-              <a:bodyPr rtlCol="0" anchor="ctr"/>
-              <a:lstStyle/>
-              <a:p>
-                <a:pPr algn="ctr"/>
-                <a:endParaRPr lang="en-GB"/>
-              </a:p>
-            </p:txBody>
-          </p:sp>
-          <p:sp>
-            <p:nvSpPr>
-              <p:cNvPr id="121" name="Rechteck 120">
-                <a:extLst>
-                  <a:ext uri="{FF2B5EF4-FFF2-40B4-BE49-F238E27FC236}">
-                    <a16:creationId xmlns:a16="http://schemas.microsoft.com/office/drawing/2014/main" id="{38940F2A-0291-4446-93A5-85FB9873AE8E}"/>
-                  </a:ext>
-                </a:extLst>
-              </p:cNvPr>
-              <p:cNvSpPr/>
-              <p:nvPr/>
-            </p:nvSpPr>
-            <p:spPr>
-              <a:xfrm>
-                <a:off x="20663760" y="6164602"/>
-                <a:ext cx="535095" cy="185659"/>
-              </a:xfrm>
-              <a:prstGeom prst="rect">
-                <a:avLst/>
-              </a:prstGeom>
-              <a:noFill/>
-              <a:ln>
-                <a:solidFill>
-                  <a:schemeClr val="tx1">
-                    <a:lumMod val="50000"/>
-                    <a:lumOff val="50000"/>
-                  </a:schemeClr>
-                </a:solidFill>
-              </a:ln>
-            </p:spPr>
-            <p:style>
-              <a:lnRef idx="2">
-                <a:schemeClr val="accent1">
-                  <a:shade val="50000"/>
-                </a:schemeClr>
-              </a:lnRef>
-              <a:fillRef idx="1">
-                <a:schemeClr val="accent1"/>
-              </a:fillRef>
-              <a:effectRef idx="0">
-                <a:schemeClr val="accent1"/>
-              </a:effectRef>
-              <a:fontRef idx="minor">
-                <a:schemeClr val="lt1"/>
-              </a:fontRef>
-            </p:style>
-            <p:txBody>
-              <a:bodyPr rtlCol="0" anchor="ctr"/>
-              <a:lstStyle/>
-              <a:p>
-                <a:pPr algn="ctr"/>
-                <a:endParaRPr lang="en-GB"/>
-              </a:p>
-            </p:txBody>
-          </p:sp>
-          <p:sp>
-            <p:nvSpPr>
-              <p:cNvPr id="122" name="Rechteck 121">
-                <a:extLst>
-                  <a:ext uri="{FF2B5EF4-FFF2-40B4-BE49-F238E27FC236}">
-                    <a16:creationId xmlns:a16="http://schemas.microsoft.com/office/drawing/2014/main" id="{429A0F83-DCCE-4572-9BDD-298149BD459D}"/>
-                  </a:ext>
-                </a:extLst>
-              </p:cNvPr>
-              <p:cNvSpPr/>
-              <p:nvPr/>
-            </p:nvSpPr>
-            <p:spPr>
-              <a:xfrm>
-                <a:off x="20663760" y="6347512"/>
-                <a:ext cx="535095" cy="185659"/>
-              </a:xfrm>
-              <a:prstGeom prst="rect">
-                <a:avLst/>
-              </a:prstGeom>
-              <a:noFill/>
-              <a:ln>
-                <a:solidFill>
-                  <a:schemeClr val="tx1">
-                    <a:lumMod val="50000"/>
-                    <a:lumOff val="50000"/>
-                  </a:schemeClr>
-                </a:solidFill>
-              </a:ln>
-            </p:spPr>
-            <p:style>
-              <a:lnRef idx="2">
-                <a:schemeClr val="accent1">
-                  <a:shade val="50000"/>
-                </a:schemeClr>
-              </a:lnRef>
-              <a:fillRef idx="1">
-                <a:schemeClr val="accent1"/>
-              </a:fillRef>
-              <a:effectRef idx="0">
-                <a:schemeClr val="accent1"/>
-              </a:effectRef>
-              <a:fontRef idx="minor">
-                <a:schemeClr val="lt1"/>
-              </a:fontRef>
-            </p:style>
-            <p:txBody>
-              <a:bodyPr rtlCol="0" anchor="ctr"/>
-              <a:lstStyle/>
-              <a:p>
-                <a:pPr algn="ctr"/>
-                <a:endParaRPr lang="en-GB"/>
-              </a:p>
-            </p:txBody>
-          </p:sp>
-          <p:sp>
-            <p:nvSpPr>
-              <p:cNvPr id="123" name="Rechteck 122">
-                <a:extLst>
-                  <a:ext uri="{FF2B5EF4-FFF2-40B4-BE49-F238E27FC236}">
-                    <a16:creationId xmlns:a16="http://schemas.microsoft.com/office/drawing/2014/main" id="{4AD4BE51-E110-4E0D-A4BD-506E3285FE68}"/>
-                  </a:ext>
-                </a:extLst>
-              </p:cNvPr>
-              <p:cNvSpPr/>
-              <p:nvPr/>
-            </p:nvSpPr>
-            <p:spPr>
-              <a:xfrm>
-                <a:off x="20663760" y="6534397"/>
-                <a:ext cx="535095" cy="185659"/>
-              </a:xfrm>
-              <a:prstGeom prst="rect">
-                <a:avLst/>
-              </a:prstGeom>
-              <a:noFill/>
-              <a:ln>
-                <a:solidFill>
-                  <a:schemeClr val="tx1">
-                    <a:lumMod val="50000"/>
-                    <a:lumOff val="50000"/>
-                  </a:schemeClr>
-                </a:solidFill>
-              </a:ln>
-            </p:spPr>
-            <p:style>
-              <a:lnRef idx="2">
-                <a:schemeClr val="accent1">
-                  <a:shade val="50000"/>
-                </a:schemeClr>
-              </a:lnRef>
-              <a:fillRef idx="1">
-                <a:schemeClr val="accent1"/>
-              </a:fillRef>
-              <a:effectRef idx="0">
-                <a:schemeClr val="accent1"/>
-              </a:effectRef>
-              <a:fontRef idx="minor">
-                <a:schemeClr val="lt1"/>
-              </a:fontRef>
-            </p:style>
-            <p:txBody>
-              <a:bodyPr rtlCol="0" anchor="ctr"/>
-              <a:lstStyle/>
-              <a:p>
-                <a:pPr algn="ctr"/>
-                <a:endParaRPr lang="en-GB"/>
-              </a:p>
-            </p:txBody>
-          </p:sp>
-        </p:grpSp>
-        <p:sp>
-          <p:nvSpPr>
-            <p:cNvPr id="102" name="Rechteck 101">
-              <a:extLst>
-                <a:ext uri="{FF2B5EF4-FFF2-40B4-BE49-F238E27FC236}">
-                  <a16:creationId xmlns:a16="http://schemas.microsoft.com/office/drawing/2014/main" id="{EE214473-7542-4913-A2A5-C8D5E3345B32}"/>
-                </a:ext>
-              </a:extLst>
-            </p:cNvPr>
-            <p:cNvSpPr/>
-            <p:nvPr/>
-          </p:nvSpPr>
-          <p:spPr>
-            <a:xfrm rot="18884007">
-              <a:off x="19747469" y="6950519"/>
-              <a:ext cx="1705790" cy="331585"/>
-            </a:xfrm>
-            <a:prstGeom prst="rect">
-              <a:avLst/>
-            </a:prstGeom>
-            <a:noFill/>
-            <a:ln>
-              <a:noFill/>
-            </a:ln>
-          </p:spPr>
-          <p:style>
-            <a:lnRef idx="2">
-              <a:schemeClr val="accent1">
-                <a:shade val="50000"/>
-              </a:schemeClr>
-            </a:lnRef>
-            <a:fillRef idx="1">
-              <a:schemeClr val="accent1"/>
-            </a:fillRef>
-            <a:effectRef idx="0">
-              <a:schemeClr val="accent1"/>
-            </a:effectRef>
-            <a:fontRef idx="minor">
-              <a:schemeClr val="lt1"/>
-            </a:fontRef>
-          </p:style>
-          <p:txBody>
-            <a:bodyPr rtlCol="0" anchor="ctr"/>
-            <a:lstStyle/>
-            <a:p>
-              <a:pPr algn="ctr"/>
-              <a:r>
-                <a:rPr lang="en-GB" sz="800" b="1" dirty="0">
-                  <a:solidFill>
-                    <a:schemeClr val="tx1"/>
-                  </a:solidFill>
-                  <a:latin typeface="Segoe UI Light" panose="020B0502040204020203" pitchFamily="34" charset="0"/>
-                  <a:cs typeface="Segoe UI Light" panose="020B0502040204020203" pitchFamily="34" charset="0"/>
-                </a:rPr>
-                <a:t>Country Development</a:t>
-              </a:r>
-            </a:p>
-          </p:txBody>
-        </p:sp>
-        <p:sp>
-          <p:nvSpPr>
-            <p:cNvPr id="104" name="Rechteck 103">
-              <a:extLst>
-                <a:ext uri="{FF2B5EF4-FFF2-40B4-BE49-F238E27FC236}">
-                  <a16:creationId xmlns:a16="http://schemas.microsoft.com/office/drawing/2014/main" id="{55BBC88D-9C6D-4EC6-A43D-52EE4910216A}"/>
-                </a:ext>
-              </a:extLst>
-            </p:cNvPr>
-            <p:cNvSpPr/>
-            <p:nvPr/>
-          </p:nvSpPr>
-          <p:spPr>
-            <a:xfrm rot="18884007">
-              <a:off x="20300434" y="6950481"/>
-              <a:ext cx="1705790" cy="331585"/>
-            </a:xfrm>
-            <a:prstGeom prst="rect">
-              <a:avLst/>
-            </a:prstGeom>
-            <a:noFill/>
-            <a:ln>
-              <a:noFill/>
-            </a:ln>
-          </p:spPr>
-          <p:style>
-            <a:lnRef idx="2">
-              <a:schemeClr val="accent1">
-                <a:shade val="50000"/>
-              </a:schemeClr>
-            </a:lnRef>
-            <a:fillRef idx="1">
-              <a:schemeClr val="accent1"/>
-            </a:fillRef>
-            <a:effectRef idx="0">
-              <a:schemeClr val="accent1"/>
-            </a:effectRef>
-            <a:fontRef idx="minor">
-              <a:schemeClr val="lt1"/>
-            </a:fontRef>
-          </p:style>
-          <p:txBody>
-            <a:bodyPr rtlCol="0" anchor="ctr"/>
-            <a:lstStyle/>
-            <a:p>
-              <a:pPr algn="ctr"/>
-              <a:r>
-                <a:rPr lang="en-GB" sz="800" b="1" dirty="0">
-                  <a:solidFill>
-                    <a:schemeClr val="tx1"/>
-                  </a:solidFill>
-                  <a:latin typeface="Segoe UI Light" panose="020B0502040204020203" pitchFamily="34" charset="0"/>
-                  <a:cs typeface="Segoe UI Light" panose="020B0502040204020203" pitchFamily="34" charset="0"/>
-                </a:rPr>
-                <a:t>Freedom &amp; Corruption</a:t>
-              </a:r>
-            </a:p>
-          </p:txBody>
-        </p:sp>
-        <p:sp>
-          <p:nvSpPr>
-            <p:cNvPr id="105" name="Rechteck 104">
-              <a:extLst>
-                <a:ext uri="{FF2B5EF4-FFF2-40B4-BE49-F238E27FC236}">
-                  <a16:creationId xmlns:a16="http://schemas.microsoft.com/office/drawing/2014/main" id="{3FA6D8C5-F014-4805-951D-B5F7A4B65C57}"/>
-                </a:ext>
-              </a:extLst>
-            </p:cNvPr>
-            <p:cNvSpPr/>
-            <p:nvPr/>
-          </p:nvSpPr>
-          <p:spPr>
-            <a:xfrm rot="18884007">
-              <a:off x="20975890" y="6796728"/>
-              <a:ext cx="1705790" cy="331585"/>
-            </a:xfrm>
-            <a:prstGeom prst="rect">
-              <a:avLst/>
-            </a:prstGeom>
-            <a:noFill/>
-            <a:ln>
-              <a:noFill/>
-            </a:ln>
-          </p:spPr>
-          <p:style>
-            <a:lnRef idx="2">
-              <a:schemeClr val="accent1">
-                <a:shade val="50000"/>
-              </a:schemeClr>
-            </a:lnRef>
-            <a:fillRef idx="1">
-              <a:schemeClr val="accent1"/>
-            </a:fillRef>
-            <a:effectRef idx="0">
-              <a:schemeClr val="accent1"/>
-            </a:effectRef>
-            <a:fontRef idx="minor">
-              <a:schemeClr val="lt1"/>
-            </a:fontRef>
-          </p:style>
-          <p:txBody>
-            <a:bodyPr rtlCol="0" anchor="ctr"/>
-            <a:lstStyle/>
-            <a:p>
-              <a:pPr algn="ctr"/>
-              <a:r>
-                <a:rPr lang="en-GB" sz="800" b="1" dirty="0">
-                  <a:solidFill>
-                    <a:schemeClr val="tx1"/>
-                  </a:solidFill>
-                  <a:latin typeface="Segoe UI Light" panose="020B0502040204020203" pitchFamily="34" charset="0"/>
-                  <a:cs typeface="Segoe UI Light" panose="020B0502040204020203" pitchFamily="34" charset="0"/>
-                </a:rPr>
-                <a:t>Air Pollution</a:t>
-              </a:r>
-            </a:p>
-          </p:txBody>
-        </p:sp>
-      </p:grpSp>
-      <p:sp>
-        <p:nvSpPr>
-          <p:cNvPr id="124" name="Textfeld 123">
-            <a:extLst>
-              <a:ext uri="{FF2B5EF4-FFF2-40B4-BE49-F238E27FC236}">
-                <a16:creationId xmlns:a16="http://schemas.microsoft.com/office/drawing/2014/main" id="{C393C8C4-076C-42F8-9EC6-0D479387351C}"/>
+      <p:sp>
+        <p:nvSpPr>
+          <p:cNvPr id="72" name="Textfeld 71">
+            <a:extLst>
+              <a:ext uri="{FF2B5EF4-FFF2-40B4-BE49-F238E27FC236}">
+                <a16:creationId xmlns:a16="http://schemas.microsoft.com/office/drawing/2014/main" id="{D5EF76CC-33D3-48A7-8C05-59C9B393CD5D}"/>
               </a:ext>
             </a:extLst>
           </p:cNvPr>
@@ -8131,8 +6464,8 @@
         </p:nvSpPr>
         <p:spPr>
           <a:xfrm>
-            <a:off x="16190979" y="3177669"/>
-            <a:ext cx="3159932" cy="307777"/>
+            <a:off x="19843665" y="2954032"/>
+            <a:ext cx="1530377" cy="3334246"/>
           </a:xfrm>
           <a:prstGeom prst="rect">
             <a:avLst/>
@@ -8145,764 +6478,269 @@
           </a:bodyPr>
           <a:lstStyle/>
           <a:p>
-            <a:r>
-              <a:rPr lang="en-GB" sz="1400" dirty="0">
-                <a:latin typeface="Segoe UI Light" panose="020B0502040204020203" pitchFamily="34" charset="0"/>
-                <a:cs typeface="Segoe UI Light" panose="020B0502040204020203" pitchFamily="34" charset="0"/>
-              </a:rPr>
-              <a:t>PCA Scree Plot</a:t>
-            </a:r>
-            <a:endParaRPr lang="en-GB" b="1" dirty="0">
-              <a:latin typeface="Segoe UI Light" panose="020B0502040204020203" pitchFamily="34" charset="0"/>
-              <a:cs typeface="Segoe UI Light" panose="020B0502040204020203" pitchFamily="34" charset="0"/>
-            </a:endParaRPr>
-          </a:p>
-        </p:txBody>
-      </p:sp>
-      <p:sp>
-        <p:nvSpPr>
-          <p:cNvPr id="125" name="Textfeld 124">
-            <a:extLst>
-              <a:ext uri="{FF2B5EF4-FFF2-40B4-BE49-F238E27FC236}">
-                <a16:creationId xmlns:a16="http://schemas.microsoft.com/office/drawing/2014/main" id="{0B02C4DB-84B4-430E-89D6-521A4D506778}"/>
-              </a:ext>
-            </a:extLst>
-          </p:cNvPr>
-          <p:cNvSpPr txBox="1"/>
-          <p:nvPr/>
-        </p:nvSpPr>
-        <p:spPr>
-          <a:xfrm>
-            <a:off x="19596309" y="3147796"/>
-            <a:ext cx="3159932" cy="307777"/>
+            <a:pPr algn="r">
+              <a:spcBef>
+                <a:spcPts val="500"/>
+              </a:spcBef>
+            </a:pPr>
+            <a:r>
+              <a:rPr lang="en-GB" sz="800" dirty="0">
+                <a:latin typeface="Segoe UI Light" panose="020B0502040204020203" pitchFamily="34" charset="0"/>
+                <a:cs typeface="Segoe UI Light" panose="020B0502040204020203" pitchFamily="34" charset="0"/>
+              </a:rPr>
+              <a:t>Urban Population</a:t>
+            </a:r>
+          </a:p>
+          <a:p>
+            <a:pPr algn="r">
+              <a:spcBef>
+                <a:spcPts val="500"/>
+              </a:spcBef>
+            </a:pPr>
+            <a:r>
+              <a:rPr lang="en-GB" sz="800" dirty="0">
+                <a:latin typeface="Segoe UI Light" panose="020B0502040204020203" pitchFamily="34" charset="0"/>
+                <a:cs typeface="Segoe UI Light" panose="020B0502040204020203" pitchFamily="34" charset="0"/>
+              </a:rPr>
+              <a:t>Automotive Mortality</a:t>
+            </a:r>
+          </a:p>
+          <a:p>
+            <a:pPr algn="r">
+              <a:spcBef>
+                <a:spcPts val="500"/>
+              </a:spcBef>
+            </a:pPr>
+            <a:r>
+              <a:rPr lang="en-GB" sz="800" dirty="0">
+                <a:latin typeface="Segoe UI Light" panose="020B0502040204020203" pitchFamily="34" charset="0"/>
+                <a:cs typeface="Segoe UI Light" panose="020B0502040204020203" pitchFamily="34" charset="0"/>
+              </a:rPr>
+              <a:t>Infant Immunization Measles</a:t>
+            </a:r>
+          </a:p>
+          <a:p>
+            <a:pPr algn="r">
+              <a:spcBef>
+                <a:spcPts val="500"/>
+              </a:spcBef>
+            </a:pPr>
+            <a:r>
+              <a:rPr lang="en-GB" sz="800" dirty="0">
+                <a:latin typeface="Segoe UI Light" panose="020B0502040204020203" pitchFamily="34" charset="0"/>
+                <a:cs typeface="Segoe UI Light" panose="020B0502040204020203" pitchFamily="34" charset="0"/>
+              </a:rPr>
+              <a:t>Entrepreneurship Cost</a:t>
+            </a:r>
+          </a:p>
+          <a:p>
+            <a:pPr algn="r">
+              <a:spcBef>
+                <a:spcPts val="500"/>
+              </a:spcBef>
+            </a:pPr>
+            <a:r>
+              <a:rPr lang="en-GB" sz="800" dirty="0">
+                <a:latin typeface="Segoe UI Light" panose="020B0502040204020203" pitchFamily="34" charset="0"/>
+                <a:cs typeface="Segoe UI Light" panose="020B0502040204020203" pitchFamily="34" charset="0"/>
+              </a:rPr>
+              <a:t>Electricity Access</a:t>
+            </a:r>
+          </a:p>
+          <a:p>
+            <a:pPr algn="r">
+              <a:spcBef>
+                <a:spcPts val="500"/>
+              </a:spcBef>
+            </a:pPr>
+            <a:r>
+              <a:rPr lang="en-GB" sz="800" dirty="0">
+                <a:latin typeface="Segoe UI Light" panose="020B0502040204020203" pitchFamily="34" charset="0"/>
+                <a:cs typeface="Segoe UI Light" panose="020B0502040204020203" pitchFamily="34" charset="0"/>
+              </a:rPr>
+              <a:t>Obesity</a:t>
+            </a:r>
+          </a:p>
+          <a:p>
+            <a:pPr algn="r">
+              <a:spcBef>
+                <a:spcPts val="500"/>
+              </a:spcBef>
+            </a:pPr>
+            <a:r>
+              <a:rPr lang="en-GB" sz="800" dirty="0">
+                <a:latin typeface="Segoe UI Light" panose="020B0502040204020203" pitchFamily="34" charset="0"/>
+                <a:cs typeface="Segoe UI Light" panose="020B0502040204020203" pitchFamily="34" charset="0"/>
+              </a:rPr>
+              <a:t>Clean Water</a:t>
+            </a:r>
+          </a:p>
+          <a:p>
+            <a:pPr algn="r">
+              <a:spcBef>
+                <a:spcPts val="500"/>
+              </a:spcBef>
+            </a:pPr>
+            <a:r>
+              <a:rPr lang="en-GB" sz="800" dirty="0">
+                <a:latin typeface="Segoe UI Light" panose="020B0502040204020203" pitchFamily="34" charset="0"/>
+                <a:cs typeface="Segoe UI Light" panose="020B0502040204020203" pitchFamily="34" charset="0"/>
+              </a:rPr>
+              <a:t>Birth Rate</a:t>
+            </a:r>
+          </a:p>
+          <a:p>
+            <a:pPr algn="r">
+              <a:spcBef>
+                <a:spcPts val="500"/>
+              </a:spcBef>
+            </a:pPr>
+            <a:r>
+              <a:rPr lang="en-GB" sz="800" dirty="0">
+                <a:latin typeface="Segoe UI Light" panose="020B0502040204020203" pitchFamily="34" charset="0"/>
+                <a:cs typeface="Segoe UI Light" panose="020B0502040204020203" pitchFamily="34" charset="0"/>
+              </a:rPr>
+              <a:t>Child Mortality</a:t>
+            </a:r>
+          </a:p>
+          <a:p>
+            <a:pPr algn="r">
+              <a:spcBef>
+                <a:spcPts val="500"/>
+              </a:spcBef>
+            </a:pPr>
+            <a:r>
+              <a:rPr lang="en-GB" sz="800" dirty="0">
+                <a:latin typeface="Segoe UI Light" panose="020B0502040204020203" pitchFamily="34" charset="0"/>
+                <a:cs typeface="Segoe UI Light" panose="020B0502040204020203" pitchFamily="34" charset="0"/>
+              </a:rPr>
+              <a:t>Cellular Subscriber</a:t>
+            </a:r>
+          </a:p>
+          <a:p>
+            <a:pPr algn="r">
+              <a:spcBef>
+                <a:spcPts val="500"/>
+              </a:spcBef>
+            </a:pPr>
+            <a:r>
+              <a:rPr lang="en-GB" sz="800" dirty="0">
+                <a:latin typeface="Segoe UI Light" panose="020B0502040204020203" pitchFamily="34" charset="0"/>
+                <a:cs typeface="Segoe UI Light" panose="020B0502040204020203" pitchFamily="34" charset="0"/>
+              </a:rPr>
+              <a:t>Internet Usage</a:t>
+            </a:r>
+          </a:p>
+          <a:p>
+            <a:pPr algn="r">
+              <a:spcBef>
+                <a:spcPts val="500"/>
+              </a:spcBef>
+            </a:pPr>
+            <a:r>
+              <a:rPr lang="en-GB" sz="800" dirty="0">
+                <a:latin typeface="Segoe UI Light" panose="020B0502040204020203" pitchFamily="34" charset="0"/>
+                <a:cs typeface="Segoe UI Light" panose="020B0502040204020203" pitchFamily="34" charset="0"/>
+              </a:rPr>
+              <a:t>Air Pollution</a:t>
+            </a:r>
+          </a:p>
+          <a:p>
+            <a:pPr algn="r">
+              <a:spcBef>
+                <a:spcPts val="500"/>
+              </a:spcBef>
+            </a:pPr>
+            <a:r>
+              <a:rPr lang="en-GB" sz="800" dirty="0">
+                <a:latin typeface="Segoe UI Light" panose="020B0502040204020203" pitchFamily="34" charset="0"/>
+                <a:cs typeface="Segoe UI Light" panose="020B0502040204020203" pitchFamily="34" charset="0"/>
+              </a:rPr>
+              <a:t>Trust Government (Corruption)</a:t>
+            </a:r>
+          </a:p>
+          <a:p>
+            <a:pPr algn="r">
+              <a:spcBef>
+                <a:spcPts val="500"/>
+              </a:spcBef>
+            </a:pPr>
+            <a:r>
+              <a:rPr lang="en-GB" sz="800" dirty="0">
+                <a:latin typeface="Segoe UI Light" panose="020B0502040204020203" pitchFamily="34" charset="0"/>
+                <a:cs typeface="Segoe UI Light" panose="020B0502040204020203" pitchFamily="34" charset="0"/>
+              </a:rPr>
+              <a:t>Freedom</a:t>
+            </a:r>
+          </a:p>
+          <a:p>
+            <a:pPr algn="r">
+              <a:spcBef>
+                <a:spcPts val="500"/>
+              </a:spcBef>
+            </a:pPr>
+            <a:r>
+              <a:rPr lang="en-GB" sz="800" dirty="0">
+                <a:latin typeface="Segoe UI Light" panose="020B0502040204020203" pitchFamily="34" charset="0"/>
+                <a:cs typeface="Segoe UI Light" panose="020B0502040204020203" pitchFamily="34" charset="0"/>
+              </a:rPr>
+              <a:t>Health Life Expectancy</a:t>
+            </a:r>
+          </a:p>
+          <a:p>
+            <a:pPr algn="r">
+              <a:spcBef>
+                <a:spcPts val="500"/>
+              </a:spcBef>
+            </a:pPr>
+            <a:r>
+              <a:rPr lang="en-GB" sz="800" dirty="0">
+                <a:latin typeface="Segoe UI Light" panose="020B0502040204020203" pitchFamily="34" charset="0"/>
+                <a:cs typeface="Segoe UI Light" panose="020B0502040204020203" pitchFamily="34" charset="0"/>
+              </a:rPr>
+              <a:t>Family</a:t>
+            </a:r>
+          </a:p>
+          <a:p>
+            <a:pPr algn="r">
+              <a:spcBef>
+                <a:spcPts val="500"/>
+              </a:spcBef>
+            </a:pPr>
+            <a:r>
+              <a:rPr lang="en-GB" sz="800" dirty="0">
+                <a:latin typeface="Segoe UI Light" panose="020B0502040204020203" pitchFamily="34" charset="0"/>
+                <a:cs typeface="Segoe UI Light" panose="020B0502040204020203" pitchFamily="34" charset="0"/>
+              </a:rPr>
+              <a:t>Economy GDP per Capita</a:t>
+            </a:r>
+          </a:p>
+        </p:txBody>
+      </p:sp>
+      <p:sp>
+        <p:nvSpPr>
+          <p:cNvPr id="102" name="Rechteck 101">
+            <a:extLst>
+              <a:ext uri="{FF2B5EF4-FFF2-40B4-BE49-F238E27FC236}">
+                <a16:creationId xmlns:a16="http://schemas.microsoft.com/office/drawing/2014/main" id="{EE214473-7542-4913-A2A5-C8D5E3345B32}"/>
+              </a:ext>
+            </a:extLst>
+          </p:cNvPr>
+          <p:cNvSpPr/>
+          <p:nvPr/>
+        </p:nvSpPr>
+        <p:spPr>
+          <a:xfrm rot="18884007">
+            <a:off x="20437857" y="6358700"/>
+            <a:ext cx="1705790" cy="331585"/>
           </a:xfrm>
           <a:prstGeom prst="rect">
             <a:avLst/>
           </a:prstGeom>
           <a:noFill/>
-        </p:spPr>
-        <p:txBody>
-          <a:bodyPr wrap="square" rtlCol="0">
-            <a:spAutoFit/>
-          </a:bodyPr>
-          <a:lstStyle/>
-          <a:p>
-            <a:r>
-              <a:rPr lang="en-GB" sz="1400" dirty="0">
-                <a:latin typeface="Segoe UI Light" panose="020B0502040204020203" pitchFamily="34" charset="0"/>
-                <a:cs typeface="Segoe UI Light" panose="020B0502040204020203" pitchFamily="34" charset="0"/>
-              </a:rPr>
-              <a:t>PCA Loadings</a:t>
-            </a:r>
-            <a:endParaRPr lang="en-GB" b="1" dirty="0">
-              <a:latin typeface="Segoe UI Light" panose="020B0502040204020203" pitchFamily="34" charset="0"/>
-              <a:cs typeface="Segoe UI Light" panose="020B0502040204020203" pitchFamily="34" charset="0"/>
-            </a:endParaRPr>
-          </a:p>
-        </p:txBody>
-      </p:sp>
-      <p:pic>
-        <p:nvPicPr>
-          <p:cNvPr id="129" name="Grafik 128">
-            <a:extLst>
-              <a:ext uri="{FF2B5EF4-FFF2-40B4-BE49-F238E27FC236}">
-                <a16:creationId xmlns:a16="http://schemas.microsoft.com/office/drawing/2014/main" id="{73836794-D855-4E68-8E7C-F0571193AB2F}"/>
-              </a:ext>
-            </a:extLst>
-          </p:cNvPr>
-          <p:cNvPicPr>
-            <a:picLocks noChangeAspect="1"/>
-          </p:cNvPicPr>
-          <p:nvPr/>
-        </p:nvPicPr>
-        <p:blipFill>
-          <a:blip r:embed="rId28">
-            <a:extLst>
-              <a:ext uri="{28A0092B-C50C-407E-A947-70E740481C1C}">
-                <a14:useLocalDpi xmlns:a14="http://schemas.microsoft.com/office/drawing/2010/main" val="0"/>
-              </a:ext>
-            </a:extLst>
-          </a:blip>
-          <a:stretch>
-            <a:fillRect/>
-          </a:stretch>
-        </p:blipFill>
-        <p:spPr>
-          <a:xfrm>
-            <a:off x="23587707" y="3190332"/>
-            <a:ext cx="1688059" cy="2700894"/>
-          </a:xfrm>
-          <a:prstGeom prst="rect">
-            <a:avLst/>
-          </a:prstGeom>
-        </p:spPr>
-      </p:pic>
-      <p:sp>
-        <p:nvSpPr>
-          <p:cNvPr id="130" name="Textfeld 129">
-            <a:extLst>
-              <a:ext uri="{FF2B5EF4-FFF2-40B4-BE49-F238E27FC236}">
-                <a16:creationId xmlns:a16="http://schemas.microsoft.com/office/drawing/2014/main" id="{FE88A252-AE06-467F-BD9C-2E7D09AEFE88}"/>
-              </a:ext>
-            </a:extLst>
-          </p:cNvPr>
-          <p:cNvSpPr txBox="1"/>
-          <p:nvPr/>
-        </p:nvSpPr>
-        <p:spPr>
-          <a:xfrm>
-            <a:off x="23494390" y="2899914"/>
-            <a:ext cx="1421740" cy="307777"/>
-          </a:xfrm>
-          <a:prstGeom prst="rect">
-            <a:avLst/>
-          </a:prstGeom>
-          <a:noFill/>
-        </p:spPr>
-        <p:txBody>
-          <a:bodyPr wrap="square" rtlCol="0">
-            <a:spAutoFit/>
-          </a:bodyPr>
-          <a:lstStyle/>
-          <a:p>
-            <a:pPr algn="just"/>
-            <a:r>
-              <a:rPr lang="en-GB" sz="1400" dirty="0">
-                <a:latin typeface="Segoe UI Light" panose="020B0502040204020203" pitchFamily="34" charset="0"/>
-                <a:cs typeface="Segoe UI Light" panose="020B0502040204020203" pitchFamily="34" charset="0"/>
-              </a:rPr>
-              <a:t>FA Scree Plot</a:t>
-            </a:r>
-            <a:endParaRPr lang="en-GB" b="1" dirty="0">
-              <a:latin typeface="Segoe UI Light" panose="020B0502040204020203" pitchFamily="34" charset="0"/>
-              <a:cs typeface="Segoe UI Light" panose="020B0502040204020203" pitchFamily="34" charset="0"/>
-            </a:endParaRPr>
-          </a:p>
-        </p:txBody>
-      </p:sp>
-      <p:sp>
-        <p:nvSpPr>
-          <p:cNvPr id="131" name="Textfeld 130">
-            <a:extLst>
-              <a:ext uri="{FF2B5EF4-FFF2-40B4-BE49-F238E27FC236}">
-                <a16:creationId xmlns:a16="http://schemas.microsoft.com/office/drawing/2014/main" id="{904AB503-0041-4415-8C23-D95E73B3B08C}"/>
-              </a:ext>
-            </a:extLst>
-          </p:cNvPr>
-          <p:cNvSpPr txBox="1"/>
-          <p:nvPr/>
-        </p:nvSpPr>
-        <p:spPr>
-          <a:xfrm rot="16200000">
-            <a:off x="22956734" y="4353996"/>
-            <a:ext cx="2160327" cy="253916"/>
-          </a:xfrm>
-          <a:prstGeom prst="rect">
-            <a:avLst/>
-          </a:prstGeom>
-          <a:noFill/>
-        </p:spPr>
-        <p:txBody>
-          <a:bodyPr wrap="square" rtlCol="0">
-            <a:spAutoFit/>
-          </a:bodyPr>
-          <a:lstStyle/>
-          <a:p>
-            <a:r>
-              <a:rPr lang="en-GB" sz="900" dirty="0">
-                <a:latin typeface="Segoe UI Light" panose="020B0502040204020203" pitchFamily="34" charset="0"/>
-                <a:cs typeface="Segoe UI Light" panose="020B0502040204020203" pitchFamily="34" charset="0"/>
-              </a:rPr>
-              <a:t>Country</a:t>
-            </a:r>
-            <a:r>
-              <a:rPr lang="en-GB" sz="1050" dirty="0"/>
-              <a:t> </a:t>
-            </a:r>
-            <a:r>
-              <a:rPr lang="en-GB" sz="900" dirty="0">
-                <a:latin typeface="Segoe UI Light" panose="020B0502040204020203" pitchFamily="34" charset="0"/>
-                <a:cs typeface="Segoe UI Light" panose="020B0502040204020203" pitchFamily="34" charset="0"/>
-              </a:rPr>
-              <a:t>Development</a:t>
-            </a:r>
-          </a:p>
-        </p:txBody>
-      </p:sp>
-      <p:sp>
-        <p:nvSpPr>
-          <p:cNvPr id="132" name="Textfeld 131">
-            <a:extLst>
-              <a:ext uri="{FF2B5EF4-FFF2-40B4-BE49-F238E27FC236}">
-                <a16:creationId xmlns:a16="http://schemas.microsoft.com/office/drawing/2014/main" id="{2D15AA6D-7002-4E92-A03C-F2FA7A57CDEB}"/>
-              </a:ext>
-            </a:extLst>
-          </p:cNvPr>
-          <p:cNvSpPr txBox="1"/>
-          <p:nvPr/>
-        </p:nvSpPr>
-        <p:spPr>
-          <a:xfrm rot="16200000">
-            <a:off x="23868506" y="4855874"/>
-            <a:ext cx="1249053" cy="230832"/>
-          </a:xfrm>
-          <a:prstGeom prst="rect">
-            <a:avLst/>
-          </a:prstGeom>
-          <a:noFill/>
-        </p:spPr>
-        <p:txBody>
-          <a:bodyPr wrap="square" rtlCol="0">
-            <a:spAutoFit/>
-          </a:bodyPr>
-          <a:lstStyle/>
-          <a:p>
-            <a:r>
-              <a:rPr lang="en-GB" sz="900" dirty="0">
-                <a:latin typeface="Segoe UI Light" panose="020B0502040204020203" pitchFamily="34" charset="0"/>
-                <a:cs typeface="Segoe UI Light" panose="020B0502040204020203" pitchFamily="34" charset="0"/>
-              </a:rPr>
-              <a:t>Quality of Life</a:t>
-            </a:r>
-          </a:p>
-        </p:txBody>
-      </p:sp>
-      <p:sp>
-        <p:nvSpPr>
-          <p:cNvPr id="133" name="Textfeld 132">
-            <a:extLst>
-              <a:ext uri="{FF2B5EF4-FFF2-40B4-BE49-F238E27FC236}">
-                <a16:creationId xmlns:a16="http://schemas.microsoft.com/office/drawing/2014/main" id="{05CAF5C1-652F-4C19-A180-009E7E1C4B5B}"/>
-              </a:ext>
-            </a:extLst>
-          </p:cNvPr>
-          <p:cNvSpPr txBox="1"/>
-          <p:nvPr/>
-        </p:nvSpPr>
-        <p:spPr>
-          <a:xfrm rot="16200000">
-            <a:off x="24609973" y="5135162"/>
-            <a:ext cx="692143" cy="230834"/>
-          </a:xfrm>
-          <a:prstGeom prst="rect">
-            <a:avLst/>
-          </a:prstGeom>
-          <a:noFill/>
-        </p:spPr>
-        <p:txBody>
-          <a:bodyPr wrap="square" rtlCol="0">
-            <a:spAutoFit/>
-          </a:bodyPr>
-          <a:lstStyle/>
-          <a:p>
-            <a:r>
-              <a:rPr lang="en-GB" sz="900" dirty="0">
-                <a:latin typeface="Segoe UI Light" panose="020B0502040204020203" pitchFamily="34" charset="0"/>
-                <a:cs typeface="Segoe UI Light" panose="020B0502040204020203" pitchFamily="34" charset="0"/>
-              </a:rPr>
-              <a:t>Freedom</a:t>
-            </a:r>
-          </a:p>
-        </p:txBody>
-      </p:sp>
-      <p:pic>
-        <p:nvPicPr>
-          <p:cNvPr id="135" name="Grafik 134">
-            <a:extLst>
-              <a:ext uri="{FF2B5EF4-FFF2-40B4-BE49-F238E27FC236}">
-                <a16:creationId xmlns:a16="http://schemas.microsoft.com/office/drawing/2014/main" id="{7C457359-AD83-4209-BAE2-5BD055181557}"/>
-              </a:ext>
-            </a:extLst>
-          </p:cNvPr>
-          <p:cNvPicPr>
-            <a:picLocks noChangeAspect="1"/>
-          </p:cNvPicPr>
-          <p:nvPr/>
-        </p:nvPicPr>
-        <p:blipFill rotWithShape="1">
-          <a:blip r:embed="rId29">
-            <a:extLst>
-              <a:ext uri="{28A0092B-C50C-407E-A947-70E740481C1C}">
-                <a14:useLocalDpi xmlns:a14="http://schemas.microsoft.com/office/drawing/2010/main" val="0"/>
-              </a:ext>
-            </a:extLst>
-          </a:blip>
-          <a:srcRect l="91134" t="2430" b="94348"/>
-          <a:stretch/>
-        </p:blipFill>
-        <p:spPr>
-          <a:xfrm>
-            <a:off x="13452212" y="9156146"/>
-            <a:ext cx="1064780" cy="257779"/>
-          </a:xfrm>
-          <a:prstGeom prst="rect">
-            <a:avLst/>
-          </a:prstGeom>
-        </p:spPr>
-      </p:pic>
-      <p:sp>
-        <p:nvSpPr>
-          <p:cNvPr id="136" name="Textfeld 135">
-            <a:extLst>
-              <a:ext uri="{FF2B5EF4-FFF2-40B4-BE49-F238E27FC236}">
-                <a16:creationId xmlns:a16="http://schemas.microsoft.com/office/drawing/2014/main" id="{F0A1C01D-0D4D-443E-9D5D-93354FFF4F12}"/>
-              </a:ext>
-            </a:extLst>
-          </p:cNvPr>
-          <p:cNvSpPr txBox="1"/>
-          <p:nvPr/>
-        </p:nvSpPr>
-        <p:spPr>
-          <a:xfrm>
-            <a:off x="13447550" y="8931213"/>
-            <a:ext cx="1064779" cy="230832"/>
-          </a:xfrm>
-          <a:prstGeom prst="rect">
-            <a:avLst/>
-          </a:prstGeom>
-          <a:noFill/>
-        </p:spPr>
-        <p:txBody>
-          <a:bodyPr wrap="square" rtlCol="0">
-            <a:spAutoFit/>
-          </a:bodyPr>
-          <a:lstStyle/>
-          <a:p>
-            <a:r>
-              <a:rPr lang="en-GB" sz="900" dirty="0">
-                <a:solidFill>
-                  <a:schemeClr val="tx1">
-                    <a:lumMod val="50000"/>
-                    <a:lumOff val="50000"/>
-                  </a:schemeClr>
-                </a:solidFill>
-                <a:latin typeface="Segoe UI Light" panose="020B0502040204020203" pitchFamily="34" charset="0"/>
-                <a:cs typeface="Segoe UI Light" panose="020B0502040204020203" pitchFamily="34" charset="0"/>
-              </a:rPr>
-              <a:t>Happiness Score</a:t>
-            </a:r>
-            <a:endParaRPr lang="en-GB" sz="900" dirty="0">
-              <a:solidFill>
-                <a:schemeClr val="tx1">
-                  <a:lumMod val="50000"/>
-                  <a:lumOff val="50000"/>
-                </a:schemeClr>
-              </a:solidFill>
-            </a:endParaRPr>
-          </a:p>
-        </p:txBody>
-      </p:sp>
-      <p:pic>
-        <p:nvPicPr>
-          <p:cNvPr id="140" name="Grafik 139">
-            <a:extLst>
-              <a:ext uri="{FF2B5EF4-FFF2-40B4-BE49-F238E27FC236}">
-                <a16:creationId xmlns:a16="http://schemas.microsoft.com/office/drawing/2014/main" id="{3E7248CA-E1D7-4C4B-903B-6A6EEEC373C5}"/>
-              </a:ext>
-            </a:extLst>
-          </p:cNvPr>
-          <p:cNvPicPr>
-            <a:picLocks noChangeAspect="1"/>
-          </p:cNvPicPr>
-          <p:nvPr/>
-        </p:nvPicPr>
-        <p:blipFill rotWithShape="1">
-          <a:blip r:embed="rId30">
-            <a:extLst>
-              <a:ext uri="{28A0092B-C50C-407E-A947-70E740481C1C}">
-                <a14:useLocalDpi xmlns:a14="http://schemas.microsoft.com/office/drawing/2010/main" val="0"/>
-              </a:ext>
-            </a:extLst>
-          </a:blip>
-          <a:srcRect t="4798"/>
-          <a:stretch/>
-        </p:blipFill>
-        <p:spPr>
-          <a:xfrm>
-            <a:off x="4022260" y="15405636"/>
-            <a:ext cx="5213242" cy="3477364"/>
-          </a:xfrm>
-          <a:prstGeom prst="rect">
-            <a:avLst/>
-          </a:prstGeom>
-        </p:spPr>
-      </p:pic>
-      <p:sp>
-        <p:nvSpPr>
-          <p:cNvPr id="141" name="Textfeld 140">
-            <a:extLst>
-              <a:ext uri="{FF2B5EF4-FFF2-40B4-BE49-F238E27FC236}">
-                <a16:creationId xmlns:a16="http://schemas.microsoft.com/office/drawing/2014/main" id="{3DDF8AEB-3236-4953-B89D-CB4D6D95804E}"/>
-              </a:ext>
-            </a:extLst>
-          </p:cNvPr>
-          <p:cNvSpPr txBox="1"/>
-          <p:nvPr/>
-        </p:nvSpPr>
-        <p:spPr>
-          <a:xfrm>
-            <a:off x="963959" y="13018031"/>
-            <a:ext cx="4469599" cy="338554"/>
-          </a:xfrm>
-          <a:prstGeom prst="rect">
-            <a:avLst/>
-          </a:prstGeom>
-          <a:noFill/>
-        </p:spPr>
-        <p:txBody>
-          <a:bodyPr wrap="square" rtlCol="0">
-            <a:spAutoFit/>
-          </a:bodyPr>
-          <a:lstStyle/>
-          <a:p>
-            <a:r>
-              <a:rPr lang="en-GB" sz="1600" b="1" dirty="0">
-                <a:latin typeface="Segoe UI Light" panose="020B0502040204020203" pitchFamily="34" charset="0"/>
-                <a:cs typeface="Segoe UI Light" panose="020B0502040204020203" pitchFamily="34" charset="0"/>
-              </a:rPr>
-              <a:t>Cluster Dendrogram</a:t>
-            </a:r>
-          </a:p>
-        </p:txBody>
-      </p:sp>
-      <p:sp>
-        <p:nvSpPr>
-          <p:cNvPr id="142" name="Textfeld 141">
-            <a:extLst>
-              <a:ext uri="{FF2B5EF4-FFF2-40B4-BE49-F238E27FC236}">
-                <a16:creationId xmlns:a16="http://schemas.microsoft.com/office/drawing/2014/main" id="{1C0DA642-AE1B-4F39-9BBA-485BD41FBD77}"/>
-              </a:ext>
-            </a:extLst>
-          </p:cNvPr>
-          <p:cNvSpPr txBox="1"/>
-          <p:nvPr/>
-        </p:nvSpPr>
-        <p:spPr>
-          <a:xfrm>
-            <a:off x="971859" y="12592498"/>
-            <a:ext cx="4469599" cy="338554"/>
-          </a:xfrm>
-          <a:prstGeom prst="rect">
-            <a:avLst/>
-          </a:prstGeom>
-          <a:noFill/>
-        </p:spPr>
-        <p:txBody>
-          <a:bodyPr wrap="square" rtlCol="0">
-            <a:spAutoFit/>
-          </a:bodyPr>
-          <a:lstStyle/>
-          <a:p>
-            <a:r>
-              <a:rPr lang="en-GB" sz="1600" b="1" dirty="0">
-                <a:latin typeface="Segoe UI Light" panose="020B0502040204020203" pitchFamily="34" charset="0"/>
-                <a:cs typeface="Segoe UI Light" panose="020B0502040204020203" pitchFamily="34" charset="0"/>
-              </a:rPr>
-              <a:t>Hierarchical Clustering on Principal Components</a:t>
-            </a:r>
-          </a:p>
-        </p:txBody>
-      </p:sp>
-      <p:pic>
-        <p:nvPicPr>
-          <p:cNvPr id="144" name="Grafik 143">
-            <a:extLst>
-              <a:ext uri="{FF2B5EF4-FFF2-40B4-BE49-F238E27FC236}">
-                <a16:creationId xmlns:a16="http://schemas.microsoft.com/office/drawing/2014/main" id="{D9A64C6F-FA9E-41AB-96EE-35C09EB6D752}"/>
-              </a:ext>
-            </a:extLst>
-          </p:cNvPr>
-          <p:cNvPicPr>
-            <a:picLocks noChangeAspect="1"/>
-          </p:cNvPicPr>
-          <p:nvPr/>
-        </p:nvPicPr>
-        <p:blipFill rotWithShape="1">
-          <a:blip r:embed="rId31">
-            <a:extLst>
-              <a:ext uri="{28A0092B-C50C-407E-A947-70E740481C1C}">
-                <a14:useLocalDpi xmlns:a14="http://schemas.microsoft.com/office/drawing/2010/main" val="0"/>
-              </a:ext>
-            </a:extLst>
-          </a:blip>
-          <a:srcRect t="5905"/>
-          <a:stretch/>
-        </p:blipFill>
-        <p:spPr>
-          <a:xfrm>
-            <a:off x="1006401" y="13356585"/>
-            <a:ext cx="3068853" cy="2165738"/>
-          </a:xfrm>
-          <a:prstGeom prst="rect">
-            <a:avLst/>
-          </a:prstGeom>
-        </p:spPr>
-      </p:pic>
-      <p:sp>
-        <p:nvSpPr>
-          <p:cNvPr id="84" name="Textfeld 83">
-            <a:extLst>
-              <a:ext uri="{FF2B5EF4-FFF2-40B4-BE49-F238E27FC236}">
-                <a16:creationId xmlns:a16="http://schemas.microsoft.com/office/drawing/2014/main" id="{7B8F039E-53BE-4743-A125-4436A25EC159}"/>
-              </a:ext>
-            </a:extLst>
-          </p:cNvPr>
-          <p:cNvSpPr txBox="1"/>
-          <p:nvPr/>
-        </p:nvSpPr>
-        <p:spPr>
-          <a:xfrm>
-            <a:off x="3265572" y="13138330"/>
-            <a:ext cx="5795339" cy="1169551"/>
-          </a:xfrm>
-          <a:prstGeom prst="rect">
-            <a:avLst/>
-          </a:prstGeom>
-          <a:noFill/>
-        </p:spPr>
-        <p:txBody>
-          <a:bodyPr wrap="square" rtlCol="0">
-            <a:spAutoFit/>
-          </a:bodyPr>
-          <a:lstStyle/>
-          <a:p>
-            <a:pPr algn="just"/>
-            <a:r>
-              <a:rPr lang="en-GB" sz="1400" dirty="0">
-                <a:latin typeface="Segoe UI Light" panose="020B0502040204020203" pitchFamily="34" charset="0"/>
-                <a:cs typeface="Segoe UI Light" panose="020B0502040204020203" pitchFamily="34" charset="0"/>
-              </a:rPr>
-              <a:t>According to the results of the Dendrogram, 3 clusters seem to make the most accurate division among the countries. To proof the optimal number of clusters, we also perform Elbow and Silhouette methods. The results confirm number of clusters equal to 3. The distance measure used is Euclidian Distance.</a:t>
-            </a:r>
-          </a:p>
-        </p:txBody>
-      </p:sp>
-      <p:sp>
-        <p:nvSpPr>
-          <p:cNvPr id="145" name="Textfeld 144">
-            <a:extLst>
-              <a:ext uri="{FF2B5EF4-FFF2-40B4-BE49-F238E27FC236}">
-                <a16:creationId xmlns:a16="http://schemas.microsoft.com/office/drawing/2014/main" id="{34D30FB4-BE51-4485-AF66-F6D96553E976}"/>
-              </a:ext>
-            </a:extLst>
-          </p:cNvPr>
-          <p:cNvSpPr txBox="1"/>
-          <p:nvPr/>
-        </p:nvSpPr>
-        <p:spPr>
-          <a:xfrm>
-            <a:off x="883135" y="15701729"/>
-            <a:ext cx="3302707" cy="2246769"/>
-          </a:xfrm>
-          <a:prstGeom prst="rect">
-            <a:avLst/>
-          </a:prstGeom>
-          <a:noFill/>
-        </p:spPr>
-        <p:txBody>
-          <a:bodyPr wrap="square" rtlCol="0">
-            <a:spAutoFit/>
-          </a:bodyPr>
-          <a:lstStyle/>
-          <a:p>
-            <a:r>
-              <a:rPr lang="en-GB" sz="1400" b="1" dirty="0">
-                <a:solidFill>
-                  <a:schemeClr val="accent1"/>
-                </a:solidFill>
-                <a:latin typeface="Segoe UI Light" panose="020B0502040204020203" pitchFamily="34" charset="0"/>
-                <a:cs typeface="Segoe UI Light" panose="020B0502040204020203" pitchFamily="34" charset="0"/>
-              </a:rPr>
-              <a:t>Africa</a:t>
-            </a:r>
-            <a:r>
-              <a:rPr lang="en-GB" sz="1400" dirty="0">
-                <a:latin typeface="Segoe UI Light" panose="020B0502040204020203" pitchFamily="34" charset="0"/>
-                <a:cs typeface="Segoe UI Light" panose="020B0502040204020203" pitchFamily="34" charset="0"/>
-              </a:rPr>
-              <a:t> </a:t>
-            </a:r>
-          </a:p>
-          <a:p>
-            <a:pPr marL="285750" indent="-285750">
-              <a:buFontTx/>
-              <a:buChar char="-"/>
-            </a:pPr>
-            <a:r>
-              <a:rPr lang="en-GB" sz="1400" dirty="0">
-                <a:latin typeface="Segoe UI Light" panose="020B0502040204020203" pitchFamily="34" charset="0"/>
-                <a:cs typeface="Segoe UI Light" panose="020B0502040204020203" pitchFamily="34" charset="0"/>
-              </a:rPr>
-              <a:t>low Country Development</a:t>
-            </a:r>
-          </a:p>
-          <a:p>
-            <a:pPr marL="285750" indent="-285750">
-              <a:buFontTx/>
-              <a:buChar char="-"/>
-            </a:pPr>
-            <a:r>
-              <a:rPr lang="en-GB" sz="1400" dirty="0">
-                <a:latin typeface="Segoe UI Light" panose="020B0502040204020203" pitchFamily="34" charset="0"/>
-                <a:cs typeface="Segoe UI Light" panose="020B0502040204020203" pitchFamily="34" charset="0"/>
-              </a:rPr>
-              <a:t>high Freedom &amp; Corruption </a:t>
-            </a:r>
-          </a:p>
-          <a:p>
-            <a:r>
-              <a:rPr lang="en-GB" sz="1400" b="1" dirty="0">
-                <a:solidFill>
-                  <a:schemeClr val="tx1">
-                    <a:lumMod val="50000"/>
-                    <a:lumOff val="50000"/>
-                  </a:schemeClr>
-                </a:solidFill>
-                <a:latin typeface="Segoe UI Light" panose="020B0502040204020203" pitchFamily="34" charset="0"/>
-                <a:cs typeface="Segoe UI Light" panose="020B0502040204020203" pitchFamily="34" charset="0"/>
-              </a:rPr>
-              <a:t>Western Europe, North America, Australia</a:t>
-            </a:r>
-          </a:p>
-          <a:p>
-            <a:pPr marL="285750" indent="-285750">
-              <a:buFontTx/>
-              <a:buChar char="-"/>
-            </a:pPr>
-            <a:r>
-              <a:rPr lang="en-GB" sz="1400" dirty="0">
-                <a:latin typeface="Segoe UI Light" panose="020B0502040204020203" pitchFamily="34" charset="0"/>
-                <a:cs typeface="Segoe UI Light" panose="020B0502040204020203" pitchFamily="34" charset="0"/>
-              </a:rPr>
-              <a:t>high Country Development</a:t>
-            </a:r>
-          </a:p>
-          <a:p>
-            <a:pPr marL="285750" indent="-285750">
-              <a:buFontTx/>
-              <a:buChar char="-"/>
-            </a:pPr>
-            <a:r>
-              <a:rPr lang="en-GB" sz="1400" dirty="0">
-                <a:latin typeface="Segoe UI Light" panose="020B0502040204020203" pitchFamily="34" charset="0"/>
-                <a:cs typeface="Segoe UI Light" panose="020B0502040204020203" pitchFamily="34" charset="0"/>
-              </a:rPr>
-              <a:t>high Freedom and Corruption</a:t>
-            </a:r>
-          </a:p>
-          <a:p>
-            <a:r>
-              <a:rPr lang="en-GB" sz="1400" b="1" dirty="0">
-                <a:solidFill>
-                  <a:schemeClr val="accent4">
-                    <a:lumMod val="60000"/>
-                    <a:lumOff val="40000"/>
-                  </a:schemeClr>
-                </a:solidFill>
-                <a:latin typeface="Segoe UI Light" panose="020B0502040204020203" pitchFamily="34" charset="0"/>
-                <a:cs typeface="Segoe UI Light" panose="020B0502040204020203" pitchFamily="34" charset="0"/>
-              </a:rPr>
-              <a:t>Asia, South America, Eastern Europe</a:t>
-            </a:r>
-          </a:p>
-          <a:p>
-            <a:pPr marL="285750" indent="-285750">
-              <a:buFontTx/>
-              <a:buChar char="-"/>
-            </a:pPr>
-            <a:r>
-              <a:rPr lang="en-GB" sz="1400" dirty="0">
-                <a:latin typeface="Segoe UI Light" panose="020B0502040204020203" pitchFamily="34" charset="0"/>
-                <a:cs typeface="Segoe UI Light" panose="020B0502040204020203" pitchFamily="34" charset="0"/>
-              </a:rPr>
-              <a:t>mid to low Country Development</a:t>
-            </a:r>
-          </a:p>
-          <a:p>
-            <a:pPr marL="285750" indent="-285750">
-              <a:buFontTx/>
-              <a:buChar char="-"/>
-            </a:pPr>
-            <a:r>
-              <a:rPr lang="en-GB" sz="1400" dirty="0">
-                <a:latin typeface="Segoe UI Light" panose="020B0502040204020203" pitchFamily="34" charset="0"/>
-                <a:cs typeface="Segoe UI Light" panose="020B0502040204020203" pitchFamily="34" charset="0"/>
-              </a:rPr>
-              <a:t>mid Freedom and Corruption</a:t>
-            </a:r>
-          </a:p>
-          <a:p>
-            <a:pPr algn="just"/>
-            <a:endParaRPr lang="en-GB" sz="1400" dirty="0">
-              <a:solidFill>
-                <a:schemeClr val="accent4">
-                  <a:lumMod val="60000"/>
-                  <a:lumOff val="40000"/>
-                </a:schemeClr>
-              </a:solidFill>
-              <a:latin typeface="Segoe UI Light" panose="020B0502040204020203" pitchFamily="34" charset="0"/>
-              <a:cs typeface="Segoe UI Light" panose="020B0502040204020203" pitchFamily="34" charset="0"/>
-            </a:endParaRPr>
-          </a:p>
-        </p:txBody>
-      </p:sp>
-      <p:pic>
-        <p:nvPicPr>
-          <p:cNvPr id="147" name="Grafik 146">
-            <a:extLst>
-              <a:ext uri="{FF2B5EF4-FFF2-40B4-BE49-F238E27FC236}">
-                <a16:creationId xmlns:a16="http://schemas.microsoft.com/office/drawing/2014/main" id="{F027AAC7-FA58-4FBC-84D7-CCA364127D15}"/>
-              </a:ext>
-            </a:extLst>
-          </p:cNvPr>
-          <p:cNvPicPr>
-            <a:picLocks noChangeAspect="1"/>
-          </p:cNvPicPr>
-          <p:nvPr/>
-        </p:nvPicPr>
-        <p:blipFill>
-          <a:blip r:embed="rId32">
-            <a:extLst>
-              <a:ext uri="{28A0092B-C50C-407E-A947-70E740481C1C}">
-                <a14:useLocalDpi xmlns:a14="http://schemas.microsoft.com/office/drawing/2010/main" val="0"/>
-              </a:ext>
-            </a:extLst>
-          </a:blip>
-          <a:stretch>
-            <a:fillRect/>
-          </a:stretch>
-        </p:blipFill>
-        <p:spPr>
-          <a:xfrm>
-            <a:off x="1007789" y="17961863"/>
-            <a:ext cx="3786045" cy="2811942"/>
-          </a:xfrm>
-          <a:prstGeom prst="rect">
-            <a:avLst/>
-          </a:prstGeom>
-        </p:spPr>
-      </p:pic>
-      <p:sp>
-        <p:nvSpPr>
-          <p:cNvPr id="5" name="Rechteck: abgerundete Ecken 4">
-            <a:extLst>
-              <a:ext uri="{FF2B5EF4-FFF2-40B4-BE49-F238E27FC236}">
-                <a16:creationId xmlns:a16="http://schemas.microsoft.com/office/drawing/2014/main" id="{DBC15CEA-203F-4297-B616-17213A939DD1}"/>
-              </a:ext>
-            </a:extLst>
-          </p:cNvPr>
-          <p:cNvSpPr/>
-          <p:nvPr/>
-        </p:nvSpPr>
-        <p:spPr>
-          <a:xfrm>
-            <a:off x="720436" y="11868341"/>
-            <a:ext cx="8466117" cy="8933381"/>
-          </a:xfrm>
-          <a:prstGeom prst="roundRect">
-            <a:avLst/>
-          </a:prstGeom>
-          <a:noFill/>
+          <a:ln>
+            <a:noFill/>
+          </a:ln>
         </p:spPr>
         <p:style>
           <a:lnRef idx="2">
@@ -8921,25 +6759,29 @@
           </a:fontRef>
         </p:style>
         <p:txBody>
-          <a:bodyPr rot="0" spcFirstLastPara="0" vertOverflow="overflow" horzOverflow="overflow" vert="horz" wrap="square" lIns="91440" tIns="45720" rIns="91440" bIns="45720" numCol="1" spcCol="0" rtlCol="0" fromWordArt="0" anchor="ctr" anchorCtr="0" forceAA="0" compatLnSpc="1">
-            <a:prstTxWarp prst="textNoShape">
-              <a:avLst/>
-            </a:prstTxWarp>
-            <a:noAutofit/>
-          </a:bodyPr>
+          <a:bodyPr rtlCol="0" anchor="ctr"/>
           <a:lstStyle/>
           <a:p>
             <a:pPr algn="ctr"/>
-            <a:endParaRPr lang="en-GB"/>
-          </a:p>
-        </p:txBody>
-      </p:sp>
-      <p:sp>
-        <p:nvSpPr>
-          <p:cNvPr id="16" name="Rechteck: abgerundete Ecken 15">
-            <a:extLst>
-              <a:ext uri="{FF2B5EF4-FFF2-40B4-BE49-F238E27FC236}">
-                <a16:creationId xmlns:a16="http://schemas.microsoft.com/office/drawing/2014/main" id="{652A2633-20E2-4516-8EAE-564AF76EC450}"/>
+            <a:r>
+              <a:rPr lang="en-GB" sz="800" b="1" dirty="0">
+                <a:solidFill>
+                  <a:schemeClr val="tx1"/>
+                </a:solidFill>
+                <a:latin typeface="Segoe UI Light" panose="020B0502040204020203" pitchFamily="34" charset="0"/>
+                <a:cs typeface="Segoe UI Light" panose="020B0502040204020203" pitchFamily="34" charset="0"/>
+              </a:rPr>
+              <a:t>Country Development</a:t>
+            </a:r>
+          </a:p>
+        </p:txBody>
+      </p:sp>
+      <p:sp>
+        <p:nvSpPr>
+          <p:cNvPr id="104" name="Rechteck 103">
+            <a:extLst>
+              <a:ext uri="{FF2B5EF4-FFF2-40B4-BE49-F238E27FC236}">
+                <a16:creationId xmlns:a16="http://schemas.microsoft.com/office/drawing/2014/main" id="{55BBC88D-9C6D-4EC6-A43D-52EE4910216A}"/>
               </a:ext>
             </a:extLst>
           </p:cNvPr>
@@ -8947,13 +6789,14 @@
           <p:nvPr/>
         </p:nvSpPr>
         <p:spPr>
-          <a:xfrm>
-            <a:off x="1281494" y="11569806"/>
-            <a:ext cx="3672000" cy="828000"/>
-          </a:xfrm>
-          <a:prstGeom prst="roundRect">
-            <a:avLst/>
-          </a:prstGeom>
+          <a:xfrm rot="18884007">
+            <a:off x="20990822" y="6358662"/>
+            <a:ext cx="1705790" cy="331585"/>
+          </a:xfrm>
+          <a:prstGeom prst="rect">
+            <a:avLst/>
+          </a:prstGeom>
+          <a:noFill/>
           <a:ln>
             <a:noFill/>
           </a:ln>
@@ -8980,21 +6823,83 @@
           <a:p>
             <a:pPr algn="ctr"/>
             <a:r>
-              <a:rPr lang="en-GB" sz="2800" dirty="0">
-                <a:latin typeface="Segoe UI Light" panose="020B0502040204020203" pitchFamily="34" charset="0"/>
-                <a:cs typeface="Segoe UI Light" panose="020B0502040204020203" pitchFamily="34" charset="0"/>
-              </a:rPr>
-              <a:t>Cluster Analysis</a:t>
-            </a:r>
-          </a:p>
-        </p:txBody>
-      </p:sp>
-      <p:sp>
-        <p:nvSpPr>
-          <p:cNvPr id="148" name="Textfeld 147">
-            <a:extLst>
-              <a:ext uri="{FF2B5EF4-FFF2-40B4-BE49-F238E27FC236}">
-                <a16:creationId xmlns:a16="http://schemas.microsoft.com/office/drawing/2014/main" id="{F2BE75D9-1725-458A-8CCB-3CFE2D56D08D}"/>
+              <a:rPr lang="en-GB" sz="800" b="1" dirty="0">
+                <a:solidFill>
+                  <a:schemeClr val="tx1"/>
+                </a:solidFill>
+                <a:latin typeface="Segoe UI Light" panose="020B0502040204020203" pitchFamily="34" charset="0"/>
+                <a:cs typeface="Segoe UI Light" panose="020B0502040204020203" pitchFamily="34" charset="0"/>
+              </a:rPr>
+              <a:t>Freedom &amp; Corruption</a:t>
+            </a:r>
+          </a:p>
+        </p:txBody>
+      </p:sp>
+      <p:sp>
+        <p:nvSpPr>
+          <p:cNvPr id="105" name="Rechteck 104">
+            <a:extLst>
+              <a:ext uri="{FF2B5EF4-FFF2-40B4-BE49-F238E27FC236}">
+                <a16:creationId xmlns:a16="http://schemas.microsoft.com/office/drawing/2014/main" id="{3FA6D8C5-F014-4805-951D-B5F7A4B65C57}"/>
+              </a:ext>
+            </a:extLst>
+          </p:cNvPr>
+          <p:cNvSpPr/>
+          <p:nvPr/>
+        </p:nvSpPr>
+        <p:spPr>
+          <a:xfrm rot="18884007">
+            <a:off x="21666278" y="6204909"/>
+            <a:ext cx="1705790" cy="331585"/>
+          </a:xfrm>
+          <a:prstGeom prst="rect">
+            <a:avLst/>
+          </a:prstGeom>
+          <a:noFill/>
+          <a:ln>
+            <a:noFill/>
+          </a:ln>
+        </p:spPr>
+        <p:style>
+          <a:lnRef idx="2">
+            <a:schemeClr val="accent1">
+              <a:shade val="50000"/>
+            </a:schemeClr>
+          </a:lnRef>
+          <a:fillRef idx="1">
+            <a:schemeClr val="accent1"/>
+          </a:fillRef>
+          <a:effectRef idx="0">
+            <a:schemeClr val="accent1"/>
+          </a:effectRef>
+          <a:fontRef idx="minor">
+            <a:schemeClr val="lt1"/>
+          </a:fontRef>
+        </p:style>
+        <p:txBody>
+          <a:bodyPr rtlCol="0" anchor="ctr"/>
+          <a:lstStyle/>
+          <a:p>
+            <a:pPr algn="ctr"/>
+            <a:r>
+              <a:rPr lang="en-GB" sz="800" b="1" dirty="0">
+                <a:solidFill>
+                  <a:schemeClr val="tx1"/>
+                </a:solidFill>
+                <a:latin typeface="Segoe UI Light" panose="020B0502040204020203" pitchFamily="34" charset="0"/>
+                <a:cs typeface="Segoe UI Light" panose="020B0502040204020203" pitchFamily="34" charset="0"/>
+              </a:rPr>
+              <a:t>Air Pollution</a:t>
+            </a:r>
+          </a:p>
+        </p:txBody>
+      </p:sp>
+      <p:sp>
+        <p:nvSpPr>
+          <p:cNvPr id="124" name="Textfeld 123">
+            <a:extLst>
+              <a:ext uri="{FF2B5EF4-FFF2-40B4-BE49-F238E27FC236}">
+                <a16:creationId xmlns:a16="http://schemas.microsoft.com/office/drawing/2014/main" id="{C393C8C4-076C-42F8-9EC6-0D479387351C}"/>
               </a:ext>
             </a:extLst>
           </p:cNvPr>
@@ -9003,8 +6908,8 @@
         </p:nvSpPr>
         <p:spPr>
           <a:xfrm>
-            <a:off x="4912490" y="18999802"/>
-            <a:ext cx="3926249" cy="1384995"/>
+            <a:off x="15557937" y="3177669"/>
+            <a:ext cx="3159932" cy="307777"/>
           </a:xfrm>
           <a:prstGeom prst="rect">
             <a:avLst/>
@@ -9017,26 +6922,26 @@
           </a:bodyPr>
           <a:lstStyle/>
           <a:p>
-            <a:pPr algn="just"/>
             <a:r>
               <a:rPr lang="en-GB" sz="1400" dirty="0">
                 <a:latin typeface="Segoe UI Light" panose="020B0502040204020203" pitchFamily="34" charset="0"/>
                 <a:cs typeface="Segoe UI Light" panose="020B0502040204020203" pitchFamily="34" charset="0"/>
               </a:rPr>
-              <a:t>The clusters show a geographical pattern among the grouped countries. Looking at the Phylogenetic Tree, the geographical distance becomes more clear as branches represent similarity. </a:t>
-            </a:r>
-          </a:p>
-          <a:p>
-            <a:endParaRPr lang="en-GB" sz="1400" dirty="0"/>
-          </a:p>
-        </p:txBody>
-      </p:sp>
-      <p:sp>
-        <p:nvSpPr>
-          <p:cNvPr id="149" name="Textfeld 148">
-            <a:extLst>
-              <a:ext uri="{FF2B5EF4-FFF2-40B4-BE49-F238E27FC236}">
-                <a16:creationId xmlns:a16="http://schemas.microsoft.com/office/drawing/2014/main" id="{E55A7ABB-FE46-4932-89A7-C86E881A41B2}"/>
+              <a:t>PCA Scree Plot</a:t>
+            </a:r>
+            <a:endParaRPr lang="en-GB" b="1" dirty="0">
+              <a:latin typeface="Segoe UI Light" panose="020B0502040204020203" pitchFamily="34" charset="0"/>
+              <a:cs typeface="Segoe UI Light" panose="020B0502040204020203" pitchFamily="34" charset="0"/>
+            </a:endParaRPr>
+          </a:p>
+        </p:txBody>
+      </p:sp>
+      <p:sp>
+        <p:nvSpPr>
+          <p:cNvPr id="125" name="Textfeld 124">
+            <a:extLst>
+              <a:ext uri="{FF2B5EF4-FFF2-40B4-BE49-F238E27FC236}">
+                <a16:creationId xmlns:a16="http://schemas.microsoft.com/office/drawing/2014/main" id="{0B02C4DB-84B4-430E-89D6-521A4D506778}"/>
               </a:ext>
             </a:extLst>
           </p:cNvPr>
@@ -9045,8 +6950,8 @@
         </p:nvSpPr>
         <p:spPr>
           <a:xfrm>
-            <a:off x="4239660" y="14375413"/>
-            <a:ext cx="4820893" cy="954107"/>
+            <a:off x="20155822" y="2653794"/>
+            <a:ext cx="1525961" cy="307777"/>
           </a:xfrm>
           <a:prstGeom prst="rect">
             <a:avLst/>
@@ -9059,17 +6964,1698 @@
           </a:bodyPr>
           <a:lstStyle/>
           <a:p>
+            <a:r>
+              <a:rPr lang="en-GB" sz="1400" dirty="0">
+                <a:latin typeface="Segoe UI Light" panose="020B0502040204020203" pitchFamily="34" charset="0"/>
+                <a:cs typeface="Segoe UI Light" panose="020B0502040204020203" pitchFamily="34" charset="0"/>
+              </a:rPr>
+              <a:t>PCA Loadings</a:t>
+            </a:r>
+            <a:endParaRPr lang="en-GB" b="1" dirty="0">
+              <a:latin typeface="Segoe UI Light" panose="020B0502040204020203" pitchFamily="34" charset="0"/>
+              <a:cs typeface="Segoe UI Light" panose="020B0502040204020203" pitchFamily="34" charset="0"/>
+            </a:endParaRPr>
+          </a:p>
+        </p:txBody>
+      </p:sp>
+      <p:pic>
+        <p:nvPicPr>
+          <p:cNvPr id="129" name="Grafik 128">
+            <a:extLst>
+              <a:ext uri="{FF2B5EF4-FFF2-40B4-BE49-F238E27FC236}">
+                <a16:creationId xmlns:a16="http://schemas.microsoft.com/office/drawing/2014/main" id="{73836794-D855-4E68-8E7C-F0571193AB2F}"/>
+              </a:ext>
+            </a:extLst>
+          </p:cNvPr>
+          <p:cNvPicPr>
+            <a:picLocks noChangeAspect="1"/>
+          </p:cNvPicPr>
+          <p:nvPr/>
+        </p:nvPicPr>
+        <p:blipFill>
+          <a:blip r:embed="rId26">
+            <a:extLst>
+              <a:ext uri="{28A0092B-C50C-407E-A947-70E740481C1C}">
+                <a14:useLocalDpi xmlns:a14="http://schemas.microsoft.com/office/drawing/2010/main" val="0"/>
+              </a:ext>
+            </a:extLst>
+          </a:blip>
+          <a:stretch>
+            <a:fillRect/>
+          </a:stretch>
+        </p:blipFill>
+        <p:spPr>
+          <a:xfrm>
+            <a:off x="23784858" y="3114688"/>
+            <a:ext cx="1688059" cy="2700894"/>
+          </a:xfrm>
+          <a:prstGeom prst="rect">
+            <a:avLst/>
+          </a:prstGeom>
+        </p:spPr>
+      </p:pic>
+      <p:sp>
+        <p:nvSpPr>
+          <p:cNvPr id="130" name="Textfeld 129">
+            <a:extLst>
+              <a:ext uri="{FF2B5EF4-FFF2-40B4-BE49-F238E27FC236}">
+                <a16:creationId xmlns:a16="http://schemas.microsoft.com/office/drawing/2014/main" id="{FE88A252-AE06-467F-BD9C-2E7D09AEFE88}"/>
+              </a:ext>
+            </a:extLst>
+          </p:cNvPr>
+          <p:cNvSpPr txBox="1"/>
+          <p:nvPr/>
+        </p:nvSpPr>
+        <p:spPr>
+          <a:xfrm>
+            <a:off x="23691541" y="2824270"/>
+            <a:ext cx="1421740" cy="307777"/>
+          </a:xfrm>
+          <a:prstGeom prst="rect">
+            <a:avLst/>
+          </a:prstGeom>
+          <a:noFill/>
+        </p:spPr>
+        <p:txBody>
+          <a:bodyPr wrap="square" rtlCol="0">
+            <a:spAutoFit/>
+          </a:bodyPr>
+          <a:lstStyle/>
+          <a:p>
             <a:pPr algn="just"/>
             <a:r>
               <a:rPr lang="en-GB" sz="1400" dirty="0">
                 <a:latin typeface="Segoe UI Light" panose="020B0502040204020203" pitchFamily="34" charset="0"/>
                 <a:cs typeface="Segoe UI Light" panose="020B0502040204020203" pitchFamily="34" charset="0"/>
               </a:rPr>
+              <a:t>FA Scree Plot</a:t>
+            </a:r>
+            <a:endParaRPr lang="en-GB" b="1" dirty="0">
+              <a:latin typeface="Segoe UI Light" panose="020B0502040204020203" pitchFamily="34" charset="0"/>
+              <a:cs typeface="Segoe UI Light" panose="020B0502040204020203" pitchFamily="34" charset="0"/>
+            </a:endParaRPr>
+          </a:p>
+        </p:txBody>
+      </p:sp>
+      <p:sp>
+        <p:nvSpPr>
+          <p:cNvPr id="131" name="Textfeld 130">
+            <a:extLst>
+              <a:ext uri="{FF2B5EF4-FFF2-40B4-BE49-F238E27FC236}">
+                <a16:creationId xmlns:a16="http://schemas.microsoft.com/office/drawing/2014/main" id="{904AB503-0041-4415-8C23-D95E73B3B08C}"/>
+              </a:ext>
+            </a:extLst>
+          </p:cNvPr>
+          <p:cNvSpPr txBox="1"/>
+          <p:nvPr/>
+        </p:nvSpPr>
+        <p:spPr>
+          <a:xfrm rot="16200000">
+            <a:off x="23153885" y="4278352"/>
+            <a:ext cx="2160327" cy="253916"/>
+          </a:xfrm>
+          <a:prstGeom prst="rect">
+            <a:avLst/>
+          </a:prstGeom>
+          <a:noFill/>
+        </p:spPr>
+        <p:txBody>
+          <a:bodyPr wrap="square" rtlCol="0">
+            <a:spAutoFit/>
+          </a:bodyPr>
+          <a:lstStyle/>
+          <a:p>
+            <a:r>
+              <a:rPr lang="en-GB" sz="900" dirty="0">
+                <a:latin typeface="Segoe UI Light" panose="020B0502040204020203" pitchFamily="34" charset="0"/>
+                <a:cs typeface="Segoe UI Light" panose="020B0502040204020203" pitchFamily="34" charset="0"/>
+              </a:rPr>
+              <a:t>Country</a:t>
+            </a:r>
+            <a:r>
+              <a:rPr lang="en-GB" sz="1050" dirty="0"/>
+              <a:t> </a:t>
+            </a:r>
+            <a:r>
+              <a:rPr lang="en-GB" sz="900" dirty="0">
+                <a:latin typeface="Segoe UI Light" panose="020B0502040204020203" pitchFamily="34" charset="0"/>
+                <a:cs typeface="Segoe UI Light" panose="020B0502040204020203" pitchFamily="34" charset="0"/>
+              </a:rPr>
+              <a:t>Development</a:t>
+            </a:r>
+          </a:p>
+        </p:txBody>
+      </p:sp>
+      <p:sp>
+        <p:nvSpPr>
+          <p:cNvPr id="132" name="Textfeld 131">
+            <a:extLst>
+              <a:ext uri="{FF2B5EF4-FFF2-40B4-BE49-F238E27FC236}">
+                <a16:creationId xmlns:a16="http://schemas.microsoft.com/office/drawing/2014/main" id="{2D15AA6D-7002-4E92-A03C-F2FA7A57CDEB}"/>
+              </a:ext>
+            </a:extLst>
+          </p:cNvPr>
+          <p:cNvSpPr txBox="1"/>
+          <p:nvPr/>
+        </p:nvSpPr>
+        <p:spPr>
+          <a:xfrm rot="16200000">
+            <a:off x="24065657" y="4780230"/>
+            <a:ext cx="1249053" cy="230832"/>
+          </a:xfrm>
+          <a:prstGeom prst="rect">
+            <a:avLst/>
+          </a:prstGeom>
+          <a:noFill/>
+        </p:spPr>
+        <p:txBody>
+          <a:bodyPr wrap="square" rtlCol="0">
+            <a:spAutoFit/>
+          </a:bodyPr>
+          <a:lstStyle/>
+          <a:p>
+            <a:r>
+              <a:rPr lang="en-GB" sz="900" dirty="0">
+                <a:latin typeface="Segoe UI Light" panose="020B0502040204020203" pitchFamily="34" charset="0"/>
+                <a:cs typeface="Segoe UI Light" panose="020B0502040204020203" pitchFamily="34" charset="0"/>
+              </a:rPr>
+              <a:t>Quality of Life</a:t>
+            </a:r>
+          </a:p>
+        </p:txBody>
+      </p:sp>
+      <p:sp>
+        <p:nvSpPr>
+          <p:cNvPr id="133" name="Textfeld 132">
+            <a:extLst>
+              <a:ext uri="{FF2B5EF4-FFF2-40B4-BE49-F238E27FC236}">
+                <a16:creationId xmlns:a16="http://schemas.microsoft.com/office/drawing/2014/main" id="{05CAF5C1-652F-4C19-A180-009E7E1C4B5B}"/>
+              </a:ext>
+            </a:extLst>
+          </p:cNvPr>
+          <p:cNvSpPr txBox="1"/>
+          <p:nvPr/>
+        </p:nvSpPr>
+        <p:spPr>
+          <a:xfrm rot="16200000">
+            <a:off x="24807124" y="5059518"/>
+            <a:ext cx="692143" cy="230834"/>
+          </a:xfrm>
+          <a:prstGeom prst="rect">
+            <a:avLst/>
+          </a:prstGeom>
+          <a:noFill/>
+        </p:spPr>
+        <p:txBody>
+          <a:bodyPr wrap="square" rtlCol="0">
+            <a:spAutoFit/>
+          </a:bodyPr>
+          <a:lstStyle/>
+          <a:p>
+            <a:r>
+              <a:rPr lang="en-GB" sz="900" dirty="0">
+                <a:latin typeface="Segoe UI Light" panose="020B0502040204020203" pitchFamily="34" charset="0"/>
+                <a:cs typeface="Segoe UI Light" panose="020B0502040204020203" pitchFamily="34" charset="0"/>
+              </a:rPr>
+              <a:t>Freedom</a:t>
+            </a:r>
+          </a:p>
+        </p:txBody>
+      </p:sp>
+      <p:pic>
+        <p:nvPicPr>
+          <p:cNvPr id="135" name="Grafik 134">
+            <a:extLst>
+              <a:ext uri="{FF2B5EF4-FFF2-40B4-BE49-F238E27FC236}">
+                <a16:creationId xmlns:a16="http://schemas.microsoft.com/office/drawing/2014/main" id="{7C457359-AD83-4209-BAE2-5BD055181557}"/>
+              </a:ext>
+            </a:extLst>
+          </p:cNvPr>
+          <p:cNvPicPr>
+            <a:picLocks noChangeAspect="1"/>
+          </p:cNvPicPr>
+          <p:nvPr/>
+        </p:nvPicPr>
+        <p:blipFill rotWithShape="1">
+          <a:blip r:embed="rId27">
+            <a:extLst>
+              <a:ext uri="{28A0092B-C50C-407E-A947-70E740481C1C}">
+                <a14:useLocalDpi xmlns:a14="http://schemas.microsoft.com/office/drawing/2010/main" val="0"/>
+              </a:ext>
+            </a:extLst>
+          </a:blip>
+          <a:srcRect l="91134" t="2430" b="94348"/>
+          <a:stretch/>
+        </p:blipFill>
+        <p:spPr>
+          <a:xfrm>
+            <a:off x="13055972" y="9156146"/>
+            <a:ext cx="1064780" cy="257779"/>
+          </a:xfrm>
+          <a:prstGeom prst="rect">
+            <a:avLst/>
+          </a:prstGeom>
+        </p:spPr>
+      </p:pic>
+      <p:sp>
+        <p:nvSpPr>
+          <p:cNvPr id="136" name="Textfeld 135">
+            <a:extLst>
+              <a:ext uri="{FF2B5EF4-FFF2-40B4-BE49-F238E27FC236}">
+                <a16:creationId xmlns:a16="http://schemas.microsoft.com/office/drawing/2014/main" id="{F0A1C01D-0D4D-443E-9D5D-93354FFF4F12}"/>
+              </a:ext>
+            </a:extLst>
+          </p:cNvPr>
+          <p:cNvSpPr txBox="1"/>
+          <p:nvPr/>
+        </p:nvSpPr>
+        <p:spPr>
+          <a:xfrm>
+            <a:off x="13118591" y="9337432"/>
+            <a:ext cx="902209" cy="215444"/>
+          </a:xfrm>
+          <a:prstGeom prst="rect">
+            <a:avLst/>
+          </a:prstGeom>
+          <a:noFill/>
+        </p:spPr>
+        <p:txBody>
+          <a:bodyPr wrap="square" rtlCol="0">
+            <a:spAutoFit/>
+          </a:bodyPr>
+          <a:lstStyle/>
+          <a:p>
+            <a:r>
+              <a:rPr lang="en-GB" sz="800" dirty="0">
+                <a:solidFill>
+                  <a:schemeClr val="tx1">
+                    <a:lumMod val="50000"/>
+                    <a:lumOff val="50000"/>
+                  </a:schemeClr>
+                </a:solidFill>
+                <a:latin typeface="Segoe UI Light" panose="020B0502040204020203" pitchFamily="34" charset="0"/>
+                <a:cs typeface="Segoe UI Light" panose="020B0502040204020203" pitchFamily="34" charset="0"/>
+              </a:rPr>
+              <a:t>Happiness Score</a:t>
+            </a:r>
+            <a:endParaRPr lang="en-GB" sz="800" dirty="0">
+              <a:solidFill>
+                <a:schemeClr val="tx1">
+                  <a:lumMod val="50000"/>
+                  <a:lumOff val="50000"/>
+                </a:schemeClr>
+              </a:solidFill>
+            </a:endParaRPr>
+          </a:p>
+        </p:txBody>
+      </p:sp>
+      <p:pic>
+        <p:nvPicPr>
+          <p:cNvPr id="140" name="Grafik 139">
+            <a:extLst>
+              <a:ext uri="{FF2B5EF4-FFF2-40B4-BE49-F238E27FC236}">
+                <a16:creationId xmlns:a16="http://schemas.microsoft.com/office/drawing/2014/main" id="{3E7248CA-E1D7-4C4B-903B-6A6EEEC373C5}"/>
+              </a:ext>
+            </a:extLst>
+          </p:cNvPr>
+          <p:cNvPicPr>
+            <a:picLocks noChangeAspect="1"/>
+          </p:cNvPicPr>
+          <p:nvPr/>
+        </p:nvPicPr>
+        <p:blipFill rotWithShape="1">
+          <a:blip r:embed="rId28">
+            <a:extLst>
+              <a:ext uri="{28A0092B-C50C-407E-A947-70E740481C1C}">
+                <a14:useLocalDpi xmlns:a14="http://schemas.microsoft.com/office/drawing/2010/main" val="0"/>
+              </a:ext>
+            </a:extLst>
+          </a:blip>
+          <a:srcRect t="4798"/>
+          <a:stretch/>
+        </p:blipFill>
+        <p:spPr>
+          <a:xfrm>
+            <a:off x="4022260" y="15405636"/>
+            <a:ext cx="5213242" cy="3477364"/>
+          </a:xfrm>
+          <a:prstGeom prst="rect">
+            <a:avLst/>
+          </a:prstGeom>
+        </p:spPr>
+      </p:pic>
+      <p:sp>
+        <p:nvSpPr>
+          <p:cNvPr id="141" name="Textfeld 140">
+            <a:extLst>
+              <a:ext uri="{FF2B5EF4-FFF2-40B4-BE49-F238E27FC236}">
+                <a16:creationId xmlns:a16="http://schemas.microsoft.com/office/drawing/2014/main" id="{3DDF8AEB-3236-4953-B89D-CB4D6D95804E}"/>
+              </a:ext>
+            </a:extLst>
+          </p:cNvPr>
+          <p:cNvSpPr txBox="1"/>
+          <p:nvPr/>
+        </p:nvSpPr>
+        <p:spPr>
+          <a:xfrm>
+            <a:off x="963959" y="13018031"/>
+            <a:ext cx="4469599" cy="338554"/>
+          </a:xfrm>
+          <a:prstGeom prst="rect">
+            <a:avLst/>
+          </a:prstGeom>
+          <a:noFill/>
+        </p:spPr>
+        <p:txBody>
+          <a:bodyPr wrap="square" rtlCol="0">
+            <a:spAutoFit/>
+          </a:bodyPr>
+          <a:lstStyle/>
+          <a:p>
+            <a:r>
+              <a:rPr lang="en-GB" sz="1600" b="1" dirty="0">
+                <a:latin typeface="Segoe UI Light" panose="020B0502040204020203" pitchFamily="34" charset="0"/>
+                <a:cs typeface="Segoe UI Light" panose="020B0502040204020203" pitchFamily="34" charset="0"/>
+              </a:rPr>
+              <a:t>Cluster Dendrogram</a:t>
+            </a:r>
+          </a:p>
+        </p:txBody>
+      </p:sp>
+      <p:sp>
+        <p:nvSpPr>
+          <p:cNvPr id="142" name="Textfeld 141">
+            <a:extLst>
+              <a:ext uri="{FF2B5EF4-FFF2-40B4-BE49-F238E27FC236}">
+                <a16:creationId xmlns:a16="http://schemas.microsoft.com/office/drawing/2014/main" id="{1C0DA642-AE1B-4F39-9BBA-485BD41FBD77}"/>
+              </a:ext>
+            </a:extLst>
+          </p:cNvPr>
+          <p:cNvSpPr txBox="1"/>
+          <p:nvPr/>
+        </p:nvSpPr>
+        <p:spPr>
+          <a:xfrm>
+            <a:off x="971859" y="12592498"/>
+            <a:ext cx="4469599" cy="338554"/>
+          </a:xfrm>
+          <a:prstGeom prst="rect">
+            <a:avLst/>
+          </a:prstGeom>
+          <a:noFill/>
+        </p:spPr>
+        <p:txBody>
+          <a:bodyPr wrap="square" rtlCol="0">
+            <a:spAutoFit/>
+          </a:bodyPr>
+          <a:lstStyle/>
+          <a:p>
+            <a:r>
+              <a:rPr lang="en-GB" sz="1600" b="1" dirty="0">
+                <a:latin typeface="Segoe UI Light" panose="020B0502040204020203" pitchFamily="34" charset="0"/>
+                <a:cs typeface="Segoe UI Light" panose="020B0502040204020203" pitchFamily="34" charset="0"/>
+              </a:rPr>
+              <a:t>Hierarchical Clustering on Principal Components</a:t>
+            </a:r>
+          </a:p>
+        </p:txBody>
+      </p:sp>
+      <p:pic>
+        <p:nvPicPr>
+          <p:cNvPr id="144" name="Grafik 143">
+            <a:extLst>
+              <a:ext uri="{FF2B5EF4-FFF2-40B4-BE49-F238E27FC236}">
+                <a16:creationId xmlns:a16="http://schemas.microsoft.com/office/drawing/2014/main" id="{D9A64C6F-FA9E-41AB-96EE-35C09EB6D752}"/>
+              </a:ext>
+            </a:extLst>
+          </p:cNvPr>
+          <p:cNvPicPr>
+            <a:picLocks noChangeAspect="1"/>
+          </p:cNvPicPr>
+          <p:nvPr/>
+        </p:nvPicPr>
+        <p:blipFill rotWithShape="1">
+          <a:blip r:embed="rId29">
+            <a:extLst>
+              <a:ext uri="{28A0092B-C50C-407E-A947-70E740481C1C}">
+                <a14:useLocalDpi xmlns:a14="http://schemas.microsoft.com/office/drawing/2010/main" val="0"/>
+              </a:ext>
+            </a:extLst>
+          </a:blip>
+          <a:srcRect t="5905"/>
+          <a:stretch/>
+        </p:blipFill>
+        <p:spPr>
+          <a:xfrm>
+            <a:off x="1006401" y="13356585"/>
+            <a:ext cx="3068853" cy="2165738"/>
+          </a:xfrm>
+          <a:prstGeom prst="rect">
+            <a:avLst/>
+          </a:prstGeom>
+        </p:spPr>
+      </p:pic>
+      <p:sp>
+        <p:nvSpPr>
+          <p:cNvPr id="84" name="Textfeld 83">
+            <a:extLst>
+              <a:ext uri="{FF2B5EF4-FFF2-40B4-BE49-F238E27FC236}">
+                <a16:creationId xmlns:a16="http://schemas.microsoft.com/office/drawing/2014/main" id="{7B8F039E-53BE-4743-A125-4436A25EC159}"/>
+              </a:ext>
+            </a:extLst>
+          </p:cNvPr>
+          <p:cNvSpPr txBox="1"/>
+          <p:nvPr/>
+        </p:nvSpPr>
+        <p:spPr>
+          <a:xfrm>
+            <a:off x="3265572" y="13138330"/>
+            <a:ext cx="5795339" cy="1169551"/>
+          </a:xfrm>
+          <a:prstGeom prst="rect">
+            <a:avLst/>
+          </a:prstGeom>
+          <a:noFill/>
+        </p:spPr>
+        <p:txBody>
+          <a:bodyPr wrap="square" rtlCol="0">
+            <a:spAutoFit/>
+          </a:bodyPr>
+          <a:lstStyle/>
+          <a:p>
+            <a:pPr algn="just"/>
+            <a:r>
+              <a:rPr lang="en-GB" sz="1400" dirty="0">
+                <a:latin typeface="Segoe UI Light" panose="020B0502040204020203" pitchFamily="34" charset="0"/>
+                <a:cs typeface="Segoe UI Light" panose="020B0502040204020203" pitchFamily="34" charset="0"/>
+              </a:rPr>
+              <a:t>According to the results of the Dendrogram, 3 clusters seem to make the most accurate division among the countries. To proof the optimal number of clusters, we also perform Elbow and Silhouette methods. The results confirm number of clusters equal to 3. The distance measure used is Euclidian Distance.</a:t>
+            </a:r>
+          </a:p>
+        </p:txBody>
+      </p:sp>
+      <p:sp>
+        <p:nvSpPr>
+          <p:cNvPr id="145" name="Textfeld 144">
+            <a:extLst>
+              <a:ext uri="{FF2B5EF4-FFF2-40B4-BE49-F238E27FC236}">
+                <a16:creationId xmlns:a16="http://schemas.microsoft.com/office/drawing/2014/main" id="{34D30FB4-BE51-4485-AF66-F6D96553E976}"/>
+              </a:ext>
+            </a:extLst>
+          </p:cNvPr>
+          <p:cNvSpPr txBox="1"/>
+          <p:nvPr/>
+        </p:nvSpPr>
+        <p:spPr>
+          <a:xfrm>
+            <a:off x="883135" y="15701729"/>
+            <a:ext cx="3302707" cy="2246769"/>
+          </a:xfrm>
+          <a:prstGeom prst="rect">
+            <a:avLst/>
+          </a:prstGeom>
+          <a:noFill/>
+        </p:spPr>
+        <p:txBody>
+          <a:bodyPr wrap="square" rtlCol="0">
+            <a:spAutoFit/>
+          </a:bodyPr>
+          <a:lstStyle/>
+          <a:p>
+            <a:r>
+              <a:rPr lang="en-GB" sz="1400" b="1" dirty="0">
+                <a:solidFill>
+                  <a:schemeClr val="accent1"/>
+                </a:solidFill>
+                <a:latin typeface="Segoe UI Light" panose="020B0502040204020203" pitchFamily="34" charset="0"/>
+                <a:cs typeface="Segoe UI Light" panose="020B0502040204020203" pitchFamily="34" charset="0"/>
+              </a:rPr>
+              <a:t>Africa</a:t>
+            </a:r>
+            <a:r>
+              <a:rPr lang="en-GB" sz="1400" dirty="0">
+                <a:latin typeface="Segoe UI Light" panose="020B0502040204020203" pitchFamily="34" charset="0"/>
+                <a:cs typeface="Segoe UI Light" panose="020B0502040204020203" pitchFamily="34" charset="0"/>
+              </a:rPr>
+              <a:t> </a:t>
+            </a:r>
+          </a:p>
+          <a:p>
+            <a:pPr marL="285750" indent="-285750">
+              <a:buFontTx/>
+              <a:buChar char="-"/>
+            </a:pPr>
+            <a:r>
+              <a:rPr lang="en-GB" sz="1400" dirty="0">
+                <a:latin typeface="Segoe UI Light" panose="020B0502040204020203" pitchFamily="34" charset="0"/>
+                <a:cs typeface="Segoe UI Light" panose="020B0502040204020203" pitchFamily="34" charset="0"/>
+              </a:rPr>
+              <a:t>low Country Development</a:t>
+            </a:r>
+          </a:p>
+          <a:p>
+            <a:pPr marL="285750" indent="-285750">
+              <a:buFontTx/>
+              <a:buChar char="-"/>
+            </a:pPr>
+            <a:r>
+              <a:rPr lang="en-GB" sz="1400" dirty="0">
+                <a:latin typeface="Segoe UI Light" panose="020B0502040204020203" pitchFamily="34" charset="0"/>
+                <a:cs typeface="Segoe UI Light" panose="020B0502040204020203" pitchFamily="34" charset="0"/>
+              </a:rPr>
+              <a:t>high Freedom &amp; Corruption </a:t>
+            </a:r>
+          </a:p>
+          <a:p>
+            <a:r>
+              <a:rPr lang="en-GB" sz="1400" b="1" dirty="0">
+                <a:solidFill>
+                  <a:schemeClr val="tx1">
+                    <a:lumMod val="50000"/>
+                    <a:lumOff val="50000"/>
+                  </a:schemeClr>
+                </a:solidFill>
+                <a:latin typeface="Segoe UI Light" panose="020B0502040204020203" pitchFamily="34" charset="0"/>
+                <a:cs typeface="Segoe UI Light" panose="020B0502040204020203" pitchFamily="34" charset="0"/>
+              </a:rPr>
+              <a:t>Western Europe, North America, Australia</a:t>
+            </a:r>
+          </a:p>
+          <a:p>
+            <a:pPr marL="285750" indent="-285750">
+              <a:buFontTx/>
+              <a:buChar char="-"/>
+            </a:pPr>
+            <a:r>
+              <a:rPr lang="en-GB" sz="1400" dirty="0">
+                <a:latin typeface="Segoe UI Light" panose="020B0502040204020203" pitchFamily="34" charset="0"/>
+                <a:cs typeface="Segoe UI Light" panose="020B0502040204020203" pitchFamily="34" charset="0"/>
+              </a:rPr>
+              <a:t>high Country Development</a:t>
+            </a:r>
+          </a:p>
+          <a:p>
+            <a:pPr marL="285750" indent="-285750">
+              <a:buFontTx/>
+              <a:buChar char="-"/>
+            </a:pPr>
+            <a:r>
+              <a:rPr lang="en-GB" sz="1400" dirty="0">
+                <a:latin typeface="Segoe UI Light" panose="020B0502040204020203" pitchFamily="34" charset="0"/>
+                <a:cs typeface="Segoe UI Light" panose="020B0502040204020203" pitchFamily="34" charset="0"/>
+              </a:rPr>
+              <a:t>high Freedom and Corruption</a:t>
+            </a:r>
+          </a:p>
+          <a:p>
+            <a:r>
+              <a:rPr lang="en-GB" sz="1400" b="1" dirty="0">
+                <a:solidFill>
+                  <a:schemeClr val="accent4">
+                    <a:lumMod val="60000"/>
+                    <a:lumOff val="40000"/>
+                  </a:schemeClr>
+                </a:solidFill>
+                <a:latin typeface="Segoe UI Light" panose="020B0502040204020203" pitchFamily="34" charset="0"/>
+                <a:cs typeface="Segoe UI Light" panose="020B0502040204020203" pitchFamily="34" charset="0"/>
+              </a:rPr>
+              <a:t>Asia, South America, Eastern Europe</a:t>
+            </a:r>
+          </a:p>
+          <a:p>
+            <a:pPr marL="285750" indent="-285750">
+              <a:buFontTx/>
+              <a:buChar char="-"/>
+            </a:pPr>
+            <a:r>
+              <a:rPr lang="en-GB" sz="1400" dirty="0">
+                <a:latin typeface="Segoe UI Light" panose="020B0502040204020203" pitchFamily="34" charset="0"/>
+                <a:cs typeface="Segoe UI Light" panose="020B0502040204020203" pitchFamily="34" charset="0"/>
+              </a:rPr>
+              <a:t>mid to low Country Development</a:t>
+            </a:r>
+          </a:p>
+          <a:p>
+            <a:pPr marL="285750" indent="-285750">
+              <a:buFontTx/>
+              <a:buChar char="-"/>
+            </a:pPr>
+            <a:r>
+              <a:rPr lang="en-GB" sz="1400" dirty="0">
+                <a:latin typeface="Segoe UI Light" panose="020B0502040204020203" pitchFamily="34" charset="0"/>
+                <a:cs typeface="Segoe UI Light" panose="020B0502040204020203" pitchFamily="34" charset="0"/>
+              </a:rPr>
+              <a:t>mid Freedom and Corruption</a:t>
+            </a:r>
+          </a:p>
+          <a:p>
+            <a:pPr algn="just"/>
+            <a:endParaRPr lang="en-GB" sz="1400" dirty="0">
+              <a:solidFill>
+                <a:schemeClr val="accent4">
+                  <a:lumMod val="60000"/>
+                  <a:lumOff val="40000"/>
+                </a:schemeClr>
+              </a:solidFill>
+              <a:latin typeface="Segoe UI Light" panose="020B0502040204020203" pitchFamily="34" charset="0"/>
+              <a:cs typeface="Segoe UI Light" panose="020B0502040204020203" pitchFamily="34" charset="0"/>
+            </a:endParaRPr>
+          </a:p>
+        </p:txBody>
+      </p:sp>
+      <p:pic>
+        <p:nvPicPr>
+          <p:cNvPr id="147" name="Grafik 146">
+            <a:extLst>
+              <a:ext uri="{FF2B5EF4-FFF2-40B4-BE49-F238E27FC236}">
+                <a16:creationId xmlns:a16="http://schemas.microsoft.com/office/drawing/2014/main" id="{F027AAC7-FA58-4FBC-84D7-CCA364127D15}"/>
+              </a:ext>
+            </a:extLst>
+          </p:cNvPr>
+          <p:cNvPicPr>
+            <a:picLocks noChangeAspect="1"/>
+          </p:cNvPicPr>
+          <p:nvPr/>
+        </p:nvPicPr>
+        <p:blipFill>
+          <a:blip r:embed="rId30">
+            <a:extLst>
+              <a:ext uri="{28A0092B-C50C-407E-A947-70E740481C1C}">
+                <a14:useLocalDpi xmlns:a14="http://schemas.microsoft.com/office/drawing/2010/main" val="0"/>
+              </a:ext>
+            </a:extLst>
+          </a:blip>
+          <a:stretch>
+            <a:fillRect/>
+          </a:stretch>
+        </p:blipFill>
+        <p:spPr>
+          <a:xfrm>
+            <a:off x="1007789" y="17961863"/>
+            <a:ext cx="3786045" cy="2811942"/>
+          </a:xfrm>
+          <a:prstGeom prst="rect">
+            <a:avLst/>
+          </a:prstGeom>
+        </p:spPr>
+      </p:pic>
+      <p:sp>
+        <p:nvSpPr>
+          <p:cNvPr id="5" name="Rechteck: abgerundete Ecken 4">
+            <a:extLst>
+              <a:ext uri="{FF2B5EF4-FFF2-40B4-BE49-F238E27FC236}">
+                <a16:creationId xmlns:a16="http://schemas.microsoft.com/office/drawing/2014/main" id="{DBC15CEA-203F-4297-B616-17213A939DD1}"/>
+              </a:ext>
+            </a:extLst>
+          </p:cNvPr>
+          <p:cNvSpPr/>
+          <p:nvPr/>
+        </p:nvSpPr>
+        <p:spPr>
+          <a:xfrm>
+            <a:off x="720436" y="11868341"/>
+            <a:ext cx="8466117" cy="8933381"/>
+          </a:xfrm>
+          <a:prstGeom prst="roundRect">
+            <a:avLst/>
+          </a:prstGeom>
+          <a:noFill/>
+        </p:spPr>
+        <p:style>
+          <a:lnRef idx="2">
+            <a:schemeClr val="accent1">
+              <a:shade val="50000"/>
+            </a:schemeClr>
+          </a:lnRef>
+          <a:fillRef idx="1">
+            <a:schemeClr val="accent1"/>
+          </a:fillRef>
+          <a:effectRef idx="0">
+            <a:schemeClr val="accent1"/>
+          </a:effectRef>
+          <a:fontRef idx="minor">
+            <a:schemeClr val="lt1"/>
+          </a:fontRef>
+        </p:style>
+        <p:txBody>
+          <a:bodyPr rot="0" spcFirstLastPara="0" vertOverflow="overflow" horzOverflow="overflow" vert="horz" wrap="square" lIns="91440" tIns="45720" rIns="91440" bIns="45720" numCol="1" spcCol="0" rtlCol="0" fromWordArt="0" anchor="ctr" anchorCtr="0" forceAA="0" compatLnSpc="1">
+            <a:prstTxWarp prst="textNoShape">
+              <a:avLst/>
+            </a:prstTxWarp>
+            <a:noAutofit/>
+          </a:bodyPr>
+          <a:lstStyle/>
+          <a:p>
+            <a:pPr algn="ctr"/>
+            <a:endParaRPr lang="en-GB"/>
+          </a:p>
+        </p:txBody>
+      </p:sp>
+      <p:sp>
+        <p:nvSpPr>
+          <p:cNvPr id="16" name="Rechteck: abgerundete Ecken 15">
+            <a:extLst>
+              <a:ext uri="{FF2B5EF4-FFF2-40B4-BE49-F238E27FC236}">
+                <a16:creationId xmlns:a16="http://schemas.microsoft.com/office/drawing/2014/main" id="{652A2633-20E2-4516-8EAE-564AF76EC450}"/>
+              </a:ext>
+            </a:extLst>
+          </p:cNvPr>
+          <p:cNvSpPr/>
+          <p:nvPr/>
+        </p:nvSpPr>
+        <p:spPr>
+          <a:xfrm>
+            <a:off x="1281494" y="11569806"/>
+            <a:ext cx="3672000" cy="828000"/>
+          </a:xfrm>
+          <a:prstGeom prst="roundRect">
+            <a:avLst/>
+          </a:prstGeom>
+          <a:ln>
+            <a:noFill/>
+          </a:ln>
+        </p:spPr>
+        <p:style>
+          <a:lnRef idx="2">
+            <a:schemeClr val="accent1">
+              <a:shade val="50000"/>
+            </a:schemeClr>
+          </a:lnRef>
+          <a:fillRef idx="1">
+            <a:schemeClr val="accent1"/>
+          </a:fillRef>
+          <a:effectRef idx="0">
+            <a:schemeClr val="accent1"/>
+          </a:effectRef>
+          <a:fontRef idx="minor">
+            <a:schemeClr val="lt1"/>
+          </a:fontRef>
+        </p:style>
+        <p:txBody>
+          <a:bodyPr rtlCol="0" anchor="ctr"/>
+          <a:lstStyle/>
+          <a:p>
+            <a:pPr algn="ctr"/>
+            <a:r>
+              <a:rPr lang="en-GB" sz="2800" dirty="0">
+                <a:latin typeface="Segoe UI Light" panose="020B0502040204020203" pitchFamily="34" charset="0"/>
+                <a:cs typeface="Segoe UI Light" panose="020B0502040204020203" pitchFamily="34" charset="0"/>
+              </a:rPr>
+              <a:t>Cluster Analysis</a:t>
+            </a:r>
+          </a:p>
+        </p:txBody>
+      </p:sp>
+      <p:sp>
+        <p:nvSpPr>
+          <p:cNvPr id="148" name="Textfeld 147">
+            <a:extLst>
+              <a:ext uri="{FF2B5EF4-FFF2-40B4-BE49-F238E27FC236}">
+                <a16:creationId xmlns:a16="http://schemas.microsoft.com/office/drawing/2014/main" id="{F2BE75D9-1725-458A-8CCB-3CFE2D56D08D}"/>
+              </a:ext>
+            </a:extLst>
+          </p:cNvPr>
+          <p:cNvSpPr txBox="1"/>
+          <p:nvPr/>
+        </p:nvSpPr>
+        <p:spPr>
+          <a:xfrm>
+            <a:off x="4912490" y="18999802"/>
+            <a:ext cx="3926249" cy="1384995"/>
+          </a:xfrm>
+          <a:prstGeom prst="rect">
+            <a:avLst/>
+          </a:prstGeom>
+          <a:noFill/>
+        </p:spPr>
+        <p:txBody>
+          <a:bodyPr wrap="square" rtlCol="0">
+            <a:spAutoFit/>
+          </a:bodyPr>
+          <a:lstStyle/>
+          <a:p>
+            <a:pPr algn="just"/>
+            <a:r>
+              <a:rPr lang="en-GB" sz="1400" dirty="0">
+                <a:latin typeface="Segoe UI Light" panose="020B0502040204020203" pitchFamily="34" charset="0"/>
+                <a:cs typeface="Segoe UI Light" panose="020B0502040204020203" pitchFamily="34" charset="0"/>
+              </a:rPr>
+              <a:t>The clusters show a geographical pattern among the grouped countries. Looking at the Phylogenetic Tree, the geographical distance becomes more clear as branches represent similarity. </a:t>
+            </a:r>
+          </a:p>
+          <a:p>
+            <a:endParaRPr lang="en-GB" sz="1400" dirty="0"/>
+          </a:p>
+        </p:txBody>
+      </p:sp>
+      <p:sp>
+        <p:nvSpPr>
+          <p:cNvPr id="149" name="Textfeld 148">
+            <a:extLst>
+              <a:ext uri="{FF2B5EF4-FFF2-40B4-BE49-F238E27FC236}">
+                <a16:creationId xmlns:a16="http://schemas.microsoft.com/office/drawing/2014/main" id="{E55A7ABB-FE46-4932-89A7-C86E881A41B2}"/>
+              </a:ext>
+            </a:extLst>
+          </p:cNvPr>
+          <p:cNvSpPr txBox="1"/>
+          <p:nvPr/>
+        </p:nvSpPr>
+        <p:spPr>
+          <a:xfrm>
+            <a:off x="4239660" y="14375413"/>
+            <a:ext cx="4820893" cy="954107"/>
+          </a:xfrm>
+          <a:prstGeom prst="rect">
+            <a:avLst/>
+          </a:prstGeom>
+          <a:noFill/>
+        </p:spPr>
+        <p:txBody>
+          <a:bodyPr wrap="square" rtlCol="0">
+            <a:spAutoFit/>
+          </a:bodyPr>
+          <a:lstStyle/>
+          <a:p>
+            <a:pPr algn="just"/>
+            <a:r>
+              <a:rPr lang="en-GB" sz="1400" dirty="0">
+                <a:latin typeface="Segoe UI Light" panose="020B0502040204020203" pitchFamily="34" charset="0"/>
+                <a:cs typeface="Segoe UI Light" panose="020B0502040204020203" pitchFamily="34" charset="0"/>
+              </a:rPr>
               <a:t>The clusters are visualized in a Scatter Plot across the two primary PC’s where Dimension 1 represents “Country Development” and Dimension 2 represents Freedom and Corruption.</a:t>
             </a:r>
           </a:p>
         </p:txBody>
       </p:sp>
+      <p:sp>
+        <p:nvSpPr>
+          <p:cNvPr id="126" name="Textfeld 125">
+            <a:extLst>
+              <a:ext uri="{FF2B5EF4-FFF2-40B4-BE49-F238E27FC236}">
+                <a16:creationId xmlns:a16="http://schemas.microsoft.com/office/drawing/2014/main" id="{9B0A9526-F16D-425B-A1A4-841ED2698123}"/>
+              </a:ext>
+            </a:extLst>
+          </p:cNvPr>
+          <p:cNvSpPr txBox="1"/>
+          <p:nvPr/>
+        </p:nvSpPr>
+        <p:spPr>
+          <a:xfrm>
+            <a:off x="1160043" y="2778948"/>
+            <a:ext cx="6039905" cy="1277273"/>
+          </a:xfrm>
+          <a:prstGeom prst="rect">
+            <a:avLst/>
+          </a:prstGeom>
+          <a:noFill/>
+        </p:spPr>
+        <p:txBody>
+          <a:bodyPr wrap="square" rtlCol="0">
+            <a:spAutoFit/>
+          </a:bodyPr>
+          <a:lstStyle/>
+          <a:p>
+            <a:r>
+              <a:rPr lang="en-GB" sz="1600" b="1" dirty="0">
+                <a:latin typeface="Segoe UI Light" panose="020B0502040204020203" pitchFamily="34" charset="0"/>
+                <a:cs typeface="Segoe UI Light" panose="020B0502040204020203" pitchFamily="34" charset="0"/>
+              </a:rPr>
+              <a:t>Data Source</a:t>
+            </a:r>
+          </a:p>
+          <a:p>
+            <a:endParaRPr lang="en-GB" sz="500" b="1" dirty="0">
+              <a:latin typeface="Segoe UI Light" panose="020B0502040204020203" pitchFamily="34" charset="0"/>
+              <a:cs typeface="Segoe UI Light" panose="020B0502040204020203" pitchFamily="34" charset="0"/>
+            </a:endParaRPr>
+          </a:p>
+          <a:p>
+            <a:pPr marL="285750" lvl="0" indent="-285750" fontAlgn="ctr">
+              <a:buFont typeface="Arial" panose="020B0604020202020204" pitchFamily="34" charset="0"/>
+              <a:buChar char="•"/>
+            </a:pPr>
+            <a:r>
+              <a:rPr lang="en-GB" sz="1400" dirty="0">
+                <a:latin typeface="Segoe UI Light" panose="020B0502040204020203" pitchFamily="34" charset="0"/>
+                <a:cs typeface="Segoe UI Light" panose="020B0502040204020203" pitchFamily="34" charset="0"/>
+              </a:rPr>
+              <a:t>United Nations</a:t>
+            </a:r>
+            <a:endParaRPr lang="en-GB" dirty="0">
+              <a:latin typeface="Segoe UI Light" panose="020B0502040204020203" pitchFamily="34" charset="0"/>
+              <a:cs typeface="Segoe UI Light" panose="020B0502040204020203" pitchFamily="34" charset="0"/>
+            </a:endParaRPr>
+          </a:p>
+          <a:p>
+            <a:pPr marL="285750" lvl="0" indent="-285750" fontAlgn="ctr">
+              <a:buFont typeface="Arial" panose="020B0604020202020204" pitchFamily="34" charset="0"/>
+              <a:buChar char="•"/>
+            </a:pPr>
+            <a:r>
+              <a:rPr lang="en-GB" sz="1400" dirty="0">
+                <a:latin typeface="Segoe UI Light" panose="020B0502040204020203" pitchFamily="34" charset="0"/>
+                <a:cs typeface="Segoe UI Light" panose="020B0502040204020203" pitchFamily="34" charset="0"/>
+              </a:rPr>
+              <a:t>Our World in Data</a:t>
+            </a:r>
+          </a:p>
+          <a:p>
+            <a:pPr marL="285750" lvl="0" indent="-285750" fontAlgn="ctr">
+              <a:buFont typeface="Arial" panose="020B0604020202020204" pitchFamily="34" charset="0"/>
+              <a:buChar char="•"/>
+            </a:pPr>
+            <a:r>
+              <a:rPr lang="en-GB" sz="1400" dirty="0">
+                <a:latin typeface="Segoe UI Light" panose="020B0502040204020203" pitchFamily="34" charset="0"/>
+                <a:cs typeface="Segoe UI Light" panose="020B0502040204020203" pitchFamily="34" charset="0"/>
+              </a:rPr>
+              <a:t>World Bank</a:t>
+            </a:r>
+          </a:p>
+          <a:p>
+            <a:pPr marL="285750" lvl="0" indent="-285750" fontAlgn="ctr">
+              <a:buFont typeface="Arial" panose="020B0604020202020204" pitchFamily="34" charset="0"/>
+              <a:buChar char="•"/>
+            </a:pPr>
+            <a:r>
+              <a:rPr lang="en-GB" sz="1400" dirty="0">
+                <a:latin typeface="Segoe UI Light" panose="020B0502040204020203" pitchFamily="34" charset="0"/>
+                <a:cs typeface="Segoe UI Light" panose="020B0502040204020203" pitchFamily="34" charset="0"/>
+              </a:rPr>
+              <a:t>32 variables, 132 countries</a:t>
+            </a:r>
+          </a:p>
+        </p:txBody>
+      </p:sp>
+      <p:pic>
+        <p:nvPicPr>
+          <p:cNvPr id="1028" name="Picture 4" descr="Bildergebnis fÃ¼r normal distribution">
+            <a:extLst>
+              <a:ext uri="{FF2B5EF4-FFF2-40B4-BE49-F238E27FC236}">
+                <a16:creationId xmlns:a16="http://schemas.microsoft.com/office/drawing/2014/main" id="{B13286B2-1428-4C2D-8AB1-322F812F8103}"/>
+              </a:ext>
+            </a:extLst>
+          </p:cNvPr>
+          <p:cNvPicPr>
+            <a:picLocks noChangeAspect="1" noChangeArrowheads="1"/>
+          </p:cNvPicPr>
+          <p:nvPr/>
+        </p:nvPicPr>
+        <p:blipFill>
+          <a:blip r:embed="rId31">
+            <a:extLst>
+              <a:ext uri="{28A0092B-C50C-407E-A947-70E740481C1C}">
+                <a14:useLocalDpi xmlns:a14="http://schemas.microsoft.com/office/drawing/2010/main" val="0"/>
+              </a:ext>
+            </a:extLst>
+          </a:blip>
+          <a:srcRect/>
+          <a:stretch>
+            <a:fillRect/>
+          </a:stretch>
+        </p:blipFill>
+        <p:spPr bwMode="auto">
+          <a:xfrm>
+            <a:off x="13067830" y="8775861"/>
+            <a:ext cx="1005586" cy="402952"/>
+          </a:xfrm>
+          <a:prstGeom prst="rect">
+            <a:avLst/>
+          </a:prstGeom>
+          <a:noFill/>
+          <a:extLst>
+            <a:ext uri="{909E8E84-426E-40DD-AFC4-6F175D3DCCD1}">
+              <a14:hiddenFill xmlns:a14="http://schemas.microsoft.com/office/drawing/2010/main">
+                <a:solidFill>
+                  <a:srgbClr val="FFFFFF"/>
+                </a:solidFill>
+              </a14:hiddenFill>
+            </a:ext>
+          </a:extLst>
+        </p:spPr>
+      </p:pic>
+      <p:pic>
+        <p:nvPicPr>
+          <p:cNvPr id="26" name="Grafik 25">
+            <a:extLst>
+              <a:ext uri="{FF2B5EF4-FFF2-40B4-BE49-F238E27FC236}">
+                <a16:creationId xmlns:a16="http://schemas.microsoft.com/office/drawing/2014/main" id="{239B00D5-24D2-46F4-B02F-83DBE25D6B4C}"/>
+              </a:ext>
+            </a:extLst>
+          </p:cNvPr>
+          <p:cNvPicPr>
+            <a:picLocks noChangeAspect="1"/>
+          </p:cNvPicPr>
+          <p:nvPr/>
+        </p:nvPicPr>
+        <p:blipFill rotWithShape="1">
+          <a:blip r:embed="rId32">
+            <a:extLst>
+              <a:ext uri="{28A0092B-C50C-407E-A947-70E740481C1C}">
+                <a14:useLocalDpi xmlns:a14="http://schemas.microsoft.com/office/drawing/2010/main" val="0"/>
+              </a:ext>
+            </a:extLst>
+          </a:blip>
+          <a:srcRect t="8805" r="21487"/>
+          <a:stretch/>
+        </p:blipFill>
+        <p:spPr>
+          <a:xfrm>
+            <a:off x="25217724" y="7426325"/>
+            <a:ext cx="3422680" cy="3584095"/>
+          </a:xfrm>
+          <a:prstGeom prst="rect">
+            <a:avLst/>
+          </a:prstGeom>
+        </p:spPr>
+      </p:pic>
+      <p:pic>
+        <p:nvPicPr>
+          <p:cNvPr id="40" name="Grafik 39">
+            <a:extLst>
+              <a:ext uri="{FF2B5EF4-FFF2-40B4-BE49-F238E27FC236}">
+                <a16:creationId xmlns:a16="http://schemas.microsoft.com/office/drawing/2014/main" id="{D9BC263C-9946-4799-90D8-071242917C86}"/>
+              </a:ext>
+            </a:extLst>
+          </p:cNvPr>
+          <p:cNvPicPr>
+            <a:picLocks noChangeAspect="1"/>
+          </p:cNvPicPr>
+          <p:nvPr/>
+        </p:nvPicPr>
+        <p:blipFill rotWithShape="1">
+          <a:blip r:embed="rId32">
+            <a:extLst>
+              <a:ext uri="{28A0092B-C50C-407E-A947-70E740481C1C}">
+                <a14:useLocalDpi xmlns:a14="http://schemas.microsoft.com/office/drawing/2010/main" val="0"/>
+              </a:ext>
+            </a:extLst>
+          </a:blip>
+          <a:srcRect l="79517" t="36721" b="37742"/>
+          <a:stretch/>
+        </p:blipFill>
+        <p:spPr>
+          <a:xfrm>
+            <a:off x="24978442" y="9667563"/>
+            <a:ext cx="1239299" cy="1392940"/>
+          </a:xfrm>
+          <a:prstGeom prst="rect">
+            <a:avLst/>
+          </a:prstGeom>
+        </p:spPr>
+      </p:pic>
+      <p:sp>
+        <p:nvSpPr>
+          <p:cNvPr id="4" name="Rechteck: abgerundete Ecken 3">
+            <a:extLst>
+              <a:ext uri="{FF2B5EF4-FFF2-40B4-BE49-F238E27FC236}">
+                <a16:creationId xmlns:a16="http://schemas.microsoft.com/office/drawing/2014/main" id="{4B4796D8-9834-4939-B5D2-7BA2DA855B38}"/>
+              </a:ext>
+            </a:extLst>
+          </p:cNvPr>
+          <p:cNvSpPr/>
+          <p:nvPr/>
+        </p:nvSpPr>
+        <p:spPr>
+          <a:xfrm>
+            <a:off x="15019920" y="1949325"/>
+            <a:ext cx="14534857" cy="9217437"/>
+          </a:xfrm>
+          <a:prstGeom prst="roundRect">
+            <a:avLst/>
+          </a:prstGeom>
+          <a:noFill/>
+        </p:spPr>
+        <p:style>
+          <a:lnRef idx="2">
+            <a:schemeClr val="accent1">
+              <a:shade val="50000"/>
+            </a:schemeClr>
+          </a:lnRef>
+          <a:fillRef idx="1">
+            <a:schemeClr val="accent1"/>
+          </a:fillRef>
+          <a:effectRef idx="0">
+            <a:schemeClr val="accent1"/>
+          </a:effectRef>
+          <a:fontRef idx="minor">
+            <a:schemeClr val="lt1"/>
+          </a:fontRef>
+        </p:style>
+        <p:txBody>
+          <a:bodyPr rot="0" spcFirstLastPara="0" vertOverflow="overflow" horzOverflow="overflow" vert="horz" wrap="square" lIns="91440" tIns="45720" rIns="91440" bIns="45720" numCol="1" spcCol="0" rtlCol="0" fromWordArt="0" anchor="ctr" anchorCtr="0" forceAA="0" compatLnSpc="1">
+            <a:prstTxWarp prst="textNoShape">
+              <a:avLst/>
+            </a:prstTxWarp>
+            <a:noAutofit/>
+          </a:bodyPr>
+          <a:lstStyle/>
+          <a:p>
+            <a:pPr algn="ctr"/>
+            <a:endParaRPr lang="en-GB"/>
+          </a:p>
+        </p:txBody>
+      </p:sp>
+      <p:sp>
+        <p:nvSpPr>
+          <p:cNvPr id="14" name="Rechteck: abgerundete Ecken 13">
+            <a:extLst>
+              <a:ext uri="{FF2B5EF4-FFF2-40B4-BE49-F238E27FC236}">
+                <a16:creationId xmlns:a16="http://schemas.microsoft.com/office/drawing/2014/main" id="{C9448E25-4DFB-417F-9427-887A0EB7343A}"/>
+              </a:ext>
+            </a:extLst>
+          </p:cNvPr>
+          <p:cNvSpPr/>
+          <p:nvPr/>
+        </p:nvSpPr>
+        <p:spPr>
+          <a:xfrm>
+            <a:off x="16075143" y="1747815"/>
+            <a:ext cx="3672000" cy="828000"/>
+          </a:xfrm>
+          <a:prstGeom prst="roundRect">
+            <a:avLst/>
+          </a:prstGeom>
+          <a:ln>
+            <a:noFill/>
+          </a:ln>
+        </p:spPr>
+        <p:style>
+          <a:lnRef idx="2">
+            <a:schemeClr val="accent1">
+              <a:shade val="50000"/>
+            </a:schemeClr>
+          </a:lnRef>
+          <a:fillRef idx="1">
+            <a:schemeClr val="accent1"/>
+          </a:fillRef>
+          <a:effectRef idx="0">
+            <a:schemeClr val="accent1"/>
+          </a:effectRef>
+          <a:fontRef idx="minor">
+            <a:schemeClr val="lt1"/>
+          </a:fontRef>
+        </p:style>
+        <p:txBody>
+          <a:bodyPr rtlCol="0" anchor="ctr"/>
+          <a:lstStyle/>
+          <a:p>
+            <a:pPr algn="ctr"/>
+            <a:r>
+              <a:rPr lang="en-GB" sz="2800" dirty="0">
+                <a:latin typeface="Segoe UI Light" panose="020B0502040204020203" pitchFamily="34" charset="0"/>
+                <a:cs typeface="Segoe UI Light" panose="020B0502040204020203" pitchFamily="34" charset="0"/>
+              </a:rPr>
+              <a:t>Dimension Reduction</a:t>
+            </a:r>
+          </a:p>
+        </p:txBody>
+      </p:sp>
+      <p:sp>
+        <p:nvSpPr>
+          <p:cNvPr id="59" name="Textfeld 58">
+            <a:extLst>
+              <a:ext uri="{FF2B5EF4-FFF2-40B4-BE49-F238E27FC236}">
+                <a16:creationId xmlns:a16="http://schemas.microsoft.com/office/drawing/2014/main" id="{E132089D-43B6-49D8-A9C5-FA4D081BC2C7}"/>
+              </a:ext>
+            </a:extLst>
+          </p:cNvPr>
+          <p:cNvSpPr txBox="1"/>
+          <p:nvPr/>
+        </p:nvSpPr>
+        <p:spPr>
+          <a:xfrm>
+            <a:off x="16842748" y="18178908"/>
+            <a:ext cx="5147259" cy="369332"/>
+          </a:xfrm>
+          <a:prstGeom prst="rect">
+            <a:avLst/>
+          </a:prstGeom>
+          <a:noFill/>
+        </p:spPr>
+        <p:txBody>
+          <a:bodyPr wrap="square" rtlCol="0">
+            <a:spAutoFit/>
+          </a:bodyPr>
+          <a:lstStyle/>
+          <a:p>
+            <a:endParaRPr lang="en-GB" dirty="0"/>
+          </a:p>
+        </p:txBody>
+      </p:sp>
+      <p:pic>
+        <p:nvPicPr>
+          <p:cNvPr id="61" name="Grafik 60">
+            <a:extLst>
+              <a:ext uri="{FF2B5EF4-FFF2-40B4-BE49-F238E27FC236}">
+                <a16:creationId xmlns:a16="http://schemas.microsoft.com/office/drawing/2014/main" id="{CE634F89-F6F3-4CD9-A49D-39FEE2733C30}"/>
+              </a:ext>
+            </a:extLst>
+          </p:cNvPr>
+          <p:cNvPicPr>
+            <a:picLocks noChangeAspect="1"/>
+          </p:cNvPicPr>
+          <p:nvPr/>
+        </p:nvPicPr>
+        <p:blipFill rotWithShape="1">
+          <a:blip r:embed="rId33">
+            <a:extLst>
+              <a:ext uri="{28A0092B-C50C-407E-A947-70E740481C1C}">
+                <a14:useLocalDpi xmlns:a14="http://schemas.microsoft.com/office/drawing/2010/main" val="0"/>
+              </a:ext>
+            </a:extLst>
+          </a:blip>
+          <a:srcRect l="37535" r="1"/>
+          <a:stretch/>
+        </p:blipFill>
+        <p:spPr>
+          <a:xfrm>
+            <a:off x="11588776" y="12624406"/>
+            <a:ext cx="4558204" cy="5419754"/>
+          </a:xfrm>
+          <a:prstGeom prst="rect">
+            <a:avLst/>
+          </a:prstGeom>
+        </p:spPr>
+      </p:pic>
+      <p:sp>
+        <p:nvSpPr>
+          <p:cNvPr id="134" name="Textfeld 133">
+            <a:extLst>
+              <a:ext uri="{FF2B5EF4-FFF2-40B4-BE49-F238E27FC236}">
+                <a16:creationId xmlns:a16="http://schemas.microsoft.com/office/drawing/2014/main" id="{61F3957C-4900-4375-8611-C6DFE473BF97}"/>
+              </a:ext>
+            </a:extLst>
+          </p:cNvPr>
+          <p:cNvSpPr txBox="1"/>
+          <p:nvPr/>
+        </p:nvSpPr>
+        <p:spPr>
+          <a:xfrm>
+            <a:off x="9517495" y="13041323"/>
+            <a:ext cx="2190786" cy="4401205"/>
+          </a:xfrm>
+          <a:prstGeom prst="rect">
+            <a:avLst/>
+          </a:prstGeom>
+          <a:noFill/>
+        </p:spPr>
+        <p:txBody>
+          <a:bodyPr wrap="square" rtlCol="0">
+            <a:spAutoFit/>
+          </a:bodyPr>
+          <a:lstStyle/>
+          <a:p>
+            <a:pPr algn="r"/>
+            <a:r>
+              <a:rPr lang="en-GB" sz="1000" b="1" dirty="0">
+                <a:latin typeface="Segoe UI Light" panose="020B0502040204020203" pitchFamily="34" charset="0"/>
+                <a:cs typeface="Segoe UI Light" panose="020B0502040204020203" pitchFamily="34" charset="0"/>
+              </a:rPr>
+              <a:t>Economy GDP Per Capita</a:t>
+            </a:r>
+          </a:p>
+          <a:p>
+            <a:pPr algn="r"/>
+            <a:r>
+              <a:rPr lang="en-GB" sz="1000" b="1" dirty="0">
+                <a:latin typeface="Segoe UI Light" panose="020B0502040204020203" pitchFamily="34" charset="0"/>
+                <a:cs typeface="Segoe UI Light" panose="020B0502040204020203" pitchFamily="34" charset="0"/>
+              </a:rPr>
+              <a:t>Internet Usage</a:t>
+            </a:r>
+          </a:p>
+          <a:p>
+            <a:pPr algn="r"/>
+            <a:r>
+              <a:rPr lang="en-GB" sz="1000" b="1" dirty="0">
+                <a:latin typeface="Segoe UI Light" panose="020B0502040204020203" pitchFamily="34" charset="0"/>
+                <a:cs typeface="Segoe UI Light" panose="020B0502040204020203" pitchFamily="34" charset="0"/>
+              </a:rPr>
+              <a:t>Child Mortality</a:t>
+            </a:r>
+          </a:p>
+          <a:p>
+            <a:pPr algn="r"/>
+            <a:r>
+              <a:rPr lang="en-GB" sz="1000" b="1" dirty="0">
+                <a:latin typeface="Segoe UI Light" panose="020B0502040204020203" pitchFamily="34" charset="0"/>
+                <a:cs typeface="Segoe UI Light" panose="020B0502040204020203" pitchFamily="34" charset="0"/>
+              </a:rPr>
+              <a:t>Electricity Access</a:t>
+            </a:r>
+          </a:p>
+          <a:p>
+            <a:pPr algn="r"/>
+            <a:r>
+              <a:rPr lang="en-GB" sz="1000" b="1" dirty="0">
+                <a:latin typeface="Segoe UI Light" panose="020B0502040204020203" pitchFamily="34" charset="0"/>
+                <a:cs typeface="Segoe UI Light" panose="020B0502040204020203" pitchFamily="34" charset="0"/>
+              </a:rPr>
+              <a:t>Health Life Expectancy</a:t>
+            </a:r>
+          </a:p>
+          <a:p>
+            <a:pPr algn="r"/>
+            <a:r>
+              <a:rPr lang="en-GB" sz="1000" dirty="0">
+                <a:latin typeface="Segoe UI Light" panose="020B0502040204020203" pitchFamily="34" charset="0"/>
+                <a:cs typeface="Segoe UI Light" panose="020B0502040204020203" pitchFamily="34" charset="0"/>
+              </a:rPr>
+              <a:t>Clean Water</a:t>
+            </a:r>
+          </a:p>
+          <a:p>
+            <a:pPr algn="r"/>
+            <a:r>
+              <a:rPr lang="en-GB" sz="1000" dirty="0">
+                <a:latin typeface="Segoe UI Light" panose="020B0502040204020203" pitchFamily="34" charset="0"/>
+                <a:cs typeface="Segoe UI Light" panose="020B0502040204020203" pitchFamily="34" charset="0"/>
+              </a:rPr>
+              <a:t>Urban Population %</a:t>
+            </a:r>
+          </a:p>
+          <a:p>
+            <a:pPr algn="r"/>
+            <a:r>
+              <a:rPr lang="en-GB" sz="1000" dirty="0">
+                <a:latin typeface="Segoe UI Light" panose="020B0502040204020203" pitchFamily="34" charset="0"/>
+                <a:cs typeface="Segoe UI Light" panose="020B0502040204020203" pitchFamily="34" charset="0"/>
+              </a:rPr>
+              <a:t>Automotive Mortality</a:t>
+            </a:r>
+          </a:p>
+          <a:p>
+            <a:pPr algn="r"/>
+            <a:r>
+              <a:rPr lang="en-GB" sz="1000" dirty="0">
+                <a:latin typeface="Segoe UI Light" panose="020B0502040204020203" pitchFamily="34" charset="0"/>
+                <a:cs typeface="Segoe UI Light" panose="020B0502040204020203" pitchFamily="34" charset="0"/>
+              </a:rPr>
+              <a:t>Birth Rate</a:t>
+            </a:r>
+          </a:p>
+          <a:p>
+            <a:pPr algn="r"/>
+            <a:r>
+              <a:rPr lang="en-GB" sz="1000" dirty="0">
+                <a:latin typeface="Segoe UI Light" panose="020B0502040204020203" pitchFamily="34" charset="0"/>
+                <a:cs typeface="Segoe UI Light" panose="020B0502040204020203" pitchFamily="34" charset="0"/>
+              </a:rPr>
+              <a:t>Entrepreneurship Cost</a:t>
+            </a:r>
+          </a:p>
+          <a:p>
+            <a:pPr algn="r"/>
+            <a:r>
+              <a:rPr lang="en-GB" sz="1000" dirty="0">
+                <a:latin typeface="Segoe UI Light" panose="020B0502040204020203" pitchFamily="34" charset="0"/>
+                <a:cs typeface="Segoe UI Light" panose="020B0502040204020203" pitchFamily="34" charset="0"/>
+              </a:rPr>
+              <a:t>Cellular Subscriber</a:t>
+            </a:r>
+          </a:p>
+          <a:p>
+            <a:pPr algn="r"/>
+            <a:r>
+              <a:rPr lang="en-GB" sz="1000" dirty="0">
+                <a:latin typeface="Segoe UI Light" panose="020B0502040204020203" pitchFamily="34" charset="0"/>
+                <a:cs typeface="Segoe UI Light" panose="020B0502040204020203" pitchFamily="34" charset="0"/>
+              </a:rPr>
+              <a:t>Family</a:t>
+            </a:r>
+          </a:p>
+          <a:p>
+            <a:pPr algn="r"/>
+            <a:r>
+              <a:rPr lang="en-GB" sz="1000" dirty="0">
+                <a:latin typeface="Segoe UI Light" panose="020B0502040204020203" pitchFamily="34" charset="0"/>
+                <a:cs typeface="Segoe UI Light" panose="020B0502040204020203" pitchFamily="34" charset="0"/>
+              </a:rPr>
+              <a:t>Obesity</a:t>
+            </a:r>
+          </a:p>
+          <a:p>
+            <a:pPr algn="r"/>
+            <a:r>
+              <a:rPr lang="en-GB" sz="1000" dirty="0">
+                <a:latin typeface="Segoe UI Light" panose="020B0502040204020203" pitchFamily="34" charset="0"/>
+                <a:cs typeface="Segoe UI Light" panose="020B0502040204020203" pitchFamily="34" charset="0"/>
+              </a:rPr>
+              <a:t>Population Growth Rate</a:t>
+            </a:r>
+          </a:p>
+          <a:p>
+            <a:pPr algn="r"/>
+            <a:r>
+              <a:rPr lang="en-GB" sz="1000" dirty="0">
+                <a:latin typeface="Segoe UI Light" panose="020B0502040204020203" pitchFamily="34" charset="0"/>
+                <a:cs typeface="Segoe UI Light" panose="020B0502040204020203" pitchFamily="34" charset="0"/>
+              </a:rPr>
+              <a:t>Infant Immunization Measles</a:t>
+            </a:r>
+          </a:p>
+          <a:p>
+            <a:pPr algn="r"/>
+            <a:r>
+              <a:rPr lang="en-GB" sz="1000" dirty="0">
+                <a:latin typeface="Segoe UI Light" panose="020B0502040204020203" pitchFamily="34" charset="0"/>
+                <a:cs typeface="Segoe UI Light" panose="020B0502040204020203" pitchFamily="34" charset="0"/>
+              </a:rPr>
+              <a:t>Trust Government (Corruption)</a:t>
+            </a:r>
+          </a:p>
+          <a:p>
+            <a:pPr algn="r"/>
+            <a:r>
+              <a:rPr lang="en-GB" sz="1000" dirty="0">
+                <a:latin typeface="Segoe UI Light" panose="020B0502040204020203" pitchFamily="34" charset="0"/>
+                <a:cs typeface="Segoe UI Light" panose="020B0502040204020203" pitchFamily="34" charset="0"/>
+              </a:rPr>
+              <a:t>Freedom</a:t>
+            </a:r>
+          </a:p>
+          <a:p>
+            <a:pPr algn="r"/>
+            <a:r>
+              <a:rPr lang="en-GB" sz="1000" dirty="0">
+                <a:latin typeface="Segoe UI Light" panose="020B0502040204020203" pitchFamily="34" charset="0"/>
+                <a:cs typeface="Segoe UI Light" panose="020B0502040204020203" pitchFamily="34" charset="0"/>
+              </a:rPr>
+              <a:t>Air Pollution</a:t>
+            </a:r>
+          </a:p>
+          <a:p>
+            <a:pPr algn="r"/>
+            <a:r>
+              <a:rPr lang="en-GB" sz="1000" dirty="0">
+                <a:latin typeface="Segoe UI Light" panose="020B0502040204020203" pitchFamily="34" charset="0"/>
+                <a:cs typeface="Segoe UI Light" panose="020B0502040204020203" pitchFamily="34" charset="0"/>
+              </a:rPr>
+              <a:t>HIV Disease</a:t>
+            </a:r>
+          </a:p>
+          <a:p>
+            <a:pPr algn="r"/>
+            <a:r>
+              <a:rPr lang="en-GB" sz="1000" dirty="0">
+                <a:latin typeface="Segoe UI Light" panose="020B0502040204020203" pitchFamily="34" charset="0"/>
+                <a:cs typeface="Segoe UI Light" panose="020B0502040204020203" pitchFamily="34" charset="0"/>
+              </a:rPr>
+              <a:t>Mental and Substance Disorder</a:t>
+            </a:r>
+          </a:p>
+          <a:p>
+            <a:pPr algn="r"/>
+            <a:r>
+              <a:rPr lang="en-GB" sz="1000" dirty="0">
+                <a:latin typeface="Segoe UI Light" panose="020B0502040204020203" pitchFamily="34" charset="0"/>
+                <a:cs typeface="Segoe UI Light" panose="020B0502040204020203" pitchFamily="34" charset="0"/>
+              </a:rPr>
+              <a:t>Alcohol Consumption</a:t>
+            </a:r>
+          </a:p>
+          <a:p>
+            <a:pPr algn="r"/>
+            <a:r>
+              <a:rPr lang="en-GB" sz="1000" dirty="0">
+                <a:latin typeface="Segoe UI Light" panose="020B0502040204020203" pitchFamily="34" charset="0"/>
+                <a:cs typeface="Segoe UI Light" panose="020B0502040204020203" pitchFamily="34" charset="0"/>
+              </a:rPr>
+              <a:t>Agricultural Land %</a:t>
+            </a:r>
+          </a:p>
+          <a:p>
+            <a:pPr algn="r"/>
+            <a:r>
+              <a:rPr lang="en-GB" sz="1000" dirty="0">
+                <a:latin typeface="Segoe UI Light" panose="020B0502040204020203" pitchFamily="34" charset="0"/>
+                <a:cs typeface="Segoe UI Light" panose="020B0502040204020203" pitchFamily="34" charset="0"/>
+              </a:rPr>
+              <a:t>Generosity</a:t>
+            </a:r>
+          </a:p>
+          <a:p>
+            <a:pPr algn="r"/>
+            <a:r>
+              <a:rPr lang="en-GB" sz="1000" dirty="0">
+                <a:latin typeface="Segoe UI Light" panose="020B0502040204020203" pitchFamily="34" charset="0"/>
+                <a:cs typeface="Segoe UI Light" panose="020B0502040204020203" pitchFamily="34" charset="0"/>
+              </a:rPr>
+              <a:t>Compulsory Education</a:t>
+            </a:r>
+          </a:p>
+          <a:p>
+            <a:pPr algn="r"/>
+            <a:r>
+              <a:rPr lang="en-GB" sz="1000" dirty="0">
+                <a:latin typeface="Segoe UI Light" panose="020B0502040204020203" pitchFamily="34" charset="0"/>
+                <a:cs typeface="Segoe UI Light" panose="020B0502040204020203" pitchFamily="34" charset="0"/>
+              </a:rPr>
+              <a:t>Forest Area Land %</a:t>
+            </a:r>
+          </a:p>
+          <a:p>
+            <a:pPr algn="r"/>
+            <a:r>
+              <a:rPr lang="en-GB" sz="1000" dirty="0">
+                <a:latin typeface="Segoe UI Light" panose="020B0502040204020203" pitchFamily="34" charset="0"/>
+                <a:cs typeface="Segoe UI Light" panose="020B0502040204020203" pitchFamily="34" charset="0"/>
+              </a:rPr>
+              <a:t>Total Population</a:t>
+            </a:r>
+          </a:p>
+          <a:p>
+            <a:pPr algn="r"/>
+            <a:r>
+              <a:rPr lang="en-GB" sz="1000" dirty="0">
+                <a:latin typeface="Segoe UI Light" panose="020B0502040204020203" pitchFamily="34" charset="0"/>
+                <a:cs typeface="Segoe UI Light" panose="020B0502040204020203" pitchFamily="34" charset="0"/>
+              </a:rPr>
+              <a:t>Suicide</a:t>
+            </a:r>
+          </a:p>
+          <a:p>
+            <a:pPr algn="r"/>
+            <a:r>
+              <a:rPr lang="en-GB" sz="1000" dirty="0">
+                <a:latin typeface="Segoe UI Light" panose="020B0502040204020203" pitchFamily="34" charset="0"/>
+                <a:cs typeface="Segoe UI Light" panose="020B0502040204020203" pitchFamily="34" charset="0"/>
+              </a:rPr>
+              <a:t>Legal Rights</a:t>
+            </a:r>
+          </a:p>
+        </p:txBody>
+      </p:sp>
+      <p:sp>
+        <p:nvSpPr>
+          <p:cNvPr id="87" name="Textfeld 86">
+            <a:extLst>
+              <a:ext uri="{FF2B5EF4-FFF2-40B4-BE49-F238E27FC236}">
+                <a16:creationId xmlns:a16="http://schemas.microsoft.com/office/drawing/2014/main" id="{832B9877-46F0-48C5-AFC9-33CEF009BE88}"/>
+              </a:ext>
+            </a:extLst>
+          </p:cNvPr>
+          <p:cNvSpPr txBox="1"/>
+          <p:nvPr/>
+        </p:nvSpPr>
+        <p:spPr>
+          <a:xfrm>
+            <a:off x="10091296" y="12610858"/>
+            <a:ext cx="4469599" cy="338554"/>
+          </a:xfrm>
+          <a:prstGeom prst="rect">
+            <a:avLst/>
+          </a:prstGeom>
+          <a:noFill/>
+        </p:spPr>
+        <p:txBody>
+          <a:bodyPr wrap="square" rtlCol="0">
+            <a:spAutoFit/>
+          </a:bodyPr>
+          <a:lstStyle/>
+          <a:p>
+            <a:r>
+              <a:rPr lang="en-GB" sz="1600" b="1" dirty="0">
+                <a:latin typeface="Segoe UI Light" panose="020B0502040204020203" pitchFamily="34" charset="0"/>
+                <a:cs typeface="Segoe UI Light" panose="020B0502040204020203" pitchFamily="34" charset="0"/>
+              </a:rPr>
+              <a:t>Variable Importance on Happiness Score</a:t>
+            </a:r>
+          </a:p>
+        </p:txBody>
+      </p:sp>
+      <p:pic>
+        <p:nvPicPr>
+          <p:cNvPr id="63" name="Grafik 62">
+            <a:extLst>
+              <a:ext uri="{FF2B5EF4-FFF2-40B4-BE49-F238E27FC236}">
+                <a16:creationId xmlns:a16="http://schemas.microsoft.com/office/drawing/2014/main" id="{D471C9B5-2D71-43DE-98A7-D6BD71AC98EE}"/>
+              </a:ext>
+            </a:extLst>
+          </p:cNvPr>
+          <p:cNvPicPr>
+            <a:picLocks noChangeAspect="1"/>
+          </p:cNvPicPr>
+          <p:nvPr/>
+        </p:nvPicPr>
+        <p:blipFill rotWithShape="1">
+          <a:blip r:embed="rId34">
+            <a:extLst>
+              <a:ext uri="{28A0092B-C50C-407E-A947-70E740481C1C}">
+                <a14:useLocalDpi xmlns:a14="http://schemas.microsoft.com/office/drawing/2010/main" val="0"/>
+              </a:ext>
+            </a:extLst>
+          </a:blip>
+          <a:srcRect t="4443" b="-1"/>
+          <a:stretch/>
+        </p:blipFill>
+        <p:spPr>
+          <a:xfrm>
+            <a:off x="16386463" y="13117438"/>
+            <a:ext cx="5101537" cy="4149250"/>
+          </a:xfrm>
+          <a:prstGeom prst="rect">
+            <a:avLst/>
+          </a:prstGeom>
+        </p:spPr>
+      </p:pic>
+      <p:cxnSp>
+        <p:nvCxnSpPr>
+          <p:cNvPr id="65" name="Gerader Verbinder 64">
+            <a:extLst>
+              <a:ext uri="{FF2B5EF4-FFF2-40B4-BE49-F238E27FC236}">
+                <a16:creationId xmlns:a16="http://schemas.microsoft.com/office/drawing/2014/main" id="{462CA3B6-2D8E-4583-84AC-6633B4A23268}"/>
+              </a:ext>
+            </a:extLst>
+          </p:cNvPr>
+          <p:cNvCxnSpPr/>
+          <p:nvPr/>
+        </p:nvCxnSpPr>
+        <p:spPr>
+          <a:xfrm>
+            <a:off x="16146980" y="12252960"/>
+            <a:ext cx="0" cy="8112078"/>
+          </a:xfrm>
+          <a:prstGeom prst="line">
+            <a:avLst/>
+          </a:prstGeom>
+        </p:spPr>
+        <p:style>
+          <a:lnRef idx="1">
+            <a:schemeClr val="accent1"/>
+          </a:lnRef>
+          <a:fillRef idx="0">
+            <a:schemeClr val="accent1"/>
+          </a:fillRef>
+          <a:effectRef idx="0">
+            <a:schemeClr val="accent1"/>
+          </a:effectRef>
+          <a:fontRef idx="minor">
+            <a:schemeClr val="tx1"/>
+          </a:fontRef>
+        </p:style>
+      </p:cxnSp>
     </p:spTree>
     <p:extLst>
       <p:ext uri="{BB962C8B-B14F-4D97-AF65-F5344CB8AC3E}">

--- a/REPORT/Poster.pptx
+++ b/REPORT/Poster.pptx
@@ -197,7 +197,7 @@
           <a:p>
             <a:fld id="{950F6633-CA7C-4FFA-B3DB-61DF2E245CFF}" type="datetimeFigureOut">
               <a:rPr lang="en-GB" smtClean="0"/>
-              <a:t>05/06/2018</a:t>
+              <a:t>06/06/2018</a:t>
             </a:fld>
             <a:endParaRPr lang="en-GB"/>
           </a:p>
@@ -356,7 +356,7 @@
           <a:p>
             <a:fld id="{60B8BCF7-3141-47ED-B90F-E23166D74BF4}" type="slidenum">
               <a:rPr lang="en-GB" smtClean="0"/>
-              <a:t>‹Nr.›</a:t>
+              <a:t>‹#›</a:t>
             </a:fld>
             <a:endParaRPr lang="en-GB"/>
           </a:p>
@@ -680,7 +680,7 @@
           <a:p>
             <a:fld id="{A4900D08-14C1-4468-B21E-48F4F1A4C0FB}" type="datetimeFigureOut">
               <a:rPr lang="en-GB" smtClean="0"/>
-              <a:t>05/06/2018</a:t>
+              <a:t>06/06/2018</a:t>
             </a:fld>
             <a:endParaRPr lang="en-GB"/>
           </a:p>
@@ -722,7 +722,7 @@
           <a:p>
             <a:fld id="{B4E9E187-E9AE-4C41-BF00-E0E8ABCB38EE}" type="slidenum">
               <a:rPr lang="en-GB" smtClean="0"/>
-              <a:t>‹Nr.›</a:t>
+              <a:t>‹#›</a:t>
             </a:fld>
             <a:endParaRPr lang="en-GB"/>
           </a:p>
@@ -850,7 +850,7 @@
           <a:p>
             <a:fld id="{A4900D08-14C1-4468-B21E-48F4F1A4C0FB}" type="datetimeFigureOut">
               <a:rPr lang="en-GB" smtClean="0"/>
-              <a:t>05/06/2018</a:t>
+              <a:t>06/06/2018</a:t>
             </a:fld>
             <a:endParaRPr lang="en-GB"/>
           </a:p>
@@ -892,7 +892,7 @@
           <a:p>
             <a:fld id="{B4E9E187-E9AE-4C41-BF00-E0E8ABCB38EE}" type="slidenum">
               <a:rPr lang="en-GB" smtClean="0"/>
-              <a:t>‹Nr.›</a:t>
+              <a:t>‹#›</a:t>
             </a:fld>
             <a:endParaRPr lang="en-GB"/>
           </a:p>
@@ -1030,7 +1030,7 @@
           <a:p>
             <a:fld id="{A4900D08-14C1-4468-B21E-48F4F1A4C0FB}" type="datetimeFigureOut">
               <a:rPr lang="en-GB" smtClean="0"/>
-              <a:t>05/06/2018</a:t>
+              <a:t>06/06/2018</a:t>
             </a:fld>
             <a:endParaRPr lang="en-GB"/>
           </a:p>
@@ -1072,7 +1072,7 @@
           <a:p>
             <a:fld id="{B4E9E187-E9AE-4C41-BF00-E0E8ABCB38EE}" type="slidenum">
               <a:rPr lang="en-GB" smtClean="0"/>
-              <a:t>‹Nr.›</a:t>
+              <a:t>‹#›</a:t>
             </a:fld>
             <a:endParaRPr lang="en-GB"/>
           </a:p>
@@ -1200,7 +1200,7 @@
           <a:p>
             <a:fld id="{A4900D08-14C1-4468-B21E-48F4F1A4C0FB}" type="datetimeFigureOut">
               <a:rPr lang="en-GB" smtClean="0"/>
-              <a:t>05/06/2018</a:t>
+              <a:t>06/06/2018</a:t>
             </a:fld>
             <a:endParaRPr lang="en-GB"/>
           </a:p>
@@ -1242,7 +1242,7 @@
           <a:p>
             <a:fld id="{B4E9E187-E9AE-4C41-BF00-E0E8ABCB38EE}" type="slidenum">
               <a:rPr lang="en-GB" smtClean="0"/>
-              <a:t>‹Nr.›</a:t>
+              <a:t>‹#›</a:t>
             </a:fld>
             <a:endParaRPr lang="en-GB"/>
           </a:p>
@@ -1444,7 +1444,7 @@
           <a:p>
             <a:fld id="{A4900D08-14C1-4468-B21E-48F4F1A4C0FB}" type="datetimeFigureOut">
               <a:rPr lang="en-GB" smtClean="0"/>
-              <a:t>05/06/2018</a:t>
+              <a:t>06/06/2018</a:t>
             </a:fld>
             <a:endParaRPr lang="en-GB"/>
           </a:p>
@@ -1486,7 +1486,7 @@
           <a:p>
             <a:fld id="{B4E9E187-E9AE-4C41-BF00-E0E8ABCB38EE}" type="slidenum">
               <a:rPr lang="en-GB" smtClean="0"/>
-              <a:t>‹Nr.›</a:t>
+              <a:t>‹#›</a:t>
             </a:fld>
             <a:endParaRPr lang="en-GB"/>
           </a:p>
@@ -1676,7 +1676,7 @@
           <a:p>
             <a:fld id="{A4900D08-14C1-4468-B21E-48F4F1A4C0FB}" type="datetimeFigureOut">
               <a:rPr lang="en-GB" smtClean="0"/>
-              <a:t>05/06/2018</a:t>
+              <a:t>06/06/2018</a:t>
             </a:fld>
             <a:endParaRPr lang="en-GB"/>
           </a:p>
@@ -1718,7 +1718,7 @@
           <a:p>
             <a:fld id="{B4E9E187-E9AE-4C41-BF00-E0E8ABCB38EE}" type="slidenum">
               <a:rPr lang="en-GB" smtClean="0"/>
-              <a:t>‹Nr.›</a:t>
+              <a:t>‹#›</a:t>
             </a:fld>
             <a:endParaRPr lang="en-GB"/>
           </a:p>
@@ -2043,7 +2043,7 @@
           <a:p>
             <a:fld id="{A4900D08-14C1-4468-B21E-48F4F1A4C0FB}" type="datetimeFigureOut">
               <a:rPr lang="en-GB" smtClean="0"/>
-              <a:t>05/06/2018</a:t>
+              <a:t>06/06/2018</a:t>
             </a:fld>
             <a:endParaRPr lang="en-GB"/>
           </a:p>
@@ -2085,7 +2085,7 @@
           <a:p>
             <a:fld id="{B4E9E187-E9AE-4C41-BF00-E0E8ABCB38EE}" type="slidenum">
               <a:rPr lang="en-GB" smtClean="0"/>
-              <a:t>‹Nr.›</a:t>
+              <a:t>‹#›</a:t>
             </a:fld>
             <a:endParaRPr lang="en-GB"/>
           </a:p>
@@ -2161,7 +2161,7 @@
           <a:p>
             <a:fld id="{A4900D08-14C1-4468-B21E-48F4F1A4C0FB}" type="datetimeFigureOut">
               <a:rPr lang="en-GB" smtClean="0"/>
-              <a:t>05/06/2018</a:t>
+              <a:t>06/06/2018</a:t>
             </a:fld>
             <a:endParaRPr lang="en-GB"/>
           </a:p>
@@ -2203,7 +2203,7 @@
           <a:p>
             <a:fld id="{B4E9E187-E9AE-4C41-BF00-E0E8ABCB38EE}" type="slidenum">
               <a:rPr lang="en-GB" smtClean="0"/>
-              <a:t>‹Nr.›</a:t>
+              <a:t>‹#›</a:t>
             </a:fld>
             <a:endParaRPr lang="en-GB"/>
           </a:p>
@@ -2256,7 +2256,7 @@
           <a:p>
             <a:fld id="{A4900D08-14C1-4468-B21E-48F4F1A4C0FB}" type="datetimeFigureOut">
               <a:rPr lang="en-GB" smtClean="0"/>
-              <a:t>05/06/2018</a:t>
+              <a:t>06/06/2018</a:t>
             </a:fld>
             <a:endParaRPr lang="en-GB"/>
           </a:p>
@@ -2298,7 +2298,7 @@
           <a:p>
             <a:fld id="{B4E9E187-E9AE-4C41-BF00-E0E8ABCB38EE}" type="slidenum">
               <a:rPr lang="en-GB" smtClean="0"/>
-              <a:t>‹Nr.›</a:t>
+              <a:t>‹#›</a:t>
             </a:fld>
             <a:endParaRPr lang="en-GB"/>
           </a:p>
@@ -2533,7 +2533,7 @@
           <a:p>
             <a:fld id="{A4900D08-14C1-4468-B21E-48F4F1A4C0FB}" type="datetimeFigureOut">
               <a:rPr lang="en-GB" smtClean="0"/>
-              <a:t>05/06/2018</a:t>
+              <a:t>06/06/2018</a:t>
             </a:fld>
             <a:endParaRPr lang="en-GB"/>
           </a:p>
@@ -2575,7 +2575,7 @@
           <a:p>
             <a:fld id="{B4E9E187-E9AE-4C41-BF00-E0E8ABCB38EE}" type="slidenum">
               <a:rPr lang="en-GB" smtClean="0"/>
-              <a:t>‹Nr.›</a:t>
+              <a:t>‹#›</a:t>
             </a:fld>
             <a:endParaRPr lang="en-GB"/>
           </a:p>
@@ -2790,7 +2790,7 @@
           <a:p>
             <a:fld id="{A4900D08-14C1-4468-B21E-48F4F1A4C0FB}" type="datetimeFigureOut">
               <a:rPr lang="en-GB" smtClean="0"/>
-              <a:t>05/06/2018</a:t>
+              <a:t>06/06/2018</a:t>
             </a:fld>
             <a:endParaRPr lang="en-GB"/>
           </a:p>
@@ -2832,7 +2832,7 @@
           <a:p>
             <a:fld id="{B4E9E187-E9AE-4C41-BF00-E0E8ABCB38EE}" type="slidenum">
               <a:rPr lang="en-GB" smtClean="0"/>
-              <a:t>‹Nr.›</a:t>
+              <a:t>‹#›</a:t>
             </a:fld>
             <a:endParaRPr lang="en-GB"/>
           </a:p>
@@ -3003,7 +3003,7 @@
           <a:p>
             <a:fld id="{A4900D08-14C1-4468-B21E-48F4F1A4C0FB}" type="datetimeFigureOut">
               <a:rPr lang="en-GB" smtClean="0"/>
-              <a:t>05/06/2018</a:t>
+              <a:t>06/06/2018</a:t>
             </a:fld>
             <a:endParaRPr lang="en-GB"/>
           </a:p>
@@ -3081,7 +3081,7 @@
           <a:p>
             <a:fld id="{B4E9E187-E9AE-4C41-BF00-E0E8ABCB38EE}" type="slidenum">
               <a:rPr lang="en-GB" smtClean="0"/>
-              <a:t>‹Nr.›</a:t>
+              <a:t>‹#›</a:t>
             </a:fld>
             <a:endParaRPr lang="en-GB"/>
           </a:p>
@@ -3410,10 +3410,10 @@
       </p:grpSpPr>
       <p:pic>
         <p:nvPicPr>
-          <p:cNvPr id="58" name="Grafik 57">
+          <p:cNvPr id="11" name="Grafik 10">
             <a:extLst>
               <a:ext uri="{FF2B5EF4-FFF2-40B4-BE49-F238E27FC236}">
-                <a16:creationId xmlns:a16="http://schemas.microsoft.com/office/drawing/2014/main" id="{6D58B08E-2BFF-4C43-B8E1-BF88F665AC2B}"/>
+                <a16:creationId xmlns:a16="http://schemas.microsoft.com/office/drawing/2014/main" id="{47FD6CE9-4E6F-474A-980F-D4BAE9D16A0D}"/>
               </a:ext>
             </a:extLst>
           </p:cNvPr>
@@ -3430,2442 +3430,19 @@
               </a:ext>
             </a:extLst>
           </a:blip>
-          <a:srcRect l="48031" t="4532"/>
-          <a:stretch/>
-        </p:blipFill>
-        <p:spPr>
-          <a:xfrm>
-            <a:off x="21360220" y="2826913"/>
-            <a:ext cx="2638509" cy="4324991"/>
-          </a:xfrm>
-          <a:prstGeom prst="rect">
-            <a:avLst/>
-          </a:prstGeom>
-        </p:spPr>
-      </p:pic>
-      <p:pic>
-        <p:nvPicPr>
-          <p:cNvPr id="11" name="Grafik 10">
-            <a:extLst>
-              <a:ext uri="{FF2B5EF4-FFF2-40B4-BE49-F238E27FC236}">
-                <a16:creationId xmlns:a16="http://schemas.microsoft.com/office/drawing/2014/main" id="{47FD6CE9-4E6F-474A-980F-D4BAE9D16A0D}"/>
-              </a:ext>
-            </a:extLst>
-          </p:cNvPr>
-          <p:cNvPicPr>
-            <a:picLocks noChangeAspect="1"/>
-          </p:cNvPicPr>
-          <p:nvPr/>
-        </p:nvPicPr>
-        <p:blipFill rotWithShape="1">
-          <a:blip r:embed="rId4">
-            <a:extLst>
-              <a:ext uri="{28A0092B-C50C-407E-A947-70E740481C1C}">
-                <a14:useLocalDpi xmlns:a14="http://schemas.microsoft.com/office/drawing/2010/main" val="0"/>
-              </a:ext>
-            </a:extLst>
-          </a:blip>
           <a:srcRect t="5008"/>
           <a:stretch/>
         </p:blipFill>
         <p:spPr>
           <a:xfrm>
-            <a:off x="15362206" y="7391601"/>
-            <a:ext cx="5006994" cy="3532505"/>
+            <a:off x="15169366" y="7160556"/>
+            <a:ext cx="5281660" cy="3726286"/>
           </a:xfrm>
           <a:prstGeom prst="rect">
             <a:avLst/>
           </a:prstGeom>
         </p:spPr>
       </p:pic>
-      <p:pic>
-        <p:nvPicPr>
-          <p:cNvPr id="19" name="Grafik 18">
-            <a:extLst>
-              <a:ext uri="{FF2B5EF4-FFF2-40B4-BE49-F238E27FC236}">
-                <a16:creationId xmlns:a16="http://schemas.microsoft.com/office/drawing/2014/main" id="{9B53A3A9-D8D5-478C-9297-83FFD95424FD}"/>
-              </a:ext>
-            </a:extLst>
-          </p:cNvPr>
-          <p:cNvPicPr>
-            <a:picLocks noChangeAspect="1"/>
-          </p:cNvPicPr>
-          <p:nvPr/>
-        </p:nvPicPr>
-        <p:blipFill rotWithShape="1">
-          <a:blip r:embed="rId5">
-            <a:extLst>
-              <a:ext uri="{28A0092B-C50C-407E-A947-70E740481C1C}">
-                <a14:useLocalDpi xmlns:a14="http://schemas.microsoft.com/office/drawing/2010/main" val="0"/>
-              </a:ext>
-            </a:extLst>
-          </a:blip>
-          <a:srcRect l="7422" t="4222" r="7458"/>
-          <a:stretch/>
-        </p:blipFill>
-        <p:spPr>
-          <a:xfrm>
-            <a:off x="20257035" y="7326258"/>
-            <a:ext cx="4371852" cy="3653627"/>
-          </a:xfrm>
-          <a:prstGeom prst="rect">
-            <a:avLst/>
-          </a:prstGeom>
-        </p:spPr>
-      </p:pic>
-      <p:pic>
-        <p:nvPicPr>
-          <p:cNvPr id="21" name="Grafik 20">
-            <a:extLst>
-              <a:ext uri="{FF2B5EF4-FFF2-40B4-BE49-F238E27FC236}">
-                <a16:creationId xmlns:a16="http://schemas.microsoft.com/office/drawing/2014/main" id="{E7C66175-C915-47C7-A959-4AA47004429D}"/>
-              </a:ext>
-            </a:extLst>
-          </p:cNvPr>
-          <p:cNvPicPr>
-            <a:picLocks noChangeAspect="1"/>
-          </p:cNvPicPr>
-          <p:nvPr/>
-        </p:nvPicPr>
-        <p:blipFill rotWithShape="1">
-          <a:blip r:embed="rId6">
-            <a:extLst>
-              <a:ext uri="{28A0092B-C50C-407E-A947-70E740481C1C}">
-                <a14:useLocalDpi xmlns:a14="http://schemas.microsoft.com/office/drawing/2010/main" val="0"/>
-              </a:ext>
-            </a:extLst>
-          </a:blip>
-          <a:srcRect l="4063" t="12068" r="6522" b="15836"/>
-          <a:stretch/>
-        </p:blipFill>
-        <p:spPr>
-          <a:xfrm>
-            <a:off x="5736263" y="6367715"/>
-            <a:ext cx="8740546" cy="4697969"/>
-          </a:xfrm>
-          <a:prstGeom prst="rect">
-            <a:avLst/>
-          </a:prstGeom>
-        </p:spPr>
-      </p:pic>
-      <p:pic>
-        <p:nvPicPr>
-          <p:cNvPr id="12" name="Grafik 11">
-            <a:extLst>
-              <a:ext uri="{FF2B5EF4-FFF2-40B4-BE49-F238E27FC236}">
-                <a16:creationId xmlns:a16="http://schemas.microsoft.com/office/drawing/2014/main" id="{D409BF9D-DF5C-4243-A538-5F8A3A4C5AA6}"/>
-              </a:ext>
-            </a:extLst>
-          </p:cNvPr>
-          <p:cNvPicPr>
-            <a:picLocks noChangeAspect="1"/>
-          </p:cNvPicPr>
-          <p:nvPr/>
-        </p:nvPicPr>
-        <p:blipFill>
-          <a:blip r:embed="rId7">
-            <a:extLst>
-              <a:ext uri="{28A0092B-C50C-407E-A947-70E740481C1C}">
-                <a14:useLocalDpi xmlns:a14="http://schemas.microsoft.com/office/drawing/2010/main" val="0"/>
-              </a:ext>
-            </a:extLst>
-          </a:blip>
-          <a:stretch>
-            <a:fillRect/>
-          </a:stretch>
-        </p:blipFill>
-        <p:spPr>
-          <a:xfrm>
-            <a:off x="1405251" y="8997025"/>
-            <a:ext cx="3266460" cy="2070000"/>
-          </a:xfrm>
-          <a:prstGeom prst="rect">
-            <a:avLst/>
-          </a:prstGeom>
-        </p:spPr>
-      </p:pic>
-      <p:sp>
-        <p:nvSpPr>
-          <p:cNvPr id="31" name="Rechteck: abgerundete Ecken 30">
-            <a:extLst>
-              <a:ext uri="{FF2B5EF4-FFF2-40B4-BE49-F238E27FC236}">
-                <a16:creationId xmlns:a16="http://schemas.microsoft.com/office/drawing/2014/main" id="{30BB9FBD-13A9-4EF0-AFBF-F30FBC9734F1}"/>
-              </a:ext>
-            </a:extLst>
-          </p:cNvPr>
-          <p:cNvSpPr/>
-          <p:nvPr/>
-        </p:nvSpPr>
-        <p:spPr>
-          <a:xfrm>
-            <a:off x="22994650" y="11892106"/>
-            <a:ext cx="6691485" cy="8909617"/>
-          </a:xfrm>
-          <a:prstGeom prst="roundRect">
-            <a:avLst/>
-          </a:prstGeom>
-          <a:solidFill>
-            <a:schemeClr val="bg1"/>
-          </a:solidFill>
-        </p:spPr>
-        <p:style>
-          <a:lnRef idx="2">
-            <a:schemeClr val="accent1">
-              <a:shade val="50000"/>
-            </a:schemeClr>
-          </a:lnRef>
-          <a:fillRef idx="1">
-            <a:schemeClr val="accent1"/>
-          </a:fillRef>
-          <a:effectRef idx="0">
-            <a:schemeClr val="accent1"/>
-          </a:effectRef>
-          <a:fontRef idx="minor">
-            <a:schemeClr val="lt1"/>
-          </a:fontRef>
-        </p:style>
-        <p:txBody>
-          <a:bodyPr rot="0" spcFirstLastPara="0" vertOverflow="overflow" horzOverflow="overflow" vert="horz" wrap="square" lIns="91440" tIns="45720" rIns="91440" bIns="45720" numCol="1" spcCol="0" rtlCol="0" fromWordArt="0" anchor="ctr" anchorCtr="0" forceAA="0" compatLnSpc="1">
-            <a:prstTxWarp prst="textNoShape">
-              <a:avLst/>
-            </a:prstTxWarp>
-            <a:noAutofit/>
-          </a:bodyPr>
-          <a:lstStyle/>
-          <a:p>
-            <a:pPr algn="ctr"/>
-            <a:endParaRPr lang="en-GB" dirty="0">
-              <a:solidFill>
-                <a:schemeClr val="tx1"/>
-              </a:solidFill>
-            </a:endParaRPr>
-          </a:p>
-        </p:txBody>
-      </p:sp>
-      <p:sp>
-        <p:nvSpPr>
-          <p:cNvPr id="49" name="Rechteck: abgerundete Ecken 48">
-            <a:extLst>
-              <a:ext uri="{FF2B5EF4-FFF2-40B4-BE49-F238E27FC236}">
-                <a16:creationId xmlns:a16="http://schemas.microsoft.com/office/drawing/2014/main" id="{83DDDBFF-A8CF-45AA-96B6-E5033E364744}"/>
-              </a:ext>
-            </a:extLst>
-          </p:cNvPr>
-          <p:cNvSpPr/>
-          <p:nvPr/>
-        </p:nvSpPr>
-        <p:spPr>
-          <a:xfrm>
-            <a:off x="23539001" y="2307703"/>
-            <a:ext cx="5585883" cy="4663545"/>
-          </a:xfrm>
-          <a:prstGeom prst="roundRect">
-            <a:avLst>
-              <a:gd name="adj" fmla="val 10593"/>
-            </a:avLst>
-          </a:prstGeom>
-          <a:solidFill>
-            <a:schemeClr val="bg1">
-              <a:lumMod val="95000"/>
-            </a:schemeClr>
-          </a:solidFill>
-          <a:ln>
-            <a:noFill/>
-          </a:ln>
-        </p:spPr>
-        <p:style>
-          <a:lnRef idx="2">
-            <a:schemeClr val="accent1">
-              <a:shade val="50000"/>
-            </a:schemeClr>
-          </a:lnRef>
-          <a:fillRef idx="1">
-            <a:schemeClr val="accent1"/>
-          </a:fillRef>
-          <a:effectRef idx="0">
-            <a:schemeClr val="accent1"/>
-          </a:effectRef>
-          <a:fontRef idx="minor">
-            <a:schemeClr val="lt1"/>
-          </a:fontRef>
-        </p:style>
-        <p:txBody>
-          <a:bodyPr rtlCol="0" anchor="ctr"/>
-          <a:lstStyle/>
-          <a:p>
-            <a:pPr algn="ctr"/>
-            <a:endParaRPr lang="en-GB"/>
-          </a:p>
-        </p:txBody>
-      </p:sp>
-      <p:sp>
-        <p:nvSpPr>
-          <p:cNvPr id="3" name="Rechteck: abgerundete Ecken 2">
-            <a:extLst>
-              <a:ext uri="{FF2B5EF4-FFF2-40B4-BE49-F238E27FC236}">
-                <a16:creationId xmlns:a16="http://schemas.microsoft.com/office/drawing/2014/main" id="{9691E72A-ED8D-4C5F-9BC8-8FF7D16C230C}"/>
-              </a:ext>
-            </a:extLst>
-          </p:cNvPr>
-          <p:cNvSpPr/>
-          <p:nvPr/>
-        </p:nvSpPr>
-        <p:spPr>
-          <a:xfrm>
-            <a:off x="9631669" y="11892106"/>
-            <a:ext cx="12050114" cy="8909617"/>
-          </a:xfrm>
-          <a:prstGeom prst="roundRect">
-            <a:avLst/>
-          </a:prstGeom>
-          <a:solidFill>
-            <a:schemeClr val="bg1"/>
-          </a:solidFill>
-        </p:spPr>
-        <p:style>
-          <a:lnRef idx="2">
-            <a:schemeClr val="accent1">
-              <a:shade val="50000"/>
-            </a:schemeClr>
-          </a:lnRef>
-          <a:fillRef idx="1">
-            <a:schemeClr val="accent1"/>
-          </a:fillRef>
-          <a:effectRef idx="0">
-            <a:schemeClr val="accent1"/>
-          </a:effectRef>
-          <a:fontRef idx="minor">
-            <a:schemeClr val="lt1"/>
-          </a:fontRef>
-        </p:style>
-        <p:txBody>
-          <a:bodyPr rot="0" spcFirstLastPara="0" vertOverflow="overflow" horzOverflow="overflow" vert="horz" wrap="square" lIns="91440" tIns="45720" rIns="91440" bIns="45720" numCol="1" spcCol="0" rtlCol="0" fromWordArt="0" anchor="ctr" anchorCtr="0" forceAA="0" compatLnSpc="1">
-            <a:prstTxWarp prst="textNoShape">
-              <a:avLst/>
-            </a:prstTxWarp>
-            <a:noAutofit/>
-          </a:bodyPr>
-          <a:lstStyle/>
-          <a:p>
-            <a:pPr algn="ctr"/>
-            <a:endParaRPr lang="en-GB"/>
-          </a:p>
-        </p:txBody>
-      </p:sp>
-      <p:sp>
-        <p:nvSpPr>
-          <p:cNvPr id="6" name="Textfeld 5">
-            <a:extLst>
-              <a:ext uri="{FF2B5EF4-FFF2-40B4-BE49-F238E27FC236}">
-                <a16:creationId xmlns:a16="http://schemas.microsoft.com/office/drawing/2014/main" id="{D1C74C90-5FF4-4648-B68E-1C1BAAA2610A}"/>
-              </a:ext>
-            </a:extLst>
-          </p:cNvPr>
-          <p:cNvSpPr txBox="1"/>
-          <p:nvPr/>
-        </p:nvSpPr>
-        <p:spPr>
-          <a:xfrm>
-            <a:off x="720436" y="581902"/>
-            <a:ext cx="29011419" cy="830997"/>
-          </a:xfrm>
-          <a:prstGeom prst="rect">
-            <a:avLst/>
-          </a:prstGeom>
-          <a:noFill/>
-        </p:spPr>
-        <p:txBody>
-          <a:bodyPr wrap="square" rtlCol="0">
-            <a:spAutoFit/>
-          </a:bodyPr>
-          <a:lstStyle/>
-          <a:p>
-            <a:pPr algn="ctr"/>
-            <a:r>
-              <a:rPr lang="en-GB" sz="4800" b="1" dirty="0">
-                <a:latin typeface="Segoe UI Light" panose="020B0502040204020203" pitchFamily="34" charset="0"/>
-                <a:cs typeface="Segoe UI Light" panose="020B0502040204020203" pitchFamily="34" charset="0"/>
-              </a:rPr>
-              <a:t>World Happiness </a:t>
-            </a:r>
-            <a:r>
-              <a:rPr lang="en-GB" sz="4800" dirty="0">
-                <a:latin typeface="Segoe UI Light" panose="020B0502040204020203" pitchFamily="34" charset="0"/>
-                <a:cs typeface="Segoe UI Light" panose="020B0502040204020203" pitchFamily="34" charset="0"/>
-              </a:rPr>
-              <a:t>– How happy was your country in 2015?</a:t>
-            </a:r>
-          </a:p>
-        </p:txBody>
-      </p:sp>
-      <p:sp>
-        <p:nvSpPr>
-          <p:cNvPr id="17" name="Rechteck: abgerundete Ecken 16">
-            <a:extLst>
-              <a:ext uri="{FF2B5EF4-FFF2-40B4-BE49-F238E27FC236}">
-                <a16:creationId xmlns:a16="http://schemas.microsoft.com/office/drawing/2014/main" id="{5732E25D-F51E-45A4-8AE3-AC5E31394D08}"/>
-              </a:ext>
-            </a:extLst>
-          </p:cNvPr>
-          <p:cNvSpPr/>
-          <p:nvPr/>
-        </p:nvSpPr>
-        <p:spPr>
-          <a:xfrm>
-            <a:off x="10307939" y="11583548"/>
-            <a:ext cx="3672000" cy="828000"/>
-          </a:xfrm>
-          <a:prstGeom prst="roundRect">
-            <a:avLst/>
-          </a:prstGeom>
-          <a:ln>
-            <a:noFill/>
-          </a:ln>
-        </p:spPr>
-        <p:style>
-          <a:lnRef idx="2">
-            <a:schemeClr val="accent1">
-              <a:shade val="50000"/>
-            </a:schemeClr>
-          </a:lnRef>
-          <a:fillRef idx="1">
-            <a:schemeClr val="accent1"/>
-          </a:fillRef>
-          <a:effectRef idx="0">
-            <a:schemeClr val="accent1"/>
-          </a:effectRef>
-          <a:fontRef idx="minor">
-            <a:schemeClr val="lt1"/>
-          </a:fontRef>
-        </p:style>
-        <p:txBody>
-          <a:bodyPr rtlCol="0" anchor="ctr"/>
-          <a:lstStyle/>
-          <a:p>
-            <a:pPr algn="ctr"/>
-            <a:r>
-              <a:rPr lang="en-GB" sz="2800" dirty="0">
-                <a:latin typeface="Segoe UI Light" panose="020B0502040204020203" pitchFamily="34" charset="0"/>
-                <a:cs typeface="Segoe UI Light" panose="020B0502040204020203" pitchFamily="34" charset="0"/>
-              </a:rPr>
-              <a:t>Predictive Analysis</a:t>
-            </a:r>
-          </a:p>
-        </p:txBody>
-      </p:sp>
-      <p:sp>
-        <p:nvSpPr>
-          <p:cNvPr id="20" name="Textfeld 19">
-            <a:extLst>
-              <a:ext uri="{FF2B5EF4-FFF2-40B4-BE49-F238E27FC236}">
-                <a16:creationId xmlns:a16="http://schemas.microsoft.com/office/drawing/2014/main" id="{D7252238-9487-4325-B627-C26508801BFA}"/>
-              </a:ext>
-            </a:extLst>
-          </p:cNvPr>
-          <p:cNvSpPr txBox="1"/>
-          <p:nvPr/>
-        </p:nvSpPr>
-        <p:spPr>
-          <a:xfrm>
-            <a:off x="9063849" y="2777560"/>
-            <a:ext cx="5429729" cy="1985159"/>
-          </a:xfrm>
-          <a:prstGeom prst="rect">
-            <a:avLst/>
-          </a:prstGeom>
-          <a:noFill/>
-        </p:spPr>
-        <p:txBody>
-          <a:bodyPr wrap="square" rtlCol="0">
-            <a:spAutoFit/>
-          </a:bodyPr>
-          <a:lstStyle/>
-          <a:p>
-            <a:r>
-              <a:rPr lang="en-GB" sz="1600" b="1" dirty="0">
-                <a:latin typeface="Segoe UI Light" panose="020B0502040204020203" pitchFamily="34" charset="0"/>
-                <a:cs typeface="Segoe UI Light" panose="020B0502040204020203" pitchFamily="34" charset="0"/>
-              </a:rPr>
-              <a:t>Objective</a:t>
-            </a:r>
-          </a:p>
-          <a:p>
-            <a:endParaRPr lang="en-GB" sz="500" b="1" dirty="0">
-              <a:latin typeface="Segoe UI Light" panose="020B0502040204020203" pitchFamily="34" charset="0"/>
-              <a:cs typeface="Segoe UI Light" panose="020B0502040204020203" pitchFamily="34" charset="0"/>
-            </a:endParaRPr>
-          </a:p>
-          <a:p>
-            <a:pPr marL="285750" indent="-285750">
-              <a:buFont typeface="Arial" panose="020B0604020202020204" pitchFamily="34" charset="0"/>
-              <a:buChar char="•"/>
-            </a:pPr>
-            <a:r>
-              <a:rPr lang="en-GB" sz="1400" dirty="0">
-                <a:latin typeface="Segoe UI Light" panose="020B0502040204020203" pitchFamily="34" charset="0"/>
-                <a:cs typeface="Segoe UI Light" panose="020B0502040204020203" pitchFamily="34" charset="0"/>
-              </a:rPr>
-              <a:t>Analysis of happiness around the world</a:t>
-            </a:r>
-          </a:p>
-          <a:p>
-            <a:pPr marL="742950" lvl="1" indent="-285750">
-              <a:buFont typeface="Arial" panose="020B0604020202020204" pitchFamily="34" charset="0"/>
-              <a:buChar char="•"/>
-            </a:pPr>
-            <a:r>
-              <a:rPr lang="en-GB" sz="1400" dirty="0">
-                <a:latin typeface="Segoe UI Light" panose="020B0502040204020203" pitchFamily="34" charset="0"/>
-                <a:cs typeface="Segoe UI Light" panose="020B0502040204020203" pitchFamily="34" charset="0"/>
-              </a:rPr>
-              <a:t>Discover the factors that influence happiness</a:t>
-            </a:r>
-          </a:p>
-          <a:p>
-            <a:pPr marL="742950" lvl="1" indent="-285750">
-              <a:buFont typeface="Arial" panose="020B0604020202020204" pitchFamily="34" charset="0"/>
-              <a:buChar char="•"/>
-            </a:pPr>
-            <a:r>
-              <a:rPr lang="en-GB" sz="1400" dirty="0">
-                <a:latin typeface="Segoe UI Light" panose="020B0502040204020203" pitchFamily="34" charset="0"/>
-                <a:cs typeface="Segoe UI Light" panose="020B0502040204020203" pitchFamily="34" charset="0"/>
-              </a:rPr>
-              <a:t>Which factors lead to high, mid or low happiness</a:t>
-            </a:r>
-          </a:p>
-          <a:p>
-            <a:pPr marL="742950" lvl="1" indent="-285750">
-              <a:buFont typeface="Arial" panose="020B0604020202020204" pitchFamily="34" charset="0"/>
-              <a:buChar char="•"/>
-            </a:pPr>
-            <a:r>
-              <a:rPr lang="en-GB" sz="1400" dirty="0">
-                <a:latin typeface="Segoe UI Light" panose="020B0502040204020203" pitchFamily="34" charset="0"/>
-                <a:cs typeface="Segoe UI Light" panose="020B0502040204020203" pitchFamily="34" charset="0"/>
-              </a:rPr>
-              <a:t>Prediction of happiness</a:t>
-            </a:r>
-          </a:p>
-          <a:p>
-            <a:pPr marL="285750" indent="-285750">
-              <a:buFont typeface="Arial" panose="020B0604020202020204" pitchFamily="34" charset="0"/>
-              <a:buChar char="•"/>
-            </a:pPr>
-            <a:r>
-              <a:rPr lang="en-GB" sz="1400" dirty="0">
-                <a:latin typeface="Segoe UI Light" panose="020B0502040204020203" pitchFamily="34" charset="0"/>
-                <a:cs typeface="Segoe UI Light" panose="020B0502040204020203" pitchFamily="34" charset="0"/>
-              </a:rPr>
-              <a:t>Analysis similarity of countries</a:t>
-            </a:r>
-          </a:p>
-          <a:p>
-            <a:pPr marL="285750" indent="-285750">
-              <a:buFont typeface="Arial" panose="020B0604020202020204" pitchFamily="34" charset="0"/>
-              <a:buChar char="•"/>
-            </a:pPr>
-            <a:endParaRPr lang="en-GB" sz="1400" dirty="0">
-              <a:latin typeface="Segoe UI Light" panose="020B0502040204020203" pitchFamily="34" charset="0"/>
-              <a:cs typeface="Segoe UI Light" panose="020B0502040204020203" pitchFamily="34" charset="0"/>
-            </a:endParaRPr>
-          </a:p>
-          <a:p>
-            <a:pPr marL="285750" indent="-285750">
-              <a:buFont typeface="Arial" panose="020B0604020202020204" pitchFamily="34" charset="0"/>
-              <a:buChar char="•"/>
-            </a:pPr>
-            <a:endParaRPr lang="en-GB" dirty="0">
-              <a:latin typeface="Segoe UI Light" panose="020B0502040204020203" pitchFamily="34" charset="0"/>
-              <a:cs typeface="Segoe UI Light" panose="020B0502040204020203" pitchFamily="34" charset="0"/>
-            </a:endParaRPr>
-          </a:p>
-        </p:txBody>
-      </p:sp>
-      <p:sp>
-        <p:nvSpPr>
-          <p:cNvPr id="30" name="Textfeld 29">
-            <a:extLst>
-              <a:ext uri="{FF2B5EF4-FFF2-40B4-BE49-F238E27FC236}">
-                <a16:creationId xmlns:a16="http://schemas.microsoft.com/office/drawing/2014/main" id="{3CF526E3-5C97-4D0A-82E9-6E371CE664D0}"/>
-              </a:ext>
-            </a:extLst>
-          </p:cNvPr>
-          <p:cNvSpPr txBox="1"/>
-          <p:nvPr/>
-        </p:nvSpPr>
-        <p:spPr>
-          <a:xfrm>
-            <a:off x="5557188" y="2777560"/>
-            <a:ext cx="6039905" cy="1492716"/>
-          </a:xfrm>
-          <a:prstGeom prst="rect">
-            <a:avLst/>
-          </a:prstGeom>
-          <a:noFill/>
-        </p:spPr>
-        <p:txBody>
-          <a:bodyPr wrap="square" rtlCol="0">
-            <a:spAutoFit/>
-          </a:bodyPr>
-          <a:lstStyle/>
-          <a:p>
-            <a:r>
-              <a:rPr lang="en-GB" sz="1600" b="1" dirty="0">
-                <a:latin typeface="Segoe UI Light" panose="020B0502040204020203" pitchFamily="34" charset="0"/>
-                <a:cs typeface="Segoe UI Light" panose="020B0502040204020203" pitchFamily="34" charset="0"/>
-              </a:rPr>
-              <a:t>Methodology</a:t>
-            </a:r>
-          </a:p>
-          <a:p>
-            <a:endParaRPr lang="en-GB" sz="500" b="1" dirty="0">
-              <a:latin typeface="Segoe UI Light" panose="020B0502040204020203" pitchFamily="34" charset="0"/>
-              <a:cs typeface="Segoe UI Light" panose="020B0502040204020203" pitchFamily="34" charset="0"/>
-            </a:endParaRPr>
-          </a:p>
-          <a:p>
-            <a:pPr marL="285750" lvl="0" indent="-285750" fontAlgn="ctr">
-              <a:buFont typeface="Arial" panose="020B0604020202020204" pitchFamily="34" charset="0"/>
-              <a:buChar char="•"/>
-            </a:pPr>
-            <a:r>
-              <a:rPr lang="en-GB" sz="1400" dirty="0">
-                <a:latin typeface="Segoe UI Light" panose="020B0502040204020203" pitchFamily="34" charset="0"/>
-                <a:cs typeface="Segoe UI Light" panose="020B0502040204020203" pitchFamily="34" charset="0"/>
-              </a:rPr>
-              <a:t>Data preparation</a:t>
-            </a:r>
-            <a:endParaRPr lang="en-GB" dirty="0">
-              <a:latin typeface="Segoe UI Light" panose="020B0502040204020203" pitchFamily="34" charset="0"/>
-              <a:cs typeface="Segoe UI Light" panose="020B0502040204020203" pitchFamily="34" charset="0"/>
-            </a:endParaRPr>
-          </a:p>
-          <a:p>
-            <a:pPr marL="285750" lvl="0" indent="-285750" fontAlgn="ctr">
-              <a:buFont typeface="Arial" panose="020B0604020202020204" pitchFamily="34" charset="0"/>
-              <a:buChar char="•"/>
-            </a:pPr>
-            <a:r>
-              <a:rPr lang="en-GB" sz="1400" dirty="0">
-                <a:latin typeface="Segoe UI Light" panose="020B0502040204020203" pitchFamily="34" charset="0"/>
-                <a:cs typeface="Segoe UI Light" panose="020B0502040204020203" pitchFamily="34" charset="0"/>
-              </a:rPr>
-              <a:t>Dimension Reduction (PCA, FA)</a:t>
-            </a:r>
-          </a:p>
-          <a:p>
-            <a:pPr marL="285750" lvl="0" indent="-285750" fontAlgn="ctr">
-              <a:buFont typeface="Arial" panose="020B0604020202020204" pitchFamily="34" charset="0"/>
-              <a:buChar char="•"/>
-            </a:pPr>
-            <a:r>
-              <a:rPr lang="en-GB" sz="1400" dirty="0">
-                <a:latin typeface="Segoe UI Light" panose="020B0502040204020203" pitchFamily="34" charset="0"/>
-                <a:cs typeface="Segoe UI Light" panose="020B0502040204020203" pitchFamily="34" charset="0"/>
-              </a:rPr>
-              <a:t>Clustering</a:t>
-            </a:r>
-          </a:p>
-          <a:p>
-            <a:pPr marL="285750" lvl="0" indent="-285750" fontAlgn="ctr">
-              <a:buFont typeface="Arial" panose="020B0604020202020204" pitchFamily="34" charset="0"/>
-              <a:buChar char="•"/>
-            </a:pPr>
-            <a:r>
-              <a:rPr lang="en-GB" sz="1400" dirty="0">
-                <a:latin typeface="Segoe UI Light" panose="020B0502040204020203" pitchFamily="34" charset="0"/>
-                <a:cs typeface="Segoe UI Light" panose="020B0502040204020203" pitchFamily="34" charset="0"/>
-              </a:rPr>
-              <a:t>Linear Regression</a:t>
-            </a:r>
-          </a:p>
-          <a:p>
-            <a:pPr marL="285750" lvl="0" indent="-285750" fontAlgn="ctr">
-              <a:buFont typeface="Arial" panose="020B0604020202020204" pitchFamily="34" charset="0"/>
-              <a:buChar char="•"/>
-            </a:pPr>
-            <a:r>
-              <a:rPr lang="en-GB" sz="1400" dirty="0">
-                <a:latin typeface="Segoe UI Light" panose="020B0502040204020203" pitchFamily="34" charset="0"/>
-                <a:cs typeface="Segoe UI Light" panose="020B0502040204020203" pitchFamily="34" charset="0"/>
-              </a:rPr>
-              <a:t>Recursive Feature Elimination (RFE)</a:t>
-            </a:r>
-          </a:p>
-        </p:txBody>
-      </p:sp>
-      <p:sp>
-        <p:nvSpPr>
-          <p:cNvPr id="32" name="Rechteck: abgerundete Ecken 31">
-            <a:extLst>
-              <a:ext uri="{FF2B5EF4-FFF2-40B4-BE49-F238E27FC236}">
-                <a16:creationId xmlns:a16="http://schemas.microsoft.com/office/drawing/2014/main" id="{461FBEA4-F95D-4646-B596-410B62B525DC}"/>
-              </a:ext>
-            </a:extLst>
-          </p:cNvPr>
-          <p:cNvSpPr/>
-          <p:nvPr/>
-        </p:nvSpPr>
-        <p:spPr>
-          <a:xfrm>
-            <a:off x="23439766" y="11621839"/>
-            <a:ext cx="3672000" cy="828000"/>
-          </a:xfrm>
-          <a:prstGeom prst="roundRect">
-            <a:avLst/>
-          </a:prstGeom>
-          <a:ln>
-            <a:noFill/>
-          </a:ln>
-        </p:spPr>
-        <p:style>
-          <a:lnRef idx="2">
-            <a:schemeClr val="accent1">
-              <a:shade val="50000"/>
-            </a:schemeClr>
-          </a:lnRef>
-          <a:fillRef idx="1">
-            <a:schemeClr val="accent1"/>
-          </a:fillRef>
-          <a:effectRef idx="0">
-            <a:schemeClr val="accent1"/>
-          </a:effectRef>
-          <a:fontRef idx="minor">
-            <a:schemeClr val="lt1"/>
-          </a:fontRef>
-        </p:style>
-        <p:txBody>
-          <a:bodyPr rtlCol="0" anchor="ctr"/>
-          <a:lstStyle/>
-          <a:p>
-            <a:pPr algn="ctr"/>
-            <a:r>
-              <a:rPr lang="en-GB" sz="2800" dirty="0">
-                <a:latin typeface="Segoe UI Light" panose="020B0502040204020203" pitchFamily="34" charset="0"/>
-                <a:cs typeface="Segoe UI Light" panose="020B0502040204020203" pitchFamily="34" charset="0"/>
-              </a:rPr>
-              <a:t>Discussion</a:t>
-            </a:r>
-          </a:p>
-        </p:txBody>
-      </p:sp>
-      <p:sp>
-        <p:nvSpPr>
-          <p:cNvPr id="42" name="Textfeld 41">
-            <a:extLst>
-              <a:ext uri="{FF2B5EF4-FFF2-40B4-BE49-F238E27FC236}">
-                <a16:creationId xmlns:a16="http://schemas.microsoft.com/office/drawing/2014/main" id="{33007021-6EEF-4A33-B27A-3D5386934185}"/>
-              </a:ext>
-            </a:extLst>
-          </p:cNvPr>
-          <p:cNvSpPr txBox="1"/>
-          <p:nvPr/>
-        </p:nvSpPr>
-        <p:spPr>
-          <a:xfrm>
-            <a:off x="15557937" y="2835924"/>
-            <a:ext cx="4469599" cy="338554"/>
-          </a:xfrm>
-          <a:prstGeom prst="rect">
-            <a:avLst/>
-          </a:prstGeom>
-          <a:noFill/>
-        </p:spPr>
-        <p:txBody>
-          <a:bodyPr wrap="square" rtlCol="0">
-            <a:spAutoFit/>
-          </a:bodyPr>
-          <a:lstStyle/>
-          <a:p>
-            <a:r>
-              <a:rPr lang="en-GB" sz="1600" b="1" dirty="0">
-                <a:latin typeface="Segoe UI Light" panose="020B0502040204020203" pitchFamily="34" charset="0"/>
-                <a:cs typeface="Segoe UI Light" panose="020B0502040204020203" pitchFamily="34" charset="0"/>
-              </a:rPr>
-              <a:t>Principal Component Analysis (PCA)</a:t>
-            </a:r>
-          </a:p>
-        </p:txBody>
-      </p:sp>
-      <p:sp>
-        <p:nvSpPr>
-          <p:cNvPr id="43" name="Textfeld 42">
-            <a:extLst>
-              <a:ext uri="{FF2B5EF4-FFF2-40B4-BE49-F238E27FC236}">
-                <a16:creationId xmlns:a16="http://schemas.microsoft.com/office/drawing/2014/main" id="{2F92A97A-CFB4-4E6E-886E-1F00B8D3803F}"/>
-              </a:ext>
-            </a:extLst>
-          </p:cNvPr>
-          <p:cNvSpPr txBox="1"/>
-          <p:nvPr/>
-        </p:nvSpPr>
-        <p:spPr>
-          <a:xfrm>
-            <a:off x="23573836" y="2525919"/>
-            <a:ext cx="4469599" cy="338554"/>
-          </a:xfrm>
-          <a:prstGeom prst="rect">
-            <a:avLst/>
-          </a:prstGeom>
-          <a:noFill/>
-        </p:spPr>
-        <p:txBody>
-          <a:bodyPr wrap="square" rtlCol="0">
-            <a:spAutoFit/>
-          </a:bodyPr>
-          <a:lstStyle/>
-          <a:p>
-            <a:r>
-              <a:rPr lang="en-GB" sz="1600" b="1" dirty="0">
-                <a:latin typeface="Segoe UI Light" panose="020B0502040204020203" pitchFamily="34" charset="0"/>
-                <a:cs typeface="Segoe UI Light" panose="020B0502040204020203" pitchFamily="34" charset="0"/>
-              </a:rPr>
-              <a:t>Factor Analysis (FA)</a:t>
-            </a:r>
-          </a:p>
-        </p:txBody>
-      </p:sp>
-      <p:sp>
-        <p:nvSpPr>
-          <p:cNvPr id="29" name="Textfeld 28">
-            <a:extLst>
-              <a:ext uri="{FF2B5EF4-FFF2-40B4-BE49-F238E27FC236}">
-                <a16:creationId xmlns:a16="http://schemas.microsoft.com/office/drawing/2014/main" id="{E5DE889C-57E3-494A-BAFA-52E50E5B90C1}"/>
-              </a:ext>
-            </a:extLst>
-          </p:cNvPr>
-          <p:cNvSpPr txBox="1"/>
-          <p:nvPr/>
-        </p:nvSpPr>
-        <p:spPr>
-          <a:xfrm>
-            <a:off x="1084497" y="5186537"/>
-            <a:ext cx="1230938" cy="307777"/>
-          </a:xfrm>
-          <a:prstGeom prst="rect">
-            <a:avLst/>
-          </a:prstGeom>
-          <a:noFill/>
-        </p:spPr>
-        <p:txBody>
-          <a:bodyPr wrap="square" rtlCol="0">
-            <a:spAutoFit/>
-          </a:bodyPr>
-          <a:lstStyle/>
-          <a:p>
-            <a:pPr algn="ctr"/>
-            <a:r>
-              <a:rPr lang="en-GB" sz="1400" dirty="0">
-                <a:latin typeface="Segoe UI Light" panose="020B0502040204020203" pitchFamily="34" charset="0"/>
-                <a:cs typeface="Segoe UI Light" panose="020B0502040204020203" pitchFamily="34" charset="0"/>
-              </a:rPr>
-              <a:t>Quality of Life</a:t>
-            </a:r>
-          </a:p>
-        </p:txBody>
-      </p:sp>
-      <p:pic>
-        <p:nvPicPr>
-          <p:cNvPr id="8" name="Grafik 7">
-            <a:extLst>
-              <a:ext uri="{FF2B5EF4-FFF2-40B4-BE49-F238E27FC236}">
-                <a16:creationId xmlns:a16="http://schemas.microsoft.com/office/drawing/2014/main" id="{FA8DB1B3-C1FC-4D80-B7D9-DC9FB2AB892B}"/>
-              </a:ext>
-            </a:extLst>
-          </p:cNvPr>
-          <p:cNvPicPr>
-            <a:picLocks noChangeAspect="1"/>
-          </p:cNvPicPr>
-          <p:nvPr/>
-        </p:nvPicPr>
-        <p:blipFill>
-          <a:blip r:embed="rId8">
-            <a:extLst>
-              <a:ext uri="{28A0092B-C50C-407E-A947-70E740481C1C}">
-                <a14:useLocalDpi xmlns:a14="http://schemas.microsoft.com/office/drawing/2010/main" val="0"/>
-              </a:ext>
-            </a:extLst>
-          </a:blip>
-          <a:stretch>
-            <a:fillRect/>
-          </a:stretch>
-        </p:blipFill>
-        <p:spPr>
-          <a:xfrm>
-            <a:off x="1460449" y="4709554"/>
-            <a:ext cx="468000" cy="468000"/>
-          </a:xfrm>
-          <a:prstGeom prst="rect">
-            <a:avLst/>
-          </a:prstGeom>
-        </p:spPr>
-      </p:pic>
-      <p:pic>
-        <p:nvPicPr>
-          <p:cNvPr id="10" name="Grafik 9">
-            <a:extLst>
-              <a:ext uri="{FF2B5EF4-FFF2-40B4-BE49-F238E27FC236}">
-                <a16:creationId xmlns:a16="http://schemas.microsoft.com/office/drawing/2014/main" id="{58355202-26FF-4542-8C17-F15901CAFECC}"/>
-              </a:ext>
-            </a:extLst>
-          </p:cNvPr>
-          <p:cNvPicPr>
-            <a:picLocks noChangeAspect="1"/>
-          </p:cNvPicPr>
-          <p:nvPr/>
-        </p:nvPicPr>
-        <p:blipFill>
-          <a:blip r:embed="rId9">
-            <a:extLst>
-              <a:ext uri="{28A0092B-C50C-407E-A947-70E740481C1C}">
-                <a14:useLocalDpi xmlns:a14="http://schemas.microsoft.com/office/drawing/2010/main" val="0"/>
-              </a:ext>
-            </a:extLst>
-          </a:blip>
-          <a:stretch>
-            <a:fillRect/>
-          </a:stretch>
-        </p:blipFill>
-        <p:spPr>
-          <a:xfrm>
-            <a:off x="2496617" y="4709554"/>
-            <a:ext cx="468000" cy="468000"/>
-          </a:xfrm>
-          <a:prstGeom prst="rect">
-            <a:avLst/>
-          </a:prstGeom>
-        </p:spPr>
-      </p:pic>
-      <p:sp>
-        <p:nvSpPr>
-          <p:cNvPr id="37" name="Textfeld 36">
-            <a:extLst>
-              <a:ext uri="{FF2B5EF4-FFF2-40B4-BE49-F238E27FC236}">
-                <a16:creationId xmlns:a16="http://schemas.microsoft.com/office/drawing/2014/main" id="{615A6FBA-07BA-4D8C-B894-793E5D3432BE}"/>
-              </a:ext>
-            </a:extLst>
-          </p:cNvPr>
-          <p:cNvSpPr txBox="1"/>
-          <p:nvPr/>
-        </p:nvSpPr>
-        <p:spPr>
-          <a:xfrm>
-            <a:off x="2348067" y="5186537"/>
-            <a:ext cx="770302" cy="307777"/>
-          </a:xfrm>
-          <a:prstGeom prst="rect">
-            <a:avLst/>
-          </a:prstGeom>
-          <a:noFill/>
-        </p:spPr>
-        <p:txBody>
-          <a:bodyPr wrap="square" rtlCol="0">
-            <a:spAutoFit/>
-          </a:bodyPr>
-          <a:lstStyle/>
-          <a:p>
-            <a:pPr algn="ctr"/>
-            <a:r>
-              <a:rPr lang="en-GB" sz="1400" dirty="0">
-                <a:latin typeface="Segoe UI Light" panose="020B0502040204020203" pitchFamily="34" charset="0"/>
-                <a:cs typeface="Segoe UI Light" panose="020B0502040204020203" pitchFamily="34" charset="0"/>
-              </a:rPr>
-              <a:t>Health</a:t>
-            </a:r>
-          </a:p>
-        </p:txBody>
-      </p:sp>
-      <p:pic>
-        <p:nvPicPr>
-          <p:cNvPr id="18" name="Grafik 17">
-            <a:extLst>
-              <a:ext uri="{FF2B5EF4-FFF2-40B4-BE49-F238E27FC236}">
-                <a16:creationId xmlns:a16="http://schemas.microsoft.com/office/drawing/2014/main" id="{93953D04-E3B6-434B-A956-503DDDBEC0C7}"/>
-              </a:ext>
-            </a:extLst>
-          </p:cNvPr>
-          <p:cNvPicPr>
-            <a:picLocks noChangeAspect="1"/>
-          </p:cNvPicPr>
-          <p:nvPr/>
-        </p:nvPicPr>
-        <p:blipFill>
-          <a:blip r:embed="rId10">
-            <a:extLst>
-              <a:ext uri="{28A0092B-C50C-407E-A947-70E740481C1C}">
-                <a14:useLocalDpi xmlns:a14="http://schemas.microsoft.com/office/drawing/2010/main" val="0"/>
-              </a:ext>
-            </a:extLst>
-          </a:blip>
-          <a:stretch>
-            <a:fillRect/>
-          </a:stretch>
-        </p:blipFill>
-        <p:spPr>
-          <a:xfrm>
-            <a:off x="3532785" y="4709554"/>
-            <a:ext cx="468000" cy="468000"/>
-          </a:xfrm>
-          <a:prstGeom prst="rect">
-            <a:avLst/>
-          </a:prstGeom>
-        </p:spPr>
-      </p:pic>
-      <p:sp>
-        <p:nvSpPr>
-          <p:cNvPr id="39" name="Textfeld 38">
-            <a:extLst>
-              <a:ext uri="{FF2B5EF4-FFF2-40B4-BE49-F238E27FC236}">
-                <a16:creationId xmlns:a16="http://schemas.microsoft.com/office/drawing/2014/main" id="{713E46D4-7D41-4BA1-8676-96E58FAF443A}"/>
-              </a:ext>
-            </a:extLst>
-          </p:cNvPr>
-          <p:cNvSpPr txBox="1"/>
-          <p:nvPr/>
-        </p:nvSpPr>
-        <p:spPr>
-          <a:xfrm>
-            <a:off x="3208682" y="5188099"/>
-            <a:ext cx="1116205" cy="307777"/>
-          </a:xfrm>
-          <a:prstGeom prst="rect">
-            <a:avLst/>
-          </a:prstGeom>
-          <a:noFill/>
-        </p:spPr>
-        <p:txBody>
-          <a:bodyPr wrap="square" rtlCol="0">
-            <a:spAutoFit/>
-          </a:bodyPr>
-          <a:lstStyle/>
-          <a:p>
-            <a:pPr algn="ctr"/>
-            <a:r>
-              <a:rPr lang="en-GB" sz="1400" dirty="0">
-                <a:latin typeface="Segoe UI Light" panose="020B0502040204020203" pitchFamily="34" charset="0"/>
-                <a:cs typeface="Segoe UI Light" panose="020B0502040204020203" pitchFamily="34" charset="0"/>
-              </a:rPr>
-              <a:t>Population</a:t>
-            </a:r>
-          </a:p>
-        </p:txBody>
-      </p:sp>
-      <p:pic>
-        <p:nvPicPr>
-          <p:cNvPr id="23" name="Grafik 22">
-            <a:extLst>
-              <a:ext uri="{FF2B5EF4-FFF2-40B4-BE49-F238E27FC236}">
-                <a16:creationId xmlns:a16="http://schemas.microsoft.com/office/drawing/2014/main" id="{4F66B2D8-6D8F-45A5-9111-1AE2D7C0F09A}"/>
-              </a:ext>
-            </a:extLst>
-          </p:cNvPr>
-          <p:cNvPicPr>
-            <a:picLocks noChangeAspect="1"/>
-          </p:cNvPicPr>
-          <p:nvPr/>
-        </p:nvPicPr>
-        <p:blipFill>
-          <a:blip r:embed="rId11">
-            <a:extLst>
-              <a:ext uri="{28A0092B-C50C-407E-A947-70E740481C1C}">
-                <a14:useLocalDpi xmlns:a14="http://schemas.microsoft.com/office/drawing/2010/main" val="0"/>
-              </a:ext>
-            </a:extLst>
-          </a:blip>
-          <a:stretch>
-            <a:fillRect/>
-          </a:stretch>
-        </p:blipFill>
-        <p:spPr>
-          <a:xfrm>
-            <a:off x="4568953" y="4709554"/>
-            <a:ext cx="468000" cy="468000"/>
-          </a:xfrm>
-          <a:prstGeom prst="rect">
-            <a:avLst/>
-          </a:prstGeom>
-        </p:spPr>
-      </p:pic>
-      <p:sp>
-        <p:nvSpPr>
-          <p:cNvPr id="44" name="Textfeld 43">
-            <a:extLst>
-              <a:ext uri="{FF2B5EF4-FFF2-40B4-BE49-F238E27FC236}">
-                <a16:creationId xmlns:a16="http://schemas.microsoft.com/office/drawing/2014/main" id="{0F35411B-4874-416F-A88C-0282D00FEA12}"/>
-              </a:ext>
-            </a:extLst>
-          </p:cNvPr>
-          <p:cNvSpPr txBox="1"/>
-          <p:nvPr/>
-        </p:nvSpPr>
-        <p:spPr>
-          <a:xfrm>
-            <a:off x="4187484" y="5195466"/>
-            <a:ext cx="1230938" cy="307777"/>
-          </a:xfrm>
-          <a:prstGeom prst="rect">
-            <a:avLst/>
-          </a:prstGeom>
-          <a:noFill/>
-        </p:spPr>
-        <p:txBody>
-          <a:bodyPr wrap="square" rtlCol="0">
-            <a:spAutoFit/>
-          </a:bodyPr>
-          <a:lstStyle/>
-          <a:p>
-            <a:pPr algn="ctr"/>
-            <a:r>
-              <a:rPr lang="en-GB" sz="1400" dirty="0">
-                <a:latin typeface="Segoe UI Light" panose="020B0502040204020203" pitchFamily="34" charset="0"/>
-                <a:cs typeface="Segoe UI Light" panose="020B0502040204020203" pitchFamily="34" charset="0"/>
-              </a:rPr>
-              <a:t>Infrastructure</a:t>
-            </a:r>
-          </a:p>
-        </p:txBody>
-      </p:sp>
-      <p:pic>
-        <p:nvPicPr>
-          <p:cNvPr id="27" name="Grafik 26">
-            <a:extLst>
-              <a:ext uri="{FF2B5EF4-FFF2-40B4-BE49-F238E27FC236}">
-                <a16:creationId xmlns:a16="http://schemas.microsoft.com/office/drawing/2014/main" id="{17565774-F0C1-42F6-808B-211A39D3B916}"/>
-              </a:ext>
-            </a:extLst>
-          </p:cNvPr>
-          <p:cNvPicPr>
-            <a:picLocks noChangeAspect="1"/>
-          </p:cNvPicPr>
-          <p:nvPr/>
-        </p:nvPicPr>
-        <p:blipFill>
-          <a:blip r:embed="rId12">
-            <a:extLst>
-              <a:ext uri="{28A0092B-C50C-407E-A947-70E740481C1C}">
-                <a14:useLocalDpi xmlns:a14="http://schemas.microsoft.com/office/drawing/2010/main" val="0"/>
-              </a:ext>
-            </a:extLst>
-          </a:blip>
-          <a:stretch>
-            <a:fillRect/>
-          </a:stretch>
-        </p:blipFill>
-        <p:spPr>
-          <a:xfrm>
-            <a:off x="1471894" y="5598484"/>
-            <a:ext cx="468000" cy="468000"/>
-          </a:xfrm>
-          <a:prstGeom prst="rect">
-            <a:avLst/>
-          </a:prstGeom>
-        </p:spPr>
-      </p:pic>
-      <p:sp>
-        <p:nvSpPr>
-          <p:cNvPr id="46" name="Textfeld 45">
-            <a:extLst>
-              <a:ext uri="{FF2B5EF4-FFF2-40B4-BE49-F238E27FC236}">
-                <a16:creationId xmlns:a16="http://schemas.microsoft.com/office/drawing/2014/main" id="{9A2366D0-7D3B-4A3D-B0F1-055C0120D3B4}"/>
-              </a:ext>
-            </a:extLst>
-          </p:cNvPr>
-          <p:cNvSpPr txBox="1"/>
-          <p:nvPr/>
-        </p:nvSpPr>
-        <p:spPr>
-          <a:xfrm>
-            <a:off x="1090124" y="6037218"/>
-            <a:ext cx="1230938" cy="307777"/>
-          </a:xfrm>
-          <a:prstGeom prst="rect">
-            <a:avLst/>
-          </a:prstGeom>
-          <a:noFill/>
-        </p:spPr>
-        <p:txBody>
-          <a:bodyPr wrap="square" rtlCol="0">
-            <a:spAutoFit/>
-          </a:bodyPr>
-          <a:lstStyle/>
-          <a:p>
-            <a:pPr algn="ctr"/>
-            <a:r>
-              <a:rPr lang="en-GB" sz="1400" dirty="0">
-                <a:latin typeface="Segoe UI Light" panose="020B0502040204020203" pitchFamily="34" charset="0"/>
-                <a:cs typeface="Segoe UI Light" panose="020B0502040204020203" pitchFamily="34" charset="0"/>
-              </a:rPr>
-              <a:t>Environment</a:t>
-            </a:r>
-          </a:p>
-        </p:txBody>
-      </p:sp>
-      <p:pic>
-        <p:nvPicPr>
-          <p:cNvPr id="35" name="Grafik 34">
-            <a:extLst>
-              <a:ext uri="{FF2B5EF4-FFF2-40B4-BE49-F238E27FC236}">
-                <a16:creationId xmlns:a16="http://schemas.microsoft.com/office/drawing/2014/main" id="{2AB523F6-55C0-44FC-92F7-73EF1B4DAA73}"/>
-              </a:ext>
-            </a:extLst>
-          </p:cNvPr>
-          <p:cNvPicPr>
-            <a:picLocks noChangeAspect="1"/>
-          </p:cNvPicPr>
-          <p:nvPr/>
-        </p:nvPicPr>
-        <p:blipFill>
-          <a:blip r:embed="rId13">
-            <a:extLst>
-              <a:ext uri="{28A0092B-C50C-407E-A947-70E740481C1C}">
-                <a14:useLocalDpi xmlns:a14="http://schemas.microsoft.com/office/drawing/2010/main" val="0"/>
-              </a:ext>
-            </a:extLst>
-          </a:blip>
-          <a:stretch>
-            <a:fillRect/>
-          </a:stretch>
-        </p:blipFill>
-        <p:spPr>
-          <a:xfrm>
-            <a:off x="2478153" y="5598484"/>
-            <a:ext cx="468000" cy="468000"/>
-          </a:xfrm>
-          <a:prstGeom prst="rect">
-            <a:avLst/>
-          </a:prstGeom>
-        </p:spPr>
-      </p:pic>
-      <p:sp>
-        <p:nvSpPr>
-          <p:cNvPr id="48" name="Textfeld 47">
-            <a:extLst>
-              <a:ext uri="{FF2B5EF4-FFF2-40B4-BE49-F238E27FC236}">
-                <a16:creationId xmlns:a16="http://schemas.microsoft.com/office/drawing/2014/main" id="{6C14096D-006D-40E2-A259-384BBBEFC748}"/>
-              </a:ext>
-            </a:extLst>
-          </p:cNvPr>
-          <p:cNvSpPr txBox="1"/>
-          <p:nvPr/>
-        </p:nvSpPr>
-        <p:spPr>
-          <a:xfrm>
-            <a:off x="2225547" y="6030684"/>
-            <a:ext cx="973212" cy="307777"/>
-          </a:xfrm>
-          <a:prstGeom prst="rect">
-            <a:avLst/>
-          </a:prstGeom>
-          <a:noFill/>
-        </p:spPr>
-        <p:txBody>
-          <a:bodyPr wrap="square" rtlCol="0">
-            <a:spAutoFit/>
-          </a:bodyPr>
-          <a:lstStyle/>
-          <a:p>
-            <a:pPr algn="ctr"/>
-            <a:r>
-              <a:rPr lang="en-GB" sz="1400" dirty="0">
-                <a:latin typeface="Segoe UI Light" panose="020B0502040204020203" pitchFamily="34" charset="0"/>
-                <a:cs typeface="Segoe UI Light" panose="020B0502040204020203" pitchFamily="34" charset="0"/>
-              </a:rPr>
-              <a:t>Education</a:t>
-            </a:r>
-          </a:p>
-        </p:txBody>
-      </p:sp>
-      <p:pic>
-        <p:nvPicPr>
-          <p:cNvPr id="50" name="Grafik 49">
-            <a:extLst>
-              <a:ext uri="{FF2B5EF4-FFF2-40B4-BE49-F238E27FC236}">
-                <a16:creationId xmlns:a16="http://schemas.microsoft.com/office/drawing/2014/main" id="{23D114B9-EC65-4094-B439-75EFDD11F9A9}"/>
-              </a:ext>
-            </a:extLst>
-          </p:cNvPr>
-          <p:cNvPicPr>
-            <a:picLocks noChangeAspect="1"/>
-          </p:cNvPicPr>
-          <p:nvPr/>
-        </p:nvPicPr>
-        <p:blipFill>
-          <a:blip r:embed="rId14">
-            <a:extLst>
-              <a:ext uri="{28A0092B-C50C-407E-A947-70E740481C1C}">
-                <a14:useLocalDpi xmlns:a14="http://schemas.microsoft.com/office/drawing/2010/main" val="0"/>
-              </a:ext>
-            </a:extLst>
-          </a:blip>
-          <a:stretch>
-            <a:fillRect/>
-          </a:stretch>
-        </p:blipFill>
-        <p:spPr>
-          <a:xfrm>
-            <a:off x="3522512" y="5598484"/>
-            <a:ext cx="468000" cy="468000"/>
-          </a:xfrm>
-          <a:prstGeom prst="rect">
-            <a:avLst/>
-          </a:prstGeom>
-        </p:spPr>
-      </p:pic>
-      <p:sp>
-        <p:nvSpPr>
-          <p:cNvPr id="51" name="Textfeld 50">
-            <a:extLst>
-              <a:ext uri="{FF2B5EF4-FFF2-40B4-BE49-F238E27FC236}">
-                <a16:creationId xmlns:a16="http://schemas.microsoft.com/office/drawing/2014/main" id="{56668B34-3AA5-4AC1-B6D0-9B49068216B6}"/>
-              </a:ext>
-            </a:extLst>
-          </p:cNvPr>
-          <p:cNvSpPr txBox="1"/>
-          <p:nvPr/>
-        </p:nvSpPr>
-        <p:spPr>
-          <a:xfrm>
-            <a:off x="3228538" y="6033339"/>
-            <a:ext cx="1047500" cy="307777"/>
-          </a:xfrm>
-          <a:prstGeom prst="rect">
-            <a:avLst/>
-          </a:prstGeom>
-          <a:noFill/>
-        </p:spPr>
-        <p:txBody>
-          <a:bodyPr wrap="square" rtlCol="0">
-            <a:spAutoFit/>
-          </a:bodyPr>
-          <a:lstStyle/>
-          <a:p>
-            <a:pPr algn="ctr"/>
-            <a:r>
-              <a:rPr lang="en-GB" sz="1400" dirty="0">
-                <a:latin typeface="Segoe UI Light" panose="020B0502040204020203" pitchFamily="34" charset="0"/>
-                <a:cs typeface="Segoe UI Light" panose="020B0502040204020203" pitchFamily="34" charset="0"/>
-              </a:rPr>
-              <a:t>Economy</a:t>
-            </a:r>
-          </a:p>
-        </p:txBody>
-      </p:sp>
-      <p:pic>
-        <p:nvPicPr>
-          <p:cNvPr id="53" name="Grafik 52">
-            <a:extLst>
-              <a:ext uri="{FF2B5EF4-FFF2-40B4-BE49-F238E27FC236}">
-                <a16:creationId xmlns:a16="http://schemas.microsoft.com/office/drawing/2014/main" id="{F4A92F58-5F70-4B6C-9BB7-82E8818B7E85}"/>
-              </a:ext>
-            </a:extLst>
-          </p:cNvPr>
-          <p:cNvPicPr>
-            <a:picLocks noChangeAspect="1"/>
-          </p:cNvPicPr>
-          <p:nvPr/>
-        </p:nvPicPr>
-        <p:blipFill>
-          <a:blip r:embed="rId15">
-            <a:extLst>
-              <a:ext uri="{28A0092B-C50C-407E-A947-70E740481C1C}">
-                <a14:useLocalDpi xmlns:a14="http://schemas.microsoft.com/office/drawing/2010/main" val="0"/>
-              </a:ext>
-            </a:extLst>
-          </a:blip>
-          <a:stretch>
-            <a:fillRect/>
-          </a:stretch>
-        </p:blipFill>
-        <p:spPr>
-          <a:xfrm>
-            <a:off x="4566871" y="5598484"/>
-            <a:ext cx="468000" cy="468000"/>
-          </a:xfrm>
-          <a:prstGeom prst="rect">
-            <a:avLst/>
-          </a:prstGeom>
-        </p:spPr>
-      </p:pic>
-      <p:sp>
-        <p:nvSpPr>
-          <p:cNvPr id="54" name="Textfeld 53">
-            <a:extLst>
-              <a:ext uri="{FF2B5EF4-FFF2-40B4-BE49-F238E27FC236}">
-                <a16:creationId xmlns:a16="http://schemas.microsoft.com/office/drawing/2014/main" id="{11181380-77BB-4FDF-AB5D-6ED36AFEE862}"/>
-              </a:ext>
-            </a:extLst>
-          </p:cNvPr>
-          <p:cNvSpPr txBox="1"/>
-          <p:nvPr/>
-        </p:nvSpPr>
-        <p:spPr>
-          <a:xfrm>
-            <a:off x="4317748" y="6041187"/>
-            <a:ext cx="965368" cy="307777"/>
-          </a:xfrm>
-          <a:prstGeom prst="rect">
-            <a:avLst/>
-          </a:prstGeom>
-          <a:noFill/>
-        </p:spPr>
-        <p:txBody>
-          <a:bodyPr wrap="square" rtlCol="0">
-            <a:spAutoFit/>
-          </a:bodyPr>
-          <a:lstStyle/>
-          <a:p>
-            <a:pPr algn="ctr"/>
-            <a:r>
-              <a:rPr lang="en-GB" sz="1400" dirty="0">
-                <a:latin typeface="Segoe UI Light" panose="020B0502040204020203" pitchFamily="34" charset="0"/>
-                <a:cs typeface="Segoe UI Light" panose="020B0502040204020203" pitchFamily="34" charset="0"/>
-              </a:rPr>
-              <a:t>Politics</a:t>
-            </a:r>
-          </a:p>
-        </p:txBody>
-      </p:sp>
-      <p:sp>
-        <p:nvSpPr>
-          <p:cNvPr id="55" name="Textfeld 54">
-            <a:extLst>
-              <a:ext uri="{FF2B5EF4-FFF2-40B4-BE49-F238E27FC236}">
-                <a16:creationId xmlns:a16="http://schemas.microsoft.com/office/drawing/2014/main" id="{FD7864BE-EC92-4B34-981D-BDD811868612}"/>
-              </a:ext>
-            </a:extLst>
-          </p:cNvPr>
-          <p:cNvSpPr txBox="1"/>
-          <p:nvPr/>
-        </p:nvSpPr>
-        <p:spPr>
-          <a:xfrm>
-            <a:off x="1089090" y="4319717"/>
-            <a:ext cx="1170101" cy="338554"/>
-          </a:xfrm>
-          <a:prstGeom prst="rect">
-            <a:avLst/>
-          </a:prstGeom>
-          <a:noFill/>
-        </p:spPr>
-        <p:txBody>
-          <a:bodyPr wrap="square" rtlCol="0">
-            <a:spAutoFit/>
-          </a:bodyPr>
-          <a:lstStyle/>
-          <a:p>
-            <a:r>
-              <a:rPr lang="en-GB" sz="1600" b="1" dirty="0">
-                <a:latin typeface="Segoe UI Light" panose="020B0502040204020203" pitchFamily="34" charset="0"/>
-                <a:cs typeface="Segoe UI Light" panose="020B0502040204020203" pitchFamily="34" charset="0"/>
-              </a:rPr>
-              <a:t>Variables</a:t>
-            </a:r>
-            <a:endParaRPr lang="en-GB" b="1" dirty="0">
-              <a:latin typeface="Segoe UI Light" panose="020B0502040204020203" pitchFamily="34" charset="0"/>
-              <a:cs typeface="Segoe UI Light" panose="020B0502040204020203" pitchFamily="34" charset="0"/>
-            </a:endParaRPr>
-          </a:p>
-        </p:txBody>
-      </p:sp>
-      <p:sp>
-        <p:nvSpPr>
-          <p:cNvPr id="66" name="Textfeld 65">
-            <a:extLst>
-              <a:ext uri="{FF2B5EF4-FFF2-40B4-BE49-F238E27FC236}">
-                <a16:creationId xmlns:a16="http://schemas.microsoft.com/office/drawing/2014/main" id="{74A0C1E6-4CEF-4939-B100-C6B355EF2D59}"/>
-              </a:ext>
-            </a:extLst>
-          </p:cNvPr>
-          <p:cNvSpPr txBox="1"/>
-          <p:nvPr/>
-        </p:nvSpPr>
-        <p:spPr>
-          <a:xfrm>
-            <a:off x="1066527" y="6485554"/>
-            <a:ext cx="2340635" cy="338554"/>
-          </a:xfrm>
-          <a:prstGeom prst="rect">
-            <a:avLst/>
-          </a:prstGeom>
-          <a:noFill/>
-        </p:spPr>
-        <p:txBody>
-          <a:bodyPr wrap="square" rtlCol="0">
-            <a:spAutoFit/>
-          </a:bodyPr>
-          <a:lstStyle/>
-          <a:p>
-            <a:r>
-              <a:rPr lang="en-GB" sz="1600" b="1" dirty="0">
-                <a:latin typeface="Segoe UI Light" panose="020B0502040204020203" pitchFamily="34" charset="0"/>
-                <a:cs typeface="Segoe UI Light" panose="020B0502040204020203" pitchFamily="34" charset="0"/>
-              </a:rPr>
-              <a:t>Data Pre-processing</a:t>
-            </a:r>
-          </a:p>
-        </p:txBody>
-      </p:sp>
-      <p:sp>
-        <p:nvSpPr>
-          <p:cNvPr id="70" name="Textfeld 69">
-            <a:extLst>
-              <a:ext uri="{FF2B5EF4-FFF2-40B4-BE49-F238E27FC236}">
-                <a16:creationId xmlns:a16="http://schemas.microsoft.com/office/drawing/2014/main" id="{C09A3853-3912-444D-89AD-A9B50E597ED4}"/>
-              </a:ext>
-            </a:extLst>
-          </p:cNvPr>
-          <p:cNvSpPr txBox="1"/>
-          <p:nvPr/>
-        </p:nvSpPr>
-        <p:spPr>
-          <a:xfrm>
-            <a:off x="5588181" y="4319717"/>
-            <a:ext cx="2188927" cy="2554545"/>
-          </a:xfrm>
-          <a:prstGeom prst="rect">
-            <a:avLst/>
-          </a:prstGeom>
-          <a:noFill/>
-        </p:spPr>
-        <p:txBody>
-          <a:bodyPr wrap="square" rtlCol="0">
-            <a:spAutoFit/>
-          </a:bodyPr>
-          <a:lstStyle/>
-          <a:p>
-            <a:r>
-              <a:rPr lang="en-GB" sz="1600" b="1" dirty="0">
-                <a:latin typeface="Segoe UI Light" panose="020B0502040204020203" pitchFamily="34" charset="0"/>
-                <a:cs typeface="Segoe UI Light" panose="020B0502040204020203" pitchFamily="34" charset="0"/>
-              </a:rPr>
-              <a:t>World Happiness Rank</a:t>
-            </a:r>
-          </a:p>
-          <a:p>
-            <a:endParaRPr lang="en-GB" sz="1000" b="1" dirty="0">
-              <a:latin typeface="Segoe UI Light" panose="020B0502040204020203" pitchFamily="34" charset="0"/>
-              <a:cs typeface="Segoe UI Light" panose="020B0502040204020203" pitchFamily="34" charset="0"/>
-            </a:endParaRPr>
-          </a:p>
-          <a:p>
-            <a:r>
-              <a:rPr lang="en-GB" sz="1400" dirty="0">
-                <a:latin typeface="Segoe UI Light" panose="020B0502040204020203" pitchFamily="34" charset="0"/>
-                <a:cs typeface="Segoe UI Light" panose="020B0502040204020203" pitchFamily="34" charset="0"/>
-              </a:rPr>
-              <a:t>      Switzerland</a:t>
-            </a:r>
-          </a:p>
-          <a:p>
-            <a:r>
-              <a:rPr lang="en-GB" sz="1400" dirty="0">
-                <a:latin typeface="Segoe UI Light" panose="020B0502040204020203" pitchFamily="34" charset="0"/>
-                <a:cs typeface="Segoe UI Light" panose="020B0502040204020203" pitchFamily="34" charset="0"/>
-              </a:rPr>
-              <a:t>      Iceland</a:t>
-            </a:r>
-          </a:p>
-          <a:p>
-            <a:r>
-              <a:rPr lang="en-GB" sz="1400" dirty="0">
-                <a:latin typeface="Segoe UI Light" panose="020B0502040204020203" pitchFamily="34" charset="0"/>
-                <a:cs typeface="Segoe UI Light" panose="020B0502040204020203" pitchFamily="34" charset="0"/>
-              </a:rPr>
-              <a:t>      Denmark</a:t>
-            </a:r>
-          </a:p>
-          <a:p>
-            <a:r>
-              <a:rPr lang="en-GB" sz="1400" dirty="0">
-                <a:latin typeface="Segoe UI Light" panose="020B0502040204020203" pitchFamily="34" charset="0"/>
-                <a:cs typeface="Segoe UI Light" panose="020B0502040204020203" pitchFamily="34" charset="0"/>
-              </a:rPr>
-              <a:t>      …</a:t>
-            </a:r>
-          </a:p>
-          <a:p>
-            <a:r>
-              <a:rPr lang="en-GB" sz="1400" dirty="0">
-                <a:latin typeface="Segoe UI Light" panose="020B0502040204020203" pitchFamily="34" charset="0"/>
-                <a:cs typeface="Segoe UI Light" panose="020B0502040204020203" pitchFamily="34" charset="0"/>
-              </a:rPr>
-              <a:t>      Benin</a:t>
-            </a:r>
-          </a:p>
-          <a:p>
-            <a:r>
-              <a:rPr lang="en-GB" sz="1400" dirty="0">
-                <a:latin typeface="Segoe UI Light" panose="020B0502040204020203" pitchFamily="34" charset="0"/>
-                <a:cs typeface="Segoe UI Light" panose="020B0502040204020203" pitchFamily="34" charset="0"/>
-              </a:rPr>
-              <a:t>      Syria</a:t>
-            </a:r>
-          </a:p>
-          <a:p>
-            <a:r>
-              <a:rPr lang="en-GB" sz="1400" dirty="0">
-                <a:latin typeface="Segoe UI Light" panose="020B0502040204020203" pitchFamily="34" charset="0"/>
-                <a:cs typeface="Segoe UI Light" panose="020B0502040204020203" pitchFamily="34" charset="0"/>
-              </a:rPr>
-              <a:t>      Togo</a:t>
-            </a:r>
-          </a:p>
-          <a:p>
-            <a:endParaRPr lang="en-GB" dirty="0">
-              <a:latin typeface="Segoe UI Light" panose="020B0502040204020203" pitchFamily="34" charset="0"/>
-              <a:cs typeface="Segoe UI Light" panose="020B0502040204020203" pitchFamily="34" charset="0"/>
-            </a:endParaRPr>
-          </a:p>
-          <a:p>
-            <a:endParaRPr lang="en-GB" b="1" dirty="0">
-              <a:latin typeface="Segoe UI Light" panose="020B0502040204020203" pitchFamily="34" charset="0"/>
-              <a:cs typeface="Segoe UI Light" panose="020B0502040204020203" pitchFamily="34" charset="0"/>
-            </a:endParaRPr>
-          </a:p>
-        </p:txBody>
-      </p:sp>
-      <p:sp>
-        <p:nvSpPr>
-          <p:cNvPr id="71" name="Textfeld 70">
-            <a:extLst>
-              <a:ext uri="{FF2B5EF4-FFF2-40B4-BE49-F238E27FC236}">
-                <a16:creationId xmlns:a16="http://schemas.microsoft.com/office/drawing/2014/main" id="{85096C5C-A0D7-4B11-9DB7-9B2C9650AB29}"/>
-              </a:ext>
-            </a:extLst>
-          </p:cNvPr>
-          <p:cNvSpPr txBox="1"/>
-          <p:nvPr/>
-        </p:nvSpPr>
-        <p:spPr>
-          <a:xfrm>
-            <a:off x="6966916" y="4709637"/>
-            <a:ext cx="7541967" cy="1384995"/>
-          </a:xfrm>
-          <a:prstGeom prst="rect">
-            <a:avLst/>
-          </a:prstGeom>
-          <a:noFill/>
-        </p:spPr>
-        <p:txBody>
-          <a:bodyPr wrap="square" rtlCol="0">
-            <a:spAutoFit/>
-          </a:bodyPr>
-          <a:lstStyle/>
-          <a:p>
-            <a:pPr algn="just"/>
-            <a:r>
-              <a:rPr lang="en-GB" sz="1400" dirty="0">
-                <a:latin typeface="Segoe UI Light" panose="020B0502040204020203" pitchFamily="34" charset="0"/>
-                <a:cs typeface="Segoe UI Light" panose="020B0502040204020203" pitchFamily="34" charset="0"/>
-              </a:rPr>
-              <a:t>The worlds happiest countries are Switzerland, Iceland and Denmark. The variables that are the most contributing to this result is high quality of Family Life, Health Life Expectancy and Freedom. The least happy countries are Benin, Syria and Togo. The variables indicating their happiness are Economy, Family and Automotive Mortality. </a:t>
-            </a:r>
-          </a:p>
-          <a:p>
-            <a:pPr algn="just"/>
-            <a:r>
-              <a:rPr lang="en-GB" sz="1400" dirty="0">
-                <a:latin typeface="Segoe UI Light" panose="020B0502040204020203" pitchFamily="34" charset="0"/>
-                <a:cs typeface="Segoe UI Light" panose="020B0502040204020203" pitchFamily="34" charset="0"/>
-              </a:rPr>
-              <a:t>In general the people living in the countries of Western Europe and America tend to be happier than the people living in Afrika and Asia.</a:t>
-            </a:r>
-            <a:endParaRPr lang="en-GB" b="1" dirty="0">
-              <a:latin typeface="Segoe UI Light" panose="020B0502040204020203" pitchFamily="34" charset="0"/>
-              <a:cs typeface="Segoe UI Light" panose="020B0502040204020203" pitchFamily="34" charset="0"/>
-            </a:endParaRPr>
-          </a:p>
-        </p:txBody>
-      </p:sp>
-      <p:pic>
-        <p:nvPicPr>
-          <p:cNvPr id="74" name="Grafik 73">
-            <a:extLst>
-              <a:ext uri="{FF2B5EF4-FFF2-40B4-BE49-F238E27FC236}">
-                <a16:creationId xmlns:a16="http://schemas.microsoft.com/office/drawing/2014/main" id="{2C75AF1F-5CEB-4A39-859B-B770DC653AC9}"/>
-              </a:ext>
-            </a:extLst>
-          </p:cNvPr>
-          <p:cNvPicPr>
-            <a:picLocks noChangeAspect="1"/>
-          </p:cNvPicPr>
-          <p:nvPr/>
-        </p:nvPicPr>
-        <p:blipFill>
-          <a:blip r:embed="rId16">
-            <a:extLst>
-              <a:ext uri="{28A0092B-C50C-407E-A947-70E740481C1C}">
-                <a14:useLocalDpi xmlns:a14="http://schemas.microsoft.com/office/drawing/2010/main" val="0"/>
-              </a:ext>
-            </a:extLst>
-          </a:blip>
-          <a:stretch>
-            <a:fillRect/>
-          </a:stretch>
-        </p:blipFill>
-        <p:spPr>
-          <a:xfrm>
-            <a:off x="5722173" y="4778826"/>
-            <a:ext cx="162000" cy="162000"/>
-          </a:xfrm>
-          <a:prstGeom prst="rect">
-            <a:avLst/>
-          </a:prstGeom>
-        </p:spPr>
-      </p:pic>
-      <p:pic>
-        <p:nvPicPr>
-          <p:cNvPr id="77" name="Grafik 76">
-            <a:extLst>
-              <a:ext uri="{FF2B5EF4-FFF2-40B4-BE49-F238E27FC236}">
-                <a16:creationId xmlns:a16="http://schemas.microsoft.com/office/drawing/2014/main" id="{712A983A-EA50-4904-9A6C-F5AB858A94F4}"/>
-              </a:ext>
-            </a:extLst>
-          </p:cNvPr>
-          <p:cNvPicPr>
-            <a:picLocks noChangeAspect="1"/>
-          </p:cNvPicPr>
-          <p:nvPr/>
-        </p:nvPicPr>
-        <p:blipFill>
-          <a:blip r:embed="rId17">
-            <a:extLst>
-              <a:ext uri="{28A0092B-C50C-407E-A947-70E740481C1C}">
-                <a14:useLocalDpi xmlns:a14="http://schemas.microsoft.com/office/drawing/2010/main" val="0"/>
-              </a:ext>
-            </a:extLst>
-          </a:blip>
-          <a:stretch>
-            <a:fillRect/>
-          </a:stretch>
-        </p:blipFill>
-        <p:spPr>
-          <a:xfrm>
-            <a:off x="5722173" y="5002319"/>
-            <a:ext cx="162000" cy="162000"/>
-          </a:xfrm>
-          <a:prstGeom prst="rect">
-            <a:avLst/>
-          </a:prstGeom>
-        </p:spPr>
-      </p:pic>
-      <p:pic>
-        <p:nvPicPr>
-          <p:cNvPr id="80" name="Grafik 79">
-            <a:extLst>
-              <a:ext uri="{FF2B5EF4-FFF2-40B4-BE49-F238E27FC236}">
-                <a16:creationId xmlns:a16="http://schemas.microsoft.com/office/drawing/2014/main" id="{A401FFFC-38C8-42FA-96D7-BDFCC1007BA9}"/>
-              </a:ext>
-            </a:extLst>
-          </p:cNvPr>
-          <p:cNvPicPr>
-            <a:picLocks noChangeAspect="1"/>
-          </p:cNvPicPr>
-          <p:nvPr/>
-        </p:nvPicPr>
-        <p:blipFill>
-          <a:blip r:embed="rId18">
-            <a:extLst>
-              <a:ext uri="{28A0092B-C50C-407E-A947-70E740481C1C}">
-                <a14:useLocalDpi xmlns:a14="http://schemas.microsoft.com/office/drawing/2010/main" val="0"/>
-              </a:ext>
-            </a:extLst>
-          </a:blip>
-          <a:stretch>
-            <a:fillRect/>
-          </a:stretch>
-        </p:blipFill>
-        <p:spPr>
-          <a:xfrm>
-            <a:off x="5716260" y="5220395"/>
-            <a:ext cx="162000" cy="162000"/>
-          </a:xfrm>
-          <a:prstGeom prst="rect">
-            <a:avLst/>
-          </a:prstGeom>
-        </p:spPr>
-      </p:pic>
-      <p:pic>
-        <p:nvPicPr>
-          <p:cNvPr id="83" name="Grafik 82">
-            <a:extLst>
-              <a:ext uri="{FF2B5EF4-FFF2-40B4-BE49-F238E27FC236}">
-                <a16:creationId xmlns:a16="http://schemas.microsoft.com/office/drawing/2014/main" id="{C16A84EF-0560-407B-9026-DBD1E542C061}"/>
-              </a:ext>
-            </a:extLst>
-          </p:cNvPr>
-          <p:cNvPicPr>
-            <a:picLocks noChangeAspect="1"/>
-          </p:cNvPicPr>
-          <p:nvPr/>
-        </p:nvPicPr>
-        <p:blipFill>
-          <a:blip r:embed="rId19">
-            <a:extLst>
-              <a:ext uri="{28A0092B-C50C-407E-A947-70E740481C1C}">
-                <a14:useLocalDpi xmlns:a14="http://schemas.microsoft.com/office/drawing/2010/main" val="0"/>
-              </a:ext>
-            </a:extLst>
-          </a:blip>
-          <a:stretch>
-            <a:fillRect/>
-          </a:stretch>
-        </p:blipFill>
-        <p:spPr>
-          <a:xfrm>
-            <a:off x="5714308" y="6083974"/>
-            <a:ext cx="162000" cy="162000"/>
-          </a:xfrm>
-          <a:prstGeom prst="rect">
-            <a:avLst/>
-          </a:prstGeom>
-        </p:spPr>
-      </p:pic>
-      <p:sp>
-        <p:nvSpPr>
-          <p:cNvPr id="86" name="Textfeld 85">
-            <a:extLst>
-              <a:ext uri="{FF2B5EF4-FFF2-40B4-BE49-F238E27FC236}">
-                <a16:creationId xmlns:a16="http://schemas.microsoft.com/office/drawing/2014/main" id="{2D4AD2A7-E80C-4845-8110-77925FB7C684}"/>
-              </a:ext>
-            </a:extLst>
-          </p:cNvPr>
-          <p:cNvSpPr txBox="1"/>
-          <p:nvPr/>
-        </p:nvSpPr>
-        <p:spPr>
-          <a:xfrm>
-            <a:off x="23691541" y="5855253"/>
-            <a:ext cx="5385021" cy="954107"/>
-          </a:xfrm>
-          <a:prstGeom prst="rect">
-            <a:avLst/>
-          </a:prstGeom>
-          <a:noFill/>
-        </p:spPr>
-        <p:txBody>
-          <a:bodyPr wrap="square" rtlCol="0">
-            <a:spAutoFit/>
-          </a:bodyPr>
-          <a:lstStyle/>
-          <a:p>
-            <a:pPr algn="just"/>
-            <a:r>
-              <a:rPr lang="en-GB" sz="1400" dirty="0">
-                <a:latin typeface="Segoe UI Light" panose="020B0502040204020203" pitchFamily="34" charset="0"/>
-                <a:cs typeface="Segoe UI Light" panose="020B0502040204020203" pitchFamily="34" charset="0"/>
-              </a:rPr>
-              <a:t>The results of FA show how the assignment of the variables to the dimensions changed. After rotating the PC’s, the second and the third dimensions explains more variance. Furthermore, the Loadings are more clear in terms of interpretation.</a:t>
-            </a:r>
-            <a:endParaRPr lang="en-GB" b="1" dirty="0">
-              <a:latin typeface="Segoe UI Light" panose="020B0502040204020203" pitchFamily="34" charset="0"/>
-              <a:cs typeface="Segoe UI Light" panose="020B0502040204020203" pitchFamily="34" charset="0"/>
-            </a:endParaRPr>
-          </a:p>
-        </p:txBody>
-      </p:sp>
-      <p:sp>
-        <p:nvSpPr>
-          <p:cNvPr id="2" name="Rechteck: abgerundete Ecken 1">
-            <a:extLst>
-              <a:ext uri="{FF2B5EF4-FFF2-40B4-BE49-F238E27FC236}">
-                <a16:creationId xmlns:a16="http://schemas.microsoft.com/office/drawing/2014/main" id="{9EB4E38C-BB81-4B83-AA86-1A37E719DCA0}"/>
-              </a:ext>
-            </a:extLst>
-          </p:cNvPr>
-          <p:cNvSpPr/>
-          <p:nvPr/>
-        </p:nvSpPr>
-        <p:spPr>
-          <a:xfrm>
-            <a:off x="720436" y="1949326"/>
-            <a:ext cx="14013831" cy="9217437"/>
-          </a:xfrm>
-          <a:prstGeom prst="roundRect">
-            <a:avLst/>
-          </a:prstGeom>
-          <a:noFill/>
-        </p:spPr>
-        <p:style>
-          <a:lnRef idx="2">
-            <a:schemeClr val="accent1">
-              <a:shade val="50000"/>
-            </a:schemeClr>
-          </a:lnRef>
-          <a:fillRef idx="1">
-            <a:schemeClr val="accent1"/>
-          </a:fillRef>
-          <a:effectRef idx="0">
-            <a:schemeClr val="accent1"/>
-          </a:effectRef>
-          <a:fontRef idx="minor">
-            <a:schemeClr val="lt1"/>
-          </a:fontRef>
-        </p:style>
-        <p:txBody>
-          <a:bodyPr rtlCol="0" anchor="ctr"/>
-          <a:lstStyle/>
-          <a:p>
-            <a:pPr algn="ctr"/>
-            <a:endParaRPr lang="en-GB" dirty="0"/>
-          </a:p>
-        </p:txBody>
-      </p:sp>
-      <p:sp>
-        <p:nvSpPr>
-          <p:cNvPr id="15" name="Rechteck: abgerundete Ecken 14">
-            <a:extLst>
-              <a:ext uri="{FF2B5EF4-FFF2-40B4-BE49-F238E27FC236}">
-                <a16:creationId xmlns:a16="http://schemas.microsoft.com/office/drawing/2014/main" id="{615EA419-6204-4B9E-AA03-B160DB96CEE4}"/>
-              </a:ext>
-            </a:extLst>
-          </p:cNvPr>
-          <p:cNvSpPr/>
-          <p:nvPr/>
-        </p:nvSpPr>
-        <p:spPr>
-          <a:xfrm>
-            <a:off x="1287545" y="1747815"/>
-            <a:ext cx="3672000" cy="828000"/>
-          </a:xfrm>
-          <a:prstGeom prst="roundRect">
-            <a:avLst/>
-          </a:prstGeom>
-          <a:ln>
-            <a:noFill/>
-          </a:ln>
-        </p:spPr>
-        <p:style>
-          <a:lnRef idx="2">
-            <a:schemeClr val="accent1">
-              <a:shade val="50000"/>
-            </a:schemeClr>
-          </a:lnRef>
-          <a:fillRef idx="1">
-            <a:schemeClr val="accent1"/>
-          </a:fillRef>
-          <a:effectRef idx="0">
-            <a:schemeClr val="accent1"/>
-          </a:effectRef>
-          <a:fontRef idx="minor">
-            <a:schemeClr val="lt1"/>
-          </a:fontRef>
-        </p:style>
-        <p:txBody>
-          <a:bodyPr rtlCol="0" anchor="ctr"/>
-          <a:lstStyle/>
-          <a:p>
-            <a:pPr algn="ctr"/>
-            <a:r>
-              <a:rPr lang="en-GB" sz="2800" dirty="0">
-                <a:latin typeface="Segoe UI Light" panose="020B0502040204020203" pitchFamily="34" charset="0"/>
-                <a:cs typeface="Segoe UI Light" panose="020B0502040204020203" pitchFamily="34" charset="0"/>
-              </a:rPr>
-              <a:t>Data Exploration</a:t>
-            </a:r>
-          </a:p>
-        </p:txBody>
-      </p:sp>
-      <p:pic>
-        <p:nvPicPr>
-          <p:cNvPr id="41" name="Grafik 40">
-            <a:extLst>
-              <a:ext uri="{FF2B5EF4-FFF2-40B4-BE49-F238E27FC236}">
-                <a16:creationId xmlns:a16="http://schemas.microsoft.com/office/drawing/2014/main" id="{08E8AFA2-A2F7-41CD-AA6A-0414E5BC2DE4}"/>
-              </a:ext>
-            </a:extLst>
-          </p:cNvPr>
-          <p:cNvPicPr>
-            <a:picLocks noChangeAspect="1"/>
-          </p:cNvPicPr>
-          <p:nvPr/>
-        </p:nvPicPr>
-        <p:blipFill rotWithShape="1">
-          <a:blip r:embed="rId20">
-            <a:extLst>
-              <a:ext uri="{28A0092B-C50C-407E-A947-70E740481C1C}">
-                <a14:useLocalDpi xmlns:a14="http://schemas.microsoft.com/office/drawing/2010/main" val="0"/>
-              </a:ext>
-            </a:extLst>
-          </a:blip>
-          <a:srcRect t="5254" r="36709"/>
-          <a:stretch/>
-        </p:blipFill>
-        <p:spPr>
-          <a:xfrm>
-            <a:off x="25686976" y="2525103"/>
-            <a:ext cx="3271881" cy="3165978"/>
-          </a:xfrm>
-          <a:prstGeom prst="rect">
-            <a:avLst/>
-          </a:prstGeom>
-        </p:spPr>
-      </p:pic>
-      <p:sp>
-        <p:nvSpPr>
-          <p:cNvPr id="78" name="Textfeld 77">
-            <a:extLst>
-              <a:ext uri="{FF2B5EF4-FFF2-40B4-BE49-F238E27FC236}">
-                <a16:creationId xmlns:a16="http://schemas.microsoft.com/office/drawing/2014/main" id="{01AAE052-7ACB-4B91-9469-813CA409F9EF}"/>
-              </a:ext>
-            </a:extLst>
-          </p:cNvPr>
-          <p:cNvSpPr txBox="1"/>
-          <p:nvPr/>
-        </p:nvSpPr>
-        <p:spPr>
-          <a:xfrm>
-            <a:off x="15495694" y="5573366"/>
-            <a:ext cx="4281987" cy="1169551"/>
-          </a:xfrm>
-          <a:prstGeom prst="rect">
-            <a:avLst/>
-          </a:prstGeom>
-          <a:noFill/>
-        </p:spPr>
-        <p:txBody>
-          <a:bodyPr wrap="square" rtlCol="0">
-            <a:spAutoFit/>
-          </a:bodyPr>
-          <a:lstStyle/>
-          <a:p>
-            <a:pPr algn="just"/>
-            <a:r>
-              <a:rPr lang="en-GB" sz="1400" dirty="0">
-                <a:latin typeface="Segoe UI Light" panose="020B0502040204020203" pitchFamily="34" charset="0"/>
-                <a:cs typeface="Segoe UI Light" panose="020B0502040204020203" pitchFamily="34" charset="0"/>
-              </a:rPr>
-              <a:t>The results of FA show how the assignment of the variables to the dimensions changed. After rotating the PC’s, the second and the third dimensions explains more variance. Furthermore, the Loadings are more clear in terms of interpretation.</a:t>
-            </a:r>
-            <a:endParaRPr lang="en-GB" b="1" dirty="0">
-              <a:latin typeface="Segoe UI Light" panose="020B0502040204020203" pitchFamily="34" charset="0"/>
-              <a:cs typeface="Segoe UI Light" panose="020B0502040204020203" pitchFamily="34" charset="0"/>
-            </a:endParaRPr>
-          </a:p>
-        </p:txBody>
-      </p:sp>
-      <p:sp>
-        <p:nvSpPr>
-          <p:cNvPr id="81" name="Textfeld 80">
-            <a:extLst>
-              <a:ext uri="{FF2B5EF4-FFF2-40B4-BE49-F238E27FC236}">
-                <a16:creationId xmlns:a16="http://schemas.microsoft.com/office/drawing/2014/main" id="{A9600A04-A50C-4B1C-ACF6-8A3C8FB22A35}"/>
-              </a:ext>
-            </a:extLst>
-          </p:cNvPr>
-          <p:cNvSpPr txBox="1"/>
-          <p:nvPr/>
-        </p:nvSpPr>
-        <p:spPr>
-          <a:xfrm>
-            <a:off x="15492098" y="7018310"/>
-            <a:ext cx="4469599" cy="338554"/>
-          </a:xfrm>
-          <a:prstGeom prst="rect">
-            <a:avLst/>
-          </a:prstGeom>
-          <a:noFill/>
-        </p:spPr>
-        <p:txBody>
-          <a:bodyPr wrap="square" rtlCol="0">
-            <a:spAutoFit/>
-          </a:bodyPr>
-          <a:lstStyle/>
-          <a:p>
-            <a:r>
-              <a:rPr lang="en-GB" sz="1600" b="1" dirty="0">
-                <a:latin typeface="Segoe UI Light" panose="020B0502040204020203" pitchFamily="34" charset="0"/>
-                <a:cs typeface="Segoe UI Light" panose="020B0502040204020203" pitchFamily="34" charset="0"/>
-              </a:rPr>
-              <a:t>PCA Interpretation</a:t>
-            </a:r>
-          </a:p>
-        </p:txBody>
-      </p:sp>
-      <p:sp>
-        <p:nvSpPr>
-          <p:cNvPr id="52" name="Textfeld 51">
-            <a:extLst>
-              <a:ext uri="{FF2B5EF4-FFF2-40B4-BE49-F238E27FC236}">
-                <a16:creationId xmlns:a16="http://schemas.microsoft.com/office/drawing/2014/main" id="{B84592CF-F25C-4FED-870B-E7E24FA58AEA}"/>
-              </a:ext>
-            </a:extLst>
-          </p:cNvPr>
-          <p:cNvSpPr txBox="1"/>
-          <p:nvPr/>
-        </p:nvSpPr>
-        <p:spPr>
-          <a:xfrm>
-            <a:off x="10554687" y="18057708"/>
-            <a:ext cx="5244410" cy="2462213"/>
-          </a:xfrm>
-          <a:prstGeom prst="rect">
-            <a:avLst/>
-          </a:prstGeom>
-          <a:noFill/>
-        </p:spPr>
-        <p:txBody>
-          <a:bodyPr wrap="square" rtlCol="0">
-            <a:spAutoFit/>
-          </a:bodyPr>
-          <a:lstStyle/>
-          <a:p>
-            <a:r>
-              <a:rPr lang="en-GB" sz="1400" dirty="0">
-                <a:latin typeface="Segoe UI Light" panose="020B0502040204020203" pitchFamily="34" charset="0"/>
-                <a:cs typeface="Segoe UI Light" panose="020B0502040204020203" pitchFamily="34" charset="0"/>
-              </a:rPr>
-              <a:t>Variables that predict happiness: (R² = 78% ~ 3 PC) </a:t>
-            </a:r>
-            <a:r>
-              <a:rPr lang="en-GB" sz="1400" dirty="0">
-                <a:latin typeface="Segoe UI Light" panose="020B0502040204020203" pitchFamily="34" charset="0"/>
-                <a:cs typeface="Segoe UI Light" panose="020B0502040204020203" pitchFamily="34" charset="0"/>
-                <a:sym typeface="Wingdings" panose="05000000000000000000" pitchFamily="2" charset="2"/>
-              </a:rPr>
-              <a:t> Variable Importance </a:t>
-            </a:r>
-            <a:r>
-              <a:rPr lang="en-GB" sz="1400" dirty="0" err="1">
-                <a:latin typeface="Segoe UI Light" panose="020B0502040204020203" pitchFamily="34" charset="0"/>
-                <a:cs typeface="Segoe UI Light" panose="020B0502040204020203" pitchFamily="34" charset="0"/>
-                <a:sym typeface="Wingdings" panose="05000000000000000000" pitchFamily="2" charset="2"/>
-              </a:rPr>
-              <a:t>grpah</a:t>
-            </a:r>
-            <a:endParaRPr lang="en-GB" sz="1400" dirty="0">
-              <a:latin typeface="Segoe UI Light" panose="020B0502040204020203" pitchFamily="34" charset="0"/>
-              <a:cs typeface="Segoe UI Light" panose="020B0502040204020203" pitchFamily="34" charset="0"/>
-            </a:endParaRPr>
-          </a:p>
-          <a:p>
-            <a:pPr marL="285750" indent="-285750">
-              <a:buFontTx/>
-              <a:buChar char="-"/>
-            </a:pPr>
-            <a:r>
-              <a:rPr lang="en-GB" sz="1400" dirty="0">
-                <a:latin typeface="Segoe UI Light" panose="020B0502040204020203" pitchFamily="34" charset="0"/>
-                <a:cs typeface="Segoe UI Light" panose="020B0502040204020203" pitchFamily="34" charset="0"/>
-              </a:rPr>
-              <a:t>Economy GDP per Capita</a:t>
-            </a:r>
-          </a:p>
-          <a:p>
-            <a:pPr marL="285750" indent="-285750">
-              <a:buFontTx/>
-              <a:buChar char="-"/>
-            </a:pPr>
-            <a:r>
-              <a:rPr lang="en-GB" sz="1400" dirty="0">
-                <a:latin typeface="Segoe UI Light" panose="020B0502040204020203" pitchFamily="34" charset="0"/>
-                <a:cs typeface="Segoe UI Light" panose="020B0502040204020203" pitchFamily="34" charset="0"/>
-              </a:rPr>
-              <a:t>Family</a:t>
-            </a:r>
-          </a:p>
-          <a:p>
-            <a:pPr marL="285750" indent="-285750">
-              <a:buFontTx/>
-              <a:buChar char="-"/>
-            </a:pPr>
-            <a:r>
-              <a:rPr lang="en-GB" sz="1400" dirty="0">
-                <a:latin typeface="Segoe UI Light" panose="020B0502040204020203" pitchFamily="34" charset="0"/>
-                <a:cs typeface="Segoe UI Light" panose="020B0502040204020203" pitchFamily="34" charset="0"/>
-              </a:rPr>
-              <a:t>Freedom</a:t>
-            </a:r>
-          </a:p>
-          <a:p>
-            <a:pPr marL="285750" indent="-285750">
-              <a:buFontTx/>
-              <a:buChar char="-"/>
-            </a:pPr>
-            <a:r>
-              <a:rPr lang="en-GB" sz="1400" dirty="0">
-                <a:latin typeface="Segoe UI Light" panose="020B0502040204020203" pitchFamily="34" charset="0"/>
-                <a:cs typeface="Segoe UI Light" panose="020B0502040204020203" pitchFamily="34" charset="0"/>
-              </a:rPr>
-              <a:t>Internet Usage Index</a:t>
-            </a:r>
-          </a:p>
-          <a:p>
-            <a:pPr marL="285750" indent="-285750">
-              <a:buFontTx/>
-              <a:buChar char="-"/>
-            </a:pPr>
-            <a:r>
-              <a:rPr lang="en-GB" sz="1400" dirty="0">
-                <a:latin typeface="Segoe UI Light" panose="020B0502040204020203" pitchFamily="34" charset="0"/>
-                <a:cs typeface="Segoe UI Light" panose="020B0502040204020203" pitchFamily="34" charset="0"/>
-              </a:rPr>
-              <a:t>Health Life Expectancy</a:t>
-            </a:r>
-          </a:p>
-          <a:p>
-            <a:pPr marL="285750" indent="-285750">
-              <a:buFontTx/>
-              <a:buChar char="-"/>
-            </a:pPr>
-            <a:endParaRPr lang="en-GB" sz="1400" dirty="0">
-              <a:latin typeface="Segoe UI Light" panose="020B0502040204020203" pitchFamily="34" charset="0"/>
-              <a:cs typeface="Segoe UI Light" panose="020B0502040204020203" pitchFamily="34" charset="0"/>
-            </a:endParaRPr>
-          </a:p>
-          <a:p>
-            <a:pPr marL="285750" indent="-285750">
-              <a:buFontTx/>
-              <a:buChar char="-"/>
-            </a:pPr>
-            <a:endParaRPr lang="en-GB" sz="1400" dirty="0">
-              <a:latin typeface="Segoe UI Light" panose="020B0502040204020203" pitchFamily="34" charset="0"/>
-              <a:cs typeface="Segoe UI Light" panose="020B0502040204020203" pitchFamily="34" charset="0"/>
-            </a:endParaRPr>
-          </a:p>
-          <a:p>
-            <a:r>
-              <a:rPr lang="en-GB" sz="1400" dirty="0">
-                <a:latin typeface="Segoe UI Light" panose="020B0502040204020203" pitchFamily="34" charset="0"/>
-                <a:cs typeface="Segoe UI Light" panose="020B0502040204020203" pitchFamily="34" charset="0"/>
-              </a:rPr>
-              <a:t>Variables explain low, mid, high with </a:t>
-            </a:r>
-            <a:r>
-              <a:rPr lang="en-GB" sz="1400" dirty="0" err="1">
-                <a:latin typeface="Segoe UI Light" panose="020B0502040204020203" pitchFamily="34" charset="0"/>
-                <a:cs typeface="Segoe UI Light" panose="020B0502040204020203" pitchFamily="34" charset="0"/>
-              </a:rPr>
-              <a:t>corrmatrix</a:t>
-            </a:r>
-            <a:r>
-              <a:rPr lang="en-GB" sz="1400" dirty="0">
-                <a:latin typeface="Segoe UI Light" panose="020B0502040204020203" pitchFamily="34" charset="0"/>
-                <a:cs typeface="Segoe UI Light" panose="020B0502040204020203" pitchFamily="34" charset="0"/>
-              </a:rPr>
-              <a:t> as </a:t>
-            </a:r>
-            <a:r>
-              <a:rPr lang="en-GB" sz="1400" dirty="0" err="1">
-                <a:latin typeface="Segoe UI Light" panose="020B0502040204020203" pitchFamily="34" charset="0"/>
-                <a:cs typeface="Segoe UI Light" panose="020B0502040204020203" pitchFamily="34" charset="0"/>
-              </a:rPr>
-              <a:t>interpretion</a:t>
-            </a:r>
-            <a:endParaRPr lang="en-GB" sz="1400" dirty="0">
-              <a:latin typeface="Segoe UI Light" panose="020B0502040204020203" pitchFamily="34" charset="0"/>
-              <a:cs typeface="Segoe UI Light" panose="020B0502040204020203" pitchFamily="34" charset="0"/>
-            </a:endParaRPr>
-          </a:p>
-          <a:p>
-            <a:r>
-              <a:rPr lang="en-GB" sz="1400" dirty="0">
-                <a:latin typeface="Segoe UI Light" panose="020B0502040204020203" pitchFamily="34" charset="0"/>
-                <a:cs typeface="Segoe UI Light" panose="020B0502040204020203" pitchFamily="34" charset="0"/>
-              </a:rPr>
-              <a:t>Interpret </a:t>
-            </a:r>
-            <a:r>
-              <a:rPr lang="en-GB" sz="1400" dirty="0" err="1">
-                <a:latin typeface="Segoe UI Light" panose="020B0502040204020203" pitchFamily="34" charset="0"/>
-                <a:cs typeface="Segoe UI Light" panose="020B0502040204020203" pitchFamily="34" charset="0"/>
-              </a:rPr>
-              <a:t>corr</a:t>
-            </a:r>
-            <a:r>
-              <a:rPr lang="en-GB" sz="1400" dirty="0">
-                <a:latin typeface="Segoe UI Light" panose="020B0502040204020203" pitchFamily="34" charset="0"/>
-                <a:cs typeface="Segoe UI Light" panose="020B0502040204020203" pitchFamily="34" charset="0"/>
-              </a:rPr>
-              <a:t> matrix</a:t>
-            </a:r>
-          </a:p>
-        </p:txBody>
-      </p:sp>
-      <p:pic>
-        <p:nvPicPr>
-          <p:cNvPr id="57" name="Grafik 56">
-            <a:extLst>
-              <a:ext uri="{FF2B5EF4-FFF2-40B4-BE49-F238E27FC236}">
-                <a16:creationId xmlns:a16="http://schemas.microsoft.com/office/drawing/2014/main" id="{40CB14E3-7617-4268-A302-C88AFD35C55A}"/>
-              </a:ext>
-            </a:extLst>
-          </p:cNvPr>
-          <p:cNvPicPr>
-            <a:picLocks noChangeAspect="1"/>
-          </p:cNvPicPr>
-          <p:nvPr/>
-        </p:nvPicPr>
-        <p:blipFill>
-          <a:blip r:embed="rId21">
-            <a:extLst>
-              <a:ext uri="{28A0092B-C50C-407E-A947-70E740481C1C}">
-                <a14:useLocalDpi xmlns:a14="http://schemas.microsoft.com/office/drawing/2010/main" val="0"/>
-              </a:ext>
-            </a:extLst>
-          </a:blip>
-          <a:stretch>
-            <a:fillRect/>
-          </a:stretch>
-        </p:blipFill>
-        <p:spPr>
-          <a:xfrm>
-            <a:off x="28020274" y="19277736"/>
-            <a:ext cx="1087302" cy="1087302"/>
-          </a:xfrm>
-          <a:prstGeom prst="rect">
-            <a:avLst/>
-          </a:prstGeom>
-        </p:spPr>
-      </p:pic>
-      <p:sp>
-        <p:nvSpPr>
-          <p:cNvPr id="88" name="Textfeld 87">
-            <a:extLst>
-              <a:ext uri="{FF2B5EF4-FFF2-40B4-BE49-F238E27FC236}">
-                <a16:creationId xmlns:a16="http://schemas.microsoft.com/office/drawing/2014/main" id="{4A738AE2-9073-40EB-A42B-84727F69259C}"/>
-              </a:ext>
-            </a:extLst>
-          </p:cNvPr>
-          <p:cNvSpPr txBox="1"/>
-          <p:nvPr/>
-        </p:nvSpPr>
-        <p:spPr>
-          <a:xfrm>
-            <a:off x="16386463" y="12553555"/>
-            <a:ext cx="4469599" cy="584775"/>
-          </a:xfrm>
-          <a:prstGeom prst="rect">
-            <a:avLst/>
-          </a:prstGeom>
-          <a:noFill/>
-        </p:spPr>
-        <p:txBody>
-          <a:bodyPr wrap="square" rtlCol="0">
-            <a:spAutoFit/>
-          </a:bodyPr>
-          <a:lstStyle/>
-          <a:p>
-            <a:r>
-              <a:rPr lang="en-GB" sz="1600" b="1" dirty="0">
-                <a:latin typeface="Segoe UI Light" panose="020B0502040204020203" pitchFamily="34" charset="0"/>
-                <a:cs typeface="Segoe UI Light" panose="020B0502040204020203" pitchFamily="34" charset="0"/>
-              </a:rPr>
-              <a:t>Principal Components</a:t>
-            </a:r>
-          </a:p>
-          <a:p>
-            <a:r>
-              <a:rPr lang="en-GB" sz="1600" dirty="0">
-                <a:latin typeface="Segoe UI Light" panose="020B0502040204020203" pitchFamily="34" charset="0"/>
-                <a:cs typeface="Segoe UI Light" panose="020B0502040204020203" pitchFamily="34" charset="0"/>
-              </a:rPr>
-              <a:t>Simple Linear Regression</a:t>
-            </a:r>
-          </a:p>
-        </p:txBody>
-      </p:sp>
-      <p:sp>
-        <p:nvSpPr>
-          <p:cNvPr id="95" name="Textfeld 94">
-            <a:extLst>
-              <a:ext uri="{FF2B5EF4-FFF2-40B4-BE49-F238E27FC236}">
-                <a16:creationId xmlns:a16="http://schemas.microsoft.com/office/drawing/2014/main" id="{D3BCF549-CC0C-445D-ABD8-B69B09AF603F}"/>
-              </a:ext>
-            </a:extLst>
-          </p:cNvPr>
-          <p:cNvSpPr txBox="1"/>
-          <p:nvPr/>
-        </p:nvSpPr>
-        <p:spPr>
-          <a:xfrm>
-            <a:off x="23644857" y="13153336"/>
-            <a:ext cx="3364784" cy="2123658"/>
-          </a:xfrm>
-          <a:prstGeom prst="rect">
-            <a:avLst/>
-          </a:prstGeom>
-          <a:noFill/>
-        </p:spPr>
-        <p:txBody>
-          <a:bodyPr wrap="square" rtlCol="0">
-            <a:spAutoFit/>
-          </a:bodyPr>
-          <a:lstStyle/>
-          <a:p>
-            <a:r>
-              <a:rPr lang="en-GB" sz="1600" dirty="0">
-                <a:latin typeface="Segoe UI Light" panose="020B0502040204020203" pitchFamily="34" charset="0"/>
-                <a:cs typeface="Segoe UI Light" panose="020B0502040204020203" pitchFamily="34" charset="0"/>
-              </a:rPr>
-              <a:t>But what is “happiness”?</a:t>
-            </a:r>
-          </a:p>
-          <a:p>
-            <a:pPr marL="285750" indent="-285750">
-              <a:buFontTx/>
-              <a:buChar char="-"/>
-            </a:pPr>
-            <a:endParaRPr lang="en-GB" sz="1400" dirty="0">
-              <a:latin typeface="Segoe UI Light" panose="020B0502040204020203" pitchFamily="34" charset="0"/>
-              <a:cs typeface="Segoe UI Light" panose="020B0502040204020203" pitchFamily="34" charset="0"/>
-            </a:endParaRPr>
-          </a:p>
-          <a:p>
-            <a:pPr marL="285750" indent="-285750">
-              <a:buFontTx/>
-              <a:buChar char="-"/>
-            </a:pPr>
-            <a:r>
-              <a:rPr lang="en-GB" sz="1400" dirty="0">
-                <a:latin typeface="Segoe UI Light" panose="020B0502040204020203" pitchFamily="34" charset="0"/>
-                <a:cs typeface="Segoe UI Light" panose="020B0502040204020203" pitchFamily="34" charset="0"/>
-              </a:rPr>
-              <a:t>Explain outcome variables quickly</a:t>
-            </a:r>
-          </a:p>
-          <a:p>
-            <a:pPr marL="285750" indent="-285750">
-              <a:buFontTx/>
-              <a:buChar char="-"/>
-            </a:pPr>
-            <a:r>
-              <a:rPr lang="en-GB" sz="1400" dirty="0">
-                <a:latin typeface="Segoe UI Light" panose="020B0502040204020203" pitchFamily="34" charset="0"/>
-                <a:cs typeface="Segoe UI Light" panose="020B0502040204020203" pitchFamily="34" charset="0"/>
-              </a:rPr>
-              <a:t>Interpretation of happiness (UN Data doesn’t match with term happiness in the world) -&gt; cant measure happiness</a:t>
-            </a:r>
-          </a:p>
-          <a:p>
-            <a:pPr marL="285750" indent="-285750">
-              <a:buFontTx/>
-              <a:buChar char="-"/>
-            </a:pPr>
-            <a:endParaRPr lang="en-GB" sz="1400" dirty="0">
-              <a:latin typeface="Segoe UI Light" panose="020B0502040204020203" pitchFamily="34" charset="0"/>
-              <a:cs typeface="Segoe UI Light" panose="020B0502040204020203" pitchFamily="34" charset="0"/>
-            </a:endParaRPr>
-          </a:p>
-          <a:p>
-            <a:pPr marL="285750" indent="-285750">
-              <a:buFontTx/>
-              <a:buChar char="-"/>
-            </a:pPr>
-            <a:endParaRPr lang="en-GB" sz="1400" dirty="0">
-              <a:latin typeface="Segoe UI Light" panose="020B0502040204020203" pitchFamily="34" charset="0"/>
-              <a:cs typeface="Segoe UI Light" panose="020B0502040204020203" pitchFamily="34" charset="0"/>
-            </a:endParaRPr>
-          </a:p>
-          <a:p>
-            <a:endParaRPr lang="en-GB" b="1" dirty="0">
-              <a:latin typeface="Segoe UI Light" panose="020B0502040204020203" pitchFamily="34" charset="0"/>
-              <a:cs typeface="Segoe UI Light" panose="020B0502040204020203" pitchFamily="34" charset="0"/>
-            </a:endParaRPr>
-          </a:p>
-        </p:txBody>
-      </p:sp>
       <p:grpSp>
         <p:nvGrpSpPr>
           <p:cNvPr id="75" name="Gruppieren 74">
@@ -5880,8 +3457,8 @@
         </p:nvGrpSpPr>
         <p:grpSpPr>
           <a:xfrm>
-            <a:off x="15449208" y="3556000"/>
-            <a:ext cx="3268903" cy="1984346"/>
+            <a:off x="15449208" y="3180642"/>
+            <a:ext cx="4228430" cy="2400648"/>
             <a:chOff x="16150830" y="3456940"/>
             <a:chExt cx="3268903" cy="1984346"/>
           </a:xfrm>
@@ -5901,7 +3478,7 @@
             <p:nvPr/>
           </p:nvPicPr>
           <p:blipFill rotWithShape="1">
-            <a:blip r:embed="rId22">
+            <a:blip r:embed="rId4">
               <a:extLst>
                 <a:ext uri="{28A0092B-C50C-407E-A947-70E740481C1C}">
                   <a14:useLocalDpi xmlns:a14="http://schemas.microsoft.com/office/drawing/2010/main" val="0"/>
@@ -5935,7 +3512,7 @@
           </p:nvSpPr>
           <p:spPr>
             <a:xfrm rot="16200000">
-              <a:off x="15759770" y="4246813"/>
+              <a:off x="15791423" y="4438592"/>
               <a:ext cx="1600438" cy="253916"/>
             </a:xfrm>
             <a:prstGeom prst="rect">
@@ -5985,7 +3562,7 @@
           </p:nvSpPr>
           <p:spPr>
             <a:xfrm rot="16200000">
-              <a:off x="16117539" y="4167889"/>
+              <a:off x="16149192" y="4359669"/>
               <a:ext cx="1480469" cy="230832"/>
             </a:xfrm>
             <a:prstGeom prst="rect">
@@ -6024,7 +3601,7 @@
           </p:nvSpPr>
           <p:spPr>
             <a:xfrm rot="16200000">
-              <a:off x="16483990" y="4092990"/>
+              <a:off x="16515643" y="4284768"/>
               <a:ext cx="1330673" cy="230832"/>
             </a:xfrm>
             <a:prstGeom prst="rect">
@@ -6052,10 +3629,150 @@
       </p:grpSp>
       <p:pic>
         <p:nvPicPr>
-          <p:cNvPr id="9" name="Grafik 8">
+          <p:cNvPr id="144" name="Grafik 143">
             <a:extLst>
               <a:ext uri="{FF2B5EF4-FFF2-40B4-BE49-F238E27FC236}">
-                <a16:creationId xmlns:a16="http://schemas.microsoft.com/office/drawing/2014/main" id="{E81CE317-DF19-468E-B1AC-E56979EE6C98}"/>
+                <a16:creationId xmlns:a16="http://schemas.microsoft.com/office/drawing/2014/main" id="{D9A64C6F-FA9E-41AB-96EE-35C09EB6D752}"/>
+              </a:ext>
+            </a:extLst>
+          </p:cNvPr>
+          <p:cNvPicPr>
+            <a:picLocks noChangeAspect="1"/>
+          </p:cNvPicPr>
+          <p:nvPr/>
+        </p:nvPicPr>
+        <p:blipFill rotWithShape="1">
+          <a:blip r:embed="rId5">
+            <a:extLst>
+              <a:ext uri="{28A0092B-C50C-407E-A947-70E740481C1C}">
+                <a14:useLocalDpi xmlns:a14="http://schemas.microsoft.com/office/drawing/2010/main" val="0"/>
+              </a:ext>
+            </a:extLst>
+          </a:blip>
+          <a:srcRect t="5905"/>
+          <a:stretch/>
+        </p:blipFill>
+        <p:spPr>
+          <a:xfrm>
+            <a:off x="879400" y="13100764"/>
+            <a:ext cx="3824976" cy="2699346"/>
+          </a:xfrm>
+          <a:prstGeom prst="rect">
+            <a:avLst/>
+          </a:prstGeom>
+        </p:spPr>
+      </p:pic>
+      <p:pic>
+        <p:nvPicPr>
+          <p:cNvPr id="58" name="Grafik 57">
+            <a:extLst>
+              <a:ext uri="{FF2B5EF4-FFF2-40B4-BE49-F238E27FC236}">
+                <a16:creationId xmlns:a16="http://schemas.microsoft.com/office/drawing/2014/main" id="{6D58B08E-2BFF-4C43-B8E1-BF88F665AC2B}"/>
+              </a:ext>
+            </a:extLst>
+          </p:cNvPr>
+          <p:cNvPicPr>
+            <a:picLocks noChangeAspect="1"/>
+          </p:cNvPicPr>
+          <p:nvPr/>
+        </p:nvPicPr>
+        <p:blipFill rotWithShape="1">
+          <a:blip r:embed="rId6">
+            <a:extLst>
+              <a:ext uri="{28A0092B-C50C-407E-A947-70E740481C1C}">
+                <a14:useLocalDpi xmlns:a14="http://schemas.microsoft.com/office/drawing/2010/main" val="0"/>
+              </a:ext>
+            </a:extLst>
+          </a:blip>
+          <a:srcRect l="48031" t="4532"/>
+          <a:stretch/>
+        </p:blipFill>
+        <p:spPr>
+          <a:xfrm>
+            <a:off x="21360221" y="2826914"/>
+            <a:ext cx="2506696" cy="4156144"/>
+          </a:xfrm>
+          <a:prstGeom prst="rect">
+            <a:avLst/>
+          </a:prstGeom>
+        </p:spPr>
+      </p:pic>
+      <p:pic>
+        <p:nvPicPr>
+          <p:cNvPr id="19" name="Grafik 18">
+            <a:extLst>
+              <a:ext uri="{FF2B5EF4-FFF2-40B4-BE49-F238E27FC236}">
+                <a16:creationId xmlns:a16="http://schemas.microsoft.com/office/drawing/2014/main" id="{9B53A3A9-D8D5-478C-9297-83FFD95424FD}"/>
+              </a:ext>
+            </a:extLst>
+          </p:cNvPr>
+          <p:cNvPicPr>
+            <a:picLocks noChangeAspect="1"/>
+          </p:cNvPicPr>
+          <p:nvPr/>
+        </p:nvPicPr>
+        <p:blipFill rotWithShape="1">
+          <a:blip r:embed="rId7">
+            <a:extLst>
+              <a:ext uri="{28A0092B-C50C-407E-A947-70E740481C1C}">
+                <a14:useLocalDpi xmlns:a14="http://schemas.microsoft.com/office/drawing/2010/main" val="0"/>
+              </a:ext>
+            </a:extLst>
+          </a:blip>
+          <a:srcRect l="7422" t="4222" r="7458"/>
+          <a:stretch/>
+        </p:blipFill>
+        <p:spPr>
+          <a:xfrm>
+            <a:off x="20358634" y="6974299"/>
+            <a:ext cx="4880379" cy="4078611"/>
+          </a:xfrm>
+          <a:prstGeom prst="rect">
+            <a:avLst/>
+          </a:prstGeom>
+        </p:spPr>
+      </p:pic>
+      <p:pic>
+        <p:nvPicPr>
+          <p:cNvPr id="21" name="Grafik 20">
+            <a:extLst>
+              <a:ext uri="{FF2B5EF4-FFF2-40B4-BE49-F238E27FC236}">
+                <a16:creationId xmlns:a16="http://schemas.microsoft.com/office/drawing/2014/main" id="{E7C66175-C915-47C7-A959-4AA47004429D}"/>
+              </a:ext>
+            </a:extLst>
+          </p:cNvPr>
+          <p:cNvPicPr>
+            <a:picLocks noChangeAspect="1"/>
+          </p:cNvPicPr>
+          <p:nvPr/>
+        </p:nvPicPr>
+        <p:blipFill rotWithShape="1">
+          <a:blip r:embed="rId8">
+            <a:extLst>
+              <a:ext uri="{28A0092B-C50C-407E-A947-70E740481C1C}">
+                <a14:useLocalDpi xmlns:a14="http://schemas.microsoft.com/office/drawing/2010/main" val="0"/>
+              </a:ext>
+            </a:extLst>
+          </a:blip>
+          <a:srcRect l="4063" t="12068" r="6522" b="15836"/>
+          <a:stretch/>
+        </p:blipFill>
+        <p:spPr>
+          <a:xfrm>
+            <a:off x="5736263" y="6367715"/>
+            <a:ext cx="8740546" cy="4697969"/>
+          </a:xfrm>
+          <a:prstGeom prst="rect">
+            <a:avLst/>
+          </a:prstGeom>
+        </p:spPr>
+      </p:pic>
+      <p:pic>
+        <p:nvPicPr>
+          <p:cNvPr id="12" name="Grafik 11">
+            <a:extLst>
+              <a:ext uri="{FF2B5EF4-FFF2-40B4-BE49-F238E27FC236}">
+                <a16:creationId xmlns:a16="http://schemas.microsoft.com/office/drawing/2014/main" id="{D409BF9D-DF5C-4243-A538-5F8A3A4C5AA6}"/>
               </a:ext>
             </a:extLst>
           </p:cNvPr>
@@ -6065,7 +3782,7 @@
           <p:nvPr/>
         </p:nvPicPr>
         <p:blipFill>
-          <a:blip r:embed="rId23">
+          <a:blip r:embed="rId9">
             <a:extLst>
               <a:ext uri="{28A0092B-C50C-407E-A947-70E740481C1C}">
                 <a14:useLocalDpi xmlns:a14="http://schemas.microsoft.com/office/drawing/2010/main" val="0"/>
@@ -6078,8 +3795,8 @@
         </p:blipFill>
         <p:spPr>
           <a:xfrm>
-            <a:off x="1391279" y="6919057"/>
-            <a:ext cx="3268574" cy="2071340"/>
+            <a:off x="1405251" y="8997025"/>
+            <a:ext cx="3266460" cy="2070000"/>
           </a:xfrm>
           <a:prstGeom prst="rect">
             <a:avLst/>
@@ -6088,641 +3805,10 @@
       </p:pic>
       <p:sp>
         <p:nvSpPr>
-          <p:cNvPr id="94" name="Textfeld 93">
+          <p:cNvPr id="31" name="Rechteck: abgerundete Ecken 30">
             <a:extLst>
               <a:ext uri="{FF2B5EF4-FFF2-40B4-BE49-F238E27FC236}">
-                <a16:creationId xmlns:a16="http://schemas.microsoft.com/office/drawing/2014/main" id="{CE4CDDBD-9899-4627-86E4-93F458BF63DC}"/>
-              </a:ext>
-            </a:extLst>
-          </p:cNvPr>
-          <p:cNvSpPr txBox="1"/>
-          <p:nvPr/>
-        </p:nvSpPr>
-        <p:spPr>
-          <a:xfrm>
-            <a:off x="1066527" y="6885384"/>
-            <a:ext cx="3968344" cy="307777"/>
-          </a:xfrm>
-          <a:prstGeom prst="rect">
-            <a:avLst/>
-          </a:prstGeom>
-          <a:noFill/>
-        </p:spPr>
-        <p:txBody>
-          <a:bodyPr wrap="square" rtlCol="0">
-            <a:spAutoFit/>
-          </a:bodyPr>
-          <a:lstStyle/>
-          <a:p>
-            <a:r>
-              <a:rPr lang="en-GB" sz="1400" dirty="0">
-                <a:latin typeface="Segoe UI Light" panose="020B0502040204020203" pitchFamily="34" charset="0"/>
-                <a:cs typeface="Segoe UI Light" panose="020B0502040204020203" pitchFamily="34" charset="0"/>
-              </a:rPr>
-              <a:t>Q-Q Plot – Assessment of multivariate normality</a:t>
-            </a:r>
-          </a:p>
-        </p:txBody>
-      </p:sp>
-      <p:sp>
-        <p:nvSpPr>
-          <p:cNvPr id="96" name="Textfeld 95">
-            <a:extLst>
-              <a:ext uri="{FF2B5EF4-FFF2-40B4-BE49-F238E27FC236}">
-                <a16:creationId xmlns:a16="http://schemas.microsoft.com/office/drawing/2014/main" id="{A46978B6-AC43-474A-88B5-7AD2ED3381F1}"/>
-              </a:ext>
-            </a:extLst>
-          </p:cNvPr>
-          <p:cNvSpPr txBox="1"/>
-          <p:nvPr/>
-        </p:nvSpPr>
-        <p:spPr>
-          <a:xfrm>
-            <a:off x="1090702" y="8970369"/>
-            <a:ext cx="3968344" cy="307777"/>
-          </a:xfrm>
-          <a:prstGeom prst="rect">
-            <a:avLst/>
-          </a:prstGeom>
-          <a:noFill/>
-        </p:spPr>
-        <p:txBody>
-          <a:bodyPr wrap="square" rtlCol="0">
-            <a:spAutoFit/>
-          </a:bodyPr>
-          <a:lstStyle/>
-          <a:p>
-            <a:r>
-              <a:rPr lang="en-GB" sz="1400" dirty="0">
-                <a:latin typeface="Segoe UI Light" panose="020B0502040204020203" pitchFamily="34" charset="0"/>
-                <a:cs typeface="Segoe UI Light" panose="020B0502040204020203" pitchFamily="34" charset="0"/>
-              </a:rPr>
-              <a:t>Q-Q Plot – Normalized data</a:t>
-            </a:r>
-          </a:p>
-        </p:txBody>
-      </p:sp>
-      <p:pic>
-        <p:nvPicPr>
-          <p:cNvPr id="73" name="Grafik 72">
-            <a:extLst>
-              <a:ext uri="{FF2B5EF4-FFF2-40B4-BE49-F238E27FC236}">
-                <a16:creationId xmlns:a16="http://schemas.microsoft.com/office/drawing/2014/main" id="{19898755-75B3-4109-AE19-F95FA5991D2F}"/>
-              </a:ext>
-            </a:extLst>
-          </p:cNvPr>
-          <p:cNvPicPr>
-            <a:picLocks noChangeAspect="1"/>
-          </p:cNvPicPr>
-          <p:nvPr/>
-        </p:nvPicPr>
-        <p:blipFill>
-          <a:blip r:embed="rId16">
-            <a:extLst>
-              <a:ext uri="{28A0092B-C50C-407E-A947-70E740481C1C}">
-                <a14:useLocalDpi xmlns:a14="http://schemas.microsoft.com/office/drawing/2010/main" val="0"/>
-              </a:ext>
-            </a:extLst>
-          </a:blip>
-          <a:stretch>
-            <a:fillRect/>
-          </a:stretch>
-        </p:blipFill>
-        <p:spPr>
-          <a:xfrm>
-            <a:off x="8839262" y="7774029"/>
-            <a:ext cx="252000" cy="252000"/>
-          </a:xfrm>
-          <a:prstGeom prst="rect">
-            <a:avLst/>
-          </a:prstGeom>
-        </p:spPr>
-      </p:pic>
-      <p:pic>
-        <p:nvPicPr>
-          <p:cNvPr id="76" name="Grafik 75">
-            <a:extLst>
-              <a:ext uri="{FF2B5EF4-FFF2-40B4-BE49-F238E27FC236}">
-                <a16:creationId xmlns:a16="http://schemas.microsoft.com/office/drawing/2014/main" id="{6EBA92B0-28E5-4F5B-85D9-82F92119E616}"/>
-              </a:ext>
-            </a:extLst>
-          </p:cNvPr>
-          <p:cNvPicPr>
-            <a:picLocks noChangeAspect="1"/>
-          </p:cNvPicPr>
-          <p:nvPr/>
-        </p:nvPicPr>
-        <p:blipFill>
-          <a:blip r:embed="rId17">
-            <a:extLst>
-              <a:ext uri="{28A0092B-C50C-407E-A947-70E740481C1C}">
-                <a14:useLocalDpi xmlns:a14="http://schemas.microsoft.com/office/drawing/2010/main" val="0"/>
-              </a:ext>
-            </a:extLst>
-          </a:blip>
-          <a:stretch>
-            <a:fillRect/>
-          </a:stretch>
-        </p:blipFill>
-        <p:spPr>
-          <a:xfrm>
-            <a:off x="8190499" y="6983058"/>
-            <a:ext cx="252000" cy="252000"/>
-          </a:xfrm>
-          <a:prstGeom prst="rect">
-            <a:avLst/>
-          </a:prstGeom>
-        </p:spPr>
-      </p:pic>
-      <p:pic>
-        <p:nvPicPr>
-          <p:cNvPr id="79" name="Grafik 78">
-            <a:extLst>
-              <a:ext uri="{FF2B5EF4-FFF2-40B4-BE49-F238E27FC236}">
-                <a16:creationId xmlns:a16="http://schemas.microsoft.com/office/drawing/2014/main" id="{71777D5D-D0CE-4308-AAE7-E90F8B800347}"/>
-              </a:ext>
-            </a:extLst>
-          </p:cNvPr>
-          <p:cNvPicPr>
-            <a:picLocks noChangeAspect="1"/>
-          </p:cNvPicPr>
-          <p:nvPr/>
-        </p:nvPicPr>
-        <p:blipFill>
-          <a:blip r:embed="rId18">
-            <a:extLst>
-              <a:ext uri="{28A0092B-C50C-407E-A947-70E740481C1C}">
-                <a14:useLocalDpi xmlns:a14="http://schemas.microsoft.com/office/drawing/2010/main" val="0"/>
-              </a:ext>
-            </a:extLst>
-          </a:blip>
-          <a:stretch>
-            <a:fillRect/>
-          </a:stretch>
-        </p:blipFill>
-        <p:spPr>
-          <a:xfrm>
-            <a:off x="8869457" y="7425008"/>
-            <a:ext cx="252000" cy="252000"/>
-          </a:xfrm>
-          <a:prstGeom prst="rect">
-            <a:avLst/>
-          </a:prstGeom>
-        </p:spPr>
-      </p:pic>
-      <p:pic>
-        <p:nvPicPr>
-          <p:cNvPr id="82" name="Grafik 81">
-            <a:extLst>
-              <a:ext uri="{FF2B5EF4-FFF2-40B4-BE49-F238E27FC236}">
-                <a16:creationId xmlns:a16="http://schemas.microsoft.com/office/drawing/2014/main" id="{3F016134-33DC-4F0E-BC29-B7CCD22EE634}"/>
-              </a:ext>
-            </a:extLst>
-          </p:cNvPr>
-          <p:cNvPicPr>
-            <a:picLocks noChangeAspect="1"/>
-          </p:cNvPicPr>
-          <p:nvPr/>
-        </p:nvPicPr>
-        <p:blipFill>
-          <a:blip r:embed="rId19">
-            <a:extLst>
-              <a:ext uri="{28A0092B-C50C-407E-A947-70E740481C1C}">
-                <a14:useLocalDpi xmlns:a14="http://schemas.microsoft.com/office/drawing/2010/main" val="0"/>
-              </a:ext>
-            </a:extLst>
-          </a:blip>
-          <a:stretch>
-            <a:fillRect/>
-          </a:stretch>
-        </p:blipFill>
-        <p:spPr>
-          <a:xfrm>
-            <a:off x="8664313" y="8841777"/>
-            <a:ext cx="252000" cy="252000"/>
-          </a:xfrm>
-          <a:prstGeom prst="rect">
-            <a:avLst/>
-          </a:prstGeom>
-        </p:spPr>
-      </p:pic>
-      <p:pic>
-        <p:nvPicPr>
-          <p:cNvPr id="38" name="Grafik 37">
-            <a:extLst>
-              <a:ext uri="{FF2B5EF4-FFF2-40B4-BE49-F238E27FC236}">
-                <a16:creationId xmlns:a16="http://schemas.microsoft.com/office/drawing/2014/main" id="{F9FDDEE7-F8DB-4B82-860E-E9599A61BAA5}"/>
-              </a:ext>
-            </a:extLst>
-          </p:cNvPr>
-          <p:cNvPicPr>
-            <a:picLocks noChangeAspect="1"/>
-          </p:cNvPicPr>
-          <p:nvPr/>
-        </p:nvPicPr>
-        <p:blipFill>
-          <a:blip r:embed="rId24">
-            <a:extLst>
-              <a:ext uri="{28A0092B-C50C-407E-A947-70E740481C1C}">
-                <a14:useLocalDpi xmlns:a14="http://schemas.microsoft.com/office/drawing/2010/main" val="0"/>
-              </a:ext>
-            </a:extLst>
-          </a:blip>
-          <a:stretch>
-            <a:fillRect/>
-          </a:stretch>
-        </p:blipFill>
-        <p:spPr>
-          <a:xfrm>
-            <a:off x="9577141" y="8144975"/>
-            <a:ext cx="252000" cy="252000"/>
-          </a:xfrm>
-          <a:prstGeom prst="rect">
-            <a:avLst/>
-          </a:prstGeom>
-        </p:spPr>
-      </p:pic>
-      <p:pic>
-        <p:nvPicPr>
-          <p:cNvPr id="45" name="Grafik 44">
-            <a:extLst>
-              <a:ext uri="{FF2B5EF4-FFF2-40B4-BE49-F238E27FC236}">
-                <a16:creationId xmlns:a16="http://schemas.microsoft.com/office/drawing/2014/main" id="{90EA813E-FB93-4CB5-94D6-158F93874C4E}"/>
-              </a:ext>
-            </a:extLst>
-          </p:cNvPr>
-          <p:cNvPicPr>
-            <a:picLocks noChangeAspect="1"/>
-          </p:cNvPicPr>
-          <p:nvPr/>
-        </p:nvPicPr>
-        <p:blipFill>
-          <a:blip r:embed="rId25">
-            <a:extLst>
-              <a:ext uri="{28A0092B-C50C-407E-A947-70E740481C1C}">
-                <a14:useLocalDpi xmlns:a14="http://schemas.microsoft.com/office/drawing/2010/main" val="0"/>
-              </a:ext>
-            </a:extLst>
-          </a:blip>
-          <a:stretch>
-            <a:fillRect/>
-          </a:stretch>
-        </p:blipFill>
-        <p:spPr>
-          <a:xfrm>
-            <a:off x="8705642" y="8914199"/>
-            <a:ext cx="252000" cy="252000"/>
-          </a:xfrm>
-          <a:prstGeom prst="rect">
-            <a:avLst/>
-          </a:prstGeom>
-        </p:spPr>
-      </p:pic>
-      <p:pic>
-        <p:nvPicPr>
-          <p:cNvPr id="106" name="Grafik 105">
-            <a:extLst>
-              <a:ext uri="{FF2B5EF4-FFF2-40B4-BE49-F238E27FC236}">
-                <a16:creationId xmlns:a16="http://schemas.microsoft.com/office/drawing/2014/main" id="{CFC619DF-3390-42A3-BAD1-E9AEA3ACCC49}"/>
-              </a:ext>
-            </a:extLst>
-          </p:cNvPr>
-          <p:cNvPicPr>
-            <a:picLocks noChangeAspect="1"/>
-          </p:cNvPicPr>
-          <p:nvPr/>
-        </p:nvPicPr>
-        <p:blipFill>
-          <a:blip r:embed="rId24">
-            <a:extLst>
-              <a:ext uri="{28A0092B-C50C-407E-A947-70E740481C1C}">
-                <a14:useLocalDpi xmlns:a14="http://schemas.microsoft.com/office/drawing/2010/main" val="0"/>
-              </a:ext>
-            </a:extLst>
-          </a:blip>
-          <a:stretch>
-            <a:fillRect/>
-          </a:stretch>
-        </p:blipFill>
-        <p:spPr>
-          <a:xfrm>
-            <a:off x="5720364" y="5868684"/>
-            <a:ext cx="162000" cy="162000"/>
-          </a:xfrm>
-          <a:prstGeom prst="rect">
-            <a:avLst/>
-          </a:prstGeom>
-        </p:spPr>
-      </p:pic>
-      <p:pic>
-        <p:nvPicPr>
-          <p:cNvPr id="107" name="Grafik 106">
-            <a:extLst>
-              <a:ext uri="{FF2B5EF4-FFF2-40B4-BE49-F238E27FC236}">
-                <a16:creationId xmlns:a16="http://schemas.microsoft.com/office/drawing/2014/main" id="{4BC2ADAD-809D-4408-AD9E-D1DF6F9678D1}"/>
-              </a:ext>
-            </a:extLst>
-          </p:cNvPr>
-          <p:cNvPicPr>
-            <a:picLocks noChangeAspect="1"/>
-          </p:cNvPicPr>
-          <p:nvPr/>
-        </p:nvPicPr>
-        <p:blipFill>
-          <a:blip r:embed="rId25">
-            <a:extLst>
-              <a:ext uri="{28A0092B-C50C-407E-A947-70E740481C1C}">
-                <a14:useLocalDpi xmlns:a14="http://schemas.microsoft.com/office/drawing/2010/main" val="0"/>
-              </a:ext>
-            </a:extLst>
-          </a:blip>
-          <a:stretch>
-            <a:fillRect/>
-          </a:stretch>
-        </p:blipFill>
-        <p:spPr>
-          <a:xfrm>
-            <a:off x="5720364" y="5650608"/>
-            <a:ext cx="162000" cy="162000"/>
-          </a:xfrm>
-          <a:prstGeom prst="rect">
-            <a:avLst/>
-          </a:prstGeom>
-        </p:spPr>
-      </p:pic>
-      <p:sp>
-        <p:nvSpPr>
-          <p:cNvPr id="72" name="Textfeld 71">
-            <a:extLst>
-              <a:ext uri="{FF2B5EF4-FFF2-40B4-BE49-F238E27FC236}">
-                <a16:creationId xmlns:a16="http://schemas.microsoft.com/office/drawing/2014/main" id="{D5EF76CC-33D3-48A7-8C05-59C9B393CD5D}"/>
-              </a:ext>
-            </a:extLst>
-          </p:cNvPr>
-          <p:cNvSpPr txBox="1"/>
-          <p:nvPr/>
-        </p:nvSpPr>
-        <p:spPr>
-          <a:xfrm>
-            <a:off x="19843665" y="2954032"/>
-            <a:ext cx="1530377" cy="3334246"/>
-          </a:xfrm>
-          <a:prstGeom prst="rect">
-            <a:avLst/>
-          </a:prstGeom>
-          <a:noFill/>
-        </p:spPr>
-        <p:txBody>
-          <a:bodyPr wrap="square" rtlCol="0">
-            <a:spAutoFit/>
-          </a:bodyPr>
-          <a:lstStyle/>
-          <a:p>
-            <a:pPr algn="r">
-              <a:spcBef>
-                <a:spcPts val="500"/>
-              </a:spcBef>
-            </a:pPr>
-            <a:r>
-              <a:rPr lang="en-GB" sz="800" dirty="0">
-                <a:latin typeface="Segoe UI Light" panose="020B0502040204020203" pitchFamily="34" charset="0"/>
-                <a:cs typeface="Segoe UI Light" panose="020B0502040204020203" pitchFamily="34" charset="0"/>
-              </a:rPr>
-              <a:t>Urban Population</a:t>
-            </a:r>
-          </a:p>
-          <a:p>
-            <a:pPr algn="r">
-              <a:spcBef>
-                <a:spcPts val="500"/>
-              </a:spcBef>
-            </a:pPr>
-            <a:r>
-              <a:rPr lang="en-GB" sz="800" dirty="0">
-                <a:latin typeface="Segoe UI Light" panose="020B0502040204020203" pitchFamily="34" charset="0"/>
-                <a:cs typeface="Segoe UI Light" panose="020B0502040204020203" pitchFamily="34" charset="0"/>
-              </a:rPr>
-              <a:t>Automotive Mortality</a:t>
-            </a:r>
-          </a:p>
-          <a:p>
-            <a:pPr algn="r">
-              <a:spcBef>
-                <a:spcPts val="500"/>
-              </a:spcBef>
-            </a:pPr>
-            <a:r>
-              <a:rPr lang="en-GB" sz="800" dirty="0">
-                <a:latin typeface="Segoe UI Light" panose="020B0502040204020203" pitchFamily="34" charset="0"/>
-                <a:cs typeface="Segoe UI Light" panose="020B0502040204020203" pitchFamily="34" charset="0"/>
-              </a:rPr>
-              <a:t>Infant Immunization Measles</a:t>
-            </a:r>
-          </a:p>
-          <a:p>
-            <a:pPr algn="r">
-              <a:spcBef>
-                <a:spcPts val="500"/>
-              </a:spcBef>
-            </a:pPr>
-            <a:r>
-              <a:rPr lang="en-GB" sz="800" dirty="0">
-                <a:latin typeface="Segoe UI Light" panose="020B0502040204020203" pitchFamily="34" charset="0"/>
-                <a:cs typeface="Segoe UI Light" panose="020B0502040204020203" pitchFamily="34" charset="0"/>
-              </a:rPr>
-              <a:t>Entrepreneurship Cost</a:t>
-            </a:r>
-          </a:p>
-          <a:p>
-            <a:pPr algn="r">
-              <a:spcBef>
-                <a:spcPts val="500"/>
-              </a:spcBef>
-            </a:pPr>
-            <a:r>
-              <a:rPr lang="en-GB" sz="800" dirty="0">
-                <a:latin typeface="Segoe UI Light" panose="020B0502040204020203" pitchFamily="34" charset="0"/>
-                <a:cs typeface="Segoe UI Light" panose="020B0502040204020203" pitchFamily="34" charset="0"/>
-              </a:rPr>
-              <a:t>Electricity Access</a:t>
-            </a:r>
-          </a:p>
-          <a:p>
-            <a:pPr algn="r">
-              <a:spcBef>
-                <a:spcPts val="500"/>
-              </a:spcBef>
-            </a:pPr>
-            <a:r>
-              <a:rPr lang="en-GB" sz="800" dirty="0">
-                <a:latin typeface="Segoe UI Light" panose="020B0502040204020203" pitchFamily="34" charset="0"/>
-                <a:cs typeface="Segoe UI Light" panose="020B0502040204020203" pitchFamily="34" charset="0"/>
-              </a:rPr>
-              <a:t>Obesity</a:t>
-            </a:r>
-          </a:p>
-          <a:p>
-            <a:pPr algn="r">
-              <a:spcBef>
-                <a:spcPts val="500"/>
-              </a:spcBef>
-            </a:pPr>
-            <a:r>
-              <a:rPr lang="en-GB" sz="800" dirty="0">
-                <a:latin typeface="Segoe UI Light" panose="020B0502040204020203" pitchFamily="34" charset="0"/>
-                <a:cs typeface="Segoe UI Light" panose="020B0502040204020203" pitchFamily="34" charset="0"/>
-              </a:rPr>
-              <a:t>Clean Water</a:t>
-            </a:r>
-          </a:p>
-          <a:p>
-            <a:pPr algn="r">
-              <a:spcBef>
-                <a:spcPts val="500"/>
-              </a:spcBef>
-            </a:pPr>
-            <a:r>
-              <a:rPr lang="en-GB" sz="800" dirty="0">
-                <a:latin typeface="Segoe UI Light" panose="020B0502040204020203" pitchFamily="34" charset="0"/>
-                <a:cs typeface="Segoe UI Light" panose="020B0502040204020203" pitchFamily="34" charset="0"/>
-              </a:rPr>
-              <a:t>Birth Rate</a:t>
-            </a:r>
-          </a:p>
-          <a:p>
-            <a:pPr algn="r">
-              <a:spcBef>
-                <a:spcPts val="500"/>
-              </a:spcBef>
-            </a:pPr>
-            <a:r>
-              <a:rPr lang="en-GB" sz="800" dirty="0">
-                <a:latin typeface="Segoe UI Light" panose="020B0502040204020203" pitchFamily="34" charset="0"/>
-                <a:cs typeface="Segoe UI Light" panose="020B0502040204020203" pitchFamily="34" charset="0"/>
-              </a:rPr>
-              <a:t>Child Mortality</a:t>
-            </a:r>
-          </a:p>
-          <a:p>
-            <a:pPr algn="r">
-              <a:spcBef>
-                <a:spcPts val="500"/>
-              </a:spcBef>
-            </a:pPr>
-            <a:r>
-              <a:rPr lang="en-GB" sz="800" dirty="0">
-                <a:latin typeface="Segoe UI Light" panose="020B0502040204020203" pitchFamily="34" charset="0"/>
-                <a:cs typeface="Segoe UI Light" panose="020B0502040204020203" pitchFamily="34" charset="0"/>
-              </a:rPr>
-              <a:t>Cellular Subscriber</a:t>
-            </a:r>
-          </a:p>
-          <a:p>
-            <a:pPr algn="r">
-              <a:spcBef>
-                <a:spcPts val="500"/>
-              </a:spcBef>
-            </a:pPr>
-            <a:r>
-              <a:rPr lang="en-GB" sz="800" dirty="0">
-                <a:latin typeface="Segoe UI Light" panose="020B0502040204020203" pitchFamily="34" charset="0"/>
-                <a:cs typeface="Segoe UI Light" panose="020B0502040204020203" pitchFamily="34" charset="0"/>
-              </a:rPr>
-              <a:t>Internet Usage</a:t>
-            </a:r>
-          </a:p>
-          <a:p>
-            <a:pPr algn="r">
-              <a:spcBef>
-                <a:spcPts val="500"/>
-              </a:spcBef>
-            </a:pPr>
-            <a:r>
-              <a:rPr lang="en-GB" sz="800" dirty="0">
-                <a:latin typeface="Segoe UI Light" panose="020B0502040204020203" pitchFamily="34" charset="0"/>
-                <a:cs typeface="Segoe UI Light" panose="020B0502040204020203" pitchFamily="34" charset="0"/>
-              </a:rPr>
-              <a:t>Air Pollution</a:t>
-            </a:r>
-          </a:p>
-          <a:p>
-            <a:pPr algn="r">
-              <a:spcBef>
-                <a:spcPts val="500"/>
-              </a:spcBef>
-            </a:pPr>
-            <a:r>
-              <a:rPr lang="en-GB" sz="800" dirty="0">
-                <a:latin typeface="Segoe UI Light" panose="020B0502040204020203" pitchFamily="34" charset="0"/>
-                <a:cs typeface="Segoe UI Light" panose="020B0502040204020203" pitchFamily="34" charset="0"/>
-              </a:rPr>
-              <a:t>Trust Government (Corruption)</a:t>
-            </a:r>
-          </a:p>
-          <a:p>
-            <a:pPr algn="r">
-              <a:spcBef>
-                <a:spcPts val="500"/>
-              </a:spcBef>
-            </a:pPr>
-            <a:r>
-              <a:rPr lang="en-GB" sz="800" dirty="0">
-                <a:latin typeface="Segoe UI Light" panose="020B0502040204020203" pitchFamily="34" charset="0"/>
-                <a:cs typeface="Segoe UI Light" panose="020B0502040204020203" pitchFamily="34" charset="0"/>
-              </a:rPr>
-              <a:t>Freedom</a:t>
-            </a:r>
-          </a:p>
-          <a:p>
-            <a:pPr algn="r">
-              <a:spcBef>
-                <a:spcPts val="500"/>
-              </a:spcBef>
-            </a:pPr>
-            <a:r>
-              <a:rPr lang="en-GB" sz="800" dirty="0">
-                <a:latin typeface="Segoe UI Light" panose="020B0502040204020203" pitchFamily="34" charset="0"/>
-                <a:cs typeface="Segoe UI Light" panose="020B0502040204020203" pitchFamily="34" charset="0"/>
-              </a:rPr>
-              <a:t>Health Life Expectancy</a:t>
-            </a:r>
-          </a:p>
-          <a:p>
-            <a:pPr algn="r">
-              <a:spcBef>
-                <a:spcPts val="500"/>
-              </a:spcBef>
-            </a:pPr>
-            <a:r>
-              <a:rPr lang="en-GB" sz="800" dirty="0">
-                <a:latin typeface="Segoe UI Light" panose="020B0502040204020203" pitchFamily="34" charset="0"/>
-                <a:cs typeface="Segoe UI Light" panose="020B0502040204020203" pitchFamily="34" charset="0"/>
-              </a:rPr>
-              <a:t>Family</a:t>
-            </a:r>
-          </a:p>
-          <a:p>
-            <a:pPr algn="r">
-              <a:spcBef>
-                <a:spcPts val="500"/>
-              </a:spcBef>
-            </a:pPr>
-            <a:r>
-              <a:rPr lang="en-GB" sz="800" dirty="0">
-                <a:latin typeface="Segoe UI Light" panose="020B0502040204020203" pitchFamily="34" charset="0"/>
-                <a:cs typeface="Segoe UI Light" panose="020B0502040204020203" pitchFamily="34" charset="0"/>
-              </a:rPr>
-              <a:t>Economy GDP per Capita</a:t>
-            </a:r>
-          </a:p>
-        </p:txBody>
-      </p:sp>
-      <p:sp>
-        <p:nvSpPr>
-          <p:cNvPr id="102" name="Rechteck 101">
-            <a:extLst>
-              <a:ext uri="{FF2B5EF4-FFF2-40B4-BE49-F238E27FC236}">
-                <a16:creationId xmlns:a16="http://schemas.microsoft.com/office/drawing/2014/main" id="{EE214473-7542-4913-A2A5-C8D5E3345B32}"/>
+                <a16:creationId xmlns:a16="http://schemas.microsoft.com/office/drawing/2014/main" id="{30BB9FBD-13A9-4EF0-AFBF-F30FBC9734F1}"/>
               </a:ext>
             </a:extLst>
           </p:cNvPr>
@@ -6730,17 +3816,16 @@
           <p:nvPr/>
         </p:nvSpPr>
         <p:spPr>
-          <a:xfrm rot="18884007">
-            <a:off x="20437857" y="6358700"/>
-            <a:ext cx="1705790" cy="331585"/>
-          </a:xfrm>
-          <a:prstGeom prst="rect">
-            <a:avLst/>
-          </a:prstGeom>
-          <a:noFill/>
-          <a:ln>
-            <a:noFill/>
-          </a:ln>
+          <a:xfrm>
+            <a:off x="22994650" y="11892106"/>
+            <a:ext cx="6691485" cy="8909617"/>
+          </a:xfrm>
+          <a:prstGeom prst="roundRect">
+            <a:avLst/>
+          </a:prstGeom>
+          <a:solidFill>
+            <a:schemeClr val="bg1"/>
+          </a:solidFill>
         </p:spPr>
         <p:style>
           <a:lnRef idx="2">
@@ -6759,29 +3844,29 @@
           </a:fontRef>
         </p:style>
         <p:txBody>
-          <a:bodyPr rtlCol="0" anchor="ctr"/>
+          <a:bodyPr rot="0" spcFirstLastPara="0" vertOverflow="overflow" horzOverflow="overflow" vert="horz" wrap="square" lIns="91440" tIns="45720" rIns="91440" bIns="45720" numCol="1" spcCol="0" rtlCol="0" fromWordArt="0" anchor="ctr" anchorCtr="0" forceAA="0" compatLnSpc="1">
+            <a:prstTxWarp prst="textNoShape">
+              <a:avLst/>
+            </a:prstTxWarp>
+            <a:noAutofit/>
+          </a:bodyPr>
           <a:lstStyle/>
           <a:p>
             <a:pPr algn="ctr"/>
-            <a:r>
-              <a:rPr lang="en-GB" sz="800" b="1" dirty="0">
-                <a:solidFill>
-                  <a:schemeClr val="tx1"/>
-                </a:solidFill>
-                <a:latin typeface="Segoe UI Light" panose="020B0502040204020203" pitchFamily="34" charset="0"/>
-                <a:cs typeface="Segoe UI Light" panose="020B0502040204020203" pitchFamily="34" charset="0"/>
-              </a:rPr>
-              <a:t>Country Development</a:t>
-            </a:r>
-          </a:p>
-        </p:txBody>
-      </p:sp>
-      <p:sp>
-        <p:nvSpPr>
-          <p:cNvPr id="104" name="Rechteck 103">
+            <a:endParaRPr lang="en-GB" dirty="0">
+              <a:solidFill>
+                <a:schemeClr val="tx1"/>
+              </a:solidFill>
+            </a:endParaRPr>
+          </a:p>
+        </p:txBody>
+      </p:sp>
+      <p:sp>
+        <p:nvSpPr>
+          <p:cNvPr id="49" name="Rechteck: abgerundete Ecken 48">
             <a:extLst>
               <a:ext uri="{FF2B5EF4-FFF2-40B4-BE49-F238E27FC236}">
-                <a16:creationId xmlns:a16="http://schemas.microsoft.com/office/drawing/2014/main" id="{55BBC88D-9C6D-4EC6-A43D-52EE4910216A}"/>
+                <a16:creationId xmlns:a16="http://schemas.microsoft.com/office/drawing/2014/main" id="{83DDDBFF-A8CF-45AA-96B6-E5033E364744}"/>
               </a:ext>
             </a:extLst>
           </p:cNvPr>
@@ -6789,14 +3874,20 @@
           <p:nvPr/>
         </p:nvSpPr>
         <p:spPr>
-          <a:xfrm rot="18884007">
-            <a:off x="20990822" y="6358662"/>
-            <a:ext cx="1705790" cy="331585"/>
-          </a:xfrm>
-          <a:prstGeom prst="rect">
-            <a:avLst/>
-          </a:prstGeom>
-          <a:noFill/>
+          <a:xfrm>
+            <a:off x="23909174" y="2345803"/>
+            <a:ext cx="5380810" cy="4503705"/>
+          </a:xfrm>
+          <a:prstGeom prst="roundRect">
+            <a:avLst>
+              <a:gd name="adj" fmla="val 10593"/>
+            </a:avLst>
+          </a:prstGeom>
+          <a:solidFill>
+            <a:schemeClr val="bg1">
+              <a:lumMod val="95000"/>
+            </a:schemeClr>
+          </a:solidFill>
           <a:ln>
             <a:noFill/>
           </a:ln>
@@ -6823,24 +3914,19 @@
           <a:p>
             <a:pPr algn="ctr"/>
             <a:r>
-              <a:rPr lang="en-GB" sz="800" b="1" dirty="0">
-                <a:solidFill>
-                  <a:schemeClr val="tx1"/>
-                </a:solidFill>
-                <a:latin typeface="Segoe UI Light" panose="020B0502040204020203" pitchFamily="34" charset="0"/>
-                <a:cs typeface="Segoe UI Light" panose="020B0502040204020203" pitchFamily="34" charset="0"/>
-              </a:rPr>
-              <a:t>Freedom &amp; Corruption</a:t>
-            </a:r>
-          </a:p>
-        </p:txBody>
-      </p:sp>
-      <p:sp>
-        <p:nvSpPr>
-          <p:cNvPr id="105" name="Rechteck 104">
+              <a:rPr lang="fr-BE" dirty="0"/>
+              <a:t>0000</a:t>
+            </a:r>
+            <a:endParaRPr lang="en-GB" dirty="0"/>
+          </a:p>
+        </p:txBody>
+      </p:sp>
+      <p:sp>
+        <p:nvSpPr>
+          <p:cNvPr id="3" name="Rechteck: abgerundete Ecken 2">
             <a:extLst>
               <a:ext uri="{FF2B5EF4-FFF2-40B4-BE49-F238E27FC236}">
-                <a16:creationId xmlns:a16="http://schemas.microsoft.com/office/drawing/2014/main" id="{3FA6D8C5-F014-4805-951D-B5F7A4B65C57}"/>
+                <a16:creationId xmlns:a16="http://schemas.microsoft.com/office/drawing/2014/main" id="{9691E72A-ED8D-4C5F-9BC8-8FF7D16C230C}"/>
               </a:ext>
             </a:extLst>
           </p:cNvPr>
@@ -6848,17 +3934,16 @@
           <p:nvPr/>
         </p:nvSpPr>
         <p:spPr>
-          <a:xfrm rot="18884007">
-            <a:off x="21666278" y="6204909"/>
-            <a:ext cx="1705790" cy="331585"/>
-          </a:xfrm>
-          <a:prstGeom prst="rect">
-            <a:avLst/>
-          </a:prstGeom>
-          <a:noFill/>
-          <a:ln>
-            <a:noFill/>
-          </a:ln>
+          <a:xfrm>
+            <a:off x="10664064" y="11892106"/>
+            <a:ext cx="12050114" cy="8909617"/>
+          </a:xfrm>
+          <a:prstGeom prst="roundRect">
+            <a:avLst/>
+          </a:prstGeom>
+          <a:solidFill>
+            <a:schemeClr val="bg1"/>
+          </a:solidFill>
         </p:spPr>
         <p:style>
           <a:lnRef idx="2">
@@ -6877,29 +3962,25 @@
           </a:fontRef>
         </p:style>
         <p:txBody>
-          <a:bodyPr rtlCol="0" anchor="ctr"/>
+          <a:bodyPr rot="0" spcFirstLastPara="0" vertOverflow="overflow" horzOverflow="overflow" vert="horz" wrap="square" lIns="91440" tIns="45720" rIns="91440" bIns="45720" numCol="1" spcCol="0" rtlCol="0" fromWordArt="0" anchor="ctr" anchorCtr="0" forceAA="0" compatLnSpc="1">
+            <a:prstTxWarp prst="textNoShape">
+              <a:avLst/>
+            </a:prstTxWarp>
+            <a:noAutofit/>
+          </a:bodyPr>
           <a:lstStyle/>
           <a:p>
             <a:pPr algn="ctr"/>
-            <a:r>
-              <a:rPr lang="en-GB" sz="800" b="1" dirty="0">
-                <a:solidFill>
-                  <a:schemeClr val="tx1"/>
-                </a:solidFill>
-                <a:latin typeface="Segoe UI Light" panose="020B0502040204020203" pitchFamily="34" charset="0"/>
-                <a:cs typeface="Segoe UI Light" panose="020B0502040204020203" pitchFamily="34" charset="0"/>
-              </a:rPr>
-              <a:t>Air Pollution</a:t>
-            </a:r>
-          </a:p>
-        </p:txBody>
-      </p:sp>
-      <p:sp>
-        <p:nvSpPr>
-          <p:cNvPr id="124" name="Textfeld 123">
+            <a:endParaRPr lang="en-GB"/>
+          </a:p>
+        </p:txBody>
+      </p:sp>
+      <p:sp>
+        <p:nvSpPr>
+          <p:cNvPr id="6" name="Textfeld 5">
             <a:extLst>
               <a:ext uri="{FF2B5EF4-FFF2-40B4-BE49-F238E27FC236}">
-                <a16:creationId xmlns:a16="http://schemas.microsoft.com/office/drawing/2014/main" id="{C393C8C4-076C-42F8-9EC6-0D479387351C}"/>
+                <a16:creationId xmlns:a16="http://schemas.microsoft.com/office/drawing/2014/main" id="{D1C74C90-5FF4-4648-B68E-1C1BAAA2610A}"/>
               </a:ext>
             </a:extLst>
           </p:cNvPr>
@@ -6908,8 +3989,8 @@
         </p:nvSpPr>
         <p:spPr>
           <a:xfrm>
-            <a:off x="15557937" y="3177669"/>
-            <a:ext cx="3159932" cy="307777"/>
+            <a:off x="720436" y="581902"/>
+            <a:ext cx="29011419" cy="830997"/>
           </a:xfrm>
           <a:prstGeom prst="rect">
             <a:avLst/>
@@ -6922,749 +4003,30 @@
           </a:bodyPr>
           <a:lstStyle/>
           <a:p>
-            <a:r>
-              <a:rPr lang="en-GB" sz="1400" dirty="0">
-                <a:latin typeface="Segoe UI Light" panose="020B0502040204020203" pitchFamily="34" charset="0"/>
-                <a:cs typeface="Segoe UI Light" panose="020B0502040204020203" pitchFamily="34" charset="0"/>
-              </a:rPr>
-              <a:t>PCA Scree Plot</a:t>
-            </a:r>
-            <a:endParaRPr lang="en-GB" b="1" dirty="0">
-              <a:latin typeface="Segoe UI Light" panose="020B0502040204020203" pitchFamily="34" charset="0"/>
-              <a:cs typeface="Segoe UI Light" panose="020B0502040204020203" pitchFamily="34" charset="0"/>
-            </a:endParaRPr>
-          </a:p>
-        </p:txBody>
-      </p:sp>
-      <p:sp>
-        <p:nvSpPr>
-          <p:cNvPr id="125" name="Textfeld 124">
+            <a:pPr algn="ctr"/>
+            <a:r>
+              <a:rPr lang="en-GB" sz="4800" b="1" dirty="0">
+                <a:latin typeface="Segoe UI Light" panose="020B0502040204020203" pitchFamily="34" charset="0"/>
+                <a:cs typeface="Segoe UI Light" panose="020B0502040204020203" pitchFamily="34" charset="0"/>
+              </a:rPr>
+              <a:t>World Happiness </a:t>
+            </a:r>
+            <a:r>
+              <a:rPr lang="en-GB" sz="4800" dirty="0">
+                <a:latin typeface="Segoe UI Light" panose="020B0502040204020203" pitchFamily="34" charset="0"/>
+                <a:cs typeface="Segoe UI Light" panose="020B0502040204020203" pitchFamily="34" charset="0"/>
+              </a:rPr>
+              <a:t>– How happy was your country in 2015?</a:t>
+            </a:r>
+          </a:p>
+        </p:txBody>
+      </p:sp>
+      <p:sp>
+        <p:nvSpPr>
+          <p:cNvPr id="17" name="Rechteck: abgerundete Ecken 16">
             <a:extLst>
               <a:ext uri="{FF2B5EF4-FFF2-40B4-BE49-F238E27FC236}">
-                <a16:creationId xmlns:a16="http://schemas.microsoft.com/office/drawing/2014/main" id="{0B02C4DB-84B4-430E-89D6-521A4D506778}"/>
-              </a:ext>
-            </a:extLst>
-          </p:cNvPr>
-          <p:cNvSpPr txBox="1"/>
-          <p:nvPr/>
-        </p:nvSpPr>
-        <p:spPr>
-          <a:xfrm>
-            <a:off x="20155822" y="2653794"/>
-            <a:ext cx="1525961" cy="307777"/>
-          </a:xfrm>
-          <a:prstGeom prst="rect">
-            <a:avLst/>
-          </a:prstGeom>
-          <a:noFill/>
-        </p:spPr>
-        <p:txBody>
-          <a:bodyPr wrap="square" rtlCol="0">
-            <a:spAutoFit/>
-          </a:bodyPr>
-          <a:lstStyle/>
-          <a:p>
-            <a:r>
-              <a:rPr lang="en-GB" sz="1400" dirty="0">
-                <a:latin typeface="Segoe UI Light" panose="020B0502040204020203" pitchFamily="34" charset="0"/>
-                <a:cs typeface="Segoe UI Light" panose="020B0502040204020203" pitchFamily="34" charset="0"/>
-              </a:rPr>
-              <a:t>PCA Loadings</a:t>
-            </a:r>
-            <a:endParaRPr lang="en-GB" b="1" dirty="0">
-              <a:latin typeface="Segoe UI Light" panose="020B0502040204020203" pitchFamily="34" charset="0"/>
-              <a:cs typeface="Segoe UI Light" panose="020B0502040204020203" pitchFamily="34" charset="0"/>
-            </a:endParaRPr>
-          </a:p>
-        </p:txBody>
-      </p:sp>
-      <p:pic>
-        <p:nvPicPr>
-          <p:cNvPr id="129" name="Grafik 128">
-            <a:extLst>
-              <a:ext uri="{FF2B5EF4-FFF2-40B4-BE49-F238E27FC236}">
-                <a16:creationId xmlns:a16="http://schemas.microsoft.com/office/drawing/2014/main" id="{73836794-D855-4E68-8E7C-F0571193AB2F}"/>
-              </a:ext>
-            </a:extLst>
-          </p:cNvPr>
-          <p:cNvPicPr>
-            <a:picLocks noChangeAspect="1"/>
-          </p:cNvPicPr>
-          <p:nvPr/>
-        </p:nvPicPr>
-        <p:blipFill>
-          <a:blip r:embed="rId26">
-            <a:extLst>
-              <a:ext uri="{28A0092B-C50C-407E-A947-70E740481C1C}">
-                <a14:useLocalDpi xmlns:a14="http://schemas.microsoft.com/office/drawing/2010/main" val="0"/>
-              </a:ext>
-            </a:extLst>
-          </a:blip>
-          <a:stretch>
-            <a:fillRect/>
-          </a:stretch>
-        </p:blipFill>
-        <p:spPr>
-          <a:xfrm>
-            <a:off x="23784858" y="3114688"/>
-            <a:ext cx="1688059" cy="2700894"/>
-          </a:xfrm>
-          <a:prstGeom prst="rect">
-            <a:avLst/>
-          </a:prstGeom>
-        </p:spPr>
-      </p:pic>
-      <p:sp>
-        <p:nvSpPr>
-          <p:cNvPr id="130" name="Textfeld 129">
-            <a:extLst>
-              <a:ext uri="{FF2B5EF4-FFF2-40B4-BE49-F238E27FC236}">
-                <a16:creationId xmlns:a16="http://schemas.microsoft.com/office/drawing/2014/main" id="{FE88A252-AE06-467F-BD9C-2E7D09AEFE88}"/>
-              </a:ext>
-            </a:extLst>
-          </p:cNvPr>
-          <p:cNvSpPr txBox="1"/>
-          <p:nvPr/>
-        </p:nvSpPr>
-        <p:spPr>
-          <a:xfrm>
-            <a:off x="23691541" y="2824270"/>
-            <a:ext cx="1421740" cy="307777"/>
-          </a:xfrm>
-          <a:prstGeom prst="rect">
-            <a:avLst/>
-          </a:prstGeom>
-          <a:noFill/>
-        </p:spPr>
-        <p:txBody>
-          <a:bodyPr wrap="square" rtlCol="0">
-            <a:spAutoFit/>
-          </a:bodyPr>
-          <a:lstStyle/>
-          <a:p>
-            <a:pPr algn="just"/>
-            <a:r>
-              <a:rPr lang="en-GB" sz="1400" dirty="0">
-                <a:latin typeface="Segoe UI Light" panose="020B0502040204020203" pitchFamily="34" charset="0"/>
-                <a:cs typeface="Segoe UI Light" panose="020B0502040204020203" pitchFamily="34" charset="0"/>
-              </a:rPr>
-              <a:t>FA Scree Plot</a:t>
-            </a:r>
-            <a:endParaRPr lang="en-GB" b="1" dirty="0">
-              <a:latin typeface="Segoe UI Light" panose="020B0502040204020203" pitchFamily="34" charset="0"/>
-              <a:cs typeface="Segoe UI Light" panose="020B0502040204020203" pitchFamily="34" charset="0"/>
-            </a:endParaRPr>
-          </a:p>
-        </p:txBody>
-      </p:sp>
-      <p:sp>
-        <p:nvSpPr>
-          <p:cNvPr id="131" name="Textfeld 130">
-            <a:extLst>
-              <a:ext uri="{FF2B5EF4-FFF2-40B4-BE49-F238E27FC236}">
-                <a16:creationId xmlns:a16="http://schemas.microsoft.com/office/drawing/2014/main" id="{904AB503-0041-4415-8C23-D95E73B3B08C}"/>
-              </a:ext>
-            </a:extLst>
-          </p:cNvPr>
-          <p:cNvSpPr txBox="1"/>
-          <p:nvPr/>
-        </p:nvSpPr>
-        <p:spPr>
-          <a:xfrm rot="16200000">
-            <a:off x="23153885" y="4278352"/>
-            <a:ext cx="2160327" cy="253916"/>
-          </a:xfrm>
-          <a:prstGeom prst="rect">
-            <a:avLst/>
-          </a:prstGeom>
-          <a:noFill/>
-        </p:spPr>
-        <p:txBody>
-          <a:bodyPr wrap="square" rtlCol="0">
-            <a:spAutoFit/>
-          </a:bodyPr>
-          <a:lstStyle/>
-          <a:p>
-            <a:r>
-              <a:rPr lang="en-GB" sz="900" dirty="0">
-                <a:latin typeface="Segoe UI Light" panose="020B0502040204020203" pitchFamily="34" charset="0"/>
-                <a:cs typeface="Segoe UI Light" panose="020B0502040204020203" pitchFamily="34" charset="0"/>
-              </a:rPr>
-              <a:t>Country</a:t>
-            </a:r>
-            <a:r>
-              <a:rPr lang="en-GB" sz="1050" dirty="0"/>
-              <a:t> </a:t>
-            </a:r>
-            <a:r>
-              <a:rPr lang="en-GB" sz="900" dirty="0">
-                <a:latin typeface="Segoe UI Light" panose="020B0502040204020203" pitchFamily="34" charset="0"/>
-                <a:cs typeface="Segoe UI Light" panose="020B0502040204020203" pitchFamily="34" charset="0"/>
-              </a:rPr>
-              <a:t>Development</a:t>
-            </a:r>
-          </a:p>
-        </p:txBody>
-      </p:sp>
-      <p:sp>
-        <p:nvSpPr>
-          <p:cNvPr id="132" name="Textfeld 131">
-            <a:extLst>
-              <a:ext uri="{FF2B5EF4-FFF2-40B4-BE49-F238E27FC236}">
-                <a16:creationId xmlns:a16="http://schemas.microsoft.com/office/drawing/2014/main" id="{2D15AA6D-7002-4E92-A03C-F2FA7A57CDEB}"/>
-              </a:ext>
-            </a:extLst>
-          </p:cNvPr>
-          <p:cNvSpPr txBox="1"/>
-          <p:nvPr/>
-        </p:nvSpPr>
-        <p:spPr>
-          <a:xfrm rot="16200000">
-            <a:off x="24065657" y="4780230"/>
-            <a:ext cx="1249053" cy="230832"/>
-          </a:xfrm>
-          <a:prstGeom prst="rect">
-            <a:avLst/>
-          </a:prstGeom>
-          <a:noFill/>
-        </p:spPr>
-        <p:txBody>
-          <a:bodyPr wrap="square" rtlCol="0">
-            <a:spAutoFit/>
-          </a:bodyPr>
-          <a:lstStyle/>
-          <a:p>
-            <a:r>
-              <a:rPr lang="en-GB" sz="900" dirty="0">
-                <a:latin typeface="Segoe UI Light" panose="020B0502040204020203" pitchFamily="34" charset="0"/>
-                <a:cs typeface="Segoe UI Light" panose="020B0502040204020203" pitchFamily="34" charset="0"/>
-              </a:rPr>
-              <a:t>Quality of Life</a:t>
-            </a:r>
-          </a:p>
-        </p:txBody>
-      </p:sp>
-      <p:sp>
-        <p:nvSpPr>
-          <p:cNvPr id="133" name="Textfeld 132">
-            <a:extLst>
-              <a:ext uri="{FF2B5EF4-FFF2-40B4-BE49-F238E27FC236}">
-                <a16:creationId xmlns:a16="http://schemas.microsoft.com/office/drawing/2014/main" id="{05CAF5C1-652F-4C19-A180-009E7E1C4B5B}"/>
-              </a:ext>
-            </a:extLst>
-          </p:cNvPr>
-          <p:cNvSpPr txBox="1"/>
-          <p:nvPr/>
-        </p:nvSpPr>
-        <p:spPr>
-          <a:xfrm rot="16200000">
-            <a:off x="24807124" y="5059518"/>
-            <a:ext cx="692143" cy="230834"/>
-          </a:xfrm>
-          <a:prstGeom prst="rect">
-            <a:avLst/>
-          </a:prstGeom>
-          <a:noFill/>
-        </p:spPr>
-        <p:txBody>
-          <a:bodyPr wrap="square" rtlCol="0">
-            <a:spAutoFit/>
-          </a:bodyPr>
-          <a:lstStyle/>
-          <a:p>
-            <a:r>
-              <a:rPr lang="en-GB" sz="900" dirty="0">
-                <a:latin typeface="Segoe UI Light" panose="020B0502040204020203" pitchFamily="34" charset="0"/>
-                <a:cs typeface="Segoe UI Light" panose="020B0502040204020203" pitchFamily="34" charset="0"/>
-              </a:rPr>
-              <a:t>Freedom</a:t>
-            </a:r>
-          </a:p>
-        </p:txBody>
-      </p:sp>
-      <p:pic>
-        <p:nvPicPr>
-          <p:cNvPr id="135" name="Grafik 134">
-            <a:extLst>
-              <a:ext uri="{FF2B5EF4-FFF2-40B4-BE49-F238E27FC236}">
-                <a16:creationId xmlns:a16="http://schemas.microsoft.com/office/drawing/2014/main" id="{7C457359-AD83-4209-BAE2-5BD055181557}"/>
-              </a:ext>
-            </a:extLst>
-          </p:cNvPr>
-          <p:cNvPicPr>
-            <a:picLocks noChangeAspect="1"/>
-          </p:cNvPicPr>
-          <p:nvPr/>
-        </p:nvPicPr>
-        <p:blipFill rotWithShape="1">
-          <a:blip r:embed="rId27">
-            <a:extLst>
-              <a:ext uri="{28A0092B-C50C-407E-A947-70E740481C1C}">
-                <a14:useLocalDpi xmlns:a14="http://schemas.microsoft.com/office/drawing/2010/main" val="0"/>
-              </a:ext>
-            </a:extLst>
-          </a:blip>
-          <a:srcRect l="91134" t="2430" b="94348"/>
-          <a:stretch/>
-        </p:blipFill>
-        <p:spPr>
-          <a:xfrm>
-            <a:off x="13055972" y="9156146"/>
-            <a:ext cx="1064780" cy="257779"/>
-          </a:xfrm>
-          <a:prstGeom prst="rect">
-            <a:avLst/>
-          </a:prstGeom>
-        </p:spPr>
-      </p:pic>
-      <p:sp>
-        <p:nvSpPr>
-          <p:cNvPr id="136" name="Textfeld 135">
-            <a:extLst>
-              <a:ext uri="{FF2B5EF4-FFF2-40B4-BE49-F238E27FC236}">
-                <a16:creationId xmlns:a16="http://schemas.microsoft.com/office/drawing/2014/main" id="{F0A1C01D-0D4D-443E-9D5D-93354FFF4F12}"/>
-              </a:ext>
-            </a:extLst>
-          </p:cNvPr>
-          <p:cNvSpPr txBox="1"/>
-          <p:nvPr/>
-        </p:nvSpPr>
-        <p:spPr>
-          <a:xfrm>
-            <a:off x="13118591" y="9337432"/>
-            <a:ext cx="902209" cy="215444"/>
-          </a:xfrm>
-          <a:prstGeom prst="rect">
-            <a:avLst/>
-          </a:prstGeom>
-          <a:noFill/>
-        </p:spPr>
-        <p:txBody>
-          <a:bodyPr wrap="square" rtlCol="0">
-            <a:spAutoFit/>
-          </a:bodyPr>
-          <a:lstStyle/>
-          <a:p>
-            <a:r>
-              <a:rPr lang="en-GB" sz="800" dirty="0">
-                <a:solidFill>
-                  <a:schemeClr val="tx1">
-                    <a:lumMod val="50000"/>
-                    <a:lumOff val="50000"/>
-                  </a:schemeClr>
-                </a:solidFill>
-                <a:latin typeface="Segoe UI Light" panose="020B0502040204020203" pitchFamily="34" charset="0"/>
-                <a:cs typeface="Segoe UI Light" panose="020B0502040204020203" pitchFamily="34" charset="0"/>
-              </a:rPr>
-              <a:t>Happiness Score</a:t>
-            </a:r>
-            <a:endParaRPr lang="en-GB" sz="800" dirty="0">
-              <a:solidFill>
-                <a:schemeClr val="tx1">
-                  <a:lumMod val="50000"/>
-                  <a:lumOff val="50000"/>
-                </a:schemeClr>
-              </a:solidFill>
-            </a:endParaRPr>
-          </a:p>
-        </p:txBody>
-      </p:sp>
-      <p:pic>
-        <p:nvPicPr>
-          <p:cNvPr id="140" name="Grafik 139">
-            <a:extLst>
-              <a:ext uri="{FF2B5EF4-FFF2-40B4-BE49-F238E27FC236}">
-                <a16:creationId xmlns:a16="http://schemas.microsoft.com/office/drawing/2014/main" id="{3E7248CA-E1D7-4C4B-903B-6A6EEEC373C5}"/>
-              </a:ext>
-            </a:extLst>
-          </p:cNvPr>
-          <p:cNvPicPr>
-            <a:picLocks noChangeAspect="1"/>
-          </p:cNvPicPr>
-          <p:nvPr/>
-        </p:nvPicPr>
-        <p:blipFill rotWithShape="1">
-          <a:blip r:embed="rId28">
-            <a:extLst>
-              <a:ext uri="{28A0092B-C50C-407E-A947-70E740481C1C}">
-                <a14:useLocalDpi xmlns:a14="http://schemas.microsoft.com/office/drawing/2010/main" val="0"/>
-              </a:ext>
-            </a:extLst>
-          </a:blip>
-          <a:srcRect t="4798"/>
-          <a:stretch/>
-        </p:blipFill>
-        <p:spPr>
-          <a:xfrm>
-            <a:off x="4022260" y="15405636"/>
-            <a:ext cx="5213242" cy="3477364"/>
-          </a:xfrm>
-          <a:prstGeom prst="rect">
-            <a:avLst/>
-          </a:prstGeom>
-        </p:spPr>
-      </p:pic>
-      <p:sp>
-        <p:nvSpPr>
-          <p:cNvPr id="141" name="Textfeld 140">
-            <a:extLst>
-              <a:ext uri="{FF2B5EF4-FFF2-40B4-BE49-F238E27FC236}">
-                <a16:creationId xmlns:a16="http://schemas.microsoft.com/office/drawing/2014/main" id="{3DDF8AEB-3236-4953-B89D-CB4D6D95804E}"/>
-              </a:ext>
-            </a:extLst>
-          </p:cNvPr>
-          <p:cNvSpPr txBox="1"/>
-          <p:nvPr/>
-        </p:nvSpPr>
-        <p:spPr>
-          <a:xfrm>
-            <a:off x="963959" y="13018031"/>
-            <a:ext cx="4469599" cy="338554"/>
-          </a:xfrm>
-          <a:prstGeom prst="rect">
-            <a:avLst/>
-          </a:prstGeom>
-          <a:noFill/>
-        </p:spPr>
-        <p:txBody>
-          <a:bodyPr wrap="square" rtlCol="0">
-            <a:spAutoFit/>
-          </a:bodyPr>
-          <a:lstStyle/>
-          <a:p>
-            <a:r>
-              <a:rPr lang="en-GB" sz="1600" b="1" dirty="0">
-                <a:latin typeface="Segoe UI Light" panose="020B0502040204020203" pitchFamily="34" charset="0"/>
-                <a:cs typeface="Segoe UI Light" panose="020B0502040204020203" pitchFamily="34" charset="0"/>
-              </a:rPr>
-              <a:t>Cluster Dendrogram</a:t>
-            </a:r>
-          </a:p>
-        </p:txBody>
-      </p:sp>
-      <p:sp>
-        <p:nvSpPr>
-          <p:cNvPr id="142" name="Textfeld 141">
-            <a:extLst>
-              <a:ext uri="{FF2B5EF4-FFF2-40B4-BE49-F238E27FC236}">
-                <a16:creationId xmlns:a16="http://schemas.microsoft.com/office/drawing/2014/main" id="{1C0DA642-AE1B-4F39-9BBA-485BD41FBD77}"/>
-              </a:ext>
-            </a:extLst>
-          </p:cNvPr>
-          <p:cNvSpPr txBox="1"/>
-          <p:nvPr/>
-        </p:nvSpPr>
-        <p:spPr>
-          <a:xfrm>
-            <a:off x="971859" y="12592498"/>
-            <a:ext cx="4469599" cy="338554"/>
-          </a:xfrm>
-          <a:prstGeom prst="rect">
-            <a:avLst/>
-          </a:prstGeom>
-          <a:noFill/>
-        </p:spPr>
-        <p:txBody>
-          <a:bodyPr wrap="square" rtlCol="0">
-            <a:spAutoFit/>
-          </a:bodyPr>
-          <a:lstStyle/>
-          <a:p>
-            <a:r>
-              <a:rPr lang="en-GB" sz="1600" b="1" dirty="0">
-                <a:latin typeface="Segoe UI Light" panose="020B0502040204020203" pitchFamily="34" charset="0"/>
-                <a:cs typeface="Segoe UI Light" panose="020B0502040204020203" pitchFamily="34" charset="0"/>
-              </a:rPr>
-              <a:t>Hierarchical Clustering on Principal Components</a:t>
-            </a:r>
-          </a:p>
-        </p:txBody>
-      </p:sp>
-      <p:pic>
-        <p:nvPicPr>
-          <p:cNvPr id="144" name="Grafik 143">
-            <a:extLst>
-              <a:ext uri="{FF2B5EF4-FFF2-40B4-BE49-F238E27FC236}">
-                <a16:creationId xmlns:a16="http://schemas.microsoft.com/office/drawing/2014/main" id="{D9A64C6F-FA9E-41AB-96EE-35C09EB6D752}"/>
-              </a:ext>
-            </a:extLst>
-          </p:cNvPr>
-          <p:cNvPicPr>
-            <a:picLocks noChangeAspect="1"/>
-          </p:cNvPicPr>
-          <p:nvPr/>
-        </p:nvPicPr>
-        <p:blipFill rotWithShape="1">
-          <a:blip r:embed="rId29">
-            <a:extLst>
-              <a:ext uri="{28A0092B-C50C-407E-A947-70E740481C1C}">
-                <a14:useLocalDpi xmlns:a14="http://schemas.microsoft.com/office/drawing/2010/main" val="0"/>
-              </a:ext>
-            </a:extLst>
-          </a:blip>
-          <a:srcRect t="5905"/>
-          <a:stretch/>
-        </p:blipFill>
-        <p:spPr>
-          <a:xfrm>
-            <a:off x="1006401" y="13356585"/>
-            <a:ext cx="3068853" cy="2165738"/>
-          </a:xfrm>
-          <a:prstGeom prst="rect">
-            <a:avLst/>
-          </a:prstGeom>
-        </p:spPr>
-      </p:pic>
-      <p:sp>
-        <p:nvSpPr>
-          <p:cNvPr id="84" name="Textfeld 83">
-            <a:extLst>
-              <a:ext uri="{FF2B5EF4-FFF2-40B4-BE49-F238E27FC236}">
-                <a16:creationId xmlns:a16="http://schemas.microsoft.com/office/drawing/2014/main" id="{7B8F039E-53BE-4743-A125-4436A25EC159}"/>
-              </a:ext>
-            </a:extLst>
-          </p:cNvPr>
-          <p:cNvSpPr txBox="1"/>
-          <p:nvPr/>
-        </p:nvSpPr>
-        <p:spPr>
-          <a:xfrm>
-            <a:off x="3265572" y="13138330"/>
-            <a:ext cx="5795339" cy="1169551"/>
-          </a:xfrm>
-          <a:prstGeom prst="rect">
-            <a:avLst/>
-          </a:prstGeom>
-          <a:noFill/>
-        </p:spPr>
-        <p:txBody>
-          <a:bodyPr wrap="square" rtlCol="0">
-            <a:spAutoFit/>
-          </a:bodyPr>
-          <a:lstStyle/>
-          <a:p>
-            <a:pPr algn="just"/>
-            <a:r>
-              <a:rPr lang="en-GB" sz="1400" dirty="0">
-                <a:latin typeface="Segoe UI Light" panose="020B0502040204020203" pitchFamily="34" charset="0"/>
-                <a:cs typeface="Segoe UI Light" panose="020B0502040204020203" pitchFamily="34" charset="0"/>
-              </a:rPr>
-              <a:t>According to the results of the Dendrogram, 3 clusters seem to make the most accurate division among the countries. To proof the optimal number of clusters, we also perform Elbow and Silhouette methods. The results confirm number of clusters equal to 3. The distance measure used is Euclidian Distance.</a:t>
-            </a:r>
-          </a:p>
-        </p:txBody>
-      </p:sp>
-      <p:sp>
-        <p:nvSpPr>
-          <p:cNvPr id="145" name="Textfeld 144">
-            <a:extLst>
-              <a:ext uri="{FF2B5EF4-FFF2-40B4-BE49-F238E27FC236}">
-                <a16:creationId xmlns:a16="http://schemas.microsoft.com/office/drawing/2014/main" id="{34D30FB4-BE51-4485-AF66-F6D96553E976}"/>
-              </a:ext>
-            </a:extLst>
-          </p:cNvPr>
-          <p:cNvSpPr txBox="1"/>
-          <p:nvPr/>
-        </p:nvSpPr>
-        <p:spPr>
-          <a:xfrm>
-            <a:off x="883135" y="15701729"/>
-            <a:ext cx="3302707" cy="2246769"/>
-          </a:xfrm>
-          <a:prstGeom prst="rect">
-            <a:avLst/>
-          </a:prstGeom>
-          <a:noFill/>
-        </p:spPr>
-        <p:txBody>
-          <a:bodyPr wrap="square" rtlCol="0">
-            <a:spAutoFit/>
-          </a:bodyPr>
-          <a:lstStyle/>
-          <a:p>
-            <a:r>
-              <a:rPr lang="en-GB" sz="1400" b="1" dirty="0">
-                <a:solidFill>
-                  <a:schemeClr val="accent1"/>
-                </a:solidFill>
-                <a:latin typeface="Segoe UI Light" panose="020B0502040204020203" pitchFamily="34" charset="0"/>
-                <a:cs typeface="Segoe UI Light" panose="020B0502040204020203" pitchFamily="34" charset="0"/>
-              </a:rPr>
-              <a:t>Africa</a:t>
-            </a:r>
-            <a:r>
-              <a:rPr lang="en-GB" sz="1400" dirty="0">
-                <a:latin typeface="Segoe UI Light" panose="020B0502040204020203" pitchFamily="34" charset="0"/>
-                <a:cs typeface="Segoe UI Light" panose="020B0502040204020203" pitchFamily="34" charset="0"/>
-              </a:rPr>
-              <a:t> </a:t>
-            </a:r>
-          </a:p>
-          <a:p>
-            <a:pPr marL="285750" indent="-285750">
-              <a:buFontTx/>
-              <a:buChar char="-"/>
-            </a:pPr>
-            <a:r>
-              <a:rPr lang="en-GB" sz="1400" dirty="0">
-                <a:latin typeface="Segoe UI Light" panose="020B0502040204020203" pitchFamily="34" charset="0"/>
-                <a:cs typeface="Segoe UI Light" panose="020B0502040204020203" pitchFamily="34" charset="0"/>
-              </a:rPr>
-              <a:t>low Country Development</a:t>
-            </a:r>
-          </a:p>
-          <a:p>
-            <a:pPr marL="285750" indent="-285750">
-              <a:buFontTx/>
-              <a:buChar char="-"/>
-            </a:pPr>
-            <a:r>
-              <a:rPr lang="en-GB" sz="1400" dirty="0">
-                <a:latin typeface="Segoe UI Light" panose="020B0502040204020203" pitchFamily="34" charset="0"/>
-                <a:cs typeface="Segoe UI Light" panose="020B0502040204020203" pitchFamily="34" charset="0"/>
-              </a:rPr>
-              <a:t>high Freedom &amp; Corruption </a:t>
-            </a:r>
-          </a:p>
-          <a:p>
-            <a:r>
-              <a:rPr lang="en-GB" sz="1400" b="1" dirty="0">
-                <a:solidFill>
-                  <a:schemeClr val="tx1">
-                    <a:lumMod val="50000"/>
-                    <a:lumOff val="50000"/>
-                  </a:schemeClr>
-                </a:solidFill>
-                <a:latin typeface="Segoe UI Light" panose="020B0502040204020203" pitchFamily="34" charset="0"/>
-                <a:cs typeface="Segoe UI Light" panose="020B0502040204020203" pitchFamily="34" charset="0"/>
-              </a:rPr>
-              <a:t>Western Europe, North America, Australia</a:t>
-            </a:r>
-          </a:p>
-          <a:p>
-            <a:pPr marL="285750" indent="-285750">
-              <a:buFontTx/>
-              <a:buChar char="-"/>
-            </a:pPr>
-            <a:r>
-              <a:rPr lang="en-GB" sz="1400" dirty="0">
-                <a:latin typeface="Segoe UI Light" panose="020B0502040204020203" pitchFamily="34" charset="0"/>
-                <a:cs typeface="Segoe UI Light" panose="020B0502040204020203" pitchFamily="34" charset="0"/>
-              </a:rPr>
-              <a:t>high Country Development</a:t>
-            </a:r>
-          </a:p>
-          <a:p>
-            <a:pPr marL="285750" indent="-285750">
-              <a:buFontTx/>
-              <a:buChar char="-"/>
-            </a:pPr>
-            <a:r>
-              <a:rPr lang="en-GB" sz="1400" dirty="0">
-                <a:latin typeface="Segoe UI Light" panose="020B0502040204020203" pitchFamily="34" charset="0"/>
-                <a:cs typeface="Segoe UI Light" panose="020B0502040204020203" pitchFamily="34" charset="0"/>
-              </a:rPr>
-              <a:t>high Freedom and Corruption</a:t>
-            </a:r>
-          </a:p>
-          <a:p>
-            <a:r>
-              <a:rPr lang="en-GB" sz="1400" b="1" dirty="0">
-                <a:solidFill>
-                  <a:schemeClr val="accent4">
-                    <a:lumMod val="60000"/>
-                    <a:lumOff val="40000"/>
-                  </a:schemeClr>
-                </a:solidFill>
-                <a:latin typeface="Segoe UI Light" panose="020B0502040204020203" pitchFamily="34" charset="0"/>
-                <a:cs typeface="Segoe UI Light" panose="020B0502040204020203" pitchFamily="34" charset="0"/>
-              </a:rPr>
-              <a:t>Asia, South America, Eastern Europe</a:t>
-            </a:r>
-          </a:p>
-          <a:p>
-            <a:pPr marL="285750" indent="-285750">
-              <a:buFontTx/>
-              <a:buChar char="-"/>
-            </a:pPr>
-            <a:r>
-              <a:rPr lang="en-GB" sz="1400" dirty="0">
-                <a:latin typeface="Segoe UI Light" panose="020B0502040204020203" pitchFamily="34" charset="0"/>
-                <a:cs typeface="Segoe UI Light" panose="020B0502040204020203" pitchFamily="34" charset="0"/>
-              </a:rPr>
-              <a:t>mid to low Country Development</a:t>
-            </a:r>
-          </a:p>
-          <a:p>
-            <a:pPr marL="285750" indent="-285750">
-              <a:buFontTx/>
-              <a:buChar char="-"/>
-            </a:pPr>
-            <a:r>
-              <a:rPr lang="en-GB" sz="1400" dirty="0">
-                <a:latin typeface="Segoe UI Light" panose="020B0502040204020203" pitchFamily="34" charset="0"/>
-                <a:cs typeface="Segoe UI Light" panose="020B0502040204020203" pitchFamily="34" charset="0"/>
-              </a:rPr>
-              <a:t>mid Freedom and Corruption</a:t>
-            </a:r>
-          </a:p>
-          <a:p>
-            <a:pPr algn="just"/>
-            <a:endParaRPr lang="en-GB" sz="1400" dirty="0">
-              <a:solidFill>
-                <a:schemeClr val="accent4">
-                  <a:lumMod val="60000"/>
-                  <a:lumOff val="40000"/>
-                </a:schemeClr>
-              </a:solidFill>
-              <a:latin typeface="Segoe UI Light" panose="020B0502040204020203" pitchFamily="34" charset="0"/>
-              <a:cs typeface="Segoe UI Light" panose="020B0502040204020203" pitchFamily="34" charset="0"/>
-            </a:endParaRPr>
-          </a:p>
-        </p:txBody>
-      </p:sp>
-      <p:pic>
-        <p:nvPicPr>
-          <p:cNvPr id="147" name="Grafik 146">
-            <a:extLst>
-              <a:ext uri="{FF2B5EF4-FFF2-40B4-BE49-F238E27FC236}">
-                <a16:creationId xmlns:a16="http://schemas.microsoft.com/office/drawing/2014/main" id="{F027AAC7-FA58-4FBC-84D7-CCA364127D15}"/>
-              </a:ext>
-            </a:extLst>
-          </p:cNvPr>
-          <p:cNvPicPr>
-            <a:picLocks noChangeAspect="1"/>
-          </p:cNvPicPr>
-          <p:nvPr/>
-        </p:nvPicPr>
-        <p:blipFill>
-          <a:blip r:embed="rId30">
-            <a:extLst>
-              <a:ext uri="{28A0092B-C50C-407E-A947-70E740481C1C}">
-                <a14:useLocalDpi xmlns:a14="http://schemas.microsoft.com/office/drawing/2010/main" val="0"/>
-              </a:ext>
-            </a:extLst>
-          </a:blip>
-          <a:stretch>
-            <a:fillRect/>
-          </a:stretch>
-        </p:blipFill>
-        <p:spPr>
-          <a:xfrm>
-            <a:off x="1007789" y="17961863"/>
-            <a:ext cx="3786045" cy="2811942"/>
-          </a:xfrm>
-          <a:prstGeom prst="rect">
-            <a:avLst/>
-          </a:prstGeom>
-        </p:spPr>
-      </p:pic>
-      <p:sp>
-        <p:nvSpPr>
-          <p:cNvPr id="5" name="Rechteck: abgerundete Ecken 4">
-            <a:extLst>
-              <a:ext uri="{FF2B5EF4-FFF2-40B4-BE49-F238E27FC236}">
-                <a16:creationId xmlns:a16="http://schemas.microsoft.com/office/drawing/2014/main" id="{DBC15CEA-203F-4297-B616-17213A939DD1}"/>
+                <a16:creationId xmlns:a16="http://schemas.microsoft.com/office/drawing/2014/main" id="{5732E25D-F51E-45A4-8AE3-AC5E31394D08}"/>
               </a:ext>
             </a:extLst>
           </p:cNvPr>
@@ -7673,13 +4035,15 @@
         </p:nvSpPr>
         <p:spPr>
           <a:xfrm>
-            <a:off x="720436" y="11868341"/>
-            <a:ext cx="8466117" cy="8933381"/>
+            <a:off x="11340334" y="11487296"/>
+            <a:ext cx="3672000" cy="828000"/>
           </a:xfrm>
           <a:prstGeom prst="roundRect">
             <a:avLst/>
           </a:prstGeom>
-          <a:noFill/>
+          <a:ln>
+            <a:noFill/>
+          </a:ln>
         </p:spPr>
         <p:style>
           <a:lnRef idx="2">
@@ -7698,25 +4062,268 @@
           </a:fontRef>
         </p:style>
         <p:txBody>
-          <a:bodyPr rot="0" spcFirstLastPara="0" vertOverflow="overflow" horzOverflow="overflow" vert="horz" wrap="square" lIns="91440" tIns="45720" rIns="91440" bIns="45720" numCol="1" spcCol="0" rtlCol="0" fromWordArt="0" anchor="ctr" anchorCtr="0" forceAA="0" compatLnSpc="1">
-            <a:prstTxWarp prst="textNoShape">
-              <a:avLst/>
-            </a:prstTxWarp>
-            <a:noAutofit/>
+          <a:bodyPr rtlCol="0" anchor="ctr"/>
+          <a:lstStyle/>
+          <a:p>
+            <a:pPr algn="ctr"/>
+            <a:r>
+              <a:rPr lang="en-GB" sz="2800" dirty="0">
+                <a:latin typeface="Segoe UI Light" panose="020B0502040204020203" pitchFamily="34" charset="0"/>
+                <a:cs typeface="Segoe UI Light" panose="020B0502040204020203" pitchFamily="34" charset="0"/>
+              </a:rPr>
+              <a:t>Predictive Analysis</a:t>
+            </a:r>
+          </a:p>
+        </p:txBody>
+      </p:sp>
+      <p:sp>
+        <p:nvSpPr>
+          <p:cNvPr id="20" name="Textfeld 19">
+            <a:extLst>
+              <a:ext uri="{FF2B5EF4-FFF2-40B4-BE49-F238E27FC236}">
+                <a16:creationId xmlns:a16="http://schemas.microsoft.com/office/drawing/2014/main" id="{D7252238-9487-4325-B627-C26508801BFA}"/>
+              </a:ext>
+            </a:extLst>
+          </p:cNvPr>
+          <p:cNvSpPr txBox="1"/>
+          <p:nvPr/>
+        </p:nvSpPr>
+        <p:spPr>
+          <a:xfrm>
+            <a:off x="9063849" y="2777560"/>
+            <a:ext cx="5429729" cy="1985159"/>
+          </a:xfrm>
+          <a:prstGeom prst="rect">
+            <a:avLst/>
+          </a:prstGeom>
+          <a:noFill/>
+        </p:spPr>
+        <p:txBody>
+          <a:bodyPr wrap="square" rtlCol="0">
+            <a:spAutoFit/>
           </a:bodyPr>
           <a:lstStyle/>
           <a:p>
-            <a:pPr algn="ctr"/>
-            <a:endParaRPr lang="en-GB"/>
-          </a:p>
-        </p:txBody>
-      </p:sp>
-      <p:sp>
-        <p:nvSpPr>
-          <p:cNvPr id="16" name="Rechteck: abgerundete Ecken 15">
+            <a:r>
+              <a:rPr lang="en-GB" sz="1600" b="1" dirty="0">
+                <a:latin typeface="Segoe UI Light" panose="020B0502040204020203" pitchFamily="34" charset="0"/>
+                <a:cs typeface="Segoe UI Light" panose="020B0502040204020203" pitchFamily="34" charset="0"/>
+              </a:rPr>
+              <a:t>Objective</a:t>
+            </a:r>
+          </a:p>
+          <a:p>
+            <a:endParaRPr lang="en-GB" sz="500" b="1" dirty="0">
+              <a:latin typeface="Segoe UI Light" panose="020B0502040204020203" pitchFamily="34" charset="0"/>
+              <a:cs typeface="Segoe UI Light" panose="020B0502040204020203" pitchFamily="34" charset="0"/>
+            </a:endParaRPr>
+          </a:p>
+          <a:p>
+            <a:pPr marL="285750" indent="-285750">
+              <a:buFont typeface="Arial" panose="020B0604020202020204" pitchFamily="34" charset="0"/>
+              <a:buChar char="•"/>
+            </a:pPr>
+            <a:r>
+              <a:rPr lang="en-GB" sz="1400" dirty="0">
+                <a:latin typeface="Segoe UI Light" panose="020B0502040204020203" pitchFamily="34" charset="0"/>
+                <a:cs typeface="Segoe UI Light" panose="020B0502040204020203" pitchFamily="34" charset="0"/>
+              </a:rPr>
+              <a:t>Analysis of happiness around the world</a:t>
+            </a:r>
+          </a:p>
+          <a:p>
+            <a:pPr marL="742950" lvl="1" indent="-285750">
+              <a:buFont typeface="Arial" panose="020B0604020202020204" pitchFamily="34" charset="0"/>
+              <a:buChar char="•"/>
+            </a:pPr>
+            <a:r>
+              <a:rPr lang="en-GB" sz="1400" dirty="0">
+                <a:latin typeface="Segoe UI Light" panose="020B0502040204020203" pitchFamily="34" charset="0"/>
+                <a:cs typeface="Segoe UI Light" panose="020B0502040204020203" pitchFamily="34" charset="0"/>
+              </a:rPr>
+              <a:t>Discover the factors that influence happiness</a:t>
+            </a:r>
+          </a:p>
+          <a:p>
+            <a:pPr marL="742950" lvl="1" indent="-285750">
+              <a:buFont typeface="Arial" panose="020B0604020202020204" pitchFamily="34" charset="0"/>
+              <a:buChar char="•"/>
+            </a:pPr>
+            <a:r>
+              <a:rPr lang="en-GB" sz="1400" dirty="0">
+                <a:latin typeface="Segoe UI Light" panose="020B0502040204020203" pitchFamily="34" charset="0"/>
+                <a:cs typeface="Segoe UI Light" panose="020B0502040204020203" pitchFamily="34" charset="0"/>
+              </a:rPr>
+              <a:t>Which factors lead to high, mid or low happiness</a:t>
+            </a:r>
+          </a:p>
+          <a:p>
+            <a:pPr marL="742950" lvl="1" indent="-285750">
+              <a:buFont typeface="Arial" panose="020B0604020202020204" pitchFamily="34" charset="0"/>
+              <a:buChar char="•"/>
+            </a:pPr>
+            <a:r>
+              <a:rPr lang="en-GB" sz="1400" dirty="0">
+                <a:latin typeface="Segoe UI Light" panose="020B0502040204020203" pitchFamily="34" charset="0"/>
+                <a:cs typeface="Segoe UI Light" panose="020B0502040204020203" pitchFamily="34" charset="0"/>
+              </a:rPr>
+              <a:t>Prediction of happiness</a:t>
+            </a:r>
+          </a:p>
+          <a:p>
+            <a:pPr marL="285750" indent="-285750">
+              <a:buFont typeface="Arial" panose="020B0604020202020204" pitchFamily="34" charset="0"/>
+              <a:buChar char="•"/>
+            </a:pPr>
+            <a:r>
+              <a:rPr lang="en-GB" sz="1400" dirty="0">
+                <a:latin typeface="Segoe UI Light" panose="020B0502040204020203" pitchFamily="34" charset="0"/>
+                <a:cs typeface="Segoe UI Light" panose="020B0502040204020203" pitchFamily="34" charset="0"/>
+              </a:rPr>
+              <a:t>Analysis similarity of countries</a:t>
+            </a:r>
+          </a:p>
+          <a:p>
+            <a:pPr marL="285750" indent="-285750">
+              <a:buFont typeface="Arial" panose="020B0604020202020204" pitchFamily="34" charset="0"/>
+              <a:buChar char="•"/>
+            </a:pPr>
+            <a:endParaRPr lang="en-GB" sz="1400" dirty="0">
+              <a:latin typeface="Segoe UI Light" panose="020B0502040204020203" pitchFamily="34" charset="0"/>
+              <a:cs typeface="Segoe UI Light" panose="020B0502040204020203" pitchFamily="34" charset="0"/>
+            </a:endParaRPr>
+          </a:p>
+          <a:p>
+            <a:pPr marL="285750" indent="-285750">
+              <a:buFont typeface="Arial" panose="020B0604020202020204" pitchFamily="34" charset="0"/>
+              <a:buChar char="•"/>
+            </a:pPr>
+            <a:endParaRPr lang="en-GB" dirty="0">
+              <a:latin typeface="Segoe UI Light" panose="020B0502040204020203" pitchFamily="34" charset="0"/>
+              <a:cs typeface="Segoe UI Light" panose="020B0502040204020203" pitchFamily="34" charset="0"/>
+            </a:endParaRPr>
+          </a:p>
+        </p:txBody>
+      </p:sp>
+      <p:sp>
+        <p:nvSpPr>
+          <p:cNvPr id="30" name="Textfeld 29">
             <a:extLst>
               <a:ext uri="{FF2B5EF4-FFF2-40B4-BE49-F238E27FC236}">
-                <a16:creationId xmlns:a16="http://schemas.microsoft.com/office/drawing/2014/main" id="{652A2633-20E2-4516-8EAE-564AF76EC450}"/>
+                <a16:creationId xmlns:a16="http://schemas.microsoft.com/office/drawing/2014/main" id="{3CF526E3-5C97-4D0A-82E9-6E371CE664D0}"/>
+              </a:ext>
+            </a:extLst>
+          </p:cNvPr>
+          <p:cNvSpPr txBox="1"/>
+          <p:nvPr/>
+        </p:nvSpPr>
+        <p:spPr>
+          <a:xfrm>
+            <a:off x="5557188" y="2777560"/>
+            <a:ext cx="6039905" cy="1492716"/>
+          </a:xfrm>
+          <a:prstGeom prst="rect">
+            <a:avLst/>
+          </a:prstGeom>
+          <a:noFill/>
+        </p:spPr>
+        <p:txBody>
+          <a:bodyPr wrap="square" rtlCol="0">
+            <a:spAutoFit/>
+          </a:bodyPr>
+          <a:lstStyle/>
+          <a:p>
+            <a:r>
+              <a:rPr lang="en-GB" sz="1600" b="1" dirty="0">
+                <a:latin typeface="Segoe UI Light" panose="020B0502040204020203" pitchFamily="34" charset="0"/>
+                <a:cs typeface="Segoe UI Light" panose="020B0502040204020203" pitchFamily="34" charset="0"/>
+              </a:rPr>
+              <a:t>Methodology</a:t>
+            </a:r>
+          </a:p>
+          <a:p>
+            <a:endParaRPr lang="en-GB" sz="500" b="1" dirty="0">
+              <a:latin typeface="Segoe UI Light" panose="020B0502040204020203" pitchFamily="34" charset="0"/>
+              <a:cs typeface="Segoe UI Light" panose="020B0502040204020203" pitchFamily="34" charset="0"/>
+            </a:endParaRPr>
+          </a:p>
+          <a:p>
+            <a:pPr marL="285750" lvl="0" indent="-285750" fontAlgn="ctr">
+              <a:buFont typeface="Arial" panose="020B0604020202020204" pitchFamily="34" charset="0"/>
+              <a:buChar char="•"/>
+            </a:pPr>
+            <a:r>
+              <a:rPr lang="en-GB" sz="1400" dirty="0">
+                <a:latin typeface="Segoe UI Light" panose="020B0502040204020203" pitchFamily="34" charset="0"/>
+                <a:cs typeface="Segoe UI Light" panose="020B0502040204020203" pitchFamily="34" charset="0"/>
+              </a:rPr>
+              <a:t>Data preparation</a:t>
+            </a:r>
+            <a:endParaRPr lang="en-GB" dirty="0">
+              <a:latin typeface="Segoe UI Light" panose="020B0502040204020203" pitchFamily="34" charset="0"/>
+              <a:cs typeface="Segoe UI Light" panose="020B0502040204020203" pitchFamily="34" charset="0"/>
+            </a:endParaRPr>
+          </a:p>
+          <a:p>
+            <a:pPr marL="285750" lvl="0" indent="-285750" fontAlgn="ctr">
+              <a:buFont typeface="Arial" panose="020B0604020202020204" pitchFamily="34" charset="0"/>
+              <a:buChar char="•"/>
+            </a:pPr>
+            <a:r>
+              <a:rPr lang="en-GB" sz="1400" dirty="0">
+                <a:latin typeface="Segoe UI Light" panose="020B0502040204020203" pitchFamily="34" charset="0"/>
+                <a:cs typeface="Segoe UI Light" panose="020B0502040204020203" pitchFamily="34" charset="0"/>
+              </a:rPr>
+              <a:t>Dimension Reduction (PCA, FA)</a:t>
+            </a:r>
+          </a:p>
+          <a:p>
+            <a:pPr marL="285750" lvl="0" indent="-285750" fontAlgn="ctr">
+              <a:buFont typeface="Arial" panose="020B0604020202020204" pitchFamily="34" charset="0"/>
+              <a:buChar char="•"/>
+            </a:pPr>
+            <a:r>
+              <a:rPr lang="en-GB" sz="1400" dirty="0">
+                <a:latin typeface="Segoe UI Light" panose="020B0502040204020203" pitchFamily="34" charset="0"/>
+                <a:cs typeface="Segoe UI Light" panose="020B0502040204020203" pitchFamily="34" charset="0"/>
+              </a:rPr>
+              <a:t>Clustering</a:t>
+            </a:r>
+          </a:p>
+          <a:p>
+            <a:pPr marL="285750" lvl="0" indent="-285750" fontAlgn="ctr">
+              <a:buFont typeface="Arial" panose="020B0604020202020204" pitchFamily="34" charset="0"/>
+              <a:buChar char="•"/>
+            </a:pPr>
+            <a:r>
+              <a:rPr lang="en-GB" sz="1400" dirty="0">
+                <a:latin typeface="Segoe UI Light" panose="020B0502040204020203" pitchFamily="34" charset="0"/>
+                <a:cs typeface="Segoe UI Light" panose="020B0502040204020203" pitchFamily="34" charset="0"/>
+              </a:rPr>
+              <a:t>Linear Regression</a:t>
+            </a:r>
+          </a:p>
+          <a:p>
+            <a:pPr marL="285750" lvl="0" indent="-285750" fontAlgn="ctr">
+              <a:buFont typeface="Arial" panose="020B0604020202020204" pitchFamily="34" charset="0"/>
+              <a:buChar char="•"/>
+            </a:pPr>
+            <a:r>
+              <a:rPr lang="en-GB" sz="1400" dirty="0">
+                <a:latin typeface="Segoe UI Light" panose="020B0502040204020203" pitchFamily="34" charset="0"/>
+                <a:cs typeface="Segoe UI Light" panose="020B0502040204020203" pitchFamily="34" charset="0"/>
+              </a:rPr>
+              <a:t>Variable Importance (Features selection)</a:t>
+            </a:r>
+          </a:p>
+        </p:txBody>
+      </p:sp>
+      <p:sp>
+        <p:nvSpPr>
+          <p:cNvPr id="32" name="Rechteck: abgerundete Ecken 31">
+            <a:extLst>
+              <a:ext uri="{FF2B5EF4-FFF2-40B4-BE49-F238E27FC236}">
+                <a16:creationId xmlns:a16="http://schemas.microsoft.com/office/drawing/2014/main" id="{461FBEA4-F95D-4646-B596-410B62B525DC}"/>
               </a:ext>
             </a:extLst>
           </p:cNvPr>
@@ -7725,7 +4332,7 @@
         </p:nvSpPr>
         <p:spPr>
           <a:xfrm>
-            <a:off x="1281494" y="11569806"/>
+            <a:off x="23439766" y="11621839"/>
             <a:ext cx="3672000" cy="828000"/>
           </a:xfrm>
           <a:prstGeom prst="roundRect">
@@ -7761,17 +4368,17 @@
                 <a:latin typeface="Segoe UI Light" panose="020B0502040204020203" pitchFamily="34" charset="0"/>
                 <a:cs typeface="Segoe UI Light" panose="020B0502040204020203" pitchFamily="34" charset="0"/>
               </a:rPr>
-              <a:t>Cluster Analysis</a:t>
-            </a:r>
-          </a:p>
-        </p:txBody>
-      </p:sp>
-      <p:sp>
-        <p:nvSpPr>
-          <p:cNvPr id="148" name="Textfeld 147">
+              <a:t>Discussion</a:t>
+            </a:r>
+          </a:p>
+        </p:txBody>
+      </p:sp>
+      <p:sp>
+        <p:nvSpPr>
+          <p:cNvPr id="42" name="Textfeld 41">
             <a:extLst>
               <a:ext uri="{FF2B5EF4-FFF2-40B4-BE49-F238E27FC236}">
-                <a16:creationId xmlns:a16="http://schemas.microsoft.com/office/drawing/2014/main" id="{F2BE75D9-1725-458A-8CCB-3CFE2D56D08D}"/>
+                <a16:creationId xmlns:a16="http://schemas.microsoft.com/office/drawing/2014/main" id="{33007021-6EEF-4A33-B27A-3D5386934185}"/>
               </a:ext>
             </a:extLst>
           </p:cNvPr>
@@ -7780,8 +4387,8 @@
         </p:nvSpPr>
         <p:spPr>
           <a:xfrm>
-            <a:off x="4912490" y="18999802"/>
-            <a:ext cx="3926249" cy="1384995"/>
+            <a:off x="15557937" y="2576612"/>
+            <a:ext cx="4469599" cy="338554"/>
           </a:xfrm>
           <a:prstGeom prst="rect">
             <a:avLst/>
@@ -7794,26 +4401,22 @@
           </a:bodyPr>
           <a:lstStyle/>
           <a:p>
-            <a:pPr algn="just"/>
-            <a:r>
-              <a:rPr lang="en-GB" sz="1400" dirty="0">
-                <a:latin typeface="Segoe UI Light" panose="020B0502040204020203" pitchFamily="34" charset="0"/>
-                <a:cs typeface="Segoe UI Light" panose="020B0502040204020203" pitchFamily="34" charset="0"/>
-              </a:rPr>
-              <a:t>The clusters show a geographical pattern among the grouped countries. Looking at the Phylogenetic Tree, the geographical distance becomes more clear as branches represent similarity. </a:t>
-            </a:r>
-          </a:p>
-          <a:p>
-            <a:endParaRPr lang="en-GB" sz="1400" dirty="0"/>
-          </a:p>
-        </p:txBody>
-      </p:sp>
-      <p:sp>
-        <p:nvSpPr>
-          <p:cNvPr id="149" name="Textfeld 148">
+            <a:r>
+              <a:rPr lang="en-GB" sz="1600" b="1" dirty="0">
+                <a:latin typeface="Segoe UI Light" panose="020B0502040204020203" pitchFamily="34" charset="0"/>
+                <a:cs typeface="Segoe UI Light" panose="020B0502040204020203" pitchFamily="34" charset="0"/>
+              </a:rPr>
+              <a:t>Principal Component Analysis (PCA)</a:t>
+            </a:r>
+          </a:p>
+        </p:txBody>
+      </p:sp>
+      <p:sp>
+        <p:nvSpPr>
+          <p:cNvPr id="43" name="Textfeld 42">
             <a:extLst>
               <a:ext uri="{FF2B5EF4-FFF2-40B4-BE49-F238E27FC236}">
-                <a16:creationId xmlns:a16="http://schemas.microsoft.com/office/drawing/2014/main" id="{E55A7ABB-FE46-4932-89A7-C86E881A41B2}"/>
+                <a16:creationId xmlns:a16="http://schemas.microsoft.com/office/drawing/2014/main" id="{2F92A97A-CFB4-4E6E-886E-1F00B8D3803F}"/>
               </a:ext>
             </a:extLst>
           </p:cNvPr>
@@ -7822,8 +4425,8 @@
         </p:nvSpPr>
         <p:spPr>
           <a:xfrm>
-            <a:off x="4239660" y="14375413"/>
-            <a:ext cx="4820893" cy="954107"/>
+            <a:off x="24018336" y="2525919"/>
+            <a:ext cx="4469599" cy="338554"/>
           </a:xfrm>
           <a:prstGeom prst="rect">
             <a:avLst/>
@@ -7836,23 +4439,22 @@
           </a:bodyPr>
           <a:lstStyle/>
           <a:p>
-            <a:pPr algn="just"/>
-            <a:r>
-              <a:rPr lang="en-GB" sz="1400" dirty="0">
-                <a:latin typeface="Segoe UI Light" panose="020B0502040204020203" pitchFamily="34" charset="0"/>
-                <a:cs typeface="Segoe UI Light" panose="020B0502040204020203" pitchFamily="34" charset="0"/>
-              </a:rPr>
-              <a:t>The clusters are visualized in a Scatter Plot across the two primary PC’s where Dimension 1 represents “Country Development” and Dimension 2 represents Freedom and Corruption.</a:t>
-            </a:r>
-          </a:p>
-        </p:txBody>
-      </p:sp>
-      <p:sp>
-        <p:nvSpPr>
-          <p:cNvPr id="126" name="Textfeld 125">
+            <a:r>
+              <a:rPr lang="en-GB" sz="1600" b="1" dirty="0">
+                <a:latin typeface="Segoe UI Light" panose="020B0502040204020203" pitchFamily="34" charset="0"/>
+                <a:cs typeface="Segoe UI Light" panose="020B0502040204020203" pitchFamily="34" charset="0"/>
+              </a:rPr>
+              <a:t>Factor Analysis (FA)</a:t>
+            </a:r>
+          </a:p>
+        </p:txBody>
+      </p:sp>
+      <p:sp>
+        <p:nvSpPr>
+          <p:cNvPr id="29" name="Textfeld 28">
             <a:extLst>
               <a:ext uri="{FF2B5EF4-FFF2-40B4-BE49-F238E27FC236}">
-                <a16:creationId xmlns:a16="http://schemas.microsoft.com/office/drawing/2014/main" id="{9B0A9526-F16D-425B-A1A4-841ED2698123}"/>
+                <a16:creationId xmlns:a16="http://schemas.microsoft.com/office/drawing/2014/main" id="{E5DE889C-57E3-494A-BAFA-52E50E5B90C1}"/>
               </a:ext>
             </a:extLst>
           </p:cNvPr>
@@ -7861,8 +4463,8 @@
         </p:nvSpPr>
         <p:spPr>
           <a:xfrm>
-            <a:off x="1160043" y="2778948"/>
-            <a:ext cx="6039905" cy="1277273"/>
+            <a:off x="1084497" y="5186537"/>
+            <a:ext cx="1230938" cy="307777"/>
           </a:xfrm>
           <a:prstGeom prst="rect">
             <a:avLst/>
@@ -7875,131 +4477,23 @@
           </a:bodyPr>
           <a:lstStyle/>
           <a:p>
-            <a:r>
-              <a:rPr lang="en-GB" sz="1600" b="1" dirty="0">
-                <a:latin typeface="Segoe UI Light" panose="020B0502040204020203" pitchFamily="34" charset="0"/>
-                <a:cs typeface="Segoe UI Light" panose="020B0502040204020203" pitchFamily="34" charset="0"/>
-              </a:rPr>
-              <a:t>Data Source</a:t>
-            </a:r>
-          </a:p>
-          <a:p>
-            <a:endParaRPr lang="en-GB" sz="500" b="1" dirty="0">
-              <a:latin typeface="Segoe UI Light" panose="020B0502040204020203" pitchFamily="34" charset="0"/>
-              <a:cs typeface="Segoe UI Light" panose="020B0502040204020203" pitchFamily="34" charset="0"/>
-            </a:endParaRPr>
-          </a:p>
-          <a:p>
-            <a:pPr marL="285750" lvl="0" indent="-285750" fontAlgn="ctr">
-              <a:buFont typeface="Arial" panose="020B0604020202020204" pitchFamily="34" charset="0"/>
-              <a:buChar char="•"/>
-            </a:pPr>
+            <a:pPr algn="ctr"/>
             <a:r>
               <a:rPr lang="en-GB" sz="1400" dirty="0">
                 <a:latin typeface="Segoe UI Light" panose="020B0502040204020203" pitchFamily="34" charset="0"/>
                 <a:cs typeface="Segoe UI Light" panose="020B0502040204020203" pitchFamily="34" charset="0"/>
               </a:rPr>
-              <a:t>United Nations</a:t>
-            </a:r>
-            <a:endParaRPr lang="en-GB" dirty="0">
-              <a:latin typeface="Segoe UI Light" panose="020B0502040204020203" pitchFamily="34" charset="0"/>
-              <a:cs typeface="Segoe UI Light" panose="020B0502040204020203" pitchFamily="34" charset="0"/>
-            </a:endParaRPr>
-          </a:p>
-          <a:p>
-            <a:pPr marL="285750" lvl="0" indent="-285750" fontAlgn="ctr">
-              <a:buFont typeface="Arial" panose="020B0604020202020204" pitchFamily="34" charset="0"/>
-              <a:buChar char="•"/>
-            </a:pPr>
-            <a:r>
-              <a:rPr lang="en-GB" sz="1400" dirty="0">
-                <a:latin typeface="Segoe UI Light" panose="020B0502040204020203" pitchFamily="34" charset="0"/>
-                <a:cs typeface="Segoe UI Light" panose="020B0502040204020203" pitchFamily="34" charset="0"/>
-              </a:rPr>
-              <a:t>Our World in Data</a:t>
-            </a:r>
-          </a:p>
-          <a:p>
-            <a:pPr marL="285750" lvl="0" indent="-285750" fontAlgn="ctr">
-              <a:buFont typeface="Arial" panose="020B0604020202020204" pitchFamily="34" charset="0"/>
-              <a:buChar char="•"/>
-            </a:pPr>
-            <a:r>
-              <a:rPr lang="en-GB" sz="1400" dirty="0">
-                <a:latin typeface="Segoe UI Light" panose="020B0502040204020203" pitchFamily="34" charset="0"/>
-                <a:cs typeface="Segoe UI Light" panose="020B0502040204020203" pitchFamily="34" charset="0"/>
-              </a:rPr>
-              <a:t>World Bank</a:t>
-            </a:r>
-          </a:p>
-          <a:p>
-            <a:pPr marL="285750" lvl="0" indent="-285750" fontAlgn="ctr">
-              <a:buFont typeface="Arial" panose="020B0604020202020204" pitchFamily="34" charset="0"/>
-              <a:buChar char="•"/>
-            </a:pPr>
-            <a:r>
-              <a:rPr lang="en-GB" sz="1400" dirty="0">
-                <a:latin typeface="Segoe UI Light" panose="020B0502040204020203" pitchFamily="34" charset="0"/>
-                <a:cs typeface="Segoe UI Light" panose="020B0502040204020203" pitchFamily="34" charset="0"/>
-              </a:rPr>
-              <a:t>32 variables, 132 countries</a:t>
+              <a:t>Quality of Life</a:t>
             </a:r>
           </a:p>
         </p:txBody>
       </p:sp>
       <p:pic>
         <p:nvPicPr>
-          <p:cNvPr id="1028" name="Picture 4" descr="Bildergebnis fÃ¼r normal distribution">
+          <p:cNvPr id="8" name="Grafik 7">
             <a:extLst>
               <a:ext uri="{FF2B5EF4-FFF2-40B4-BE49-F238E27FC236}">
-                <a16:creationId xmlns:a16="http://schemas.microsoft.com/office/drawing/2014/main" id="{B13286B2-1428-4C2D-8AB1-322F812F8103}"/>
-              </a:ext>
-            </a:extLst>
-          </p:cNvPr>
-          <p:cNvPicPr>
-            <a:picLocks noChangeAspect="1" noChangeArrowheads="1"/>
-          </p:cNvPicPr>
-          <p:nvPr/>
-        </p:nvPicPr>
-        <p:blipFill>
-          <a:blip r:embed="rId31">
-            <a:extLst>
-              <a:ext uri="{28A0092B-C50C-407E-A947-70E740481C1C}">
-                <a14:useLocalDpi xmlns:a14="http://schemas.microsoft.com/office/drawing/2010/main" val="0"/>
-              </a:ext>
-            </a:extLst>
-          </a:blip>
-          <a:srcRect/>
-          <a:stretch>
-            <a:fillRect/>
-          </a:stretch>
-        </p:blipFill>
-        <p:spPr bwMode="auto">
-          <a:xfrm>
-            <a:off x="13067830" y="8775861"/>
-            <a:ext cx="1005586" cy="402952"/>
-          </a:xfrm>
-          <a:prstGeom prst="rect">
-            <a:avLst/>
-          </a:prstGeom>
-          <a:noFill/>
-          <a:extLst>
-            <a:ext uri="{909E8E84-426E-40DD-AFC4-6F175D3DCCD1}">
-              <a14:hiddenFill xmlns:a14="http://schemas.microsoft.com/office/drawing/2010/main">
-                <a:solidFill>
-                  <a:srgbClr val="FFFFFF"/>
-                </a:solidFill>
-              </a14:hiddenFill>
-            </a:ext>
-          </a:extLst>
-        </p:spPr>
-      </p:pic>
-      <p:pic>
-        <p:nvPicPr>
-          <p:cNvPr id="26" name="Grafik 25">
-            <a:extLst>
-              <a:ext uri="{FF2B5EF4-FFF2-40B4-BE49-F238E27FC236}">
-                <a16:creationId xmlns:a16="http://schemas.microsoft.com/office/drawing/2014/main" id="{239B00D5-24D2-46F4-B02F-83DBE25D6B4C}"/>
+                <a16:creationId xmlns:a16="http://schemas.microsoft.com/office/drawing/2014/main" id="{FA8DB1B3-C1FC-4D80-B7D9-DC9FB2AB892B}"/>
               </a:ext>
             </a:extLst>
           </p:cNvPr>
@@ -8008,21 +4502,22 @@
           </p:cNvPicPr>
           <p:nvPr/>
         </p:nvPicPr>
-        <p:blipFill rotWithShape="1">
-          <a:blip r:embed="rId32">
+        <p:blipFill>
+          <a:blip r:embed="rId10">
             <a:extLst>
               <a:ext uri="{28A0092B-C50C-407E-A947-70E740481C1C}">
                 <a14:useLocalDpi xmlns:a14="http://schemas.microsoft.com/office/drawing/2010/main" val="0"/>
               </a:ext>
             </a:extLst>
           </a:blip>
-          <a:srcRect t="8805" r="21487"/>
-          <a:stretch/>
+          <a:stretch>
+            <a:fillRect/>
+          </a:stretch>
         </p:blipFill>
         <p:spPr>
           <a:xfrm>
-            <a:off x="25217724" y="7426325"/>
-            <a:ext cx="3422680" cy="3584095"/>
+            <a:off x="1460449" y="4709554"/>
+            <a:ext cx="468000" cy="468000"/>
           </a:xfrm>
           <a:prstGeom prst="rect">
             <a:avLst/>
@@ -8031,10 +4526,10 @@
       </p:pic>
       <p:pic>
         <p:nvPicPr>
-          <p:cNvPr id="40" name="Grafik 39">
+          <p:cNvPr id="10" name="Grafik 9">
             <a:extLst>
               <a:ext uri="{FF2B5EF4-FFF2-40B4-BE49-F238E27FC236}">
-                <a16:creationId xmlns:a16="http://schemas.microsoft.com/office/drawing/2014/main" id="{D9BC263C-9946-4799-90D8-071242917C86}"/>
+                <a16:creationId xmlns:a16="http://schemas.microsoft.com/office/drawing/2014/main" id="{58355202-26FF-4542-8C17-F15901CAFECC}"/>
               </a:ext>
             </a:extLst>
           </p:cNvPr>
@@ -8043,21 +4538,22 @@
           </p:cNvPicPr>
           <p:nvPr/>
         </p:nvPicPr>
-        <p:blipFill rotWithShape="1">
-          <a:blip r:embed="rId32">
+        <p:blipFill>
+          <a:blip r:embed="rId11">
             <a:extLst>
               <a:ext uri="{28A0092B-C50C-407E-A947-70E740481C1C}">
                 <a14:useLocalDpi xmlns:a14="http://schemas.microsoft.com/office/drawing/2010/main" val="0"/>
               </a:ext>
             </a:extLst>
           </a:blip>
-          <a:srcRect l="79517" t="36721" b="37742"/>
-          <a:stretch/>
+          <a:stretch>
+            <a:fillRect/>
+          </a:stretch>
         </p:blipFill>
         <p:spPr>
           <a:xfrm>
-            <a:off x="24978442" y="9667563"/>
-            <a:ext cx="1239299" cy="1392940"/>
+            <a:off x="2496617" y="4709554"/>
+            <a:ext cx="468000" cy="468000"/>
           </a:xfrm>
           <a:prstGeom prst="rect">
             <a:avLst/>
@@ -8066,10 +4562,938 @@
       </p:pic>
       <p:sp>
         <p:nvSpPr>
-          <p:cNvPr id="4" name="Rechteck: abgerundete Ecken 3">
+          <p:cNvPr id="37" name="Textfeld 36">
             <a:extLst>
               <a:ext uri="{FF2B5EF4-FFF2-40B4-BE49-F238E27FC236}">
-                <a16:creationId xmlns:a16="http://schemas.microsoft.com/office/drawing/2014/main" id="{4B4796D8-9834-4939-B5D2-7BA2DA855B38}"/>
+                <a16:creationId xmlns:a16="http://schemas.microsoft.com/office/drawing/2014/main" id="{615A6FBA-07BA-4D8C-B894-793E5D3432BE}"/>
+              </a:ext>
+            </a:extLst>
+          </p:cNvPr>
+          <p:cNvSpPr txBox="1"/>
+          <p:nvPr/>
+        </p:nvSpPr>
+        <p:spPr>
+          <a:xfrm>
+            <a:off x="2348067" y="5186537"/>
+            <a:ext cx="770302" cy="307777"/>
+          </a:xfrm>
+          <a:prstGeom prst="rect">
+            <a:avLst/>
+          </a:prstGeom>
+          <a:noFill/>
+        </p:spPr>
+        <p:txBody>
+          <a:bodyPr wrap="square" rtlCol="0">
+            <a:spAutoFit/>
+          </a:bodyPr>
+          <a:lstStyle/>
+          <a:p>
+            <a:pPr algn="ctr"/>
+            <a:r>
+              <a:rPr lang="en-GB" sz="1400" dirty="0">
+                <a:latin typeface="Segoe UI Light" panose="020B0502040204020203" pitchFamily="34" charset="0"/>
+                <a:cs typeface="Segoe UI Light" panose="020B0502040204020203" pitchFamily="34" charset="0"/>
+              </a:rPr>
+              <a:t>Health</a:t>
+            </a:r>
+          </a:p>
+        </p:txBody>
+      </p:sp>
+      <p:pic>
+        <p:nvPicPr>
+          <p:cNvPr id="18" name="Grafik 17">
+            <a:extLst>
+              <a:ext uri="{FF2B5EF4-FFF2-40B4-BE49-F238E27FC236}">
+                <a16:creationId xmlns:a16="http://schemas.microsoft.com/office/drawing/2014/main" id="{93953D04-E3B6-434B-A956-503DDDBEC0C7}"/>
+              </a:ext>
+            </a:extLst>
+          </p:cNvPr>
+          <p:cNvPicPr>
+            <a:picLocks noChangeAspect="1"/>
+          </p:cNvPicPr>
+          <p:nvPr/>
+        </p:nvPicPr>
+        <p:blipFill>
+          <a:blip r:embed="rId12">
+            <a:extLst>
+              <a:ext uri="{28A0092B-C50C-407E-A947-70E740481C1C}">
+                <a14:useLocalDpi xmlns:a14="http://schemas.microsoft.com/office/drawing/2010/main" val="0"/>
+              </a:ext>
+            </a:extLst>
+          </a:blip>
+          <a:stretch>
+            <a:fillRect/>
+          </a:stretch>
+        </p:blipFill>
+        <p:spPr>
+          <a:xfrm>
+            <a:off x="3532785" y="4709554"/>
+            <a:ext cx="468000" cy="468000"/>
+          </a:xfrm>
+          <a:prstGeom prst="rect">
+            <a:avLst/>
+          </a:prstGeom>
+        </p:spPr>
+      </p:pic>
+      <p:sp>
+        <p:nvSpPr>
+          <p:cNvPr id="39" name="Textfeld 38">
+            <a:extLst>
+              <a:ext uri="{FF2B5EF4-FFF2-40B4-BE49-F238E27FC236}">
+                <a16:creationId xmlns:a16="http://schemas.microsoft.com/office/drawing/2014/main" id="{713E46D4-7D41-4BA1-8676-96E58FAF443A}"/>
+              </a:ext>
+            </a:extLst>
+          </p:cNvPr>
+          <p:cNvSpPr txBox="1"/>
+          <p:nvPr/>
+        </p:nvSpPr>
+        <p:spPr>
+          <a:xfrm>
+            <a:off x="3208682" y="5188099"/>
+            <a:ext cx="1116205" cy="307777"/>
+          </a:xfrm>
+          <a:prstGeom prst="rect">
+            <a:avLst/>
+          </a:prstGeom>
+          <a:noFill/>
+        </p:spPr>
+        <p:txBody>
+          <a:bodyPr wrap="square" rtlCol="0">
+            <a:spAutoFit/>
+          </a:bodyPr>
+          <a:lstStyle/>
+          <a:p>
+            <a:pPr algn="ctr"/>
+            <a:r>
+              <a:rPr lang="en-GB" sz="1400" dirty="0">
+                <a:latin typeface="Segoe UI Light" panose="020B0502040204020203" pitchFamily="34" charset="0"/>
+                <a:cs typeface="Segoe UI Light" panose="020B0502040204020203" pitchFamily="34" charset="0"/>
+              </a:rPr>
+              <a:t>Population</a:t>
+            </a:r>
+          </a:p>
+        </p:txBody>
+      </p:sp>
+      <p:pic>
+        <p:nvPicPr>
+          <p:cNvPr id="23" name="Grafik 22">
+            <a:extLst>
+              <a:ext uri="{FF2B5EF4-FFF2-40B4-BE49-F238E27FC236}">
+                <a16:creationId xmlns:a16="http://schemas.microsoft.com/office/drawing/2014/main" id="{4F66B2D8-6D8F-45A5-9111-1AE2D7C0F09A}"/>
+              </a:ext>
+            </a:extLst>
+          </p:cNvPr>
+          <p:cNvPicPr>
+            <a:picLocks noChangeAspect="1"/>
+          </p:cNvPicPr>
+          <p:nvPr/>
+        </p:nvPicPr>
+        <p:blipFill>
+          <a:blip r:embed="rId13">
+            <a:extLst>
+              <a:ext uri="{28A0092B-C50C-407E-A947-70E740481C1C}">
+                <a14:useLocalDpi xmlns:a14="http://schemas.microsoft.com/office/drawing/2010/main" val="0"/>
+              </a:ext>
+            </a:extLst>
+          </a:blip>
+          <a:stretch>
+            <a:fillRect/>
+          </a:stretch>
+        </p:blipFill>
+        <p:spPr>
+          <a:xfrm>
+            <a:off x="4568953" y="4709554"/>
+            <a:ext cx="468000" cy="468000"/>
+          </a:xfrm>
+          <a:prstGeom prst="rect">
+            <a:avLst/>
+          </a:prstGeom>
+        </p:spPr>
+      </p:pic>
+      <p:sp>
+        <p:nvSpPr>
+          <p:cNvPr id="44" name="Textfeld 43">
+            <a:extLst>
+              <a:ext uri="{FF2B5EF4-FFF2-40B4-BE49-F238E27FC236}">
+                <a16:creationId xmlns:a16="http://schemas.microsoft.com/office/drawing/2014/main" id="{0F35411B-4874-416F-A88C-0282D00FEA12}"/>
+              </a:ext>
+            </a:extLst>
+          </p:cNvPr>
+          <p:cNvSpPr txBox="1"/>
+          <p:nvPr/>
+        </p:nvSpPr>
+        <p:spPr>
+          <a:xfrm>
+            <a:off x="4187484" y="5195466"/>
+            <a:ext cx="1230938" cy="307777"/>
+          </a:xfrm>
+          <a:prstGeom prst="rect">
+            <a:avLst/>
+          </a:prstGeom>
+          <a:noFill/>
+        </p:spPr>
+        <p:txBody>
+          <a:bodyPr wrap="square" rtlCol="0">
+            <a:spAutoFit/>
+          </a:bodyPr>
+          <a:lstStyle/>
+          <a:p>
+            <a:pPr algn="ctr"/>
+            <a:r>
+              <a:rPr lang="en-GB" sz="1400" dirty="0">
+                <a:latin typeface="Segoe UI Light" panose="020B0502040204020203" pitchFamily="34" charset="0"/>
+                <a:cs typeface="Segoe UI Light" panose="020B0502040204020203" pitchFamily="34" charset="0"/>
+              </a:rPr>
+              <a:t>Infrastructure</a:t>
+            </a:r>
+          </a:p>
+        </p:txBody>
+      </p:sp>
+      <p:pic>
+        <p:nvPicPr>
+          <p:cNvPr id="27" name="Grafik 26">
+            <a:extLst>
+              <a:ext uri="{FF2B5EF4-FFF2-40B4-BE49-F238E27FC236}">
+                <a16:creationId xmlns:a16="http://schemas.microsoft.com/office/drawing/2014/main" id="{17565774-F0C1-42F6-808B-211A39D3B916}"/>
+              </a:ext>
+            </a:extLst>
+          </p:cNvPr>
+          <p:cNvPicPr>
+            <a:picLocks noChangeAspect="1"/>
+          </p:cNvPicPr>
+          <p:nvPr/>
+        </p:nvPicPr>
+        <p:blipFill>
+          <a:blip r:embed="rId14">
+            <a:extLst>
+              <a:ext uri="{28A0092B-C50C-407E-A947-70E740481C1C}">
+                <a14:useLocalDpi xmlns:a14="http://schemas.microsoft.com/office/drawing/2010/main" val="0"/>
+              </a:ext>
+            </a:extLst>
+          </a:blip>
+          <a:stretch>
+            <a:fillRect/>
+          </a:stretch>
+        </p:blipFill>
+        <p:spPr>
+          <a:xfrm>
+            <a:off x="1471894" y="5598484"/>
+            <a:ext cx="468000" cy="468000"/>
+          </a:xfrm>
+          <a:prstGeom prst="rect">
+            <a:avLst/>
+          </a:prstGeom>
+        </p:spPr>
+      </p:pic>
+      <p:sp>
+        <p:nvSpPr>
+          <p:cNvPr id="46" name="Textfeld 45">
+            <a:extLst>
+              <a:ext uri="{FF2B5EF4-FFF2-40B4-BE49-F238E27FC236}">
+                <a16:creationId xmlns:a16="http://schemas.microsoft.com/office/drawing/2014/main" id="{9A2366D0-7D3B-4A3D-B0F1-055C0120D3B4}"/>
+              </a:ext>
+            </a:extLst>
+          </p:cNvPr>
+          <p:cNvSpPr txBox="1"/>
+          <p:nvPr/>
+        </p:nvSpPr>
+        <p:spPr>
+          <a:xfrm>
+            <a:off x="1090124" y="6037218"/>
+            <a:ext cx="1230938" cy="307777"/>
+          </a:xfrm>
+          <a:prstGeom prst="rect">
+            <a:avLst/>
+          </a:prstGeom>
+          <a:noFill/>
+        </p:spPr>
+        <p:txBody>
+          <a:bodyPr wrap="square" rtlCol="0">
+            <a:spAutoFit/>
+          </a:bodyPr>
+          <a:lstStyle/>
+          <a:p>
+            <a:pPr algn="ctr"/>
+            <a:r>
+              <a:rPr lang="en-GB" sz="1400" dirty="0">
+                <a:latin typeface="Segoe UI Light" panose="020B0502040204020203" pitchFamily="34" charset="0"/>
+                <a:cs typeface="Segoe UI Light" panose="020B0502040204020203" pitchFamily="34" charset="0"/>
+              </a:rPr>
+              <a:t>Environment</a:t>
+            </a:r>
+          </a:p>
+        </p:txBody>
+      </p:sp>
+      <p:pic>
+        <p:nvPicPr>
+          <p:cNvPr id="35" name="Grafik 34">
+            <a:extLst>
+              <a:ext uri="{FF2B5EF4-FFF2-40B4-BE49-F238E27FC236}">
+                <a16:creationId xmlns:a16="http://schemas.microsoft.com/office/drawing/2014/main" id="{2AB523F6-55C0-44FC-92F7-73EF1B4DAA73}"/>
+              </a:ext>
+            </a:extLst>
+          </p:cNvPr>
+          <p:cNvPicPr>
+            <a:picLocks noChangeAspect="1"/>
+          </p:cNvPicPr>
+          <p:nvPr/>
+        </p:nvPicPr>
+        <p:blipFill>
+          <a:blip r:embed="rId15">
+            <a:extLst>
+              <a:ext uri="{28A0092B-C50C-407E-A947-70E740481C1C}">
+                <a14:useLocalDpi xmlns:a14="http://schemas.microsoft.com/office/drawing/2010/main" val="0"/>
+              </a:ext>
+            </a:extLst>
+          </a:blip>
+          <a:stretch>
+            <a:fillRect/>
+          </a:stretch>
+        </p:blipFill>
+        <p:spPr>
+          <a:xfrm>
+            <a:off x="2478153" y="5598484"/>
+            <a:ext cx="468000" cy="468000"/>
+          </a:xfrm>
+          <a:prstGeom prst="rect">
+            <a:avLst/>
+          </a:prstGeom>
+        </p:spPr>
+      </p:pic>
+      <p:sp>
+        <p:nvSpPr>
+          <p:cNvPr id="48" name="Textfeld 47">
+            <a:extLst>
+              <a:ext uri="{FF2B5EF4-FFF2-40B4-BE49-F238E27FC236}">
+                <a16:creationId xmlns:a16="http://schemas.microsoft.com/office/drawing/2014/main" id="{6C14096D-006D-40E2-A259-384BBBEFC748}"/>
+              </a:ext>
+            </a:extLst>
+          </p:cNvPr>
+          <p:cNvSpPr txBox="1"/>
+          <p:nvPr/>
+        </p:nvSpPr>
+        <p:spPr>
+          <a:xfrm>
+            <a:off x="2225547" y="6030684"/>
+            <a:ext cx="973212" cy="307777"/>
+          </a:xfrm>
+          <a:prstGeom prst="rect">
+            <a:avLst/>
+          </a:prstGeom>
+          <a:noFill/>
+        </p:spPr>
+        <p:txBody>
+          <a:bodyPr wrap="square" rtlCol="0">
+            <a:spAutoFit/>
+          </a:bodyPr>
+          <a:lstStyle/>
+          <a:p>
+            <a:pPr algn="ctr"/>
+            <a:r>
+              <a:rPr lang="en-GB" sz="1400" dirty="0">
+                <a:latin typeface="Segoe UI Light" panose="020B0502040204020203" pitchFamily="34" charset="0"/>
+                <a:cs typeface="Segoe UI Light" panose="020B0502040204020203" pitchFamily="34" charset="0"/>
+              </a:rPr>
+              <a:t>Education</a:t>
+            </a:r>
+          </a:p>
+        </p:txBody>
+      </p:sp>
+      <p:pic>
+        <p:nvPicPr>
+          <p:cNvPr id="50" name="Grafik 49">
+            <a:extLst>
+              <a:ext uri="{FF2B5EF4-FFF2-40B4-BE49-F238E27FC236}">
+                <a16:creationId xmlns:a16="http://schemas.microsoft.com/office/drawing/2014/main" id="{23D114B9-EC65-4094-B439-75EFDD11F9A9}"/>
+              </a:ext>
+            </a:extLst>
+          </p:cNvPr>
+          <p:cNvPicPr>
+            <a:picLocks noChangeAspect="1"/>
+          </p:cNvPicPr>
+          <p:nvPr/>
+        </p:nvPicPr>
+        <p:blipFill>
+          <a:blip r:embed="rId16">
+            <a:extLst>
+              <a:ext uri="{28A0092B-C50C-407E-A947-70E740481C1C}">
+                <a14:useLocalDpi xmlns:a14="http://schemas.microsoft.com/office/drawing/2010/main" val="0"/>
+              </a:ext>
+            </a:extLst>
+          </a:blip>
+          <a:stretch>
+            <a:fillRect/>
+          </a:stretch>
+        </p:blipFill>
+        <p:spPr>
+          <a:xfrm>
+            <a:off x="3522512" y="5598484"/>
+            <a:ext cx="468000" cy="468000"/>
+          </a:xfrm>
+          <a:prstGeom prst="rect">
+            <a:avLst/>
+          </a:prstGeom>
+        </p:spPr>
+      </p:pic>
+      <p:sp>
+        <p:nvSpPr>
+          <p:cNvPr id="51" name="Textfeld 50">
+            <a:extLst>
+              <a:ext uri="{FF2B5EF4-FFF2-40B4-BE49-F238E27FC236}">
+                <a16:creationId xmlns:a16="http://schemas.microsoft.com/office/drawing/2014/main" id="{56668B34-3AA5-4AC1-B6D0-9B49068216B6}"/>
+              </a:ext>
+            </a:extLst>
+          </p:cNvPr>
+          <p:cNvSpPr txBox="1"/>
+          <p:nvPr/>
+        </p:nvSpPr>
+        <p:spPr>
+          <a:xfrm>
+            <a:off x="3228538" y="6033339"/>
+            <a:ext cx="1047500" cy="307777"/>
+          </a:xfrm>
+          <a:prstGeom prst="rect">
+            <a:avLst/>
+          </a:prstGeom>
+          <a:noFill/>
+        </p:spPr>
+        <p:txBody>
+          <a:bodyPr wrap="square" rtlCol="0">
+            <a:spAutoFit/>
+          </a:bodyPr>
+          <a:lstStyle/>
+          <a:p>
+            <a:pPr algn="ctr"/>
+            <a:r>
+              <a:rPr lang="en-GB" sz="1400" dirty="0">
+                <a:latin typeface="Segoe UI Light" panose="020B0502040204020203" pitchFamily="34" charset="0"/>
+                <a:cs typeface="Segoe UI Light" panose="020B0502040204020203" pitchFamily="34" charset="0"/>
+              </a:rPr>
+              <a:t>Economy</a:t>
+            </a:r>
+          </a:p>
+        </p:txBody>
+      </p:sp>
+      <p:pic>
+        <p:nvPicPr>
+          <p:cNvPr id="53" name="Grafik 52">
+            <a:extLst>
+              <a:ext uri="{FF2B5EF4-FFF2-40B4-BE49-F238E27FC236}">
+                <a16:creationId xmlns:a16="http://schemas.microsoft.com/office/drawing/2014/main" id="{F4A92F58-5F70-4B6C-9BB7-82E8818B7E85}"/>
+              </a:ext>
+            </a:extLst>
+          </p:cNvPr>
+          <p:cNvPicPr>
+            <a:picLocks noChangeAspect="1"/>
+          </p:cNvPicPr>
+          <p:nvPr/>
+        </p:nvPicPr>
+        <p:blipFill>
+          <a:blip r:embed="rId17">
+            <a:extLst>
+              <a:ext uri="{28A0092B-C50C-407E-A947-70E740481C1C}">
+                <a14:useLocalDpi xmlns:a14="http://schemas.microsoft.com/office/drawing/2010/main" val="0"/>
+              </a:ext>
+            </a:extLst>
+          </a:blip>
+          <a:stretch>
+            <a:fillRect/>
+          </a:stretch>
+        </p:blipFill>
+        <p:spPr>
+          <a:xfrm>
+            <a:off x="4566871" y="5598484"/>
+            <a:ext cx="468000" cy="468000"/>
+          </a:xfrm>
+          <a:prstGeom prst="rect">
+            <a:avLst/>
+          </a:prstGeom>
+        </p:spPr>
+      </p:pic>
+      <p:sp>
+        <p:nvSpPr>
+          <p:cNvPr id="54" name="Textfeld 53">
+            <a:extLst>
+              <a:ext uri="{FF2B5EF4-FFF2-40B4-BE49-F238E27FC236}">
+                <a16:creationId xmlns:a16="http://schemas.microsoft.com/office/drawing/2014/main" id="{11181380-77BB-4FDF-AB5D-6ED36AFEE862}"/>
+              </a:ext>
+            </a:extLst>
+          </p:cNvPr>
+          <p:cNvSpPr txBox="1"/>
+          <p:nvPr/>
+        </p:nvSpPr>
+        <p:spPr>
+          <a:xfrm>
+            <a:off x="4317748" y="6041187"/>
+            <a:ext cx="965368" cy="307777"/>
+          </a:xfrm>
+          <a:prstGeom prst="rect">
+            <a:avLst/>
+          </a:prstGeom>
+          <a:noFill/>
+        </p:spPr>
+        <p:txBody>
+          <a:bodyPr wrap="square" rtlCol="0">
+            <a:spAutoFit/>
+          </a:bodyPr>
+          <a:lstStyle/>
+          <a:p>
+            <a:pPr algn="ctr"/>
+            <a:r>
+              <a:rPr lang="en-GB" sz="1400" dirty="0">
+                <a:latin typeface="Segoe UI Light" panose="020B0502040204020203" pitchFamily="34" charset="0"/>
+                <a:cs typeface="Segoe UI Light" panose="020B0502040204020203" pitchFamily="34" charset="0"/>
+              </a:rPr>
+              <a:t>Politics</a:t>
+            </a:r>
+          </a:p>
+        </p:txBody>
+      </p:sp>
+      <p:sp>
+        <p:nvSpPr>
+          <p:cNvPr id="55" name="Textfeld 54">
+            <a:extLst>
+              <a:ext uri="{FF2B5EF4-FFF2-40B4-BE49-F238E27FC236}">
+                <a16:creationId xmlns:a16="http://schemas.microsoft.com/office/drawing/2014/main" id="{FD7864BE-EC92-4B34-981D-BDD811868612}"/>
+              </a:ext>
+            </a:extLst>
+          </p:cNvPr>
+          <p:cNvSpPr txBox="1"/>
+          <p:nvPr/>
+        </p:nvSpPr>
+        <p:spPr>
+          <a:xfrm>
+            <a:off x="1089090" y="4319717"/>
+            <a:ext cx="1170101" cy="338554"/>
+          </a:xfrm>
+          <a:prstGeom prst="rect">
+            <a:avLst/>
+          </a:prstGeom>
+          <a:noFill/>
+        </p:spPr>
+        <p:txBody>
+          <a:bodyPr wrap="square" rtlCol="0">
+            <a:spAutoFit/>
+          </a:bodyPr>
+          <a:lstStyle/>
+          <a:p>
+            <a:r>
+              <a:rPr lang="en-GB" sz="1600" b="1" dirty="0">
+                <a:latin typeface="Segoe UI Light" panose="020B0502040204020203" pitchFamily="34" charset="0"/>
+                <a:cs typeface="Segoe UI Light" panose="020B0502040204020203" pitchFamily="34" charset="0"/>
+              </a:rPr>
+              <a:t>Variables</a:t>
+            </a:r>
+            <a:endParaRPr lang="en-GB" b="1" dirty="0">
+              <a:latin typeface="Segoe UI Light" panose="020B0502040204020203" pitchFamily="34" charset="0"/>
+              <a:cs typeface="Segoe UI Light" panose="020B0502040204020203" pitchFamily="34" charset="0"/>
+            </a:endParaRPr>
+          </a:p>
+        </p:txBody>
+      </p:sp>
+      <p:sp>
+        <p:nvSpPr>
+          <p:cNvPr id="66" name="Textfeld 65">
+            <a:extLst>
+              <a:ext uri="{FF2B5EF4-FFF2-40B4-BE49-F238E27FC236}">
+                <a16:creationId xmlns:a16="http://schemas.microsoft.com/office/drawing/2014/main" id="{74A0C1E6-4CEF-4939-B100-C6B355EF2D59}"/>
+              </a:ext>
+            </a:extLst>
+          </p:cNvPr>
+          <p:cNvSpPr txBox="1"/>
+          <p:nvPr/>
+        </p:nvSpPr>
+        <p:spPr>
+          <a:xfrm>
+            <a:off x="1066527" y="6485554"/>
+            <a:ext cx="2340635" cy="338554"/>
+          </a:xfrm>
+          <a:prstGeom prst="rect">
+            <a:avLst/>
+          </a:prstGeom>
+          <a:noFill/>
+        </p:spPr>
+        <p:txBody>
+          <a:bodyPr wrap="square" rtlCol="0">
+            <a:spAutoFit/>
+          </a:bodyPr>
+          <a:lstStyle/>
+          <a:p>
+            <a:r>
+              <a:rPr lang="en-GB" sz="1600" b="1" dirty="0">
+                <a:latin typeface="Segoe UI Light" panose="020B0502040204020203" pitchFamily="34" charset="0"/>
+                <a:cs typeface="Segoe UI Light" panose="020B0502040204020203" pitchFamily="34" charset="0"/>
+              </a:rPr>
+              <a:t>Data Pre-processing</a:t>
+            </a:r>
+          </a:p>
+        </p:txBody>
+      </p:sp>
+      <p:sp>
+        <p:nvSpPr>
+          <p:cNvPr id="70" name="Textfeld 69">
+            <a:extLst>
+              <a:ext uri="{FF2B5EF4-FFF2-40B4-BE49-F238E27FC236}">
+                <a16:creationId xmlns:a16="http://schemas.microsoft.com/office/drawing/2014/main" id="{C09A3853-3912-444D-89AD-A9B50E597ED4}"/>
+              </a:ext>
+            </a:extLst>
+          </p:cNvPr>
+          <p:cNvSpPr txBox="1"/>
+          <p:nvPr/>
+        </p:nvSpPr>
+        <p:spPr>
+          <a:xfrm>
+            <a:off x="5588181" y="4319717"/>
+            <a:ext cx="2188927" cy="2554545"/>
+          </a:xfrm>
+          <a:prstGeom prst="rect">
+            <a:avLst/>
+          </a:prstGeom>
+          <a:noFill/>
+        </p:spPr>
+        <p:txBody>
+          <a:bodyPr wrap="square" rtlCol="0">
+            <a:spAutoFit/>
+          </a:bodyPr>
+          <a:lstStyle/>
+          <a:p>
+            <a:r>
+              <a:rPr lang="en-GB" sz="1600" b="1" dirty="0">
+                <a:latin typeface="Segoe UI Light" panose="020B0502040204020203" pitchFamily="34" charset="0"/>
+                <a:cs typeface="Segoe UI Light" panose="020B0502040204020203" pitchFamily="34" charset="0"/>
+              </a:rPr>
+              <a:t>World Happiness Rank</a:t>
+            </a:r>
+          </a:p>
+          <a:p>
+            <a:endParaRPr lang="en-GB" sz="1000" b="1" dirty="0">
+              <a:latin typeface="Segoe UI Light" panose="020B0502040204020203" pitchFamily="34" charset="0"/>
+              <a:cs typeface="Segoe UI Light" panose="020B0502040204020203" pitchFamily="34" charset="0"/>
+            </a:endParaRPr>
+          </a:p>
+          <a:p>
+            <a:r>
+              <a:rPr lang="en-GB" sz="1400" dirty="0">
+                <a:latin typeface="Segoe UI Light" panose="020B0502040204020203" pitchFamily="34" charset="0"/>
+                <a:cs typeface="Segoe UI Light" panose="020B0502040204020203" pitchFamily="34" charset="0"/>
+              </a:rPr>
+              <a:t>      Switzerland</a:t>
+            </a:r>
+          </a:p>
+          <a:p>
+            <a:r>
+              <a:rPr lang="en-GB" sz="1400" dirty="0">
+                <a:latin typeface="Segoe UI Light" panose="020B0502040204020203" pitchFamily="34" charset="0"/>
+                <a:cs typeface="Segoe UI Light" panose="020B0502040204020203" pitchFamily="34" charset="0"/>
+              </a:rPr>
+              <a:t>      Iceland</a:t>
+            </a:r>
+          </a:p>
+          <a:p>
+            <a:r>
+              <a:rPr lang="en-GB" sz="1400" dirty="0">
+                <a:latin typeface="Segoe UI Light" panose="020B0502040204020203" pitchFamily="34" charset="0"/>
+                <a:cs typeface="Segoe UI Light" panose="020B0502040204020203" pitchFamily="34" charset="0"/>
+              </a:rPr>
+              <a:t>      Denmark</a:t>
+            </a:r>
+          </a:p>
+          <a:p>
+            <a:r>
+              <a:rPr lang="en-GB" sz="1400" dirty="0">
+                <a:latin typeface="Segoe UI Light" panose="020B0502040204020203" pitchFamily="34" charset="0"/>
+                <a:cs typeface="Segoe UI Light" panose="020B0502040204020203" pitchFamily="34" charset="0"/>
+              </a:rPr>
+              <a:t>      …</a:t>
+            </a:r>
+          </a:p>
+          <a:p>
+            <a:r>
+              <a:rPr lang="en-GB" sz="1400" dirty="0">
+                <a:latin typeface="Segoe UI Light" panose="020B0502040204020203" pitchFamily="34" charset="0"/>
+                <a:cs typeface="Segoe UI Light" panose="020B0502040204020203" pitchFamily="34" charset="0"/>
+              </a:rPr>
+              <a:t>      Benin</a:t>
+            </a:r>
+          </a:p>
+          <a:p>
+            <a:r>
+              <a:rPr lang="en-GB" sz="1400" dirty="0">
+                <a:latin typeface="Segoe UI Light" panose="020B0502040204020203" pitchFamily="34" charset="0"/>
+                <a:cs typeface="Segoe UI Light" panose="020B0502040204020203" pitchFamily="34" charset="0"/>
+              </a:rPr>
+              <a:t>      Syria</a:t>
+            </a:r>
+          </a:p>
+          <a:p>
+            <a:r>
+              <a:rPr lang="en-GB" sz="1400" dirty="0">
+                <a:latin typeface="Segoe UI Light" panose="020B0502040204020203" pitchFamily="34" charset="0"/>
+                <a:cs typeface="Segoe UI Light" panose="020B0502040204020203" pitchFamily="34" charset="0"/>
+              </a:rPr>
+              <a:t>      Togo</a:t>
+            </a:r>
+          </a:p>
+          <a:p>
+            <a:endParaRPr lang="en-GB" dirty="0">
+              <a:latin typeface="Segoe UI Light" panose="020B0502040204020203" pitchFamily="34" charset="0"/>
+              <a:cs typeface="Segoe UI Light" panose="020B0502040204020203" pitchFamily="34" charset="0"/>
+            </a:endParaRPr>
+          </a:p>
+          <a:p>
+            <a:endParaRPr lang="en-GB" b="1" dirty="0">
+              <a:latin typeface="Segoe UI Light" panose="020B0502040204020203" pitchFamily="34" charset="0"/>
+              <a:cs typeface="Segoe UI Light" panose="020B0502040204020203" pitchFamily="34" charset="0"/>
+            </a:endParaRPr>
+          </a:p>
+        </p:txBody>
+      </p:sp>
+      <p:sp>
+        <p:nvSpPr>
+          <p:cNvPr id="71" name="Textfeld 70">
+            <a:extLst>
+              <a:ext uri="{FF2B5EF4-FFF2-40B4-BE49-F238E27FC236}">
+                <a16:creationId xmlns:a16="http://schemas.microsoft.com/office/drawing/2014/main" id="{85096C5C-A0D7-4B11-9DB7-9B2C9650AB29}"/>
+              </a:ext>
+            </a:extLst>
+          </p:cNvPr>
+          <p:cNvSpPr txBox="1"/>
+          <p:nvPr/>
+        </p:nvSpPr>
+        <p:spPr>
+          <a:xfrm>
+            <a:off x="6966916" y="4709637"/>
+            <a:ext cx="7541967" cy="1384995"/>
+          </a:xfrm>
+          <a:prstGeom prst="rect">
+            <a:avLst/>
+          </a:prstGeom>
+          <a:noFill/>
+        </p:spPr>
+        <p:txBody>
+          <a:bodyPr wrap="square" rtlCol="0">
+            <a:spAutoFit/>
+          </a:bodyPr>
+          <a:lstStyle/>
+          <a:p>
+            <a:pPr algn="just"/>
+            <a:r>
+              <a:rPr lang="en-GB" sz="1400" dirty="0">
+                <a:latin typeface="Segoe UI Light" panose="020B0502040204020203" pitchFamily="34" charset="0"/>
+                <a:cs typeface="Segoe UI Light" panose="020B0502040204020203" pitchFamily="34" charset="0"/>
+              </a:rPr>
+              <a:t>The worlds happiest countries are Switzerland, Iceland and Denmark. The variables that are the most contributing to this result is high quality of Family Life, Health Life Expectancy and Freedom. The least happy countries are Benin, Syria and Togo. The variables indicating their happiness are Economy, Family and Automotive Mortality. </a:t>
+            </a:r>
+          </a:p>
+          <a:p>
+            <a:pPr algn="just"/>
+            <a:r>
+              <a:rPr lang="en-GB" sz="1400" dirty="0">
+                <a:latin typeface="Segoe UI Light" panose="020B0502040204020203" pitchFamily="34" charset="0"/>
+                <a:cs typeface="Segoe UI Light" panose="020B0502040204020203" pitchFamily="34" charset="0"/>
+              </a:rPr>
+              <a:t>In general the people living in the countries of Western Europe and America tend to be happier than the people living in Africa and Asia.</a:t>
+            </a:r>
+            <a:endParaRPr lang="en-GB" b="1" dirty="0">
+              <a:latin typeface="Segoe UI Light" panose="020B0502040204020203" pitchFamily="34" charset="0"/>
+              <a:cs typeface="Segoe UI Light" panose="020B0502040204020203" pitchFamily="34" charset="0"/>
+            </a:endParaRPr>
+          </a:p>
+        </p:txBody>
+      </p:sp>
+      <p:pic>
+        <p:nvPicPr>
+          <p:cNvPr id="74" name="Grafik 73">
+            <a:extLst>
+              <a:ext uri="{FF2B5EF4-FFF2-40B4-BE49-F238E27FC236}">
+                <a16:creationId xmlns:a16="http://schemas.microsoft.com/office/drawing/2014/main" id="{2C75AF1F-5CEB-4A39-859B-B770DC653AC9}"/>
+              </a:ext>
+            </a:extLst>
+          </p:cNvPr>
+          <p:cNvPicPr>
+            <a:picLocks noChangeAspect="1"/>
+          </p:cNvPicPr>
+          <p:nvPr/>
+        </p:nvPicPr>
+        <p:blipFill>
+          <a:blip r:embed="rId18">
+            <a:extLst>
+              <a:ext uri="{28A0092B-C50C-407E-A947-70E740481C1C}">
+                <a14:useLocalDpi xmlns:a14="http://schemas.microsoft.com/office/drawing/2010/main" val="0"/>
+              </a:ext>
+            </a:extLst>
+          </a:blip>
+          <a:stretch>
+            <a:fillRect/>
+          </a:stretch>
+        </p:blipFill>
+        <p:spPr>
+          <a:xfrm>
+            <a:off x="5722173" y="4778826"/>
+            <a:ext cx="162000" cy="162000"/>
+          </a:xfrm>
+          <a:prstGeom prst="rect">
+            <a:avLst/>
+          </a:prstGeom>
+        </p:spPr>
+      </p:pic>
+      <p:pic>
+        <p:nvPicPr>
+          <p:cNvPr id="77" name="Grafik 76">
+            <a:extLst>
+              <a:ext uri="{FF2B5EF4-FFF2-40B4-BE49-F238E27FC236}">
+                <a16:creationId xmlns:a16="http://schemas.microsoft.com/office/drawing/2014/main" id="{712A983A-EA50-4904-9A6C-F5AB858A94F4}"/>
+              </a:ext>
+            </a:extLst>
+          </p:cNvPr>
+          <p:cNvPicPr>
+            <a:picLocks noChangeAspect="1"/>
+          </p:cNvPicPr>
+          <p:nvPr/>
+        </p:nvPicPr>
+        <p:blipFill>
+          <a:blip r:embed="rId19">
+            <a:extLst>
+              <a:ext uri="{28A0092B-C50C-407E-A947-70E740481C1C}">
+                <a14:useLocalDpi xmlns:a14="http://schemas.microsoft.com/office/drawing/2010/main" val="0"/>
+              </a:ext>
+            </a:extLst>
+          </a:blip>
+          <a:stretch>
+            <a:fillRect/>
+          </a:stretch>
+        </p:blipFill>
+        <p:spPr>
+          <a:xfrm>
+            <a:off x="5722173" y="5002319"/>
+            <a:ext cx="162000" cy="162000"/>
+          </a:xfrm>
+          <a:prstGeom prst="rect">
+            <a:avLst/>
+          </a:prstGeom>
+        </p:spPr>
+      </p:pic>
+      <p:pic>
+        <p:nvPicPr>
+          <p:cNvPr id="80" name="Grafik 79">
+            <a:extLst>
+              <a:ext uri="{FF2B5EF4-FFF2-40B4-BE49-F238E27FC236}">
+                <a16:creationId xmlns:a16="http://schemas.microsoft.com/office/drawing/2014/main" id="{A401FFFC-38C8-42FA-96D7-BDFCC1007BA9}"/>
+              </a:ext>
+            </a:extLst>
+          </p:cNvPr>
+          <p:cNvPicPr>
+            <a:picLocks noChangeAspect="1"/>
+          </p:cNvPicPr>
+          <p:nvPr/>
+        </p:nvPicPr>
+        <p:blipFill>
+          <a:blip r:embed="rId20">
+            <a:extLst>
+              <a:ext uri="{28A0092B-C50C-407E-A947-70E740481C1C}">
+                <a14:useLocalDpi xmlns:a14="http://schemas.microsoft.com/office/drawing/2010/main" val="0"/>
+              </a:ext>
+            </a:extLst>
+          </a:blip>
+          <a:stretch>
+            <a:fillRect/>
+          </a:stretch>
+        </p:blipFill>
+        <p:spPr>
+          <a:xfrm>
+            <a:off x="5716260" y="5220395"/>
+            <a:ext cx="162000" cy="162000"/>
+          </a:xfrm>
+          <a:prstGeom prst="rect">
+            <a:avLst/>
+          </a:prstGeom>
+        </p:spPr>
+      </p:pic>
+      <p:pic>
+        <p:nvPicPr>
+          <p:cNvPr id="83" name="Grafik 82">
+            <a:extLst>
+              <a:ext uri="{FF2B5EF4-FFF2-40B4-BE49-F238E27FC236}">
+                <a16:creationId xmlns:a16="http://schemas.microsoft.com/office/drawing/2014/main" id="{C16A84EF-0560-407B-9026-DBD1E542C061}"/>
+              </a:ext>
+            </a:extLst>
+          </p:cNvPr>
+          <p:cNvPicPr>
+            <a:picLocks noChangeAspect="1"/>
+          </p:cNvPicPr>
+          <p:nvPr/>
+        </p:nvPicPr>
+        <p:blipFill>
+          <a:blip r:embed="rId21">
+            <a:extLst>
+              <a:ext uri="{28A0092B-C50C-407E-A947-70E740481C1C}">
+                <a14:useLocalDpi xmlns:a14="http://schemas.microsoft.com/office/drawing/2010/main" val="0"/>
+              </a:ext>
+            </a:extLst>
+          </a:blip>
+          <a:stretch>
+            <a:fillRect/>
+          </a:stretch>
+        </p:blipFill>
+        <p:spPr>
+          <a:xfrm>
+            <a:off x="5714308" y="6083974"/>
+            <a:ext cx="162000" cy="162000"/>
+          </a:xfrm>
+          <a:prstGeom prst="rect">
+            <a:avLst/>
+          </a:prstGeom>
+        </p:spPr>
+      </p:pic>
+      <p:sp>
+        <p:nvSpPr>
+          <p:cNvPr id="86" name="Textfeld 85">
+            <a:extLst>
+              <a:ext uri="{FF2B5EF4-FFF2-40B4-BE49-F238E27FC236}">
+                <a16:creationId xmlns:a16="http://schemas.microsoft.com/office/drawing/2014/main" id="{2D4AD2A7-E80C-4845-8110-77925FB7C684}"/>
+              </a:ext>
+            </a:extLst>
+          </p:cNvPr>
+          <p:cNvSpPr txBox="1"/>
+          <p:nvPr/>
+        </p:nvSpPr>
+        <p:spPr>
+          <a:xfrm>
+            <a:off x="24054340" y="5893354"/>
+            <a:ext cx="5187322" cy="954107"/>
+          </a:xfrm>
+          <a:prstGeom prst="rect">
+            <a:avLst/>
+          </a:prstGeom>
+          <a:noFill/>
+        </p:spPr>
+        <p:txBody>
+          <a:bodyPr wrap="square" rtlCol="0">
+            <a:spAutoFit/>
+          </a:bodyPr>
+          <a:lstStyle/>
+          <a:p>
+            <a:pPr algn="just"/>
+            <a:r>
+              <a:rPr lang="en-GB" sz="1400" dirty="0">
+                <a:latin typeface="Segoe UI Light" panose="020B0502040204020203" pitchFamily="34" charset="0"/>
+                <a:cs typeface="Segoe UI Light" panose="020B0502040204020203" pitchFamily="34" charset="0"/>
+              </a:rPr>
+              <a:t>The results of FA show how the assignment of the variables to the dimensions changed. After rotating the PC’s, the second and the third dimensions explains more variance. Furthermore, the Loadings are more clear in terms of interpretation.</a:t>
+            </a:r>
+            <a:endParaRPr lang="en-GB" b="1" dirty="0">
+              <a:latin typeface="Segoe UI Light" panose="020B0502040204020203" pitchFamily="34" charset="0"/>
+              <a:cs typeface="Segoe UI Light" panose="020B0502040204020203" pitchFamily="34" charset="0"/>
+            </a:endParaRPr>
+          </a:p>
+        </p:txBody>
+      </p:sp>
+      <p:sp>
+        <p:nvSpPr>
+          <p:cNvPr id="2" name="Rechteck: abgerundete Ecken 1">
+            <a:extLst>
+              <a:ext uri="{FF2B5EF4-FFF2-40B4-BE49-F238E27FC236}">
+                <a16:creationId xmlns:a16="http://schemas.microsoft.com/office/drawing/2014/main" id="{9EB4E38C-BB81-4B83-AA86-1A37E719DCA0}"/>
               </a:ext>
             </a:extLst>
           </p:cNvPr>
@@ -8078,8 +5502,8 @@
         </p:nvSpPr>
         <p:spPr>
           <a:xfrm>
-            <a:off x="15019920" y="1949325"/>
-            <a:ext cx="14534857" cy="9217437"/>
+            <a:off x="720436" y="1949326"/>
+            <a:ext cx="14013831" cy="9217437"/>
           </a:xfrm>
           <a:prstGeom prst="roundRect">
             <a:avLst/>
@@ -8103,25 +5527,20 @@
           </a:fontRef>
         </p:style>
         <p:txBody>
-          <a:bodyPr rot="0" spcFirstLastPara="0" vertOverflow="overflow" horzOverflow="overflow" vert="horz" wrap="square" lIns="91440" tIns="45720" rIns="91440" bIns="45720" numCol="1" spcCol="0" rtlCol="0" fromWordArt="0" anchor="ctr" anchorCtr="0" forceAA="0" compatLnSpc="1">
-            <a:prstTxWarp prst="textNoShape">
-              <a:avLst/>
-            </a:prstTxWarp>
-            <a:noAutofit/>
-          </a:bodyPr>
+          <a:bodyPr rtlCol="0" anchor="ctr"/>
           <a:lstStyle/>
           <a:p>
             <a:pPr algn="ctr"/>
-            <a:endParaRPr lang="en-GB"/>
-          </a:p>
-        </p:txBody>
-      </p:sp>
-      <p:sp>
-        <p:nvSpPr>
-          <p:cNvPr id="14" name="Rechteck: abgerundete Ecken 13">
+            <a:endParaRPr lang="en-GB" dirty="0"/>
+          </a:p>
+        </p:txBody>
+      </p:sp>
+      <p:sp>
+        <p:nvSpPr>
+          <p:cNvPr id="15" name="Rechteck: abgerundete Ecken 14">
             <a:extLst>
               <a:ext uri="{FF2B5EF4-FFF2-40B4-BE49-F238E27FC236}">
-                <a16:creationId xmlns:a16="http://schemas.microsoft.com/office/drawing/2014/main" id="{C9448E25-4DFB-417F-9427-887A0EB7343A}"/>
+                <a16:creationId xmlns:a16="http://schemas.microsoft.com/office/drawing/2014/main" id="{615EA419-6204-4B9E-AA03-B160DB96CEE4}"/>
               </a:ext>
             </a:extLst>
           </p:cNvPr>
@@ -8130,7 +5549,7 @@
         </p:nvSpPr>
         <p:spPr>
           <a:xfrm>
-            <a:off x="16075143" y="1747815"/>
+            <a:off x="1287545" y="1747815"/>
             <a:ext cx="3672000" cy="828000"/>
           </a:xfrm>
           <a:prstGeom prst="roundRect">
@@ -8166,17 +5585,52 @@
                 <a:latin typeface="Segoe UI Light" panose="020B0502040204020203" pitchFamily="34" charset="0"/>
                 <a:cs typeface="Segoe UI Light" panose="020B0502040204020203" pitchFamily="34" charset="0"/>
               </a:rPr>
-              <a:t>Dimension Reduction</a:t>
-            </a:r>
-          </a:p>
-        </p:txBody>
-      </p:sp>
-      <p:sp>
-        <p:nvSpPr>
-          <p:cNvPr id="59" name="Textfeld 58">
+              <a:t>Data Exploration</a:t>
+            </a:r>
+          </a:p>
+        </p:txBody>
+      </p:sp>
+      <p:pic>
+        <p:nvPicPr>
+          <p:cNvPr id="41" name="Grafik 40">
             <a:extLst>
               <a:ext uri="{FF2B5EF4-FFF2-40B4-BE49-F238E27FC236}">
-                <a16:creationId xmlns:a16="http://schemas.microsoft.com/office/drawing/2014/main" id="{E132089D-43B6-49D8-A9C5-FA4D081BC2C7}"/>
+                <a16:creationId xmlns:a16="http://schemas.microsoft.com/office/drawing/2014/main" id="{08E8AFA2-A2F7-41CD-AA6A-0414E5BC2DE4}"/>
+              </a:ext>
+            </a:extLst>
+          </p:cNvPr>
+          <p:cNvPicPr>
+            <a:picLocks noChangeAspect="1"/>
+          </p:cNvPicPr>
+          <p:nvPr/>
+        </p:nvPicPr>
+        <p:blipFill rotWithShape="1">
+          <a:blip r:embed="rId22">
+            <a:extLst>
+              <a:ext uri="{28A0092B-C50C-407E-A947-70E740481C1C}">
+                <a14:useLocalDpi xmlns:a14="http://schemas.microsoft.com/office/drawing/2010/main" val="0"/>
+              </a:ext>
+            </a:extLst>
+          </a:blip>
+          <a:srcRect t="5254" r="36709"/>
+          <a:stretch/>
+        </p:blipFill>
+        <p:spPr>
+          <a:xfrm>
+            <a:off x="25964218" y="2563203"/>
+            <a:ext cx="3159739" cy="3057466"/>
+          </a:xfrm>
+          <a:prstGeom prst="rect">
+            <a:avLst/>
+          </a:prstGeom>
+        </p:spPr>
+      </p:pic>
+      <p:sp>
+        <p:nvSpPr>
+          <p:cNvPr id="78" name="Textfeld 77">
+            <a:extLst>
+              <a:ext uri="{FF2B5EF4-FFF2-40B4-BE49-F238E27FC236}">
+                <a16:creationId xmlns:a16="http://schemas.microsoft.com/office/drawing/2014/main" id="{01AAE052-7ACB-4B91-9469-813CA409F9EF}"/>
               </a:ext>
             </a:extLst>
           </p:cNvPr>
@@ -8185,8 +5639,8 @@
         </p:nvSpPr>
         <p:spPr>
           <a:xfrm>
-            <a:off x="16842748" y="18178908"/>
-            <a:ext cx="5147259" cy="369332"/>
+            <a:off x="15110686" y="6006505"/>
+            <a:ext cx="4950976" cy="1169551"/>
           </a:xfrm>
           <a:prstGeom prst="rect">
             <a:avLst/>
@@ -8199,7 +5653,2682 @@
           </a:bodyPr>
           <a:lstStyle/>
           <a:p>
-            <a:endParaRPr lang="en-GB" dirty="0"/>
+            <a:pPr algn="just"/>
+            <a:r>
+              <a:rPr lang="fr-BE" sz="1400" dirty="0">
+                <a:latin typeface="Segoe UI Light" panose="020B0502040204020203" pitchFamily="34" charset="0"/>
+                <a:cs typeface="Segoe UI Light" panose="020B0502040204020203" pitchFamily="34" charset="0"/>
+              </a:rPr>
+              <a:t>The </a:t>
+            </a:r>
+            <a:r>
+              <a:rPr lang="fr-BE" sz="1400" dirty="0" err="1">
+                <a:latin typeface="Segoe UI Light" panose="020B0502040204020203" pitchFamily="34" charset="0"/>
+                <a:cs typeface="Segoe UI Light" panose="020B0502040204020203" pitchFamily="34" charset="0"/>
+              </a:rPr>
+              <a:t>results</a:t>
+            </a:r>
+            <a:r>
+              <a:rPr lang="fr-BE" sz="1400" dirty="0">
+                <a:latin typeface="Segoe UI Light" panose="020B0502040204020203" pitchFamily="34" charset="0"/>
+                <a:cs typeface="Segoe UI Light" panose="020B0502040204020203" pitchFamily="34" charset="0"/>
+              </a:rPr>
+              <a:t> of PCA show the </a:t>
+            </a:r>
+            <a:r>
+              <a:rPr lang="fr-BE" sz="1400" dirty="0" err="1">
+                <a:latin typeface="Segoe UI Light" panose="020B0502040204020203" pitchFamily="34" charset="0"/>
+                <a:cs typeface="Segoe UI Light" panose="020B0502040204020203" pitchFamily="34" charset="0"/>
+              </a:rPr>
+              <a:t>quality</a:t>
+            </a:r>
+            <a:r>
+              <a:rPr lang="fr-BE" sz="1400" dirty="0">
+                <a:latin typeface="Segoe UI Light" panose="020B0502040204020203" pitchFamily="34" charset="0"/>
+                <a:cs typeface="Segoe UI Light" panose="020B0502040204020203" pitchFamily="34" charset="0"/>
+              </a:rPr>
+              <a:t> of </a:t>
+            </a:r>
+            <a:r>
+              <a:rPr lang="fr-BE" sz="1400" dirty="0" err="1">
+                <a:latin typeface="Segoe UI Light" panose="020B0502040204020203" pitchFamily="34" charset="0"/>
+                <a:cs typeface="Segoe UI Light" panose="020B0502040204020203" pitchFamily="34" charset="0"/>
+              </a:rPr>
+              <a:t>representation</a:t>
+            </a:r>
+            <a:r>
+              <a:rPr lang="fr-BE" sz="1400" dirty="0">
+                <a:latin typeface="Segoe UI Light" panose="020B0502040204020203" pitchFamily="34" charset="0"/>
+                <a:cs typeface="Segoe UI Light" panose="020B0502040204020203" pitchFamily="34" charset="0"/>
+              </a:rPr>
+              <a:t> (cos2) of the countries and variables on PC1 and PC2. </a:t>
+            </a:r>
+          </a:p>
+          <a:p>
+            <a:pPr algn="just"/>
+            <a:r>
+              <a:rPr lang="fr-BE" sz="1400" dirty="0">
+                <a:latin typeface="Segoe UI Light" panose="020B0502040204020203" pitchFamily="34" charset="0"/>
+                <a:cs typeface="Segoe UI Light" panose="020B0502040204020203" pitchFamily="34" charset="0"/>
+              </a:rPr>
+              <a:t> </a:t>
+            </a:r>
+            <a:r>
+              <a:rPr lang="en-GB" sz="1400" dirty="0">
+                <a:latin typeface="Segoe UI Light" panose="020B0502040204020203" pitchFamily="34" charset="0"/>
+                <a:cs typeface="Segoe UI Light" panose="020B0502040204020203" pitchFamily="34" charset="0"/>
+              </a:rPr>
+              <a:t>Finally, this dimensionality reduction has a clustering impact on Happiness Score of countries. This trend starts from left middle to upper right of the biplot. </a:t>
+            </a:r>
+            <a:endParaRPr lang="fr-BE" sz="1400" dirty="0">
+              <a:latin typeface="Segoe UI Light" panose="020B0502040204020203" pitchFamily="34" charset="0"/>
+              <a:cs typeface="Segoe UI Light" panose="020B0502040204020203" pitchFamily="34" charset="0"/>
+            </a:endParaRPr>
+          </a:p>
+        </p:txBody>
+      </p:sp>
+      <p:sp>
+        <p:nvSpPr>
+          <p:cNvPr id="81" name="Textfeld 80">
+            <a:extLst>
+              <a:ext uri="{FF2B5EF4-FFF2-40B4-BE49-F238E27FC236}">
+                <a16:creationId xmlns:a16="http://schemas.microsoft.com/office/drawing/2014/main" id="{A9600A04-A50C-4B1C-ACF6-8A3C8FB22A35}"/>
+              </a:ext>
+            </a:extLst>
+          </p:cNvPr>
+          <p:cNvSpPr txBox="1"/>
+          <p:nvPr/>
+        </p:nvSpPr>
+        <p:spPr>
+          <a:xfrm>
+            <a:off x="15250798" y="5602600"/>
+            <a:ext cx="4469599" cy="338554"/>
+          </a:xfrm>
+          <a:prstGeom prst="rect">
+            <a:avLst/>
+          </a:prstGeom>
+          <a:noFill/>
+        </p:spPr>
+        <p:txBody>
+          <a:bodyPr wrap="square" rtlCol="0">
+            <a:spAutoFit/>
+          </a:bodyPr>
+          <a:lstStyle/>
+          <a:p>
+            <a:r>
+              <a:rPr lang="en-GB" sz="1600" b="1" dirty="0">
+                <a:latin typeface="Segoe UI Light" panose="020B0502040204020203" pitchFamily="34" charset="0"/>
+                <a:cs typeface="Segoe UI Light" panose="020B0502040204020203" pitchFamily="34" charset="0"/>
+              </a:rPr>
+              <a:t>PCA Interpretation</a:t>
+            </a:r>
+          </a:p>
+        </p:txBody>
+      </p:sp>
+      <p:sp>
+        <p:nvSpPr>
+          <p:cNvPr id="52" name="Textfeld 51">
+            <a:extLst>
+              <a:ext uri="{FF2B5EF4-FFF2-40B4-BE49-F238E27FC236}">
+                <a16:creationId xmlns:a16="http://schemas.microsoft.com/office/drawing/2014/main" id="{B84592CF-F25C-4FED-870B-E7E24FA58AEA}"/>
+              </a:ext>
+            </a:extLst>
+          </p:cNvPr>
+          <p:cNvSpPr txBox="1"/>
+          <p:nvPr/>
+        </p:nvSpPr>
+        <p:spPr>
+          <a:xfrm>
+            <a:off x="11587082" y="18057708"/>
+            <a:ext cx="5244410" cy="2462213"/>
+          </a:xfrm>
+          <a:prstGeom prst="rect">
+            <a:avLst/>
+          </a:prstGeom>
+          <a:noFill/>
+        </p:spPr>
+        <p:txBody>
+          <a:bodyPr wrap="square" rtlCol="0">
+            <a:spAutoFit/>
+          </a:bodyPr>
+          <a:lstStyle/>
+          <a:p>
+            <a:r>
+              <a:rPr lang="en-GB" sz="1400" dirty="0">
+                <a:latin typeface="Segoe UI Light" panose="020B0502040204020203" pitchFamily="34" charset="0"/>
+                <a:cs typeface="Segoe UI Light" panose="020B0502040204020203" pitchFamily="34" charset="0"/>
+              </a:rPr>
+              <a:t>Variables that predict happiness: (R² = 78% ~ 3 PC) </a:t>
+            </a:r>
+            <a:r>
+              <a:rPr lang="en-GB" sz="1400" dirty="0">
+                <a:latin typeface="Segoe UI Light" panose="020B0502040204020203" pitchFamily="34" charset="0"/>
+                <a:cs typeface="Segoe UI Light" panose="020B0502040204020203" pitchFamily="34" charset="0"/>
+                <a:sym typeface="Wingdings" panose="05000000000000000000" pitchFamily="2" charset="2"/>
+              </a:rPr>
+              <a:t> Variable Importance </a:t>
+            </a:r>
+            <a:r>
+              <a:rPr lang="en-GB" sz="1400" dirty="0" err="1">
+                <a:latin typeface="Segoe UI Light" panose="020B0502040204020203" pitchFamily="34" charset="0"/>
+                <a:cs typeface="Segoe UI Light" panose="020B0502040204020203" pitchFamily="34" charset="0"/>
+                <a:sym typeface="Wingdings" panose="05000000000000000000" pitchFamily="2" charset="2"/>
+              </a:rPr>
+              <a:t>grpah</a:t>
+            </a:r>
+            <a:endParaRPr lang="en-GB" sz="1400" dirty="0">
+              <a:latin typeface="Segoe UI Light" panose="020B0502040204020203" pitchFamily="34" charset="0"/>
+              <a:cs typeface="Segoe UI Light" panose="020B0502040204020203" pitchFamily="34" charset="0"/>
+            </a:endParaRPr>
+          </a:p>
+          <a:p>
+            <a:pPr marL="285750" indent="-285750">
+              <a:buFontTx/>
+              <a:buChar char="-"/>
+            </a:pPr>
+            <a:r>
+              <a:rPr lang="en-GB" sz="1400" dirty="0">
+                <a:latin typeface="Segoe UI Light" panose="020B0502040204020203" pitchFamily="34" charset="0"/>
+                <a:cs typeface="Segoe UI Light" panose="020B0502040204020203" pitchFamily="34" charset="0"/>
+              </a:rPr>
+              <a:t>Economy GDP per Capita</a:t>
+            </a:r>
+          </a:p>
+          <a:p>
+            <a:pPr marL="285750" indent="-285750">
+              <a:buFontTx/>
+              <a:buChar char="-"/>
+            </a:pPr>
+            <a:r>
+              <a:rPr lang="en-GB" sz="1400" dirty="0">
+                <a:latin typeface="Segoe UI Light" panose="020B0502040204020203" pitchFamily="34" charset="0"/>
+                <a:cs typeface="Segoe UI Light" panose="020B0502040204020203" pitchFamily="34" charset="0"/>
+              </a:rPr>
+              <a:t>Family</a:t>
+            </a:r>
+          </a:p>
+          <a:p>
+            <a:pPr marL="285750" indent="-285750">
+              <a:buFontTx/>
+              <a:buChar char="-"/>
+            </a:pPr>
+            <a:r>
+              <a:rPr lang="en-GB" sz="1400" dirty="0">
+                <a:latin typeface="Segoe UI Light" panose="020B0502040204020203" pitchFamily="34" charset="0"/>
+                <a:cs typeface="Segoe UI Light" panose="020B0502040204020203" pitchFamily="34" charset="0"/>
+              </a:rPr>
+              <a:t>Freedom</a:t>
+            </a:r>
+          </a:p>
+          <a:p>
+            <a:pPr marL="285750" indent="-285750">
+              <a:buFontTx/>
+              <a:buChar char="-"/>
+            </a:pPr>
+            <a:r>
+              <a:rPr lang="en-GB" sz="1400" dirty="0">
+                <a:latin typeface="Segoe UI Light" panose="020B0502040204020203" pitchFamily="34" charset="0"/>
+                <a:cs typeface="Segoe UI Light" panose="020B0502040204020203" pitchFamily="34" charset="0"/>
+              </a:rPr>
+              <a:t>Internet Usage Index</a:t>
+            </a:r>
+          </a:p>
+          <a:p>
+            <a:pPr marL="285750" indent="-285750">
+              <a:buFontTx/>
+              <a:buChar char="-"/>
+            </a:pPr>
+            <a:r>
+              <a:rPr lang="en-GB" sz="1400" dirty="0">
+                <a:latin typeface="Segoe UI Light" panose="020B0502040204020203" pitchFamily="34" charset="0"/>
+                <a:cs typeface="Segoe UI Light" panose="020B0502040204020203" pitchFamily="34" charset="0"/>
+              </a:rPr>
+              <a:t>Health Life Expectancy</a:t>
+            </a:r>
+          </a:p>
+          <a:p>
+            <a:pPr marL="285750" indent="-285750">
+              <a:buFontTx/>
+              <a:buChar char="-"/>
+            </a:pPr>
+            <a:endParaRPr lang="en-GB" sz="1400" dirty="0">
+              <a:latin typeface="Segoe UI Light" panose="020B0502040204020203" pitchFamily="34" charset="0"/>
+              <a:cs typeface="Segoe UI Light" panose="020B0502040204020203" pitchFamily="34" charset="0"/>
+            </a:endParaRPr>
+          </a:p>
+          <a:p>
+            <a:pPr marL="285750" indent="-285750">
+              <a:buFontTx/>
+              <a:buChar char="-"/>
+            </a:pPr>
+            <a:endParaRPr lang="en-GB" sz="1400" dirty="0">
+              <a:latin typeface="Segoe UI Light" panose="020B0502040204020203" pitchFamily="34" charset="0"/>
+              <a:cs typeface="Segoe UI Light" panose="020B0502040204020203" pitchFamily="34" charset="0"/>
+            </a:endParaRPr>
+          </a:p>
+          <a:p>
+            <a:r>
+              <a:rPr lang="en-GB" sz="1400" dirty="0">
+                <a:latin typeface="Segoe UI Light" panose="020B0502040204020203" pitchFamily="34" charset="0"/>
+                <a:cs typeface="Segoe UI Light" panose="020B0502040204020203" pitchFamily="34" charset="0"/>
+              </a:rPr>
+              <a:t>Variables explain low, mid, high with </a:t>
+            </a:r>
+            <a:r>
+              <a:rPr lang="en-GB" sz="1400" dirty="0" err="1">
+                <a:latin typeface="Segoe UI Light" panose="020B0502040204020203" pitchFamily="34" charset="0"/>
+                <a:cs typeface="Segoe UI Light" panose="020B0502040204020203" pitchFamily="34" charset="0"/>
+              </a:rPr>
+              <a:t>corrmatrix</a:t>
+            </a:r>
+            <a:r>
+              <a:rPr lang="en-GB" sz="1400" dirty="0">
+                <a:latin typeface="Segoe UI Light" panose="020B0502040204020203" pitchFamily="34" charset="0"/>
+                <a:cs typeface="Segoe UI Light" panose="020B0502040204020203" pitchFamily="34" charset="0"/>
+              </a:rPr>
+              <a:t> as </a:t>
+            </a:r>
+            <a:r>
+              <a:rPr lang="en-GB" sz="1400" dirty="0" err="1">
+                <a:latin typeface="Segoe UI Light" panose="020B0502040204020203" pitchFamily="34" charset="0"/>
+                <a:cs typeface="Segoe UI Light" panose="020B0502040204020203" pitchFamily="34" charset="0"/>
+              </a:rPr>
+              <a:t>interpretion</a:t>
+            </a:r>
+            <a:endParaRPr lang="en-GB" sz="1400" dirty="0">
+              <a:latin typeface="Segoe UI Light" panose="020B0502040204020203" pitchFamily="34" charset="0"/>
+              <a:cs typeface="Segoe UI Light" panose="020B0502040204020203" pitchFamily="34" charset="0"/>
+            </a:endParaRPr>
+          </a:p>
+          <a:p>
+            <a:r>
+              <a:rPr lang="en-GB" sz="1400" dirty="0">
+                <a:latin typeface="Segoe UI Light" panose="020B0502040204020203" pitchFamily="34" charset="0"/>
+                <a:cs typeface="Segoe UI Light" panose="020B0502040204020203" pitchFamily="34" charset="0"/>
+              </a:rPr>
+              <a:t>Interpret </a:t>
+            </a:r>
+            <a:r>
+              <a:rPr lang="en-GB" sz="1400" dirty="0" err="1">
+                <a:latin typeface="Segoe UI Light" panose="020B0502040204020203" pitchFamily="34" charset="0"/>
+                <a:cs typeface="Segoe UI Light" panose="020B0502040204020203" pitchFamily="34" charset="0"/>
+              </a:rPr>
+              <a:t>corr</a:t>
+            </a:r>
+            <a:r>
+              <a:rPr lang="en-GB" sz="1400" dirty="0">
+                <a:latin typeface="Segoe UI Light" panose="020B0502040204020203" pitchFamily="34" charset="0"/>
+                <a:cs typeface="Segoe UI Light" panose="020B0502040204020203" pitchFamily="34" charset="0"/>
+              </a:rPr>
+              <a:t> matrix</a:t>
+            </a:r>
+          </a:p>
+        </p:txBody>
+      </p:sp>
+      <p:pic>
+        <p:nvPicPr>
+          <p:cNvPr id="57" name="Grafik 56">
+            <a:extLst>
+              <a:ext uri="{FF2B5EF4-FFF2-40B4-BE49-F238E27FC236}">
+                <a16:creationId xmlns:a16="http://schemas.microsoft.com/office/drawing/2014/main" id="{40CB14E3-7617-4268-A302-C88AFD35C55A}"/>
+              </a:ext>
+            </a:extLst>
+          </p:cNvPr>
+          <p:cNvPicPr>
+            <a:picLocks noChangeAspect="1"/>
+          </p:cNvPicPr>
+          <p:nvPr/>
+        </p:nvPicPr>
+        <p:blipFill>
+          <a:blip r:embed="rId23">
+            <a:extLst>
+              <a:ext uri="{28A0092B-C50C-407E-A947-70E740481C1C}">
+                <a14:useLocalDpi xmlns:a14="http://schemas.microsoft.com/office/drawing/2010/main" val="0"/>
+              </a:ext>
+            </a:extLst>
+          </a:blip>
+          <a:stretch>
+            <a:fillRect/>
+          </a:stretch>
+        </p:blipFill>
+        <p:spPr>
+          <a:xfrm>
+            <a:off x="28501534" y="19181484"/>
+            <a:ext cx="1087302" cy="1087302"/>
+          </a:xfrm>
+          <a:prstGeom prst="rect">
+            <a:avLst/>
+          </a:prstGeom>
+        </p:spPr>
+      </p:pic>
+      <p:sp>
+        <p:nvSpPr>
+          <p:cNvPr id="88" name="Textfeld 87">
+            <a:extLst>
+              <a:ext uri="{FF2B5EF4-FFF2-40B4-BE49-F238E27FC236}">
+                <a16:creationId xmlns:a16="http://schemas.microsoft.com/office/drawing/2014/main" id="{4A738AE2-9073-40EB-A42B-84727F69259C}"/>
+              </a:ext>
+            </a:extLst>
+          </p:cNvPr>
+          <p:cNvSpPr txBox="1"/>
+          <p:nvPr/>
+        </p:nvSpPr>
+        <p:spPr>
+          <a:xfrm>
+            <a:off x="17418858" y="12179998"/>
+            <a:ext cx="4469599" cy="584775"/>
+          </a:xfrm>
+          <a:prstGeom prst="rect">
+            <a:avLst/>
+          </a:prstGeom>
+          <a:noFill/>
+        </p:spPr>
+        <p:txBody>
+          <a:bodyPr wrap="square" rtlCol="0">
+            <a:spAutoFit/>
+          </a:bodyPr>
+          <a:lstStyle/>
+          <a:p>
+            <a:r>
+              <a:rPr lang="en-GB" sz="1600" b="1" dirty="0">
+                <a:latin typeface="Segoe UI Light" panose="020B0502040204020203" pitchFamily="34" charset="0"/>
+                <a:cs typeface="Segoe UI Light" panose="020B0502040204020203" pitchFamily="34" charset="0"/>
+              </a:rPr>
+              <a:t>Principal Components</a:t>
+            </a:r>
+          </a:p>
+          <a:p>
+            <a:r>
+              <a:rPr lang="en-GB" sz="1600" dirty="0">
+                <a:latin typeface="Segoe UI Light" panose="020B0502040204020203" pitchFamily="34" charset="0"/>
+                <a:cs typeface="Segoe UI Light" panose="020B0502040204020203" pitchFamily="34" charset="0"/>
+              </a:rPr>
+              <a:t>Simple Linear Regression</a:t>
+            </a:r>
+          </a:p>
+        </p:txBody>
+      </p:sp>
+      <p:sp>
+        <p:nvSpPr>
+          <p:cNvPr id="95" name="Textfeld 94">
+            <a:extLst>
+              <a:ext uri="{FF2B5EF4-FFF2-40B4-BE49-F238E27FC236}">
+                <a16:creationId xmlns:a16="http://schemas.microsoft.com/office/drawing/2014/main" id="{D3BCF549-CC0C-445D-ABD8-B69B09AF603F}"/>
+              </a:ext>
+            </a:extLst>
+          </p:cNvPr>
+          <p:cNvSpPr txBox="1"/>
+          <p:nvPr/>
+        </p:nvSpPr>
+        <p:spPr>
+          <a:xfrm>
+            <a:off x="23644857" y="13153336"/>
+            <a:ext cx="3364784" cy="2123658"/>
+          </a:xfrm>
+          <a:prstGeom prst="rect">
+            <a:avLst/>
+          </a:prstGeom>
+          <a:noFill/>
+        </p:spPr>
+        <p:txBody>
+          <a:bodyPr wrap="square" rtlCol="0">
+            <a:spAutoFit/>
+          </a:bodyPr>
+          <a:lstStyle/>
+          <a:p>
+            <a:r>
+              <a:rPr lang="en-GB" sz="1600" dirty="0">
+                <a:latin typeface="Segoe UI Light" panose="020B0502040204020203" pitchFamily="34" charset="0"/>
+                <a:cs typeface="Segoe UI Light" panose="020B0502040204020203" pitchFamily="34" charset="0"/>
+              </a:rPr>
+              <a:t>But what is “happiness”?</a:t>
+            </a:r>
+          </a:p>
+          <a:p>
+            <a:pPr marL="285750" indent="-285750">
+              <a:buFontTx/>
+              <a:buChar char="-"/>
+            </a:pPr>
+            <a:endParaRPr lang="en-GB" sz="1400" dirty="0">
+              <a:latin typeface="Segoe UI Light" panose="020B0502040204020203" pitchFamily="34" charset="0"/>
+              <a:cs typeface="Segoe UI Light" panose="020B0502040204020203" pitchFamily="34" charset="0"/>
+            </a:endParaRPr>
+          </a:p>
+          <a:p>
+            <a:pPr marL="285750" indent="-285750">
+              <a:buFontTx/>
+              <a:buChar char="-"/>
+            </a:pPr>
+            <a:r>
+              <a:rPr lang="en-GB" sz="1400" dirty="0">
+                <a:latin typeface="Segoe UI Light" panose="020B0502040204020203" pitchFamily="34" charset="0"/>
+                <a:cs typeface="Segoe UI Light" panose="020B0502040204020203" pitchFamily="34" charset="0"/>
+              </a:rPr>
+              <a:t>Explain outcome variables quickly</a:t>
+            </a:r>
+          </a:p>
+          <a:p>
+            <a:pPr marL="285750" indent="-285750">
+              <a:buFontTx/>
+              <a:buChar char="-"/>
+            </a:pPr>
+            <a:r>
+              <a:rPr lang="en-GB" sz="1400" dirty="0">
+                <a:latin typeface="Segoe UI Light" panose="020B0502040204020203" pitchFamily="34" charset="0"/>
+                <a:cs typeface="Segoe UI Light" panose="020B0502040204020203" pitchFamily="34" charset="0"/>
+              </a:rPr>
+              <a:t>Interpretation of happiness (UN Data doesn’t match with term happiness in the world) -&gt; cant measure happiness</a:t>
+            </a:r>
+          </a:p>
+          <a:p>
+            <a:pPr marL="285750" indent="-285750">
+              <a:buFontTx/>
+              <a:buChar char="-"/>
+            </a:pPr>
+            <a:endParaRPr lang="en-GB" sz="1400" dirty="0">
+              <a:latin typeface="Segoe UI Light" panose="020B0502040204020203" pitchFamily="34" charset="0"/>
+              <a:cs typeface="Segoe UI Light" panose="020B0502040204020203" pitchFamily="34" charset="0"/>
+            </a:endParaRPr>
+          </a:p>
+          <a:p>
+            <a:pPr marL="285750" indent="-285750">
+              <a:buFontTx/>
+              <a:buChar char="-"/>
+            </a:pPr>
+            <a:endParaRPr lang="en-GB" sz="1400" dirty="0">
+              <a:latin typeface="Segoe UI Light" panose="020B0502040204020203" pitchFamily="34" charset="0"/>
+              <a:cs typeface="Segoe UI Light" panose="020B0502040204020203" pitchFamily="34" charset="0"/>
+            </a:endParaRPr>
+          </a:p>
+          <a:p>
+            <a:endParaRPr lang="en-GB" b="1" dirty="0">
+              <a:latin typeface="Segoe UI Light" panose="020B0502040204020203" pitchFamily="34" charset="0"/>
+              <a:cs typeface="Segoe UI Light" panose="020B0502040204020203" pitchFamily="34" charset="0"/>
+            </a:endParaRPr>
+          </a:p>
+        </p:txBody>
+      </p:sp>
+      <p:pic>
+        <p:nvPicPr>
+          <p:cNvPr id="9" name="Grafik 8">
+            <a:extLst>
+              <a:ext uri="{FF2B5EF4-FFF2-40B4-BE49-F238E27FC236}">
+                <a16:creationId xmlns:a16="http://schemas.microsoft.com/office/drawing/2014/main" id="{E81CE317-DF19-468E-B1AC-E56979EE6C98}"/>
+              </a:ext>
+            </a:extLst>
+          </p:cNvPr>
+          <p:cNvPicPr>
+            <a:picLocks noChangeAspect="1"/>
+          </p:cNvPicPr>
+          <p:nvPr/>
+        </p:nvPicPr>
+        <p:blipFill>
+          <a:blip r:embed="rId24">
+            <a:extLst>
+              <a:ext uri="{28A0092B-C50C-407E-A947-70E740481C1C}">
+                <a14:useLocalDpi xmlns:a14="http://schemas.microsoft.com/office/drawing/2010/main" val="0"/>
+              </a:ext>
+            </a:extLst>
+          </a:blip>
+          <a:stretch>
+            <a:fillRect/>
+          </a:stretch>
+        </p:blipFill>
+        <p:spPr>
+          <a:xfrm>
+            <a:off x="1391279" y="6919057"/>
+            <a:ext cx="3268574" cy="2071340"/>
+          </a:xfrm>
+          <a:prstGeom prst="rect">
+            <a:avLst/>
+          </a:prstGeom>
+        </p:spPr>
+      </p:pic>
+      <p:sp>
+        <p:nvSpPr>
+          <p:cNvPr id="94" name="Textfeld 93">
+            <a:extLst>
+              <a:ext uri="{FF2B5EF4-FFF2-40B4-BE49-F238E27FC236}">
+                <a16:creationId xmlns:a16="http://schemas.microsoft.com/office/drawing/2014/main" id="{CE4CDDBD-9899-4627-86E4-93F458BF63DC}"/>
+              </a:ext>
+            </a:extLst>
+          </p:cNvPr>
+          <p:cNvSpPr txBox="1"/>
+          <p:nvPr/>
+        </p:nvSpPr>
+        <p:spPr>
+          <a:xfrm>
+            <a:off x="1066527" y="6885384"/>
+            <a:ext cx="3968344" cy="307777"/>
+          </a:xfrm>
+          <a:prstGeom prst="rect">
+            <a:avLst/>
+          </a:prstGeom>
+          <a:noFill/>
+        </p:spPr>
+        <p:txBody>
+          <a:bodyPr wrap="square" rtlCol="0">
+            <a:spAutoFit/>
+          </a:bodyPr>
+          <a:lstStyle/>
+          <a:p>
+            <a:r>
+              <a:rPr lang="en-GB" sz="1400" dirty="0">
+                <a:latin typeface="Segoe UI Light" panose="020B0502040204020203" pitchFamily="34" charset="0"/>
+                <a:cs typeface="Segoe UI Light" panose="020B0502040204020203" pitchFamily="34" charset="0"/>
+              </a:rPr>
+              <a:t>Q-Q Plot – Assessment of multivariate normality</a:t>
+            </a:r>
+          </a:p>
+        </p:txBody>
+      </p:sp>
+      <p:sp>
+        <p:nvSpPr>
+          <p:cNvPr id="96" name="Textfeld 95">
+            <a:extLst>
+              <a:ext uri="{FF2B5EF4-FFF2-40B4-BE49-F238E27FC236}">
+                <a16:creationId xmlns:a16="http://schemas.microsoft.com/office/drawing/2014/main" id="{A46978B6-AC43-474A-88B5-7AD2ED3381F1}"/>
+              </a:ext>
+            </a:extLst>
+          </p:cNvPr>
+          <p:cNvSpPr txBox="1"/>
+          <p:nvPr/>
+        </p:nvSpPr>
+        <p:spPr>
+          <a:xfrm>
+            <a:off x="1090702" y="8970369"/>
+            <a:ext cx="3968344" cy="307777"/>
+          </a:xfrm>
+          <a:prstGeom prst="rect">
+            <a:avLst/>
+          </a:prstGeom>
+          <a:noFill/>
+        </p:spPr>
+        <p:txBody>
+          <a:bodyPr wrap="square" rtlCol="0">
+            <a:spAutoFit/>
+          </a:bodyPr>
+          <a:lstStyle/>
+          <a:p>
+            <a:r>
+              <a:rPr lang="en-GB" sz="1400" dirty="0">
+                <a:latin typeface="Segoe UI Light" panose="020B0502040204020203" pitchFamily="34" charset="0"/>
+                <a:cs typeface="Segoe UI Light" panose="020B0502040204020203" pitchFamily="34" charset="0"/>
+              </a:rPr>
+              <a:t>Q-Q Plot – Normalized data</a:t>
+            </a:r>
+          </a:p>
+        </p:txBody>
+      </p:sp>
+      <p:pic>
+        <p:nvPicPr>
+          <p:cNvPr id="73" name="Grafik 72">
+            <a:extLst>
+              <a:ext uri="{FF2B5EF4-FFF2-40B4-BE49-F238E27FC236}">
+                <a16:creationId xmlns:a16="http://schemas.microsoft.com/office/drawing/2014/main" id="{19898755-75B3-4109-AE19-F95FA5991D2F}"/>
+              </a:ext>
+            </a:extLst>
+          </p:cNvPr>
+          <p:cNvPicPr>
+            <a:picLocks noChangeAspect="1"/>
+          </p:cNvPicPr>
+          <p:nvPr/>
+        </p:nvPicPr>
+        <p:blipFill>
+          <a:blip r:embed="rId18">
+            <a:extLst>
+              <a:ext uri="{28A0092B-C50C-407E-A947-70E740481C1C}">
+                <a14:useLocalDpi xmlns:a14="http://schemas.microsoft.com/office/drawing/2010/main" val="0"/>
+              </a:ext>
+            </a:extLst>
+          </a:blip>
+          <a:stretch>
+            <a:fillRect/>
+          </a:stretch>
+        </p:blipFill>
+        <p:spPr>
+          <a:xfrm>
+            <a:off x="8839262" y="7774029"/>
+            <a:ext cx="252000" cy="252000"/>
+          </a:xfrm>
+          <a:prstGeom prst="rect">
+            <a:avLst/>
+          </a:prstGeom>
+        </p:spPr>
+      </p:pic>
+      <p:pic>
+        <p:nvPicPr>
+          <p:cNvPr id="76" name="Grafik 75">
+            <a:extLst>
+              <a:ext uri="{FF2B5EF4-FFF2-40B4-BE49-F238E27FC236}">
+                <a16:creationId xmlns:a16="http://schemas.microsoft.com/office/drawing/2014/main" id="{6EBA92B0-28E5-4F5B-85D9-82F92119E616}"/>
+              </a:ext>
+            </a:extLst>
+          </p:cNvPr>
+          <p:cNvPicPr>
+            <a:picLocks noChangeAspect="1"/>
+          </p:cNvPicPr>
+          <p:nvPr/>
+        </p:nvPicPr>
+        <p:blipFill>
+          <a:blip r:embed="rId19">
+            <a:extLst>
+              <a:ext uri="{28A0092B-C50C-407E-A947-70E740481C1C}">
+                <a14:useLocalDpi xmlns:a14="http://schemas.microsoft.com/office/drawing/2010/main" val="0"/>
+              </a:ext>
+            </a:extLst>
+          </a:blip>
+          <a:stretch>
+            <a:fillRect/>
+          </a:stretch>
+        </p:blipFill>
+        <p:spPr>
+          <a:xfrm>
+            <a:off x="8190499" y="6983058"/>
+            <a:ext cx="252000" cy="252000"/>
+          </a:xfrm>
+          <a:prstGeom prst="rect">
+            <a:avLst/>
+          </a:prstGeom>
+        </p:spPr>
+      </p:pic>
+      <p:pic>
+        <p:nvPicPr>
+          <p:cNvPr id="79" name="Grafik 78">
+            <a:extLst>
+              <a:ext uri="{FF2B5EF4-FFF2-40B4-BE49-F238E27FC236}">
+                <a16:creationId xmlns:a16="http://schemas.microsoft.com/office/drawing/2014/main" id="{71777D5D-D0CE-4308-AAE7-E90F8B800347}"/>
+              </a:ext>
+            </a:extLst>
+          </p:cNvPr>
+          <p:cNvPicPr>
+            <a:picLocks noChangeAspect="1"/>
+          </p:cNvPicPr>
+          <p:nvPr/>
+        </p:nvPicPr>
+        <p:blipFill>
+          <a:blip r:embed="rId20">
+            <a:extLst>
+              <a:ext uri="{28A0092B-C50C-407E-A947-70E740481C1C}">
+                <a14:useLocalDpi xmlns:a14="http://schemas.microsoft.com/office/drawing/2010/main" val="0"/>
+              </a:ext>
+            </a:extLst>
+          </a:blip>
+          <a:stretch>
+            <a:fillRect/>
+          </a:stretch>
+        </p:blipFill>
+        <p:spPr>
+          <a:xfrm>
+            <a:off x="8869457" y="7425008"/>
+            <a:ext cx="252000" cy="252000"/>
+          </a:xfrm>
+          <a:prstGeom prst="rect">
+            <a:avLst/>
+          </a:prstGeom>
+        </p:spPr>
+      </p:pic>
+      <p:pic>
+        <p:nvPicPr>
+          <p:cNvPr id="82" name="Grafik 81">
+            <a:extLst>
+              <a:ext uri="{FF2B5EF4-FFF2-40B4-BE49-F238E27FC236}">
+                <a16:creationId xmlns:a16="http://schemas.microsoft.com/office/drawing/2014/main" id="{3F016134-33DC-4F0E-BC29-B7CCD22EE634}"/>
+              </a:ext>
+            </a:extLst>
+          </p:cNvPr>
+          <p:cNvPicPr>
+            <a:picLocks noChangeAspect="1"/>
+          </p:cNvPicPr>
+          <p:nvPr/>
+        </p:nvPicPr>
+        <p:blipFill>
+          <a:blip r:embed="rId21">
+            <a:extLst>
+              <a:ext uri="{28A0092B-C50C-407E-A947-70E740481C1C}">
+                <a14:useLocalDpi xmlns:a14="http://schemas.microsoft.com/office/drawing/2010/main" val="0"/>
+              </a:ext>
+            </a:extLst>
+          </a:blip>
+          <a:stretch>
+            <a:fillRect/>
+          </a:stretch>
+        </p:blipFill>
+        <p:spPr>
+          <a:xfrm>
+            <a:off x="8664313" y="8841777"/>
+            <a:ext cx="252000" cy="252000"/>
+          </a:xfrm>
+          <a:prstGeom prst="rect">
+            <a:avLst/>
+          </a:prstGeom>
+        </p:spPr>
+      </p:pic>
+      <p:pic>
+        <p:nvPicPr>
+          <p:cNvPr id="38" name="Grafik 37">
+            <a:extLst>
+              <a:ext uri="{FF2B5EF4-FFF2-40B4-BE49-F238E27FC236}">
+                <a16:creationId xmlns:a16="http://schemas.microsoft.com/office/drawing/2014/main" id="{F9FDDEE7-F8DB-4B82-860E-E9599A61BAA5}"/>
+              </a:ext>
+            </a:extLst>
+          </p:cNvPr>
+          <p:cNvPicPr>
+            <a:picLocks noChangeAspect="1"/>
+          </p:cNvPicPr>
+          <p:nvPr/>
+        </p:nvPicPr>
+        <p:blipFill>
+          <a:blip r:embed="rId25">
+            <a:extLst>
+              <a:ext uri="{28A0092B-C50C-407E-A947-70E740481C1C}">
+                <a14:useLocalDpi xmlns:a14="http://schemas.microsoft.com/office/drawing/2010/main" val="0"/>
+              </a:ext>
+            </a:extLst>
+          </a:blip>
+          <a:stretch>
+            <a:fillRect/>
+          </a:stretch>
+        </p:blipFill>
+        <p:spPr>
+          <a:xfrm>
+            <a:off x="9577141" y="8144975"/>
+            <a:ext cx="252000" cy="252000"/>
+          </a:xfrm>
+          <a:prstGeom prst="rect">
+            <a:avLst/>
+          </a:prstGeom>
+        </p:spPr>
+      </p:pic>
+      <p:pic>
+        <p:nvPicPr>
+          <p:cNvPr id="45" name="Grafik 44">
+            <a:extLst>
+              <a:ext uri="{FF2B5EF4-FFF2-40B4-BE49-F238E27FC236}">
+                <a16:creationId xmlns:a16="http://schemas.microsoft.com/office/drawing/2014/main" id="{90EA813E-FB93-4CB5-94D6-158F93874C4E}"/>
+              </a:ext>
+            </a:extLst>
+          </p:cNvPr>
+          <p:cNvPicPr>
+            <a:picLocks noChangeAspect="1"/>
+          </p:cNvPicPr>
+          <p:nvPr/>
+        </p:nvPicPr>
+        <p:blipFill>
+          <a:blip r:embed="rId26">
+            <a:extLst>
+              <a:ext uri="{28A0092B-C50C-407E-A947-70E740481C1C}">
+                <a14:useLocalDpi xmlns:a14="http://schemas.microsoft.com/office/drawing/2010/main" val="0"/>
+              </a:ext>
+            </a:extLst>
+          </a:blip>
+          <a:stretch>
+            <a:fillRect/>
+          </a:stretch>
+        </p:blipFill>
+        <p:spPr>
+          <a:xfrm>
+            <a:off x="8705642" y="8914199"/>
+            <a:ext cx="252000" cy="252000"/>
+          </a:xfrm>
+          <a:prstGeom prst="rect">
+            <a:avLst/>
+          </a:prstGeom>
+        </p:spPr>
+      </p:pic>
+      <p:pic>
+        <p:nvPicPr>
+          <p:cNvPr id="106" name="Grafik 105">
+            <a:extLst>
+              <a:ext uri="{FF2B5EF4-FFF2-40B4-BE49-F238E27FC236}">
+                <a16:creationId xmlns:a16="http://schemas.microsoft.com/office/drawing/2014/main" id="{CFC619DF-3390-42A3-BAD1-E9AEA3ACCC49}"/>
+              </a:ext>
+            </a:extLst>
+          </p:cNvPr>
+          <p:cNvPicPr>
+            <a:picLocks noChangeAspect="1"/>
+          </p:cNvPicPr>
+          <p:nvPr/>
+        </p:nvPicPr>
+        <p:blipFill>
+          <a:blip r:embed="rId25">
+            <a:extLst>
+              <a:ext uri="{28A0092B-C50C-407E-A947-70E740481C1C}">
+                <a14:useLocalDpi xmlns:a14="http://schemas.microsoft.com/office/drawing/2010/main" val="0"/>
+              </a:ext>
+            </a:extLst>
+          </a:blip>
+          <a:stretch>
+            <a:fillRect/>
+          </a:stretch>
+        </p:blipFill>
+        <p:spPr>
+          <a:xfrm>
+            <a:off x="5720364" y="5868684"/>
+            <a:ext cx="162000" cy="162000"/>
+          </a:xfrm>
+          <a:prstGeom prst="rect">
+            <a:avLst/>
+          </a:prstGeom>
+        </p:spPr>
+      </p:pic>
+      <p:pic>
+        <p:nvPicPr>
+          <p:cNvPr id="107" name="Grafik 106">
+            <a:extLst>
+              <a:ext uri="{FF2B5EF4-FFF2-40B4-BE49-F238E27FC236}">
+                <a16:creationId xmlns:a16="http://schemas.microsoft.com/office/drawing/2014/main" id="{4BC2ADAD-809D-4408-AD9E-D1DF6F9678D1}"/>
+              </a:ext>
+            </a:extLst>
+          </p:cNvPr>
+          <p:cNvPicPr>
+            <a:picLocks noChangeAspect="1"/>
+          </p:cNvPicPr>
+          <p:nvPr/>
+        </p:nvPicPr>
+        <p:blipFill>
+          <a:blip r:embed="rId26">
+            <a:extLst>
+              <a:ext uri="{28A0092B-C50C-407E-A947-70E740481C1C}">
+                <a14:useLocalDpi xmlns:a14="http://schemas.microsoft.com/office/drawing/2010/main" val="0"/>
+              </a:ext>
+            </a:extLst>
+          </a:blip>
+          <a:stretch>
+            <a:fillRect/>
+          </a:stretch>
+        </p:blipFill>
+        <p:spPr>
+          <a:xfrm>
+            <a:off x="5720364" y="5650608"/>
+            <a:ext cx="162000" cy="162000"/>
+          </a:xfrm>
+          <a:prstGeom prst="rect">
+            <a:avLst/>
+          </a:prstGeom>
+        </p:spPr>
+      </p:pic>
+      <p:sp>
+        <p:nvSpPr>
+          <p:cNvPr id="72" name="Textfeld 71">
+            <a:extLst>
+              <a:ext uri="{FF2B5EF4-FFF2-40B4-BE49-F238E27FC236}">
+                <a16:creationId xmlns:a16="http://schemas.microsoft.com/office/drawing/2014/main" id="{D5EF76CC-33D3-48A7-8C05-59C9B393CD5D}"/>
+              </a:ext>
+            </a:extLst>
+          </p:cNvPr>
+          <p:cNvSpPr txBox="1"/>
+          <p:nvPr/>
+        </p:nvSpPr>
+        <p:spPr>
+          <a:xfrm>
+            <a:off x="19957965" y="2934982"/>
+            <a:ext cx="1530377" cy="3334246"/>
+          </a:xfrm>
+          <a:prstGeom prst="rect">
+            <a:avLst/>
+          </a:prstGeom>
+          <a:noFill/>
+        </p:spPr>
+        <p:txBody>
+          <a:bodyPr wrap="square" rtlCol="0">
+            <a:spAutoFit/>
+          </a:bodyPr>
+          <a:lstStyle/>
+          <a:p>
+            <a:pPr algn="r">
+              <a:spcBef>
+                <a:spcPts val="500"/>
+              </a:spcBef>
+            </a:pPr>
+            <a:r>
+              <a:rPr lang="en-GB" sz="800" dirty="0">
+                <a:latin typeface="Segoe UI Light" panose="020B0502040204020203" pitchFamily="34" charset="0"/>
+                <a:cs typeface="Segoe UI Light" panose="020B0502040204020203" pitchFamily="34" charset="0"/>
+              </a:rPr>
+              <a:t>Urban Population</a:t>
+            </a:r>
+          </a:p>
+          <a:p>
+            <a:pPr algn="r">
+              <a:spcBef>
+                <a:spcPts val="500"/>
+              </a:spcBef>
+            </a:pPr>
+            <a:r>
+              <a:rPr lang="en-GB" sz="800" dirty="0">
+                <a:latin typeface="Segoe UI Light" panose="020B0502040204020203" pitchFamily="34" charset="0"/>
+                <a:cs typeface="Segoe UI Light" panose="020B0502040204020203" pitchFamily="34" charset="0"/>
+              </a:rPr>
+              <a:t>Automotive Mortality</a:t>
+            </a:r>
+          </a:p>
+          <a:p>
+            <a:pPr algn="r">
+              <a:spcBef>
+                <a:spcPts val="500"/>
+              </a:spcBef>
+            </a:pPr>
+            <a:r>
+              <a:rPr lang="en-GB" sz="800" dirty="0">
+                <a:latin typeface="Segoe UI Light" panose="020B0502040204020203" pitchFamily="34" charset="0"/>
+                <a:cs typeface="Segoe UI Light" panose="020B0502040204020203" pitchFamily="34" charset="0"/>
+              </a:rPr>
+              <a:t>Infant Immunization Measles</a:t>
+            </a:r>
+          </a:p>
+          <a:p>
+            <a:pPr algn="r">
+              <a:spcBef>
+                <a:spcPts val="500"/>
+              </a:spcBef>
+            </a:pPr>
+            <a:r>
+              <a:rPr lang="en-GB" sz="800" dirty="0">
+                <a:latin typeface="Segoe UI Light" panose="020B0502040204020203" pitchFamily="34" charset="0"/>
+                <a:cs typeface="Segoe UI Light" panose="020B0502040204020203" pitchFamily="34" charset="0"/>
+              </a:rPr>
+              <a:t>Entrepreneurship Cost</a:t>
+            </a:r>
+          </a:p>
+          <a:p>
+            <a:pPr algn="r">
+              <a:spcBef>
+                <a:spcPts val="500"/>
+              </a:spcBef>
+            </a:pPr>
+            <a:r>
+              <a:rPr lang="en-GB" sz="800" dirty="0">
+                <a:latin typeface="Segoe UI Light" panose="020B0502040204020203" pitchFamily="34" charset="0"/>
+                <a:cs typeface="Segoe UI Light" panose="020B0502040204020203" pitchFamily="34" charset="0"/>
+              </a:rPr>
+              <a:t>Electricity Access</a:t>
+            </a:r>
+          </a:p>
+          <a:p>
+            <a:pPr algn="r">
+              <a:spcBef>
+                <a:spcPts val="500"/>
+              </a:spcBef>
+            </a:pPr>
+            <a:r>
+              <a:rPr lang="en-GB" sz="800" dirty="0">
+                <a:latin typeface="Segoe UI Light" panose="020B0502040204020203" pitchFamily="34" charset="0"/>
+                <a:cs typeface="Segoe UI Light" panose="020B0502040204020203" pitchFamily="34" charset="0"/>
+              </a:rPr>
+              <a:t>Obesity</a:t>
+            </a:r>
+          </a:p>
+          <a:p>
+            <a:pPr algn="r">
+              <a:spcBef>
+                <a:spcPts val="500"/>
+              </a:spcBef>
+            </a:pPr>
+            <a:r>
+              <a:rPr lang="en-GB" sz="800" dirty="0">
+                <a:latin typeface="Segoe UI Light" panose="020B0502040204020203" pitchFamily="34" charset="0"/>
+                <a:cs typeface="Segoe UI Light" panose="020B0502040204020203" pitchFamily="34" charset="0"/>
+              </a:rPr>
+              <a:t>Clean Water</a:t>
+            </a:r>
+          </a:p>
+          <a:p>
+            <a:pPr algn="r">
+              <a:spcBef>
+                <a:spcPts val="500"/>
+              </a:spcBef>
+            </a:pPr>
+            <a:r>
+              <a:rPr lang="en-GB" sz="800" dirty="0">
+                <a:latin typeface="Segoe UI Light" panose="020B0502040204020203" pitchFamily="34" charset="0"/>
+                <a:cs typeface="Segoe UI Light" panose="020B0502040204020203" pitchFamily="34" charset="0"/>
+              </a:rPr>
+              <a:t>Birth Rate</a:t>
+            </a:r>
+          </a:p>
+          <a:p>
+            <a:pPr algn="r">
+              <a:spcBef>
+                <a:spcPts val="500"/>
+              </a:spcBef>
+            </a:pPr>
+            <a:r>
+              <a:rPr lang="en-GB" sz="800" dirty="0">
+                <a:latin typeface="Segoe UI Light" panose="020B0502040204020203" pitchFamily="34" charset="0"/>
+                <a:cs typeface="Segoe UI Light" panose="020B0502040204020203" pitchFamily="34" charset="0"/>
+              </a:rPr>
+              <a:t>Child Mortality</a:t>
+            </a:r>
+          </a:p>
+          <a:p>
+            <a:pPr algn="r">
+              <a:spcBef>
+                <a:spcPts val="500"/>
+              </a:spcBef>
+            </a:pPr>
+            <a:r>
+              <a:rPr lang="en-GB" sz="800" dirty="0">
+                <a:latin typeface="Segoe UI Light" panose="020B0502040204020203" pitchFamily="34" charset="0"/>
+                <a:cs typeface="Segoe UI Light" panose="020B0502040204020203" pitchFamily="34" charset="0"/>
+              </a:rPr>
+              <a:t>Cellular Subscriber</a:t>
+            </a:r>
+          </a:p>
+          <a:p>
+            <a:pPr algn="r">
+              <a:spcBef>
+                <a:spcPts val="500"/>
+              </a:spcBef>
+            </a:pPr>
+            <a:r>
+              <a:rPr lang="en-GB" sz="800" dirty="0">
+                <a:latin typeface="Segoe UI Light" panose="020B0502040204020203" pitchFamily="34" charset="0"/>
+                <a:cs typeface="Segoe UI Light" panose="020B0502040204020203" pitchFamily="34" charset="0"/>
+              </a:rPr>
+              <a:t>Internet Usage</a:t>
+            </a:r>
+          </a:p>
+          <a:p>
+            <a:pPr algn="r">
+              <a:spcBef>
+                <a:spcPts val="500"/>
+              </a:spcBef>
+            </a:pPr>
+            <a:r>
+              <a:rPr lang="en-GB" sz="800" dirty="0">
+                <a:latin typeface="Segoe UI Light" panose="020B0502040204020203" pitchFamily="34" charset="0"/>
+                <a:cs typeface="Segoe UI Light" panose="020B0502040204020203" pitchFamily="34" charset="0"/>
+              </a:rPr>
+              <a:t>Air Pollution</a:t>
+            </a:r>
+          </a:p>
+          <a:p>
+            <a:pPr algn="r">
+              <a:spcBef>
+                <a:spcPts val="500"/>
+              </a:spcBef>
+            </a:pPr>
+            <a:r>
+              <a:rPr lang="en-GB" sz="800" dirty="0">
+                <a:latin typeface="Segoe UI Light" panose="020B0502040204020203" pitchFamily="34" charset="0"/>
+                <a:cs typeface="Segoe UI Light" panose="020B0502040204020203" pitchFamily="34" charset="0"/>
+              </a:rPr>
+              <a:t>Trust Government (Corruption)</a:t>
+            </a:r>
+          </a:p>
+          <a:p>
+            <a:pPr algn="r">
+              <a:spcBef>
+                <a:spcPts val="500"/>
+              </a:spcBef>
+            </a:pPr>
+            <a:r>
+              <a:rPr lang="en-GB" sz="800" dirty="0">
+                <a:latin typeface="Segoe UI Light" panose="020B0502040204020203" pitchFamily="34" charset="0"/>
+                <a:cs typeface="Segoe UI Light" panose="020B0502040204020203" pitchFamily="34" charset="0"/>
+              </a:rPr>
+              <a:t>Freedom</a:t>
+            </a:r>
+          </a:p>
+          <a:p>
+            <a:pPr algn="r">
+              <a:spcBef>
+                <a:spcPts val="500"/>
+              </a:spcBef>
+            </a:pPr>
+            <a:r>
+              <a:rPr lang="en-GB" sz="800" dirty="0">
+                <a:latin typeface="Segoe UI Light" panose="020B0502040204020203" pitchFamily="34" charset="0"/>
+                <a:cs typeface="Segoe UI Light" panose="020B0502040204020203" pitchFamily="34" charset="0"/>
+              </a:rPr>
+              <a:t>Health Life Expectancy</a:t>
+            </a:r>
+          </a:p>
+          <a:p>
+            <a:pPr algn="r">
+              <a:spcBef>
+                <a:spcPts val="500"/>
+              </a:spcBef>
+            </a:pPr>
+            <a:r>
+              <a:rPr lang="en-GB" sz="800" dirty="0">
+                <a:latin typeface="Segoe UI Light" panose="020B0502040204020203" pitchFamily="34" charset="0"/>
+                <a:cs typeface="Segoe UI Light" panose="020B0502040204020203" pitchFamily="34" charset="0"/>
+              </a:rPr>
+              <a:t>Family</a:t>
+            </a:r>
+          </a:p>
+          <a:p>
+            <a:pPr algn="r">
+              <a:spcBef>
+                <a:spcPts val="500"/>
+              </a:spcBef>
+            </a:pPr>
+            <a:r>
+              <a:rPr lang="en-GB" sz="800" dirty="0">
+                <a:latin typeface="Segoe UI Light" panose="020B0502040204020203" pitchFamily="34" charset="0"/>
+                <a:cs typeface="Segoe UI Light" panose="020B0502040204020203" pitchFamily="34" charset="0"/>
+              </a:rPr>
+              <a:t>Economy GDP per Capita</a:t>
+            </a:r>
+          </a:p>
+        </p:txBody>
+      </p:sp>
+      <p:sp>
+        <p:nvSpPr>
+          <p:cNvPr id="102" name="Rechteck 101">
+            <a:extLst>
+              <a:ext uri="{FF2B5EF4-FFF2-40B4-BE49-F238E27FC236}">
+                <a16:creationId xmlns:a16="http://schemas.microsoft.com/office/drawing/2014/main" id="{EE214473-7542-4913-A2A5-C8D5E3345B32}"/>
+              </a:ext>
+            </a:extLst>
+          </p:cNvPr>
+          <p:cNvSpPr/>
+          <p:nvPr/>
+        </p:nvSpPr>
+        <p:spPr>
+          <a:xfrm rot="18884007">
+            <a:off x="20437857" y="6358700"/>
+            <a:ext cx="1705790" cy="331585"/>
+          </a:xfrm>
+          <a:prstGeom prst="rect">
+            <a:avLst/>
+          </a:prstGeom>
+          <a:noFill/>
+          <a:ln>
+            <a:noFill/>
+          </a:ln>
+        </p:spPr>
+        <p:style>
+          <a:lnRef idx="2">
+            <a:schemeClr val="accent1">
+              <a:shade val="50000"/>
+            </a:schemeClr>
+          </a:lnRef>
+          <a:fillRef idx="1">
+            <a:schemeClr val="accent1"/>
+          </a:fillRef>
+          <a:effectRef idx="0">
+            <a:schemeClr val="accent1"/>
+          </a:effectRef>
+          <a:fontRef idx="minor">
+            <a:schemeClr val="lt1"/>
+          </a:fontRef>
+        </p:style>
+        <p:txBody>
+          <a:bodyPr rtlCol="0" anchor="ctr"/>
+          <a:lstStyle/>
+          <a:p>
+            <a:pPr algn="ctr"/>
+            <a:r>
+              <a:rPr lang="en-GB" sz="800" b="1" dirty="0">
+                <a:solidFill>
+                  <a:schemeClr val="tx1"/>
+                </a:solidFill>
+                <a:latin typeface="Segoe UI Light" panose="020B0502040204020203" pitchFamily="34" charset="0"/>
+                <a:cs typeface="Segoe UI Light" panose="020B0502040204020203" pitchFamily="34" charset="0"/>
+              </a:rPr>
+              <a:t>Country Development</a:t>
+            </a:r>
+          </a:p>
+        </p:txBody>
+      </p:sp>
+      <p:sp>
+        <p:nvSpPr>
+          <p:cNvPr id="104" name="Rechteck 103">
+            <a:extLst>
+              <a:ext uri="{FF2B5EF4-FFF2-40B4-BE49-F238E27FC236}">
+                <a16:creationId xmlns:a16="http://schemas.microsoft.com/office/drawing/2014/main" id="{55BBC88D-9C6D-4EC6-A43D-52EE4910216A}"/>
+              </a:ext>
+            </a:extLst>
+          </p:cNvPr>
+          <p:cNvSpPr/>
+          <p:nvPr/>
+        </p:nvSpPr>
+        <p:spPr>
+          <a:xfrm rot="18884007">
+            <a:off x="20990822" y="6358662"/>
+            <a:ext cx="1705790" cy="331585"/>
+          </a:xfrm>
+          <a:prstGeom prst="rect">
+            <a:avLst/>
+          </a:prstGeom>
+          <a:noFill/>
+          <a:ln>
+            <a:noFill/>
+          </a:ln>
+        </p:spPr>
+        <p:style>
+          <a:lnRef idx="2">
+            <a:schemeClr val="accent1">
+              <a:shade val="50000"/>
+            </a:schemeClr>
+          </a:lnRef>
+          <a:fillRef idx="1">
+            <a:schemeClr val="accent1"/>
+          </a:fillRef>
+          <a:effectRef idx="0">
+            <a:schemeClr val="accent1"/>
+          </a:effectRef>
+          <a:fontRef idx="minor">
+            <a:schemeClr val="lt1"/>
+          </a:fontRef>
+        </p:style>
+        <p:txBody>
+          <a:bodyPr rtlCol="0" anchor="ctr"/>
+          <a:lstStyle/>
+          <a:p>
+            <a:pPr algn="ctr"/>
+            <a:r>
+              <a:rPr lang="en-GB" sz="800" b="1" dirty="0">
+                <a:solidFill>
+                  <a:schemeClr val="tx1"/>
+                </a:solidFill>
+                <a:latin typeface="Segoe UI Light" panose="020B0502040204020203" pitchFamily="34" charset="0"/>
+                <a:cs typeface="Segoe UI Light" panose="020B0502040204020203" pitchFamily="34" charset="0"/>
+              </a:rPr>
+              <a:t>Freedom &amp; Corruption</a:t>
+            </a:r>
+          </a:p>
+        </p:txBody>
+      </p:sp>
+      <p:sp>
+        <p:nvSpPr>
+          <p:cNvPr id="105" name="Rechteck 104">
+            <a:extLst>
+              <a:ext uri="{FF2B5EF4-FFF2-40B4-BE49-F238E27FC236}">
+                <a16:creationId xmlns:a16="http://schemas.microsoft.com/office/drawing/2014/main" id="{3FA6D8C5-F014-4805-951D-B5F7A4B65C57}"/>
+              </a:ext>
+            </a:extLst>
+          </p:cNvPr>
+          <p:cNvSpPr/>
+          <p:nvPr/>
+        </p:nvSpPr>
+        <p:spPr>
+          <a:xfrm rot="18884007">
+            <a:off x="21666278" y="6204909"/>
+            <a:ext cx="1705790" cy="331585"/>
+          </a:xfrm>
+          <a:prstGeom prst="rect">
+            <a:avLst/>
+          </a:prstGeom>
+          <a:noFill/>
+          <a:ln>
+            <a:noFill/>
+          </a:ln>
+        </p:spPr>
+        <p:style>
+          <a:lnRef idx="2">
+            <a:schemeClr val="accent1">
+              <a:shade val="50000"/>
+            </a:schemeClr>
+          </a:lnRef>
+          <a:fillRef idx="1">
+            <a:schemeClr val="accent1"/>
+          </a:fillRef>
+          <a:effectRef idx="0">
+            <a:schemeClr val="accent1"/>
+          </a:effectRef>
+          <a:fontRef idx="minor">
+            <a:schemeClr val="lt1"/>
+          </a:fontRef>
+        </p:style>
+        <p:txBody>
+          <a:bodyPr rtlCol="0" anchor="ctr"/>
+          <a:lstStyle/>
+          <a:p>
+            <a:pPr algn="ctr"/>
+            <a:r>
+              <a:rPr lang="en-GB" sz="800" b="1" dirty="0">
+                <a:solidFill>
+                  <a:schemeClr val="tx1"/>
+                </a:solidFill>
+                <a:latin typeface="Segoe UI Light" panose="020B0502040204020203" pitchFamily="34" charset="0"/>
+                <a:cs typeface="Segoe UI Light" panose="020B0502040204020203" pitchFamily="34" charset="0"/>
+              </a:rPr>
+              <a:t>Air Pollution</a:t>
+            </a:r>
+          </a:p>
+        </p:txBody>
+      </p:sp>
+      <p:sp>
+        <p:nvSpPr>
+          <p:cNvPr id="124" name="Textfeld 123">
+            <a:extLst>
+              <a:ext uri="{FF2B5EF4-FFF2-40B4-BE49-F238E27FC236}">
+                <a16:creationId xmlns:a16="http://schemas.microsoft.com/office/drawing/2014/main" id="{C393C8C4-076C-42F8-9EC6-0D479387351C}"/>
+              </a:ext>
+            </a:extLst>
+          </p:cNvPr>
+          <p:cNvSpPr txBox="1"/>
+          <p:nvPr/>
+        </p:nvSpPr>
+        <p:spPr>
+          <a:xfrm>
+            <a:off x="15557937" y="2863765"/>
+            <a:ext cx="3159932" cy="307777"/>
+          </a:xfrm>
+          <a:prstGeom prst="rect">
+            <a:avLst/>
+          </a:prstGeom>
+          <a:noFill/>
+        </p:spPr>
+        <p:txBody>
+          <a:bodyPr wrap="square" rtlCol="0">
+            <a:spAutoFit/>
+          </a:bodyPr>
+          <a:lstStyle/>
+          <a:p>
+            <a:r>
+              <a:rPr lang="en-GB" sz="1400" dirty="0">
+                <a:latin typeface="Segoe UI Light" panose="020B0502040204020203" pitchFamily="34" charset="0"/>
+                <a:cs typeface="Segoe UI Light" panose="020B0502040204020203" pitchFamily="34" charset="0"/>
+              </a:rPr>
+              <a:t>PCA Scree Plot</a:t>
+            </a:r>
+            <a:endParaRPr lang="en-GB" b="1" dirty="0">
+              <a:latin typeface="Segoe UI Light" panose="020B0502040204020203" pitchFamily="34" charset="0"/>
+              <a:cs typeface="Segoe UI Light" panose="020B0502040204020203" pitchFamily="34" charset="0"/>
+            </a:endParaRPr>
+          </a:p>
+        </p:txBody>
+      </p:sp>
+      <p:sp>
+        <p:nvSpPr>
+          <p:cNvPr id="125" name="Textfeld 124">
+            <a:extLst>
+              <a:ext uri="{FF2B5EF4-FFF2-40B4-BE49-F238E27FC236}">
+                <a16:creationId xmlns:a16="http://schemas.microsoft.com/office/drawing/2014/main" id="{0B02C4DB-84B4-430E-89D6-521A4D506778}"/>
+              </a:ext>
+            </a:extLst>
+          </p:cNvPr>
+          <p:cNvSpPr txBox="1"/>
+          <p:nvPr/>
+        </p:nvSpPr>
+        <p:spPr>
+          <a:xfrm>
+            <a:off x="20284158" y="2525458"/>
+            <a:ext cx="1525961" cy="307777"/>
+          </a:xfrm>
+          <a:prstGeom prst="rect">
+            <a:avLst/>
+          </a:prstGeom>
+          <a:noFill/>
+        </p:spPr>
+        <p:txBody>
+          <a:bodyPr wrap="square" rtlCol="0">
+            <a:spAutoFit/>
+          </a:bodyPr>
+          <a:lstStyle/>
+          <a:p>
+            <a:r>
+              <a:rPr lang="en-GB" sz="1400" dirty="0">
+                <a:latin typeface="Segoe UI Light" panose="020B0502040204020203" pitchFamily="34" charset="0"/>
+                <a:cs typeface="Segoe UI Light" panose="020B0502040204020203" pitchFamily="34" charset="0"/>
+              </a:rPr>
+              <a:t>PCA Loadings</a:t>
+            </a:r>
+            <a:endParaRPr lang="en-GB" b="1" dirty="0">
+              <a:latin typeface="Segoe UI Light" panose="020B0502040204020203" pitchFamily="34" charset="0"/>
+              <a:cs typeface="Segoe UI Light" panose="020B0502040204020203" pitchFamily="34" charset="0"/>
+            </a:endParaRPr>
+          </a:p>
+        </p:txBody>
+      </p:sp>
+      <p:pic>
+        <p:nvPicPr>
+          <p:cNvPr id="129" name="Grafik 128">
+            <a:extLst>
+              <a:ext uri="{FF2B5EF4-FFF2-40B4-BE49-F238E27FC236}">
+                <a16:creationId xmlns:a16="http://schemas.microsoft.com/office/drawing/2014/main" id="{73836794-D855-4E68-8E7C-F0571193AB2F}"/>
+              </a:ext>
+            </a:extLst>
+          </p:cNvPr>
+          <p:cNvPicPr>
+            <a:picLocks noChangeAspect="1"/>
+          </p:cNvPicPr>
+          <p:nvPr/>
+        </p:nvPicPr>
+        <p:blipFill>
+          <a:blip r:embed="rId27">
+            <a:extLst>
+              <a:ext uri="{28A0092B-C50C-407E-A947-70E740481C1C}">
+                <a14:useLocalDpi xmlns:a14="http://schemas.microsoft.com/office/drawing/2010/main" val="0"/>
+              </a:ext>
+            </a:extLst>
+          </a:blip>
+          <a:stretch>
+            <a:fillRect/>
+          </a:stretch>
+        </p:blipFill>
+        <p:spPr>
+          <a:xfrm>
+            <a:off x="24077951" y="3152788"/>
+            <a:ext cx="1630202" cy="2608323"/>
+          </a:xfrm>
+          <a:prstGeom prst="rect">
+            <a:avLst/>
+          </a:prstGeom>
+        </p:spPr>
+      </p:pic>
+      <p:sp>
+        <p:nvSpPr>
+          <p:cNvPr id="130" name="Textfeld 129">
+            <a:extLst>
+              <a:ext uri="{FF2B5EF4-FFF2-40B4-BE49-F238E27FC236}">
+                <a16:creationId xmlns:a16="http://schemas.microsoft.com/office/drawing/2014/main" id="{FE88A252-AE06-467F-BD9C-2E7D09AEFE88}"/>
+              </a:ext>
+            </a:extLst>
+          </p:cNvPr>
+          <p:cNvSpPr txBox="1"/>
+          <p:nvPr/>
+        </p:nvSpPr>
+        <p:spPr>
+          <a:xfrm>
+            <a:off x="23908837" y="2862371"/>
+            <a:ext cx="1369544" cy="307777"/>
+          </a:xfrm>
+          <a:prstGeom prst="rect">
+            <a:avLst/>
+          </a:prstGeom>
+          <a:noFill/>
+        </p:spPr>
+        <p:txBody>
+          <a:bodyPr wrap="square" rtlCol="0">
+            <a:spAutoFit/>
+          </a:bodyPr>
+          <a:lstStyle/>
+          <a:p>
+            <a:pPr algn="just"/>
+            <a:r>
+              <a:rPr lang="en-GB" sz="1400" dirty="0">
+                <a:latin typeface="Segoe UI Light" panose="020B0502040204020203" pitchFamily="34" charset="0"/>
+                <a:cs typeface="Segoe UI Light" panose="020B0502040204020203" pitchFamily="34" charset="0"/>
+              </a:rPr>
+              <a:t>FA Scree Plot</a:t>
+            </a:r>
+            <a:endParaRPr lang="en-GB" b="1" dirty="0">
+              <a:latin typeface="Segoe UI Light" panose="020B0502040204020203" pitchFamily="34" charset="0"/>
+              <a:cs typeface="Segoe UI Light" panose="020B0502040204020203" pitchFamily="34" charset="0"/>
+            </a:endParaRPr>
+          </a:p>
+        </p:txBody>
+      </p:sp>
+      <p:sp>
+        <p:nvSpPr>
+          <p:cNvPr id="131" name="Textfeld 130">
+            <a:extLst>
+              <a:ext uri="{FF2B5EF4-FFF2-40B4-BE49-F238E27FC236}">
+                <a16:creationId xmlns:a16="http://schemas.microsoft.com/office/drawing/2014/main" id="{904AB503-0041-4415-8C23-D95E73B3B08C}"/>
+              </a:ext>
+            </a:extLst>
+          </p:cNvPr>
+          <p:cNvSpPr txBox="1"/>
+          <p:nvPr/>
+        </p:nvSpPr>
+        <p:spPr>
+          <a:xfrm rot="16200000">
+            <a:off x="23443505" y="4279430"/>
+            <a:ext cx="2086283" cy="253916"/>
+          </a:xfrm>
+          <a:prstGeom prst="rect">
+            <a:avLst/>
+          </a:prstGeom>
+          <a:noFill/>
+        </p:spPr>
+        <p:txBody>
+          <a:bodyPr wrap="square" rtlCol="0">
+            <a:spAutoFit/>
+          </a:bodyPr>
+          <a:lstStyle/>
+          <a:p>
+            <a:r>
+              <a:rPr lang="en-GB" sz="900" dirty="0">
+                <a:latin typeface="Segoe UI Light" panose="020B0502040204020203" pitchFamily="34" charset="0"/>
+                <a:cs typeface="Segoe UI Light" panose="020B0502040204020203" pitchFamily="34" charset="0"/>
+              </a:rPr>
+              <a:t>Country</a:t>
+            </a:r>
+            <a:r>
+              <a:rPr lang="en-GB" sz="1050" dirty="0"/>
+              <a:t> </a:t>
+            </a:r>
+            <a:r>
+              <a:rPr lang="en-GB" sz="900" dirty="0">
+                <a:latin typeface="Segoe UI Light" panose="020B0502040204020203" pitchFamily="34" charset="0"/>
+                <a:cs typeface="Segoe UI Light" panose="020B0502040204020203" pitchFamily="34" charset="0"/>
+              </a:rPr>
+              <a:t>Development</a:t>
+            </a:r>
+          </a:p>
+        </p:txBody>
+      </p:sp>
+      <p:sp>
+        <p:nvSpPr>
+          <p:cNvPr id="132" name="Textfeld 131">
+            <a:extLst>
+              <a:ext uri="{FF2B5EF4-FFF2-40B4-BE49-F238E27FC236}">
+                <a16:creationId xmlns:a16="http://schemas.microsoft.com/office/drawing/2014/main" id="{2D15AA6D-7002-4E92-A03C-F2FA7A57CDEB}"/>
+              </a:ext>
+            </a:extLst>
+          </p:cNvPr>
+          <p:cNvSpPr txBox="1"/>
+          <p:nvPr/>
+        </p:nvSpPr>
+        <p:spPr>
+          <a:xfrm rot="16200000">
+            <a:off x="24339236" y="4796925"/>
+            <a:ext cx="1206243" cy="230832"/>
+          </a:xfrm>
+          <a:prstGeom prst="rect">
+            <a:avLst/>
+          </a:prstGeom>
+          <a:noFill/>
+        </p:spPr>
+        <p:txBody>
+          <a:bodyPr wrap="square" rtlCol="0">
+            <a:spAutoFit/>
+          </a:bodyPr>
+          <a:lstStyle/>
+          <a:p>
+            <a:r>
+              <a:rPr lang="en-GB" sz="900" dirty="0">
+                <a:latin typeface="Segoe UI Light" panose="020B0502040204020203" pitchFamily="34" charset="0"/>
+                <a:cs typeface="Segoe UI Light" panose="020B0502040204020203" pitchFamily="34" charset="0"/>
+              </a:rPr>
+              <a:t>Quality of Life</a:t>
+            </a:r>
+          </a:p>
+        </p:txBody>
+      </p:sp>
+      <p:sp>
+        <p:nvSpPr>
+          <p:cNvPr id="133" name="Textfeld 132">
+            <a:extLst>
+              <a:ext uri="{FF2B5EF4-FFF2-40B4-BE49-F238E27FC236}">
+                <a16:creationId xmlns:a16="http://schemas.microsoft.com/office/drawing/2014/main" id="{05CAF5C1-652F-4C19-A180-009E7E1C4B5B}"/>
+              </a:ext>
+            </a:extLst>
+          </p:cNvPr>
+          <p:cNvSpPr txBox="1"/>
+          <p:nvPr/>
+        </p:nvSpPr>
+        <p:spPr>
+          <a:xfrm rot="16200000">
+            <a:off x="25071160" y="5085758"/>
+            <a:ext cx="668420" cy="230832"/>
+          </a:xfrm>
+          <a:prstGeom prst="rect">
+            <a:avLst/>
+          </a:prstGeom>
+          <a:noFill/>
+        </p:spPr>
+        <p:txBody>
+          <a:bodyPr wrap="square" rtlCol="0">
+            <a:spAutoFit/>
+          </a:bodyPr>
+          <a:lstStyle/>
+          <a:p>
+            <a:r>
+              <a:rPr lang="en-GB" sz="900" dirty="0">
+                <a:latin typeface="Segoe UI Light" panose="020B0502040204020203" pitchFamily="34" charset="0"/>
+                <a:cs typeface="Segoe UI Light" panose="020B0502040204020203" pitchFamily="34" charset="0"/>
+              </a:rPr>
+              <a:t>Freedom</a:t>
+            </a:r>
+          </a:p>
+        </p:txBody>
+      </p:sp>
+      <p:pic>
+        <p:nvPicPr>
+          <p:cNvPr id="135" name="Grafik 134">
+            <a:extLst>
+              <a:ext uri="{FF2B5EF4-FFF2-40B4-BE49-F238E27FC236}">
+                <a16:creationId xmlns:a16="http://schemas.microsoft.com/office/drawing/2014/main" id="{7C457359-AD83-4209-BAE2-5BD055181557}"/>
+              </a:ext>
+            </a:extLst>
+          </p:cNvPr>
+          <p:cNvPicPr>
+            <a:picLocks noChangeAspect="1"/>
+          </p:cNvPicPr>
+          <p:nvPr/>
+        </p:nvPicPr>
+        <p:blipFill rotWithShape="1">
+          <a:blip r:embed="rId28">
+            <a:extLst>
+              <a:ext uri="{28A0092B-C50C-407E-A947-70E740481C1C}">
+                <a14:useLocalDpi xmlns:a14="http://schemas.microsoft.com/office/drawing/2010/main" val="0"/>
+              </a:ext>
+            </a:extLst>
+          </a:blip>
+          <a:srcRect l="91134" t="2430" b="94348"/>
+          <a:stretch/>
+        </p:blipFill>
+        <p:spPr>
+          <a:xfrm>
+            <a:off x="13055972" y="9156146"/>
+            <a:ext cx="1064780" cy="257779"/>
+          </a:xfrm>
+          <a:prstGeom prst="rect">
+            <a:avLst/>
+          </a:prstGeom>
+        </p:spPr>
+      </p:pic>
+      <p:sp>
+        <p:nvSpPr>
+          <p:cNvPr id="136" name="Textfeld 135">
+            <a:extLst>
+              <a:ext uri="{FF2B5EF4-FFF2-40B4-BE49-F238E27FC236}">
+                <a16:creationId xmlns:a16="http://schemas.microsoft.com/office/drawing/2014/main" id="{F0A1C01D-0D4D-443E-9D5D-93354FFF4F12}"/>
+              </a:ext>
+            </a:extLst>
+          </p:cNvPr>
+          <p:cNvSpPr txBox="1"/>
+          <p:nvPr/>
+        </p:nvSpPr>
+        <p:spPr>
+          <a:xfrm>
+            <a:off x="13118591" y="9337432"/>
+            <a:ext cx="902209" cy="215444"/>
+          </a:xfrm>
+          <a:prstGeom prst="rect">
+            <a:avLst/>
+          </a:prstGeom>
+          <a:noFill/>
+        </p:spPr>
+        <p:txBody>
+          <a:bodyPr wrap="square" rtlCol="0">
+            <a:spAutoFit/>
+          </a:bodyPr>
+          <a:lstStyle/>
+          <a:p>
+            <a:r>
+              <a:rPr lang="en-GB" sz="800" dirty="0">
+                <a:solidFill>
+                  <a:schemeClr val="tx1">
+                    <a:lumMod val="50000"/>
+                    <a:lumOff val="50000"/>
+                  </a:schemeClr>
+                </a:solidFill>
+                <a:latin typeface="Segoe UI Light" panose="020B0502040204020203" pitchFamily="34" charset="0"/>
+                <a:cs typeface="Segoe UI Light" panose="020B0502040204020203" pitchFamily="34" charset="0"/>
+              </a:rPr>
+              <a:t>Happiness Score</a:t>
+            </a:r>
+            <a:endParaRPr lang="en-GB" sz="800" dirty="0">
+              <a:solidFill>
+                <a:schemeClr val="tx1">
+                  <a:lumMod val="50000"/>
+                  <a:lumOff val="50000"/>
+                </a:schemeClr>
+              </a:solidFill>
+            </a:endParaRPr>
+          </a:p>
+        </p:txBody>
+      </p:sp>
+      <p:pic>
+        <p:nvPicPr>
+          <p:cNvPr id="140" name="Grafik 139">
+            <a:extLst>
+              <a:ext uri="{FF2B5EF4-FFF2-40B4-BE49-F238E27FC236}">
+                <a16:creationId xmlns:a16="http://schemas.microsoft.com/office/drawing/2014/main" id="{3E7248CA-E1D7-4C4B-903B-6A6EEEC373C5}"/>
+              </a:ext>
+            </a:extLst>
+          </p:cNvPr>
+          <p:cNvPicPr>
+            <a:picLocks noChangeAspect="1"/>
+          </p:cNvPicPr>
+          <p:nvPr/>
+        </p:nvPicPr>
+        <p:blipFill rotWithShape="1">
+          <a:blip r:embed="rId29">
+            <a:extLst>
+              <a:ext uri="{28A0092B-C50C-407E-A947-70E740481C1C}">
+                <a14:useLocalDpi xmlns:a14="http://schemas.microsoft.com/office/drawing/2010/main" val="0"/>
+              </a:ext>
+            </a:extLst>
+          </a:blip>
+          <a:srcRect t="4798"/>
+          <a:stretch/>
+        </p:blipFill>
+        <p:spPr>
+          <a:xfrm>
+            <a:off x="5025158" y="15308789"/>
+            <a:ext cx="5358434" cy="3574211"/>
+          </a:xfrm>
+          <a:prstGeom prst="rect">
+            <a:avLst/>
+          </a:prstGeom>
+        </p:spPr>
+      </p:pic>
+      <p:sp>
+        <p:nvSpPr>
+          <p:cNvPr id="141" name="Textfeld 140">
+            <a:extLst>
+              <a:ext uri="{FF2B5EF4-FFF2-40B4-BE49-F238E27FC236}">
+                <a16:creationId xmlns:a16="http://schemas.microsoft.com/office/drawing/2014/main" id="{3DDF8AEB-3236-4953-B89D-CB4D6D95804E}"/>
+              </a:ext>
+            </a:extLst>
+          </p:cNvPr>
+          <p:cNvSpPr txBox="1"/>
+          <p:nvPr/>
+        </p:nvSpPr>
+        <p:spPr>
+          <a:xfrm>
+            <a:off x="963959" y="12751331"/>
+            <a:ext cx="4469599" cy="338554"/>
+          </a:xfrm>
+          <a:prstGeom prst="rect">
+            <a:avLst/>
+          </a:prstGeom>
+          <a:noFill/>
+        </p:spPr>
+        <p:txBody>
+          <a:bodyPr wrap="square" rtlCol="0">
+            <a:spAutoFit/>
+          </a:bodyPr>
+          <a:lstStyle/>
+          <a:p>
+            <a:r>
+              <a:rPr lang="en-GB" sz="1600" b="1" dirty="0">
+                <a:latin typeface="Segoe UI Light" panose="020B0502040204020203" pitchFamily="34" charset="0"/>
+                <a:cs typeface="Segoe UI Light" panose="020B0502040204020203" pitchFamily="34" charset="0"/>
+              </a:rPr>
+              <a:t>Cluster Dendrogram</a:t>
+            </a:r>
+          </a:p>
+        </p:txBody>
+      </p:sp>
+      <p:sp>
+        <p:nvSpPr>
+          <p:cNvPr id="142" name="Textfeld 141">
+            <a:extLst>
+              <a:ext uri="{FF2B5EF4-FFF2-40B4-BE49-F238E27FC236}">
+                <a16:creationId xmlns:a16="http://schemas.microsoft.com/office/drawing/2014/main" id="{1C0DA642-AE1B-4F39-9BBA-485BD41FBD77}"/>
+              </a:ext>
+            </a:extLst>
+          </p:cNvPr>
+          <p:cNvSpPr txBox="1"/>
+          <p:nvPr/>
+        </p:nvSpPr>
+        <p:spPr>
+          <a:xfrm>
+            <a:off x="971859" y="12427398"/>
+            <a:ext cx="4469599" cy="338554"/>
+          </a:xfrm>
+          <a:prstGeom prst="rect">
+            <a:avLst/>
+          </a:prstGeom>
+          <a:noFill/>
+        </p:spPr>
+        <p:txBody>
+          <a:bodyPr wrap="square" rtlCol="0">
+            <a:spAutoFit/>
+          </a:bodyPr>
+          <a:lstStyle/>
+          <a:p>
+            <a:r>
+              <a:rPr lang="en-GB" sz="1600" b="1" dirty="0">
+                <a:latin typeface="Segoe UI Light" panose="020B0502040204020203" pitchFamily="34" charset="0"/>
+                <a:cs typeface="Segoe UI Light" panose="020B0502040204020203" pitchFamily="34" charset="0"/>
+              </a:rPr>
+              <a:t>Hierarchical Clustering on Principal Components</a:t>
+            </a:r>
+          </a:p>
+        </p:txBody>
+      </p:sp>
+      <p:sp>
+        <p:nvSpPr>
+          <p:cNvPr id="84" name="Textfeld 83">
+            <a:extLst>
+              <a:ext uri="{FF2B5EF4-FFF2-40B4-BE49-F238E27FC236}">
+                <a16:creationId xmlns:a16="http://schemas.microsoft.com/office/drawing/2014/main" id="{7B8F039E-53BE-4743-A125-4436A25EC159}"/>
+              </a:ext>
+            </a:extLst>
+          </p:cNvPr>
+          <p:cNvSpPr txBox="1"/>
+          <p:nvPr/>
+        </p:nvSpPr>
+        <p:spPr>
+          <a:xfrm>
+            <a:off x="4268470" y="13138330"/>
+            <a:ext cx="5795339" cy="1169551"/>
+          </a:xfrm>
+          <a:prstGeom prst="rect">
+            <a:avLst/>
+          </a:prstGeom>
+          <a:noFill/>
+        </p:spPr>
+        <p:txBody>
+          <a:bodyPr wrap="square" rtlCol="0">
+            <a:spAutoFit/>
+          </a:bodyPr>
+          <a:lstStyle/>
+          <a:p>
+            <a:pPr algn="just"/>
+            <a:r>
+              <a:rPr lang="en-GB" sz="1400" dirty="0">
+                <a:latin typeface="Segoe UI Light" panose="020B0502040204020203" pitchFamily="34" charset="0"/>
+                <a:cs typeface="Segoe UI Light" panose="020B0502040204020203" pitchFamily="34" charset="0"/>
+              </a:rPr>
+              <a:t>According to the results of the Dendrogram, 3 clusters seem to make the most accurate division among the countries. To proof the optimal number of clusters, we also perform Elbow and Silhouette methods. The results confirm number of clusters equal to 3. The distance measure used is Euclidean Distance.</a:t>
+            </a:r>
+          </a:p>
+        </p:txBody>
+      </p:sp>
+      <p:sp>
+        <p:nvSpPr>
+          <p:cNvPr id="145" name="Textfeld 144">
+            <a:extLst>
+              <a:ext uri="{FF2B5EF4-FFF2-40B4-BE49-F238E27FC236}">
+                <a16:creationId xmlns:a16="http://schemas.microsoft.com/office/drawing/2014/main" id="{34D30FB4-BE51-4485-AF66-F6D96553E976}"/>
+              </a:ext>
+            </a:extLst>
+          </p:cNvPr>
+          <p:cNvSpPr txBox="1"/>
+          <p:nvPr/>
+        </p:nvSpPr>
+        <p:spPr>
+          <a:xfrm>
+            <a:off x="883135" y="15701729"/>
+            <a:ext cx="3302707" cy="2246769"/>
+          </a:xfrm>
+          <a:prstGeom prst="rect">
+            <a:avLst/>
+          </a:prstGeom>
+          <a:noFill/>
+        </p:spPr>
+        <p:txBody>
+          <a:bodyPr wrap="square" rtlCol="0">
+            <a:spAutoFit/>
+          </a:bodyPr>
+          <a:lstStyle/>
+          <a:p>
+            <a:r>
+              <a:rPr lang="en-GB" sz="1400" b="1" dirty="0">
+                <a:solidFill>
+                  <a:schemeClr val="accent1"/>
+                </a:solidFill>
+                <a:latin typeface="Segoe UI Light" panose="020B0502040204020203" pitchFamily="34" charset="0"/>
+                <a:cs typeface="Segoe UI Light" panose="020B0502040204020203" pitchFamily="34" charset="0"/>
+              </a:rPr>
+              <a:t>Africa</a:t>
+            </a:r>
+            <a:r>
+              <a:rPr lang="en-GB" sz="1400" dirty="0">
+                <a:latin typeface="Segoe UI Light" panose="020B0502040204020203" pitchFamily="34" charset="0"/>
+                <a:cs typeface="Segoe UI Light" panose="020B0502040204020203" pitchFamily="34" charset="0"/>
+              </a:rPr>
+              <a:t> </a:t>
+            </a:r>
+          </a:p>
+          <a:p>
+            <a:pPr marL="285750" indent="-285750">
+              <a:buFontTx/>
+              <a:buChar char="-"/>
+            </a:pPr>
+            <a:r>
+              <a:rPr lang="en-GB" sz="1400" dirty="0">
+                <a:latin typeface="Segoe UI Light" panose="020B0502040204020203" pitchFamily="34" charset="0"/>
+                <a:cs typeface="Segoe UI Light" panose="020B0502040204020203" pitchFamily="34" charset="0"/>
+              </a:rPr>
+              <a:t>low Country Development</a:t>
+            </a:r>
+          </a:p>
+          <a:p>
+            <a:pPr marL="285750" indent="-285750">
+              <a:buFontTx/>
+              <a:buChar char="-"/>
+            </a:pPr>
+            <a:r>
+              <a:rPr lang="en-GB" sz="1400" dirty="0">
+                <a:latin typeface="Segoe UI Light" panose="020B0502040204020203" pitchFamily="34" charset="0"/>
+                <a:cs typeface="Segoe UI Light" panose="020B0502040204020203" pitchFamily="34" charset="0"/>
+              </a:rPr>
+              <a:t>high Freedom &amp; Corruption </a:t>
+            </a:r>
+          </a:p>
+          <a:p>
+            <a:r>
+              <a:rPr lang="en-GB" sz="1400" b="1" dirty="0">
+                <a:solidFill>
+                  <a:schemeClr val="tx1">
+                    <a:lumMod val="50000"/>
+                    <a:lumOff val="50000"/>
+                  </a:schemeClr>
+                </a:solidFill>
+                <a:latin typeface="Segoe UI Light" panose="020B0502040204020203" pitchFamily="34" charset="0"/>
+                <a:cs typeface="Segoe UI Light" panose="020B0502040204020203" pitchFamily="34" charset="0"/>
+              </a:rPr>
+              <a:t>Western Europe, North America, Australia</a:t>
+            </a:r>
+          </a:p>
+          <a:p>
+            <a:pPr marL="285750" indent="-285750">
+              <a:buFontTx/>
+              <a:buChar char="-"/>
+            </a:pPr>
+            <a:r>
+              <a:rPr lang="en-GB" sz="1400" dirty="0">
+                <a:latin typeface="Segoe UI Light" panose="020B0502040204020203" pitchFamily="34" charset="0"/>
+                <a:cs typeface="Segoe UI Light" panose="020B0502040204020203" pitchFamily="34" charset="0"/>
+              </a:rPr>
+              <a:t>high Country Development</a:t>
+            </a:r>
+          </a:p>
+          <a:p>
+            <a:pPr marL="285750" indent="-285750">
+              <a:buFontTx/>
+              <a:buChar char="-"/>
+            </a:pPr>
+            <a:r>
+              <a:rPr lang="en-GB" sz="1400" dirty="0">
+                <a:latin typeface="Segoe UI Light" panose="020B0502040204020203" pitchFamily="34" charset="0"/>
+                <a:cs typeface="Segoe UI Light" panose="020B0502040204020203" pitchFamily="34" charset="0"/>
+              </a:rPr>
+              <a:t>high Freedom and Corruption</a:t>
+            </a:r>
+          </a:p>
+          <a:p>
+            <a:r>
+              <a:rPr lang="en-GB" sz="1400" b="1" dirty="0">
+                <a:solidFill>
+                  <a:schemeClr val="accent4">
+                    <a:lumMod val="60000"/>
+                    <a:lumOff val="40000"/>
+                  </a:schemeClr>
+                </a:solidFill>
+                <a:latin typeface="Segoe UI Light" panose="020B0502040204020203" pitchFamily="34" charset="0"/>
+                <a:cs typeface="Segoe UI Light" panose="020B0502040204020203" pitchFamily="34" charset="0"/>
+              </a:rPr>
+              <a:t>Asia, South America, Eastern Europe</a:t>
+            </a:r>
+          </a:p>
+          <a:p>
+            <a:pPr marL="285750" indent="-285750">
+              <a:buFontTx/>
+              <a:buChar char="-"/>
+            </a:pPr>
+            <a:r>
+              <a:rPr lang="en-GB" sz="1400" dirty="0">
+                <a:latin typeface="Segoe UI Light" panose="020B0502040204020203" pitchFamily="34" charset="0"/>
+                <a:cs typeface="Segoe UI Light" panose="020B0502040204020203" pitchFamily="34" charset="0"/>
+              </a:rPr>
+              <a:t>mid to low Country Development</a:t>
+            </a:r>
+          </a:p>
+          <a:p>
+            <a:pPr marL="285750" indent="-285750">
+              <a:buFontTx/>
+              <a:buChar char="-"/>
+            </a:pPr>
+            <a:r>
+              <a:rPr lang="en-GB" sz="1400" dirty="0">
+                <a:latin typeface="Segoe UI Light" panose="020B0502040204020203" pitchFamily="34" charset="0"/>
+                <a:cs typeface="Segoe UI Light" panose="020B0502040204020203" pitchFamily="34" charset="0"/>
+              </a:rPr>
+              <a:t>mid Freedom and Corruption</a:t>
+            </a:r>
+          </a:p>
+          <a:p>
+            <a:pPr algn="just"/>
+            <a:endParaRPr lang="en-GB" sz="1400" dirty="0">
+              <a:solidFill>
+                <a:schemeClr val="accent4">
+                  <a:lumMod val="60000"/>
+                  <a:lumOff val="40000"/>
+                </a:schemeClr>
+              </a:solidFill>
+              <a:latin typeface="Segoe UI Light" panose="020B0502040204020203" pitchFamily="34" charset="0"/>
+              <a:cs typeface="Segoe UI Light" panose="020B0502040204020203" pitchFamily="34" charset="0"/>
+            </a:endParaRPr>
+          </a:p>
+        </p:txBody>
+      </p:sp>
+      <p:pic>
+        <p:nvPicPr>
+          <p:cNvPr id="147" name="Grafik 146">
+            <a:extLst>
+              <a:ext uri="{FF2B5EF4-FFF2-40B4-BE49-F238E27FC236}">
+                <a16:creationId xmlns:a16="http://schemas.microsoft.com/office/drawing/2014/main" id="{F027AAC7-FA58-4FBC-84D7-CCA364127D15}"/>
+              </a:ext>
+            </a:extLst>
+          </p:cNvPr>
+          <p:cNvPicPr>
+            <a:picLocks noChangeAspect="1"/>
+          </p:cNvPicPr>
+          <p:nvPr/>
+        </p:nvPicPr>
+        <p:blipFill>
+          <a:blip r:embed="rId30">
+            <a:extLst>
+              <a:ext uri="{28A0092B-C50C-407E-A947-70E740481C1C}">
+                <a14:useLocalDpi xmlns:a14="http://schemas.microsoft.com/office/drawing/2010/main" val="0"/>
+              </a:ext>
+            </a:extLst>
+          </a:blip>
+          <a:stretch>
+            <a:fillRect/>
+          </a:stretch>
+        </p:blipFill>
+        <p:spPr>
+          <a:xfrm>
+            <a:off x="879401" y="17650224"/>
+            <a:ext cx="4334030" cy="3218937"/>
+          </a:xfrm>
+          <a:prstGeom prst="rect">
+            <a:avLst/>
+          </a:prstGeom>
+        </p:spPr>
+      </p:pic>
+      <p:sp>
+        <p:nvSpPr>
+          <p:cNvPr id="5" name="Rechteck: abgerundete Ecken 4">
+            <a:extLst>
+              <a:ext uri="{FF2B5EF4-FFF2-40B4-BE49-F238E27FC236}">
+                <a16:creationId xmlns:a16="http://schemas.microsoft.com/office/drawing/2014/main" id="{DBC15CEA-203F-4297-B616-17213A939DD1}"/>
+              </a:ext>
+            </a:extLst>
+          </p:cNvPr>
+          <p:cNvSpPr/>
+          <p:nvPr/>
+        </p:nvSpPr>
+        <p:spPr>
+          <a:xfrm>
+            <a:off x="720437" y="11868342"/>
+            <a:ext cx="9577534" cy="8933380"/>
+          </a:xfrm>
+          <a:prstGeom prst="roundRect">
+            <a:avLst/>
+          </a:prstGeom>
+          <a:noFill/>
+        </p:spPr>
+        <p:style>
+          <a:lnRef idx="2">
+            <a:schemeClr val="accent1">
+              <a:shade val="50000"/>
+            </a:schemeClr>
+          </a:lnRef>
+          <a:fillRef idx="1">
+            <a:schemeClr val="accent1"/>
+          </a:fillRef>
+          <a:effectRef idx="0">
+            <a:schemeClr val="accent1"/>
+          </a:effectRef>
+          <a:fontRef idx="minor">
+            <a:schemeClr val="lt1"/>
+          </a:fontRef>
+        </p:style>
+        <p:txBody>
+          <a:bodyPr rot="0" spcFirstLastPara="0" vertOverflow="overflow" horzOverflow="overflow" vert="horz" wrap="square" lIns="91440" tIns="45720" rIns="91440" bIns="45720" numCol="1" spcCol="0" rtlCol="0" fromWordArt="0" anchor="ctr" anchorCtr="0" forceAA="0" compatLnSpc="1">
+            <a:prstTxWarp prst="textNoShape">
+              <a:avLst/>
+            </a:prstTxWarp>
+            <a:noAutofit/>
+          </a:bodyPr>
+          <a:lstStyle/>
+          <a:p>
+            <a:pPr algn="ctr"/>
+            <a:endParaRPr lang="en-GB"/>
+          </a:p>
+        </p:txBody>
+      </p:sp>
+      <p:sp>
+        <p:nvSpPr>
+          <p:cNvPr id="16" name="Rechteck: abgerundete Ecken 15">
+            <a:extLst>
+              <a:ext uri="{FF2B5EF4-FFF2-40B4-BE49-F238E27FC236}">
+                <a16:creationId xmlns:a16="http://schemas.microsoft.com/office/drawing/2014/main" id="{652A2633-20E2-4516-8EAE-564AF76EC450}"/>
+              </a:ext>
+            </a:extLst>
+          </p:cNvPr>
+          <p:cNvSpPr/>
+          <p:nvPr/>
+        </p:nvSpPr>
+        <p:spPr>
+          <a:xfrm>
+            <a:off x="1281494" y="11569806"/>
+            <a:ext cx="3672000" cy="828000"/>
+          </a:xfrm>
+          <a:prstGeom prst="roundRect">
+            <a:avLst/>
+          </a:prstGeom>
+          <a:ln>
+            <a:noFill/>
+          </a:ln>
+        </p:spPr>
+        <p:style>
+          <a:lnRef idx="2">
+            <a:schemeClr val="accent1">
+              <a:shade val="50000"/>
+            </a:schemeClr>
+          </a:lnRef>
+          <a:fillRef idx="1">
+            <a:schemeClr val="accent1"/>
+          </a:fillRef>
+          <a:effectRef idx="0">
+            <a:schemeClr val="accent1"/>
+          </a:effectRef>
+          <a:fontRef idx="minor">
+            <a:schemeClr val="lt1"/>
+          </a:fontRef>
+        </p:style>
+        <p:txBody>
+          <a:bodyPr rtlCol="0" anchor="ctr"/>
+          <a:lstStyle/>
+          <a:p>
+            <a:pPr algn="ctr"/>
+            <a:r>
+              <a:rPr lang="en-GB" sz="2800" dirty="0">
+                <a:latin typeface="Segoe UI Light" panose="020B0502040204020203" pitchFamily="34" charset="0"/>
+                <a:cs typeface="Segoe UI Light" panose="020B0502040204020203" pitchFamily="34" charset="0"/>
+              </a:rPr>
+              <a:t>Cluster Analysis</a:t>
+            </a:r>
+          </a:p>
+        </p:txBody>
+      </p:sp>
+      <p:sp>
+        <p:nvSpPr>
+          <p:cNvPr id="148" name="Textfeld 147">
+            <a:extLst>
+              <a:ext uri="{FF2B5EF4-FFF2-40B4-BE49-F238E27FC236}">
+                <a16:creationId xmlns:a16="http://schemas.microsoft.com/office/drawing/2014/main" id="{F2BE75D9-1725-458A-8CCB-3CFE2D56D08D}"/>
+              </a:ext>
+            </a:extLst>
+          </p:cNvPr>
+          <p:cNvSpPr txBox="1"/>
+          <p:nvPr/>
+        </p:nvSpPr>
+        <p:spPr>
+          <a:xfrm>
+            <a:off x="5915388" y="18999802"/>
+            <a:ext cx="3926249" cy="1384995"/>
+          </a:xfrm>
+          <a:prstGeom prst="rect">
+            <a:avLst/>
+          </a:prstGeom>
+          <a:noFill/>
+        </p:spPr>
+        <p:txBody>
+          <a:bodyPr wrap="square" rtlCol="0">
+            <a:spAutoFit/>
+          </a:bodyPr>
+          <a:lstStyle/>
+          <a:p>
+            <a:pPr algn="just"/>
+            <a:r>
+              <a:rPr lang="en-GB" sz="1400" dirty="0">
+                <a:latin typeface="Segoe UI Light" panose="020B0502040204020203" pitchFamily="34" charset="0"/>
+                <a:cs typeface="Segoe UI Light" panose="020B0502040204020203" pitchFamily="34" charset="0"/>
+              </a:rPr>
+              <a:t>The clusters show a geographical pattern among the grouped countries. Looking at the Phylogenetic Tree, the geographical distance becomes more clear as branches represent similarity. </a:t>
+            </a:r>
+          </a:p>
+          <a:p>
+            <a:endParaRPr lang="en-GB" sz="1400" dirty="0"/>
+          </a:p>
+        </p:txBody>
+      </p:sp>
+      <p:sp>
+        <p:nvSpPr>
+          <p:cNvPr id="149" name="Textfeld 148">
+            <a:extLst>
+              <a:ext uri="{FF2B5EF4-FFF2-40B4-BE49-F238E27FC236}">
+                <a16:creationId xmlns:a16="http://schemas.microsoft.com/office/drawing/2014/main" id="{E55A7ABB-FE46-4932-89A7-C86E881A41B2}"/>
+              </a:ext>
+            </a:extLst>
+          </p:cNvPr>
+          <p:cNvSpPr txBox="1"/>
+          <p:nvPr/>
+        </p:nvSpPr>
+        <p:spPr>
+          <a:xfrm>
+            <a:off x="5242558" y="14375413"/>
+            <a:ext cx="4820893" cy="954107"/>
+          </a:xfrm>
+          <a:prstGeom prst="rect">
+            <a:avLst/>
+          </a:prstGeom>
+          <a:noFill/>
+        </p:spPr>
+        <p:txBody>
+          <a:bodyPr wrap="square" rtlCol="0">
+            <a:spAutoFit/>
+          </a:bodyPr>
+          <a:lstStyle/>
+          <a:p>
+            <a:pPr algn="just"/>
+            <a:r>
+              <a:rPr lang="en-GB" sz="1400" dirty="0">
+                <a:latin typeface="Segoe UI Light" panose="020B0502040204020203" pitchFamily="34" charset="0"/>
+                <a:cs typeface="Segoe UI Light" panose="020B0502040204020203" pitchFamily="34" charset="0"/>
+              </a:rPr>
+              <a:t>The clusters are visualized in a Scatter Plot across the two primary PC’s where Dimension 1 represents “Country Development” and Dimension 2 represents Freedom and       Trust in </a:t>
+            </a:r>
+            <a:r>
+              <a:rPr lang="en-GB" sz="1400" dirty="0" err="1">
+                <a:latin typeface="Segoe UI Light" panose="020B0502040204020203" pitchFamily="34" charset="0"/>
+                <a:cs typeface="Segoe UI Light" panose="020B0502040204020203" pitchFamily="34" charset="0"/>
+              </a:rPr>
+              <a:t>Governement</a:t>
+            </a:r>
+            <a:r>
+              <a:rPr lang="en-GB" sz="1400" dirty="0">
+                <a:latin typeface="Segoe UI Light" panose="020B0502040204020203" pitchFamily="34" charset="0"/>
+                <a:cs typeface="Segoe UI Light" panose="020B0502040204020203" pitchFamily="34" charset="0"/>
+              </a:rPr>
+              <a:t> (Corruption).</a:t>
+            </a:r>
+          </a:p>
+        </p:txBody>
+      </p:sp>
+      <p:sp>
+        <p:nvSpPr>
+          <p:cNvPr id="126" name="Textfeld 125">
+            <a:extLst>
+              <a:ext uri="{FF2B5EF4-FFF2-40B4-BE49-F238E27FC236}">
+                <a16:creationId xmlns:a16="http://schemas.microsoft.com/office/drawing/2014/main" id="{9B0A9526-F16D-425B-A1A4-841ED2698123}"/>
+              </a:ext>
+            </a:extLst>
+          </p:cNvPr>
+          <p:cNvSpPr txBox="1"/>
+          <p:nvPr/>
+        </p:nvSpPr>
+        <p:spPr>
+          <a:xfrm>
+            <a:off x="1160043" y="2778948"/>
+            <a:ext cx="6039905" cy="1277273"/>
+          </a:xfrm>
+          <a:prstGeom prst="rect">
+            <a:avLst/>
+          </a:prstGeom>
+          <a:noFill/>
+        </p:spPr>
+        <p:txBody>
+          <a:bodyPr wrap="square" rtlCol="0">
+            <a:spAutoFit/>
+          </a:bodyPr>
+          <a:lstStyle/>
+          <a:p>
+            <a:r>
+              <a:rPr lang="en-GB" sz="1600" b="1" dirty="0">
+                <a:latin typeface="Segoe UI Light" panose="020B0502040204020203" pitchFamily="34" charset="0"/>
+                <a:cs typeface="Segoe UI Light" panose="020B0502040204020203" pitchFamily="34" charset="0"/>
+              </a:rPr>
+              <a:t>Data Source</a:t>
+            </a:r>
+          </a:p>
+          <a:p>
+            <a:endParaRPr lang="en-GB" sz="500" b="1" dirty="0">
+              <a:latin typeface="Segoe UI Light" panose="020B0502040204020203" pitchFamily="34" charset="0"/>
+              <a:cs typeface="Segoe UI Light" panose="020B0502040204020203" pitchFamily="34" charset="0"/>
+            </a:endParaRPr>
+          </a:p>
+          <a:p>
+            <a:pPr marL="285750" lvl="0" indent="-285750" fontAlgn="ctr">
+              <a:buFont typeface="Arial" panose="020B0604020202020204" pitchFamily="34" charset="0"/>
+              <a:buChar char="•"/>
+            </a:pPr>
+            <a:r>
+              <a:rPr lang="en-GB" sz="1400" dirty="0">
+                <a:latin typeface="Segoe UI Light" panose="020B0502040204020203" pitchFamily="34" charset="0"/>
+                <a:cs typeface="Segoe UI Light" panose="020B0502040204020203" pitchFamily="34" charset="0"/>
+              </a:rPr>
+              <a:t>United Nations</a:t>
+            </a:r>
+            <a:endParaRPr lang="en-GB" dirty="0">
+              <a:latin typeface="Segoe UI Light" panose="020B0502040204020203" pitchFamily="34" charset="0"/>
+              <a:cs typeface="Segoe UI Light" panose="020B0502040204020203" pitchFamily="34" charset="0"/>
+            </a:endParaRPr>
+          </a:p>
+          <a:p>
+            <a:pPr marL="285750" lvl="0" indent="-285750" fontAlgn="ctr">
+              <a:buFont typeface="Arial" panose="020B0604020202020204" pitchFamily="34" charset="0"/>
+              <a:buChar char="•"/>
+            </a:pPr>
+            <a:r>
+              <a:rPr lang="en-GB" sz="1400" dirty="0">
+                <a:latin typeface="Segoe UI Light" panose="020B0502040204020203" pitchFamily="34" charset="0"/>
+                <a:cs typeface="Segoe UI Light" panose="020B0502040204020203" pitchFamily="34" charset="0"/>
+              </a:rPr>
+              <a:t>Our World in Data</a:t>
+            </a:r>
+          </a:p>
+          <a:p>
+            <a:pPr marL="285750" lvl="0" indent="-285750" fontAlgn="ctr">
+              <a:buFont typeface="Arial" panose="020B0604020202020204" pitchFamily="34" charset="0"/>
+              <a:buChar char="•"/>
+            </a:pPr>
+            <a:r>
+              <a:rPr lang="en-GB" sz="1400" dirty="0">
+                <a:latin typeface="Segoe UI Light" panose="020B0502040204020203" pitchFamily="34" charset="0"/>
+                <a:cs typeface="Segoe UI Light" panose="020B0502040204020203" pitchFamily="34" charset="0"/>
+              </a:rPr>
+              <a:t>World Bank</a:t>
+            </a:r>
+          </a:p>
+          <a:p>
+            <a:pPr marL="285750" lvl="0" indent="-285750" fontAlgn="ctr">
+              <a:buFont typeface="Arial" panose="020B0604020202020204" pitchFamily="34" charset="0"/>
+              <a:buChar char="•"/>
+            </a:pPr>
+            <a:r>
+              <a:rPr lang="en-GB" sz="1400" dirty="0">
+                <a:latin typeface="Segoe UI Light" panose="020B0502040204020203" pitchFamily="34" charset="0"/>
+                <a:cs typeface="Segoe UI Light" panose="020B0502040204020203" pitchFamily="34" charset="0"/>
+              </a:rPr>
+              <a:t>32 variables, 132 countries</a:t>
+            </a:r>
+          </a:p>
+        </p:txBody>
+      </p:sp>
+      <p:pic>
+        <p:nvPicPr>
+          <p:cNvPr id="1028" name="Picture 4" descr="Bildergebnis fÃ¼r normal distribution">
+            <a:extLst>
+              <a:ext uri="{FF2B5EF4-FFF2-40B4-BE49-F238E27FC236}">
+                <a16:creationId xmlns:a16="http://schemas.microsoft.com/office/drawing/2014/main" id="{B13286B2-1428-4C2D-8AB1-322F812F8103}"/>
+              </a:ext>
+            </a:extLst>
+          </p:cNvPr>
+          <p:cNvPicPr>
+            <a:picLocks noChangeAspect="1" noChangeArrowheads="1"/>
+          </p:cNvPicPr>
+          <p:nvPr/>
+        </p:nvPicPr>
+        <p:blipFill>
+          <a:blip r:embed="rId31">
+            <a:extLst>
+              <a:ext uri="{28A0092B-C50C-407E-A947-70E740481C1C}">
+                <a14:useLocalDpi xmlns:a14="http://schemas.microsoft.com/office/drawing/2010/main" val="0"/>
+              </a:ext>
+            </a:extLst>
+          </a:blip>
+          <a:srcRect/>
+          <a:stretch>
+            <a:fillRect/>
+          </a:stretch>
+        </p:blipFill>
+        <p:spPr bwMode="auto">
+          <a:xfrm>
+            <a:off x="13067830" y="8775861"/>
+            <a:ext cx="1005586" cy="402952"/>
+          </a:xfrm>
+          <a:prstGeom prst="rect">
+            <a:avLst/>
+          </a:prstGeom>
+          <a:noFill/>
+          <a:extLst>
+            <a:ext uri="{909E8E84-426E-40DD-AFC4-6F175D3DCCD1}">
+              <a14:hiddenFill xmlns:a14="http://schemas.microsoft.com/office/drawing/2010/main">
+                <a:solidFill>
+                  <a:srgbClr val="FFFFFF"/>
+                </a:solidFill>
+              </a14:hiddenFill>
+            </a:ext>
+          </a:extLst>
+        </p:spPr>
+      </p:pic>
+      <p:pic>
+        <p:nvPicPr>
+          <p:cNvPr id="26" name="Grafik 25">
+            <a:extLst>
+              <a:ext uri="{FF2B5EF4-FFF2-40B4-BE49-F238E27FC236}">
+                <a16:creationId xmlns:a16="http://schemas.microsoft.com/office/drawing/2014/main" id="{239B00D5-24D2-46F4-B02F-83DBE25D6B4C}"/>
+              </a:ext>
+            </a:extLst>
+          </p:cNvPr>
+          <p:cNvPicPr>
+            <a:picLocks noChangeAspect="1"/>
+          </p:cNvPicPr>
+          <p:nvPr/>
+        </p:nvPicPr>
+        <p:blipFill rotWithShape="1">
+          <a:blip r:embed="rId32">
+            <a:extLst>
+              <a:ext uri="{28A0092B-C50C-407E-A947-70E740481C1C}">
+                <a14:useLocalDpi xmlns:a14="http://schemas.microsoft.com/office/drawing/2010/main" val="0"/>
+              </a:ext>
+            </a:extLst>
+          </a:blip>
+          <a:srcRect t="8805" r="21487"/>
+          <a:stretch/>
+        </p:blipFill>
+        <p:spPr>
+          <a:xfrm>
+            <a:off x="25217724" y="6937121"/>
+            <a:ext cx="3889852" cy="4073299"/>
+          </a:xfrm>
+          <a:prstGeom prst="rect">
+            <a:avLst/>
+          </a:prstGeom>
+        </p:spPr>
+      </p:pic>
+      <p:pic>
+        <p:nvPicPr>
+          <p:cNvPr id="40" name="Grafik 39">
+            <a:extLst>
+              <a:ext uri="{FF2B5EF4-FFF2-40B4-BE49-F238E27FC236}">
+                <a16:creationId xmlns:a16="http://schemas.microsoft.com/office/drawing/2014/main" id="{D9BC263C-9946-4799-90D8-071242917C86}"/>
+              </a:ext>
+            </a:extLst>
+          </p:cNvPr>
+          <p:cNvPicPr>
+            <a:picLocks noChangeAspect="1"/>
+          </p:cNvPicPr>
+          <p:nvPr/>
+        </p:nvPicPr>
+        <p:blipFill rotWithShape="1">
+          <a:blip r:embed="rId32">
+            <a:extLst>
+              <a:ext uri="{28A0092B-C50C-407E-A947-70E740481C1C}">
+                <a14:useLocalDpi xmlns:a14="http://schemas.microsoft.com/office/drawing/2010/main" val="0"/>
+              </a:ext>
+            </a:extLst>
+          </a:blip>
+          <a:srcRect l="79517" t="36721" b="37742"/>
+          <a:stretch/>
+        </p:blipFill>
+        <p:spPr>
+          <a:xfrm>
+            <a:off x="25055234" y="9535401"/>
+            <a:ext cx="1285158" cy="1444484"/>
+          </a:xfrm>
+          <a:prstGeom prst="rect">
+            <a:avLst/>
+          </a:prstGeom>
+        </p:spPr>
+      </p:pic>
+      <p:sp>
+        <p:nvSpPr>
+          <p:cNvPr id="4" name="Rechteck: abgerundete Ecken 3">
+            <a:extLst>
+              <a:ext uri="{FF2B5EF4-FFF2-40B4-BE49-F238E27FC236}">
+                <a16:creationId xmlns:a16="http://schemas.microsoft.com/office/drawing/2014/main" id="{4B4796D8-9834-4939-B5D2-7BA2DA855B38}"/>
+              </a:ext>
+            </a:extLst>
+          </p:cNvPr>
+          <p:cNvSpPr/>
+          <p:nvPr/>
+        </p:nvSpPr>
+        <p:spPr>
+          <a:xfrm>
+            <a:off x="15019920" y="1949325"/>
+            <a:ext cx="14534857" cy="9217437"/>
+          </a:xfrm>
+          <a:prstGeom prst="roundRect">
+            <a:avLst/>
+          </a:prstGeom>
+          <a:noFill/>
+        </p:spPr>
+        <p:style>
+          <a:lnRef idx="2">
+            <a:schemeClr val="accent1">
+              <a:shade val="50000"/>
+            </a:schemeClr>
+          </a:lnRef>
+          <a:fillRef idx="1">
+            <a:schemeClr val="accent1"/>
+          </a:fillRef>
+          <a:effectRef idx="0">
+            <a:schemeClr val="accent1"/>
+          </a:effectRef>
+          <a:fontRef idx="minor">
+            <a:schemeClr val="lt1"/>
+          </a:fontRef>
+        </p:style>
+        <p:txBody>
+          <a:bodyPr rot="0" spcFirstLastPara="0" vertOverflow="overflow" horzOverflow="overflow" vert="horz" wrap="square" lIns="91440" tIns="45720" rIns="91440" bIns="45720" numCol="1" spcCol="0" rtlCol="0" fromWordArt="0" anchor="ctr" anchorCtr="0" forceAA="0" compatLnSpc="1">
+            <a:prstTxWarp prst="textNoShape">
+              <a:avLst/>
+            </a:prstTxWarp>
+            <a:noAutofit/>
+          </a:bodyPr>
+          <a:lstStyle/>
+          <a:p>
+            <a:pPr algn="ctr"/>
+            <a:endParaRPr lang="en-GB"/>
+          </a:p>
+        </p:txBody>
+      </p:sp>
+      <p:sp>
+        <p:nvSpPr>
+          <p:cNvPr id="14" name="Rechteck: abgerundete Ecken 13">
+            <a:extLst>
+              <a:ext uri="{FF2B5EF4-FFF2-40B4-BE49-F238E27FC236}">
+                <a16:creationId xmlns:a16="http://schemas.microsoft.com/office/drawing/2014/main" id="{C9448E25-4DFB-417F-9427-887A0EB7343A}"/>
+              </a:ext>
+            </a:extLst>
+          </p:cNvPr>
+          <p:cNvSpPr/>
+          <p:nvPr/>
+        </p:nvSpPr>
+        <p:spPr>
+          <a:xfrm>
+            <a:off x="16075143" y="1747815"/>
+            <a:ext cx="3672000" cy="828000"/>
+          </a:xfrm>
+          <a:prstGeom prst="roundRect">
+            <a:avLst/>
+          </a:prstGeom>
+          <a:ln>
+            <a:noFill/>
+          </a:ln>
+        </p:spPr>
+        <p:style>
+          <a:lnRef idx="2">
+            <a:schemeClr val="accent1">
+              <a:shade val="50000"/>
+            </a:schemeClr>
+          </a:lnRef>
+          <a:fillRef idx="1">
+            <a:schemeClr val="accent1"/>
+          </a:fillRef>
+          <a:effectRef idx="0">
+            <a:schemeClr val="accent1"/>
+          </a:effectRef>
+          <a:fontRef idx="minor">
+            <a:schemeClr val="lt1"/>
+          </a:fontRef>
+        </p:style>
+        <p:txBody>
+          <a:bodyPr rtlCol="0" anchor="ctr"/>
+          <a:lstStyle/>
+          <a:p>
+            <a:pPr algn="ctr"/>
+            <a:r>
+              <a:rPr lang="en-GB" sz="2800" dirty="0">
+                <a:latin typeface="Segoe UI Light" panose="020B0502040204020203" pitchFamily="34" charset="0"/>
+                <a:cs typeface="Segoe UI Light" panose="020B0502040204020203" pitchFamily="34" charset="0"/>
+              </a:rPr>
+              <a:t>Dimension Reduction</a:t>
+            </a:r>
+          </a:p>
+        </p:txBody>
+      </p:sp>
+      <p:sp>
+        <p:nvSpPr>
+          <p:cNvPr id="59" name="Textfeld 58">
+            <a:extLst>
+              <a:ext uri="{FF2B5EF4-FFF2-40B4-BE49-F238E27FC236}">
+                <a16:creationId xmlns:a16="http://schemas.microsoft.com/office/drawing/2014/main" id="{E132089D-43B6-49D8-A9C5-FA4D081BC2C7}"/>
+              </a:ext>
+            </a:extLst>
+          </p:cNvPr>
+          <p:cNvSpPr txBox="1"/>
+          <p:nvPr/>
+        </p:nvSpPr>
+        <p:spPr>
+          <a:xfrm>
+            <a:off x="17107100" y="17278830"/>
+            <a:ext cx="5522908" cy="369332"/>
+          </a:xfrm>
+          <a:prstGeom prst="rect">
+            <a:avLst/>
+          </a:prstGeom>
+          <a:noFill/>
+        </p:spPr>
+        <p:txBody>
+          <a:bodyPr wrap="square" rtlCol="0">
+            <a:spAutoFit/>
+          </a:bodyPr>
+          <a:lstStyle/>
+          <a:p>
+            <a:r>
+              <a:rPr lang="fr-BE" dirty="0">
+                <a:latin typeface="Segoe UI Light" panose="020B0502040204020203" pitchFamily="34" charset="0"/>
+                <a:cs typeface="Segoe UI Light" panose="020B0502040204020203" pitchFamily="34" charset="0"/>
+              </a:rPr>
+              <a:t>Multiple </a:t>
+            </a:r>
+            <a:r>
+              <a:rPr lang="fr-BE" dirty="0" err="1">
+                <a:latin typeface="Segoe UI Light" panose="020B0502040204020203" pitchFamily="34" charset="0"/>
+                <a:cs typeface="Segoe UI Light" panose="020B0502040204020203" pitchFamily="34" charset="0"/>
+              </a:rPr>
+              <a:t>Linear</a:t>
+            </a:r>
+            <a:r>
+              <a:rPr lang="fr-BE" dirty="0">
+                <a:latin typeface="Segoe UI Light" panose="020B0502040204020203" pitchFamily="34" charset="0"/>
+                <a:cs typeface="Segoe UI Light" panose="020B0502040204020203" pitchFamily="34" charset="0"/>
+              </a:rPr>
+              <a:t> </a:t>
+            </a:r>
+            <a:r>
+              <a:rPr lang="fr-BE" dirty="0" err="1">
+                <a:latin typeface="Segoe UI Light" panose="020B0502040204020203" pitchFamily="34" charset="0"/>
+                <a:cs typeface="Segoe UI Light" panose="020B0502040204020203" pitchFamily="34" charset="0"/>
+              </a:rPr>
+              <a:t>Regression</a:t>
+            </a:r>
+            <a:r>
+              <a:rPr lang="fr-BE" dirty="0">
+                <a:latin typeface="Segoe UI Light" panose="020B0502040204020203" pitchFamily="34" charset="0"/>
+                <a:cs typeface="Segoe UI Light" panose="020B0502040204020203" pitchFamily="34" charset="0"/>
+              </a:rPr>
+              <a:t> </a:t>
+            </a:r>
+            <a:r>
+              <a:rPr lang="fr-BE" dirty="0" err="1">
+                <a:latin typeface="Segoe UI Light" panose="020B0502040204020203" pitchFamily="34" charset="0"/>
+                <a:cs typeface="Segoe UI Light" panose="020B0502040204020203" pitchFamily="34" charset="0"/>
+              </a:rPr>
+              <a:t>with</a:t>
+            </a:r>
+            <a:r>
+              <a:rPr lang="fr-BE" dirty="0">
+                <a:latin typeface="Segoe UI Light" panose="020B0502040204020203" pitchFamily="34" charset="0"/>
+                <a:cs typeface="Segoe UI Light" panose="020B0502040204020203" pitchFamily="34" charset="0"/>
+              </a:rPr>
+              <a:t> 2 Principal Components</a:t>
+            </a:r>
+            <a:endParaRPr lang="en-GB" dirty="0">
+              <a:latin typeface="Segoe UI Light" panose="020B0502040204020203" pitchFamily="34" charset="0"/>
+              <a:cs typeface="Segoe UI Light" panose="020B0502040204020203" pitchFamily="34" charset="0"/>
+            </a:endParaRPr>
           </a:p>
         </p:txBody>
       </p:sp>
@@ -8230,7 +8359,7 @@
         </p:blipFill>
         <p:spPr>
           <a:xfrm>
-            <a:off x="11588776" y="12624406"/>
+            <a:off x="12605129" y="12560238"/>
             <a:ext cx="4558204" cy="5419754"/>
           </a:xfrm>
           <a:prstGeom prst="rect">
@@ -8252,7 +8381,7 @@
         </p:nvSpPr>
         <p:spPr>
           <a:xfrm>
-            <a:off x="9517495" y="13041323"/>
+            <a:off x="10533848" y="12993197"/>
             <a:ext cx="2190786" cy="4401205"/>
           </a:xfrm>
           <a:prstGeom prst="rect">
@@ -8561,7 +8690,7 @@
         </p:nvSpPr>
         <p:spPr>
           <a:xfrm>
-            <a:off x="10091296" y="12610858"/>
+            <a:off x="11123691" y="12498564"/>
             <a:ext cx="4469599" cy="338554"/>
           </a:xfrm>
           <a:prstGeom prst="rect">
@@ -8612,8 +8741,8 @@
         </p:blipFill>
         <p:spPr>
           <a:xfrm>
-            <a:off x="16386463" y="13117438"/>
-            <a:ext cx="5101537" cy="4149250"/>
+            <a:off x="17179376" y="12844613"/>
+            <a:ext cx="5341020" cy="4344030"/>
           </a:xfrm>
           <a:prstGeom prst="rect">
             <a:avLst/>
@@ -8634,7 +8763,7 @@
         </p:nvCxnSpPr>
         <p:spPr>
           <a:xfrm>
-            <a:off x="16146980" y="12252960"/>
+            <a:off x="17107100" y="12252960"/>
             <a:ext cx="0" cy="8112078"/>
           </a:xfrm>
           <a:prstGeom prst="line">
@@ -8656,6 +8785,606 @@
           </a:fontRef>
         </p:style>
       </p:cxnSp>
+      <mc:AlternateContent xmlns:mc="http://schemas.openxmlformats.org/markup-compatibility/2006">
+        <mc:Choice xmlns:a14="http://schemas.microsoft.com/office/drawing/2010/main" Requires="a14">
+          <p:sp>
+            <p:nvSpPr>
+              <p:cNvPr id="7" name="TextBox 6">
+                <a:extLst>
+                  <a:ext uri="{FF2B5EF4-FFF2-40B4-BE49-F238E27FC236}">
+                    <a16:creationId xmlns:a16="http://schemas.microsoft.com/office/drawing/2014/main" id="{341B86FA-2993-4E82-8A34-BAEF63DC6EF3}"/>
+                  </a:ext>
+                </a:extLst>
+              </p:cNvPr>
+              <p:cNvSpPr txBox="1"/>
+              <p:nvPr/>
+            </p:nvSpPr>
+            <p:spPr>
+              <a:xfrm>
+                <a:off x="17304334" y="17745749"/>
+                <a:ext cx="5171208" cy="3132204"/>
+              </a:xfrm>
+              <a:prstGeom prst="rect">
+                <a:avLst/>
+              </a:prstGeom>
+              <a:noFill/>
+            </p:spPr>
+            <p:txBody>
+              <a:bodyPr wrap="square" rtlCol="0">
+                <a:spAutoFit/>
+              </a:bodyPr>
+              <a:lstStyle/>
+              <a:p>
+                <a14:m>
+                  <m:oMathPara xmlns:m="http://schemas.openxmlformats.org/officeDocument/2006/math">
+                    <m:oMathParaPr>
+                      <m:jc m:val="centerGroup"/>
+                    </m:oMathParaPr>
+                    <m:oMath xmlns:m="http://schemas.openxmlformats.org/officeDocument/2006/math">
+                      <m:sSub>
+                        <m:sSubPr>
+                          <m:ctrlPr>
+                            <a:rPr lang="en-GB" sz="2000" i="1" smtClean="0">
+                              <a:latin typeface="Cambria Math" panose="02040503050406030204" pitchFamily="18" charset="0"/>
+                            </a:rPr>
+                          </m:ctrlPr>
+                        </m:sSubPr>
+                        <m:e>
+                          <m:r>
+                            <a:rPr lang="en-GB" sz="2000" i="1">
+                              <a:latin typeface="Cambria Math" panose="02040503050406030204" pitchFamily="18" charset="0"/>
+                            </a:rPr>
+                            <m:t> </m:t>
+                          </m:r>
+                          <m:r>
+                            <a:rPr lang="en-GB" sz="2000" i="1">
+                              <a:latin typeface="Cambria Math" panose="02040503050406030204" pitchFamily="18" charset="0"/>
+                            </a:rPr>
+                            <m:t>𝑦</m:t>
+                          </m:r>
+                        </m:e>
+                        <m:sub>
+                          <m:r>
+                            <a:rPr lang="en-GB" sz="2000" i="1">
+                              <a:latin typeface="Cambria Math" panose="02040503050406030204" pitchFamily="18" charset="0"/>
+                            </a:rPr>
+                            <m:t>𝑖</m:t>
+                          </m:r>
+                          <m:r>
+                            <a:rPr lang="fr-BE" sz="2000" i="1">
+                              <a:latin typeface="Cambria Math" panose="02040503050406030204" pitchFamily="18" charset="0"/>
+                            </a:rPr>
+                            <m:t>  =  </m:t>
+                          </m:r>
+                        </m:sub>
+                      </m:sSub>
+                      <m:sSub>
+                        <m:sSubPr>
+                          <m:ctrlPr>
+                            <a:rPr lang="en-GB" sz="1600" i="1">
+                              <a:latin typeface="Cambria Math" panose="02040503050406030204" pitchFamily="18" charset="0"/>
+                            </a:rPr>
+                          </m:ctrlPr>
+                        </m:sSubPr>
+                        <m:e>
+                          <m:sSub>
+                            <m:sSubPr>
+                              <m:ctrlPr>
+                                <a:rPr lang="en-GB" sz="1600" i="1">
+                                  <a:latin typeface="Cambria Math" panose="02040503050406030204" pitchFamily="18" charset="0"/>
+                                </a:rPr>
+                              </m:ctrlPr>
+                            </m:sSubPr>
+                            <m:e>
+                              <m:r>
+                                <a:rPr lang="en-US" sz="1600" i="1">
+                                  <a:latin typeface="Cambria Math" panose="02040503050406030204" pitchFamily="18" charset="0"/>
+                                </a:rPr>
+                                <m:t>𝛽</m:t>
+                              </m:r>
+                            </m:e>
+                            <m:sub>
+                              <m:r>
+                                <a:rPr lang="en-US" sz="1600">
+                                  <a:latin typeface="Cambria Math" panose="02040503050406030204" pitchFamily="18" charset="0"/>
+                                </a:rPr>
+                                <m:t>1</m:t>
+                              </m:r>
+                            </m:sub>
+                          </m:sSub>
+                          <m:r>
+                            <a:rPr lang="en-US" sz="1600">
+                              <a:latin typeface="Cambria Math" panose="02040503050406030204" pitchFamily="18" charset="0"/>
+                            </a:rPr>
+                            <m:t>+</m:t>
+                          </m:r>
+                          <m:sSub>
+                            <m:sSubPr>
+                              <m:ctrlPr>
+                                <a:rPr lang="en-GB" sz="1600" i="1">
+                                  <a:latin typeface="Cambria Math" panose="02040503050406030204" pitchFamily="18" charset="0"/>
+                                </a:rPr>
+                              </m:ctrlPr>
+                            </m:sSubPr>
+                            <m:e>
+                              <m:r>
+                                <a:rPr lang="en-US" sz="1600" i="1">
+                                  <a:latin typeface="Cambria Math" panose="02040503050406030204" pitchFamily="18" charset="0"/>
+                                </a:rPr>
+                                <m:t>𝛽</m:t>
+                              </m:r>
+                            </m:e>
+                            <m:sub>
+                              <m:r>
+                                <a:rPr lang="en-US" sz="1600">
+                                  <a:latin typeface="Cambria Math" panose="02040503050406030204" pitchFamily="18" charset="0"/>
+                                </a:rPr>
+                                <m:t>2</m:t>
+                              </m:r>
+                            </m:sub>
+                          </m:sSub>
+                          <m:sSub>
+                            <m:sSubPr>
+                              <m:ctrlPr>
+                                <a:rPr lang="en-GB" sz="1600" i="1">
+                                  <a:latin typeface="Cambria Math" panose="02040503050406030204" pitchFamily="18" charset="0"/>
+                                </a:rPr>
+                              </m:ctrlPr>
+                            </m:sSubPr>
+                            <m:e>
+                              <m:r>
+                                <a:rPr lang="en-US" sz="1600" i="1">
+                                  <a:latin typeface="Cambria Math" panose="02040503050406030204" pitchFamily="18" charset="0"/>
+                                </a:rPr>
+                                <m:t>𝑥</m:t>
+                              </m:r>
+                            </m:e>
+                            <m:sub>
+                              <m:r>
+                                <a:rPr lang="en-US" sz="1600" i="1">
+                                  <a:latin typeface="Cambria Math" panose="02040503050406030204" pitchFamily="18" charset="0"/>
+                                </a:rPr>
+                                <m:t>𝑖</m:t>
+                              </m:r>
+                              <m:r>
+                                <a:rPr lang="en-US" sz="1600" i="1">
+                                  <a:latin typeface="Cambria Math" panose="02040503050406030204" pitchFamily="18" charset="0"/>
+                                </a:rPr>
+                                <m:t>2</m:t>
+                              </m:r>
+                            </m:sub>
+                          </m:sSub>
+                          <m:r>
+                            <a:rPr lang="fr-BE" sz="1600">
+                              <a:latin typeface="Cambria Math" panose="02040503050406030204" pitchFamily="18" charset="0"/>
+                            </a:rPr>
+                            <m:t>+</m:t>
+                          </m:r>
+                          <m:sSub>
+                            <m:sSubPr>
+                              <m:ctrlPr>
+                                <a:rPr lang="en-GB" sz="1600" i="1">
+                                  <a:latin typeface="Cambria Math" panose="02040503050406030204" pitchFamily="18" charset="0"/>
+                                </a:rPr>
+                              </m:ctrlPr>
+                            </m:sSubPr>
+                            <m:e>
+                              <m:r>
+                                <a:rPr lang="en-US" sz="1600" i="1">
+                                  <a:latin typeface="Cambria Math" panose="02040503050406030204" pitchFamily="18" charset="0"/>
+                                </a:rPr>
+                                <m:t>𝛽</m:t>
+                              </m:r>
+                            </m:e>
+                            <m:sub>
+                              <m:r>
+                                <a:rPr lang="fr-BE" sz="1600">
+                                  <a:latin typeface="Cambria Math" panose="02040503050406030204" pitchFamily="18" charset="0"/>
+                                </a:rPr>
+                                <m:t>3</m:t>
+                              </m:r>
+                            </m:sub>
+                          </m:sSub>
+                          <m:sSub>
+                            <m:sSubPr>
+                              <m:ctrlPr>
+                                <a:rPr lang="en-GB" sz="1600" i="1">
+                                  <a:latin typeface="Cambria Math" panose="02040503050406030204" pitchFamily="18" charset="0"/>
+                                </a:rPr>
+                              </m:ctrlPr>
+                            </m:sSubPr>
+                            <m:e>
+                              <m:r>
+                                <a:rPr lang="en-US" sz="1600" i="1">
+                                  <a:latin typeface="Cambria Math" panose="02040503050406030204" pitchFamily="18" charset="0"/>
+                                </a:rPr>
+                                <m:t>𝑥</m:t>
+                              </m:r>
+                            </m:e>
+                            <m:sub>
+                              <m:r>
+                                <a:rPr lang="en-US" sz="1600" i="1">
+                                  <a:latin typeface="Cambria Math" panose="02040503050406030204" pitchFamily="18" charset="0"/>
+                                </a:rPr>
+                                <m:t>𝑖</m:t>
+                              </m:r>
+                              <m:r>
+                                <a:rPr lang="fr-BE" sz="1600" i="1">
+                                  <a:latin typeface="Cambria Math" panose="02040503050406030204" pitchFamily="18" charset="0"/>
+                                </a:rPr>
+                                <m:t>3</m:t>
+                              </m:r>
+                            </m:sub>
+                          </m:sSub>
+                          <m:r>
+                            <a:rPr lang="en-US" sz="1600">
+                              <a:latin typeface="Cambria Math" panose="02040503050406030204" pitchFamily="18" charset="0"/>
+                            </a:rPr>
+                            <m:t>+</m:t>
+                          </m:r>
+                          <m:sSub>
+                            <m:sSubPr>
+                              <m:ctrlPr>
+                                <a:rPr lang="en-GB" sz="1600" i="1">
+                                  <a:latin typeface="Cambria Math" panose="02040503050406030204" pitchFamily="18" charset="0"/>
+                                </a:rPr>
+                              </m:ctrlPr>
+                            </m:sSubPr>
+                            <m:e>
+                              <m:r>
+                                <a:rPr lang="en-GB" sz="1600" i="1">
+                                  <a:latin typeface="Cambria Math" panose="02040503050406030204" pitchFamily="18" charset="0"/>
+                                </a:rPr>
+                                <m:t>𝜀</m:t>
+                              </m:r>
+                            </m:e>
+                            <m:sub>
+                              <m:r>
+                                <a:rPr lang="en-GB" sz="1600" i="1">
+                                  <a:latin typeface="Cambria Math" panose="02040503050406030204" pitchFamily="18" charset="0"/>
+                                </a:rPr>
+                                <m:t>𝑖</m:t>
+                              </m:r>
+                            </m:sub>
+                          </m:sSub>
+                          <m:r>
+                            <a:rPr lang="fr-BE" sz="1600">
+                              <a:latin typeface="Cambria Math" panose="02040503050406030204" pitchFamily="18" charset="0"/>
+                            </a:rPr>
+                            <m:t>          </m:t>
+                          </m:r>
+                          <m:r>
+                            <m:rPr>
+                              <m:sty m:val="p"/>
+                            </m:rPr>
+                            <a:rPr lang="en-US" sz="1600">
+                              <a:latin typeface="Cambria Math" panose="02040503050406030204" pitchFamily="18" charset="0"/>
+                            </a:rPr>
+                            <m:t>i</m:t>
+                          </m:r>
+                          <m:r>
+                            <a:rPr lang="en-US" sz="1600">
+                              <a:latin typeface="Cambria Math" panose="02040503050406030204" pitchFamily="18" charset="0"/>
+                            </a:rPr>
+                            <m:t>=1,2,…,</m:t>
+                          </m:r>
+                          <m:r>
+                            <m:rPr>
+                              <m:sty m:val="p"/>
+                            </m:rPr>
+                            <a:rPr lang="en-US" sz="1600">
+                              <a:latin typeface="Cambria Math" panose="02040503050406030204" pitchFamily="18" charset="0"/>
+                            </a:rPr>
+                            <m:t>n</m:t>
+                          </m:r>
+                        </m:e>
+                        <m:sub>
+                          <m:r>
+                            <a:rPr lang="en-GB" sz="1600" i="1">
+                              <a:latin typeface="Cambria Math" panose="02040503050406030204" pitchFamily="18" charset="0"/>
+                            </a:rPr>
+                            <m:t> </m:t>
+                          </m:r>
+                        </m:sub>
+                      </m:sSub>
+                    </m:oMath>
+                  </m:oMathPara>
+                </a14:m>
+                <a:endParaRPr lang="fr-BE" sz="1600" dirty="0"/>
+              </a:p>
+              <a:p>
+                <a:endParaRPr lang="fr-BE" sz="1600" dirty="0"/>
+              </a:p>
+              <a:p>
+                <a:r>
+                  <a:rPr lang="fr-BE" sz="1600" dirty="0" err="1"/>
+                  <a:t>Adjusted</a:t>
+                </a:r>
+                <a:r>
+                  <a:rPr lang="fr-BE" sz="1600" dirty="0"/>
+                  <a:t> R-</a:t>
+                </a:r>
+                <a:r>
+                  <a:rPr lang="fr-BE" sz="1600" dirty="0" err="1"/>
+                  <a:t>squared</a:t>
+                </a:r>
+                <a:r>
+                  <a:rPr lang="fr-BE" sz="1600" dirty="0"/>
+                  <a:t> : 0.7502</a:t>
+                </a:r>
+              </a:p>
+              <a:p>
+                <a:r>
+                  <a:rPr lang="fr-BE" sz="1600" dirty="0"/>
+                  <a:t>PC1 and PC2 are </a:t>
+                </a:r>
+                <a:r>
+                  <a:rPr lang="fr-BE" sz="1600" dirty="0" err="1"/>
+                  <a:t>highly</a:t>
+                </a:r>
+                <a:r>
+                  <a:rPr lang="fr-BE" sz="1600" dirty="0"/>
+                  <a:t> </a:t>
+                </a:r>
+                <a:r>
+                  <a:rPr lang="fr-BE" sz="1600" dirty="0" err="1"/>
+                  <a:t>significant</a:t>
+                </a:r>
+                <a:r>
+                  <a:rPr lang="fr-BE" sz="1600" dirty="0"/>
+                  <a:t> on </a:t>
+                </a:r>
+                <a:r>
+                  <a:rPr lang="fr-BE" sz="1600" dirty="0" err="1"/>
+                  <a:t>Happiness</a:t>
+                </a:r>
+                <a:r>
+                  <a:rPr lang="fr-BE" sz="1600" dirty="0"/>
+                  <a:t> </a:t>
+                </a:r>
+                <a:r>
+                  <a:rPr lang="fr-BE" sz="1600" dirty="0" err="1"/>
+                  <a:t>Scoring</a:t>
+                </a:r>
+                <a:endParaRPr lang="fr-BE" sz="1600" dirty="0"/>
+              </a:p>
+              <a:p>
+                <a:br>
+                  <a:rPr lang="fr-BE" sz="1600" dirty="0"/>
+                </a:br>
+                <a:r>
+                  <a:rPr lang="fr-BE" sz="1600" dirty="0"/>
+                  <a:t>Assumptions of the model:</a:t>
+                </a:r>
+              </a:p>
+              <a:p>
+                <a:pPr marL="742950" lvl="1" indent="-285750">
+                  <a:buFont typeface="Wingdings" panose="05000000000000000000" pitchFamily="2" charset="2"/>
+                  <a:buChar char="ü"/>
+                </a:pPr>
+                <a:r>
+                  <a:rPr lang="fr-BE" sz="1400" dirty="0" err="1"/>
+                  <a:t>Linear</a:t>
+                </a:r>
+                <a:r>
+                  <a:rPr lang="fr-BE" sz="1400" dirty="0"/>
+                  <a:t> in </a:t>
+                </a:r>
+                <a:r>
+                  <a:rPr lang="fr-BE" sz="1400" dirty="0" err="1"/>
+                  <a:t>parameters</a:t>
+                </a:r>
+                <a:endParaRPr lang="fr-BE" sz="1400" dirty="0"/>
+              </a:p>
+              <a:p>
+                <a:pPr marL="742950" lvl="1" indent="-285750">
+                  <a:buFont typeface="Wingdings" panose="05000000000000000000" pitchFamily="2" charset="2"/>
+                  <a:buChar char="ü"/>
+                </a:pPr>
+                <a:r>
+                  <a:rPr lang="fr-BE" sz="1400" dirty="0"/>
+                  <a:t>No </a:t>
+                </a:r>
+                <a:r>
+                  <a:rPr lang="fr-BE" sz="1400" dirty="0" err="1"/>
+                  <a:t>perfect</a:t>
+                </a:r>
+                <a:r>
+                  <a:rPr lang="fr-BE" sz="1400" dirty="0"/>
+                  <a:t> </a:t>
+                </a:r>
+                <a:r>
+                  <a:rPr lang="fr-BE" sz="1400" dirty="0" err="1"/>
+                  <a:t>collinearity</a:t>
+                </a:r>
+                <a:endParaRPr lang="fr-BE" sz="1400" dirty="0"/>
+              </a:p>
+              <a:p>
+                <a:pPr marL="742950" lvl="1" indent="-285750">
+                  <a:buFont typeface="Wingdings" panose="05000000000000000000" pitchFamily="2" charset="2"/>
+                  <a:buChar char="ü"/>
+                </a:pPr>
+                <a:r>
+                  <a:rPr lang="fr-BE" sz="1400" dirty="0" err="1"/>
+                  <a:t>Zero</a:t>
+                </a:r>
+                <a:r>
+                  <a:rPr lang="fr-BE" sz="1400" dirty="0"/>
+                  <a:t> </a:t>
+                </a:r>
+                <a:r>
+                  <a:rPr lang="fr-BE" sz="1400" dirty="0" err="1"/>
+                  <a:t>Conditional</a:t>
+                </a:r>
+                <a:r>
+                  <a:rPr lang="fr-BE" sz="1400" dirty="0"/>
+                  <a:t> </a:t>
+                </a:r>
+                <a:r>
+                  <a:rPr lang="fr-BE" sz="1400" dirty="0" err="1"/>
+                  <a:t>Mean</a:t>
+                </a:r>
+                <a:endParaRPr lang="fr-BE" sz="1400" dirty="0"/>
+              </a:p>
+              <a:p>
+                <a:pPr marL="742950" lvl="1" indent="-285750">
+                  <a:buFont typeface="Wingdings" panose="05000000000000000000" pitchFamily="2" charset="2"/>
+                  <a:buChar char="ü"/>
+                </a:pPr>
+                <a:r>
+                  <a:rPr lang="fr-BE" sz="1400" dirty="0" err="1"/>
+                  <a:t>Homoscedasticity</a:t>
+                </a:r>
+                <a:endParaRPr lang="fr-BE" sz="1400" dirty="0"/>
+              </a:p>
+              <a:p>
+                <a:pPr marL="742950" lvl="1" indent="-285750">
+                  <a:buFont typeface="Wingdings" panose="05000000000000000000" pitchFamily="2" charset="2"/>
+                  <a:buChar char="ü"/>
+                </a:pPr>
+                <a:r>
+                  <a:rPr lang="fr-BE" sz="1400" dirty="0"/>
+                  <a:t>No </a:t>
+                </a:r>
+                <a:r>
+                  <a:rPr lang="fr-BE" sz="1400" dirty="0" err="1"/>
+                  <a:t>correlation</a:t>
+                </a:r>
+                <a:r>
+                  <a:rPr lang="fr-BE" sz="1400" dirty="0"/>
+                  <a:t> of the </a:t>
+                </a:r>
+                <a:r>
+                  <a:rPr lang="fr-BE" sz="1400" dirty="0" err="1"/>
+                  <a:t>errors</a:t>
+                </a:r>
+                <a:endParaRPr lang="fr-BE" sz="1400" dirty="0"/>
+              </a:p>
+              <a:p>
+                <a:pPr marL="742950" lvl="1" indent="-285750">
+                  <a:buFont typeface="Wingdings" panose="05000000000000000000" pitchFamily="2" charset="2"/>
+                  <a:buChar char="ü"/>
+                </a:pPr>
+                <a:r>
+                  <a:rPr lang="fr-BE" sz="1400" dirty="0" err="1"/>
+                  <a:t>Normality</a:t>
+                </a:r>
+                <a:endParaRPr lang="fr-BE" sz="1400" dirty="0"/>
+              </a:p>
+              <a:p>
+                <a:endParaRPr lang="fr-BE" sz="1400" dirty="0"/>
+              </a:p>
+            </p:txBody>
+          </p:sp>
+        </mc:Choice>
+        <mc:Fallback>
+          <p:sp>
+            <p:nvSpPr>
+              <p:cNvPr id="7" name="TextBox 6">
+                <a:extLst>
+                  <a:ext uri="{FF2B5EF4-FFF2-40B4-BE49-F238E27FC236}">
+                    <a16:creationId xmlns:a16="http://schemas.microsoft.com/office/drawing/2014/main" id="{341B86FA-2993-4E82-8A34-BAEF63DC6EF3}"/>
+                  </a:ext>
+                </a:extLst>
+              </p:cNvPr>
+              <p:cNvSpPr txBox="1">
+                <a:spLocks noRot="1" noChangeAspect="1" noMove="1" noResize="1" noEditPoints="1" noAdjustHandles="1" noChangeArrowheads="1" noChangeShapeType="1" noTextEdit="1"/>
+              </p:cNvSpPr>
+              <p:nvPr/>
+            </p:nvSpPr>
+            <p:spPr>
+              <a:xfrm>
+                <a:off x="17304334" y="17745749"/>
+                <a:ext cx="5171208" cy="3132204"/>
+              </a:xfrm>
+              <a:prstGeom prst="rect">
+                <a:avLst/>
+              </a:prstGeom>
+              <a:blipFill>
+                <a:blip r:embed="rId35"/>
+                <a:stretch>
+                  <a:fillRect l="-708"/>
+                </a:stretch>
+              </a:blipFill>
+            </p:spPr>
+            <p:txBody>
+              <a:bodyPr/>
+              <a:lstStyle/>
+              <a:p>
+                <a:r>
+                  <a:rPr lang="en-GB">
+                    <a:noFill/>
+                  </a:rPr>
+                  <a:t> </a:t>
+                </a:r>
+              </a:p>
+            </p:txBody>
+          </p:sp>
+        </mc:Fallback>
+      </mc:AlternateContent>
+      <p:sp>
+        <p:nvSpPr>
+          <p:cNvPr id="13" name="TextBox 12">
+            <a:extLst>
+              <a:ext uri="{FF2B5EF4-FFF2-40B4-BE49-F238E27FC236}">
+                <a16:creationId xmlns:a16="http://schemas.microsoft.com/office/drawing/2014/main" id="{960819CD-697B-427E-8630-9DC66BE674D3}"/>
+              </a:ext>
+            </a:extLst>
+          </p:cNvPr>
+          <p:cNvSpPr txBox="1"/>
+          <p:nvPr/>
+        </p:nvSpPr>
+        <p:spPr>
+          <a:xfrm>
+            <a:off x="23243807" y="19393538"/>
+            <a:ext cx="5479099" cy="646331"/>
+          </a:xfrm>
+          <a:prstGeom prst="rect">
+            <a:avLst/>
+          </a:prstGeom>
+          <a:noFill/>
+        </p:spPr>
+        <p:txBody>
+          <a:bodyPr wrap="square" rtlCol="0">
+            <a:spAutoFit/>
+          </a:bodyPr>
+          <a:lstStyle/>
+          <a:p>
+            <a:r>
+              <a:rPr lang="fr-BE" sz="3600" dirty="0" err="1"/>
+              <a:t>What</a:t>
+            </a:r>
+            <a:r>
+              <a:rPr lang="fr-BE" sz="3600" dirty="0"/>
+              <a:t> </a:t>
+            </a:r>
+            <a:r>
+              <a:rPr lang="fr-BE" sz="3600" dirty="0" err="1"/>
+              <a:t>is</a:t>
+            </a:r>
+            <a:r>
+              <a:rPr lang="fr-BE" sz="3600" dirty="0"/>
+              <a:t> </a:t>
+            </a:r>
+            <a:r>
+              <a:rPr lang="fr-BE" sz="3600" dirty="0" err="1"/>
+              <a:t>Happiness</a:t>
+            </a:r>
+            <a:r>
+              <a:rPr lang="fr-BE" sz="3600" dirty="0"/>
+              <a:t> for </a:t>
+            </a:r>
+            <a:r>
+              <a:rPr lang="fr-BE" sz="3600" dirty="0" err="1"/>
+              <a:t>you</a:t>
+            </a:r>
+            <a:r>
+              <a:rPr lang="fr-BE" sz="3600" dirty="0"/>
+              <a:t>?</a:t>
+            </a:r>
+          </a:p>
+        </p:txBody>
+      </p:sp>
     </p:spTree>
     <p:extLst>
       <p:ext uri="{BB962C8B-B14F-4D97-AF65-F5344CB8AC3E}">

--- a/REPORT/Poster.pptx
+++ b/REPORT/Poster.pptx
@@ -356,7 +356,7 @@
           <a:p>
             <a:fld id="{60B8BCF7-3141-47ED-B90F-E23166D74BF4}" type="slidenum">
               <a:rPr lang="en-GB" smtClean="0"/>
-              <a:t>‹#›</a:t>
+              <a:t>‹Nr.›</a:t>
             </a:fld>
             <a:endParaRPr lang="en-GB"/>
           </a:p>
@@ -722,7 +722,7 @@
           <a:p>
             <a:fld id="{B4E9E187-E9AE-4C41-BF00-E0E8ABCB38EE}" type="slidenum">
               <a:rPr lang="en-GB" smtClean="0"/>
-              <a:t>‹#›</a:t>
+              <a:t>‹Nr.›</a:t>
             </a:fld>
             <a:endParaRPr lang="en-GB"/>
           </a:p>
@@ -892,7 +892,7 @@
           <a:p>
             <a:fld id="{B4E9E187-E9AE-4C41-BF00-E0E8ABCB38EE}" type="slidenum">
               <a:rPr lang="en-GB" smtClean="0"/>
-              <a:t>‹#›</a:t>
+              <a:t>‹Nr.›</a:t>
             </a:fld>
             <a:endParaRPr lang="en-GB"/>
           </a:p>
@@ -1072,7 +1072,7 @@
           <a:p>
             <a:fld id="{B4E9E187-E9AE-4C41-BF00-E0E8ABCB38EE}" type="slidenum">
               <a:rPr lang="en-GB" smtClean="0"/>
-              <a:t>‹#›</a:t>
+              <a:t>‹Nr.›</a:t>
             </a:fld>
             <a:endParaRPr lang="en-GB"/>
           </a:p>
@@ -1242,7 +1242,7 @@
           <a:p>
             <a:fld id="{B4E9E187-E9AE-4C41-BF00-E0E8ABCB38EE}" type="slidenum">
               <a:rPr lang="en-GB" smtClean="0"/>
-              <a:t>‹#›</a:t>
+              <a:t>‹Nr.›</a:t>
             </a:fld>
             <a:endParaRPr lang="en-GB"/>
           </a:p>
@@ -1486,7 +1486,7 @@
           <a:p>
             <a:fld id="{B4E9E187-E9AE-4C41-BF00-E0E8ABCB38EE}" type="slidenum">
               <a:rPr lang="en-GB" smtClean="0"/>
-              <a:t>‹#›</a:t>
+              <a:t>‹Nr.›</a:t>
             </a:fld>
             <a:endParaRPr lang="en-GB"/>
           </a:p>
@@ -1718,7 +1718,7 @@
           <a:p>
             <a:fld id="{B4E9E187-E9AE-4C41-BF00-E0E8ABCB38EE}" type="slidenum">
               <a:rPr lang="en-GB" smtClean="0"/>
-              <a:t>‹#›</a:t>
+              <a:t>‹Nr.›</a:t>
             </a:fld>
             <a:endParaRPr lang="en-GB"/>
           </a:p>
@@ -2085,7 +2085,7 @@
           <a:p>
             <a:fld id="{B4E9E187-E9AE-4C41-BF00-E0E8ABCB38EE}" type="slidenum">
               <a:rPr lang="en-GB" smtClean="0"/>
-              <a:t>‹#›</a:t>
+              <a:t>‹Nr.›</a:t>
             </a:fld>
             <a:endParaRPr lang="en-GB"/>
           </a:p>
@@ -2203,7 +2203,7 @@
           <a:p>
             <a:fld id="{B4E9E187-E9AE-4C41-BF00-E0E8ABCB38EE}" type="slidenum">
               <a:rPr lang="en-GB" smtClean="0"/>
-              <a:t>‹#›</a:t>
+              <a:t>‹Nr.›</a:t>
             </a:fld>
             <a:endParaRPr lang="en-GB"/>
           </a:p>
@@ -2298,7 +2298,7 @@
           <a:p>
             <a:fld id="{B4E9E187-E9AE-4C41-BF00-E0E8ABCB38EE}" type="slidenum">
               <a:rPr lang="en-GB" smtClean="0"/>
-              <a:t>‹#›</a:t>
+              <a:t>‹Nr.›</a:t>
             </a:fld>
             <a:endParaRPr lang="en-GB"/>
           </a:p>
@@ -2575,7 +2575,7 @@
           <a:p>
             <a:fld id="{B4E9E187-E9AE-4C41-BF00-E0E8ABCB38EE}" type="slidenum">
               <a:rPr lang="en-GB" smtClean="0"/>
-              <a:t>‹#›</a:t>
+              <a:t>‹Nr.›</a:t>
             </a:fld>
             <a:endParaRPr lang="en-GB"/>
           </a:p>
@@ -2832,7 +2832,7 @@
           <a:p>
             <a:fld id="{B4E9E187-E9AE-4C41-BF00-E0E8ABCB38EE}" type="slidenum">
               <a:rPr lang="en-GB" smtClean="0"/>
-              <a:t>‹#›</a:t>
+              <a:t>‹Nr.›</a:t>
             </a:fld>
             <a:endParaRPr lang="en-GB"/>
           </a:p>
@@ -3081,7 +3081,7 @@
           <a:p>
             <a:fld id="{B4E9E187-E9AE-4C41-BF00-E0E8ABCB38EE}" type="slidenum">
               <a:rPr lang="en-GB" smtClean="0"/>
-              <a:t>‹#›</a:t>
+              <a:t>‹Nr.›</a:t>
             </a:fld>
             <a:endParaRPr lang="en-GB"/>
           </a:p>
@@ -3410,10 +3410,10 @@
       </p:grpSpPr>
       <p:pic>
         <p:nvPicPr>
-          <p:cNvPr id="11" name="Grafik 10">
+          <p:cNvPr id="85" name="Grafik 84">
             <a:extLst>
               <a:ext uri="{FF2B5EF4-FFF2-40B4-BE49-F238E27FC236}">
-                <a16:creationId xmlns:a16="http://schemas.microsoft.com/office/drawing/2014/main" id="{47FD6CE9-4E6F-474A-980F-D4BAE9D16A0D}"/>
+                <a16:creationId xmlns:a16="http://schemas.microsoft.com/office/drawing/2014/main" id="{3D16310E-6A0F-4015-9268-06046EA9B0AF}"/>
               </a:ext>
             </a:extLst>
           </p:cNvPr>
@@ -3430,13 +3430,130 @@
               </a:ext>
             </a:extLst>
           </a:blip>
+          <a:srcRect t="4624"/>
+          <a:stretch/>
+        </p:blipFill>
+        <p:spPr>
+          <a:xfrm>
+            <a:off x="5536026" y="14231601"/>
+            <a:ext cx="5837472" cy="4078235"/>
+          </a:xfrm>
+          <a:prstGeom prst="rect">
+            <a:avLst/>
+          </a:prstGeom>
+        </p:spPr>
+      </p:pic>
+      <p:pic>
+        <p:nvPicPr>
+          <p:cNvPr id="19" name="Grafik 18">
+            <a:extLst>
+              <a:ext uri="{FF2B5EF4-FFF2-40B4-BE49-F238E27FC236}">
+                <a16:creationId xmlns:a16="http://schemas.microsoft.com/office/drawing/2014/main" id="{9B53A3A9-D8D5-478C-9297-83FFD95424FD}"/>
+              </a:ext>
+            </a:extLst>
+          </p:cNvPr>
+          <p:cNvPicPr>
+            <a:picLocks noChangeAspect="1"/>
+          </p:cNvPicPr>
+          <p:nvPr/>
+        </p:nvPicPr>
+        <p:blipFill rotWithShape="1">
+          <a:blip r:embed="rId4">
+            <a:extLst>
+              <a:ext uri="{28A0092B-C50C-407E-A947-70E740481C1C}">
+                <a14:useLocalDpi xmlns:a14="http://schemas.microsoft.com/office/drawing/2010/main" val="0"/>
+              </a:ext>
+            </a:extLst>
+          </a:blip>
+          <a:srcRect l="7422" t="4222" r="7458"/>
+          <a:stretch/>
+        </p:blipFill>
+        <p:spPr>
+          <a:xfrm>
+            <a:off x="20641755" y="6922700"/>
+            <a:ext cx="4779830" cy="3994581"/>
+          </a:xfrm>
+          <a:prstGeom prst="rect">
+            <a:avLst/>
+          </a:prstGeom>
+        </p:spPr>
+      </p:pic>
+      <p:pic>
+        <p:nvPicPr>
+          <p:cNvPr id="1028" name="Picture 4" descr="Bildergebnis fÃ¼r normal distribution">
+            <a:extLst>
+              <a:ext uri="{FF2B5EF4-FFF2-40B4-BE49-F238E27FC236}">
+                <a16:creationId xmlns:a16="http://schemas.microsoft.com/office/drawing/2014/main" id="{B13286B2-1428-4C2D-8AB1-322F812F8103}"/>
+              </a:ext>
+            </a:extLst>
+          </p:cNvPr>
+          <p:cNvPicPr>
+            <a:picLocks noChangeAspect="1" noChangeArrowheads="1"/>
+          </p:cNvPicPr>
+          <p:nvPr/>
+        </p:nvPicPr>
+        <p:blipFill>
+          <a:blip r:embed="rId5">
+            <a:extLst>
+              <a:ext uri="{28A0092B-C50C-407E-A947-70E740481C1C}">
+                <a14:useLocalDpi xmlns:a14="http://schemas.microsoft.com/office/drawing/2010/main" val="0"/>
+              </a:ext>
+            </a:extLst>
+          </a:blip>
+          <a:srcRect/>
+          <a:stretch>
+            <a:fillRect/>
+          </a:stretch>
+        </p:blipFill>
+        <p:spPr bwMode="auto">
+          <a:xfrm>
+            <a:off x="12994854" y="8727797"/>
+            <a:ext cx="1005586" cy="402952"/>
+          </a:xfrm>
+          <a:prstGeom prst="rect">
+            <a:avLst/>
+          </a:prstGeom>
+          <a:noFill/>
+          <a:extLst>
+            <a:ext uri="{909E8E84-426E-40DD-AFC4-6F175D3DCCD1}">
+              <a14:hiddenFill xmlns:a14="http://schemas.microsoft.com/office/drawing/2010/main">
+                <a:solidFill>
+                  <a:srgbClr val="FFFFFF"/>
+                </a:solidFill>
+              </a14:hiddenFill>
+            </a:ext>
+          </a:extLst>
+        </p:spPr>
+      </p:pic>
+      <p:pic>
+        <p:nvPicPr>
+          <p:cNvPr id="11" name="Grafik 10">
+            <a:extLst>
+              <a:ext uri="{FF2B5EF4-FFF2-40B4-BE49-F238E27FC236}">
+                <a16:creationId xmlns:a16="http://schemas.microsoft.com/office/drawing/2014/main" id="{47FD6CE9-4E6F-474A-980F-D4BAE9D16A0D}"/>
+              </a:ext>
+            </a:extLst>
+          </p:cNvPr>
+          <p:cNvPicPr>
+            <a:picLocks noChangeAspect="1"/>
+          </p:cNvPicPr>
+          <p:nvPr/>
+        </p:nvPicPr>
+        <p:blipFill rotWithShape="1">
+          <a:blip r:embed="rId6">
+            <a:extLst>
+              <a:ext uri="{28A0092B-C50C-407E-A947-70E740481C1C}">
+                <a14:useLocalDpi xmlns:a14="http://schemas.microsoft.com/office/drawing/2010/main" val="0"/>
+              </a:ext>
+            </a:extLst>
+          </a:blip>
           <a:srcRect t="5008"/>
           <a:stretch/>
         </p:blipFill>
         <p:spPr>
           <a:xfrm>
-            <a:off x="15169366" y="7160556"/>
-            <a:ext cx="5281660" cy="3726286"/>
+            <a:off x="15279889" y="7112203"/>
+            <a:ext cx="5376691" cy="3793332"/>
           </a:xfrm>
           <a:prstGeom prst="rect">
             <a:avLst/>
@@ -3457,7 +3574,7 @@
         </p:nvGrpSpPr>
         <p:grpSpPr>
           <a:xfrm>
-            <a:off x="15449208" y="3180642"/>
+            <a:off x="15170390" y="3349258"/>
             <a:ext cx="4228430" cy="2400648"/>
             <a:chOff x="16150830" y="3456940"/>
             <a:chExt cx="3268903" cy="1984346"/>
@@ -3478,7 +3595,7 @@
             <p:nvPr/>
           </p:nvPicPr>
           <p:blipFill rotWithShape="1">
-            <a:blip r:embed="rId4">
+            <a:blip r:embed="rId7">
               <a:extLst>
                 <a:ext uri="{28A0092B-C50C-407E-A947-70E740481C1C}">
                   <a14:useLocalDpi xmlns:a14="http://schemas.microsoft.com/office/drawing/2010/main" val="0"/>
@@ -3512,8 +3629,8 @@
           </p:nvSpPr>
           <p:spPr>
             <a:xfrm rot="16200000">
-              <a:off x="15791423" y="4438592"/>
-              <a:ext cx="1600438" cy="253916"/>
+              <a:off x="15761462" y="4261692"/>
+              <a:ext cx="1579909" cy="196297"/>
             </a:xfrm>
             <a:prstGeom prst="rect">
               <a:avLst/>
@@ -3528,18 +3645,18 @@
             <a:p>
               <a:pPr algn="r"/>
               <a:r>
-                <a:rPr lang="en-GB" sz="900" dirty="0">
+                <a:rPr lang="en-GB" sz="900" b="1" dirty="0">
                   <a:latin typeface="Segoe UI Light" panose="020B0502040204020203" pitchFamily="34" charset="0"/>
                   <a:cs typeface="Segoe UI Light" panose="020B0502040204020203" pitchFamily="34" charset="0"/>
                 </a:rPr>
                 <a:t>Country</a:t>
               </a:r>
               <a:r>
-                <a:rPr lang="en-GB" sz="1050" dirty="0"/>
+                <a:rPr lang="en-GB" sz="1050" b="1" dirty="0"/>
                 <a:t> </a:t>
               </a:r>
               <a:r>
-                <a:rPr lang="en-GB" sz="900" dirty="0">
+                <a:rPr lang="en-GB" sz="900" b="1" dirty="0">
                   <a:latin typeface="Segoe UI Light" panose="020B0502040204020203" pitchFamily="34" charset="0"/>
                   <a:cs typeface="Segoe UI Light" panose="020B0502040204020203" pitchFamily="34" charset="0"/>
                 </a:rPr>
@@ -3562,8 +3679,8 @@
           </p:nvSpPr>
           <p:spPr>
             <a:xfrm rot="16200000">
-              <a:off x="16149192" y="4359669"/>
-              <a:ext cx="1480469" cy="230832"/>
+              <a:off x="16052772" y="4267342"/>
+              <a:ext cx="1579911" cy="178451"/>
             </a:xfrm>
             <a:prstGeom prst="rect">
               <a:avLst/>
@@ -3578,7 +3695,7 @@
             <a:p>
               <a:pPr algn="r"/>
               <a:r>
-                <a:rPr lang="en-GB" sz="900" dirty="0">
+                <a:rPr lang="en-GB" sz="900" b="1" dirty="0">
                   <a:latin typeface="Segoe UI Light" panose="020B0502040204020203" pitchFamily="34" charset="0"/>
                   <a:cs typeface="Segoe UI Light" panose="020B0502040204020203" pitchFamily="34" charset="0"/>
                 </a:rPr>
@@ -3601,8 +3718,8 @@
           </p:nvSpPr>
           <p:spPr>
             <a:xfrm rot="16200000">
-              <a:off x="16515643" y="4284768"/>
-              <a:ext cx="1330673" cy="230832"/>
+              <a:off x="16348703" y="4265567"/>
+              <a:ext cx="1576364" cy="178451"/>
             </a:xfrm>
             <a:prstGeom prst="rect">
               <a:avLst/>
@@ -3617,7 +3734,7 @@
             <a:p>
               <a:pPr algn="r"/>
               <a:r>
-                <a:rPr lang="en-GB" sz="900" dirty="0">
+                <a:rPr lang="en-GB" sz="900" b="1" dirty="0">
                   <a:latin typeface="Segoe UI Light" panose="020B0502040204020203" pitchFamily="34" charset="0"/>
                   <a:cs typeface="Segoe UI Light" panose="020B0502040204020203" pitchFamily="34" charset="0"/>
                 </a:rPr>
@@ -3642,7 +3759,7 @@
           <p:nvPr/>
         </p:nvPicPr>
         <p:blipFill rotWithShape="1">
-          <a:blip r:embed="rId5">
+          <a:blip r:embed="rId8">
             <a:extLst>
               <a:ext uri="{28A0092B-C50C-407E-A947-70E740481C1C}">
                 <a14:useLocalDpi xmlns:a14="http://schemas.microsoft.com/office/drawing/2010/main" val="0"/>
@@ -3654,8 +3771,8 @@
         </p:blipFill>
         <p:spPr>
           <a:xfrm>
-            <a:off x="879400" y="13100764"/>
-            <a:ext cx="3824976" cy="2699346"/>
+            <a:off x="1119277" y="13079915"/>
+            <a:ext cx="4125760" cy="2911614"/>
           </a:xfrm>
           <a:prstGeom prst="rect">
             <a:avLst/>
@@ -3677,20 +3794,20 @@
           <p:nvPr/>
         </p:nvPicPr>
         <p:blipFill rotWithShape="1">
-          <a:blip r:embed="rId6">
+          <a:blip r:embed="rId9">
             <a:extLst>
               <a:ext uri="{28A0092B-C50C-407E-A947-70E740481C1C}">
                 <a14:useLocalDpi xmlns:a14="http://schemas.microsoft.com/office/drawing/2010/main" val="0"/>
               </a:ext>
             </a:extLst>
           </a:blip>
-          <a:srcRect l="48031" t="4532"/>
+          <a:srcRect l="48031" t="4533" r="12895" b="8548"/>
           <a:stretch/>
         </p:blipFill>
         <p:spPr>
           <a:xfrm>
-            <a:off x="21360221" y="2826914"/>
-            <a:ext cx="2506696" cy="4156144"/>
+            <a:off x="21555975" y="2733130"/>
+            <a:ext cx="1884712" cy="3783967"/>
           </a:xfrm>
           <a:prstGeom prst="rect">
             <a:avLst/>
@@ -3699,10 +3816,10 @@
       </p:pic>
       <p:pic>
         <p:nvPicPr>
-          <p:cNvPr id="19" name="Grafik 18">
+          <p:cNvPr id="21" name="Grafik 20">
             <a:extLst>
               <a:ext uri="{FF2B5EF4-FFF2-40B4-BE49-F238E27FC236}">
-                <a16:creationId xmlns:a16="http://schemas.microsoft.com/office/drawing/2014/main" id="{9B53A3A9-D8D5-478C-9297-83FFD95424FD}"/>
+                <a16:creationId xmlns:a16="http://schemas.microsoft.com/office/drawing/2014/main" id="{E7C66175-C915-47C7-A959-4AA47004429D}"/>
               </a:ext>
             </a:extLst>
           </p:cNvPr>
@@ -3712,42 +3829,7 @@
           <p:nvPr/>
         </p:nvPicPr>
         <p:blipFill rotWithShape="1">
-          <a:blip r:embed="rId7">
-            <a:extLst>
-              <a:ext uri="{28A0092B-C50C-407E-A947-70E740481C1C}">
-                <a14:useLocalDpi xmlns:a14="http://schemas.microsoft.com/office/drawing/2010/main" val="0"/>
-              </a:ext>
-            </a:extLst>
-          </a:blip>
-          <a:srcRect l="7422" t="4222" r="7458"/>
-          <a:stretch/>
-        </p:blipFill>
-        <p:spPr>
-          <a:xfrm>
-            <a:off x="20358634" y="6974299"/>
-            <a:ext cx="4880379" cy="4078611"/>
-          </a:xfrm>
-          <a:prstGeom prst="rect">
-            <a:avLst/>
-          </a:prstGeom>
-        </p:spPr>
-      </p:pic>
-      <p:pic>
-        <p:nvPicPr>
-          <p:cNvPr id="21" name="Grafik 20">
-            <a:extLst>
-              <a:ext uri="{FF2B5EF4-FFF2-40B4-BE49-F238E27FC236}">
-                <a16:creationId xmlns:a16="http://schemas.microsoft.com/office/drawing/2014/main" id="{E7C66175-C915-47C7-A959-4AA47004429D}"/>
-              </a:ext>
-            </a:extLst>
-          </p:cNvPr>
-          <p:cNvPicPr>
-            <a:picLocks noChangeAspect="1"/>
-          </p:cNvPicPr>
-          <p:nvPr/>
-        </p:nvPicPr>
-        <p:blipFill rotWithShape="1">
-          <a:blip r:embed="rId8">
+          <a:blip r:embed="rId10">
             <a:extLst>
               <a:ext uri="{28A0092B-C50C-407E-A947-70E740481C1C}">
                 <a14:useLocalDpi xmlns:a14="http://schemas.microsoft.com/office/drawing/2010/main" val="0"/>
@@ -3759,7 +3841,7 @@
         </p:blipFill>
         <p:spPr>
           <a:xfrm>
-            <a:off x="5736263" y="6367715"/>
+            <a:off x="5663287" y="6319651"/>
             <a:ext cx="8740546" cy="4697969"/>
           </a:xfrm>
           <a:prstGeom prst="rect">
@@ -3782,7 +3864,7 @@
           <p:nvPr/>
         </p:nvPicPr>
         <p:blipFill>
-          <a:blip r:embed="rId9">
+          <a:blip r:embed="rId11">
             <a:extLst>
               <a:ext uri="{28A0092B-C50C-407E-A947-70E740481C1C}">
                 <a14:useLocalDpi xmlns:a14="http://schemas.microsoft.com/office/drawing/2010/main" val="0"/>
@@ -3795,7 +3877,7 @@
         </p:blipFill>
         <p:spPr>
           <a:xfrm>
-            <a:off x="1405251" y="8997025"/>
+            <a:off x="1408475" y="8903241"/>
             <a:ext cx="3266460" cy="2070000"/>
           </a:xfrm>
           <a:prstGeom prst="rect">
@@ -3817,8 +3899,8 @@
         </p:nvSpPr>
         <p:spPr>
           <a:xfrm>
-            <a:off x="22994650" y="11892106"/>
-            <a:ext cx="6691485" cy="8909617"/>
+            <a:off x="24539299" y="11774876"/>
+            <a:ext cx="5049182" cy="9026847"/>
           </a:xfrm>
           <a:prstGeom prst="roundRect">
             <a:avLst/>
@@ -3875,8 +3957,8 @@
         </p:nvSpPr>
         <p:spPr>
           <a:xfrm>
-            <a:off x="23909174" y="2345803"/>
-            <a:ext cx="5380810" cy="4503705"/>
+            <a:off x="23942877" y="2356808"/>
+            <a:ext cx="5386351" cy="4330188"/>
           </a:xfrm>
           <a:prstGeom prst="roundRect">
             <a:avLst>
@@ -3913,10 +3995,6 @@
           <a:lstStyle/>
           <a:p>
             <a:pPr algn="ctr"/>
-            <a:r>
-              <a:rPr lang="fr-BE" dirty="0"/>
-              <a:t>0000</a:t>
-            </a:r>
             <a:endParaRPr lang="en-GB" dirty="0"/>
           </a:p>
         </p:txBody>
@@ -3935,8 +4013,8 @@
         </p:nvSpPr>
         <p:spPr>
           <a:xfrm>
-            <a:off x="10664064" y="11892106"/>
-            <a:ext cx="12050114" cy="8909617"/>
+            <a:off x="11763366" y="11774876"/>
+            <a:ext cx="12427578" cy="9026847"/>
           </a:xfrm>
           <a:prstGeom prst="roundRect">
             <a:avLst/>
@@ -3971,7 +4049,7 @@
           <a:lstStyle/>
           <a:p>
             <a:pPr algn="ctr"/>
-            <a:endParaRPr lang="en-GB"/>
+            <a:endParaRPr lang="en-GB" dirty="0"/>
           </a:p>
         </p:txBody>
       </p:sp>
@@ -4035,7 +4113,7 @@
         </p:nvSpPr>
         <p:spPr>
           <a:xfrm>
-            <a:off x="11340334" y="11487296"/>
+            <a:off x="12367711" y="11465213"/>
             <a:ext cx="3672000" cy="828000"/>
           </a:xfrm>
           <a:prstGeom prst="roundRect">
@@ -4090,8 +4168,8 @@
         </p:nvSpPr>
         <p:spPr>
           <a:xfrm>
-            <a:off x="9063849" y="2777560"/>
-            <a:ext cx="5429729" cy="1985159"/>
+            <a:off x="9554754" y="2683776"/>
+            <a:ext cx="4677064" cy="1492716"/>
           </a:xfrm>
           <a:prstGeom prst="rect">
             <a:avLst/>
@@ -4109,7 +4187,7 @@
                 <a:latin typeface="Segoe UI Light" panose="020B0502040204020203" pitchFamily="34" charset="0"/>
                 <a:cs typeface="Segoe UI Light" panose="020B0502040204020203" pitchFamily="34" charset="0"/>
               </a:rPr>
-              <a:t>Objective</a:t>
+              <a:t>Objectives</a:t>
             </a:r>
           </a:p>
           <a:p>
@@ -4141,7 +4219,7 @@
                 <a:latin typeface="Segoe UI Light" panose="020B0502040204020203" pitchFamily="34" charset="0"/>
                 <a:cs typeface="Segoe UI Light" panose="020B0502040204020203" pitchFamily="34" charset="0"/>
               </a:rPr>
-              <a:t>Discover the factors that influence happiness</a:t>
+              <a:t>Reduce dimensionality to facilitate interpretation</a:t>
             </a:r>
           </a:p>
           <a:p>
@@ -4154,7 +4232,7 @@
                 <a:latin typeface="Segoe UI Light" panose="020B0502040204020203" pitchFamily="34" charset="0"/>
                 <a:cs typeface="Segoe UI Light" panose="020B0502040204020203" pitchFamily="34" charset="0"/>
               </a:rPr>
-              <a:t>Which factors lead to high, mid or low happiness</a:t>
+              <a:t>Discover the factors that influence happiness</a:t>
             </a:r>
           </a:p>
           <a:p>
@@ -4180,73 +4258,70 @@
                 <a:latin typeface="Segoe UI Light" panose="020B0502040204020203" pitchFamily="34" charset="0"/>
                 <a:cs typeface="Segoe UI Light" panose="020B0502040204020203" pitchFamily="34" charset="0"/>
               </a:rPr>
-              <a:t>Analysis similarity of countries</a:t>
-            </a:r>
-          </a:p>
-          <a:p>
-            <a:pPr marL="285750" indent="-285750">
+              <a:t>Analysis of similarity among countries</a:t>
+            </a:r>
+          </a:p>
+        </p:txBody>
+      </p:sp>
+      <p:sp>
+        <p:nvSpPr>
+          <p:cNvPr id="30" name="Textfeld 29">
+            <a:extLst>
+              <a:ext uri="{FF2B5EF4-FFF2-40B4-BE49-F238E27FC236}">
+                <a16:creationId xmlns:a16="http://schemas.microsoft.com/office/drawing/2014/main" id="{3CF526E3-5C97-4D0A-82E9-6E371CE664D0}"/>
+              </a:ext>
+            </a:extLst>
+          </p:cNvPr>
+          <p:cNvSpPr txBox="1"/>
+          <p:nvPr/>
+        </p:nvSpPr>
+        <p:spPr>
+          <a:xfrm>
+            <a:off x="5484212" y="2683776"/>
+            <a:ext cx="3780981" cy="1492716"/>
+          </a:xfrm>
+          <a:prstGeom prst="rect">
+            <a:avLst/>
+          </a:prstGeom>
+          <a:noFill/>
+        </p:spPr>
+        <p:txBody>
+          <a:bodyPr wrap="square" rtlCol="0">
+            <a:spAutoFit/>
+          </a:bodyPr>
+          <a:lstStyle/>
+          <a:p>
+            <a:r>
+              <a:rPr lang="en-GB" sz="1600" b="1" dirty="0">
+                <a:latin typeface="Segoe UI Light" panose="020B0502040204020203" pitchFamily="34" charset="0"/>
+                <a:cs typeface="Segoe UI Light" panose="020B0502040204020203" pitchFamily="34" charset="0"/>
+              </a:rPr>
+              <a:t>Methodology</a:t>
+            </a:r>
+          </a:p>
+          <a:p>
+            <a:endParaRPr lang="en-GB" sz="500" b="1" dirty="0">
+              <a:latin typeface="Segoe UI Light" panose="020B0502040204020203" pitchFamily="34" charset="0"/>
+              <a:cs typeface="Segoe UI Light" panose="020B0502040204020203" pitchFamily="34" charset="0"/>
+            </a:endParaRPr>
+          </a:p>
+          <a:p>
+            <a:pPr marL="285750" lvl="0" indent="-285750" fontAlgn="ctr">
               <a:buFont typeface="Arial" panose="020B0604020202020204" pitchFamily="34" charset="0"/>
               <a:buChar char="•"/>
             </a:pPr>
-            <a:endParaRPr lang="en-GB" sz="1400" dirty="0">
-              <a:latin typeface="Segoe UI Light" panose="020B0502040204020203" pitchFamily="34" charset="0"/>
-              <a:cs typeface="Segoe UI Light" panose="020B0502040204020203" pitchFamily="34" charset="0"/>
-            </a:endParaRPr>
-          </a:p>
-          <a:p>
-            <a:pPr marL="285750" indent="-285750">
-              <a:buFont typeface="Arial" panose="020B0604020202020204" pitchFamily="34" charset="0"/>
-              <a:buChar char="•"/>
-            </a:pPr>
+            <a:r>
+              <a:rPr lang="en-GB" sz="1400" dirty="0">
+                <a:latin typeface="Segoe UI Light" panose="020B0502040204020203" pitchFamily="34" charset="0"/>
+                <a:cs typeface="Segoe UI Light" panose="020B0502040204020203" pitchFamily="34" charset="0"/>
+              </a:rPr>
+              <a:t>Data preparation</a:t>
+            </a:r>
             <a:endParaRPr lang="en-GB" dirty="0">
               <a:latin typeface="Segoe UI Light" panose="020B0502040204020203" pitchFamily="34" charset="0"/>
               <a:cs typeface="Segoe UI Light" panose="020B0502040204020203" pitchFamily="34" charset="0"/>
             </a:endParaRPr>
           </a:p>
-        </p:txBody>
-      </p:sp>
-      <p:sp>
-        <p:nvSpPr>
-          <p:cNvPr id="30" name="Textfeld 29">
-            <a:extLst>
-              <a:ext uri="{FF2B5EF4-FFF2-40B4-BE49-F238E27FC236}">
-                <a16:creationId xmlns:a16="http://schemas.microsoft.com/office/drawing/2014/main" id="{3CF526E3-5C97-4D0A-82E9-6E371CE664D0}"/>
-              </a:ext>
-            </a:extLst>
-          </p:cNvPr>
-          <p:cNvSpPr txBox="1"/>
-          <p:nvPr/>
-        </p:nvSpPr>
-        <p:spPr>
-          <a:xfrm>
-            <a:off x="5557188" y="2777560"/>
-            <a:ext cx="6039905" cy="1492716"/>
-          </a:xfrm>
-          <a:prstGeom prst="rect">
-            <a:avLst/>
-          </a:prstGeom>
-          <a:noFill/>
-        </p:spPr>
-        <p:txBody>
-          <a:bodyPr wrap="square" rtlCol="0">
-            <a:spAutoFit/>
-          </a:bodyPr>
-          <a:lstStyle/>
-          <a:p>
-            <a:r>
-              <a:rPr lang="en-GB" sz="1600" b="1" dirty="0">
-                <a:latin typeface="Segoe UI Light" panose="020B0502040204020203" pitchFamily="34" charset="0"/>
-                <a:cs typeface="Segoe UI Light" panose="020B0502040204020203" pitchFamily="34" charset="0"/>
-              </a:rPr>
-              <a:t>Methodology</a:t>
-            </a:r>
-          </a:p>
-          <a:p>
-            <a:endParaRPr lang="en-GB" sz="500" b="1" dirty="0">
-              <a:latin typeface="Segoe UI Light" panose="020B0502040204020203" pitchFamily="34" charset="0"/>
-              <a:cs typeface="Segoe UI Light" panose="020B0502040204020203" pitchFamily="34" charset="0"/>
-            </a:endParaRPr>
-          </a:p>
           <a:p>
             <a:pPr marL="285750" lvl="0" indent="-285750" fontAlgn="ctr">
               <a:buFont typeface="Arial" panose="020B0604020202020204" pitchFamily="34" charset="0"/>
@@ -4257,12 +4332,8 @@
                 <a:latin typeface="Segoe UI Light" panose="020B0502040204020203" pitchFamily="34" charset="0"/>
                 <a:cs typeface="Segoe UI Light" panose="020B0502040204020203" pitchFamily="34" charset="0"/>
               </a:rPr>
-              <a:t>Data preparation</a:t>
-            </a:r>
-            <a:endParaRPr lang="en-GB" dirty="0">
-              <a:latin typeface="Segoe UI Light" panose="020B0502040204020203" pitchFamily="34" charset="0"/>
-              <a:cs typeface="Segoe UI Light" panose="020B0502040204020203" pitchFamily="34" charset="0"/>
-            </a:endParaRPr>
+              <a:t>Dimension Reduction (PCA, FA)</a:t>
+            </a:r>
           </a:p>
           <a:p>
             <a:pPr marL="285750" lvl="0" indent="-285750" fontAlgn="ctr">
@@ -4274,7 +4345,7 @@
                 <a:latin typeface="Segoe UI Light" panose="020B0502040204020203" pitchFamily="34" charset="0"/>
                 <a:cs typeface="Segoe UI Light" panose="020B0502040204020203" pitchFamily="34" charset="0"/>
               </a:rPr>
-              <a:t>Dimension Reduction (PCA, FA)</a:t>
+              <a:t>Clustering</a:t>
             </a:r>
           </a:p>
           <a:p>
@@ -4287,11 +4358,11 @@
                 <a:latin typeface="Segoe UI Light" panose="020B0502040204020203" pitchFamily="34" charset="0"/>
                 <a:cs typeface="Segoe UI Light" panose="020B0502040204020203" pitchFamily="34" charset="0"/>
               </a:rPr>
-              <a:t>Clustering</a:t>
-            </a:r>
-          </a:p>
-          <a:p>
-            <a:pPr marL="285750" lvl="0" indent="-285750" fontAlgn="ctr">
+              <a:t>Variable Importance (RFE)</a:t>
+            </a:r>
+          </a:p>
+          <a:p>
+            <a:pPr marL="285750" indent="-285750" fontAlgn="ctr">
               <a:buFont typeface="Arial" panose="020B0604020202020204" pitchFamily="34" charset="0"/>
               <a:buChar char="•"/>
             </a:pPr>
@@ -4303,19 +4374,6 @@
               <a:t>Linear Regression</a:t>
             </a:r>
           </a:p>
-          <a:p>
-            <a:pPr marL="285750" lvl="0" indent="-285750" fontAlgn="ctr">
-              <a:buFont typeface="Arial" panose="020B0604020202020204" pitchFamily="34" charset="0"/>
-              <a:buChar char="•"/>
-            </a:pPr>
-            <a:r>
-              <a:rPr lang="en-GB" sz="1400" dirty="0">
-                <a:latin typeface="Segoe UI Light" panose="020B0502040204020203" pitchFamily="34" charset="0"/>
-                <a:cs typeface="Segoe UI Light" panose="020B0502040204020203" pitchFamily="34" charset="0"/>
-              </a:rPr>
-              <a:t>Variable Importance (Features selection)</a:t>
-            </a:r>
-          </a:p>
         </p:txBody>
       </p:sp>
       <p:sp>
@@ -4332,7 +4390,7 @@
         </p:nvSpPr>
         <p:spPr>
           <a:xfrm>
-            <a:off x="23439766" y="11621839"/>
+            <a:off x="24996869" y="11474038"/>
             <a:ext cx="3672000" cy="828000"/>
           </a:xfrm>
           <a:prstGeom prst="roundRect">
@@ -4387,7 +4445,7 @@
         </p:nvSpPr>
         <p:spPr>
           <a:xfrm>
-            <a:off x="15557937" y="2576612"/>
+            <a:off x="15252881" y="2692554"/>
             <a:ext cx="4469599" cy="338554"/>
           </a:xfrm>
           <a:prstGeom prst="rect">
@@ -4425,7 +4483,7 @@
         </p:nvSpPr>
         <p:spPr>
           <a:xfrm>
-            <a:off x="24018336" y="2525919"/>
+            <a:off x="24036800" y="2432135"/>
             <a:ext cx="4469599" cy="338554"/>
           </a:xfrm>
           <a:prstGeom prst="rect">
@@ -4463,7 +4521,7 @@
         </p:nvSpPr>
         <p:spPr>
           <a:xfrm>
-            <a:off x="1084497" y="5186537"/>
+            <a:off x="1087721" y="5092753"/>
             <a:ext cx="1230938" cy="307777"/>
           </a:xfrm>
           <a:prstGeom prst="rect">
@@ -4494,117 +4552,6 @@
             <a:extLst>
               <a:ext uri="{FF2B5EF4-FFF2-40B4-BE49-F238E27FC236}">
                 <a16:creationId xmlns:a16="http://schemas.microsoft.com/office/drawing/2014/main" id="{FA8DB1B3-C1FC-4D80-B7D9-DC9FB2AB892B}"/>
-              </a:ext>
-            </a:extLst>
-          </p:cNvPr>
-          <p:cNvPicPr>
-            <a:picLocks noChangeAspect="1"/>
-          </p:cNvPicPr>
-          <p:nvPr/>
-        </p:nvPicPr>
-        <p:blipFill>
-          <a:blip r:embed="rId10">
-            <a:extLst>
-              <a:ext uri="{28A0092B-C50C-407E-A947-70E740481C1C}">
-                <a14:useLocalDpi xmlns:a14="http://schemas.microsoft.com/office/drawing/2010/main" val="0"/>
-              </a:ext>
-            </a:extLst>
-          </a:blip>
-          <a:stretch>
-            <a:fillRect/>
-          </a:stretch>
-        </p:blipFill>
-        <p:spPr>
-          <a:xfrm>
-            <a:off x="1460449" y="4709554"/>
-            <a:ext cx="468000" cy="468000"/>
-          </a:xfrm>
-          <a:prstGeom prst="rect">
-            <a:avLst/>
-          </a:prstGeom>
-        </p:spPr>
-      </p:pic>
-      <p:pic>
-        <p:nvPicPr>
-          <p:cNvPr id="10" name="Grafik 9">
-            <a:extLst>
-              <a:ext uri="{FF2B5EF4-FFF2-40B4-BE49-F238E27FC236}">
-                <a16:creationId xmlns:a16="http://schemas.microsoft.com/office/drawing/2014/main" id="{58355202-26FF-4542-8C17-F15901CAFECC}"/>
-              </a:ext>
-            </a:extLst>
-          </p:cNvPr>
-          <p:cNvPicPr>
-            <a:picLocks noChangeAspect="1"/>
-          </p:cNvPicPr>
-          <p:nvPr/>
-        </p:nvPicPr>
-        <p:blipFill>
-          <a:blip r:embed="rId11">
-            <a:extLst>
-              <a:ext uri="{28A0092B-C50C-407E-A947-70E740481C1C}">
-                <a14:useLocalDpi xmlns:a14="http://schemas.microsoft.com/office/drawing/2010/main" val="0"/>
-              </a:ext>
-            </a:extLst>
-          </a:blip>
-          <a:stretch>
-            <a:fillRect/>
-          </a:stretch>
-        </p:blipFill>
-        <p:spPr>
-          <a:xfrm>
-            <a:off x="2496617" y="4709554"/>
-            <a:ext cx="468000" cy="468000"/>
-          </a:xfrm>
-          <a:prstGeom prst="rect">
-            <a:avLst/>
-          </a:prstGeom>
-        </p:spPr>
-      </p:pic>
-      <p:sp>
-        <p:nvSpPr>
-          <p:cNvPr id="37" name="Textfeld 36">
-            <a:extLst>
-              <a:ext uri="{FF2B5EF4-FFF2-40B4-BE49-F238E27FC236}">
-                <a16:creationId xmlns:a16="http://schemas.microsoft.com/office/drawing/2014/main" id="{615A6FBA-07BA-4D8C-B894-793E5D3432BE}"/>
-              </a:ext>
-            </a:extLst>
-          </p:cNvPr>
-          <p:cNvSpPr txBox="1"/>
-          <p:nvPr/>
-        </p:nvSpPr>
-        <p:spPr>
-          <a:xfrm>
-            <a:off x="2348067" y="5186537"/>
-            <a:ext cx="770302" cy="307777"/>
-          </a:xfrm>
-          <a:prstGeom prst="rect">
-            <a:avLst/>
-          </a:prstGeom>
-          <a:noFill/>
-        </p:spPr>
-        <p:txBody>
-          <a:bodyPr wrap="square" rtlCol="0">
-            <a:spAutoFit/>
-          </a:bodyPr>
-          <a:lstStyle/>
-          <a:p>
-            <a:pPr algn="ctr"/>
-            <a:r>
-              <a:rPr lang="en-GB" sz="1400" dirty="0">
-                <a:latin typeface="Segoe UI Light" panose="020B0502040204020203" pitchFamily="34" charset="0"/>
-                <a:cs typeface="Segoe UI Light" panose="020B0502040204020203" pitchFamily="34" charset="0"/>
-              </a:rPr>
-              <a:t>Health</a:t>
-            </a:r>
-          </a:p>
-        </p:txBody>
-      </p:sp>
-      <p:pic>
-        <p:nvPicPr>
-          <p:cNvPr id="18" name="Grafik 17">
-            <a:extLst>
-              <a:ext uri="{FF2B5EF4-FFF2-40B4-BE49-F238E27FC236}">
-                <a16:creationId xmlns:a16="http://schemas.microsoft.com/office/drawing/2014/main" id="{93953D04-E3B6-434B-A956-503DDDBEC0C7}"/>
               </a:ext>
             </a:extLst>
           </p:cNvPr>
@@ -4627,7 +4574,7 @@
         </p:blipFill>
         <p:spPr>
           <a:xfrm>
-            <a:off x="3532785" y="4709554"/>
+            <a:off x="1463673" y="4615770"/>
             <a:ext cx="468000" cy="468000"/>
           </a:xfrm>
           <a:prstGeom prst="rect">
@@ -4635,51 +4582,12 @@
           </a:prstGeom>
         </p:spPr>
       </p:pic>
-      <p:sp>
-        <p:nvSpPr>
-          <p:cNvPr id="39" name="Textfeld 38">
-            <a:extLst>
-              <a:ext uri="{FF2B5EF4-FFF2-40B4-BE49-F238E27FC236}">
-                <a16:creationId xmlns:a16="http://schemas.microsoft.com/office/drawing/2014/main" id="{713E46D4-7D41-4BA1-8676-96E58FAF443A}"/>
-              </a:ext>
-            </a:extLst>
-          </p:cNvPr>
-          <p:cNvSpPr txBox="1"/>
-          <p:nvPr/>
-        </p:nvSpPr>
-        <p:spPr>
-          <a:xfrm>
-            <a:off x="3208682" y="5188099"/>
-            <a:ext cx="1116205" cy="307777"/>
-          </a:xfrm>
-          <a:prstGeom prst="rect">
-            <a:avLst/>
-          </a:prstGeom>
-          <a:noFill/>
-        </p:spPr>
-        <p:txBody>
-          <a:bodyPr wrap="square" rtlCol="0">
-            <a:spAutoFit/>
-          </a:bodyPr>
-          <a:lstStyle/>
-          <a:p>
-            <a:pPr algn="ctr"/>
-            <a:r>
-              <a:rPr lang="en-GB" sz="1400" dirty="0">
-                <a:latin typeface="Segoe UI Light" panose="020B0502040204020203" pitchFamily="34" charset="0"/>
-                <a:cs typeface="Segoe UI Light" panose="020B0502040204020203" pitchFamily="34" charset="0"/>
-              </a:rPr>
-              <a:t>Population</a:t>
-            </a:r>
-          </a:p>
-        </p:txBody>
-      </p:sp>
       <p:pic>
         <p:nvPicPr>
-          <p:cNvPr id="23" name="Grafik 22">
+          <p:cNvPr id="10" name="Grafik 9">
             <a:extLst>
               <a:ext uri="{FF2B5EF4-FFF2-40B4-BE49-F238E27FC236}">
-                <a16:creationId xmlns:a16="http://schemas.microsoft.com/office/drawing/2014/main" id="{4F66B2D8-6D8F-45A5-9111-1AE2D7C0F09A}"/>
+                <a16:creationId xmlns:a16="http://schemas.microsoft.com/office/drawing/2014/main" id="{58355202-26FF-4542-8C17-F15901CAFECC}"/>
               </a:ext>
             </a:extLst>
           </p:cNvPr>
@@ -4702,7 +4610,7 @@
         </p:blipFill>
         <p:spPr>
           <a:xfrm>
-            <a:off x="4568953" y="4709554"/>
+            <a:off x="2499841" y="4615770"/>
             <a:ext cx="468000" cy="468000"/>
           </a:xfrm>
           <a:prstGeom prst="rect">
@@ -4712,10 +4620,10 @@
       </p:pic>
       <p:sp>
         <p:nvSpPr>
-          <p:cNvPr id="44" name="Textfeld 43">
+          <p:cNvPr id="37" name="Textfeld 36">
             <a:extLst>
               <a:ext uri="{FF2B5EF4-FFF2-40B4-BE49-F238E27FC236}">
-                <a16:creationId xmlns:a16="http://schemas.microsoft.com/office/drawing/2014/main" id="{0F35411B-4874-416F-A88C-0282D00FEA12}"/>
+                <a16:creationId xmlns:a16="http://schemas.microsoft.com/office/drawing/2014/main" id="{615A6FBA-07BA-4D8C-B894-793E5D3432BE}"/>
               </a:ext>
             </a:extLst>
           </p:cNvPr>
@@ -4724,8 +4632,8 @@
         </p:nvSpPr>
         <p:spPr>
           <a:xfrm>
-            <a:off x="4187484" y="5195466"/>
-            <a:ext cx="1230938" cy="307777"/>
+            <a:off x="2351291" y="5092753"/>
+            <a:ext cx="770302" cy="307777"/>
           </a:xfrm>
           <a:prstGeom prst="rect">
             <a:avLst/>
@@ -4744,17 +4652,17 @@
                 <a:latin typeface="Segoe UI Light" panose="020B0502040204020203" pitchFamily="34" charset="0"/>
                 <a:cs typeface="Segoe UI Light" panose="020B0502040204020203" pitchFamily="34" charset="0"/>
               </a:rPr>
-              <a:t>Infrastructure</a:t>
+              <a:t>Health</a:t>
             </a:r>
           </a:p>
         </p:txBody>
       </p:sp>
       <p:pic>
         <p:nvPicPr>
-          <p:cNvPr id="27" name="Grafik 26">
+          <p:cNvPr id="18" name="Grafik 17">
             <a:extLst>
               <a:ext uri="{FF2B5EF4-FFF2-40B4-BE49-F238E27FC236}">
-                <a16:creationId xmlns:a16="http://schemas.microsoft.com/office/drawing/2014/main" id="{17565774-F0C1-42F6-808B-211A39D3B916}"/>
+                <a16:creationId xmlns:a16="http://schemas.microsoft.com/office/drawing/2014/main" id="{93953D04-E3B6-434B-A956-503DDDBEC0C7}"/>
               </a:ext>
             </a:extLst>
           </p:cNvPr>
@@ -4777,7 +4685,7 @@
         </p:blipFill>
         <p:spPr>
           <a:xfrm>
-            <a:off x="1471894" y="5598484"/>
+            <a:off x="3536009" y="4615770"/>
             <a:ext cx="468000" cy="468000"/>
           </a:xfrm>
           <a:prstGeom prst="rect">
@@ -4787,10 +4695,10 @@
       </p:pic>
       <p:sp>
         <p:nvSpPr>
-          <p:cNvPr id="46" name="Textfeld 45">
+          <p:cNvPr id="39" name="Textfeld 38">
             <a:extLst>
               <a:ext uri="{FF2B5EF4-FFF2-40B4-BE49-F238E27FC236}">
-                <a16:creationId xmlns:a16="http://schemas.microsoft.com/office/drawing/2014/main" id="{9A2366D0-7D3B-4A3D-B0F1-055C0120D3B4}"/>
+                <a16:creationId xmlns:a16="http://schemas.microsoft.com/office/drawing/2014/main" id="{713E46D4-7D41-4BA1-8676-96E58FAF443A}"/>
               </a:ext>
             </a:extLst>
           </p:cNvPr>
@@ -4799,8 +4707,8 @@
         </p:nvSpPr>
         <p:spPr>
           <a:xfrm>
-            <a:off x="1090124" y="6037218"/>
-            <a:ext cx="1230938" cy="307777"/>
+            <a:off x="3211906" y="5094315"/>
+            <a:ext cx="1116205" cy="307777"/>
           </a:xfrm>
           <a:prstGeom prst="rect">
             <a:avLst/>
@@ -4819,17 +4727,17 @@
                 <a:latin typeface="Segoe UI Light" panose="020B0502040204020203" pitchFamily="34" charset="0"/>
                 <a:cs typeface="Segoe UI Light" panose="020B0502040204020203" pitchFamily="34" charset="0"/>
               </a:rPr>
-              <a:t>Environment</a:t>
+              <a:t>Population</a:t>
             </a:r>
           </a:p>
         </p:txBody>
       </p:sp>
       <p:pic>
         <p:nvPicPr>
-          <p:cNvPr id="35" name="Grafik 34">
+          <p:cNvPr id="23" name="Grafik 22">
             <a:extLst>
               <a:ext uri="{FF2B5EF4-FFF2-40B4-BE49-F238E27FC236}">
-                <a16:creationId xmlns:a16="http://schemas.microsoft.com/office/drawing/2014/main" id="{2AB523F6-55C0-44FC-92F7-73EF1B4DAA73}"/>
+                <a16:creationId xmlns:a16="http://schemas.microsoft.com/office/drawing/2014/main" id="{4F66B2D8-6D8F-45A5-9111-1AE2D7C0F09A}"/>
               </a:ext>
             </a:extLst>
           </p:cNvPr>
@@ -4852,7 +4760,7 @@
         </p:blipFill>
         <p:spPr>
           <a:xfrm>
-            <a:off x="2478153" y="5598484"/>
+            <a:off x="4572177" y="4615770"/>
             <a:ext cx="468000" cy="468000"/>
           </a:xfrm>
           <a:prstGeom prst="rect">
@@ -4862,10 +4770,10 @@
       </p:pic>
       <p:sp>
         <p:nvSpPr>
-          <p:cNvPr id="48" name="Textfeld 47">
+          <p:cNvPr id="44" name="Textfeld 43">
             <a:extLst>
               <a:ext uri="{FF2B5EF4-FFF2-40B4-BE49-F238E27FC236}">
-                <a16:creationId xmlns:a16="http://schemas.microsoft.com/office/drawing/2014/main" id="{6C14096D-006D-40E2-A259-384BBBEFC748}"/>
+                <a16:creationId xmlns:a16="http://schemas.microsoft.com/office/drawing/2014/main" id="{0F35411B-4874-416F-A88C-0282D00FEA12}"/>
               </a:ext>
             </a:extLst>
           </p:cNvPr>
@@ -4874,8 +4782,8 @@
         </p:nvSpPr>
         <p:spPr>
           <a:xfrm>
-            <a:off x="2225547" y="6030684"/>
-            <a:ext cx="973212" cy="307777"/>
+            <a:off x="4190708" y="5101682"/>
+            <a:ext cx="1230938" cy="307777"/>
           </a:xfrm>
           <a:prstGeom prst="rect">
             <a:avLst/>
@@ -4894,17 +4802,17 @@
                 <a:latin typeface="Segoe UI Light" panose="020B0502040204020203" pitchFamily="34" charset="0"/>
                 <a:cs typeface="Segoe UI Light" panose="020B0502040204020203" pitchFamily="34" charset="0"/>
               </a:rPr>
-              <a:t>Education</a:t>
+              <a:t>Infrastructure</a:t>
             </a:r>
           </a:p>
         </p:txBody>
       </p:sp>
       <p:pic>
         <p:nvPicPr>
-          <p:cNvPr id="50" name="Grafik 49">
+          <p:cNvPr id="27" name="Grafik 26">
             <a:extLst>
               <a:ext uri="{FF2B5EF4-FFF2-40B4-BE49-F238E27FC236}">
-                <a16:creationId xmlns:a16="http://schemas.microsoft.com/office/drawing/2014/main" id="{23D114B9-EC65-4094-B439-75EFDD11F9A9}"/>
+                <a16:creationId xmlns:a16="http://schemas.microsoft.com/office/drawing/2014/main" id="{17565774-F0C1-42F6-808B-211A39D3B916}"/>
               </a:ext>
             </a:extLst>
           </p:cNvPr>
@@ -4927,7 +4835,7 @@
         </p:blipFill>
         <p:spPr>
           <a:xfrm>
-            <a:off x="3522512" y="5598484"/>
+            <a:off x="1475118" y="5504700"/>
             <a:ext cx="468000" cy="468000"/>
           </a:xfrm>
           <a:prstGeom prst="rect">
@@ -4937,10 +4845,10 @@
       </p:pic>
       <p:sp>
         <p:nvSpPr>
-          <p:cNvPr id="51" name="Textfeld 50">
+          <p:cNvPr id="46" name="Textfeld 45">
             <a:extLst>
               <a:ext uri="{FF2B5EF4-FFF2-40B4-BE49-F238E27FC236}">
-                <a16:creationId xmlns:a16="http://schemas.microsoft.com/office/drawing/2014/main" id="{56668B34-3AA5-4AC1-B6D0-9B49068216B6}"/>
+                <a16:creationId xmlns:a16="http://schemas.microsoft.com/office/drawing/2014/main" id="{9A2366D0-7D3B-4A3D-B0F1-055C0120D3B4}"/>
               </a:ext>
             </a:extLst>
           </p:cNvPr>
@@ -4949,8 +4857,8 @@
         </p:nvSpPr>
         <p:spPr>
           <a:xfrm>
-            <a:off x="3228538" y="6033339"/>
-            <a:ext cx="1047500" cy="307777"/>
+            <a:off x="1093348" y="5943434"/>
+            <a:ext cx="1230938" cy="307777"/>
           </a:xfrm>
           <a:prstGeom prst="rect">
             <a:avLst/>
@@ -4969,17 +4877,17 @@
                 <a:latin typeface="Segoe UI Light" panose="020B0502040204020203" pitchFamily="34" charset="0"/>
                 <a:cs typeface="Segoe UI Light" panose="020B0502040204020203" pitchFamily="34" charset="0"/>
               </a:rPr>
-              <a:t>Economy</a:t>
+              <a:t>Environment</a:t>
             </a:r>
           </a:p>
         </p:txBody>
       </p:sp>
       <p:pic>
         <p:nvPicPr>
-          <p:cNvPr id="53" name="Grafik 52">
+          <p:cNvPr id="35" name="Grafik 34">
             <a:extLst>
               <a:ext uri="{FF2B5EF4-FFF2-40B4-BE49-F238E27FC236}">
-                <a16:creationId xmlns:a16="http://schemas.microsoft.com/office/drawing/2014/main" id="{F4A92F58-5F70-4B6C-9BB7-82E8818B7E85}"/>
+                <a16:creationId xmlns:a16="http://schemas.microsoft.com/office/drawing/2014/main" id="{2AB523F6-55C0-44FC-92F7-73EF1B4DAA73}"/>
               </a:ext>
             </a:extLst>
           </p:cNvPr>
@@ -5002,7 +4910,7 @@
         </p:blipFill>
         <p:spPr>
           <a:xfrm>
-            <a:off x="4566871" y="5598484"/>
+            <a:off x="2481377" y="5504700"/>
             <a:ext cx="468000" cy="468000"/>
           </a:xfrm>
           <a:prstGeom prst="rect">
@@ -5012,10 +4920,10 @@
       </p:pic>
       <p:sp>
         <p:nvSpPr>
-          <p:cNvPr id="54" name="Textfeld 53">
+          <p:cNvPr id="48" name="Textfeld 47">
             <a:extLst>
               <a:ext uri="{FF2B5EF4-FFF2-40B4-BE49-F238E27FC236}">
-                <a16:creationId xmlns:a16="http://schemas.microsoft.com/office/drawing/2014/main" id="{11181380-77BB-4FDF-AB5D-6ED36AFEE862}"/>
+                <a16:creationId xmlns:a16="http://schemas.microsoft.com/office/drawing/2014/main" id="{6C14096D-006D-40E2-A259-384BBBEFC748}"/>
               </a:ext>
             </a:extLst>
           </p:cNvPr>
@@ -5024,8 +4932,8 @@
         </p:nvSpPr>
         <p:spPr>
           <a:xfrm>
-            <a:off x="4317748" y="6041187"/>
-            <a:ext cx="965368" cy="307777"/>
+            <a:off x="2228771" y="5936900"/>
+            <a:ext cx="973212" cy="307777"/>
           </a:xfrm>
           <a:prstGeom prst="rect">
             <a:avLst/>
@@ -5044,269 +4952,17 @@
                 <a:latin typeface="Segoe UI Light" panose="020B0502040204020203" pitchFamily="34" charset="0"/>
                 <a:cs typeface="Segoe UI Light" panose="020B0502040204020203" pitchFamily="34" charset="0"/>
               </a:rPr>
-              <a:t>Politics</a:t>
-            </a:r>
-          </a:p>
-        </p:txBody>
-      </p:sp>
-      <p:sp>
-        <p:nvSpPr>
-          <p:cNvPr id="55" name="Textfeld 54">
-            <a:extLst>
-              <a:ext uri="{FF2B5EF4-FFF2-40B4-BE49-F238E27FC236}">
-                <a16:creationId xmlns:a16="http://schemas.microsoft.com/office/drawing/2014/main" id="{FD7864BE-EC92-4B34-981D-BDD811868612}"/>
-              </a:ext>
-            </a:extLst>
-          </p:cNvPr>
-          <p:cNvSpPr txBox="1"/>
-          <p:nvPr/>
-        </p:nvSpPr>
-        <p:spPr>
-          <a:xfrm>
-            <a:off x="1089090" y="4319717"/>
-            <a:ext cx="1170101" cy="338554"/>
-          </a:xfrm>
-          <a:prstGeom prst="rect">
-            <a:avLst/>
-          </a:prstGeom>
-          <a:noFill/>
-        </p:spPr>
-        <p:txBody>
-          <a:bodyPr wrap="square" rtlCol="0">
-            <a:spAutoFit/>
-          </a:bodyPr>
-          <a:lstStyle/>
-          <a:p>
-            <a:r>
-              <a:rPr lang="en-GB" sz="1600" b="1" dirty="0">
-                <a:latin typeface="Segoe UI Light" panose="020B0502040204020203" pitchFamily="34" charset="0"/>
-                <a:cs typeface="Segoe UI Light" panose="020B0502040204020203" pitchFamily="34" charset="0"/>
-              </a:rPr>
-              <a:t>Variables</a:t>
-            </a:r>
-            <a:endParaRPr lang="en-GB" b="1" dirty="0">
-              <a:latin typeface="Segoe UI Light" panose="020B0502040204020203" pitchFamily="34" charset="0"/>
-              <a:cs typeface="Segoe UI Light" panose="020B0502040204020203" pitchFamily="34" charset="0"/>
-            </a:endParaRPr>
-          </a:p>
-        </p:txBody>
-      </p:sp>
-      <p:sp>
-        <p:nvSpPr>
-          <p:cNvPr id="66" name="Textfeld 65">
-            <a:extLst>
-              <a:ext uri="{FF2B5EF4-FFF2-40B4-BE49-F238E27FC236}">
-                <a16:creationId xmlns:a16="http://schemas.microsoft.com/office/drawing/2014/main" id="{74A0C1E6-4CEF-4939-B100-C6B355EF2D59}"/>
-              </a:ext>
-            </a:extLst>
-          </p:cNvPr>
-          <p:cNvSpPr txBox="1"/>
-          <p:nvPr/>
-        </p:nvSpPr>
-        <p:spPr>
-          <a:xfrm>
-            <a:off x="1066527" y="6485554"/>
-            <a:ext cx="2340635" cy="338554"/>
-          </a:xfrm>
-          <a:prstGeom prst="rect">
-            <a:avLst/>
-          </a:prstGeom>
-          <a:noFill/>
-        </p:spPr>
-        <p:txBody>
-          <a:bodyPr wrap="square" rtlCol="0">
-            <a:spAutoFit/>
-          </a:bodyPr>
-          <a:lstStyle/>
-          <a:p>
-            <a:r>
-              <a:rPr lang="en-GB" sz="1600" b="1" dirty="0">
-                <a:latin typeface="Segoe UI Light" panose="020B0502040204020203" pitchFamily="34" charset="0"/>
-                <a:cs typeface="Segoe UI Light" panose="020B0502040204020203" pitchFamily="34" charset="0"/>
-              </a:rPr>
-              <a:t>Data Pre-processing</a:t>
-            </a:r>
-          </a:p>
-        </p:txBody>
-      </p:sp>
-      <p:sp>
-        <p:nvSpPr>
-          <p:cNvPr id="70" name="Textfeld 69">
-            <a:extLst>
-              <a:ext uri="{FF2B5EF4-FFF2-40B4-BE49-F238E27FC236}">
-                <a16:creationId xmlns:a16="http://schemas.microsoft.com/office/drawing/2014/main" id="{C09A3853-3912-444D-89AD-A9B50E597ED4}"/>
-              </a:ext>
-            </a:extLst>
-          </p:cNvPr>
-          <p:cNvSpPr txBox="1"/>
-          <p:nvPr/>
-        </p:nvSpPr>
-        <p:spPr>
-          <a:xfrm>
-            <a:off x="5588181" y="4319717"/>
-            <a:ext cx="2188927" cy="2554545"/>
-          </a:xfrm>
-          <a:prstGeom prst="rect">
-            <a:avLst/>
-          </a:prstGeom>
-          <a:noFill/>
-        </p:spPr>
-        <p:txBody>
-          <a:bodyPr wrap="square" rtlCol="0">
-            <a:spAutoFit/>
-          </a:bodyPr>
-          <a:lstStyle/>
-          <a:p>
-            <a:r>
-              <a:rPr lang="en-GB" sz="1600" b="1" dirty="0">
-                <a:latin typeface="Segoe UI Light" panose="020B0502040204020203" pitchFamily="34" charset="0"/>
-                <a:cs typeface="Segoe UI Light" panose="020B0502040204020203" pitchFamily="34" charset="0"/>
-              </a:rPr>
-              <a:t>World Happiness Rank</a:t>
-            </a:r>
-          </a:p>
-          <a:p>
-            <a:endParaRPr lang="en-GB" sz="1000" b="1" dirty="0">
-              <a:latin typeface="Segoe UI Light" panose="020B0502040204020203" pitchFamily="34" charset="0"/>
-              <a:cs typeface="Segoe UI Light" panose="020B0502040204020203" pitchFamily="34" charset="0"/>
-            </a:endParaRPr>
-          </a:p>
-          <a:p>
-            <a:r>
-              <a:rPr lang="en-GB" sz="1400" dirty="0">
-                <a:latin typeface="Segoe UI Light" panose="020B0502040204020203" pitchFamily="34" charset="0"/>
-                <a:cs typeface="Segoe UI Light" panose="020B0502040204020203" pitchFamily="34" charset="0"/>
-              </a:rPr>
-              <a:t>      Switzerland</a:t>
-            </a:r>
-          </a:p>
-          <a:p>
-            <a:r>
-              <a:rPr lang="en-GB" sz="1400" dirty="0">
-                <a:latin typeface="Segoe UI Light" panose="020B0502040204020203" pitchFamily="34" charset="0"/>
-                <a:cs typeface="Segoe UI Light" panose="020B0502040204020203" pitchFamily="34" charset="0"/>
-              </a:rPr>
-              <a:t>      Iceland</a:t>
-            </a:r>
-          </a:p>
-          <a:p>
-            <a:r>
-              <a:rPr lang="en-GB" sz="1400" dirty="0">
-                <a:latin typeface="Segoe UI Light" panose="020B0502040204020203" pitchFamily="34" charset="0"/>
-                <a:cs typeface="Segoe UI Light" panose="020B0502040204020203" pitchFamily="34" charset="0"/>
-              </a:rPr>
-              <a:t>      Denmark</a:t>
-            </a:r>
-          </a:p>
-          <a:p>
-            <a:r>
-              <a:rPr lang="en-GB" sz="1400" dirty="0">
-                <a:latin typeface="Segoe UI Light" panose="020B0502040204020203" pitchFamily="34" charset="0"/>
-                <a:cs typeface="Segoe UI Light" panose="020B0502040204020203" pitchFamily="34" charset="0"/>
-              </a:rPr>
-              <a:t>      …</a:t>
-            </a:r>
-          </a:p>
-          <a:p>
-            <a:r>
-              <a:rPr lang="en-GB" sz="1400" dirty="0">
-                <a:latin typeface="Segoe UI Light" panose="020B0502040204020203" pitchFamily="34" charset="0"/>
-                <a:cs typeface="Segoe UI Light" panose="020B0502040204020203" pitchFamily="34" charset="0"/>
-              </a:rPr>
-              <a:t>      Benin</a:t>
-            </a:r>
-          </a:p>
-          <a:p>
-            <a:r>
-              <a:rPr lang="en-GB" sz="1400" dirty="0">
-                <a:latin typeface="Segoe UI Light" panose="020B0502040204020203" pitchFamily="34" charset="0"/>
-                <a:cs typeface="Segoe UI Light" panose="020B0502040204020203" pitchFamily="34" charset="0"/>
-              </a:rPr>
-              <a:t>      Syria</a:t>
-            </a:r>
-          </a:p>
-          <a:p>
-            <a:r>
-              <a:rPr lang="en-GB" sz="1400" dirty="0">
-                <a:latin typeface="Segoe UI Light" panose="020B0502040204020203" pitchFamily="34" charset="0"/>
-                <a:cs typeface="Segoe UI Light" panose="020B0502040204020203" pitchFamily="34" charset="0"/>
-              </a:rPr>
-              <a:t>      Togo</a:t>
-            </a:r>
-          </a:p>
-          <a:p>
-            <a:endParaRPr lang="en-GB" dirty="0">
-              <a:latin typeface="Segoe UI Light" panose="020B0502040204020203" pitchFamily="34" charset="0"/>
-              <a:cs typeface="Segoe UI Light" panose="020B0502040204020203" pitchFamily="34" charset="0"/>
-            </a:endParaRPr>
-          </a:p>
-          <a:p>
-            <a:endParaRPr lang="en-GB" b="1" dirty="0">
-              <a:latin typeface="Segoe UI Light" panose="020B0502040204020203" pitchFamily="34" charset="0"/>
-              <a:cs typeface="Segoe UI Light" panose="020B0502040204020203" pitchFamily="34" charset="0"/>
-            </a:endParaRPr>
-          </a:p>
-        </p:txBody>
-      </p:sp>
-      <p:sp>
-        <p:nvSpPr>
-          <p:cNvPr id="71" name="Textfeld 70">
-            <a:extLst>
-              <a:ext uri="{FF2B5EF4-FFF2-40B4-BE49-F238E27FC236}">
-                <a16:creationId xmlns:a16="http://schemas.microsoft.com/office/drawing/2014/main" id="{85096C5C-A0D7-4B11-9DB7-9B2C9650AB29}"/>
-              </a:ext>
-            </a:extLst>
-          </p:cNvPr>
-          <p:cNvSpPr txBox="1"/>
-          <p:nvPr/>
-        </p:nvSpPr>
-        <p:spPr>
-          <a:xfrm>
-            <a:off x="6966916" y="4709637"/>
-            <a:ext cx="7541967" cy="1384995"/>
-          </a:xfrm>
-          <a:prstGeom prst="rect">
-            <a:avLst/>
-          </a:prstGeom>
-          <a:noFill/>
-        </p:spPr>
-        <p:txBody>
-          <a:bodyPr wrap="square" rtlCol="0">
-            <a:spAutoFit/>
-          </a:bodyPr>
-          <a:lstStyle/>
-          <a:p>
-            <a:pPr algn="just"/>
-            <a:r>
-              <a:rPr lang="en-GB" sz="1400" dirty="0">
-                <a:latin typeface="Segoe UI Light" panose="020B0502040204020203" pitchFamily="34" charset="0"/>
-                <a:cs typeface="Segoe UI Light" panose="020B0502040204020203" pitchFamily="34" charset="0"/>
-              </a:rPr>
-              <a:t>The worlds happiest countries are Switzerland, Iceland and Denmark. The variables that are the most contributing to this result is high quality of Family Life, Health Life Expectancy and Freedom. The least happy countries are Benin, Syria and Togo. The variables indicating their happiness are Economy, Family and Automotive Mortality. </a:t>
-            </a:r>
-          </a:p>
-          <a:p>
-            <a:pPr algn="just"/>
-            <a:r>
-              <a:rPr lang="en-GB" sz="1400" dirty="0">
-                <a:latin typeface="Segoe UI Light" panose="020B0502040204020203" pitchFamily="34" charset="0"/>
-                <a:cs typeface="Segoe UI Light" panose="020B0502040204020203" pitchFamily="34" charset="0"/>
-              </a:rPr>
-              <a:t>In general the people living in the countries of Western Europe and America tend to be happier than the people living in Africa and Asia.</a:t>
-            </a:r>
-            <a:endParaRPr lang="en-GB" b="1" dirty="0">
-              <a:latin typeface="Segoe UI Light" panose="020B0502040204020203" pitchFamily="34" charset="0"/>
-              <a:cs typeface="Segoe UI Light" panose="020B0502040204020203" pitchFamily="34" charset="0"/>
-            </a:endParaRPr>
+              <a:t>Education</a:t>
+            </a:r>
           </a:p>
         </p:txBody>
       </p:sp>
       <p:pic>
         <p:nvPicPr>
-          <p:cNvPr id="74" name="Grafik 73">
+          <p:cNvPr id="50" name="Grafik 49">
             <a:extLst>
               <a:ext uri="{FF2B5EF4-FFF2-40B4-BE49-F238E27FC236}">
-                <a16:creationId xmlns:a16="http://schemas.microsoft.com/office/drawing/2014/main" id="{2C75AF1F-5CEB-4A39-859B-B770DC653AC9}"/>
+                <a16:creationId xmlns:a16="http://schemas.microsoft.com/office/drawing/2014/main" id="{23D114B9-EC65-4094-B439-75EFDD11F9A9}"/>
               </a:ext>
             </a:extLst>
           </p:cNvPr>
@@ -5329,20 +4985,59 @@
         </p:blipFill>
         <p:spPr>
           <a:xfrm>
-            <a:off x="5722173" y="4778826"/>
-            <a:ext cx="162000" cy="162000"/>
+            <a:off x="3525736" y="5504700"/>
+            <a:ext cx="468000" cy="468000"/>
           </a:xfrm>
           <a:prstGeom prst="rect">
             <a:avLst/>
           </a:prstGeom>
         </p:spPr>
       </p:pic>
+      <p:sp>
+        <p:nvSpPr>
+          <p:cNvPr id="51" name="Textfeld 50">
+            <a:extLst>
+              <a:ext uri="{FF2B5EF4-FFF2-40B4-BE49-F238E27FC236}">
+                <a16:creationId xmlns:a16="http://schemas.microsoft.com/office/drawing/2014/main" id="{56668B34-3AA5-4AC1-B6D0-9B49068216B6}"/>
+              </a:ext>
+            </a:extLst>
+          </p:cNvPr>
+          <p:cNvSpPr txBox="1"/>
+          <p:nvPr/>
+        </p:nvSpPr>
+        <p:spPr>
+          <a:xfrm>
+            <a:off x="3231762" y="5939555"/>
+            <a:ext cx="1047500" cy="307777"/>
+          </a:xfrm>
+          <a:prstGeom prst="rect">
+            <a:avLst/>
+          </a:prstGeom>
+          <a:noFill/>
+        </p:spPr>
+        <p:txBody>
+          <a:bodyPr wrap="square" rtlCol="0">
+            <a:spAutoFit/>
+          </a:bodyPr>
+          <a:lstStyle/>
+          <a:p>
+            <a:pPr algn="ctr"/>
+            <a:r>
+              <a:rPr lang="en-GB" sz="1400" dirty="0">
+                <a:latin typeface="Segoe UI Light" panose="020B0502040204020203" pitchFamily="34" charset="0"/>
+                <a:cs typeface="Segoe UI Light" panose="020B0502040204020203" pitchFamily="34" charset="0"/>
+              </a:rPr>
+              <a:t>Economy</a:t>
+            </a:r>
+          </a:p>
+        </p:txBody>
+      </p:sp>
       <p:pic>
         <p:nvPicPr>
-          <p:cNvPr id="77" name="Grafik 76">
+          <p:cNvPr id="53" name="Grafik 52">
             <a:extLst>
               <a:ext uri="{FF2B5EF4-FFF2-40B4-BE49-F238E27FC236}">
-                <a16:creationId xmlns:a16="http://schemas.microsoft.com/office/drawing/2014/main" id="{712A983A-EA50-4904-9A6C-F5AB858A94F4}"/>
+                <a16:creationId xmlns:a16="http://schemas.microsoft.com/office/drawing/2014/main" id="{F4A92F58-5F70-4B6C-9BB7-82E8818B7E85}"/>
               </a:ext>
             </a:extLst>
           </p:cNvPr>
@@ -5365,20 +5060,301 @@
         </p:blipFill>
         <p:spPr>
           <a:xfrm>
-            <a:off x="5722173" y="5002319"/>
-            <a:ext cx="162000" cy="162000"/>
+            <a:off x="4570095" y="5504700"/>
+            <a:ext cx="468000" cy="468000"/>
           </a:xfrm>
           <a:prstGeom prst="rect">
             <a:avLst/>
           </a:prstGeom>
         </p:spPr>
       </p:pic>
+      <p:sp>
+        <p:nvSpPr>
+          <p:cNvPr id="54" name="Textfeld 53">
+            <a:extLst>
+              <a:ext uri="{FF2B5EF4-FFF2-40B4-BE49-F238E27FC236}">
+                <a16:creationId xmlns:a16="http://schemas.microsoft.com/office/drawing/2014/main" id="{11181380-77BB-4FDF-AB5D-6ED36AFEE862}"/>
+              </a:ext>
+            </a:extLst>
+          </p:cNvPr>
+          <p:cNvSpPr txBox="1"/>
+          <p:nvPr/>
+        </p:nvSpPr>
+        <p:spPr>
+          <a:xfrm>
+            <a:off x="4320972" y="5947403"/>
+            <a:ext cx="965368" cy="307777"/>
+          </a:xfrm>
+          <a:prstGeom prst="rect">
+            <a:avLst/>
+          </a:prstGeom>
+          <a:noFill/>
+        </p:spPr>
+        <p:txBody>
+          <a:bodyPr wrap="square" rtlCol="0">
+            <a:spAutoFit/>
+          </a:bodyPr>
+          <a:lstStyle/>
+          <a:p>
+            <a:pPr algn="ctr"/>
+            <a:r>
+              <a:rPr lang="en-GB" sz="1400" dirty="0">
+                <a:latin typeface="Segoe UI Light" panose="020B0502040204020203" pitchFamily="34" charset="0"/>
+                <a:cs typeface="Segoe UI Light" panose="020B0502040204020203" pitchFamily="34" charset="0"/>
+              </a:rPr>
+              <a:t>Politics</a:t>
+            </a:r>
+          </a:p>
+        </p:txBody>
+      </p:sp>
+      <p:sp>
+        <p:nvSpPr>
+          <p:cNvPr id="55" name="Textfeld 54">
+            <a:extLst>
+              <a:ext uri="{FF2B5EF4-FFF2-40B4-BE49-F238E27FC236}">
+                <a16:creationId xmlns:a16="http://schemas.microsoft.com/office/drawing/2014/main" id="{FD7864BE-EC92-4B34-981D-BDD811868612}"/>
+              </a:ext>
+            </a:extLst>
+          </p:cNvPr>
+          <p:cNvSpPr txBox="1"/>
+          <p:nvPr/>
+        </p:nvSpPr>
+        <p:spPr>
+          <a:xfrm>
+            <a:off x="1092314" y="4225933"/>
+            <a:ext cx="1170101" cy="338554"/>
+          </a:xfrm>
+          <a:prstGeom prst="rect">
+            <a:avLst/>
+          </a:prstGeom>
+          <a:noFill/>
+        </p:spPr>
+        <p:txBody>
+          <a:bodyPr wrap="square" rtlCol="0">
+            <a:spAutoFit/>
+          </a:bodyPr>
+          <a:lstStyle/>
+          <a:p>
+            <a:r>
+              <a:rPr lang="en-GB" sz="1600" b="1" dirty="0">
+                <a:latin typeface="Segoe UI Light" panose="020B0502040204020203" pitchFamily="34" charset="0"/>
+                <a:cs typeface="Segoe UI Light" panose="020B0502040204020203" pitchFamily="34" charset="0"/>
+              </a:rPr>
+              <a:t>Variables</a:t>
+            </a:r>
+            <a:endParaRPr lang="en-GB" b="1" dirty="0">
+              <a:latin typeface="Segoe UI Light" panose="020B0502040204020203" pitchFamily="34" charset="0"/>
+              <a:cs typeface="Segoe UI Light" panose="020B0502040204020203" pitchFamily="34" charset="0"/>
+            </a:endParaRPr>
+          </a:p>
+        </p:txBody>
+      </p:sp>
+      <p:sp>
+        <p:nvSpPr>
+          <p:cNvPr id="66" name="Textfeld 65">
+            <a:extLst>
+              <a:ext uri="{FF2B5EF4-FFF2-40B4-BE49-F238E27FC236}">
+                <a16:creationId xmlns:a16="http://schemas.microsoft.com/office/drawing/2014/main" id="{74A0C1E6-4CEF-4939-B100-C6B355EF2D59}"/>
+              </a:ext>
+            </a:extLst>
+          </p:cNvPr>
+          <p:cNvSpPr txBox="1"/>
+          <p:nvPr/>
+        </p:nvSpPr>
+        <p:spPr>
+          <a:xfrm>
+            <a:off x="1069751" y="6391770"/>
+            <a:ext cx="2340635" cy="338554"/>
+          </a:xfrm>
+          <a:prstGeom prst="rect">
+            <a:avLst/>
+          </a:prstGeom>
+          <a:noFill/>
+        </p:spPr>
+        <p:txBody>
+          <a:bodyPr wrap="square" rtlCol="0">
+            <a:spAutoFit/>
+          </a:bodyPr>
+          <a:lstStyle/>
+          <a:p>
+            <a:r>
+              <a:rPr lang="en-GB" sz="1600" b="1" dirty="0">
+                <a:latin typeface="Segoe UI Light" panose="020B0502040204020203" pitchFamily="34" charset="0"/>
+                <a:cs typeface="Segoe UI Light" panose="020B0502040204020203" pitchFamily="34" charset="0"/>
+              </a:rPr>
+              <a:t>Data Pre-processing</a:t>
+            </a:r>
+          </a:p>
+        </p:txBody>
+      </p:sp>
+      <p:sp>
+        <p:nvSpPr>
+          <p:cNvPr id="70" name="Textfeld 69">
+            <a:extLst>
+              <a:ext uri="{FF2B5EF4-FFF2-40B4-BE49-F238E27FC236}">
+                <a16:creationId xmlns:a16="http://schemas.microsoft.com/office/drawing/2014/main" id="{C09A3853-3912-444D-89AD-A9B50E597ED4}"/>
+              </a:ext>
+            </a:extLst>
+          </p:cNvPr>
+          <p:cNvSpPr txBox="1"/>
+          <p:nvPr/>
+        </p:nvSpPr>
+        <p:spPr>
+          <a:xfrm>
+            <a:off x="5515205" y="4225933"/>
+            <a:ext cx="2188927" cy="2554545"/>
+          </a:xfrm>
+          <a:prstGeom prst="rect">
+            <a:avLst/>
+          </a:prstGeom>
+          <a:noFill/>
+        </p:spPr>
+        <p:txBody>
+          <a:bodyPr wrap="square" rtlCol="0">
+            <a:spAutoFit/>
+          </a:bodyPr>
+          <a:lstStyle/>
+          <a:p>
+            <a:r>
+              <a:rPr lang="en-GB" sz="1600" b="1" dirty="0">
+                <a:latin typeface="Segoe UI Light" panose="020B0502040204020203" pitchFamily="34" charset="0"/>
+                <a:cs typeface="Segoe UI Light" panose="020B0502040204020203" pitchFamily="34" charset="0"/>
+              </a:rPr>
+              <a:t>World Happiness Rank</a:t>
+            </a:r>
+          </a:p>
+          <a:p>
+            <a:endParaRPr lang="en-GB" sz="1000" b="1" dirty="0">
+              <a:latin typeface="Segoe UI Light" panose="020B0502040204020203" pitchFamily="34" charset="0"/>
+              <a:cs typeface="Segoe UI Light" panose="020B0502040204020203" pitchFamily="34" charset="0"/>
+            </a:endParaRPr>
+          </a:p>
+          <a:p>
+            <a:r>
+              <a:rPr lang="en-GB" sz="1400" dirty="0">
+                <a:latin typeface="Segoe UI Light" panose="020B0502040204020203" pitchFamily="34" charset="0"/>
+                <a:cs typeface="Segoe UI Light" panose="020B0502040204020203" pitchFamily="34" charset="0"/>
+              </a:rPr>
+              <a:t>      Switzerland</a:t>
+            </a:r>
+          </a:p>
+          <a:p>
+            <a:r>
+              <a:rPr lang="en-GB" sz="1400" dirty="0">
+                <a:latin typeface="Segoe UI Light" panose="020B0502040204020203" pitchFamily="34" charset="0"/>
+                <a:cs typeface="Segoe UI Light" panose="020B0502040204020203" pitchFamily="34" charset="0"/>
+              </a:rPr>
+              <a:t>      Iceland</a:t>
+            </a:r>
+          </a:p>
+          <a:p>
+            <a:r>
+              <a:rPr lang="en-GB" sz="1400" dirty="0">
+                <a:latin typeface="Segoe UI Light" panose="020B0502040204020203" pitchFamily="34" charset="0"/>
+                <a:cs typeface="Segoe UI Light" panose="020B0502040204020203" pitchFamily="34" charset="0"/>
+              </a:rPr>
+              <a:t>      Denmark</a:t>
+            </a:r>
+          </a:p>
+          <a:p>
+            <a:r>
+              <a:rPr lang="en-GB" sz="1400" dirty="0">
+                <a:latin typeface="Segoe UI Light" panose="020B0502040204020203" pitchFamily="34" charset="0"/>
+                <a:cs typeface="Segoe UI Light" panose="020B0502040204020203" pitchFamily="34" charset="0"/>
+              </a:rPr>
+              <a:t>      …</a:t>
+            </a:r>
+          </a:p>
+          <a:p>
+            <a:r>
+              <a:rPr lang="en-GB" sz="1400" dirty="0">
+                <a:latin typeface="Segoe UI Light" panose="020B0502040204020203" pitchFamily="34" charset="0"/>
+                <a:cs typeface="Segoe UI Light" panose="020B0502040204020203" pitchFamily="34" charset="0"/>
+              </a:rPr>
+              <a:t>      Benin</a:t>
+            </a:r>
+          </a:p>
+          <a:p>
+            <a:r>
+              <a:rPr lang="en-GB" sz="1400" dirty="0">
+                <a:latin typeface="Segoe UI Light" panose="020B0502040204020203" pitchFamily="34" charset="0"/>
+                <a:cs typeface="Segoe UI Light" panose="020B0502040204020203" pitchFamily="34" charset="0"/>
+              </a:rPr>
+              <a:t>      Syria</a:t>
+            </a:r>
+          </a:p>
+          <a:p>
+            <a:r>
+              <a:rPr lang="en-GB" sz="1400" dirty="0">
+                <a:latin typeface="Segoe UI Light" panose="020B0502040204020203" pitchFamily="34" charset="0"/>
+                <a:cs typeface="Segoe UI Light" panose="020B0502040204020203" pitchFamily="34" charset="0"/>
+              </a:rPr>
+              <a:t>      Togo</a:t>
+            </a:r>
+          </a:p>
+          <a:p>
+            <a:endParaRPr lang="en-GB" dirty="0">
+              <a:latin typeface="Segoe UI Light" panose="020B0502040204020203" pitchFamily="34" charset="0"/>
+              <a:cs typeface="Segoe UI Light" panose="020B0502040204020203" pitchFamily="34" charset="0"/>
+            </a:endParaRPr>
+          </a:p>
+          <a:p>
+            <a:endParaRPr lang="en-GB" b="1" dirty="0">
+              <a:latin typeface="Segoe UI Light" panose="020B0502040204020203" pitchFamily="34" charset="0"/>
+              <a:cs typeface="Segoe UI Light" panose="020B0502040204020203" pitchFamily="34" charset="0"/>
+            </a:endParaRPr>
+          </a:p>
+        </p:txBody>
+      </p:sp>
+      <p:sp>
+        <p:nvSpPr>
+          <p:cNvPr id="71" name="Textfeld 70">
+            <a:extLst>
+              <a:ext uri="{FF2B5EF4-FFF2-40B4-BE49-F238E27FC236}">
+                <a16:creationId xmlns:a16="http://schemas.microsoft.com/office/drawing/2014/main" id="{85096C5C-A0D7-4B11-9DB7-9B2C9650AB29}"/>
+              </a:ext>
+            </a:extLst>
+          </p:cNvPr>
+          <p:cNvSpPr txBox="1"/>
+          <p:nvPr/>
+        </p:nvSpPr>
+        <p:spPr>
+          <a:xfrm>
+            <a:off x="6893940" y="4615853"/>
+            <a:ext cx="7541967" cy="1600438"/>
+          </a:xfrm>
+          <a:prstGeom prst="rect">
+            <a:avLst/>
+          </a:prstGeom>
+          <a:noFill/>
+        </p:spPr>
+        <p:txBody>
+          <a:bodyPr wrap="square" rtlCol="0">
+            <a:spAutoFit/>
+          </a:bodyPr>
+          <a:lstStyle/>
+          <a:p>
+            <a:pPr algn="just"/>
+            <a:r>
+              <a:rPr lang="en-GB" sz="1400" dirty="0">
+                <a:latin typeface="Segoe UI Light" panose="020B0502040204020203" pitchFamily="34" charset="0"/>
+                <a:cs typeface="Segoe UI Light" panose="020B0502040204020203" pitchFamily="34" charset="0"/>
+              </a:rPr>
+              <a:t>The worlds happiest countries are represented by Switzerland, Iceland and Denmark (Western Europe), whereas the least happy countries are Benin, Syria and Togo (Asia and Africa). In general, people living in the countries of Western Europe, Australia and North America tend to be happier than the people living in Eastern Europe, Africa and Asia. Portugal was ranked as number 84 out of 132, which results in being one of the least happy countries in Europe. This ranking is based on a Happiness Score that is conducted by a poll survey. People from all around the world were asked to evaluate their life on a scale from 0 to 10. </a:t>
+            </a:r>
+            <a:endParaRPr lang="en-GB" dirty="0">
+              <a:latin typeface="Segoe UI Light" panose="020B0502040204020203" pitchFamily="34" charset="0"/>
+              <a:cs typeface="Segoe UI Light" panose="020B0502040204020203" pitchFamily="34" charset="0"/>
+            </a:endParaRPr>
+          </a:p>
+        </p:txBody>
+      </p:sp>
       <p:pic>
         <p:nvPicPr>
-          <p:cNvPr id="80" name="Grafik 79">
+          <p:cNvPr id="74" name="Grafik 73">
             <a:extLst>
               <a:ext uri="{FF2B5EF4-FFF2-40B4-BE49-F238E27FC236}">
-                <a16:creationId xmlns:a16="http://schemas.microsoft.com/office/drawing/2014/main" id="{A401FFFC-38C8-42FA-96D7-BDFCC1007BA9}"/>
+                <a16:creationId xmlns:a16="http://schemas.microsoft.com/office/drawing/2014/main" id="{2C75AF1F-5CEB-4A39-859B-B770DC653AC9}"/>
               </a:ext>
             </a:extLst>
           </p:cNvPr>
@@ -5401,7 +5377,7 @@
         </p:blipFill>
         <p:spPr>
           <a:xfrm>
-            <a:off x="5716260" y="5220395"/>
+            <a:off x="5649197" y="4685042"/>
             <a:ext cx="162000" cy="162000"/>
           </a:xfrm>
           <a:prstGeom prst="rect">
@@ -5411,10 +5387,10 @@
       </p:pic>
       <p:pic>
         <p:nvPicPr>
-          <p:cNvPr id="83" name="Grafik 82">
+          <p:cNvPr id="77" name="Grafik 76">
             <a:extLst>
               <a:ext uri="{FF2B5EF4-FFF2-40B4-BE49-F238E27FC236}">
-                <a16:creationId xmlns:a16="http://schemas.microsoft.com/office/drawing/2014/main" id="{C16A84EF-0560-407B-9026-DBD1E542C061}"/>
+                <a16:creationId xmlns:a16="http://schemas.microsoft.com/office/drawing/2014/main" id="{712A983A-EA50-4904-9A6C-F5AB858A94F4}"/>
               </a:ext>
             </a:extLst>
           </p:cNvPr>
@@ -5437,7 +5413,7 @@
         </p:blipFill>
         <p:spPr>
           <a:xfrm>
-            <a:off x="5714308" y="6083974"/>
+            <a:off x="5649197" y="4908535"/>
             <a:ext cx="162000" cy="162000"/>
           </a:xfrm>
           <a:prstGeom prst="rect">
@@ -5445,6 +5421,78 @@
           </a:prstGeom>
         </p:spPr>
       </p:pic>
+      <p:pic>
+        <p:nvPicPr>
+          <p:cNvPr id="80" name="Grafik 79">
+            <a:extLst>
+              <a:ext uri="{FF2B5EF4-FFF2-40B4-BE49-F238E27FC236}">
+                <a16:creationId xmlns:a16="http://schemas.microsoft.com/office/drawing/2014/main" id="{A401FFFC-38C8-42FA-96D7-BDFCC1007BA9}"/>
+              </a:ext>
+            </a:extLst>
+          </p:cNvPr>
+          <p:cNvPicPr>
+            <a:picLocks noChangeAspect="1"/>
+          </p:cNvPicPr>
+          <p:nvPr/>
+        </p:nvPicPr>
+        <p:blipFill>
+          <a:blip r:embed="rId22">
+            <a:extLst>
+              <a:ext uri="{28A0092B-C50C-407E-A947-70E740481C1C}">
+                <a14:useLocalDpi xmlns:a14="http://schemas.microsoft.com/office/drawing/2010/main" val="0"/>
+              </a:ext>
+            </a:extLst>
+          </a:blip>
+          <a:stretch>
+            <a:fillRect/>
+          </a:stretch>
+        </p:blipFill>
+        <p:spPr>
+          <a:xfrm>
+            <a:off x="5643284" y="5126611"/>
+            <a:ext cx="162000" cy="162000"/>
+          </a:xfrm>
+          <a:prstGeom prst="rect">
+            <a:avLst/>
+          </a:prstGeom>
+        </p:spPr>
+      </p:pic>
+      <p:pic>
+        <p:nvPicPr>
+          <p:cNvPr id="83" name="Grafik 82">
+            <a:extLst>
+              <a:ext uri="{FF2B5EF4-FFF2-40B4-BE49-F238E27FC236}">
+                <a16:creationId xmlns:a16="http://schemas.microsoft.com/office/drawing/2014/main" id="{C16A84EF-0560-407B-9026-DBD1E542C061}"/>
+              </a:ext>
+            </a:extLst>
+          </p:cNvPr>
+          <p:cNvPicPr>
+            <a:picLocks noChangeAspect="1"/>
+          </p:cNvPicPr>
+          <p:nvPr/>
+        </p:nvPicPr>
+        <p:blipFill>
+          <a:blip r:embed="rId23">
+            <a:extLst>
+              <a:ext uri="{28A0092B-C50C-407E-A947-70E740481C1C}">
+                <a14:useLocalDpi xmlns:a14="http://schemas.microsoft.com/office/drawing/2010/main" val="0"/>
+              </a:ext>
+            </a:extLst>
+          </a:blip>
+          <a:stretch>
+            <a:fillRect/>
+          </a:stretch>
+        </p:blipFill>
+        <p:spPr>
+          <a:xfrm>
+            <a:off x="5641332" y="5990190"/>
+            <a:ext cx="162000" cy="162000"/>
+          </a:xfrm>
+          <a:prstGeom prst="rect">
+            <a:avLst/>
+          </a:prstGeom>
+        </p:spPr>
+      </p:pic>
       <p:sp>
         <p:nvSpPr>
           <p:cNvPr id="86" name="Textfeld 85">
@@ -5459,8 +5507,8 @@
         </p:nvSpPr>
         <p:spPr>
           <a:xfrm>
-            <a:off x="24054340" y="5893354"/>
-            <a:ext cx="5187322" cy="954107"/>
+            <a:off x="24027732" y="5671554"/>
+            <a:ext cx="5245138" cy="954107"/>
           </a:xfrm>
           <a:prstGeom prst="rect">
             <a:avLst/>
@@ -5479,7 +5527,7 @@
                 <a:latin typeface="Segoe UI Light" panose="020B0502040204020203" pitchFamily="34" charset="0"/>
                 <a:cs typeface="Segoe UI Light" panose="020B0502040204020203" pitchFamily="34" charset="0"/>
               </a:rPr>
-              <a:t>The results of FA show how the assignment of the variables to the dimensions changed. After rotating the PC’s, the second and the third dimensions explains more variance. Furthermore, the Loadings are more clear in terms of interpretation.</a:t>
+              <a:t>The results of FA show how the assignment of the variables to the components changes. After rotating the PC’s, the second and the third dimensions explain more variance and the loadings become more clear in terms of interpretation.</a:t>
             </a:r>
             <a:endParaRPr lang="en-GB" b="1" dirty="0">
               <a:latin typeface="Segoe UI Light" panose="020B0502040204020203" pitchFamily="34" charset="0"/>
@@ -5502,8 +5550,8 @@
         </p:nvSpPr>
         <p:spPr>
           <a:xfrm>
-            <a:off x="720436" y="1949326"/>
-            <a:ext cx="14013831" cy="9217437"/>
+            <a:off x="754140" y="1855542"/>
+            <a:ext cx="13940444" cy="9217437"/>
           </a:xfrm>
           <a:prstGeom prst="roundRect">
             <a:avLst/>
@@ -5549,7 +5597,7 @@
         </p:nvSpPr>
         <p:spPr>
           <a:xfrm>
-            <a:off x="1287545" y="1747815"/>
+            <a:off x="1321249" y="1654031"/>
             <a:ext cx="3672000" cy="828000"/>
           </a:xfrm>
           <a:prstGeom prst="roundRect">
@@ -5590,12 +5638,209 @@
           </a:p>
         </p:txBody>
       </p:sp>
+      <p:sp>
+        <p:nvSpPr>
+          <p:cNvPr id="78" name="Textfeld 77">
+            <a:extLst>
+              <a:ext uri="{FF2B5EF4-FFF2-40B4-BE49-F238E27FC236}">
+                <a16:creationId xmlns:a16="http://schemas.microsoft.com/office/drawing/2014/main" id="{01AAE052-7ACB-4B91-9469-813CA409F9EF}"/>
+              </a:ext>
+            </a:extLst>
+          </p:cNvPr>
+          <p:cNvSpPr txBox="1"/>
+          <p:nvPr/>
+        </p:nvSpPr>
+        <p:spPr>
+          <a:xfrm>
+            <a:off x="15259849" y="6019936"/>
+            <a:ext cx="5512190" cy="954107"/>
+          </a:xfrm>
+          <a:prstGeom prst="rect">
+            <a:avLst/>
+          </a:prstGeom>
+          <a:noFill/>
+        </p:spPr>
+        <p:txBody>
+          <a:bodyPr wrap="square" rtlCol="0">
+            <a:spAutoFit/>
+          </a:bodyPr>
+          <a:lstStyle/>
+          <a:p>
+            <a:pPr algn="just"/>
+            <a:r>
+              <a:rPr lang="fr-BE" sz="1400" dirty="0">
+                <a:latin typeface="Segoe UI Light" panose="020B0502040204020203" pitchFamily="34" charset="0"/>
+                <a:cs typeface="Segoe UI Light" panose="020B0502040204020203" pitchFamily="34" charset="0"/>
+              </a:rPr>
+              <a:t>The </a:t>
+            </a:r>
+            <a:r>
+              <a:rPr lang="en-GB" sz="1400" dirty="0">
+                <a:latin typeface="Segoe UI Light" panose="020B0502040204020203" pitchFamily="34" charset="0"/>
+                <a:cs typeface="Segoe UI Light" panose="020B0502040204020203" pitchFamily="34" charset="0"/>
+              </a:rPr>
+              <a:t>below</a:t>
+            </a:r>
+            <a:r>
+              <a:rPr lang="fr-BE" sz="1400" dirty="0">
+                <a:latin typeface="Segoe UI Light" panose="020B0502040204020203" pitchFamily="34" charset="0"/>
+                <a:cs typeface="Segoe UI Light" panose="020B0502040204020203" pitchFamily="34" charset="0"/>
+              </a:rPr>
+              <a:t> </a:t>
+            </a:r>
+            <a:r>
+              <a:rPr lang="en-GB" sz="1400" dirty="0">
+                <a:latin typeface="Segoe UI Light" panose="020B0502040204020203" pitchFamily="34" charset="0"/>
+                <a:cs typeface="Segoe UI Light" panose="020B0502040204020203" pitchFamily="34" charset="0"/>
+              </a:rPr>
+              <a:t>presented</a:t>
+            </a:r>
+            <a:r>
+              <a:rPr lang="fr-BE" sz="1400" dirty="0">
+                <a:latin typeface="Segoe UI Light" panose="020B0502040204020203" pitchFamily="34" charset="0"/>
+                <a:cs typeface="Segoe UI Light" panose="020B0502040204020203" pitchFamily="34" charset="0"/>
+              </a:rPr>
+              <a:t> </a:t>
+            </a:r>
+            <a:r>
+              <a:rPr lang="en-GB" sz="1400" dirty="0">
+                <a:latin typeface="Segoe UI Light" panose="020B0502040204020203" pitchFamily="34" charset="0"/>
+                <a:cs typeface="Segoe UI Light" panose="020B0502040204020203" pitchFamily="34" charset="0"/>
+              </a:rPr>
+              <a:t>results</a:t>
+            </a:r>
+            <a:r>
+              <a:rPr lang="fr-BE" sz="1400" dirty="0">
+                <a:latin typeface="Segoe UI Light" panose="020B0502040204020203" pitchFamily="34" charset="0"/>
+                <a:cs typeface="Segoe UI Light" panose="020B0502040204020203" pitchFamily="34" charset="0"/>
+              </a:rPr>
+              <a:t> of PCA show the </a:t>
+            </a:r>
+            <a:r>
+              <a:rPr lang="en-GB" sz="1400" dirty="0">
+                <a:latin typeface="Segoe UI Light" panose="020B0502040204020203" pitchFamily="34" charset="0"/>
+                <a:cs typeface="Segoe UI Light" panose="020B0502040204020203" pitchFamily="34" charset="0"/>
+              </a:rPr>
+              <a:t>quality</a:t>
+            </a:r>
+            <a:r>
+              <a:rPr lang="fr-BE" sz="1400" dirty="0">
+                <a:latin typeface="Segoe UI Light" panose="020B0502040204020203" pitchFamily="34" charset="0"/>
+                <a:cs typeface="Segoe UI Light" panose="020B0502040204020203" pitchFamily="34" charset="0"/>
+              </a:rPr>
+              <a:t> of </a:t>
+            </a:r>
+            <a:r>
+              <a:rPr lang="en-GB" sz="1400" dirty="0">
+                <a:latin typeface="Segoe UI Light" panose="020B0502040204020203" pitchFamily="34" charset="0"/>
+                <a:cs typeface="Segoe UI Light" panose="020B0502040204020203" pitchFamily="34" charset="0"/>
+              </a:rPr>
+              <a:t>representation</a:t>
+            </a:r>
+            <a:r>
+              <a:rPr lang="fr-BE" sz="1400" dirty="0">
+                <a:latin typeface="Segoe UI Light" panose="020B0502040204020203" pitchFamily="34" charset="0"/>
+                <a:cs typeface="Segoe UI Light" panose="020B0502040204020203" pitchFamily="34" charset="0"/>
+              </a:rPr>
+              <a:t> (cos2) of the countries and variables on PC1 and PC2. </a:t>
+            </a:r>
+            <a:r>
+              <a:rPr lang="en-GB" sz="1400" dirty="0">
+                <a:latin typeface="Segoe UI Light" panose="020B0502040204020203" pitchFamily="34" charset="0"/>
+                <a:cs typeface="Segoe UI Light" panose="020B0502040204020203" pitchFamily="34" charset="0"/>
+              </a:rPr>
+              <a:t>Finally, this dimensionality reduction has a clustering impact on Happiness Score of countries. This trend starts from left middle to upper right of the Biplot. </a:t>
+            </a:r>
+            <a:endParaRPr lang="fr-BE" sz="1400" dirty="0">
+              <a:latin typeface="Segoe UI Light" panose="020B0502040204020203" pitchFamily="34" charset="0"/>
+              <a:cs typeface="Segoe UI Light" panose="020B0502040204020203" pitchFamily="34" charset="0"/>
+            </a:endParaRPr>
+          </a:p>
+        </p:txBody>
+      </p:sp>
+      <p:sp>
+        <p:nvSpPr>
+          <p:cNvPr id="81" name="Textfeld 80">
+            <a:extLst>
+              <a:ext uri="{FF2B5EF4-FFF2-40B4-BE49-F238E27FC236}">
+                <a16:creationId xmlns:a16="http://schemas.microsoft.com/office/drawing/2014/main" id="{A9600A04-A50C-4B1C-ACF6-8A3C8FB22A35}"/>
+              </a:ext>
+            </a:extLst>
+          </p:cNvPr>
+          <p:cNvSpPr txBox="1"/>
+          <p:nvPr/>
+        </p:nvSpPr>
+        <p:spPr>
+          <a:xfrm>
+            <a:off x="15259849" y="5724031"/>
+            <a:ext cx="4469599" cy="307777"/>
+          </a:xfrm>
+          <a:prstGeom prst="rect">
+            <a:avLst/>
+          </a:prstGeom>
+          <a:noFill/>
+        </p:spPr>
+        <p:txBody>
+          <a:bodyPr wrap="square" rtlCol="0">
+            <a:spAutoFit/>
+          </a:bodyPr>
+          <a:lstStyle/>
+          <a:p>
+            <a:r>
+              <a:rPr lang="en-GB" sz="1400" b="1" dirty="0">
+                <a:latin typeface="Segoe UI Light" panose="020B0502040204020203" pitchFamily="34" charset="0"/>
+                <a:cs typeface="Segoe UI Light" panose="020B0502040204020203" pitchFamily="34" charset="0"/>
+              </a:rPr>
+              <a:t>PCA Interpretation</a:t>
+            </a:r>
+          </a:p>
+        </p:txBody>
+      </p:sp>
+      <p:sp>
+        <p:nvSpPr>
+          <p:cNvPr id="52" name="Textfeld 51">
+            <a:extLst>
+              <a:ext uri="{FF2B5EF4-FFF2-40B4-BE49-F238E27FC236}">
+                <a16:creationId xmlns:a16="http://schemas.microsoft.com/office/drawing/2014/main" id="{B84592CF-F25C-4FED-870B-E7E24FA58AEA}"/>
+              </a:ext>
+            </a:extLst>
+          </p:cNvPr>
+          <p:cNvSpPr txBox="1"/>
+          <p:nvPr/>
+        </p:nvSpPr>
+        <p:spPr>
+          <a:xfrm>
+            <a:off x="11945740" y="17990085"/>
+            <a:ext cx="5926976" cy="1384995"/>
+          </a:xfrm>
+          <a:prstGeom prst="rect">
+            <a:avLst/>
+          </a:prstGeom>
+          <a:noFill/>
+        </p:spPr>
+        <p:txBody>
+          <a:bodyPr wrap="square" rtlCol="0">
+            <a:spAutoFit/>
+          </a:bodyPr>
+          <a:lstStyle/>
+          <a:p>
+            <a:pPr algn="just"/>
+            <a:r>
+              <a:rPr lang="en-GB" sz="1400" dirty="0">
+                <a:latin typeface="Segoe UI Light" panose="020B0502040204020203" pitchFamily="34" charset="0"/>
+                <a:cs typeface="Segoe UI Light" panose="020B0502040204020203" pitchFamily="34" charset="0"/>
+              </a:rPr>
+              <a:t>Performing Recursive Feature Elimination (RFE) to obtain Variable Importance provides a ranking of the variables. It shows their level of explanation in regard to the target variable Happiness Score. The first 4 variables predict happiness with R² = 70%. One can conclude, that the higher the GDP, Internet Usage, Electricity Access and Health Life Expectancy, the happier the people living in a country.</a:t>
+            </a:r>
+          </a:p>
+        </p:txBody>
+      </p:sp>
       <p:pic>
         <p:nvPicPr>
-          <p:cNvPr id="41" name="Grafik 40">
+          <p:cNvPr id="57" name="Grafik 56">
             <a:extLst>
               <a:ext uri="{FF2B5EF4-FFF2-40B4-BE49-F238E27FC236}">
-                <a16:creationId xmlns:a16="http://schemas.microsoft.com/office/drawing/2014/main" id="{08E8AFA2-A2F7-41CD-AA6A-0414E5BC2DE4}"/>
+                <a16:creationId xmlns:a16="http://schemas.microsoft.com/office/drawing/2014/main" id="{40CB14E3-7617-4268-A302-C88AFD35C55A}"/>
               </a:ext>
             </a:extLst>
           </p:cNvPr>
@@ -5604,21 +5849,22 @@
           </p:cNvPicPr>
           <p:nvPr/>
         </p:nvPicPr>
-        <p:blipFill rotWithShape="1">
-          <a:blip r:embed="rId22">
+        <p:blipFill>
+          <a:blip r:embed="rId24">
             <a:extLst>
               <a:ext uri="{28A0092B-C50C-407E-A947-70E740481C1C}">
                 <a14:useLocalDpi xmlns:a14="http://schemas.microsoft.com/office/drawing/2010/main" val="0"/>
               </a:ext>
             </a:extLst>
           </a:blip>
-          <a:srcRect t="5254" r="36709"/>
-          <a:stretch/>
+          <a:stretch>
+            <a:fillRect/>
+          </a:stretch>
         </p:blipFill>
         <p:spPr>
           <a:xfrm>
-            <a:off x="25964218" y="2563203"/>
-            <a:ext cx="3159739" cy="3057466"/>
+            <a:off x="28701675" y="19989281"/>
+            <a:ext cx="606508" cy="606508"/>
           </a:xfrm>
           <a:prstGeom prst="rect">
             <a:avLst/>
@@ -5627,10 +5873,10 @@
       </p:pic>
       <p:sp>
         <p:nvSpPr>
-          <p:cNvPr id="78" name="Textfeld 77">
+          <p:cNvPr id="88" name="Textfeld 87">
             <a:extLst>
               <a:ext uri="{FF2B5EF4-FFF2-40B4-BE49-F238E27FC236}">
-                <a16:creationId xmlns:a16="http://schemas.microsoft.com/office/drawing/2014/main" id="{01AAE052-7ACB-4B91-9469-813CA409F9EF}"/>
+                <a16:creationId xmlns:a16="http://schemas.microsoft.com/office/drawing/2014/main" id="{4A738AE2-9073-40EB-A42B-84727F69259C}"/>
               </a:ext>
             </a:extLst>
           </p:cNvPr>
@@ -5639,8 +5885,8 @@
         </p:nvSpPr>
         <p:spPr>
           <a:xfrm>
-            <a:off x="15110686" y="6006505"/>
-            <a:ext cx="4950976" cy="1169551"/>
+            <a:off x="18607992" y="12474665"/>
+            <a:ext cx="4849486" cy="338554"/>
           </a:xfrm>
           <a:prstGeom prst="rect">
             <a:avLst/>
@@ -5653,86 +5899,22 @@
           </a:bodyPr>
           <a:lstStyle/>
           <a:p>
-            <a:pPr algn="just"/>
-            <a:r>
-              <a:rPr lang="fr-BE" sz="1400" dirty="0">
-                <a:latin typeface="Segoe UI Light" panose="020B0502040204020203" pitchFamily="34" charset="0"/>
-                <a:cs typeface="Segoe UI Light" panose="020B0502040204020203" pitchFamily="34" charset="0"/>
-              </a:rPr>
-              <a:t>The </a:t>
-            </a:r>
-            <a:r>
-              <a:rPr lang="fr-BE" sz="1400" dirty="0" err="1">
-                <a:latin typeface="Segoe UI Light" panose="020B0502040204020203" pitchFamily="34" charset="0"/>
-                <a:cs typeface="Segoe UI Light" panose="020B0502040204020203" pitchFamily="34" charset="0"/>
-              </a:rPr>
-              <a:t>results</a:t>
-            </a:r>
-            <a:r>
-              <a:rPr lang="fr-BE" sz="1400" dirty="0">
-                <a:latin typeface="Segoe UI Light" panose="020B0502040204020203" pitchFamily="34" charset="0"/>
-                <a:cs typeface="Segoe UI Light" panose="020B0502040204020203" pitchFamily="34" charset="0"/>
-              </a:rPr>
-              <a:t> of PCA show the </a:t>
-            </a:r>
-            <a:r>
-              <a:rPr lang="fr-BE" sz="1400" dirty="0" err="1">
-                <a:latin typeface="Segoe UI Light" panose="020B0502040204020203" pitchFamily="34" charset="0"/>
-                <a:cs typeface="Segoe UI Light" panose="020B0502040204020203" pitchFamily="34" charset="0"/>
-              </a:rPr>
-              <a:t>quality</a:t>
-            </a:r>
-            <a:r>
-              <a:rPr lang="fr-BE" sz="1400" dirty="0">
-                <a:latin typeface="Segoe UI Light" panose="020B0502040204020203" pitchFamily="34" charset="0"/>
-                <a:cs typeface="Segoe UI Light" panose="020B0502040204020203" pitchFamily="34" charset="0"/>
-              </a:rPr>
-              <a:t> of </a:t>
-            </a:r>
-            <a:r>
-              <a:rPr lang="fr-BE" sz="1400" dirty="0" err="1">
-                <a:latin typeface="Segoe UI Light" panose="020B0502040204020203" pitchFamily="34" charset="0"/>
-                <a:cs typeface="Segoe UI Light" panose="020B0502040204020203" pitchFamily="34" charset="0"/>
-              </a:rPr>
-              <a:t>representation</a:t>
-            </a:r>
-            <a:r>
-              <a:rPr lang="fr-BE" sz="1400" dirty="0">
-                <a:latin typeface="Segoe UI Light" panose="020B0502040204020203" pitchFamily="34" charset="0"/>
-                <a:cs typeface="Segoe UI Light" panose="020B0502040204020203" pitchFamily="34" charset="0"/>
-              </a:rPr>
-              <a:t> (cos2) of the countries and variables on PC1 and PC2. </a:t>
-            </a:r>
-          </a:p>
-          <a:p>
-            <a:pPr algn="just"/>
-            <a:r>
-              <a:rPr lang="fr-BE" sz="1400" dirty="0">
-                <a:latin typeface="Segoe UI Light" panose="020B0502040204020203" pitchFamily="34" charset="0"/>
-                <a:cs typeface="Segoe UI Light" panose="020B0502040204020203" pitchFamily="34" charset="0"/>
-              </a:rPr>
-              <a:t> </a:t>
-            </a:r>
-            <a:r>
-              <a:rPr lang="en-GB" sz="1400" dirty="0">
-                <a:latin typeface="Segoe UI Light" panose="020B0502040204020203" pitchFamily="34" charset="0"/>
-                <a:cs typeface="Segoe UI Light" panose="020B0502040204020203" pitchFamily="34" charset="0"/>
-              </a:rPr>
-              <a:t>Finally, this dimensionality reduction has a clustering impact on Happiness Score of countries. This trend starts from left middle to upper right of the biplot. </a:t>
-            </a:r>
-            <a:endParaRPr lang="fr-BE" sz="1400" dirty="0">
-              <a:latin typeface="Segoe UI Light" panose="020B0502040204020203" pitchFamily="34" charset="0"/>
-              <a:cs typeface="Segoe UI Light" panose="020B0502040204020203" pitchFamily="34" charset="0"/>
-            </a:endParaRPr>
-          </a:p>
-        </p:txBody>
-      </p:sp>
-      <p:sp>
-        <p:nvSpPr>
-          <p:cNvPr id="81" name="Textfeld 80">
+            <a:r>
+              <a:rPr lang="en-GB" sz="1600" b="1" dirty="0">
+                <a:latin typeface="Segoe UI Light" panose="020B0502040204020203" pitchFamily="34" charset="0"/>
+                <a:cs typeface="Segoe UI Light" panose="020B0502040204020203" pitchFamily="34" charset="0"/>
+              </a:rPr>
+              <a:t>Simple Linear Regression with 1 Principal Component</a:t>
+            </a:r>
+          </a:p>
+        </p:txBody>
+      </p:sp>
+      <p:sp>
+        <p:nvSpPr>
+          <p:cNvPr id="95" name="Textfeld 94">
             <a:extLst>
               <a:ext uri="{FF2B5EF4-FFF2-40B4-BE49-F238E27FC236}">
-                <a16:creationId xmlns:a16="http://schemas.microsoft.com/office/drawing/2014/main" id="{A9600A04-A50C-4B1C-ACF6-8A3C8FB22A35}"/>
+                <a16:creationId xmlns:a16="http://schemas.microsoft.com/office/drawing/2014/main" id="{D3BCF549-CC0C-445D-ABD8-B69B09AF603F}"/>
               </a:ext>
             </a:extLst>
           </p:cNvPr>
@@ -5741,8 +5923,8 @@
         </p:nvSpPr>
         <p:spPr>
           <a:xfrm>
-            <a:off x="15250798" y="5602600"/>
-            <a:ext cx="4469599" cy="338554"/>
+            <a:off x="24860646" y="12664616"/>
+            <a:ext cx="4409590" cy="5401479"/>
           </a:xfrm>
           <a:prstGeom prst="rect">
             <a:avLst/>
@@ -5755,74 +5937,60 @@
           </a:bodyPr>
           <a:lstStyle/>
           <a:p>
-            <a:r>
-              <a:rPr lang="en-GB" sz="1600" b="1" dirty="0">
-                <a:latin typeface="Segoe UI Light" panose="020B0502040204020203" pitchFamily="34" charset="0"/>
-                <a:cs typeface="Segoe UI Light" panose="020B0502040204020203" pitchFamily="34" charset="0"/>
-              </a:rPr>
-              <a:t>PCA Interpretation</a:t>
-            </a:r>
-          </a:p>
-        </p:txBody>
-      </p:sp>
-      <p:sp>
-        <p:nvSpPr>
-          <p:cNvPr id="52" name="Textfeld 51">
-            <a:extLst>
-              <a:ext uri="{FF2B5EF4-FFF2-40B4-BE49-F238E27FC236}">
-                <a16:creationId xmlns:a16="http://schemas.microsoft.com/office/drawing/2014/main" id="{B84592CF-F25C-4FED-870B-E7E24FA58AEA}"/>
-              </a:ext>
-            </a:extLst>
-          </p:cNvPr>
-          <p:cNvSpPr txBox="1"/>
-          <p:nvPr/>
-        </p:nvSpPr>
-        <p:spPr>
-          <a:xfrm>
-            <a:off x="11587082" y="18057708"/>
-            <a:ext cx="5244410" cy="2462213"/>
-          </a:xfrm>
-          <a:prstGeom prst="rect">
-            <a:avLst/>
-          </a:prstGeom>
-          <a:noFill/>
-        </p:spPr>
-        <p:txBody>
-          <a:bodyPr wrap="square" rtlCol="0">
-            <a:spAutoFit/>
-          </a:bodyPr>
-          <a:lstStyle/>
-          <a:p>
+            <a:pPr algn="just">
+              <a:spcBef>
+                <a:spcPts val="600"/>
+              </a:spcBef>
+            </a:pPr>
             <a:r>
               <a:rPr lang="en-GB" sz="1400" dirty="0">
                 <a:latin typeface="Segoe UI Light" panose="020B0502040204020203" pitchFamily="34" charset="0"/>
                 <a:cs typeface="Segoe UI Light" panose="020B0502040204020203" pitchFamily="34" charset="0"/>
               </a:rPr>
-              <a:t>Variables that predict happiness: (R² = 78% ~ 3 PC) </a:t>
-            </a:r>
-            <a:r>
-              <a:rPr lang="en-GB" sz="1400" dirty="0">
-                <a:latin typeface="Segoe UI Light" panose="020B0502040204020203" pitchFamily="34" charset="0"/>
-                <a:cs typeface="Segoe UI Light" panose="020B0502040204020203" pitchFamily="34" charset="0"/>
-                <a:sym typeface="Wingdings" panose="05000000000000000000" pitchFamily="2" charset="2"/>
-              </a:rPr>
-              <a:t> Variable Importance </a:t>
-            </a:r>
-            <a:r>
-              <a:rPr lang="en-GB" sz="1400" dirty="0" err="1">
-                <a:latin typeface="Segoe UI Light" panose="020B0502040204020203" pitchFamily="34" charset="0"/>
-                <a:cs typeface="Segoe UI Light" panose="020B0502040204020203" pitchFamily="34" charset="0"/>
-                <a:sym typeface="Wingdings" panose="05000000000000000000" pitchFamily="2" charset="2"/>
-              </a:rPr>
-              <a:t>grpah</a:t>
-            </a:r>
+              <a:t>United Nations assigns a Happiness Scoring to countries:</a:t>
+            </a:r>
+          </a:p>
+          <a:p>
+            <a:pPr algn="just">
+              <a:spcBef>
+                <a:spcPts val="600"/>
+              </a:spcBef>
+            </a:pPr>
             <a:endParaRPr lang="en-GB" sz="1400" dirty="0">
               <a:latin typeface="Segoe UI Light" panose="020B0502040204020203" pitchFamily="34" charset="0"/>
               <a:cs typeface="Segoe UI Light" panose="020B0502040204020203" pitchFamily="34" charset="0"/>
             </a:endParaRPr>
           </a:p>
           <a:p>
-            <a:pPr marL="285750" indent="-285750">
+            <a:pPr algn="just">
+              <a:spcBef>
+                <a:spcPts val="600"/>
+              </a:spcBef>
+            </a:pPr>
+            <a:r>
+              <a:rPr lang="en-GB" sz="1400" dirty="0">
+                <a:latin typeface="Segoe UI Light" panose="020B0502040204020203" pitchFamily="34" charset="0"/>
+                <a:cs typeface="Segoe UI Light" panose="020B0502040204020203" pitchFamily="34" charset="0"/>
+              </a:rPr>
+              <a:t>Factors related to this “Happiness Score” given:</a:t>
+            </a:r>
+          </a:p>
+          <a:p>
+            <a:pPr algn="just">
+              <a:spcBef>
+                <a:spcPts val="600"/>
+              </a:spcBef>
+            </a:pPr>
+            <a:endParaRPr lang="en-GB" sz="1400" dirty="0">
+              <a:latin typeface="Segoe UI Light" panose="020B0502040204020203" pitchFamily="34" charset="0"/>
+              <a:cs typeface="Segoe UI Light" panose="020B0502040204020203" pitchFamily="34" charset="0"/>
+            </a:endParaRPr>
+          </a:p>
+          <a:p>
+            <a:pPr marL="285750" indent="-285750" algn="just">
+              <a:spcBef>
+                <a:spcPts val="600"/>
+              </a:spcBef>
               <a:buFontTx/>
               <a:buChar char="-"/>
             </a:pPr>
@@ -5831,11 +5999,14 @@
                 <a:latin typeface="Segoe UI Light" panose="020B0502040204020203" pitchFamily="34" charset="0"/>
                 <a:cs typeface="Segoe UI Light" panose="020B0502040204020203" pitchFamily="34" charset="0"/>
               </a:rPr>
-              <a:t>Economy GDP per Capita</a:t>
-            </a:r>
-          </a:p>
-          <a:p>
-            <a:pPr marL="285750" indent="-285750">
+              <a:t>Variables such as Economy, Health and Infrastructure do have a considerable higher impact on this Happiness than variables like Suicide, Population Size and Compulsory Education</a:t>
+            </a:r>
+          </a:p>
+          <a:p>
+            <a:pPr marL="285750" indent="-285750" algn="just">
+              <a:spcBef>
+                <a:spcPts val="600"/>
+              </a:spcBef>
               <a:buFontTx/>
               <a:buChar char="-"/>
             </a:pPr>
@@ -5844,50 +6015,14 @@
                 <a:latin typeface="Segoe UI Light" panose="020B0502040204020203" pitchFamily="34" charset="0"/>
                 <a:cs typeface="Segoe UI Light" panose="020B0502040204020203" pitchFamily="34" charset="0"/>
               </a:rPr>
-              <a:t>Family</a:t>
-            </a:r>
-          </a:p>
-          <a:p>
-            <a:pPr marL="285750" indent="-285750">
-              <a:buFontTx/>
-              <a:buChar char="-"/>
-            </a:pPr>
-            <a:r>
-              <a:rPr lang="en-GB" sz="1400" dirty="0">
-                <a:latin typeface="Segoe UI Light" panose="020B0502040204020203" pitchFamily="34" charset="0"/>
-                <a:cs typeface="Segoe UI Light" panose="020B0502040204020203" pitchFamily="34" charset="0"/>
-              </a:rPr>
-              <a:t>Freedom</a:t>
-            </a:r>
-          </a:p>
-          <a:p>
-            <a:pPr marL="285750" indent="-285750">
-              <a:buFontTx/>
-              <a:buChar char="-"/>
-            </a:pPr>
-            <a:r>
-              <a:rPr lang="en-GB" sz="1400" dirty="0">
-                <a:latin typeface="Segoe UI Light" panose="020B0502040204020203" pitchFamily="34" charset="0"/>
-                <a:cs typeface="Segoe UI Light" panose="020B0502040204020203" pitchFamily="34" charset="0"/>
-              </a:rPr>
-              <a:t>Internet Usage Index</a:t>
-            </a:r>
-          </a:p>
-          <a:p>
-            <a:pPr marL="285750" indent="-285750">
-              <a:buFontTx/>
-              <a:buChar char="-"/>
-            </a:pPr>
-            <a:r>
-              <a:rPr lang="en-GB" sz="1400" dirty="0">
-                <a:latin typeface="Segoe UI Light" panose="020B0502040204020203" pitchFamily="34" charset="0"/>
-                <a:cs typeface="Segoe UI Light" panose="020B0502040204020203" pitchFamily="34" charset="0"/>
-              </a:rPr>
-              <a:t>Health Life Expectancy</a:t>
-            </a:r>
-          </a:p>
-          <a:p>
-            <a:pPr marL="285750" indent="-285750">
+              <a:t>Geographical pattern in Happiness around the world</a:t>
+            </a:r>
+          </a:p>
+          <a:p>
+            <a:pPr marL="285750" indent="-285750" algn="just">
+              <a:spcBef>
+                <a:spcPts val="600"/>
+              </a:spcBef>
               <a:buFontTx/>
               <a:buChar char="-"/>
             </a:pPr>
@@ -5897,7 +6032,24 @@
             </a:endParaRPr>
           </a:p>
           <a:p>
-            <a:pPr marL="285750" indent="-285750">
+            <a:pPr algn="just">
+              <a:spcBef>
+                <a:spcPts val="600"/>
+              </a:spcBef>
+            </a:pPr>
+            <a:r>
+              <a:rPr lang="en-GB" sz="1400" dirty="0">
+                <a:latin typeface="Segoe UI Light" panose="020B0502040204020203" pitchFamily="34" charset="0"/>
+                <a:cs typeface="Segoe UI Light" panose="020B0502040204020203" pitchFamily="34" charset="0"/>
+              </a:rPr>
+              <a:t>By taking into account the linear combination of a set of variables, we can enhance interpretability:</a:t>
+            </a:r>
+          </a:p>
+          <a:p>
+            <a:pPr marL="285750" indent="-285750" algn="just">
+              <a:spcBef>
+                <a:spcPts val="600"/>
+              </a:spcBef>
               <a:buFontTx/>
               <a:buChar char="-"/>
             </a:pPr>
@@ -5907,70 +6059,301 @@
             </a:endParaRPr>
           </a:p>
           <a:p>
+            <a:pPr marL="285750" indent="-285750" algn="just">
+              <a:spcBef>
+                <a:spcPts val="600"/>
+              </a:spcBef>
+              <a:buFontTx/>
+              <a:buChar char="-"/>
+            </a:pPr>
             <a:r>
               <a:rPr lang="en-GB" sz="1400" dirty="0">
                 <a:latin typeface="Segoe UI Light" panose="020B0502040204020203" pitchFamily="34" charset="0"/>
                 <a:cs typeface="Segoe UI Light" panose="020B0502040204020203" pitchFamily="34" charset="0"/>
               </a:rPr>
-              <a:t>Variables explain low, mid, high with </a:t>
-            </a:r>
-            <a:r>
-              <a:rPr lang="en-GB" sz="1400" dirty="0" err="1">
-                <a:latin typeface="Segoe UI Light" panose="020B0502040204020203" pitchFamily="34" charset="0"/>
-                <a:cs typeface="Segoe UI Light" panose="020B0502040204020203" pitchFamily="34" charset="0"/>
-              </a:rPr>
-              <a:t>corrmatrix</a:t>
-            </a:r>
+              <a:t>Visual inspection of components to derive trends and clusters</a:t>
+            </a:r>
+          </a:p>
+          <a:p>
+            <a:pPr marL="285750" indent="-285750" algn="just">
+              <a:spcBef>
+                <a:spcPts val="600"/>
+              </a:spcBef>
+              <a:buFontTx/>
+              <a:buChar char="-"/>
+            </a:pPr>
             <a:r>
               <a:rPr lang="en-GB" sz="1400" dirty="0">
                 <a:latin typeface="Segoe UI Light" panose="020B0502040204020203" pitchFamily="34" charset="0"/>
                 <a:cs typeface="Segoe UI Light" panose="020B0502040204020203" pitchFamily="34" charset="0"/>
               </a:rPr>
-              <a:t> as </a:t>
-            </a:r>
-            <a:r>
-              <a:rPr lang="en-GB" sz="1400" dirty="0" err="1">
-                <a:latin typeface="Segoe UI Light" panose="020B0502040204020203" pitchFamily="34" charset="0"/>
-                <a:cs typeface="Segoe UI Light" panose="020B0502040204020203" pitchFamily="34" charset="0"/>
-              </a:rPr>
-              <a:t>interpretion</a:t>
-            </a:r>
+              <a:t>Predictive model proves its efficiency on Happiness</a:t>
+            </a:r>
+          </a:p>
+          <a:p>
+            <a:pPr algn="just">
+              <a:spcBef>
+                <a:spcPts val="600"/>
+              </a:spcBef>
+            </a:pPr>
             <a:endParaRPr lang="en-GB" sz="1400" dirty="0">
               <a:latin typeface="Segoe UI Light" panose="020B0502040204020203" pitchFamily="34" charset="0"/>
               <a:cs typeface="Segoe UI Light" panose="020B0502040204020203" pitchFamily="34" charset="0"/>
             </a:endParaRPr>
           </a:p>
           <a:p>
+            <a:pPr algn="just">
+              <a:spcBef>
+                <a:spcPts val="600"/>
+              </a:spcBef>
+            </a:pPr>
+            <a:endParaRPr lang="en-GB" sz="1400" dirty="0">
+              <a:latin typeface="Segoe UI Light" panose="020B0502040204020203" pitchFamily="34" charset="0"/>
+              <a:cs typeface="Segoe UI Light" panose="020B0502040204020203" pitchFamily="34" charset="0"/>
+            </a:endParaRPr>
+          </a:p>
+          <a:p>
+            <a:pPr algn="just">
+              <a:spcBef>
+                <a:spcPts val="600"/>
+              </a:spcBef>
+            </a:pPr>
             <a:r>
               <a:rPr lang="en-GB" sz="1400" dirty="0">
                 <a:latin typeface="Segoe UI Light" panose="020B0502040204020203" pitchFamily="34" charset="0"/>
                 <a:cs typeface="Segoe UI Light" panose="020B0502040204020203" pitchFamily="34" charset="0"/>
               </a:rPr>
-              <a:t>Interpret </a:t>
-            </a:r>
-            <a:r>
-              <a:rPr lang="en-GB" sz="1400" dirty="0" err="1">
-                <a:latin typeface="Segoe UI Light" panose="020B0502040204020203" pitchFamily="34" charset="0"/>
-                <a:cs typeface="Segoe UI Light" panose="020B0502040204020203" pitchFamily="34" charset="0"/>
-              </a:rPr>
-              <a:t>corr</a:t>
-            </a:r>
-            <a:r>
-              <a:rPr lang="en-GB" sz="1400" dirty="0">
-                <a:latin typeface="Segoe UI Light" panose="020B0502040204020203" pitchFamily="34" charset="0"/>
-                <a:cs typeface="Segoe UI Light" panose="020B0502040204020203" pitchFamily="34" charset="0"/>
-              </a:rPr>
-              <a:t> matrix</a:t>
+              <a:t>But… In the end, happiness is something you can not measure accurately. </a:t>
             </a:r>
           </a:p>
         </p:txBody>
       </p:sp>
       <p:pic>
         <p:nvPicPr>
-          <p:cNvPr id="57" name="Grafik 56">
+          <p:cNvPr id="9" name="Grafik 8">
             <a:extLst>
               <a:ext uri="{FF2B5EF4-FFF2-40B4-BE49-F238E27FC236}">
-                <a16:creationId xmlns:a16="http://schemas.microsoft.com/office/drawing/2014/main" id="{40CB14E3-7617-4268-A302-C88AFD35C55A}"/>
+                <a16:creationId xmlns:a16="http://schemas.microsoft.com/office/drawing/2014/main" id="{E81CE317-DF19-468E-B1AC-E56979EE6C98}"/>
+              </a:ext>
+            </a:extLst>
+          </p:cNvPr>
+          <p:cNvPicPr>
+            <a:picLocks noChangeAspect="1"/>
+          </p:cNvPicPr>
+          <p:nvPr/>
+        </p:nvPicPr>
+        <p:blipFill>
+          <a:blip r:embed="rId25">
+            <a:extLst>
+              <a:ext uri="{28A0092B-C50C-407E-A947-70E740481C1C}">
+                <a14:useLocalDpi xmlns:a14="http://schemas.microsoft.com/office/drawing/2010/main" val="0"/>
+              </a:ext>
+            </a:extLst>
+          </a:blip>
+          <a:stretch>
+            <a:fillRect/>
+          </a:stretch>
+        </p:blipFill>
+        <p:spPr>
+          <a:xfrm>
+            <a:off x="1394503" y="6825273"/>
+            <a:ext cx="3268574" cy="2071340"/>
+          </a:xfrm>
+          <a:prstGeom prst="rect">
+            <a:avLst/>
+          </a:prstGeom>
+        </p:spPr>
+      </p:pic>
+      <p:sp>
+        <p:nvSpPr>
+          <p:cNvPr id="94" name="Textfeld 93">
+            <a:extLst>
+              <a:ext uri="{FF2B5EF4-FFF2-40B4-BE49-F238E27FC236}">
+                <a16:creationId xmlns:a16="http://schemas.microsoft.com/office/drawing/2014/main" id="{CE4CDDBD-9899-4627-86E4-93F458BF63DC}"/>
+              </a:ext>
+            </a:extLst>
+          </p:cNvPr>
+          <p:cNvSpPr txBox="1"/>
+          <p:nvPr/>
+        </p:nvSpPr>
+        <p:spPr>
+          <a:xfrm>
+            <a:off x="1069751" y="6791600"/>
+            <a:ext cx="3968344" cy="307777"/>
+          </a:xfrm>
+          <a:prstGeom prst="rect">
+            <a:avLst/>
+          </a:prstGeom>
+          <a:noFill/>
+        </p:spPr>
+        <p:txBody>
+          <a:bodyPr wrap="square" rtlCol="0">
+            <a:spAutoFit/>
+          </a:bodyPr>
+          <a:lstStyle/>
+          <a:p>
+            <a:r>
+              <a:rPr lang="en-GB" sz="1400" dirty="0">
+                <a:latin typeface="Segoe UI Light" panose="020B0502040204020203" pitchFamily="34" charset="0"/>
+                <a:cs typeface="Segoe UI Light" panose="020B0502040204020203" pitchFamily="34" charset="0"/>
+              </a:rPr>
+              <a:t>Q-Q Plot – Assessment of multivariate normality</a:t>
+            </a:r>
+          </a:p>
+        </p:txBody>
+      </p:sp>
+      <p:sp>
+        <p:nvSpPr>
+          <p:cNvPr id="96" name="Textfeld 95">
+            <a:extLst>
+              <a:ext uri="{FF2B5EF4-FFF2-40B4-BE49-F238E27FC236}">
+                <a16:creationId xmlns:a16="http://schemas.microsoft.com/office/drawing/2014/main" id="{A46978B6-AC43-474A-88B5-7AD2ED3381F1}"/>
+              </a:ext>
+            </a:extLst>
+          </p:cNvPr>
+          <p:cNvSpPr txBox="1"/>
+          <p:nvPr/>
+        </p:nvSpPr>
+        <p:spPr>
+          <a:xfrm>
+            <a:off x="1082351" y="8876585"/>
+            <a:ext cx="3968344" cy="307777"/>
+          </a:xfrm>
+          <a:prstGeom prst="rect">
+            <a:avLst/>
+          </a:prstGeom>
+          <a:noFill/>
+        </p:spPr>
+        <p:txBody>
+          <a:bodyPr wrap="square" rtlCol="0">
+            <a:spAutoFit/>
+          </a:bodyPr>
+          <a:lstStyle/>
+          <a:p>
+            <a:r>
+              <a:rPr lang="en-GB" sz="1400" dirty="0">
+                <a:latin typeface="Segoe UI Light" panose="020B0502040204020203" pitchFamily="34" charset="0"/>
+                <a:cs typeface="Segoe UI Light" panose="020B0502040204020203" pitchFamily="34" charset="0"/>
+              </a:rPr>
+              <a:t>Q-Q Plot – Normalized data</a:t>
+            </a:r>
+          </a:p>
+        </p:txBody>
+      </p:sp>
+      <p:pic>
+        <p:nvPicPr>
+          <p:cNvPr id="73" name="Grafik 72">
+            <a:extLst>
+              <a:ext uri="{FF2B5EF4-FFF2-40B4-BE49-F238E27FC236}">
+                <a16:creationId xmlns:a16="http://schemas.microsoft.com/office/drawing/2014/main" id="{19898755-75B3-4109-AE19-F95FA5991D2F}"/>
+              </a:ext>
+            </a:extLst>
+          </p:cNvPr>
+          <p:cNvPicPr>
+            <a:picLocks noChangeAspect="1"/>
+          </p:cNvPicPr>
+          <p:nvPr/>
+        </p:nvPicPr>
+        <p:blipFill>
+          <a:blip r:embed="rId20">
+            <a:extLst>
+              <a:ext uri="{28A0092B-C50C-407E-A947-70E740481C1C}">
+                <a14:useLocalDpi xmlns:a14="http://schemas.microsoft.com/office/drawing/2010/main" val="0"/>
+              </a:ext>
+            </a:extLst>
+          </a:blip>
+          <a:stretch>
+            <a:fillRect/>
+          </a:stretch>
+        </p:blipFill>
+        <p:spPr>
+          <a:xfrm>
+            <a:off x="8766286" y="7725965"/>
+            <a:ext cx="252000" cy="252000"/>
+          </a:xfrm>
+          <a:prstGeom prst="rect">
+            <a:avLst/>
+          </a:prstGeom>
+        </p:spPr>
+      </p:pic>
+      <p:pic>
+        <p:nvPicPr>
+          <p:cNvPr id="76" name="Grafik 75">
+            <a:extLst>
+              <a:ext uri="{FF2B5EF4-FFF2-40B4-BE49-F238E27FC236}">
+                <a16:creationId xmlns:a16="http://schemas.microsoft.com/office/drawing/2014/main" id="{6EBA92B0-28E5-4F5B-85D9-82F92119E616}"/>
+              </a:ext>
+            </a:extLst>
+          </p:cNvPr>
+          <p:cNvPicPr>
+            <a:picLocks noChangeAspect="1"/>
+          </p:cNvPicPr>
+          <p:nvPr/>
+        </p:nvPicPr>
+        <p:blipFill>
+          <a:blip r:embed="rId21">
+            <a:extLst>
+              <a:ext uri="{28A0092B-C50C-407E-A947-70E740481C1C}">
+                <a14:useLocalDpi xmlns:a14="http://schemas.microsoft.com/office/drawing/2010/main" val="0"/>
+              </a:ext>
+            </a:extLst>
+          </a:blip>
+          <a:stretch>
+            <a:fillRect/>
+          </a:stretch>
+        </p:blipFill>
+        <p:spPr>
+          <a:xfrm>
+            <a:off x="8117523" y="6934994"/>
+            <a:ext cx="252000" cy="252000"/>
+          </a:xfrm>
+          <a:prstGeom prst="rect">
+            <a:avLst/>
+          </a:prstGeom>
+        </p:spPr>
+      </p:pic>
+      <p:pic>
+        <p:nvPicPr>
+          <p:cNvPr id="79" name="Grafik 78">
+            <a:extLst>
+              <a:ext uri="{FF2B5EF4-FFF2-40B4-BE49-F238E27FC236}">
+                <a16:creationId xmlns:a16="http://schemas.microsoft.com/office/drawing/2014/main" id="{71777D5D-D0CE-4308-AAE7-E90F8B800347}"/>
+              </a:ext>
+            </a:extLst>
+          </p:cNvPr>
+          <p:cNvPicPr>
+            <a:picLocks noChangeAspect="1"/>
+          </p:cNvPicPr>
+          <p:nvPr/>
+        </p:nvPicPr>
+        <p:blipFill>
+          <a:blip r:embed="rId22">
+            <a:extLst>
+              <a:ext uri="{28A0092B-C50C-407E-A947-70E740481C1C}">
+                <a14:useLocalDpi xmlns:a14="http://schemas.microsoft.com/office/drawing/2010/main" val="0"/>
+              </a:ext>
+            </a:extLst>
+          </a:blip>
+          <a:stretch>
+            <a:fillRect/>
+          </a:stretch>
+        </p:blipFill>
+        <p:spPr>
+          <a:xfrm>
+            <a:off x="8796481" y="7376944"/>
+            <a:ext cx="252000" cy="252000"/>
+          </a:xfrm>
+          <a:prstGeom prst="rect">
+            <a:avLst/>
+          </a:prstGeom>
+        </p:spPr>
+      </p:pic>
+      <p:pic>
+        <p:nvPicPr>
+          <p:cNvPr id="82" name="Grafik 81">
+            <a:extLst>
+              <a:ext uri="{FF2B5EF4-FFF2-40B4-BE49-F238E27FC236}">
+                <a16:creationId xmlns:a16="http://schemas.microsoft.com/office/drawing/2014/main" id="{3F016134-33DC-4F0E-BC29-B7CCD22EE634}"/>
               </a:ext>
             </a:extLst>
           </p:cNvPr>
@@ -5993,410 +6376,7 @@
         </p:blipFill>
         <p:spPr>
           <a:xfrm>
-            <a:off x="28501534" y="19181484"/>
-            <a:ext cx="1087302" cy="1087302"/>
-          </a:xfrm>
-          <a:prstGeom prst="rect">
-            <a:avLst/>
-          </a:prstGeom>
-        </p:spPr>
-      </p:pic>
-      <p:sp>
-        <p:nvSpPr>
-          <p:cNvPr id="88" name="Textfeld 87">
-            <a:extLst>
-              <a:ext uri="{FF2B5EF4-FFF2-40B4-BE49-F238E27FC236}">
-                <a16:creationId xmlns:a16="http://schemas.microsoft.com/office/drawing/2014/main" id="{4A738AE2-9073-40EB-A42B-84727F69259C}"/>
-              </a:ext>
-            </a:extLst>
-          </p:cNvPr>
-          <p:cNvSpPr txBox="1"/>
-          <p:nvPr/>
-        </p:nvSpPr>
-        <p:spPr>
-          <a:xfrm>
-            <a:off x="17418858" y="12179998"/>
-            <a:ext cx="4469599" cy="584775"/>
-          </a:xfrm>
-          <a:prstGeom prst="rect">
-            <a:avLst/>
-          </a:prstGeom>
-          <a:noFill/>
-        </p:spPr>
-        <p:txBody>
-          <a:bodyPr wrap="square" rtlCol="0">
-            <a:spAutoFit/>
-          </a:bodyPr>
-          <a:lstStyle/>
-          <a:p>
-            <a:r>
-              <a:rPr lang="en-GB" sz="1600" b="1" dirty="0">
-                <a:latin typeface="Segoe UI Light" panose="020B0502040204020203" pitchFamily="34" charset="0"/>
-                <a:cs typeface="Segoe UI Light" panose="020B0502040204020203" pitchFamily="34" charset="0"/>
-              </a:rPr>
-              <a:t>Principal Components</a:t>
-            </a:r>
-          </a:p>
-          <a:p>
-            <a:r>
-              <a:rPr lang="en-GB" sz="1600" dirty="0">
-                <a:latin typeface="Segoe UI Light" panose="020B0502040204020203" pitchFamily="34" charset="0"/>
-                <a:cs typeface="Segoe UI Light" panose="020B0502040204020203" pitchFamily="34" charset="0"/>
-              </a:rPr>
-              <a:t>Simple Linear Regression</a:t>
-            </a:r>
-          </a:p>
-        </p:txBody>
-      </p:sp>
-      <p:sp>
-        <p:nvSpPr>
-          <p:cNvPr id="95" name="Textfeld 94">
-            <a:extLst>
-              <a:ext uri="{FF2B5EF4-FFF2-40B4-BE49-F238E27FC236}">
-                <a16:creationId xmlns:a16="http://schemas.microsoft.com/office/drawing/2014/main" id="{D3BCF549-CC0C-445D-ABD8-B69B09AF603F}"/>
-              </a:ext>
-            </a:extLst>
-          </p:cNvPr>
-          <p:cNvSpPr txBox="1"/>
-          <p:nvPr/>
-        </p:nvSpPr>
-        <p:spPr>
-          <a:xfrm>
-            <a:off x="23644857" y="13153336"/>
-            <a:ext cx="3364784" cy="2123658"/>
-          </a:xfrm>
-          <a:prstGeom prst="rect">
-            <a:avLst/>
-          </a:prstGeom>
-          <a:noFill/>
-        </p:spPr>
-        <p:txBody>
-          <a:bodyPr wrap="square" rtlCol="0">
-            <a:spAutoFit/>
-          </a:bodyPr>
-          <a:lstStyle/>
-          <a:p>
-            <a:r>
-              <a:rPr lang="en-GB" sz="1600" dirty="0">
-                <a:latin typeface="Segoe UI Light" panose="020B0502040204020203" pitchFamily="34" charset="0"/>
-                <a:cs typeface="Segoe UI Light" panose="020B0502040204020203" pitchFamily="34" charset="0"/>
-              </a:rPr>
-              <a:t>But what is “happiness”?</a:t>
-            </a:r>
-          </a:p>
-          <a:p>
-            <a:pPr marL="285750" indent="-285750">
-              <a:buFontTx/>
-              <a:buChar char="-"/>
-            </a:pPr>
-            <a:endParaRPr lang="en-GB" sz="1400" dirty="0">
-              <a:latin typeface="Segoe UI Light" panose="020B0502040204020203" pitchFamily="34" charset="0"/>
-              <a:cs typeface="Segoe UI Light" panose="020B0502040204020203" pitchFamily="34" charset="0"/>
-            </a:endParaRPr>
-          </a:p>
-          <a:p>
-            <a:pPr marL="285750" indent="-285750">
-              <a:buFontTx/>
-              <a:buChar char="-"/>
-            </a:pPr>
-            <a:r>
-              <a:rPr lang="en-GB" sz="1400" dirty="0">
-                <a:latin typeface="Segoe UI Light" panose="020B0502040204020203" pitchFamily="34" charset="0"/>
-                <a:cs typeface="Segoe UI Light" panose="020B0502040204020203" pitchFamily="34" charset="0"/>
-              </a:rPr>
-              <a:t>Explain outcome variables quickly</a:t>
-            </a:r>
-          </a:p>
-          <a:p>
-            <a:pPr marL="285750" indent="-285750">
-              <a:buFontTx/>
-              <a:buChar char="-"/>
-            </a:pPr>
-            <a:r>
-              <a:rPr lang="en-GB" sz="1400" dirty="0">
-                <a:latin typeface="Segoe UI Light" panose="020B0502040204020203" pitchFamily="34" charset="0"/>
-                <a:cs typeface="Segoe UI Light" panose="020B0502040204020203" pitchFamily="34" charset="0"/>
-              </a:rPr>
-              <a:t>Interpretation of happiness (UN Data doesn’t match with term happiness in the world) -&gt; cant measure happiness</a:t>
-            </a:r>
-          </a:p>
-          <a:p>
-            <a:pPr marL="285750" indent="-285750">
-              <a:buFontTx/>
-              <a:buChar char="-"/>
-            </a:pPr>
-            <a:endParaRPr lang="en-GB" sz="1400" dirty="0">
-              <a:latin typeface="Segoe UI Light" panose="020B0502040204020203" pitchFamily="34" charset="0"/>
-              <a:cs typeface="Segoe UI Light" panose="020B0502040204020203" pitchFamily="34" charset="0"/>
-            </a:endParaRPr>
-          </a:p>
-          <a:p>
-            <a:pPr marL="285750" indent="-285750">
-              <a:buFontTx/>
-              <a:buChar char="-"/>
-            </a:pPr>
-            <a:endParaRPr lang="en-GB" sz="1400" dirty="0">
-              <a:latin typeface="Segoe UI Light" panose="020B0502040204020203" pitchFamily="34" charset="0"/>
-              <a:cs typeface="Segoe UI Light" panose="020B0502040204020203" pitchFamily="34" charset="0"/>
-            </a:endParaRPr>
-          </a:p>
-          <a:p>
-            <a:endParaRPr lang="en-GB" b="1" dirty="0">
-              <a:latin typeface="Segoe UI Light" panose="020B0502040204020203" pitchFamily="34" charset="0"/>
-              <a:cs typeface="Segoe UI Light" panose="020B0502040204020203" pitchFamily="34" charset="0"/>
-            </a:endParaRPr>
-          </a:p>
-        </p:txBody>
-      </p:sp>
-      <p:pic>
-        <p:nvPicPr>
-          <p:cNvPr id="9" name="Grafik 8">
-            <a:extLst>
-              <a:ext uri="{FF2B5EF4-FFF2-40B4-BE49-F238E27FC236}">
-                <a16:creationId xmlns:a16="http://schemas.microsoft.com/office/drawing/2014/main" id="{E81CE317-DF19-468E-B1AC-E56979EE6C98}"/>
-              </a:ext>
-            </a:extLst>
-          </p:cNvPr>
-          <p:cNvPicPr>
-            <a:picLocks noChangeAspect="1"/>
-          </p:cNvPicPr>
-          <p:nvPr/>
-        </p:nvPicPr>
-        <p:blipFill>
-          <a:blip r:embed="rId24">
-            <a:extLst>
-              <a:ext uri="{28A0092B-C50C-407E-A947-70E740481C1C}">
-                <a14:useLocalDpi xmlns:a14="http://schemas.microsoft.com/office/drawing/2010/main" val="0"/>
-              </a:ext>
-            </a:extLst>
-          </a:blip>
-          <a:stretch>
-            <a:fillRect/>
-          </a:stretch>
-        </p:blipFill>
-        <p:spPr>
-          <a:xfrm>
-            <a:off x="1391279" y="6919057"/>
-            <a:ext cx="3268574" cy="2071340"/>
-          </a:xfrm>
-          <a:prstGeom prst="rect">
-            <a:avLst/>
-          </a:prstGeom>
-        </p:spPr>
-      </p:pic>
-      <p:sp>
-        <p:nvSpPr>
-          <p:cNvPr id="94" name="Textfeld 93">
-            <a:extLst>
-              <a:ext uri="{FF2B5EF4-FFF2-40B4-BE49-F238E27FC236}">
-                <a16:creationId xmlns:a16="http://schemas.microsoft.com/office/drawing/2014/main" id="{CE4CDDBD-9899-4627-86E4-93F458BF63DC}"/>
-              </a:ext>
-            </a:extLst>
-          </p:cNvPr>
-          <p:cNvSpPr txBox="1"/>
-          <p:nvPr/>
-        </p:nvSpPr>
-        <p:spPr>
-          <a:xfrm>
-            <a:off x="1066527" y="6885384"/>
-            <a:ext cx="3968344" cy="307777"/>
-          </a:xfrm>
-          <a:prstGeom prst="rect">
-            <a:avLst/>
-          </a:prstGeom>
-          <a:noFill/>
-        </p:spPr>
-        <p:txBody>
-          <a:bodyPr wrap="square" rtlCol="0">
-            <a:spAutoFit/>
-          </a:bodyPr>
-          <a:lstStyle/>
-          <a:p>
-            <a:r>
-              <a:rPr lang="en-GB" sz="1400" dirty="0">
-                <a:latin typeface="Segoe UI Light" panose="020B0502040204020203" pitchFamily="34" charset="0"/>
-                <a:cs typeface="Segoe UI Light" panose="020B0502040204020203" pitchFamily="34" charset="0"/>
-              </a:rPr>
-              <a:t>Q-Q Plot – Assessment of multivariate normality</a:t>
-            </a:r>
-          </a:p>
-        </p:txBody>
-      </p:sp>
-      <p:sp>
-        <p:nvSpPr>
-          <p:cNvPr id="96" name="Textfeld 95">
-            <a:extLst>
-              <a:ext uri="{FF2B5EF4-FFF2-40B4-BE49-F238E27FC236}">
-                <a16:creationId xmlns:a16="http://schemas.microsoft.com/office/drawing/2014/main" id="{A46978B6-AC43-474A-88B5-7AD2ED3381F1}"/>
-              </a:ext>
-            </a:extLst>
-          </p:cNvPr>
-          <p:cNvSpPr txBox="1"/>
-          <p:nvPr/>
-        </p:nvSpPr>
-        <p:spPr>
-          <a:xfrm>
-            <a:off x="1090702" y="8970369"/>
-            <a:ext cx="3968344" cy="307777"/>
-          </a:xfrm>
-          <a:prstGeom prst="rect">
-            <a:avLst/>
-          </a:prstGeom>
-          <a:noFill/>
-        </p:spPr>
-        <p:txBody>
-          <a:bodyPr wrap="square" rtlCol="0">
-            <a:spAutoFit/>
-          </a:bodyPr>
-          <a:lstStyle/>
-          <a:p>
-            <a:r>
-              <a:rPr lang="en-GB" sz="1400" dirty="0">
-                <a:latin typeface="Segoe UI Light" panose="020B0502040204020203" pitchFamily="34" charset="0"/>
-                <a:cs typeface="Segoe UI Light" panose="020B0502040204020203" pitchFamily="34" charset="0"/>
-              </a:rPr>
-              <a:t>Q-Q Plot – Normalized data</a:t>
-            </a:r>
-          </a:p>
-        </p:txBody>
-      </p:sp>
-      <p:pic>
-        <p:nvPicPr>
-          <p:cNvPr id="73" name="Grafik 72">
-            <a:extLst>
-              <a:ext uri="{FF2B5EF4-FFF2-40B4-BE49-F238E27FC236}">
-                <a16:creationId xmlns:a16="http://schemas.microsoft.com/office/drawing/2014/main" id="{19898755-75B3-4109-AE19-F95FA5991D2F}"/>
-              </a:ext>
-            </a:extLst>
-          </p:cNvPr>
-          <p:cNvPicPr>
-            <a:picLocks noChangeAspect="1"/>
-          </p:cNvPicPr>
-          <p:nvPr/>
-        </p:nvPicPr>
-        <p:blipFill>
-          <a:blip r:embed="rId18">
-            <a:extLst>
-              <a:ext uri="{28A0092B-C50C-407E-A947-70E740481C1C}">
-                <a14:useLocalDpi xmlns:a14="http://schemas.microsoft.com/office/drawing/2010/main" val="0"/>
-              </a:ext>
-            </a:extLst>
-          </a:blip>
-          <a:stretch>
-            <a:fillRect/>
-          </a:stretch>
-        </p:blipFill>
-        <p:spPr>
-          <a:xfrm>
-            <a:off x="8839262" y="7774029"/>
-            <a:ext cx="252000" cy="252000"/>
-          </a:xfrm>
-          <a:prstGeom prst="rect">
-            <a:avLst/>
-          </a:prstGeom>
-        </p:spPr>
-      </p:pic>
-      <p:pic>
-        <p:nvPicPr>
-          <p:cNvPr id="76" name="Grafik 75">
-            <a:extLst>
-              <a:ext uri="{FF2B5EF4-FFF2-40B4-BE49-F238E27FC236}">
-                <a16:creationId xmlns:a16="http://schemas.microsoft.com/office/drawing/2014/main" id="{6EBA92B0-28E5-4F5B-85D9-82F92119E616}"/>
-              </a:ext>
-            </a:extLst>
-          </p:cNvPr>
-          <p:cNvPicPr>
-            <a:picLocks noChangeAspect="1"/>
-          </p:cNvPicPr>
-          <p:nvPr/>
-        </p:nvPicPr>
-        <p:blipFill>
-          <a:blip r:embed="rId19">
-            <a:extLst>
-              <a:ext uri="{28A0092B-C50C-407E-A947-70E740481C1C}">
-                <a14:useLocalDpi xmlns:a14="http://schemas.microsoft.com/office/drawing/2010/main" val="0"/>
-              </a:ext>
-            </a:extLst>
-          </a:blip>
-          <a:stretch>
-            <a:fillRect/>
-          </a:stretch>
-        </p:blipFill>
-        <p:spPr>
-          <a:xfrm>
-            <a:off x="8190499" y="6983058"/>
-            <a:ext cx="252000" cy="252000"/>
-          </a:xfrm>
-          <a:prstGeom prst="rect">
-            <a:avLst/>
-          </a:prstGeom>
-        </p:spPr>
-      </p:pic>
-      <p:pic>
-        <p:nvPicPr>
-          <p:cNvPr id="79" name="Grafik 78">
-            <a:extLst>
-              <a:ext uri="{FF2B5EF4-FFF2-40B4-BE49-F238E27FC236}">
-                <a16:creationId xmlns:a16="http://schemas.microsoft.com/office/drawing/2014/main" id="{71777D5D-D0CE-4308-AAE7-E90F8B800347}"/>
-              </a:ext>
-            </a:extLst>
-          </p:cNvPr>
-          <p:cNvPicPr>
-            <a:picLocks noChangeAspect="1"/>
-          </p:cNvPicPr>
-          <p:nvPr/>
-        </p:nvPicPr>
-        <p:blipFill>
-          <a:blip r:embed="rId20">
-            <a:extLst>
-              <a:ext uri="{28A0092B-C50C-407E-A947-70E740481C1C}">
-                <a14:useLocalDpi xmlns:a14="http://schemas.microsoft.com/office/drawing/2010/main" val="0"/>
-              </a:ext>
-            </a:extLst>
-          </a:blip>
-          <a:stretch>
-            <a:fillRect/>
-          </a:stretch>
-        </p:blipFill>
-        <p:spPr>
-          <a:xfrm>
-            <a:off x="8869457" y="7425008"/>
-            <a:ext cx="252000" cy="252000"/>
-          </a:xfrm>
-          <a:prstGeom prst="rect">
-            <a:avLst/>
-          </a:prstGeom>
-        </p:spPr>
-      </p:pic>
-      <p:pic>
-        <p:nvPicPr>
-          <p:cNvPr id="82" name="Grafik 81">
-            <a:extLst>
-              <a:ext uri="{FF2B5EF4-FFF2-40B4-BE49-F238E27FC236}">
-                <a16:creationId xmlns:a16="http://schemas.microsoft.com/office/drawing/2014/main" id="{3F016134-33DC-4F0E-BC29-B7CCD22EE634}"/>
-              </a:ext>
-            </a:extLst>
-          </p:cNvPr>
-          <p:cNvPicPr>
-            <a:picLocks noChangeAspect="1"/>
-          </p:cNvPicPr>
-          <p:nvPr/>
-        </p:nvPicPr>
-        <p:blipFill>
-          <a:blip r:embed="rId21">
-            <a:extLst>
-              <a:ext uri="{28A0092B-C50C-407E-A947-70E740481C1C}">
-                <a14:useLocalDpi xmlns:a14="http://schemas.microsoft.com/office/drawing/2010/main" val="0"/>
-              </a:ext>
-            </a:extLst>
-          </a:blip>
-          <a:stretch>
-            <a:fillRect/>
-          </a:stretch>
-        </p:blipFill>
-        <p:spPr>
-          <a:xfrm>
-            <a:off x="8664313" y="8841777"/>
+            <a:off x="8591337" y="8793713"/>
             <a:ext cx="252000" cy="252000"/>
           </a:xfrm>
           <a:prstGeom prst="rect">
@@ -6410,42 +6390,6 @@
             <a:extLst>
               <a:ext uri="{FF2B5EF4-FFF2-40B4-BE49-F238E27FC236}">
                 <a16:creationId xmlns:a16="http://schemas.microsoft.com/office/drawing/2014/main" id="{F9FDDEE7-F8DB-4B82-860E-E9599A61BAA5}"/>
-              </a:ext>
-            </a:extLst>
-          </p:cNvPr>
-          <p:cNvPicPr>
-            <a:picLocks noChangeAspect="1"/>
-          </p:cNvPicPr>
-          <p:nvPr/>
-        </p:nvPicPr>
-        <p:blipFill>
-          <a:blip r:embed="rId25">
-            <a:extLst>
-              <a:ext uri="{28A0092B-C50C-407E-A947-70E740481C1C}">
-                <a14:useLocalDpi xmlns:a14="http://schemas.microsoft.com/office/drawing/2010/main" val="0"/>
-              </a:ext>
-            </a:extLst>
-          </a:blip>
-          <a:stretch>
-            <a:fillRect/>
-          </a:stretch>
-        </p:blipFill>
-        <p:spPr>
-          <a:xfrm>
-            <a:off x="9577141" y="8144975"/>
-            <a:ext cx="252000" cy="252000"/>
-          </a:xfrm>
-          <a:prstGeom prst="rect">
-            <a:avLst/>
-          </a:prstGeom>
-        </p:spPr>
-      </p:pic>
-      <p:pic>
-        <p:nvPicPr>
-          <p:cNvPr id="45" name="Grafik 44">
-            <a:extLst>
-              <a:ext uri="{FF2B5EF4-FFF2-40B4-BE49-F238E27FC236}">
-                <a16:creationId xmlns:a16="http://schemas.microsoft.com/office/drawing/2014/main" id="{90EA813E-FB93-4CB5-94D6-158F93874C4E}"/>
               </a:ext>
             </a:extLst>
           </p:cNvPr>
@@ -6468,7 +6412,7 @@
         </p:blipFill>
         <p:spPr>
           <a:xfrm>
-            <a:off x="8705642" y="8914199"/>
+            <a:off x="9504165" y="8096911"/>
             <a:ext cx="252000" cy="252000"/>
           </a:xfrm>
           <a:prstGeom prst="rect">
@@ -6478,10 +6422,10 @@
       </p:pic>
       <p:pic>
         <p:nvPicPr>
-          <p:cNvPr id="106" name="Grafik 105">
+          <p:cNvPr id="45" name="Grafik 44">
             <a:extLst>
               <a:ext uri="{FF2B5EF4-FFF2-40B4-BE49-F238E27FC236}">
-                <a16:creationId xmlns:a16="http://schemas.microsoft.com/office/drawing/2014/main" id="{CFC619DF-3390-42A3-BAD1-E9AEA3ACCC49}"/>
+                <a16:creationId xmlns:a16="http://schemas.microsoft.com/office/drawing/2014/main" id="{90EA813E-FB93-4CB5-94D6-158F93874C4E}"/>
               </a:ext>
             </a:extLst>
           </p:cNvPr>
@@ -6491,7 +6435,7 @@
           <p:nvPr/>
         </p:nvPicPr>
         <p:blipFill>
-          <a:blip r:embed="rId25">
+          <a:blip r:embed="rId27">
             <a:extLst>
               <a:ext uri="{28A0092B-C50C-407E-A947-70E740481C1C}">
                 <a14:useLocalDpi xmlns:a14="http://schemas.microsoft.com/office/drawing/2010/main" val="0"/>
@@ -6504,8 +6448,8 @@
         </p:blipFill>
         <p:spPr>
           <a:xfrm>
-            <a:off x="5720364" y="5868684"/>
-            <a:ext cx="162000" cy="162000"/>
+            <a:off x="8632666" y="8866135"/>
+            <a:ext cx="252000" cy="252000"/>
           </a:xfrm>
           <a:prstGeom prst="rect">
             <a:avLst/>
@@ -6514,10 +6458,10 @@
       </p:pic>
       <p:pic>
         <p:nvPicPr>
-          <p:cNvPr id="107" name="Grafik 106">
+          <p:cNvPr id="106" name="Grafik 105">
             <a:extLst>
               <a:ext uri="{FF2B5EF4-FFF2-40B4-BE49-F238E27FC236}">
-                <a16:creationId xmlns:a16="http://schemas.microsoft.com/office/drawing/2014/main" id="{4BC2ADAD-809D-4408-AD9E-D1DF6F9678D1}"/>
+                <a16:creationId xmlns:a16="http://schemas.microsoft.com/office/drawing/2014/main" id="{CFC619DF-3390-42A3-BAD1-E9AEA3ACCC49}"/>
               </a:ext>
             </a:extLst>
           </p:cNvPr>
@@ -6540,7 +6484,7 @@
         </p:blipFill>
         <p:spPr>
           <a:xfrm>
-            <a:off x="5720364" y="5650608"/>
+            <a:off x="5647388" y="5774900"/>
             <a:ext cx="162000" cy="162000"/>
           </a:xfrm>
           <a:prstGeom prst="rect">
@@ -6548,6 +6492,42 @@
           </a:prstGeom>
         </p:spPr>
       </p:pic>
+      <p:pic>
+        <p:nvPicPr>
+          <p:cNvPr id="107" name="Grafik 106">
+            <a:extLst>
+              <a:ext uri="{FF2B5EF4-FFF2-40B4-BE49-F238E27FC236}">
+                <a16:creationId xmlns:a16="http://schemas.microsoft.com/office/drawing/2014/main" id="{4BC2ADAD-809D-4408-AD9E-D1DF6F9678D1}"/>
+              </a:ext>
+            </a:extLst>
+          </p:cNvPr>
+          <p:cNvPicPr>
+            <a:picLocks noChangeAspect="1"/>
+          </p:cNvPicPr>
+          <p:nvPr/>
+        </p:nvPicPr>
+        <p:blipFill>
+          <a:blip r:embed="rId27">
+            <a:extLst>
+              <a:ext uri="{28A0092B-C50C-407E-A947-70E740481C1C}">
+                <a14:useLocalDpi xmlns:a14="http://schemas.microsoft.com/office/drawing/2010/main" val="0"/>
+              </a:ext>
+            </a:extLst>
+          </a:blip>
+          <a:stretch>
+            <a:fillRect/>
+          </a:stretch>
+        </p:blipFill>
+        <p:spPr>
+          <a:xfrm>
+            <a:off x="5647388" y="5556824"/>
+            <a:ext cx="162000" cy="162000"/>
+          </a:xfrm>
+          <a:prstGeom prst="rect">
+            <a:avLst/>
+          </a:prstGeom>
+        </p:spPr>
+      </p:pic>
       <p:sp>
         <p:nvSpPr>
           <p:cNvPr id="72" name="Textfeld 71">
@@ -6562,8 +6542,8 @@
         </p:nvSpPr>
         <p:spPr>
           <a:xfrm>
-            <a:off x="19957965" y="2934982"/>
-            <a:ext cx="1530377" cy="3334246"/>
+            <a:off x="19662614" y="2782741"/>
+            <a:ext cx="1991342" cy="3734356"/>
           </a:xfrm>
           <a:prstGeom prst="rect">
             <a:avLst/>
@@ -6582,11 +6562,11 @@
               </a:spcBef>
             </a:pPr>
             <a:r>
-              <a:rPr lang="en-GB" sz="800" dirty="0">
-                <a:latin typeface="Segoe UI Light" panose="020B0502040204020203" pitchFamily="34" charset="0"/>
-                <a:cs typeface="Segoe UI Light" panose="020B0502040204020203" pitchFamily="34" charset="0"/>
-              </a:rPr>
-              <a:t>Urban Population</a:t>
+              <a:rPr lang="en-GB" sz="1000" dirty="0">
+                <a:latin typeface="Segoe UI Light" panose="020B0502040204020203" pitchFamily="34" charset="0"/>
+                <a:cs typeface="Segoe UI Light" panose="020B0502040204020203" pitchFamily="34" charset="0"/>
+              </a:rPr>
+              <a:t>Internet Usage</a:t>
             </a:r>
           </a:p>
           <a:p>
@@ -6596,11 +6576,11 @@
               </a:spcBef>
             </a:pPr>
             <a:r>
-              <a:rPr lang="en-GB" sz="800" dirty="0">
-                <a:latin typeface="Segoe UI Light" panose="020B0502040204020203" pitchFamily="34" charset="0"/>
-                <a:cs typeface="Segoe UI Light" panose="020B0502040204020203" pitchFamily="34" charset="0"/>
-              </a:rPr>
-              <a:t>Automotive Mortality</a:t>
+              <a:rPr lang="en-GB" sz="1000" dirty="0">
+                <a:latin typeface="Segoe UI Light" panose="020B0502040204020203" pitchFamily="34" charset="0"/>
+                <a:cs typeface="Segoe UI Light" panose="020B0502040204020203" pitchFamily="34" charset="0"/>
+              </a:rPr>
+              <a:t>Economy GDP per Capita</a:t>
             </a:r>
           </a:p>
           <a:p>
@@ -6610,11 +6590,11 @@
               </a:spcBef>
             </a:pPr>
             <a:r>
-              <a:rPr lang="en-GB" sz="800" dirty="0">
-                <a:latin typeface="Segoe UI Light" panose="020B0502040204020203" pitchFamily="34" charset="0"/>
-                <a:cs typeface="Segoe UI Light" panose="020B0502040204020203" pitchFamily="34" charset="0"/>
-              </a:rPr>
-              <a:t>Infant Immunization Measles</a:t>
+              <a:rPr lang="en-GB" sz="1000" dirty="0">
+                <a:latin typeface="Segoe UI Light" panose="020B0502040204020203" pitchFamily="34" charset="0"/>
+                <a:cs typeface="Segoe UI Light" panose="020B0502040204020203" pitchFamily="34" charset="0"/>
+              </a:rPr>
+              <a:t>Health Life Expectancy</a:t>
             </a:r>
           </a:p>
           <a:p>
@@ -6624,11 +6604,11 @@
               </a:spcBef>
             </a:pPr>
             <a:r>
-              <a:rPr lang="en-GB" sz="800" dirty="0">
-                <a:latin typeface="Segoe UI Light" panose="020B0502040204020203" pitchFamily="34" charset="0"/>
-                <a:cs typeface="Segoe UI Light" panose="020B0502040204020203" pitchFamily="34" charset="0"/>
-              </a:rPr>
-              <a:t>Entrepreneurship Cost</a:t>
+              <a:rPr lang="en-GB" sz="1000" dirty="0">
+                <a:latin typeface="Segoe UI Light" panose="020B0502040204020203" pitchFamily="34" charset="0"/>
+                <a:cs typeface="Segoe UI Light" panose="020B0502040204020203" pitchFamily="34" charset="0"/>
+              </a:rPr>
+              <a:t>Clean Water</a:t>
             </a:r>
           </a:p>
           <a:p>
@@ -6638,7 +6618,7 @@
               </a:spcBef>
             </a:pPr>
             <a:r>
-              <a:rPr lang="en-GB" sz="800" dirty="0">
+              <a:rPr lang="en-GB" sz="1000" dirty="0">
                 <a:latin typeface="Segoe UI Light" panose="020B0502040204020203" pitchFamily="34" charset="0"/>
                 <a:cs typeface="Segoe UI Light" panose="020B0502040204020203" pitchFamily="34" charset="0"/>
               </a:rPr>
@@ -6652,11 +6632,11 @@
               </a:spcBef>
             </a:pPr>
             <a:r>
-              <a:rPr lang="en-GB" sz="800" dirty="0">
-                <a:latin typeface="Segoe UI Light" panose="020B0502040204020203" pitchFamily="34" charset="0"/>
-                <a:cs typeface="Segoe UI Light" panose="020B0502040204020203" pitchFamily="34" charset="0"/>
-              </a:rPr>
-              <a:t>Obesity</a:t>
+              <a:rPr lang="en-GB" sz="1000" dirty="0">
+                <a:latin typeface="Segoe UI Light" panose="020B0502040204020203" pitchFamily="34" charset="0"/>
+                <a:cs typeface="Segoe UI Light" panose="020B0502040204020203" pitchFamily="34" charset="0"/>
+              </a:rPr>
+              <a:t>Urban Population</a:t>
             </a:r>
           </a:p>
           <a:p>
@@ -6666,11 +6646,11 @@
               </a:spcBef>
             </a:pPr>
             <a:r>
-              <a:rPr lang="en-GB" sz="800" dirty="0">
-                <a:latin typeface="Segoe UI Light" panose="020B0502040204020203" pitchFamily="34" charset="0"/>
-                <a:cs typeface="Segoe UI Light" panose="020B0502040204020203" pitchFamily="34" charset="0"/>
-              </a:rPr>
-              <a:t>Clean Water</a:t>
+              <a:rPr lang="en-GB" sz="1000" dirty="0">
+                <a:latin typeface="Segoe UI Light" panose="020B0502040204020203" pitchFamily="34" charset="0"/>
+                <a:cs typeface="Segoe UI Light" panose="020B0502040204020203" pitchFamily="34" charset="0"/>
+              </a:rPr>
+              <a:t>Family</a:t>
             </a:r>
           </a:p>
           <a:p>
@@ -6680,11 +6660,11 @@
               </a:spcBef>
             </a:pPr>
             <a:r>
-              <a:rPr lang="en-GB" sz="800" dirty="0">
-                <a:latin typeface="Segoe UI Light" panose="020B0502040204020203" pitchFamily="34" charset="0"/>
-                <a:cs typeface="Segoe UI Light" panose="020B0502040204020203" pitchFamily="34" charset="0"/>
-              </a:rPr>
-              <a:t>Birth Rate</a:t>
+              <a:rPr lang="en-GB" sz="1000" dirty="0">
+                <a:latin typeface="Segoe UI Light" panose="020B0502040204020203" pitchFamily="34" charset="0"/>
+                <a:cs typeface="Segoe UI Light" panose="020B0502040204020203" pitchFamily="34" charset="0"/>
+              </a:rPr>
+              <a:t>Cellular Subscriber</a:t>
             </a:r>
           </a:p>
           <a:p>
@@ -6694,11 +6674,11 @@
               </a:spcBef>
             </a:pPr>
             <a:r>
-              <a:rPr lang="en-GB" sz="800" dirty="0">
-                <a:latin typeface="Segoe UI Light" panose="020B0502040204020203" pitchFamily="34" charset="0"/>
-                <a:cs typeface="Segoe UI Light" panose="020B0502040204020203" pitchFamily="34" charset="0"/>
-              </a:rPr>
-              <a:t>Child Mortality</a:t>
+              <a:rPr lang="en-GB" sz="1000" dirty="0">
+                <a:latin typeface="Segoe UI Light" panose="020B0502040204020203" pitchFamily="34" charset="0"/>
+                <a:cs typeface="Segoe UI Light" panose="020B0502040204020203" pitchFamily="34" charset="0"/>
+              </a:rPr>
+              <a:t>Infant Immunization Measles</a:t>
             </a:r>
           </a:p>
           <a:p>
@@ -6708,11 +6688,11 @@
               </a:spcBef>
             </a:pPr>
             <a:r>
-              <a:rPr lang="en-GB" sz="800" dirty="0">
-                <a:latin typeface="Segoe UI Light" panose="020B0502040204020203" pitchFamily="34" charset="0"/>
-                <a:cs typeface="Segoe UI Light" panose="020B0502040204020203" pitchFamily="34" charset="0"/>
-              </a:rPr>
-              <a:t>Cellular Subscriber</a:t>
+              <a:rPr lang="en-GB" sz="1000" dirty="0">
+                <a:latin typeface="Segoe UI Light" panose="020B0502040204020203" pitchFamily="34" charset="0"/>
+                <a:cs typeface="Segoe UI Light" panose="020B0502040204020203" pitchFamily="34" charset="0"/>
+              </a:rPr>
+              <a:t>Entrepreneurship Cost</a:t>
             </a:r>
           </a:p>
           <a:p>
@@ -6722,11 +6702,11 @@
               </a:spcBef>
             </a:pPr>
             <a:r>
-              <a:rPr lang="en-GB" sz="800" dirty="0">
-                <a:latin typeface="Segoe UI Light" panose="020B0502040204020203" pitchFamily="34" charset="0"/>
-                <a:cs typeface="Segoe UI Light" panose="020B0502040204020203" pitchFamily="34" charset="0"/>
-              </a:rPr>
-              <a:t>Internet Usage</a:t>
+              <a:rPr lang="en-GB" sz="1000" dirty="0">
+                <a:latin typeface="Segoe UI Light" panose="020B0502040204020203" pitchFamily="34" charset="0"/>
+                <a:cs typeface="Segoe UI Light" panose="020B0502040204020203" pitchFamily="34" charset="0"/>
+              </a:rPr>
+              <a:t>Birth Rate</a:t>
             </a:r>
           </a:p>
           <a:p>
@@ -6736,11 +6716,11 @@
               </a:spcBef>
             </a:pPr>
             <a:r>
-              <a:rPr lang="en-GB" sz="800" dirty="0">
-                <a:latin typeface="Segoe UI Light" panose="020B0502040204020203" pitchFamily="34" charset="0"/>
-                <a:cs typeface="Segoe UI Light" panose="020B0502040204020203" pitchFamily="34" charset="0"/>
-              </a:rPr>
-              <a:t>Air Pollution</a:t>
+              <a:rPr lang="en-GB" sz="1000" dirty="0">
+                <a:latin typeface="Segoe UI Light" panose="020B0502040204020203" pitchFamily="34" charset="0"/>
+                <a:cs typeface="Segoe UI Light" panose="020B0502040204020203" pitchFamily="34" charset="0"/>
+              </a:rPr>
+              <a:t>Automotive Mortality</a:t>
             </a:r>
           </a:p>
           <a:p>
@@ -6750,11 +6730,11 @@
               </a:spcBef>
             </a:pPr>
             <a:r>
-              <a:rPr lang="en-GB" sz="800" dirty="0">
-                <a:latin typeface="Segoe UI Light" panose="020B0502040204020203" pitchFamily="34" charset="0"/>
-                <a:cs typeface="Segoe UI Light" panose="020B0502040204020203" pitchFamily="34" charset="0"/>
-              </a:rPr>
-              <a:t>Trust Government (Corruption)</a:t>
+              <a:rPr lang="en-GB" sz="1000" dirty="0">
+                <a:latin typeface="Segoe UI Light" panose="020B0502040204020203" pitchFamily="34" charset="0"/>
+                <a:cs typeface="Segoe UI Light" panose="020B0502040204020203" pitchFamily="34" charset="0"/>
+              </a:rPr>
+              <a:t>Child Mortality</a:t>
             </a:r>
           </a:p>
           <a:p>
@@ -6764,11 +6744,11 @@
               </a:spcBef>
             </a:pPr>
             <a:r>
-              <a:rPr lang="en-GB" sz="800" dirty="0">
-                <a:latin typeface="Segoe UI Light" panose="020B0502040204020203" pitchFamily="34" charset="0"/>
-                <a:cs typeface="Segoe UI Light" panose="020B0502040204020203" pitchFamily="34" charset="0"/>
-              </a:rPr>
-              <a:t>Freedom</a:t>
+              <a:rPr lang="en-GB" sz="1000" dirty="0">
+                <a:latin typeface="Segoe UI Light" panose="020B0502040204020203" pitchFamily="34" charset="0"/>
+                <a:cs typeface="Segoe UI Light" panose="020B0502040204020203" pitchFamily="34" charset="0"/>
+              </a:rPr>
+              <a:t>Trust Government (Corruption)</a:t>
             </a:r>
           </a:p>
           <a:p>
@@ -6778,11 +6758,11 @@
               </a:spcBef>
             </a:pPr>
             <a:r>
-              <a:rPr lang="en-GB" sz="800" dirty="0">
-                <a:latin typeface="Segoe UI Light" panose="020B0502040204020203" pitchFamily="34" charset="0"/>
-                <a:cs typeface="Segoe UI Light" panose="020B0502040204020203" pitchFamily="34" charset="0"/>
-              </a:rPr>
-              <a:t>Health Life Expectancy</a:t>
+              <a:rPr lang="en-GB" sz="1000" dirty="0">
+                <a:latin typeface="Segoe UI Light" panose="020B0502040204020203" pitchFamily="34" charset="0"/>
+                <a:cs typeface="Segoe UI Light" panose="020B0502040204020203" pitchFamily="34" charset="0"/>
+              </a:rPr>
+              <a:t>Freedom</a:t>
             </a:r>
           </a:p>
           <a:p>
@@ -6792,11 +6772,11 @@
               </a:spcBef>
             </a:pPr>
             <a:r>
-              <a:rPr lang="en-GB" sz="800" dirty="0">
-                <a:latin typeface="Segoe UI Light" panose="020B0502040204020203" pitchFamily="34" charset="0"/>
-                <a:cs typeface="Segoe UI Light" panose="020B0502040204020203" pitchFamily="34" charset="0"/>
-              </a:rPr>
-              <a:t>Family</a:t>
+              <a:rPr lang="en-GB" sz="1000" dirty="0">
+                <a:latin typeface="Segoe UI Light" panose="020B0502040204020203" pitchFamily="34" charset="0"/>
+                <a:cs typeface="Segoe UI Light" panose="020B0502040204020203" pitchFamily="34" charset="0"/>
+              </a:rPr>
+              <a:t>Obesity</a:t>
             </a:r>
           </a:p>
           <a:p>
@@ -6806,11 +6786,11 @@
               </a:spcBef>
             </a:pPr>
             <a:r>
-              <a:rPr lang="en-GB" sz="800" dirty="0">
-                <a:latin typeface="Segoe UI Light" panose="020B0502040204020203" pitchFamily="34" charset="0"/>
-                <a:cs typeface="Segoe UI Light" panose="020B0502040204020203" pitchFamily="34" charset="0"/>
-              </a:rPr>
-              <a:t>Economy GDP per Capita</a:t>
+              <a:rPr lang="en-GB" sz="1000" dirty="0">
+                <a:latin typeface="Segoe UI Light" panose="020B0502040204020203" pitchFamily="34" charset="0"/>
+                <a:cs typeface="Segoe UI Light" panose="020B0502040204020203" pitchFamily="34" charset="0"/>
+              </a:rPr>
+              <a:t>Air Pollution</a:t>
             </a:r>
           </a:p>
         </p:txBody>
@@ -6828,8 +6808,8 @@
           <p:nvPr/>
         </p:nvSpPr>
         <p:spPr>
-          <a:xfrm rot="18884007">
-            <a:off x="20437857" y="6358700"/>
+          <a:xfrm rot="19682437">
+            <a:off x="21494680" y="2214252"/>
             <a:ext cx="1705790" cy="331585"/>
           </a:xfrm>
           <a:prstGeom prst="rect">
@@ -6862,7 +6842,7 @@
           <a:p>
             <a:pPr algn="ctr"/>
             <a:r>
-              <a:rPr lang="en-GB" sz="800" b="1" dirty="0">
+              <a:rPr lang="en-GB" sz="1000" dirty="0">
                 <a:solidFill>
                   <a:schemeClr val="tx1"/>
                 </a:solidFill>
@@ -6887,8 +6867,8 @@
           <p:nvPr/>
         </p:nvSpPr>
         <p:spPr>
-          <a:xfrm rot="18884007">
-            <a:off x="20990822" y="6358662"/>
+          <a:xfrm rot="19638671">
+            <a:off x="22119729" y="2189241"/>
             <a:ext cx="1705790" cy="331585"/>
           </a:xfrm>
           <a:prstGeom prst="rect">
@@ -6921,7 +6901,7 @@
           <a:p>
             <a:pPr algn="ctr"/>
             <a:r>
-              <a:rPr lang="en-GB" sz="800" b="1" dirty="0">
+              <a:rPr lang="en-GB" sz="1000" dirty="0">
                 <a:solidFill>
                   <a:schemeClr val="tx1"/>
                 </a:solidFill>
@@ -6946,8 +6926,8 @@
           <p:nvPr/>
         </p:nvSpPr>
         <p:spPr>
-          <a:xfrm rot="18884007">
-            <a:off x="21666278" y="6204909"/>
+          <a:xfrm rot="19648419">
+            <a:off x="22468956" y="2340861"/>
             <a:ext cx="1705790" cy="331585"/>
           </a:xfrm>
           <a:prstGeom prst="rect">
@@ -6980,7 +6960,7 @@
           <a:p>
             <a:pPr algn="ctr"/>
             <a:r>
-              <a:rPr lang="en-GB" sz="800" b="1" dirty="0">
+              <a:rPr lang="en-GB" sz="1000" dirty="0">
                 <a:solidFill>
                   <a:schemeClr val="tx1"/>
                 </a:solidFill>
@@ -7006,7 +6986,7 @@
         </p:nvSpPr>
         <p:spPr>
           <a:xfrm>
-            <a:off x="15557937" y="2863765"/>
+            <a:off x="15269234" y="3000733"/>
             <a:ext cx="3159932" cy="307777"/>
           </a:xfrm>
           <a:prstGeom prst="rect">
@@ -7048,7 +7028,7 @@
         </p:nvSpPr>
         <p:spPr>
           <a:xfrm>
-            <a:off x="20284158" y="2525458"/>
+            <a:off x="20165524" y="2484907"/>
             <a:ext cx="1525961" cy="307777"/>
           </a:xfrm>
           <a:prstGeom prst="rect">
@@ -7091,7 +7071,7 @@
           <p:nvPr/>
         </p:nvPicPr>
         <p:blipFill>
-          <a:blip r:embed="rId27">
+          <a:blip r:embed="rId28">
             <a:extLst>
               <a:ext uri="{28A0092B-C50C-407E-A947-70E740481C1C}">
                 <a14:useLocalDpi xmlns:a14="http://schemas.microsoft.com/office/drawing/2010/main" val="0"/>
@@ -7104,7 +7084,7 @@
         </p:blipFill>
         <p:spPr>
           <a:xfrm>
-            <a:off x="24077951" y="3152788"/>
+            <a:off x="24111655" y="3059004"/>
             <a:ext cx="1630202" cy="2608323"/>
           </a:xfrm>
           <a:prstGeom prst="rect">
@@ -7126,7 +7106,7 @@
         </p:nvSpPr>
         <p:spPr>
           <a:xfrm>
-            <a:off x="23908837" y="2862371"/>
+            <a:off x="24052040" y="2738120"/>
             <a:ext cx="1369544" cy="307777"/>
           </a:xfrm>
           <a:prstGeom prst="rect">
@@ -7140,7 +7120,6 @@
           </a:bodyPr>
           <a:lstStyle/>
           <a:p>
-            <a:pPr algn="just"/>
             <a:r>
               <a:rPr lang="en-GB" sz="1400" dirty="0">
                 <a:latin typeface="Segoe UI Light" panose="020B0502040204020203" pitchFamily="34" charset="0"/>
@@ -7169,8 +7148,8 @@
         </p:nvSpPr>
         <p:spPr>
           <a:xfrm rot="16200000">
-            <a:off x="23443505" y="4279430"/>
-            <a:ext cx="2086283" cy="253916"/>
+            <a:off x="23450353" y="4212502"/>
+            <a:ext cx="2139996" cy="253916"/>
           </a:xfrm>
           <a:prstGeom prst="rect">
             <a:avLst/>
@@ -7184,18 +7163,18 @@
           <a:lstStyle/>
           <a:p>
             <a:r>
-              <a:rPr lang="en-GB" sz="900" dirty="0">
+              <a:rPr lang="en-GB" sz="900" b="1" dirty="0">
                 <a:latin typeface="Segoe UI Light" panose="020B0502040204020203" pitchFamily="34" charset="0"/>
                 <a:cs typeface="Segoe UI Light" panose="020B0502040204020203" pitchFamily="34" charset="0"/>
               </a:rPr>
               <a:t>Country</a:t>
             </a:r>
             <a:r>
-              <a:rPr lang="en-GB" sz="1050" dirty="0"/>
+              <a:rPr lang="en-GB" sz="1050" b="1" dirty="0"/>
               <a:t> </a:t>
             </a:r>
             <a:r>
-              <a:rPr lang="en-GB" sz="900" dirty="0">
+              <a:rPr lang="en-GB" sz="900" b="1" dirty="0">
                 <a:latin typeface="Segoe UI Light" panose="020B0502040204020203" pitchFamily="34" charset="0"/>
                 <a:cs typeface="Segoe UI Light" panose="020B0502040204020203" pitchFamily="34" charset="0"/>
               </a:rPr>
@@ -7218,8 +7197,8 @@
         </p:nvSpPr>
         <p:spPr>
           <a:xfrm rot="16200000">
-            <a:off x="24339236" y="4796925"/>
-            <a:ext cx="1206243" cy="230832"/>
+            <a:off x="24379051" y="4697031"/>
+            <a:ext cx="1194022" cy="230832"/>
           </a:xfrm>
           <a:prstGeom prst="rect">
             <a:avLst/>
@@ -7233,7 +7212,7 @@
           <a:lstStyle/>
           <a:p>
             <a:r>
-              <a:rPr lang="en-GB" sz="900" dirty="0">
+              <a:rPr lang="en-GB" sz="900" b="1" dirty="0">
                 <a:latin typeface="Segoe UI Light" panose="020B0502040204020203" pitchFamily="34" charset="0"/>
                 <a:cs typeface="Segoe UI Light" panose="020B0502040204020203" pitchFamily="34" charset="0"/>
               </a:rPr>
@@ -7256,8 +7235,8 @@
         </p:nvSpPr>
         <p:spPr>
           <a:xfrm rot="16200000">
-            <a:off x="25071160" y="5085758"/>
-            <a:ext cx="668420" cy="230832"/>
+            <a:off x="25120935" y="4975903"/>
+            <a:ext cx="636278" cy="230832"/>
           </a:xfrm>
           <a:prstGeom prst="rect">
             <a:avLst/>
@@ -7271,7 +7250,7 @@
           <a:lstStyle/>
           <a:p>
             <a:r>
-              <a:rPr lang="en-GB" sz="900" dirty="0">
+              <a:rPr lang="en-GB" sz="900" b="1" dirty="0">
                 <a:latin typeface="Segoe UI Light" panose="020B0502040204020203" pitchFamily="34" charset="0"/>
                 <a:cs typeface="Segoe UI Light" panose="020B0502040204020203" pitchFamily="34" charset="0"/>
               </a:rPr>
@@ -7295,7 +7274,7 @@
           <p:nvPr/>
         </p:nvPicPr>
         <p:blipFill rotWithShape="1">
-          <a:blip r:embed="rId28">
+          <a:blip r:embed="rId29">
             <a:extLst>
               <a:ext uri="{28A0092B-C50C-407E-A947-70E740481C1C}">
                 <a14:useLocalDpi xmlns:a14="http://schemas.microsoft.com/office/drawing/2010/main" val="0"/>
@@ -7307,7 +7286,7 @@
         </p:blipFill>
         <p:spPr>
           <a:xfrm>
-            <a:off x="13055972" y="9156146"/>
+            <a:off x="12982996" y="9108082"/>
             <a:ext cx="1064780" cy="257779"/>
           </a:xfrm>
           <a:prstGeom prst="rect">
@@ -7329,7 +7308,7 @@
         </p:nvSpPr>
         <p:spPr>
           <a:xfrm>
-            <a:off x="13118591" y="9337432"/>
+            <a:off x="13045587" y="8937991"/>
             <a:ext cx="902209" cy="215444"/>
           </a:xfrm>
           <a:prstGeom prst="rect">
@@ -7367,41 +7346,6 @@
           </a:p>
         </p:txBody>
       </p:sp>
-      <p:pic>
-        <p:nvPicPr>
-          <p:cNvPr id="140" name="Grafik 139">
-            <a:extLst>
-              <a:ext uri="{FF2B5EF4-FFF2-40B4-BE49-F238E27FC236}">
-                <a16:creationId xmlns:a16="http://schemas.microsoft.com/office/drawing/2014/main" id="{3E7248CA-E1D7-4C4B-903B-6A6EEEC373C5}"/>
-              </a:ext>
-            </a:extLst>
-          </p:cNvPr>
-          <p:cNvPicPr>
-            <a:picLocks noChangeAspect="1"/>
-          </p:cNvPicPr>
-          <p:nvPr/>
-        </p:nvPicPr>
-        <p:blipFill rotWithShape="1">
-          <a:blip r:embed="rId29">
-            <a:extLst>
-              <a:ext uri="{28A0092B-C50C-407E-A947-70E740481C1C}">
-                <a14:useLocalDpi xmlns:a14="http://schemas.microsoft.com/office/drawing/2010/main" val="0"/>
-              </a:ext>
-            </a:extLst>
-          </a:blip>
-          <a:srcRect t="4798"/>
-          <a:stretch/>
-        </p:blipFill>
-        <p:spPr>
-          <a:xfrm>
-            <a:off x="5025158" y="15308789"/>
-            <a:ext cx="5358434" cy="3574211"/>
-          </a:xfrm>
-          <a:prstGeom prst="rect">
-            <a:avLst/>
-          </a:prstGeom>
-        </p:spPr>
-      </p:pic>
       <p:sp>
         <p:nvSpPr>
           <p:cNvPr id="141" name="Textfeld 140">
@@ -7416,7 +7360,7 @@
         </p:nvSpPr>
         <p:spPr>
           <a:xfrm>
-            <a:off x="963959" y="12751331"/>
+            <a:off x="1200141" y="12798132"/>
             <a:ext cx="4469599" cy="338554"/>
           </a:xfrm>
           <a:prstGeom prst="rect">
@@ -7431,7 +7375,7 @@
           <a:lstStyle/>
           <a:p>
             <a:r>
-              <a:rPr lang="en-GB" sz="1600" b="1" dirty="0">
+              <a:rPr lang="en-GB" sz="1600" dirty="0">
                 <a:latin typeface="Segoe UI Light" panose="020B0502040204020203" pitchFamily="34" charset="0"/>
                 <a:cs typeface="Segoe UI Light" panose="020B0502040204020203" pitchFamily="34" charset="0"/>
               </a:rPr>
@@ -7454,7 +7398,7 @@
         </p:nvSpPr>
         <p:spPr>
           <a:xfrm>
-            <a:off x="971859" y="12427398"/>
+            <a:off x="1178126" y="12482320"/>
             <a:ext cx="4469599" cy="338554"/>
           </a:xfrm>
           <a:prstGeom prst="rect">
@@ -7492,8 +7436,8 @@
         </p:nvSpPr>
         <p:spPr>
           <a:xfrm>
-            <a:off x="4268470" y="13138330"/>
-            <a:ext cx="5795339" cy="1169551"/>
+            <a:off x="3396553" y="13082645"/>
+            <a:ext cx="7770275" cy="954107"/>
           </a:xfrm>
           <a:prstGeom prst="rect">
             <a:avLst/>
@@ -7531,14 +7475,34 @@
         </p:nvSpPr>
         <p:spPr>
           <a:xfrm>
-            <a:off x="883135" y="15701729"/>
-            <a:ext cx="3302707" cy="2246769"/>
+            <a:off x="6547198" y="18472105"/>
+            <a:ext cx="4013600" cy="2031325"/>
           </a:xfrm>
           <a:prstGeom prst="rect">
             <a:avLst/>
           </a:prstGeom>
-          <a:noFill/>
-        </p:spPr>
+          <a:ln>
+            <a:solidFill>
+              <a:schemeClr val="bg1">
+                <a:lumMod val="75000"/>
+              </a:schemeClr>
+            </a:solidFill>
+          </a:ln>
+        </p:spPr>
+        <p:style>
+          <a:lnRef idx="2">
+            <a:schemeClr val="accent3"/>
+          </a:lnRef>
+          <a:fillRef idx="1">
+            <a:schemeClr val="lt1"/>
+          </a:fillRef>
+          <a:effectRef idx="0">
+            <a:schemeClr val="accent3"/>
+          </a:effectRef>
+          <a:fontRef idx="minor">
+            <a:schemeClr val="dk1"/>
+          </a:fontRef>
+        </p:style>
         <p:txBody>
           <a:bodyPr wrap="square" rtlCol="0">
             <a:spAutoFit/>
@@ -7565,69 +7529,28 @@
           </a:p>
           <a:p>
             <a:pPr marL="285750" indent="-285750">
-              <a:buFontTx/>
-              <a:buChar char="-"/>
+              <a:buFont typeface="Arial" panose="020B0604020202020204" pitchFamily="34" charset="0"/>
+              <a:buChar char="•"/>
             </a:pPr>
             <a:r>
               <a:rPr lang="en-GB" sz="1400" dirty="0">
                 <a:latin typeface="Segoe UI Light" panose="020B0502040204020203" pitchFamily="34" charset="0"/>
                 <a:cs typeface="Segoe UI Light" panose="020B0502040204020203" pitchFamily="34" charset="0"/>
               </a:rPr>
-              <a:t>low Country Development</a:t>
+              <a:t>lower Country Development</a:t>
             </a:r>
           </a:p>
           <a:p>
             <a:pPr marL="285750" indent="-285750">
-              <a:buFontTx/>
-              <a:buChar char="-"/>
+              <a:buFont typeface="Arial" panose="020B0604020202020204" pitchFamily="34" charset="0"/>
+              <a:buChar char="•"/>
             </a:pPr>
             <a:r>
               <a:rPr lang="en-GB" sz="1400" dirty="0">
                 <a:latin typeface="Segoe UI Light" panose="020B0502040204020203" pitchFamily="34" charset="0"/>
                 <a:cs typeface="Segoe UI Light" panose="020B0502040204020203" pitchFamily="34" charset="0"/>
               </a:rPr>
-              <a:t>high Freedom &amp; Corruption </a:t>
-            </a:r>
-          </a:p>
-          <a:p>
-            <a:r>
-              <a:rPr lang="en-GB" sz="1400" b="1" dirty="0">
-                <a:solidFill>
-                  <a:schemeClr val="tx1">
-                    <a:lumMod val="50000"/>
-                    <a:lumOff val="50000"/>
-                  </a:schemeClr>
-                </a:solidFill>
-                <a:latin typeface="Segoe UI Light" panose="020B0502040204020203" pitchFamily="34" charset="0"/>
-                <a:cs typeface="Segoe UI Light" panose="020B0502040204020203" pitchFamily="34" charset="0"/>
-              </a:rPr>
-              <a:t>Western Europe, North America, Australia</a:t>
-            </a:r>
-          </a:p>
-          <a:p>
-            <a:pPr marL="285750" indent="-285750">
-              <a:buFontTx/>
-              <a:buChar char="-"/>
-            </a:pPr>
-            <a:r>
-              <a:rPr lang="en-GB" sz="1400" dirty="0">
-                <a:latin typeface="Segoe UI Light" panose="020B0502040204020203" pitchFamily="34" charset="0"/>
-                <a:cs typeface="Segoe UI Light" panose="020B0502040204020203" pitchFamily="34" charset="0"/>
-              </a:rPr>
-              <a:t>high Country Development</a:t>
-            </a:r>
-          </a:p>
-          <a:p>
-            <a:pPr marL="285750" indent="-285750">
-              <a:buFontTx/>
-              <a:buChar char="-"/>
-            </a:pPr>
-            <a:r>
-              <a:rPr lang="en-GB" sz="1400" dirty="0">
-                <a:latin typeface="Segoe UI Light" panose="020B0502040204020203" pitchFamily="34" charset="0"/>
-                <a:cs typeface="Segoe UI Light" panose="020B0502040204020203" pitchFamily="34" charset="0"/>
-              </a:rPr>
-              <a:t>high Freedom and Corruption</a:t>
+              <a:t>mid to higher Freedom &amp; Trust in Government </a:t>
             </a:r>
           </a:p>
           <a:p>
@@ -7642,47 +7565,74 @@
                 <a:latin typeface="Segoe UI Light" panose="020B0502040204020203" pitchFamily="34" charset="0"/>
                 <a:cs typeface="Segoe UI Light" panose="020B0502040204020203" pitchFamily="34" charset="0"/>
               </a:rPr>
+              <a:t>Western Europe, North America, Australia</a:t>
+            </a:r>
+          </a:p>
+          <a:p>
+            <a:pPr marL="285750" indent="-285750">
+              <a:buFont typeface="Arial" panose="020B0604020202020204" pitchFamily="34" charset="0"/>
+              <a:buChar char="•"/>
+            </a:pPr>
+            <a:r>
+              <a:rPr lang="en-GB" sz="1400" dirty="0">
+                <a:latin typeface="Segoe UI Light" panose="020B0502040204020203" pitchFamily="34" charset="0"/>
+                <a:cs typeface="Segoe UI Light" panose="020B0502040204020203" pitchFamily="34" charset="0"/>
+              </a:rPr>
+              <a:t>higher Country Development</a:t>
+            </a:r>
+          </a:p>
+          <a:p>
+            <a:pPr marL="285750" indent="-285750">
+              <a:buFont typeface="Arial" panose="020B0604020202020204" pitchFamily="34" charset="0"/>
+              <a:buChar char="•"/>
+            </a:pPr>
+            <a:r>
+              <a:rPr lang="en-GB" sz="1400" dirty="0">
+                <a:latin typeface="Segoe UI Light" panose="020B0502040204020203" pitchFamily="34" charset="0"/>
+                <a:cs typeface="Segoe UI Light" panose="020B0502040204020203" pitchFamily="34" charset="0"/>
+              </a:rPr>
+              <a:t>mid to higher Freedom &amp; Trust in Government</a:t>
+            </a:r>
+          </a:p>
+          <a:p>
+            <a:r>
+              <a:rPr lang="en-GB" sz="1400" b="1" dirty="0">
+                <a:solidFill>
+                  <a:schemeClr val="bg2">
+                    <a:lumMod val="50000"/>
+                  </a:schemeClr>
+                </a:solidFill>
+                <a:latin typeface="Segoe UI Light" panose="020B0502040204020203" pitchFamily="34" charset="0"/>
+                <a:cs typeface="Segoe UI Light" panose="020B0502040204020203" pitchFamily="34" charset="0"/>
+              </a:rPr>
               <a:t>Asia, South America, Eastern Europe</a:t>
             </a:r>
           </a:p>
           <a:p>
             <a:pPr marL="285750" indent="-285750">
-              <a:buFontTx/>
-              <a:buChar char="-"/>
+              <a:buFont typeface="Arial" panose="020B0604020202020204" pitchFamily="34" charset="0"/>
+              <a:buChar char="•"/>
             </a:pPr>
             <a:r>
               <a:rPr lang="en-GB" sz="1400" dirty="0">
                 <a:latin typeface="Segoe UI Light" panose="020B0502040204020203" pitchFamily="34" charset="0"/>
                 <a:cs typeface="Segoe UI Light" panose="020B0502040204020203" pitchFamily="34" charset="0"/>
               </a:rPr>
-              <a:t>mid to low Country Development</a:t>
+              <a:t>mid Country Development</a:t>
             </a:r>
           </a:p>
           <a:p>
             <a:pPr marL="285750" indent="-285750">
-              <a:buFontTx/>
-              <a:buChar char="-"/>
+              <a:buFont typeface="Arial" panose="020B0604020202020204" pitchFamily="34" charset="0"/>
+              <a:buChar char="•"/>
             </a:pPr>
             <a:r>
               <a:rPr lang="en-GB" sz="1400" dirty="0">
                 <a:latin typeface="Segoe UI Light" panose="020B0502040204020203" pitchFamily="34" charset="0"/>
                 <a:cs typeface="Segoe UI Light" panose="020B0502040204020203" pitchFamily="34" charset="0"/>
               </a:rPr>
-              <a:t>mid Freedom and Corruption</a:t>
-            </a:r>
-          </a:p>
-          <a:p>
-            <a:pPr algn="just"/>
-            <a:endParaRPr lang="en-GB" sz="1400" dirty="0">
-              <a:solidFill>
-                <a:schemeClr val="accent4">
-                  <a:lumMod val="60000"/>
-                  <a:lumOff val="40000"/>
-                </a:schemeClr>
-              </a:solidFill>
-              <a:latin typeface="Segoe UI Light" panose="020B0502040204020203" pitchFamily="34" charset="0"/>
-              <a:cs typeface="Segoe UI Light" panose="020B0502040204020203" pitchFamily="34" charset="0"/>
-            </a:endParaRPr>
+              <a:t>lower to mid Freedom &amp; Trust in Government</a:t>
+            </a:r>
           </a:p>
         </p:txBody>
       </p:sp>
@@ -7714,8 +7664,8 @@
         </p:blipFill>
         <p:spPr>
           <a:xfrm>
-            <a:off x="879401" y="17650224"/>
-            <a:ext cx="4334030" cy="3218937"/>
+            <a:off x="945011" y="16872405"/>
+            <a:ext cx="5308212" cy="3942474"/>
           </a:xfrm>
           <a:prstGeom prst="rect">
             <a:avLst/>
@@ -7736,8 +7686,8 @@
         </p:nvSpPr>
         <p:spPr>
           <a:xfrm>
-            <a:off x="720437" y="11868342"/>
-            <a:ext cx="9577534" cy="8933380"/>
+            <a:off x="777587" y="11751111"/>
+            <a:ext cx="10626968" cy="9050612"/>
           </a:xfrm>
           <a:prstGeom prst="roundRect">
             <a:avLst/>
@@ -7788,7 +7738,7 @@
         </p:nvSpPr>
         <p:spPr>
           <a:xfrm>
-            <a:off x="1281494" y="11569806"/>
+            <a:off x="1362090" y="11476022"/>
             <a:ext cx="3672000" cy="828000"/>
           </a:xfrm>
           <a:prstGeom prst="roundRect">
@@ -7843,8 +7793,8 @@
         </p:nvSpPr>
         <p:spPr>
           <a:xfrm>
-            <a:off x="5915388" y="18999802"/>
-            <a:ext cx="3926249" cy="1384995"/>
+            <a:off x="1016062" y="15978181"/>
+            <a:ext cx="4291991" cy="984885"/>
           </a:xfrm>
           <a:prstGeom prst="rect">
             <a:avLst/>
@@ -7863,20 +7813,31 @@
                 <a:latin typeface="Segoe UI Light" panose="020B0502040204020203" pitchFamily="34" charset="0"/>
                 <a:cs typeface="Segoe UI Light" panose="020B0502040204020203" pitchFamily="34" charset="0"/>
               </a:rPr>
-              <a:t>The clusters show a geographical pattern among the grouped countries. Looking at the Phylogenetic Tree, the geographical distance becomes more clear as branches represent similarity. </a:t>
-            </a:r>
-          </a:p>
-          <a:p>
-            <a:endParaRPr lang="en-GB" sz="1400" dirty="0"/>
-          </a:p>
-        </p:txBody>
-      </p:sp>
-      <p:sp>
-        <p:nvSpPr>
-          <p:cNvPr id="149" name="Textfeld 148">
+              <a:t>The clusters show a geographical pattern among the grouped countries. Looking at the </a:t>
+            </a:r>
+            <a:r>
+              <a:rPr lang="en-GB" sz="1600" dirty="0">
+                <a:latin typeface="Segoe UI Light" panose="020B0502040204020203" pitchFamily="34" charset="0"/>
+                <a:cs typeface="Segoe UI Light" panose="020B0502040204020203" pitchFamily="34" charset="0"/>
+              </a:rPr>
+              <a:t>Phylogenic Tree</a:t>
+            </a:r>
+            <a:r>
+              <a:rPr lang="en-GB" sz="1400" dirty="0">
+                <a:latin typeface="Segoe UI Light" panose="020B0502040204020203" pitchFamily="34" charset="0"/>
+                <a:cs typeface="Segoe UI Light" panose="020B0502040204020203" pitchFamily="34" charset="0"/>
+              </a:rPr>
+              <a:t>, we can see that countries in the same branches tend to be geographically close to each other.</a:t>
+            </a:r>
+          </a:p>
+        </p:txBody>
+      </p:sp>
+      <p:sp>
+        <p:nvSpPr>
+          <p:cNvPr id="126" name="Textfeld 125">
             <a:extLst>
               <a:ext uri="{FF2B5EF4-FFF2-40B4-BE49-F238E27FC236}">
-                <a16:creationId xmlns:a16="http://schemas.microsoft.com/office/drawing/2014/main" id="{E55A7ABB-FE46-4932-89A7-C86E881A41B2}"/>
+                <a16:creationId xmlns:a16="http://schemas.microsoft.com/office/drawing/2014/main" id="{9B0A9526-F16D-425B-A1A4-841ED2698123}"/>
               </a:ext>
             </a:extLst>
           </p:cNvPr>
@@ -7885,8 +7846,8 @@
         </p:nvSpPr>
         <p:spPr>
           <a:xfrm>
-            <a:off x="5242558" y="14375413"/>
-            <a:ext cx="4820893" cy="954107"/>
+            <a:off x="1112722" y="2685164"/>
+            <a:ext cx="6039905" cy="1492716"/>
           </a:xfrm>
           <a:prstGeom prst="rect">
             <a:avLst/>
@@ -7899,59 +7860,6 @@
           </a:bodyPr>
           <a:lstStyle/>
           <a:p>
-            <a:pPr algn="just"/>
-            <a:r>
-              <a:rPr lang="en-GB" sz="1400" dirty="0">
-                <a:latin typeface="Segoe UI Light" panose="020B0502040204020203" pitchFamily="34" charset="0"/>
-                <a:cs typeface="Segoe UI Light" panose="020B0502040204020203" pitchFamily="34" charset="0"/>
-              </a:rPr>
-              <a:t>The clusters are visualized in a Scatter Plot across the two primary PC’s where Dimension 1 represents “Country Development” and Dimension 2 represents Freedom and       Trust in </a:t>
-            </a:r>
-            <a:r>
-              <a:rPr lang="en-GB" sz="1400" dirty="0" err="1">
-                <a:latin typeface="Segoe UI Light" panose="020B0502040204020203" pitchFamily="34" charset="0"/>
-                <a:cs typeface="Segoe UI Light" panose="020B0502040204020203" pitchFamily="34" charset="0"/>
-              </a:rPr>
-              <a:t>Governement</a:t>
-            </a:r>
-            <a:r>
-              <a:rPr lang="en-GB" sz="1400" dirty="0">
-                <a:latin typeface="Segoe UI Light" panose="020B0502040204020203" pitchFamily="34" charset="0"/>
-                <a:cs typeface="Segoe UI Light" panose="020B0502040204020203" pitchFamily="34" charset="0"/>
-              </a:rPr>
-              <a:t> (Corruption).</a:t>
-            </a:r>
-          </a:p>
-        </p:txBody>
-      </p:sp>
-      <p:sp>
-        <p:nvSpPr>
-          <p:cNvPr id="126" name="Textfeld 125">
-            <a:extLst>
-              <a:ext uri="{FF2B5EF4-FFF2-40B4-BE49-F238E27FC236}">
-                <a16:creationId xmlns:a16="http://schemas.microsoft.com/office/drawing/2014/main" id="{9B0A9526-F16D-425B-A1A4-841ED2698123}"/>
-              </a:ext>
-            </a:extLst>
-          </p:cNvPr>
-          <p:cNvSpPr txBox="1"/>
-          <p:nvPr/>
-        </p:nvSpPr>
-        <p:spPr>
-          <a:xfrm>
-            <a:off x="1160043" y="2778948"/>
-            <a:ext cx="6039905" cy="1277273"/>
-          </a:xfrm>
-          <a:prstGeom prst="rect">
-            <a:avLst/>
-          </a:prstGeom>
-          <a:noFill/>
-        </p:spPr>
-        <p:txBody>
-          <a:bodyPr wrap="square" rtlCol="0">
-            <a:spAutoFit/>
-          </a:bodyPr>
-          <a:lstStyle/>
-          <a:p>
             <a:r>
               <a:rPr lang="en-GB" sz="1600" b="1" dirty="0">
                 <a:latin typeface="Segoe UI Light" panose="020B0502040204020203" pitchFamily="34" charset="0"/>
@@ -7967,6 +7875,16 @@
             </a:endParaRPr>
           </a:p>
           <a:p>
+            <a:pPr lvl="0" fontAlgn="ctr"/>
+            <a:r>
+              <a:rPr lang="en-GB" sz="1400" dirty="0">
+                <a:latin typeface="Segoe UI Light" panose="020B0502040204020203" pitchFamily="34" charset="0"/>
+                <a:cs typeface="Segoe UI Light" panose="020B0502040204020203" pitchFamily="34" charset="0"/>
+              </a:rPr>
+              <a:t>Merging different datasets:</a:t>
+            </a:r>
+          </a:p>
+          <a:p>
             <a:pPr marL="285750" lvl="0" indent="-285750" fontAlgn="ctr">
               <a:buFont typeface="Arial" panose="020B0604020202020204" pitchFamily="34" charset="0"/>
               <a:buChar char="•"/>
@@ -7976,7 +7894,7 @@
                 <a:latin typeface="Segoe UI Light" panose="020B0502040204020203" pitchFamily="34" charset="0"/>
                 <a:cs typeface="Segoe UI Light" panose="020B0502040204020203" pitchFamily="34" charset="0"/>
               </a:rPr>
-              <a:t>United Nations</a:t>
+              <a:t>United Nations Report</a:t>
             </a:r>
             <a:endParaRPr lang="en-GB" dirty="0">
               <a:latin typeface="Segoe UI Light" panose="020B0502040204020203" pitchFamily="34" charset="0"/>
@@ -8010,10 +7928,7 @@
             </a:r>
           </a:p>
           <a:p>
-            <a:pPr marL="285750" lvl="0" indent="-285750" fontAlgn="ctr">
-              <a:buFont typeface="Arial" panose="020B0604020202020204" pitchFamily="34" charset="0"/>
-              <a:buChar char="•"/>
-            </a:pPr>
+            <a:pPr lvl="0" fontAlgn="ctr"/>
             <a:r>
               <a:rPr lang="en-GB" sz="1400" dirty="0">
                 <a:latin typeface="Segoe UI Light" panose="020B0502040204020203" pitchFamily="34" charset="0"/>
@@ -8024,53 +7939,6 @@
           </a:p>
         </p:txBody>
       </p:sp>
-      <p:pic>
-        <p:nvPicPr>
-          <p:cNvPr id="1028" name="Picture 4" descr="Bildergebnis fÃ¼r normal distribution">
-            <a:extLst>
-              <a:ext uri="{FF2B5EF4-FFF2-40B4-BE49-F238E27FC236}">
-                <a16:creationId xmlns:a16="http://schemas.microsoft.com/office/drawing/2014/main" id="{B13286B2-1428-4C2D-8AB1-322F812F8103}"/>
-              </a:ext>
-            </a:extLst>
-          </p:cNvPr>
-          <p:cNvPicPr>
-            <a:picLocks noChangeAspect="1" noChangeArrowheads="1"/>
-          </p:cNvPicPr>
-          <p:nvPr/>
-        </p:nvPicPr>
-        <p:blipFill>
-          <a:blip r:embed="rId31">
-            <a:extLst>
-              <a:ext uri="{28A0092B-C50C-407E-A947-70E740481C1C}">
-                <a14:useLocalDpi xmlns:a14="http://schemas.microsoft.com/office/drawing/2010/main" val="0"/>
-              </a:ext>
-            </a:extLst>
-          </a:blip>
-          <a:srcRect/>
-          <a:stretch>
-            <a:fillRect/>
-          </a:stretch>
-        </p:blipFill>
-        <p:spPr bwMode="auto">
-          <a:xfrm>
-            <a:off x="13067830" y="8775861"/>
-            <a:ext cx="1005586" cy="402952"/>
-          </a:xfrm>
-          <a:prstGeom prst="rect">
-            <a:avLst/>
-          </a:prstGeom>
-          <a:noFill/>
-          <a:extLst>
-            <a:ext uri="{909E8E84-426E-40DD-AFC4-6F175D3DCCD1}">
-              <a14:hiddenFill xmlns:a14="http://schemas.microsoft.com/office/drawing/2010/main">
-                <a:solidFill>
-                  <a:srgbClr val="FFFFFF"/>
-                </a:solidFill>
-              </a14:hiddenFill>
-            </a:ext>
-          </a:extLst>
-        </p:spPr>
-      </p:pic>
       <p:pic>
         <p:nvPicPr>
           <p:cNvPr id="26" name="Grafik 25">
@@ -8086,7 +7954,7 @@
           <p:nvPr/>
         </p:nvPicPr>
         <p:blipFill rotWithShape="1">
-          <a:blip r:embed="rId32">
+          <a:blip r:embed="rId31">
             <a:extLst>
               <a:ext uri="{28A0092B-C50C-407E-A947-70E740481C1C}">
                 <a14:useLocalDpi xmlns:a14="http://schemas.microsoft.com/office/drawing/2010/main" val="0"/>
@@ -8098,8 +7966,8 @@
         </p:blipFill>
         <p:spPr>
           <a:xfrm>
-            <a:off x="25217724" y="6937121"/>
-            <a:ext cx="3889852" cy="4073299"/>
+            <a:off x="25554490" y="6986666"/>
+            <a:ext cx="3841024" cy="4022168"/>
           </a:xfrm>
           <a:prstGeom prst="rect">
             <a:avLst/>
@@ -8121,7 +7989,7 @@
           <p:nvPr/>
         </p:nvPicPr>
         <p:blipFill rotWithShape="1">
-          <a:blip r:embed="rId32">
+          <a:blip r:embed="rId31">
             <a:extLst>
               <a:ext uri="{28A0092B-C50C-407E-A947-70E740481C1C}">
                 <a14:useLocalDpi xmlns:a14="http://schemas.microsoft.com/office/drawing/2010/main" val="0"/>
@@ -8133,8 +8001,8 @@
         </p:blipFill>
         <p:spPr>
           <a:xfrm>
-            <a:off x="25055234" y="9535401"/>
-            <a:ext cx="1285158" cy="1444484"/>
+            <a:off x="25554490" y="9525274"/>
+            <a:ext cx="1164139" cy="1308462"/>
           </a:xfrm>
           <a:prstGeom prst="rect">
             <a:avLst/>
@@ -8155,8 +8023,8 @@
         </p:nvSpPr>
         <p:spPr>
           <a:xfrm>
-            <a:off x="15019920" y="1949325"/>
-            <a:ext cx="14534857" cy="9217437"/>
+            <a:off x="14984144" y="1855541"/>
+            <a:ext cx="14604337" cy="9217437"/>
           </a:xfrm>
           <a:prstGeom prst="roundRect">
             <a:avLst/>
@@ -8207,7 +8075,7 @@
         </p:nvSpPr>
         <p:spPr>
           <a:xfrm>
-            <a:off x="16075143" y="1747815"/>
+            <a:off x="15672921" y="1654031"/>
             <a:ext cx="3672000" cy="828000"/>
           </a:xfrm>
           <a:prstGeom prst="roundRect">
@@ -8262,8 +8130,8 @@
         </p:nvSpPr>
         <p:spPr>
           <a:xfrm>
-            <a:off x="17107100" y="17278830"/>
-            <a:ext cx="5522908" cy="369332"/>
+            <a:off x="18597290" y="17306897"/>
+            <a:ext cx="5522908" cy="338554"/>
           </a:xfrm>
           <a:prstGeom prst="rect">
             <a:avLst/>
@@ -8277,58 +8145,12 @@
           <a:lstStyle/>
           <a:p>
             <a:r>
-              <a:rPr lang="fr-BE" dirty="0">
-                <a:latin typeface="Segoe UI Light" panose="020B0502040204020203" pitchFamily="34" charset="0"/>
-                <a:cs typeface="Segoe UI Light" panose="020B0502040204020203" pitchFamily="34" charset="0"/>
-              </a:rPr>
-              <a:t>Multiple </a:t>
-            </a:r>
-            <a:r>
-              <a:rPr lang="fr-BE" dirty="0" err="1">
-                <a:latin typeface="Segoe UI Light" panose="020B0502040204020203" pitchFamily="34" charset="0"/>
-                <a:cs typeface="Segoe UI Light" panose="020B0502040204020203" pitchFamily="34" charset="0"/>
-              </a:rPr>
-              <a:t>Linear</a:t>
-            </a:r>
-            <a:r>
-              <a:rPr lang="fr-BE" dirty="0">
-                <a:latin typeface="Segoe UI Light" panose="020B0502040204020203" pitchFamily="34" charset="0"/>
-                <a:cs typeface="Segoe UI Light" panose="020B0502040204020203" pitchFamily="34" charset="0"/>
-              </a:rPr>
-              <a:t> </a:t>
-            </a:r>
-            <a:r>
-              <a:rPr lang="fr-BE" dirty="0" err="1">
-                <a:latin typeface="Segoe UI Light" panose="020B0502040204020203" pitchFamily="34" charset="0"/>
-                <a:cs typeface="Segoe UI Light" panose="020B0502040204020203" pitchFamily="34" charset="0"/>
-              </a:rPr>
-              <a:t>Regression</a:t>
-            </a:r>
-            <a:r>
-              <a:rPr lang="fr-BE" dirty="0">
-                <a:latin typeface="Segoe UI Light" panose="020B0502040204020203" pitchFamily="34" charset="0"/>
-                <a:cs typeface="Segoe UI Light" panose="020B0502040204020203" pitchFamily="34" charset="0"/>
-              </a:rPr>
-              <a:t> </a:t>
-            </a:r>
-            <a:r>
-              <a:rPr lang="fr-BE" dirty="0" err="1">
-                <a:latin typeface="Segoe UI Light" panose="020B0502040204020203" pitchFamily="34" charset="0"/>
-                <a:cs typeface="Segoe UI Light" panose="020B0502040204020203" pitchFamily="34" charset="0"/>
-              </a:rPr>
-              <a:t>with</a:t>
-            </a:r>
-            <a:r>
-              <a:rPr lang="fr-BE" dirty="0">
-                <a:latin typeface="Segoe UI Light" panose="020B0502040204020203" pitchFamily="34" charset="0"/>
-                <a:cs typeface="Segoe UI Light" panose="020B0502040204020203" pitchFamily="34" charset="0"/>
-              </a:rPr>
-              <a:t> 2 Principal Components</a:t>
-            </a:r>
-            <a:endParaRPr lang="en-GB" dirty="0">
-              <a:latin typeface="Segoe UI Light" panose="020B0502040204020203" pitchFamily="34" charset="0"/>
-              <a:cs typeface="Segoe UI Light" panose="020B0502040204020203" pitchFamily="34" charset="0"/>
-            </a:endParaRPr>
+              <a:rPr lang="en-GB" sz="1600" b="1" dirty="0">
+                <a:latin typeface="Segoe UI Light" panose="020B0502040204020203" pitchFamily="34" charset="0"/>
+                <a:cs typeface="Segoe UI Light" panose="020B0502040204020203" pitchFamily="34" charset="0"/>
+              </a:rPr>
+              <a:t>Multiple Linear Regression with 2 Principal Components</a:t>
+            </a:r>
           </a:p>
         </p:txBody>
       </p:sp>
@@ -8338,6 +8160,388 @@
             <a:extLst>
               <a:ext uri="{FF2B5EF4-FFF2-40B4-BE49-F238E27FC236}">
                 <a16:creationId xmlns:a16="http://schemas.microsoft.com/office/drawing/2014/main" id="{CE634F89-F6F3-4CD9-A49D-39FEE2733C30}"/>
+              </a:ext>
+            </a:extLst>
+          </p:cNvPr>
+          <p:cNvPicPr>
+            <a:picLocks noChangeAspect="1"/>
+          </p:cNvPicPr>
+          <p:nvPr/>
+        </p:nvPicPr>
+        <p:blipFill rotWithShape="1">
+          <a:blip r:embed="rId32">
+            <a:extLst>
+              <a:ext uri="{28A0092B-C50C-407E-A947-70E740481C1C}">
+                <a14:useLocalDpi xmlns:a14="http://schemas.microsoft.com/office/drawing/2010/main" val="0"/>
+              </a:ext>
+            </a:extLst>
+          </a:blip>
+          <a:srcRect l="37535" r="1"/>
+          <a:stretch/>
+        </p:blipFill>
+        <p:spPr>
+          <a:xfrm>
+            <a:off x="13587591" y="12595408"/>
+            <a:ext cx="4558204" cy="5419754"/>
+          </a:xfrm>
+          <a:prstGeom prst="rect">
+            <a:avLst/>
+          </a:prstGeom>
+        </p:spPr>
+      </p:pic>
+      <p:sp>
+        <p:nvSpPr>
+          <p:cNvPr id="134" name="Textfeld 133">
+            <a:extLst>
+              <a:ext uri="{FF2B5EF4-FFF2-40B4-BE49-F238E27FC236}">
+                <a16:creationId xmlns:a16="http://schemas.microsoft.com/office/drawing/2014/main" id="{61F3957C-4900-4375-8611-C6DFE473BF97}"/>
+              </a:ext>
+            </a:extLst>
+          </p:cNvPr>
+          <p:cNvSpPr txBox="1"/>
+          <p:nvPr/>
+        </p:nvSpPr>
+        <p:spPr>
+          <a:xfrm>
+            <a:off x="11448283" y="13028367"/>
+            <a:ext cx="2190786" cy="4555093"/>
+          </a:xfrm>
+          <a:prstGeom prst="rect">
+            <a:avLst/>
+          </a:prstGeom>
+          <a:noFill/>
+        </p:spPr>
+        <p:txBody>
+          <a:bodyPr wrap="square" rtlCol="0">
+            <a:spAutoFit/>
+          </a:bodyPr>
+          <a:lstStyle/>
+          <a:p>
+            <a:pPr algn="r"/>
+            <a:r>
+              <a:rPr lang="en-GB" sz="1000" b="1" dirty="0">
+                <a:latin typeface="Segoe UI Light" panose="020B0502040204020203" pitchFamily="34" charset="0"/>
+                <a:cs typeface="Segoe UI Light" panose="020B0502040204020203" pitchFamily="34" charset="0"/>
+              </a:rPr>
+              <a:t>Economy GDP Per Capita</a:t>
+            </a:r>
+          </a:p>
+          <a:p>
+            <a:pPr algn="r"/>
+            <a:r>
+              <a:rPr lang="en-GB" sz="1000" b="1" dirty="0">
+                <a:latin typeface="Segoe UI Light" panose="020B0502040204020203" pitchFamily="34" charset="0"/>
+                <a:cs typeface="Segoe UI Light" panose="020B0502040204020203" pitchFamily="34" charset="0"/>
+              </a:rPr>
+              <a:t>Internet Usage</a:t>
+            </a:r>
+          </a:p>
+          <a:p>
+            <a:pPr algn="r"/>
+            <a:r>
+              <a:rPr lang="en-GB" sz="1000" b="1" dirty="0">
+                <a:latin typeface="Segoe UI Light" panose="020B0502040204020203" pitchFamily="34" charset="0"/>
+                <a:cs typeface="Segoe UI Light" panose="020B0502040204020203" pitchFamily="34" charset="0"/>
+              </a:rPr>
+              <a:t>Electricity Access</a:t>
+            </a:r>
+          </a:p>
+          <a:p>
+            <a:pPr algn="r"/>
+            <a:r>
+              <a:rPr lang="en-GB" sz="1000" b="1" dirty="0">
+                <a:latin typeface="Segoe UI Light" panose="020B0502040204020203" pitchFamily="34" charset="0"/>
+                <a:cs typeface="Segoe UI Light" panose="020B0502040204020203" pitchFamily="34" charset="0"/>
+              </a:rPr>
+              <a:t>Health Life Expectancy</a:t>
+            </a:r>
+          </a:p>
+          <a:p>
+            <a:pPr algn="r"/>
+            <a:r>
+              <a:rPr lang="en-GB" sz="1000" dirty="0">
+                <a:latin typeface="Segoe UI Light" panose="020B0502040204020203" pitchFamily="34" charset="0"/>
+                <a:cs typeface="Segoe UI Light" panose="020B0502040204020203" pitchFamily="34" charset="0"/>
+              </a:rPr>
+              <a:t>Child Mortality</a:t>
+            </a:r>
+          </a:p>
+          <a:p>
+            <a:pPr algn="r"/>
+            <a:r>
+              <a:rPr lang="en-GB" sz="1000" dirty="0">
+                <a:latin typeface="Segoe UI Light" panose="020B0502040204020203" pitchFamily="34" charset="0"/>
+                <a:cs typeface="Segoe UI Light" panose="020B0502040204020203" pitchFamily="34" charset="0"/>
+              </a:rPr>
+              <a:t>Clean Water</a:t>
+            </a:r>
+          </a:p>
+          <a:p>
+            <a:pPr algn="r"/>
+            <a:r>
+              <a:rPr lang="en-GB" sz="1000" dirty="0">
+                <a:latin typeface="Segoe UI Light" panose="020B0502040204020203" pitchFamily="34" charset="0"/>
+                <a:cs typeface="Segoe UI Light" panose="020B0502040204020203" pitchFamily="34" charset="0"/>
+              </a:rPr>
+              <a:t>Urban Population %</a:t>
+            </a:r>
+          </a:p>
+          <a:p>
+            <a:pPr algn="r"/>
+            <a:r>
+              <a:rPr lang="en-GB" sz="1000" dirty="0">
+                <a:latin typeface="Segoe UI Light" panose="020B0502040204020203" pitchFamily="34" charset="0"/>
+                <a:cs typeface="Segoe UI Light" panose="020B0502040204020203" pitchFamily="34" charset="0"/>
+              </a:rPr>
+              <a:t>Automotive Mortality</a:t>
+            </a:r>
+          </a:p>
+          <a:p>
+            <a:pPr algn="r"/>
+            <a:r>
+              <a:rPr lang="en-GB" sz="1000" dirty="0">
+                <a:latin typeface="Segoe UI Light" panose="020B0502040204020203" pitchFamily="34" charset="0"/>
+                <a:cs typeface="Segoe UI Light" panose="020B0502040204020203" pitchFamily="34" charset="0"/>
+              </a:rPr>
+              <a:t>Birth Rate</a:t>
+            </a:r>
+          </a:p>
+          <a:p>
+            <a:pPr algn="r"/>
+            <a:r>
+              <a:rPr lang="en-GB" sz="1000" dirty="0">
+                <a:latin typeface="Segoe UI Light" panose="020B0502040204020203" pitchFamily="34" charset="0"/>
+                <a:cs typeface="Segoe UI Light" panose="020B0502040204020203" pitchFamily="34" charset="0"/>
+              </a:rPr>
+              <a:t>Entrepreneurship Cost</a:t>
+            </a:r>
+          </a:p>
+          <a:p>
+            <a:pPr algn="r"/>
+            <a:r>
+              <a:rPr lang="en-GB" sz="1000" dirty="0">
+                <a:latin typeface="Segoe UI Light" panose="020B0502040204020203" pitchFamily="34" charset="0"/>
+                <a:cs typeface="Segoe UI Light" panose="020B0502040204020203" pitchFamily="34" charset="0"/>
+              </a:rPr>
+              <a:t>Cellular Subscriber</a:t>
+            </a:r>
+          </a:p>
+          <a:p>
+            <a:pPr algn="r"/>
+            <a:r>
+              <a:rPr lang="en-GB" sz="1000" dirty="0">
+                <a:latin typeface="Segoe UI Light" panose="020B0502040204020203" pitchFamily="34" charset="0"/>
+                <a:cs typeface="Segoe UI Light" panose="020B0502040204020203" pitchFamily="34" charset="0"/>
+              </a:rPr>
+              <a:t>Family</a:t>
+            </a:r>
+          </a:p>
+          <a:p>
+            <a:pPr algn="r"/>
+            <a:r>
+              <a:rPr lang="en-GB" sz="1000" dirty="0">
+                <a:latin typeface="Segoe UI Light" panose="020B0502040204020203" pitchFamily="34" charset="0"/>
+                <a:cs typeface="Segoe UI Light" panose="020B0502040204020203" pitchFamily="34" charset="0"/>
+              </a:rPr>
+              <a:t>Obesity</a:t>
+            </a:r>
+          </a:p>
+          <a:p>
+            <a:pPr algn="r"/>
+            <a:r>
+              <a:rPr lang="en-GB" sz="1000" dirty="0">
+                <a:latin typeface="Segoe UI Light" panose="020B0502040204020203" pitchFamily="34" charset="0"/>
+                <a:cs typeface="Segoe UI Light" panose="020B0502040204020203" pitchFamily="34" charset="0"/>
+              </a:rPr>
+              <a:t>Population Growth Rate</a:t>
+            </a:r>
+          </a:p>
+          <a:p>
+            <a:pPr algn="r"/>
+            <a:r>
+              <a:rPr lang="en-GB" sz="1000" dirty="0">
+                <a:latin typeface="Segoe UI Light" panose="020B0502040204020203" pitchFamily="34" charset="0"/>
+                <a:cs typeface="Segoe UI Light" panose="020B0502040204020203" pitchFamily="34" charset="0"/>
+              </a:rPr>
+              <a:t>Infant Immunization Measles</a:t>
+            </a:r>
+          </a:p>
+          <a:p>
+            <a:pPr algn="r"/>
+            <a:r>
+              <a:rPr lang="en-GB" sz="1000" dirty="0">
+                <a:latin typeface="Segoe UI Light" panose="020B0502040204020203" pitchFamily="34" charset="0"/>
+                <a:cs typeface="Segoe UI Light" panose="020B0502040204020203" pitchFamily="34" charset="0"/>
+              </a:rPr>
+              <a:t>Trust Government (Corruption)</a:t>
+            </a:r>
+          </a:p>
+          <a:p>
+            <a:pPr algn="r"/>
+            <a:r>
+              <a:rPr lang="en-GB" sz="1000" dirty="0">
+                <a:latin typeface="Segoe UI Light" panose="020B0502040204020203" pitchFamily="34" charset="0"/>
+                <a:cs typeface="Segoe UI Light" panose="020B0502040204020203" pitchFamily="34" charset="0"/>
+              </a:rPr>
+              <a:t>Freedom</a:t>
+            </a:r>
+          </a:p>
+          <a:p>
+            <a:pPr algn="r"/>
+            <a:r>
+              <a:rPr lang="en-GB" sz="1000" dirty="0">
+                <a:latin typeface="Segoe UI Light" panose="020B0502040204020203" pitchFamily="34" charset="0"/>
+                <a:cs typeface="Segoe UI Light" panose="020B0502040204020203" pitchFamily="34" charset="0"/>
+              </a:rPr>
+              <a:t>Air Pollution</a:t>
+            </a:r>
+          </a:p>
+          <a:p>
+            <a:pPr algn="r"/>
+            <a:r>
+              <a:rPr lang="en-GB" sz="1000" dirty="0">
+                <a:latin typeface="Segoe UI Light" panose="020B0502040204020203" pitchFamily="34" charset="0"/>
+                <a:cs typeface="Segoe UI Light" panose="020B0502040204020203" pitchFamily="34" charset="0"/>
+              </a:rPr>
+              <a:t>HIV Disease</a:t>
+            </a:r>
+          </a:p>
+          <a:p>
+            <a:pPr algn="r"/>
+            <a:r>
+              <a:rPr lang="en-GB" sz="1000" dirty="0">
+                <a:latin typeface="Segoe UI Light" panose="020B0502040204020203" pitchFamily="34" charset="0"/>
+                <a:cs typeface="Segoe UI Light" panose="020B0502040204020203" pitchFamily="34" charset="0"/>
+              </a:rPr>
+              <a:t>Mental and Substance Disorder</a:t>
+            </a:r>
+          </a:p>
+          <a:p>
+            <a:pPr algn="r"/>
+            <a:r>
+              <a:rPr lang="en-GB" sz="1000" dirty="0">
+                <a:latin typeface="Segoe UI Light" panose="020B0502040204020203" pitchFamily="34" charset="0"/>
+                <a:cs typeface="Segoe UI Light" panose="020B0502040204020203" pitchFamily="34" charset="0"/>
+              </a:rPr>
+              <a:t>Alcohol Consumption</a:t>
+            </a:r>
+          </a:p>
+          <a:p>
+            <a:pPr algn="r"/>
+            <a:r>
+              <a:rPr lang="en-GB" sz="1000" dirty="0">
+                <a:latin typeface="Segoe UI Light" panose="020B0502040204020203" pitchFamily="34" charset="0"/>
+                <a:cs typeface="Segoe UI Light" panose="020B0502040204020203" pitchFamily="34" charset="0"/>
+              </a:rPr>
+              <a:t>Agricultural Land %</a:t>
+            </a:r>
+          </a:p>
+          <a:p>
+            <a:pPr algn="r"/>
+            <a:r>
+              <a:rPr lang="en-GB" sz="1000" dirty="0">
+                <a:latin typeface="Segoe UI Light" panose="020B0502040204020203" pitchFamily="34" charset="0"/>
+                <a:cs typeface="Segoe UI Light" panose="020B0502040204020203" pitchFamily="34" charset="0"/>
+              </a:rPr>
+              <a:t>Generosity</a:t>
+            </a:r>
+          </a:p>
+          <a:p>
+            <a:pPr algn="r"/>
+            <a:r>
+              <a:rPr lang="en-GB" sz="1000" dirty="0">
+                <a:latin typeface="Segoe UI Light" panose="020B0502040204020203" pitchFamily="34" charset="0"/>
+                <a:cs typeface="Segoe UI Light" panose="020B0502040204020203" pitchFamily="34" charset="0"/>
+              </a:rPr>
+              <a:t>Compulsory Education</a:t>
+            </a:r>
+          </a:p>
+          <a:p>
+            <a:pPr algn="r"/>
+            <a:r>
+              <a:rPr lang="en-GB" sz="1000" dirty="0">
+                <a:latin typeface="Segoe UI Light" panose="020B0502040204020203" pitchFamily="34" charset="0"/>
+                <a:cs typeface="Segoe UI Light" panose="020B0502040204020203" pitchFamily="34" charset="0"/>
+              </a:rPr>
+              <a:t>Forest Area Land %</a:t>
+            </a:r>
+          </a:p>
+          <a:p>
+            <a:pPr algn="r"/>
+            <a:r>
+              <a:rPr lang="en-GB" sz="1000" dirty="0">
+                <a:latin typeface="Segoe UI Light" panose="020B0502040204020203" pitchFamily="34" charset="0"/>
+                <a:cs typeface="Segoe UI Light" panose="020B0502040204020203" pitchFamily="34" charset="0"/>
+              </a:rPr>
+              <a:t>Total Population</a:t>
+            </a:r>
+          </a:p>
+          <a:p>
+            <a:pPr algn="r"/>
+            <a:r>
+              <a:rPr lang="en-GB" sz="1000" dirty="0">
+                <a:latin typeface="Segoe UI Light" panose="020B0502040204020203" pitchFamily="34" charset="0"/>
+                <a:cs typeface="Segoe UI Light" panose="020B0502040204020203" pitchFamily="34" charset="0"/>
+              </a:rPr>
+              <a:t>Suicide</a:t>
+            </a:r>
+          </a:p>
+          <a:p>
+            <a:pPr algn="r"/>
+            <a:r>
+              <a:rPr lang="en-GB" sz="1000" dirty="0">
+                <a:latin typeface="Segoe UI Light" panose="020B0502040204020203" pitchFamily="34" charset="0"/>
+                <a:cs typeface="Segoe UI Light" panose="020B0502040204020203" pitchFamily="34" charset="0"/>
+              </a:rPr>
+              <a:t>Legal Rights</a:t>
+            </a:r>
+          </a:p>
+        </p:txBody>
+      </p:sp>
+      <p:sp>
+        <p:nvSpPr>
+          <p:cNvPr id="87" name="Textfeld 86">
+            <a:extLst>
+              <a:ext uri="{FF2B5EF4-FFF2-40B4-BE49-F238E27FC236}">
+                <a16:creationId xmlns:a16="http://schemas.microsoft.com/office/drawing/2014/main" id="{832B9877-46F0-48C5-AFC9-33CEF009BE88}"/>
+              </a:ext>
+            </a:extLst>
+          </p:cNvPr>
+          <p:cNvSpPr txBox="1"/>
+          <p:nvPr/>
+        </p:nvSpPr>
+        <p:spPr>
+          <a:xfrm>
+            <a:off x="12177273" y="12482934"/>
+            <a:ext cx="4469599" cy="338554"/>
+          </a:xfrm>
+          <a:prstGeom prst="rect">
+            <a:avLst/>
+          </a:prstGeom>
+          <a:noFill/>
+        </p:spPr>
+        <p:txBody>
+          <a:bodyPr wrap="square" rtlCol="0">
+            <a:spAutoFit/>
+          </a:bodyPr>
+          <a:lstStyle/>
+          <a:p>
+            <a:r>
+              <a:rPr lang="en-GB" sz="1600" b="1" dirty="0">
+                <a:latin typeface="Segoe UI Light" panose="020B0502040204020203" pitchFamily="34" charset="0"/>
+                <a:cs typeface="Segoe UI Light" panose="020B0502040204020203" pitchFamily="34" charset="0"/>
+              </a:rPr>
+              <a:t>Variable Importance on Happiness Score</a:t>
+            </a:r>
+          </a:p>
+        </p:txBody>
+      </p:sp>
+      <p:pic>
+        <p:nvPicPr>
+          <p:cNvPr id="63" name="Grafik 62">
+            <a:extLst>
+              <a:ext uri="{FF2B5EF4-FFF2-40B4-BE49-F238E27FC236}">
+                <a16:creationId xmlns:a16="http://schemas.microsoft.com/office/drawing/2014/main" id="{D471C9B5-2D71-43DE-98A7-D6BD71AC98EE}"/>
               </a:ext>
             </a:extLst>
           </p:cNvPr>
@@ -8354,395 +8558,13 @@
               </a:ext>
             </a:extLst>
           </a:blip>
-          <a:srcRect l="37535" r="1"/>
-          <a:stretch/>
-        </p:blipFill>
-        <p:spPr>
-          <a:xfrm>
-            <a:off x="12605129" y="12560238"/>
-            <a:ext cx="4558204" cy="5419754"/>
-          </a:xfrm>
-          <a:prstGeom prst="rect">
-            <a:avLst/>
-          </a:prstGeom>
-        </p:spPr>
-      </p:pic>
-      <p:sp>
-        <p:nvSpPr>
-          <p:cNvPr id="134" name="Textfeld 133">
-            <a:extLst>
-              <a:ext uri="{FF2B5EF4-FFF2-40B4-BE49-F238E27FC236}">
-                <a16:creationId xmlns:a16="http://schemas.microsoft.com/office/drawing/2014/main" id="{61F3957C-4900-4375-8611-C6DFE473BF97}"/>
-              </a:ext>
-            </a:extLst>
-          </p:cNvPr>
-          <p:cNvSpPr txBox="1"/>
-          <p:nvPr/>
-        </p:nvSpPr>
-        <p:spPr>
-          <a:xfrm>
-            <a:off x="10533848" y="12993197"/>
-            <a:ext cx="2190786" cy="4401205"/>
-          </a:xfrm>
-          <a:prstGeom prst="rect">
-            <a:avLst/>
-          </a:prstGeom>
-          <a:noFill/>
-        </p:spPr>
-        <p:txBody>
-          <a:bodyPr wrap="square" rtlCol="0">
-            <a:spAutoFit/>
-          </a:bodyPr>
-          <a:lstStyle/>
-          <a:p>
-            <a:pPr algn="r"/>
-            <a:r>
-              <a:rPr lang="en-GB" sz="1000" b="1" dirty="0">
-                <a:latin typeface="Segoe UI Light" panose="020B0502040204020203" pitchFamily="34" charset="0"/>
-                <a:cs typeface="Segoe UI Light" panose="020B0502040204020203" pitchFamily="34" charset="0"/>
-              </a:rPr>
-              <a:t>Economy GDP Per Capita</a:t>
-            </a:r>
-          </a:p>
-          <a:p>
-            <a:pPr algn="r"/>
-            <a:r>
-              <a:rPr lang="en-GB" sz="1000" b="1" dirty="0">
-                <a:latin typeface="Segoe UI Light" panose="020B0502040204020203" pitchFamily="34" charset="0"/>
-                <a:cs typeface="Segoe UI Light" panose="020B0502040204020203" pitchFamily="34" charset="0"/>
-              </a:rPr>
-              <a:t>Internet Usage</a:t>
-            </a:r>
-          </a:p>
-          <a:p>
-            <a:pPr algn="r"/>
-            <a:r>
-              <a:rPr lang="en-GB" sz="1000" b="1" dirty="0">
-                <a:latin typeface="Segoe UI Light" panose="020B0502040204020203" pitchFamily="34" charset="0"/>
-                <a:cs typeface="Segoe UI Light" panose="020B0502040204020203" pitchFamily="34" charset="0"/>
-              </a:rPr>
-              <a:t>Child Mortality</a:t>
-            </a:r>
-          </a:p>
-          <a:p>
-            <a:pPr algn="r"/>
-            <a:r>
-              <a:rPr lang="en-GB" sz="1000" b="1" dirty="0">
-                <a:latin typeface="Segoe UI Light" panose="020B0502040204020203" pitchFamily="34" charset="0"/>
-                <a:cs typeface="Segoe UI Light" panose="020B0502040204020203" pitchFamily="34" charset="0"/>
-              </a:rPr>
-              <a:t>Electricity Access</a:t>
-            </a:r>
-          </a:p>
-          <a:p>
-            <a:pPr algn="r"/>
-            <a:r>
-              <a:rPr lang="en-GB" sz="1000" b="1" dirty="0">
-                <a:latin typeface="Segoe UI Light" panose="020B0502040204020203" pitchFamily="34" charset="0"/>
-                <a:cs typeface="Segoe UI Light" panose="020B0502040204020203" pitchFamily="34" charset="0"/>
-              </a:rPr>
-              <a:t>Health Life Expectancy</a:t>
-            </a:r>
-          </a:p>
-          <a:p>
-            <a:pPr algn="r"/>
-            <a:r>
-              <a:rPr lang="en-GB" sz="1000" dirty="0">
-                <a:latin typeface="Segoe UI Light" panose="020B0502040204020203" pitchFamily="34" charset="0"/>
-                <a:cs typeface="Segoe UI Light" panose="020B0502040204020203" pitchFamily="34" charset="0"/>
-              </a:rPr>
-              <a:t>Clean Water</a:t>
-            </a:r>
-          </a:p>
-          <a:p>
-            <a:pPr algn="r"/>
-            <a:r>
-              <a:rPr lang="en-GB" sz="1000" dirty="0">
-                <a:latin typeface="Segoe UI Light" panose="020B0502040204020203" pitchFamily="34" charset="0"/>
-                <a:cs typeface="Segoe UI Light" panose="020B0502040204020203" pitchFamily="34" charset="0"/>
-              </a:rPr>
-              <a:t>Urban Population %</a:t>
-            </a:r>
-          </a:p>
-          <a:p>
-            <a:pPr algn="r"/>
-            <a:r>
-              <a:rPr lang="en-GB" sz="1000" dirty="0">
-                <a:latin typeface="Segoe UI Light" panose="020B0502040204020203" pitchFamily="34" charset="0"/>
-                <a:cs typeface="Segoe UI Light" panose="020B0502040204020203" pitchFamily="34" charset="0"/>
-              </a:rPr>
-              <a:t>Automotive Mortality</a:t>
-            </a:r>
-          </a:p>
-          <a:p>
-            <a:pPr algn="r"/>
-            <a:r>
-              <a:rPr lang="en-GB" sz="1000" dirty="0">
-                <a:latin typeface="Segoe UI Light" panose="020B0502040204020203" pitchFamily="34" charset="0"/>
-                <a:cs typeface="Segoe UI Light" panose="020B0502040204020203" pitchFamily="34" charset="0"/>
-              </a:rPr>
-              <a:t>Birth Rate</a:t>
-            </a:r>
-          </a:p>
-          <a:p>
-            <a:pPr algn="r"/>
-            <a:r>
-              <a:rPr lang="en-GB" sz="1000" dirty="0">
-                <a:latin typeface="Segoe UI Light" panose="020B0502040204020203" pitchFamily="34" charset="0"/>
-                <a:cs typeface="Segoe UI Light" panose="020B0502040204020203" pitchFamily="34" charset="0"/>
-              </a:rPr>
-              <a:t>Entrepreneurship Cost</a:t>
-            </a:r>
-          </a:p>
-          <a:p>
-            <a:pPr algn="r"/>
-            <a:r>
-              <a:rPr lang="en-GB" sz="1000" dirty="0">
-                <a:latin typeface="Segoe UI Light" panose="020B0502040204020203" pitchFamily="34" charset="0"/>
-                <a:cs typeface="Segoe UI Light" panose="020B0502040204020203" pitchFamily="34" charset="0"/>
-              </a:rPr>
-              <a:t>Cellular Subscriber</a:t>
-            </a:r>
-          </a:p>
-          <a:p>
-            <a:pPr algn="r"/>
-            <a:r>
-              <a:rPr lang="en-GB" sz="1000" dirty="0">
-                <a:latin typeface="Segoe UI Light" panose="020B0502040204020203" pitchFamily="34" charset="0"/>
-                <a:cs typeface="Segoe UI Light" panose="020B0502040204020203" pitchFamily="34" charset="0"/>
-              </a:rPr>
-              <a:t>Family</a:t>
-            </a:r>
-          </a:p>
-          <a:p>
-            <a:pPr algn="r"/>
-            <a:r>
-              <a:rPr lang="en-GB" sz="1000" dirty="0">
-                <a:latin typeface="Segoe UI Light" panose="020B0502040204020203" pitchFamily="34" charset="0"/>
-                <a:cs typeface="Segoe UI Light" panose="020B0502040204020203" pitchFamily="34" charset="0"/>
-              </a:rPr>
-              <a:t>Obesity</a:t>
-            </a:r>
-          </a:p>
-          <a:p>
-            <a:pPr algn="r"/>
-            <a:r>
-              <a:rPr lang="en-GB" sz="1000" dirty="0">
-                <a:latin typeface="Segoe UI Light" panose="020B0502040204020203" pitchFamily="34" charset="0"/>
-                <a:cs typeface="Segoe UI Light" panose="020B0502040204020203" pitchFamily="34" charset="0"/>
-              </a:rPr>
-              <a:t>Population Growth Rate</a:t>
-            </a:r>
-          </a:p>
-          <a:p>
-            <a:pPr algn="r"/>
-            <a:r>
-              <a:rPr lang="en-GB" sz="1000" dirty="0">
-                <a:latin typeface="Segoe UI Light" panose="020B0502040204020203" pitchFamily="34" charset="0"/>
-                <a:cs typeface="Segoe UI Light" panose="020B0502040204020203" pitchFamily="34" charset="0"/>
-              </a:rPr>
-              <a:t>Infant Immunization Measles</a:t>
-            </a:r>
-          </a:p>
-          <a:p>
-            <a:pPr algn="r"/>
-            <a:r>
-              <a:rPr lang="en-GB" sz="1000" dirty="0">
-                <a:latin typeface="Segoe UI Light" panose="020B0502040204020203" pitchFamily="34" charset="0"/>
-                <a:cs typeface="Segoe UI Light" panose="020B0502040204020203" pitchFamily="34" charset="0"/>
-              </a:rPr>
-              <a:t>Trust Government (Corruption)</a:t>
-            </a:r>
-          </a:p>
-          <a:p>
-            <a:pPr algn="r"/>
-            <a:r>
-              <a:rPr lang="en-GB" sz="1000" dirty="0">
-                <a:latin typeface="Segoe UI Light" panose="020B0502040204020203" pitchFamily="34" charset="0"/>
-                <a:cs typeface="Segoe UI Light" panose="020B0502040204020203" pitchFamily="34" charset="0"/>
-              </a:rPr>
-              <a:t>Freedom</a:t>
-            </a:r>
-          </a:p>
-          <a:p>
-            <a:pPr algn="r"/>
-            <a:r>
-              <a:rPr lang="en-GB" sz="1000" dirty="0">
-                <a:latin typeface="Segoe UI Light" panose="020B0502040204020203" pitchFamily="34" charset="0"/>
-                <a:cs typeface="Segoe UI Light" panose="020B0502040204020203" pitchFamily="34" charset="0"/>
-              </a:rPr>
-              <a:t>Air Pollution</a:t>
-            </a:r>
-          </a:p>
-          <a:p>
-            <a:pPr algn="r"/>
-            <a:r>
-              <a:rPr lang="en-GB" sz="1000" dirty="0">
-                <a:latin typeface="Segoe UI Light" panose="020B0502040204020203" pitchFamily="34" charset="0"/>
-                <a:cs typeface="Segoe UI Light" panose="020B0502040204020203" pitchFamily="34" charset="0"/>
-              </a:rPr>
-              <a:t>HIV Disease</a:t>
-            </a:r>
-          </a:p>
-          <a:p>
-            <a:pPr algn="r"/>
-            <a:r>
-              <a:rPr lang="en-GB" sz="1000" dirty="0">
-                <a:latin typeface="Segoe UI Light" panose="020B0502040204020203" pitchFamily="34" charset="0"/>
-                <a:cs typeface="Segoe UI Light" panose="020B0502040204020203" pitchFamily="34" charset="0"/>
-              </a:rPr>
-              <a:t>Mental and Substance Disorder</a:t>
-            </a:r>
-          </a:p>
-          <a:p>
-            <a:pPr algn="r"/>
-            <a:r>
-              <a:rPr lang="en-GB" sz="1000" dirty="0">
-                <a:latin typeface="Segoe UI Light" panose="020B0502040204020203" pitchFamily="34" charset="0"/>
-                <a:cs typeface="Segoe UI Light" panose="020B0502040204020203" pitchFamily="34" charset="0"/>
-              </a:rPr>
-              <a:t>Alcohol Consumption</a:t>
-            </a:r>
-          </a:p>
-          <a:p>
-            <a:pPr algn="r"/>
-            <a:r>
-              <a:rPr lang="en-GB" sz="1000" dirty="0">
-                <a:latin typeface="Segoe UI Light" panose="020B0502040204020203" pitchFamily="34" charset="0"/>
-                <a:cs typeface="Segoe UI Light" panose="020B0502040204020203" pitchFamily="34" charset="0"/>
-              </a:rPr>
-              <a:t>Agricultural Land %</a:t>
-            </a:r>
-          </a:p>
-          <a:p>
-            <a:pPr algn="r"/>
-            <a:r>
-              <a:rPr lang="en-GB" sz="1000" dirty="0">
-                <a:latin typeface="Segoe UI Light" panose="020B0502040204020203" pitchFamily="34" charset="0"/>
-                <a:cs typeface="Segoe UI Light" panose="020B0502040204020203" pitchFamily="34" charset="0"/>
-              </a:rPr>
-              <a:t>Generosity</a:t>
-            </a:r>
-          </a:p>
-          <a:p>
-            <a:pPr algn="r"/>
-            <a:r>
-              <a:rPr lang="en-GB" sz="1000" dirty="0">
-                <a:latin typeface="Segoe UI Light" panose="020B0502040204020203" pitchFamily="34" charset="0"/>
-                <a:cs typeface="Segoe UI Light" panose="020B0502040204020203" pitchFamily="34" charset="0"/>
-              </a:rPr>
-              <a:t>Compulsory Education</a:t>
-            </a:r>
-          </a:p>
-          <a:p>
-            <a:pPr algn="r"/>
-            <a:r>
-              <a:rPr lang="en-GB" sz="1000" dirty="0">
-                <a:latin typeface="Segoe UI Light" panose="020B0502040204020203" pitchFamily="34" charset="0"/>
-                <a:cs typeface="Segoe UI Light" panose="020B0502040204020203" pitchFamily="34" charset="0"/>
-              </a:rPr>
-              <a:t>Forest Area Land %</a:t>
-            </a:r>
-          </a:p>
-          <a:p>
-            <a:pPr algn="r"/>
-            <a:r>
-              <a:rPr lang="en-GB" sz="1000" dirty="0">
-                <a:latin typeface="Segoe UI Light" panose="020B0502040204020203" pitchFamily="34" charset="0"/>
-                <a:cs typeface="Segoe UI Light" panose="020B0502040204020203" pitchFamily="34" charset="0"/>
-              </a:rPr>
-              <a:t>Total Population</a:t>
-            </a:r>
-          </a:p>
-          <a:p>
-            <a:pPr algn="r"/>
-            <a:r>
-              <a:rPr lang="en-GB" sz="1000" dirty="0">
-                <a:latin typeface="Segoe UI Light" panose="020B0502040204020203" pitchFamily="34" charset="0"/>
-                <a:cs typeface="Segoe UI Light" panose="020B0502040204020203" pitchFamily="34" charset="0"/>
-              </a:rPr>
-              <a:t>Suicide</a:t>
-            </a:r>
-          </a:p>
-          <a:p>
-            <a:pPr algn="r"/>
-            <a:r>
-              <a:rPr lang="en-GB" sz="1000" dirty="0">
-                <a:latin typeface="Segoe UI Light" panose="020B0502040204020203" pitchFamily="34" charset="0"/>
-                <a:cs typeface="Segoe UI Light" panose="020B0502040204020203" pitchFamily="34" charset="0"/>
-              </a:rPr>
-              <a:t>Legal Rights</a:t>
-            </a:r>
-          </a:p>
-        </p:txBody>
-      </p:sp>
-      <p:sp>
-        <p:nvSpPr>
-          <p:cNvPr id="87" name="Textfeld 86">
-            <a:extLst>
-              <a:ext uri="{FF2B5EF4-FFF2-40B4-BE49-F238E27FC236}">
-                <a16:creationId xmlns:a16="http://schemas.microsoft.com/office/drawing/2014/main" id="{832B9877-46F0-48C5-AFC9-33CEF009BE88}"/>
-              </a:ext>
-            </a:extLst>
-          </p:cNvPr>
-          <p:cNvSpPr txBox="1"/>
-          <p:nvPr/>
-        </p:nvSpPr>
-        <p:spPr>
-          <a:xfrm>
-            <a:off x="11123691" y="12498564"/>
-            <a:ext cx="4469599" cy="338554"/>
-          </a:xfrm>
-          <a:prstGeom prst="rect">
-            <a:avLst/>
-          </a:prstGeom>
-          <a:noFill/>
-        </p:spPr>
-        <p:txBody>
-          <a:bodyPr wrap="square" rtlCol="0">
-            <a:spAutoFit/>
-          </a:bodyPr>
-          <a:lstStyle/>
-          <a:p>
-            <a:r>
-              <a:rPr lang="en-GB" sz="1600" b="1" dirty="0">
-                <a:latin typeface="Segoe UI Light" panose="020B0502040204020203" pitchFamily="34" charset="0"/>
-                <a:cs typeface="Segoe UI Light" panose="020B0502040204020203" pitchFamily="34" charset="0"/>
-              </a:rPr>
-              <a:t>Variable Importance on Happiness Score</a:t>
-            </a:r>
-          </a:p>
-        </p:txBody>
-      </p:sp>
-      <p:pic>
-        <p:nvPicPr>
-          <p:cNvPr id="63" name="Grafik 62">
-            <a:extLst>
-              <a:ext uri="{FF2B5EF4-FFF2-40B4-BE49-F238E27FC236}">
-                <a16:creationId xmlns:a16="http://schemas.microsoft.com/office/drawing/2014/main" id="{D471C9B5-2D71-43DE-98A7-D6BD71AC98EE}"/>
-              </a:ext>
-            </a:extLst>
-          </p:cNvPr>
-          <p:cNvPicPr>
-            <a:picLocks noChangeAspect="1"/>
-          </p:cNvPicPr>
-          <p:nvPr/>
-        </p:nvPicPr>
-        <p:blipFill rotWithShape="1">
-          <a:blip r:embed="rId34">
-            <a:extLst>
-              <a:ext uri="{28A0092B-C50C-407E-A947-70E740481C1C}">
-                <a14:useLocalDpi xmlns:a14="http://schemas.microsoft.com/office/drawing/2010/main" val="0"/>
-              </a:ext>
-            </a:extLst>
-          </a:blip>
           <a:srcRect t="4443" b="-1"/>
           <a:stretch/>
         </p:blipFill>
         <p:spPr>
           <a:xfrm>
-            <a:off x="17179376" y="12844613"/>
-            <a:ext cx="5341020" cy="4344030"/>
+            <a:off x="18588516" y="12898382"/>
+            <a:ext cx="5240503" cy="4262276"/>
           </a:xfrm>
           <a:prstGeom prst="rect">
             <a:avLst/>
@@ -8758,13 +8580,15 @@
               </a:ext>
             </a:extLst>
           </p:cNvPr>
-          <p:cNvCxnSpPr/>
+          <p:cNvCxnSpPr>
+            <a:cxnSpLocks/>
+          </p:cNvCxnSpPr>
           <p:nvPr/>
         </p:nvCxnSpPr>
         <p:spPr>
           <a:xfrm>
-            <a:off x="17107100" y="12252960"/>
-            <a:ext cx="0" cy="8112078"/>
+            <a:off x="18252475" y="12304022"/>
+            <a:ext cx="1" cy="8259818"/>
           </a:xfrm>
           <a:prstGeom prst="line">
             <a:avLst/>
@@ -8772,13 +8596,13 @@
         </p:spPr>
         <p:style>
           <a:lnRef idx="1">
-            <a:schemeClr val="accent1"/>
+            <a:schemeClr val="accent3"/>
           </a:lnRef>
           <a:fillRef idx="0">
-            <a:schemeClr val="accent1"/>
+            <a:schemeClr val="accent3"/>
           </a:fillRef>
           <a:effectRef idx="0">
-            <a:schemeClr val="accent1"/>
+            <a:schemeClr val="accent3"/>
           </a:effectRef>
           <a:fontRef idx="minor">
             <a:schemeClr val="tx1"/>
@@ -8801,8 +8625,8 @@
             </p:nvSpPr>
             <p:spPr>
               <a:xfrm>
-                <a:off x="17304334" y="17745749"/>
-                <a:ext cx="5171208" cy="3132204"/>
+                <a:off x="18693196" y="17699639"/>
+                <a:ext cx="5171208" cy="2979085"/>
               </a:xfrm>
               <a:prstGeom prst="rect">
                 <a:avLst/>
@@ -8815,6 +8639,7 @@
               </a:bodyPr>
               <a:lstStyle/>
               <a:p>
+                <a:pPr/>
                 <a14:m>
                   <m:oMathPara xmlns:m="http://schemas.openxmlformats.org/officeDocument/2006/math">
                     <m:oMathParaPr>
@@ -8824,20 +8649,20 @@
                       <m:sSub>
                         <m:sSubPr>
                           <m:ctrlPr>
-                            <a:rPr lang="en-GB" sz="2000" i="1" smtClean="0">
+                            <a:rPr lang="en-GB" i="1" smtClean="0">
                               <a:latin typeface="Cambria Math" panose="02040503050406030204" pitchFamily="18" charset="0"/>
                             </a:rPr>
                           </m:ctrlPr>
                         </m:sSubPr>
                         <m:e>
                           <m:r>
-                            <a:rPr lang="en-GB" sz="2000" i="1">
+                            <a:rPr lang="en-GB" i="1">
                               <a:latin typeface="Cambria Math" panose="02040503050406030204" pitchFamily="18" charset="0"/>
                             </a:rPr>
                             <m:t> </m:t>
                           </m:r>
                           <m:r>
-                            <a:rPr lang="en-GB" sz="2000" i="1">
+                            <a:rPr lang="en-GB" i="1">
                               <a:latin typeface="Cambria Math" panose="02040503050406030204" pitchFamily="18" charset="0"/>
                             </a:rPr>
                             <m:t>𝑦</m:t>
@@ -8845,13 +8670,13 @@
                         </m:e>
                         <m:sub>
                           <m:r>
-                            <a:rPr lang="en-GB" sz="2000" i="1">
+                            <a:rPr lang="en-GB" i="1">
                               <a:latin typeface="Cambria Math" panose="02040503050406030204" pitchFamily="18" charset="0"/>
                             </a:rPr>
                             <m:t>𝑖</m:t>
                           </m:r>
                           <m:r>
-                            <a:rPr lang="fr-BE" sz="2000" i="1">
+                            <a:rPr lang="fr-BE" i="1">
                               <a:latin typeface="Cambria Math" panose="02040503050406030204" pitchFamily="18" charset="0"/>
                             </a:rPr>
                             <m:t>  =  </m:t>
@@ -8861,7 +8686,7 @@
                       <m:sSub>
                         <m:sSubPr>
                           <m:ctrlPr>
-                            <a:rPr lang="en-GB" sz="1600" i="1">
+                            <a:rPr lang="en-GB" sz="1400" i="1">
                               <a:latin typeface="Cambria Math" panose="02040503050406030204" pitchFamily="18" charset="0"/>
                             </a:rPr>
                           </m:ctrlPr>
@@ -8870,14 +8695,14 @@
                           <m:sSub>
                             <m:sSubPr>
                               <m:ctrlPr>
-                                <a:rPr lang="en-GB" sz="1600" i="1">
+                                <a:rPr lang="en-GB" sz="1400" i="1">
                                   <a:latin typeface="Cambria Math" panose="02040503050406030204" pitchFamily="18" charset="0"/>
                                 </a:rPr>
                               </m:ctrlPr>
                             </m:sSubPr>
                             <m:e>
                               <m:r>
-                                <a:rPr lang="en-US" sz="1600" i="1">
+                                <a:rPr lang="en-US" sz="1400" i="1">
                                   <a:latin typeface="Cambria Math" panose="02040503050406030204" pitchFamily="18" charset="0"/>
                                 </a:rPr>
                                 <m:t>𝛽</m:t>
@@ -8885,7 +8710,7 @@
                             </m:e>
                             <m:sub>
                               <m:r>
-                                <a:rPr lang="en-US" sz="1600">
+                                <a:rPr lang="en-US" sz="1400">
                                   <a:latin typeface="Cambria Math" panose="02040503050406030204" pitchFamily="18" charset="0"/>
                                 </a:rPr>
                                 <m:t>1</m:t>
@@ -8893,7 +8718,7 @@
                             </m:sub>
                           </m:sSub>
                           <m:r>
-                            <a:rPr lang="en-US" sz="1600">
+                            <a:rPr lang="en-US" sz="1400">
                               <a:latin typeface="Cambria Math" panose="02040503050406030204" pitchFamily="18" charset="0"/>
                             </a:rPr>
                             <m:t>+</m:t>
@@ -8901,14 +8726,14 @@
                           <m:sSub>
                             <m:sSubPr>
                               <m:ctrlPr>
-                                <a:rPr lang="en-GB" sz="1600" i="1">
+                                <a:rPr lang="en-GB" sz="1400" i="1">
                                   <a:latin typeface="Cambria Math" panose="02040503050406030204" pitchFamily="18" charset="0"/>
                                 </a:rPr>
                               </m:ctrlPr>
                             </m:sSubPr>
                             <m:e>
                               <m:r>
-                                <a:rPr lang="en-US" sz="1600" i="1">
+                                <a:rPr lang="en-US" sz="1400" i="1">
                                   <a:latin typeface="Cambria Math" panose="02040503050406030204" pitchFamily="18" charset="0"/>
                                 </a:rPr>
                                 <m:t>𝛽</m:t>
@@ -8916,7 +8741,7 @@
                             </m:e>
                             <m:sub>
                               <m:r>
-                                <a:rPr lang="en-US" sz="1600">
+                                <a:rPr lang="en-US" sz="1400">
                                   <a:latin typeface="Cambria Math" panose="02040503050406030204" pitchFamily="18" charset="0"/>
                                 </a:rPr>
                                 <m:t>2</m:t>
@@ -8926,14 +8751,14 @@
                           <m:sSub>
                             <m:sSubPr>
                               <m:ctrlPr>
-                                <a:rPr lang="en-GB" sz="1600" i="1">
+                                <a:rPr lang="en-GB" sz="1400" i="1">
                                   <a:latin typeface="Cambria Math" panose="02040503050406030204" pitchFamily="18" charset="0"/>
                                 </a:rPr>
                               </m:ctrlPr>
                             </m:sSubPr>
                             <m:e>
                               <m:r>
-                                <a:rPr lang="en-US" sz="1600" i="1">
+                                <a:rPr lang="en-US" sz="1400" i="1">
                                   <a:latin typeface="Cambria Math" panose="02040503050406030204" pitchFamily="18" charset="0"/>
                                 </a:rPr>
                                 <m:t>𝑥</m:t>
@@ -8941,13 +8766,13 @@
                             </m:e>
                             <m:sub>
                               <m:r>
-                                <a:rPr lang="en-US" sz="1600" i="1">
+                                <a:rPr lang="en-US" sz="1400" i="1">
                                   <a:latin typeface="Cambria Math" panose="02040503050406030204" pitchFamily="18" charset="0"/>
                                 </a:rPr>
                                 <m:t>𝑖</m:t>
                               </m:r>
                               <m:r>
-                                <a:rPr lang="en-US" sz="1600" i="1">
+                                <a:rPr lang="en-US" sz="1400" i="1">
                                   <a:latin typeface="Cambria Math" panose="02040503050406030204" pitchFamily="18" charset="0"/>
                                 </a:rPr>
                                 <m:t>2</m:t>
@@ -8955,7 +8780,7 @@
                             </m:sub>
                           </m:sSub>
                           <m:r>
-                            <a:rPr lang="fr-BE" sz="1600">
+                            <a:rPr lang="fr-BE" sz="1400">
                               <a:latin typeface="Cambria Math" panose="02040503050406030204" pitchFamily="18" charset="0"/>
                             </a:rPr>
                             <m:t>+</m:t>
@@ -8963,14 +8788,14 @@
                           <m:sSub>
                             <m:sSubPr>
                               <m:ctrlPr>
-                                <a:rPr lang="en-GB" sz="1600" i="1">
+                                <a:rPr lang="en-GB" sz="1400" i="1">
                                   <a:latin typeface="Cambria Math" panose="02040503050406030204" pitchFamily="18" charset="0"/>
                                 </a:rPr>
                               </m:ctrlPr>
                             </m:sSubPr>
                             <m:e>
                               <m:r>
-                                <a:rPr lang="en-US" sz="1600" i="1">
+                                <a:rPr lang="en-US" sz="1400" i="1">
                                   <a:latin typeface="Cambria Math" panose="02040503050406030204" pitchFamily="18" charset="0"/>
                                 </a:rPr>
                                 <m:t>𝛽</m:t>
@@ -8978,7 +8803,7 @@
                             </m:e>
                             <m:sub>
                               <m:r>
-                                <a:rPr lang="fr-BE" sz="1600">
+                                <a:rPr lang="fr-BE" sz="1400">
                                   <a:latin typeface="Cambria Math" panose="02040503050406030204" pitchFamily="18" charset="0"/>
                                 </a:rPr>
                                 <m:t>3</m:t>
@@ -8988,14 +8813,14 @@
                           <m:sSub>
                             <m:sSubPr>
                               <m:ctrlPr>
-                                <a:rPr lang="en-GB" sz="1600" i="1">
+                                <a:rPr lang="en-GB" sz="1400" i="1">
                                   <a:latin typeface="Cambria Math" panose="02040503050406030204" pitchFamily="18" charset="0"/>
                                 </a:rPr>
                               </m:ctrlPr>
                             </m:sSubPr>
                             <m:e>
                               <m:r>
-                                <a:rPr lang="en-US" sz="1600" i="1">
+                                <a:rPr lang="en-US" sz="1400" i="1">
                                   <a:latin typeface="Cambria Math" panose="02040503050406030204" pitchFamily="18" charset="0"/>
                                 </a:rPr>
                                 <m:t>𝑥</m:t>
@@ -9003,13 +8828,13 @@
                             </m:e>
                             <m:sub>
                               <m:r>
-                                <a:rPr lang="en-US" sz="1600" i="1">
+                                <a:rPr lang="en-US" sz="1400" i="1">
                                   <a:latin typeface="Cambria Math" panose="02040503050406030204" pitchFamily="18" charset="0"/>
                                 </a:rPr>
                                 <m:t>𝑖</m:t>
                               </m:r>
                               <m:r>
-                                <a:rPr lang="fr-BE" sz="1600" i="1">
+                                <a:rPr lang="fr-BE" sz="1400" i="1">
                                   <a:latin typeface="Cambria Math" panose="02040503050406030204" pitchFamily="18" charset="0"/>
                                 </a:rPr>
                                 <m:t>3</m:t>
@@ -9017,7 +8842,7 @@
                             </m:sub>
                           </m:sSub>
                           <m:r>
-                            <a:rPr lang="en-US" sz="1600">
+                            <a:rPr lang="en-US" sz="1400">
                               <a:latin typeface="Cambria Math" panose="02040503050406030204" pitchFamily="18" charset="0"/>
                             </a:rPr>
                             <m:t>+</m:t>
@@ -9025,14 +8850,14 @@
                           <m:sSub>
                             <m:sSubPr>
                               <m:ctrlPr>
-                                <a:rPr lang="en-GB" sz="1600" i="1">
+                                <a:rPr lang="en-GB" sz="1400" i="1">
                                   <a:latin typeface="Cambria Math" panose="02040503050406030204" pitchFamily="18" charset="0"/>
                                 </a:rPr>
                               </m:ctrlPr>
                             </m:sSubPr>
                             <m:e>
                               <m:r>
-                                <a:rPr lang="en-GB" sz="1600" i="1">
+                                <a:rPr lang="en-GB" sz="1400" i="1">
                                   <a:latin typeface="Cambria Math" panose="02040503050406030204" pitchFamily="18" charset="0"/>
                                 </a:rPr>
                                 <m:t>𝜀</m:t>
@@ -9040,7 +8865,7 @@
                             </m:e>
                             <m:sub>
                               <m:r>
-                                <a:rPr lang="en-GB" sz="1600" i="1">
+                                <a:rPr lang="en-GB" sz="1400" i="1">
                                   <a:latin typeface="Cambria Math" panose="02040503050406030204" pitchFamily="18" charset="0"/>
                                 </a:rPr>
                                 <m:t>𝑖</m:t>
@@ -9048,7 +8873,7 @@
                             </m:sub>
                           </m:sSub>
                           <m:r>
-                            <a:rPr lang="fr-BE" sz="1600">
+                            <a:rPr lang="fr-BE" sz="1400">
                               <a:latin typeface="Cambria Math" panose="02040503050406030204" pitchFamily="18" charset="0"/>
                             </a:rPr>
                             <m:t>          </m:t>
@@ -9057,30 +8882,27 @@
                             <m:rPr>
                               <m:sty m:val="p"/>
                             </m:rPr>
-                            <a:rPr lang="en-US" sz="1600">
+                            <a:rPr lang="en-US" sz="1400">
                               <a:latin typeface="Cambria Math" panose="02040503050406030204" pitchFamily="18" charset="0"/>
                             </a:rPr>
                             <m:t>i</m:t>
                           </m:r>
                           <m:r>
-                            <a:rPr lang="en-US" sz="1600">
+                            <a:rPr lang="en-US" sz="1400">
                               <a:latin typeface="Cambria Math" panose="02040503050406030204" pitchFamily="18" charset="0"/>
                             </a:rPr>
                             <m:t>=1,2,…,</m:t>
                           </m:r>
                           <m:r>
-                            <m:rPr>
-                              <m:sty m:val="p"/>
-                            </m:rPr>
-                            <a:rPr lang="en-US" sz="1600">
+                            <a:rPr lang="en-GB" sz="1400" b="0" i="1" smtClean="0">
                               <a:latin typeface="Cambria Math" panose="02040503050406030204" pitchFamily="18" charset="0"/>
                             </a:rPr>
-                            <m:t>n</m:t>
+                            <m:t>132</m:t>
                           </m:r>
                         </m:e>
                         <m:sub>
                           <m:r>
-                            <a:rPr lang="en-GB" sz="1600" i="1">
+                            <a:rPr lang="en-GB" sz="1400" i="1">
                               <a:latin typeface="Cambria Math" panose="02040503050406030204" pitchFamily="18" charset="0"/>
                             </a:rPr>
                             <m:t> </m:t>
@@ -9097,63 +8919,34 @@
               </a:p>
               <a:p>
                 <a:r>
-                  <a:rPr lang="fr-BE" sz="1600" dirty="0" err="1"/>
-                  <a:t>Adjusted</a:t>
-                </a:r>
-                <a:r>
-                  <a:rPr lang="fr-BE" sz="1600" dirty="0"/>
-                  <a:t> R-</a:t>
-                </a:r>
-                <a:r>
-                  <a:rPr lang="fr-BE" sz="1600" dirty="0" err="1"/>
-                  <a:t>squared</a:t>
-                </a:r>
-                <a:r>
-                  <a:rPr lang="fr-BE" sz="1600" dirty="0"/>
-                  <a:t> : 0.7502</a:t>
+                  <a:rPr lang="en-GB" sz="1400" dirty="0">
+                    <a:latin typeface="Segoe UI Light" panose="020B0502040204020203" pitchFamily="34" charset="0"/>
+                    <a:cs typeface="Segoe UI Light" panose="020B0502040204020203" pitchFamily="34" charset="0"/>
+                  </a:rPr>
+                  <a:t>R-squared: 75% </a:t>
                 </a:r>
               </a:p>
               <a:p>
                 <a:r>
-                  <a:rPr lang="fr-BE" sz="1600" dirty="0"/>
-                  <a:t>PC1 and PC2 are </a:t>
+                  <a:rPr lang="en-GB" sz="1400" dirty="0">
+                    <a:latin typeface="Segoe UI Light" panose="020B0502040204020203" pitchFamily="34" charset="0"/>
+                    <a:cs typeface="Segoe UI Light" panose="020B0502040204020203" pitchFamily="34" charset="0"/>
+                  </a:rPr>
+                  <a:t>Significance: PC1 and PC2 are highly significant on Happiness Score. </a:t>
                 </a:r>
-                <a:r>
-                  <a:rPr lang="fr-BE" sz="1600" dirty="0" err="1"/>
-                  <a:t>highly</a:t>
-                </a:r>
-                <a:r>
-                  <a:rPr lang="fr-BE" sz="1600" dirty="0"/>
-                  <a:t> </a:t>
-                </a:r>
-                <a:r>
-                  <a:rPr lang="fr-BE" sz="1600" dirty="0" err="1"/>
-                  <a:t>significant</a:t>
-                </a:r>
-                <a:r>
-                  <a:rPr lang="fr-BE" sz="1600" dirty="0"/>
-                  <a:t> on </a:t>
-                </a:r>
-                <a:r>
-                  <a:rPr lang="fr-BE" sz="1600" dirty="0" err="1"/>
-                  <a:t>Happiness</a:t>
-                </a:r>
-                <a:r>
-                  <a:rPr lang="fr-BE" sz="1600" dirty="0"/>
-                  <a:t> </a:t>
-                </a:r>
-                <a:r>
-                  <a:rPr lang="fr-BE" sz="1600" dirty="0" err="1"/>
-                  <a:t>Scoring</a:t>
-                </a:r>
-                <a:endParaRPr lang="fr-BE" sz="1600" dirty="0"/>
               </a:p>
               <a:p>
                 <a:br>
-                  <a:rPr lang="fr-BE" sz="1600" dirty="0"/>
+                  <a:rPr lang="en-GB" sz="1400" dirty="0">
+                    <a:latin typeface="Segoe UI Light" panose="020B0502040204020203" pitchFamily="34" charset="0"/>
+                    <a:cs typeface="Segoe UI Light" panose="020B0502040204020203" pitchFamily="34" charset="0"/>
+                  </a:rPr>
                 </a:br>
                 <a:r>
-                  <a:rPr lang="fr-BE" sz="1600" dirty="0"/>
+                  <a:rPr lang="en-GB" sz="1400" dirty="0">
+                    <a:latin typeface="Segoe UI Light" panose="020B0502040204020203" pitchFamily="34" charset="0"/>
+                    <a:cs typeface="Segoe UI Light" panose="020B0502040204020203" pitchFamily="34" charset="0"/>
+                  </a:rPr>
                   <a:t>Assumptions of the model:</a:t>
                 </a:r>
               </a:p>
@@ -9163,18 +8956,12 @@
                   <a:buChar char="ü"/>
                 </a:pPr>
                 <a:r>
-                  <a:rPr lang="fr-BE" sz="1400" dirty="0" err="1"/>
-                  <a:t>Linear</a:t>
+                  <a:rPr lang="en-GB" sz="1400" dirty="0">
+                    <a:latin typeface="Segoe UI Light" panose="020B0502040204020203" pitchFamily="34" charset="0"/>
+                    <a:cs typeface="Segoe UI Light" panose="020B0502040204020203" pitchFamily="34" charset="0"/>
+                  </a:rPr>
+                  <a:t>Linear in parameters</a:t>
                 </a:r>
-                <a:r>
-                  <a:rPr lang="fr-BE" sz="1400" dirty="0"/>
-                  <a:t> in </a:t>
-                </a:r>
-                <a:r>
-                  <a:rPr lang="fr-BE" sz="1400" dirty="0" err="1"/>
-                  <a:t>parameters</a:t>
-                </a:r>
-                <a:endParaRPr lang="fr-BE" sz="1400" dirty="0"/>
               </a:p>
               <a:p>
                 <a:pPr marL="742950" lvl="1" indent="-285750">
@@ -9182,22 +8969,12 @@
                   <a:buChar char="ü"/>
                 </a:pPr>
                 <a:r>
-                  <a:rPr lang="fr-BE" sz="1400" dirty="0"/>
-                  <a:t>No </a:t>
+                  <a:rPr lang="en-GB" sz="1400" dirty="0">
+                    <a:latin typeface="Segoe UI Light" panose="020B0502040204020203" pitchFamily="34" charset="0"/>
+                    <a:cs typeface="Segoe UI Light" panose="020B0502040204020203" pitchFamily="34" charset="0"/>
+                  </a:rPr>
+                  <a:t>No perfect collinearity</a:t>
                 </a:r>
-                <a:r>
-                  <a:rPr lang="fr-BE" sz="1400" dirty="0" err="1"/>
-                  <a:t>perfect</a:t>
-                </a:r>
-                <a:r>
-                  <a:rPr lang="fr-BE" sz="1400" dirty="0"/>
-                  <a:t> </a:t>
-                </a:r>
-                <a:r>
-                  <a:rPr lang="fr-BE" sz="1400" dirty="0" err="1"/>
-                  <a:t>collinearity</a:t>
-                </a:r>
-                <a:endParaRPr lang="fr-BE" sz="1400" dirty="0"/>
               </a:p>
               <a:p>
                 <a:pPr marL="742950" lvl="1" indent="-285750">
@@ -9205,26 +8982,12 @@
                   <a:buChar char="ü"/>
                 </a:pPr>
                 <a:r>
-                  <a:rPr lang="fr-BE" sz="1400" dirty="0" err="1"/>
-                  <a:t>Zero</a:t>
+                  <a:rPr lang="en-GB" sz="1400" dirty="0">
+                    <a:latin typeface="Segoe UI Light" panose="020B0502040204020203" pitchFamily="34" charset="0"/>
+                    <a:cs typeface="Segoe UI Light" panose="020B0502040204020203" pitchFamily="34" charset="0"/>
+                  </a:rPr>
+                  <a:t>Zero Conditional Mean</a:t>
                 </a:r>
-                <a:r>
-                  <a:rPr lang="fr-BE" sz="1400" dirty="0"/>
-                  <a:t> </a:t>
-                </a:r>
-                <a:r>
-                  <a:rPr lang="fr-BE" sz="1400" dirty="0" err="1"/>
-                  <a:t>Conditional</a:t>
-                </a:r>
-                <a:r>
-                  <a:rPr lang="fr-BE" sz="1400" dirty="0"/>
-                  <a:t> </a:t>
-                </a:r>
-                <a:r>
-                  <a:rPr lang="fr-BE" sz="1400" dirty="0" err="1"/>
-                  <a:t>Mean</a:t>
-                </a:r>
-                <a:endParaRPr lang="fr-BE" sz="1400" dirty="0"/>
               </a:p>
               <a:p>
                 <a:pPr marL="742950" lvl="1" indent="-285750">
@@ -9232,10 +8995,12 @@
                   <a:buChar char="ü"/>
                 </a:pPr>
                 <a:r>
-                  <a:rPr lang="fr-BE" sz="1400" dirty="0" err="1"/>
+                  <a:rPr lang="en-GB" sz="1400" dirty="0">
+                    <a:latin typeface="Segoe UI Light" panose="020B0502040204020203" pitchFamily="34" charset="0"/>
+                    <a:cs typeface="Segoe UI Light" panose="020B0502040204020203" pitchFamily="34" charset="0"/>
+                  </a:rPr>
                   <a:t>Homoscedasticity</a:t>
                 </a:r>
-                <a:endParaRPr lang="fr-BE" sz="1400" dirty="0"/>
               </a:p>
               <a:p>
                 <a:pPr marL="742950" lvl="1" indent="-285750">
@@ -9243,22 +9008,12 @@
                   <a:buChar char="ü"/>
                 </a:pPr>
                 <a:r>
-                  <a:rPr lang="fr-BE" sz="1400" dirty="0"/>
-                  <a:t>No </a:t>
+                  <a:rPr lang="en-GB" sz="1400" dirty="0">
+                    <a:latin typeface="Segoe UI Light" panose="020B0502040204020203" pitchFamily="34" charset="0"/>
+                    <a:cs typeface="Segoe UI Light" panose="020B0502040204020203" pitchFamily="34" charset="0"/>
+                  </a:rPr>
+                  <a:t>No correlation of the errors</a:t>
                 </a:r>
-                <a:r>
-                  <a:rPr lang="fr-BE" sz="1400" dirty="0" err="1"/>
-                  <a:t>correlation</a:t>
-                </a:r>
-                <a:r>
-                  <a:rPr lang="fr-BE" sz="1400" dirty="0"/>
-                  <a:t> of the </a:t>
-                </a:r>
-                <a:r>
-                  <a:rPr lang="fr-BE" sz="1400" dirty="0" err="1"/>
-                  <a:t>errors</a:t>
-                </a:r>
-                <a:endParaRPr lang="fr-BE" sz="1400" dirty="0"/>
               </a:p>
               <a:p>
                 <a:pPr marL="742950" lvl="1" indent="-285750">
@@ -9266,13 +9021,12 @@
                   <a:buChar char="ü"/>
                 </a:pPr>
                 <a:r>
-                  <a:rPr lang="fr-BE" sz="1400" dirty="0" err="1"/>
+                  <a:rPr lang="en-GB" sz="1400" dirty="0">
+                    <a:latin typeface="Segoe UI Light" panose="020B0502040204020203" pitchFamily="34" charset="0"/>
+                    <a:cs typeface="Segoe UI Light" panose="020B0502040204020203" pitchFamily="34" charset="0"/>
+                  </a:rPr>
                   <a:t>Normality</a:t>
                 </a:r>
-                <a:endParaRPr lang="fr-BE" sz="1400" dirty="0"/>
-              </a:p>
-              <a:p>
-                <a:endParaRPr lang="fr-BE" sz="1400" dirty="0"/>
               </a:p>
             </p:txBody>
           </p:sp>
@@ -9294,16 +9048,16 @@
             </p:nvSpPr>
             <p:spPr>
               <a:xfrm>
-                <a:off x="17304334" y="17745749"/>
-                <a:ext cx="5171208" cy="3132204"/>
+                <a:off x="18693196" y="17699639"/>
+                <a:ext cx="5171208" cy="2979085"/>
               </a:xfrm>
               <a:prstGeom prst="rect">
                 <a:avLst/>
               </a:prstGeom>
               <a:blipFill>
-                <a:blip r:embed="rId35"/>
+                <a:blip r:embed="rId34"/>
                 <a:stretch>
-                  <a:fillRect l="-708"/>
+                  <a:fillRect l="-353" b="-1022"/>
                 </a:stretch>
               </a:blipFill>
             </p:spPr>
@@ -9336,8 +9090,8 @@
         </p:nvSpPr>
         <p:spPr>
           <a:xfrm>
-            <a:off x="23243807" y="19393538"/>
-            <a:ext cx="5479099" cy="646331"/>
+            <a:off x="24570703" y="18895395"/>
+            <a:ext cx="5017778" cy="369332"/>
           </a:xfrm>
           <a:prstGeom prst="rect">
             <a:avLst/>
@@ -9350,41 +9104,2458 @@
           </a:bodyPr>
           <a:lstStyle/>
           <a:p>
-            <a:r>
-              <a:rPr lang="fr-BE" sz="3600" dirty="0" err="1"/>
-              <a:t>What</a:t>
-            </a:r>
-            <a:r>
-              <a:rPr lang="fr-BE" sz="3600" dirty="0"/>
-              <a:t> </a:t>
-            </a:r>
-            <a:r>
-              <a:rPr lang="fr-BE" sz="3600" dirty="0" err="1"/>
-              <a:t>is</a:t>
-            </a:r>
-            <a:r>
-              <a:rPr lang="fr-BE" sz="3600" dirty="0"/>
-              <a:t> </a:t>
-            </a:r>
-            <a:r>
-              <a:rPr lang="fr-BE" sz="3600" dirty="0" err="1"/>
-              <a:t>Happiness</a:t>
-            </a:r>
-            <a:r>
-              <a:rPr lang="fr-BE" sz="3600" dirty="0"/>
-              <a:t> for </a:t>
-            </a:r>
-            <a:r>
-              <a:rPr lang="fr-BE" sz="3600" dirty="0" err="1"/>
-              <a:t>you</a:t>
-            </a:r>
-            <a:r>
-              <a:rPr lang="fr-BE" sz="3600" dirty="0"/>
-              <a:t>?</a:t>
-            </a:r>
-          </a:p>
-        </p:txBody>
-      </p:sp>
+            <a:pPr algn="ctr"/>
+            <a:r>
+              <a:rPr lang="en-GB" dirty="0">
+                <a:latin typeface="Segoe UI Light" panose="020B0502040204020203" pitchFamily="34" charset="0"/>
+                <a:cs typeface="Segoe UI Light" panose="020B0502040204020203" pitchFamily="34" charset="0"/>
+              </a:rPr>
+              <a:t>What is Happiness for you?</a:t>
+            </a:r>
+          </a:p>
+        </p:txBody>
+      </p:sp>
+      <p:grpSp>
+        <p:nvGrpSpPr>
+          <p:cNvPr id="109" name="Gruppieren 108">
+            <a:extLst>
+              <a:ext uri="{FF2B5EF4-FFF2-40B4-BE49-F238E27FC236}">
+                <a16:creationId xmlns:a16="http://schemas.microsoft.com/office/drawing/2014/main" id="{88A3B0B1-506C-4E23-9E35-02E65216527F}"/>
+              </a:ext>
+            </a:extLst>
+          </p:cNvPr>
+          <p:cNvGrpSpPr/>
+          <p:nvPr/>
+        </p:nvGrpSpPr>
+        <p:grpSpPr>
+          <a:xfrm>
+            <a:off x="25777970" y="2661283"/>
+            <a:ext cx="3323160" cy="2970044"/>
+            <a:chOff x="6823474" y="5540934"/>
+            <a:chExt cx="3323160" cy="2970044"/>
+          </a:xfrm>
+        </p:grpSpPr>
+        <p:cxnSp>
+          <p:nvCxnSpPr>
+            <p:cNvPr id="110" name="Gerade Verbindung mit Pfeil 109">
+              <a:extLst>
+                <a:ext uri="{FF2B5EF4-FFF2-40B4-BE49-F238E27FC236}">
+                  <a16:creationId xmlns:a16="http://schemas.microsoft.com/office/drawing/2014/main" id="{E965F1B9-4475-4141-ADBF-693C85E94C36}"/>
+                </a:ext>
+              </a:extLst>
+            </p:cNvPr>
+            <p:cNvCxnSpPr>
+              <a:cxnSpLocks/>
+              <a:endCxn id="111" idx="1"/>
+            </p:cNvCxnSpPr>
+            <p:nvPr/>
+          </p:nvCxnSpPr>
+          <p:spPr>
+            <a:xfrm>
+              <a:off x="8814816" y="5669280"/>
+              <a:ext cx="930746" cy="737946"/>
+            </a:xfrm>
+            <a:prstGeom prst="straightConnector1">
+              <a:avLst/>
+            </a:prstGeom>
+            <a:ln>
+              <a:solidFill>
+                <a:srgbClr val="C00000"/>
+              </a:solidFill>
+              <a:tailEnd type="triangle"/>
+            </a:ln>
+          </p:spPr>
+          <p:style>
+            <a:lnRef idx="1">
+              <a:schemeClr val="accent2"/>
+            </a:lnRef>
+            <a:fillRef idx="0">
+              <a:schemeClr val="accent2"/>
+            </a:fillRef>
+            <a:effectRef idx="0">
+              <a:schemeClr val="accent2"/>
+            </a:effectRef>
+            <a:fontRef idx="minor">
+              <a:schemeClr val="tx1"/>
+            </a:fontRef>
+          </p:style>
+        </p:cxnSp>
+        <p:sp>
+          <p:nvSpPr>
+            <p:cNvPr id="111" name="Rechteck 110">
+              <a:extLst>
+                <a:ext uri="{FF2B5EF4-FFF2-40B4-BE49-F238E27FC236}">
+                  <a16:creationId xmlns:a16="http://schemas.microsoft.com/office/drawing/2014/main" id="{E9A97EAD-1008-4131-A612-F0B00F26DBA1}"/>
+                </a:ext>
+              </a:extLst>
+            </p:cNvPr>
+            <p:cNvSpPr/>
+            <p:nvPr/>
+          </p:nvSpPr>
+          <p:spPr>
+            <a:xfrm>
+              <a:off x="9745562" y="6284115"/>
+              <a:ext cx="381836" cy="246221"/>
+            </a:xfrm>
+            <a:prstGeom prst="rect">
+              <a:avLst/>
+            </a:prstGeom>
+          </p:spPr>
+          <p:style>
+            <a:lnRef idx="2">
+              <a:schemeClr val="dk1"/>
+            </a:lnRef>
+            <a:fillRef idx="1">
+              <a:schemeClr val="lt1"/>
+            </a:fillRef>
+            <a:effectRef idx="0">
+              <a:schemeClr val="dk1"/>
+            </a:effectRef>
+            <a:fontRef idx="minor">
+              <a:schemeClr val="dk1"/>
+            </a:fontRef>
+          </p:style>
+          <p:txBody>
+            <a:bodyPr wrap="none">
+              <a:spAutoFit/>
+            </a:bodyPr>
+            <a:lstStyle/>
+            <a:p>
+              <a:r>
+                <a:rPr lang="en-GB" sz="1000" dirty="0">
+                  <a:latin typeface="Segoe UI Light" panose="020B0502040204020203" pitchFamily="34" charset="0"/>
+                  <a:cs typeface="Segoe UI Light" panose="020B0502040204020203" pitchFamily="34" charset="0"/>
+                </a:rPr>
+                <a:t>RC1</a:t>
+              </a:r>
+              <a:endParaRPr lang="en-GB" dirty="0"/>
+            </a:p>
+          </p:txBody>
+        </p:sp>
+        <p:cxnSp>
+          <p:nvCxnSpPr>
+            <p:cNvPr id="112" name="Gerade Verbindung mit Pfeil 111">
+              <a:extLst>
+                <a:ext uri="{FF2B5EF4-FFF2-40B4-BE49-F238E27FC236}">
+                  <a16:creationId xmlns:a16="http://schemas.microsoft.com/office/drawing/2014/main" id="{3202475A-4EEE-47A8-B1A1-44F926F89AF1}"/>
+                </a:ext>
+              </a:extLst>
+            </p:cNvPr>
+            <p:cNvCxnSpPr>
+              <a:cxnSpLocks/>
+              <a:endCxn id="111" idx="1"/>
+            </p:cNvCxnSpPr>
+            <p:nvPr/>
+          </p:nvCxnSpPr>
+          <p:spPr>
+            <a:xfrm>
+              <a:off x="8814816" y="5823679"/>
+              <a:ext cx="930746" cy="583547"/>
+            </a:xfrm>
+            <a:prstGeom prst="straightConnector1">
+              <a:avLst/>
+            </a:prstGeom>
+            <a:ln>
+              <a:solidFill>
+                <a:srgbClr val="C00000"/>
+              </a:solidFill>
+              <a:tailEnd type="triangle"/>
+            </a:ln>
+          </p:spPr>
+          <p:style>
+            <a:lnRef idx="1">
+              <a:schemeClr val="dk1"/>
+            </a:lnRef>
+            <a:fillRef idx="0">
+              <a:schemeClr val="dk1"/>
+            </a:fillRef>
+            <a:effectRef idx="0">
+              <a:schemeClr val="dk1"/>
+            </a:effectRef>
+            <a:fontRef idx="minor">
+              <a:schemeClr val="tx1"/>
+            </a:fontRef>
+          </p:style>
+        </p:cxnSp>
+        <p:cxnSp>
+          <p:nvCxnSpPr>
+            <p:cNvPr id="113" name="Gerade Verbindung mit Pfeil 112">
+              <a:extLst>
+                <a:ext uri="{FF2B5EF4-FFF2-40B4-BE49-F238E27FC236}">
+                  <a16:creationId xmlns:a16="http://schemas.microsoft.com/office/drawing/2014/main" id="{BFD82FBD-AE7B-4FD5-A9C4-34116F5D9BBC}"/>
+                </a:ext>
+              </a:extLst>
+            </p:cNvPr>
+            <p:cNvCxnSpPr>
+              <a:cxnSpLocks/>
+              <a:endCxn id="111" idx="1"/>
+            </p:cNvCxnSpPr>
+            <p:nvPr/>
+          </p:nvCxnSpPr>
+          <p:spPr>
+            <a:xfrm>
+              <a:off x="8814816" y="5981075"/>
+              <a:ext cx="930746" cy="426151"/>
+            </a:xfrm>
+            <a:prstGeom prst="straightConnector1">
+              <a:avLst/>
+            </a:prstGeom>
+            <a:ln>
+              <a:solidFill>
+                <a:schemeClr val="tx1">
+                  <a:lumMod val="85000"/>
+                  <a:lumOff val="15000"/>
+                </a:schemeClr>
+              </a:solidFill>
+              <a:tailEnd type="triangle"/>
+            </a:ln>
+          </p:spPr>
+          <p:style>
+            <a:lnRef idx="1">
+              <a:schemeClr val="dk1"/>
+            </a:lnRef>
+            <a:fillRef idx="0">
+              <a:schemeClr val="dk1"/>
+            </a:fillRef>
+            <a:effectRef idx="0">
+              <a:schemeClr val="dk1"/>
+            </a:effectRef>
+            <a:fontRef idx="minor">
+              <a:schemeClr val="tx1"/>
+            </a:fontRef>
+          </p:style>
+        </p:cxnSp>
+        <p:sp>
+          <p:nvSpPr>
+            <p:cNvPr id="114" name="Textfeld 113">
+              <a:extLst>
+                <a:ext uri="{FF2B5EF4-FFF2-40B4-BE49-F238E27FC236}">
+                  <a16:creationId xmlns:a16="http://schemas.microsoft.com/office/drawing/2014/main" id="{B1742E5F-72E4-4047-BEFD-83E6B16DEF8C}"/>
+                </a:ext>
+              </a:extLst>
+            </p:cNvPr>
+            <p:cNvSpPr txBox="1"/>
+            <p:nvPr/>
+          </p:nvSpPr>
+          <p:spPr>
+            <a:xfrm>
+              <a:off x="6823474" y="5540934"/>
+              <a:ext cx="1991342" cy="2970044"/>
+            </a:xfrm>
+            <a:prstGeom prst="rect">
+              <a:avLst/>
+            </a:prstGeom>
+            <a:noFill/>
+          </p:spPr>
+          <p:txBody>
+            <a:bodyPr wrap="square" rtlCol="0">
+              <a:spAutoFit/>
+            </a:bodyPr>
+            <a:lstStyle/>
+            <a:p>
+              <a:pPr algn="r"/>
+              <a:r>
+                <a:rPr lang="en-GB" sz="1100" dirty="0">
+                  <a:latin typeface="Segoe UI Light" panose="020B0502040204020203" pitchFamily="34" charset="0"/>
+                  <a:cs typeface="Segoe UI Light" panose="020B0502040204020203" pitchFamily="34" charset="0"/>
+                </a:rPr>
+                <a:t>Child Mortality</a:t>
+              </a:r>
+            </a:p>
+            <a:p>
+              <a:pPr algn="r"/>
+              <a:r>
+                <a:rPr lang="en-GB" sz="1100" dirty="0">
+                  <a:latin typeface="Segoe UI Light" panose="020B0502040204020203" pitchFamily="34" charset="0"/>
+                  <a:cs typeface="Segoe UI Light" panose="020B0502040204020203" pitchFamily="34" charset="0"/>
+                </a:rPr>
+                <a:t>Birth Rate</a:t>
+              </a:r>
+            </a:p>
+            <a:p>
+              <a:pPr algn="r"/>
+              <a:r>
+                <a:rPr lang="en-GB" sz="1100" dirty="0">
+                  <a:latin typeface="Segoe UI Light" panose="020B0502040204020203" pitchFamily="34" charset="0"/>
+                  <a:cs typeface="Segoe UI Light" panose="020B0502040204020203" pitchFamily="34" charset="0"/>
+                </a:rPr>
+                <a:t>Health Life Expectancy</a:t>
+              </a:r>
+            </a:p>
+            <a:p>
+              <a:pPr algn="r"/>
+              <a:r>
+                <a:rPr lang="en-GB" sz="1100" dirty="0">
+                  <a:latin typeface="Segoe UI Light" panose="020B0502040204020203" pitchFamily="34" charset="0"/>
+                  <a:cs typeface="Segoe UI Light" panose="020B0502040204020203" pitchFamily="34" charset="0"/>
+                </a:rPr>
+                <a:t>Automotive Mortality</a:t>
+              </a:r>
+            </a:p>
+            <a:p>
+              <a:pPr algn="r"/>
+              <a:r>
+                <a:rPr lang="en-GB" sz="1100" dirty="0">
+                  <a:latin typeface="Segoe UI Light" panose="020B0502040204020203" pitchFamily="34" charset="0"/>
+                  <a:cs typeface="Segoe UI Light" panose="020B0502040204020203" pitchFamily="34" charset="0"/>
+                </a:rPr>
+                <a:t>Electricity Access</a:t>
+              </a:r>
+            </a:p>
+            <a:p>
+              <a:pPr algn="r"/>
+              <a:r>
+                <a:rPr lang="en-GB" sz="1100" dirty="0">
+                  <a:latin typeface="Segoe UI Light" panose="020B0502040204020203" pitchFamily="34" charset="0"/>
+                  <a:cs typeface="Segoe UI Light" panose="020B0502040204020203" pitchFamily="34" charset="0"/>
+                </a:rPr>
+                <a:t>Clean Water</a:t>
+              </a:r>
+            </a:p>
+            <a:p>
+              <a:pPr algn="r"/>
+              <a:r>
+                <a:rPr lang="en-GB" sz="1100" dirty="0">
+                  <a:latin typeface="Segoe UI Light" panose="020B0502040204020203" pitchFamily="34" charset="0"/>
+                  <a:cs typeface="Segoe UI Light" panose="020B0502040204020203" pitchFamily="34" charset="0"/>
+                </a:rPr>
+                <a:t>Internet Usage</a:t>
+              </a:r>
+            </a:p>
+            <a:p>
+              <a:pPr algn="r"/>
+              <a:r>
+                <a:rPr lang="en-GB" sz="1100" dirty="0">
+                  <a:latin typeface="Segoe UI Light" panose="020B0502040204020203" pitchFamily="34" charset="0"/>
+                  <a:cs typeface="Segoe UI Light" panose="020B0502040204020203" pitchFamily="34" charset="0"/>
+                </a:rPr>
+                <a:t>Entrepreneurship Cost</a:t>
+              </a:r>
+            </a:p>
+            <a:p>
+              <a:pPr algn="r"/>
+              <a:r>
+                <a:rPr lang="en-GB" sz="1100" dirty="0">
+                  <a:latin typeface="Segoe UI Light" panose="020B0502040204020203" pitchFamily="34" charset="0"/>
+                  <a:cs typeface="Segoe UI Light" panose="020B0502040204020203" pitchFamily="34" charset="0"/>
+                </a:rPr>
+                <a:t>Economy GDP per Capita</a:t>
+              </a:r>
+            </a:p>
+            <a:p>
+              <a:pPr algn="r"/>
+              <a:r>
+                <a:rPr lang="en-GB" sz="1100" dirty="0">
+                  <a:latin typeface="Segoe UI Light" panose="020B0502040204020203" pitchFamily="34" charset="0"/>
+                  <a:cs typeface="Segoe UI Light" panose="020B0502040204020203" pitchFamily="34" charset="0"/>
+                </a:rPr>
+                <a:t>Air Pollution</a:t>
+              </a:r>
+            </a:p>
+            <a:p>
+              <a:pPr algn="r"/>
+              <a:r>
+                <a:rPr lang="en-GB" sz="1100" dirty="0">
+                  <a:latin typeface="Segoe UI Light" panose="020B0502040204020203" pitchFamily="34" charset="0"/>
+                  <a:cs typeface="Segoe UI Light" panose="020B0502040204020203" pitchFamily="34" charset="0"/>
+                </a:rPr>
+                <a:t>Family</a:t>
+              </a:r>
+            </a:p>
+            <a:p>
+              <a:pPr algn="r"/>
+              <a:r>
+                <a:rPr lang="en-GB" sz="1100" dirty="0">
+                  <a:latin typeface="Segoe UI Light" panose="020B0502040204020203" pitchFamily="34" charset="0"/>
+                  <a:cs typeface="Segoe UI Light" panose="020B0502040204020203" pitchFamily="34" charset="0"/>
+                </a:rPr>
+                <a:t>Infant Immunization Measles</a:t>
+              </a:r>
+            </a:p>
+            <a:p>
+              <a:pPr algn="r"/>
+              <a:r>
+                <a:rPr lang="en-GB" sz="1100" dirty="0">
+                  <a:latin typeface="Segoe UI Light" panose="020B0502040204020203" pitchFamily="34" charset="0"/>
+                  <a:cs typeface="Segoe UI Light" panose="020B0502040204020203" pitchFamily="34" charset="0"/>
+                </a:rPr>
+                <a:t>Obesity</a:t>
+              </a:r>
+            </a:p>
+            <a:p>
+              <a:pPr algn="r"/>
+              <a:r>
+                <a:rPr lang="en-GB" sz="1100" dirty="0">
+                  <a:latin typeface="Segoe UI Light" panose="020B0502040204020203" pitchFamily="34" charset="0"/>
+                  <a:cs typeface="Segoe UI Light" panose="020B0502040204020203" pitchFamily="34" charset="0"/>
+                </a:rPr>
+                <a:t>Urban Population</a:t>
+              </a:r>
+            </a:p>
+            <a:p>
+              <a:pPr algn="r"/>
+              <a:r>
+                <a:rPr lang="en-GB" sz="1100" dirty="0">
+                  <a:latin typeface="Segoe UI Light" panose="020B0502040204020203" pitchFamily="34" charset="0"/>
+                  <a:cs typeface="Segoe UI Light" panose="020B0502040204020203" pitchFamily="34" charset="0"/>
+                </a:rPr>
+                <a:t>Cellular Subscriber</a:t>
+              </a:r>
+            </a:p>
+            <a:p>
+              <a:pPr algn="r"/>
+              <a:r>
+                <a:rPr lang="en-GB" sz="1100" dirty="0">
+                  <a:latin typeface="Segoe UI Light" panose="020B0502040204020203" pitchFamily="34" charset="0"/>
+                  <a:cs typeface="Segoe UI Light" panose="020B0502040204020203" pitchFamily="34" charset="0"/>
+                </a:rPr>
+                <a:t>Freedom</a:t>
+              </a:r>
+            </a:p>
+            <a:p>
+              <a:pPr algn="r"/>
+              <a:r>
+                <a:rPr lang="en-GB" sz="1100" dirty="0">
+                  <a:latin typeface="Segoe UI Light" panose="020B0502040204020203" pitchFamily="34" charset="0"/>
+                  <a:cs typeface="Segoe UI Light" panose="020B0502040204020203" pitchFamily="34" charset="0"/>
+                </a:rPr>
+                <a:t>Trust Government (Corruption)</a:t>
+              </a:r>
+            </a:p>
+          </p:txBody>
+        </p:sp>
+        <p:sp>
+          <p:nvSpPr>
+            <p:cNvPr id="115" name="Textfeld 114">
+              <a:extLst>
+                <a:ext uri="{FF2B5EF4-FFF2-40B4-BE49-F238E27FC236}">
+                  <a16:creationId xmlns:a16="http://schemas.microsoft.com/office/drawing/2014/main" id="{FD70CD7A-58D6-44E2-980D-CF8E21E9330F}"/>
+                </a:ext>
+              </a:extLst>
+            </p:cNvPr>
+            <p:cNvSpPr txBox="1"/>
+            <p:nvPr/>
+          </p:nvSpPr>
+          <p:spPr>
+            <a:xfrm>
+              <a:off x="8814816" y="5700569"/>
+              <a:ext cx="381835" cy="200055"/>
+            </a:xfrm>
+            <a:prstGeom prst="rect">
+              <a:avLst/>
+            </a:prstGeom>
+            <a:noFill/>
+            <a:ln>
+              <a:noFill/>
+            </a:ln>
+          </p:spPr>
+          <p:txBody>
+            <a:bodyPr wrap="square" rtlCol="0">
+              <a:spAutoFit/>
+            </a:bodyPr>
+            <a:lstStyle/>
+            <a:p>
+              <a:r>
+                <a:rPr lang="en-GB" sz="700" dirty="0">
+                  <a:solidFill>
+                    <a:srgbClr val="C00000"/>
+                  </a:solidFill>
+                </a:rPr>
+                <a:t>-0.9</a:t>
+              </a:r>
+            </a:p>
+          </p:txBody>
+        </p:sp>
+        <p:sp>
+          <p:nvSpPr>
+            <p:cNvPr id="116" name="Textfeld 115">
+              <a:extLst>
+                <a:ext uri="{FF2B5EF4-FFF2-40B4-BE49-F238E27FC236}">
+                  <a16:creationId xmlns:a16="http://schemas.microsoft.com/office/drawing/2014/main" id="{F1D12411-D8CC-481B-AB71-274FCADE379D}"/>
+                </a:ext>
+              </a:extLst>
+            </p:cNvPr>
+            <p:cNvSpPr txBox="1"/>
+            <p:nvPr/>
+          </p:nvSpPr>
+          <p:spPr>
+            <a:xfrm>
+              <a:off x="8814816" y="5822643"/>
+              <a:ext cx="381835" cy="200055"/>
+            </a:xfrm>
+            <a:prstGeom prst="rect">
+              <a:avLst/>
+            </a:prstGeom>
+            <a:noFill/>
+            <a:ln>
+              <a:noFill/>
+            </a:ln>
+          </p:spPr>
+          <p:txBody>
+            <a:bodyPr wrap="square" rtlCol="0">
+              <a:spAutoFit/>
+            </a:bodyPr>
+            <a:lstStyle/>
+            <a:p>
+              <a:r>
+                <a:rPr lang="en-GB" sz="700" dirty="0">
+                  <a:solidFill>
+                    <a:srgbClr val="C00000"/>
+                  </a:solidFill>
+                </a:rPr>
+                <a:t>-0.8</a:t>
+              </a:r>
+            </a:p>
+          </p:txBody>
+        </p:sp>
+        <p:sp>
+          <p:nvSpPr>
+            <p:cNvPr id="117" name="Textfeld 116">
+              <a:extLst>
+                <a:ext uri="{FF2B5EF4-FFF2-40B4-BE49-F238E27FC236}">
+                  <a16:creationId xmlns:a16="http://schemas.microsoft.com/office/drawing/2014/main" id="{A8879E64-DF6F-4E0A-8E9D-64EE54EA2FB7}"/>
+                </a:ext>
+              </a:extLst>
+            </p:cNvPr>
+            <p:cNvSpPr txBox="1"/>
+            <p:nvPr/>
+          </p:nvSpPr>
+          <p:spPr>
+            <a:xfrm>
+              <a:off x="8814815" y="5954995"/>
+              <a:ext cx="381835" cy="200055"/>
+            </a:xfrm>
+            <a:prstGeom prst="rect">
+              <a:avLst/>
+            </a:prstGeom>
+            <a:noFill/>
+            <a:ln>
+              <a:noFill/>
+            </a:ln>
+          </p:spPr>
+          <p:txBody>
+            <a:bodyPr wrap="square" rtlCol="0">
+              <a:spAutoFit/>
+            </a:bodyPr>
+            <a:lstStyle/>
+            <a:p>
+              <a:r>
+                <a:rPr lang="en-GB" sz="700" dirty="0"/>
+                <a:t> 0.8</a:t>
+              </a:r>
+            </a:p>
+          </p:txBody>
+        </p:sp>
+        <p:cxnSp>
+          <p:nvCxnSpPr>
+            <p:cNvPr id="118" name="Gerade Verbindung mit Pfeil 117">
+              <a:extLst>
+                <a:ext uri="{FF2B5EF4-FFF2-40B4-BE49-F238E27FC236}">
+                  <a16:creationId xmlns:a16="http://schemas.microsoft.com/office/drawing/2014/main" id="{61350D4F-B9C3-4FB3-8B11-65D97838674A}"/>
+                </a:ext>
+              </a:extLst>
+            </p:cNvPr>
+            <p:cNvCxnSpPr>
+              <a:cxnSpLocks/>
+              <a:endCxn id="111" idx="1"/>
+            </p:cNvCxnSpPr>
+            <p:nvPr/>
+          </p:nvCxnSpPr>
+          <p:spPr>
+            <a:xfrm>
+              <a:off x="8814814" y="6177008"/>
+              <a:ext cx="930748" cy="230218"/>
+            </a:xfrm>
+            <a:prstGeom prst="straightConnector1">
+              <a:avLst/>
+            </a:prstGeom>
+            <a:ln>
+              <a:solidFill>
+                <a:srgbClr val="C00000"/>
+              </a:solidFill>
+              <a:tailEnd type="triangle"/>
+            </a:ln>
+          </p:spPr>
+          <p:style>
+            <a:lnRef idx="1">
+              <a:schemeClr val="dk1"/>
+            </a:lnRef>
+            <a:fillRef idx="0">
+              <a:schemeClr val="dk1"/>
+            </a:fillRef>
+            <a:effectRef idx="0">
+              <a:schemeClr val="dk1"/>
+            </a:effectRef>
+            <a:fontRef idx="minor">
+              <a:schemeClr val="tx1"/>
+            </a:fontRef>
+          </p:style>
+        </p:cxnSp>
+        <p:cxnSp>
+          <p:nvCxnSpPr>
+            <p:cNvPr id="119" name="Gerade Verbindung mit Pfeil 118">
+              <a:extLst>
+                <a:ext uri="{FF2B5EF4-FFF2-40B4-BE49-F238E27FC236}">
+                  <a16:creationId xmlns:a16="http://schemas.microsoft.com/office/drawing/2014/main" id="{0B88BAC3-A2A6-4AFB-A20D-6F0B6166DF24}"/>
+                </a:ext>
+              </a:extLst>
+            </p:cNvPr>
+            <p:cNvCxnSpPr>
+              <a:cxnSpLocks/>
+              <a:endCxn id="111" idx="1"/>
+            </p:cNvCxnSpPr>
+            <p:nvPr/>
+          </p:nvCxnSpPr>
+          <p:spPr>
+            <a:xfrm>
+              <a:off x="8814813" y="6308413"/>
+              <a:ext cx="930749" cy="98813"/>
+            </a:xfrm>
+            <a:prstGeom prst="straightConnector1">
+              <a:avLst/>
+            </a:prstGeom>
+            <a:ln>
+              <a:solidFill>
+                <a:schemeClr val="tx1">
+                  <a:lumMod val="85000"/>
+                  <a:lumOff val="15000"/>
+                </a:schemeClr>
+              </a:solidFill>
+              <a:tailEnd type="triangle"/>
+            </a:ln>
+          </p:spPr>
+          <p:style>
+            <a:lnRef idx="1">
+              <a:schemeClr val="dk1"/>
+            </a:lnRef>
+            <a:fillRef idx="0">
+              <a:schemeClr val="dk1"/>
+            </a:fillRef>
+            <a:effectRef idx="0">
+              <a:schemeClr val="dk1"/>
+            </a:effectRef>
+            <a:fontRef idx="minor">
+              <a:schemeClr val="tx1"/>
+            </a:fontRef>
+          </p:style>
+        </p:cxnSp>
+        <p:cxnSp>
+          <p:nvCxnSpPr>
+            <p:cNvPr id="120" name="Gerade Verbindung mit Pfeil 119">
+              <a:extLst>
+                <a:ext uri="{FF2B5EF4-FFF2-40B4-BE49-F238E27FC236}">
+                  <a16:creationId xmlns:a16="http://schemas.microsoft.com/office/drawing/2014/main" id="{B3C5F836-3193-48C0-8AE9-DE97542C6FA6}"/>
+                </a:ext>
+              </a:extLst>
+            </p:cNvPr>
+            <p:cNvCxnSpPr>
+              <a:cxnSpLocks/>
+              <a:endCxn id="111" idx="1"/>
+            </p:cNvCxnSpPr>
+            <p:nvPr/>
+          </p:nvCxnSpPr>
+          <p:spPr>
+            <a:xfrm flipV="1">
+              <a:off x="8814813" y="6407226"/>
+              <a:ext cx="930749" cy="100206"/>
+            </a:xfrm>
+            <a:prstGeom prst="straightConnector1">
+              <a:avLst/>
+            </a:prstGeom>
+            <a:ln>
+              <a:solidFill>
+                <a:schemeClr val="tx1">
+                  <a:lumMod val="85000"/>
+                  <a:lumOff val="15000"/>
+                </a:schemeClr>
+              </a:solidFill>
+              <a:tailEnd type="triangle"/>
+            </a:ln>
+          </p:spPr>
+          <p:style>
+            <a:lnRef idx="1">
+              <a:schemeClr val="dk1"/>
+            </a:lnRef>
+            <a:fillRef idx="0">
+              <a:schemeClr val="dk1"/>
+            </a:fillRef>
+            <a:effectRef idx="0">
+              <a:schemeClr val="dk1"/>
+            </a:effectRef>
+            <a:fontRef idx="minor">
+              <a:schemeClr val="tx1"/>
+            </a:fontRef>
+          </p:style>
+        </p:cxnSp>
+        <p:cxnSp>
+          <p:nvCxnSpPr>
+            <p:cNvPr id="121" name="Gerade Verbindung mit Pfeil 120">
+              <a:extLst>
+                <a:ext uri="{FF2B5EF4-FFF2-40B4-BE49-F238E27FC236}">
+                  <a16:creationId xmlns:a16="http://schemas.microsoft.com/office/drawing/2014/main" id="{21799AA7-11BE-4284-961C-BA01A19FF720}"/>
+                </a:ext>
+              </a:extLst>
+            </p:cNvPr>
+            <p:cNvCxnSpPr>
+              <a:cxnSpLocks/>
+              <a:endCxn id="111" idx="1"/>
+            </p:cNvCxnSpPr>
+            <p:nvPr/>
+          </p:nvCxnSpPr>
+          <p:spPr>
+            <a:xfrm flipV="1">
+              <a:off x="8814813" y="6407226"/>
+              <a:ext cx="930749" cy="285716"/>
+            </a:xfrm>
+            <a:prstGeom prst="straightConnector1">
+              <a:avLst/>
+            </a:prstGeom>
+            <a:ln>
+              <a:solidFill>
+                <a:schemeClr val="tx1">
+                  <a:lumMod val="85000"/>
+                  <a:lumOff val="15000"/>
+                </a:schemeClr>
+              </a:solidFill>
+              <a:tailEnd type="triangle"/>
+            </a:ln>
+          </p:spPr>
+          <p:style>
+            <a:lnRef idx="1">
+              <a:schemeClr val="dk1"/>
+            </a:lnRef>
+            <a:fillRef idx="0">
+              <a:schemeClr val="dk1"/>
+            </a:fillRef>
+            <a:effectRef idx="0">
+              <a:schemeClr val="dk1"/>
+            </a:effectRef>
+            <a:fontRef idx="minor">
+              <a:schemeClr val="tx1"/>
+            </a:fontRef>
+          </p:style>
+        </p:cxnSp>
+        <p:cxnSp>
+          <p:nvCxnSpPr>
+            <p:cNvPr id="122" name="Gerade Verbindung mit Pfeil 121">
+              <a:extLst>
+                <a:ext uri="{FF2B5EF4-FFF2-40B4-BE49-F238E27FC236}">
+                  <a16:creationId xmlns:a16="http://schemas.microsoft.com/office/drawing/2014/main" id="{2F71E4DE-C0F5-458C-AC22-AF84D8673D6F}"/>
+                </a:ext>
+              </a:extLst>
+            </p:cNvPr>
+            <p:cNvCxnSpPr>
+              <a:cxnSpLocks/>
+              <a:endCxn id="111" idx="1"/>
+            </p:cNvCxnSpPr>
+            <p:nvPr/>
+          </p:nvCxnSpPr>
+          <p:spPr>
+            <a:xfrm flipV="1">
+              <a:off x="8814812" y="6407226"/>
+              <a:ext cx="930750" cy="426150"/>
+            </a:xfrm>
+            <a:prstGeom prst="straightConnector1">
+              <a:avLst/>
+            </a:prstGeom>
+            <a:ln>
+              <a:solidFill>
+                <a:srgbClr val="C00000"/>
+              </a:solidFill>
+              <a:tailEnd type="triangle"/>
+            </a:ln>
+          </p:spPr>
+          <p:style>
+            <a:lnRef idx="1">
+              <a:schemeClr val="dk1"/>
+            </a:lnRef>
+            <a:fillRef idx="0">
+              <a:schemeClr val="dk1"/>
+            </a:fillRef>
+            <a:effectRef idx="0">
+              <a:schemeClr val="dk1"/>
+            </a:effectRef>
+            <a:fontRef idx="minor">
+              <a:schemeClr val="tx1"/>
+            </a:fontRef>
+          </p:style>
+        </p:cxnSp>
+        <p:cxnSp>
+          <p:nvCxnSpPr>
+            <p:cNvPr id="123" name="Gerade Verbindung mit Pfeil 122">
+              <a:extLst>
+                <a:ext uri="{FF2B5EF4-FFF2-40B4-BE49-F238E27FC236}">
+                  <a16:creationId xmlns:a16="http://schemas.microsoft.com/office/drawing/2014/main" id="{BF854EE4-5FC5-4ADB-BD7F-37C8E2C00F28}"/>
+                </a:ext>
+              </a:extLst>
+            </p:cNvPr>
+            <p:cNvCxnSpPr>
+              <a:cxnSpLocks/>
+              <a:endCxn id="111" idx="1"/>
+            </p:cNvCxnSpPr>
+            <p:nvPr/>
+          </p:nvCxnSpPr>
+          <p:spPr>
+            <a:xfrm flipV="1">
+              <a:off x="8814811" y="6407226"/>
+              <a:ext cx="930751" cy="762244"/>
+            </a:xfrm>
+            <a:prstGeom prst="straightConnector1">
+              <a:avLst/>
+            </a:prstGeom>
+            <a:ln>
+              <a:solidFill>
+                <a:srgbClr val="C00000"/>
+              </a:solidFill>
+              <a:tailEnd type="triangle"/>
+            </a:ln>
+          </p:spPr>
+          <p:style>
+            <a:lnRef idx="1">
+              <a:schemeClr val="dk1"/>
+            </a:lnRef>
+            <a:fillRef idx="0">
+              <a:schemeClr val="dk1"/>
+            </a:fillRef>
+            <a:effectRef idx="0">
+              <a:schemeClr val="dk1"/>
+            </a:effectRef>
+            <a:fontRef idx="minor">
+              <a:schemeClr val="tx1"/>
+            </a:fontRef>
+          </p:style>
+        </p:cxnSp>
+        <p:cxnSp>
+          <p:nvCxnSpPr>
+            <p:cNvPr id="127" name="Gerade Verbindung mit Pfeil 126">
+              <a:extLst>
+                <a:ext uri="{FF2B5EF4-FFF2-40B4-BE49-F238E27FC236}">
+                  <a16:creationId xmlns:a16="http://schemas.microsoft.com/office/drawing/2014/main" id="{B0DD4883-EA1A-458C-9BD5-B6B0FB815FF1}"/>
+                </a:ext>
+              </a:extLst>
+            </p:cNvPr>
+            <p:cNvCxnSpPr>
+              <a:cxnSpLocks/>
+              <a:stCxn id="114" idx="3"/>
+              <a:endCxn id="111" idx="1"/>
+            </p:cNvCxnSpPr>
+            <p:nvPr/>
+          </p:nvCxnSpPr>
+          <p:spPr>
+            <a:xfrm flipV="1">
+              <a:off x="8814816" y="6407226"/>
+              <a:ext cx="930746" cy="618730"/>
+            </a:xfrm>
+            <a:prstGeom prst="straightConnector1">
+              <a:avLst/>
+            </a:prstGeom>
+            <a:ln>
+              <a:solidFill>
+                <a:schemeClr val="tx1">
+                  <a:lumMod val="85000"/>
+                  <a:lumOff val="15000"/>
+                </a:schemeClr>
+              </a:solidFill>
+              <a:tailEnd type="triangle"/>
+            </a:ln>
+          </p:spPr>
+          <p:style>
+            <a:lnRef idx="1">
+              <a:schemeClr val="dk1"/>
+            </a:lnRef>
+            <a:fillRef idx="0">
+              <a:schemeClr val="dk1"/>
+            </a:fillRef>
+            <a:effectRef idx="0">
+              <a:schemeClr val="dk1"/>
+            </a:effectRef>
+            <a:fontRef idx="minor">
+              <a:schemeClr val="tx1"/>
+            </a:fontRef>
+          </p:style>
+        </p:cxnSp>
+        <p:cxnSp>
+          <p:nvCxnSpPr>
+            <p:cNvPr id="128" name="Gerade Verbindung mit Pfeil 127">
+              <a:extLst>
+                <a:ext uri="{FF2B5EF4-FFF2-40B4-BE49-F238E27FC236}">
+                  <a16:creationId xmlns:a16="http://schemas.microsoft.com/office/drawing/2014/main" id="{E3E64964-259F-432E-9C61-EB7AB7CD93B7}"/>
+                </a:ext>
+              </a:extLst>
+            </p:cNvPr>
+            <p:cNvCxnSpPr>
+              <a:cxnSpLocks/>
+              <a:endCxn id="111" idx="1"/>
+            </p:cNvCxnSpPr>
+            <p:nvPr/>
+          </p:nvCxnSpPr>
+          <p:spPr>
+            <a:xfrm flipV="1">
+              <a:off x="8814810" y="6407226"/>
+              <a:ext cx="930752" cy="932752"/>
+            </a:xfrm>
+            <a:prstGeom prst="straightConnector1">
+              <a:avLst/>
+            </a:prstGeom>
+            <a:ln>
+              <a:solidFill>
+                <a:schemeClr val="tx1">
+                  <a:lumMod val="85000"/>
+                  <a:lumOff val="15000"/>
+                </a:schemeClr>
+              </a:solidFill>
+              <a:tailEnd type="triangle"/>
+            </a:ln>
+          </p:spPr>
+          <p:style>
+            <a:lnRef idx="1">
+              <a:schemeClr val="dk1"/>
+            </a:lnRef>
+            <a:fillRef idx="0">
+              <a:schemeClr val="dk1"/>
+            </a:fillRef>
+            <a:effectRef idx="0">
+              <a:schemeClr val="dk1"/>
+            </a:effectRef>
+            <a:fontRef idx="minor">
+              <a:schemeClr val="tx1"/>
+            </a:fontRef>
+          </p:style>
+        </p:cxnSp>
+        <p:sp>
+          <p:nvSpPr>
+            <p:cNvPr id="137" name="Textfeld 136">
+              <a:extLst>
+                <a:ext uri="{FF2B5EF4-FFF2-40B4-BE49-F238E27FC236}">
+                  <a16:creationId xmlns:a16="http://schemas.microsoft.com/office/drawing/2014/main" id="{7E79440F-8A85-434E-B8A9-FB0B47975C78}"/>
+                </a:ext>
+              </a:extLst>
+            </p:cNvPr>
+            <p:cNvSpPr txBox="1"/>
+            <p:nvPr/>
+          </p:nvSpPr>
+          <p:spPr>
+            <a:xfrm>
+              <a:off x="8814815" y="6103149"/>
+              <a:ext cx="381835" cy="200055"/>
+            </a:xfrm>
+            <a:prstGeom prst="rect">
+              <a:avLst/>
+            </a:prstGeom>
+            <a:noFill/>
+            <a:ln>
+              <a:noFill/>
+            </a:ln>
+          </p:spPr>
+          <p:txBody>
+            <a:bodyPr wrap="square" rtlCol="0">
+              <a:spAutoFit/>
+            </a:bodyPr>
+            <a:lstStyle/>
+            <a:p>
+              <a:r>
+                <a:rPr lang="en-GB" sz="700" dirty="0">
+                  <a:solidFill>
+                    <a:srgbClr val="C00000"/>
+                  </a:solidFill>
+                </a:rPr>
+                <a:t>-0.8</a:t>
+              </a:r>
+            </a:p>
+          </p:txBody>
+        </p:sp>
+        <p:sp>
+          <p:nvSpPr>
+            <p:cNvPr id="138" name="Textfeld 137">
+              <a:extLst>
+                <a:ext uri="{FF2B5EF4-FFF2-40B4-BE49-F238E27FC236}">
+                  <a16:creationId xmlns:a16="http://schemas.microsoft.com/office/drawing/2014/main" id="{421B6858-0010-4012-872C-F5EE1E0B87B8}"/>
+                </a:ext>
+              </a:extLst>
+            </p:cNvPr>
+            <p:cNvSpPr txBox="1"/>
+            <p:nvPr/>
+          </p:nvSpPr>
+          <p:spPr>
+            <a:xfrm>
+              <a:off x="8814809" y="6228909"/>
+              <a:ext cx="381835" cy="200055"/>
+            </a:xfrm>
+            <a:prstGeom prst="rect">
+              <a:avLst/>
+            </a:prstGeom>
+            <a:noFill/>
+            <a:ln>
+              <a:noFill/>
+            </a:ln>
+          </p:spPr>
+          <p:txBody>
+            <a:bodyPr wrap="square" rtlCol="0">
+              <a:spAutoFit/>
+            </a:bodyPr>
+            <a:lstStyle/>
+            <a:p>
+              <a:r>
+                <a:rPr lang="en-GB" sz="700" dirty="0"/>
+                <a:t> 0.8</a:t>
+              </a:r>
+            </a:p>
+          </p:txBody>
+        </p:sp>
+        <p:sp>
+          <p:nvSpPr>
+            <p:cNvPr id="139" name="Textfeld 138">
+              <a:extLst>
+                <a:ext uri="{FF2B5EF4-FFF2-40B4-BE49-F238E27FC236}">
+                  <a16:creationId xmlns:a16="http://schemas.microsoft.com/office/drawing/2014/main" id="{9674EE78-D368-4554-8B16-BC13C6D6DE11}"/>
+                </a:ext>
+              </a:extLst>
+            </p:cNvPr>
+            <p:cNvSpPr txBox="1"/>
+            <p:nvPr/>
+          </p:nvSpPr>
+          <p:spPr>
+            <a:xfrm>
+              <a:off x="8814809" y="6392453"/>
+              <a:ext cx="381835" cy="200055"/>
+            </a:xfrm>
+            <a:prstGeom prst="rect">
+              <a:avLst/>
+            </a:prstGeom>
+            <a:noFill/>
+            <a:ln>
+              <a:noFill/>
+            </a:ln>
+          </p:spPr>
+          <p:txBody>
+            <a:bodyPr wrap="square" rtlCol="0">
+              <a:spAutoFit/>
+            </a:bodyPr>
+            <a:lstStyle/>
+            <a:p>
+              <a:r>
+                <a:rPr lang="en-GB" sz="700" dirty="0"/>
+                <a:t>-0.8</a:t>
+              </a:r>
+            </a:p>
+          </p:txBody>
+        </p:sp>
+        <p:sp>
+          <p:nvSpPr>
+            <p:cNvPr id="143" name="Textfeld 142">
+              <a:extLst>
+                <a:ext uri="{FF2B5EF4-FFF2-40B4-BE49-F238E27FC236}">
+                  <a16:creationId xmlns:a16="http://schemas.microsoft.com/office/drawing/2014/main" id="{A6F2F6E8-B729-4853-8BB1-A8E79C1D4A34}"/>
+                </a:ext>
+              </a:extLst>
+            </p:cNvPr>
+            <p:cNvSpPr txBox="1"/>
+            <p:nvPr/>
+          </p:nvSpPr>
+          <p:spPr>
+            <a:xfrm>
+              <a:off x="8814809" y="6531461"/>
+              <a:ext cx="381835" cy="200055"/>
+            </a:xfrm>
+            <a:prstGeom prst="rect">
+              <a:avLst/>
+            </a:prstGeom>
+            <a:noFill/>
+            <a:ln>
+              <a:noFill/>
+            </a:ln>
+          </p:spPr>
+          <p:txBody>
+            <a:bodyPr wrap="square" rtlCol="0">
+              <a:spAutoFit/>
+            </a:bodyPr>
+            <a:lstStyle/>
+            <a:p>
+              <a:r>
+                <a:rPr lang="en-GB" sz="700" dirty="0"/>
+                <a:t> 0.7</a:t>
+              </a:r>
+            </a:p>
+          </p:txBody>
+        </p:sp>
+        <p:sp>
+          <p:nvSpPr>
+            <p:cNvPr id="146" name="Textfeld 145">
+              <a:extLst>
+                <a:ext uri="{FF2B5EF4-FFF2-40B4-BE49-F238E27FC236}">
+                  <a16:creationId xmlns:a16="http://schemas.microsoft.com/office/drawing/2014/main" id="{BA5321F8-1087-458D-8623-A8FFB8944225}"/>
+                </a:ext>
+              </a:extLst>
+            </p:cNvPr>
+            <p:cNvSpPr txBox="1"/>
+            <p:nvPr/>
+          </p:nvSpPr>
+          <p:spPr>
+            <a:xfrm>
+              <a:off x="8814808" y="6650410"/>
+              <a:ext cx="381835" cy="200055"/>
+            </a:xfrm>
+            <a:prstGeom prst="rect">
+              <a:avLst/>
+            </a:prstGeom>
+            <a:noFill/>
+            <a:ln>
+              <a:noFill/>
+            </a:ln>
+          </p:spPr>
+          <p:txBody>
+            <a:bodyPr wrap="square" rtlCol="0">
+              <a:spAutoFit/>
+            </a:bodyPr>
+            <a:lstStyle/>
+            <a:p>
+              <a:r>
+                <a:rPr lang="en-GB" sz="700" dirty="0">
+                  <a:solidFill>
+                    <a:srgbClr val="C00000"/>
+                  </a:solidFill>
+                </a:rPr>
+                <a:t>-0.7</a:t>
+              </a:r>
+            </a:p>
+          </p:txBody>
+        </p:sp>
+        <p:sp>
+          <p:nvSpPr>
+            <p:cNvPr id="150" name="Textfeld 149">
+              <a:extLst>
+                <a:ext uri="{FF2B5EF4-FFF2-40B4-BE49-F238E27FC236}">
+                  <a16:creationId xmlns:a16="http://schemas.microsoft.com/office/drawing/2014/main" id="{D831C32B-0512-4DCD-B569-D2A84687244F}"/>
+                </a:ext>
+              </a:extLst>
+            </p:cNvPr>
+            <p:cNvSpPr txBox="1"/>
+            <p:nvPr/>
+          </p:nvSpPr>
+          <p:spPr>
+            <a:xfrm>
+              <a:off x="8814807" y="6800457"/>
+              <a:ext cx="381835" cy="200055"/>
+            </a:xfrm>
+            <a:prstGeom prst="rect">
+              <a:avLst/>
+            </a:prstGeom>
+            <a:noFill/>
+            <a:ln>
+              <a:noFill/>
+            </a:ln>
+          </p:spPr>
+          <p:txBody>
+            <a:bodyPr wrap="square" rtlCol="0">
+              <a:spAutoFit/>
+            </a:bodyPr>
+            <a:lstStyle/>
+            <a:p>
+              <a:r>
+                <a:rPr lang="en-GB" sz="700" dirty="0"/>
+                <a:t> 0.7</a:t>
+              </a:r>
+            </a:p>
+          </p:txBody>
+        </p:sp>
+        <p:sp>
+          <p:nvSpPr>
+            <p:cNvPr id="151" name="Textfeld 150">
+              <a:extLst>
+                <a:ext uri="{FF2B5EF4-FFF2-40B4-BE49-F238E27FC236}">
+                  <a16:creationId xmlns:a16="http://schemas.microsoft.com/office/drawing/2014/main" id="{0A1C87FC-F4CD-423B-B649-234A70B15E33}"/>
+                </a:ext>
+              </a:extLst>
+            </p:cNvPr>
+            <p:cNvSpPr txBox="1"/>
+            <p:nvPr/>
+          </p:nvSpPr>
+          <p:spPr>
+            <a:xfrm>
+              <a:off x="8810783" y="7092820"/>
+              <a:ext cx="381835" cy="200055"/>
+            </a:xfrm>
+            <a:prstGeom prst="rect">
+              <a:avLst/>
+            </a:prstGeom>
+            <a:noFill/>
+            <a:ln>
+              <a:noFill/>
+            </a:ln>
+          </p:spPr>
+          <p:txBody>
+            <a:bodyPr wrap="square" rtlCol="0">
+              <a:spAutoFit/>
+            </a:bodyPr>
+            <a:lstStyle/>
+            <a:p>
+              <a:r>
+                <a:rPr lang="en-GB" sz="700" dirty="0"/>
+                <a:t> 0.6</a:t>
+              </a:r>
+            </a:p>
+          </p:txBody>
+        </p:sp>
+        <p:sp>
+          <p:nvSpPr>
+            <p:cNvPr id="152" name="Textfeld 151">
+              <a:extLst>
+                <a:ext uri="{FF2B5EF4-FFF2-40B4-BE49-F238E27FC236}">
+                  <a16:creationId xmlns:a16="http://schemas.microsoft.com/office/drawing/2014/main" id="{2D45F578-2CF2-47A7-9F25-9F5084ABBFFA}"/>
+                </a:ext>
+              </a:extLst>
+            </p:cNvPr>
+            <p:cNvSpPr txBox="1"/>
+            <p:nvPr/>
+          </p:nvSpPr>
+          <p:spPr>
+            <a:xfrm>
+              <a:off x="8810782" y="6943153"/>
+              <a:ext cx="381835" cy="200055"/>
+            </a:xfrm>
+            <a:prstGeom prst="rect">
+              <a:avLst/>
+            </a:prstGeom>
+            <a:noFill/>
+            <a:ln>
+              <a:noFill/>
+            </a:ln>
+          </p:spPr>
+          <p:txBody>
+            <a:bodyPr wrap="square" rtlCol="0">
+              <a:spAutoFit/>
+            </a:bodyPr>
+            <a:lstStyle/>
+            <a:p>
+              <a:r>
+                <a:rPr lang="en-GB" sz="700" dirty="0">
+                  <a:solidFill>
+                    <a:srgbClr val="C00000"/>
+                  </a:solidFill>
+                </a:rPr>
+                <a:t>-0.6</a:t>
+              </a:r>
+            </a:p>
+          </p:txBody>
+        </p:sp>
+        <p:sp>
+          <p:nvSpPr>
+            <p:cNvPr id="153" name="Rechteck 152">
+              <a:extLst>
+                <a:ext uri="{FF2B5EF4-FFF2-40B4-BE49-F238E27FC236}">
+                  <a16:creationId xmlns:a16="http://schemas.microsoft.com/office/drawing/2014/main" id="{EAEDF553-08E5-490C-BCD6-B6B799F079EC}"/>
+                </a:ext>
+              </a:extLst>
+            </p:cNvPr>
+            <p:cNvSpPr/>
+            <p:nvPr/>
+          </p:nvSpPr>
+          <p:spPr>
+            <a:xfrm>
+              <a:off x="9745562" y="7711471"/>
+              <a:ext cx="401072" cy="246221"/>
+            </a:xfrm>
+            <a:prstGeom prst="rect">
+              <a:avLst/>
+            </a:prstGeom>
+          </p:spPr>
+          <p:style>
+            <a:lnRef idx="2">
+              <a:schemeClr val="dk1"/>
+            </a:lnRef>
+            <a:fillRef idx="1">
+              <a:schemeClr val="lt1"/>
+            </a:fillRef>
+            <a:effectRef idx="0">
+              <a:schemeClr val="dk1"/>
+            </a:effectRef>
+            <a:fontRef idx="minor">
+              <a:schemeClr val="dk1"/>
+            </a:fontRef>
+          </p:style>
+          <p:txBody>
+            <a:bodyPr wrap="none">
+              <a:spAutoFit/>
+            </a:bodyPr>
+            <a:lstStyle/>
+            <a:p>
+              <a:r>
+                <a:rPr lang="en-GB" sz="1000" dirty="0">
+                  <a:latin typeface="Segoe UI Light" panose="020B0502040204020203" pitchFamily="34" charset="0"/>
+                  <a:cs typeface="Segoe UI Light" panose="020B0502040204020203" pitchFamily="34" charset="0"/>
+                </a:rPr>
+                <a:t>RC2</a:t>
+              </a:r>
+              <a:endParaRPr lang="en-GB" dirty="0"/>
+            </a:p>
+          </p:txBody>
+        </p:sp>
+        <p:cxnSp>
+          <p:nvCxnSpPr>
+            <p:cNvPr id="154" name="Gerade Verbindung mit Pfeil 153">
+              <a:extLst>
+                <a:ext uri="{FF2B5EF4-FFF2-40B4-BE49-F238E27FC236}">
+                  <a16:creationId xmlns:a16="http://schemas.microsoft.com/office/drawing/2014/main" id="{A60B1FC0-C114-4EE7-B7D5-EA30A1D6C9D2}"/>
+                </a:ext>
+              </a:extLst>
+            </p:cNvPr>
+            <p:cNvCxnSpPr>
+              <a:cxnSpLocks/>
+              <a:endCxn id="111" idx="1"/>
+            </p:cNvCxnSpPr>
+            <p:nvPr/>
+          </p:nvCxnSpPr>
+          <p:spPr>
+            <a:xfrm flipV="1">
+              <a:off x="8810782" y="6407226"/>
+              <a:ext cx="934780" cy="1102050"/>
+            </a:xfrm>
+            <a:prstGeom prst="straightConnector1">
+              <a:avLst/>
+            </a:prstGeom>
+            <a:ln>
+              <a:solidFill>
+                <a:schemeClr val="tx1">
+                  <a:lumMod val="85000"/>
+                  <a:lumOff val="15000"/>
+                </a:schemeClr>
+              </a:solidFill>
+              <a:tailEnd type="triangle"/>
+            </a:ln>
+          </p:spPr>
+          <p:style>
+            <a:lnRef idx="1">
+              <a:schemeClr val="dk1"/>
+            </a:lnRef>
+            <a:fillRef idx="0">
+              <a:schemeClr val="dk1"/>
+            </a:fillRef>
+            <a:effectRef idx="0">
+              <a:schemeClr val="dk1"/>
+            </a:effectRef>
+            <a:fontRef idx="minor">
+              <a:schemeClr val="tx1"/>
+            </a:fontRef>
+          </p:style>
+        </p:cxnSp>
+        <p:cxnSp>
+          <p:nvCxnSpPr>
+            <p:cNvPr id="155" name="Gerade Verbindung mit Pfeil 154">
+              <a:extLst>
+                <a:ext uri="{FF2B5EF4-FFF2-40B4-BE49-F238E27FC236}">
+                  <a16:creationId xmlns:a16="http://schemas.microsoft.com/office/drawing/2014/main" id="{A8B319BC-C916-4970-94E1-4BCCEC99D76B}"/>
+                </a:ext>
+              </a:extLst>
+            </p:cNvPr>
+            <p:cNvCxnSpPr>
+              <a:cxnSpLocks/>
+              <a:endCxn id="153" idx="1"/>
+            </p:cNvCxnSpPr>
+            <p:nvPr/>
+          </p:nvCxnSpPr>
+          <p:spPr>
+            <a:xfrm>
+              <a:off x="8810781" y="7673690"/>
+              <a:ext cx="934781" cy="160892"/>
+            </a:xfrm>
+            <a:prstGeom prst="straightConnector1">
+              <a:avLst/>
+            </a:prstGeom>
+            <a:ln>
+              <a:solidFill>
+                <a:schemeClr val="tx1">
+                  <a:lumMod val="85000"/>
+                  <a:lumOff val="15000"/>
+                </a:schemeClr>
+              </a:solidFill>
+              <a:tailEnd type="triangle"/>
+            </a:ln>
+          </p:spPr>
+          <p:style>
+            <a:lnRef idx="1">
+              <a:schemeClr val="dk1"/>
+            </a:lnRef>
+            <a:fillRef idx="0">
+              <a:schemeClr val="dk1"/>
+            </a:fillRef>
+            <a:effectRef idx="0">
+              <a:schemeClr val="dk1"/>
+            </a:effectRef>
+            <a:fontRef idx="minor">
+              <a:schemeClr val="tx1"/>
+            </a:fontRef>
+          </p:style>
+        </p:cxnSp>
+        <p:cxnSp>
+          <p:nvCxnSpPr>
+            <p:cNvPr id="156" name="Gerade Verbindung mit Pfeil 155">
+              <a:extLst>
+                <a:ext uri="{FF2B5EF4-FFF2-40B4-BE49-F238E27FC236}">
+                  <a16:creationId xmlns:a16="http://schemas.microsoft.com/office/drawing/2014/main" id="{0D76F69C-8216-4296-AFAC-3141A5F16EEA}"/>
+                </a:ext>
+              </a:extLst>
+            </p:cNvPr>
+            <p:cNvCxnSpPr>
+              <a:cxnSpLocks/>
+              <a:endCxn id="153" idx="1"/>
+            </p:cNvCxnSpPr>
+            <p:nvPr/>
+          </p:nvCxnSpPr>
+          <p:spPr>
+            <a:xfrm flipV="1">
+              <a:off x="8810781" y="7834582"/>
+              <a:ext cx="934781" cy="4082"/>
+            </a:xfrm>
+            <a:prstGeom prst="straightConnector1">
+              <a:avLst/>
+            </a:prstGeom>
+            <a:ln>
+              <a:solidFill>
+                <a:schemeClr val="tx1">
+                  <a:lumMod val="85000"/>
+                  <a:lumOff val="15000"/>
+                </a:schemeClr>
+              </a:solidFill>
+              <a:tailEnd type="triangle"/>
+            </a:ln>
+          </p:spPr>
+          <p:style>
+            <a:lnRef idx="1">
+              <a:schemeClr val="dk1"/>
+            </a:lnRef>
+            <a:fillRef idx="0">
+              <a:schemeClr val="dk1"/>
+            </a:fillRef>
+            <a:effectRef idx="0">
+              <a:schemeClr val="dk1"/>
+            </a:effectRef>
+            <a:fontRef idx="minor">
+              <a:schemeClr val="tx1"/>
+            </a:fontRef>
+          </p:style>
+        </p:cxnSp>
+        <p:sp>
+          <p:nvSpPr>
+            <p:cNvPr id="157" name="Textfeld 156">
+              <a:extLst>
+                <a:ext uri="{FF2B5EF4-FFF2-40B4-BE49-F238E27FC236}">
+                  <a16:creationId xmlns:a16="http://schemas.microsoft.com/office/drawing/2014/main" id="{DB21813C-31BB-4924-9361-0A06980A1A13}"/>
+                </a:ext>
+              </a:extLst>
+            </p:cNvPr>
+            <p:cNvSpPr txBox="1"/>
+            <p:nvPr/>
+          </p:nvSpPr>
+          <p:spPr>
+            <a:xfrm>
+              <a:off x="8810781" y="7245378"/>
+              <a:ext cx="381835" cy="200055"/>
+            </a:xfrm>
+            <a:prstGeom prst="rect">
+              <a:avLst/>
+            </a:prstGeom>
+            <a:noFill/>
+            <a:ln>
+              <a:noFill/>
+            </a:ln>
+          </p:spPr>
+          <p:txBody>
+            <a:bodyPr wrap="square" rtlCol="0">
+              <a:spAutoFit/>
+            </a:bodyPr>
+            <a:lstStyle/>
+            <a:p>
+              <a:r>
+                <a:rPr lang="en-GB" sz="700" dirty="0"/>
+                <a:t> 0.4</a:t>
+              </a:r>
+            </a:p>
+          </p:txBody>
+        </p:sp>
+        <p:cxnSp>
+          <p:nvCxnSpPr>
+            <p:cNvPr id="158" name="Gerade Verbindung mit Pfeil 157">
+              <a:extLst>
+                <a:ext uri="{FF2B5EF4-FFF2-40B4-BE49-F238E27FC236}">
+                  <a16:creationId xmlns:a16="http://schemas.microsoft.com/office/drawing/2014/main" id="{D441A91B-23CE-48A7-9333-8C59E8FBCEEC}"/>
+                </a:ext>
+              </a:extLst>
+            </p:cNvPr>
+            <p:cNvCxnSpPr>
+              <a:cxnSpLocks/>
+              <a:endCxn id="153" idx="1"/>
+            </p:cNvCxnSpPr>
+            <p:nvPr/>
+          </p:nvCxnSpPr>
+          <p:spPr>
+            <a:xfrm flipV="1">
+              <a:off x="8810781" y="7834582"/>
+              <a:ext cx="934781" cy="179930"/>
+            </a:xfrm>
+            <a:prstGeom prst="straightConnector1">
+              <a:avLst/>
+            </a:prstGeom>
+            <a:ln>
+              <a:solidFill>
+                <a:schemeClr val="tx1">
+                  <a:lumMod val="85000"/>
+                  <a:lumOff val="15000"/>
+                </a:schemeClr>
+              </a:solidFill>
+              <a:tailEnd type="triangle"/>
+            </a:ln>
+          </p:spPr>
+          <p:style>
+            <a:lnRef idx="1">
+              <a:schemeClr val="dk1"/>
+            </a:lnRef>
+            <a:fillRef idx="0">
+              <a:schemeClr val="dk1"/>
+            </a:fillRef>
+            <a:effectRef idx="0">
+              <a:schemeClr val="dk1"/>
+            </a:effectRef>
+            <a:fontRef idx="minor">
+              <a:schemeClr val="tx1"/>
+            </a:fontRef>
+          </p:style>
+        </p:cxnSp>
+        <p:sp>
+          <p:nvSpPr>
+            <p:cNvPr id="159" name="Textfeld 158">
+              <a:extLst>
+                <a:ext uri="{FF2B5EF4-FFF2-40B4-BE49-F238E27FC236}">
+                  <a16:creationId xmlns:a16="http://schemas.microsoft.com/office/drawing/2014/main" id="{0F12810A-FFB8-49F7-A7E5-B89F057D045F}"/>
+                </a:ext>
+              </a:extLst>
+            </p:cNvPr>
+            <p:cNvSpPr txBox="1"/>
+            <p:nvPr/>
+          </p:nvSpPr>
+          <p:spPr>
+            <a:xfrm>
+              <a:off x="8810780" y="7597760"/>
+              <a:ext cx="381835" cy="200055"/>
+            </a:xfrm>
+            <a:prstGeom prst="rect">
+              <a:avLst/>
+            </a:prstGeom>
+            <a:noFill/>
+            <a:ln>
+              <a:noFill/>
+            </a:ln>
+          </p:spPr>
+          <p:txBody>
+            <a:bodyPr wrap="square" rtlCol="0">
+              <a:spAutoFit/>
+            </a:bodyPr>
+            <a:lstStyle/>
+            <a:p>
+              <a:r>
+                <a:rPr lang="en-GB" sz="700" dirty="0"/>
+                <a:t> 0.8</a:t>
+              </a:r>
+            </a:p>
+          </p:txBody>
+        </p:sp>
+        <p:sp>
+          <p:nvSpPr>
+            <p:cNvPr id="160" name="Textfeld 159">
+              <a:extLst>
+                <a:ext uri="{FF2B5EF4-FFF2-40B4-BE49-F238E27FC236}">
+                  <a16:creationId xmlns:a16="http://schemas.microsoft.com/office/drawing/2014/main" id="{6E48A47D-3402-4660-B7D0-1B18A246795C}"/>
+                </a:ext>
+              </a:extLst>
+            </p:cNvPr>
+            <p:cNvSpPr txBox="1"/>
+            <p:nvPr/>
+          </p:nvSpPr>
+          <p:spPr>
+            <a:xfrm>
+              <a:off x="8810780" y="7737171"/>
+              <a:ext cx="381835" cy="200055"/>
+            </a:xfrm>
+            <a:prstGeom prst="rect">
+              <a:avLst/>
+            </a:prstGeom>
+            <a:noFill/>
+            <a:ln>
+              <a:noFill/>
+            </a:ln>
+          </p:spPr>
+          <p:txBody>
+            <a:bodyPr wrap="square" rtlCol="0">
+              <a:spAutoFit/>
+            </a:bodyPr>
+            <a:lstStyle/>
+            <a:p>
+              <a:r>
+                <a:rPr lang="en-GB" sz="700" dirty="0"/>
+                <a:t> 0.7</a:t>
+              </a:r>
+            </a:p>
+          </p:txBody>
+        </p:sp>
+        <p:sp>
+          <p:nvSpPr>
+            <p:cNvPr id="161" name="Textfeld 160">
+              <a:extLst>
+                <a:ext uri="{FF2B5EF4-FFF2-40B4-BE49-F238E27FC236}">
+                  <a16:creationId xmlns:a16="http://schemas.microsoft.com/office/drawing/2014/main" id="{38E956F3-5E74-4C61-93F3-445FD05FD966}"/>
+                </a:ext>
+              </a:extLst>
+            </p:cNvPr>
+            <p:cNvSpPr txBox="1"/>
+            <p:nvPr/>
+          </p:nvSpPr>
+          <p:spPr>
+            <a:xfrm>
+              <a:off x="8810780" y="7889942"/>
+              <a:ext cx="381835" cy="200055"/>
+            </a:xfrm>
+            <a:prstGeom prst="rect">
+              <a:avLst/>
+            </a:prstGeom>
+            <a:noFill/>
+            <a:ln>
+              <a:noFill/>
+            </a:ln>
+          </p:spPr>
+          <p:txBody>
+            <a:bodyPr wrap="square" rtlCol="0">
+              <a:spAutoFit/>
+            </a:bodyPr>
+            <a:lstStyle/>
+            <a:p>
+              <a:r>
+                <a:rPr lang="en-GB" sz="700" dirty="0"/>
+                <a:t> 0.7</a:t>
+              </a:r>
+            </a:p>
+          </p:txBody>
+        </p:sp>
+        <p:sp>
+          <p:nvSpPr>
+            <p:cNvPr id="162" name="Rechteck 161">
+              <a:extLst>
+                <a:ext uri="{FF2B5EF4-FFF2-40B4-BE49-F238E27FC236}">
+                  <a16:creationId xmlns:a16="http://schemas.microsoft.com/office/drawing/2014/main" id="{391FA96C-EB88-44E0-99AA-52626D45D9DF}"/>
+                </a:ext>
+              </a:extLst>
+            </p:cNvPr>
+            <p:cNvSpPr/>
+            <p:nvPr/>
+          </p:nvSpPr>
+          <p:spPr>
+            <a:xfrm>
+              <a:off x="9745562" y="8118584"/>
+              <a:ext cx="401072" cy="246221"/>
+            </a:xfrm>
+            <a:prstGeom prst="rect">
+              <a:avLst/>
+            </a:prstGeom>
+          </p:spPr>
+          <p:style>
+            <a:lnRef idx="2">
+              <a:schemeClr val="dk1"/>
+            </a:lnRef>
+            <a:fillRef idx="1">
+              <a:schemeClr val="lt1"/>
+            </a:fillRef>
+            <a:effectRef idx="0">
+              <a:schemeClr val="dk1"/>
+            </a:effectRef>
+            <a:fontRef idx="minor">
+              <a:schemeClr val="dk1"/>
+            </a:fontRef>
+          </p:style>
+          <p:txBody>
+            <a:bodyPr wrap="none">
+              <a:spAutoFit/>
+            </a:bodyPr>
+            <a:lstStyle/>
+            <a:p>
+              <a:r>
+                <a:rPr lang="en-GB" sz="1000" dirty="0">
+                  <a:latin typeface="Segoe UI Light" panose="020B0502040204020203" pitchFamily="34" charset="0"/>
+                  <a:cs typeface="Segoe UI Light" panose="020B0502040204020203" pitchFamily="34" charset="0"/>
+                </a:rPr>
+                <a:t>RC3</a:t>
+              </a:r>
+              <a:endParaRPr lang="en-GB" dirty="0"/>
+            </a:p>
+          </p:txBody>
+        </p:sp>
+        <p:cxnSp>
+          <p:nvCxnSpPr>
+            <p:cNvPr id="163" name="Gerade Verbindung mit Pfeil 162">
+              <a:extLst>
+                <a:ext uri="{FF2B5EF4-FFF2-40B4-BE49-F238E27FC236}">
+                  <a16:creationId xmlns:a16="http://schemas.microsoft.com/office/drawing/2014/main" id="{86FCD8F1-FCB0-4683-8460-D2B5A45D9D75}"/>
+                </a:ext>
+              </a:extLst>
+            </p:cNvPr>
+            <p:cNvCxnSpPr>
+              <a:cxnSpLocks/>
+              <a:endCxn id="162" idx="1"/>
+            </p:cNvCxnSpPr>
+            <p:nvPr/>
+          </p:nvCxnSpPr>
+          <p:spPr>
+            <a:xfrm>
+              <a:off x="8810780" y="8165734"/>
+              <a:ext cx="934782" cy="75961"/>
+            </a:xfrm>
+            <a:prstGeom prst="straightConnector1">
+              <a:avLst/>
+            </a:prstGeom>
+            <a:ln>
+              <a:solidFill>
+                <a:schemeClr val="tx1">
+                  <a:lumMod val="85000"/>
+                  <a:lumOff val="15000"/>
+                </a:schemeClr>
+              </a:solidFill>
+              <a:tailEnd type="triangle"/>
+            </a:ln>
+          </p:spPr>
+          <p:style>
+            <a:lnRef idx="1">
+              <a:schemeClr val="dk1"/>
+            </a:lnRef>
+            <a:fillRef idx="0">
+              <a:schemeClr val="dk1"/>
+            </a:fillRef>
+            <a:effectRef idx="0">
+              <a:schemeClr val="dk1"/>
+            </a:effectRef>
+            <a:fontRef idx="minor">
+              <a:schemeClr val="tx1"/>
+            </a:fontRef>
+          </p:style>
+        </p:cxnSp>
+        <p:cxnSp>
+          <p:nvCxnSpPr>
+            <p:cNvPr id="164" name="Gerade Verbindung mit Pfeil 163">
+              <a:extLst>
+                <a:ext uri="{FF2B5EF4-FFF2-40B4-BE49-F238E27FC236}">
+                  <a16:creationId xmlns:a16="http://schemas.microsoft.com/office/drawing/2014/main" id="{C493B81C-A249-4610-A253-19C5C03AC64D}"/>
+                </a:ext>
+              </a:extLst>
+            </p:cNvPr>
+            <p:cNvCxnSpPr>
+              <a:cxnSpLocks/>
+              <a:endCxn id="162" idx="1"/>
+            </p:cNvCxnSpPr>
+            <p:nvPr/>
+          </p:nvCxnSpPr>
+          <p:spPr>
+            <a:xfrm flipV="1">
+              <a:off x="8825484" y="8241695"/>
+              <a:ext cx="920078" cy="103535"/>
+            </a:xfrm>
+            <a:prstGeom prst="straightConnector1">
+              <a:avLst/>
+            </a:prstGeom>
+            <a:ln>
+              <a:solidFill>
+                <a:schemeClr val="tx1">
+                  <a:lumMod val="85000"/>
+                  <a:lumOff val="15000"/>
+                </a:schemeClr>
+              </a:solidFill>
+              <a:tailEnd type="triangle"/>
+            </a:ln>
+          </p:spPr>
+          <p:style>
+            <a:lnRef idx="1">
+              <a:schemeClr val="dk1"/>
+            </a:lnRef>
+            <a:fillRef idx="0">
+              <a:schemeClr val="dk1"/>
+            </a:fillRef>
+            <a:effectRef idx="0">
+              <a:schemeClr val="dk1"/>
+            </a:effectRef>
+            <a:fontRef idx="minor">
+              <a:schemeClr val="tx1"/>
+            </a:fontRef>
+          </p:style>
+        </p:cxnSp>
+        <p:sp>
+          <p:nvSpPr>
+            <p:cNvPr id="165" name="Textfeld 164">
+              <a:extLst>
+                <a:ext uri="{FF2B5EF4-FFF2-40B4-BE49-F238E27FC236}">
+                  <a16:creationId xmlns:a16="http://schemas.microsoft.com/office/drawing/2014/main" id="{B709A520-341E-4CD3-B997-030FE5BFD5E8}"/>
+                </a:ext>
+              </a:extLst>
+            </p:cNvPr>
+            <p:cNvSpPr txBox="1"/>
+            <p:nvPr/>
+          </p:nvSpPr>
+          <p:spPr>
+            <a:xfrm>
+              <a:off x="8810779" y="8231851"/>
+              <a:ext cx="381835" cy="200055"/>
+            </a:xfrm>
+            <a:prstGeom prst="rect">
+              <a:avLst/>
+            </a:prstGeom>
+            <a:noFill/>
+            <a:ln>
+              <a:noFill/>
+            </a:ln>
+          </p:spPr>
+          <p:txBody>
+            <a:bodyPr wrap="square" rtlCol="0">
+              <a:spAutoFit/>
+            </a:bodyPr>
+            <a:lstStyle/>
+            <a:p>
+              <a:r>
+                <a:rPr lang="en-GB" sz="700" dirty="0"/>
+                <a:t> 0.8</a:t>
+              </a:r>
+            </a:p>
+          </p:txBody>
+        </p:sp>
+        <p:sp>
+          <p:nvSpPr>
+            <p:cNvPr id="166" name="Textfeld 165">
+              <a:extLst>
+                <a:ext uri="{FF2B5EF4-FFF2-40B4-BE49-F238E27FC236}">
+                  <a16:creationId xmlns:a16="http://schemas.microsoft.com/office/drawing/2014/main" id="{6D849327-4F8A-4388-B6E8-8BFE84AB59FD}"/>
+                </a:ext>
+              </a:extLst>
+            </p:cNvPr>
+            <p:cNvSpPr txBox="1"/>
+            <p:nvPr/>
+          </p:nvSpPr>
+          <p:spPr>
+            <a:xfrm>
+              <a:off x="8810779" y="8079524"/>
+              <a:ext cx="381835" cy="200055"/>
+            </a:xfrm>
+            <a:prstGeom prst="rect">
+              <a:avLst/>
+            </a:prstGeom>
+            <a:noFill/>
+            <a:ln>
+              <a:noFill/>
+            </a:ln>
+          </p:spPr>
+          <p:txBody>
+            <a:bodyPr wrap="square" rtlCol="0">
+              <a:spAutoFit/>
+            </a:bodyPr>
+            <a:lstStyle/>
+            <a:p>
+              <a:r>
+                <a:rPr lang="en-GB" sz="700" dirty="0"/>
+                <a:t> 0.8</a:t>
+              </a:r>
+            </a:p>
+          </p:txBody>
+        </p:sp>
+      </p:grpSp>
+      <p:pic>
+        <p:nvPicPr>
+          <p:cNvPr id="167" name="Grafik 166">
+            <a:extLst>
+              <a:ext uri="{FF2B5EF4-FFF2-40B4-BE49-F238E27FC236}">
+                <a16:creationId xmlns:a16="http://schemas.microsoft.com/office/drawing/2014/main" id="{3A1102E6-EFC4-43F8-B722-A1703F57A0F2}"/>
+              </a:ext>
+            </a:extLst>
+          </p:cNvPr>
+          <p:cNvPicPr>
+            <a:picLocks noChangeAspect="1"/>
+          </p:cNvPicPr>
+          <p:nvPr/>
+        </p:nvPicPr>
+        <p:blipFill rotWithShape="1">
+          <a:blip r:embed="rId9">
+            <a:extLst>
+              <a:ext uri="{28A0092B-C50C-407E-A947-70E740481C1C}">
+                <a14:useLocalDpi xmlns:a14="http://schemas.microsoft.com/office/drawing/2010/main" val="0"/>
+              </a:ext>
+            </a:extLst>
+          </a:blip>
+          <a:srcRect l="88677" t="34773" r="-150" b="35554"/>
+          <a:stretch/>
+        </p:blipFill>
+        <p:spPr>
+          <a:xfrm>
+            <a:off x="23379886" y="4039146"/>
+            <a:ext cx="553398" cy="1291792"/>
+          </a:xfrm>
+          <a:prstGeom prst="rect">
+            <a:avLst/>
+          </a:prstGeom>
+        </p:spPr>
+      </p:pic>
+      <p:grpSp>
+        <p:nvGrpSpPr>
+          <p:cNvPr id="33" name="Gruppieren 32">
+            <a:extLst>
+              <a:ext uri="{FF2B5EF4-FFF2-40B4-BE49-F238E27FC236}">
+                <a16:creationId xmlns:a16="http://schemas.microsoft.com/office/drawing/2014/main" id="{C24EC5D6-2AA2-4AAD-95EA-8BD8EAAF12D2}"/>
+              </a:ext>
+            </a:extLst>
+          </p:cNvPr>
+          <p:cNvGrpSpPr/>
+          <p:nvPr/>
+        </p:nvGrpSpPr>
+        <p:grpSpPr>
+          <a:xfrm>
+            <a:off x="16225641" y="19633091"/>
+            <a:ext cx="770302" cy="784760"/>
+            <a:chOff x="12846122" y="19608007"/>
+            <a:chExt cx="770302" cy="784760"/>
+          </a:xfrm>
+        </p:grpSpPr>
+        <p:pic>
+          <p:nvPicPr>
+            <p:cNvPr id="168" name="Grafik 167">
+              <a:extLst>
+                <a:ext uri="{FF2B5EF4-FFF2-40B4-BE49-F238E27FC236}">
+                  <a16:creationId xmlns:a16="http://schemas.microsoft.com/office/drawing/2014/main" id="{1A40CE12-862B-4D92-8143-46DA610D7D85}"/>
+                </a:ext>
+              </a:extLst>
+            </p:cNvPr>
+            <p:cNvPicPr>
+              <a:picLocks noChangeAspect="1"/>
+            </p:cNvPicPr>
+            <p:nvPr/>
+          </p:nvPicPr>
+          <p:blipFill>
+            <a:blip r:embed="rId13">
+              <a:extLst>
+                <a:ext uri="{28A0092B-C50C-407E-A947-70E740481C1C}">
+                  <a14:useLocalDpi xmlns:a14="http://schemas.microsoft.com/office/drawing/2010/main" val="0"/>
+                </a:ext>
+              </a:extLst>
+            </a:blip>
+            <a:stretch>
+              <a:fillRect/>
+            </a:stretch>
+          </p:blipFill>
+          <p:spPr>
+            <a:xfrm>
+              <a:off x="12994672" y="19608007"/>
+              <a:ext cx="468000" cy="468000"/>
+            </a:xfrm>
+            <a:prstGeom prst="rect">
+              <a:avLst/>
+            </a:prstGeom>
+          </p:spPr>
+        </p:pic>
+        <p:sp>
+          <p:nvSpPr>
+            <p:cNvPr id="169" name="Textfeld 168">
+              <a:extLst>
+                <a:ext uri="{FF2B5EF4-FFF2-40B4-BE49-F238E27FC236}">
+                  <a16:creationId xmlns:a16="http://schemas.microsoft.com/office/drawing/2014/main" id="{0F8DE504-6C5A-4627-A8F4-64220CD1FCD2}"/>
+                </a:ext>
+              </a:extLst>
+            </p:cNvPr>
+            <p:cNvSpPr txBox="1"/>
+            <p:nvPr/>
+          </p:nvSpPr>
+          <p:spPr>
+            <a:xfrm>
+              <a:off x="12846122" y="20084990"/>
+              <a:ext cx="770302" cy="307777"/>
+            </a:xfrm>
+            <a:prstGeom prst="rect">
+              <a:avLst/>
+            </a:prstGeom>
+            <a:noFill/>
+          </p:spPr>
+          <p:txBody>
+            <a:bodyPr wrap="square" rtlCol="0">
+              <a:spAutoFit/>
+            </a:bodyPr>
+            <a:lstStyle/>
+            <a:p>
+              <a:pPr algn="ctr"/>
+              <a:r>
+                <a:rPr lang="en-GB" sz="1400" dirty="0">
+                  <a:latin typeface="Segoe UI Light" panose="020B0502040204020203" pitchFamily="34" charset="0"/>
+                  <a:cs typeface="Segoe UI Light" panose="020B0502040204020203" pitchFamily="34" charset="0"/>
+                </a:rPr>
+                <a:t>Health</a:t>
+              </a:r>
+            </a:p>
+          </p:txBody>
+        </p:sp>
+      </p:grpSp>
+      <p:grpSp>
+        <p:nvGrpSpPr>
+          <p:cNvPr id="34" name="Gruppieren 33">
+            <a:extLst>
+              <a:ext uri="{FF2B5EF4-FFF2-40B4-BE49-F238E27FC236}">
+                <a16:creationId xmlns:a16="http://schemas.microsoft.com/office/drawing/2014/main" id="{54E42994-1D85-4894-845A-031B749D21F6}"/>
+              </a:ext>
+            </a:extLst>
+          </p:cNvPr>
+          <p:cNvGrpSpPr/>
+          <p:nvPr/>
+        </p:nvGrpSpPr>
+        <p:grpSpPr>
+          <a:xfrm>
+            <a:off x="14622525" y="19628627"/>
+            <a:ext cx="1230938" cy="793689"/>
+            <a:chOff x="14685539" y="19608007"/>
+            <a:chExt cx="1230938" cy="793689"/>
+          </a:xfrm>
+        </p:grpSpPr>
+        <p:pic>
+          <p:nvPicPr>
+            <p:cNvPr id="170" name="Grafik 169">
+              <a:extLst>
+                <a:ext uri="{FF2B5EF4-FFF2-40B4-BE49-F238E27FC236}">
+                  <a16:creationId xmlns:a16="http://schemas.microsoft.com/office/drawing/2014/main" id="{6E327521-F32D-4D00-B1F4-7C7CD75F94CF}"/>
+                </a:ext>
+              </a:extLst>
+            </p:cNvPr>
+            <p:cNvPicPr>
+              <a:picLocks noChangeAspect="1"/>
+            </p:cNvPicPr>
+            <p:nvPr/>
+          </p:nvPicPr>
+          <p:blipFill>
+            <a:blip r:embed="rId15">
+              <a:extLst>
+                <a:ext uri="{28A0092B-C50C-407E-A947-70E740481C1C}">
+                  <a14:useLocalDpi xmlns:a14="http://schemas.microsoft.com/office/drawing/2010/main" val="0"/>
+                </a:ext>
+              </a:extLst>
+            </a:blip>
+            <a:stretch>
+              <a:fillRect/>
+            </a:stretch>
+          </p:blipFill>
+          <p:spPr>
+            <a:xfrm>
+              <a:off x="15067008" y="19608007"/>
+              <a:ext cx="468000" cy="468000"/>
+            </a:xfrm>
+            <a:prstGeom prst="rect">
+              <a:avLst/>
+            </a:prstGeom>
+          </p:spPr>
+        </p:pic>
+        <p:sp>
+          <p:nvSpPr>
+            <p:cNvPr id="171" name="Textfeld 170">
+              <a:extLst>
+                <a:ext uri="{FF2B5EF4-FFF2-40B4-BE49-F238E27FC236}">
+                  <a16:creationId xmlns:a16="http://schemas.microsoft.com/office/drawing/2014/main" id="{DCF9F2A6-2DE1-4D22-B58C-F13687A36E10}"/>
+                </a:ext>
+              </a:extLst>
+            </p:cNvPr>
+            <p:cNvSpPr txBox="1"/>
+            <p:nvPr/>
+          </p:nvSpPr>
+          <p:spPr>
+            <a:xfrm>
+              <a:off x="14685539" y="20093919"/>
+              <a:ext cx="1230938" cy="307777"/>
+            </a:xfrm>
+            <a:prstGeom prst="rect">
+              <a:avLst/>
+            </a:prstGeom>
+            <a:noFill/>
+          </p:spPr>
+          <p:txBody>
+            <a:bodyPr wrap="square" rtlCol="0">
+              <a:spAutoFit/>
+            </a:bodyPr>
+            <a:lstStyle/>
+            <a:p>
+              <a:pPr algn="ctr"/>
+              <a:r>
+                <a:rPr lang="en-GB" sz="1400" dirty="0">
+                  <a:latin typeface="Segoe UI Light" panose="020B0502040204020203" pitchFamily="34" charset="0"/>
+                  <a:cs typeface="Segoe UI Light" panose="020B0502040204020203" pitchFamily="34" charset="0"/>
+                </a:rPr>
+                <a:t>Infrastructure</a:t>
+              </a:r>
+            </a:p>
+          </p:txBody>
+        </p:sp>
+      </p:grpSp>
+      <p:grpSp>
+        <p:nvGrpSpPr>
+          <p:cNvPr id="28" name="Gruppieren 27">
+            <a:extLst>
+              <a:ext uri="{FF2B5EF4-FFF2-40B4-BE49-F238E27FC236}">
+                <a16:creationId xmlns:a16="http://schemas.microsoft.com/office/drawing/2014/main" id="{D43E5D29-72CB-4D92-BA53-9711A53234A0}"/>
+              </a:ext>
+            </a:extLst>
+          </p:cNvPr>
+          <p:cNvGrpSpPr/>
+          <p:nvPr/>
+        </p:nvGrpSpPr>
+        <p:grpSpPr>
+          <a:xfrm>
+            <a:off x="13202848" y="19654155"/>
+            <a:ext cx="1047500" cy="742632"/>
+            <a:chOff x="13726593" y="20496937"/>
+            <a:chExt cx="1047500" cy="742632"/>
+          </a:xfrm>
+        </p:grpSpPr>
+        <p:pic>
+          <p:nvPicPr>
+            <p:cNvPr id="172" name="Grafik 171">
+              <a:extLst>
+                <a:ext uri="{FF2B5EF4-FFF2-40B4-BE49-F238E27FC236}">
+                  <a16:creationId xmlns:a16="http://schemas.microsoft.com/office/drawing/2014/main" id="{0C47CEF8-430D-48BF-8A3A-19F40A24D5B6}"/>
+                </a:ext>
+              </a:extLst>
+            </p:cNvPr>
+            <p:cNvPicPr>
+              <a:picLocks noChangeAspect="1"/>
+            </p:cNvPicPr>
+            <p:nvPr/>
+          </p:nvPicPr>
+          <p:blipFill>
+            <a:blip r:embed="rId18">
+              <a:extLst>
+                <a:ext uri="{28A0092B-C50C-407E-A947-70E740481C1C}">
+                  <a14:useLocalDpi xmlns:a14="http://schemas.microsoft.com/office/drawing/2010/main" val="0"/>
+                </a:ext>
+              </a:extLst>
+            </a:blip>
+            <a:stretch>
+              <a:fillRect/>
+            </a:stretch>
+          </p:blipFill>
+          <p:spPr>
+            <a:xfrm>
+              <a:off x="14020567" y="20496937"/>
+              <a:ext cx="468000" cy="468000"/>
+            </a:xfrm>
+            <a:prstGeom prst="rect">
+              <a:avLst/>
+            </a:prstGeom>
+          </p:spPr>
+        </p:pic>
+        <p:sp>
+          <p:nvSpPr>
+            <p:cNvPr id="173" name="Textfeld 172">
+              <a:extLst>
+                <a:ext uri="{FF2B5EF4-FFF2-40B4-BE49-F238E27FC236}">
+                  <a16:creationId xmlns:a16="http://schemas.microsoft.com/office/drawing/2014/main" id="{DCE5D5DB-7306-4138-AAD8-AAFDC8BD8A5E}"/>
+                </a:ext>
+              </a:extLst>
+            </p:cNvPr>
+            <p:cNvSpPr txBox="1"/>
+            <p:nvPr/>
+          </p:nvSpPr>
+          <p:spPr>
+            <a:xfrm>
+              <a:off x="13726593" y="20931792"/>
+              <a:ext cx="1047500" cy="307777"/>
+            </a:xfrm>
+            <a:prstGeom prst="rect">
+              <a:avLst/>
+            </a:prstGeom>
+            <a:noFill/>
+          </p:spPr>
+          <p:txBody>
+            <a:bodyPr wrap="square" rtlCol="0">
+              <a:spAutoFit/>
+            </a:bodyPr>
+            <a:lstStyle/>
+            <a:p>
+              <a:pPr algn="ctr"/>
+              <a:r>
+                <a:rPr lang="en-GB" sz="1400" dirty="0">
+                  <a:latin typeface="Segoe UI Light" panose="020B0502040204020203" pitchFamily="34" charset="0"/>
+                  <a:cs typeface="Segoe UI Light" panose="020B0502040204020203" pitchFamily="34" charset="0"/>
+                </a:rPr>
+                <a:t>Economy</a:t>
+              </a:r>
+            </a:p>
+          </p:txBody>
+        </p:sp>
+      </p:grpSp>
+      <p:sp>
+        <p:nvSpPr>
+          <p:cNvPr id="174" name="Textfeld 173">
+            <a:extLst>
+              <a:ext uri="{FF2B5EF4-FFF2-40B4-BE49-F238E27FC236}">
+                <a16:creationId xmlns:a16="http://schemas.microsoft.com/office/drawing/2014/main" id="{89B37137-6234-4FF2-8ED4-EA18C2CFD6EC}"/>
+              </a:ext>
+            </a:extLst>
+          </p:cNvPr>
+          <p:cNvSpPr txBox="1"/>
+          <p:nvPr/>
+        </p:nvSpPr>
+        <p:spPr>
+          <a:xfrm>
+            <a:off x="5619397" y="13906549"/>
+            <a:ext cx="4469599" cy="338554"/>
+          </a:xfrm>
+          <a:prstGeom prst="rect">
+            <a:avLst/>
+          </a:prstGeom>
+          <a:noFill/>
+        </p:spPr>
+        <p:txBody>
+          <a:bodyPr wrap="square" rtlCol="0">
+            <a:spAutoFit/>
+          </a:bodyPr>
+          <a:lstStyle/>
+          <a:p>
+            <a:r>
+              <a:rPr lang="en-GB" sz="1600" dirty="0">
+                <a:latin typeface="Segoe UI Light" panose="020B0502040204020203" pitchFamily="34" charset="0"/>
+                <a:cs typeface="Segoe UI Light" panose="020B0502040204020203" pitchFamily="34" charset="0"/>
+              </a:rPr>
+              <a:t>Cluster Plot</a:t>
+            </a:r>
+          </a:p>
+        </p:txBody>
+      </p:sp>
+      <p:sp>
+        <p:nvSpPr>
+          <p:cNvPr id="36" name="Textfeld 35">
+            <a:extLst>
+              <a:ext uri="{FF2B5EF4-FFF2-40B4-BE49-F238E27FC236}">
+                <a16:creationId xmlns:a16="http://schemas.microsoft.com/office/drawing/2014/main" id="{D7809959-8E4C-4227-BE31-D8C2B686B5D9}"/>
+              </a:ext>
+            </a:extLst>
+          </p:cNvPr>
+          <p:cNvSpPr txBox="1"/>
+          <p:nvPr/>
+        </p:nvSpPr>
+        <p:spPr>
+          <a:xfrm>
+            <a:off x="24944294" y="20094030"/>
+            <a:ext cx="3672000" cy="430887"/>
+          </a:xfrm>
+          <a:prstGeom prst="rect">
+            <a:avLst/>
+          </a:prstGeom>
+          <a:noFill/>
+        </p:spPr>
+        <p:txBody>
+          <a:bodyPr wrap="square" rtlCol="0">
+            <a:spAutoFit/>
+          </a:bodyPr>
+          <a:lstStyle/>
+          <a:p>
+            <a:pPr algn="r"/>
+            <a:r>
+              <a:rPr lang="en-GB" sz="1100" dirty="0">
+                <a:latin typeface="Segoe UI Light" panose="020B0502040204020203" pitchFamily="34" charset="0"/>
+                <a:cs typeface="Segoe UI Light" panose="020B0502040204020203" pitchFamily="34" charset="0"/>
+              </a:rPr>
+              <a:t>NOVA IMS – Descriptive Analytics, Spring Semester 2018</a:t>
+            </a:r>
+          </a:p>
+          <a:p>
+            <a:pPr algn="r"/>
+            <a:r>
+              <a:rPr lang="en-GB" sz="1100" dirty="0" err="1">
+                <a:latin typeface="Segoe UI Light" panose="020B0502040204020203" pitchFamily="34" charset="0"/>
+                <a:cs typeface="Segoe UI Light" panose="020B0502040204020203" pitchFamily="34" charset="0"/>
+              </a:rPr>
+              <a:t>Dahmane</a:t>
+            </a:r>
+            <a:r>
+              <a:rPr lang="en-GB" sz="1100" dirty="0">
+                <a:latin typeface="Segoe UI Light" panose="020B0502040204020203" pitchFamily="34" charset="0"/>
+                <a:cs typeface="Segoe UI Light" panose="020B0502040204020203" pitchFamily="34" charset="0"/>
+              </a:rPr>
+              <a:t> Sheikh      Daniel Cooper     Maria Lechleitner</a:t>
+            </a:r>
+          </a:p>
+        </p:txBody>
+      </p:sp>
+      <p:pic>
+        <p:nvPicPr>
+          <p:cNvPr id="56" name="Grafik 55">
+            <a:extLst>
+              <a:ext uri="{FF2B5EF4-FFF2-40B4-BE49-F238E27FC236}">
+                <a16:creationId xmlns:a16="http://schemas.microsoft.com/office/drawing/2014/main" id="{EB1311B0-9A07-44C9-8644-6E73E75DC79B}"/>
+              </a:ext>
+            </a:extLst>
+          </p:cNvPr>
+          <p:cNvPicPr>
+            <a:picLocks noChangeAspect="1"/>
+          </p:cNvPicPr>
+          <p:nvPr/>
+        </p:nvPicPr>
+        <p:blipFill>
+          <a:blip r:embed="rId35">
+            <a:extLst>
+              <a:ext uri="{28A0092B-C50C-407E-A947-70E740481C1C}">
+                <a14:useLocalDpi xmlns:a14="http://schemas.microsoft.com/office/drawing/2010/main" val="0"/>
+              </a:ext>
+            </a:extLst>
+          </a:blip>
+          <a:stretch>
+            <a:fillRect/>
+          </a:stretch>
+        </p:blipFill>
+        <p:spPr>
+          <a:xfrm>
+            <a:off x="24991474" y="20332338"/>
+            <a:ext cx="144000" cy="144000"/>
+          </a:xfrm>
+          <a:prstGeom prst="rect">
+            <a:avLst/>
+          </a:prstGeom>
+        </p:spPr>
+      </p:pic>
+      <p:pic>
+        <p:nvPicPr>
+          <p:cNvPr id="62" name="Grafik 61">
+            <a:extLst>
+              <a:ext uri="{FF2B5EF4-FFF2-40B4-BE49-F238E27FC236}">
+                <a16:creationId xmlns:a16="http://schemas.microsoft.com/office/drawing/2014/main" id="{5D68D8E2-F244-4AF9-AC1B-2E0F6930EE6A}"/>
+              </a:ext>
+            </a:extLst>
+          </p:cNvPr>
+          <p:cNvPicPr>
+            <a:picLocks noChangeAspect="1"/>
+          </p:cNvPicPr>
+          <p:nvPr/>
+        </p:nvPicPr>
+        <p:blipFill>
+          <a:blip r:embed="rId36">
+            <a:extLst>
+              <a:ext uri="{28A0092B-C50C-407E-A947-70E740481C1C}">
+                <a14:useLocalDpi xmlns:a14="http://schemas.microsoft.com/office/drawing/2010/main" val="0"/>
+              </a:ext>
+            </a:extLst>
+          </a:blip>
+          <a:stretch>
+            <a:fillRect/>
+          </a:stretch>
+        </p:blipFill>
+        <p:spPr>
+          <a:xfrm>
+            <a:off x="26338043" y="20316297"/>
+            <a:ext cx="144000" cy="144000"/>
+          </a:xfrm>
+          <a:prstGeom prst="rect">
+            <a:avLst/>
+          </a:prstGeom>
+        </p:spPr>
+      </p:pic>
+      <p:pic>
+        <p:nvPicPr>
+          <p:cNvPr id="67" name="Grafik 66">
+            <a:extLst>
+              <a:ext uri="{FF2B5EF4-FFF2-40B4-BE49-F238E27FC236}">
+                <a16:creationId xmlns:a16="http://schemas.microsoft.com/office/drawing/2014/main" id="{875952FB-F347-4B6F-A8E5-79310C32B8F3}"/>
+              </a:ext>
+            </a:extLst>
+          </p:cNvPr>
+          <p:cNvPicPr>
+            <a:picLocks noChangeAspect="1"/>
+          </p:cNvPicPr>
+          <p:nvPr/>
+        </p:nvPicPr>
+        <p:blipFill>
+          <a:blip r:embed="rId37">
+            <a:extLst>
+              <a:ext uri="{28A0092B-C50C-407E-A947-70E740481C1C}">
+                <a14:useLocalDpi xmlns:a14="http://schemas.microsoft.com/office/drawing/2010/main" val="0"/>
+              </a:ext>
+            </a:extLst>
+          </a:blip>
+          <a:stretch>
+            <a:fillRect/>
+          </a:stretch>
+        </p:blipFill>
+        <p:spPr>
+          <a:xfrm>
+            <a:off x="27378684" y="20308937"/>
+            <a:ext cx="144000" cy="144000"/>
+          </a:xfrm>
+          <a:prstGeom prst="rect">
+            <a:avLst/>
+          </a:prstGeom>
+        </p:spPr>
+      </p:pic>
+      <p:pic>
+        <p:nvPicPr>
+          <p:cNvPr id="90" name="Grafik 89">
+            <a:extLst>
+              <a:ext uri="{FF2B5EF4-FFF2-40B4-BE49-F238E27FC236}">
+                <a16:creationId xmlns:a16="http://schemas.microsoft.com/office/drawing/2014/main" id="{CE030B0C-C639-41F8-92F1-2073C986D3C1}"/>
+              </a:ext>
+            </a:extLst>
+          </p:cNvPr>
+          <p:cNvPicPr>
+            <a:picLocks noChangeAspect="1"/>
+          </p:cNvPicPr>
+          <p:nvPr/>
+        </p:nvPicPr>
+        <p:blipFill>
+          <a:blip r:embed="rId38">
+            <a:extLst>
+              <a:ext uri="{28A0092B-C50C-407E-A947-70E740481C1C}">
+                <a14:useLocalDpi xmlns:a14="http://schemas.microsoft.com/office/drawing/2010/main" val="0"/>
+              </a:ext>
+            </a:extLst>
+          </a:blip>
+          <a:stretch>
+            <a:fillRect/>
+          </a:stretch>
+        </p:blipFill>
+        <p:spPr>
+          <a:xfrm>
+            <a:off x="25122733" y="20335161"/>
+            <a:ext cx="144000" cy="144000"/>
+          </a:xfrm>
+          <a:prstGeom prst="rect">
+            <a:avLst/>
+          </a:prstGeom>
+        </p:spPr>
+      </p:pic>
+      <p:pic>
+        <p:nvPicPr>
+          <p:cNvPr id="92" name="Grafik 91">
+            <a:extLst>
+              <a:ext uri="{FF2B5EF4-FFF2-40B4-BE49-F238E27FC236}">
+                <a16:creationId xmlns:a16="http://schemas.microsoft.com/office/drawing/2014/main" id="{573B6F8E-4864-4530-B997-E20281DEB50C}"/>
+              </a:ext>
+            </a:extLst>
+          </p:cNvPr>
+          <p:cNvPicPr>
+            <a:picLocks noChangeAspect="1"/>
+          </p:cNvPicPr>
+          <p:nvPr/>
+        </p:nvPicPr>
+        <p:blipFill>
+          <a:blip r:embed="rId39">
+            <a:extLst>
+              <a:ext uri="{28A0092B-C50C-407E-A947-70E740481C1C}">
+                <a14:useLocalDpi xmlns:a14="http://schemas.microsoft.com/office/drawing/2010/main" val="0"/>
+              </a:ext>
+            </a:extLst>
+          </a:blip>
+          <a:stretch>
+            <a:fillRect/>
+          </a:stretch>
+        </p:blipFill>
+        <p:spPr>
+          <a:xfrm>
+            <a:off x="8369523" y="7966034"/>
+            <a:ext cx="252000" cy="252000"/>
+          </a:xfrm>
+          <a:prstGeom prst="rect">
+            <a:avLst/>
+          </a:prstGeom>
+        </p:spPr>
+      </p:pic>
     </p:spTree>
     <p:extLst>
       <p:ext uri="{BB962C8B-B14F-4D97-AF65-F5344CB8AC3E}">
